--- a/Stud+/Logos.pptx
+++ b/Stud+/Logos.pptx
@@ -127,7 +127,7 @@
   </p:defaultTextStyle>
   <p:extLst>
     <p:ext uri="{EFAFB233-063F-42B5-8137-9DF3F51BA10A}">
-      <p15:sldGuideLst xmlns="" xmlns:p15="http://schemas.microsoft.com/office/powerpoint/2012/main">
+      <p15:sldGuideLst xmlns:p15="http://schemas.microsoft.com/office/powerpoint/2012/main" xmlns="">
         <p15:guide id="1" orient="horz" pos="2160">
           <p15:clr>
             <a:srgbClr val="A4A3A4"/>
@@ -234,7 +234,7 @@
           <a:p>
             <a:fld id="{2E3565AC-2010-4826-AD28-955C7DE3B687}" type="datetimeFigureOut">
               <a:rPr lang="pt-BR" smtClean="0"/>
-              <a:t>27/08/2018</a:t>
+              <a:t>03/09/2018</a:t>
             </a:fld>
             <a:endParaRPr lang="pt-BR"/>
           </a:p>
@@ -764,7 +764,7 @@
           <a:p>
             <a:fld id="{EC480AC6-A53D-47BC-9837-AD279F9F4920}" type="datetimeFigureOut">
               <a:rPr lang="pt-BR" smtClean="0"/>
-              <a:t>27/08/2018</a:t>
+              <a:t>03/09/2018</a:t>
             </a:fld>
             <a:endParaRPr lang="pt-BR"/>
           </a:p>
@@ -932,7 +932,7 @@
           <a:p>
             <a:fld id="{EC480AC6-A53D-47BC-9837-AD279F9F4920}" type="datetimeFigureOut">
               <a:rPr lang="pt-BR" smtClean="0"/>
-              <a:t>27/08/2018</a:t>
+              <a:t>03/09/2018</a:t>
             </a:fld>
             <a:endParaRPr lang="pt-BR"/>
           </a:p>
@@ -1110,7 +1110,7 @@
           <a:p>
             <a:fld id="{EC480AC6-A53D-47BC-9837-AD279F9F4920}" type="datetimeFigureOut">
               <a:rPr lang="pt-BR" smtClean="0"/>
-              <a:t>27/08/2018</a:t>
+              <a:t>03/09/2018</a:t>
             </a:fld>
             <a:endParaRPr lang="pt-BR"/>
           </a:p>
@@ -1278,7 +1278,7 @@
           <a:p>
             <a:fld id="{EC480AC6-A53D-47BC-9837-AD279F9F4920}" type="datetimeFigureOut">
               <a:rPr lang="pt-BR" smtClean="0"/>
-              <a:t>27/08/2018</a:t>
+              <a:t>03/09/2018</a:t>
             </a:fld>
             <a:endParaRPr lang="pt-BR"/>
           </a:p>
@@ -1523,7 +1523,7 @@
           <a:p>
             <a:fld id="{EC480AC6-A53D-47BC-9837-AD279F9F4920}" type="datetimeFigureOut">
               <a:rPr lang="pt-BR" smtClean="0"/>
-              <a:t>27/08/2018</a:t>
+              <a:t>03/09/2018</a:t>
             </a:fld>
             <a:endParaRPr lang="pt-BR"/>
           </a:p>
@@ -1808,7 +1808,7 @@
           <a:p>
             <a:fld id="{EC480AC6-A53D-47BC-9837-AD279F9F4920}" type="datetimeFigureOut">
               <a:rPr lang="pt-BR" smtClean="0"/>
-              <a:t>27/08/2018</a:t>
+              <a:t>03/09/2018</a:t>
             </a:fld>
             <a:endParaRPr lang="pt-BR"/>
           </a:p>
@@ -2227,7 +2227,7 @@
           <a:p>
             <a:fld id="{EC480AC6-A53D-47BC-9837-AD279F9F4920}" type="datetimeFigureOut">
               <a:rPr lang="pt-BR" smtClean="0"/>
-              <a:t>27/08/2018</a:t>
+              <a:t>03/09/2018</a:t>
             </a:fld>
             <a:endParaRPr lang="pt-BR"/>
           </a:p>
@@ -2344,7 +2344,7 @@
           <a:p>
             <a:fld id="{EC480AC6-A53D-47BC-9837-AD279F9F4920}" type="datetimeFigureOut">
               <a:rPr lang="pt-BR" smtClean="0"/>
-              <a:t>27/08/2018</a:t>
+              <a:t>03/09/2018</a:t>
             </a:fld>
             <a:endParaRPr lang="pt-BR"/>
           </a:p>
@@ -2439,7 +2439,7 @@
           <a:p>
             <a:fld id="{EC480AC6-A53D-47BC-9837-AD279F9F4920}" type="datetimeFigureOut">
               <a:rPr lang="pt-BR" smtClean="0"/>
-              <a:t>27/08/2018</a:t>
+              <a:t>03/09/2018</a:t>
             </a:fld>
             <a:endParaRPr lang="pt-BR"/>
           </a:p>
@@ -2714,7 +2714,7 @@
           <a:p>
             <a:fld id="{EC480AC6-A53D-47BC-9837-AD279F9F4920}" type="datetimeFigureOut">
               <a:rPr lang="pt-BR" smtClean="0"/>
-              <a:t>27/08/2018</a:t>
+              <a:t>03/09/2018</a:t>
             </a:fld>
             <a:endParaRPr lang="pt-BR"/>
           </a:p>
@@ -2966,7 +2966,7 @@
           <a:p>
             <a:fld id="{EC480AC6-A53D-47BC-9837-AD279F9F4920}" type="datetimeFigureOut">
               <a:rPr lang="pt-BR" smtClean="0"/>
-              <a:t>27/08/2018</a:t>
+              <a:t>03/09/2018</a:t>
             </a:fld>
             <a:endParaRPr lang="pt-BR"/>
           </a:p>
@@ -3177,7 +3177,7 @@
           <a:p>
             <a:fld id="{EC480AC6-A53D-47BC-9837-AD279F9F4920}" type="datetimeFigureOut">
               <a:rPr lang="pt-BR" smtClean="0"/>
-              <a:t>27/08/2018</a:t>
+              <a:t>03/09/2018</a:t>
             </a:fld>
             <a:endParaRPr lang="pt-BR"/>
           </a:p>
@@ -4072,7 +4072,7 @@
           <p:cNvPr id="58" name="Agrupar 57">
             <a:extLst>
               <a:ext uri="{FF2B5EF4-FFF2-40B4-BE49-F238E27FC236}">
-                <a16:creationId xmlns="" xmlns:a16="http://schemas.microsoft.com/office/drawing/2014/main" id="{EF5C2300-377E-4EA3-B736-0CFBF14F0D01}"/>
+                <a16:creationId xmlns:a16="http://schemas.microsoft.com/office/drawing/2014/main" xmlns="" id="{EF5C2300-377E-4EA3-B736-0CFBF14F0D01}"/>
               </a:ext>
             </a:extLst>
           </p:cNvPr>
@@ -4092,7 +4092,7 @@
             <p:cNvPr id="33" name="Agrupar 32">
               <a:extLst>
                 <a:ext uri="{FF2B5EF4-FFF2-40B4-BE49-F238E27FC236}">
-                  <a16:creationId xmlns="" xmlns:a16="http://schemas.microsoft.com/office/drawing/2014/main" id="{055FA638-179B-48AA-BECA-CA1DBC3827C4}"/>
+                  <a16:creationId xmlns:a16="http://schemas.microsoft.com/office/drawing/2014/main" xmlns="" id="{055FA638-179B-48AA-BECA-CA1DBC3827C4}"/>
                 </a:ext>
               </a:extLst>
             </p:cNvPr>
@@ -4112,7 +4112,7 @@
               <p:cNvPr id="28" name="Forma Livre: Forma 27">
                 <a:extLst>
                   <a:ext uri="{FF2B5EF4-FFF2-40B4-BE49-F238E27FC236}">
-                    <a16:creationId xmlns="" xmlns:a16="http://schemas.microsoft.com/office/drawing/2014/main" id="{F8C6B85B-97DC-4FB1-B33E-20C0AC1AA34E}"/>
+                    <a16:creationId xmlns:a16="http://schemas.microsoft.com/office/drawing/2014/main" xmlns="" id="{F8C6B85B-97DC-4FB1-B33E-20C0AC1AA34E}"/>
                   </a:ext>
                 </a:extLst>
               </p:cNvPr>
@@ -4199,7 +4199,7 @@
               <p:cNvPr id="29" name="Forma Livre: Forma 28">
                 <a:extLst>
                   <a:ext uri="{FF2B5EF4-FFF2-40B4-BE49-F238E27FC236}">
-                    <a16:creationId xmlns="" xmlns:a16="http://schemas.microsoft.com/office/drawing/2014/main" id="{246A0953-5492-46EA-A77C-949538521C0D}"/>
+                    <a16:creationId xmlns:a16="http://schemas.microsoft.com/office/drawing/2014/main" xmlns="" id="{246A0953-5492-46EA-A77C-949538521C0D}"/>
                   </a:ext>
                 </a:extLst>
               </p:cNvPr>
@@ -4287,7 +4287,7 @@
             <p:cNvPr id="34" name="Retângulo: Cantos Arredondados 33">
               <a:extLst>
                 <a:ext uri="{FF2B5EF4-FFF2-40B4-BE49-F238E27FC236}">
-                  <a16:creationId xmlns="" xmlns:a16="http://schemas.microsoft.com/office/drawing/2014/main" id="{9A699E3B-7D68-45B1-9F4E-68FD563AADC6}"/>
+                  <a16:creationId xmlns:a16="http://schemas.microsoft.com/office/drawing/2014/main" xmlns="" id="{9A699E3B-7D68-45B1-9F4E-68FD563AADC6}"/>
                 </a:ext>
               </a:extLst>
             </p:cNvPr>
@@ -4344,7 +4344,7 @@
             <p:cNvPr id="4" name="Retângulo 3">
               <a:extLst>
                 <a:ext uri="{FF2B5EF4-FFF2-40B4-BE49-F238E27FC236}">
-                  <a16:creationId xmlns="" xmlns:a16="http://schemas.microsoft.com/office/drawing/2014/main" id="{04F8D5DB-D80A-485B-9578-582803149067}"/>
+                  <a16:creationId xmlns:a16="http://schemas.microsoft.com/office/drawing/2014/main" xmlns="" id="{04F8D5DB-D80A-485B-9578-582803149067}"/>
                 </a:ext>
               </a:extLst>
             </p:cNvPr>
@@ -4396,7 +4396,7 @@
             <p:cNvPr id="6" name="Retângulo 5">
               <a:extLst>
                 <a:ext uri="{FF2B5EF4-FFF2-40B4-BE49-F238E27FC236}">
-                  <a16:creationId xmlns="" xmlns:a16="http://schemas.microsoft.com/office/drawing/2014/main" id="{71729211-E446-4225-852B-B0E222B7A86E}"/>
+                  <a16:creationId xmlns:a16="http://schemas.microsoft.com/office/drawing/2014/main" xmlns="" id="{71729211-E446-4225-852B-B0E222B7A86E}"/>
                 </a:ext>
               </a:extLst>
             </p:cNvPr>
@@ -4448,7 +4448,7 @@
             <p:cNvPr id="35" name="Retângulo 34">
               <a:extLst>
                 <a:ext uri="{FF2B5EF4-FFF2-40B4-BE49-F238E27FC236}">
-                  <a16:creationId xmlns="" xmlns:a16="http://schemas.microsoft.com/office/drawing/2014/main" id="{3B1D1B7D-6C7B-4C4E-98B9-CFC91C8D537A}"/>
+                  <a16:creationId xmlns:a16="http://schemas.microsoft.com/office/drawing/2014/main" xmlns="" id="{3B1D1B7D-6C7B-4C4E-98B9-CFC91C8D537A}"/>
                 </a:ext>
               </a:extLst>
             </p:cNvPr>
@@ -4503,7 +4503,7 @@
             <p:cNvPr id="36" name="Agrupar 35">
               <a:extLst>
                 <a:ext uri="{FF2B5EF4-FFF2-40B4-BE49-F238E27FC236}">
-                  <a16:creationId xmlns="" xmlns:a16="http://schemas.microsoft.com/office/drawing/2014/main" id="{04F0E4CD-25AE-4F1E-9A0A-7DC61BA5E77C}"/>
+                  <a16:creationId xmlns:a16="http://schemas.microsoft.com/office/drawing/2014/main" xmlns="" id="{04F0E4CD-25AE-4F1E-9A0A-7DC61BA5E77C}"/>
                 </a:ext>
               </a:extLst>
             </p:cNvPr>
@@ -4523,7 +4523,7 @@
               <p:cNvPr id="37" name="Forma Livre: Forma 36">
                 <a:extLst>
                   <a:ext uri="{FF2B5EF4-FFF2-40B4-BE49-F238E27FC236}">
-                    <a16:creationId xmlns="" xmlns:a16="http://schemas.microsoft.com/office/drawing/2014/main" id="{6CC8CC04-0991-4B40-B637-B98038AE1D45}"/>
+                    <a16:creationId xmlns:a16="http://schemas.microsoft.com/office/drawing/2014/main" xmlns="" id="{6CC8CC04-0991-4B40-B637-B98038AE1D45}"/>
                   </a:ext>
                 </a:extLst>
               </p:cNvPr>
@@ -4610,7 +4610,7 @@
               <p:cNvPr id="38" name="Forma Livre: Forma 37">
                 <a:extLst>
                   <a:ext uri="{FF2B5EF4-FFF2-40B4-BE49-F238E27FC236}">
-                    <a16:creationId xmlns="" xmlns:a16="http://schemas.microsoft.com/office/drawing/2014/main" id="{230724C1-E6F6-441E-B9CC-A6D838F0CC42}"/>
+                    <a16:creationId xmlns:a16="http://schemas.microsoft.com/office/drawing/2014/main" xmlns="" id="{230724C1-E6F6-441E-B9CC-A6D838F0CC42}"/>
                   </a:ext>
                 </a:extLst>
               </p:cNvPr>
@@ -4701,7 +4701,7 @@
             <p:cNvPr id="39" name="Retângulo: Cantos Arredondados 38">
               <a:extLst>
                 <a:ext uri="{FF2B5EF4-FFF2-40B4-BE49-F238E27FC236}">
-                  <a16:creationId xmlns="" xmlns:a16="http://schemas.microsoft.com/office/drawing/2014/main" id="{810BCCEF-15F3-48B3-A91B-ECAB86526282}"/>
+                  <a16:creationId xmlns:a16="http://schemas.microsoft.com/office/drawing/2014/main" xmlns="" id="{810BCCEF-15F3-48B3-A91B-ECAB86526282}"/>
                 </a:ext>
               </a:extLst>
             </p:cNvPr>
@@ -4755,7 +4755,7 @@
             <p:cNvPr id="40" name="Retângulo: Cantos Arredondados 39">
               <a:extLst>
                 <a:ext uri="{FF2B5EF4-FFF2-40B4-BE49-F238E27FC236}">
-                  <a16:creationId xmlns="" xmlns:a16="http://schemas.microsoft.com/office/drawing/2014/main" id="{F2722DE1-CCFE-41D0-BF21-0874AE3F29D2}"/>
+                  <a16:creationId xmlns:a16="http://schemas.microsoft.com/office/drawing/2014/main" xmlns="" id="{F2722DE1-CCFE-41D0-BF21-0874AE3F29D2}"/>
                 </a:ext>
               </a:extLst>
             </p:cNvPr>
@@ -4809,7 +4809,7 @@
             <p:cNvPr id="41" name="Forma Livre: Forma 40">
               <a:extLst>
                 <a:ext uri="{FF2B5EF4-FFF2-40B4-BE49-F238E27FC236}">
-                  <a16:creationId xmlns="" xmlns:a16="http://schemas.microsoft.com/office/drawing/2014/main" id="{95C12171-A9CB-4D44-AF8C-DBE32953351C}"/>
+                  <a16:creationId xmlns:a16="http://schemas.microsoft.com/office/drawing/2014/main" xmlns="" id="{95C12171-A9CB-4D44-AF8C-DBE32953351C}"/>
                 </a:ext>
               </a:extLst>
             </p:cNvPr>
@@ -4984,7 +4984,7 @@
             <p:cNvPr id="42" name="Retângulo: Cantos Arredondados 41">
               <a:extLst>
                 <a:ext uri="{FF2B5EF4-FFF2-40B4-BE49-F238E27FC236}">
-                  <a16:creationId xmlns="" xmlns:a16="http://schemas.microsoft.com/office/drawing/2014/main" id="{D1D9A1C5-1BFF-4195-9EF1-C8B36C0CE2F4}"/>
+                  <a16:creationId xmlns:a16="http://schemas.microsoft.com/office/drawing/2014/main" xmlns="" id="{D1D9A1C5-1BFF-4195-9EF1-C8B36C0CE2F4}"/>
                 </a:ext>
               </a:extLst>
             </p:cNvPr>
@@ -5038,7 +5038,7 @@
             <p:cNvPr id="44" name="Retângulo: Cantos Arredondados 43">
               <a:extLst>
                 <a:ext uri="{FF2B5EF4-FFF2-40B4-BE49-F238E27FC236}">
-                  <a16:creationId xmlns="" xmlns:a16="http://schemas.microsoft.com/office/drawing/2014/main" id="{D0643FB6-D571-47A0-A2EA-BC5BEB490710}"/>
+                  <a16:creationId xmlns:a16="http://schemas.microsoft.com/office/drawing/2014/main" xmlns="" id="{D0643FB6-D571-47A0-A2EA-BC5BEB490710}"/>
                 </a:ext>
               </a:extLst>
             </p:cNvPr>
@@ -5092,7 +5092,7 @@
             <p:cNvPr id="45" name="Retângulo: Cantos Arredondados 44">
               <a:extLst>
                 <a:ext uri="{FF2B5EF4-FFF2-40B4-BE49-F238E27FC236}">
-                  <a16:creationId xmlns="" xmlns:a16="http://schemas.microsoft.com/office/drawing/2014/main" id="{65D61FB3-28C5-4A84-AB28-22F2A79EEEDD}"/>
+                  <a16:creationId xmlns:a16="http://schemas.microsoft.com/office/drawing/2014/main" xmlns="" id="{65D61FB3-28C5-4A84-AB28-22F2A79EEEDD}"/>
                 </a:ext>
               </a:extLst>
             </p:cNvPr>
@@ -5146,7 +5146,7 @@
             <p:cNvPr id="46" name="Retângulo: Cantos Arredondados 45">
               <a:extLst>
                 <a:ext uri="{FF2B5EF4-FFF2-40B4-BE49-F238E27FC236}">
-                  <a16:creationId xmlns="" xmlns:a16="http://schemas.microsoft.com/office/drawing/2014/main" id="{62F689F4-88B5-4E77-98EE-527F71979C59}"/>
+                  <a16:creationId xmlns:a16="http://schemas.microsoft.com/office/drawing/2014/main" xmlns="" id="{62F689F4-88B5-4E77-98EE-527F71979C59}"/>
                 </a:ext>
               </a:extLst>
             </p:cNvPr>
@@ -5200,7 +5200,7 @@
             <p:cNvPr id="47" name="Retângulo: Cantos Arredondados 46">
               <a:extLst>
                 <a:ext uri="{FF2B5EF4-FFF2-40B4-BE49-F238E27FC236}">
-                  <a16:creationId xmlns="" xmlns:a16="http://schemas.microsoft.com/office/drawing/2014/main" id="{FCF8E6CE-6D4F-47C0-857F-FC45C0423962}"/>
+                  <a16:creationId xmlns:a16="http://schemas.microsoft.com/office/drawing/2014/main" xmlns="" id="{FCF8E6CE-6D4F-47C0-857F-FC45C0423962}"/>
                 </a:ext>
               </a:extLst>
             </p:cNvPr>
@@ -5254,7 +5254,7 @@
             <p:cNvPr id="48" name="Retângulo: Cantos Arredondados 47">
               <a:extLst>
                 <a:ext uri="{FF2B5EF4-FFF2-40B4-BE49-F238E27FC236}">
-                  <a16:creationId xmlns="" xmlns:a16="http://schemas.microsoft.com/office/drawing/2014/main" id="{68CBAFAE-3B8A-4259-AD90-05333422EE2B}"/>
+                  <a16:creationId xmlns:a16="http://schemas.microsoft.com/office/drawing/2014/main" xmlns="" id="{68CBAFAE-3B8A-4259-AD90-05333422EE2B}"/>
                 </a:ext>
               </a:extLst>
             </p:cNvPr>
@@ -5308,7 +5308,7 @@
             <p:cNvPr id="49" name="Retângulo: Cantos Arredondados 48">
               <a:extLst>
                 <a:ext uri="{FF2B5EF4-FFF2-40B4-BE49-F238E27FC236}">
-                  <a16:creationId xmlns="" xmlns:a16="http://schemas.microsoft.com/office/drawing/2014/main" id="{F5B76A52-90BA-444C-94AC-0CD591273B3D}"/>
+                  <a16:creationId xmlns:a16="http://schemas.microsoft.com/office/drawing/2014/main" xmlns="" id="{F5B76A52-90BA-444C-94AC-0CD591273B3D}"/>
                 </a:ext>
               </a:extLst>
             </p:cNvPr>
@@ -5362,7 +5362,7 @@
             <p:cNvPr id="50" name="Retângulo: Cantos Arredondados 49">
               <a:extLst>
                 <a:ext uri="{FF2B5EF4-FFF2-40B4-BE49-F238E27FC236}">
-                  <a16:creationId xmlns="" xmlns:a16="http://schemas.microsoft.com/office/drawing/2014/main" id="{CEA66F06-5BA5-4F1F-9E01-509682F0EA0C}"/>
+                  <a16:creationId xmlns:a16="http://schemas.microsoft.com/office/drawing/2014/main" xmlns="" id="{CEA66F06-5BA5-4F1F-9E01-509682F0EA0C}"/>
                 </a:ext>
               </a:extLst>
             </p:cNvPr>
@@ -5416,7 +5416,7 @@
             <p:cNvPr id="51" name="Agrupar 50">
               <a:extLst>
                 <a:ext uri="{FF2B5EF4-FFF2-40B4-BE49-F238E27FC236}">
-                  <a16:creationId xmlns="" xmlns:a16="http://schemas.microsoft.com/office/drawing/2014/main" id="{2631F3B1-9650-4C8F-B59A-CFA56D81DA09}"/>
+                  <a16:creationId xmlns:a16="http://schemas.microsoft.com/office/drawing/2014/main" xmlns="" id="{2631F3B1-9650-4C8F-B59A-CFA56D81DA09}"/>
                 </a:ext>
               </a:extLst>
             </p:cNvPr>
@@ -5436,7 +5436,7 @@
               <p:cNvPr id="52" name="Forma Livre: Forma 51">
                 <a:extLst>
                   <a:ext uri="{FF2B5EF4-FFF2-40B4-BE49-F238E27FC236}">
-                    <a16:creationId xmlns="" xmlns:a16="http://schemas.microsoft.com/office/drawing/2014/main" id="{7DB61C0C-7A16-4D04-BC83-BA46F61796FF}"/>
+                    <a16:creationId xmlns:a16="http://schemas.microsoft.com/office/drawing/2014/main" xmlns="" id="{7DB61C0C-7A16-4D04-BC83-BA46F61796FF}"/>
                   </a:ext>
                 </a:extLst>
               </p:cNvPr>
@@ -5583,7 +5583,7 @@
               <p:cNvPr id="53" name="Forma Livre: Forma 52">
                 <a:extLst>
                   <a:ext uri="{FF2B5EF4-FFF2-40B4-BE49-F238E27FC236}">
-                    <a16:creationId xmlns="" xmlns:a16="http://schemas.microsoft.com/office/drawing/2014/main" id="{46415AEE-65F8-4C20-BC23-0C5C5F6CDB7B}"/>
+                    <a16:creationId xmlns:a16="http://schemas.microsoft.com/office/drawing/2014/main" xmlns="" id="{46415AEE-65F8-4C20-BC23-0C5C5F6CDB7B}"/>
                   </a:ext>
                 </a:extLst>
               </p:cNvPr>
@@ -5730,7 +5730,7 @@
               <p:cNvPr id="54" name="Elipse 53">
                 <a:extLst>
                   <a:ext uri="{FF2B5EF4-FFF2-40B4-BE49-F238E27FC236}">
-                    <a16:creationId xmlns="" xmlns:a16="http://schemas.microsoft.com/office/drawing/2014/main" id="{D7A01D8D-4B2F-4942-B8B6-2D5EEFA04D02}"/>
+                    <a16:creationId xmlns:a16="http://schemas.microsoft.com/office/drawing/2014/main" xmlns="" id="{D7A01D8D-4B2F-4942-B8B6-2D5EEFA04D02}"/>
                   </a:ext>
                 </a:extLst>
               </p:cNvPr>
@@ -5794,7 +5794,7 @@
               <p:cNvPr id="55" name="Retângulo: Cantos Arredondados 54">
                 <a:extLst>
                   <a:ext uri="{FF2B5EF4-FFF2-40B4-BE49-F238E27FC236}">
-                    <a16:creationId xmlns="" xmlns:a16="http://schemas.microsoft.com/office/drawing/2014/main" id="{44B76BB3-D57F-48BA-AE2D-66080053A3B4}"/>
+                    <a16:creationId xmlns:a16="http://schemas.microsoft.com/office/drawing/2014/main" xmlns="" id="{44B76BB3-D57F-48BA-AE2D-66080053A3B4}"/>
                   </a:ext>
                 </a:extLst>
               </p:cNvPr>
@@ -5848,7 +5848,7 @@
               <p:cNvPr id="56" name="Retângulo: Cantos Arredondados 55">
                 <a:extLst>
                   <a:ext uri="{FF2B5EF4-FFF2-40B4-BE49-F238E27FC236}">
-                    <a16:creationId xmlns="" xmlns:a16="http://schemas.microsoft.com/office/drawing/2014/main" id="{2389AF47-F4AE-4DF7-92F3-FB6AF0749687}"/>
+                    <a16:creationId xmlns:a16="http://schemas.microsoft.com/office/drawing/2014/main" xmlns="" id="{2389AF47-F4AE-4DF7-92F3-FB6AF0749687}"/>
                   </a:ext>
                 </a:extLst>
               </p:cNvPr>
@@ -5902,7 +5902,7 @@
               <p:cNvPr id="57" name="Retângulo: Cantos Arredondados 56">
                 <a:extLst>
                   <a:ext uri="{FF2B5EF4-FFF2-40B4-BE49-F238E27FC236}">
-                    <a16:creationId xmlns="" xmlns:a16="http://schemas.microsoft.com/office/drawing/2014/main" id="{DA8709D4-D278-4EBE-8FA0-6F0BF43579C4}"/>
+                    <a16:creationId xmlns:a16="http://schemas.microsoft.com/office/drawing/2014/main" xmlns="" id="{DA8709D4-D278-4EBE-8FA0-6F0BF43579C4}"/>
                   </a:ext>
                 </a:extLst>
               </p:cNvPr>
@@ -5958,7 +5958,7 @@
           <p:cNvPr id="59" name="CaixaDeTexto 58">
             <a:extLst>
               <a:ext uri="{FF2B5EF4-FFF2-40B4-BE49-F238E27FC236}">
-                <a16:creationId xmlns="" xmlns:a16="http://schemas.microsoft.com/office/drawing/2014/main" id="{14FCE94E-98F9-41CE-94CD-2C218D5F084B}"/>
+                <a16:creationId xmlns:a16="http://schemas.microsoft.com/office/drawing/2014/main" xmlns="" id="{14FCE94E-98F9-41CE-94CD-2C218D5F084B}"/>
               </a:ext>
             </a:extLst>
           </p:cNvPr>
@@ -6115,7 +6115,7 @@
           <p:cNvPr id="4" name="Agrupar 3">
             <a:extLst>
               <a:ext uri="{FF2B5EF4-FFF2-40B4-BE49-F238E27FC236}">
-                <a16:creationId xmlns="" xmlns:a16="http://schemas.microsoft.com/office/drawing/2014/main" id="{D7C0B00C-161C-4ABE-A47A-D533F1A6BB89}"/>
+                <a16:creationId xmlns:a16="http://schemas.microsoft.com/office/drawing/2014/main" xmlns="" id="{D7C0B00C-161C-4ABE-A47A-D533F1A6BB89}"/>
               </a:ext>
             </a:extLst>
           </p:cNvPr>
@@ -6138,7 +6138,7 @@
             <p:cNvPr id="5" name="Gráfico 4" descr="Usuário">
               <a:extLst>
                 <a:ext uri="{FF2B5EF4-FFF2-40B4-BE49-F238E27FC236}">
-                  <a16:creationId xmlns="" xmlns:a16="http://schemas.microsoft.com/office/drawing/2014/main" id="{A0CA1125-C2CF-49A8-9AE9-7CBD1BF491B9}"/>
+                  <a16:creationId xmlns:a16="http://schemas.microsoft.com/office/drawing/2014/main" xmlns="" id="{A0CA1125-C2CF-49A8-9AE9-7CBD1BF491B9}"/>
                 </a:ext>
               </a:extLst>
             </p:cNvPr>
@@ -6154,7 +6154,7 @@
                   <a14:useLocalDpi xmlns:a14="http://schemas.microsoft.com/office/drawing/2010/main" val="0"/>
                 </a:ext>
                 <a:ext uri="{96DAC541-7B7A-43D3-8B79-37D633B846F1}">
-                  <asvg:svgBlip xmlns="" xmlns:asvg="http://schemas.microsoft.com/office/drawing/2016/SVG/main" r:embed="rId3"/>
+                  <asvg:svgBlip xmlns:asvg="http://schemas.microsoft.com/office/drawing/2016/SVG/main" xmlns="" r:embed="rId3"/>
                 </a:ext>
               </a:extLst>
             </a:blip>
@@ -6177,7 +6177,7 @@
             <p:cNvPr id="6" name="Retângulo 5">
               <a:extLst>
                 <a:ext uri="{FF2B5EF4-FFF2-40B4-BE49-F238E27FC236}">
-                  <a16:creationId xmlns="" xmlns:a16="http://schemas.microsoft.com/office/drawing/2014/main" id="{3DD69A3F-0C3D-4962-A956-2D9ED1AA114B}"/>
+                  <a16:creationId xmlns:a16="http://schemas.microsoft.com/office/drawing/2014/main" xmlns="" id="{3DD69A3F-0C3D-4962-A956-2D9ED1AA114B}"/>
                 </a:ext>
               </a:extLst>
             </p:cNvPr>
@@ -6231,7 +6231,7 @@
             <p:cNvPr id="7" name="Retângulo: Cantos Arredondados 6">
               <a:extLst>
                 <a:ext uri="{FF2B5EF4-FFF2-40B4-BE49-F238E27FC236}">
-                  <a16:creationId xmlns="" xmlns:a16="http://schemas.microsoft.com/office/drawing/2014/main" id="{52EE2D45-D0FA-4F34-95F6-04D56E423317}"/>
+                  <a16:creationId xmlns:a16="http://schemas.microsoft.com/office/drawing/2014/main" xmlns="" id="{52EE2D45-D0FA-4F34-95F6-04D56E423317}"/>
                 </a:ext>
               </a:extLst>
             </p:cNvPr>
@@ -6283,7 +6283,7 @@
             <p:cNvPr id="8" name="Retângulo: Cantos Arredondados 7">
               <a:extLst>
                 <a:ext uri="{FF2B5EF4-FFF2-40B4-BE49-F238E27FC236}">
-                  <a16:creationId xmlns="" xmlns:a16="http://schemas.microsoft.com/office/drawing/2014/main" id="{8EC0EE8C-2C28-44B0-B9FE-03E147A8199A}"/>
+                  <a16:creationId xmlns:a16="http://schemas.microsoft.com/office/drawing/2014/main" xmlns="" id="{8EC0EE8C-2C28-44B0-B9FE-03E147A8199A}"/>
                 </a:ext>
               </a:extLst>
             </p:cNvPr>
@@ -6335,7 +6335,7 @@
             <p:cNvPr id="9" name="Agrupar 8">
               <a:extLst>
                 <a:ext uri="{FF2B5EF4-FFF2-40B4-BE49-F238E27FC236}">
-                  <a16:creationId xmlns="" xmlns:a16="http://schemas.microsoft.com/office/drawing/2014/main" id="{267C4318-4AB2-4746-9648-43FAC46CA6D1}"/>
+                  <a16:creationId xmlns:a16="http://schemas.microsoft.com/office/drawing/2014/main" xmlns="" id="{267C4318-4AB2-4746-9648-43FAC46CA6D1}"/>
                 </a:ext>
               </a:extLst>
             </p:cNvPr>
@@ -6356,7 +6356,7 @@
               <p:cNvPr id="10" name="Elipse 9">
                 <a:extLst>
                   <a:ext uri="{FF2B5EF4-FFF2-40B4-BE49-F238E27FC236}">
-                    <a16:creationId xmlns="" xmlns:a16="http://schemas.microsoft.com/office/drawing/2014/main" id="{8AA4CB02-361D-40B7-B5E9-E7F2EFF87374}"/>
+                    <a16:creationId xmlns:a16="http://schemas.microsoft.com/office/drawing/2014/main" xmlns="" id="{8AA4CB02-361D-40B7-B5E9-E7F2EFF87374}"/>
                   </a:ext>
                 </a:extLst>
               </p:cNvPr>
@@ -6406,7 +6406,7 @@
               <p:cNvPr id="11" name="Retângulo: Cantos Arredondados 10">
                 <a:extLst>
                   <a:ext uri="{FF2B5EF4-FFF2-40B4-BE49-F238E27FC236}">
-                    <a16:creationId xmlns="" xmlns:a16="http://schemas.microsoft.com/office/drawing/2014/main" id="{F73250F2-2986-478D-84CC-876DADF39F25}"/>
+                    <a16:creationId xmlns:a16="http://schemas.microsoft.com/office/drawing/2014/main" xmlns="" id="{F73250F2-2986-478D-84CC-876DADF39F25}"/>
                   </a:ext>
                 </a:extLst>
               </p:cNvPr>
@@ -6456,7 +6456,7 @@
               <p:cNvPr id="12" name="Retângulo: Cantos Arredondados 11">
                 <a:extLst>
                   <a:ext uri="{FF2B5EF4-FFF2-40B4-BE49-F238E27FC236}">
-                    <a16:creationId xmlns="" xmlns:a16="http://schemas.microsoft.com/office/drawing/2014/main" id="{61FF627D-32B0-443C-AF22-BB6C5CF00724}"/>
+                    <a16:creationId xmlns:a16="http://schemas.microsoft.com/office/drawing/2014/main" xmlns="" id="{61FF627D-32B0-443C-AF22-BB6C5CF00724}"/>
                   </a:ext>
                 </a:extLst>
               </p:cNvPr>
@@ -6506,7 +6506,7 @@
               <p:cNvPr id="13" name="Retângulo: Cantos Arredondados 12">
                 <a:extLst>
                   <a:ext uri="{FF2B5EF4-FFF2-40B4-BE49-F238E27FC236}">
-                    <a16:creationId xmlns="" xmlns:a16="http://schemas.microsoft.com/office/drawing/2014/main" id="{FCBC6A68-B0BD-4771-B12B-2666385ADC6F}"/>
+                    <a16:creationId xmlns:a16="http://schemas.microsoft.com/office/drawing/2014/main" xmlns="" id="{FCBC6A68-B0BD-4771-B12B-2666385ADC6F}"/>
                   </a:ext>
                 </a:extLst>
               </p:cNvPr>
@@ -6556,7 +6556,7 @@
               <p:cNvPr id="14" name="Retângulo: Cantos Arredondados 13">
                 <a:extLst>
                   <a:ext uri="{FF2B5EF4-FFF2-40B4-BE49-F238E27FC236}">
-                    <a16:creationId xmlns="" xmlns:a16="http://schemas.microsoft.com/office/drawing/2014/main" id="{69F32E65-17C4-4CC9-9EA0-529687A215BF}"/>
+                    <a16:creationId xmlns:a16="http://schemas.microsoft.com/office/drawing/2014/main" xmlns="" id="{69F32E65-17C4-4CC9-9EA0-529687A215BF}"/>
                   </a:ext>
                 </a:extLst>
               </p:cNvPr>
@@ -6606,7 +6606,7 @@
               <p:cNvPr id="15" name="Retângulo: Cantos Arredondados 14">
                 <a:extLst>
                   <a:ext uri="{FF2B5EF4-FFF2-40B4-BE49-F238E27FC236}">
-                    <a16:creationId xmlns="" xmlns:a16="http://schemas.microsoft.com/office/drawing/2014/main" id="{8F75668C-DE3B-4832-B093-87AE3521FC40}"/>
+                    <a16:creationId xmlns:a16="http://schemas.microsoft.com/office/drawing/2014/main" xmlns="" id="{8F75668C-DE3B-4832-B093-87AE3521FC40}"/>
                   </a:ext>
                 </a:extLst>
               </p:cNvPr>
@@ -6656,7 +6656,7 @@
               <p:cNvPr id="16" name="Retângulo: Cantos Arredondados 15">
                 <a:extLst>
                   <a:ext uri="{FF2B5EF4-FFF2-40B4-BE49-F238E27FC236}">
-                    <a16:creationId xmlns="" xmlns:a16="http://schemas.microsoft.com/office/drawing/2014/main" id="{F77488DA-7D8B-4E45-86BE-2E5DF4BD4A3A}"/>
+                    <a16:creationId xmlns:a16="http://schemas.microsoft.com/office/drawing/2014/main" xmlns="" id="{F77488DA-7D8B-4E45-86BE-2E5DF4BD4A3A}"/>
                   </a:ext>
                 </a:extLst>
               </p:cNvPr>
@@ -6706,7 +6706,7 @@
               <p:cNvPr id="17" name="Retângulo: Cantos Arredondados 16">
                 <a:extLst>
                   <a:ext uri="{FF2B5EF4-FFF2-40B4-BE49-F238E27FC236}">
-                    <a16:creationId xmlns="" xmlns:a16="http://schemas.microsoft.com/office/drawing/2014/main" id="{95855D4E-9787-4579-8A96-E2BB0CF567FE}"/>
+                    <a16:creationId xmlns:a16="http://schemas.microsoft.com/office/drawing/2014/main" xmlns="" id="{95855D4E-9787-4579-8A96-E2BB0CF567FE}"/>
                   </a:ext>
                 </a:extLst>
               </p:cNvPr>
@@ -6756,7 +6756,7 @@
               <p:cNvPr id="18" name="Retângulo: Cantos Arredondados 17">
                 <a:extLst>
                   <a:ext uri="{FF2B5EF4-FFF2-40B4-BE49-F238E27FC236}">
-                    <a16:creationId xmlns="" xmlns:a16="http://schemas.microsoft.com/office/drawing/2014/main" id="{CD991848-2A23-4A4E-8201-C4E62AE9A8FE}"/>
+                    <a16:creationId xmlns:a16="http://schemas.microsoft.com/office/drawing/2014/main" xmlns="" id="{CD991848-2A23-4A4E-8201-C4E62AE9A8FE}"/>
                   </a:ext>
                 </a:extLst>
               </p:cNvPr>
@@ -6806,7 +6806,7 @@
               <p:cNvPr id="19" name="Retângulo: Cantos Arredondados 18">
                 <a:extLst>
                   <a:ext uri="{FF2B5EF4-FFF2-40B4-BE49-F238E27FC236}">
-                    <a16:creationId xmlns="" xmlns:a16="http://schemas.microsoft.com/office/drawing/2014/main" id="{9E1F9F69-A0C7-4ADC-B34E-1749DC2BCD19}"/>
+                    <a16:creationId xmlns:a16="http://schemas.microsoft.com/office/drawing/2014/main" xmlns="" id="{9E1F9F69-A0C7-4ADC-B34E-1749DC2BCD19}"/>
                   </a:ext>
                 </a:extLst>
               </p:cNvPr>
@@ -6856,7 +6856,7 @@
               <p:cNvPr id="20" name="Retângulo: Cantos Arredondados 19">
                 <a:extLst>
                   <a:ext uri="{FF2B5EF4-FFF2-40B4-BE49-F238E27FC236}">
-                    <a16:creationId xmlns="" xmlns:a16="http://schemas.microsoft.com/office/drawing/2014/main" id="{F574F9BC-50DE-407D-ABC7-2E93221DE4D5}"/>
+                    <a16:creationId xmlns:a16="http://schemas.microsoft.com/office/drawing/2014/main" xmlns="" id="{F574F9BC-50DE-407D-ABC7-2E93221DE4D5}"/>
                   </a:ext>
                 </a:extLst>
               </p:cNvPr>
@@ -6906,7 +6906,7 @@
               <p:cNvPr id="21" name="Retângulo: Cantos Arredondados 20">
                 <a:extLst>
                   <a:ext uri="{FF2B5EF4-FFF2-40B4-BE49-F238E27FC236}">
-                    <a16:creationId xmlns="" xmlns:a16="http://schemas.microsoft.com/office/drawing/2014/main" id="{5DDFC425-13C4-4724-A776-34A164676126}"/>
+                    <a16:creationId xmlns:a16="http://schemas.microsoft.com/office/drawing/2014/main" xmlns="" id="{5DDFC425-13C4-4724-A776-34A164676126}"/>
                   </a:ext>
                 </a:extLst>
               </p:cNvPr>
@@ -6956,7 +6956,7 @@
               <p:cNvPr id="22" name="Retângulo: Cantos Arredondados 21">
                 <a:extLst>
                   <a:ext uri="{FF2B5EF4-FFF2-40B4-BE49-F238E27FC236}">
-                    <a16:creationId xmlns="" xmlns:a16="http://schemas.microsoft.com/office/drawing/2014/main" id="{2E72F04F-DBDE-4F18-9DE9-55494E6B413E}"/>
+                    <a16:creationId xmlns:a16="http://schemas.microsoft.com/office/drawing/2014/main" xmlns="" id="{2E72F04F-DBDE-4F18-9DE9-55494E6B413E}"/>
                   </a:ext>
                 </a:extLst>
               </p:cNvPr>
@@ -7006,7 +7006,7 @@
               <p:cNvPr id="23" name="Retângulo: Cantos Arredondados 22">
                 <a:extLst>
                   <a:ext uri="{FF2B5EF4-FFF2-40B4-BE49-F238E27FC236}">
-                    <a16:creationId xmlns="" xmlns:a16="http://schemas.microsoft.com/office/drawing/2014/main" id="{BB8378C6-CD2D-408A-8997-692BF7688E0D}"/>
+                    <a16:creationId xmlns:a16="http://schemas.microsoft.com/office/drawing/2014/main" xmlns="" id="{BB8378C6-CD2D-408A-8997-692BF7688E0D}"/>
                   </a:ext>
                 </a:extLst>
               </p:cNvPr>
@@ -7088,7 +7088,7 @@
           <p:cNvPr id="24" name="Agrupar 23">
             <a:extLst>
               <a:ext uri="{FF2B5EF4-FFF2-40B4-BE49-F238E27FC236}">
-                <a16:creationId xmlns="" xmlns:a16="http://schemas.microsoft.com/office/drawing/2014/main" id="{10E1CD7B-B583-40B2-9A64-25ACE8761C38}"/>
+                <a16:creationId xmlns:a16="http://schemas.microsoft.com/office/drawing/2014/main" xmlns="" id="{10E1CD7B-B583-40B2-9A64-25ACE8761C38}"/>
               </a:ext>
             </a:extLst>
           </p:cNvPr>
@@ -7108,7 +7108,7 @@
             <p:cNvPr id="20" name="Agrupar 19">
               <a:extLst>
                 <a:ext uri="{FF2B5EF4-FFF2-40B4-BE49-F238E27FC236}">
-                  <a16:creationId xmlns="" xmlns:a16="http://schemas.microsoft.com/office/drawing/2014/main" id="{CB274D3A-8028-4876-85C9-7F16F37BFC27}"/>
+                  <a16:creationId xmlns:a16="http://schemas.microsoft.com/office/drawing/2014/main" xmlns="" id="{CB274D3A-8028-4876-85C9-7F16F37BFC27}"/>
                 </a:ext>
               </a:extLst>
             </p:cNvPr>
@@ -7128,7 +7128,7 @@
               <p:cNvPr id="12" name="Elipse 11">
                 <a:extLst>
                   <a:ext uri="{FF2B5EF4-FFF2-40B4-BE49-F238E27FC236}">
-                    <a16:creationId xmlns="" xmlns:a16="http://schemas.microsoft.com/office/drawing/2014/main" id="{5AA99E97-F454-470A-8056-B241E27A3EF4}"/>
+                    <a16:creationId xmlns:a16="http://schemas.microsoft.com/office/drawing/2014/main" xmlns="" id="{5AA99E97-F454-470A-8056-B241E27A3EF4}"/>
                   </a:ext>
                 </a:extLst>
               </p:cNvPr>
@@ -7180,7 +7180,7 @@
               <p:cNvPr id="13" name="Elipse 12">
                 <a:extLst>
                   <a:ext uri="{FF2B5EF4-FFF2-40B4-BE49-F238E27FC236}">
-                    <a16:creationId xmlns="" xmlns:a16="http://schemas.microsoft.com/office/drawing/2014/main" id="{2E55EF7B-0BFE-4EEC-A84B-241265344E52}"/>
+                    <a16:creationId xmlns:a16="http://schemas.microsoft.com/office/drawing/2014/main" xmlns="" id="{2E55EF7B-0BFE-4EEC-A84B-241265344E52}"/>
                   </a:ext>
                 </a:extLst>
               </p:cNvPr>
@@ -7233,7 +7233,7 @@
             <p:cNvPr id="23" name="Agrupar 22">
               <a:extLst>
                 <a:ext uri="{FF2B5EF4-FFF2-40B4-BE49-F238E27FC236}">
-                  <a16:creationId xmlns="" xmlns:a16="http://schemas.microsoft.com/office/drawing/2014/main" id="{B8354D3D-01F4-4261-9941-25A85E5341BB}"/>
+                  <a16:creationId xmlns:a16="http://schemas.microsoft.com/office/drawing/2014/main" xmlns="" id="{B8354D3D-01F4-4261-9941-25A85E5341BB}"/>
                 </a:ext>
               </a:extLst>
             </p:cNvPr>
@@ -7253,7 +7253,7 @@
               <p:cNvPr id="19" name="Agrupar 18">
                 <a:extLst>
                   <a:ext uri="{FF2B5EF4-FFF2-40B4-BE49-F238E27FC236}">
-                    <a16:creationId xmlns="" xmlns:a16="http://schemas.microsoft.com/office/drawing/2014/main" id="{33610C09-087D-44BE-9EFA-42CB597857C0}"/>
+                    <a16:creationId xmlns:a16="http://schemas.microsoft.com/office/drawing/2014/main" xmlns="" id="{33610C09-087D-44BE-9EFA-42CB597857C0}"/>
                   </a:ext>
                 </a:extLst>
               </p:cNvPr>
@@ -7273,7 +7273,7 @@
                 <p:cNvPr id="14" name="Retângulo: Cantos Arredondados 13">
                   <a:extLst>
                     <a:ext uri="{FF2B5EF4-FFF2-40B4-BE49-F238E27FC236}">
-                      <a16:creationId xmlns="" xmlns:a16="http://schemas.microsoft.com/office/drawing/2014/main" id="{A621557C-568F-4286-BF1E-2F79412C01BB}"/>
+                      <a16:creationId xmlns:a16="http://schemas.microsoft.com/office/drawing/2014/main" xmlns="" id="{A621557C-568F-4286-BF1E-2F79412C01BB}"/>
                     </a:ext>
                   </a:extLst>
                 </p:cNvPr>
@@ -7327,7 +7327,7 @@
                 <p:cNvPr id="15" name="Retângulo: Cantos Arredondados 14">
                   <a:extLst>
                     <a:ext uri="{FF2B5EF4-FFF2-40B4-BE49-F238E27FC236}">
-                      <a16:creationId xmlns="" xmlns:a16="http://schemas.microsoft.com/office/drawing/2014/main" id="{952F5C43-EE72-4097-A506-4A30EF79EDDC}"/>
+                      <a16:creationId xmlns:a16="http://schemas.microsoft.com/office/drawing/2014/main" xmlns="" id="{952F5C43-EE72-4097-A506-4A30EF79EDDC}"/>
                     </a:ext>
                   </a:extLst>
                 </p:cNvPr>
@@ -7381,7 +7381,7 @@
                 <p:cNvPr id="17" name="Retângulo: Cantos Arredondados 16">
                   <a:extLst>
                     <a:ext uri="{FF2B5EF4-FFF2-40B4-BE49-F238E27FC236}">
-                      <a16:creationId xmlns="" xmlns:a16="http://schemas.microsoft.com/office/drawing/2014/main" id="{AA8AEBE5-D28C-4C97-B23D-ACB44F125F3B}"/>
+                      <a16:creationId xmlns:a16="http://schemas.microsoft.com/office/drawing/2014/main" xmlns="" id="{AA8AEBE5-D28C-4C97-B23D-ACB44F125F3B}"/>
                     </a:ext>
                   </a:extLst>
                 </p:cNvPr>
@@ -7435,7 +7435,7 @@
                 <p:cNvPr id="18" name="Elipse 17">
                   <a:extLst>
                     <a:ext uri="{FF2B5EF4-FFF2-40B4-BE49-F238E27FC236}">
-                      <a16:creationId xmlns="" xmlns:a16="http://schemas.microsoft.com/office/drawing/2014/main" id="{D4E5660E-8E01-46AA-B3B6-106538E6A1F6}"/>
+                      <a16:creationId xmlns:a16="http://schemas.microsoft.com/office/drawing/2014/main" xmlns="" id="{D4E5660E-8E01-46AA-B3B6-106538E6A1F6}"/>
                     </a:ext>
                   </a:extLst>
                 </p:cNvPr>
@@ -7488,7 +7488,7 @@
               <p:cNvPr id="21" name="Retângulo: Cantos Arredondados 20">
                 <a:extLst>
                   <a:ext uri="{FF2B5EF4-FFF2-40B4-BE49-F238E27FC236}">
-                    <a16:creationId xmlns="" xmlns:a16="http://schemas.microsoft.com/office/drawing/2014/main" id="{10CC430D-3372-40F4-9CD6-5AC20D403DA9}"/>
+                    <a16:creationId xmlns:a16="http://schemas.microsoft.com/office/drawing/2014/main" xmlns="" id="{10CC430D-3372-40F4-9CD6-5AC20D403DA9}"/>
                   </a:ext>
                 </a:extLst>
               </p:cNvPr>
@@ -7572,7 +7572,7 @@
           <p:cNvPr id="11" name="Agrupar 10">
             <a:extLst>
               <a:ext uri="{FF2B5EF4-FFF2-40B4-BE49-F238E27FC236}">
-                <a16:creationId xmlns="" xmlns:a16="http://schemas.microsoft.com/office/drawing/2014/main" id="{6AF02D4B-4DF3-475B-B829-3C06117FCA8A}"/>
+                <a16:creationId xmlns:a16="http://schemas.microsoft.com/office/drawing/2014/main" xmlns="" id="{6AF02D4B-4DF3-475B-B829-3C06117FCA8A}"/>
               </a:ext>
             </a:extLst>
           </p:cNvPr>
@@ -7592,7 +7592,7 @@
             <p:cNvPr id="4" name="Elipse 3">
               <a:extLst>
                 <a:ext uri="{FF2B5EF4-FFF2-40B4-BE49-F238E27FC236}">
-                  <a16:creationId xmlns="" xmlns:a16="http://schemas.microsoft.com/office/drawing/2014/main" id="{DC48528D-2244-4D30-8F41-EF1272F6C6E4}"/>
+                  <a16:creationId xmlns:a16="http://schemas.microsoft.com/office/drawing/2014/main" xmlns="" id="{DC48528D-2244-4D30-8F41-EF1272F6C6E4}"/>
                 </a:ext>
               </a:extLst>
             </p:cNvPr>
@@ -7644,7 +7644,7 @@
             <p:cNvPr id="5" name="Elipse 4">
               <a:extLst>
                 <a:ext uri="{FF2B5EF4-FFF2-40B4-BE49-F238E27FC236}">
-                  <a16:creationId xmlns="" xmlns:a16="http://schemas.microsoft.com/office/drawing/2014/main" id="{FC41C085-3866-4F15-B8F6-7312BBF43D3D}"/>
+                  <a16:creationId xmlns:a16="http://schemas.microsoft.com/office/drawing/2014/main" xmlns="" id="{FC41C085-3866-4F15-B8F6-7312BBF43D3D}"/>
                 </a:ext>
               </a:extLst>
             </p:cNvPr>
@@ -7707,7 +7707,7 @@
             <p:cNvPr id="10" name="Agrupar 9">
               <a:extLst>
                 <a:ext uri="{FF2B5EF4-FFF2-40B4-BE49-F238E27FC236}">
-                  <a16:creationId xmlns="" xmlns:a16="http://schemas.microsoft.com/office/drawing/2014/main" id="{1B5F2692-C765-4EC2-80E6-6BCCEE306581}"/>
+                  <a16:creationId xmlns:a16="http://schemas.microsoft.com/office/drawing/2014/main" xmlns="" id="{1B5F2692-C765-4EC2-80E6-6BCCEE306581}"/>
                 </a:ext>
               </a:extLst>
             </p:cNvPr>
@@ -7727,7 +7727,7 @@
               <p:cNvPr id="8" name="Retângulo: Cantos Arredondados 7">
                 <a:extLst>
                   <a:ext uri="{FF2B5EF4-FFF2-40B4-BE49-F238E27FC236}">
-                    <a16:creationId xmlns="" xmlns:a16="http://schemas.microsoft.com/office/drawing/2014/main" id="{642A98A9-5B39-4661-B7AD-4ED8AFAFC1E3}"/>
+                    <a16:creationId xmlns:a16="http://schemas.microsoft.com/office/drawing/2014/main" xmlns="" id="{642A98A9-5B39-4661-B7AD-4ED8AFAFC1E3}"/>
                   </a:ext>
                 </a:extLst>
               </p:cNvPr>
@@ -7781,7 +7781,7 @@
               <p:cNvPr id="9" name="Retângulo: Cantos Arredondados 8">
                 <a:extLst>
                   <a:ext uri="{FF2B5EF4-FFF2-40B4-BE49-F238E27FC236}">
-                    <a16:creationId xmlns="" xmlns:a16="http://schemas.microsoft.com/office/drawing/2014/main" id="{11C0A799-8BF3-4FE6-8C64-2079434EF400}"/>
+                    <a16:creationId xmlns:a16="http://schemas.microsoft.com/office/drawing/2014/main" xmlns="" id="{11C0A799-8BF3-4FE6-8C64-2079434EF400}"/>
                   </a:ext>
                 </a:extLst>
               </p:cNvPr>
@@ -7842,6 +7842,13 @@
   <p:clrMapOvr>
     <a:masterClrMapping/>
   </p:clrMapOvr>
+  <p:timing>
+    <p:tnLst>
+      <p:par>
+        <p:cTn id="1" dur="indefinite" restart="never" nodeType="tmRoot"/>
+      </p:par>
+    </p:tnLst>
+  </p:timing>
 </p:sld>
 </file>
 
@@ -7867,7 +7874,7 @@
           <p:cNvPr id="67" name="Agrupar 66">
             <a:extLst>
               <a:ext uri="{FF2B5EF4-FFF2-40B4-BE49-F238E27FC236}">
-                <a16:creationId xmlns="" xmlns:a16="http://schemas.microsoft.com/office/drawing/2014/main" id="{79D28335-6CA8-48F7-9486-5670035BE61F}"/>
+                <a16:creationId xmlns:a16="http://schemas.microsoft.com/office/drawing/2014/main" xmlns="" id="{79D28335-6CA8-48F7-9486-5670035BE61F}"/>
               </a:ext>
             </a:extLst>
           </p:cNvPr>
@@ -7887,7 +7894,7 @@
             <p:cNvPr id="32" name="Agrupar 31">
               <a:extLst>
                 <a:ext uri="{FF2B5EF4-FFF2-40B4-BE49-F238E27FC236}">
-                  <a16:creationId xmlns="" xmlns:a16="http://schemas.microsoft.com/office/drawing/2014/main" id="{F76B8E54-6317-448B-8B57-939FECA23918}"/>
+                  <a16:creationId xmlns:a16="http://schemas.microsoft.com/office/drawing/2014/main" xmlns="" id="{F76B8E54-6317-448B-8B57-939FECA23918}"/>
                 </a:ext>
               </a:extLst>
             </p:cNvPr>
@@ -7907,7 +7914,7 @@
               <p:cNvPr id="33" name="Elipse 32">
                 <a:extLst>
                   <a:ext uri="{FF2B5EF4-FFF2-40B4-BE49-F238E27FC236}">
-                    <a16:creationId xmlns="" xmlns:a16="http://schemas.microsoft.com/office/drawing/2014/main" id="{BBB1FC3B-070F-4B35-B6A9-3E78AAADC53B}"/>
+                    <a16:creationId xmlns:a16="http://schemas.microsoft.com/office/drawing/2014/main" xmlns="" id="{BBB1FC3B-070F-4B35-B6A9-3E78AAADC53B}"/>
                   </a:ext>
                 </a:extLst>
               </p:cNvPr>
@@ -7959,7 +7966,7 @@
               <p:cNvPr id="34" name="Elipse 33">
                 <a:extLst>
                   <a:ext uri="{FF2B5EF4-FFF2-40B4-BE49-F238E27FC236}">
-                    <a16:creationId xmlns="" xmlns:a16="http://schemas.microsoft.com/office/drawing/2014/main" id="{282E9208-057A-4E62-8705-6BEE888AD164}"/>
+                    <a16:creationId xmlns:a16="http://schemas.microsoft.com/office/drawing/2014/main" xmlns="" id="{282E9208-057A-4E62-8705-6BEE888AD164}"/>
                   </a:ext>
                 </a:extLst>
               </p:cNvPr>
@@ -8023,7 +8030,7 @@
             <p:cNvPr id="38" name="Agrupar 37">
               <a:extLst>
                 <a:ext uri="{FF2B5EF4-FFF2-40B4-BE49-F238E27FC236}">
-                  <a16:creationId xmlns="" xmlns:a16="http://schemas.microsoft.com/office/drawing/2014/main" id="{C39DA378-5904-468B-9006-BB34426CAA6A}"/>
+                  <a16:creationId xmlns:a16="http://schemas.microsoft.com/office/drawing/2014/main" xmlns="" id="{C39DA378-5904-468B-9006-BB34426CAA6A}"/>
                 </a:ext>
               </a:extLst>
             </p:cNvPr>
@@ -8046,7 +8053,7 @@
               <p:cNvPr id="39" name="Agrupar 38">
                 <a:extLst>
                   <a:ext uri="{FF2B5EF4-FFF2-40B4-BE49-F238E27FC236}">
-                    <a16:creationId xmlns="" xmlns:a16="http://schemas.microsoft.com/office/drawing/2014/main" id="{4870CD5A-4864-48FF-9CA6-C7BB29574A14}"/>
+                    <a16:creationId xmlns:a16="http://schemas.microsoft.com/office/drawing/2014/main" xmlns="" id="{4870CD5A-4864-48FF-9CA6-C7BB29574A14}"/>
                   </a:ext>
                 </a:extLst>
               </p:cNvPr>
@@ -8067,7 +8074,7 @@
                 <p:cNvPr id="65" name="Forma Livre: Forma 64">
                   <a:extLst>
                     <a:ext uri="{FF2B5EF4-FFF2-40B4-BE49-F238E27FC236}">
-                      <a16:creationId xmlns="" xmlns:a16="http://schemas.microsoft.com/office/drawing/2014/main" id="{2AD9F40D-5F76-4B52-AF95-1CF338E6E047}"/>
+                      <a16:creationId xmlns:a16="http://schemas.microsoft.com/office/drawing/2014/main" xmlns="" id="{2AD9F40D-5F76-4B52-AF95-1CF338E6E047}"/>
                     </a:ext>
                   </a:extLst>
                 </p:cNvPr>
@@ -8152,7 +8159,7 @@
                 <p:cNvPr id="66" name="Forma Livre: Forma 65">
                   <a:extLst>
                     <a:ext uri="{FF2B5EF4-FFF2-40B4-BE49-F238E27FC236}">
-                      <a16:creationId xmlns="" xmlns:a16="http://schemas.microsoft.com/office/drawing/2014/main" id="{B6363304-AAE4-4576-9EC0-9D97FD7F4570}"/>
+                      <a16:creationId xmlns:a16="http://schemas.microsoft.com/office/drawing/2014/main" xmlns="" id="{B6363304-AAE4-4576-9EC0-9D97FD7F4570}"/>
                     </a:ext>
                   </a:extLst>
                 </p:cNvPr>
@@ -8238,7 +8245,7 @@
               <p:cNvPr id="40" name="Retângulo: Cantos Arredondados 39">
                 <a:extLst>
                   <a:ext uri="{FF2B5EF4-FFF2-40B4-BE49-F238E27FC236}">
-                    <a16:creationId xmlns="" xmlns:a16="http://schemas.microsoft.com/office/drawing/2014/main" id="{E84FDBE0-952B-4484-B8B4-2DFE7C0169EB}"/>
+                    <a16:creationId xmlns:a16="http://schemas.microsoft.com/office/drawing/2014/main" xmlns="" id="{E84FDBE0-952B-4484-B8B4-2DFE7C0169EB}"/>
                   </a:ext>
                 </a:extLst>
               </p:cNvPr>
@@ -8290,7 +8297,7 @@
               <p:cNvPr id="41" name="Retângulo 40">
                 <a:extLst>
                   <a:ext uri="{FF2B5EF4-FFF2-40B4-BE49-F238E27FC236}">
-                    <a16:creationId xmlns="" xmlns:a16="http://schemas.microsoft.com/office/drawing/2014/main" id="{504B7C1F-FF75-4E6E-8EA8-F310F9F98C49}"/>
+                    <a16:creationId xmlns:a16="http://schemas.microsoft.com/office/drawing/2014/main" xmlns="" id="{504B7C1F-FF75-4E6E-8EA8-F310F9F98C49}"/>
                   </a:ext>
                 </a:extLst>
               </p:cNvPr>
@@ -8340,7 +8347,7 @@
               <p:cNvPr id="42" name="Retângulo 41">
                 <a:extLst>
                   <a:ext uri="{FF2B5EF4-FFF2-40B4-BE49-F238E27FC236}">
-                    <a16:creationId xmlns="" xmlns:a16="http://schemas.microsoft.com/office/drawing/2014/main" id="{8CD10055-E6F4-423B-B3CD-4FE255A842D8}"/>
+                    <a16:creationId xmlns:a16="http://schemas.microsoft.com/office/drawing/2014/main" xmlns="" id="{8CD10055-E6F4-423B-B3CD-4FE255A842D8}"/>
                   </a:ext>
                 </a:extLst>
               </p:cNvPr>
@@ -8390,7 +8397,7 @@
               <p:cNvPr id="43" name="Retângulo 42">
                 <a:extLst>
                   <a:ext uri="{FF2B5EF4-FFF2-40B4-BE49-F238E27FC236}">
-                    <a16:creationId xmlns="" xmlns:a16="http://schemas.microsoft.com/office/drawing/2014/main" id="{4C2CC099-E32A-49B1-906A-62CD245E08B4}"/>
+                    <a16:creationId xmlns:a16="http://schemas.microsoft.com/office/drawing/2014/main" xmlns="" id="{4C2CC099-E32A-49B1-906A-62CD245E08B4}"/>
                   </a:ext>
                 </a:extLst>
               </p:cNvPr>
@@ -8440,7 +8447,7 @@
               <p:cNvPr id="44" name="Agrupar 43">
                 <a:extLst>
                   <a:ext uri="{FF2B5EF4-FFF2-40B4-BE49-F238E27FC236}">
-                    <a16:creationId xmlns="" xmlns:a16="http://schemas.microsoft.com/office/drawing/2014/main" id="{7FC28071-C5A4-4D9C-8C11-D0F99983D27F}"/>
+                    <a16:creationId xmlns:a16="http://schemas.microsoft.com/office/drawing/2014/main" xmlns="" id="{7FC28071-C5A4-4D9C-8C11-D0F99983D27F}"/>
                   </a:ext>
                 </a:extLst>
               </p:cNvPr>
@@ -8461,7 +8468,7 @@
                 <p:cNvPr id="63" name="Forma Livre: Forma 62">
                   <a:extLst>
                     <a:ext uri="{FF2B5EF4-FFF2-40B4-BE49-F238E27FC236}">
-                      <a16:creationId xmlns="" xmlns:a16="http://schemas.microsoft.com/office/drawing/2014/main" id="{C3AB2ABC-DB3D-4C9A-B36E-6BB7A4421041}"/>
+                      <a16:creationId xmlns:a16="http://schemas.microsoft.com/office/drawing/2014/main" xmlns="" id="{C3AB2ABC-DB3D-4C9A-B36E-6BB7A4421041}"/>
                     </a:ext>
                   </a:extLst>
                 </p:cNvPr>
@@ -8546,7 +8553,7 @@
                 <p:cNvPr id="64" name="Forma Livre: Forma 63">
                   <a:extLst>
                     <a:ext uri="{FF2B5EF4-FFF2-40B4-BE49-F238E27FC236}">
-                      <a16:creationId xmlns="" xmlns:a16="http://schemas.microsoft.com/office/drawing/2014/main" id="{1C697447-CA7D-405E-8628-61488C0CCF61}"/>
+                      <a16:creationId xmlns:a16="http://schemas.microsoft.com/office/drawing/2014/main" xmlns="" id="{1C697447-CA7D-405E-8628-61488C0CCF61}"/>
                     </a:ext>
                   </a:extLst>
                 </p:cNvPr>
@@ -8632,7 +8639,7 @@
               <p:cNvPr id="45" name="Retângulo: Cantos Arredondados 44">
                 <a:extLst>
                   <a:ext uri="{FF2B5EF4-FFF2-40B4-BE49-F238E27FC236}">
-                    <a16:creationId xmlns="" xmlns:a16="http://schemas.microsoft.com/office/drawing/2014/main" id="{2DB85195-2BC9-41FC-8FF7-4DA194475593}"/>
+                    <a16:creationId xmlns:a16="http://schemas.microsoft.com/office/drawing/2014/main" xmlns="" id="{2DB85195-2BC9-41FC-8FF7-4DA194475593}"/>
                   </a:ext>
                 </a:extLst>
               </p:cNvPr>
@@ -8684,7 +8691,7 @@
               <p:cNvPr id="46" name="Retângulo: Cantos Arredondados 45">
                 <a:extLst>
                   <a:ext uri="{FF2B5EF4-FFF2-40B4-BE49-F238E27FC236}">
-                    <a16:creationId xmlns="" xmlns:a16="http://schemas.microsoft.com/office/drawing/2014/main" id="{22120934-64E1-4243-A3C9-F2333CD81248}"/>
+                    <a16:creationId xmlns:a16="http://schemas.microsoft.com/office/drawing/2014/main" xmlns="" id="{22120934-64E1-4243-A3C9-F2333CD81248}"/>
                   </a:ext>
                 </a:extLst>
               </p:cNvPr>
@@ -8736,7 +8743,7 @@
               <p:cNvPr id="47" name="Forma Livre: Forma 46">
                 <a:extLst>
                   <a:ext uri="{FF2B5EF4-FFF2-40B4-BE49-F238E27FC236}">
-                    <a16:creationId xmlns="" xmlns:a16="http://schemas.microsoft.com/office/drawing/2014/main" id="{068BA003-CB8C-4A97-8A20-CE99A2056A9C}"/>
+                    <a16:creationId xmlns:a16="http://schemas.microsoft.com/office/drawing/2014/main" xmlns="" id="{068BA003-CB8C-4A97-8A20-CE99A2056A9C}"/>
                   </a:ext>
                 </a:extLst>
               </p:cNvPr>
@@ -8909,7 +8916,7 @@
               <p:cNvPr id="56" name="Agrupar 55">
                 <a:extLst>
                   <a:ext uri="{FF2B5EF4-FFF2-40B4-BE49-F238E27FC236}">
-                    <a16:creationId xmlns="" xmlns:a16="http://schemas.microsoft.com/office/drawing/2014/main" id="{9B875EC0-FE98-4078-8488-EC2DA10CD36F}"/>
+                    <a16:creationId xmlns:a16="http://schemas.microsoft.com/office/drawing/2014/main" xmlns="" id="{9B875EC0-FE98-4078-8488-EC2DA10CD36F}"/>
                   </a:ext>
                 </a:extLst>
               </p:cNvPr>
@@ -8930,7 +8937,7 @@
                 <p:cNvPr id="57" name="Forma Livre: Forma 56">
                   <a:extLst>
                     <a:ext uri="{FF2B5EF4-FFF2-40B4-BE49-F238E27FC236}">
-                      <a16:creationId xmlns="" xmlns:a16="http://schemas.microsoft.com/office/drawing/2014/main" id="{AB170364-870B-48AE-8BB7-23F5B559323F}"/>
+                      <a16:creationId xmlns:a16="http://schemas.microsoft.com/office/drawing/2014/main" xmlns="" id="{AB170364-870B-48AE-8BB7-23F5B559323F}"/>
                     </a:ext>
                   </a:extLst>
                 </p:cNvPr>
@@ -9075,7 +9082,7 @@
                 <p:cNvPr id="58" name="Forma Livre: Forma 57">
                   <a:extLst>
                     <a:ext uri="{FF2B5EF4-FFF2-40B4-BE49-F238E27FC236}">
-                      <a16:creationId xmlns="" xmlns:a16="http://schemas.microsoft.com/office/drawing/2014/main" id="{D75011AA-2CA3-43AA-909B-7FD66FB4407B}"/>
+                      <a16:creationId xmlns:a16="http://schemas.microsoft.com/office/drawing/2014/main" xmlns="" id="{D75011AA-2CA3-43AA-909B-7FD66FB4407B}"/>
                     </a:ext>
                   </a:extLst>
                 </p:cNvPr>
@@ -9220,7 +9227,7 @@
                 <p:cNvPr id="59" name="Elipse 58">
                   <a:extLst>
                     <a:ext uri="{FF2B5EF4-FFF2-40B4-BE49-F238E27FC236}">
-                      <a16:creationId xmlns="" xmlns:a16="http://schemas.microsoft.com/office/drawing/2014/main" id="{107D1028-E7C8-4F67-9675-BF4B317058C9}"/>
+                      <a16:creationId xmlns:a16="http://schemas.microsoft.com/office/drawing/2014/main" xmlns="" id="{107D1028-E7C8-4F67-9675-BF4B317058C9}"/>
                     </a:ext>
                   </a:extLst>
                 </p:cNvPr>
@@ -9282,7 +9289,7 @@
                 <p:cNvPr id="60" name="Retângulo: Cantos Arredondados 59">
                   <a:extLst>
                     <a:ext uri="{FF2B5EF4-FFF2-40B4-BE49-F238E27FC236}">
-                      <a16:creationId xmlns="" xmlns:a16="http://schemas.microsoft.com/office/drawing/2014/main" id="{F6D87E8A-C0A6-4044-AD19-03CAD4884A03}"/>
+                      <a16:creationId xmlns:a16="http://schemas.microsoft.com/office/drawing/2014/main" xmlns="" id="{F6D87E8A-C0A6-4044-AD19-03CAD4884A03}"/>
                     </a:ext>
                   </a:extLst>
                 </p:cNvPr>
@@ -9334,7 +9341,7 @@
                 <p:cNvPr id="61" name="Retângulo: Cantos Arredondados 60">
                   <a:extLst>
                     <a:ext uri="{FF2B5EF4-FFF2-40B4-BE49-F238E27FC236}">
-                      <a16:creationId xmlns="" xmlns:a16="http://schemas.microsoft.com/office/drawing/2014/main" id="{29BCB2F9-B9DC-4991-B0D7-4024858998C6}"/>
+                      <a16:creationId xmlns:a16="http://schemas.microsoft.com/office/drawing/2014/main" xmlns="" id="{29BCB2F9-B9DC-4991-B0D7-4024858998C6}"/>
                     </a:ext>
                   </a:extLst>
                 </p:cNvPr>
@@ -9386,7 +9393,7 @@
                 <p:cNvPr id="62" name="Retângulo: Cantos Arredondados 61">
                   <a:extLst>
                     <a:ext uri="{FF2B5EF4-FFF2-40B4-BE49-F238E27FC236}">
-                      <a16:creationId xmlns="" xmlns:a16="http://schemas.microsoft.com/office/drawing/2014/main" id="{B9CB0BB4-6CB8-4FEF-BF1C-671B6FC0FEDF}"/>
+                      <a16:creationId xmlns:a16="http://schemas.microsoft.com/office/drawing/2014/main" xmlns="" id="{B9CB0BB4-6CB8-4FEF-BF1C-671B6FC0FEDF}"/>
                     </a:ext>
                   </a:extLst>
                 </p:cNvPr>
@@ -9446,6 +9453,13 @@
   <p:clrMapOvr>
     <a:masterClrMapping/>
   </p:clrMapOvr>
+  <p:timing>
+    <p:tnLst>
+      <p:par>
+        <p:cTn id="1" dur="indefinite" restart="never" nodeType="tmRoot"/>
+      </p:par>
+    </p:tnLst>
+  </p:timing>
 </p:sld>
 </file>
 
@@ -9485,7 +9499,7 @@
             <p:cNvPr id="29" name="Agrupar 28">
               <a:extLst>
                 <a:ext uri="{FF2B5EF4-FFF2-40B4-BE49-F238E27FC236}">
-                  <a16:creationId xmlns="" xmlns:a16="http://schemas.microsoft.com/office/drawing/2014/main" id="{D901CE6E-7119-4BCC-AFB1-6843519250D5}"/>
+                  <a16:creationId xmlns:a16="http://schemas.microsoft.com/office/drawing/2014/main" xmlns="" id="{D901CE6E-7119-4BCC-AFB1-6843519250D5}"/>
                 </a:ext>
               </a:extLst>
             </p:cNvPr>
@@ -9505,7 +9519,7 @@
               <p:cNvPr id="30" name="Elipse 29">
                 <a:extLst>
                   <a:ext uri="{FF2B5EF4-FFF2-40B4-BE49-F238E27FC236}">
-                    <a16:creationId xmlns="" xmlns:a16="http://schemas.microsoft.com/office/drawing/2014/main" id="{04088BF3-B2E4-40D9-8DE2-881FC9DDFA30}"/>
+                    <a16:creationId xmlns:a16="http://schemas.microsoft.com/office/drawing/2014/main" xmlns="" id="{04088BF3-B2E4-40D9-8DE2-881FC9DDFA30}"/>
                   </a:ext>
                 </a:extLst>
               </p:cNvPr>
@@ -9557,7 +9571,7 @@
               <p:cNvPr id="31" name="Elipse 30">
                 <a:extLst>
                   <a:ext uri="{FF2B5EF4-FFF2-40B4-BE49-F238E27FC236}">
-                    <a16:creationId xmlns="" xmlns:a16="http://schemas.microsoft.com/office/drawing/2014/main" id="{744C0D49-D95C-4385-B1D3-9CF3CE73F757}"/>
+                    <a16:creationId xmlns:a16="http://schemas.microsoft.com/office/drawing/2014/main" xmlns="" id="{744C0D49-D95C-4385-B1D3-9CF3CE73F757}"/>
                   </a:ext>
                 </a:extLst>
               </p:cNvPr>
@@ -9621,7 +9635,7 @@
             <p:cNvPr id="8" name="Agrupar 65">
               <a:extLst>
                 <a:ext uri="{FF2B5EF4-FFF2-40B4-BE49-F238E27FC236}">
-                  <a16:creationId xmlns="" xmlns:a16="http://schemas.microsoft.com/office/drawing/2014/main" id="{E6954B9F-5A79-48D6-8E26-CE435D817D49}"/>
+                  <a16:creationId xmlns:a16="http://schemas.microsoft.com/office/drawing/2014/main" xmlns="" id="{E6954B9F-5A79-48D6-8E26-CE435D817D49}"/>
                 </a:ext>
               </a:extLst>
             </p:cNvPr>
@@ -9644,7 +9658,7 @@
               <p:cNvPr id="9" name="Retângulo: Cantos Arredondados 42">
                 <a:extLst>
                   <a:ext uri="{FF2B5EF4-FFF2-40B4-BE49-F238E27FC236}">
-                    <a16:creationId xmlns="" xmlns:a16="http://schemas.microsoft.com/office/drawing/2014/main" id="{E26F953E-591C-42D2-BE35-A65C44304A4F}"/>
+                    <a16:creationId xmlns:a16="http://schemas.microsoft.com/office/drawing/2014/main" xmlns="" id="{E26F953E-591C-42D2-BE35-A65C44304A4F}"/>
                   </a:ext>
                 </a:extLst>
               </p:cNvPr>
@@ -9696,7 +9710,7 @@
               <p:cNvPr id="10" name="Retângulo: Cantos Arredondados 44">
                 <a:extLst>
                   <a:ext uri="{FF2B5EF4-FFF2-40B4-BE49-F238E27FC236}">
-                    <a16:creationId xmlns="" xmlns:a16="http://schemas.microsoft.com/office/drawing/2014/main" id="{27A23B4D-3B78-466F-BC1D-26F73EB37732}"/>
+                    <a16:creationId xmlns:a16="http://schemas.microsoft.com/office/drawing/2014/main" xmlns="" id="{27A23B4D-3B78-466F-BC1D-26F73EB37732}"/>
                   </a:ext>
                 </a:extLst>
               </p:cNvPr>
@@ -9748,7 +9762,7 @@
               <p:cNvPr id="11" name="Retângulo: Cantos Arredondados 45">
                 <a:extLst>
                   <a:ext uri="{FF2B5EF4-FFF2-40B4-BE49-F238E27FC236}">
-                    <a16:creationId xmlns="" xmlns:a16="http://schemas.microsoft.com/office/drawing/2014/main" id="{0DF5B6B1-60E6-42C2-897B-8E521DD10138}"/>
+                    <a16:creationId xmlns:a16="http://schemas.microsoft.com/office/drawing/2014/main" xmlns="" id="{0DF5B6B1-60E6-42C2-897B-8E521DD10138}"/>
                   </a:ext>
                 </a:extLst>
               </p:cNvPr>
@@ -9800,7 +9814,7 @@
               <p:cNvPr id="12" name="Forma Livre: Forma 48">
                 <a:extLst>
                   <a:ext uri="{FF2B5EF4-FFF2-40B4-BE49-F238E27FC236}">
-                    <a16:creationId xmlns="" xmlns:a16="http://schemas.microsoft.com/office/drawing/2014/main" id="{147EA51B-9824-4893-8BCB-944C95F4AD44}"/>
+                    <a16:creationId xmlns:a16="http://schemas.microsoft.com/office/drawing/2014/main" xmlns="" id="{147EA51B-9824-4893-8BCB-944C95F4AD44}"/>
                   </a:ext>
                 </a:extLst>
               </p:cNvPr>
@@ -9929,7 +9943,7 @@
               <p:cNvPr id="13" name="Retângulo 12">
                 <a:extLst>
                   <a:ext uri="{FF2B5EF4-FFF2-40B4-BE49-F238E27FC236}">
-                    <a16:creationId xmlns="" xmlns:a16="http://schemas.microsoft.com/office/drawing/2014/main" id="{49C67F48-55A3-422E-B4F5-9174C0AB9645}"/>
+                    <a16:creationId xmlns:a16="http://schemas.microsoft.com/office/drawing/2014/main" xmlns="" id="{49C67F48-55A3-422E-B4F5-9174C0AB9645}"/>
                   </a:ext>
                 </a:extLst>
               </p:cNvPr>
@@ -9979,7 +9993,7 @@
               <p:cNvPr id="14" name="Retângulo: Cantos Arredondados 50">
                 <a:extLst>
                   <a:ext uri="{FF2B5EF4-FFF2-40B4-BE49-F238E27FC236}">
-                    <a16:creationId xmlns="" xmlns:a16="http://schemas.microsoft.com/office/drawing/2014/main" id="{81588C93-3361-4B45-9648-2FA7EF14917B}"/>
+                    <a16:creationId xmlns:a16="http://schemas.microsoft.com/office/drawing/2014/main" xmlns="" id="{81588C93-3361-4B45-9648-2FA7EF14917B}"/>
                   </a:ext>
                 </a:extLst>
               </p:cNvPr>
@@ -10035,7 +10049,7 @@
               <p:cNvPr id="15" name="Retângulo: Cantos Arredondados 51">
                 <a:extLst>
                   <a:ext uri="{FF2B5EF4-FFF2-40B4-BE49-F238E27FC236}">
-                    <a16:creationId xmlns="" xmlns:a16="http://schemas.microsoft.com/office/drawing/2014/main" id="{40BD0A9D-8A67-4FEC-A85A-0C36C97F9065}"/>
+                    <a16:creationId xmlns:a16="http://schemas.microsoft.com/office/drawing/2014/main" xmlns="" id="{40BD0A9D-8A67-4FEC-A85A-0C36C97F9065}"/>
                   </a:ext>
                 </a:extLst>
               </p:cNvPr>
@@ -10098,6 +10112,13 @@
   <p:clrMapOvr>
     <a:masterClrMapping/>
   </p:clrMapOvr>
+  <p:timing>
+    <p:tnLst>
+      <p:par>
+        <p:cTn id="1" dur="indefinite" restart="never" nodeType="tmRoot"/>
+      </p:par>
+    </p:tnLst>
+  </p:timing>
 </p:sld>
 </file>
 
@@ -10123,7 +10144,7 @@
           <p:cNvPr id="10" name="Agrupar 9">
             <a:extLst>
               <a:ext uri="{FF2B5EF4-FFF2-40B4-BE49-F238E27FC236}">
-                <a16:creationId xmlns="" xmlns:a16="http://schemas.microsoft.com/office/drawing/2014/main" id="{ADBF5DBA-6DC9-4430-AEE5-4797DB99B793}"/>
+                <a16:creationId xmlns:a16="http://schemas.microsoft.com/office/drawing/2014/main" xmlns="" id="{ADBF5DBA-6DC9-4430-AEE5-4797DB99B793}"/>
               </a:ext>
             </a:extLst>
           </p:cNvPr>
@@ -10143,7 +10164,7 @@
             <p:cNvPr id="5" name="Agrupar 4">
               <a:extLst>
                 <a:ext uri="{FF2B5EF4-FFF2-40B4-BE49-F238E27FC236}">
-                  <a16:creationId xmlns="" xmlns:a16="http://schemas.microsoft.com/office/drawing/2014/main" id="{6A4BADB4-8395-4D64-AA65-99E4BBA58AA6}"/>
+                  <a16:creationId xmlns:a16="http://schemas.microsoft.com/office/drawing/2014/main" xmlns="" id="{6A4BADB4-8395-4D64-AA65-99E4BBA58AA6}"/>
                 </a:ext>
               </a:extLst>
             </p:cNvPr>
@@ -10163,7 +10184,7 @@
               <p:cNvPr id="7" name="Elipse 6">
                 <a:extLst>
                   <a:ext uri="{FF2B5EF4-FFF2-40B4-BE49-F238E27FC236}">
-                    <a16:creationId xmlns="" xmlns:a16="http://schemas.microsoft.com/office/drawing/2014/main" id="{FC805A12-37B6-40BC-8F8F-70331A547323}"/>
+                    <a16:creationId xmlns:a16="http://schemas.microsoft.com/office/drawing/2014/main" xmlns="" id="{FC805A12-37B6-40BC-8F8F-70331A547323}"/>
                   </a:ext>
                 </a:extLst>
               </p:cNvPr>
@@ -10215,7 +10236,7 @@
               <p:cNvPr id="8" name="Elipse 7">
                 <a:extLst>
                   <a:ext uri="{FF2B5EF4-FFF2-40B4-BE49-F238E27FC236}">
-                    <a16:creationId xmlns="" xmlns:a16="http://schemas.microsoft.com/office/drawing/2014/main" id="{3B167D11-B095-4F49-A04C-1A3C7AF5E517}"/>
+                    <a16:creationId xmlns:a16="http://schemas.microsoft.com/office/drawing/2014/main" xmlns="" id="{3B167D11-B095-4F49-A04C-1A3C7AF5E517}"/>
                   </a:ext>
                 </a:extLst>
               </p:cNvPr>
@@ -10279,7 +10300,7 @@
             <p:cNvPr id="9" name="Balão de Pensamento: Nuvem 8">
               <a:extLst>
                 <a:ext uri="{FF2B5EF4-FFF2-40B4-BE49-F238E27FC236}">
-                  <a16:creationId xmlns="" xmlns:a16="http://schemas.microsoft.com/office/drawing/2014/main" id="{08B7F520-3234-41C8-82E4-15176AB69054}"/>
+                  <a16:creationId xmlns:a16="http://schemas.microsoft.com/office/drawing/2014/main" xmlns="" id="{08B7F520-3234-41C8-82E4-15176AB69054}"/>
                 </a:ext>
               </a:extLst>
             </p:cNvPr>
@@ -10337,6 +10358,13 @@
   <p:clrMapOvr>
     <a:masterClrMapping/>
   </p:clrMapOvr>
+  <p:timing>
+    <p:tnLst>
+      <p:par>
+        <p:cTn id="1" dur="indefinite" restart="never" nodeType="tmRoot"/>
+      </p:par>
+    </p:tnLst>
+  </p:timing>
 </p:sld>
 </file>
 
@@ -10362,7 +10390,7 @@
           <p:cNvPr id="8" name="Agrupar 7">
             <a:extLst>
               <a:ext uri="{FF2B5EF4-FFF2-40B4-BE49-F238E27FC236}">
-                <a16:creationId xmlns="" xmlns:a16="http://schemas.microsoft.com/office/drawing/2014/main" id="{9598AC08-2224-4D86-9767-8963714BDB88}"/>
+                <a16:creationId xmlns:a16="http://schemas.microsoft.com/office/drawing/2014/main" xmlns="" id="{9598AC08-2224-4D86-9767-8963714BDB88}"/>
               </a:ext>
             </a:extLst>
           </p:cNvPr>
@@ -10382,7 +10410,7 @@
             <p:cNvPr id="1026" name="Picture 2" descr="Resultado de imagem para estudo">
               <a:extLst>
                 <a:ext uri="{FF2B5EF4-FFF2-40B4-BE49-F238E27FC236}">
-                  <a16:creationId xmlns="" xmlns:a16="http://schemas.microsoft.com/office/drawing/2014/main" id="{3EAF1442-2CCD-47A6-9351-957D2C84D408}"/>
+                  <a16:creationId xmlns:a16="http://schemas.microsoft.com/office/drawing/2014/main" xmlns="" id="{3EAF1442-2CCD-47A6-9351-957D2C84D408}"/>
                 </a:ext>
               </a:extLst>
             </p:cNvPr>
@@ -10441,7 +10469,7 @@
             <p:cNvPr id="6" name="Retângulo 5">
               <a:extLst>
                 <a:ext uri="{FF2B5EF4-FFF2-40B4-BE49-F238E27FC236}">
-                  <a16:creationId xmlns="" xmlns:a16="http://schemas.microsoft.com/office/drawing/2014/main" id="{FFB67B42-C623-4336-AD94-318190B1E634}"/>
+                  <a16:creationId xmlns:a16="http://schemas.microsoft.com/office/drawing/2014/main" xmlns="" id="{FFB67B42-C623-4336-AD94-318190B1E634}"/>
                 </a:ext>
               </a:extLst>
             </p:cNvPr>
@@ -10508,7 +10536,7 @@
             <p:cNvPr id="27" name="Imagem 26">
               <a:extLst>
                 <a:ext uri="{FF2B5EF4-FFF2-40B4-BE49-F238E27FC236}">
-                  <a16:creationId xmlns="" xmlns:a16="http://schemas.microsoft.com/office/drawing/2014/main" id="{A28F0992-992E-4EE1-A689-1F287F122F74}"/>
+                  <a16:creationId xmlns:a16="http://schemas.microsoft.com/office/drawing/2014/main" xmlns="" id="{A28F0992-992E-4EE1-A689-1F287F122F74}"/>
                 </a:ext>
               </a:extLst>
             </p:cNvPr>
@@ -10544,7 +10572,7 @@
             <p:cNvPr id="28" name="Balão de Fala: Retângulo com Cantos Arredondados 27">
               <a:extLst>
                 <a:ext uri="{FF2B5EF4-FFF2-40B4-BE49-F238E27FC236}">
-                  <a16:creationId xmlns="" xmlns:a16="http://schemas.microsoft.com/office/drawing/2014/main" id="{9FBA78BA-43B5-4E98-9F4D-913B30F76A08}"/>
+                  <a16:creationId xmlns:a16="http://schemas.microsoft.com/office/drawing/2014/main" xmlns="" id="{9FBA78BA-43B5-4E98-9F4D-913B30F76A08}"/>
                 </a:ext>
               </a:extLst>
             </p:cNvPr>
@@ -10598,7 +10626,7 @@
             <p:cNvPr id="4" name="CaixaDeTexto 3">
               <a:extLst>
                 <a:ext uri="{FF2B5EF4-FFF2-40B4-BE49-F238E27FC236}">
-                  <a16:creationId xmlns="" xmlns:a16="http://schemas.microsoft.com/office/drawing/2014/main" id="{D8864BD8-EFB4-4A37-8195-112719DC3180}"/>
+                  <a16:creationId xmlns:a16="http://schemas.microsoft.com/office/drawing/2014/main" xmlns="" id="{D8864BD8-EFB4-4A37-8195-112719DC3180}"/>
                 </a:ext>
               </a:extLst>
             </p:cNvPr>
@@ -10677,7 +10705,7 @@
             <p:cNvPr id="5" name="Agrupar 4">
               <a:extLst>
                 <a:ext uri="{FF2B5EF4-FFF2-40B4-BE49-F238E27FC236}">
-                  <a16:creationId xmlns="" xmlns:a16="http://schemas.microsoft.com/office/drawing/2014/main" id="{490416C6-D865-48B4-9EC4-7EA95BD62C2B}"/>
+                  <a16:creationId xmlns:a16="http://schemas.microsoft.com/office/drawing/2014/main" xmlns="" id="{490416C6-D865-48B4-9EC4-7EA95BD62C2B}"/>
                 </a:ext>
               </a:extLst>
             </p:cNvPr>
@@ -10697,7 +10725,7 @@
               <p:cNvPr id="13" name="Agrupar 12">
                 <a:extLst>
                   <a:ext uri="{FF2B5EF4-FFF2-40B4-BE49-F238E27FC236}">
-                    <a16:creationId xmlns="" xmlns:a16="http://schemas.microsoft.com/office/drawing/2014/main" id="{BA46FBC4-2FC7-4858-8AC8-1AA7DC2698F2}"/>
+                    <a16:creationId xmlns:a16="http://schemas.microsoft.com/office/drawing/2014/main" xmlns="" id="{BA46FBC4-2FC7-4858-8AC8-1AA7DC2698F2}"/>
                   </a:ext>
                 </a:extLst>
               </p:cNvPr>
@@ -10722,7 +10750,7 @@
                 <p:cNvPr id="15" name="Retângulo 14">
                   <a:extLst>
                     <a:ext uri="{FF2B5EF4-FFF2-40B4-BE49-F238E27FC236}">
-                      <a16:creationId xmlns="" xmlns:a16="http://schemas.microsoft.com/office/drawing/2014/main" id="{9357BC88-5F9C-4B37-801F-740E49A99B2D}"/>
+                      <a16:creationId xmlns:a16="http://schemas.microsoft.com/office/drawing/2014/main" xmlns="" id="{9357BC88-5F9C-4B37-801F-740E49A99B2D}"/>
                     </a:ext>
                   </a:extLst>
                 </p:cNvPr>
@@ -10772,7 +10800,7 @@
                 <p:cNvPr id="16" name="Retângulo 15">
                   <a:extLst>
                     <a:ext uri="{FF2B5EF4-FFF2-40B4-BE49-F238E27FC236}">
-                      <a16:creationId xmlns="" xmlns:a16="http://schemas.microsoft.com/office/drawing/2014/main" id="{8883DCD6-A360-4639-9272-CB6FF4D1928B}"/>
+                      <a16:creationId xmlns:a16="http://schemas.microsoft.com/office/drawing/2014/main" xmlns="" id="{8883DCD6-A360-4639-9272-CB6FF4D1928B}"/>
                     </a:ext>
                   </a:extLst>
                 </p:cNvPr>
@@ -10822,7 +10850,7 @@
                 <p:cNvPr id="17" name="Forma Livre: Forma 16">
                   <a:extLst>
                     <a:ext uri="{FF2B5EF4-FFF2-40B4-BE49-F238E27FC236}">
-                      <a16:creationId xmlns="" xmlns:a16="http://schemas.microsoft.com/office/drawing/2014/main" id="{B2723843-0992-417D-B640-1F1E9CA98AE1}"/>
+                      <a16:creationId xmlns:a16="http://schemas.microsoft.com/office/drawing/2014/main" xmlns="" id="{B2723843-0992-417D-B640-1F1E9CA98AE1}"/>
                     </a:ext>
                   </a:extLst>
                 </p:cNvPr>
@@ -10987,7 +11015,7 @@
                 <p:cNvPr id="18" name="Forma Livre: Forma 17">
                   <a:extLst>
                     <a:ext uri="{FF2B5EF4-FFF2-40B4-BE49-F238E27FC236}">
-                      <a16:creationId xmlns="" xmlns:a16="http://schemas.microsoft.com/office/drawing/2014/main" id="{6DEBE9FE-475A-4D28-B483-7FC202F867C7}"/>
+                      <a16:creationId xmlns:a16="http://schemas.microsoft.com/office/drawing/2014/main" xmlns="" id="{6DEBE9FE-475A-4D28-B483-7FC202F867C7}"/>
                     </a:ext>
                   </a:extLst>
                 </p:cNvPr>
@@ -11137,7 +11165,7 @@
                 <p:cNvPr id="19" name="Forma Livre: Forma 18">
                   <a:extLst>
                     <a:ext uri="{FF2B5EF4-FFF2-40B4-BE49-F238E27FC236}">
-                      <a16:creationId xmlns="" xmlns:a16="http://schemas.microsoft.com/office/drawing/2014/main" id="{60F15F93-0A46-46A8-ACB4-E3DA08AD8176}"/>
+                      <a16:creationId xmlns:a16="http://schemas.microsoft.com/office/drawing/2014/main" xmlns="" id="{60F15F93-0A46-46A8-ACB4-E3DA08AD8176}"/>
                     </a:ext>
                   </a:extLst>
                 </p:cNvPr>
@@ -11433,7 +11461,7 @@
                 <p:cNvPr id="20" name="Agrupar 19">
                   <a:extLst>
                     <a:ext uri="{FF2B5EF4-FFF2-40B4-BE49-F238E27FC236}">
-                      <a16:creationId xmlns="" xmlns:a16="http://schemas.microsoft.com/office/drawing/2014/main" id="{178E7C7E-41B2-416D-A250-1E376B043CC5}"/>
+                      <a16:creationId xmlns:a16="http://schemas.microsoft.com/office/drawing/2014/main" xmlns="" id="{178E7C7E-41B2-416D-A250-1E376B043CC5}"/>
                     </a:ext>
                   </a:extLst>
                 </p:cNvPr>
@@ -11454,7 +11482,7 @@
                   <p:cNvPr id="21" name="Cruz 20">
                     <a:extLst>
                       <a:ext uri="{FF2B5EF4-FFF2-40B4-BE49-F238E27FC236}">
-                        <a16:creationId xmlns="" xmlns:a16="http://schemas.microsoft.com/office/drawing/2014/main" id="{2149E439-BB27-47A6-8B29-66258FD38C44}"/>
+                        <a16:creationId xmlns:a16="http://schemas.microsoft.com/office/drawing/2014/main" xmlns="" id="{2149E439-BB27-47A6-8B29-66258FD38C44}"/>
                       </a:ext>
                     </a:extLst>
                   </p:cNvPr>
@@ -11506,7 +11534,7 @@
                   <p:cNvPr id="22" name="Cruz 21">
                     <a:extLst>
                       <a:ext uri="{FF2B5EF4-FFF2-40B4-BE49-F238E27FC236}">
-                        <a16:creationId xmlns="" xmlns:a16="http://schemas.microsoft.com/office/drawing/2014/main" id="{FC33683E-1BC6-41EB-A0B6-69ED1DA02866}"/>
+                        <a16:creationId xmlns:a16="http://schemas.microsoft.com/office/drawing/2014/main" xmlns="" id="{FC33683E-1BC6-41EB-A0B6-69ED1DA02866}"/>
                       </a:ext>
                     </a:extLst>
                   </p:cNvPr>
@@ -11558,7 +11586,7 @@
                   <p:cNvPr id="23" name="Cruz 22">
                     <a:extLst>
                       <a:ext uri="{FF2B5EF4-FFF2-40B4-BE49-F238E27FC236}">
-                        <a16:creationId xmlns="" xmlns:a16="http://schemas.microsoft.com/office/drawing/2014/main" id="{10EF9D45-5ED9-4AB0-A47E-9068223F1CD6}"/>
+                        <a16:creationId xmlns:a16="http://schemas.microsoft.com/office/drawing/2014/main" xmlns="" id="{10EF9D45-5ED9-4AB0-A47E-9068223F1CD6}"/>
                       </a:ext>
                     </a:extLst>
                   </p:cNvPr>
@@ -11610,7 +11638,7 @@
                   <p:cNvPr id="24" name="Grupo 19">
                     <a:extLst>
                       <a:ext uri="{FF2B5EF4-FFF2-40B4-BE49-F238E27FC236}">
-                        <a16:creationId xmlns="" xmlns:a16="http://schemas.microsoft.com/office/drawing/2014/main" id="{034F0F40-7E9E-46BE-A8F4-803DCAAEE67D}"/>
+                        <a16:creationId xmlns:a16="http://schemas.microsoft.com/office/drawing/2014/main" xmlns="" id="{034F0F40-7E9E-46BE-A8F4-803DCAAEE67D}"/>
                       </a:ext>
                     </a:extLst>
                   </p:cNvPr>
@@ -11631,7 +11659,7 @@
                     <p:cNvPr id="25" name="Cruz 24">
                       <a:extLst>
                         <a:ext uri="{FF2B5EF4-FFF2-40B4-BE49-F238E27FC236}">
-                          <a16:creationId xmlns="" xmlns:a16="http://schemas.microsoft.com/office/drawing/2014/main" id="{0431BD47-C23F-4D16-A1BE-8ABFC2519B5F}"/>
+                          <a16:creationId xmlns:a16="http://schemas.microsoft.com/office/drawing/2014/main" xmlns="" id="{0431BD47-C23F-4D16-A1BE-8ABFC2519B5F}"/>
                         </a:ext>
                       </a:extLst>
                     </p:cNvPr>
@@ -11683,7 +11711,7 @@
                     <p:cNvPr id="26" name="Cruz 25">
                       <a:extLst>
                         <a:ext uri="{FF2B5EF4-FFF2-40B4-BE49-F238E27FC236}">
-                          <a16:creationId xmlns="" xmlns:a16="http://schemas.microsoft.com/office/drawing/2014/main" id="{0DE84CDA-DB56-4A8C-A859-AA59AD65F9EA}"/>
+                          <a16:creationId xmlns:a16="http://schemas.microsoft.com/office/drawing/2014/main" xmlns="" id="{0DE84CDA-DB56-4A8C-A859-AA59AD65F9EA}"/>
                         </a:ext>
                       </a:extLst>
                     </p:cNvPr>
@@ -11738,7 +11766,7 @@
               <p:cNvPr id="14" name="Triângulo Retângulo 13">
                 <a:extLst>
                   <a:ext uri="{FF2B5EF4-FFF2-40B4-BE49-F238E27FC236}">
-                    <a16:creationId xmlns="" xmlns:a16="http://schemas.microsoft.com/office/drawing/2014/main" id="{ACC57A60-211E-4911-8FD2-180C93A80BD0}"/>
+                    <a16:creationId xmlns:a16="http://schemas.microsoft.com/office/drawing/2014/main" xmlns="" id="{ACC57A60-211E-4911-8FD2-180C93A80BD0}"/>
                   </a:ext>
                 </a:extLst>
               </p:cNvPr>
@@ -12145,8 +12173,8 @@
         </p:nvGrpSpPr>
         <p:grpSpPr>
           <a:xfrm>
-            <a:off x="6720327" y="4124930"/>
-            <a:ext cx="323310" cy="356031"/>
+            <a:off x="6750299" y="4124931"/>
+            <a:ext cx="283491" cy="312182"/>
             <a:chOff x="3249702" y="2110164"/>
             <a:chExt cx="1826354" cy="2011192"/>
           </a:xfrm>
@@ -12350,235 +12378,2676 @@
           </a:p>
         </p:txBody>
       </p:sp>
-      <p:pic>
-        <p:nvPicPr>
-          <p:cNvPr id="21" name="Imagem 20"/>
-          <p:cNvPicPr>
-            <a:picLocks noChangeAspect="1"/>
-          </p:cNvPicPr>
-          <p:nvPr/>
-        </p:nvPicPr>
-        <p:blipFill>
-          <a:blip r:embed="rId5" cstate="print">
+      <p:grpSp>
+        <p:nvGrpSpPr>
+          <p:cNvPr id="16" name="Agrupar 10">
             <a:extLst>
-              <a:ext uri="{28A0092B-C50C-407E-A947-70E740481C1C}">
-                <a14:useLocalDpi xmlns:a14="http://schemas.microsoft.com/office/drawing/2010/main" val="0"/>
+              <a:ext uri="{FF2B5EF4-FFF2-40B4-BE49-F238E27FC236}">
+                <a16:creationId xmlns:a16="http://schemas.microsoft.com/office/drawing/2014/main" xmlns="" id="{6AF02D4B-4DF3-475B-B829-3C06117FCA8A}"/>
               </a:ext>
             </a:extLst>
-          </a:blip>
-          <a:stretch>
-            <a:fillRect/>
-          </a:stretch>
-        </p:blipFill>
-        <p:spPr>
+          </p:cNvPr>
+          <p:cNvGrpSpPr/>
+          <p:nvPr/>
+        </p:nvGrpSpPr>
+        <p:grpSpPr>
           <a:xfrm>
-            <a:off x="5076056" y="3445605"/>
-            <a:ext cx="326462" cy="326827"/>
+            <a:off x="4440093" y="3298420"/>
+            <a:ext cx="682706" cy="682706"/>
+            <a:chOff x="1691680" y="548680"/>
+            <a:chExt cx="5472608" cy="5472608"/>
           </a:xfrm>
-          <a:prstGeom prst="rect">
-            <a:avLst/>
-          </a:prstGeom>
-        </p:spPr>
-      </p:pic>
-      <p:pic>
-        <p:nvPicPr>
-          <p:cNvPr id="22" name="Imagem 21"/>
-          <p:cNvPicPr>
-            <a:picLocks noChangeAspect="1"/>
-          </p:cNvPicPr>
-          <p:nvPr/>
-        </p:nvPicPr>
-        <p:blipFill>
-          <a:blip r:embed="rId6" cstate="print">
+        </p:grpSpPr>
+        <p:sp>
+          <p:nvSpPr>
+            <p:cNvPr id="19" name="Elipse 18">
+              <a:extLst>
+                <a:ext uri="{FF2B5EF4-FFF2-40B4-BE49-F238E27FC236}">
+                  <a16:creationId xmlns:a16="http://schemas.microsoft.com/office/drawing/2014/main" xmlns="" id="{DC48528D-2244-4D30-8F41-EF1272F6C6E4}"/>
+                </a:ext>
+              </a:extLst>
+            </p:cNvPr>
+            <p:cNvSpPr/>
+            <p:nvPr/>
+          </p:nvSpPr>
+          <p:spPr>
+            <a:xfrm>
+              <a:off x="1691680" y="548680"/>
+              <a:ext cx="5472608" cy="5472608"/>
+            </a:xfrm>
+            <a:prstGeom prst="ellipse">
+              <a:avLst/>
+            </a:prstGeom>
+            <a:solidFill>
+              <a:schemeClr val="accent5"/>
+            </a:solidFill>
+            <a:ln>
+              <a:noFill/>
+            </a:ln>
+          </p:spPr>
+          <p:style>
+            <a:lnRef idx="2">
+              <a:schemeClr val="accent1">
+                <a:shade val="50000"/>
+              </a:schemeClr>
+            </a:lnRef>
+            <a:fillRef idx="1">
+              <a:schemeClr val="accent1"/>
+            </a:fillRef>
+            <a:effectRef idx="0">
+              <a:schemeClr val="accent1"/>
+            </a:effectRef>
+            <a:fontRef idx="minor">
+              <a:schemeClr val="lt1"/>
+            </a:fontRef>
+          </p:style>
+          <p:txBody>
+            <a:bodyPr rtlCol="0" anchor="ctr"/>
+            <a:lstStyle/>
+            <a:p>
+              <a:pPr algn="ctr"/>
+              <a:endParaRPr lang="pt-BR" dirty="0"/>
+            </a:p>
+          </p:txBody>
+        </p:sp>
+        <p:sp>
+          <p:nvSpPr>
+            <p:cNvPr id="24" name="Elipse 23">
+              <a:extLst>
+                <a:ext uri="{FF2B5EF4-FFF2-40B4-BE49-F238E27FC236}">
+                  <a16:creationId xmlns:a16="http://schemas.microsoft.com/office/drawing/2014/main" xmlns="" id="{FC41C085-3866-4F15-B8F6-7312BBF43D3D}"/>
+                </a:ext>
+              </a:extLst>
+            </p:cNvPr>
+            <p:cNvSpPr/>
+            <p:nvPr/>
+          </p:nvSpPr>
+          <p:spPr>
+            <a:xfrm>
+              <a:off x="1979712" y="836712"/>
+              <a:ext cx="4896544" cy="4896544"/>
+            </a:xfrm>
+            <a:prstGeom prst="ellipse">
+              <a:avLst/>
+            </a:prstGeom>
+            <a:gradFill flip="none" rotWithShape="1">
+              <a:gsLst>
+                <a:gs pos="0">
+                  <a:schemeClr val="tx2"/>
+                </a:gs>
+                <a:gs pos="100000">
+                  <a:srgbClr val="0070C0"/>
+                </a:gs>
+              </a:gsLst>
+              <a:path path="circle">
+                <a:fillToRect l="100000" t="100000"/>
+              </a:path>
+              <a:tileRect r="-100000" b="-100000"/>
+            </a:gradFill>
+            <a:ln>
+              <a:noFill/>
+            </a:ln>
+          </p:spPr>
+          <p:style>
+            <a:lnRef idx="2">
+              <a:schemeClr val="accent1">
+                <a:shade val="50000"/>
+              </a:schemeClr>
+            </a:lnRef>
+            <a:fillRef idx="1">
+              <a:schemeClr val="accent1"/>
+            </a:fillRef>
+            <a:effectRef idx="0">
+              <a:schemeClr val="accent1"/>
+            </a:effectRef>
+            <a:fontRef idx="minor">
+              <a:schemeClr val="lt1"/>
+            </a:fontRef>
+          </p:style>
+          <p:txBody>
+            <a:bodyPr rtlCol="0" anchor="ctr"/>
+            <a:lstStyle/>
+            <a:p>
+              <a:pPr algn="ctr"/>
+              <a:endParaRPr lang="pt-BR" dirty="0"/>
+            </a:p>
+          </p:txBody>
+        </p:sp>
+        <p:grpSp>
+          <p:nvGrpSpPr>
+            <p:cNvPr id="25" name="Agrupar 9">
+              <a:extLst>
+                <a:ext uri="{FF2B5EF4-FFF2-40B4-BE49-F238E27FC236}">
+                  <a16:creationId xmlns:a16="http://schemas.microsoft.com/office/drawing/2014/main" xmlns="" id="{1B5F2692-C765-4EC2-80E6-6BCCEE306581}"/>
+                </a:ext>
+              </a:extLst>
+            </p:cNvPr>
+            <p:cNvGrpSpPr/>
+            <p:nvPr/>
+          </p:nvGrpSpPr>
+          <p:grpSpPr>
+            <a:xfrm>
+              <a:off x="2843808" y="1700808"/>
+              <a:ext cx="3168352" cy="3168352"/>
+              <a:chOff x="2699792" y="1700807"/>
+              <a:chExt cx="3456384" cy="3456383"/>
+            </a:xfrm>
+          </p:grpSpPr>
+          <p:sp>
+            <p:nvSpPr>
+              <p:cNvPr id="26" name="Retângulo: Cantos Arredondados 7">
+                <a:extLst>
+                  <a:ext uri="{FF2B5EF4-FFF2-40B4-BE49-F238E27FC236}">
+                    <a16:creationId xmlns:a16="http://schemas.microsoft.com/office/drawing/2014/main" xmlns="" id="{642A98A9-5B39-4661-B7AD-4ED8AFAFC1E3}"/>
+                  </a:ext>
+                </a:extLst>
+              </p:cNvPr>
+              <p:cNvSpPr/>
+              <p:nvPr/>
+            </p:nvSpPr>
+            <p:spPr>
+              <a:xfrm rot="16200000">
+                <a:off x="3923928" y="1700808"/>
+                <a:ext cx="1008112" cy="3456384"/>
+              </a:xfrm>
+              <a:prstGeom prst="roundRect">
+                <a:avLst>
+                  <a:gd name="adj" fmla="val 50000"/>
+                </a:avLst>
+              </a:prstGeom>
+              <a:solidFill>
+                <a:schemeClr val="bg1"/>
+              </a:solidFill>
+              <a:ln>
+                <a:noFill/>
+              </a:ln>
+            </p:spPr>
+            <p:style>
+              <a:lnRef idx="2">
+                <a:schemeClr val="accent1">
+                  <a:shade val="50000"/>
+                </a:schemeClr>
+              </a:lnRef>
+              <a:fillRef idx="1">
+                <a:schemeClr val="accent1"/>
+              </a:fillRef>
+              <a:effectRef idx="0">
+                <a:schemeClr val="accent1"/>
+              </a:effectRef>
+              <a:fontRef idx="minor">
+                <a:schemeClr val="lt1"/>
+              </a:fontRef>
+            </p:style>
+            <p:txBody>
+              <a:bodyPr rtlCol="0" anchor="ctr"/>
+              <a:lstStyle/>
+              <a:p>
+                <a:pPr algn="ctr"/>
+                <a:endParaRPr lang="pt-BR" dirty="0"/>
+              </a:p>
+            </p:txBody>
+          </p:sp>
+          <p:sp>
+            <p:nvSpPr>
+              <p:cNvPr id="27" name="Retângulo: Cantos Arredondados 8">
+                <a:extLst>
+                  <a:ext uri="{FF2B5EF4-FFF2-40B4-BE49-F238E27FC236}">
+                    <a16:creationId xmlns:a16="http://schemas.microsoft.com/office/drawing/2014/main" xmlns="" id="{11C0A799-8BF3-4FE6-8C64-2079434EF400}"/>
+                  </a:ext>
+                </a:extLst>
+              </p:cNvPr>
+              <p:cNvSpPr/>
+              <p:nvPr/>
+            </p:nvSpPr>
+            <p:spPr>
+              <a:xfrm>
+                <a:off x="3923928" y="1700808"/>
+                <a:ext cx="1008112" cy="3456384"/>
+              </a:xfrm>
+              <a:prstGeom prst="roundRect">
+                <a:avLst>
+                  <a:gd name="adj" fmla="val 50000"/>
+                </a:avLst>
+              </a:prstGeom>
+              <a:solidFill>
+                <a:schemeClr val="bg1"/>
+              </a:solidFill>
+              <a:ln>
+                <a:noFill/>
+              </a:ln>
+            </p:spPr>
+            <p:style>
+              <a:lnRef idx="2">
+                <a:schemeClr val="accent1">
+                  <a:shade val="50000"/>
+                </a:schemeClr>
+              </a:lnRef>
+              <a:fillRef idx="1">
+                <a:schemeClr val="accent1"/>
+              </a:fillRef>
+              <a:effectRef idx="0">
+                <a:schemeClr val="accent1"/>
+              </a:effectRef>
+              <a:fontRef idx="minor">
+                <a:schemeClr val="lt1"/>
+              </a:fontRef>
+            </p:style>
+            <p:txBody>
+              <a:bodyPr rtlCol="0" anchor="ctr"/>
+              <a:lstStyle/>
+              <a:p>
+                <a:pPr algn="ctr"/>
+                <a:endParaRPr lang="pt-BR"/>
+              </a:p>
+            </p:txBody>
+          </p:sp>
+        </p:grpSp>
+      </p:grpSp>
+      <p:grpSp>
+        <p:nvGrpSpPr>
+          <p:cNvPr id="28" name="Agrupar 9">
             <a:extLst>
-              <a:ext uri="{28A0092B-C50C-407E-A947-70E740481C1C}">
-                <a14:useLocalDpi xmlns:a14="http://schemas.microsoft.com/office/drawing/2010/main" val="0"/>
+              <a:ext uri="{FF2B5EF4-FFF2-40B4-BE49-F238E27FC236}">
+                <a16:creationId xmlns:a16="http://schemas.microsoft.com/office/drawing/2014/main" xmlns="" id="{ADBF5DBA-6DC9-4430-AEE5-4797DB99B793}"/>
               </a:ext>
             </a:extLst>
-          </a:blip>
-          <a:stretch>
-            <a:fillRect/>
-          </a:stretch>
-        </p:blipFill>
-        <p:spPr>
+          </p:cNvPr>
+          <p:cNvGrpSpPr/>
+          <p:nvPr/>
+        </p:nvGrpSpPr>
+        <p:grpSpPr>
           <a:xfrm>
-            <a:off x="3917170" y="3445606"/>
-            <a:ext cx="326462" cy="326827"/>
+            <a:off x="3988393" y="3445134"/>
+            <a:ext cx="368468" cy="389278"/>
+            <a:chOff x="1691680" y="548680"/>
+            <a:chExt cx="5472608" cy="5472608"/>
           </a:xfrm>
-          <a:prstGeom prst="rect">
-            <a:avLst/>
-          </a:prstGeom>
-        </p:spPr>
-      </p:pic>
-      <p:pic>
-        <p:nvPicPr>
-          <p:cNvPr id="23" name="Imagem 22"/>
-          <p:cNvPicPr>
-            <a:picLocks noChangeAspect="1"/>
-          </p:cNvPicPr>
+        </p:grpSpPr>
+        <p:grpSp>
+          <p:nvGrpSpPr>
+            <p:cNvPr id="29" name="Agrupar 4">
+              <a:extLst>
+                <a:ext uri="{FF2B5EF4-FFF2-40B4-BE49-F238E27FC236}">
+                  <a16:creationId xmlns:a16="http://schemas.microsoft.com/office/drawing/2014/main" xmlns="" id="{6A4BADB4-8395-4D64-AA65-99E4BBA58AA6}"/>
+                </a:ext>
+              </a:extLst>
+            </p:cNvPr>
+            <p:cNvGrpSpPr/>
+            <p:nvPr/>
+          </p:nvGrpSpPr>
+          <p:grpSpPr>
+            <a:xfrm>
+              <a:off x="1691680" y="548680"/>
+              <a:ext cx="5472608" cy="5472608"/>
+              <a:chOff x="1691680" y="548680"/>
+              <a:chExt cx="5472608" cy="5472608"/>
+            </a:xfrm>
+          </p:grpSpPr>
+          <p:sp>
+            <p:nvSpPr>
+              <p:cNvPr id="31" name="Elipse 30">
+                <a:extLst>
+                  <a:ext uri="{FF2B5EF4-FFF2-40B4-BE49-F238E27FC236}">
+                    <a16:creationId xmlns:a16="http://schemas.microsoft.com/office/drawing/2014/main" xmlns="" id="{FC805A12-37B6-40BC-8F8F-70331A547323}"/>
+                  </a:ext>
+                </a:extLst>
+              </p:cNvPr>
+              <p:cNvSpPr/>
+              <p:nvPr/>
+            </p:nvSpPr>
+            <p:spPr>
+              <a:xfrm>
+                <a:off x="1691680" y="548680"/>
+                <a:ext cx="5472608" cy="5472608"/>
+              </a:xfrm>
+              <a:prstGeom prst="ellipse">
+                <a:avLst/>
+              </a:prstGeom>
+              <a:solidFill>
+                <a:srgbClr val="00B08A"/>
+              </a:solidFill>
+              <a:ln>
+                <a:noFill/>
+              </a:ln>
+            </p:spPr>
+            <p:style>
+              <a:lnRef idx="2">
+                <a:schemeClr val="accent1">
+                  <a:shade val="50000"/>
+                </a:schemeClr>
+              </a:lnRef>
+              <a:fillRef idx="1">
+                <a:schemeClr val="accent1"/>
+              </a:fillRef>
+              <a:effectRef idx="0">
+                <a:schemeClr val="accent1"/>
+              </a:effectRef>
+              <a:fontRef idx="minor">
+                <a:schemeClr val="lt1"/>
+              </a:fontRef>
+            </p:style>
+            <p:txBody>
+              <a:bodyPr rtlCol="0" anchor="ctr"/>
+              <a:lstStyle/>
+              <a:p>
+                <a:pPr algn="ctr"/>
+                <a:endParaRPr lang="pt-BR" dirty="0"/>
+              </a:p>
+            </p:txBody>
+          </p:sp>
+          <p:sp>
+            <p:nvSpPr>
+              <p:cNvPr id="32" name="Elipse 31">
+                <a:extLst>
+                  <a:ext uri="{FF2B5EF4-FFF2-40B4-BE49-F238E27FC236}">
+                    <a16:creationId xmlns:a16="http://schemas.microsoft.com/office/drawing/2014/main" xmlns="" id="{3B167D11-B095-4F49-A04C-1A3C7AF5E517}"/>
+                  </a:ext>
+                </a:extLst>
+              </p:cNvPr>
+              <p:cNvSpPr/>
+              <p:nvPr/>
+            </p:nvSpPr>
+            <p:spPr>
+              <a:xfrm>
+                <a:off x="1979712" y="836712"/>
+                <a:ext cx="4896544" cy="4896544"/>
+              </a:xfrm>
+              <a:prstGeom prst="ellipse">
+                <a:avLst/>
+              </a:prstGeom>
+              <a:gradFill flip="none" rotWithShape="1">
+                <a:gsLst>
+                  <a:gs pos="0">
+                    <a:srgbClr val="25FF88"/>
+                  </a:gs>
+                  <a:gs pos="100000">
+                    <a:srgbClr val="00D1A5"/>
+                  </a:gs>
+                </a:gsLst>
+                <a:path path="shape">
+                  <a:fillToRect l="50000" t="50000" r="50000" b="50000"/>
+                </a:path>
+                <a:tileRect/>
+              </a:gradFill>
+              <a:ln>
+                <a:noFill/>
+              </a:ln>
+            </p:spPr>
+            <p:style>
+              <a:lnRef idx="2">
+                <a:schemeClr val="accent1">
+                  <a:shade val="50000"/>
+                </a:schemeClr>
+              </a:lnRef>
+              <a:fillRef idx="1">
+                <a:schemeClr val="accent1"/>
+              </a:fillRef>
+              <a:effectRef idx="0">
+                <a:schemeClr val="accent1"/>
+              </a:effectRef>
+              <a:fontRef idx="minor">
+                <a:schemeClr val="lt1"/>
+              </a:fontRef>
+            </p:style>
+            <p:txBody>
+              <a:bodyPr rtlCol="0" anchor="ctr"/>
+              <a:lstStyle/>
+              <a:p>
+                <a:pPr algn="ctr"/>
+                <a:endParaRPr lang="pt-BR" dirty="0"/>
+              </a:p>
+            </p:txBody>
+          </p:sp>
+        </p:grpSp>
+        <p:sp>
+          <p:nvSpPr>
+            <p:cNvPr id="30" name="Balão de Pensamento: Nuvem 8">
+              <a:extLst>
+                <a:ext uri="{FF2B5EF4-FFF2-40B4-BE49-F238E27FC236}">
+                  <a16:creationId xmlns:a16="http://schemas.microsoft.com/office/drawing/2014/main" xmlns="" id="{08B7F520-3234-41C8-82E4-15176AB69054}"/>
+                </a:ext>
+              </a:extLst>
+            </p:cNvPr>
+            <p:cNvSpPr/>
+            <p:nvPr/>
+          </p:nvSpPr>
+          <p:spPr>
+            <a:xfrm>
+              <a:off x="2699792" y="2060848"/>
+              <a:ext cx="3528392" cy="2364022"/>
+            </a:xfrm>
+            <a:prstGeom prst="cloudCallout">
+              <a:avLst/>
+            </a:prstGeom>
+            <a:solidFill>
+              <a:schemeClr val="bg1"/>
+            </a:solidFill>
+            <a:ln>
+              <a:noFill/>
+            </a:ln>
+          </p:spPr>
+          <p:style>
+            <a:lnRef idx="2">
+              <a:schemeClr val="accent1">
+                <a:shade val="50000"/>
+              </a:schemeClr>
+            </a:lnRef>
+            <a:fillRef idx="1">
+              <a:schemeClr val="accent1"/>
+            </a:fillRef>
+            <a:effectRef idx="0">
+              <a:schemeClr val="accent1"/>
+            </a:effectRef>
+            <a:fontRef idx="minor">
+              <a:schemeClr val="lt1"/>
+            </a:fontRef>
+          </p:style>
+          <p:txBody>
+            <a:bodyPr rtlCol="0" anchor="ctr"/>
+            <a:lstStyle/>
+            <a:p>
+              <a:pPr algn="ctr"/>
+              <a:endParaRPr lang="pt-BR"/>
+            </a:p>
+          </p:txBody>
+        </p:sp>
+      </p:grpSp>
+      <p:grpSp>
+        <p:nvGrpSpPr>
+          <p:cNvPr id="33" name="Grupo 32"/>
+          <p:cNvGrpSpPr/>
           <p:nvPr/>
-        </p:nvPicPr>
-        <p:blipFill>
-          <a:blip r:embed="rId7" cstate="print">
+        </p:nvGrpSpPr>
+        <p:grpSpPr>
+          <a:xfrm>
+            <a:off x="4566906" y="2825701"/>
+            <a:ext cx="398556" cy="398556"/>
+            <a:chOff x="1691680" y="548680"/>
+            <a:chExt cx="5472608" cy="5472608"/>
+          </a:xfrm>
+        </p:grpSpPr>
+        <p:grpSp>
+          <p:nvGrpSpPr>
+            <p:cNvPr id="34" name="Agrupar 28">
+              <a:extLst>
+                <a:ext uri="{FF2B5EF4-FFF2-40B4-BE49-F238E27FC236}">
+                  <a16:creationId xmlns:a16="http://schemas.microsoft.com/office/drawing/2014/main" xmlns="" id="{D901CE6E-7119-4BCC-AFB1-6843519250D5}"/>
+                </a:ext>
+              </a:extLst>
+            </p:cNvPr>
+            <p:cNvGrpSpPr/>
+            <p:nvPr/>
+          </p:nvGrpSpPr>
+          <p:grpSpPr>
+            <a:xfrm>
+              <a:off x="1691680" y="548680"/>
+              <a:ext cx="5472608" cy="5472608"/>
+              <a:chOff x="1691680" y="548680"/>
+              <a:chExt cx="5472608" cy="5472608"/>
+            </a:xfrm>
+          </p:grpSpPr>
+          <p:sp>
+            <p:nvSpPr>
+              <p:cNvPr id="44" name="Elipse 43">
+                <a:extLst>
+                  <a:ext uri="{FF2B5EF4-FFF2-40B4-BE49-F238E27FC236}">
+                    <a16:creationId xmlns:a16="http://schemas.microsoft.com/office/drawing/2014/main" xmlns="" id="{04088BF3-B2E4-40D9-8DE2-881FC9DDFA30}"/>
+                  </a:ext>
+                </a:extLst>
+              </p:cNvPr>
+              <p:cNvSpPr/>
+              <p:nvPr/>
+            </p:nvSpPr>
+            <p:spPr>
+              <a:xfrm>
+                <a:off x="1691680" y="548680"/>
+                <a:ext cx="5472608" cy="5472608"/>
+              </a:xfrm>
+              <a:prstGeom prst="ellipse">
+                <a:avLst/>
+              </a:prstGeom>
+              <a:solidFill>
+                <a:srgbClr val="00B08A"/>
+              </a:solidFill>
+              <a:ln>
+                <a:noFill/>
+              </a:ln>
+            </p:spPr>
+            <p:style>
+              <a:lnRef idx="2">
+                <a:schemeClr val="accent1">
+                  <a:shade val="50000"/>
+                </a:schemeClr>
+              </a:lnRef>
+              <a:fillRef idx="1">
+                <a:schemeClr val="accent1"/>
+              </a:fillRef>
+              <a:effectRef idx="0">
+                <a:schemeClr val="accent1"/>
+              </a:effectRef>
+              <a:fontRef idx="minor">
+                <a:schemeClr val="lt1"/>
+              </a:fontRef>
+            </p:style>
+            <p:txBody>
+              <a:bodyPr rtlCol="0" anchor="ctr"/>
+              <a:lstStyle/>
+              <a:p>
+                <a:pPr algn="ctr"/>
+                <a:endParaRPr lang="pt-BR" dirty="0"/>
+              </a:p>
+            </p:txBody>
+          </p:sp>
+          <p:sp>
+            <p:nvSpPr>
+              <p:cNvPr id="45" name="Elipse 44">
+                <a:extLst>
+                  <a:ext uri="{FF2B5EF4-FFF2-40B4-BE49-F238E27FC236}">
+                    <a16:creationId xmlns:a16="http://schemas.microsoft.com/office/drawing/2014/main" xmlns="" id="{744C0D49-D95C-4385-B1D3-9CF3CE73F757}"/>
+                  </a:ext>
+                </a:extLst>
+              </p:cNvPr>
+              <p:cNvSpPr/>
+              <p:nvPr/>
+            </p:nvSpPr>
+            <p:spPr>
+              <a:xfrm>
+                <a:off x="1979712" y="836712"/>
+                <a:ext cx="4896544" cy="4896544"/>
+              </a:xfrm>
+              <a:prstGeom prst="ellipse">
+                <a:avLst/>
+              </a:prstGeom>
+              <a:gradFill flip="none" rotWithShape="1">
+                <a:gsLst>
+                  <a:gs pos="0">
+                    <a:srgbClr val="25FF88"/>
+                  </a:gs>
+                  <a:gs pos="100000">
+                    <a:srgbClr val="00D1A5"/>
+                  </a:gs>
+                </a:gsLst>
+                <a:path path="rect">
+                  <a:fillToRect l="100000" t="100000"/>
+                </a:path>
+                <a:tileRect r="-100000" b="-100000"/>
+              </a:gradFill>
+              <a:ln>
+                <a:noFill/>
+              </a:ln>
+            </p:spPr>
+            <p:style>
+              <a:lnRef idx="2">
+                <a:schemeClr val="accent1">
+                  <a:shade val="50000"/>
+                </a:schemeClr>
+              </a:lnRef>
+              <a:fillRef idx="1">
+                <a:schemeClr val="accent1"/>
+              </a:fillRef>
+              <a:effectRef idx="0">
+                <a:schemeClr val="accent1"/>
+              </a:effectRef>
+              <a:fontRef idx="minor">
+                <a:schemeClr val="lt1"/>
+              </a:fontRef>
+            </p:style>
+            <p:txBody>
+              <a:bodyPr rtlCol="0" anchor="ctr"/>
+              <a:lstStyle/>
+              <a:p>
+                <a:pPr algn="ctr"/>
+                <a:endParaRPr lang="pt-BR" dirty="0"/>
+              </a:p>
+            </p:txBody>
+          </p:sp>
+        </p:grpSp>
+        <p:grpSp>
+          <p:nvGrpSpPr>
+            <p:cNvPr id="36" name="Agrupar 65">
+              <a:extLst>
+                <a:ext uri="{FF2B5EF4-FFF2-40B4-BE49-F238E27FC236}">
+                  <a16:creationId xmlns:a16="http://schemas.microsoft.com/office/drawing/2014/main" xmlns="" id="{E6954B9F-5A79-48D6-8E26-CE435D817D49}"/>
+                </a:ext>
+              </a:extLst>
+            </p:cNvPr>
+            <p:cNvGrpSpPr/>
+            <p:nvPr/>
+          </p:nvGrpSpPr>
+          <p:grpSpPr>
+            <a:xfrm>
+              <a:off x="3119316" y="1721098"/>
+              <a:ext cx="2617335" cy="3072524"/>
+              <a:chOff x="3131840" y="1124744"/>
+              <a:chExt cx="3312368" cy="3888432"/>
+            </a:xfrm>
+            <a:solidFill>
+              <a:schemeClr val="bg1"/>
+            </a:solidFill>
+          </p:grpSpPr>
+          <p:sp>
+            <p:nvSpPr>
+              <p:cNvPr id="37" name="Retângulo: Cantos Arredondados 42">
+                <a:extLst>
+                  <a:ext uri="{FF2B5EF4-FFF2-40B4-BE49-F238E27FC236}">
+                    <a16:creationId xmlns:a16="http://schemas.microsoft.com/office/drawing/2014/main" xmlns="" id="{E26F953E-591C-42D2-BE35-A65C44304A4F}"/>
+                  </a:ext>
+                </a:extLst>
+              </p:cNvPr>
+              <p:cNvSpPr/>
+              <p:nvPr/>
+            </p:nvSpPr>
+            <p:spPr>
+              <a:xfrm>
+                <a:off x="3347864" y="1124744"/>
+                <a:ext cx="2952328" cy="3888432"/>
+              </a:xfrm>
+              <a:prstGeom prst="roundRect">
+                <a:avLst>
+                  <a:gd name="adj" fmla="val 4363"/>
+                </a:avLst>
+              </a:prstGeom>
+              <a:grpFill/>
+              <a:ln>
+                <a:noFill/>
+              </a:ln>
+            </p:spPr>
+            <p:style>
+              <a:lnRef idx="2">
+                <a:schemeClr val="accent1">
+                  <a:shade val="50000"/>
+                </a:schemeClr>
+              </a:lnRef>
+              <a:fillRef idx="1">
+                <a:schemeClr val="accent1"/>
+              </a:fillRef>
+              <a:effectRef idx="0">
+                <a:schemeClr val="accent1"/>
+              </a:effectRef>
+              <a:fontRef idx="minor">
+                <a:schemeClr val="lt1"/>
+              </a:fontRef>
+            </p:style>
+            <p:txBody>
+              <a:bodyPr rtlCol="0" anchor="ctr"/>
+              <a:lstStyle/>
+              <a:p>
+                <a:pPr algn="ctr"/>
+                <a:endParaRPr lang="pt-BR"/>
+              </a:p>
+            </p:txBody>
+          </p:sp>
+          <p:sp>
+            <p:nvSpPr>
+              <p:cNvPr id="38" name="Retângulo: Cantos Arredondados 44">
+                <a:extLst>
+                  <a:ext uri="{FF2B5EF4-FFF2-40B4-BE49-F238E27FC236}">
+                    <a16:creationId xmlns:a16="http://schemas.microsoft.com/office/drawing/2014/main" xmlns="" id="{27A23B4D-3B78-466F-BC1D-26F73EB37732}"/>
+                  </a:ext>
+                </a:extLst>
+              </p:cNvPr>
+              <p:cNvSpPr/>
+              <p:nvPr/>
+            </p:nvSpPr>
+            <p:spPr>
+              <a:xfrm>
+                <a:off x="3131840" y="1124744"/>
+                <a:ext cx="648072" cy="3888432"/>
+              </a:xfrm>
+              <a:prstGeom prst="roundRect">
+                <a:avLst>
+                  <a:gd name="adj" fmla="val 50000"/>
+                </a:avLst>
+              </a:prstGeom>
+              <a:grpFill/>
+              <a:ln>
+                <a:noFill/>
+              </a:ln>
+            </p:spPr>
+            <p:style>
+              <a:lnRef idx="2">
+                <a:schemeClr val="accent1">
+                  <a:shade val="50000"/>
+                </a:schemeClr>
+              </a:lnRef>
+              <a:fillRef idx="1">
+                <a:schemeClr val="accent1"/>
+              </a:fillRef>
+              <a:effectRef idx="0">
+                <a:schemeClr val="accent1"/>
+              </a:effectRef>
+              <a:fontRef idx="minor">
+                <a:schemeClr val="lt1"/>
+              </a:fontRef>
+            </p:style>
+            <p:txBody>
+              <a:bodyPr rtlCol="0" anchor="ctr"/>
+              <a:lstStyle/>
+              <a:p>
+                <a:pPr algn="ctr"/>
+                <a:endParaRPr lang="pt-BR"/>
+              </a:p>
+            </p:txBody>
+          </p:sp>
+          <p:sp>
+            <p:nvSpPr>
+              <p:cNvPr id="39" name="Retângulo: Cantos Arredondados 45">
+                <a:extLst>
+                  <a:ext uri="{FF2B5EF4-FFF2-40B4-BE49-F238E27FC236}">
+                    <a16:creationId xmlns:a16="http://schemas.microsoft.com/office/drawing/2014/main" xmlns="" id="{0DF5B6B1-60E6-42C2-897B-8E521DD10138}"/>
+                  </a:ext>
+                </a:extLst>
+              </p:cNvPr>
+              <p:cNvSpPr/>
+              <p:nvPr/>
+            </p:nvSpPr>
+            <p:spPr>
+              <a:xfrm>
+                <a:off x="3491880" y="1628800"/>
+                <a:ext cx="2952328" cy="3384376"/>
+              </a:xfrm>
+              <a:prstGeom prst="roundRect">
+                <a:avLst>
+                  <a:gd name="adj" fmla="val 4363"/>
+                </a:avLst>
+              </a:prstGeom>
+              <a:grpFill/>
+              <a:ln>
+                <a:noFill/>
+              </a:ln>
+            </p:spPr>
+            <p:style>
+              <a:lnRef idx="2">
+                <a:schemeClr val="accent1">
+                  <a:shade val="50000"/>
+                </a:schemeClr>
+              </a:lnRef>
+              <a:fillRef idx="1">
+                <a:schemeClr val="accent1"/>
+              </a:fillRef>
+              <a:effectRef idx="0">
+                <a:schemeClr val="accent1"/>
+              </a:effectRef>
+              <a:fontRef idx="minor">
+                <a:schemeClr val="lt1"/>
+              </a:fontRef>
+            </p:style>
+            <p:txBody>
+              <a:bodyPr rtlCol="0" anchor="ctr"/>
+              <a:lstStyle/>
+              <a:p>
+                <a:pPr algn="ctr"/>
+                <a:endParaRPr lang="pt-BR"/>
+              </a:p>
+            </p:txBody>
+          </p:sp>
+          <p:sp>
+            <p:nvSpPr>
+              <p:cNvPr id="40" name="Forma Livre: Forma 48">
+                <a:extLst>
+                  <a:ext uri="{FF2B5EF4-FFF2-40B4-BE49-F238E27FC236}">
+                    <a16:creationId xmlns:a16="http://schemas.microsoft.com/office/drawing/2014/main" xmlns="" id="{147EA51B-9824-4893-8BCB-944C95F4AD44}"/>
+                  </a:ext>
+                </a:extLst>
+              </p:cNvPr>
+              <p:cNvSpPr/>
+              <p:nvPr/>
+            </p:nvSpPr>
+            <p:spPr>
+              <a:xfrm>
+                <a:off x="3275856" y="1268760"/>
+                <a:ext cx="2880320" cy="360040"/>
+              </a:xfrm>
+              <a:custGeom>
+                <a:avLst/>
+                <a:gdLst>
+                  <a:gd name="connsiteX0" fmla="*/ 219248 w 2736304"/>
+                  <a:gd name="connsiteY0" fmla="*/ 0 h 438496"/>
+                  <a:gd name="connsiteX1" fmla="*/ 2733080 w 2736304"/>
+                  <a:gd name="connsiteY1" fmla="*/ 0 h 438496"/>
+                  <a:gd name="connsiteX2" fmla="*/ 2736304 w 2736304"/>
+                  <a:gd name="connsiteY2" fmla="*/ 325 h 438496"/>
+                  <a:gd name="connsiteX3" fmla="*/ 2736304 w 2736304"/>
+                  <a:gd name="connsiteY3" fmla="*/ 438171 h 438496"/>
+                  <a:gd name="connsiteX4" fmla="*/ 2733080 w 2736304"/>
+                  <a:gd name="connsiteY4" fmla="*/ 438496 h 438496"/>
+                  <a:gd name="connsiteX5" fmla="*/ 219248 w 2736304"/>
+                  <a:gd name="connsiteY5" fmla="*/ 438496 h 438496"/>
+                  <a:gd name="connsiteX6" fmla="*/ 0 w 2736304"/>
+                  <a:gd name="connsiteY6" fmla="*/ 219248 h 438496"/>
+                  <a:gd name="connsiteX7" fmla="*/ 219248 w 2736304"/>
+                  <a:gd name="connsiteY7" fmla="*/ 0 h 438496"/>
+                </a:gdLst>
+                <a:ahLst/>
+                <a:cxnLst>
+                  <a:cxn ang="0">
+                    <a:pos x="connsiteX0" y="connsiteY0"/>
+                  </a:cxn>
+                  <a:cxn ang="0">
+                    <a:pos x="connsiteX1" y="connsiteY1"/>
+                  </a:cxn>
+                  <a:cxn ang="0">
+                    <a:pos x="connsiteX2" y="connsiteY2"/>
+                  </a:cxn>
+                  <a:cxn ang="0">
+                    <a:pos x="connsiteX3" y="connsiteY3"/>
+                  </a:cxn>
+                  <a:cxn ang="0">
+                    <a:pos x="connsiteX4" y="connsiteY4"/>
+                  </a:cxn>
+                  <a:cxn ang="0">
+                    <a:pos x="connsiteX5" y="connsiteY5"/>
+                  </a:cxn>
+                  <a:cxn ang="0">
+                    <a:pos x="connsiteX6" y="connsiteY6"/>
+                  </a:cxn>
+                  <a:cxn ang="0">
+                    <a:pos x="connsiteX7" y="connsiteY7"/>
+                  </a:cxn>
+                </a:cxnLst>
+                <a:rect l="l" t="t" r="r" b="b"/>
+                <a:pathLst>
+                  <a:path w="2736304" h="438496">
+                    <a:moveTo>
+                      <a:pt x="219248" y="0"/>
+                    </a:moveTo>
+                    <a:lnTo>
+                      <a:pt x="2733080" y="0"/>
+                    </a:lnTo>
+                    <a:lnTo>
+                      <a:pt x="2736304" y="325"/>
+                    </a:lnTo>
+                    <a:lnTo>
+                      <a:pt x="2736304" y="438171"/>
+                    </a:lnTo>
+                    <a:lnTo>
+                      <a:pt x="2733080" y="438496"/>
+                    </a:lnTo>
+                    <a:lnTo>
+                      <a:pt x="219248" y="438496"/>
+                    </a:lnTo>
+                    <a:cubicBezTo>
+                      <a:pt x="98161" y="438496"/>
+                      <a:pt x="0" y="340335"/>
+                      <a:pt x="0" y="219248"/>
+                    </a:cubicBezTo>
+                    <a:cubicBezTo>
+                      <a:pt x="0" y="98161"/>
+                      <a:pt x="98161" y="0"/>
+                      <a:pt x="219248" y="0"/>
+                    </a:cubicBezTo>
+                    <a:close/>
+                  </a:path>
+                </a:pathLst>
+              </a:custGeom>
+              <a:grpFill/>
+              <a:ln>
+                <a:noFill/>
+              </a:ln>
+            </p:spPr>
+            <p:style>
+              <a:lnRef idx="2">
+                <a:schemeClr val="accent1">
+                  <a:shade val="50000"/>
+                </a:schemeClr>
+              </a:lnRef>
+              <a:fillRef idx="1">
+                <a:schemeClr val="accent1"/>
+              </a:fillRef>
+              <a:effectRef idx="0">
+                <a:schemeClr val="accent1"/>
+              </a:effectRef>
+              <a:fontRef idx="minor">
+                <a:schemeClr val="lt1"/>
+              </a:fontRef>
+            </p:style>
+            <p:txBody>
+              <a:bodyPr rtlCol="0" anchor="ctr"/>
+              <a:lstStyle/>
+              <a:p>
+                <a:pPr algn="ctr"/>
+                <a:endParaRPr lang="pt-BR"/>
+              </a:p>
+            </p:txBody>
+          </p:sp>
+          <p:sp>
+            <p:nvSpPr>
+              <p:cNvPr id="41" name="Retângulo 40">
+                <a:extLst>
+                  <a:ext uri="{FF2B5EF4-FFF2-40B4-BE49-F238E27FC236}">
+                    <a16:creationId xmlns:a16="http://schemas.microsoft.com/office/drawing/2014/main" xmlns="" id="{49C67F48-55A3-422E-B4F5-9174C0AB9645}"/>
+                  </a:ext>
+                </a:extLst>
+              </p:cNvPr>
+              <p:cNvSpPr/>
+              <p:nvPr/>
+            </p:nvSpPr>
+            <p:spPr>
+              <a:xfrm>
+                <a:off x="3491880" y="1628800"/>
+                <a:ext cx="288032" cy="3384376"/>
+              </a:xfrm>
+              <a:prstGeom prst="rect">
+                <a:avLst/>
+              </a:prstGeom>
+              <a:grpFill/>
+              <a:ln>
+                <a:noFill/>
+              </a:ln>
+            </p:spPr>
+            <p:style>
+              <a:lnRef idx="2">
+                <a:schemeClr val="accent1">
+                  <a:shade val="50000"/>
+                </a:schemeClr>
+              </a:lnRef>
+              <a:fillRef idx="1">
+                <a:schemeClr val="accent1"/>
+              </a:fillRef>
+              <a:effectRef idx="0">
+                <a:schemeClr val="accent1"/>
+              </a:effectRef>
+              <a:fontRef idx="minor">
+                <a:schemeClr val="lt1"/>
+              </a:fontRef>
+            </p:style>
+            <p:txBody>
+              <a:bodyPr rtlCol="0" anchor="ctr"/>
+              <a:lstStyle/>
+              <a:p>
+                <a:pPr algn="ctr"/>
+                <a:endParaRPr lang="pt-BR"/>
+              </a:p>
+            </p:txBody>
+          </p:sp>
+          <p:sp>
+            <p:nvSpPr>
+              <p:cNvPr id="42" name="Retângulo: Cantos Arredondados 50">
+                <a:extLst>
+                  <a:ext uri="{FF2B5EF4-FFF2-40B4-BE49-F238E27FC236}">
+                    <a16:creationId xmlns:a16="http://schemas.microsoft.com/office/drawing/2014/main" xmlns="" id="{81588C93-3361-4B45-9648-2FA7EF14917B}"/>
+                  </a:ext>
+                </a:extLst>
+              </p:cNvPr>
+              <p:cNvSpPr/>
+              <p:nvPr/>
+            </p:nvSpPr>
+            <p:spPr>
+              <a:xfrm>
+                <a:off x="4067944" y="4293096"/>
+                <a:ext cx="2016224" cy="72008"/>
+              </a:xfrm>
+              <a:prstGeom prst="roundRect">
+                <a:avLst>
+                  <a:gd name="adj" fmla="val 50000"/>
+                </a:avLst>
+              </a:prstGeom>
+              <a:solidFill>
+                <a:schemeClr val="bg1">
+                  <a:lumMod val="85000"/>
+                </a:schemeClr>
+              </a:solidFill>
+              <a:ln>
+                <a:noFill/>
+              </a:ln>
+            </p:spPr>
+            <p:style>
+              <a:lnRef idx="2">
+                <a:schemeClr val="accent1">
+                  <a:shade val="50000"/>
+                </a:schemeClr>
+              </a:lnRef>
+              <a:fillRef idx="1">
+                <a:schemeClr val="accent1"/>
+              </a:fillRef>
+              <a:effectRef idx="0">
+                <a:schemeClr val="accent1"/>
+              </a:effectRef>
+              <a:fontRef idx="minor">
+                <a:schemeClr val="lt1"/>
+              </a:fontRef>
+            </p:style>
+            <p:txBody>
+              <a:bodyPr rtlCol="0" anchor="ctr"/>
+              <a:lstStyle/>
+              <a:p>
+                <a:pPr algn="ctr"/>
+                <a:endParaRPr lang="pt-BR"/>
+              </a:p>
+            </p:txBody>
+          </p:sp>
+          <p:sp>
+            <p:nvSpPr>
+              <p:cNvPr id="43" name="Retângulo: Cantos Arredondados 51">
+                <a:extLst>
+                  <a:ext uri="{FF2B5EF4-FFF2-40B4-BE49-F238E27FC236}">
+                    <a16:creationId xmlns:a16="http://schemas.microsoft.com/office/drawing/2014/main" xmlns="" id="{40BD0A9D-8A67-4FEC-A85A-0C36C97F9065}"/>
+                  </a:ext>
+                </a:extLst>
+              </p:cNvPr>
+              <p:cNvSpPr/>
+              <p:nvPr/>
+            </p:nvSpPr>
+            <p:spPr>
+              <a:xfrm>
+                <a:off x="4427984" y="4509120"/>
+                <a:ext cx="1296144" cy="72008"/>
+              </a:xfrm>
+              <a:prstGeom prst="roundRect">
+                <a:avLst>
+                  <a:gd name="adj" fmla="val 50000"/>
+                </a:avLst>
+              </a:prstGeom>
+              <a:solidFill>
+                <a:schemeClr val="bg1">
+                  <a:lumMod val="85000"/>
+                </a:schemeClr>
+              </a:solidFill>
+              <a:ln>
+                <a:noFill/>
+              </a:ln>
+            </p:spPr>
+            <p:style>
+              <a:lnRef idx="2">
+                <a:schemeClr val="accent1">
+                  <a:shade val="50000"/>
+                </a:schemeClr>
+              </a:lnRef>
+              <a:fillRef idx="1">
+                <a:schemeClr val="accent1"/>
+              </a:fillRef>
+              <a:effectRef idx="0">
+                <a:schemeClr val="accent1"/>
+              </a:effectRef>
+              <a:fontRef idx="minor">
+                <a:schemeClr val="lt1"/>
+              </a:fontRef>
+            </p:style>
+            <p:txBody>
+              <a:bodyPr rtlCol="0" anchor="ctr"/>
+              <a:lstStyle/>
+              <a:p>
+                <a:pPr algn="ctr"/>
+                <a:endParaRPr lang="pt-BR"/>
+              </a:p>
+            </p:txBody>
+          </p:sp>
+        </p:grpSp>
+      </p:grpSp>
+      <p:grpSp>
+        <p:nvGrpSpPr>
+          <p:cNvPr id="46" name="Agrupar 66">
             <a:extLst>
-              <a:ext uri="{28A0092B-C50C-407E-A947-70E740481C1C}">
-                <a14:useLocalDpi xmlns:a14="http://schemas.microsoft.com/office/drawing/2010/main" val="0"/>
+              <a:ext uri="{FF2B5EF4-FFF2-40B4-BE49-F238E27FC236}">
+                <a16:creationId xmlns:a16="http://schemas.microsoft.com/office/drawing/2014/main" xmlns="" id="{79D28335-6CA8-48F7-9486-5670035BE61F}"/>
               </a:ext>
             </a:extLst>
-          </a:blip>
-          <a:stretch>
-            <a:fillRect/>
-          </a:stretch>
-        </p:blipFill>
-        <p:spPr>
+          </p:cNvPr>
+          <p:cNvGrpSpPr/>
+          <p:nvPr/>
+        </p:nvGrpSpPr>
+        <p:grpSpPr>
           <a:xfrm>
-            <a:off x="4491402" y="2886149"/>
-            <a:ext cx="326462" cy="326827"/>
+            <a:off x="5202869" y="3452541"/>
+            <a:ext cx="379758" cy="374463"/>
+            <a:chOff x="1691680" y="548680"/>
+            <a:chExt cx="5472608" cy="5472608"/>
           </a:xfrm>
-          <a:prstGeom prst="rect">
-            <a:avLst/>
-          </a:prstGeom>
-        </p:spPr>
-      </p:pic>
-      <p:pic>
-        <p:nvPicPr>
-          <p:cNvPr id="20" name="Imagem 19"/>
-          <p:cNvPicPr>
-            <a:picLocks noChangeAspect="1"/>
-          </p:cNvPicPr>
-          <p:nvPr/>
-        </p:nvPicPr>
-        <p:blipFill>
-          <a:blip r:embed="rId8" cstate="print">
-            <a:extLst>
-              <a:ext uri="{28A0092B-C50C-407E-A947-70E740481C1C}">
-                <a14:useLocalDpi xmlns:a14="http://schemas.microsoft.com/office/drawing/2010/main" val="0"/>
-              </a:ext>
-            </a:extLst>
-          </a:blip>
-          <a:stretch>
-            <a:fillRect/>
-          </a:stretch>
-        </p:blipFill>
-        <p:spPr>
-          <a:xfrm>
-            <a:off x="4330958" y="3284984"/>
-            <a:ext cx="647350" cy="648072"/>
-          </a:xfrm>
-          <a:prstGeom prst="rect">
-            <a:avLst/>
-          </a:prstGeom>
-        </p:spPr>
-      </p:pic>
-      <p:pic>
-        <p:nvPicPr>
-          <p:cNvPr id="1029" name="Picture 5"/>
-          <p:cNvPicPr>
-            <a:picLocks noChangeAspect="1" noChangeArrowheads="1"/>
-          </p:cNvPicPr>
-          <p:nvPr/>
-        </p:nvPicPr>
-        <p:blipFill>
-          <a:blip r:embed="rId9" cstate="print">
-            <a:extLst>
-              <a:ext uri="{BEBA8EAE-BF5A-486C-A8C5-ECC9F3942E4B}">
-                <a14:imgProps xmlns:a14="http://schemas.microsoft.com/office/drawing/2010/main">
-                  <a14:imgLayer r:embed="rId10">
-                    <a14:imgEffect>
-                      <a14:backgroundRemoval t="0" b="100000" l="10000" r="100000"/>
-                    </a14:imgEffect>
-                  </a14:imgLayer>
-                </a14:imgProps>
-              </a:ext>
-              <a:ext uri="{28A0092B-C50C-407E-A947-70E740481C1C}">
-                <a14:useLocalDpi xmlns:a14="http://schemas.microsoft.com/office/drawing/2010/main" val="0"/>
-              </a:ext>
-            </a:extLst>
-          </a:blip>
-          <a:srcRect/>
-          <a:stretch>
-            <a:fillRect/>
-          </a:stretch>
-        </p:blipFill>
-        <p:spPr bwMode="auto">
-          <a:xfrm rot="20356009">
-            <a:off x="3842438" y="3270206"/>
-            <a:ext cx="2655487" cy="2655487"/>
-          </a:xfrm>
-          <a:prstGeom prst="rect">
-            <a:avLst/>
-          </a:prstGeom>
-          <a:noFill/>
-          <a:ln>
-            <a:noFill/>
-          </a:ln>
-          <a:extLst>
-            <a:ext uri="{909E8E84-426E-40DD-AFC4-6F175D3DCCD1}">
-              <a14:hiddenFill xmlns:a14="http://schemas.microsoft.com/office/drawing/2010/main">
-                <a:solidFill>
+        </p:grpSpPr>
+        <p:grpSp>
+          <p:nvGrpSpPr>
+            <p:cNvPr id="47" name="Agrupar 31">
+              <a:extLst>
+                <a:ext uri="{FF2B5EF4-FFF2-40B4-BE49-F238E27FC236}">
+                  <a16:creationId xmlns:a16="http://schemas.microsoft.com/office/drawing/2014/main" xmlns="" id="{F76B8E54-6317-448B-8B57-939FECA23918}"/>
+                </a:ext>
+              </a:extLst>
+            </p:cNvPr>
+            <p:cNvGrpSpPr/>
+            <p:nvPr/>
+          </p:nvGrpSpPr>
+          <p:grpSpPr>
+            <a:xfrm>
+              <a:off x="1691680" y="548680"/>
+              <a:ext cx="5472608" cy="5472608"/>
+              <a:chOff x="1691680" y="548680"/>
+              <a:chExt cx="5472608" cy="5472608"/>
+            </a:xfrm>
+          </p:grpSpPr>
+          <p:sp>
+            <p:nvSpPr>
+              <p:cNvPr id="69" name="Elipse 68">
+                <a:extLst>
+                  <a:ext uri="{FF2B5EF4-FFF2-40B4-BE49-F238E27FC236}">
+                    <a16:creationId xmlns:a16="http://schemas.microsoft.com/office/drawing/2014/main" xmlns="" id="{BBB1FC3B-070F-4B35-B6A9-3E78AAADC53B}"/>
+                  </a:ext>
+                </a:extLst>
+              </p:cNvPr>
+              <p:cNvSpPr/>
+              <p:nvPr/>
+            </p:nvSpPr>
+            <p:spPr>
+              <a:xfrm>
+                <a:off x="1691680" y="548680"/>
+                <a:ext cx="5472608" cy="5472608"/>
+              </a:xfrm>
+              <a:prstGeom prst="ellipse">
+                <a:avLst/>
+              </a:prstGeom>
+              <a:solidFill>
+                <a:srgbClr val="00B08A"/>
+              </a:solidFill>
+              <a:ln>
+                <a:noFill/>
+              </a:ln>
+            </p:spPr>
+            <p:style>
+              <a:lnRef idx="2">
+                <a:schemeClr val="accent1">
+                  <a:shade val="50000"/>
+                </a:schemeClr>
+              </a:lnRef>
+              <a:fillRef idx="1">
+                <a:schemeClr val="accent1"/>
+              </a:fillRef>
+              <a:effectRef idx="0">
+                <a:schemeClr val="accent1"/>
+              </a:effectRef>
+              <a:fontRef idx="minor">
+                <a:schemeClr val="lt1"/>
+              </a:fontRef>
+            </p:style>
+            <p:txBody>
+              <a:bodyPr rtlCol="0" anchor="ctr"/>
+              <a:lstStyle/>
+              <a:p>
+                <a:pPr algn="ctr"/>
+                <a:endParaRPr lang="pt-BR" dirty="0"/>
+              </a:p>
+            </p:txBody>
+          </p:sp>
+          <p:sp>
+            <p:nvSpPr>
+              <p:cNvPr id="70" name="Elipse 69">
+                <a:extLst>
+                  <a:ext uri="{FF2B5EF4-FFF2-40B4-BE49-F238E27FC236}">
+                    <a16:creationId xmlns:a16="http://schemas.microsoft.com/office/drawing/2014/main" xmlns="" id="{282E9208-057A-4E62-8705-6BEE888AD164}"/>
+                  </a:ext>
+                </a:extLst>
+              </p:cNvPr>
+              <p:cNvSpPr/>
+              <p:nvPr/>
+            </p:nvSpPr>
+            <p:spPr>
+              <a:xfrm>
+                <a:off x="1979717" y="836706"/>
+                <a:ext cx="4896550" cy="4896543"/>
+              </a:xfrm>
+              <a:prstGeom prst="ellipse">
+                <a:avLst/>
+              </a:prstGeom>
+              <a:gradFill flip="none" rotWithShape="1">
+                <a:gsLst>
+                  <a:gs pos="0">
+                    <a:srgbClr val="25FF88"/>
+                  </a:gs>
+                  <a:gs pos="100000">
+                    <a:srgbClr val="00D1A5"/>
+                  </a:gs>
+                </a:gsLst>
+                <a:path path="circle">
+                  <a:fillToRect t="100000" r="100000"/>
+                </a:path>
+                <a:tileRect l="-100000" b="-100000"/>
+              </a:gradFill>
+              <a:ln>
+                <a:noFill/>
+              </a:ln>
+            </p:spPr>
+            <p:style>
+              <a:lnRef idx="2">
+                <a:schemeClr val="accent1">
+                  <a:shade val="50000"/>
+                </a:schemeClr>
+              </a:lnRef>
+              <a:fillRef idx="1">
+                <a:schemeClr val="accent1"/>
+              </a:fillRef>
+              <a:effectRef idx="0">
+                <a:schemeClr val="accent1"/>
+              </a:effectRef>
+              <a:fontRef idx="minor">
+                <a:schemeClr val="lt1"/>
+              </a:fontRef>
+            </p:style>
+            <p:txBody>
+              <a:bodyPr rtlCol="0" anchor="ctr"/>
+              <a:lstStyle/>
+              <a:p>
+                <a:pPr algn="ctr"/>
+                <a:endParaRPr lang="pt-BR" dirty="0"/>
+              </a:p>
+            </p:txBody>
+          </p:sp>
+        </p:grpSp>
+        <p:grpSp>
+          <p:nvGrpSpPr>
+            <p:cNvPr id="48" name="Agrupar 37">
+              <a:extLst>
+                <a:ext uri="{FF2B5EF4-FFF2-40B4-BE49-F238E27FC236}">
+                  <a16:creationId xmlns:a16="http://schemas.microsoft.com/office/drawing/2014/main" xmlns="" id="{C39DA378-5904-468B-9006-BB34426CAA6A}"/>
+                </a:ext>
+              </a:extLst>
+            </p:cNvPr>
+            <p:cNvGrpSpPr/>
+            <p:nvPr/>
+          </p:nvGrpSpPr>
+          <p:grpSpPr>
+            <a:xfrm rot="2603827" flipH="1">
+              <a:off x="3903120" y="1398710"/>
+              <a:ext cx="1109336" cy="3944303"/>
+              <a:chOff x="3779912" y="1052736"/>
+              <a:chExt cx="1296144" cy="4608512"/>
+            </a:xfrm>
+            <a:solidFill>
+              <a:schemeClr val="bg1"/>
+            </a:solidFill>
+          </p:grpSpPr>
+          <p:grpSp>
+            <p:nvGrpSpPr>
+              <p:cNvPr id="49" name="Agrupar 38">
+                <a:extLst>
+                  <a:ext uri="{FF2B5EF4-FFF2-40B4-BE49-F238E27FC236}">
+                    <a16:creationId xmlns:a16="http://schemas.microsoft.com/office/drawing/2014/main" xmlns="" id="{4870CD5A-4864-48FF-9CA6-C7BB29574A14}"/>
+                  </a:ext>
+                </a:extLst>
+              </p:cNvPr>
+              <p:cNvGrpSpPr/>
+              <p:nvPr/>
+            </p:nvGrpSpPr>
+            <p:grpSpPr>
+              <a:xfrm>
+                <a:off x="4067944" y="4365104"/>
+                <a:ext cx="720080" cy="1294049"/>
+                <a:chOff x="1557272" y="1724412"/>
+                <a:chExt cx="1293188" cy="2323977"/>
+              </a:xfrm>
+              <a:grpFill/>
+            </p:grpSpPr>
+            <p:sp>
+              <p:nvSpPr>
+                <p:cNvPr id="67" name="Forma Livre: Forma 64">
+                  <a:extLst>
+                    <a:ext uri="{FF2B5EF4-FFF2-40B4-BE49-F238E27FC236}">
+                      <a16:creationId xmlns:a16="http://schemas.microsoft.com/office/drawing/2014/main" xmlns="" id="{2AD9F40D-5F76-4B52-AF95-1CF338E6E047}"/>
+                    </a:ext>
+                  </a:extLst>
+                </p:cNvPr>
+                <p:cNvSpPr/>
+                <p:nvPr/>
+              </p:nvSpPr>
+              <p:spPr>
+                <a:xfrm rot="18000000">
+                  <a:off x="1185892" y="2383822"/>
+                  <a:ext cx="2323977" cy="1005158"/>
+                </a:xfrm>
+                <a:custGeom>
+                  <a:avLst/>
+                  <a:gdLst>
+                    <a:gd name="connsiteX0" fmla="*/ 2323977 w 2323977"/>
+                    <a:gd name="connsiteY0" fmla="*/ 1005158 h 1005158"/>
+                    <a:gd name="connsiteX1" fmla="*/ 0 w 2323977"/>
+                    <a:gd name="connsiteY1" fmla="*/ 1005158 h 1005158"/>
+                    <a:gd name="connsiteX2" fmla="*/ 1740985 w 2323977"/>
+                    <a:gd name="connsiteY2" fmla="*/ 0 h 1005158"/>
+                  </a:gdLst>
+                  <a:ahLst/>
+                  <a:cxnLst>
+                    <a:cxn ang="0">
+                      <a:pos x="connsiteX0" y="connsiteY0"/>
+                    </a:cxn>
+                    <a:cxn ang="0">
+                      <a:pos x="connsiteX1" y="connsiteY1"/>
+                    </a:cxn>
+                    <a:cxn ang="0">
+                      <a:pos x="connsiteX2" y="connsiteY2"/>
+                    </a:cxn>
+                  </a:cxnLst>
+                  <a:rect l="l" t="t" r="r" b="b"/>
+                  <a:pathLst>
+                    <a:path w="2323977" h="1005158">
+                      <a:moveTo>
+                        <a:pt x="2323977" y="1005158"/>
+                      </a:moveTo>
+                      <a:lnTo>
+                        <a:pt x="0" y="1005158"/>
+                      </a:lnTo>
+                      <a:lnTo>
+                        <a:pt x="1740985" y="0"/>
+                      </a:lnTo>
+                      <a:close/>
+                    </a:path>
+                  </a:pathLst>
+                </a:custGeom>
+                <a:grpFill/>
+                <a:ln>
+                  <a:noFill/>
+                </a:ln>
+              </p:spPr>
+              <p:style>
+                <a:lnRef idx="2">
+                  <a:schemeClr val="accent1">
+                    <a:shade val="50000"/>
+                  </a:schemeClr>
+                </a:lnRef>
+                <a:fillRef idx="1">
                   <a:schemeClr val="accent1"/>
-                </a:solidFill>
-              </a14:hiddenFill>
-            </a:ext>
-            <a:ext uri="{91240B29-F687-4F45-9708-019B960494DF}">
-              <a14:hiddenLine xmlns:a14="http://schemas.microsoft.com/office/drawing/2010/main" w="9525">
-                <a:solidFill>
-                  <a:schemeClr val="tx1"/>
-                </a:solidFill>
-                <a:miter lim="800000"/>
-                <a:headEnd/>
-                <a:tailEnd/>
-              </a14:hiddenLine>
-            </a:ext>
-          </a:extLst>
-        </p:spPr>
-      </p:pic>
-      <p:sp>
-        <p:nvSpPr>
-          <p:cNvPr id="35" name="Retângulo 34"/>
-          <p:cNvSpPr/>
-          <p:nvPr/>
-        </p:nvSpPr>
-        <p:spPr>
-          <a:xfrm>
-            <a:off x="3371177" y="2204864"/>
-            <a:ext cx="2664296" cy="1728192"/>
-          </a:xfrm>
-          <a:prstGeom prst="rect">
-            <a:avLst/>
-          </a:prstGeom>
-          <a:solidFill>
-            <a:schemeClr val="bg1"/>
-          </a:solidFill>
-          <a:ln>
-            <a:noFill/>
-          </a:ln>
-        </p:spPr>
-        <p:style>
-          <a:lnRef idx="2">
-            <a:schemeClr val="accent1">
-              <a:shade val="50000"/>
-            </a:schemeClr>
-          </a:lnRef>
-          <a:fillRef idx="1">
-            <a:schemeClr val="accent1"/>
-          </a:fillRef>
-          <a:effectRef idx="0">
-            <a:schemeClr val="accent1"/>
-          </a:effectRef>
-          <a:fontRef idx="minor">
-            <a:schemeClr val="lt1"/>
-          </a:fontRef>
-        </p:style>
-        <p:txBody>
-          <a:bodyPr rtlCol="0" anchor="ctr"/>
-          <a:lstStyle/>
-          <a:p>
-            <a:pPr algn="ctr"/>
-            <a:endParaRPr lang="pt-BR"/>
-          </a:p>
-        </p:txBody>
-      </p:sp>
+                </a:fillRef>
+                <a:effectRef idx="0">
+                  <a:schemeClr val="accent1"/>
+                </a:effectRef>
+                <a:fontRef idx="minor">
+                  <a:schemeClr val="lt1"/>
+                </a:fontRef>
+              </p:style>
+              <p:txBody>
+                <a:bodyPr rtlCol="0" anchor="ctr"/>
+                <a:lstStyle/>
+                <a:p>
+                  <a:pPr algn="ctr"/>
+                  <a:endParaRPr lang="pt-BR"/>
+                </a:p>
+              </p:txBody>
+            </p:sp>
+            <p:sp>
+              <p:nvSpPr>
+                <p:cNvPr id="68" name="Forma Livre: Forma 65">
+                  <a:extLst>
+                    <a:ext uri="{FF2B5EF4-FFF2-40B4-BE49-F238E27FC236}">
+                      <a16:creationId xmlns:a16="http://schemas.microsoft.com/office/drawing/2014/main" xmlns="" id="{B6363304-AAE4-4576-9EC0-9D97FD7F4570}"/>
+                    </a:ext>
+                  </a:extLst>
+                </p:cNvPr>
+                <p:cNvSpPr/>
+                <p:nvPr/>
+              </p:nvSpPr>
+              <p:spPr>
+                <a:xfrm rot="3600000" flipH="1">
+                  <a:off x="897862" y="2383822"/>
+                  <a:ext cx="2323977" cy="1005158"/>
+                </a:xfrm>
+                <a:custGeom>
+                  <a:avLst/>
+                  <a:gdLst>
+                    <a:gd name="connsiteX0" fmla="*/ 2323977 w 2323977"/>
+                    <a:gd name="connsiteY0" fmla="*/ 1005158 h 1005158"/>
+                    <a:gd name="connsiteX1" fmla="*/ 0 w 2323977"/>
+                    <a:gd name="connsiteY1" fmla="*/ 1005158 h 1005158"/>
+                    <a:gd name="connsiteX2" fmla="*/ 1740985 w 2323977"/>
+                    <a:gd name="connsiteY2" fmla="*/ 0 h 1005158"/>
+                  </a:gdLst>
+                  <a:ahLst/>
+                  <a:cxnLst>
+                    <a:cxn ang="0">
+                      <a:pos x="connsiteX0" y="connsiteY0"/>
+                    </a:cxn>
+                    <a:cxn ang="0">
+                      <a:pos x="connsiteX1" y="connsiteY1"/>
+                    </a:cxn>
+                    <a:cxn ang="0">
+                      <a:pos x="connsiteX2" y="connsiteY2"/>
+                    </a:cxn>
+                  </a:cxnLst>
+                  <a:rect l="l" t="t" r="r" b="b"/>
+                  <a:pathLst>
+                    <a:path w="2323977" h="1005158">
+                      <a:moveTo>
+                        <a:pt x="2323977" y="1005158"/>
+                      </a:moveTo>
+                      <a:lnTo>
+                        <a:pt x="0" y="1005158"/>
+                      </a:lnTo>
+                      <a:lnTo>
+                        <a:pt x="1740985" y="0"/>
+                      </a:lnTo>
+                      <a:close/>
+                    </a:path>
+                  </a:pathLst>
+                </a:custGeom>
+                <a:grpFill/>
+                <a:ln>
+                  <a:noFill/>
+                </a:ln>
+              </p:spPr>
+              <p:style>
+                <a:lnRef idx="2">
+                  <a:schemeClr val="accent1">
+                    <a:shade val="50000"/>
+                  </a:schemeClr>
+                </a:lnRef>
+                <a:fillRef idx="1">
+                  <a:schemeClr val="accent1"/>
+                </a:fillRef>
+                <a:effectRef idx="0">
+                  <a:schemeClr val="accent1"/>
+                </a:effectRef>
+                <a:fontRef idx="minor">
+                  <a:schemeClr val="lt1"/>
+                </a:fontRef>
+              </p:style>
+              <p:txBody>
+                <a:bodyPr rtlCol="0" anchor="ctr"/>
+                <a:lstStyle/>
+                <a:p>
+                  <a:pPr algn="ctr"/>
+                  <a:endParaRPr lang="pt-BR"/>
+                </a:p>
+              </p:txBody>
+            </p:sp>
+          </p:grpSp>
+          <p:sp>
+            <p:nvSpPr>
+              <p:cNvPr id="50" name="Retângulo: Cantos Arredondados 39">
+                <a:extLst>
+                  <a:ext uri="{FF2B5EF4-FFF2-40B4-BE49-F238E27FC236}">
+                    <a16:creationId xmlns:a16="http://schemas.microsoft.com/office/drawing/2014/main" xmlns="" id="{E84FDBE0-952B-4484-B8B4-2DFE7C0169EB}"/>
+                  </a:ext>
+                </a:extLst>
+              </p:cNvPr>
+              <p:cNvSpPr/>
+              <p:nvPr/>
+            </p:nvSpPr>
+            <p:spPr>
+              <a:xfrm>
+                <a:off x="3779912" y="1052736"/>
+                <a:ext cx="1296144" cy="576064"/>
+              </a:xfrm>
+              <a:prstGeom prst="roundRect">
+                <a:avLst>
+                  <a:gd name="adj" fmla="val 25196"/>
+                </a:avLst>
+              </a:prstGeom>
+              <a:grpFill/>
+              <a:ln>
+                <a:noFill/>
+              </a:ln>
+            </p:spPr>
+            <p:style>
+              <a:lnRef idx="2">
+                <a:schemeClr val="accent1">
+                  <a:shade val="50000"/>
+                </a:schemeClr>
+              </a:lnRef>
+              <a:fillRef idx="1">
+                <a:schemeClr val="accent1"/>
+              </a:fillRef>
+              <a:effectRef idx="0">
+                <a:schemeClr val="accent1"/>
+              </a:effectRef>
+              <a:fontRef idx="minor">
+                <a:schemeClr val="lt1"/>
+              </a:fontRef>
+            </p:style>
+            <p:txBody>
+              <a:bodyPr rtlCol="0" anchor="ctr"/>
+              <a:lstStyle/>
+              <a:p>
+                <a:pPr algn="ctr"/>
+                <a:endParaRPr lang="pt-BR"/>
+              </a:p>
+            </p:txBody>
+          </p:sp>
+          <p:sp>
+            <p:nvSpPr>
+              <p:cNvPr id="51" name="Retângulo 50">
+                <a:extLst>
+                  <a:ext uri="{FF2B5EF4-FFF2-40B4-BE49-F238E27FC236}">
+                    <a16:creationId xmlns:a16="http://schemas.microsoft.com/office/drawing/2014/main" xmlns="" id="{504B7C1F-FF75-4E6E-8EA8-F310F9F98C49}"/>
+                  </a:ext>
+                </a:extLst>
+              </p:cNvPr>
+              <p:cNvSpPr/>
+              <p:nvPr/>
+            </p:nvSpPr>
+            <p:spPr>
+              <a:xfrm>
+                <a:off x="3779912" y="1628800"/>
+                <a:ext cx="648072" cy="2952328"/>
+              </a:xfrm>
+              <a:prstGeom prst="rect">
+                <a:avLst/>
+              </a:prstGeom>
+              <a:grpFill/>
+              <a:ln>
+                <a:noFill/>
+              </a:ln>
+            </p:spPr>
+            <p:style>
+              <a:lnRef idx="2">
+                <a:schemeClr val="accent1">
+                  <a:shade val="50000"/>
+                </a:schemeClr>
+              </a:lnRef>
+              <a:fillRef idx="1">
+                <a:schemeClr val="accent1"/>
+              </a:fillRef>
+              <a:effectRef idx="0">
+                <a:schemeClr val="accent1"/>
+              </a:effectRef>
+              <a:fontRef idx="minor">
+                <a:schemeClr val="lt1"/>
+              </a:fontRef>
+            </p:style>
+            <p:txBody>
+              <a:bodyPr rtlCol="0" anchor="ctr"/>
+              <a:lstStyle/>
+              <a:p>
+                <a:pPr algn="ctr"/>
+                <a:endParaRPr lang="pt-BR"/>
+              </a:p>
+            </p:txBody>
+          </p:sp>
+          <p:sp>
+            <p:nvSpPr>
+              <p:cNvPr id="52" name="Retângulo 51">
+                <a:extLst>
+                  <a:ext uri="{FF2B5EF4-FFF2-40B4-BE49-F238E27FC236}">
+                    <a16:creationId xmlns:a16="http://schemas.microsoft.com/office/drawing/2014/main" xmlns="" id="{8CD10055-E6F4-423B-B3CD-4FE255A842D8}"/>
+                  </a:ext>
+                </a:extLst>
+              </p:cNvPr>
+              <p:cNvSpPr/>
+              <p:nvPr/>
+            </p:nvSpPr>
+            <p:spPr>
+              <a:xfrm>
+                <a:off x="4427984" y="1628800"/>
+                <a:ext cx="648072" cy="2952328"/>
+              </a:xfrm>
+              <a:prstGeom prst="rect">
+                <a:avLst/>
+              </a:prstGeom>
+              <a:grpFill/>
+              <a:ln>
+                <a:noFill/>
+              </a:ln>
+            </p:spPr>
+            <p:style>
+              <a:lnRef idx="2">
+                <a:schemeClr val="accent1">
+                  <a:shade val="50000"/>
+                </a:schemeClr>
+              </a:lnRef>
+              <a:fillRef idx="1">
+                <a:schemeClr val="accent1"/>
+              </a:fillRef>
+              <a:effectRef idx="0">
+                <a:schemeClr val="accent1"/>
+              </a:effectRef>
+              <a:fontRef idx="minor">
+                <a:schemeClr val="lt1"/>
+              </a:fontRef>
+            </p:style>
+            <p:txBody>
+              <a:bodyPr rtlCol="0" anchor="ctr"/>
+              <a:lstStyle/>
+              <a:p>
+                <a:pPr algn="ctr"/>
+                <a:endParaRPr lang="pt-BR"/>
+              </a:p>
+            </p:txBody>
+          </p:sp>
+          <p:sp>
+            <p:nvSpPr>
+              <p:cNvPr id="53" name="Retângulo 52">
+                <a:extLst>
+                  <a:ext uri="{FF2B5EF4-FFF2-40B4-BE49-F238E27FC236}">
+                    <a16:creationId xmlns:a16="http://schemas.microsoft.com/office/drawing/2014/main" xmlns="" id="{4C2CC099-E32A-49B1-906A-62CD245E08B4}"/>
+                  </a:ext>
+                </a:extLst>
+              </p:cNvPr>
+              <p:cNvSpPr/>
+              <p:nvPr/>
+            </p:nvSpPr>
+            <p:spPr>
+              <a:xfrm>
+                <a:off x="3779912" y="1340768"/>
+                <a:ext cx="1296144" cy="288032"/>
+              </a:xfrm>
+              <a:prstGeom prst="rect">
+                <a:avLst/>
+              </a:prstGeom>
+              <a:grpFill/>
+              <a:ln>
+                <a:noFill/>
+              </a:ln>
+            </p:spPr>
+            <p:style>
+              <a:lnRef idx="2">
+                <a:schemeClr val="accent1">
+                  <a:shade val="50000"/>
+                </a:schemeClr>
+              </a:lnRef>
+              <a:fillRef idx="1">
+                <a:schemeClr val="accent1"/>
+              </a:fillRef>
+              <a:effectRef idx="0">
+                <a:schemeClr val="accent1"/>
+              </a:effectRef>
+              <a:fontRef idx="minor">
+                <a:schemeClr val="lt1"/>
+              </a:fontRef>
+            </p:style>
+            <p:txBody>
+              <a:bodyPr rtlCol="0" anchor="ctr"/>
+              <a:lstStyle/>
+              <a:p>
+                <a:pPr algn="ctr"/>
+                <a:endParaRPr lang="pt-BR"/>
+              </a:p>
+            </p:txBody>
+          </p:sp>
+          <p:grpSp>
+            <p:nvGrpSpPr>
+              <p:cNvPr id="54" name="Agrupar 43">
+                <a:extLst>
+                  <a:ext uri="{FF2B5EF4-FFF2-40B4-BE49-F238E27FC236}">
+                    <a16:creationId xmlns:a16="http://schemas.microsoft.com/office/drawing/2014/main" xmlns="" id="{7FC28071-C5A4-4D9C-8C11-D0F99983D27F}"/>
+                  </a:ext>
+                </a:extLst>
+              </p:cNvPr>
+              <p:cNvGrpSpPr/>
+              <p:nvPr/>
+            </p:nvGrpSpPr>
+            <p:grpSpPr>
+              <a:xfrm>
+                <a:off x="4211960" y="4869160"/>
+                <a:ext cx="432048" cy="792088"/>
+                <a:chOff x="1557272" y="1724412"/>
+                <a:chExt cx="1293188" cy="2323977"/>
+              </a:xfrm>
+              <a:grpFill/>
+            </p:grpSpPr>
+            <p:sp>
+              <p:nvSpPr>
+                <p:cNvPr id="65" name="Forma Livre: Forma 62">
+                  <a:extLst>
+                    <a:ext uri="{FF2B5EF4-FFF2-40B4-BE49-F238E27FC236}">
+                      <a16:creationId xmlns:a16="http://schemas.microsoft.com/office/drawing/2014/main" xmlns="" id="{C3AB2ABC-DB3D-4C9A-B36E-6BB7A4421041}"/>
+                    </a:ext>
+                  </a:extLst>
+                </p:cNvPr>
+                <p:cNvSpPr/>
+                <p:nvPr/>
+              </p:nvSpPr>
+              <p:spPr>
+                <a:xfrm rot="18000000">
+                  <a:off x="1185892" y="2383822"/>
+                  <a:ext cx="2323977" cy="1005158"/>
+                </a:xfrm>
+                <a:custGeom>
+                  <a:avLst/>
+                  <a:gdLst>
+                    <a:gd name="connsiteX0" fmla="*/ 2323977 w 2323977"/>
+                    <a:gd name="connsiteY0" fmla="*/ 1005158 h 1005158"/>
+                    <a:gd name="connsiteX1" fmla="*/ 0 w 2323977"/>
+                    <a:gd name="connsiteY1" fmla="*/ 1005158 h 1005158"/>
+                    <a:gd name="connsiteX2" fmla="*/ 1740985 w 2323977"/>
+                    <a:gd name="connsiteY2" fmla="*/ 0 h 1005158"/>
+                  </a:gdLst>
+                  <a:ahLst/>
+                  <a:cxnLst>
+                    <a:cxn ang="0">
+                      <a:pos x="connsiteX0" y="connsiteY0"/>
+                    </a:cxn>
+                    <a:cxn ang="0">
+                      <a:pos x="connsiteX1" y="connsiteY1"/>
+                    </a:cxn>
+                    <a:cxn ang="0">
+                      <a:pos x="connsiteX2" y="connsiteY2"/>
+                    </a:cxn>
+                  </a:cxnLst>
+                  <a:rect l="l" t="t" r="r" b="b"/>
+                  <a:pathLst>
+                    <a:path w="2323977" h="1005158">
+                      <a:moveTo>
+                        <a:pt x="2323977" y="1005158"/>
+                      </a:moveTo>
+                      <a:lnTo>
+                        <a:pt x="0" y="1005158"/>
+                      </a:lnTo>
+                      <a:lnTo>
+                        <a:pt x="1740985" y="0"/>
+                      </a:lnTo>
+                      <a:close/>
+                    </a:path>
+                  </a:pathLst>
+                </a:custGeom>
+                <a:grpFill/>
+                <a:ln>
+                  <a:noFill/>
+                </a:ln>
+              </p:spPr>
+              <p:style>
+                <a:lnRef idx="2">
+                  <a:schemeClr val="accent1">
+                    <a:shade val="50000"/>
+                  </a:schemeClr>
+                </a:lnRef>
+                <a:fillRef idx="1">
+                  <a:schemeClr val="accent1"/>
+                </a:fillRef>
+                <a:effectRef idx="0">
+                  <a:schemeClr val="accent1"/>
+                </a:effectRef>
+                <a:fontRef idx="minor">
+                  <a:schemeClr val="lt1"/>
+                </a:fontRef>
+              </p:style>
+              <p:txBody>
+                <a:bodyPr rtlCol="0" anchor="ctr"/>
+                <a:lstStyle/>
+                <a:p>
+                  <a:pPr algn="ctr"/>
+                  <a:endParaRPr lang="pt-BR" dirty="0"/>
+                </a:p>
+              </p:txBody>
+            </p:sp>
+            <p:sp>
+              <p:nvSpPr>
+                <p:cNvPr id="66" name="Forma Livre: Forma 63">
+                  <a:extLst>
+                    <a:ext uri="{FF2B5EF4-FFF2-40B4-BE49-F238E27FC236}">
+                      <a16:creationId xmlns:a16="http://schemas.microsoft.com/office/drawing/2014/main" xmlns="" id="{1C697447-CA7D-405E-8628-61488C0CCF61}"/>
+                    </a:ext>
+                  </a:extLst>
+                </p:cNvPr>
+                <p:cNvSpPr/>
+                <p:nvPr/>
+              </p:nvSpPr>
+              <p:spPr>
+                <a:xfrm rot="3600000" flipH="1">
+                  <a:off x="897862" y="2383822"/>
+                  <a:ext cx="2323977" cy="1005158"/>
+                </a:xfrm>
+                <a:custGeom>
+                  <a:avLst/>
+                  <a:gdLst>
+                    <a:gd name="connsiteX0" fmla="*/ 2323977 w 2323977"/>
+                    <a:gd name="connsiteY0" fmla="*/ 1005158 h 1005158"/>
+                    <a:gd name="connsiteX1" fmla="*/ 0 w 2323977"/>
+                    <a:gd name="connsiteY1" fmla="*/ 1005158 h 1005158"/>
+                    <a:gd name="connsiteX2" fmla="*/ 1740985 w 2323977"/>
+                    <a:gd name="connsiteY2" fmla="*/ 0 h 1005158"/>
+                  </a:gdLst>
+                  <a:ahLst/>
+                  <a:cxnLst>
+                    <a:cxn ang="0">
+                      <a:pos x="connsiteX0" y="connsiteY0"/>
+                    </a:cxn>
+                    <a:cxn ang="0">
+                      <a:pos x="connsiteX1" y="connsiteY1"/>
+                    </a:cxn>
+                    <a:cxn ang="0">
+                      <a:pos x="connsiteX2" y="connsiteY2"/>
+                    </a:cxn>
+                  </a:cxnLst>
+                  <a:rect l="l" t="t" r="r" b="b"/>
+                  <a:pathLst>
+                    <a:path w="2323977" h="1005158">
+                      <a:moveTo>
+                        <a:pt x="2323977" y="1005158"/>
+                      </a:moveTo>
+                      <a:lnTo>
+                        <a:pt x="0" y="1005158"/>
+                      </a:lnTo>
+                      <a:lnTo>
+                        <a:pt x="1740985" y="0"/>
+                      </a:lnTo>
+                      <a:close/>
+                    </a:path>
+                  </a:pathLst>
+                </a:custGeom>
+                <a:grpFill/>
+                <a:ln>
+                  <a:noFill/>
+                </a:ln>
+              </p:spPr>
+              <p:style>
+                <a:lnRef idx="2">
+                  <a:schemeClr val="accent1">
+                    <a:shade val="50000"/>
+                  </a:schemeClr>
+                </a:lnRef>
+                <a:fillRef idx="1">
+                  <a:schemeClr val="accent1"/>
+                </a:fillRef>
+                <a:effectRef idx="0">
+                  <a:schemeClr val="accent1"/>
+                </a:effectRef>
+                <a:fontRef idx="minor">
+                  <a:schemeClr val="lt1"/>
+                </a:fontRef>
+              </p:style>
+              <p:txBody>
+                <a:bodyPr rtlCol="0" anchor="ctr"/>
+                <a:lstStyle/>
+                <a:p>
+                  <a:pPr algn="ctr"/>
+                  <a:endParaRPr lang="pt-BR"/>
+                </a:p>
+              </p:txBody>
+            </p:sp>
+          </p:grpSp>
+          <p:sp>
+            <p:nvSpPr>
+              <p:cNvPr id="55" name="Retângulo: Cantos Arredondados 44">
+                <a:extLst>
+                  <a:ext uri="{FF2B5EF4-FFF2-40B4-BE49-F238E27FC236}">
+                    <a16:creationId xmlns:a16="http://schemas.microsoft.com/office/drawing/2014/main" xmlns="" id="{2DB85195-2BC9-41FC-8FF7-4DA194475593}"/>
+                  </a:ext>
+                </a:extLst>
+              </p:cNvPr>
+              <p:cNvSpPr/>
+              <p:nvPr/>
+            </p:nvSpPr>
+            <p:spPr>
+              <a:xfrm>
+                <a:off x="3923928" y="2420888"/>
+                <a:ext cx="288032" cy="648072"/>
+              </a:xfrm>
+              <a:prstGeom prst="roundRect">
+                <a:avLst>
+                  <a:gd name="adj" fmla="val 50000"/>
+                </a:avLst>
+              </a:prstGeom>
+              <a:grpFill/>
+              <a:ln>
+                <a:noFill/>
+              </a:ln>
+            </p:spPr>
+            <p:style>
+              <a:lnRef idx="2">
+                <a:schemeClr val="accent1">
+                  <a:shade val="50000"/>
+                </a:schemeClr>
+              </a:lnRef>
+              <a:fillRef idx="1">
+                <a:schemeClr val="accent1"/>
+              </a:fillRef>
+              <a:effectRef idx="0">
+                <a:schemeClr val="accent1"/>
+              </a:effectRef>
+              <a:fontRef idx="minor">
+                <a:schemeClr val="lt1"/>
+              </a:fontRef>
+            </p:style>
+            <p:txBody>
+              <a:bodyPr rtlCol="0" anchor="ctr"/>
+              <a:lstStyle/>
+              <a:p>
+                <a:pPr algn="ctr"/>
+                <a:endParaRPr lang="pt-BR"/>
+              </a:p>
+            </p:txBody>
+          </p:sp>
+          <p:sp>
+            <p:nvSpPr>
+              <p:cNvPr id="56" name="Retângulo: Cantos Arredondados 45">
+                <a:extLst>
+                  <a:ext uri="{FF2B5EF4-FFF2-40B4-BE49-F238E27FC236}">
+                    <a16:creationId xmlns:a16="http://schemas.microsoft.com/office/drawing/2014/main" xmlns="" id="{22120934-64E1-4243-A3C9-F2333CD81248}"/>
+                  </a:ext>
+                </a:extLst>
+              </p:cNvPr>
+              <p:cNvSpPr/>
+              <p:nvPr/>
+            </p:nvSpPr>
+            <p:spPr>
+              <a:xfrm>
+                <a:off x="4644008" y="2420888"/>
+                <a:ext cx="288032" cy="648072"/>
+              </a:xfrm>
+              <a:prstGeom prst="roundRect">
+                <a:avLst>
+                  <a:gd name="adj" fmla="val 50000"/>
+                </a:avLst>
+              </a:prstGeom>
+              <a:grpFill/>
+              <a:ln>
+                <a:noFill/>
+              </a:ln>
+            </p:spPr>
+            <p:style>
+              <a:lnRef idx="2">
+                <a:schemeClr val="accent1">
+                  <a:shade val="50000"/>
+                </a:schemeClr>
+              </a:lnRef>
+              <a:fillRef idx="1">
+                <a:schemeClr val="accent1"/>
+              </a:fillRef>
+              <a:effectRef idx="0">
+                <a:schemeClr val="accent1"/>
+              </a:effectRef>
+              <a:fontRef idx="minor">
+                <a:schemeClr val="lt1"/>
+              </a:fontRef>
+            </p:style>
+            <p:txBody>
+              <a:bodyPr rtlCol="0" anchor="ctr"/>
+              <a:lstStyle/>
+              <a:p>
+                <a:pPr algn="ctr"/>
+                <a:endParaRPr lang="pt-BR"/>
+              </a:p>
+            </p:txBody>
+          </p:sp>
+          <p:sp>
+            <p:nvSpPr>
+              <p:cNvPr id="57" name="Forma Livre: Forma 46">
+                <a:extLst>
+                  <a:ext uri="{FF2B5EF4-FFF2-40B4-BE49-F238E27FC236}">
+                    <a16:creationId xmlns:a16="http://schemas.microsoft.com/office/drawing/2014/main" xmlns="" id="{068BA003-CB8C-4A97-8A20-CE99A2056A9C}"/>
+                  </a:ext>
+                </a:extLst>
+              </p:cNvPr>
+              <p:cNvSpPr/>
+              <p:nvPr/>
+            </p:nvSpPr>
+            <p:spPr>
+              <a:xfrm rot="20390445">
+                <a:off x="4314657" y="3239201"/>
+                <a:ext cx="621374" cy="288553"/>
+              </a:xfrm>
+              <a:custGeom>
+                <a:avLst/>
+                <a:gdLst>
+                  <a:gd name="connsiteX0" fmla="*/ 1510584 w 1512169"/>
+                  <a:gd name="connsiteY0" fmla="*/ 0 h 766706"/>
+                  <a:gd name="connsiteX1" fmla="*/ 1512169 w 1512169"/>
+                  <a:gd name="connsiteY1" fmla="*/ 15728 h 766706"/>
+                  <a:gd name="connsiteX2" fmla="*/ 1512168 w 1512169"/>
+                  <a:gd name="connsiteY2" fmla="*/ 15728 h 766706"/>
+                  <a:gd name="connsiteX3" fmla="*/ 761190 w 1512169"/>
+                  <a:gd name="connsiteY3" fmla="*/ 766706 h 766706"/>
+                  <a:gd name="connsiteX4" fmla="*/ 750978 w 1512169"/>
+                  <a:gd name="connsiteY4" fmla="*/ 766705 h 766706"/>
+                  <a:gd name="connsiteX5" fmla="*/ 15258 w 1512169"/>
+                  <a:gd name="connsiteY5" fmla="*/ 167076 h 766706"/>
+                  <a:gd name="connsiteX6" fmla="*/ 0 w 1512169"/>
+                  <a:gd name="connsiteY6" fmla="*/ 15728 h 766706"/>
+                  <a:gd name="connsiteX7" fmla="*/ 166 w 1512169"/>
+                  <a:gd name="connsiteY7" fmla="*/ 14083 h 766706"/>
+                  <a:gd name="connsiteX8" fmla="*/ 62019 w 1512169"/>
+                  <a:gd name="connsiteY8" fmla="*/ 62761 h 766706"/>
+                  <a:gd name="connsiteX9" fmla="*/ 691253 w 1512169"/>
+                  <a:gd name="connsiteY9" fmla="*/ 255426 h 766706"/>
+                  <a:gd name="connsiteX10" fmla="*/ 704828 w 1512169"/>
+                  <a:gd name="connsiteY10" fmla="*/ 255881 h 766706"/>
+                  <a:gd name="connsiteX11" fmla="*/ 1418058 w 1512169"/>
+                  <a:gd name="connsiteY11" fmla="*/ 59698 h 766706"/>
+                  <a:gd name="connsiteX12" fmla="*/ 1488145 w 1512169"/>
+                  <a:gd name="connsiteY12" fmla="*/ 0 h 766706"/>
+                </a:gdLst>
+                <a:ahLst/>
+                <a:cxnLst>
+                  <a:cxn ang="0">
+                    <a:pos x="connsiteX0" y="connsiteY0"/>
+                  </a:cxn>
+                  <a:cxn ang="0">
+                    <a:pos x="connsiteX1" y="connsiteY1"/>
+                  </a:cxn>
+                  <a:cxn ang="0">
+                    <a:pos x="connsiteX2" y="connsiteY2"/>
+                  </a:cxn>
+                  <a:cxn ang="0">
+                    <a:pos x="connsiteX3" y="connsiteY3"/>
+                  </a:cxn>
+                  <a:cxn ang="0">
+                    <a:pos x="connsiteX4" y="connsiteY4"/>
+                  </a:cxn>
+                  <a:cxn ang="0">
+                    <a:pos x="connsiteX5" y="connsiteY5"/>
+                  </a:cxn>
+                  <a:cxn ang="0">
+                    <a:pos x="connsiteX6" y="connsiteY6"/>
+                  </a:cxn>
+                  <a:cxn ang="0">
+                    <a:pos x="connsiteX7" y="connsiteY7"/>
+                  </a:cxn>
+                  <a:cxn ang="0">
+                    <a:pos x="connsiteX8" y="connsiteY8"/>
+                  </a:cxn>
+                  <a:cxn ang="0">
+                    <a:pos x="connsiteX9" y="connsiteY9"/>
+                  </a:cxn>
+                  <a:cxn ang="0">
+                    <a:pos x="connsiteX10" y="connsiteY10"/>
+                  </a:cxn>
+                  <a:cxn ang="0">
+                    <a:pos x="connsiteX11" y="connsiteY11"/>
+                  </a:cxn>
+                  <a:cxn ang="0">
+                    <a:pos x="connsiteX12" y="connsiteY12"/>
+                  </a:cxn>
+                </a:cxnLst>
+                <a:rect l="l" t="t" r="r" b="b"/>
+                <a:pathLst>
+                  <a:path w="1512169" h="766706">
+                    <a:moveTo>
+                      <a:pt x="1510584" y="0"/>
+                    </a:moveTo>
+                    <a:lnTo>
+                      <a:pt x="1512169" y="15728"/>
+                    </a:lnTo>
+                    <a:lnTo>
+                      <a:pt x="1512168" y="15728"/>
+                    </a:lnTo>
+                    <a:cubicBezTo>
+                      <a:pt x="1512168" y="430482"/>
+                      <a:pt x="1175944" y="766706"/>
+                      <a:pt x="761190" y="766706"/>
+                    </a:cubicBezTo>
+                    <a:lnTo>
+                      <a:pt x="750978" y="766705"/>
+                    </a:lnTo>
+                    <a:cubicBezTo>
+                      <a:pt x="388069" y="766705"/>
+                      <a:pt x="85283" y="509284"/>
+                      <a:pt x="15258" y="167076"/>
+                    </a:cubicBezTo>
+                    <a:lnTo>
+                      <a:pt x="0" y="15728"/>
+                    </a:lnTo>
+                    <a:lnTo>
+                      <a:pt x="166" y="14083"/>
+                    </a:lnTo>
+                    <a:lnTo>
+                      <a:pt x="62019" y="62761"/>
+                    </a:lnTo>
+                    <a:cubicBezTo>
+                      <a:pt x="230988" y="175614"/>
+                      <a:pt x="450053" y="247345"/>
+                      <a:pt x="691253" y="255426"/>
+                    </a:cubicBezTo>
+                    <a:lnTo>
+                      <a:pt x="704828" y="255881"/>
+                    </a:lnTo>
+                    <a:cubicBezTo>
+                      <a:pt x="980485" y="265117"/>
+                      <a:pt x="1232861" y="189469"/>
+                      <a:pt x="1418058" y="59698"/>
+                    </a:cubicBezTo>
+                    <a:lnTo>
+                      <a:pt x="1488145" y="0"/>
+                    </a:lnTo>
+                    <a:close/>
+                  </a:path>
+                </a:pathLst>
+              </a:custGeom>
+              <a:grpFill/>
+              <a:ln>
+                <a:noFill/>
+              </a:ln>
+            </p:spPr>
+            <p:style>
+              <a:lnRef idx="2">
+                <a:schemeClr val="accent1">
+                  <a:shade val="50000"/>
+                </a:schemeClr>
+              </a:lnRef>
+              <a:fillRef idx="1">
+                <a:schemeClr val="accent1"/>
+              </a:fillRef>
+              <a:effectRef idx="0">
+                <a:schemeClr val="accent1"/>
+              </a:effectRef>
+              <a:fontRef idx="minor">
+                <a:schemeClr val="lt1"/>
+              </a:fontRef>
+            </p:style>
+            <p:txBody>
+              <a:bodyPr rtlCol="0" anchor="ctr"/>
+              <a:lstStyle/>
+              <a:p>
+                <a:pPr algn="ctr"/>
+                <a:endParaRPr lang="pt-BR"/>
+              </a:p>
+            </p:txBody>
+          </p:sp>
+          <p:grpSp>
+            <p:nvGrpSpPr>
+              <p:cNvPr id="58" name="Agrupar 55">
+                <a:extLst>
+                  <a:ext uri="{FF2B5EF4-FFF2-40B4-BE49-F238E27FC236}">
+                    <a16:creationId xmlns:a16="http://schemas.microsoft.com/office/drawing/2014/main" xmlns="" id="{9B875EC0-FE98-4078-8488-EC2DA10CD36F}"/>
+                  </a:ext>
+                </a:extLst>
+              </p:cNvPr>
+              <p:cNvGrpSpPr/>
+              <p:nvPr/>
+            </p:nvGrpSpPr>
+            <p:grpSpPr>
+              <a:xfrm>
+                <a:off x="3995936" y="3717032"/>
+                <a:ext cx="864096" cy="380667"/>
+                <a:chOff x="1801781" y="3933056"/>
+                <a:chExt cx="1138627" cy="501608"/>
+              </a:xfrm>
+              <a:grpFill/>
+            </p:grpSpPr>
+            <p:sp>
+              <p:nvSpPr>
+                <p:cNvPr id="59" name="Forma Livre: Forma 56">
+                  <a:extLst>
+                    <a:ext uri="{FF2B5EF4-FFF2-40B4-BE49-F238E27FC236}">
+                      <a16:creationId xmlns:a16="http://schemas.microsoft.com/office/drawing/2014/main" xmlns="" id="{AB170364-870B-48AE-8BB7-23F5B559323F}"/>
+                    </a:ext>
+                  </a:extLst>
+                </p:cNvPr>
+                <p:cNvSpPr/>
+                <p:nvPr/>
+              </p:nvSpPr>
+              <p:spPr>
+                <a:xfrm>
+                  <a:off x="1801781" y="3933056"/>
+                  <a:ext cx="528648" cy="501608"/>
+                </a:xfrm>
+                <a:custGeom>
+                  <a:avLst/>
+                  <a:gdLst>
+                    <a:gd name="connsiteX0" fmla="*/ 353933 w 1440160"/>
+                    <a:gd name="connsiteY0" fmla="*/ 0 h 1210914"/>
+                    <a:gd name="connsiteX1" fmla="*/ 548974 w 1440160"/>
+                    <a:gd name="connsiteY1" fmla="*/ 10782 h 1210914"/>
+                    <a:gd name="connsiteX2" fmla="*/ 1440160 w 1440160"/>
+                    <a:gd name="connsiteY2" fmla="*/ 610415 h 1210914"/>
+                    <a:gd name="connsiteX3" fmla="*/ 548974 w 1440160"/>
+                    <a:gd name="connsiteY3" fmla="*/ 1210048 h 1210914"/>
+                    <a:gd name="connsiteX4" fmla="*/ 533309 w 1440160"/>
+                    <a:gd name="connsiteY4" fmla="*/ 1210914 h 1210914"/>
+                    <a:gd name="connsiteX5" fmla="*/ 517463 w 1440160"/>
+                    <a:gd name="connsiteY5" fmla="*/ 1209317 h 1210914"/>
+                    <a:gd name="connsiteX6" fmla="*/ 0 w 1440160"/>
+                    <a:gd name="connsiteY6" fmla="*/ 574411 h 1210914"/>
+                    <a:gd name="connsiteX7" fmla="*/ 285729 w 1440160"/>
+                    <a:gd name="connsiteY7" fmla="*/ 37020 h 1210914"/>
+                  </a:gdLst>
+                  <a:ahLst/>
+                  <a:cxnLst>
+                    <a:cxn ang="0">
+                      <a:pos x="connsiteX0" y="connsiteY0"/>
+                    </a:cxn>
+                    <a:cxn ang="0">
+                      <a:pos x="connsiteX1" y="connsiteY1"/>
+                    </a:cxn>
+                    <a:cxn ang="0">
+                      <a:pos x="connsiteX2" y="connsiteY2"/>
+                    </a:cxn>
+                    <a:cxn ang="0">
+                      <a:pos x="connsiteX3" y="connsiteY3"/>
+                    </a:cxn>
+                    <a:cxn ang="0">
+                      <a:pos x="connsiteX4" y="connsiteY4"/>
+                    </a:cxn>
+                    <a:cxn ang="0">
+                      <a:pos x="connsiteX5" y="connsiteY5"/>
+                    </a:cxn>
+                    <a:cxn ang="0">
+                      <a:pos x="connsiteX6" y="connsiteY6"/>
+                    </a:cxn>
+                    <a:cxn ang="0">
+                      <a:pos x="connsiteX7" y="connsiteY7"/>
+                    </a:cxn>
+                  </a:cxnLst>
+                  <a:rect l="l" t="t" r="r" b="b"/>
+                  <a:pathLst>
+                    <a:path w="1440160" h="1210914">
+                      <a:moveTo>
+                        <a:pt x="353933" y="0"/>
+                      </a:moveTo>
+                      <a:lnTo>
+                        <a:pt x="548974" y="10782"/>
+                      </a:lnTo>
+                      <a:cubicBezTo>
+                        <a:pt x="1057573" y="67855"/>
+                        <a:pt x="1440160" y="314634"/>
+                        <a:pt x="1440160" y="610415"/>
+                      </a:cubicBezTo>
+                      <a:cubicBezTo>
+                        <a:pt x="1440160" y="906197"/>
+                        <a:pt x="1057573" y="1152975"/>
+                        <a:pt x="548974" y="1210048"/>
+                      </a:cubicBezTo>
+                      <a:lnTo>
+                        <a:pt x="533309" y="1210914"/>
+                      </a:lnTo>
+                      <a:lnTo>
+                        <a:pt x="517463" y="1209317"/>
+                      </a:lnTo>
+                      <a:cubicBezTo>
+                        <a:pt x="222148" y="1148886"/>
+                        <a:pt x="0" y="887591"/>
+                        <a:pt x="0" y="574411"/>
+                      </a:cubicBezTo>
+                      <a:cubicBezTo>
+                        <a:pt x="0" y="350711"/>
+                        <a:pt x="113341" y="153483"/>
+                        <a:pt x="285729" y="37020"/>
+                      </a:cubicBezTo>
+                      <a:close/>
+                    </a:path>
+                  </a:pathLst>
+                </a:custGeom>
+                <a:grpFill/>
+                <a:ln>
+                  <a:noFill/>
+                </a:ln>
+              </p:spPr>
+              <p:style>
+                <a:lnRef idx="2">
+                  <a:schemeClr val="accent1">
+                    <a:shade val="50000"/>
+                  </a:schemeClr>
+                </a:lnRef>
+                <a:fillRef idx="1">
+                  <a:schemeClr val="accent1"/>
+                </a:fillRef>
+                <a:effectRef idx="0">
+                  <a:schemeClr val="accent1"/>
+                </a:effectRef>
+                <a:fontRef idx="minor">
+                  <a:schemeClr val="lt1"/>
+                </a:fontRef>
+              </p:style>
+              <p:txBody>
+                <a:bodyPr rtlCol="0" anchor="ctr"/>
+                <a:lstStyle/>
+                <a:p>
+                  <a:pPr algn="ctr"/>
+                  <a:endParaRPr lang="pt-BR">
+                    <a:ln w="0"/>
+                    <a:solidFill>
+                      <a:schemeClr val="accent1"/>
+                    </a:solidFill>
+                    <a:effectLst>
+                      <a:outerShdw blurRad="38100" dist="25400" dir="5400000" algn="ctr" rotWithShape="0">
+                        <a:srgbClr val="6E747A">
+                          <a:alpha val="43000"/>
+                        </a:srgbClr>
+                      </a:outerShdw>
+                    </a:effectLst>
+                  </a:endParaRPr>
+                </a:p>
+              </p:txBody>
+            </p:sp>
+            <p:sp>
+              <p:nvSpPr>
+                <p:cNvPr id="60" name="Forma Livre: Forma 57">
+                  <a:extLst>
+                    <a:ext uri="{FF2B5EF4-FFF2-40B4-BE49-F238E27FC236}">
+                      <a16:creationId xmlns:a16="http://schemas.microsoft.com/office/drawing/2014/main" xmlns="" id="{D75011AA-2CA3-43AA-909B-7FD66FB4407B}"/>
+                    </a:ext>
+                  </a:extLst>
+                </p:cNvPr>
+                <p:cNvSpPr/>
+                <p:nvPr/>
+              </p:nvSpPr>
+              <p:spPr>
+                <a:xfrm flipH="1">
+                  <a:off x="2411760" y="3933056"/>
+                  <a:ext cx="528648" cy="501608"/>
+                </a:xfrm>
+                <a:custGeom>
+                  <a:avLst/>
+                  <a:gdLst>
+                    <a:gd name="connsiteX0" fmla="*/ 353933 w 1440160"/>
+                    <a:gd name="connsiteY0" fmla="*/ 0 h 1210914"/>
+                    <a:gd name="connsiteX1" fmla="*/ 548974 w 1440160"/>
+                    <a:gd name="connsiteY1" fmla="*/ 10782 h 1210914"/>
+                    <a:gd name="connsiteX2" fmla="*/ 1440160 w 1440160"/>
+                    <a:gd name="connsiteY2" fmla="*/ 610415 h 1210914"/>
+                    <a:gd name="connsiteX3" fmla="*/ 548974 w 1440160"/>
+                    <a:gd name="connsiteY3" fmla="*/ 1210048 h 1210914"/>
+                    <a:gd name="connsiteX4" fmla="*/ 533309 w 1440160"/>
+                    <a:gd name="connsiteY4" fmla="*/ 1210914 h 1210914"/>
+                    <a:gd name="connsiteX5" fmla="*/ 517463 w 1440160"/>
+                    <a:gd name="connsiteY5" fmla="*/ 1209317 h 1210914"/>
+                    <a:gd name="connsiteX6" fmla="*/ 0 w 1440160"/>
+                    <a:gd name="connsiteY6" fmla="*/ 574411 h 1210914"/>
+                    <a:gd name="connsiteX7" fmla="*/ 285729 w 1440160"/>
+                    <a:gd name="connsiteY7" fmla="*/ 37020 h 1210914"/>
+                  </a:gdLst>
+                  <a:ahLst/>
+                  <a:cxnLst>
+                    <a:cxn ang="0">
+                      <a:pos x="connsiteX0" y="connsiteY0"/>
+                    </a:cxn>
+                    <a:cxn ang="0">
+                      <a:pos x="connsiteX1" y="connsiteY1"/>
+                    </a:cxn>
+                    <a:cxn ang="0">
+                      <a:pos x="connsiteX2" y="connsiteY2"/>
+                    </a:cxn>
+                    <a:cxn ang="0">
+                      <a:pos x="connsiteX3" y="connsiteY3"/>
+                    </a:cxn>
+                    <a:cxn ang="0">
+                      <a:pos x="connsiteX4" y="connsiteY4"/>
+                    </a:cxn>
+                    <a:cxn ang="0">
+                      <a:pos x="connsiteX5" y="connsiteY5"/>
+                    </a:cxn>
+                    <a:cxn ang="0">
+                      <a:pos x="connsiteX6" y="connsiteY6"/>
+                    </a:cxn>
+                    <a:cxn ang="0">
+                      <a:pos x="connsiteX7" y="connsiteY7"/>
+                    </a:cxn>
+                  </a:cxnLst>
+                  <a:rect l="l" t="t" r="r" b="b"/>
+                  <a:pathLst>
+                    <a:path w="1440160" h="1210914">
+                      <a:moveTo>
+                        <a:pt x="353933" y="0"/>
+                      </a:moveTo>
+                      <a:lnTo>
+                        <a:pt x="548974" y="10782"/>
+                      </a:lnTo>
+                      <a:cubicBezTo>
+                        <a:pt x="1057573" y="67855"/>
+                        <a:pt x="1440160" y="314634"/>
+                        <a:pt x="1440160" y="610415"/>
+                      </a:cubicBezTo>
+                      <a:cubicBezTo>
+                        <a:pt x="1440160" y="906197"/>
+                        <a:pt x="1057573" y="1152975"/>
+                        <a:pt x="548974" y="1210048"/>
+                      </a:cubicBezTo>
+                      <a:lnTo>
+                        <a:pt x="533309" y="1210914"/>
+                      </a:lnTo>
+                      <a:lnTo>
+                        <a:pt x="517463" y="1209317"/>
+                      </a:lnTo>
+                      <a:cubicBezTo>
+                        <a:pt x="222148" y="1148886"/>
+                        <a:pt x="0" y="887591"/>
+                        <a:pt x="0" y="574411"/>
+                      </a:cubicBezTo>
+                      <a:cubicBezTo>
+                        <a:pt x="0" y="350711"/>
+                        <a:pt x="113341" y="153483"/>
+                        <a:pt x="285729" y="37020"/>
+                      </a:cubicBezTo>
+                      <a:close/>
+                    </a:path>
+                  </a:pathLst>
+                </a:custGeom>
+                <a:grpFill/>
+                <a:ln>
+                  <a:noFill/>
+                </a:ln>
+              </p:spPr>
+              <p:style>
+                <a:lnRef idx="2">
+                  <a:schemeClr val="accent1">
+                    <a:shade val="50000"/>
+                  </a:schemeClr>
+                </a:lnRef>
+                <a:fillRef idx="1">
+                  <a:schemeClr val="accent1"/>
+                </a:fillRef>
+                <a:effectRef idx="0">
+                  <a:schemeClr val="accent1"/>
+                </a:effectRef>
+                <a:fontRef idx="minor">
+                  <a:schemeClr val="lt1"/>
+                </a:fontRef>
+              </p:style>
+              <p:txBody>
+                <a:bodyPr rtlCol="0" anchor="ctr"/>
+                <a:lstStyle/>
+                <a:p>
+                  <a:pPr algn="ctr"/>
+                  <a:endParaRPr lang="pt-BR">
+                    <a:ln w="0"/>
+                    <a:solidFill>
+                      <a:schemeClr val="accent1"/>
+                    </a:solidFill>
+                    <a:effectLst>
+                      <a:outerShdw blurRad="38100" dist="25400" dir="5400000" algn="ctr" rotWithShape="0">
+                        <a:srgbClr val="6E747A">
+                          <a:alpha val="43000"/>
+                        </a:srgbClr>
+                      </a:outerShdw>
+                    </a:effectLst>
+                  </a:endParaRPr>
+                </a:p>
+              </p:txBody>
+            </p:sp>
+            <p:sp>
+              <p:nvSpPr>
+                <p:cNvPr id="61" name="Elipse 60">
+                  <a:extLst>
+                    <a:ext uri="{FF2B5EF4-FFF2-40B4-BE49-F238E27FC236}">
+                      <a16:creationId xmlns:a16="http://schemas.microsoft.com/office/drawing/2014/main" xmlns="" id="{107D1028-E7C8-4F67-9675-BF4B317058C9}"/>
+                    </a:ext>
+                  </a:extLst>
+                </p:cNvPr>
+                <p:cNvSpPr/>
+                <p:nvPr/>
+              </p:nvSpPr>
+              <p:spPr>
+                <a:xfrm>
+                  <a:off x="2249099" y="4095717"/>
+                  <a:ext cx="243991" cy="243991"/>
+                </a:xfrm>
+                <a:prstGeom prst="ellipse">
+                  <a:avLst/>
+                </a:prstGeom>
+                <a:grpFill/>
+                <a:ln>
+                  <a:noFill/>
+                </a:ln>
+              </p:spPr>
+              <p:style>
+                <a:lnRef idx="2">
+                  <a:schemeClr val="accent1">
+                    <a:shade val="50000"/>
+                  </a:schemeClr>
+                </a:lnRef>
+                <a:fillRef idx="1">
+                  <a:schemeClr val="accent1"/>
+                </a:fillRef>
+                <a:effectRef idx="0">
+                  <a:schemeClr val="accent1"/>
+                </a:effectRef>
+                <a:fontRef idx="minor">
+                  <a:schemeClr val="lt1"/>
+                </a:fontRef>
+              </p:style>
+              <p:txBody>
+                <a:bodyPr rtlCol="0" anchor="ctr"/>
+                <a:lstStyle/>
+                <a:p>
+                  <a:pPr algn="ctr"/>
+                  <a:endParaRPr lang="pt-BR">
+                    <a:ln w="0"/>
+                    <a:solidFill>
+                      <a:schemeClr val="accent1"/>
+                    </a:solidFill>
+                    <a:effectLst>
+                      <a:outerShdw blurRad="38100" dist="25400" dir="5400000" algn="ctr" rotWithShape="0">
+                        <a:srgbClr val="6E747A">
+                          <a:alpha val="43000"/>
+                        </a:srgbClr>
+                      </a:outerShdw>
+                    </a:effectLst>
+                  </a:endParaRPr>
+                </a:p>
+              </p:txBody>
+            </p:sp>
+            <p:sp>
+              <p:nvSpPr>
+                <p:cNvPr id="62" name="Retângulo: Cantos Arredondados 59">
+                  <a:extLst>
+                    <a:ext uri="{FF2B5EF4-FFF2-40B4-BE49-F238E27FC236}">
+                      <a16:creationId xmlns:a16="http://schemas.microsoft.com/office/drawing/2014/main" xmlns="" id="{F6D87E8A-C0A6-4044-AD19-03CAD4884A03}"/>
+                    </a:ext>
+                  </a:extLst>
+                </p:cNvPr>
+                <p:cNvSpPr/>
+                <p:nvPr/>
+              </p:nvSpPr>
+              <p:spPr>
+                <a:xfrm rot="2899544">
+                  <a:off x="2713492" y="4004394"/>
+                  <a:ext cx="128510" cy="103376"/>
+                </a:xfrm>
+                <a:prstGeom prst="roundRect">
+                  <a:avLst>
+                    <a:gd name="adj" fmla="val 50000"/>
+                  </a:avLst>
+                </a:prstGeom>
+                <a:grpFill/>
+                <a:ln>
+                  <a:noFill/>
+                </a:ln>
+              </p:spPr>
+              <p:style>
+                <a:lnRef idx="2">
+                  <a:schemeClr val="accent1">
+                    <a:shade val="50000"/>
+                  </a:schemeClr>
+                </a:lnRef>
+                <a:fillRef idx="1">
+                  <a:schemeClr val="accent1"/>
+                </a:fillRef>
+                <a:effectRef idx="0">
+                  <a:schemeClr val="accent1"/>
+                </a:effectRef>
+                <a:fontRef idx="minor">
+                  <a:schemeClr val="lt1"/>
+                </a:fontRef>
+              </p:style>
+              <p:txBody>
+                <a:bodyPr rtlCol="0" anchor="ctr"/>
+                <a:lstStyle/>
+                <a:p>
+                  <a:pPr algn="ctr"/>
+                  <a:endParaRPr lang="pt-BR"/>
+                </a:p>
+              </p:txBody>
+            </p:sp>
+            <p:sp>
+              <p:nvSpPr>
+                <p:cNvPr id="63" name="Retângulo: Cantos Arredondados 60">
+                  <a:extLst>
+                    <a:ext uri="{FF2B5EF4-FFF2-40B4-BE49-F238E27FC236}">
+                      <a16:creationId xmlns:a16="http://schemas.microsoft.com/office/drawing/2014/main" xmlns="" id="{29BCB2F9-B9DC-4991-B0D7-4024858998C6}"/>
+                    </a:ext>
+                  </a:extLst>
+                </p:cNvPr>
+                <p:cNvSpPr/>
+                <p:nvPr/>
+              </p:nvSpPr>
+              <p:spPr>
+                <a:xfrm rot="2899544">
+                  <a:off x="2379745" y="4151922"/>
+                  <a:ext cx="65107" cy="52373"/>
+                </a:xfrm>
+                <a:prstGeom prst="roundRect">
+                  <a:avLst>
+                    <a:gd name="adj" fmla="val 50000"/>
+                  </a:avLst>
+                </a:prstGeom>
+                <a:grpFill/>
+                <a:ln>
+                  <a:noFill/>
+                </a:ln>
+              </p:spPr>
+              <p:style>
+                <a:lnRef idx="2">
+                  <a:schemeClr val="accent1">
+                    <a:shade val="50000"/>
+                  </a:schemeClr>
+                </a:lnRef>
+                <a:fillRef idx="1">
+                  <a:schemeClr val="accent1"/>
+                </a:fillRef>
+                <a:effectRef idx="0">
+                  <a:schemeClr val="accent1"/>
+                </a:effectRef>
+                <a:fontRef idx="minor">
+                  <a:schemeClr val="lt1"/>
+                </a:fontRef>
+              </p:style>
+              <p:txBody>
+                <a:bodyPr rtlCol="0" anchor="ctr"/>
+                <a:lstStyle/>
+                <a:p>
+                  <a:pPr algn="ctr"/>
+                  <a:endParaRPr lang="pt-BR"/>
+                </a:p>
+              </p:txBody>
+            </p:sp>
+            <p:sp>
+              <p:nvSpPr>
+                <p:cNvPr id="64" name="Retângulo: Cantos Arredondados 61">
+                  <a:extLst>
+                    <a:ext uri="{FF2B5EF4-FFF2-40B4-BE49-F238E27FC236}">
+                      <a16:creationId xmlns:a16="http://schemas.microsoft.com/office/drawing/2014/main" xmlns="" id="{B9CB0BB4-6CB8-4FEF-BF1C-671B6FC0FEDF}"/>
+                    </a:ext>
+                  </a:extLst>
+                </p:cNvPr>
+                <p:cNvSpPr/>
+                <p:nvPr/>
+              </p:nvSpPr>
+              <p:spPr>
+                <a:xfrm rot="2899544">
+                  <a:off x="2062848" y="4045060"/>
+                  <a:ext cx="128510" cy="103376"/>
+                </a:xfrm>
+                <a:prstGeom prst="roundRect">
+                  <a:avLst>
+                    <a:gd name="adj" fmla="val 50000"/>
+                  </a:avLst>
+                </a:prstGeom>
+                <a:grpFill/>
+                <a:ln>
+                  <a:noFill/>
+                </a:ln>
+              </p:spPr>
+              <p:style>
+                <a:lnRef idx="2">
+                  <a:schemeClr val="accent1">
+                    <a:shade val="50000"/>
+                  </a:schemeClr>
+                </a:lnRef>
+                <a:fillRef idx="1">
+                  <a:schemeClr val="accent1"/>
+                </a:fillRef>
+                <a:effectRef idx="0">
+                  <a:schemeClr val="accent1"/>
+                </a:effectRef>
+                <a:fontRef idx="minor">
+                  <a:schemeClr val="lt1"/>
+                </a:fontRef>
+              </p:style>
+              <p:txBody>
+                <a:bodyPr rtlCol="0" anchor="ctr"/>
+                <a:lstStyle/>
+                <a:p>
+                  <a:pPr algn="ctr"/>
+                  <a:endParaRPr lang="pt-BR"/>
+                </a:p>
+              </p:txBody>
+            </p:sp>
+          </p:grpSp>
+        </p:grpSp>
+      </p:grpSp>
     </p:spTree>
     <p:extLst>
       <p:ext uri="{BB962C8B-B14F-4D97-AF65-F5344CB8AC3E}">
@@ -12592,407 +15061,9 @@
   <p:timing>
     <p:tnLst>
       <p:par>
-        <p:cTn id="1" dur="indefinite" restart="never" nodeType="tmRoot">
-          <p:childTnLst>
-            <p:seq concurrent="1" nextAc="seek">
-              <p:cTn id="2" dur="indefinite" nodeType="mainSeq">
-                <p:childTnLst>
-                  <p:par>
-                    <p:cTn id="3" fill="hold">
-                      <p:stCondLst>
-                        <p:cond delay="indefinite"/>
-                        <p:cond evt="onBegin" delay="0">
-                          <p:tn val="2"/>
-                        </p:cond>
-                      </p:stCondLst>
-                      <p:childTnLst>
-                        <p:par>
-                          <p:cTn id="4" fill="hold">
-                            <p:stCondLst>
-                              <p:cond delay="0"/>
-                            </p:stCondLst>
-                            <p:childTnLst>
-                              <p:par>
-                                <p:cTn id="5" presetID="10" presetClass="entr" presetSubtype="0" fill="hold" nodeType="withEffect">
-                                  <p:stCondLst>
-                                    <p:cond delay="0"/>
-                                  </p:stCondLst>
-                                  <p:childTnLst>
-                                    <p:set>
-                                      <p:cBhvr>
-                                        <p:cTn id="6" dur="1" fill="hold">
-                                          <p:stCondLst>
-                                            <p:cond delay="0"/>
-                                          </p:stCondLst>
-                                        </p:cTn>
-                                        <p:tgtEl>
-                                          <p:spTgt spid="20"/>
-                                        </p:tgtEl>
-                                        <p:attrNameLst>
-                                          <p:attrName>style.visibility</p:attrName>
-                                        </p:attrNameLst>
-                                      </p:cBhvr>
-                                      <p:to>
-                                        <p:strVal val="visible"/>
-                                      </p:to>
-                                    </p:set>
-                                    <p:animEffect transition="in" filter="fade">
-                                      <p:cBhvr>
-                                        <p:cTn id="7" dur="750"/>
-                                        <p:tgtEl>
-                                          <p:spTgt spid="20"/>
-                                        </p:tgtEl>
-                                      </p:cBhvr>
-                                    </p:animEffect>
-                                  </p:childTnLst>
-                                </p:cTn>
-                              </p:par>
-                              <p:par>
-                                <p:cTn id="8" presetID="10" presetClass="entr" presetSubtype="0" fill="hold" nodeType="withEffect">
-                                  <p:stCondLst>
-                                    <p:cond delay="0"/>
-                                  </p:stCondLst>
-                                  <p:childTnLst>
-                                    <p:set>
-                                      <p:cBhvr>
-                                        <p:cTn id="9" dur="1" fill="hold">
-                                          <p:stCondLst>
-                                            <p:cond delay="0"/>
-                                          </p:stCondLst>
-                                        </p:cTn>
-                                        <p:tgtEl>
-                                          <p:spTgt spid="23"/>
-                                        </p:tgtEl>
-                                        <p:attrNameLst>
-                                          <p:attrName>style.visibility</p:attrName>
-                                        </p:attrNameLst>
-                                      </p:cBhvr>
-                                      <p:to>
-                                        <p:strVal val="visible"/>
-                                      </p:to>
-                                    </p:set>
-                                    <p:animEffect transition="in" filter="fade">
-                                      <p:cBhvr>
-                                        <p:cTn id="10" dur="500"/>
-                                        <p:tgtEl>
-                                          <p:spTgt spid="23"/>
-                                        </p:tgtEl>
-                                      </p:cBhvr>
-                                    </p:animEffect>
-                                  </p:childTnLst>
-                                </p:cTn>
-                              </p:par>
-                              <p:par>
-                                <p:cTn id="11" presetID="10" presetClass="entr" presetSubtype="0" fill="hold" nodeType="withEffect">
-                                  <p:stCondLst>
-                                    <p:cond delay="0"/>
-                                  </p:stCondLst>
-                                  <p:childTnLst>
-                                    <p:set>
-                                      <p:cBhvr>
-                                        <p:cTn id="12" dur="1" fill="hold">
-                                          <p:stCondLst>
-                                            <p:cond delay="0"/>
-                                          </p:stCondLst>
-                                        </p:cTn>
-                                        <p:tgtEl>
-                                          <p:spTgt spid="21"/>
-                                        </p:tgtEl>
-                                        <p:attrNameLst>
-                                          <p:attrName>style.visibility</p:attrName>
-                                        </p:attrNameLst>
-                                      </p:cBhvr>
-                                      <p:to>
-                                        <p:strVal val="visible"/>
-                                      </p:to>
-                                    </p:set>
-                                    <p:animEffect transition="in" filter="fade">
-                                      <p:cBhvr>
-                                        <p:cTn id="13" dur="500"/>
-                                        <p:tgtEl>
-                                          <p:spTgt spid="21"/>
-                                        </p:tgtEl>
-                                      </p:cBhvr>
-                                    </p:animEffect>
-                                  </p:childTnLst>
-                                </p:cTn>
-                              </p:par>
-                              <p:par>
-                                <p:cTn id="14" presetID="10" presetClass="entr" presetSubtype="0" fill="hold" nodeType="withEffect">
-                                  <p:stCondLst>
-                                    <p:cond delay="0"/>
-                                  </p:stCondLst>
-                                  <p:childTnLst>
-                                    <p:set>
-                                      <p:cBhvr>
-                                        <p:cTn id="15" dur="1" fill="hold">
-                                          <p:stCondLst>
-                                            <p:cond delay="0"/>
-                                          </p:stCondLst>
-                                        </p:cTn>
-                                        <p:tgtEl>
-                                          <p:spTgt spid="22"/>
-                                        </p:tgtEl>
-                                        <p:attrNameLst>
-                                          <p:attrName>style.visibility</p:attrName>
-                                        </p:attrNameLst>
-                                      </p:cBhvr>
-                                      <p:to>
-                                        <p:strVal val="visible"/>
-                                      </p:to>
-                                    </p:set>
-                                    <p:animEffect transition="in" filter="fade">
-                                      <p:cBhvr>
-                                        <p:cTn id="16" dur="500"/>
-                                        <p:tgtEl>
-                                          <p:spTgt spid="22"/>
-                                        </p:tgtEl>
-                                      </p:cBhvr>
-                                    </p:animEffect>
-                                  </p:childTnLst>
-                                </p:cTn>
-                              </p:par>
-                            </p:childTnLst>
-                          </p:cTn>
-                        </p:par>
-                        <p:par>
-                          <p:cTn id="17" fill="hold">
-                            <p:stCondLst>
-                              <p:cond delay="750"/>
-                            </p:stCondLst>
-                            <p:childTnLst>
-                              <p:par>
-                                <p:cTn id="18" presetID="10" presetClass="exit" presetSubtype="0" fill="hold" grpId="0" nodeType="afterEffect">
-                                  <p:stCondLst>
-                                    <p:cond delay="0"/>
-                                  </p:stCondLst>
-                                  <p:childTnLst>
-                                    <p:animEffect transition="out" filter="fade">
-                                      <p:cBhvr>
-                                        <p:cTn id="19" dur="1500"/>
-                                        <p:tgtEl>
-                                          <p:spTgt spid="35"/>
-                                        </p:tgtEl>
-                                      </p:cBhvr>
-                                    </p:animEffect>
-                                    <p:set>
-                                      <p:cBhvr>
-                                        <p:cTn id="20" dur="1" fill="hold">
-                                          <p:stCondLst>
-                                            <p:cond delay="1499"/>
-                                          </p:stCondLst>
-                                        </p:cTn>
-                                        <p:tgtEl>
-                                          <p:spTgt spid="35"/>
-                                        </p:tgtEl>
-                                        <p:attrNameLst>
-                                          <p:attrName>style.visibility</p:attrName>
-                                        </p:attrNameLst>
-                                      </p:cBhvr>
-                                      <p:to>
-                                        <p:strVal val="hidden"/>
-                                      </p:to>
-                                    </p:set>
-                                  </p:childTnLst>
-                                </p:cTn>
-                              </p:par>
-                              <p:par>
-                                <p:cTn id="21" presetID="42" presetClass="entr" presetSubtype="0" fill="hold" nodeType="withEffect">
-                                  <p:stCondLst>
-                                    <p:cond delay="0"/>
-                                  </p:stCondLst>
-                                  <p:childTnLst>
-                                    <p:set>
-                                      <p:cBhvr>
-                                        <p:cTn id="22" dur="1" fill="hold">
-                                          <p:stCondLst>
-                                            <p:cond delay="0"/>
-                                          </p:stCondLst>
-                                        </p:cTn>
-                                        <p:tgtEl>
-                                          <p:spTgt spid="1029"/>
-                                        </p:tgtEl>
-                                        <p:attrNameLst>
-                                          <p:attrName>style.visibility</p:attrName>
-                                        </p:attrNameLst>
-                                      </p:cBhvr>
-                                      <p:to>
-                                        <p:strVal val="visible"/>
-                                      </p:to>
-                                    </p:set>
-                                    <p:animEffect transition="in" filter="fade">
-                                      <p:cBhvr>
-                                        <p:cTn id="23" dur="250"/>
-                                        <p:tgtEl>
-                                          <p:spTgt spid="1029"/>
-                                        </p:tgtEl>
-                                      </p:cBhvr>
-                                    </p:animEffect>
-                                    <p:anim calcmode="lin" valueType="num">
-                                      <p:cBhvr>
-                                        <p:cTn id="24" dur="250" fill="hold"/>
-                                        <p:tgtEl>
-                                          <p:spTgt spid="1029"/>
-                                        </p:tgtEl>
-                                        <p:attrNameLst>
-                                          <p:attrName>ppt_x</p:attrName>
-                                        </p:attrNameLst>
-                                      </p:cBhvr>
-                                      <p:tavLst>
-                                        <p:tav tm="0">
-                                          <p:val>
-                                            <p:strVal val="#ppt_x"/>
-                                          </p:val>
-                                        </p:tav>
-                                        <p:tav tm="100000">
-                                          <p:val>
-                                            <p:strVal val="#ppt_x"/>
-                                          </p:val>
-                                        </p:tav>
-                                      </p:tavLst>
-                                    </p:anim>
-                                    <p:anim calcmode="lin" valueType="num">
-                                      <p:cBhvr>
-                                        <p:cTn id="25" dur="250" fill="hold"/>
-                                        <p:tgtEl>
-                                          <p:spTgt spid="1029"/>
-                                        </p:tgtEl>
-                                        <p:attrNameLst>
-                                          <p:attrName>ppt_y</p:attrName>
-                                        </p:attrNameLst>
-                                      </p:cBhvr>
-                                      <p:tavLst>
-                                        <p:tav tm="0">
-                                          <p:val>
-                                            <p:strVal val="#ppt_y+.1"/>
-                                          </p:val>
-                                        </p:tav>
-                                        <p:tav tm="100000">
-                                          <p:val>
-                                            <p:strVal val="#ppt_y"/>
-                                          </p:val>
-                                        </p:tav>
-                                      </p:tavLst>
-                                    </p:anim>
-                                  </p:childTnLst>
-                                </p:cTn>
-                              </p:par>
-                              <p:par>
-                                <p:cTn id="26" presetID="42" presetClass="path" presetSubtype="0" accel="50000" decel="50000" fill="hold" nodeType="withEffect">
-                                  <p:stCondLst>
-                                    <p:cond delay="0"/>
-                                  </p:stCondLst>
-                                  <p:childTnLst>
-                                    <p:animMotion origin="layout" path="M -2.5E-6 0.09438 L -2.5E-6 -3.74971E-6 " pathEditMode="relative" rAng="0" ptsTypes="AA">
-                                      <p:cBhvr>
-                                        <p:cTn id="27" dur="1250" fill="hold"/>
-                                        <p:tgtEl>
-                                          <p:spTgt spid="23"/>
-                                        </p:tgtEl>
-                                        <p:attrNameLst>
-                                          <p:attrName>ppt_x</p:attrName>
-                                          <p:attrName>ppt_y</p:attrName>
-                                        </p:attrNameLst>
-                                      </p:cBhvr>
-                                      <p:rCtr x="0" y="-4719"/>
-                                    </p:animMotion>
-                                  </p:childTnLst>
-                                </p:cTn>
-                              </p:par>
-                              <p:par>
-                                <p:cTn id="28" presetID="42" presetClass="path" presetSubtype="0" accel="50000" decel="50000" fill="hold" nodeType="withEffect">
-                                  <p:stCondLst>
-                                    <p:cond delay="0"/>
-                                  </p:stCondLst>
-                                  <p:childTnLst>
-                                    <p:animMotion origin="layout" path="M -0.06302 -2.65325E-6 L -3.33333E-6 -2.65325E-6 " pathEditMode="relative" rAng="0" ptsTypes="AA">
-                                      <p:cBhvr>
-                                        <p:cTn id="29" dur="1250" fill="hold"/>
-                                        <p:tgtEl>
-                                          <p:spTgt spid="21"/>
-                                        </p:tgtEl>
-                                        <p:attrNameLst>
-                                          <p:attrName>ppt_x</p:attrName>
-                                          <p:attrName>ppt_y</p:attrName>
-                                        </p:attrNameLst>
-                                      </p:cBhvr>
-                                      <p:rCtr x="3142" y="0"/>
-                                    </p:animMotion>
-                                  </p:childTnLst>
-                                </p:cTn>
-                              </p:par>
-                              <p:par>
-                                <p:cTn id="30" presetID="42" presetClass="path" presetSubtype="0" accel="50000" decel="50000" fill="hold" nodeType="withEffect">
-                                  <p:stCondLst>
-                                    <p:cond delay="0"/>
-                                  </p:stCondLst>
-                                  <p:childTnLst>
-                                    <p:animMotion origin="layout" path="M 0.06302 -3.21536E-6 L -1.66667E-6 -3.21536E-6 " pathEditMode="relative" rAng="0" ptsTypes="AA">
-                                      <p:cBhvr>
-                                        <p:cTn id="31" dur="1250" fill="hold"/>
-                                        <p:tgtEl>
-                                          <p:spTgt spid="22"/>
-                                        </p:tgtEl>
-                                        <p:attrNameLst>
-                                          <p:attrName>ppt_x</p:attrName>
-                                          <p:attrName>ppt_y</p:attrName>
-                                        </p:attrNameLst>
-                                      </p:cBhvr>
-                                      <p:rCtr x="-3160" y="0"/>
-                                    </p:animMotion>
-                                  </p:childTnLst>
-                                </p:cTn>
-                              </p:par>
-                              <p:par>
-                                <p:cTn id="32" presetID="8" presetClass="emph" presetSubtype="0" fill="hold" nodeType="withEffect">
-                                  <p:stCondLst>
-                                    <p:cond delay="0"/>
-                                  </p:stCondLst>
-                                  <p:childTnLst>
-                                    <p:animRot by="5400000">
-                                      <p:cBhvr>
-                                        <p:cTn id="33" dur="1250" fill="hold"/>
-                                        <p:tgtEl>
-                                          <p:spTgt spid="20"/>
-                                        </p:tgtEl>
-                                        <p:attrNameLst>
-                                          <p:attrName>r</p:attrName>
-                                        </p:attrNameLst>
-                                      </p:cBhvr>
-                                    </p:animRot>
-                                  </p:childTnLst>
-                                </p:cTn>
-                              </p:par>
-                            </p:childTnLst>
-                          </p:cTn>
-                        </p:par>
-                      </p:childTnLst>
-                    </p:cTn>
-                  </p:par>
-                </p:childTnLst>
-              </p:cTn>
-              <p:prevCondLst>
-                <p:cond evt="onPrev" delay="0">
-                  <p:tgtEl>
-                    <p:sldTgt/>
-                  </p:tgtEl>
-                </p:cond>
-              </p:prevCondLst>
-              <p:nextCondLst>
-                <p:cond evt="onNext" delay="0">
-                  <p:tgtEl>
-                    <p:sldTgt/>
-                  </p:tgtEl>
-                </p:cond>
-              </p:nextCondLst>
-            </p:seq>
-          </p:childTnLst>
-        </p:cTn>
+        <p:cTn id="1" dur="indefinite" restart="never" nodeType="tmRoot"/>
       </p:par>
     </p:tnLst>
-    <p:bldLst>
-      <p:bldP spid="35" grpId="0" animBg="1"/>
-    </p:bldLst>
   </p:timing>
 </p:sld>
 </file>
@@ -13027,7 +15098,7 @@
           <p:cNvPr id="114" name="Agrupar 113">
             <a:extLst>
               <a:ext uri="{FF2B5EF4-FFF2-40B4-BE49-F238E27FC236}">
-                <a16:creationId xmlns="" xmlns:a16="http://schemas.microsoft.com/office/drawing/2014/main" id="{EC4A9AC8-F4D5-4B09-8F27-10182533BBE6}"/>
+                <a16:creationId xmlns:a16="http://schemas.microsoft.com/office/drawing/2014/main" xmlns="" id="{EC4A9AC8-F4D5-4B09-8F27-10182533BBE6}"/>
               </a:ext>
             </a:extLst>
           </p:cNvPr>
@@ -13047,7 +15118,7 @@
             <p:cNvPr id="115" name="Retângulo: Cantos Arredondados 114">
               <a:extLst>
                 <a:ext uri="{FF2B5EF4-FFF2-40B4-BE49-F238E27FC236}">
-                  <a16:creationId xmlns="" xmlns:a16="http://schemas.microsoft.com/office/drawing/2014/main" id="{EF1FC69D-3983-4649-A796-EEFD15A337AF}"/>
+                  <a16:creationId xmlns:a16="http://schemas.microsoft.com/office/drawing/2014/main" xmlns="" id="{EF1FC69D-3983-4649-A796-EEFD15A337AF}"/>
                 </a:ext>
               </a:extLst>
             </p:cNvPr>
@@ -13101,7 +15172,7 @@
             <p:cNvPr id="116" name="Retângulo: Cantos Arredondados 115">
               <a:extLst>
                 <a:ext uri="{FF2B5EF4-FFF2-40B4-BE49-F238E27FC236}">
-                  <a16:creationId xmlns="" xmlns:a16="http://schemas.microsoft.com/office/drawing/2014/main" id="{E9BE8618-AB65-42F4-9752-F24130D692A7}"/>
+                  <a16:creationId xmlns:a16="http://schemas.microsoft.com/office/drawing/2014/main" xmlns="" id="{E9BE8618-AB65-42F4-9752-F24130D692A7}"/>
                 </a:ext>
               </a:extLst>
             </p:cNvPr>
@@ -13155,7 +15226,7 @@
             <p:cNvPr id="117" name="Retângulo: Cantos Arredondados 116">
               <a:extLst>
                 <a:ext uri="{FF2B5EF4-FFF2-40B4-BE49-F238E27FC236}">
-                  <a16:creationId xmlns="" xmlns:a16="http://schemas.microsoft.com/office/drawing/2014/main" id="{877780EE-28A7-4A14-A0E6-0A3212B86155}"/>
+                  <a16:creationId xmlns:a16="http://schemas.microsoft.com/office/drawing/2014/main" xmlns="" id="{877780EE-28A7-4A14-A0E6-0A3212B86155}"/>
                 </a:ext>
               </a:extLst>
             </p:cNvPr>
@@ -13209,7 +15280,7 @@
             <p:cNvPr id="118" name="Forma Livre: Forma 117">
               <a:extLst>
                 <a:ext uri="{FF2B5EF4-FFF2-40B4-BE49-F238E27FC236}">
-                  <a16:creationId xmlns="" xmlns:a16="http://schemas.microsoft.com/office/drawing/2014/main" id="{B78ADCF5-F5CC-4A76-A645-64BB061DE346}"/>
+                  <a16:creationId xmlns:a16="http://schemas.microsoft.com/office/drawing/2014/main" xmlns="" id="{B78ADCF5-F5CC-4A76-A645-64BB061DE346}"/>
                 </a:ext>
               </a:extLst>
             </p:cNvPr>
@@ -13340,7 +15411,7 @@
             <p:cNvPr id="119" name="Retângulo 118">
               <a:extLst>
                 <a:ext uri="{FF2B5EF4-FFF2-40B4-BE49-F238E27FC236}">
-                  <a16:creationId xmlns="" xmlns:a16="http://schemas.microsoft.com/office/drawing/2014/main" id="{67F7C1E0-20D5-4DEF-AFBF-7E75BED02803}"/>
+                  <a16:creationId xmlns:a16="http://schemas.microsoft.com/office/drawing/2014/main" xmlns="" id="{67F7C1E0-20D5-4DEF-AFBF-7E75BED02803}"/>
                 </a:ext>
               </a:extLst>
             </p:cNvPr>
@@ -13392,7 +15463,7 @@
             <p:cNvPr id="120" name="Retângulo: Cantos Arredondados 119">
               <a:extLst>
                 <a:ext uri="{FF2B5EF4-FFF2-40B4-BE49-F238E27FC236}">
-                  <a16:creationId xmlns="" xmlns:a16="http://schemas.microsoft.com/office/drawing/2014/main" id="{7E3F3600-A9E2-4867-B866-D3808239A0A7}"/>
+                  <a16:creationId xmlns:a16="http://schemas.microsoft.com/office/drawing/2014/main" xmlns="" id="{7E3F3600-A9E2-4867-B866-D3808239A0A7}"/>
                 </a:ext>
               </a:extLst>
             </p:cNvPr>
@@ -13446,7 +15517,7 @@
             <p:cNvPr id="121" name="Retângulo: Cantos Arredondados 120">
               <a:extLst>
                 <a:ext uri="{FF2B5EF4-FFF2-40B4-BE49-F238E27FC236}">
-                  <a16:creationId xmlns="" xmlns:a16="http://schemas.microsoft.com/office/drawing/2014/main" id="{C2F572A8-FFF0-4736-BA07-19DD78D4F3C1}"/>
+                  <a16:creationId xmlns:a16="http://schemas.microsoft.com/office/drawing/2014/main" xmlns="" id="{C2F572A8-FFF0-4736-BA07-19DD78D4F3C1}"/>
                 </a:ext>
               </a:extLst>
             </p:cNvPr>
@@ -13518,7 +15589,7 @@
             <p:cNvPr id="31" name="Retângulo 30">
               <a:extLst>
                 <a:ext uri="{FF2B5EF4-FFF2-40B4-BE49-F238E27FC236}">
-                  <a16:creationId xmlns="" xmlns:a16="http://schemas.microsoft.com/office/drawing/2014/main" id="{1D35B8E0-5B77-4F78-B020-1D9680793D3F}"/>
+                  <a16:creationId xmlns:a16="http://schemas.microsoft.com/office/drawing/2014/main" xmlns="" id="{1D35B8E0-5B77-4F78-B020-1D9680793D3F}"/>
                 </a:ext>
               </a:extLst>
             </p:cNvPr>
@@ -13568,7 +15639,7 @@
             <p:cNvPr id="47" name="Forma Livre: Forma 46">
               <a:extLst>
                 <a:ext uri="{FF2B5EF4-FFF2-40B4-BE49-F238E27FC236}">
-                  <a16:creationId xmlns="" xmlns:a16="http://schemas.microsoft.com/office/drawing/2014/main" id="{CA5AA3B5-D86F-47B1-BF70-AFBE1E3895A9}"/>
+                  <a16:creationId xmlns:a16="http://schemas.microsoft.com/office/drawing/2014/main" xmlns="" id="{CA5AA3B5-D86F-47B1-BF70-AFBE1E3895A9}"/>
                 </a:ext>
               </a:extLst>
             </p:cNvPr>
@@ -13733,7 +15804,7 @@
             <p:cNvPr id="57" name="Forma Livre: Forma 56">
               <a:extLst>
                 <a:ext uri="{FF2B5EF4-FFF2-40B4-BE49-F238E27FC236}">
-                  <a16:creationId xmlns="" xmlns:a16="http://schemas.microsoft.com/office/drawing/2014/main" id="{7C85EB61-88CA-421C-AEE1-DD45034A253C}"/>
+                  <a16:creationId xmlns:a16="http://schemas.microsoft.com/office/drawing/2014/main" xmlns="" id="{7C85EB61-88CA-421C-AEE1-DD45034A253C}"/>
                 </a:ext>
               </a:extLst>
             </p:cNvPr>
@@ -13883,7 +15954,7 @@
             <p:cNvPr id="110" name="Forma Livre: Forma 109">
               <a:extLst>
                 <a:ext uri="{FF2B5EF4-FFF2-40B4-BE49-F238E27FC236}">
-                  <a16:creationId xmlns="" xmlns:a16="http://schemas.microsoft.com/office/drawing/2014/main" id="{FDB00EED-4104-4E00-8C7E-9370791D6384}"/>
+                  <a16:creationId xmlns:a16="http://schemas.microsoft.com/office/drawing/2014/main" xmlns="" id="{FDB00EED-4104-4E00-8C7E-9370791D6384}"/>
                 </a:ext>
               </a:extLst>
             </p:cNvPr>
@@ -14179,7 +16250,7 @@
             <p:cNvPr id="111" name="Agrupar 110">
               <a:extLst>
                 <a:ext uri="{FF2B5EF4-FFF2-40B4-BE49-F238E27FC236}">
-                  <a16:creationId xmlns="" xmlns:a16="http://schemas.microsoft.com/office/drawing/2014/main" id="{1E3B85D9-26F4-43E7-A9E1-BE1B8C7ADC16}"/>
+                  <a16:creationId xmlns:a16="http://schemas.microsoft.com/office/drawing/2014/main" xmlns="" id="{1E3B85D9-26F4-43E7-A9E1-BE1B8C7ADC16}"/>
                 </a:ext>
               </a:extLst>
             </p:cNvPr>
@@ -14200,7 +16271,7 @@
               <p:cNvPr id="97" name="Cruz 96">
                 <a:extLst>
                   <a:ext uri="{FF2B5EF4-FFF2-40B4-BE49-F238E27FC236}">
-                    <a16:creationId xmlns="" xmlns:a16="http://schemas.microsoft.com/office/drawing/2014/main" id="{A668293D-2470-4C9E-AF95-4EE1BC4E3F89}"/>
+                    <a16:creationId xmlns:a16="http://schemas.microsoft.com/office/drawing/2014/main" xmlns="" id="{A668293D-2470-4C9E-AF95-4EE1BC4E3F89}"/>
                   </a:ext>
                 </a:extLst>
               </p:cNvPr>
@@ -14252,7 +16323,7 @@
               <p:cNvPr id="98" name="Cruz 97">
                 <a:extLst>
                   <a:ext uri="{FF2B5EF4-FFF2-40B4-BE49-F238E27FC236}">
-                    <a16:creationId xmlns="" xmlns:a16="http://schemas.microsoft.com/office/drawing/2014/main" id="{3149B231-2A8A-426E-BBD1-97FF35078606}"/>
+                    <a16:creationId xmlns:a16="http://schemas.microsoft.com/office/drawing/2014/main" xmlns="" id="{3149B231-2A8A-426E-BBD1-97FF35078606}"/>
                   </a:ext>
                 </a:extLst>
               </p:cNvPr>
@@ -14304,7 +16375,7 @@
               <p:cNvPr id="99" name="Cruz 98">
                 <a:extLst>
                   <a:ext uri="{FF2B5EF4-FFF2-40B4-BE49-F238E27FC236}">
-                    <a16:creationId xmlns="" xmlns:a16="http://schemas.microsoft.com/office/drawing/2014/main" id="{6D16372F-0346-4C90-B0AE-50860F04A7FF}"/>
+                    <a16:creationId xmlns:a16="http://schemas.microsoft.com/office/drawing/2014/main" xmlns="" id="{6D16372F-0346-4C90-B0AE-50860F04A7FF}"/>
                   </a:ext>
                 </a:extLst>
               </p:cNvPr>
@@ -14356,7 +16427,7 @@
               <p:cNvPr id="100" name="Grupo 19">
                 <a:extLst>
                   <a:ext uri="{FF2B5EF4-FFF2-40B4-BE49-F238E27FC236}">
-                    <a16:creationId xmlns="" xmlns:a16="http://schemas.microsoft.com/office/drawing/2014/main" id="{ECD0E47B-370B-4933-B6E5-461C50CDE360}"/>
+                    <a16:creationId xmlns:a16="http://schemas.microsoft.com/office/drawing/2014/main" xmlns="" id="{ECD0E47B-370B-4933-B6E5-461C50CDE360}"/>
                   </a:ext>
                 </a:extLst>
               </p:cNvPr>
@@ -14377,7 +16448,7 @@
                 <p:cNvPr id="106" name="Cruz 105">
                   <a:extLst>
                     <a:ext uri="{FF2B5EF4-FFF2-40B4-BE49-F238E27FC236}">
-                      <a16:creationId xmlns="" xmlns:a16="http://schemas.microsoft.com/office/drawing/2014/main" id="{F8B3730A-DFFD-4F58-AB57-6BDC4ACCFB5C}"/>
+                      <a16:creationId xmlns:a16="http://schemas.microsoft.com/office/drawing/2014/main" xmlns="" id="{F8B3730A-DFFD-4F58-AB57-6BDC4ACCFB5C}"/>
                     </a:ext>
                   </a:extLst>
                 </p:cNvPr>
@@ -14429,7 +16500,7 @@
                 <p:cNvPr id="107" name="Cruz 106">
                   <a:extLst>
                     <a:ext uri="{FF2B5EF4-FFF2-40B4-BE49-F238E27FC236}">
-                      <a16:creationId xmlns="" xmlns:a16="http://schemas.microsoft.com/office/drawing/2014/main" id="{F107EE2E-F528-4C6C-9C0C-EB7826199496}"/>
+                      <a16:creationId xmlns:a16="http://schemas.microsoft.com/office/drawing/2014/main" xmlns="" id="{F107EE2E-F528-4C6C-9C0C-EB7826199496}"/>
                     </a:ext>
                   </a:extLst>
                 </p:cNvPr>
@@ -14498,7 +16569,7 @@
               <p:cNvPr id="32" name="Retângulo 31">
                 <a:extLst>
                   <a:ext uri="{FF2B5EF4-FFF2-40B4-BE49-F238E27FC236}">
-                    <a16:creationId xmlns="" xmlns:a16="http://schemas.microsoft.com/office/drawing/2014/main" id="{923F2C6A-2603-4687-9497-EA8730BB2C49}"/>
+                    <a16:creationId xmlns:a16="http://schemas.microsoft.com/office/drawing/2014/main" xmlns="" id="{923F2C6A-2603-4687-9497-EA8730BB2C49}"/>
                   </a:ext>
                 </a:extLst>
               </p:cNvPr>
@@ -14548,7 +16619,7 @@
               <p:cNvPr id="150" name="Triângulo Retângulo 149">
                 <a:extLst>
                   <a:ext uri="{FF2B5EF4-FFF2-40B4-BE49-F238E27FC236}">
-                    <a16:creationId xmlns="" xmlns:a16="http://schemas.microsoft.com/office/drawing/2014/main" id="{3AC26621-2860-4357-980C-DA92A2D14681}"/>
+                    <a16:creationId xmlns:a16="http://schemas.microsoft.com/office/drawing/2014/main" xmlns="" id="{3AC26621-2860-4357-980C-DA92A2D14681}"/>
                   </a:ext>
                 </a:extLst>
               </p:cNvPr>
@@ -14600,7 +16671,7 @@
           <p:cNvPr id="25" name="Agrupar 25">
             <a:extLst>
               <a:ext uri="{FF2B5EF4-FFF2-40B4-BE49-F238E27FC236}">
-                <a16:creationId xmlns="" xmlns:a16="http://schemas.microsoft.com/office/drawing/2014/main" id="{8CFA2B6F-F852-4EA1-BEF1-47F61F1D6F85}"/>
+                <a16:creationId xmlns:a16="http://schemas.microsoft.com/office/drawing/2014/main" xmlns="" id="{8CFA2B6F-F852-4EA1-BEF1-47F61F1D6F85}"/>
               </a:ext>
             </a:extLst>
           </p:cNvPr>
@@ -14620,7 +16691,7 @@
             <p:cNvPr id="26" name="Agrupar 3">
               <a:extLst>
                 <a:ext uri="{FF2B5EF4-FFF2-40B4-BE49-F238E27FC236}">
-                  <a16:creationId xmlns="" xmlns:a16="http://schemas.microsoft.com/office/drawing/2014/main" id="{C45FEF34-3D77-4245-91E6-21A8D7F39CAE}"/>
+                  <a16:creationId xmlns:a16="http://schemas.microsoft.com/office/drawing/2014/main" xmlns="" id="{C45FEF34-3D77-4245-91E6-21A8D7F39CAE}"/>
                 </a:ext>
               </a:extLst>
             </p:cNvPr>
@@ -14640,7 +16711,7 @@
               <p:cNvPr id="43" name="Retângulo: Cantos Arredondados 4">
                 <a:extLst>
                   <a:ext uri="{FF2B5EF4-FFF2-40B4-BE49-F238E27FC236}">
-                    <a16:creationId xmlns="" xmlns:a16="http://schemas.microsoft.com/office/drawing/2014/main" id="{2901A741-378D-4F90-9213-3C8C001BF999}"/>
+                    <a16:creationId xmlns:a16="http://schemas.microsoft.com/office/drawing/2014/main" xmlns="" id="{2901A741-378D-4F90-9213-3C8C001BF999}"/>
                   </a:ext>
                 </a:extLst>
               </p:cNvPr>
@@ -14691,7 +16762,7 @@
               <p:cNvPr id="44" name="Retângulo: Cantos Arredondados 5">
                 <a:extLst>
                   <a:ext uri="{FF2B5EF4-FFF2-40B4-BE49-F238E27FC236}">
-                    <a16:creationId xmlns="" xmlns:a16="http://schemas.microsoft.com/office/drawing/2014/main" id="{842C104C-6712-4FAB-A86A-FAC9CE782474}"/>
+                    <a16:creationId xmlns:a16="http://schemas.microsoft.com/office/drawing/2014/main" xmlns="" id="{842C104C-6712-4FAB-A86A-FAC9CE782474}"/>
                   </a:ext>
                 </a:extLst>
               </p:cNvPr>
@@ -14745,7 +16816,7 @@
               <p:cNvPr id="45" name="Retângulo: Cantos Arredondados 6">
                 <a:extLst>
                   <a:ext uri="{FF2B5EF4-FFF2-40B4-BE49-F238E27FC236}">
-                    <a16:creationId xmlns="" xmlns:a16="http://schemas.microsoft.com/office/drawing/2014/main" id="{255A55C9-6EA9-40DD-A50C-94EDA00AB2EC}"/>
+                    <a16:creationId xmlns:a16="http://schemas.microsoft.com/office/drawing/2014/main" xmlns="" id="{255A55C9-6EA9-40DD-A50C-94EDA00AB2EC}"/>
                   </a:ext>
                 </a:extLst>
               </p:cNvPr>
@@ -14799,7 +16870,7 @@
               <p:cNvPr id="46" name="Forma Livre: Forma 7">
                 <a:extLst>
                   <a:ext uri="{FF2B5EF4-FFF2-40B4-BE49-F238E27FC236}">
-                    <a16:creationId xmlns="" xmlns:a16="http://schemas.microsoft.com/office/drawing/2014/main" id="{8B1C2CE6-4108-48D3-8CBE-635179488ECA}"/>
+                    <a16:creationId xmlns:a16="http://schemas.microsoft.com/office/drawing/2014/main" xmlns="" id="{8B1C2CE6-4108-48D3-8CBE-635179488ECA}"/>
                   </a:ext>
                 </a:extLst>
               </p:cNvPr>
@@ -14930,7 +17001,7 @@
               <p:cNvPr id="48" name="Retângulo 47">
                 <a:extLst>
                   <a:ext uri="{FF2B5EF4-FFF2-40B4-BE49-F238E27FC236}">
-                    <a16:creationId xmlns="" xmlns:a16="http://schemas.microsoft.com/office/drawing/2014/main" id="{6444A46D-5BDF-4712-88E7-104DA9FAAFD4}"/>
+                    <a16:creationId xmlns:a16="http://schemas.microsoft.com/office/drawing/2014/main" xmlns="" id="{6444A46D-5BDF-4712-88E7-104DA9FAAFD4}"/>
                   </a:ext>
                 </a:extLst>
               </p:cNvPr>
@@ -14982,7 +17053,7 @@
               <p:cNvPr id="49" name="Retângulo: Cantos Arredondados 9">
                 <a:extLst>
                   <a:ext uri="{FF2B5EF4-FFF2-40B4-BE49-F238E27FC236}">
-                    <a16:creationId xmlns="" xmlns:a16="http://schemas.microsoft.com/office/drawing/2014/main" id="{881B3B66-2052-48AF-979B-60B32E1F7F9E}"/>
+                    <a16:creationId xmlns:a16="http://schemas.microsoft.com/office/drawing/2014/main" xmlns="" id="{881B3B66-2052-48AF-979B-60B32E1F7F9E}"/>
                   </a:ext>
                 </a:extLst>
               </p:cNvPr>
@@ -15036,7 +17107,7 @@
               <p:cNvPr id="50" name="Retângulo: Cantos Arredondados 10">
                 <a:extLst>
                   <a:ext uri="{FF2B5EF4-FFF2-40B4-BE49-F238E27FC236}">
-                    <a16:creationId xmlns="" xmlns:a16="http://schemas.microsoft.com/office/drawing/2014/main" id="{8212EF75-2EF8-4DFC-BEB5-5C95D755FCDA}"/>
+                    <a16:creationId xmlns:a16="http://schemas.microsoft.com/office/drawing/2014/main" xmlns="" id="{8212EF75-2EF8-4DFC-BEB5-5C95D755FCDA}"/>
                   </a:ext>
                 </a:extLst>
               </p:cNvPr>
@@ -15091,7 +17162,7 @@
             <p:cNvPr id="27" name="Agrupar 11">
               <a:extLst>
                 <a:ext uri="{FF2B5EF4-FFF2-40B4-BE49-F238E27FC236}">
-                  <a16:creationId xmlns="" xmlns:a16="http://schemas.microsoft.com/office/drawing/2014/main" id="{97B2E01E-EC47-4BCE-BC4F-99A6EC444B19}"/>
+                  <a16:creationId xmlns:a16="http://schemas.microsoft.com/office/drawing/2014/main" xmlns="" id="{97B2E01E-EC47-4BCE-BC4F-99A6EC444B19}"/>
                 </a:ext>
               </a:extLst>
             </p:cNvPr>
@@ -15111,7 +17182,7 @@
               <p:cNvPr id="41" name="Retângulo: Cantos Arredondados 12">
                 <a:extLst>
                   <a:ext uri="{FF2B5EF4-FFF2-40B4-BE49-F238E27FC236}">
-                    <a16:creationId xmlns="" xmlns:a16="http://schemas.microsoft.com/office/drawing/2014/main" id="{10540542-C57F-4691-AF17-40583ACBA3F1}"/>
+                    <a16:creationId xmlns:a16="http://schemas.microsoft.com/office/drawing/2014/main" xmlns="" id="{10540542-C57F-4691-AF17-40583ACBA3F1}"/>
                   </a:ext>
                 </a:extLst>
               </p:cNvPr>
@@ -15165,7 +17236,7 @@
               <p:cNvPr id="42" name="Retângulo: Cantos Arredondados 13">
                 <a:extLst>
                   <a:ext uri="{FF2B5EF4-FFF2-40B4-BE49-F238E27FC236}">
-                    <a16:creationId xmlns="" xmlns:a16="http://schemas.microsoft.com/office/drawing/2014/main" id="{552902B3-14B4-4F02-ABBE-E36047405A23}"/>
+                    <a16:creationId xmlns:a16="http://schemas.microsoft.com/office/drawing/2014/main" xmlns="" id="{552902B3-14B4-4F02-ABBE-E36047405A23}"/>
                   </a:ext>
                 </a:extLst>
               </p:cNvPr>
@@ -15220,7 +17291,7 @@
             <p:cNvPr id="28" name="Agrupar 14">
               <a:extLst>
                 <a:ext uri="{FF2B5EF4-FFF2-40B4-BE49-F238E27FC236}">
-                  <a16:creationId xmlns="" xmlns:a16="http://schemas.microsoft.com/office/drawing/2014/main" id="{4DD22468-0F77-455F-8343-D2977BA9D815}"/>
+                  <a16:creationId xmlns:a16="http://schemas.microsoft.com/office/drawing/2014/main" xmlns="" id="{4DD22468-0F77-455F-8343-D2977BA9D815}"/>
                 </a:ext>
               </a:extLst>
             </p:cNvPr>
@@ -15240,7 +17311,7 @@
               <p:cNvPr id="39" name="Retângulo: Cantos Arredondados 15">
                 <a:extLst>
                   <a:ext uri="{FF2B5EF4-FFF2-40B4-BE49-F238E27FC236}">
-                    <a16:creationId xmlns="" xmlns:a16="http://schemas.microsoft.com/office/drawing/2014/main" id="{2D72A34F-4564-471A-B6AA-AE1DF400A26F}"/>
+                    <a16:creationId xmlns:a16="http://schemas.microsoft.com/office/drawing/2014/main" xmlns="" id="{2D72A34F-4564-471A-B6AA-AE1DF400A26F}"/>
                   </a:ext>
                 </a:extLst>
               </p:cNvPr>
@@ -15294,7 +17365,7 @@
               <p:cNvPr id="40" name="Retângulo: Cantos Arredondados 16">
                 <a:extLst>
                   <a:ext uri="{FF2B5EF4-FFF2-40B4-BE49-F238E27FC236}">
-                    <a16:creationId xmlns="" xmlns:a16="http://schemas.microsoft.com/office/drawing/2014/main" id="{29E778E2-383E-4A56-974F-1F35B702221A}"/>
+                    <a16:creationId xmlns:a16="http://schemas.microsoft.com/office/drawing/2014/main" xmlns="" id="{29E778E2-383E-4A56-974F-1F35B702221A}"/>
                   </a:ext>
                 </a:extLst>
               </p:cNvPr>
@@ -15349,7 +17420,7 @@
             <p:cNvPr id="29" name="Agrupar 17">
               <a:extLst>
                 <a:ext uri="{FF2B5EF4-FFF2-40B4-BE49-F238E27FC236}">
-                  <a16:creationId xmlns="" xmlns:a16="http://schemas.microsoft.com/office/drawing/2014/main" id="{1C1086BE-5C78-46C5-8759-F221A1473050}"/>
+                  <a16:creationId xmlns:a16="http://schemas.microsoft.com/office/drawing/2014/main" xmlns="" id="{1C1086BE-5C78-46C5-8759-F221A1473050}"/>
                 </a:ext>
               </a:extLst>
             </p:cNvPr>
@@ -15369,7 +17440,7 @@
               <p:cNvPr id="33" name="Forma Livre: Forma 18">
                 <a:extLst>
                   <a:ext uri="{FF2B5EF4-FFF2-40B4-BE49-F238E27FC236}">
-                    <a16:creationId xmlns="" xmlns:a16="http://schemas.microsoft.com/office/drawing/2014/main" id="{A5FF4AA1-FB76-4089-AF79-C37CF505E719}"/>
+                    <a16:creationId xmlns:a16="http://schemas.microsoft.com/office/drawing/2014/main" xmlns="" id="{A5FF4AA1-FB76-4089-AF79-C37CF505E719}"/>
                   </a:ext>
                 </a:extLst>
               </p:cNvPr>
@@ -15504,7 +17575,7 @@
               <p:cNvPr id="34" name="Forma Livre: Forma 19">
                 <a:extLst>
                   <a:ext uri="{FF2B5EF4-FFF2-40B4-BE49-F238E27FC236}">
-                    <a16:creationId xmlns="" xmlns:a16="http://schemas.microsoft.com/office/drawing/2014/main" id="{F8045286-37AC-4911-A671-477E8EB257A2}"/>
+                    <a16:creationId xmlns:a16="http://schemas.microsoft.com/office/drawing/2014/main" xmlns="" id="{F8045286-37AC-4911-A671-477E8EB257A2}"/>
                   </a:ext>
                 </a:extLst>
               </p:cNvPr>
@@ -15639,7 +17710,7 @@
               <p:cNvPr id="35" name="Elipse 34">
                 <a:extLst>
                   <a:ext uri="{FF2B5EF4-FFF2-40B4-BE49-F238E27FC236}">
-                    <a16:creationId xmlns="" xmlns:a16="http://schemas.microsoft.com/office/drawing/2014/main" id="{CD452FDD-69B7-4E28-B5E7-0FEFB45E205A}"/>
+                    <a16:creationId xmlns:a16="http://schemas.microsoft.com/office/drawing/2014/main" xmlns="" id="{CD452FDD-69B7-4E28-B5E7-0FEFB45E205A}"/>
                   </a:ext>
                 </a:extLst>
               </p:cNvPr>
@@ -15691,7 +17762,7 @@
               <p:cNvPr id="36" name="Retângulo: Cantos Arredondados 21">
                 <a:extLst>
                   <a:ext uri="{FF2B5EF4-FFF2-40B4-BE49-F238E27FC236}">
-                    <a16:creationId xmlns="" xmlns:a16="http://schemas.microsoft.com/office/drawing/2014/main" id="{AF7D2798-BB73-466E-A25A-A2621184FA04}"/>
+                    <a16:creationId xmlns:a16="http://schemas.microsoft.com/office/drawing/2014/main" xmlns="" id="{AF7D2798-BB73-466E-A25A-A2621184FA04}"/>
                   </a:ext>
                 </a:extLst>
               </p:cNvPr>
@@ -15745,7 +17816,7 @@
               <p:cNvPr id="37" name="Retângulo: Cantos Arredondados 22">
                 <a:extLst>
                   <a:ext uri="{FF2B5EF4-FFF2-40B4-BE49-F238E27FC236}">
-                    <a16:creationId xmlns="" xmlns:a16="http://schemas.microsoft.com/office/drawing/2014/main" id="{3E77055B-F661-42D4-86CB-10C4D49F7934}"/>
+                    <a16:creationId xmlns:a16="http://schemas.microsoft.com/office/drawing/2014/main" xmlns="" id="{3E77055B-F661-42D4-86CB-10C4D49F7934}"/>
                   </a:ext>
                 </a:extLst>
               </p:cNvPr>
@@ -15799,7 +17870,7 @@
               <p:cNvPr id="38" name="Retângulo: Cantos Arredondados 23">
                 <a:extLst>
                   <a:ext uri="{FF2B5EF4-FFF2-40B4-BE49-F238E27FC236}">
-                    <a16:creationId xmlns="" xmlns:a16="http://schemas.microsoft.com/office/drawing/2014/main" id="{2D266FA5-5903-44D9-9DC7-DCB4A530544F}"/>
+                    <a16:creationId xmlns:a16="http://schemas.microsoft.com/office/drawing/2014/main" xmlns="" id="{2D266FA5-5903-44D9-9DC7-DCB4A530544F}"/>
                   </a:ext>
                 </a:extLst>
               </p:cNvPr>
@@ -15854,7 +17925,7 @@
             <p:cNvPr id="30" name="Forma Livre: Forma 24">
               <a:extLst>
                 <a:ext uri="{FF2B5EF4-FFF2-40B4-BE49-F238E27FC236}">
-                  <a16:creationId xmlns="" xmlns:a16="http://schemas.microsoft.com/office/drawing/2014/main" id="{59EBB5C9-01FD-4920-B60F-971211221B04}"/>
+                  <a16:creationId xmlns:a16="http://schemas.microsoft.com/office/drawing/2014/main" xmlns="" id="{59EBB5C9-01FD-4920-B60F-971211221B04}"/>
                 </a:ext>
               </a:extLst>
             </p:cNvPr>
@@ -16406,7 +18477,7 @@
               <p:cNvPr id="63" name="Agrupar 3">
                 <a:extLst>
                   <a:ext uri="{FF2B5EF4-FFF2-40B4-BE49-F238E27FC236}">
-                    <a16:creationId xmlns="" xmlns:a16="http://schemas.microsoft.com/office/drawing/2014/main" id="{C45FEF34-3D77-4245-91E6-21A8D7F39CAE}"/>
+                    <a16:creationId xmlns:a16="http://schemas.microsoft.com/office/drawing/2014/main" xmlns="" id="{C45FEF34-3D77-4245-91E6-21A8D7F39CAE}"/>
                   </a:ext>
                 </a:extLst>
               </p:cNvPr>
@@ -16426,7 +18497,7 @@
                 <p:cNvPr id="74" name="Retângulo: Cantos Arredondados 4">
                   <a:extLst>
                     <a:ext uri="{FF2B5EF4-FFF2-40B4-BE49-F238E27FC236}">
-                      <a16:creationId xmlns="" xmlns:a16="http://schemas.microsoft.com/office/drawing/2014/main" id="{2901A741-378D-4F90-9213-3C8C001BF999}"/>
+                      <a16:creationId xmlns:a16="http://schemas.microsoft.com/office/drawing/2014/main" xmlns="" id="{2901A741-378D-4F90-9213-3C8C001BF999}"/>
                     </a:ext>
                   </a:extLst>
                 </p:cNvPr>
@@ -16477,7 +18548,7 @@
                 <p:cNvPr id="75" name="Retângulo: Cantos Arredondados 5">
                   <a:extLst>
                     <a:ext uri="{FF2B5EF4-FFF2-40B4-BE49-F238E27FC236}">
-                      <a16:creationId xmlns="" xmlns:a16="http://schemas.microsoft.com/office/drawing/2014/main" id="{842C104C-6712-4FAB-A86A-FAC9CE782474}"/>
+                      <a16:creationId xmlns:a16="http://schemas.microsoft.com/office/drawing/2014/main" xmlns="" id="{842C104C-6712-4FAB-A86A-FAC9CE782474}"/>
                     </a:ext>
                   </a:extLst>
                 </p:cNvPr>
@@ -16531,7 +18602,7 @@
                 <p:cNvPr id="76" name="Retângulo: Cantos Arredondados 6">
                   <a:extLst>
                     <a:ext uri="{FF2B5EF4-FFF2-40B4-BE49-F238E27FC236}">
-                      <a16:creationId xmlns="" xmlns:a16="http://schemas.microsoft.com/office/drawing/2014/main" id="{255A55C9-6EA9-40DD-A50C-94EDA00AB2EC}"/>
+                      <a16:creationId xmlns:a16="http://schemas.microsoft.com/office/drawing/2014/main" xmlns="" id="{255A55C9-6EA9-40DD-A50C-94EDA00AB2EC}"/>
                     </a:ext>
                   </a:extLst>
                 </p:cNvPr>
@@ -16585,7 +18656,7 @@
                 <p:cNvPr id="77" name="Forma Livre: Forma 7">
                   <a:extLst>
                     <a:ext uri="{FF2B5EF4-FFF2-40B4-BE49-F238E27FC236}">
-                      <a16:creationId xmlns="" xmlns:a16="http://schemas.microsoft.com/office/drawing/2014/main" id="{8B1C2CE6-4108-48D3-8CBE-635179488ECA}"/>
+                      <a16:creationId xmlns:a16="http://schemas.microsoft.com/office/drawing/2014/main" xmlns="" id="{8B1C2CE6-4108-48D3-8CBE-635179488ECA}"/>
                     </a:ext>
                   </a:extLst>
                 </p:cNvPr>
@@ -16716,7 +18787,7 @@
                 <p:cNvPr id="78" name="Retângulo 77">
                   <a:extLst>
                     <a:ext uri="{FF2B5EF4-FFF2-40B4-BE49-F238E27FC236}">
-                      <a16:creationId xmlns="" xmlns:a16="http://schemas.microsoft.com/office/drawing/2014/main" id="{6444A46D-5BDF-4712-88E7-104DA9FAAFD4}"/>
+                      <a16:creationId xmlns:a16="http://schemas.microsoft.com/office/drawing/2014/main" xmlns="" id="{6444A46D-5BDF-4712-88E7-104DA9FAAFD4}"/>
                     </a:ext>
                   </a:extLst>
                 </p:cNvPr>
@@ -16768,7 +18839,7 @@
                 <p:cNvPr id="79" name="Retângulo: Cantos Arredondados 9">
                   <a:extLst>
                     <a:ext uri="{FF2B5EF4-FFF2-40B4-BE49-F238E27FC236}">
-                      <a16:creationId xmlns="" xmlns:a16="http://schemas.microsoft.com/office/drawing/2014/main" id="{881B3B66-2052-48AF-979B-60B32E1F7F9E}"/>
+                      <a16:creationId xmlns:a16="http://schemas.microsoft.com/office/drawing/2014/main" xmlns="" id="{881B3B66-2052-48AF-979B-60B32E1F7F9E}"/>
                     </a:ext>
                   </a:extLst>
                 </p:cNvPr>
@@ -16822,7 +18893,7 @@
                 <p:cNvPr id="80" name="Retângulo: Cantos Arredondados 10">
                   <a:extLst>
                     <a:ext uri="{FF2B5EF4-FFF2-40B4-BE49-F238E27FC236}">
-                      <a16:creationId xmlns="" xmlns:a16="http://schemas.microsoft.com/office/drawing/2014/main" id="{8212EF75-2EF8-4DFC-BEB5-5C95D755FCDA}"/>
+                      <a16:creationId xmlns:a16="http://schemas.microsoft.com/office/drawing/2014/main" xmlns="" id="{8212EF75-2EF8-4DFC-BEB5-5C95D755FCDA}"/>
                     </a:ext>
                   </a:extLst>
                 </p:cNvPr>
@@ -16877,7 +18948,7 @@
               <p:cNvPr id="64" name="Agrupar 17">
                 <a:extLst>
                   <a:ext uri="{FF2B5EF4-FFF2-40B4-BE49-F238E27FC236}">
-                    <a16:creationId xmlns="" xmlns:a16="http://schemas.microsoft.com/office/drawing/2014/main" id="{1C1086BE-5C78-46C5-8759-F221A1473050}"/>
+                    <a16:creationId xmlns:a16="http://schemas.microsoft.com/office/drawing/2014/main" xmlns="" id="{1C1086BE-5C78-46C5-8759-F221A1473050}"/>
                   </a:ext>
                 </a:extLst>
               </p:cNvPr>
@@ -16897,7 +18968,7 @@
                 <p:cNvPr id="68" name="Forma Livre: Forma 18">
                   <a:extLst>
                     <a:ext uri="{FF2B5EF4-FFF2-40B4-BE49-F238E27FC236}">
-                      <a16:creationId xmlns="" xmlns:a16="http://schemas.microsoft.com/office/drawing/2014/main" id="{A5FF4AA1-FB76-4089-AF79-C37CF505E719}"/>
+                      <a16:creationId xmlns:a16="http://schemas.microsoft.com/office/drawing/2014/main" xmlns="" id="{A5FF4AA1-FB76-4089-AF79-C37CF505E719}"/>
                     </a:ext>
                   </a:extLst>
                 </p:cNvPr>
@@ -17032,7 +19103,7 @@
                 <p:cNvPr id="69" name="Forma Livre: Forma 19">
                   <a:extLst>
                     <a:ext uri="{FF2B5EF4-FFF2-40B4-BE49-F238E27FC236}">
-                      <a16:creationId xmlns="" xmlns:a16="http://schemas.microsoft.com/office/drawing/2014/main" id="{F8045286-37AC-4911-A671-477E8EB257A2}"/>
+                      <a16:creationId xmlns:a16="http://schemas.microsoft.com/office/drawing/2014/main" xmlns="" id="{F8045286-37AC-4911-A671-477E8EB257A2}"/>
                     </a:ext>
                   </a:extLst>
                 </p:cNvPr>
@@ -17167,7 +19238,7 @@
                 <p:cNvPr id="70" name="Elipse 69">
                   <a:extLst>
                     <a:ext uri="{FF2B5EF4-FFF2-40B4-BE49-F238E27FC236}">
-                      <a16:creationId xmlns="" xmlns:a16="http://schemas.microsoft.com/office/drawing/2014/main" id="{CD452FDD-69B7-4E28-B5E7-0FEFB45E205A}"/>
+                      <a16:creationId xmlns:a16="http://schemas.microsoft.com/office/drawing/2014/main" xmlns="" id="{CD452FDD-69B7-4E28-B5E7-0FEFB45E205A}"/>
                     </a:ext>
                   </a:extLst>
                 </p:cNvPr>
@@ -17219,7 +19290,7 @@
                 <p:cNvPr id="71" name="Retângulo: Cantos Arredondados 21">
                   <a:extLst>
                     <a:ext uri="{FF2B5EF4-FFF2-40B4-BE49-F238E27FC236}">
-                      <a16:creationId xmlns="" xmlns:a16="http://schemas.microsoft.com/office/drawing/2014/main" id="{AF7D2798-BB73-466E-A25A-A2621184FA04}"/>
+                      <a16:creationId xmlns:a16="http://schemas.microsoft.com/office/drawing/2014/main" xmlns="" id="{AF7D2798-BB73-466E-A25A-A2621184FA04}"/>
                     </a:ext>
                   </a:extLst>
                 </p:cNvPr>
@@ -17273,7 +19344,7 @@
                 <p:cNvPr id="72" name="Retângulo: Cantos Arredondados 22">
                   <a:extLst>
                     <a:ext uri="{FF2B5EF4-FFF2-40B4-BE49-F238E27FC236}">
-                      <a16:creationId xmlns="" xmlns:a16="http://schemas.microsoft.com/office/drawing/2014/main" id="{3E77055B-F661-42D4-86CB-10C4D49F7934}"/>
+                      <a16:creationId xmlns:a16="http://schemas.microsoft.com/office/drawing/2014/main" xmlns="" id="{3E77055B-F661-42D4-86CB-10C4D49F7934}"/>
                     </a:ext>
                   </a:extLst>
                 </p:cNvPr>
@@ -17327,7 +19398,7 @@
                 <p:cNvPr id="73" name="Retângulo: Cantos Arredondados 23">
                   <a:extLst>
                     <a:ext uri="{FF2B5EF4-FFF2-40B4-BE49-F238E27FC236}">
-                      <a16:creationId xmlns="" xmlns:a16="http://schemas.microsoft.com/office/drawing/2014/main" id="{2D266FA5-5903-44D9-9DC7-DCB4A530544F}"/>
+                      <a16:creationId xmlns:a16="http://schemas.microsoft.com/office/drawing/2014/main" xmlns="" id="{2D266FA5-5903-44D9-9DC7-DCB4A530544F}"/>
                     </a:ext>
                   </a:extLst>
                 </p:cNvPr>
@@ -17382,7 +19453,7 @@
               <p:cNvPr id="65" name="Forma Livre: Forma 24">
                 <a:extLst>
                   <a:ext uri="{FF2B5EF4-FFF2-40B4-BE49-F238E27FC236}">
-                    <a16:creationId xmlns="" xmlns:a16="http://schemas.microsoft.com/office/drawing/2014/main" id="{59EBB5C9-01FD-4920-B60F-971211221B04}"/>
+                    <a16:creationId xmlns:a16="http://schemas.microsoft.com/office/drawing/2014/main" xmlns="" id="{59EBB5C9-01FD-4920-B60F-971211221B04}"/>
                   </a:ext>
                 </a:extLst>
               </p:cNvPr>
@@ -17542,7 +19613,7 @@
             <p:cNvPr id="27" name="Agrupar 11">
               <a:extLst>
                 <a:ext uri="{FF2B5EF4-FFF2-40B4-BE49-F238E27FC236}">
-                  <a16:creationId xmlns="" xmlns:a16="http://schemas.microsoft.com/office/drawing/2014/main" id="{97B2E01E-EC47-4BCE-BC4F-99A6EC444B19}"/>
+                  <a16:creationId xmlns:a16="http://schemas.microsoft.com/office/drawing/2014/main" xmlns="" id="{97B2E01E-EC47-4BCE-BC4F-99A6EC444B19}"/>
                 </a:ext>
               </a:extLst>
             </p:cNvPr>
@@ -17562,7 +19633,7 @@
               <p:cNvPr id="41" name="Retângulo: Cantos Arredondados 12">
                 <a:extLst>
                   <a:ext uri="{FF2B5EF4-FFF2-40B4-BE49-F238E27FC236}">
-                    <a16:creationId xmlns="" xmlns:a16="http://schemas.microsoft.com/office/drawing/2014/main" id="{10540542-C57F-4691-AF17-40583ACBA3F1}"/>
+                    <a16:creationId xmlns:a16="http://schemas.microsoft.com/office/drawing/2014/main" xmlns="" id="{10540542-C57F-4691-AF17-40583ACBA3F1}"/>
                   </a:ext>
                 </a:extLst>
               </p:cNvPr>
@@ -17616,7 +19687,7 @@
               <p:cNvPr id="42" name="Retângulo: Cantos Arredondados 13">
                 <a:extLst>
                   <a:ext uri="{FF2B5EF4-FFF2-40B4-BE49-F238E27FC236}">
-                    <a16:creationId xmlns="" xmlns:a16="http://schemas.microsoft.com/office/drawing/2014/main" id="{552902B3-14B4-4F02-ABBE-E36047405A23}"/>
+                    <a16:creationId xmlns:a16="http://schemas.microsoft.com/office/drawing/2014/main" xmlns="" id="{552902B3-14B4-4F02-ABBE-E36047405A23}"/>
                   </a:ext>
                 </a:extLst>
               </p:cNvPr>
@@ -17671,7 +19742,7 @@
             <p:cNvPr id="28" name="Agrupar 14">
               <a:extLst>
                 <a:ext uri="{FF2B5EF4-FFF2-40B4-BE49-F238E27FC236}">
-                  <a16:creationId xmlns="" xmlns:a16="http://schemas.microsoft.com/office/drawing/2014/main" id="{4DD22468-0F77-455F-8343-D2977BA9D815}"/>
+                  <a16:creationId xmlns:a16="http://schemas.microsoft.com/office/drawing/2014/main" xmlns="" id="{4DD22468-0F77-455F-8343-D2977BA9D815}"/>
                 </a:ext>
               </a:extLst>
             </p:cNvPr>
@@ -17691,7 +19762,7 @@
               <p:cNvPr id="39" name="Retângulo: Cantos Arredondados 15">
                 <a:extLst>
                   <a:ext uri="{FF2B5EF4-FFF2-40B4-BE49-F238E27FC236}">
-                    <a16:creationId xmlns="" xmlns:a16="http://schemas.microsoft.com/office/drawing/2014/main" id="{2D72A34F-4564-471A-B6AA-AE1DF400A26F}"/>
+                    <a16:creationId xmlns:a16="http://schemas.microsoft.com/office/drawing/2014/main" xmlns="" id="{2D72A34F-4564-471A-B6AA-AE1DF400A26F}"/>
                   </a:ext>
                 </a:extLst>
               </p:cNvPr>
@@ -17745,7 +19816,7 @@
               <p:cNvPr id="40" name="Retângulo: Cantos Arredondados 16">
                 <a:extLst>
                   <a:ext uri="{FF2B5EF4-FFF2-40B4-BE49-F238E27FC236}">
-                    <a16:creationId xmlns="" xmlns:a16="http://schemas.microsoft.com/office/drawing/2014/main" id="{29E778E2-383E-4A56-974F-1F35B702221A}"/>
+                    <a16:creationId xmlns:a16="http://schemas.microsoft.com/office/drawing/2014/main" xmlns="" id="{29E778E2-383E-4A56-974F-1F35B702221A}"/>
                   </a:ext>
                 </a:extLst>
               </p:cNvPr>
@@ -17801,7 +19872,7 @@
           <p:cNvPr id="114" name="Agrupar 113">
             <a:extLst>
               <a:ext uri="{FF2B5EF4-FFF2-40B4-BE49-F238E27FC236}">
-                <a16:creationId xmlns="" xmlns:a16="http://schemas.microsoft.com/office/drawing/2014/main" id="{EC4A9AC8-F4D5-4B09-8F27-10182533BBE6}"/>
+                <a16:creationId xmlns:a16="http://schemas.microsoft.com/office/drawing/2014/main" xmlns="" id="{EC4A9AC8-F4D5-4B09-8F27-10182533BBE6}"/>
               </a:ext>
             </a:extLst>
           </p:cNvPr>
@@ -17821,7 +19892,7 @@
             <p:cNvPr id="115" name="Retângulo: Cantos Arredondados 114">
               <a:extLst>
                 <a:ext uri="{FF2B5EF4-FFF2-40B4-BE49-F238E27FC236}">
-                  <a16:creationId xmlns="" xmlns:a16="http://schemas.microsoft.com/office/drawing/2014/main" id="{EF1FC69D-3983-4649-A796-EEFD15A337AF}"/>
+                  <a16:creationId xmlns:a16="http://schemas.microsoft.com/office/drawing/2014/main" xmlns="" id="{EF1FC69D-3983-4649-A796-EEFD15A337AF}"/>
                 </a:ext>
               </a:extLst>
             </p:cNvPr>
@@ -17875,7 +19946,7 @@
             <p:cNvPr id="116" name="Retângulo: Cantos Arredondados 115">
               <a:extLst>
                 <a:ext uri="{FF2B5EF4-FFF2-40B4-BE49-F238E27FC236}">
-                  <a16:creationId xmlns="" xmlns:a16="http://schemas.microsoft.com/office/drawing/2014/main" id="{E9BE8618-AB65-42F4-9752-F24130D692A7}"/>
+                  <a16:creationId xmlns:a16="http://schemas.microsoft.com/office/drawing/2014/main" xmlns="" id="{E9BE8618-AB65-42F4-9752-F24130D692A7}"/>
                 </a:ext>
               </a:extLst>
             </p:cNvPr>
@@ -17929,7 +20000,7 @@
             <p:cNvPr id="117" name="Retângulo: Cantos Arredondados 116">
               <a:extLst>
                 <a:ext uri="{FF2B5EF4-FFF2-40B4-BE49-F238E27FC236}">
-                  <a16:creationId xmlns="" xmlns:a16="http://schemas.microsoft.com/office/drawing/2014/main" id="{877780EE-28A7-4A14-A0E6-0A3212B86155}"/>
+                  <a16:creationId xmlns:a16="http://schemas.microsoft.com/office/drawing/2014/main" xmlns="" id="{877780EE-28A7-4A14-A0E6-0A3212B86155}"/>
                 </a:ext>
               </a:extLst>
             </p:cNvPr>
@@ -17983,7 +20054,7 @@
             <p:cNvPr id="118" name="Forma Livre: Forma 117">
               <a:extLst>
                 <a:ext uri="{FF2B5EF4-FFF2-40B4-BE49-F238E27FC236}">
-                  <a16:creationId xmlns="" xmlns:a16="http://schemas.microsoft.com/office/drawing/2014/main" id="{B78ADCF5-F5CC-4A76-A645-64BB061DE346}"/>
+                  <a16:creationId xmlns:a16="http://schemas.microsoft.com/office/drawing/2014/main" xmlns="" id="{B78ADCF5-F5CC-4A76-A645-64BB061DE346}"/>
                 </a:ext>
               </a:extLst>
             </p:cNvPr>
@@ -18114,7 +20185,7 @@
             <p:cNvPr id="119" name="Retângulo 118">
               <a:extLst>
                 <a:ext uri="{FF2B5EF4-FFF2-40B4-BE49-F238E27FC236}">
-                  <a16:creationId xmlns="" xmlns:a16="http://schemas.microsoft.com/office/drawing/2014/main" id="{67F7C1E0-20D5-4DEF-AFBF-7E75BED02803}"/>
+                  <a16:creationId xmlns:a16="http://schemas.microsoft.com/office/drawing/2014/main" xmlns="" id="{67F7C1E0-20D5-4DEF-AFBF-7E75BED02803}"/>
                 </a:ext>
               </a:extLst>
             </p:cNvPr>
@@ -18166,7 +20237,7 @@
             <p:cNvPr id="120" name="Retângulo: Cantos Arredondados 119">
               <a:extLst>
                 <a:ext uri="{FF2B5EF4-FFF2-40B4-BE49-F238E27FC236}">
-                  <a16:creationId xmlns="" xmlns:a16="http://schemas.microsoft.com/office/drawing/2014/main" id="{7E3F3600-A9E2-4867-B866-D3808239A0A7}"/>
+                  <a16:creationId xmlns:a16="http://schemas.microsoft.com/office/drawing/2014/main" xmlns="" id="{7E3F3600-A9E2-4867-B866-D3808239A0A7}"/>
                 </a:ext>
               </a:extLst>
             </p:cNvPr>
@@ -18220,7 +20291,7 @@
             <p:cNvPr id="121" name="Retângulo: Cantos Arredondados 120">
               <a:extLst>
                 <a:ext uri="{FF2B5EF4-FFF2-40B4-BE49-F238E27FC236}">
-                  <a16:creationId xmlns="" xmlns:a16="http://schemas.microsoft.com/office/drawing/2014/main" id="{C2F572A8-FFF0-4736-BA07-19DD78D4F3C1}"/>
+                  <a16:creationId xmlns:a16="http://schemas.microsoft.com/office/drawing/2014/main" xmlns="" id="{C2F572A8-FFF0-4736-BA07-19DD78D4F3C1}"/>
                 </a:ext>
               </a:extLst>
             </p:cNvPr>
@@ -18275,7 +20346,7 @@
           <p:cNvPr id="31" name="Retângulo 30">
             <a:extLst>
               <a:ext uri="{FF2B5EF4-FFF2-40B4-BE49-F238E27FC236}">
-                <a16:creationId xmlns="" xmlns:a16="http://schemas.microsoft.com/office/drawing/2014/main" id="{1D35B8E0-5B77-4F78-B020-1D9680793D3F}"/>
+                <a16:creationId xmlns:a16="http://schemas.microsoft.com/office/drawing/2014/main" xmlns="" id="{1D35B8E0-5B77-4F78-B020-1D9680793D3F}"/>
               </a:ext>
             </a:extLst>
           </p:cNvPr>
@@ -18327,7 +20398,7 @@
           <p:cNvPr id="47" name="Forma Livre: Forma 46">
             <a:extLst>
               <a:ext uri="{FF2B5EF4-FFF2-40B4-BE49-F238E27FC236}">
-                <a16:creationId xmlns="" xmlns:a16="http://schemas.microsoft.com/office/drawing/2014/main" id="{CA5AA3B5-D86F-47B1-BF70-AFBE1E3895A9}"/>
+                <a16:creationId xmlns:a16="http://schemas.microsoft.com/office/drawing/2014/main" xmlns="" id="{CA5AA3B5-D86F-47B1-BF70-AFBE1E3895A9}"/>
               </a:ext>
             </a:extLst>
           </p:cNvPr>
@@ -18494,7 +20565,7 @@
           <p:cNvPr id="57" name="Forma Livre: Forma 56">
             <a:extLst>
               <a:ext uri="{FF2B5EF4-FFF2-40B4-BE49-F238E27FC236}">
-                <a16:creationId xmlns="" xmlns:a16="http://schemas.microsoft.com/office/drawing/2014/main" id="{7C85EB61-88CA-421C-AEE1-DD45034A253C}"/>
+                <a16:creationId xmlns:a16="http://schemas.microsoft.com/office/drawing/2014/main" xmlns="" id="{7C85EB61-88CA-421C-AEE1-DD45034A253C}"/>
               </a:ext>
             </a:extLst>
           </p:cNvPr>
@@ -18646,7 +20717,7 @@
           <p:cNvPr id="110" name="Forma Livre: Forma 109">
             <a:extLst>
               <a:ext uri="{FF2B5EF4-FFF2-40B4-BE49-F238E27FC236}">
-                <a16:creationId xmlns="" xmlns:a16="http://schemas.microsoft.com/office/drawing/2014/main" id="{FDB00EED-4104-4E00-8C7E-9370791D6384}"/>
+                <a16:creationId xmlns:a16="http://schemas.microsoft.com/office/drawing/2014/main" xmlns="" id="{FDB00EED-4104-4E00-8C7E-9370791D6384}"/>
               </a:ext>
             </a:extLst>
           </p:cNvPr>
@@ -18944,7 +21015,7 @@
           <p:cNvPr id="111" name="Agrupar 110">
             <a:extLst>
               <a:ext uri="{FF2B5EF4-FFF2-40B4-BE49-F238E27FC236}">
-                <a16:creationId xmlns="" xmlns:a16="http://schemas.microsoft.com/office/drawing/2014/main" id="{1E3B85D9-26F4-43E7-A9E1-BE1B8C7ADC16}"/>
+                <a16:creationId xmlns:a16="http://schemas.microsoft.com/office/drawing/2014/main" xmlns="" id="{1E3B85D9-26F4-43E7-A9E1-BE1B8C7ADC16}"/>
               </a:ext>
             </a:extLst>
           </p:cNvPr>
@@ -18967,7 +21038,7 @@
             <p:cNvPr id="97" name="Cruz 96">
               <a:extLst>
                 <a:ext uri="{FF2B5EF4-FFF2-40B4-BE49-F238E27FC236}">
-                  <a16:creationId xmlns="" xmlns:a16="http://schemas.microsoft.com/office/drawing/2014/main" id="{A668293D-2470-4C9E-AF95-4EE1BC4E3F89}"/>
+                  <a16:creationId xmlns:a16="http://schemas.microsoft.com/office/drawing/2014/main" xmlns="" id="{A668293D-2470-4C9E-AF95-4EE1BC4E3F89}"/>
                 </a:ext>
               </a:extLst>
             </p:cNvPr>
@@ -19019,7 +21090,7 @@
             <p:cNvPr id="98" name="Cruz 97">
               <a:extLst>
                 <a:ext uri="{FF2B5EF4-FFF2-40B4-BE49-F238E27FC236}">
-                  <a16:creationId xmlns="" xmlns:a16="http://schemas.microsoft.com/office/drawing/2014/main" id="{3149B231-2A8A-426E-BBD1-97FF35078606}"/>
+                  <a16:creationId xmlns:a16="http://schemas.microsoft.com/office/drawing/2014/main" xmlns="" id="{3149B231-2A8A-426E-BBD1-97FF35078606}"/>
                 </a:ext>
               </a:extLst>
             </p:cNvPr>
@@ -19071,7 +21142,7 @@
             <p:cNvPr id="99" name="Cruz 98">
               <a:extLst>
                 <a:ext uri="{FF2B5EF4-FFF2-40B4-BE49-F238E27FC236}">
-                  <a16:creationId xmlns="" xmlns:a16="http://schemas.microsoft.com/office/drawing/2014/main" id="{6D16372F-0346-4C90-B0AE-50860F04A7FF}"/>
+                  <a16:creationId xmlns:a16="http://schemas.microsoft.com/office/drawing/2014/main" xmlns="" id="{6D16372F-0346-4C90-B0AE-50860F04A7FF}"/>
                 </a:ext>
               </a:extLst>
             </p:cNvPr>
@@ -19123,7 +21194,7 @@
             <p:cNvPr id="100" name="Grupo 19">
               <a:extLst>
                 <a:ext uri="{FF2B5EF4-FFF2-40B4-BE49-F238E27FC236}">
-                  <a16:creationId xmlns="" xmlns:a16="http://schemas.microsoft.com/office/drawing/2014/main" id="{ECD0E47B-370B-4933-B6E5-461C50CDE360}"/>
+                  <a16:creationId xmlns:a16="http://schemas.microsoft.com/office/drawing/2014/main" xmlns="" id="{ECD0E47B-370B-4933-B6E5-461C50CDE360}"/>
                 </a:ext>
               </a:extLst>
             </p:cNvPr>
@@ -19144,7 +21215,7 @@
               <p:cNvPr id="106" name="Cruz 105">
                 <a:extLst>
                   <a:ext uri="{FF2B5EF4-FFF2-40B4-BE49-F238E27FC236}">
-                    <a16:creationId xmlns="" xmlns:a16="http://schemas.microsoft.com/office/drawing/2014/main" id="{F8B3730A-DFFD-4F58-AB57-6BDC4ACCFB5C}"/>
+                    <a16:creationId xmlns:a16="http://schemas.microsoft.com/office/drawing/2014/main" xmlns="" id="{F8B3730A-DFFD-4F58-AB57-6BDC4ACCFB5C}"/>
                   </a:ext>
                 </a:extLst>
               </p:cNvPr>
@@ -19196,7 +21267,7 @@
               <p:cNvPr id="107" name="Cruz 106">
                 <a:extLst>
                   <a:ext uri="{FF2B5EF4-FFF2-40B4-BE49-F238E27FC236}">
-                    <a16:creationId xmlns="" xmlns:a16="http://schemas.microsoft.com/office/drawing/2014/main" id="{F107EE2E-F528-4C6C-9C0C-EB7826199496}"/>
+                    <a16:creationId xmlns:a16="http://schemas.microsoft.com/office/drawing/2014/main" xmlns="" id="{F107EE2E-F528-4C6C-9C0C-EB7826199496}"/>
                   </a:ext>
                 </a:extLst>
               </p:cNvPr>
@@ -19264,7 +21335,7 @@
             <p:cNvPr id="32" name="Retângulo 31">
               <a:extLst>
                 <a:ext uri="{FF2B5EF4-FFF2-40B4-BE49-F238E27FC236}">
-                  <a16:creationId xmlns="" xmlns:a16="http://schemas.microsoft.com/office/drawing/2014/main" id="{923F2C6A-2603-4687-9497-EA8730BB2C49}"/>
+                  <a16:creationId xmlns:a16="http://schemas.microsoft.com/office/drawing/2014/main" xmlns="" id="{923F2C6A-2603-4687-9497-EA8730BB2C49}"/>
                 </a:ext>
               </a:extLst>
             </p:cNvPr>
@@ -19316,7 +21387,7 @@
             <p:cNvPr id="150" name="Triângulo Retângulo 149">
               <a:extLst>
                 <a:ext uri="{FF2B5EF4-FFF2-40B4-BE49-F238E27FC236}">
-                  <a16:creationId xmlns="" xmlns:a16="http://schemas.microsoft.com/office/drawing/2014/main" id="{3AC26621-2860-4357-980C-DA92A2D14681}"/>
+                  <a16:creationId xmlns:a16="http://schemas.microsoft.com/office/drawing/2014/main" xmlns="" id="{3AC26621-2860-4357-980C-DA92A2D14681}"/>
                 </a:ext>
               </a:extLst>
             </p:cNvPr>
@@ -19383,7 +21454,7 @@
             <p:cNvPr id="26" name="Agrupar 3">
               <a:extLst>
                 <a:ext uri="{FF2B5EF4-FFF2-40B4-BE49-F238E27FC236}">
-                  <a16:creationId xmlns="" xmlns:a16="http://schemas.microsoft.com/office/drawing/2014/main" id="{C45FEF34-3D77-4245-91E6-21A8D7F39CAE}"/>
+                  <a16:creationId xmlns:a16="http://schemas.microsoft.com/office/drawing/2014/main" xmlns="" id="{C45FEF34-3D77-4245-91E6-21A8D7F39CAE}"/>
                 </a:ext>
               </a:extLst>
             </p:cNvPr>
@@ -19403,7 +21474,7 @@
               <p:cNvPr id="43" name="Retângulo: Cantos Arredondados 4">
                 <a:extLst>
                   <a:ext uri="{FF2B5EF4-FFF2-40B4-BE49-F238E27FC236}">
-                    <a16:creationId xmlns="" xmlns:a16="http://schemas.microsoft.com/office/drawing/2014/main" id="{2901A741-378D-4F90-9213-3C8C001BF999}"/>
+                    <a16:creationId xmlns:a16="http://schemas.microsoft.com/office/drawing/2014/main" xmlns="" id="{2901A741-378D-4F90-9213-3C8C001BF999}"/>
                   </a:ext>
                 </a:extLst>
               </p:cNvPr>
@@ -19454,7 +21525,7 @@
               <p:cNvPr id="44" name="Retângulo: Cantos Arredondados 5">
                 <a:extLst>
                   <a:ext uri="{FF2B5EF4-FFF2-40B4-BE49-F238E27FC236}">
-                    <a16:creationId xmlns="" xmlns:a16="http://schemas.microsoft.com/office/drawing/2014/main" id="{842C104C-6712-4FAB-A86A-FAC9CE782474}"/>
+                    <a16:creationId xmlns:a16="http://schemas.microsoft.com/office/drawing/2014/main" xmlns="" id="{842C104C-6712-4FAB-A86A-FAC9CE782474}"/>
                   </a:ext>
                 </a:extLst>
               </p:cNvPr>
@@ -19508,7 +21579,7 @@
               <p:cNvPr id="45" name="Retângulo: Cantos Arredondados 6">
                 <a:extLst>
                   <a:ext uri="{FF2B5EF4-FFF2-40B4-BE49-F238E27FC236}">
-                    <a16:creationId xmlns="" xmlns:a16="http://schemas.microsoft.com/office/drawing/2014/main" id="{255A55C9-6EA9-40DD-A50C-94EDA00AB2EC}"/>
+                    <a16:creationId xmlns:a16="http://schemas.microsoft.com/office/drawing/2014/main" xmlns="" id="{255A55C9-6EA9-40DD-A50C-94EDA00AB2EC}"/>
                   </a:ext>
                 </a:extLst>
               </p:cNvPr>
@@ -19562,7 +21633,7 @@
               <p:cNvPr id="46" name="Forma Livre: Forma 7">
                 <a:extLst>
                   <a:ext uri="{FF2B5EF4-FFF2-40B4-BE49-F238E27FC236}">
-                    <a16:creationId xmlns="" xmlns:a16="http://schemas.microsoft.com/office/drawing/2014/main" id="{8B1C2CE6-4108-48D3-8CBE-635179488ECA}"/>
+                    <a16:creationId xmlns:a16="http://schemas.microsoft.com/office/drawing/2014/main" xmlns="" id="{8B1C2CE6-4108-48D3-8CBE-635179488ECA}"/>
                   </a:ext>
                 </a:extLst>
               </p:cNvPr>
@@ -19693,7 +21764,7 @@
               <p:cNvPr id="48" name="Retângulo 47">
                 <a:extLst>
                   <a:ext uri="{FF2B5EF4-FFF2-40B4-BE49-F238E27FC236}">
-                    <a16:creationId xmlns="" xmlns:a16="http://schemas.microsoft.com/office/drawing/2014/main" id="{6444A46D-5BDF-4712-88E7-104DA9FAAFD4}"/>
+                    <a16:creationId xmlns:a16="http://schemas.microsoft.com/office/drawing/2014/main" xmlns="" id="{6444A46D-5BDF-4712-88E7-104DA9FAAFD4}"/>
                   </a:ext>
                 </a:extLst>
               </p:cNvPr>
@@ -19745,7 +21816,7 @@
               <p:cNvPr id="49" name="Retângulo: Cantos Arredondados 9">
                 <a:extLst>
                   <a:ext uri="{FF2B5EF4-FFF2-40B4-BE49-F238E27FC236}">
-                    <a16:creationId xmlns="" xmlns:a16="http://schemas.microsoft.com/office/drawing/2014/main" id="{881B3B66-2052-48AF-979B-60B32E1F7F9E}"/>
+                    <a16:creationId xmlns:a16="http://schemas.microsoft.com/office/drawing/2014/main" xmlns="" id="{881B3B66-2052-48AF-979B-60B32E1F7F9E}"/>
                   </a:ext>
                 </a:extLst>
               </p:cNvPr>
@@ -19799,7 +21870,7 @@
               <p:cNvPr id="50" name="Retângulo: Cantos Arredondados 10">
                 <a:extLst>
                   <a:ext uri="{FF2B5EF4-FFF2-40B4-BE49-F238E27FC236}">
-                    <a16:creationId xmlns="" xmlns:a16="http://schemas.microsoft.com/office/drawing/2014/main" id="{8212EF75-2EF8-4DFC-BEB5-5C95D755FCDA}"/>
+                    <a16:creationId xmlns:a16="http://schemas.microsoft.com/office/drawing/2014/main" xmlns="" id="{8212EF75-2EF8-4DFC-BEB5-5C95D755FCDA}"/>
                   </a:ext>
                 </a:extLst>
               </p:cNvPr>
@@ -19854,7 +21925,7 @@
             <p:cNvPr id="29" name="Agrupar 17">
               <a:extLst>
                 <a:ext uri="{FF2B5EF4-FFF2-40B4-BE49-F238E27FC236}">
-                  <a16:creationId xmlns="" xmlns:a16="http://schemas.microsoft.com/office/drawing/2014/main" id="{1C1086BE-5C78-46C5-8759-F221A1473050}"/>
+                  <a16:creationId xmlns:a16="http://schemas.microsoft.com/office/drawing/2014/main" xmlns="" id="{1C1086BE-5C78-46C5-8759-F221A1473050}"/>
                 </a:ext>
               </a:extLst>
             </p:cNvPr>
@@ -19874,7 +21945,7 @@
               <p:cNvPr id="33" name="Forma Livre: Forma 18">
                 <a:extLst>
                   <a:ext uri="{FF2B5EF4-FFF2-40B4-BE49-F238E27FC236}">
-                    <a16:creationId xmlns="" xmlns:a16="http://schemas.microsoft.com/office/drawing/2014/main" id="{A5FF4AA1-FB76-4089-AF79-C37CF505E719}"/>
+                    <a16:creationId xmlns:a16="http://schemas.microsoft.com/office/drawing/2014/main" xmlns="" id="{A5FF4AA1-FB76-4089-AF79-C37CF505E719}"/>
                   </a:ext>
                 </a:extLst>
               </p:cNvPr>
@@ -20009,7 +22080,7 @@
               <p:cNvPr id="34" name="Forma Livre: Forma 19">
                 <a:extLst>
                   <a:ext uri="{FF2B5EF4-FFF2-40B4-BE49-F238E27FC236}">
-                    <a16:creationId xmlns="" xmlns:a16="http://schemas.microsoft.com/office/drawing/2014/main" id="{F8045286-37AC-4911-A671-477E8EB257A2}"/>
+                    <a16:creationId xmlns:a16="http://schemas.microsoft.com/office/drawing/2014/main" xmlns="" id="{F8045286-37AC-4911-A671-477E8EB257A2}"/>
                   </a:ext>
                 </a:extLst>
               </p:cNvPr>
@@ -20144,7 +22215,7 @@
               <p:cNvPr id="35" name="Elipse 34">
                 <a:extLst>
                   <a:ext uri="{FF2B5EF4-FFF2-40B4-BE49-F238E27FC236}">
-                    <a16:creationId xmlns="" xmlns:a16="http://schemas.microsoft.com/office/drawing/2014/main" id="{CD452FDD-69B7-4E28-B5E7-0FEFB45E205A}"/>
+                    <a16:creationId xmlns:a16="http://schemas.microsoft.com/office/drawing/2014/main" xmlns="" id="{CD452FDD-69B7-4E28-B5E7-0FEFB45E205A}"/>
                   </a:ext>
                 </a:extLst>
               </p:cNvPr>
@@ -20196,7 +22267,7 @@
               <p:cNvPr id="36" name="Retângulo: Cantos Arredondados 21">
                 <a:extLst>
                   <a:ext uri="{FF2B5EF4-FFF2-40B4-BE49-F238E27FC236}">
-                    <a16:creationId xmlns="" xmlns:a16="http://schemas.microsoft.com/office/drawing/2014/main" id="{AF7D2798-BB73-466E-A25A-A2621184FA04}"/>
+                    <a16:creationId xmlns:a16="http://schemas.microsoft.com/office/drawing/2014/main" xmlns="" id="{AF7D2798-BB73-466E-A25A-A2621184FA04}"/>
                   </a:ext>
                 </a:extLst>
               </p:cNvPr>
@@ -20250,7 +22321,7 @@
               <p:cNvPr id="37" name="Retângulo: Cantos Arredondados 22">
                 <a:extLst>
                   <a:ext uri="{FF2B5EF4-FFF2-40B4-BE49-F238E27FC236}">
-                    <a16:creationId xmlns="" xmlns:a16="http://schemas.microsoft.com/office/drawing/2014/main" id="{3E77055B-F661-42D4-86CB-10C4D49F7934}"/>
+                    <a16:creationId xmlns:a16="http://schemas.microsoft.com/office/drawing/2014/main" xmlns="" id="{3E77055B-F661-42D4-86CB-10C4D49F7934}"/>
                   </a:ext>
                 </a:extLst>
               </p:cNvPr>
@@ -20304,7 +22375,7 @@
               <p:cNvPr id="38" name="Retângulo: Cantos Arredondados 23">
                 <a:extLst>
                   <a:ext uri="{FF2B5EF4-FFF2-40B4-BE49-F238E27FC236}">
-                    <a16:creationId xmlns="" xmlns:a16="http://schemas.microsoft.com/office/drawing/2014/main" id="{2D266FA5-5903-44D9-9DC7-DCB4A530544F}"/>
+                    <a16:creationId xmlns:a16="http://schemas.microsoft.com/office/drawing/2014/main" xmlns="" id="{2D266FA5-5903-44D9-9DC7-DCB4A530544F}"/>
                   </a:ext>
                 </a:extLst>
               </p:cNvPr>
@@ -20359,7 +22430,7 @@
             <p:cNvPr id="30" name="Forma Livre: Forma 24">
               <a:extLst>
                 <a:ext uri="{FF2B5EF4-FFF2-40B4-BE49-F238E27FC236}">
-                  <a16:creationId xmlns="" xmlns:a16="http://schemas.microsoft.com/office/drawing/2014/main" id="{59EBB5C9-01FD-4920-B60F-971211221B04}"/>
+                  <a16:creationId xmlns:a16="http://schemas.microsoft.com/office/drawing/2014/main" xmlns="" id="{59EBB5C9-01FD-4920-B60F-971211221B04}"/>
                 </a:ext>
               </a:extLst>
             </p:cNvPr>
@@ -21608,7 +23679,7 @@
           <p:cNvPr id="114" name="Agrupar 113">
             <a:extLst>
               <a:ext uri="{FF2B5EF4-FFF2-40B4-BE49-F238E27FC236}">
-                <a16:creationId xmlns="" xmlns:a16="http://schemas.microsoft.com/office/drawing/2014/main" id="{EC4A9AC8-F4D5-4B09-8F27-10182533BBE6}"/>
+                <a16:creationId xmlns:a16="http://schemas.microsoft.com/office/drawing/2014/main" xmlns="" id="{EC4A9AC8-F4D5-4B09-8F27-10182533BBE6}"/>
               </a:ext>
             </a:extLst>
           </p:cNvPr>
@@ -21628,7 +23699,7 @@
             <p:cNvPr id="115" name="Retângulo: Cantos Arredondados 114">
               <a:extLst>
                 <a:ext uri="{FF2B5EF4-FFF2-40B4-BE49-F238E27FC236}">
-                  <a16:creationId xmlns="" xmlns:a16="http://schemas.microsoft.com/office/drawing/2014/main" id="{EF1FC69D-3983-4649-A796-EEFD15A337AF}"/>
+                  <a16:creationId xmlns:a16="http://schemas.microsoft.com/office/drawing/2014/main" xmlns="" id="{EF1FC69D-3983-4649-A796-EEFD15A337AF}"/>
                 </a:ext>
               </a:extLst>
             </p:cNvPr>
@@ -21682,7 +23753,7 @@
             <p:cNvPr id="116" name="Retângulo: Cantos Arredondados 115">
               <a:extLst>
                 <a:ext uri="{FF2B5EF4-FFF2-40B4-BE49-F238E27FC236}">
-                  <a16:creationId xmlns="" xmlns:a16="http://schemas.microsoft.com/office/drawing/2014/main" id="{E9BE8618-AB65-42F4-9752-F24130D692A7}"/>
+                  <a16:creationId xmlns:a16="http://schemas.microsoft.com/office/drawing/2014/main" xmlns="" id="{E9BE8618-AB65-42F4-9752-F24130D692A7}"/>
                 </a:ext>
               </a:extLst>
             </p:cNvPr>
@@ -21736,7 +23807,7 @@
             <p:cNvPr id="117" name="Retângulo: Cantos Arredondados 116">
               <a:extLst>
                 <a:ext uri="{FF2B5EF4-FFF2-40B4-BE49-F238E27FC236}">
-                  <a16:creationId xmlns="" xmlns:a16="http://schemas.microsoft.com/office/drawing/2014/main" id="{877780EE-28A7-4A14-A0E6-0A3212B86155}"/>
+                  <a16:creationId xmlns:a16="http://schemas.microsoft.com/office/drawing/2014/main" xmlns="" id="{877780EE-28A7-4A14-A0E6-0A3212B86155}"/>
                 </a:ext>
               </a:extLst>
             </p:cNvPr>
@@ -21790,7 +23861,7 @@
             <p:cNvPr id="118" name="Forma Livre: Forma 117">
               <a:extLst>
                 <a:ext uri="{FF2B5EF4-FFF2-40B4-BE49-F238E27FC236}">
-                  <a16:creationId xmlns="" xmlns:a16="http://schemas.microsoft.com/office/drawing/2014/main" id="{B78ADCF5-F5CC-4A76-A645-64BB061DE346}"/>
+                  <a16:creationId xmlns:a16="http://schemas.microsoft.com/office/drawing/2014/main" xmlns="" id="{B78ADCF5-F5CC-4A76-A645-64BB061DE346}"/>
                 </a:ext>
               </a:extLst>
             </p:cNvPr>
@@ -21921,7 +23992,7 @@
             <p:cNvPr id="119" name="Retângulo 118">
               <a:extLst>
                 <a:ext uri="{FF2B5EF4-FFF2-40B4-BE49-F238E27FC236}">
-                  <a16:creationId xmlns="" xmlns:a16="http://schemas.microsoft.com/office/drawing/2014/main" id="{67F7C1E0-20D5-4DEF-AFBF-7E75BED02803}"/>
+                  <a16:creationId xmlns:a16="http://schemas.microsoft.com/office/drawing/2014/main" xmlns="" id="{67F7C1E0-20D5-4DEF-AFBF-7E75BED02803}"/>
                 </a:ext>
               </a:extLst>
             </p:cNvPr>
@@ -21973,7 +24044,7 @@
             <p:cNvPr id="120" name="Retângulo: Cantos Arredondados 119">
               <a:extLst>
                 <a:ext uri="{FF2B5EF4-FFF2-40B4-BE49-F238E27FC236}">
-                  <a16:creationId xmlns="" xmlns:a16="http://schemas.microsoft.com/office/drawing/2014/main" id="{7E3F3600-A9E2-4867-B866-D3808239A0A7}"/>
+                  <a16:creationId xmlns:a16="http://schemas.microsoft.com/office/drawing/2014/main" xmlns="" id="{7E3F3600-A9E2-4867-B866-D3808239A0A7}"/>
                 </a:ext>
               </a:extLst>
             </p:cNvPr>
@@ -22027,7 +24098,7 @@
             <p:cNvPr id="121" name="Retângulo: Cantos Arredondados 120">
               <a:extLst>
                 <a:ext uri="{FF2B5EF4-FFF2-40B4-BE49-F238E27FC236}">
-                  <a16:creationId xmlns="" xmlns:a16="http://schemas.microsoft.com/office/drawing/2014/main" id="{C2F572A8-FFF0-4736-BA07-19DD78D4F3C1}"/>
+                  <a16:creationId xmlns:a16="http://schemas.microsoft.com/office/drawing/2014/main" xmlns="" id="{C2F572A8-FFF0-4736-BA07-19DD78D4F3C1}"/>
                 </a:ext>
               </a:extLst>
             </p:cNvPr>
@@ -22082,7 +24153,7 @@
           <p:cNvPr id="138" name="Grupo 6">
             <a:extLst>
               <a:ext uri="{FF2B5EF4-FFF2-40B4-BE49-F238E27FC236}">
-                <a16:creationId xmlns="" xmlns:a16="http://schemas.microsoft.com/office/drawing/2014/main" id="{75C2D647-409E-4172-B46A-FF0596D1F214}"/>
+                <a16:creationId xmlns:a16="http://schemas.microsoft.com/office/drawing/2014/main" xmlns="" id="{75C2D647-409E-4172-B46A-FF0596D1F214}"/>
               </a:ext>
             </a:extLst>
           </p:cNvPr>
@@ -22102,7 +24173,7 @@
             <p:cNvPr id="139" name="Retângulo de cantos arredondados 1">
               <a:extLst>
                 <a:ext uri="{FF2B5EF4-FFF2-40B4-BE49-F238E27FC236}">
-                  <a16:creationId xmlns="" xmlns:a16="http://schemas.microsoft.com/office/drawing/2014/main" id="{8587315D-A88A-4762-8161-0A8A92A83C12}"/>
+                  <a16:creationId xmlns:a16="http://schemas.microsoft.com/office/drawing/2014/main" xmlns="" id="{8587315D-A88A-4762-8161-0A8A92A83C12}"/>
                 </a:ext>
               </a:extLst>
             </p:cNvPr>
@@ -22165,7 +24236,7 @@
             <p:cNvPr id="140" name="Grupo 2">
               <a:extLst>
                 <a:ext uri="{FF2B5EF4-FFF2-40B4-BE49-F238E27FC236}">
-                  <a16:creationId xmlns="" xmlns:a16="http://schemas.microsoft.com/office/drawing/2014/main" id="{B5BAB782-FA12-4BD0-A819-7BC7035054C8}"/>
+                  <a16:creationId xmlns:a16="http://schemas.microsoft.com/office/drawing/2014/main" xmlns="" id="{B5BAB782-FA12-4BD0-A819-7BC7035054C8}"/>
                 </a:ext>
               </a:extLst>
             </p:cNvPr>
@@ -22185,7 +24256,7 @@
               <p:cNvPr id="141" name="Grupo 50">
                 <a:extLst>
                   <a:ext uri="{FF2B5EF4-FFF2-40B4-BE49-F238E27FC236}">
-                    <a16:creationId xmlns="" xmlns:a16="http://schemas.microsoft.com/office/drawing/2014/main" id="{BB410D9A-9F38-4E4A-8444-A59EAC7D0053}"/>
+                    <a16:creationId xmlns:a16="http://schemas.microsoft.com/office/drawing/2014/main" xmlns="" id="{BB410D9A-9F38-4E4A-8444-A59EAC7D0053}"/>
                   </a:ext>
                 </a:extLst>
               </p:cNvPr>
@@ -22205,7 +24276,7 @@
                 <p:cNvPr id="168" name="Retângulo 167">
                   <a:extLst>
                     <a:ext uri="{FF2B5EF4-FFF2-40B4-BE49-F238E27FC236}">
-                      <a16:creationId xmlns="" xmlns:a16="http://schemas.microsoft.com/office/drawing/2014/main" id="{9EE247DF-6E8F-4774-976C-A0BC34746A76}"/>
+                      <a16:creationId xmlns:a16="http://schemas.microsoft.com/office/drawing/2014/main" xmlns="" id="{9EE247DF-6E8F-4774-976C-A0BC34746A76}"/>
                     </a:ext>
                   </a:extLst>
                 </p:cNvPr>
@@ -22257,7 +24328,7 @@
                 <p:cNvPr id="169" name="Forma Livre: Forma 46">
                   <a:extLst>
                     <a:ext uri="{FF2B5EF4-FFF2-40B4-BE49-F238E27FC236}">
-                      <a16:creationId xmlns="" xmlns:a16="http://schemas.microsoft.com/office/drawing/2014/main" id="{8614ABA1-8D0D-4AF2-AC4D-D98C91F302E3}"/>
+                      <a16:creationId xmlns:a16="http://schemas.microsoft.com/office/drawing/2014/main" xmlns="" id="{8614ABA1-8D0D-4AF2-AC4D-D98C91F302E3}"/>
                     </a:ext>
                   </a:extLst>
                 </p:cNvPr>
@@ -22424,7 +24495,7 @@
                 <p:cNvPr id="170" name="Forma Livre: Forma 56">
                   <a:extLst>
                     <a:ext uri="{FF2B5EF4-FFF2-40B4-BE49-F238E27FC236}">
-                      <a16:creationId xmlns="" xmlns:a16="http://schemas.microsoft.com/office/drawing/2014/main" id="{54976037-FC2D-4F65-9949-9812EB0F9AC7}"/>
+                      <a16:creationId xmlns:a16="http://schemas.microsoft.com/office/drawing/2014/main" xmlns="" id="{54976037-FC2D-4F65-9949-9812EB0F9AC7}"/>
                     </a:ext>
                   </a:extLst>
                 </p:cNvPr>
@@ -22576,7 +24647,7 @@
                 <p:cNvPr id="171" name="Forma Livre: Forma 109">
                   <a:extLst>
                     <a:ext uri="{FF2B5EF4-FFF2-40B4-BE49-F238E27FC236}">
-                      <a16:creationId xmlns="" xmlns:a16="http://schemas.microsoft.com/office/drawing/2014/main" id="{95EE7ECE-338F-49F7-9F83-CD5063EC1E9E}"/>
+                      <a16:creationId xmlns:a16="http://schemas.microsoft.com/office/drawing/2014/main" xmlns="" id="{95EE7ECE-338F-49F7-9F83-CD5063EC1E9E}"/>
                     </a:ext>
                   </a:extLst>
                 </p:cNvPr>
@@ -22874,7 +24945,7 @@
                 <p:cNvPr id="172" name="Agrupar 110">
                   <a:extLst>
                     <a:ext uri="{FF2B5EF4-FFF2-40B4-BE49-F238E27FC236}">
-                      <a16:creationId xmlns="" xmlns:a16="http://schemas.microsoft.com/office/drawing/2014/main" id="{A5EF5E59-D913-4E93-BBB8-5610EADA2962}"/>
+                      <a16:creationId xmlns:a16="http://schemas.microsoft.com/office/drawing/2014/main" xmlns="" id="{A5EF5E59-D913-4E93-BBB8-5610EADA2962}"/>
                     </a:ext>
                   </a:extLst>
                 </p:cNvPr>
@@ -22897,7 +24968,7 @@
                   <p:cNvPr id="173" name="Cruz 172">
                     <a:extLst>
                       <a:ext uri="{FF2B5EF4-FFF2-40B4-BE49-F238E27FC236}">
-                        <a16:creationId xmlns="" xmlns:a16="http://schemas.microsoft.com/office/drawing/2014/main" id="{82EDA0E8-5783-482F-8B9E-7DE951F44FEB}"/>
+                        <a16:creationId xmlns:a16="http://schemas.microsoft.com/office/drawing/2014/main" xmlns="" id="{82EDA0E8-5783-482F-8B9E-7DE951F44FEB}"/>
                       </a:ext>
                     </a:extLst>
                   </p:cNvPr>
@@ -22949,7 +25020,7 @@
                   <p:cNvPr id="174" name="Cruz 173">
                     <a:extLst>
                       <a:ext uri="{FF2B5EF4-FFF2-40B4-BE49-F238E27FC236}">
-                        <a16:creationId xmlns="" xmlns:a16="http://schemas.microsoft.com/office/drawing/2014/main" id="{65310199-5065-4AFC-830B-9259869C4445}"/>
+                        <a16:creationId xmlns:a16="http://schemas.microsoft.com/office/drawing/2014/main" xmlns="" id="{65310199-5065-4AFC-830B-9259869C4445}"/>
                       </a:ext>
                     </a:extLst>
                   </p:cNvPr>
@@ -23001,7 +25072,7 @@
                   <p:cNvPr id="175" name="Cruz 174">
                     <a:extLst>
                       <a:ext uri="{FF2B5EF4-FFF2-40B4-BE49-F238E27FC236}">
-                        <a16:creationId xmlns="" xmlns:a16="http://schemas.microsoft.com/office/drawing/2014/main" id="{8E1CD4C8-C12E-4243-8430-B0A865C93B50}"/>
+                        <a16:creationId xmlns:a16="http://schemas.microsoft.com/office/drawing/2014/main" xmlns="" id="{8E1CD4C8-C12E-4243-8430-B0A865C93B50}"/>
                       </a:ext>
                     </a:extLst>
                   </p:cNvPr>
@@ -23053,7 +25124,7 @@
                   <p:cNvPr id="176" name="Grupo 19">
                     <a:extLst>
                       <a:ext uri="{FF2B5EF4-FFF2-40B4-BE49-F238E27FC236}">
-                        <a16:creationId xmlns="" xmlns:a16="http://schemas.microsoft.com/office/drawing/2014/main" id="{C80AEB79-8636-473C-A749-02C8D83F5F57}"/>
+                        <a16:creationId xmlns:a16="http://schemas.microsoft.com/office/drawing/2014/main" xmlns="" id="{C80AEB79-8636-473C-A749-02C8D83F5F57}"/>
                       </a:ext>
                     </a:extLst>
                   </p:cNvPr>
@@ -23074,7 +25145,7 @@
                     <p:cNvPr id="177" name="Cruz 176">
                       <a:extLst>
                         <a:ext uri="{FF2B5EF4-FFF2-40B4-BE49-F238E27FC236}">
-                          <a16:creationId xmlns="" xmlns:a16="http://schemas.microsoft.com/office/drawing/2014/main" id="{400895BD-7A89-419C-93C2-EDF0057C795E}"/>
+                          <a16:creationId xmlns:a16="http://schemas.microsoft.com/office/drawing/2014/main" xmlns="" id="{400895BD-7A89-419C-93C2-EDF0057C795E}"/>
                         </a:ext>
                       </a:extLst>
                     </p:cNvPr>
@@ -23126,7 +25197,7 @@
                     <p:cNvPr id="178" name="Cruz 177">
                       <a:extLst>
                         <a:ext uri="{FF2B5EF4-FFF2-40B4-BE49-F238E27FC236}">
-                          <a16:creationId xmlns="" xmlns:a16="http://schemas.microsoft.com/office/drawing/2014/main" id="{D428D8D3-010F-4107-B7E1-4B4DEB902718}"/>
+                          <a16:creationId xmlns:a16="http://schemas.microsoft.com/office/drawing/2014/main" xmlns="" id="{D428D8D3-010F-4107-B7E1-4B4DEB902718}"/>
                         </a:ext>
                       </a:extLst>
                     </p:cNvPr>
@@ -23181,7 +25252,7 @@
               <p:cNvPr id="142" name="Grupo 63">
                 <a:extLst>
                   <a:ext uri="{FF2B5EF4-FFF2-40B4-BE49-F238E27FC236}">
-                    <a16:creationId xmlns="" xmlns:a16="http://schemas.microsoft.com/office/drawing/2014/main" id="{F16D89F7-FD02-44D5-95E7-25E2E111472A}"/>
+                    <a16:creationId xmlns:a16="http://schemas.microsoft.com/office/drawing/2014/main" xmlns="" id="{F16D89F7-FD02-44D5-95E7-25E2E111472A}"/>
                   </a:ext>
                 </a:extLst>
               </p:cNvPr>
@@ -23201,7 +25272,7 @@
                 <p:cNvPr id="166" name="Retângulo 165">
                   <a:extLst>
                     <a:ext uri="{FF2B5EF4-FFF2-40B4-BE49-F238E27FC236}">
-                      <a16:creationId xmlns="" xmlns:a16="http://schemas.microsoft.com/office/drawing/2014/main" id="{D4150F35-8932-4085-B4D5-D6D39E9E40AA}"/>
+                      <a16:creationId xmlns:a16="http://schemas.microsoft.com/office/drawing/2014/main" xmlns="" id="{D4150F35-8932-4085-B4D5-D6D39E9E40AA}"/>
                     </a:ext>
                   </a:extLst>
                 </p:cNvPr>
@@ -23253,7 +25324,7 @@
                 <p:cNvPr id="167" name="Triângulo Retângulo 149">
                   <a:extLst>
                     <a:ext uri="{FF2B5EF4-FFF2-40B4-BE49-F238E27FC236}">
-                      <a16:creationId xmlns="" xmlns:a16="http://schemas.microsoft.com/office/drawing/2014/main" id="{91D599A3-F4D0-4D41-B96E-C5758541F557}"/>
+                      <a16:creationId xmlns:a16="http://schemas.microsoft.com/office/drawing/2014/main" xmlns="" id="{91D599A3-F4D0-4D41-B96E-C5758541F557}"/>
                     </a:ext>
                   </a:extLst>
                 </p:cNvPr>
@@ -23306,7 +25377,7 @@
               <p:cNvPr id="143" name="Agrupar 25">
                 <a:extLst>
                   <a:ext uri="{FF2B5EF4-FFF2-40B4-BE49-F238E27FC236}">
-                    <a16:creationId xmlns="" xmlns:a16="http://schemas.microsoft.com/office/drawing/2014/main" id="{55FD2579-CD40-4454-BB45-69A569E91AF2}"/>
+                    <a16:creationId xmlns:a16="http://schemas.microsoft.com/office/drawing/2014/main" xmlns="" id="{55FD2579-CD40-4454-BB45-69A569E91AF2}"/>
                   </a:ext>
                 </a:extLst>
               </p:cNvPr>
@@ -23326,7 +25397,7 @@
                 <p:cNvPr id="144" name="Agrupar 3">
                   <a:extLst>
                     <a:ext uri="{FF2B5EF4-FFF2-40B4-BE49-F238E27FC236}">
-                      <a16:creationId xmlns="" xmlns:a16="http://schemas.microsoft.com/office/drawing/2014/main" id="{A7470D21-CFAF-4149-A4E7-69A1A2C29C5E}"/>
+                      <a16:creationId xmlns:a16="http://schemas.microsoft.com/office/drawing/2014/main" xmlns="" id="{A7470D21-CFAF-4149-A4E7-69A1A2C29C5E}"/>
                     </a:ext>
                   </a:extLst>
                 </p:cNvPr>
@@ -23346,7 +25417,7 @@
                   <p:cNvPr id="159" name="Retângulo: Cantos Arredondados 4">
                     <a:extLst>
                       <a:ext uri="{FF2B5EF4-FFF2-40B4-BE49-F238E27FC236}">
-                        <a16:creationId xmlns="" xmlns:a16="http://schemas.microsoft.com/office/drawing/2014/main" id="{963282D4-D8BE-47E9-995F-0CB928378691}"/>
+                        <a16:creationId xmlns:a16="http://schemas.microsoft.com/office/drawing/2014/main" xmlns="" id="{963282D4-D8BE-47E9-995F-0CB928378691}"/>
                       </a:ext>
                     </a:extLst>
                   </p:cNvPr>
@@ -23397,7 +25468,7 @@
                   <p:cNvPr id="160" name="Retângulo: Cantos Arredondados 5">
                     <a:extLst>
                       <a:ext uri="{FF2B5EF4-FFF2-40B4-BE49-F238E27FC236}">
-                        <a16:creationId xmlns="" xmlns:a16="http://schemas.microsoft.com/office/drawing/2014/main" id="{A18E7E51-6C0E-4E36-B70D-F985F0D20630}"/>
+                        <a16:creationId xmlns:a16="http://schemas.microsoft.com/office/drawing/2014/main" xmlns="" id="{A18E7E51-6C0E-4E36-B70D-F985F0D20630}"/>
                       </a:ext>
                     </a:extLst>
                   </p:cNvPr>
@@ -23451,7 +25522,7 @@
                   <p:cNvPr id="161" name="Retângulo: Cantos Arredondados 6">
                     <a:extLst>
                       <a:ext uri="{FF2B5EF4-FFF2-40B4-BE49-F238E27FC236}">
-                        <a16:creationId xmlns="" xmlns:a16="http://schemas.microsoft.com/office/drawing/2014/main" id="{7D5B6770-6AA8-42E2-B4FA-8C0E8D6DFEE8}"/>
+                        <a16:creationId xmlns:a16="http://schemas.microsoft.com/office/drawing/2014/main" xmlns="" id="{7D5B6770-6AA8-42E2-B4FA-8C0E8D6DFEE8}"/>
                       </a:ext>
                     </a:extLst>
                   </p:cNvPr>
@@ -23505,7 +25576,7 @@
                   <p:cNvPr id="162" name="Forma Livre: Forma 7">
                     <a:extLst>
                       <a:ext uri="{FF2B5EF4-FFF2-40B4-BE49-F238E27FC236}">
-                        <a16:creationId xmlns="" xmlns:a16="http://schemas.microsoft.com/office/drawing/2014/main" id="{E4348310-2269-481F-8418-C13603DE962E}"/>
+                        <a16:creationId xmlns:a16="http://schemas.microsoft.com/office/drawing/2014/main" xmlns="" id="{E4348310-2269-481F-8418-C13603DE962E}"/>
                       </a:ext>
                     </a:extLst>
                   </p:cNvPr>
@@ -23636,7 +25707,7 @@
                   <p:cNvPr id="163" name="Retângulo 162">
                     <a:extLst>
                       <a:ext uri="{FF2B5EF4-FFF2-40B4-BE49-F238E27FC236}">
-                        <a16:creationId xmlns="" xmlns:a16="http://schemas.microsoft.com/office/drawing/2014/main" id="{29824F54-B5CE-4F46-88D5-183044EE6B6A}"/>
+                        <a16:creationId xmlns:a16="http://schemas.microsoft.com/office/drawing/2014/main" xmlns="" id="{29824F54-B5CE-4F46-88D5-183044EE6B6A}"/>
                       </a:ext>
                     </a:extLst>
                   </p:cNvPr>
@@ -23688,7 +25759,7 @@
                   <p:cNvPr id="164" name="Retângulo: Cantos Arredondados 9">
                     <a:extLst>
                       <a:ext uri="{FF2B5EF4-FFF2-40B4-BE49-F238E27FC236}">
-                        <a16:creationId xmlns="" xmlns:a16="http://schemas.microsoft.com/office/drawing/2014/main" id="{23573BF8-112A-45BB-BF3D-DC6EEBD9D860}"/>
+                        <a16:creationId xmlns:a16="http://schemas.microsoft.com/office/drawing/2014/main" xmlns="" id="{23573BF8-112A-45BB-BF3D-DC6EEBD9D860}"/>
                       </a:ext>
                     </a:extLst>
                   </p:cNvPr>
@@ -23742,7 +25813,7 @@
                   <p:cNvPr id="165" name="Retângulo: Cantos Arredondados 10">
                     <a:extLst>
                       <a:ext uri="{FF2B5EF4-FFF2-40B4-BE49-F238E27FC236}">
-                        <a16:creationId xmlns="" xmlns:a16="http://schemas.microsoft.com/office/drawing/2014/main" id="{D4EB81C9-20E6-4B70-9794-E0BCB1C304DF}"/>
+                        <a16:creationId xmlns:a16="http://schemas.microsoft.com/office/drawing/2014/main" xmlns="" id="{D4EB81C9-20E6-4B70-9794-E0BCB1C304DF}"/>
                       </a:ext>
                     </a:extLst>
                   </p:cNvPr>
@@ -23797,7 +25868,7 @@
                 <p:cNvPr id="145" name="Agrupar 11">
                   <a:extLst>
                     <a:ext uri="{FF2B5EF4-FFF2-40B4-BE49-F238E27FC236}">
-                      <a16:creationId xmlns="" xmlns:a16="http://schemas.microsoft.com/office/drawing/2014/main" id="{15E69D31-051F-4158-A83D-3342B904472C}"/>
+                      <a16:creationId xmlns:a16="http://schemas.microsoft.com/office/drawing/2014/main" xmlns="" id="{15E69D31-051F-4158-A83D-3342B904472C}"/>
                     </a:ext>
                   </a:extLst>
                 </p:cNvPr>
@@ -23817,7 +25888,7 @@
                   <p:cNvPr id="157" name="Retângulo: Cantos Arredondados 12">
                     <a:extLst>
                       <a:ext uri="{FF2B5EF4-FFF2-40B4-BE49-F238E27FC236}">
-                        <a16:creationId xmlns="" xmlns:a16="http://schemas.microsoft.com/office/drawing/2014/main" id="{233E2C98-F2F9-4D04-AE2C-14D59FC0B3BF}"/>
+                        <a16:creationId xmlns:a16="http://schemas.microsoft.com/office/drawing/2014/main" xmlns="" id="{233E2C98-F2F9-4D04-AE2C-14D59FC0B3BF}"/>
                       </a:ext>
                     </a:extLst>
                   </p:cNvPr>
@@ -23871,7 +25942,7 @@
                   <p:cNvPr id="158" name="Retângulo: Cantos Arredondados 13">
                     <a:extLst>
                       <a:ext uri="{FF2B5EF4-FFF2-40B4-BE49-F238E27FC236}">
-                        <a16:creationId xmlns="" xmlns:a16="http://schemas.microsoft.com/office/drawing/2014/main" id="{DDAC5462-F7BC-4D99-A307-A5EAC135D8E8}"/>
+                        <a16:creationId xmlns:a16="http://schemas.microsoft.com/office/drawing/2014/main" xmlns="" id="{DDAC5462-F7BC-4D99-A307-A5EAC135D8E8}"/>
                       </a:ext>
                     </a:extLst>
                   </p:cNvPr>
@@ -23926,7 +25997,7 @@
                 <p:cNvPr id="146" name="Agrupar 14">
                   <a:extLst>
                     <a:ext uri="{FF2B5EF4-FFF2-40B4-BE49-F238E27FC236}">
-                      <a16:creationId xmlns="" xmlns:a16="http://schemas.microsoft.com/office/drawing/2014/main" id="{CA3F88C5-6303-4C1B-B8E6-3B11AC1543D2}"/>
+                      <a16:creationId xmlns:a16="http://schemas.microsoft.com/office/drawing/2014/main" xmlns="" id="{CA3F88C5-6303-4C1B-B8E6-3B11AC1543D2}"/>
                     </a:ext>
                   </a:extLst>
                 </p:cNvPr>
@@ -23946,7 +26017,7 @@
                   <p:cNvPr id="155" name="Retângulo: Cantos Arredondados 15">
                     <a:extLst>
                       <a:ext uri="{FF2B5EF4-FFF2-40B4-BE49-F238E27FC236}">
-                        <a16:creationId xmlns="" xmlns:a16="http://schemas.microsoft.com/office/drawing/2014/main" id="{F814F319-27F2-4EB0-90CB-1EEA8240C77C}"/>
+                        <a16:creationId xmlns:a16="http://schemas.microsoft.com/office/drawing/2014/main" xmlns="" id="{F814F319-27F2-4EB0-90CB-1EEA8240C77C}"/>
                       </a:ext>
                     </a:extLst>
                   </p:cNvPr>
@@ -24000,7 +26071,7 @@
                   <p:cNvPr id="156" name="Retângulo: Cantos Arredondados 16">
                     <a:extLst>
                       <a:ext uri="{FF2B5EF4-FFF2-40B4-BE49-F238E27FC236}">
-                        <a16:creationId xmlns="" xmlns:a16="http://schemas.microsoft.com/office/drawing/2014/main" id="{CC7DC6F9-4D99-4F56-A64D-69C2768C2BB5}"/>
+                        <a16:creationId xmlns:a16="http://schemas.microsoft.com/office/drawing/2014/main" xmlns="" id="{CC7DC6F9-4D99-4F56-A64D-69C2768C2BB5}"/>
                       </a:ext>
                     </a:extLst>
                   </p:cNvPr>
@@ -24055,7 +26126,7 @@
                 <p:cNvPr id="147" name="Agrupar 17">
                   <a:extLst>
                     <a:ext uri="{FF2B5EF4-FFF2-40B4-BE49-F238E27FC236}">
-                      <a16:creationId xmlns="" xmlns:a16="http://schemas.microsoft.com/office/drawing/2014/main" id="{78842492-4535-49FE-A024-FCBB3F2C91DA}"/>
+                      <a16:creationId xmlns:a16="http://schemas.microsoft.com/office/drawing/2014/main" xmlns="" id="{78842492-4535-49FE-A024-FCBB3F2C91DA}"/>
                     </a:ext>
                   </a:extLst>
                 </p:cNvPr>
@@ -24075,7 +26146,7 @@
                   <p:cNvPr id="149" name="Forma Livre: Forma 18">
                     <a:extLst>
                       <a:ext uri="{FF2B5EF4-FFF2-40B4-BE49-F238E27FC236}">
-                        <a16:creationId xmlns="" xmlns:a16="http://schemas.microsoft.com/office/drawing/2014/main" id="{A70CDE06-649E-4831-9A54-7CA235CCCAD5}"/>
+                        <a16:creationId xmlns:a16="http://schemas.microsoft.com/office/drawing/2014/main" xmlns="" id="{A70CDE06-649E-4831-9A54-7CA235CCCAD5}"/>
                       </a:ext>
                     </a:extLst>
                   </p:cNvPr>
@@ -24210,7 +26281,7 @@
                   <p:cNvPr id="150" name="Forma Livre: Forma 19">
                     <a:extLst>
                       <a:ext uri="{FF2B5EF4-FFF2-40B4-BE49-F238E27FC236}">
-                        <a16:creationId xmlns="" xmlns:a16="http://schemas.microsoft.com/office/drawing/2014/main" id="{407002B0-BC4E-460F-AB71-4AB92D8B7E0F}"/>
+                        <a16:creationId xmlns:a16="http://schemas.microsoft.com/office/drawing/2014/main" xmlns="" id="{407002B0-BC4E-460F-AB71-4AB92D8B7E0F}"/>
                       </a:ext>
                     </a:extLst>
                   </p:cNvPr>
@@ -24345,7 +26416,7 @@
                   <p:cNvPr id="151" name="Elipse 150">
                     <a:extLst>
                       <a:ext uri="{FF2B5EF4-FFF2-40B4-BE49-F238E27FC236}">
-                        <a16:creationId xmlns="" xmlns:a16="http://schemas.microsoft.com/office/drawing/2014/main" id="{CD007A64-98F5-472A-A9A8-FC55BF47D397}"/>
+                        <a16:creationId xmlns:a16="http://schemas.microsoft.com/office/drawing/2014/main" xmlns="" id="{CD007A64-98F5-472A-A9A8-FC55BF47D397}"/>
                       </a:ext>
                     </a:extLst>
                   </p:cNvPr>
@@ -24397,7 +26468,7 @@
                   <p:cNvPr id="152" name="Retângulo: Cantos Arredondados 21">
                     <a:extLst>
                       <a:ext uri="{FF2B5EF4-FFF2-40B4-BE49-F238E27FC236}">
-                        <a16:creationId xmlns="" xmlns:a16="http://schemas.microsoft.com/office/drawing/2014/main" id="{0F4A0C35-7D8A-450F-AE58-EFB1D41591F7}"/>
+                        <a16:creationId xmlns:a16="http://schemas.microsoft.com/office/drawing/2014/main" xmlns="" id="{0F4A0C35-7D8A-450F-AE58-EFB1D41591F7}"/>
                       </a:ext>
                     </a:extLst>
                   </p:cNvPr>
@@ -24451,7 +26522,7 @@
                   <p:cNvPr id="153" name="Retângulo: Cantos Arredondados 22">
                     <a:extLst>
                       <a:ext uri="{FF2B5EF4-FFF2-40B4-BE49-F238E27FC236}">
-                        <a16:creationId xmlns="" xmlns:a16="http://schemas.microsoft.com/office/drawing/2014/main" id="{043FE423-D875-4CF1-AF41-8EE20263B7AE}"/>
+                        <a16:creationId xmlns:a16="http://schemas.microsoft.com/office/drawing/2014/main" xmlns="" id="{043FE423-D875-4CF1-AF41-8EE20263B7AE}"/>
                       </a:ext>
                     </a:extLst>
                   </p:cNvPr>
@@ -24505,7 +26576,7 @@
                   <p:cNvPr id="154" name="Retângulo: Cantos Arredondados 23">
                     <a:extLst>
                       <a:ext uri="{FF2B5EF4-FFF2-40B4-BE49-F238E27FC236}">
-                        <a16:creationId xmlns="" xmlns:a16="http://schemas.microsoft.com/office/drawing/2014/main" id="{6E9CBFB4-7697-48F2-9A63-3EE8BA073F75}"/>
+                        <a16:creationId xmlns:a16="http://schemas.microsoft.com/office/drawing/2014/main" xmlns="" id="{6E9CBFB4-7697-48F2-9A63-3EE8BA073F75}"/>
                       </a:ext>
                     </a:extLst>
                   </p:cNvPr>
@@ -24560,7 +26631,7 @@
                 <p:cNvPr id="148" name="Forma Livre: Forma 24">
                   <a:extLst>
                     <a:ext uri="{FF2B5EF4-FFF2-40B4-BE49-F238E27FC236}">
-                      <a16:creationId xmlns="" xmlns:a16="http://schemas.microsoft.com/office/drawing/2014/main" id="{312A957E-B066-474F-AE48-2EA31E221E28}"/>
+                      <a16:creationId xmlns:a16="http://schemas.microsoft.com/office/drawing/2014/main" xmlns="" id="{312A957E-B066-474F-AE48-2EA31E221E28}"/>
                     </a:ext>
                   </a:extLst>
                 </p:cNvPr>
@@ -24722,7 +26793,7 @@
           <p:cNvPr id="194" name="Grupo 6">
             <a:extLst>
               <a:ext uri="{FF2B5EF4-FFF2-40B4-BE49-F238E27FC236}">
-                <a16:creationId xmlns="" xmlns:a16="http://schemas.microsoft.com/office/drawing/2014/main" id="{2742B7A7-ACC5-4483-A442-F0ED66D10D58}"/>
+                <a16:creationId xmlns:a16="http://schemas.microsoft.com/office/drawing/2014/main" xmlns="" id="{2742B7A7-ACC5-4483-A442-F0ED66D10D58}"/>
               </a:ext>
             </a:extLst>
           </p:cNvPr>
@@ -24742,7 +26813,7 @@
             <p:cNvPr id="195" name="Retângulo de cantos arredondados 1">
               <a:extLst>
                 <a:ext uri="{FF2B5EF4-FFF2-40B4-BE49-F238E27FC236}">
-                  <a16:creationId xmlns="" xmlns:a16="http://schemas.microsoft.com/office/drawing/2014/main" id="{9EA43C1A-C868-4051-845D-2634D578EBAB}"/>
+                  <a16:creationId xmlns:a16="http://schemas.microsoft.com/office/drawing/2014/main" xmlns="" id="{9EA43C1A-C868-4051-845D-2634D578EBAB}"/>
                 </a:ext>
               </a:extLst>
             </p:cNvPr>
@@ -24794,7 +26865,7 @@
             <p:cNvPr id="196" name="Grupo 2">
               <a:extLst>
                 <a:ext uri="{FF2B5EF4-FFF2-40B4-BE49-F238E27FC236}">
-                  <a16:creationId xmlns="" xmlns:a16="http://schemas.microsoft.com/office/drawing/2014/main" id="{978B6BF9-6790-4800-B50E-AB095103EFD8}"/>
+                  <a16:creationId xmlns:a16="http://schemas.microsoft.com/office/drawing/2014/main" xmlns="" id="{978B6BF9-6790-4800-B50E-AB095103EFD8}"/>
                 </a:ext>
               </a:extLst>
             </p:cNvPr>
@@ -24814,7 +26885,7 @@
               <p:cNvPr id="197" name="Grupo 50">
                 <a:extLst>
                   <a:ext uri="{FF2B5EF4-FFF2-40B4-BE49-F238E27FC236}">
-                    <a16:creationId xmlns="" xmlns:a16="http://schemas.microsoft.com/office/drawing/2014/main" id="{FCFC678E-95CD-460E-B46F-A20A41BCCE8C}"/>
+                    <a16:creationId xmlns:a16="http://schemas.microsoft.com/office/drawing/2014/main" xmlns="" id="{FCFC678E-95CD-460E-B46F-A20A41BCCE8C}"/>
                   </a:ext>
                 </a:extLst>
               </p:cNvPr>
@@ -24834,7 +26905,7 @@
                 <p:cNvPr id="224" name="Retângulo 223">
                   <a:extLst>
                     <a:ext uri="{FF2B5EF4-FFF2-40B4-BE49-F238E27FC236}">
-                      <a16:creationId xmlns="" xmlns:a16="http://schemas.microsoft.com/office/drawing/2014/main" id="{7E7B446A-CA7C-410A-A776-E2FC6487E12A}"/>
+                      <a16:creationId xmlns:a16="http://schemas.microsoft.com/office/drawing/2014/main" xmlns="" id="{7E7B446A-CA7C-410A-A776-E2FC6487E12A}"/>
                     </a:ext>
                   </a:extLst>
                 </p:cNvPr>
@@ -24886,7 +26957,7 @@
                 <p:cNvPr id="225" name="Forma Livre: Forma 46">
                   <a:extLst>
                     <a:ext uri="{FF2B5EF4-FFF2-40B4-BE49-F238E27FC236}">
-                      <a16:creationId xmlns="" xmlns:a16="http://schemas.microsoft.com/office/drawing/2014/main" id="{D831F71C-063E-4470-8B79-9841AD33A8F4}"/>
+                      <a16:creationId xmlns:a16="http://schemas.microsoft.com/office/drawing/2014/main" xmlns="" id="{D831F71C-063E-4470-8B79-9841AD33A8F4}"/>
                     </a:ext>
                   </a:extLst>
                 </p:cNvPr>
@@ -25053,7 +27124,7 @@
                 <p:cNvPr id="226" name="Forma Livre: Forma 56">
                   <a:extLst>
                     <a:ext uri="{FF2B5EF4-FFF2-40B4-BE49-F238E27FC236}">
-                      <a16:creationId xmlns="" xmlns:a16="http://schemas.microsoft.com/office/drawing/2014/main" id="{22D0D129-574F-4197-BFDC-AAA28747D2EF}"/>
+                      <a16:creationId xmlns:a16="http://schemas.microsoft.com/office/drawing/2014/main" xmlns="" id="{22D0D129-574F-4197-BFDC-AAA28747D2EF}"/>
                     </a:ext>
                   </a:extLst>
                 </p:cNvPr>
@@ -25205,7 +27276,7 @@
                 <p:cNvPr id="227" name="Forma Livre: Forma 109">
                   <a:extLst>
                     <a:ext uri="{FF2B5EF4-FFF2-40B4-BE49-F238E27FC236}">
-                      <a16:creationId xmlns="" xmlns:a16="http://schemas.microsoft.com/office/drawing/2014/main" id="{879E1EC2-F951-4AEA-B991-A8DE82C5BA3E}"/>
+                      <a16:creationId xmlns:a16="http://schemas.microsoft.com/office/drawing/2014/main" xmlns="" id="{879E1EC2-F951-4AEA-B991-A8DE82C5BA3E}"/>
                     </a:ext>
                   </a:extLst>
                 </p:cNvPr>
@@ -25503,7 +27574,7 @@
                 <p:cNvPr id="228" name="Agrupar 110">
                   <a:extLst>
                     <a:ext uri="{FF2B5EF4-FFF2-40B4-BE49-F238E27FC236}">
-                      <a16:creationId xmlns="" xmlns:a16="http://schemas.microsoft.com/office/drawing/2014/main" id="{63AD9C47-DE64-44A4-A18F-2058724D8EF8}"/>
+                      <a16:creationId xmlns:a16="http://schemas.microsoft.com/office/drawing/2014/main" xmlns="" id="{63AD9C47-DE64-44A4-A18F-2058724D8EF8}"/>
                     </a:ext>
                   </a:extLst>
                 </p:cNvPr>
@@ -25526,7 +27597,7 @@
                   <p:cNvPr id="229" name="Cruz 228">
                     <a:extLst>
                       <a:ext uri="{FF2B5EF4-FFF2-40B4-BE49-F238E27FC236}">
-                        <a16:creationId xmlns="" xmlns:a16="http://schemas.microsoft.com/office/drawing/2014/main" id="{F5D58BC0-D941-4922-A87B-7C41A6DD8CA5}"/>
+                        <a16:creationId xmlns:a16="http://schemas.microsoft.com/office/drawing/2014/main" xmlns="" id="{F5D58BC0-D941-4922-A87B-7C41A6DD8CA5}"/>
                       </a:ext>
                     </a:extLst>
                   </p:cNvPr>
@@ -25578,7 +27649,7 @@
                   <p:cNvPr id="230" name="Cruz 229">
                     <a:extLst>
                       <a:ext uri="{FF2B5EF4-FFF2-40B4-BE49-F238E27FC236}">
-                        <a16:creationId xmlns="" xmlns:a16="http://schemas.microsoft.com/office/drawing/2014/main" id="{67337E81-C180-4296-ACF8-1048FEF334DA}"/>
+                        <a16:creationId xmlns:a16="http://schemas.microsoft.com/office/drawing/2014/main" xmlns="" id="{67337E81-C180-4296-ACF8-1048FEF334DA}"/>
                       </a:ext>
                     </a:extLst>
                   </p:cNvPr>
@@ -25630,7 +27701,7 @@
                   <p:cNvPr id="231" name="Cruz 230">
                     <a:extLst>
                       <a:ext uri="{FF2B5EF4-FFF2-40B4-BE49-F238E27FC236}">
-                        <a16:creationId xmlns="" xmlns:a16="http://schemas.microsoft.com/office/drawing/2014/main" id="{BCEE3B91-F9B0-4977-9B95-9CDF6931131E}"/>
+                        <a16:creationId xmlns:a16="http://schemas.microsoft.com/office/drawing/2014/main" xmlns="" id="{BCEE3B91-F9B0-4977-9B95-9CDF6931131E}"/>
                       </a:ext>
                     </a:extLst>
                   </p:cNvPr>
@@ -25682,7 +27753,7 @@
                   <p:cNvPr id="232" name="Grupo 19">
                     <a:extLst>
                       <a:ext uri="{FF2B5EF4-FFF2-40B4-BE49-F238E27FC236}">
-                        <a16:creationId xmlns="" xmlns:a16="http://schemas.microsoft.com/office/drawing/2014/main" id="{28560833-C8D0-4935-BABB-25F234A75D1D}"/>
+                        <a16:creationId xmlns:a16="http://schemas.microsoft.com/office/drawing/2014/main" xmlns="" id="{28560833-C8D0-4935-BABB-25F234A75D1D}"/>
                       </a:ext>
                     </a:extLst>
                   </p:cNvPr>
@@ -25703,7 +27774,7 @@
                     <p:cNvPr id="233" name="Cruz 232">
                       <a:extLst>
                         <a:ext uri="{FF2B5EF4-FFF2-40B4-BE49-F238E27FC236}">
-                          <a16:creationId xmlns="" xmlns:a16="http://schemas.microsoft.com/office/drawing/2014/main" id="{CDC47273-C1F8-42E6-9B72-42DB19F9EC5E}"/>
+                          <a16:creationId xmlns:a16="http://schemas.microsoft.com/office/drawing/2014/main" xmlns="" id="{CDC47273-C1F8-42E6-9B72-42DB19F9EC5E}"/>
                         </a:ext>
                       </a:extLst>
                     </p:cNvPr>
@@ -25755,7 +27826,7 @@
                     <p:cNvPr id="234" name="Cruz 233">
                       <a:extLst>
                         <a:ext uri="{FF2B5EF4-FFF2-40B4-BE49-F238E27FC236}">
-                          <a16:creationId xmlns="" xmlns:a16="http://schemas.microsoft.com/office/drawing/2014/main" id="{26A04287-A22F-4E82-9857-57143FC38271}"/>
+                          <a16:creationId xmlns:a16="http://schemas.microsoft.com/office/drawing/2014/main" xmlns="" id="{26A04287-A22F-4E82-9857-57143FC38271}"/>
                         </a:ext>
                       </a:extLst>
                     </p:cNvPr>
@@ -25810,7 +27881,7 @@
               <p:cNvPr id="198" name="Grupo 63">
                 <a:extLst>
                   <a:ext uri="{FF2B5EF4-FFF2-40B4-BE49-F238E27FC236}">
-                    <a16:creationId xmlns="" xmlns:a16="http://schemas.microsoft.com/office/drawing/2014/main" id="{4ABA274E-B2CB-4559-8893-50283604EB4A}"/>
+                    <a16:creationId xmlns:a16="http://schemas.microsoft.com/office/drawing/2014/main" xmlns="" id="{4ABA274E-B2CB-4559-8893-50283604EB4A}"/>
                   </a:ext>
                 </a:extLst>
               </p:cNvPr>
@@ -25830,7 +27901,7 @@
                 <p:cNvPr id="222" name="Retângulo 221">
                   <a:extLst>
                     <a:ext uri="{FF2B5EF4-FFF2-40B4-BE49-F238E27FC236}">
-                      <a16:creationId xmlns="" xmlns:a16="http://schemas.microsoft.com/office/drawing/2014/main" id="{2FC8D8ED-F077-41AC-B80C-1B43A497D32D}"/>
+                      <a16:creationId xmlns:a16="http://schemas.microsoft.com/office/drawing/2014/main" xmlns="" id="{2FC8D8ED-F077-41AC-B80C-1B43A497D32D}"/>
                     </a:ext>
                   </a:extLst>
                 </p:cNvPr>
@@ -25882,7 +27953,7 @@
                 <p:cNvPr id="223" name="Triângulo Retângulo 149">
                   <a:extLst>
                     <a:ext uri="{FF2B5EF4-FFF2-40B4-BE49-F238E27FC236}">
-                      <a16:creationId xmlns="" xmlns:a16="http://schemas.microsoft.com/office/drawing/2014/main" id="{FFA104F8-A82E-4294-B127-E7B78BA8AA15}"/>
+                      <a16:creationId xmlns:a16="http://schemas.microsoft.com/office/drawing/2014/main" xmlns="" id="{FFA104F8-A82E-4294-B127-E7B78BA8AA15}"/>
                     </a:ext>
                   </a:extLst>
                 </p:cNvPr>
@@ -25935,7 +28006,7 @@
               <p:cNvPr id="199" name="Agrupar 25">
                 <a:extLst>
                   <a:ext uri="{FF2B5EF4-FFF2-40B4-BE49-F238E27FC236}">
-                    <a16:creationId xmlns="" xmlns:a16="http://schemas.microsoft.com/office/drawing/2014/main" id="{A24E9757-5400-47A0-B59E-B455DB9FE85A}"/>
+                    <a16:creationId xmlns:a16="http://schemas.microsoft.com/office/drawing/2014/main" xmlns="" id="{A24E9757-5400-47A0-B59E-B455DB9FE85A}"/>
                   </a:ext>
                 </a:extLst>
               </p:cNvPr>
@@ -25955,7 +28026,7 @@
                 <p:cNvPr id="200" name="Agrupar 3">
                   <a:extLst>
                     <a:ext uri="{FF2B5EF4-FFF2-40B4-BE49-F238E27FC236}">
-                      <a16:creationId xmlns="" xmlns:a16="http://schemas.microsoft.com/office/drawing/2014/main" id="{05843A19-C129-4466-942B-7E312EF96EFC}"/>
+                      <a16:creationId xmlns:a16="http://schemas.microsoft.com/office/drawing/2014/main" xmlns="" id="{05843A19-C129-4466-942B-7E312EF96EFC}"/>
                     </a:ext>
                   </a:extLst>
                 </p:cNvPr>
@@ -25975,7 +28046,7 @@
                   <p:cNvPr id="215" name="Retângulo: Cantos Arredondados 4">
                     <a:extLst>
                       <a:ext uri="{FF2B5EF4-FFF2-40B4-BE49-F238E27FC236}">
-                        <a16:creationId xmlns="" xmlns:a16="http://schemas.microsoft.com/office/drawing/2014/main" id="{06F8152A-391D-4E8B-B61D-A7F65A301D20}"/>
+                        <a16:creationId xmlns:a16="http://schemas.microsoft.com/office/drawing/2014/main" xmlns="" id="{06F8152A-391D-4E8B-B61D-A7F65A301D20}"/>
                       </a:ext>
                     </a:extLst>
                   </p:cNvPr>
@@ -26026,7 +28097,7 @@
                   <p:cNvPr id="216" name="Retângulo: Cantos Arredondados 5">
                     <a:extLst>
                       <a:ext uri="{FF2B5EF4-FFF2-40B4-BE49-F238E27FC236}">
-                        <a16:creationId xmlns="" xmlns:a16="http://schemas.microsoft.com/office/drawing/2014/main" id="{7C0AAF1A-1A07-4E1A-9643-DBEA6CEBAAAC}"/>
+                        <a16:creationId xmlns:a16="http://schemas.microsoft.com/office/drawing/2014/main" xmlns="" id="{7C0AAF1A-1A07-4E1A-9643-DBEA6CEBAAAC}"/>
                       </a:ext>
                     </a:extLst>
                   </p:cNvPr>
@@ -26080,7 +28151,7 @@
                   <p:cNvPr id="217" name="Retângulo: Cantos Arredondados 6">
                     <a:extLst>
                       <a:ext uri="{FF2B5EF4-FFF2-40B4-BE49-F238E27FC236}">
-                        <a16:creationId xmlns="" xmlns:a16="http://schemas.microsoft.com/office/drawing/2014/main" id="{72281106-DB8C-4878-9AB7-4CEC65BD95C7}"/>
+                        <a16:creationId xmlns:a16="http://schemas.microsoft.com/office/drawing/2014/main" xmlns="" id="{72281106-DB8C-4878-9AB7-4CEC65BD95C7}"/>
                       </a:ext>
                     </a:extLst>
                   </p:cNvPr>
@@ -26134,7 +28205,7 @@
                   <p:cNvPr id="218" name="Forma Livre: Forma 7">
                     <a:extLst>
                       <a:ext uri="{FF2B5EF4-FFF2-40B4-BE49-F238E27FC236}">
-                        <a16:creationId xmlns="" xmlns:a16="http://schemas.microsoft.com/office/drawing/2014/main" id="{C6AEB392-1A03-454A-AB07-7A292B964CC9}"/>
+                        <a16:creationId xmlns:a16="http://schemas.microsoft.com/office/drawing/2014/main" xmlns="" id="{C6AEB392-1A03-454A-AB07-7A292B964CC9}"/>
                       </a:ext>
                     </a:extLst>
                   </p:cNvPr>
@@ -26265,7 +28336,7 @@
                   <p:cNvPr id="219" name="Retângulo 218">
                     <a:extLst>
                       <a:ext uri="{FF2B5EF4-FFF2-40B4-BE49-F238E27FC236}">
-                        <a16:creationId xmlns="" xmlns:a16="http://schemas.microsoft.com/office/drawing/2014/main" id="{6194C98F-9F23-427A-BFF3-C37CB0FF1E2D}"/>
+                        <a16:creationId xmlns:a16="http://schemas.microsoft.com/office/drawing/2014/main" xmlns="" id="{6194C98F-9F23-427A-BFF3-C37CB0FF1E2D}"/>
                       </a:ext>
                     </a:extLst>
                   </p:cNvPr>
@@ -26317,7 +28388,7 @@
                   <p:cNvPr id="220" name="Retângulo: Cantos Arredondados 9">
                     <a:extLst>
                       <a:ext uri="{FF2B5EF4-FFF2-40B4-BE49-F238E27FC236}">
-                        <a16:creationId xmlns="" xmlns:a16="http://schemas.microsoft.com/office/drawing/2014/main" id="{D6EE0EA2-06ED-46D6-9A41-CDF4C431DDA6}"/>
+                        <a16:creationId xmlns:a16="http://schemas.microsoft.com/office/drawing/2014/main" xmlns="" id="{D6EE0EA2-06ED-46D6-9A41-CDF4C431DDA6}"/>
                       </a:ext>
                     </a:extLst>
                   </p:cNvPr>
@@ -26371,7 +28442,7 @@
                   <p:cNvPr id="221" name="Retângulo: Cantos Arredondados 10">
                     <a:extLst>
                       <a:ext uri="{FF2B5EF4-FFF2-40B4-BE49-F238E27FC236}">
-                        <a16:creationId xmlns="" xmlns:a16="http://schemas.microsoft.com/office/drawing/2014/main" id="{9345512C-9C34-4417-8C8A-282AAC45E8F7}"/>
+                        <a16:creationId xmlns:a16="http://schemas.microsoft.com/office/drawing/2014/main" xmlns="" id="{9345512C-9C34-4417-8C8A-282AAC45E8F7}"/>
                       </a:ext>
                     </a:extLst>
                   </p:cNvPr>
@@ -26426,7 +28497,7 @@
                 <p:cNvPr id="201" name="Agrupar 11">
                   <a:extLst>
                     <a:ext uri="{FF2B5EF4-FFF2-40B4-BE49-F238E27FC236}">
-                      <a16:creationId xmlns="" xmlns:a16="http://schemas.microsoft.com/office/drawing/2014/main" id="{E181F1AF-F0AA-4DF3-AB25-A226F9C10F41}"/>
+                      <a16:creationId xmlns:a16="http://schemas.microsoft.com/office/drawing/2014/main" xmlns="" id="{E181F1AF-F0AA-4DF3-AB25-A226F9C10F41}"/>
                     </a:ext>
                   </a:extLst>
                 </p:cNvPr>
@@ -26446,7 +28517,7 @@
                   <p:cNvPr id="213" name="Retângulo: Cantos Arredondados 12">
                     <a:extLst>
                       <a:ext uri="{FF2B5EF4-FFF2-40B4-BE49-F238E27FC236}">
-                        <a16:creationId xmlns="" xmlns:a16="http://schemas.microsoft.com/office/drawing/2014/main" id="{A944DF34-D79F-4FB3-A71B-73A9A48387C5}"/>
+                        <a16:creationId xmlns:a16="http://schemas.microsoft.com/office/drawing/2014/main" xmlns="" id="{A944DF34-D79F-4FB3-A71B-73A9A48387C5}"/>
                       </a:ext>
                     </a:extLst>
                   </p:cNvPr>
@@ -26500,7 +28571,7 @@
                   <p:cNvPr id="214" name="Retângulo: Cantos Arredondados 13">
                     <a:extLst>
                       <a:ext uri="{FF2B5EF4-FFF2-40B4-BE49-F238E27FC236}">
-                        <a16:creationId xmlns="" xmlns:a16="http://schemas.microsoft.com/office/drawing/2014/main" id="{39D1A281-FB39-4AB2-B7F9-AE9FAA74E7B8}"/>
+                        <a16:creationId xmlns:a16="http://schemas.microsoft.com/office/drawing/2014/main" xmlns="" id="{39D1A281-FB39-4AB2-B7F9-AE9FAA74E7B8}"/>
                       </a:ext>
                     </a:extLst>
                   </p:cNvPr>
@@ -26555,7 +28626,7 @@
                 <p:cNvPr id="202" name="Agrupar 14">
                   <a:extLst>
                     <a:ext uri="{FF2B5EF4-FFF2-40B4-BE49-F238E27FC236}">
-                      <a16:creationId xmlns="" xmlns:a16="http://schemas.microsoft.com/office/drawing/2014/main" id="{3F94D053-BEEC-4E64-851E-6B3EBE51BFB5}"/>
+                      <a16:creationId xmlns:a16="http://schemas.microsoft.com/office/drawing/2014/main" xmlns="" id="{3F94D053-BEEC-4E64-851E-6B3EBE51BFB5}"/>
                     </a:ext>
                   </a:extLst>
                 </p:cNvPr>
@@ -26575,7 +28646,7 @@
                   <p:cNvPr id="211" name="Retângulo: Cantos Arredondados 15">
                     <a:extLst>
                       <a:ext uri="{FF2B5EF4-FFF2-40B4-BE49-F238E27FC236}">
-                        <a16:creationId xmlns="" xmlns:a16="http://schemas.microsoft.com/office/drawing/2014/main" id="{A05B97D7-B500-49D7-9E7C-9F6AF38ADE9D}"/>
+                        <a16:creationId xmlns:a16="http://schemas.microsoft.com/office/drawing/2014/main" xmlns="" id="{A05B97D7-B500-49D7-9E7C-9F6AF38ADE9D}"/>
                       </a:ext>
                     </a:extLst>
                   </p:cNvPr>
@@ -26629,7 +28700,7 @@
                   <p:cNvPr id="212" name="Retângulo: Cantos Arredondados 16">
                     <a:extLst>
                       <a:ext uri="{FF2B5EF4-FFF2-40B4-BE49-F238E27FC236}">
-                        <a16:creationId xmlns="" xmlns:a16="http://schemas.microsoft.com/office/drawing/2014/main" id="{A667A6AA-368E-4B22-8FCE-15F506FA8322}"/>
+                        <a16:creationId xmlns:a16="http://schemas.microsoft.com/office/drawing/2014/main" xmlns="" id="{A667A6AA-368E-4B22-8FCE-15F506FA8322}"/>
                       </a:ext>
                     </a:extLst>
                   </p:cNvPr>
@@ -26684,7 +28755,7 @@
                 <p:cNvPr id="203" name="Agrupar 17">
                   <a:extLst>
                     <a:ext uri="{FF2B5EF4-FFF2-40B4-BE49-F238E27FC236}">
-                      <a16:creationId xmlns="" xmlns:a16="http://schemas.microsoft.com/office/drawing/2014/main" id="{A669400B-DD71-42FB-BB23-4077B36466E8}"/>
+                      <a16:creationId xmlns:a16="http://schemas.microsoft.com/office/drawing/2014/main" xmlns="" id="{A669400B-DD71-42FB-BB23-4077B36466E8}"/>
                     </a:ext>
                   </a:extLst>
                 </p:cNvPr>
@@ -26704,7 +28775,7 @@
                   <p:cNvPr id="205" name="Forma Livre: Forma 18">
                     <a:extLst>
                       <a:ext uri="{FF2B5EF4-FFF2-40B4-BE49-F238E27FC236}">
-                        <a16:creationId xmlns="" xmlns:a16="http://schemas.microsoft.com/office/drawing/2014/main" id="{9238453F-1997-4999-BE09-E1A30513CBF9}"/>
+                        <a16:creationId xmlns:a16="http://schemas.microsoft.com/office/drawing/2014/main" xmlns="" id="{9238453F-1997-4999-BE09-E1A30513CBF9}"/>
                       </a:ext>
                     </a:extLst>
                   </p:cNvPr>
@@ -26839,7 +28910,7 @@
                   <p:cNvPr id="206" name="Forma Livre: Forma 19">
                     <a:extLst>
                       <a:ext uri="{FF2B5EF4-FFF2-40B4-BE49-F238E27FC236}">
-                        <a16:creationId xmlns="" xmlns:a16="http://schemas.microsoft.com/office/drawing/2014/main" id="{F4CEA07E-D969-47FD-BD39-5882972463DD}"/>
+                        <a16:creationId xmlns:a16="http://schemas.microsoft.com/office/drawing/2014/main" xmlns="" id="{F4CEA07E-D969-47FD-BD39-5882972463DD}"/>
                       </a:ext>
                     </a:extLst>
                   </p:cNvPr>
@@ -26974,7 +29045,7 @@
                   <p:cNvPr id="207" name="Elipse 206">
                     <a:extLst>
                       <a:ext uri="{FF2B5EF4-FFF2-40B4-BE49-F238E27FC236}">
-                        <a16:creationId xmlns="" xmlns:a16="http://schemas.microsoft.com/office/drawing/2014/main" id="{28691313-FAC7-42AA-B298-77C2DD654F9E}"/>
+                        <a16:creationId xmlns:a16="http://schemas.microsoft.com/office/drawing/2014/main" xmlns="" id="{28691313-FAC7-42AA-B298-77C2DD654F9E}"/>
                       </a:ext>
                     </a:extLst>
                   </p:cNvPr>
@@ -27026,7 +29097,7 @@
                   <p:cNvPr id="208" name="Retângulo: Cantos Arredondados 21">
                     <a:extLst>
                       <a:ext uri="{FF2B5EF4-FFF2-40B4-BE49-F238E27FC236}">
-                        <a16:creationId xmlns="" xmlns:a16="http://schemas.microsoft.com/office/drawing/2014/main" id="{CF24770F-DCE2-4CCF-BB79-BBAA33458546}"/>
+                        <a16:creationId xmlns:a16="http://schemas.microsoft.com/office/drawing/2014/main" xmlns="" id="{CF24770F-DCE2-4CCF-BB79-BBAA33458546}"/>
                       </a:ext>
                     </a:extLst>
                   </p:cNvPr>
@@ -27080,7 +29151,7 @@
                   <p:cNvPr id="209" name="Retângulo: Cantos Arredondados 22">
                     <a:extLst>
                       <a:ext uri="{FF2B5EF4-FFF2-40B4-BE49-F238E27FC236}">
-                        <a16:creationId xmlns="" xmlns:a16="http://schemas.microsoft.com/office/drawing/2014/main" id="{6F82D9A8-6B9C-41C7-8B0E-CEDB0D1CFABB}"/>
+                        <a16:creationId xmlns:a16="http://schemas.microsoft.com/office/drawing/2014/main" xmlns="" id="{6F82D9A8-6B9C-41C7-8B0E-CEDB0D1CFABB}"/>
                       </a:ext>
                     </a:extLst>
                   </p:cNvPr>
@@ -27134,7 +29205,7 @@
                   <p:cNvPr id="210" name="Retângulo: Cantos Arredondados 23">
                     <a:extLst>
                       <a:ext uri="{FF2B5EF4-FFF2-40B4-BE49-F238E27FC236}">
-                        <a16:creationId xmlns="" xmlns:a16="http://schemas.microsoft.com/office/drawing/2014/main" id="{88F60055-5E05-4F78-A1E2-380C01574288}"/>
+                        <a16:creationId xmlns:a16="http://schemas.microsoft.com/office/drawing/2014/main" xmlns="" id="{88F60055-5E05-4F78-A1E2-380C01574288}"/>
                       </a:ext>
                     </a:extLst>
                   </p:cNvPr>
@@ -27189,7 +29260,7 @@
                 <p:cNvPr id="204" name="Forma Livre: Forma 24">
                   <a:extLst>
                     <a:ext uri="{FF2B5EF4-FFF2-40B4-BE49-F238E27FC236}">
-                      <a16:creationId xmlns="" xmlns:a16="http://schemas.microsoft.com/office/drawing/2014/main" id="{47F3D332-B68B-40FC-938A-7A72681A2303}"/>
+                      <a16:creationId xmlns:a16="http://schemas.microsoft.com/office/drawing/2014/main" xmlns="" id="{47F3D332-B68B-40FC-938A-7A72681A2303}"/>
                     </a:ext>
                   </a:extLst>
                 </p:cNvPr>
@@ -27351,7 +29422,7 @@
           <p:cNvPr id="4" name="Agrupar 3">
             <a:extLst>
               <a:ext uri="{FF2B5EF4-FFF2-40B4-BE49-F238E27FC236}">
-                <a16:creationId xmlns="" xmlns:a16="http://schemas.microsoft.com/office/drawing/2014/main" id="{D375936F-A45E-489C-9B6C-D809C27AA82D}"/>
+                <a16:creationId xmlns:a16="http://schemas.microsoft.com/office/drawing/2014/main" xmlns="" id="{D375936F-A45E-489C-9B6C-D809C27AA82D}"/>
               </a:ext>
             </a:extLst>
           </p:cNvPr>
@@ -27371,7 +29442,7 @@
             <p:cNvPr id="235" name="Retângulo de cantos arredondados 1">
               <a:extLst>
                 <a:ext uri="{FF2B5EF4-FFF2-40B4-BE49-F238E27FC236}">
-                  <a16:creationId xmlns="" xmlns:a16="http://schemas.microsoft.com/office/drawing/2014/main" id="{59FC61EC-27B7-4C23-A945-70E4EFDA5A28}"/>
+                  <a16:creationId xmlns:a16="http://schemas.microsoft.com/office/drawing/2014/main" xmlns="" id="{59FC61EC-27B7-4C23-A945-70E4EFDA5A28}"/>
                 </a:ext>
               </a:extLst>
             </p:cNvPr>
@@ -27423,7 +29494,7 @@
             <p:cNvPr id="179" name="Agrupar 178">
               <a:extLst>
                 <a:ext uri="{FF2B5EF4-FFF2-40B4-BE49-F238E27FC236}">
-                  <a16:creationId xmlns="" xmlns:a16="http://schemas.microsoft.com/office/drawing/2014/main" id="{6F3CFAD0-4996-4D03-A80A-26D62E6DCDBA}"/>
+                  <a16:creationId xmlns:a16="http://schemas.microsoft.com/office/drawing/2014/main" xmlns="" id="{6F3CFAD0-4996-4D03-A80A-26D62E6DCDBA}"/>
                 </a:ext>
               </a:extLst>
             </p:cNvPr>
@@ -27446,7 +29517,7 @@
               <p:cNvPr id="180" name="Agrupar 179">
                 <a:extLst>
                   <a:ext uri="{FF2B5EF4-FFF2-40B4-BE49-F238E27FC236}">
-                    <a16:creationId xmlns="" xmlns:a16="http://schemas.microsoft.com/office/drawing/2014/main" id="{0DABEADC-9A31-4AD9-86FF-F5C5AE76940E}"/>
+                    <a16:creationId xmlns:a16="http://schemas.microsoft.com/office/drawing/2014/main" xmlns="" id="{0DABEADC-9A31-4AD9-86FF-F5C5AE76940E}"/>
                   </a:ext>
                 </a:extLst>
               </p:cNvPr>
@@ -27467,7 +29538,7 @@
                 <p:cNvPr id="182" name="Retângulo 181">
                   <a:extLst>
                     <a:ext uri="{FF2B5EF4-FFF2-40B4-BE49-F238E27FC236}">
-                      <a16:creationId xmlns="" xmlns:a16="http://schemas.microsoft.com/office/drawing/2014/main" id="{72D1CE18-89B0-406E-8903-ACEE7254F7DA}"/>
+                      <a16:creationId xmlns:a16="http://schemas.microsoft.com/office/drawing/2014/main" xmlns="" id="{72D1CE18-89B0-406E-8903-ACEE7254F7DA}"/>
                     </a:ext>
                   </a:extLst>
                 </p:cNvPr>
@@ -27517,7 +29588,7 @@
                 <p:cNvPr id="183" name="Retângulo 182">
                   <a:extLst>
                     <a:ext uri="{FF2B5EF4-FFF2-40B4-BE49-F238E27FC236}">
-                      <a16:creationId xmlns="" xmlns:a16="http://schemas.microsoft.com/office/drawing/2014/main" id="{CF797B76-36ED-4226-A028-EB1ABE54C0CE}"/>
+                      <a16:creationId xmlns:a16="http://schemas.microsoft.com/office/drawing/2014/main" xmlns="" id="{CF797B76-36ED-4226-A028-EB1ABE54C0CE}"/>
                     </a:ext>
                   </a:extLst>
                 </p:cNvPr>
@@ -27567,7 +29638,7 @@
                 <p:cNvPr id="184" name="Forma Livre: Forma 183">
                   <a:extLst>
                     <a:ext uri="{FF2B5EF4-FFF2-40B4-BE49-F238E27FC236}">
-                      <a16:creationId xmlns="" xmlns:a16="http://schemas.microsoft.com/office/drawing/2014/main" id="{F0EFD9E3-0E9A-4C17-8AFA-090F86F348F3}"/>
+                      <a16:creationId xmlns:a16="http://schemas.microsoft.com/office/drawing/2014/main" xmlns="" id="{F0EFD9E3-0E9A-4C17-8AFA-090F86F348F3}"/>
                     </a:ext>
                   </a:extLst>
                 </p:cNvPr>
@@ -27732,7 +29803,7 @@
                 <p:cNvPr id="185" name="Forma Livre: Forma 184">
                   <a:extLst>
                     <a:ext uri="{FF2B5EF4-FFF2-40B4-BE49-F238E27FC236}">
-                      <a16:creationId xmlns="" xmlns:a16="http://schemas.microsoft.com/office/drawing/2014/main" id="{27D20AAB-FF58-45C9-855E-D6F1793A290B}"/>
+                      <a16:creationId xmlns:a16="http://schemas.microsoft.com/office/drawing/2014/main" xmlns="" id="{27D20AAB-FF58-45C9-855E-D6F1793A290B}"/>
                     </a:ext>
                   </a:extLst>
                 </p:cNvPr>
@@ -27882,7 +29953,7 @@
                 <p:cNvPr id="186" name="Forma Livre: Forma 185">
                   <a:extLst>
                     <a:ext uri="{FF2B5EF4-FFF2-40B4-BE49-F238E27FC236}">
-                      <a16:creationId xmlns="" xmlns:a16="http://schemas.microsoft.com/office/drawing/2014/main" id="{C18FF702-8D9D-42C4-8FEC-5C75AED3C913}"/>
+                      <a16:creationId xmlns:a16="http://schemas.microsoft.com/office/drawing/2014/main" xmlns="" id="{C18FF702-8D9D-42C4-8FEC-5C75AED3C913}"/>
                     </a:ext>
                   </a:extLst>
                 </p:cNvPr>
@@ -28178,7 +30249,7 @@
                 <p:cNvPr id="187" name="Agrupar 186">
                   <a:extLst>
                     <a:ext uri="{FF2B5EF4-FFF2-40B4-BE49-F238E27FC236}">
-                      <a16:creationId xmlns="" xmlns:a16="http://schemas.microsoft.com/office/drawing/2014/main" id="{719E466B-D4E1-4A04-88B8-1DAD79229EAD}"/>
+                      <a16:creationId xmlns:a16="http://schemas.microsoft.com/office/drawing/2014/main" xmlns="" id="{719E466B-D4E1-4A04-88B8-1DAD79229EAD}"/>
                     </a:ext>
                   </a:extLst>
                 </p:cNvPr>
@@ -28199,7 +30270,7 @@
                   <p:cNvPr id="188" name="Cruz 187">
                     <a:extLst>
                       <a:ext uri="{FF2B5EF4-FFF2-40B4-BE49-F238E27FC236}">
-                        <a16:creationId xmlns="" xmlns:a16="http://schemas.microsoft.com/office/drawing/2014/main" id="{43B6353C-8068-4088-8359-BD4A79D5740F}"/>
+                        <a16:creationId xmlns:a16="http://schemas.microsoft.com/office/drawing/2014/main" xmlns="" id="{43B6353C-8068-4088-8359-BD4A79D5740F}"/>
                       </a:ext>
                     </a:extLst>
                   </p:cNvPr>
@@ -28251,7 +30322,7 @@
                   <p:cNvPr id="189" name="Cruz 188">
                     <a:extLst>
                       <a:ext uri="{FF2B5EF4-FFF2-40B4-BE49-F238E27FC236}">
-                        <a16:creationId xmlns="" xmlns:a16="http://schemas.microsoft.com/office/drawing/2014/main" id="{E3AEB842-D922-43E9-BF04-8A9B6F1BA204}"/>
+                        <a16:creationId xmlns:a16="http://schemas.microsoft.com/office/drawing/2014/main" xmlns="" id="{E3AEB842-D922-43E9-BF04-8A9B6F1BA204}"/>
                       </a:ext>
                     </a:extLst>
                   </p:cNvPr>
@@ -28303,7 +30374,7 @@
                   <p:cNvPr id="190" name="Cruz 189">
                     <a:extLst>
                       <a:ext uri="{FF2B5EF4-FFF2-40B4-BE49-F238E27FC236}">
-                        <a16:creationId xmlns="" xmlns:a16="http://schemas.microsoft.com/office/drawing/2014/main" id="{C1AF8951-E1D7-4677-ABFD-1CDCC1B262D4}"/>
+                        <a16:creationId xmlns:a16="http://schemas.microsoft.com/office/drawing/2014/main" xmlns="" id="{C1AF8951-E1D7-4677-ABFD-1CDCC1B262D4}"/>
                       </a:ext>
                     </a:extLst>
                   </p:cNvPr>
@@ -28355,7 +30426,7 @@
                   <p:cNvPr id="191" name="Grupo 19">
                     <a:extLst>
                       <a:ext uri="{FF2B5EF4-FFF2-40B4-BE49-F238E27FC236}">
-                        <a16:creationId xmlns="" xmlns:a16="http://schemas.microsoft.com/office/drawing/2014/main" id="{A88D7AC9-E980-4A2F-8AEC-1D4025B677B3}"/>
+                        <a16:creationId xmlns:a16="http://schemas.microsoft.com/office/drawing/2014/main" xmlns="" id="{A88D7AC9-E980-4A2F-8AEC-1D4025B677B3}"/>
                       </a:ext>
                     </a:extLst>
                   </p:cNvPr>
@@ -28376,7 +30447,7 @@
                     <p:cNvPr id="192" name="Cruz 191">
                       <a:extLst>
                         <a:ext uri="{FF2B5EF4-FFF2-40B4-BE49-F238E27FC236}">
-                          <a16:creationId xmlns="" xmlns:a16="http://schemas.microsoft.com/office/drawing/2014/main" id="{5B82981F-6B8A-4615-BBD3-77F9CA365CBF}"/>
+                          <a16:creationId xmlns:a16="http://schemas.microsoft.com/office/drawing/2014/main" xmlns="" id="{5B82981F-6B8A-4615-BBD3-77F9CA365CBF}"/>
                         </a:ext>
                       </a:extLst>
                     </p:cNvPr>
@@ -28428,7 +30499,7 @@
                     <p:cNvPr id="193" name="Cruz 192">
                       <a:extLst>
                         <a:ext uri="{FF2B5EF4-FFF2-40B4-BE49-F238E27FC236}">
-                          <a16:creationId xmlns="" xmlns:a16="http://schemas.microsoft.com/office/drawing/2014/main" id="{4D825DB6-948A-4B8F-9A55-93128720BC87}"/>
+                          <a16:creationId xmlns:a16="http://schemas.microsoft.com/office/drawing/2014/main" xmlns="" id="{4D825DB6-948A-4B8F-9A55-93128720BC87}"/>
                         </a:ext>
                       </a:extLst>
                     </p:cNvPr>
@@ -28483,7 +30554,7 @@
               <p:cNvPr id="181" name="Triângulo Retângulo 180">
                 <a:extLst>
                   <a:ext uri="{FF2B5EF4-FFF2-40B4-BE49-F238E27FC236}">
-                    <a16:creationId xmlns="" xmlns:a16="http://schemas.microsoft.com/office/drawing/2014/main" id="{F29D0AC5-0618-458B-AC88-DD0353B134A7}"/>
+                    <a16:creationId xmlns:a16="http://schemas.microsoft.com/office/drawing/2014/main" xmlns="" id="{F29D0AC5-0618-458B-AC88-DD0353B134A7}"/>
                   </a:ext>
                 </a:extLst>
               </p:cNvPr>
@@ -28534,7 +30605,7 @@
             <p:cNvPr id="236" name="Agrupar 25">
               <a:extLst>
                 <a:ext uri="{FF2B5EF4-FFF2-40B4-BE49-F238E27FC236}">
-                  <a16:creationId xmlns="" xmlns:a16="http://schemas.microsoft.com/office/drawing/2014/main" id="{0982C514-3736-44FA-8BD4-8EA11386D6D9}"/>
+                  <a16:creationId xmlns:a16="http://schemas.microsoft.com/office/drawing/2014/main" xmlns="" id="{0982C514-3736-44FA-8BD4-8EA11386D6D9}"/>
                 </a:ext>
               </a:extLst>
             </p:cNvPr>
@@ -28554,7 +30625,7 @@
               <p:cNvPr id="237" name="Agrupar 3">
                 <a:extLst>
                   <a:ext uri="{FF2B5EF4-FFF2-40B4-BE49-F238E27FC236}">
-                    <a16:creationId xmlns="" xmlns:a16="http://schemas.microsoft.com/office/drawing/2014/main" id="{ACEB07BC-D838-4D03-B42B-237643D31B08}"/>
+                    <a16:creationId xmlns:a16="http://schemas.microsoft.com/office/drawing/2014/main" xmlns="" id="{ACEB07BC-D838-4D03-B42B-237643D31B08}"/>
                   </a:ext>
                 </a:extLst>
               </p:cNvPr>
@@ -28574,7 +30645,7 @@
                 <p:cNvPr id="252" name="Retângulo: Cantos Arredondados 4">
                   <a:extLst>
                     <a:ext uri="{FF2B5EF4-FFF2-40B4-BE49-F238E27FC236}">
-                      <a16:creationId xmlns="" xmlns:a16="http://schemas.microsoft.com/office/drawing/2014/main" id="{299274A5-E009-4533-8660-247FEDFEAFCD}"/>
+                      <a16:creationId xmlns:a16="http://schemas.microsoft.com/office/drawing/2014/main" xmlns="" id="{299274A5-E009-4533-8660-247FEDFEAFCD}"/>
                     </a:ext>
                   </a:extLst>
                 </p:cNvPr>
@@ -28625,7 +30696,7 @@
                 <p:cNvPr id="253" name="Retângulo: Cantos Arredondados 5">
                   <a:extLst>
                     <a:ext uri="{FF2B5EF4-FFF2-40B4-BE49-F238E27FC236}">
-                      <a16:creationId xmlns="" xmlns:a16="http://schemas.microsoft.com/office/drawing/2014/main" id="{EBA4F257-87BB-4AC7-9E6A-E242F2B17FCE}"/>
+                      <a16:creationId xmlns:a16="http://schemas.microsoft.com/office/drawing/2014/main" xmlns="" id="{EBA4F257-87BB-4AC7-9E6A-E242F2B17FCE}"/>
                     </a:ext>
                   </a:extLst>
                 </p:cNvPr>
@@ -28679,7 +30750,7 @@
                 <p:cNvPr id="254" name="Retângulo: Cantos Arredondados 6">
                   <a:extLst>
                     <a:ext uri="{FF2B5EF4-FFF2-40B4-BE49-F238E27FC236}">
-                      <a16:creationId xmlns="" xmlns:a16="http://schemas.microsoft.com/office/drawing/2014/main" id="{BFA31868-C509-46BF-AFF4-817D1ABE891A}"/>
+                      <a16:creationId xmlns:a16="http://schemas.microsoft.com/office/drawing/2014/main" xmlns="" id="{BFA31868-C509-46BF-AFF4-817D1ABE891A}"/>
                     </a:ext>
                   </a:extLst>
                 </p:cNvPr>
@@ -28733,7 +30804,7 @@
                 <p:cNvPr id="255" name="Forma Livre: Forma 7">
                   <a:extLst>
                     <a:ext uri="{FF2B5EF4-FFF2-40B4-BE49-F238E27FC236}">
-                      <a16:creationId xmlns="" xmlns:a16="http://schemas.microsoft.com/office/drawing/2014/main" id="{1C110976-6F38-451A-A5B4-C9C5B2CFC2E5}"/>
+                      <a16:creationId xmlns:a16="http://schemas.microsoft.com/office/drawing/2014/main" xmlns="" id="{1C110976-6F38-451A-A5B4-C9C5B2CFC2E5}"/>
                     </a:ext>
                   </a:extLst>
                 </p:cNvPr>
@@ -28864,7 +30935,7 @@
                 <p:cNvPr id="256" name="Retângulo 255">
                   <a:extLst>
                     <a:ext uri="{FF2B5EF4-FFF2-40B4-BE49-F238E27FC236}">
-                      <a16:creationId xmlns="" xmlns:a16="http://schemas.microsoft.com/office/drawing/2014/main" id="{2B8A9CF0-4D1F-439D-86E2-337DC8D1A6CD}"/>
+                      <a16:creationId xmlns:a16="http://schemas.microsoft.com/office/drawing/2014/main" xmlns="" id="{2B8A9CF0-4D1F-439D-86E2-337DC8D1A6CD}"/>
                     </a:ext>
                   </a:extLst>
                 </p:cNvPr>
@@ -28916,7 +30987,7 @@
                 <p:cNvPr id="257" name="Retângulo: Cantos Arredondados 9">
                   <a:extLst>
                     <a:ext uri="{FF2B5EF4-FFF2-40B4-BE49-F238E27FC236}">
-                      <a16:creationId xmlns="" xmlns:a16="http://schemas.microsoft.com/office/drawing/2014/main" id="{5814B72D-72BB-4EBA-96BB-C2AA7D7B5D3C}"/>
+                      <a16:creationId xmlns:a16="http://schemas.microsoft.com/office/drawing/2014/main" xmlns="" id="{5814B72D-72BB-4EBA-96BB-C2AA7D7B5D3C}"/>
                     </a:ext>
                   </a:extLst>
                 </p:cNvPr>
@@ -28970,7 +31041,7 @@
                 <p:cNvPr id="258" name="Retângulo: Cantos Arredondados 10">
                   <a:extLst>
                     <a:ext uri="{FF2B5EF4-FFF2-40B4-BE49-F238E27FC236}">
-                      <a16:creationId xmlns="" xmlns:a16="http://schemas.microsoft.com/office/drawing/2014/main" id="{2A2E7C31-87C7-4D32-A407-A0B6795D6D0A}"/>
+                      <a16:creationId xmlns:a16="http://schemas.microsoft.com/office/drawing/2014/main" xmlns="" id="{2A2E7C31-87C7-4D32-A407-A0B6795D6D0A}"/>
                     </a:ext>
                   </a:extLst>
                 </p:cNvPr>
@@ -29025,7 +31096,7 @@
               <p:cNvPr id="238" name="Agrupar 11">
                 <a:extLst>
                   <a:ext uri="{FF2B5EF4-FFF2-40B4-BE49-F238E27FC236}">
-                    <a16:creationId xmlns="" xmlns:a16="http://schemas.microsoft.com/office/drawing/2014/main" id="{36F33AA7-5CFF-4D5A-9A01-9289DEEBB53E}"/>
+                    <a16:creationId xmlns:a16="http://schemas.microsoft.com/office/drawing/2014/main" xmlns="" id="{36F33AA7-5CFF-4D5A-9A01-9289DEEBB53E}"/>
                   </a:ext>
                 </a:extLst>
               </p:cNvPr>
@@ -29045,7 +31116,7 @@
                 <p:cNvPr id="250" name="Retângulo: Cantos Arredondados 12">
                   <a:extLst>
                     <a:ext uri="{FF2B5EF4-FFF2-40B4-BE49-F238E27FC236}">
-                      <a16:creationId xmlns="" xmlns:a16="http://schemas.microsoft.com/office/drawing/2014/main" id="{434BD7BD-4934-4FE3-8F00-C0B50B423EDD}"/>
+                      <a16:creationId xmlns:a16="http://schemas.microsoft.com/office/drawing/2014/main" xmlns="" id="{434BD7BD-4934-4FE3-8F00-C0B50B423EDD}"/>
                     </a:ext>
                   </a:extLst>
                 </p:cNvPr>
@@ -29099,7 +31170,7 @@
                 <p:cNvPr id="251" name="Retângulo: Cantos Arredondados 13">
                   <a:extLst>
                     <a:ext uri="{FF2B5EF4-FFF2-40B4-BE49-F238E27FC236}">
-                      <a16:creationId xmlns="" xmlns:a16="http://schemas.microsoft.com/office/drawing/2014/main" id="{E734CFCA-504A-410E-ABE1-E1ABB9A5F059}"/>
+                      <a16:creationId xmlns:a16="http://schemas.microsoft.com/office/drawing/2014/main" xmlns="" id="{E734CFCA-504A-410E-ABE1-E1ABB9A5F059}"/>
                     </a:ext>
                   </a:extLst>
                 </p:cNvPr>
@@ -29154,7 +31225,7 @@
               <p:cNvPr id="239" name="Agrupar 14">
                 <a:extLst>
                   <a:ext uri="{FF2B5EF4-FFF2-40B4-BE49-F238E27FC236}">
-                    <a16:creationId xmlns="" xmlns:a16="http://schemas.microsoft.com/office/drawing/2014/main" id="{684A825A-5F70-4A0C-BB9E-0687359CBA7E}"/>
+                    <a16:creationId xmlns:a16="http://schemas.microsoft.com/office/drawing/2014/main" xmlns="" id="{684A825A-5F70-4A0C-BB9E-0687359CBA7E}"/>
                   </a:ext>
                 </a:extLst>
               </p:cNvPr>
@@ -29174,7 +31245,7 @@
                 <p:cNvPr id="248" name="Retângulo: Cantos Arredondados 15">
                   <a:extLst>
                     <a:ext uri="{FF2B5EF4-FFF2-40B4-BE49-F238E27FC236}">
-                      <a16:creationId xmlns="" xmlns:a16="http://schemas.microsoft.com/office/drawing/2014/main" id="{5FD94376-0CD7-41FE-B977-327F88550922}"/>
+                      <a16:creationId xmlns:a16="http://schemas.microsoft.com/office/drawing/2014/main" xmlns="" id="{5FD94376-0CD7-41FE-B977-327F88550922}"/>
                     </a:ext>
                   </a:extLst>
                 </p:cNvPr>
@@ -29228,7 +31299,7 @@
                 <p:cNvPr id="249" name="Retângulo: Cantos Arredondados 16">
                   <a:extLst>
                     <a:ext uri="{FF2B5EF4-FFF2-40B4-BE49-F238E27FC236}">
-                      <a16:creationId xmlns="" xmlns:a16="http://schemas.microsoft.com/office/drawing/2014/main" id="{97D1C1F9-787A-47D4-A643-F66F1869E181}"/>
+                      <a16:creationId xmlns:a16="http://schemas.microsoft.com/office/drawing/2014/main" xmlns="" id="{97D1C1F9-787A-47D4-A643-F66F1869E181}"/>
                     </a:ext>
                   </a:extLst>
                 </p:cNvPr>
@@ -29283,7 +31354,7 @@
               <p:cNvPr id="240" name="Agrupar 17">
                 <a:extLst>
                   <a:ext uri="{FF2B5EF4-FFF2-40B4-BE49-F238E27FC236}">
-                    <a16:creationId xmlns="" xmlns:a16="http://schemas.microsoft.com/office/drawing/2014/main" id="{EDFE7646-CFCE-4BD1-BA03-E0A2FF14565D}"/>
+                    <a16:creationId xmlns:a16="http://schemas.microsoft.com/office/drawing/2014/main" xmlns="" id="{EDFE7646-CFCE-4BD1-BA03-E0A2FF14565D}"/>
                   </a:ext>
                 </a:extLst>
               </p:cNvPr>
@@ -29303,7 +31374,7 @@
                 <p:cNvPr id="242" name="Forma Livre: Forma 18">
                   <a:extLst>
                     <a:ext uri="{FF2B5EF4-FFF2-40B4-BE49-F238E27FC236}">
-                      <a16:creationId xmlns="" xmlns:a16="http://schemas.microsoft.com/office/drawing/2014/main" id="{49038562-5F7A-40E4-B819-A60E974A272D}"/>
+                      <a16:creationId xmlns:a16="http://schemas.microsoft.com/office/drawing/2014/main" xmlns="" id="{49038562-5F7A-40E4-B819-A60E974A272D}"/>
                     </a:ext>
                   </a:extLst>
                 </p:cNvPr>
@@ -29438,7 +31509,7 @@
                 <p:cNvPr id="243" name="Forma Livre: Forma 19">
                   <a:extLst>
                     <a:ext uri="{FF2B5EF4-FFF2-40B4-BE49-F238E27FC236}">
-                      <a16:creationId xmlns="" xmlns:a16="http://schemas.microsoft.com/office/drawing/2014/main" id="{86179193-B553-4AC9-B3D5-A47250F0C5AC}"/>
+                      <a16:creationId xmlns:a16="http://schemas.microsoft.com/office/drawing/2014/main" xmlns="" id="{86179193-B553-4AC9-B3D5-A47250F0C5AC}"/>
                     </a:ext>
                   </a:extLst>
                 </p:cNvPr>
@@ -29573,7 +31644,7 @@
                 <p:cNvPr id="244" name="Elipse 243">
                   <a:extLst>
                     <a:ext uri="{FF2B5EF4-FFF2-40B4-BE49-F238E27FC236}">
-                      <a16:creationId xmlns="" xmlns:a16="http://schemas.microsoft.com/office/drawing/2014/main" id="{BB3D9672-C3A6-491C-B071-9218493A9C75}"/>
+                      <a16:creationId xmlns:a16="http://schemas.microsoft.com/office/drawing/2014/main" xmlns="" id="{BB3D9672-C3A6-491C-B071-9218493A9C75}"/>
                     </a:ext>
                   </a:extLst>
                 </p:cNvPr>
@@ -29625,7 +31696,7 @@
                 <p:cNvPr id="245" name="Retângulo: Cantos Arredondados 21">
                   <a:extLst>
                     <a:ext uri="{FF2B5EF4-FFF2-40B4-BE49-F238E27FC236}">
-                      <a16:creationId xmlns="" xmlns:a16="http://schemas.microsoft.com/office/drawing/2014/main" id="{E36ADEB4-C02B-451D-A82F-59E049574D02}"/>
+                      <a16:creationId xmlns:a16="http://schemas.microsoft.com/office/drawing/2014/main" xmlns="" id="{E36ADEB4-C02B-451D-A82F-59E049574D02}"/>
                     </a:ext>
                   </a:extLst>
                 </p:cNvPr>
@@ -29679,7 +31750,7 @@
                 <p:cNvPr id="246" name="Retângulo: Cantos Arredondados 22">
                   <a:extLst>
                     <a:ext uri="{FF2B5EF4-FFF2-40B4-BE49-F238E27FC236}">
-                      <a16:creationId xmlns="" xmlns:a16="http://schemas.microsoft.com/office/drawing/2014/main" id="{00B2468B-E557-4A6B-9776-872496847B7D}"/>
+                      <a16:creationId xmlns:a16="http://schemas.microsoft.com/office/drawing/2014/main" xmlns="" id="{00B2468B-E557-4A6B-9776-872496847B7D}"/>
                     </a:ext>
                   </a:extLst>
                 </p:cNvPr>
@@ -29733,7 +31804,7 @@
                 <p:cNvPr id="247" name="Retângulo: Cantos Arredondados 23">
                   <a:extLst>
                     <a:ext uri="{FF2B5EF4-FFF2-40B4-BE49-F238E27FC236}">
-                      <a16:creationId xmlns="" xmlns:a16="http://schemas.microsoft.com/office/drawing/2014/main" id="{A8B0237E-3D5C-404F-AFA7-0BE630C69FD9}"/>
+                      <a16:creationId xmlns:a16="http://schemas.microsoft.com/office/drawing/2014/main" xmlns="" id="{A8B0237E-3D5C-404F-AFA7-0BE630C69FD9}"/>
                     </a:ext>
                   </a:extLst>
                 </p:cNvPr>
@@ -29788,7 +31859,7 @@
               <p:cNvPr id="241" name="Forma Livre: Forma 24">
                 <a:extLst>
                   <a:ext uri="{FF2B5EF4-FFF2-40B4-BE49-F238E27FC236}">
-                    <a16:creationId xmlns="" xmlns:a16="http://schemas.microsoft.com/office/drawing/2014/main" id="{59EB2E63-3A48-42A1-81EE-CC62EC6A9BC8}"/>
+                    <a16:creationId xmlns:a16="http://schemas.microsoft.com/office/drawing/2014/main" xmlns="" id="{59EB2E63-3A48-42A1-81EE-CC62EC6A9BC8}"/>
                   </a:ext>
                 </a:extLst>
               </p:cNvPr>
@@ -29979,7 +32050,7 @@
           <p:cNvPr id="11" name="Agrupar 10">
             <a:extLst>
               <a:ext uri="{FF2B5EF4-FFF2-40B4-BE49-F238E27FC236}">
-                <a16:creationId xmlns="" xmlns:a16="http://schemas.microsoft.com/office/drawing/2014/main" id="{3D87001C-7D27-421D-A63F-6D270C90E17A}"/>
+                <a16:creationId xmlns:a16="http://schemas.microsoft.com/office/drawing/2014/main" xmlns="" id="{3D87001C-7D27-421D-A63F-6D270C90E17A}"/>
               </a:ext>
             </a:extLst>
           </p:cNvPr>
@@ -29999,7 +32070,7 @@
             <p:cNvPr id="4" name="Retângulo de cantos arredondados 1">
               <a:extLst>
                 <a:ext uri="{FF2B5EF4-FFF2-40B4-BE49-F238E27FC236}">
-                  <a16:creationId xmlns="" xmlns:a16="http://schemas.microsoft.com/office/drawing/2014/main" id="{01FE36E1-3683-4B1B-9B14-2F6240C5F4DB}"/>
+                  <a16:creationId xmlns:a16="http://schemas.microsoft.com/office/drawing/2014/main" xmlns="" id="{01FE36E1-3683-4B1B-9B14-2F6240C5F4DB}"/>
                 </a:ext>
               </a:extLst>
             </p:cNvPr>
@@ -30064,7 +32135,7 @@
             <p:cNvPr id="5" name="Forma Livre: Forma 109">
               <a:extLst>
                 <a:ext uri="{FF2B5EF4-FFF2-40B4-BE49-F238E27FC236}">
-                  <a16:creationId xmlns="" xmlns:a16="http://schemas.microsoft.com/office/drawing/2014/main" id="{B9465C0E-42EB-49AA-8EEB-1206511633B5}"/>
+                  <a16:creationId xmlns:a16="http://schemas.microsoft.com/office/drawing/2014/main" xmlns="" id="{B9465C0E-42EB-49AA-8EEB-1206511633B5}"/>
                 </a:ext>
               </a:extLst>
             </p:cNvPr>
@@ -30404,7 +32475,7 @@
           <p:cNvPr id="66" name="Agrupar 65">
             <a:extLst>
               <a:ext uri="{FF2B5EF4-FFF2-40B4-BE49-F238E27FC236}">
-                <a16:creationId xmlns="" xmlns:a16="http://schemas.microsoft.com/office/drawing/2014/main" id="{E6954B9F-5A79-48D6-8E26-CE435D817D49}"/>
+                <a16:creationId xmlns:a16="http://schemas.microsoft.com/office/drawing/2014/main" xmlns="" id="{E6954B9F-5A79-48D6-8E26-CE435D817D49}"/>
               </a:ext>
             </a:extLst>
           </p:cNvPr>
@@ -30424,7 +32495,7 @@
             <p:cNvPr id="43" name="Retângulo: Cantos Arredondados 42">
               <a:extLst>
                 <a:ext uri="{FF2B5EF4-FFF2-40B4-BE49-F238E27FC236}">
-                  <a16:creationId xmlns="" xmlns:a16="http://schemas.microsoft.com/office/drawing/2014/main" id="{E26F953E-591C-42D2-BE35-A65C44304A4F}"/>
+                  <a16:creationId xmlns:a16="http://schemas.microsoft.com/office/drawing/2014/main" xmlns="" id="{E26F953E-591C-42D2-BE35-A65C44304A4F}"/>
                 </a:ext>
               </a:extLst>
             </p:cNvPr>
@@ -30475,7 +32546,7 @@
             <p:cNvPr id="45" name="Retângulo: Cantos Arredondados 44">
               <a:extLst>
                 <a:ext uri="{FF2B5EF4-FFF2-40B4-BE49-F238E27FC236}">
-                  <a16:creationId xmlns="" xmlns:a16="http://schemas.microsoft.com/office/drawing/2014/main" id="{27A23B4D-3B78-466F-BC1D-26F73EB37732}"/>
+                  <a16:creationId xmlns:a16="http://schemas.microsoft.com/office/drawing/2014/main" xmlns="" id="{27A23B4D-3B78-466F-BC1D-26F73EB37732}"/>
                 </a:ext>
               </a:extLst>
             </p:cNvPr>
@@ -30529,7 +32600,7 @@
             <p:cNvPr id="46" name="Retângulo: Cantos Arredondados 45">
               <a:extLst>
                 <a:ext uri="{FF2B5EF4-FFF2-40B4-BE49-F238E27FC236}">
-                  <a16:creationId xmlns="" xmlns:a16="http://schemas.microsoft.com/office/drawing/2014/main" id="{0DF5B6B1-60E6-42C2-897B-8E521DD10138}"/>
+                  <a16:creationId xmlns:a16="http://schemas.microsoft.com/office/drawing/2014/main" xmlns="" id="{0DF5B6B1-60E6-42C2-897B-8E521DD10138}"/>
                 </a:ext>
               </a:extLst>
             </p:cNvPr>
@@ -30583,7 +32654,7 @@
             <p:cNvPr id="49" name="Forma Livre: Forma 48">
               <a:extLst>
                 <a:ext uri="{FF2B5EF4-FFF2-40B4-BE49-F238E27FC236}">
-                  <a16:creationId xmlns="" xmlns:a16="http://schemas.microsoft.com/office/drawing/2014/main" id="{147EA51B-9824-4893-8BCB-944C95F4AD44}"/>
+                  <a16:creationId xmlns:a16="http://schemas.microsoft.com/office/drawing/2014/main" xmlns="" id="{147EA51B-9824-4893-8BCB-944C95F4AD44}"/>
                 </a:ext>
               </a:extLst>
             </p:cNvPr>
@@ -30714,7 +32785,7 @@
             <p:cNvPr id="50" name="Retângulo 49">
               <a:extLst>
                 <a:ext uri="{FF2B5EF4-FFF2-40B4-BE49-F238E27FC236}">
-                  <a16:creationId xmlns="" xmlns:a16="http://schemas.microsoft.com/office/drawing/2014/main" id="{49C67F48-55A3-422E-B4F5-9174C0AB9645}"/>
+                  <a16:creationId xmlns:a16="http://schemas.microsoft.com/office/drawing/2014/main" xmlns="" id="{49C67F48-55A3-422E-B4F5-9174C0AB9645}"/>
                 </a:ext>
               </a:extLst>
             </p:cNvPr>
@@ -30766,7 +32837,7 @@
             <p:cNvPr id="51" name="Retângulo: Cantos Arredondados 50">
               <a:extLst>
                 <a:ext uri="{FF2B5EF4-FFF2-40B4-BE49-F238E27FC236}">
-                  <a16:creationId xmlns="" xmlns:a16="http://schemas.microsoft.com/office/drawing/2014/main" id="{81588C93-3361-4B45-9648-2FA7EF14917B}"/>
+                  <a16:creationId xmlns:a16="http://schemas.microsoft.com/office/drawing/2014/main" xmlns="" id="{81588C93-3361-4B45-9648-2FA7EF14917B}"/>
                 </a:ext>
               </a:extLst>
             </p:cNvPr>
@@ -30820,7 +32891,7 @@
             <p:cNvPr id="52" name="Retângulo: Cantos Arredondados 51">
               <a:extLst>
                 <a:ext uri="{FF2B5EF4-FFF2-40B4-BE49-F238E27FC236}">
-                  <a16:creationId xmlns="" xmlns:a16="http://schemas.microsoft.com/office/drawing/2014/main" id="{40BD0A9D-8A67-4FEC-A85A-0C36C97F9065}"/>
+                  <a16:creationId xmlns:a16="http://schemas.microsoft.com/office/drawing/2014/main" xmlns="" id="{40BD0A9D-8A67-4FEC-A85A-0C36C97F9065}"/>
                 </a:ext>
               </a:extLst>
             </p:cNvPr>
@@ -30875,7 +32946,7 @@
           <p:cNvPr id="36" name="Agrupar 35">
             <a:extLst>
               <a:ext uri="{FF2B5EF4-FFF2-40B4-BE49-F238E27FC236}">
-                <a16:creationId xmlns="" xmlns:a16="http://schemas.microsoft.com/office/drawing/2014/main" id="{F2697B0E-F5E6-4B02-81F0-DEF79381185F}"/>
+                <a16:creationId xmlns:a16="http://schemas.microsoft.com/office/drawing/2014/main" xmlns="" id="{F2697B0E-F5E6-4B02-81F0-DEF79381185F}"/>
               </a:ext>
             </a:extLst>
           </p:cNvPr>
@@ -30898,7 +32969,7 @@
             <p:cNvPr id="37" name="Agrupar 36">
               <a:extLst>
                 <a:ext uri="{FF2B5EF4-FFF2-40B4-BE49-F238E27FC236}">
-                  <a16:creationId xmlns="" xmlns:a16="http://schemas.microsoft.com/office/drawing/2014/main" id="{D4325B3F-99DC-4E4A-9012-C1E27ED1E1D5}"/>
+                  <a16:creationId xmlns:a16="http://schemas.microsoft.com/office/drawing/2014/main" xmlns="" id="{D4325B3F-99DC-4E4A-9012-C1E27ED1E1D5}"/>
                 </a:ext>
               </a:extLst>
             </p:cNvPr>
@@ -30919,7 +32990,7 @@
               <p:cNvPr id="39" name="Retângulo 38">
                 <a:extLst>
                   <a:ext uri="{FF2B5EF4-FFF2-40B4-BE49-F238E27FC236}">
-                    <a16:creationId xmlns="" xmlns:a16="http://schemas.microsoft.com/office/drawing/2014/main" id="{5240F059-3ED5-4CAE-A972-D23AB7B565C3}"/>
+                    <a16:creationId xmlns:a16="http://schemas.microsoft.com/office/drawing/2014/main" xmlns="" id="{5240F059-3ED5-4CAE-A972-D23AB7B565C3}"/>
                   </a:ext>
                 </a:extLst>
               </p:cNvPr>
@@ -30969,7 +33040,7 @@
               <p:cNvPr id="40" name="Retângulo 39">
                 <a:extLst>
                   <a:ext uri="{FF2B5EF4-FFF2-40B4-BE49-F238E27FC236}">
-                    <a16:creationId xmlns="" xmlns:a16="http://schemas.microsoft.com/office/drawing/2014/main" id="{8F856536-A840-44C8-8C60-00E0BC22EF09}"/>
+                    <a16:creationId xmlns:a16="http://schemas.microsoft.com/office/drawing/2014/main" xmlns="" id="{8F856536-A840-44C8-8C60-00E0BC22EF09}"/>
                   </a:ext>
                 </a:extLst>
               </p:cNvPr>
@@ -31019,7 +33090,7 @@
               <p:cNvPr id="41" name="Forma Livre: Forma 40">
                 <a:extLst>
                   <a:ext uri="{FF2B5EF4-FFF2-40B4-BE49-F238E27FC236}">
-                    <a16:creationId xmlns="" xmlns:a16="http://schemas.microsoft.com/office/drawing/2014/main" id="{439BBA60-D2B6-4E16-AF87-4E921CAC52DD}"/>
+                    <a16:creationId xmlns:a16="http://schemas.microsoft.com/office/drawing/2014/main" xmlns="" id="{439BBA60-D2B6-4E16-AF87-4E921CAC52DD}"/>
                   </a:ext>
                 </a:extLst>
               </p:cNvPr>
@@ -31184,7 +33255,7 @@
               <p:cNvPr id="42" name="Forma Livre: Forma 41">
                 <a:extLst>
                   <a:ext uri="{FF2B5EF4-FFF2-40B4-BE49-F238E27FC236}">
-                    <a16:creationId xmlns="" xmlns:a16="http://schemas.microsoft.com/office/drawing/2014/main" id="{3593DF70-CCAF-40D2-9359-4E0C4F2C935A}"/>
+                    <a16:creationId xmlns:a16="http://schemas.microsoft.com/office/drawing/2014/main" xmlns="" id="{3593DF70-CCAF-40D2-9359-4E0C4F2C935A}"/>
                   </a:ext>
                 </a:extLst>
               </p:cNvPr>
@@ -31334,7 +33405,7 @@
               <p:cNvPr id="44" name="Forma Livre: Forma 43">
                 <a:extLst>
                   <a:ext uri="{FF2B5EF4-FFF2-40B4-BE49-F238E27FC236}">
-                    <a16:creationId xmlns="" xmlns:a16="http://schemas.microsoft.com/office/drawing/2014/main" id="{A4AED188-79E0-4E8E-AFCA-4A87F9ED2DAE}"/>
+                    <a16:creationId xmlns:a16="http://schemas.microsoft.com/office/drawing/2014/main" xmlns="" id="{A4AED188-79E0-4E8E-AFCA-4A87F9ED2DAE}"/>
                   </a:ext>
                 </a:extLst>
               </p:cNvPr>
@@ -31630,7 +33701,7 @@
               <p:cNvPr id="47" name="Agrupar 46">
                 <a:extLst>
                   <a:ext uri="{FF2B5EF4-FFF2-40B4-BE49-F238E27FC236}">
-                    <a16:creationId xmlns="" xmlns:a16="http://schemas.microsoft.com/office/drawing/2014/main" id="{9C26156D-F675-42B1-B511-44D641D15C5E}"/>
+                    <a16:creationId xmlns:a16="http://schemas.microsoft.com/office/drawing/2014/main" xmlns="" id="{9C26156D-F675-42B1-B511-44D641D15C5E}"/>
                   </a:ext>
                 </a:extLst>
               </p:cNvPr>
@@ -31651,7 +33722,7 @@
                 <p:cNvPr id="48" name="Cruz 47">
                   <a:extLst>
                     <a:ext uri="{FF2B5EF4-FFF2-40B4-BE49-F238E27FC236}">
-                      <a16:creationId xmlns="" xmlns:a16="http://schemas.microsoft.com/office/drawing/2014/main" id="{2D931EB2-43AA-45BF-90E8-C42695A6B30A}"/>
+                      <a16:creationId xmlns:a16="http://schemas.microsoft.com/office/drawing/2014/main" xmlns="" id="{2D931EB2-43AA-45BF-90E8-C42695A6B30A}"/>
                     </a:ext>
                   </a:extLst>
                 </p:cNvPr>
@@ -31703,7 +33774,7 @@
                 <p:cNvPr id="67" name="Cruz 66">
                   <a:extLst>
                     <a:ext uri="{FF2B5EF4-FFF2-40B4-BE49-F238E27FC236}">
-                      <a16:creationId xmlns="" xmlns:a16="http://schemas.microsoft.com/office/drawing/2014/main" id="{EE0494EE-6C61-49A8-A60C-932E63A515FF}"/>
+                      <a16:creationId xmlns:a16="http://schemas.microsoft.com/office/drawing/2014/main" xmlns="" id="{EE0494EE-6C61-49A8-A60C-932E63A515FF}"/>
                     </a:ext>
                   </a:extLst>
                 </p:cNvPr>
@@ -31755,7 +33826,7 @@
                 <p:cNvPr id="68" name="Cruz 67">
                   <a:extLst>
                     <a:ext uri="{FF2B5EF4-FFF2-40B4-BE49-F238E27FC236}">
-                      <a16:creationId xmlns="" xmlns:a16="http://schemas.microsoft.com/office/drawing/2014/main" id="{5F898447-0B7A-4381-8893-6D2CED420F51}"/>
+                      <a16:creationId xmlns:a16="http://schemas.microsoft.com/office/drawing/2014/main" xmlns="" id="{5F898447-0B7A-4381-8893-6D2CED420F51}"/>
                     </a:ext>
                   </a:extLst>
                 </p:cNvPr>
@@ -31807,7 +33878,7 @@
                 <p:cNvPr id="69" name="Grupo 19">
                   <a:extLst>
                     <a:ext uri="{FF2B5EF4-FFF2-40B4-BE49-F238E27FC236}">
-                      <a16:creationId xmlns="" xmlns:a16="http://schemas.microsoft.com/office/drawing/2014/main" id="{4AE30138-3FE7-442A-86C0-B4113297C40B}"/>
+                      <a16:creationId xmlns:a16="http://schemas.microsoft.com/office/drawing/2014/main" xmlns="" id="{4AE30138-3FE7-442A-86C0-B4113297C40B}"/>
                     </a:ext>
                   </a:extLst>
                 </p:cNvPr>
@@ -31828,7 +33899,7 @@
                   <p:cNvPr id="70" name="Cruz 69">
                     <a:extLst>
                       <a:ext uri="{FF2B5EF4-FFF2-40B4-BE49-F238E27FC236}">
-                        <a16:creationId xmlns="" xmlns:a16="http://schemas.microsoft.com/office/drawing/2014/main" id="{29094D6C-1660-4505-846E-CC5935A883D2}"/>
+                        <a16:creationId xmlns:a16="http://schemas.microsoft.com/office/drawing/2014/main" xmlns="" id="{29094D6C-1660-4505-846E-CC5935A883D2}"/>
                       </a:ext>
                     </a:extLst>
                   </p:cNvPr>
@@ -31880,7 +33951,7 @@
                   <p:cNvPr id="71" name="Cruz 70">
                     <a:extLst>
                       <a:ext uri="{FF2B5EF4-FFF2-40B4-BE49-F238E27FC236}">
-                        <a16:creationId xmlns="" xmlns:a16="http://schemas.microsoft.com/office/drawing/2014/main" id="{57B26310-2504-4BBC-87E7-4EF547D18AE6}"/>
+                        <a16:creationId xmlns:a16="http://schemas.microsoft.com/office/drawing/2014/main" xmlns="" id="{57B26310-2504-4BBC-87E7-4EF547D18AE6}"/>
                       </a:ext>
                     </a:extLst>
                   </p:cNvPr>
@@ -31935,7 +34006,7 @@
             <p:cNvPr id="38" name="Triângulo Retângulo 37">
               <a:extLst>
                 <a:ext uri="{FF2B5EF4-FFF2-40B4-BE49-F238E27FC236}">
-                  <a16:creationId xmlns="" xmlns:a16="http://schemas.microsoft.com/office/drawing/2014/main" id="{1D01C483-595F-470E-81C4-611D1B226D83}"/>
+                  <a16:creationId xmlns:a16="http://schemas.microsoft.com/office/drawing/2014/main" xmlns="" id="{1D01C483-595F-470E-81C4-611D1B226D83}"/>
                 </a:ext>
               </a:extLst>
             </p:cNvPr>
@@ -32016,7 +34087,7 @@
           <p:cNvPr id="26" name="Agrupar 25">
             <a:extLst>
               <a:ext uri="{FF2B5EF4-FFF2-40B4-BE49-F238E27FC236}">
-                <a16:creationId xmlns="" xmlns:a16="http://schemas.microsoft.com/office/drawing/2014/main" id="{8CFA2B6F-F852-4EA1-BEF1-47F61F1D6F85}"/>
+                <a16:creationId xmlns:a16="http://schemas.microsoft.com/office/drawing/2014/main" xmlns="" id="{8CFA2B6F-F852-4EA1-BEF1-47F61F1D6F85}"/>
               </a:ext>
             </a:extLst>
           </p:cNvPr>
@@ -32036,7 +34107,7 @@
             <p:cNvPr id="4" name="Agrupar 3">
               <a:extLst>
                 <a:ext uri="{FF2B5EF4-FFF2-40B4-BE49-F238E27FC236}">
-                  <a16:creationId xmlns="" xmlns:a16="http://schemas.microsoft.com/office/drawing/2014/main" id="{C45FEF34-3D77-4245-91E6-21A8D7F39CAE}"/>
+                  <a16:creationId xmlns:a16="http://schemas.microsoft.com/office/drawing/2014/main" xmlns="" id="{C45FEF34-3D77-4245-91E6-21A8D7F39CAE}"/>
                 </a:ext>
               </a:extLst>
             </p:cNvPr>
@@ -32056,7 +34127,7 @@
               <p:cNvPr id="5" name="Retângulo: Cantos Arredondados 4">
                 <a:extLst>
                   <a:ext uri="{FF2B5EF4-FFF2-40B4-BE49-F238E27FC236}">
-                    <a16:creationId xmlns="" xmlns:a16="http://schemas.microsoft.com/office/drawing/2014/main" id="{2901A741-378D-4F90-9213-3C8C001BF999}"/>
+                    <a16:creationId xmlns:a16="http://schemas.microsoft.com/office/drawing/2014/main" xmlns="" id="{2901A741-378D-4F90-9213-3C8C001BF999}"/>
                   </a:ext>
                 </a:extLst>
               </p:cNvPr>
@@ -32107,7 +34178,7 @@
               <p:cNvPr id="6" name="Retângulo: Cantos Arredondados 5">
                 <a:extLst>
                   <a:ext uri="{FF2B5EF4-FFF2-40B4-BE49-F238E27FC236}">
-                    <a16:creationId xmlns="" xmlns:a16="http://schemas.microsoft.com/office/drawing/2014/main" id="{842C104C-6712-4FAB-A86A-FAC9CE782474}"/>
+                    <a16:creationId xmlns:a16="http://schemas.microsoft.com/office/drawing/2014/main" xmlns="" id="{842C104C-6712-4FAB-A86A-FAC9CE782474}"/>
                   </a:ext>
                 </a:extLst>
               </p:cNvPr>
@@ -32161,7 +34232,7 @@
               <p:cNvPr id="7" name="Retângulo: Cantos Arredondados 6">
                 <a:extLst>
                   <a:ext uri="{FF2B5EF4-FFF2-40B4-BE49-F238E27FC236}">
-                    <a16:creationId xmlns="" xmlns:a16="http://schemas.microsoft.com/office/drawing/2014/main" id="{255A55C9-6EA9-40DD-A50C-94EDA00AB2EC}"/>
+                    <a16:creationId xmlns:a16="http://schemas.microsoft.com/office/drawing/2014/main" xmlns="" id="{255A55C9-6EA9-40DD-A50C-94EDA00AB2EC}"/>
                   </a:ext>
                 </a:extLst>
               </p:cNvPr>
@@ -32215,7 +34286,7 @@
               <p:cNvPr id="8" name="Forma Livre: Forma 7">
                 <a:extLst>
                   <a:ext uri="{FF2B5EF4-FFF2-40B4-BE49-F238E27FC236}">
-                    <a16:creationId xmlns="" xmlns:a16="http://schemas.microsoft.com/office/drawing/2014/main" id="{8B1C2CE6-4108-48D3-8CBE-635179488ECA}"/>
+                    <a16:creationId xmlns:a16="http://schemas.microsoft.com/office/drawing/2014/main" xmlns="" id="{8B1C2CE6-4108-48D3-8CBE-635179488ECA}"/>
                   </a:ext>
                 </a:extLst>
               </p:cNvPr>
@@ -32346,7 +34417,7 @@
               <p:cNvPr id="9" name="Retângulo 8">
                 <a:extLst>
                   <a:ext uri="{FF2B5EF4-FFF2-40B4-BE49-F238E27FC236}">
-                    <a16:creationId xmlns="" xmlns:a16="http://schemas.microsoft.com/office/drawing/2014/main" id="{6444A46D-5BDF-4712-88E7-104DA9FAAFD4}"/>
+                    <a16:creationId xmlns:a16="http://schemas.microsoft.com/office/drawing/2014/main" xmlns="" id="{6444A46D-5BDF-4712-88E7-104DA9FAAFD4}"/>
                   </a:ext>
                 </a:extLst>
               </p:cNvPr>
@@ -32398,7 +34469,7 @@
               <p:cNvPr id="10" name="Retângulo: Cantos Arredondados 9">
                 <a:extLst>
                   <a:ext uri="{FF2B5EF4-FFF2-40B4-BE49-F238E27FC236}">
-                    <a16:creationId xmlns="" xmlns:a16="http://schemas.microsoft.com/office/drawing/2014/main" id="{881B3B66-2052-48AF-979B-60B32E1F7F9E}"/>
+                    <a16:creationId xmlns:a16="http://schemas.microsoft.com/office/drawing/2014/main" xmlns="" id="{881B3B66-2052-48AF-979B-60B32E1F7F9E}"/>
                   </a:ext>
                 </a:extLst>
               </p:cNvPr>
@@ -32452,7 +34523,7 @@
               <p:cNvPr id="11" name="Retângulo: Cantos Arredondados 10">
                 <a:extLst>
                   <a:ext uri="{FF2B5EF4-FFF2-40B4-BE49-F238E27FC236}">
-                    <a16:creationId xmlns="" xmlns:a16="http://schemas.microsoft.com/office/drawing/2014/main" id="{8212EF75-2EF8-4DFC-BEB5-5C95D755FCDA}"/>
+                    <a16:creationId xmlns:a16="http://schemas.microsoft.com/office/drawing/2014/main" xmlns="" id="{8212EF75-2EF8-4DFC-BEB5-5C95D755FCDA}"/>
                   </a:ext>
                 </a:extLst>
               </p:cNvPr>
@@ -32507,7 +34578,7 @@
             <p:cNvPr id="12" name="Agrupar 11">
               <a:extLst>
                 <a:ext uri="{FF2B5EF4-FFF2-40B4-BE49-F238E27FC236}">
-                  <a16:creationId xmlns="" xmlns:a16="http://schemas.microsoft.com/office/drawing/2014/main" id="{97B2E01E-EC47-4BCE-BC4F-99A6EC444B19}"/>
+                  <a16:creationId xmlns:a16="http://schemas.microsoft.com/office/drawing/2014/main" xmlns="" id="{97B2E01E-EC47-4BCE-BC4F-99A6EC444B19}"/>
                 </a:ext>
               </a:extLst>
             </p:cNvPr>
@@ -32527,7 +34598,7 @@
               <p:cNvPr id="13" name="Retângulo: Cantos Arredondados 12">
                 <a:extLst>
                   <a:ext uri="{FF2B5EF4-FFF2-40B4-BE49-F238E27FC236}">
-                    <a16:creationId xmlns="" xmlns:a16="http://schemas.microsoft.com/office/drawing/2014/main" id="{10540542-C57F-4691-AF17-40583ACBA3F1}"/>
+                    <a16:creationId xmlns:a16="http://schemas.microsoft.com/office/drawing/2014/main" xmlns="" id="{10540542-C57F-4691-AF17-40583ACBA3F1}"/>
                   </a:ext>
                 </a:extLst>
               </p:cNvPr>
@@ -32581,7 +34652,7 @@
               <p:cNvPr id="14" name="Retângulo: Cantos Arredondados 13">
                 <a:extLst>
                   <a:ext uri="{FF2B5EF4-FFF2-40B4-BE49-F238E27FC236}">
-                    <a16:creationId xmlns="" xmlns:a16="http://schemas.microsoft.com/office/drawing/2014/main" id="{552902B3-14B4-4F02-ABBE-E36047405A23}"/>
+                    <a16:creationId xmlns:a16="http://schemas.microsoft.com/office/drawing/2014/main" xmlns="" id="{552902B3-14B4-4F02-ABBE-E36047405A23}"/>
                   </a:ext>
                 </a:extLst>
               </p:cNvPr>
@@ -32636,7 +34707,7 @@
             <p:cNvPr id="15" name="Agrupar 14">
               <a:extLst>
                 <a:ext uri="{FF2B5EF4-FFF2-40B4-BE49-F238E27FC236}">
-                  <a16:creationId xmlns="" xmlns:a16="http://schemas.microsoft.com/office/drawing/2014/main" id="{4DD22468-0F77-455F-8343-D2977BA9D815}"/>
+                  <a16:creationId xmlns:a16="http://schemas.microsoft.com/office/drawing/2014/main" xmlns="" id="{4DD22468-0F77-455F-8343-D2977BA9D815}"/>
                 </a:ext>
               </a:extLst>
             </p:cNvPr>
@@ -32656,7 +34727,7 @@
               <p:cNvPr id="16" name="Retângulo: Cantos Arredondados 15">
                 <a:extLst>
                   <a:ext uri="{FF2B5EF4-FFF2-40B4-BE49-F238E27FC236}">
-                    <a16:creationId xmlns="" xmlns:a16="http://schemas.microsoft.com/office/drawing/2014/main" id="{2D72A34F-4564-471A-B6AA-AE1DF400A26F}"/>
+                    <a16:creationId xmlns:a16="http://schemas.microsoft.com/office/drawing/2014/main" xmlns="" id="{2D72A34F-4564-471A-B6AA-AE1DF400A26F}"/>
                   </a:ext>
                 </a:extLst>
               </p:cNvPr>
@@ -32710,7 +34781,7 @@
               <p:cNvPr id="17" name="Retângulo: Cantos Arredondados 16">
                 <a:extLst>
                   <a:ext uri="{FF2B5EF4-FFF2-40B4-BE49-F238E27FC236}">
-                    <a16:creationId xmlns="" xmlns:a16="http://schemas.microsoft.com/office/drawing/2014/main" id="{29E778E2-383E-4A56-974F-1F35B702221A}"/>
+                    <a16:creationId xmlns:a16="http://schemas.microsoft.com/office/drawing/2014/main" xmlns="" id="{29E778E2-383E-4A56-974F-1F35B702221A}"/>
                   </a:ext>
                 </a:extLst>
               </p:cNvPr>
@@ -32765,7 +34836,7 @@
             <p:cNvPr id="18" name="Agrupar 17">
               <a:extLst>
                 <a:ext uri="{FF2B5EF4-FFF2-40B4-BE49-F238E27FC236}">
-                  <a16:creationId xmlns="" xmlns:a16="http://schemas.microsoft.com/office/drawing/2014/main" id="{1C1086BE-5C78-46C5-8759-F221A1473050}"/>
+                  <a16:creationId xmlns:a16="http://schemas.microsoft.com/office/drawing/2014/main" xmlns="" id="{1C1086BE-5C78-46C5-8759-F221A1473050}"/>
                 </a:ext>
               </a:extLst>
             </p:cNvPr>
@@ -32785,7 +34856,7 @@
               <p:cNvPr id="19" name="Forma Livre: Forma 18">
                 <a:extLst>
                   <a:ext uri="{FF2B5EF4-FFF2-40B4-BE49-F238E27FC236}">
-                    <a16:creationId xmlns="" xmlns:a16="http://schemas.microsoft.com/office/drawing/2014/main" id="{A5FF4AA1-FB76-4089-AF79-C37CF505E719}"/>
+                    <a16:creationId xmlns:a16="http://schemas.microsoft.com/office/drawing/2014/main" xmlns="" id="{A5FF4AA1-FB76-4089-AF79-C37CF505E719}"/>
                   </a:ext>
                 </a:extLst>
               </p:cNvPr>
@@ -32920,7 +34991,7 @@
               <p:cNvPr id="20" name="Forma Livre: Forma 19">
                 <a:extLst>
                   <a:ext uri="{FF2B5EF4-FFF2-40B4-BE49-F238E27FC236}">
-                    <a16:creationId xmlns="" xmlns:a16="http://schemas.microsoft.com/office/drawing/2014/main" id="{F8045286-37AC-4911-A671-477E8EB257A2}"/>
+                    <a16:creationId xmlns:a16="http://schemas.microsoft.com/office/drawing/2014/main" xmlns="" id="{F8045286-37AC-4911-A671-477E8EB257A2}"/>
                   </a:ext>
                 </a:extLst>
               </p:cNvPr>
@@ -33055,7 +35126,7 @@
               <p:cNvPr id="21" name="Elipse 20">
                 <a:extLst>
                   <a:ext uri="{FF2B5EF4-FFF2-40B4-BE49-F238E27FC236}">
-                    <a16:creationId xmlns="" xmlns:a16="http://schemas.microsoft.com/office/drawing/2014/main" id="{CD452FDD-69B7-4E28-B5E7-0FEFB45E205A}"/>
+                    <a16:creationId xmlns:a16="http://schemas.microsoft.com/office/drawing/2014/main" xmlns="" id="{CD452FDD-69B7-4E28-B5E7-0FEFB45E205A}"/>
                   </a:ext>
                 </a:extLst>
               </p:cNvPr>
@@ -33107,7 +35178,7 @@
               <p:cNvPr id="22" name="Retângulo: Cantos Arredondados 21">
                 <a:extLst>
                   <a:ext uri="{FF2B5EF4-FFF2-40B4-BE49-F238E27FC236}">
-                    <a16:creationId xmlns="" xmlns:a16="http://schemas.microsoft.com/office/drawing/2014/main" id="{AF7D2798-BB73-466E-A25A-A2621184FA04}"/>
+                    <a16:creationId xmlns:a16="http://schemas.microsoft.com/office/drawing/2014/main" xmlns="" id="{AF7D2798-BB73-466E-A25A-A2621184FA04}"/>
                   </a:ext>
                 </a:extLst>
               </p:cNvPr>
@@ -33161,7 +35232,7 @@
               <p:cNvPr id="23" name="Retângulo: Cantos Arredondados 22">
                 <a:extLst>
                   <a:ext uri="{FF2B5EF4-FFF2-40B4-BE49-F238E27FC236}">
-                    <a16:creationId xmlns="" xmlns:a16="http://schemas.microsoft.com/office/drawing/2014/main" id="{3E77055B-F661-42D4-86CB-10C4D49F7934}"/>
+                    <a16:creationId xmlns:a16="http://schemas.microsoft.com/office/drawing/2014/main" xmlns="" id="{3E77055B-F661-42D4-86CB-10C4D49F7934}"/>
                   </a:ext>
                 </a:extLst>
               </p:cNvPr>
@@ -33215,7 +35286,7 @@
               <p:cNvPr id="24" name="Retângulo: Cantos Arredondados 23">
                 <a:extLst>
                   <a:ext uri="{FF2B5EF4-FFF2-40B4-BE49-F238E27FC236}">
-                    <a16:creationId xmlns="" xmlns:a16="http://schemas.microsoft.com/office/drawing/2014/main" id="{2D266FA5-5903-44D9-9DC7-DCB4A530544F}"/>
+                    <a16:creationId xmlns:a16="http://schemas.microsoft.com/office/drawing/2014/main" xmlns="" id="{2D266FA5-5903-44D9-9DC7-DCB4A530544F}"/>
                   </a:ext>
                 </a:extLst>
               </p:cNvPr>
@@ -33270,7 +35341,7 @@
             <p:cNvPr id="25" name="Forma Livre: Forma 24">
               <a:extLst>
                 <a:ext uri="{FF2B5EF4-FFF2-40B4-BE49-F238E27FC236}">
-                  <a16:creationId xmlns="" xmlns:a16="http://schemas.microsoft.com/office/drawing/2014/main" id="{59EBB5C9-01FD-4920-B60F-971211221B04}"/>
+                  <a16:creationId xmlns:a16="http://schemas.microsoft.com/office/drawing/2014/main" xmlns="" id="{59EBB5C9-01FD-4920-B60F-971211221B04}"/>
                 </a:ext>
               </a:extLst>
             </p:cNvPr>
@@ -33430,7 +35501,7 @@
           <p:cNvPr id="38" name="Agrupar 37">
             <a:extLst>
               <a:ext uri="{FF2B5EF4-FFF2-40B4-BE49-F238E27FC236}">
-                <a16:creationId xmlns="" xmlns:a16="http://schemas.microsoft.com/office/drawing/2014/main" id="{FC904319-6FA4-4042-855A-6A60C7CDDE75}"/>
+                <a16:creationId xmlns:a16="http://schemas.microsoft.com/office/drawing/2014/main" xmlns="" id="{FC904319-6FA4-4042-855A-6A60C7CDDE75}"/>
               </a:ext>
             </a:extLst>
           </p:cNvPr>
@@ -33450,7 +35521,7 @@
             <p:cNvPr id="32" name="Forma Livre: Forma 31">
               <a:extLst>
                 <a:ext uri="{FF2B5EF4-FFF2-40B4-BE49-F238E27FC236}">
-                  <a16:creationId xmlns="" xmlns:a16="http://schemas.microsoft.com/office/drawing/2014/main" id="{33926B56-608A-4040-9793-1A0843EA9F35}"/>
+                  <a16:creationId xmlns:a16="http://schemas.microsoft.com/office/drawing/2014/main" xmlns="" id="{33926B56-608A-4040-9793-1A0843EA9F35}"/>
                 </a:ext>
               </a:extLst>
             </p:cNvPr>
@@ -33585,7 +35656,7 @@
             <p:cNvPr id="33" name="Forma Livre: Forma 32">
               <a:extLst>
                 <a:ext uri="{FF2B5EF4-FFF2-40B4-BE49-F238E27FC236}">
-                  <a16:creationId xmlns="" xmlns:a16="http://schemas.microsoft.com/office/drawing/2014/main" id="{5411D262-E4A1-40F4-B722-478CCED52606}"/>
+                  <a16:creationId xmlns:a16="http://schemas.microsoft.com/office/drawing/2014/main" xmlns="" id="{5411D262-E4A1-40F4-B722-478CCED52606}"/>
                 </a:ext>
               </a:extLst>
             </p:cNvPr>
@@ -33720,7 +35791,7 @@
             <p:cNvPr id="34" name="Elipse 33">
               <a:extLst>
                 <a:ext uri="{FF2B5EF4-FFF2-40B4-BE49-F238E27FC236}">
-                  <a16:creationId xmlns="" xmlns:a16="http://schemas.microsoft.com/office/drawing/2014/main" id="{944C9D85-37D0-40B1-AE69-DE12BF032920}"/>
+                  <a16:creationId xmlns:a16="http://schemas.microsoft.com/office/drawing/2014/main" xmlns="" id="{944C9D85-37D0-40B1-AE69-DE12BF032920}"/>
                 </a:ext>
               </a:extLst>
             </p:cNvPr>
@@ -33772,7 +35843,7 @@
             <p:cNvPr id="35" name="Retângulo: Cantos Arredondados 34">
               <a:extLst>
                 <a:ext uri="{FF2B5EF4-FFF2-40B4-BE49-F238E27FC236}">
-                  <a16:creationId xmlns="" xmlns:a16="http://schemas.microsoft.com/office/drawing/2014/main" id="{DDB1EE29-EA56-4EE9-816C-ADD36B89357A}"/>
+                  <a16:creationId xmlns:a16="http://schemas.microsoft.com/office/drawing/2014/main" xmlns="" id="{DDB1EE29-EA56-4EE9-816C-ADD36B89357A}"/>
                 </a:ext>
               </a:extLst>
             </p:cNvPr>
@@ -33826,7 +35897,7 @@
             <p:cNvPr id="36" name="Retângulo: Cantos Arredondados 35">
               <a:extLst>
                 <a:ext uri="{FF2B5EF4-FFF2-40B4-BE49-F238E27FC236}">
-                  <a16:creationId xmlns="" xmlns:a16="http://schemas.microsoft.com/office/drawing/2014/main" id="{126D8543-30CF-42FE-9FA8-8D03E478C3F1}"/>
+                  <a16:creationId xmlns:a16="http://schemas.microsoft.com/office/drawing/2014/main" xmlns="" id="{126D8543-30CF-42FE-9FA8-8D03E478C3F1}"/>
                 </a:ext>
               </a:extLst>
             </p:cNvPr>
@@ -33880,7 +35951,7 @@
             <p:cNvPr id="37" name="Retângulo: Cantos Arredondados 36">
               <a:extLst>
                 <a:ext uri="{FF2B5EF4-FFF2-40B4-BE49-F238E27FC236}">
-                  <a16:creationId xmlns="" xmlns:a16="http://schemas.microsoft.com/office/drawing/2014/main" id="{EC5022BB-3365-4849-AE98-9002F5043E80}"/>
+                  <a16:creationId xmlns:a16="http://schemas.microsoft.com/office/drawing/2014/main" xmlns="" id="{EC5022BB-3365-4849-AE98-9002F5043E80}"/>
                 </a:ext>
               </a:extLst>
             </p:cNvPr>
@@ -33935,7 +36006,7 @@
           <p:cNvPr id="2" name="Estrela: 5 Pontas 1">
             <a:extLst>
               <a:ext uri="{FF2B5EF4-FFF2-40B4-BE49-F238E27FC236}">
-                <a16:creationId xmlns="" xmlns:a16="http://schemas.microsoft.com/office/drawing/2014/main" id="{723F0F1C-67BE-419C-BCCB-FB7965C3A6B7}"/>
+                <a16:creationId xmlns:a16="http://schemas.microsoft.com/office/drawing/2014/main" xmlns="" id="{723F0F1C-67BE-419C-BCCB-FB7965C3A6B7}"/>
               </a:ext>
             </a:extLst>
           </p:cNvPr>
@@ -33987,7 +36058,7 @@
           <p:cNvPr id="39" name="Estrela: 5 Pontas 38">
             <a:extLst>
               <a:ext uri="{FF2B5EF4-FFF2-40B4-BE49-F238E27FC236}">
-                <a16:creationId xmlns="" xmlns:a16="http://schemas.microsoft.com/office/drawing/2014/main" id="{A18BD38E-EE78-4C65-B51B-17C6F7259FFB}"/>
+                <a16:creationId xmlns:a16="http://schemas.microsoft.com/office/drawing/2014/main" xmlns="" id="{A18BD38E-EE78-4C65-B51B-17C6F7259FFB}"/>
               </a:ext>
             </a:extLst>
           </p:cNvPr>
@@ -34039,7 +36110,7 @@
           <p:cNvPr id="40" name="Estrela: 5 Pontas 39">
             <a:extLst>
               <a:ext uri="{FF2B5EF4-FFF2-40B4-BE49-F238E27FC236}">
-                <a16:creationId xmlns="" xmlns:a16="http://schemas.microsoft.com/office/drawing/2014/main" id="{0FEA79D5-3823-43F3-8783-B76F3CB07C70}"/>
+                <a16:creationId xmlns:a16="http://schemas.microsoft.com/office/drawing/2014/main" xmlns="" id="{0FEA79D5-3823-43F3-8783-B76F3CB07C70}"/>
               </a:ext>
             </a:extLst>
           </p:cNvPr>
@@ -34091,7 +36162,7 @@
           <p:cNvPr id="41" name="Estrela: 5 Pontas 40">
             <a:extLst>
               <a:ext uri="{FF2B5EF4-FFF2-40B4-BE49-F238E27FC236}">
-                <a16:creationId xmlns="" xmlns:a16="http://schemas.microsoft.com/office/drawing/2014/main" id="{E726AE01-965D-41FA-A98E-5BCEEEE23D94}"/>
+                <a16:creationId xmlns:a16="http://schemas.microsoft.com/office/drawing/2014/main" xmlns="" id="{E726AE01-965D-41FA-A98E-5BCEEEE23D94}"/>
               </a:ext>
             </a:extLst>
           </p:cNvPr>
@@ -34143,7 +36214,7 @@
           <p:cNvPr id="42" name="Estrela: 5 Pontas 41">
             <a:extLst>
               <a:ext uri="{FF2B5EF4-FFF2-40B4-BE49-F238E27FC236}">
-                <a16:creationId xmlns="" xmlns:a16="http://schemas.microsoft.com/office/drawing/2014/main" id="{A5C06899-D0AA-49D3-B648-FD1484DDCE6F}"/>
+                <a16:creationId xmlns:a16="http://schemas.microsoft.com/office/drawing/2014/main" xmlns="" id="{A5C06899-D0AA-49D3-B648-FD1484DDCE6F}"/>
               </a:ext>
             </a:extLst>
           </p:cNvPr>
@@ -34195,7 +36266,7 @@
           <p:cNvPr id="27" name="CaixaDeTexto 26">
             <a:extLst>
               <a:ext uri="{FF2B5EF4-FFF2-40B4-BE49-F238E27FC236}">
-                <a16:creationId xmlns="" xmlns:a16="http://schemas.microsoft.com/office/drawing/2014/main" id="{84258104-3F54-4F3B-B3FF-EF38C66DFF6F}"/>
+                <a16:creationId xmlns:a16="http://schemas.microsoft.com/office/drawing/2014/main" xmlns="" id="{84258104-3F54-4F3B-B3FF-EF38C66DFF6F}"/>
               </a:ext>
             </a:extLst>
           </p:cNvPr>
@@ -34608,7 +36679,7 @@
           <p:cNvPr id="114" name="CaixaDeTexto 113">
             <a:extLst>
               <a:ext uri="{FF2B5EF4-FFF2-40B4-BE49-F238E27FC236}">
-                <a16:creationId xmlns="" xmlns:a16="http://schemas.microsoft.com/office/drawing/2014/main" id="{55E7EA0C-456D-488B-AE8B-5092FA29217F}"/>
+                <a16:creationId xmlns:a16="http://schemas.microsoft.com/office/drawing/2014/main" xmlns="" id="{55E7EA0C-456D-488B-AE8B-5092FA29217F}"/>
               </a:ext>
             </a:extLst>
           </p:cNvPr>
@@ -34648,7 +36719,7 @@
           <p:cNvPr id="115" name="CaixaDeTexto 114">
             <a:extLst>
               <a:ext uri="{FF2B5EF4-FFF2-40B4-BE49-F238E27FC236}">
-                <a16:creationId xmlns="" xmlns:a16="http://schemas.microsoft.com/office/drawing/2014/main" id="{A19F2B9B-915C-41AB-BB89-0FF40B347EE4}"/>
+                <a16:creationId xmlns:a16="http://schemas.microsoft.com/office/drawing/2014/main" xmlns="" id="{A19F2B9B-915C-41AB-BB89-0FF40B347EE4}"/>
               </a:ext>
             </a:extLst>
           </p:cNvPr>
@@ -34688,7 +36759,7 @@
           <p:cNvPr id="4" name="Agrupar 3">
             <a:extLst>
               <a:ext uri="{FF2B5EF4-FFF2-40B4-BE49-F238E27FC236}">
-                <a16:creationId xmlns="" xmlns:a16="http://schemas.microsoft.com/office/drawing/2014/main" id="{7610409B-0F43-4450-AE92-E4E515E84779}"/>
+                <a16:creationId xmlns:a16="http://schemas.microsoft.com/office/drawing/2014/main" xmlns="" id="{7610409B-0F43-4450-AE92-E4E515E84779}"/>
               </a:ext>
             </a:extLst>
           </p:cNvPr>
@@ -34708,7 +36779,7 @@
             <p:cNvPr id="62" name="Agrupar 61">
               <a:extLst>
                 <a:ext uri="{FF2B5EF4-FFF2-40B4-BE49-F238E27FC236}">
-                  <a16:creationId xmlns="" xmlns:a16="http://schemas.microsoft.com/office/drawing/2014/main" id="{DDB26C83-9CE2-4C04-B6AF-E8E5E51F4BC4}"/>
+                  <a16:creationId xmlns:a16="http://schemas.microsoft.com/office/drawing/2014/main" xmlns="" id="{DDB26C83-9CE2-4C04-B6AF-E8E5E51F4BC4}"/>
                 </a:ext>
               </a:extLst>
             </p:cNvPr>
@@ -34728,7 +36799,7 @@
               <p:cNvPr id="60" name="Forma Livre: Forma 59">
                 <a:extLst>
                   <a:ext uri="{FF2B5EF4-FFF2-40B4-BE49-F238E27FC236}">
-                    <a16:creationId xmlns="" xmlns:a16="http://schemas.microsoft.com/office/drawing/2014/main" id="{407CEE2C-9267-4FDC-BF27-F93D5C061A49}"/>
+                    <a16:creationId xmlns:a16="http://schemas.microsoft.com/office/drawing/2014/main" xmlns="" id="{407CEE2C-9267-4FDC-BF27-F93D5C061A49}"/>
                   </a:ext>
                 </a:extLst>
               </p:cNvPr>
@@ -34871,7 +36942,7 @@
               <p:cNvPr id="61" name="Forma Livre: Forma 60">
                 <a:extLst>
                   <a:ext uri="{FF2B5EF4-FFF2-40B4-BE49-F238E27FC236}">
-                    <a16:creationId xmlns="" xmlns:a16="http://schemas.microsoft.com/office/drawing/2014/main" id="{DA72A907-E7A1-43F0-84C8-28323C720A71}"/>
+                    <a16:creationId xmlns:a16="http://schemas.microsoft.com/office/drawing/2014/main" xmlns="" id="{DA72A907-E7A1-43F0-84C8-28323C720A71}"/>
                   </a:ext>
                 </a:extLst>
               </p:cNvPr>
@@ -35018,7 +37089,7 @@
             <p:cNvPr id="63" name="Agrupar 62">
               <a:extLst>
                 <a:ext uri="{FF2B5EF4-FFF2-40B4-BE49-F238E27FC236}">
-                  <a16:creationId xmlns="" xmlns:a16="http://schemas.microsoft.com/office/drawing/2014/main" id="{6686220B-C3BA-4F58-B761-8EC877DB6978}"/>
+                  <a16:creationId xmlns:a16="http://schemas.microsoft.com/office/drawing/2014/main" xmlns="" id="{6686220B-C3BA-4F58-B761-8EC877DB6978}"/>
                 </a:ext>
               </a:extLst>
             </p:cNvPr>
@@ -35038,7 +37109,7 @@
               <p:cNvPr id="64" name="Forma Livre: Forma 63">
                 <a:extLst>
                   <a:ext uri="{FF2B5EF4-FFF2-40B4-BE49-F238E27FC236}">
-                    <a16:creationId xmlns="" xmlns:a16="http://schemas.microsoft.com/office/drawing/2014/main" id="{0B508649-6448-4A98-8464-B1B4791130BB}"/>
+                    <a16:creationId xmlns:a16="http://schemas.microsoft.com/office/drawing/2014/main" xmlns="" id="{0B508649-6448-4A98-8464-B1B4791130BB}"/>
                   </a:ext>
                 </a:extLst>
               </p:cNvPr>
@@ -35181,7 +37252,7 @@
               <p:cNvPr id="65" name="Forma Livre: Forma 64">
                 <a:extLst>
                   <a:ext uri="{FF2B5EF4-FFF2-40B4-BE49-F238E27FC236}">
-                    <a16:creationId xmlns="" xmlns:a16="http://schemas.microsoft.com/office/drawing/2014/main" id="{644F2424-7716-4206-A898-B7FF7B0EF20E}"/>
+                    <a16:creationId xmlns:a16="http://schemas.microsoft.com/office/drawing/2014/main" xmlns="" id="{644F2424-7716-4206-A898-B7FF7B0EF20E}"/>
                   </a:ext>
                 </a:extLst>
               </p:cNvPr>
@@ -35328,7 +37399,7 @@
             <p:cNvPr id="72" name="Retângulo: Cantos Arredondados 71">
               <a:extLst>
                 <a:ext uri="{FF2B5EF4-FFF2-40B4-BE49-F238E27FC236}">
-                  <a16:creationId xmlns="" xmlns:a16="http://schemas.microsoft.com/office/drawing/2014/main" id="{EDAA260A-6EFC-4287-A355-7EE98B639ADA}"/>
+                  <a16:creationId xmlns:a16="http://schemas.microsoft.com/office/drawing/2014/main" xmlns="" id="{EDAA260A-6EFC-4287-A355-7EE98B639ADA}"/>
                 </a:ext>
               </a:extLst>
             </p:cNvPr>
@@ -35382,7 +37453,7 @@
             <p:cNvPr id="75" name="Retângulo: Cantos Arredondados 74">
               <a:extLst>
                 <a:ext uri="{FF2B5EF4-FFF2-40B4-BE49-F238E27FC236}">
-                  <a16:creationId xmlns="" xmlns:a16="http://schemas.microsoft.com/office/drawing/2014/main" id="{A2FC06FE-4EBB-4B29-934C-CF58402238B2}"/>
+                  <a16:creationId xmlns:a16="http://schemas.microsoft.com/office/drawing/2014/main" xmlns="" id="{A2FC06FE-4EBB-4B29-934C-CF58402238B2}"/>
                 </a:ext>
               </a:extLst>
             </p:cNvPr>
@@ -35436,7 +37507,7 @@
             <p:cNvPr id="85" name="Retângulo: Cantos Arredondados 84">
               <a:extLst>
                 <a:ext uri="{FF2B5EF4-FFF2-40B4-BE49-F238E27FC236}">
-                  <a16:creationId xmlns="" xmlns:a16="http://schemas.microsoft.com/office/drawing/2014/main" id="{F77F394E-3BA2-4EA8-B488-226DAA8DD196}"/>
+                  <a16:creationId xmlns:a16="http://schemas.microsoft.com/office/drawing/2014/main" xmlns="" id="{F77F394E-3BA2-4EA8-B488-226DAA8DD196}"/>
                 </a:ext>
               </a:extLst>
             </p:cNvPr>
@@ -35490,7 +37561,7 @@
             <p:cNvPr id="83" name="Forma Livre: Forma 82">
               <a:extLst>
                 <a:ext uri="{FF2B5EF4-FFF2-40B4-BE49-F238E27FC236}">
-                  <a16:creationId xmlns="" xmlns:a16="http://schemas.microsoft.com/office/drawing/2014/main" id="{32E6D0BC-5224-4E02-80AC-A89C337BC2C3}"/>
+                  <a16:creationId xmlns:a16="http://schemas.microsoft.com/office/drawing/2014/main" xmlns="" id="{32E6D0BC-5224-4E02-80AC-A89C337BC2C3}"/>
                 </a:ext>
               </a:extLst>
             </p:cNvPr>
@@ -35658,7 +37729,7 @@
             <p:cNvPr id="73" name="Agrupar 72">
               <a:extLst>
                 <a:ext uri="{FF2B5EF4-FFF2-40B4-BE49-F238E27FC236}">
-                  <a16:creationId xmlns="" xmlns:a16="http://schemas.microsoft.com/office/drawing/2014/main" id="{9FE34A15-8645-4167-B0DF-DBE707D93196}"/>
+                  <a16:creationId xmlns:a16="http://schemas.microsoft.com/office/drawing/2014/main" xmlns="" id="{9FE34A15-8645-4167-B0DF-DBE707D93196}"/>
                 </a:ext>
               </a:extLst>
             </p:cNvPr>
@@ -35678,7 +37749,7 @@
               <p:cNvPr id="57" name="Retângulo: Cantos Arredondados 56">
                 <a:extLst>
                   <a:ext uri="{FF2B5EF4-FFF2-40B4-BE49-F238E27FC236}">
-                    <a16:creationId xmlns="" xmlns:a16="http://schemas.microsoft.com/office/drawing/2014/main" id="{C336AFFA-E4F7-4842-BA6A-09F0CF9FC794}"/>
+                    <a16:creationId xmlns:a16="http://schemas.microsoft.com/office/drawing/2014/main" xmlns="" id="{C336AFFA-E4F7-4842-BA6A-09F0CF9FC794}"/>
                   </a:ext>
                 </a:extLst>
               </p:cNvPr>
@@ -35734,7 +37805,7 @@
               <p:cNvPr id="71" name="Forma Livre: Forma 70">
                 <a:extLst>
                   <a:ext uri="{FF2B5EF4-FFF2-40B4-BE49-F238E27FC236}">
-                    <a16:creationId xmlns="" xmlns:a16="http://schemas.microsoft.com/office/drawing/2014/main" id="{E5B445B5-AFC2-4057-885A-86B469BBCCB0}"/>
+                    <a16:creationId xmlns:a16="http://schemas.microsoft.com/office/drawing/2014/main" xmlns="" id="{E5B445B5-AFC2-4057-885A-86B469BBCCB0}"/>
                   </a:ext>
                 </a:extLst>
               </p:cNvPr>
@@ -36053,7 +38124,7 @@
               <p:cNvPr id="68" name="Elipse 67">
                 <a:extLst>
                   <a:ext uri="{FF2B5EF4-FFF2-40B4-BE49-F238E27FC236}">
-                    <a16:creationId xmlns="" xmlns:a16="http://schemas.microsoft.com/office/drawing/2014/main" id="{527F53BA-79D2-411E-981E-8FFC7D88F997}"/>
+                    <a16:creationId xmlns:a16="http://schemas.microsoft.com/office/drawing/2014/main" xmlns="" id="{527F53BA-79D2-411E-981E-8FFC7D88F997}"/>
                   </a:ext>
                 </a:extLst>
               </p:cNvPr>
@@ -36106,7 +38177,7 @@
             <p:cNvPr id="87" name="Forma Livre: Forma 86">
               <a:extLst>
                 <a:ext uri="{FF2B5EF4-FFF2-40B4-BE49-F238E27FC236}">
-                  <a16:creationId xmlns="" xmlns:a16="http://schemas.microsoft.com/office/drawing/2014/main" id="{FBD7C831-DE71-4741-AFE0-837812D007B9}"/>
+                  <a16:creationId xmlns:a16="http://schemas.microsoft.com/office/drawing/2014/main" xmlns="" id="{FBD7C831-DE71-4741-AFE0-837812D007B9}"/>
                 </a:ext>
               </a:extLst>
             </p:cNvPr>
@@ -36849,7 +38920,7 @@
             <p:cNvPr id="91" name="Agrupar 90">
               <a:extLst>
                 <a:ext uri="{FF2B5EF4-FFF2-40B4-BE49-F238E27FC236}">
-                  <a16:creationId xmlns="" xmlns:a16="http://schemas.microsoft.com/office/drawing/2014/main" id="{A4083C36-A5AA-488B-9680-836F142B75D1}"/>
+                  <a16:creationId xmlns:a16="http://schemas.microsoft.com/office/drawing/2014/main" xmlns="" id="{A4083C36-A5AA-488B-9680-836F142B75D1}"/>
                 </a:ext>
               </a:extLst>
             </p:cNvPr>
@@ -36869,7 +38940,7 @@
               <p:cNvPr id="89" name="Retângulo: Cantos Arredondados 88">
                 <a:extLst>
                   <a:ext uri="{FF2B5EF4-FFF2-40B4-BE49-F238E27FC236}">
-                    <a16:creationId xmlns="" xmlns:a16="http://schemas.microsoft.com/office/drawing/2014/main" id="{D5EBA878-C390-4B40-8E0F-1971FDCEB45B}"/>
+                    <a16:creationId xmlns:a16="http://schemas.microsoft.com/office/drawing/2014/main" xmlns="" id="{D5EBA878-C390-4B40-8E0F-1971FDCEB45B}"/>
                   </a:ext>
                 </a:extLst>
               </p:cNvPr>
@@ -36923,7 +38994,7 @@
               <p:cNvPr id="90" name="Retângulo: Cantos Arredondados 89">
                 <a:extLst>
                   <a:ext uri="{FF2B5EF4-FFF2-40B4-BE49-F238E27FC236}">
-                    <a16:creationId xmlns="" xmlns:a16="http://schemas.microsoft.com/office/drawing/2014/main" id="{1BA872B5-444F-4723-8435-EBB011F75A9F}"/>
+                    <a16:creationId xmlns:a16="http://schemas.microsoft.com/office/drawing/2014/main" xmlns="" id="{1BA872B5-444F-4723-8435-EBB011F75A9F}"/>
                   </a:ext>
                 </a:extLst>
               </p:cNvPr>
@@ -36978,7 +39049,7 @@
             <p:cNvPr id="92" name="Agrupar 91">
               <a:extLst>
                 <a:ext uri="{FF2B5EF4-FFF2-40B4-BE49-F238E27FC236}">
-                  <a16:creationId xmlns="" xmlns:a16="http://schemas.microsoft.com/office/drawing/2014/main" id="{546743D0-9BF5-4977-9B06-480957C722AF}"/>
+                  <a16:creationId xmlns:a16="http://schemas.microsoft.com/office/drawing/2014/main" xmlns="" id="{546743D0-9BF5-4977-9B06-480957C722AF}"/>
                 </a:ext>
               </a:extLst>
             </p:cNvPr>
@@ -36998,7 +39069,7 @@
               <p:cNvPr id="93" name="Retângulo: Cantos Arredondados 92">
                 <a:extLst>
                   <a:ext uri="{FF2B5EF4-FFF2-40B4-BE49-F238E27FC236}">
-                    <a16:creationId xmlns="" xmlns:a16="http://schemas.microsoft.com/office/drawing/2014/main" id="{71EE00CC-8324-4062-8AB0-F586EE792436}"/>
+                    <a16:creationId xmlns:a16="http://schemas.microsoft.com/office/drawing/2014/main" xmlns="" id="{71EE00CC-8324-4062-8AB0-F586EE792436}"/>
                   </a:ext>
                 </a:extLst>
               </p:cNvPr>
@@ -37052,7 +39123,7 @@
               <p:cNvPr id="94" name="Retângulo: Cantos Arredondados 93">
                 <a:extLst>
                   <a:ext uri="{FF2B5EF4-FFF2-40B4-BE49-F238E27FC236}">
-                    <a16:creationId xmlns="" xmlns:a16="http://schemas.microsoft.com/office/drawing/2014/main" id="{43A97C27-B5AF-47A0-9E37-E19F5ECA7644}"/>
+                    <a16:creationId xmlns:a16="http://schemas.microsoft.com/office/drawing/2014/main" xmlns="" id="{43A97C27-B5AF-47A0-9E37-E19F5ECA7644}"/>
                   </a:ext>
                 </a:extLst>
               </p:cNvPr>
@@ -37107,7 +39178,7 @@
             <p:cNvPr id="106" name="Agrupar 105">
               <a:extLst>
                 <a:ext uri="{FF2B5EF4-FFF2-40B4-BE49-F238E27FC236}">
-                  <a16:creationId xmlns="" xmlns:a16="http://schemas.microsoft.com/office/drawing/2014/main" id="{9DC5C874-5349-4E05-A6A0-24FF2821AAAC}"/>
+                  <a16:creationId xmlns:a16="http://schemas.microsoft.com/office/drawing/2014/main" xmlns="" id="{9DC5C874-5349-4E05-A6A0-24FF2821AAAC}"/>
                 </a:ext>
               </a:extLst>
             </p:cNvPr>
@@ -37127,7 +39198,7 @@
               <p:cNvPr id="102" name="Forma Livre: Forma 101">
                 <a:extLst>
                   <a:ext uri="{FF2B5EF4-FFF2-40B4-BE49-F238E27FC236}">
-                    <a16:creationId xmlns="" xmlns:a16="http://schemas.microsoft.com/office/drawing/2014/main" id="{8664E959-F4DB-4AF6-B1F8-06F49DB55533}"/>
+                    <a16:creationId xmlns:a16="http://schemas.microsoft.com/office/drawing/2014/main" xmlns="" id="{8664E959-F4DB-4AF6-B1F8-06F49DB55533}"/>
                   </a:ext>
                 </a:extLst>
               </p:cNvPr>
@@ -37287,7 +39358,7 @@
               <p:cNvPr id="104" name="Retângulo 103">
                 <a:extLst>
                   <a:ext uri="{FF2B5EF4-FFF2-40B4-BE49-F238E27FC236}">
-                    <a16:creationId xmlns="" xmlns:a16="http://schemas.microsoft.com/office/drawing/2014/main" id="{D7BD7480-778F-4C2C-989D-A2E225CE8C9A}"/>
+                    <a16:creationId xmlns:a16="http://schemas.microsoft.com/office/drawing/2014/main" xmlns="" id="{D7BD7480-778F-4C2C-989D-A2E225CE8C9A}"/>
                   </a:ext>
                 </a:extLst>
               </p:cNvPr>
@@ -37339,7 +39410,7 @@
               <p:cNvPr id="105" name="Forma Livre: Forma 104">
                 <a:extLst>
                   <a:ext uri="{FF2B5EF4-FFF2-40B4-BE49-F238E27FC236}">
-                    <a16:creationId xmlns="" xmlns:a16="http://schemas.microsoft.com/office/drawing/2014/main" id="{48637B6E-8631-4826-8083-9DB2E326D6B7}"/>
+                    <a16:creationId xmlns:a16="http://schemas.microsoft.com/office/drawing/2014/main" xmlns="" id="{48637B6E-8631-4826-8083-9DB2E326D6B7}"/>
                   </a:ext>
                 </a:extLst>
               </p:cNvPr>
@@ -37500,7 +39571,7 @@
             <p:cNvPr id="107" name="Agrupar 106">
               <a:extLst>
                 <a:ext uri="{FF2B5EF4-FFF2-40B4-BE49-F238E27FC236}">
-                  <a16:creationId xmlns="" xmlns:a16="http://schemas.microsoft.com/office/drawing/2014/main" id="{506823EA-3FC9-4196-BEFD-C448FDAB12CE}"/>
+                  <a16:creationId xmlns:a16="http://schemas.microsoft.com/office/drawing/2014/main" xmlns="" id="{506823EA-3FC9-4196-BEFD-C448FDAB12CE}"/>
                 </a:ext>
               </a:extLst>
             </p:cNvPr>
@@ -37520,7 +39591,7 @@
               <p:cNvPr id="108" name="Forma Livre: Forma 107">
                 <a:extLst>
                   <a:ext uri="{FF2B5EF4-FFF2-40B4-BE49-F238E27FC236}">
-                    <a16:creationId xmlns="" xmlns:a16="http://schemas.microsoft.com/office/drawing/2014/main" id="{C8F6B5D3-BA40-479E-9922-FA5F29F7438B}"/>
+                    <a16:creationId xmlns:a16="http://schemas.microsoft.com/office/drawing/2014/main" xmlns="" id="{C8F6B5D3-BA40-479E-9922-FA5F29F7438B}"/>
                   </a:ext>
                 </a:extLst>
               </p:cNvPr>
@@ -37655,7 +39726,7 @@
               <p:cNvPr id="109" name="Forma Livre: Forma 108">
                 <a:extLst>
                   <a:ext uri="{FF2B5EF4-FFF2-40B4-BE49-F238E27FC236}">
-                    <a16:creationId xmlns="" xmlns:a16="http://schemas.microsoft.com/office/drawing/2014/main" id="{E802B2CF-95C1-4EB2-BD1A-0F5C25F938FF}"/>
+                    <a16:creationId xmlns:a16="http://schemas.microsoft.com/office/drawing/2014/main" xmlns="" id="{E802B2CF-95C1-4EB2-BD1A-0F5C25F938FF}"/>
                   </a:ext>
                 </a:extLst>
               </p:cNvPr>
@@ -37790,7 +39861,7 @@
               <p:cNvPr id="110" name="Elipse 109">
                 <a:extLst>
                   <a:ext uri="{FF2B5EF4-FFF2-40B4-BE49-F238E27FC236}">
-                    <a16:creationId xmlns="" xmlns:a16="http://schemas.microsoft.com/office/drawing/2014/main" id="{895EC924-6BE2-4CFF-8A33-0E2AB024DAE1}"/>
+                    <a16:creationId xmlns:a16="http://schemas.microsoft.com/office/drawing/2014/main" xmlns="" id="{895EC924-6BE2-4CFF-8A33-0E2AB024DAE1}"/>
                   </a:ext>
                 </a:extLst>
               </p:cNvPr>
@@ -37842,7 +39913,7 @@
               <p:cNvPr id="111" name="Retângulo: Cantos Arredondados 110">
                 <a:extLst>
                   <a:ext uri="{FF2B5EF4-FFF2-40B4-BE49-F238E27FC236}">
-                    <a16:creationId xmlns="" xmlns:a16="http://schemas.microsoft.com/office/drawing/2014/main" id="{4BDB2D4F-428B-4635-BB83-B1E7C79E966E}"/>
+                    <a16:creationId xmlns:a16="http://schemas.microsoft.com/office/drawing/2014/main" xmlns="" id="{4BDB2D4F-428B-4635-BB83-B1E7C79E966E}"/>
                   </a:ext>
                 </a:extLst>
               </p:cNvPr>
@@ -37896,7 +39967,7 @@
               <p:cNvPr id="112" name="Retângulo: Cantos Arredondados 111">
                 <a:extLst>
                   <a:ext uri="{FF2B5EF4-FFF2-40B4-BE49-F238E27FC236}">
-                    <a16:creationId xmlns="" xmlns:a16="http://schemas.microsoft.com/office/drawing/2014/main" id="{9260998D-CE47-412D-AD06-F84D175B98AC}"/>
+                    <a16:creationId xmlns:a16="http://schemas.microsoft.com/office/drawing/2014/main" xmlns="" id="{9260998D-CE47-412D-AD06-F84D175B98AC}"/>
                   </a:ext>
                 </a:extLst>
               </p:cNvPr>
@@ -37950,7 +40021,7 @@
               <p:cNvPr id="113" name="Retângulo: Cantos Arredondados 112">
                 <a:extLst>
                   <a:ext uri="{FF2B5EF4-FFF2-40B4-BE49-F238E27FC236}">
-                    <a16:creationId xmlns="" xmlns:a16="http://schemas.microsoft.com/office/drawing/2014/main" id="{6D67DA82-6FD4-4F6B-9B37-E66C498A9AA9}"/>
+                    <a16:creationId xmlns:a16="http://schemas.microsoft.com/office/drawing/2014/main" xmlns="" id="{6D67DA82-6FD4-4F6B-9B37-E66C498A9AA9}"/>
                   </a:ext>
                 </a:extLst>
               </p:cNvPr>
@@ -38005,7 +40076,7 @@
             <p:cNvPr id="2" name="Forma Livre: Forma 1">
               <a:extLst>
                 <a:ext uri="{FF2B5EF4-FFF2-40B4-BE49-F238E27FC236}">
-                  <a16:creationId xmlns="" xmlns:a16="http://schemas.microsoft.com/office/drawing/2014/main" id="{5AA231EB-8067-4D08-B7D8-E8754103746F}"/>
+                  <a16:creationId xmlns:a16="http://schemas.microsoft.com/office/drawing/2014/main" xmlns="" id="{5AA231EB-8067-4D08-B7D8-E8754103746F}"/>
                 </a:ext>
               </a:extLst>
             </p:cNvPr>
@@ -38723,7 +40794,7 @@
             <p:cNvPr id="3" name="Retângulo: Cantos Arredondados 2">
               <a:extLst>
                 <a:ext uri="{FF2B5EF4-FFF2-40B4-BE49-F238E27FC236}">
-                  <a16:creationId xmlns="" xmlns:a16="http://schemas.microsoft.com/office/drawing/2014/main" id="{44C6775D-5041-4878-AA02-F705A13540D9}"/>
+                  <a16:creationId xmlns:a16="http://schemas.microsoft.com/office/drawing/2014/main" xmlns="" id="{44C6775D-5041-4878-AA02-F705A13540D9}"/>
                 </a:ext>
               </a:extLst>
             </p:cNvPr>
@@ -38777,7 +40848,7 @@
             <p:cNvPr id="40" name="Retângulo: Cantos Arredondados 39">
               <a:extLst>
                 <a:ext uri="{FF2B5EF4-FFF2-40B4-BE49-F238E27FC236}">
-                  <a16:creationId xmlns="" xmlns:a16="http://schemas.microsoft.com/office/drawing/2014/main" id="{6D9E1857-21BE-415D-9E5E-D6638BFD720B}"/>
+                  <a16:creationId xmlns:a16="http://schemas.microsoft.com/office/drawing/2014/main" xmlns="" id="{6D9E1857-21BE-415D-9E5E-D6638BFD720B}"/>
                 </a:ext>
               </a:extLst>
             </p:cNvPr>
@@ -39038,7 +41109,7 @@
           <p:cNvPr id="73" name="Retângulo: Cantos Arredondados 72">
             <a:extLst>
               <a:ext uri="{FF2B5EF4-FFF2-40B4-BE49-F238E27FC236}">
-                <a16:creationId xmlns="" xmlns:a16="http://schemas.microsoft.com/office/drawing/2014/main" id="{3776B7C3-79BF-42BB-AFCA-7B914CC5A530}"/>
+                <a16:creationId xmlns:a16="http://schemas.microsoft.com/office/drawing/2014/main" xmlns="" id="{3776B7C3-79BF-42BB-AFCA-7B914CC5A530}"/>
               </a:ext>
             </a:extLst>
           </p:cNvPr>
@@ -39092,7 +41163,7 @@
           <p:cNvPr id="72" name="Retângulo: Cantos Arredondados 71">
             <a:extLst>
               <a:ext uri="{FF2B5EF4-FFF2-40B4-BE49-F238E27FC236}">
-                <a16:creationId xmlns="" xmlns:a16="http://schemas.microsoft.com/office/drawing/2014/main" id="{82990AFB-1CD1-4797-8B2A-22094779DEC4}"/>
+                <a16:creationId xmlns:a16="http://schemas.microsoft.com/office/drawing/2014/main" xmlns="" id="{82990AFB-1CD1-4797-8B2A-22094779DEC4}"/>
               </a:ext>
             </a:extLst>
           </p:cNvPr>
@@ -39146,7 +41217,7 @@
           <p:cNvPr id="51" name="Retângulo: Cantos Arredondados 50">
             <a:extLst>
               <a:ext uri="{FF2B5EF4-FFF2-40B4-BE49-F238E27FC236}">
-                <a16:creationId xmlns="" xmlns:a16="http://schemas.microsoft.com/office/drawing/2014/main" id="{EA8D339A-3BEF-4EB7-9A9C-104EF6E2149F}"/>
+                <a16:creationId xmlns:a16="http://schemas.microsoft.com/office/drawing/2014/main" xmlns="" id="{EA8D339A-3BEF-4EB7-9A9C-104EF6E2149F}"/>
               </a:ext>
             </a:extLst>
           </p:cNvPr>
@@ -39200,7 +41271,7 @@
           <p:cNvPr id="52" name="Retângulo: Cantos Arredondados 51">
             <a:extLst>
               <a:ext uri="{FF2B5EF4-FFF2-40B4-BE49-F238E27FC236}">
-                <a16:creationId xmlns="" xmlns:a16="http://schemas.microsoft.com/office/drawing/2014/main" id="{868A3825-BADD-4E4A-9947-35E44039B0AC}"/>
+                <a16:creationId xmlns:a16="http://schemas.microsoft.com/office/drawing/2014/main" xmlns="" id="{868A3825-BADD-4E4A-9947-35E44039B0AC}"/>
               </a:ext>
             </a:extLst>
           </p:cNvPr>
@@ -39254,7 +41325,7 @@
           <p:cNvPr id="50" name="Agrupar 49">
             <a:extLst>
               <a:ext uri="{FF2B5EF4-FFF2-40B4-BE49-F238E27FC236}">
-                <a16:creationId xmlns="" xmlns:a16="http://schemas.microsoft.com/office/drawing/2014/main" id="{1F846C04-AA34-4FFE-8358-B035A411770B}"/>
+                <a16:creationId xmlns:a16="http://schemas.microsoft.com/office/drawing/2014/main" xmlns="" id="{1F846C04-AA34-4FFE-8358-B035A411770B}"/>
               </a:ext>
             </a:extLst>
           </p:cNvPr>
@@ -39274,7 +41345,7 @@
             <p:cNvPr id="4" name="Retângulo: Cantos Arredondados 3">
               <a:extLst>
                 <a:ext uri="{FF2B5EF4-FFF2-40B4-BE49-F238E27FC236}">
-                  <a16:creationId xmlns="" xmlns:a16="http://schemas.microsoft.com/office/drawing/2014/main" id="{E1CD0C35-1A92-4DF6-85F2-4F43649D3F16}"/>
+                  <a16:creationId xmlns:a16="http://schemas.microsoft.com/office/drawing/2014/main" xmlns="" id="{E1CD0C35-1A92-4DF6-85F2-4F43649D3F16}"/>
                 </a:ext>
               </a:extLst>
             </p:cNvPr>
@@ -39328,7 +41399,7 @@
             <p:cNvPr id="16" name="Retângulo: Cantos Arredondados 15">
               <a:extLst>
                 <a:ext uri="{FF2B5EF4-FFF2-40B4-BE49-F238E27FC236}">
-                  <a16:creationId xmlns="" xmlns:a16="http://schemas.microsoft.com/office/drawing/2014/main" id="{2FE37A45-A208-46CD-8D90-F64E8990BD61}"/>
+                  <a16:creationId xmlns:a16="http://schemas.microsoft.com/office/drawing/2014/main" xmlns="" id="{2FE37A45-A208-46CD-8D90-F64E8990BD61}"/>
                 </a:ext>
               </a:extLst>
             </p:cNvPr>
@@ -39384,7 +41455,7 @@
             <p:cNvPr id="34" name="Forma Livre: Forma 33">
               <a:extLst>
                 <a:ext uri="{FF2B5EF4-FFF2-40B4-BE49-F238E27FC236}">
-                  <a16:creationId xmlns="" xmlns:a16="http://schemas.microsoft.com/office/drawing/2014/main" id="{8F7A9C6C-7FF3-4794-9532-7207E2B80FB5}"/>
+                  <a16:creationId xmlns:a16="http://schemas.microsoft.com/office/drawing/2014/main" xmlns="" id="{8F7A9C6C-7FF3-4794-9532-7207E2B80FB5}"/>
                 </a:ext>
               </a:extLst>
             </p:cNvPr>
@@ -39559,7 +41630,7 @@
             <p:cNvPr id="38" name="Retângulo: Cantos Arredondados 37">
               <a:extLst>
                 <a:ext uri="{FF2B5EF4-FFF2-40B4-BE49-F238E27FC236}">
-                  <a16:creationId xmlns="" xmlns:a16="http://schemas.microsoft.com/office/drawing/2014/main" id="{DE13D433-7173-4D78-99E3-54F285628D82}"/>
+                  <a16:creationId xmlns:a16="http://schemas.microsoft.com/office/drawing/2014/main" xmlns="" id="{DE13D433-7173-4D78-99E3-54F285628D82}"/>
                 </a:ext>
               </a:extLst>
             </p:cNvPr>
@@ -39613,7 +41684,7 @@
             <p:cNvPr id="39" name="Arco 38">
               <a:extLst>
                 <a:ext uri="{FF2B5EF4-FFF2-40B4-BE49-F238E27FC236}">
-                  <a16:creationId xmlns="" xmlns:a16="http://schemas.microsoft.com/office/drawing/2014/main" id="{34E52CD8-4121-4706-96D4-64A64B692159}"/>
+                  <a16:creationId xmlns:a16="http://schemas.microsoft.com/office/drawing/2014/main" xmlns="" id="{34E52CD8-4121-4706-96D4-64A64B692159}"/>
                 </a:ext>
               </a:extLst>
             </p:cNvPr>
@@ -39657,7 +41728,7 @@
             <p:cNvPr id="49" name="Elipse 48">
               <a:extLst>
                 <a:ext uri="{FF2B5EF4-FFF2-40B4-BE49-F238E27FC236}">
-                  <a16:creationId xmlns="" xmlns:a16="http://schemas.microsoft.com/office/drawing/2014/main" id="{19E209B0-0F48-43DA-B5C4-35885CAEEEE8}"/>
+                  <a16:creationId xmlns:a16="http://schemas.microsoft.com/office/drawing/2014/main" xmlns="" id="{19E209B0-0F48-43DA-B5C4-35885CAEEEE8}"/>
                 </a:ext>
               </a:extLst>
             </p:cNvPr>
@@ -39711,7 +41782,7 @@
             <p:cNvPr id="9" name="Retângulo: Cantos Arredondados 8">
               <a:extLst>
                 <a:ext uri="{FF2B5EF4-FFF2-40B4-BE49-F238E27FC236}">
-                  <a16:creationId xmlns="" xmlns:a16="http://schemas.microsoft.com/office/drawing/2014/main" id="{147D1FD6-36C7-4811-B43D-8F2BAAB424C4}"/>
+                  <a16:creationId xmlns:a16="http://schemas.microsoft.com/office/drawing/2014/main" xmlns="" id="{147D1FD6-36C7-4811-B43D-8F2BAAB424C4}"/>
                 </a:ext>
               </a:extLst>
             </p:cNvPr>
@@ -39768,7 +41839,7 @@
           <p:cNvPr id="60" name="Retângulo: Cantos Arredondados 59">
             <a:extLst>
               <a:ext uri="{FF2B5EF4-FFF2-40B4-BE49-F238E27FC236}">
-                <a16:creationId xmlns="" xmlns:a16="http://schemas.microsoft.com/office/drawing/2014/main" id="{986C0052-8702-4C43-8224-3E4167A76C33}"/>
+                <a16:creationId xmlns:a16="http://schemas.microsoft.com/office/drawing/2014/main" xmlns="" id="{986C0052-8702-4C43-8224-3E4167A76C33}"/>
               </a:ext>
             </a:extLst>
           </p:cNvPr>
@@ -39822,7 +41893,7 @@
           <p:cNvPr id="53" name="Agrupar 52">
             <a:extLst>
               <a:ext uri="{FF2B5EF4-FFF2-40B4-BE49-F238E27FC236}">
-                <a16:creationId xmlns="" xmlns:a16="http://schemas.microsoft.com/office/drawing/2014/main" id="{2E702A17-2898-4B28-B1ED-147F9E130312}"/>
+                <a16:creationId xmlns:a16="http://schemas.microsoft.com/office/drawing/2014/main" xmlns="" id="{2E702A17-2898-4B28-B1ED-147F9E130312}"/>
               </a:ext>
             </a:extLst>
           </p:cNvPr>
@@ -39842,7 +41913,7 @@
             <p:cNvPr id="54" name="Forma Livre: Forma 53">
               <a:extLst>
                 <a:ext uri="{FF2B5EF4-FFF2-40B4-BE49-F238E27FC236}">
-                  <a16:creationId xmlns="" xmlns:a16="http://schemas.microsoft.com/office/drawing/2014/main" id="{DF4A9B54-5019-4ACA-B33E-69669B534778}"/>
+                  <a16:creationId xmlns:a16="http://schemas.microsoft.com/office/drawing/2014/main" xmlns="" id="{DF4A9B54-5019-4ACA-B33E-69669B534778}"/>
                 </a:ext>
               </a:extLst>
             </p:cNvPr>
@@ -39977,7 +42048,7 @@
             <p:cNvPr id="55" name="Forma Livre: Forma 54">
               <a:extLst>
                 <a:ext uri="{FF2B5EF4-FFF2-40B4-BE49-F238E27FC236}">
-                  <a16:creationId xmlns="" xmlns:a16="http://schemas.microsoft.com/office/drawing/2014/main" id="{071319DE-C6D1-4DE8-863D-348CB105AB0C}"/>
+                  <a16:creationId xmlns:a16="http://schemas.microsoft.com/office/drawing/2014/main" xmlns="" id="{071319DE-C6D1-4DE8-863D-348CB105AB0C}"/>
                 </a:ext>
               </a:extLst>
             </p:cNvPr>
@@ -40112,7 +42183,7 @@
             <p:cNvPr id="56" name="Elipse 55">
               <a:extLst>
                 <a:ext uri="{FF2B5EF4-FFF2-40B4-BE49-F238E27FC236}">
-                  <a16:creationId xmlns="" xmlns:a16="http://schemas.microsoft.com/office/drawing/2014/main" id="{1F4808E3-8B5B-4311-9A39-AB7BEF1B4752}"/>
+                  <a16:creationId xmlns:a16="http://schemas.microsoft.com/office/drawing/2014/main" xmlns="" id="{1F4808E3-8B5B-4311-9A39-AB7BEF1B4752}"/>
                 </a:ext>
               </a:extLst>
             </p:cNvPr>
@@ -40164,7 +42235,7 @@
             <p:cNvPr id="57" name="Retângulo: Cantos Arredondados 56">
               <a:extLst>
                 <a:ext uri="{FF2B5EF4-FFF2-40B4-BE49-F238E27FC236}">
-                  <a16:creationId xmlns="" xmlns:a16="http://schemas.microsoft.com/office/drawing/2014/main" id="{7F6F7338-4708-409B-8FAC-7359C58EA920}"/>
+                  <a16:creationId xmlns:a16="http://schemas.microsoft.com/office/drawing/2014/main" xmlns="" id="{7F6F7338-4708-409B-8FAC-7359C58EA920}"/>
                 </a:ext>
               </a:extLst>
             </p:cNvPr>
@@ -40218,7 +42289,7 @@
             <p:cNvPr id="58" name="Retângulo: Cantos Arredondados 57">
               <a:extLst>
                 <a:ext uri="{FF2B5EF4-FFF2-40B4-BE49-F238E27FC236}">
-                  <a16:creationId xmlns="" xmlns:a16="http://schemas.microsoft.com/office/drawing/2014/main" id="{AD0455BC-28A4-47CC-8A15-F54E9336A8E3}"/>
+                  <a16:creationId xmlns:a16="http://schemas.microsoft.com/office/drawing/2014/main" xmlns="" id="{AD0455BC-28A4-47CC-8A15-F54E9336A8E3}"/>
                 </a:ext>
               </a:extLst>
             </p:cNvPr>
@@ -40272,7 +42343,7 @@
             <p:cNvPr id="59" name="Retângulo: Cantos Arredondados 58">
               <a:extLst>
                 <a:ext uri="{FF2B5EF4-FFF2-40B4-BE49-F238E27FC236}">
-                  <a16:creationId xmlns="" xmlns:a16="http://schemas.microsoft.com/office/drawing/2014/main" id="{A2319829-9A0E-494A-9D61-30617BF7AE25}"/>
+                  <a16:creationId xmlns:a16="http://schemas.microsoft.com/office/drawing/2014/main" xmlns="" id="{A2319829-9A0E-494A-9D61-30617BF7AE25}"/>
                 </a:ext>
               </a:extLst>
             </p:cNvPr>
@@ -40327,7 +42398,7 @@
           <p:cNvPr id="69" name="Agrupar 68">
             <a:extLst>
               <a:ext uri="{FF2B5EF4-FFF2-40B4-BE49-F238E27FC236}">
-                <a16:creationId xmlns="" xmlns:a16="http://schemas.microsoft.com/office/drawing/2014/main" id="{873DBAFC-B2D9-48BD-BEF1-67AFA466B468}"/>
+                <a16:creationId xmlns:a16="http://schemas.microsoft.com/office/drawing/2014/main" xmlns="" id="{873DBAFC-B2D9-48BD-BEF1-67AFA466B468}"/>
               </a:ext>
             </a:extLst>
           </p:cNvPr>
@@ -40347,7 +42418,7 @@
             <p:cNvPr id="63" name="Forma Livre: Forma 62">
               <a:extLst>
                 <a:ext uri="{FF2B5EF4-FFF2-40B4-BE49-F238E27FC236}">
-                  <a16:creationId xmlns="" xmlns:a16="http://schemas.microsoft.com/office/drawing/2014/main" id="{732A7F49-29BB-40AD-A01A-CDF9A019AB31}"/>
+                  <a16:creationId xmlns:a16="http://schemas.microsoft.com/office/drawing/2014/main" xmlns="" id="{732A7F49-29BB-40AD-A01A-CDF9A019AB31}"/>
                 </a:ext>
               </a:extLst>
             </p:cNvPr>
@@ -40465,7 +42536,7 @@
             <p:cNvPr id="64" name="Retângulo: Cantos Arredondados 63">
               <a:extLst>
                 <a:ext uri="{FF2B5EF4-FFF2-40B4-BE49-F238E27FC236}">
-                  <a16:creationId xmlns="" xmlns:a16="http://schemas.microsoft.com/office/drawing/2014/main" id="{9DD2BE84-75E1-429F-A051-048A4BD6D06E}"/>
+                  <a16:creationId xmlns:a16="http://schemas.microsoft.com/office/drawing/2014/main" xmlns="" id="{9DD2BE84-75E1-429F-A051-048A4BD6D06E}"/>
                 </a:ext>
               </a:extLst>
             </p:cNvPr>
@@ -40514,7 +42585,7 @@
             <p:cNvPr id="65" name="Retângulo 64">
               <a:extLst>
                 <a:ext uri="{FF2B5EF4-FFF2-40B4-BE49-F238E27FC236}">
-                  <a16:creationId xmlns="" xmlns:a16="http://schemas.microsoft.com/office/drawing/2014/main" id="{3441E99E-5063-4C2E-BBEB-1966487B9ABA}"/>
+                  <a16:creationId xmlns:a16="http://schemas.microsoft.com/office/drawing/2014/main" xmlns="" id="{3441E99E-5063-4C2E-BBEB-1966487B9ABA}"/>
                 </a:ext>
               </a:extLst>
             </p:cNvPr>
@@ -40563,7 +42634,7 @@
             <p:cNvPr id="66" name="Elipse 65">
               <a:extLst>
                 <a:ext uri="{FF2B5EF4-FFF2-40B4-BE49-F238E27FC236}">
-                  <a16:creationId xmlns="" xmlns:a16="http://schemas.microsoft.com/office/drawing/2014/main" id="{9B34FA7D-EA7D-4F42-8A24-6C5FA483256D}"/>
+                  <a16:creationId xmlns:a16="http://schemas.microsoft.com/office/drawing/2014/main" xmlns="" id="{9B34FA7D-EA7D-4F42-8A24-6C5FA483256D}"/>
                 </a:ext>
               </a:extLst>
             </p:cNvPr>
@@ -40612,7 +42683,7 @@
             <p:cNvPr id="67" name="Elipse 66">
               <a:extLst>
                 <a:ext uri="{FF2B5EF4-FFF2-40B4-BE49-F238E27FC236}">
-                  <a16:creationId xmlns="" xmlns:a16="http://schemas.microsoft.com/office/drawing/2014/main" id="{1F62C3E8-96E3-4CE1-8309-02350FB5C5D6}"/>
+                  <a16:creationId xmlns:a16="http://schemas.microsoft.com/office/drawing/2014/main" xmlns="" id="{1F62C3E8-96E3-4CE1-8309-02350FB5C5D6}"/>
                 </a:ext>
               </a:extLst>
             </p:cNvPr>
@@ -40661,7 +42732,7 @@
             <p:cNvPr id="68" name="Elipse 67">
               <a:extLst>
                 <a:ext uri="{FF2B5EF4-FFF2-40B4-BE49-F238E27FC236}">
-                  <a16:creationId xmlns="" xmlns:a16="http://schemas.microsoft.com/office/drawing/2014/main" id="{07D60A97-004E-4482-AAC9-5F9B1DB7ADA8}"/>
+                  <a16:creationId xmlns:a16="http://schemas.microsoft.com/office/drawing/2014/main" xmlns="" id="{07D60A97-004E-4482-AAC9-5F9B1DB7ADA8}"/>
                 </a:ext>
               </a:extLst>
             </p:cNvPr>
@@ -40714,7 +42785,7 @@
           <p:cNvPr id="70" name="Elipse 69">
             <a:extLst>
               <a:ext uri="{FF2B5EF4-FFF2-40B4-BE49-F238E27FC236}">
-                <a16:creationId xmlns="" xmlns:a16="http://schemas.microsoft.com/office/drawing/2014/main" id="{8B83A884-A997-4A70-AE78-0DDA075FFCA3}"/>
+                <a16:creationId xmlns:a16="http://schemas.microsoft.com/office/drawing/2014/main" xmlns="" id="{8B83A884-A997-4A70-AE78-0DDA075FFCA3}"/>
               </a:ext>
             </a:extLst>
           </p:cNvPr>
@@ -40766,7 +42837,7 @@
           <p:cNvPr id="71" name="Elipse 70">
             <a:extLst>
               <a:ext uri="{FF2B5EF4-FFF2-40B4-BE49-F238E27FC236}">
-                <a16:creationId xmlns="" xmlns:a16="http://schemas.microsoft.com/office/drawing/2014/main" id="{A46093A4-0A11-4623-9B66-3000FA9F715B}"/>
+                <a16:creationId xmlns:a16="http://schemas.microsoft.com/office/drawing/2014/main" xmlns="" id="{A46093A4-0A11-4623-9B66-3000FA9F715B}"/>
               </a:ext>
             </a:extLst>
           </p:cNvPr>
@@ -40818,7 +42889,7 @@
           <p:cNvPr id="74" name="Elipse 73">
             <a:extLst>
               <a:ext uri="{FF2B5EF4-FFF2-40B4-BE49-F238E27FC236}">
-                <a16:creationId xmlns="" xmlns:a16="http://schemas.microsoft.com/office/drawing/2014/main" id="{FF986633-9342-44AB-B322-DC0953F2D6E7}"/>
+                <a16:creationId xmlns:a16="http://schemas.microsoft.com/office/drawing/2014/main" xmlns="" id="{FF986633-9342-44AB-B322-DC0953F2D6E7}"/>
               </a:ext>
             </a:extLst>
           </p:cNvPr>
@@ -40870,7 +42941,7 @@
           <p:cNvPr id="75" name="Elipse 74">
             <a:extLst>
               <a:ext uri="{FF2B5EF4-FFF2-40B4-BE49-F238E27FC236}">
-                <a16:creationId xmlns="" xmlns:a16="http://schemas.microsoft.com/office/drawing/2014/main" id="{8E77F86A-60D2-4B9C-AD9C-E9E769855084}"/>
+                <a16:creationId xmlns:a16="http://schemas.microsoft.com/office/drawing/2014/main" xmlns="" id="{8E77F86A-60D2-4B9C-AD9C-E9E769855084}"/>
               </a:ext>
             </a:extLst>
           </p:cNvPr>
@@ -40922,7 +42993,7 @@
           <p:cNvPr id="76" name="CaixaDeTexto 75">
             <a:extLst>
               <a:ext uri="{FF2B5EF4-FFF2-40B4-BE49-F238E27FC236}">
-                <a16:creationId xmlns="" xmlns:a16="http://schemas.microsoft.com/office/drawing/2014/main" id="{14484AD2-1219-45D1-9D1C-8DD6619D8F49}"/>
+                <a16:creationId xmlns:a16="http://schemas.microsoft.com/office/drawing/2014/main" xmlns="" id="{14484AD2-1219-45D1-9D1C-8DD6619D8F49}"/>
               </a:ext>
             </a:extLst>
           </p:cNvPr>
@@ -41550,7 +43621,7 @@
   <a:extraClrSchemeLst/>
   <a:extLst>
     <a:ext uri="{05A4C25C-085E-4340-85A3-A5531E510DB2}">
-      <thm15:themeFamily xmlns="" xmlns:thm15="http://schemas.microsoft.com/office/thememl/2012/main" name="Office Theme" id="{62F939B6-93AF-4DB8-9C6B-D6C7DFDC589F}" vid="{4A3C46E8-61CC-4603-A589-7422A47A8E4A}"/>
+      <thm15:themeFamily xmlns:thm15="http://schemas.microsoft.com/office/thememl/2012/main" xmlns="" name="Office Theme" id="{62F939B6-93AF-4DB8-9C6B-D6C7DFDC589F}" vid="{4A3C46E8-61CC-4603-A589-7422A47A8E4A}"/>
     </a:ext>
   </a:extLst>
 </a:theme>

--- a/Stud+/Logos.pptx
+++ b/Stud+/Logos.pptx
@@ -5,7 +5,7 @@
     <p:sldMasterId id="2147483648" r:id="rId1"/>
   </p:sldMasterIdLst>
   <p:notesMasterIdLst>
-    <p:notesMasterId r:id="rId21"/>
+    <p:notesMasterId r:id="rId23"/>
   </p:notesMasterIdLst>
   <p:sldIdLst>
     <p:sldId id="257" r:id="rId2"/>
@@ -27,6 +27,8 @@
     <p:sldId id="273" r:id="rId18"/>
     <p:sldId id="275" r:id="rId19"/>
     <p:sldId id="276" r:id="rId20"/>
+    <p:sldId id="277" r:id="rId21"/>
+    <p:sldId id="278" r:id="rId22"/>
   </p:sldIdLst>
   <p:sldSz cx="9144000" cy="6858000" type="screen4x3"/>
   <p:notesSz cx="6858000" cy="9144000"/>
@@ -234,7 +236,7 @@
           <a:p>
             <a:fld id="{2E3565AC-2010-4826-AD28-955C7DE3B687}" type="datetimeFigureOut">
               <a:rPr lang="pt-BR" smtClean="0"/>
-              <a:t>03/09/2018</a:t>
+              <a:t>04/09/2018</a:t>
             </a:fld>
             <a:endParaRPr lang="pt-BR"/>
           </a:p>
@@ -764,7 +766,7 @@
           <a:p>
             <a:fld id="{EC480AC6-A53D-47BC-9837-AD279F9F4920}" type="datetimeFigureOut">
               <a:rPr lang="pt-BR" smtClean="0"/>
-              <a:t>03/09/2018</a:t>
+              <a:t>04/09/2018</a:t>
             </a:fld>
             <a:endParaRPr lang="pt-BR"/>
           </a:p>
@@ -932,7 +934,7 @@
           <a:p>
             <a:fld id="{EC480AC6-A53D-47BC-9837-AD279F9F4920}" type="datetimeFigureOut">
               <a:rPr lang="pt-BR" smtClean="0"/>
-              <a:t>03/09/2018</a:t>
+              <a:t>04/09/2018</a:t>
             </a:fld>
             <a:endParaRPr lang="pt-BR"/>
           </a:p>
@@ -1110,7 +1112,7 @@
           <a:p>
             <a:fld id="{EC480AC6-A53D-47BC-9837-AD279F9F4920}" type="datetimeFigureOut">
               <a:rPr lang="pt-BR" smtClean="0"/>
-              <a:t>03/09/2018</a:t>
+              <a:t>04/09/2018</a:t>
             </a:fld>
             <a:endParaRPr lang="pt-BR"/>
           </a:p>
@@ -1278,7 +1280,7 @@
           <a:p>
             <a:fld id="{EC480AC6-A53D-47BC-9837-AD279F9F4920}" type="datetimeFigureOut">
               <a:rPr lang="pt-BR" smtClean="0"/>
-              <a:t>03/09/2018</a:t>
+              <a:t>04/09/2018</a:t>
             </a:fld>
             <a:endParaRPr lang="pt-BR"/>
           </a:p>
@@ -1523,7 +1525,7 @@
           <a:p>
             <a:fld id="{EC480AC6-A53D-47BC-9837-AD279F9F4920}" type="datetimeFigureOut">
               <a:rPr lang="pt-BR" smtClean="0"/>
-              <a:t>03/09/2018</a:t>
+              <a:t>04/09/2018</a:t>
             </a:fld>
             <a:endParaRPr lang="pt-BR"/>
           </a:p>
@@ -1808,7 +1810,7 @@
           <a:p>
             <a:fld id="{EC480AC6-A53D-47BC-9837-AD279F9F4920}" type="datetimeFigureOut">
               <a:rPr lang="pt-BR" smtClean="0"/>
-              <a:t>03/09/2018</a:t>
+              <a:t>04/09/2018</a:t>
             </a:fld>
             <a:endParaRPr lang="pt-BR"/>
           </a:p>
@@ -2227,7 +2229,7 @@
           <a:p>
             <a:fld id="{EC480AC6-A53D-47BC-9837-AD279F9F4920}" type="datetimeFigureOut">
               <a:rPr lang="pt-BR" smtClean="0"/>
-              <a:t>03/09/2018</a:t>
+              <a:t>04/09/2018</a:t>
             </a:fld>
             <a:endParaRPr lang="pt-BR"/>
           </a:p>
@@ -2344,7 +2346,7 @@
           <a:p>
             <a:fld id="{EC480AC6-A53D-47BC-9837-AD279F9F4920}" type="datetimeFigureOut">
               <a:rPr lang="pt-BR" smtClean="0"/>
-              <a:t>03/09/2018</a:t>
+              <a:t>04/09/2018</a:t>
             </a:fld>
             <a:endParaRPr lang="pt-BR"/>
           </a:p>
@@ -2439,7 +2441,7 @@
           <a:p>
             <a:fld id="{EC480AC6-A53D-47BC-9837-AD279F9F4920}" type="datetimeFigureOut">
               <a:rPr lang="pt-BR" smtClean="0"/>
-              <a:t>03/09/2018</a:t>
+              <a:t>04/09/2018</a:t>
             </a:fld>
             <a:endParaRPr lang="pt-BR"/>
           </a:p>
@@ -2714,7 +2716,7 @@
           <a:p>
             <a:fld id="{EC480AC6-A53D-47BC-9837-AD279F9F4920}" type="datetimeFigureOut">
               <a:rPr lang="pt-BR" smtClean="0"/>
-              <a:t>03/09/2018</a:t>
+              <a:t>04/09/2018</a:t>
             </a:fld>
             <a:endParaRPr lang="pt-BR"/>
           </a:p>
@@ -2966,7 +2968,7 @@
           <a:p>
             <a:fld id="{EC480AC6-A53D-47BC-9837-AD279F9F4920}" type="datetimeFigureOut">
               <a:rPr lang="pt-BR" smtClean="0"/>
-              <a:t>03/09/2018</a:t>
+              <a:t>04/09/2018</a:t>
             </a:fld>
             <a:endParaRPr lang="pt-BR"/>
           </a:p>
@@ -3177,7 +3179,7 @@
           <a:p>
             <a:fld id="{EC480AC6-A53D-47BC-9837-AD279F9F4920}" type="datetimeFigureOut">
               <a:rPr lang="pt-BR" smtClean="0"/>
-              <a:t>03/09/2018</a:t>
+              <a:t>04/09/2018</a:t>
             </a:fld>
             <a:endParaRPr lang="pt-BR"/>
           </a:p>
@@ -18419,6 +18421,2156 @@
 </p:sld>
 </file>
 
+<file path=ppt/slides/slide20.xml><?xml version="1.0" encoding="utf-8"?>
+<p:sld xmlns:a="http://schemas.openxmlformats.org/drawingml/2006/main" xmlns:r="http://schemas.openxmlformats.org/officeDocument/2006/relationships" xmlns:p="http://schemas.openxmlformats.org/presentationml/2006/main">
+  <p:cSld>
+    <p:spTree>
+      <p:nvGrpSpPr>
+        <p:cNvPr id="1" name=""/>
+        <p:cNvGrpSpPr/>
+        <p:nvPr/>
+      </p:nvGrpSpPr>
+      <p:grpSpPr>
+        <a:xfrm>
+          <a:off x="0" y="0"/>
+          <a:ext cx="0" cy="0"/>
+          <a:chOff x="0" y="0"/>
+          <a:chExt cx="0" cy="0"/>
+        </a:xfrm>
+      </p:grpSpPr>
+      <p:grpSp>
+        <p:nvGrpSpPr>
+          <p:cNvPr id="4" name="Grupo 3"/>
+          <p:cNvGrpSpPr/>
+          <p:nvPr/>
+        </p:nvGrpSpPr>
+        <p:grpSpPr>
+          <a:xfrm>
+            <a:off x="2699792" y="620688"/>
+            <a:ext cx="3528392" cy="5256584"/>
+            <a:chOff x="2699792" y="620688"/>
+            <a:chExt cx="3528392" cy="5256584"/>
+          </a:xfrm>
+        </p:grpSpPr>
+        <p:sp>
+          <p:nvSpPr>
+            <p:cNvPr id="5" name="Retângulo de cantos arredondados 4"/>
+            <p:cNvSpPr/>
+            <p:nvPr/>
+          </p:nvSpPr>
+          <p:spPr>
+            <a:xfrm>
+              <a:off x="2699792" y="620688"/>
+              <a:ext cx="3528392" cy="5256584"/>
+            </a:xfrm>
+            <a:prstGeom prst="roundRect">
+              <a:avLst>
+                <a:gd name="adj" fmla="val 4944"/>
+              </a:avLst>
+            </a:prstGeom>
+            <a:gradFill flip="none" rotWithShape="1">
+              <a:gsLst>
+                <a:gs pos="0">
+                  <a:srgbClr val="20CAC2"/>
+                </a:gs>
+                <a:gs pos="100000">
+                  <a:srgbClr val="1FC3BB">
+                    <a:lumMod val="96000"/>
+                    <a:lumOff val="4000"/>
+                  </a:srgbClr>
+                </a:gs>
+              </a:gsLst>
+              <a:path path="circle">
+                <a:fillToRect t="100000" r="100000"/>
+              </a:path>
+              <a:tileRect l="-100000" b="-100000"/>
+            </a:gradFill>
+            <a:ln>
+              <a:noFill/>
+            </a:ln>
+          </p:spPr>
+          <p:style>
+            <a:lnRef idx="2">
+              <a:schemeClr val="accent1">
+                <a:shade val="50000"/>
+              </a:schemeClr>
+            </a:lnRef>
+            <a:fillRef idx="1">
+              <a:schemeClr val="accent1"/>
+            </a:fillRef>
+            <a:effectRef idx="0">
+              <a:schemeClr val="accent1"/>
+            </a:effectRef>
+            <a:fontRef idx="minor">
+              <a:schemeClr val="lt1"/>
+            </a:fontRef>
+          </p:style>
+          <p:txBody>
+            <a:bodyPr rtlCol="0" anchor="ctr"/>
+            <a:lstStyle/>
+            <a:p>
+              <a:pPr algn="ctr"/>
+              <a:endParaRPr lang="pt-BR"/>
+            </a:p>
+          </p:txBody>
+        </p:sp>
+        <p:sp>
+          <p:nvSpPr>
+            <p:cNvPr id="6" name="Retângulo 5"/>
+            <p:cNvSpPr/>
+            <p:nvPr/>
+          </p:nvSpPr>
+          <p:spPr>
+            <a:xfrm>
+              <a:off x="2699792" y="2276872"/>
+              <a:ext cx="3528392" cy="1224136"/>
+            </a:xfrm>
+            <a:prstGeom prst="rect">
+              <a:avLst/>
+            </a:prstGeom>
+            <a:solidFill>
+              <a:srgbClr val="1DB3AC"/>
+            </a:solidFill>
+            <a:ln>
+              <a:noFill/>
+            </a:ln>
+          </p:spPr>
+          <p:style>
+            <a:lnRef idx="2">
+              <a:schemeClr val="accent1">
+                <a:shade val="50000"/>
+              </a:schemeClr>
+            </a:lnRef>
+            <a:fillRef idx="1">
+              <a:schemeClr val="accent1"/>
+            </a:fillRef>
+            <a:effectRef idx="0">
+              <a:schemeClr val="accent1"/>
+            </a:effectRef>
+            <a:fontRef idx="minor">
+              <a:schemeClr val="lt1"/>
+            </a:fontRef>
+          </p:style>
+          <p:txBody>
+            <a:bodyPr rtlCol="0" anchor="ctr"/>
+            <a:lstStyle/>
+            <a:p>
+              <a:pPr algn="ctr"/>
+              <a:endParaRPr lang="pt-BR"/>
+            </a:p>
+          </p:txBody>
+        </p:sp>
+        <p:sp>
+          <p:nvSpPr>
+            <p:cNvPr id="7" name="Retângulo de cantos arredondados 5"/>
+            <p:cNvSpPr/>
+            <p:nvPr/>
+          </p:nvSpPr>
+          <p:spPr>
+            <a:xfrm flipV="1">
+              <a:off x="2699792" y="3501008"/>
+              <a:ext cx="3528392" cy="2376264"/>
+            </a:xfrm>
+            <a:custGeom>
+              <a:avLst/>
+              <a:gdLst/>
+              <a:ahLst/>
+              <a:cxnLst/>
+              <a:rect l="l" t="t" r="r" b="b"/>
+              <a:pathLst>
+                <a:path w="3528392" h="2376264">
+                  <a:moveTo>
+                    <a:pt x="174444" y="0"/>
+                  </a:moveTo>
+                  <a:lnTo>
+                    <a:pt x="3353948" y="0"/>
+                  </a:lnTo>
+                  <a:cubicBezTo>
+                    <a:pt x="3450291" y="0"/>
+                    <a:pt x="3528392" y="78101"/>
+                    <a:pt x="3528392" y="174444"/>
+                  </a:cubicBezTo>
+                  <a:lnTo>
+                    <a:pt x="3528392" y="2376264"/>
+                  </a:lnTo>
+                  <a:lnTo>
+                    <a:pt x="0" y="2376264"/>
+                  </a:lnTo>
+                  <a:lnTo>
+                    <a:pt x="0" y="174444"/>
+                  </a:lnTo>
+                  <a:cubicBezTo>
+                    <a:pt x="0" y="78101"/>
+                    <a:pt x="78101" y="0"/>
+                    <a:pt x="174444" y="0"/>
+                  </a:cubicBezTo>
+                  <a:close/>
+                </a:path>
+              </a:pathLst>
+            </a:custGeom>
+            <a:solidFill>
+              <a:srgbClr val="EAE8DA"/>
+            </a:solidFill>
+            <a:ln>
+              <a:noFill/>
+            </a:ln>
+          </p:spPr>
+          <p:style>
+            <a:lnRef idx="2">
+              <a:schemeClr val="accent1">
+                <a:shade val="50000"/>
+              </a:schemeClr>
+            </a:lnRef>
+            <a:fillRef idx="1">
+              <a:schemeClr val="accent1"/>
+            </a:fillRef>
+            <a:effectRef idx="0">
+              <a:schemeClr val="accent1"/>
+            </a:effectRef>
+            <a:fontRef idx="minor">
+              <a:schemeClr val="lt1"/>
+            </a:fontRef>
+          </p:style>
+          <p:txBody>
+            <a:bodyPr rtlCol="0" anchor="ctr"/>
+            <a:lstStyle/>
+            <a:p>
+              <a:pPr algn="ctr"/>
+              <a:endParaRPr lang="pt-BR"/>
+            </a:p>
+          </p:txBody>
+        </p:sp>
+        <p:pic>
+          <p:nvPicPr>
+            <p:cNvPr id="8" name="Imagem 7"/>
+            <p:cNvPicPr>
+              <a:picLocks noChangeAspect="1"/>
+            </p:cNvPicPr>
+            <p:nvPr/>
+          </p:nvPicPr>
+          <p:blipFill>
+            <a:blip r:embed="rId2">
+              <a:extLst>
+                <a:ext uri="{28A0092B-C50C-407E-A947-70E740481C1C}">
+                  <a14:useLocalDpi xmlns:a14="http://schemas.microsoft.com/office/drawing/2010/main" val="0"/>
+                </a:ext>
+              </a:extLst>
+            </a:blip>
+            <a:stretch>
+              <a:fillRect/>
+            </a:stretch>
+          </p:blipFill>
+          <p:spPr>
+            <a:xfrm>
+              <a:off x="3260999" y="1124744"/>
+              <a:ext cx="2403111" cy="792088"/>
+            </a:xfrm>
+            <a:prstGeom prst="rect">
+              <a:avLst/>
+            </a:prstGeom>
+          </p:spPr>
+        </p:pic>
+        <p:grpSp>
+          <p:nvGrpSpPr>
+            <p:cNvPr id="9" name="Grupo 8"/>
+            <p:cNvGrpSpPr/>
+            <p:nvPr/>
+          </p:nvGrpSpPr>
+          <p:grpSpPr>
+            <a:xfrm>
+              <a:off x="4003424" y="2399280"/>
+              <a:ext cx="921127" cy="921127"/>
+              <a:chOff x="4740966" y="1916832"/>
+              <a:chExt cx="3569856" cy="3569856"/>
+            </a:xfrm>
+          </p:grpSpPr>
+          <p:sp>
+            <p:nvSpPr>
+              <p:cNvPr id="11" name="Retângulo de cantos arredondados 1">
+                <a:extLst>
+                  <a:ext uri="{FF2B5EF4-FFF2-40B4-BE49-F238E27FC236}">
+                    <a16:creationId xmlns:a16="http://schemas.microsoft.com/office/drawing/2014/main" xmlns="" id="{59FC61EC-27B7-4C23-A945-70E4EFDA5A28}"/>
+                  </a:ext>
+                </a:extLst>
+              </p:cNvPr>
+              <p:cNvSpPr/>
+              <p:nvPr/>
+            </p:nvSpPr>
+            <p:spPr>
+              <a:xfrm>
+                <a:off x="4740966" y="1916832"/>
+                <a:ext cx="3569856" cy="3569856"/>
+              </a:xfrm>
+              <a:prstGeom prst="roundRect">
+                <a:avLst/>
+              </a:prstGeom>
+              <a:solidFill>
+                <a:schemeClr val="bg1"/>
+              </a:solidFill>
+              <a:ln>
+                <a:noFill/>
+              </a:ln>
+            </p:spPr>
+            <p:style>
+              <a:lnRef idx="2">
+                <a:schemeClr val="accent1">
+                  <a:shade val="50000"/>
+                </a:schemeClr>
+              </a:lnRef>
+              <a:fillRef idx="1">
+                <a:schemeClr val="accent1"/>
+              </a:fillRef>
+              <a:effectRef idx="0">
+                <a:schemeClr val="accent1"/>
+              </a:effectRef>
+              <a:fontRef idx="minor">
+                <a:schemeClr val="lt1"/>
+              </a:fontRef>
+            </p:style>
+            <p:txBody>
+              <a:bodyPr rtlCol="0" anchor="ctr"/>
+              <a:lstStyle/>
+              <a:p>
+                <a:pPr algn="ctr"/>
+                <a:endParaRPr lang="pt-BR"/>
+              </a:p>
+            </p:txBody>
+          </p:sp>
+          <p:grpSp>
+            <p:nvGrpSpPr>
+              <p:cNvPr id="12" name="Agrupar 25">
+                <a:extLst>
+                  <a:ext uri="{FF2B5EF4-FFF2-40B4-BE49-F238E27FC236}">
+                    <a16:creationId xmlns:a16="http://schemas.microsoft.com/office/drawing/2014/main" xmlns="" id="{0982C514-3736-44FA-8BD4-8EA11386D6D9}"/>
+                  </a:ext>
+                </a:extLst>
+              </p:cNvPr>
+              <p:cNvGrpSpPr/>
+              <p:nvPr/>
+            </p:nvGrpSpPr>
+            <p:grpSpPr>
+              <a:xfrm>
+                <a:off x="5640614" y="2524029"/>
+                <a:ext cx="1924119" cy="2355461"/>
+                <a:chOff x="3707904" y="476672"/>
+                <a:chExt cx="2258749" cy="2765107"/>
+              </a:xfrm>
+            </p:grpSpPr>
+            <p:grpSp>
+              <p:nvGrpSpPr>
+                <p:cNvPr id="13" name="Agrupar 3">
+                  <a:extLst>
+                    <a:ext uri="{FF2B5EF4-FFF2-40B4-BE49-F238E27FC236}">
+                      <a16:creationId xmlns:a16="http://schemas.microsoft.com/office/drawing/2014/main" xmlns="" id="{ACEB07BC-D838-4D03-B42B-237643D31B08}"/>
+                    </a:ext>
+                  </a:extLst>
+                </p:cNvPr>
+                <p:cNvGrpSpPr/>
+                <p:nvPr/>
+              </p:nvGrpSpPr>
+              <p:grpSpPr>
+                <a:xfrm>
+                  <a:off x="3707904" y="476672"/>
+                  <a:ext cx="2258749" cy="2765107"/>
+                  <a:chOff x="3131840" y="1124744"/>
+                  <a:chExt cx="3246951" cy="3888432"/>
+                </a:xfrm>
+              </p:grpSpPr>
+              <p:sp>
+                <p:nvSpPr>
+                  <p:cNvPr id="28" name="Retângulo: Cantos Arredondados 4">
+                    <a:extLst>
+                      <a:ext uri="{FF2B5EF4-FFF2-40B4-BE49-F238E27FC236}">
+                        <a16:creationId xmlns:a16="http://schemas.microsoft.com/office/drawing/2014/main" xmlns="" id="{299274A5-E009-4533-8660-247FEDFEAFCD}"/>
+                      </a:ext>
+                    </a:extLst>
+                  </p:cNvPr>
+                  <p:cNvSpPr/>
+                  <p:nvPr/>
+                </p:nvSpPr>
+                <p:spPr>
+                  <a:xfrm>
+                    <a:off x="3347864" y="1124744"/>
+                    <a:ext cx="2952328" cy="3888432"/>
+                  </a:xfrm>
+                  <a:prstGeom prst="roundRect">
+                    <a:avLst>
+                      <a:gd name="adj" fmla="val 4363"/>
+                    </a:avLst>
+                  </a:prstGeom>
+                  <a:ln>
+                    <a:noFill/>
+                  </a:ln>
+                </p:spPr>
+                <p:style>
+                  <a:lnRef idx="2">
+                    <a:schemeClr val="accent1">
+                      <a:shade val="50000"/>
+                    </a:schemeClr>
+                  </a:lnRef>
+                  <a:fillRef idx="1">
+                    <a:schemeClr val="accent1"/>
+                  </a:fillRef>
+                  <a:effectRef idx="0">
+                    <a:schemeClr val="accent1"/>
+                  </a:effectRef>
+                  <a:fontRef idx="minor">
+                    <a:schemeClr val="lt1"/>
+                  </a:fontRef>
+                </p:style>
+                <p:txBody>
+                  <a:bodyPr rtlCol="0" anchor="ctr"/>
+                  <a:lstStyle/>
+                  <a:p>
+                    <a:pPr algn="ctr"/>
+                    <a:endParaRPr lang="pt-BR"/>
+                  </a:p>
+                </p:txBody>
+              </p:sp>
+              <p:sp>
+                <p:nvSpPr>
+                  <p:cNvPr id="29" name="Retângulo: Cantos Arredondados 5">
+                    <a:extLst>
+                      <a:ext uri="{FF2B5EF4-FFF2-40B4-BE49-F238E27FC236}">
+                        <a16:creationId xmlns:a16="http://schemas.microsoft.com/office/drawing/2014/main" xmlns="" id="{EBA4F257-87BB-4AC7-9E6A-E242F2B17FCE}"/>
+                      </a:ext>
+                    </a:extLst>
+                  </p:cNvPr>
+                  <p:cNvSpPr/>
+                  <p:nvPr/>
+                </p:nvSpPr>
+                <p:spPr>
+                  <a:xfrm>
+                    <a:off x="3131840" y="1124744"/>
+                    <a:ext cx="648072" cy="3888432"/>
+                  </a:xfrm>
+                  <a:prstGeom prst="roundRect">
+                    <a:avLst>
+                      <a:gd name="adj" fmla="val 50000"/>
+                    </a:avLst>
+                  </a:prstGeom>
+                  <a:solidFill>
+                    <a:srgbClr val="006BBC"/>
+                  </a:solidFill>
+                  <a:ln>
+                    <a:noFill/>
+                  </a:ln>
+                </p:spPr>
+                <p:style>
+                  <a:lnRef idx="2">
+                    <a:schemeClr val="accent1">
+                      <a:shade val="50000"/>
+                    </a:schemeClr>
+                  </a:lnRef>
+                  <a:fillRef idx="1">
+                    <a:schemeClr val="accent1"/>
+                  </a:fillRef>
+                  <a:effectRef idx="0">
+                    <a:schemeClr val="accent1"/>
+                  </a:effectRef>
+                  <a:fontRef idx="minor">
+                    <a:schemeClr val="lt1"/>
+                  </a:fontRef>
+                </p:style>
+                <p:txBody>
+                  <a:bodyPr rtlCol="0" anchor="ctr"/>
+                  <a:lstStyle/>
+                  <a:p>
+                    <a:pPr algn="ctr"/>
+                    <a:endParaRPr lang="pt-BR"/>
+                  </a:p>
+                </p:txBody>
+              </p:sp>
+              <p:sp>
+                <p:nvSpPr>
+                  <p:cNvPr id="30" name="Retângulo: Cantos Arredondados 6">
+                    <a:extLst>
+                      <a:ext uri="{FF2B5EF4-FFF2-40B4-BE49-F238E27FC236}">
+                        <a16:creationId xmlns:a16="http://schemas.microsoft.com/office/drawing/2014/main" xmlns="" id="{BFA31868-C509-46BF-AFF4-817D1ABE891A}"/>
+                      </a:ext>
+                    </a:extLst>
+                  </p:cNvPr>
+                  <p:cNvSpPr/>
+                  <p:nvPr/>
+                </p:nvSpPr>
+                <p:spPr>
+                  <a:xfrm>
+                    <a:off x="3426463" y="1385855"/>
+                    <a:ext cx="2952328" cy="3384375"/>
+                  </a:xfrm>
+                  <a:prstGeom prst="roundRect">
+                    <a:avLst>
+                      <a:gd name="adj" fmla="val 4363"/>
+                    </a:avLst>
+                  </a:prstGeom>
+                  <a:solidFill>
+                    <a:srgbClr val="0086EA"/>
+                  </a:solidFill>
+                  <a:ln>
+                    <a:noFill/>
+                  </a:ln>
+                </p:spPr>
+                <p:style>
+                  <a:lnRef idx="2">
+                    <a:schemeClr val="accent1">
+                      <a:shade val="50000"/>
+                    </a:schemeClr>
+                  </a:lnRef>
+                  <a:fillRef idx="1">
+                    <a:schemeClr val="accent1"/>
+                  </a:fillRef>
+                  <a:effectRef idx="0">
+                    <a:schemeClr val="accent1"/>
+                  </a:effectRef>
+                  <a:fontRef idx="minor">
+                    <a:schemeClr val="lt1"/>
+                  </a:fontRef>
+                </p:style>
+                <p:txBody>
+                  <a:bodyPr rtlCol="0" anchor="ctr"/>
+                  <a:lstStyle/>
+                  <a:p>
+                    <a:pPr algn="ctr"/>
+                    <a:endParaRPr lang="pt-BR"/>
+                  </a:p>
+                </p:txBody>
+              </p:sp>
+              <p:sp>
+                <p:nvSpPr>
+                  <p:cNvPr id="31" name="Forma Livre: Forma 7">
+                    <a:extLst>
+                      <a:ext uri="{FF2B5EF4-FFF2-40B4-BE49-F238E27FC236}">
+                        <a16:creationId xmlns:a16="http://schemas.microsoft.com/office/drawing/2014/main" xmlns="" id="{1C110976-6F38-451A-A5B4-C9C5B2CFC2E5}"/>
+                      </a:ext>
+                    </a:extLst>
+                  </p:cNvPr>
+                  <p:cNvSpPr/>
+                  <p:nvPr/>
+                </p:nvSpPr>
+                <p:spPr>
+                  <a:xfrm>
+                    <a:off x="3275856" y="1268760"/>
+                    <a:ext cx="2880320" cy="360040"/>
+                  </a:xfrm>
+                  <a:custGeom>
+                    <a:avLst/>
+                    <a:gdLst>
+                      <a:gd name="connsiteX0" fmla="*/ 219248 w 2736304"/>
+                      <a:gd name="connsiteY0" fmla="*/ 0 h 438496"/>
+                      <a:gd name="connsiteX1" fmla="*/ 2733080 w 2736304"/>
+                      <a:gd name="connsiteY1" fmla="*/ 0 h 438496"/>
+                      <a:gd name="connsiteX2" fmla="*/ 2736304 w 2736304"/>
+                      <a:gd name="connsiteY2" fmla="*/ 325 h 438496"/>
+                      <a:gd name="connsiteX3" fmla="*/ 2736304 w 2736304"/>
+                      <a:gd name="connsiteY3" fmla="*/ 438171 h 438496"/>
+                      <a:gd name="connsiteX4" fmla="*/ 2733080 w 2736304"/>
+                      <a:gd name="connsiteY4" fmla="*/ 438496 h 438496"/>
+                      <a:gd name="connsiteX5" fmla="*/ 219248 w 2736304"/>
+                      <a:gd name="connsiteY5" fmla="*/ 438496 h 438496"/>
+                      <a:gd name="connsiteX6" fmla="*/ 0 w 2736304"/>
+                      <a:gd name="connsiteY6" fmla="*/ 219248 h 438496"/>
+                      <a:gd name="connsiteX7" fmla="*/ 219248 w 2736304"/>
+                      <a:gd name="connsiteY7" fmla="*/ 0 h 438496"/>
+                    </a:gdLst>
+                    <a:ahLst/>
+                    <a:cxnLst>
+                      <a:cxn ang="0">
+                        <a:pos x="connsiteX0" y="connsiteY0"/>
+                      </a:cxn>
+                      <a:cxn ang="0">
+                        <a:pos x="connsiteX1" y="connsiteY1"/>
+                      </a:cxn>
+                      <a:cxn ang="0">
+                        <a:pos x="connsiteX2" y="connsiteY2"/>
+                      </a:cxn>
+                      <a:cxn ang="0">
+                        <a:pos x="connsiteX3" y="connsiteY3"/>
+                      </a:cxn>
+                      <a:cxn ang="0">
+                        <a:pos x="connsiteX4" y="connsiteY4"/>
+                      </a:cxn>
+                      <a:cxn ang="0">
+                        <a:pos x="connsiteX5" y="connsiteY5"/>
+                      </a:cxn>
+                      <a:cxn ang="0">
+                        <a:pos x="connsiteX6" y="connsiteY6"/>
+                      </a:cxn>
+                      <a:cxn ang="0">
+                        <a:pos x="connsiteX7" y="connsiteY7"/>
+                      </a:cxn>
+                    </a:cxnLst>
+                    <a:rect l="l" t="t" r="r" b="b"/>
+                    <a:pathLst>
+                      <a:path w="2736304" h="438496">
+                        <a:moveTo>
+                          <a:pt x="219248" y="0"/>
+                        </a:moveTo>
+                        <a:lnTo>
+                          <a:pt x="2733080" y="0"/>
+                        </a:lnTo>
+                        <a:lnTo>
+                          <a:pt x="2736304" y="325"/>
+                        </a:lnTo>
+                        <a:lnTo>
+                          <a:pt x="2736304" y="438171"/>
+                        </a:lnTo>
+                        <a:lnTo>
+                          <a:pt x="2733080" y="438496"/>
+                        </a:lnTo>
+                        <a:lnTo>
+                          <a:pt x="219248" y="438496"/>
+                        </a:lnTo>
+                        <a:cubicBezTo>
+                          <a:pt x="98161" y="438496"/>
+                          <a:pt x="0" y="340335"/>
+                          <a:pt x="0" y="219248"/>
+                        </a:cubicBezTo>
+                        <a:cubicBezTo>
+                          <a:pt x="0" y="98161"/>
+                          <a:pt x="98161" y="0"/>
+                          <a:pt x="219248" y="0"/>
+                        </a:cubicBezTo>
+                        <a:close/>
+                      </a:path>
+                    </a:pathLst>
+                  </a:custGeom>
+                  <a:solidFill>
+                    <a:schemeClr val="bg1"/>
+                  </a:solidFill>
+                  <a:ln>
+                    <a:noFill/>
+                  </a:ln>
+                </p:spPr>
+                <p:style>
+                  <a:lnRef idx="2">
+                    <a:schemeClr val="accent1">
+                      <a:shade val="50000"/>
+                    </a:schemeClr>
+                  </a:lnRef>
+                  <a:fillRef idx="1">
+                    <a:schemeClr val="accent1"/>
+                  </a:fillRef>
+                  <a:effectRef idx="0">
+                    <a:schemeClr val="accent1"/>
+                  </a:effectRef>
+                  <a:fontRef idx="minor">
+                    <a:schemeClr val="lt1"/>
+                  </a:fontRef>
+                </p:style>
+                <p:txBody>
+                  <a:bodyPr rtlCol="0" anchor="ctr"/>
+                  <a:lstStyle/>
+                  <a:p>
+                    <a:pPr algn="ctr"/>
+                    <a:endParaRPr lang="pt-BR"/>
+                  </a:p>
+                </p:txBody>
+              </p:sp>
+              <p:sp>
+                <p:nvSpPr>
+                  <p:cNvPr id="32" name="Retângulo 31">
+                    <a:extLst>
+                      <a:ext uri="{FF2B5EF4-FFF2-40B4-BE49-F238E27FC236}">
+                        <a16:creationId xmlns:a16="http://schemas.microsoft.com/office/drawing/2014/main" xmlns="" id="{2B8A9CF0-4D1F-439D-86E2-337DC8D1A6CD}"/>
+                      </a:ext>
+                    </a:extLst>
+                  </p:cNvPr>
+                  <p:cNvSpPr/>
+                  <p:nvPr/>
+                </p:nvSpPr>
+                <p:spPr>
+                  <a:xfrm>
+                    <a:off x="3491880" y="1628800"/>
+                    <a:ext cx="288032" cy="3384376"/>
+                  </a:xfrm>
+                  <a:prstGeom prst="rect">
+                    <a:avLst/>
+                  </a:prstGeom>
+                  <a:solidFill>
+                    <a:srgbClr val="0078D2"/>
+                  </a:solidFill>
+                  <a:ln>
+                    <a:noFill/>
+                  </a:ln>
+                </p:spPr>
+                <p:style>
+                  <a:lnRef idx="2">
+                    <a:schemeClr val="accent1">
+                      <a:shade val="50000"/>
+                    </a:schemeClr>
+                  </a:lnRef>
+                  <a:fillRef idx="1">
+                    <a:schemeClr val="accent1"/>
+                  </a:fillRef>
+                  <a:effectRef idx="0">
+                    <a:schemeClr val="accent1"/>
+                  </a:effectRef>
+                  <a:fontRef idx="minor">
+                    <a:schemeClr val="lt1"/>
+                  </a:fontRef>
+                </p:style>
+                <p:txBody>
+                  <a:bodyPr rtlCol="0" anchor="ctr"/>
+                  <a:lstStyle/>
+                  <a:p>
+                    <a:pPr algn="ctr"/>
+                    <a:endParaRPr lang="pt-BR"/>
+                  </a:p>
+                </p:txBody>
+              </p:sp>
+              <p:sp>
+                <p:nvSpPr>
+                  <p:cNvPr id="33" name="Retângulo: Cantos Arredondados 9">
+                    <a:extLst>
+                      <a:ext uri="{FF2B5EF4-FFF2-40B4-BE49-F238E27FC236}">
+                        <a16:creationId xmlns:a16="http://schemas.microsoft.com/office/drawing/2014/main" xmlns="" id="{5814B72D-72BB-4EBA-96BB-C2AA7D7B5D3C}"/>
+                      </a:ext>
+                    </a:extLst>
+                  </p:cNvPr>
+                  <p:cNvSpPr/>
+                  <p:nvPr/>
+                </p:nvSpPr>
+                <p:spPr>
+                  <a:xfrm>
+                    <a:off x="4067944" y="4293096"/>
+                    <a:ext cx="2016224" cy="72008"/>
+                  </a:xfrm>
+                  <a:prstGeom prst="roundRect">
+                    <a:avLst>
+                      <a:gd name="adj" fmla="val 50000"/>
+                    </a:avLst>
+                  </a:prstGeom>
+                  <a:solidFill>
+                    <a:schemeClr val="bg1"/>
+                  </a:solidFill>
+                  <a:ln>
+                    <a:noFill/>
+                  </a:ln>
+                </p:spPr>
+                <p:style>
+                  <a:lnRef idx="2">
+                    <a:schemeClr val="accent1">
+                      <a:shade val="50000"/>
+                    </a:schemeClr>
+                  </a:lnRef>
+                  <a:fillRef idx="1">
+                    <a:schemeClr val="accent1"/>
+                  </a:fillRef>
+                  <a:effectRef idx="0">
+                    <a:schemeClr val="accent1"/>
+                  </a:effectRef>
+                  <a:fontRef idx="minor">
+                    <a:schemeClr val="lt1"/>
+                  </a:fontRef>
+                </p:style>
+                <p:txBody>
+                  <a:bodyPr rtlCol="0" anchor="ctr"/>
+                  <a:lstStyle/>
+                  <a:p>
+                    <a:pPr algn="ctr"/>
+                    <a:endParaRPr lang="pt-BR"/>
+                  </a:p>
+                </p:txBody>
+              </p:sp>
+              <p:sp>
+                <p:nvSpPr>
+                  <p:cNvPr id="34" name="Retângulo: Cantos Arredondados 10">
+                    <a:extLst>
+                      <a:ext uri="{FF2B5EF4-FFF2-40B4-BE49-F238E27FC236}">
+                        <a16:creationId xmlns:a16="http://schemas.microsoft.com/office/drawing/2014/main" xmlns="" id="{2A2E7C31-87C7-4D32-A407-A0B6795D6D0A}"/>
+                      </a:ext>
+                    </a:extLst>
+                  </p:cNvPr>
+                  <p:cNvSpPr/>
+                  <p:nvPr/>
+                </p:nvSpPr>
+                <p:spPr>
+                  <a:xfrm>
+                    <a:off x="4427984" y="4509120"/>
+                    <a:ext cx="1296144" cy="72008"/>
+                  </a:xfrm>
+                  <a:prstGeom prst="roundRect">
+                    <a:avLst>
+                      <a:gd name="adj" fmla="val 50000"/>
+                    </a:avLst>
+                  </a:prstGeom>
+                  <a:solidFill>
+                    <a:schemeClr val="bg1"/>
+                  </a:solidFill>
+                  <a:ln>
+                    <a:noFill/>
+                  </a:ln>
+                </p:spPr>
+                <p:style>
+                  <a:lnRef idx="2">
+                    <a:schemeClr val="accent1">
+                      <a:shade val="50000"/>
+                    </a:schemeClr>
+                  </a:lnRef>
+                  <a:fillRef idx="1">
+                    <a:schemeClr val="accent1"/>
+                  </a:fillRef>
+                  <a:effectRef idx="0">
+                    <a:schemeClr val="accent1"/>
+                  </a:effectRef>
+                  <a:fontRef idx="minor">
+                    <a:schemeClr val="lt1"/>
+                  </a:fontRef>
+                </p:style>
+                <p:txBody>
+                  <a:bodyPr rtlCol="0" anchor="ctr"/>
+                  <a:lstStyle/>
+                  <a:p>
+                    <a:pPr algn="ctr"/>
+                    <a:endParaRPr lang="pt-BR"/>
+                  </a:p>
+                </p:txBody>
+              </p:sp>
+            </p:grpSp>
+            <p:grpSp>
+              <p:nvGrpSpPr>
+                <p:cNvPr id="14" name="Agrupar 11">
+                  <a:extLst>
+                    <a:ext uri="{FF2B5EF4-FFF2-40B4-BE49-F238E27FC236}">
+                      <a16:creationId xmlns:a16="http://schemas.microsoft.com/office/drawing/2014/main" xmlns="" id="{36F33AA7-5CFF-4D5A-9A01-9289DEEBB53E}"/>
+                    </a:ext>
+                  </a:extLst>
+                </p:cNvPr>
+                <p:cNvGrpSpPr/>
+                <p:nvPr/>
+              </p:nvGrpSpPr>
+              <p:grpSpPr>
+                <a:xfrm>
+                  <a:off x="4355976" y="1268760"/>
+                  <a:ext cx="288032" cy="720080"/>
+                  <a:chOff x="4355976" y="1268760"/>
+                  <a:chExt cx="288032" cy="720080"/>
+                </a:xfrm>
+              </p:grpSpPr>
+              <p:sp>
+                <p:nvSpPr>
+                  <p:cNvPr id="26" name="Retângulo: Cantos Arredondados 12">
+                    <a:extLst>
+                      <a:ext uri="{FF2B5EF4-FFF2-40B4-BE49-F238E27FC236}">
+                        <a16:creationId xmlns:a16="http://schemas.microsoft.com/office/drawing/2014/main" xmlns="" id="{434BD7BD-4934-4FE3-8F00-C0B50B423EDD}"/>
+                      </a:ext>
+                    </a:extLst>
+                  </p:cNvPr>
+                  <p:cNvSpPr/>
+                  <p:nvPr/>
+                </p:nvSpPr>
+                <p:spPr>
+                  <a:xfrm>
+                    <a:off x="4355976" y="1268760"/>
+                    <a:ext cx="288032" cy="720080"/>
+                  </a:xfrm>
+                  <a:prstGeom prst="roundRect">
+                    <a:avLst>
+                      <a:gd name="adj" fmla="val 39343"/>
+                    </a:avLst>
+                  </a:prstGeom>
+                  <a:solidFill>
+                    <a:schemeClr val="tx1"/>
+                  </a:solidFill>
+                  <a:ln>
+                    <a:noFill/>
+                  </a:ln>
+                </p:spPr>
+                <p:style>
+                  <a:lnRef idx="2">
+                    <a:schemeClr val="accent1">
+                      <a:shade val="50000"/>
+                    </a:schemeClr>
+                  </a:lnRef>
+                  <a:fillRef idx="1">
+                    <a:schemeClr val="accent1"/>
+                  </a:fillRef>
+                  <a:effectRef idx="0">
+                    <a:schemeClr val="accent1"/>
+                  </a:effectRef>
+                  <a:fontRef idx="minor">
+                    <a:schemeClr val="lt1"/>
+                  </a:fontRef>
+                </p:style>
+                <p:txBody>
+                  <a:bodyPr rtlCol="0" anchor="ctr"/>
+                  <a:lstStyle/>
+                  <a:p>
+                    <a:pPr algn="ctr"/>
+                    <a:endParaRPr lang="pt-BR"/>
+                  </a:p>
+                </p:txBody>
+              </p:sp>
+              <p:sp>
+                <p:nvSpPr>
+                  <p:cNvPr id="27" name="Retângulo: Cantos Arredondados 13">
+                    <a:extLst>
+                      <a:ext uri="{FF2B5EF4-FFF2-40B4-BE49-F238E27FC236}">
+                        <a16:creationId xmlns:a16="http://schemas.microsoft.com/office/drawing/2014/main" xmlns="" id="{E734CFCA-504A-410E-ABE1-E1ABB9A5F059}"/>
+                      </a:ext>
+                    </a:extLst>
+                  </p:cNvPr>
+                  <p:cNvSpPr/>
+                  <p:nvPr/>
+                </p:nvSpPr>
+                <p:spPr>
+                  <a:xfrm>
+                    <a:off x="4499992" y="1340768"/>
+                    <a:ext cx="115212" cy="288032"/>
+                  </a:xfrm>
+                  <a:prstGeom prst="roundRect">
+                    <a:avLst>
+                      <a:gd name="adj" fmla="val 39343"/>
+                    </a:avLst>
+                  </a:prstGeom>
+                  <a:solidFill>
+                    <a:schemeClr val="bg1"/>
+                  </a:solidFill>
+                  <a:ln>
+                    <a:noFill/>
+                  </a:ln>
+                </p:spPr>
+                <p:style>
+                  <a:lnRef idx="2">
+                    <a:schemeClr val="accent1">
+                      <a:shade val="50000"/>
+                    </a:schemeClr>
+                  </a:lnRef>
+                  <a:fillRef idx="1">
+                    <a:schemeClr val="accent1"/>
+                  </a:fillRef>
+                  <a:effectRef idx="0">
+                    <a:schemeClr val="accent1"/>
+                  </a:effectRef>
+                  <a:fontRef idx="minor">
+                    <a:schemeClr val="lt1"/>
+                  </a:fontRef>
+                </p:style>
+                <p:txBody>
+                  <a:bodyPr rtlCol="0" anchor="ctr"/>
+                  <a:lstStyle/>
+                  <a:p>
+                    <a:pPr algn="ctr"/>
+                    <a:endParaRPr lang="pt-BR"/>
+                  </a:p>
+                </p:txBody>
+              </p:sp>
+            </p:grpSp>
+            <p:grpSp>
+              <p:nvGrpSpPr>
+                <p:cNvPr id="15" name="Agrupar 14">
+                  <a:extLst>
+                    <a:ext uri="{FF2B5EF4-FFF2-40B4-BE49-F238E27FC236}">
+                      <a16:creationId xmlns:a16="http://schemas.microsoft.com/office/drawing/2014/main" xmlns="" id="{684A825A-5F70-4A0C-BB9E-0687359CBA7E}"/>
+                    </a:ext>
+                  </a:extLst>
+                </p:cNvPr>
+                <p:cNvGrpSpPr/>
+                <p:nvPr/>
+              </p:nvGrpSpPr>
+              <p:grpSpPr>
+                <a:xfrm>
+                  <a:off x="5364088" y="1268760"/>
+                  <a:ext cx="288032" cy="720080"/>
+                  <a:chOff x="4860032" y="1340768"/>
+                  <a:chExt cx="288032" cy="720080"/>
+                </a:xfrm>
+              </p:grpSpPr>
+              <p:sp>
+                <p:nvSpPr>
+                  <p:cNvPr id="24" name="Retângulo: Cantos Arredondados 15">
+                    <a:extLst>
+                      <a:ext uri="{FF2B5EF4-FFF2-40B4-BE49-F238E27FC236}">
+                        <a16:creationId xmlns:a16="http://schemas.microsoft.com/office/drawing/2014/main" xmlns="" id="{5FD94376-0CD7-41FE-B977-327F88550922}"/>
+                      </a:ext>
+                    </a:extLst>
+                  </p:cNvPr>
+                  <p:cNvSpPr/>
+                  <p:nvPr/>
+                </p:nvSpPr>
+                <p:spPr>
+                  <a:xfrm>
+                    <a:off x="4860032" y="1340768"/>
+                    <a:ext cx="288032" cy="720080"/>
+                  </a:xfrm>
+                  <a:prstGeom prst="roundRect">
+                    <a:avLst>
+                      <a:gd name="adj" fmla="val 39343"/>
+                    </a:avLst>
+                  </a:prstGeom>
+                  <a:solidFill>
+                    <a:schemeClr val="tx1"/>
+                  </a:solidFill>
+                  <a:ln>
+                    <a:noFill/>
+                  </a:ln>
+                </p:spPr>
+                <p:style>
+                  <a:lnRef idx="2">
+                    <a:schemeClr val="accent1">
+                      <a:shade val="50000"/>
+                    </a:schemeClr>
+                  </a:lnRef>
+                  <a:fillRef idx="1">
+                    <a:schemeClr val="accent1"/>
+                  </a:fillRef>
+                  <a:effectRef idx="0">
+                    <a:schemeClr val="accent1"/>
+                  </a:effectRef>
+                  <a:fontRef idx="minor">
+                    <a:schemeClr val="lt1"/>
+                  </a:fontRef>
+                </p:style>
+                <p:txBody>
+                  <a:bodyPr rtlCol="0" anchor="ctr"/>
+                  <a:lstStyle/>
+                  <a:p>
+                    <a:pPr algn="ctr"/>
+                    <a:endParaRPr lang="pt-BR"/>
+                  </a:p>
+                </p:txBody>
+              </p:sp>
+              <p:sp>
+                <p:nvSpPr>
+                  <p:cNvPr id="25" name="Retângulo: Cantos Arredondados 16">
+                    <a:extLst>
+                      <a:ext uri="{FF2B5EF4-FFF2-40B4-BE49-F238E27FC236}">
+                        <a16:creationId xmlns:a16="http://schemas.microsoft.com/office/drawing/2014/main" xmlns="" id="{97D1C1F9-787A-47D4-A643-F66F1869E181}"/>
+                      </a:ext>
+                    </a:extLst>
+                  </p:cNvPr>
+                  <p:cNvSpPr/>
+                  <p:nvPr/>
+                </p:nvSpPr>
+                <p:spPr>
+                  <a:xfrm>
+                    <a:off x="5004048" y="1412776"/>
+                    <a:ext cx="115212" cy="288032"/>
+                  </a:xfrm>
+                  <a:prstGeom prst="roundRect">
+                    <a:avLst>
+                      <a:gd name="adj" fmla="val 39343"/>
+                    </a:avLst>
+                  </a:prstGeom>
+                  <a:solidFill>
+                    <a:schemeClr val="bg1"/>
+                  </a:solidFill>
+                  <a:ln>
+                    <a:noFill/>
+                  </a:ln>
+                </p:spPr>
+                <p:style>
+                  <a:lnRef idx="2">
+                    <a:schemeClr val="accent1">
+                      <a:shade val="50000"/>
+                    </a:schemeClr>
+                  </a:lnRef>
+                  <a:fillRef idx="1">
+                    <a:schemeClr val="accent1"/>
+                  </a:fillRef>
+                  <a:effectRef idx="0">
+                    <a:schemeClr val="accent1"/>
+                  </a:effectRef>
+                  <a:fontRef idx="minor">
+                    <a:schemeClr val="lt1"/>
+                  </a:fontRef>
+                </p:style>
+                <p:txBody>
+                  <a:bodyPr rtlCol="0" anchor="ctr"/>
+                  <a:lstStyle/>
+                  <a:p>
+                    <a:pPr algn="ctr"/>
+                    <a:endParaRPr lang="pt-BR"/>
+                  </a:p>
+                </p:txBody>
+              </p:sp>
+            </p:grpSp>
+            <p:grpSp>
+              <p:nvGrpSpPr>
+                <p:cNvPr id="16" name="Agrupar 17">
+                  <a:extLst>
+                    <a:ext uri="{FF2B5EF4-FFF2-40B4-BE49-F238E27FC236}">
+                      <a16:creationId xmlns:a16="http://schemas.microsoft.com/office/drawing/2014/main" xmlns="" id="{EDFE7646-CFCE-4BD1-BA03-E0A2FF14565D}"/>
+                    </a:ext>
+                  </a:extLst>
+                </p:cNvPr>
+                <p:cNvGrpSpPr/>
+                <p:nvPr/>
+              </p:nvGrpSpPr>
+              <p:grpSpPr>
+                <a:xfrm>
+                  <a:off x="4572000" y="2276872"/>
+                  <a:ext cx="792088" cy="348945"/>
+                  <a:chOff x="1691680" y="1268760"/>
+                  <a:chExt cx="2016224" cy="888224"/>
+                </a:xfrm>
+              </p:grpSpPr>
+              <p:sp>
+                <p:nvSpPr>
+                  <p:cNvPr id="18" name="Forma Livre: Forma 18">
+                    <a:extLst>
+                      <a:ext uri="{FF2B5EF4-FFF2-40B4-BE49-F238E27FC236}">
+                        <a16:creationId xmlns:a16="http://schemas.microsoft.com/office/drawing/2014/main" xmlns="" id="{49038562-5F7A-40E4-B819-A60E974A272D}"/>
+                      </a:ext>
+                    </a:extLst>
+                  </p:cNvPr>
+                  <p:cNvSpPr/>
+                  <p:nvPr/>
+                </p:nvSpPr>
+                <p:spPr>
+                  <a:xfrm>
+                    <a:off x="1691680" y="1268760"/>
+                    <a:ext cx="936104" cy="888224"/>
+                  </a:xfrm>
+                  <a:custGeom>
+                    <a:avLst/>
+                    <a:gdLst>
+                      <a:gd name="connsiteX0" fmla="*/ 353933 w 1440160"/>
+                      <a:gd name="connsiteY0" fmla="*/ 0 h 1210914"/>
+                      <a:gd name="connsiteX1" fmla="*/ 548974 w 1440160"/>
+                      <a:gd name="connsiteY1" fmla="*/ 10782 h 1210914"/>
+                      <a:gd name="connsiteX2" fmla="*/ 1440160 w 1440160"/>
+                      <a:gd name="connsiteY2" fmla="*/ 610415 h 1210914"/>
+                      <a:gd name="connsiteX3" fmla="*/ 548974 w 1440160"/>
+                      <a:gd name="connsiteY3" fmla="*/ 1210048 h 1210914"/>
+                      <a:gd name="connsiteX4" fmla="*/ 533309 w 1440160"/>
+                      <a:gd name="connsiteY4" fmla="*/ 1210914 h 1210914"/>
+                      <a:gd name="connsiteX5" fmla="*/ 517463 w 1440160"/>
+                      <a:gd name="connsiteY5" fmla="*/ 1209317 h 1210914"/>
+                      <a:gd name="connsiteX6" fmla="*/ 0 w 1440160"/>
+                      <a:gd name="connsiteY6" fmla="*/ 574411 h 1210914"/>
+                      <a:gd name="connsiteX7" fmla="*/ 285729 w 1440160"/>
+                      <a:gd name="connsiteY7" fmla="*/ 37020 h 1210914"/>
+                    </a:gdLst>
+                    <a:ahLst/>
+                    <a:cxnLst>
+                      <a:cxn ang="0">
+                        <a:pos x="connsiteX0" y="connsiteY0"/>
+                      </a:cxn>
+                      <a:cxn ang="0">
+                        <a:pos x="connsiteX1" y="connsiteY1"/>
+                      </a:cxn>
+                      <a:cxn ang="0">
+                        <a:pos x="connsiteX2" y="connsiteY2"/>
+                      </a:cxn>
+                      <a:cxn ang="0">
+                        <a:pos x="connsiteX3" y="connsiteY3"/>
+                      </a:cxn>
+                      <a:cxn ang="0">
+                        <a:pos x="connsiteX4" y="connsiteY4"/>
+                      </a:cxn>
+                      <a:cxn ang="0">
+                        <a:pos x="connsiteX5" y="connsiteY5"/>
+                      </a:cxn>
+                      <a:cxn ang="0">
+                        <a:pos x="connsiteX6" y="connsiteY6"/>
+                      </a:cxn>
+                      <a:cxn ang="0">
+                        <a:pos x="connsiteX7" y="connsiteY7"/>
+                      </a:cxn>
+                    </a:cxnLst>
+                    <a:rect l="l" t="t" r="r" b="b"/>
+                    <a:pathLst>
+                      <a:path w="1440160" h="1210914">
+                        <a:moveTo>
+                          <a:pt x="353933" y="0"/>
+                        </a:moveTo>
+                        <a:lnTo>
+                          <a:pt x="548974" y="10782"/>
+                        </a:lnTo>
+                        <a:cubicBezTo>
+                          <a:pt x="1057573" y="67855"/>
+                          <a:pt x="1440160" y="314634"/>
+                          <a:pt x="1440160" y="610415"/>
+                        </a:cubicBezTo>
+                        <a:cubicBezTo>
+                          <a:pt x="1440160" y="906197"/>
+                          <a:pt x="1057573" y="1152975"/>
+                          <a:pt x="548974" y="1210048"/>
+                        </a:cubicBezTo>
+                        <a:lnTo>
+                          <a:pt x="533309" y="1210914"/>
+                        </a:lnTo>
+                        <a:lnTo>
+                          <a:pt x="517463" y="1209317"/>
+                        </a:lnTo>
+                        <a:cubicBezTo>
+                          <a:pt x="222148" y="1148886"/>
+                          <a:pt x="0" y="887591"/>
+                          <a:pt x="0" y="574411"/>
+                        </a:cubicBezTo>
+                        <a:cubicBezTo>
+                          <a:pt x="0" y="350711"/>
+                          <a:pt x="113341" y="153483"/>
+                          <a:pt x="285729" y="37020"/>
+                        </a:cubicBezTo>
+                        <a:close/>
+                      </a:path>
+                    </a:pathLst>
+                  </a:custGeom>
+                  <a:solidFill>
+                    <a:srgbClr val="05FF76"/>
+                  </a:solidFill>
+                  <a:ln>
+                    <a:noFill/>
+                  </a:ln>
+                </p:spPr>
+                <p:style>
+                  <a:lnRef idx="2">
+                    <a:schemeClr val="accent1">
+                      <a:shade val="50000"/>
+                    </a:schemeClr>
+                  </a:lnRef>
+                  <a:fillRef idx="1">
+                    <a:schemeClr val="accent1"/>
+                  </a:fillRef>
+                  <a:effectRef idx="0">
+                    <a:schemeClr val="accent1"/>
+                  </a:effectRef>
+                  <a:fontRef idx="minor">
+                    <a:schemeClr val="lt1"/>
+                  </a:fontRef>
+                </p:style>
+                <p:txBody>
+                  <a:bodyPr rtlCol="0" anchor="ctr"/>
+                  <a:lstStyle/>
+                  <a:p>
+                    <a:pPr algn="ctr"/>
+                    <a:endParaRPr lang="pt-BR"/>
+                  </a:p>
+                </p:txBody>
+              </p:sp>
+              <p:sp>
+                <p:nvSpPr>
+                  <p:cNvPr id="19" name="Forma Livre: Forma 19">
+                    <a:extLst>
+                      <a:ext uri="{FF2B5EF4-FFF2-40B4-BE49-F238E27FC236}">
+                        <a16:creationId xmlns:a16="http://schemas.microsoft.com/office/drawing/2014/main" xmlns="" id="{86179193-B553-4AC9-B3D5-A47250F0C5AC}"/>
+                      </a:ext>
+                    </a:extLst>
+                  </p:cNvPr>
+                  <p:cNvSpPr/>
+                  <p:nvPr/>
+                </p:nvSpPr>
+                <p:spPr>
+                  <a:xfrm flipH="1">
+                    <a:off x="2771800" y="1268760"/>
+                    <a:ext cx="936104" cy="888224"/>
+                  </a:xfrm>
+                  <a:custGeom>
+                    <a:avLst/>
+                    <a:gdLst>
+                      <a:gd name="connsiteX0" fmla="*/ 353933 w 1440160"/>
+                      <a:gd name="connsiteY0" fmla="*/ 0 h 1210914"/>
+                      <a:gd name="connsiteX1" fmla="*/ 548974 w 1440160"/>
+                      <a:gd name="connsiteY1" fmla="*/ 10782 h 1210914"/>
+                      <a:gd name="connsiteX2" fmla="*/ 1440160 w 1440160"/>
+                      <a:gd name="connsiteY2" fmla="*/ 610415 h 1210914"/>
+                      <a:gd name="connsiteX3" fmla="*/ 548974 w 1440160"/>
+                      <a:gd name="connsiteY3" fmla="*/ 1210048 h 1210914"/>
+                      <a:gd name="connsiteX4" fmla="*/ 533309 w 1440160"/>
+                      <a:gd name="connsiteY4" fmla="*/ 1210914 h 1210914"/>
+                      <a:gd name="connsiteX5" fmla="*/ 517463 w 1440160"/>
+                      <a:gd name="connsiteY5" fmla="*/ 1209317 h 1210914"/>
+                      <a:gd name="connsiteX6" fmla="*/ 0 w 1440160"/>
+                      <a:gd name="connsiteY6" fmla="*/ 574411 h 1210914"/>
+                      <a:gd name="connsiteX7" fmla="*/ 285729 w 1440160"/>
+                      <a:gd name="connsiteY7" fmla="*/ 37020 h 1210914"/>
+                    </a:gdLst>
+                    <a:ahLst/>
+                    <a:cxnLst>
+                      <a:cxn ang="0">
+                        <a:pos x="connsiteX0" y="connsiteY0"/>
+                      </a:cxn>
+                      <a:cxn ang="0">
+                        <a:pos x="connsiteX1" y="connsiteY1"/>
+                      </a:cxn>
+                      <a:cxn ang="0">
+                        <a:pos x="connsiteX2" y="connsiteY2"/>
+                      </a:cxn>
+                      <a:cxn ang="0">
+                        <a:pos x="connsiteX3" y="connsiteY3"/>
+                      </a:cxn>
+                      <a:cxn ang="0">
+                        <a:pos x="connsiteX4" y="connsiteY4"/>
+                      </a:cxn>
+                      <a:cxn ang="0">
+                        <a:pos x="connsiteX5" y="connsiteY5"/>
+                      </a:cxn>
+                      <a:cxn ang="0">
+                        <a:pos x="connsiteX6" y="connsiteY6"/>
+                      </a:cxn>
+                      <a:cxn ang="0">
+                        <a:pos x="connsiteX7" y="connsiteY7"/>
+                      </a:cxn>
+                    </a:cxnLst>
+                    <a:rect l="l" t="t" r="r" b="b"/>
+                    <a:pathLst>
+                      <a:path w="1440160" h="1210914">
+                        <a:moveTo>
+                          <a:pt x="353933" y="0"/>
+                        </a:moveTo>
+                        <a:lnTo>
+                          <a:pt x="548974" y="10782"/>
+                        </a:lnTo>
+                        <a:cubicBezTo>
+                          <a:pt x="1057573" y="67855"/>
+                          <a:pt x="1440160" y="314634"/>
+                          <a:pt x="1440160" y="610415"/>
+                        </a:cubicBezTo>
+                        <a:cubicBezTo>
+                          <a:pt x="1440160" y="906197"/>
+                          <a:pt x="1057573" y="1152975"/>
+                          <a:pt x="548974" y="1210048"/>
+                        </a:cubicBezTo>
+                        <a:lnTo>
+                          <a:pt x="533309" y="1210914"/>
+                        </a:lnTo>
+                        <a:lnTo>
+                          <a:pt x="517463" y="1209317"/>
+                        </a:lnTo>
+                        <a:cubicBezTo>
+                          <a:pt x="222148" y="1148886"/>
+                          <a:pt x="0" y="887591"/>
+                          <a:pt x="0" y="574411"/>
+                        </a:cubicBezTo>
+                        <a:cubicBezTo>
+                          <a:pt x="0" y="350711"/>
+                          <a:pt x="113341" y="153483"/>
+                          <a:pt x="285729" y="37020"/>
+                        </a:cubicBezTo>
+                        <a:close/>
+                      </a:path>
+                    </a:pathLst>
+                  </a:custGeom>
+                  <a:solidFill>
+                    <a:srgbClr val="05FF76"/>
+                  </a:solidFill>
+                  <a:ln>
+                    <a:noFill/>
+                  </a:ln>
+                </p:spPr>
+                <p:style>
+                  <a:lnRef idx="2">
+                    <a:schemeClr val="accent1">
+                      <a:shade val="50000"/>
+                    </a:schemeClr>
+                  </a:lnRef>
+                  <a:fillRef idx="1">
+                    <a:schemeClr val="accent1"/>
+                  </a:fillRef>
+                  <a:effectRef idx="0">
+                    <a:schemeClr val="accent1"/>
+                  </a:effectRef>
+                  <a:fontRef idx="minor">
+                    <a:schemeClr val="lt1"/>
+                  </a:fontRef>
+                </p:style>
+                <p:txBody>
+                  <a:bodyPr rtlCol="0" anchor="ctr"/>
+                  <a:lstStyle/>
+                  <a:p>
+                    <a:pPr algn="ctr"/>
+                    <a:endParaRPr lang="pt-BR"/>
+                  </a:p>
+                </p:txBody>
+              </p:sp>
+              <p:sp>
+                <p:nvSpPr>
+                  <p:cNvPr id="20" name="Elipse 19">
+                    <a:extLst>
+                      <a:ext uri="{FF2B5EF4-FFF2-40B4-BE49-F238E27FC236}">
+                        <a16:creationId xmlns:a16="http://schemas.microsoft.com/office/drawing/2014/main" xmlns="" id="{BB3D9672-C3A6-491C-B071-9218493A9C75}"/>
+                      </a:ext>
+                    </a:extLst>
+                  </p:cNvPr>
+                  <p:cNvSpPr/>
+                  <p:nvPr/>
+                </p:nvSpPr>
+                <p:spPr>
+                  <a:xfrm>
+                    <a:off x="2483768" y="1556792"/>
+                    <a:ext cx="432048" cy="432048"/>
+                  </a:xfrm>
+                  <a:prstGeom prst="ellipse">
+                    <a:avLst/>
+                  </a:prstGeom>
+                  <a:solidFill>
+                    <a:srgbClr val="05FF76"/>
+                  </a:solidFill>
+                  <a:ln>
+                    <a:noFill/>
+                  </a:ln>
+                </p:spPr>
+                <p:style>
+                  <a:lnRef idx="2">
+                    <a:schemeClr val="accent1">
+                      <a:shade val="50000"/>
+                    </a:schemeClr>
+                  </a:lnRef>
+                  <a:fillRef idx="1">
+                    <a:schemeClr val="accent1"/>
+                  </a:fillRef>
+                  <a:effectRef idx="0">
+                    <a:schemeClr val="accent1"/>
+                  </a:effectRef>
+                  <a:fontRef idx="minor">
+                    <a:schemeClr val="lt1"/>
+                  </a:fontRef>
+                </p:style>
+                <p:txBody>
+                  <a:bodyPr rtlCol="0" anchor="ctr"/>
+                  <a:lstStyle/>
+                  <a:p>
+                    <a:pPr algn="ctr"/>
+                    <a:endParaRPr lang="pt-BR"/>
+                  </a:p>
+                </p:txBody>
+              </p:sp>
+              <p:sp>
+                <p:nvSpPr>
+                  <p:cNvPr id="21" name="Retângulo: Cantos Arredondados 21">
+                    <a:extLst>
+                      <a:ext uri="{FF2B5EF4-FFF2-40B4-BE49-F238E27FC236}">
+                        <a16:creationId xmlns:a16="http://schemas.microsoft.com/office/drawing/2014/main" xmlns="" id="{E36ADEB4-C02B-451D-A82F-59E049574D02}"/>
+                      </a:ext>
+                    </a:extLst>
+                  </p:cNvPr>
+                  <p:cNvSpPr/>
+                  <p:nvPr/>
+                </p:nvSpPr>
+                <p:spPr>
+                  <a:xfrm rot="2899544">
+                    <a:off x="3306093" y="1395083"/>
+                    <a:ext cx="227559" cy="183053"/>
+                  </a:xfrm>
+                  <a:prstGeom prst="roundRect">
+                    <a:avLst>
+                      <a:gd name="adj" fmla="val 50000"/>
+                    </a:avLst>
+                  </a:prstGeom>
+                  <a:solidFill>
+                    <a:schemeClr val="bg1"/>
+                  </a:solidFill>
+                  <a:ln>
+                    <a:noFill/>
+                  </a:ln>
+                </p:spPr>
+                <p:style>
+                  <a:lnRef idx="2">
+                    <a:schemeClr val="accent1">
+                      <a:shade val="50000"/>
+                    </a:schemeClr>
+                  </a:lnRef>
+                  <a:fillRef idx="1">
+                    <a:schemeClr val="accent1"/>
+                  </a:fillRef>
+                  <a:effectRef idx="0">
+                    <a:schemeClr val="accent1"/>
+                  </a:effectRef>
+                  <a:fontRef idx="minor">
+                    <a:schemeClr val="lt1"/>
+                  </a:fontRef>
+                </p:style>
+                <p:txBody>
+                  <a:bodyPr rtlCol="0" anchor="ctr"/>
+                  <a:lstStyle/>
+                  <a:p>
+                    <a:pPr algn="ctr"/>
+                    <a:endParaRPr lang="pt-BR"/>
+                  </a:p>
+                </p:txBody>
+              </p:sp>
+              <p:sp>
+                <p:nvSpPr>
+                  <p:cNvPr id="22" name="Retângulo: Cantos Arredondados 22">
+                    <a:extLst>
+                      <a:ext uri="{FF2B5EF4-FFF2-40B4-BE49-F238E27FC236}">
+                        <a16:creationId xmlns:a16="http://schemas.microsoft.com/office/drawing/2014/main" xmlns="" id="{00B2468B-E557-4A6B-9776-872496847B7D}"/>
+                      </a:ext>
+                    </a:extLst>
+                  </p:cNvPr>
+                  <p:cNvSpPr/>
+                  <p:nvPr/>
+                </p:nvSpPr>
+                <p:spPr>
+                  <a:xfrm rot="2899544">
+                    <a:off x="2715110" y="1656317"/>
+                    <a:ext cx="115288" cy="92740"/>
+                  </a:xfrm>
+                  <a:prstGeom prst="roundRect">
+                    <a:avLst>
+                      <a:gd name="adj" fmla="val 50000"/>
+                    </a:avLst>
+                  </a:prstGeom>
+                  <a:solidFill>
+                    <a:schemeClr val="bg1"/>
+                  </a:solidFill>
+                  <a:ln>
+                    <a:noFill/>
+                  </a:ln>
+                </p:spPr>
+                <p:style>
+                  <a:lnRef idx="2">
+                    <a:schemeClr val="accent1">
+                      <a:shade val="50000"/>
+                    </a:schemeClr>
+                  </a:lnRef>
+                  <a:fillRef idx="1">
+                    <a:schemeClr val="accent1"/>
+                  </a:fillRef>
+                  <a:effectRef idx="0">
+                    <a:schemeClr val="accent1"/>
+                  </a:effectRef>
+                  <a:fontRef idx="minor">
+                    <a:schemeClr val="lt1"/>
+                  </a:fontRef>
+                </p:style>
+                <p:txBody>
+                  <a:bodyPr rtlCol="0" anchor="ctr"/>
+                  <a:lstStyle/>
+                  <a:p>
+                    <a:pPr algn="ctr"/>
+                    <a:endParaRPr lang="pt-BR"/>
+                  </a:p>
+                </p:txBody>
+              </p:sp>
+              <p:sp>
+                <p:nvSpPr>
+                  <p:cNvPr id="23" name="Retângulo: Cantos Arredondados 23">
+                    <a:extLst>
+                      <a:ext uri="{FF2B5EF4-FFF2-40B4-BE49-F238E27FC236}">
+                        <a16:creationId xmlns:a16="http://schemas.microsoft.com/office/drawing/2014/main" xmlns="" id="{A8B0237E-3D5C-404F-AFA7-0BE630C69FD9}"/>
+                      </a:ext>
+                    </a:extLst>
+                  </p:cNvPr>
+                  <p:cNvSpPr/>
+                  <p:nvPr/>
+                </p:nvSpPr>
+                <p:spPr>
+                  <a:xfrm rot="2899544">
+                    <a:off x="2153964" y="1467091"/>
+                    <a:ext cx="227559" cy="183053"/>
+                  </a:xfrm>
+                  <a:prstGeom prst="roundRect">
+                    <a:avLst>
+                      <a:gd name="adj" fmla="val 50000"/>
+                    </a:avLst>
+                  </a:prstGeom>
+                  <a:solidFill>
+                    <a:schemeClr val="bg1"/>
+                  </a:solidFill>
+                  <a:ln>
+                    <a:noFill/>
+                  </a:ln>
+                </p:spPr>
+                <p:style>
+                  <a:lnRef idx="2">
+                    <a:schemeClr val="accent1">
+                      <a:shade val="50000"/>
+                    </a:schemeClr>
+                  </a:lnRef>
+                  <a:fillRef idx="1">
+                    <a:schemeClr val="accent1"/>
+                  </a:fillRef>
+                  <a:effectRef idx="0">
+                    <a:schemeClr val="accent1"/>
+                  </a:effectRef>
+                  <a:fontRef idx="minor">
+                    <a:schemeClr val="lt1"/>
+                  </a:fontRef>
+                </p:style>
+                <p:txBody>
+                  <a:bodyPr rtlCol="0" anchor="ctr"/>
+                  <a:lstStyle/>
+                  <a:p>
+                    <a:pPr algn="ctr"/>
+                    <a:endParaRPr lang="pt-BR"/>
+                  </a:p>
+                </p:txBody>
+              </p:sp>
+            </p:grpSp>
+            <p:sp>
+              <p:nvSpPr>
+                <p:cNvPr id="17" name="Forma Livre: Forma 24">
+                  <a:extLst>
+                    <a:ext uri="{FF2B5EF4-FFF2-40B4-BE49-F238E27FC236}">
+                      <a16:creationId xmlns:a16="http://schemas.microsoft.com/office/drawing/2014/main" xmlns="" id="{59EB2E63-3A48-42A1-81EE-CC62EC6A9BC8}"/>
+                    </a:ext>
+                  </a:extLst>
+                </p:cNvPr>
+                <p:cNvSpPr/>
+                <p:nvPr/>
+              </p:nvSpPr>
+              <p:spPr>
+                <a:xfrm>
+                  <a:off x="4788024" y="1988840"/>
+                  <a:ext cx="486100" cy="151092"/>
+                </a:xfrm>
+                <a:custGeom>
+                  <a:avLst/>
+                  <a:gdLst>
+                    <a:gd name="connsiteX0" fmla="*/ 0 w 1111388"/>
+                    <a:gd name="connsiteY0" fmla="*/ 0 h 432048"/>
+                    <a:gd name="connsiteX1" fmla="*/ 178363 w 1111388"/>
+                    <a:gd name="connsiteY1" fmla="*/ 0 h 432048"/>
+                    <a:gd name="connsiteX2" fmla="*/ 195264 w 1111388"/>
+                    <a:gd name="connsiteY2" fmla="*/ 31138 h 432048"/>
+                    <a:gd name="connsiteX3" fmla="*/ 542992 w 1111388"/>
+                    <a:gd name="connsiteY3" fmla="*/ 216024 h 432048"/>
+                    <a:gd name="connsiteX4" fmla="*/ 568396 w 1111388"/>
+                    <a:gd name="connsiteY4" fmla="*/ 216024 h 432048"/>
+                    <a:gd name="connsiteX5" fmla="*/ 916124 w 1111388"/>
+                    <a:gd name="connsiteY5" fmla="*/ 31138 h 432048"/>
+                    <a:gd name="connsiteX6" fmla="*/ 933026 w 1111388"/>
+                    <a:gd name="connsiteY6" fmla="*/ 0 h 432048"/>
+                    <a:gd name="connsiteX7" fmla="*/ 1111388 w 1111388"/>
+                    <a:gd name="connsiteY7" fmla="*/ 0 h 432048"/>
+                    <a:gd name="connsiteX8" fmla="*/ 1086488 w 1111388"/>
+                    <a:gd name="connsiteY8" fmla="*/ 80214 h 432048"/>
+                    <a:gd name="connsiteX9" fmla="*/ 555694 w 1111388"/>
+                    <a:gd name="connsiteY9" fmla="*/ 432048 h 432048"/>
+                    <a:gd name="connsiteX10" fmla="*/ 24900 w 1111388"/>
+                    <a:gd name="connsiteY10" fmla="*/ 80214 h 432048"/>
+                  </a:gdLst>
+                  <a:ahLst/>
+                  <a:cxnLst>
+                    <a:cxn ang="0">
+                      <a:pos x="connsiteX0" y="connsiteY0"/>
+                    </a:cxn>
+                    <a:cxn ang="0">
+                      <a:pos x="connsiteX1" y="connsiteY1"/>
+                    </a:cxn>
+                    <a:cxn ang="0">
+                      <a:pos x="connsiteX2" y="connsiteY2"/>
+                    </a:cxn>
+                    <a:cxn ang="0">
+                      <a:pos x="connsiteX3" y="connsiteY3"/>
+                    </a:cxn>
+                    <a:cxn ang="0">
+                      <a:pos x="connsiteX4" y="connsiteY4"/>
+                    </a:cxn>
+                    <a:cxn ang="0">
+                      <a:pos x="connsiteX5" y="connsiteY5"/>
+                    </a:cxn>
+                    <a:cxn ang="0">
+                      <a:pos x="connsiteX6" y="connsiteY6"/>
+                    </a:cxn>
+                    <a:cxn ang="0">
+                      <a:pos x="connsiteX7" y="connsiteY7"/>
+                    </a:cxn>
+                    <a:cxn ang="0">
+                      <a:pos x="connsiteX8" y="connsiteY8"/>
+                    </a:cxn>
+                    <a:cxn ang="0">
+                      <a:pos x="connsiteX9" y="connsiteY9"/>
+                    </a:cxn>
+                    <a:cxn ang="0">
+                      <a:pos x="connsiteX10" y="connsiteY10"/>
+                    </a:cxn>
+                  </a:cxnLst>
+                  <a:rect l="l" t="t" r="r" b="b"/>
+                  <a:pathLst>
+                    <a:path w="1111388" h="432048">
+                      <a:moveTo>
+                        <a:pt x="0" y="0"/>
+                      </a:moveTo>
+                      <a:lnTo>
+                        <a:pt x="178363" y="0"/>
+                      </a:lnTo>
+                      <a:lnTo>
+                        <a:pt x="195264" y="31138"/>
+                      </a:lnTo>
+                      <a:cubicBezTo>
+                        <a:pt x="270624" y="142685"/>
+                        <a:pt x="398243" y="216024"/>
+                        <a:pt x="542992" y="216024"/>
+                      </a:cubicBezTo>
+                      <a:lnTo>
+                        <a:pt x="568396" y="216024"/>
+                      </a:lnTo>
+                      <a:cubicBezTo>
+                        <a:pt x="713145" y="216024"/>
+                        <a:pt x="840765" y="142685"/>
+                        <a:pt x="916124" y="31138"/>
+                      </a:cubicBezTo>
+                      <a:lnTo>
+                        <a:pt x="933026" y="0"/>
+                      </a:lnTo>
+                      <a:lnTo>
+                        <a:pt x="1111388" y="0"/>
+                      </a:lnTo>
+                      <a:lnTo>
+                        <a:pt x="1086488" y="80214"/>
+                      </a:lnTo>
+                      <a:cubicBezTo>
+                        <a:pt x="999037" y="286972"/>
+                        <a:pt x="794307" y="432048"/>
+                        <a:pt x="555694" y="432048"/>
+                      </a:cubicBezTo>
+                      <a:cubicBezTo>
+                        <a:pt x="317081" y="432048"/>
+                        <a:pt x="112352" y="286972"/>
+                        <a:pt x="24900" y="80214"/>
+                      </a:cubicBezTo>
+                      <a:close/>
+                    </a:path>
+                  </a:pathLst>
+                </a:custGeom>
+                <a:solidFill>
+                  <a:schemeClr val="tx1"/>
+                </a:solidFill>
+                <a:ln>
+                  <a:noFill/>
+                </a:ln>
+              </p:spPr>
+              <p:style>
+                <a:lnRef idx="2">
+                  <a:schemeClr val="accent1">
+                    <a:shade val="50000"/>
+                  </a:schemeClr>
+                </a:lnRef>
+                <a:fillRef idx="1">
+                  <a:schemeClr val="accent1"/>
+                </a:fillRef>
+                <a:effectRef idx="0">
+                  <a:schemeClr val="accent1"/>
+                </a:effectRef>
+                <a:fontRef idx="minor">
+                  <a:schemeClr val="lt1"/>
+                </a:fontRef>
+              </p:style>
+              <p:txBody>
+                <a:bodyPr rtlCol="0" anchor="ctr"/>
+                <a:lstStyle/>
+                <a:p>
+                  <a:pPr algn="ctr"/>
+                  <a:endParaRPr lang="pt-BR"/>
+                </a:p>
+              </p:txBody>
+            </p:sp>
+          </p:grpSp>
+        </p:grpSp>
+        <p:sp>
+          <p:nvSpPr>
+            <p:cNvPr id="10" name="CaixaDeTexto 9"/>
+            <p:cNvSpPr txBox="1"/>
+            <p:nvPr/>
+          </p:nvSpPr>
+          <p:spPr>
+            <a:xfrm>
+              <a:off x="2915816" y="3717032"/>
+              <a:ext cx="3142207" cy="369332"/>
+            </a:xfrm>
+            <a:prstGeom prst="rect">
+              <a:avLst/>
+            </a:prstGeom>
+            <a:noFill/>
+          </p:spPr>
+          <p:txBody>
+            <a:bodyPr wrap="none" rtlCol="0">
+              <a:spAutoFit/>
+            </a:bodyPr>
+            <a:lstStyle/>
+            <a:p>
+              <a:r>
+                <a:rPr lang="pt-BR" b="1" dirty="0" smtClean="0">
+                  <a:solidFill>
+                    <a:srgbClr val="1FC3BB"/>
+                  </a:solidFill>
+                  <a:latin typeface="Century Gothic" panose="020B0502020202020204" pitchFamily="34" charset="0"/>
+                </a:rPr>
+                <a:t>DESEMPENHO DE USUÁRIO:</a:t>
+              </a:r>
+              <a:endParaRPr lang="pt-BR" b="1" dirty="0">
+                <a:solidFill>
+                  <a:srgbClr val="1FC3BB"/>
+                </a:solidFill>
+                <a:latin typeface="Righteous"/>
+              </a:endParaRPr>
+            </a:p>
+          </p:txBody>
+        </p:sp>
+      </p:grpSp>
+    </p:spTree>
+    <p:extLst>
+      <p:ext uri="{BB962C8B-B14F-4D97-AF65-F5344CB8AC3E}">
+        <p14:creationId xmlns:p14="http://schemas.microsoft.com/office/powerpoint/2010/main" val="2894704298"/>
+      </p:ext>
+    </p:extLst>
+  </p:cSld>
+  <p:clrMapOvr>
+    <a:masterClrMapping/>
+  </p:clrMapOvr>
+</p:sld>
+</file>
+
+<file path=ppt/slides/slide21.xml><?xml version="1.0" encoding="utf-8"?>
+<p:sld xmlns:a="http://schemas.openxmlformats.org/drawingml/2006/main" xmlns:r="http://schemas.openxmlformats.org/officeDocument/2006/relationships" xmlns:p="http://schemas.openxmlformats.org/presentationml/2006/main">
+  <p:cSld>
+    <p:spTree>
+      <p:nvGrpSpPr>
+        <p:cNvPr id="1" name=""/>
+        <p:cNvGrpSpPr/>
+        <p:nvPr/>
+      </p:nvGrpSpPr>
+      <p:grpSpPr>
+        <a:xfrm>
+          <a:off x="0" y="0"/>
+          <a:ext cx="0" cy="0"/>
+          <a:chOff x="0" y="0"/>
+          <a:chExt cx="0" cy="0"/>
+        </a:xfrm>
+      </p:grpSpPr>
+      <p:pic>
+        <p:nvPicPr>
+          <p:cNvPr id="1026" name="Picture 2" descr="C:\Users\u18171\Documents\GitHub\Projeto-PP\Stud+\delete.png"/>
+          <p:cNvPicPr>
+            <a:picLocks noChangeAspect="1" noChangeArrowheads="1"/>
+          </p:cNvPicPr>
+          <p:nvPr/>
+        </p:nvPicPr>
+        <p:blipFill>
+          <a:blip r:embed="rId2">
+            <a:extLst>
+              <a:ext uri="{28A0092B-C50C-407E-A947-70E740481C1C}">
+                <a14:useLocalDpi xmlns:a14="http://schemas.microsoft.com/office/drawing/2010/main" val="0"/>
+              </a:ext>
+            </a:extLst>
+          </a:blip>
+          <a:srcRect/>
+          <a:stretch>
+            <a:fillRect/>
+          </a:stretch>
+        </p:blipFill>
+        <p:spPr bwMode="auto">
+          <a:xfrm>
+            <a:off x="0" y="2132856"/>
+            <a:ext cx="2689076" cy="2689076"/>
+          </a:xfrm>
+          <a:prstGeom prst="rect">
+            <a:avLst/>
+          </a:prstGeom>
+          <a:noFill/>
+          <a:extLst>
+            <a:ext uri="{909E8E84-426E-40DD-AFC4-6F175D3DCCD1}">
+              <a14:hiddenFill xmlns:a14="http://schemas.microsoft.com/office/drawing/2010/main">
+                <a:solidFill>
+                  <a:srgbClr val="FFFFFF"/>
+                </a:solidFill>
+              </a14:hiddenFill>
+            </a:ext>
+          </a:extLst>
+        </p:spPr>
+      </p:pic>
+      <p:grpSp>
+        <p:nvGrpSpPr>
+          <p:cNvPr id="8" name="Grupo 7"/>
+          <p:cNvGrpSpPr/>
+          <p:nvPr/>
+        </p:nvGrpSpPr>
+        <p:grpSpPr>
+          <a:xfrm>
+            <a:off x="649376" y="331550"/>
+            <a:ext cx="1656184" cy="1656184"/>
+            <a:chOff x="3419872" y="1484784"/>
+            <a:chExt cx="3456384" cy="3456384"/>
+          </a:xfrm>
+        </p:grpSpPr>
+        <p:sp>
+          <p:nvSpPr>
+            <p:cNvPr id="5" name="Elipse 4"/>
+            <p:cNvSpPr/>
+            <p:nvPr/>
+          </p:nvSpPr>
+          <p:spPr>
+            <a:xfrm>
+              <a:off x="3419872" y="1484784"/>
+              <a:ext cx="3456384" cy="3456384"/>
+            </a:xfrm>
+            <a:prstGeom prst="ellipse">
+              <a:avLst/>
+            </a:prstGeom>
+            <a:solidFill>
+              <a:srgbClr val="008EBA"/>
+            </a:solidFill>
+            <a:ln>
+              <a:noFill/>
+            </a:ln>
+          </p:spPr>
+          <p:style>
+            <a:lnRef idx="2">
+              <a:schemeClr val="accent1">
+                <a:shade val="50000"/>
+              </a:schemeClr>
+            </a:lnRef>
+            <a:fillRef idx="1">
+              <a:schemeClr val="accent1"/>
+            </a:fillRef>
+            <a:effectRef idx="0">
+              <a:schemeClr val="accent1"/>
+            </a:effectRef>
+            <a:fontRef idx="minor">
+              <a:schemeClr val="lt1"/>
+            </a:fontRef>
+          </p:style>
+          <p:txBody>
+            <a:bodyPr rtlCol="0" anchor="ctr"/>
+            <a:lstStyle/>
+            <a:p>
+              <a:pPr algn="ctr"/>
+              <a:endParaRPr lang="pt-BR"/>
+            </a:p>
+          </p:txBody>
+        </p:sp>
+        <p:sp>
+          <p:nvSpPr>
+            <p:cNvPr id="7" name="Elipse 6"/>
+            <p:cNvSpPr/>
+            <p:nvPr/>
+          </p:nvSpPr>
+          <p:spPr>
+            <a:xfrm>
+              <a:off x="3641508" y="1706420"/>
+              <a:ext cx="3013112" cy="3013112"/>
+            </a:xfrm>
+            <a:prstGeom prst="ellipse">
+              <a:avLst/>
+            </a:prstGeom>
+            <a:solidFill>
+              <a:srgbClr val="0070BC"/>
+            </a:solidFill>
+            <a:ln>
+              <a:noFill/>
+            </a:ln>
+          </p:spPr>
+          <p:style>
+            <a:lnRef idx="2">
+              <a:schemeClr val="accent1">
+                <a:shade val="50000"/>
+              </a:schemeClr>
+            </a:lnRef>
+            <a:fillRef idx="1">
+              <a:schemeClr val="accent1"/>
+            </a:fillRef>
+            <a:effectRef idx="0">
+              <a:schemeClr val="accent1"/>
+            </a:effectRef>
+            <a:fontRef idx="minor">
+              <a:schemeClr val="lt1"/>
+            </a:fontRef>
+          </p:style>
+          <p:txBody>
+            <a:bodyPr rtlCol="0" anchor="ctr"/>
+            <a:lstStyle/>
+            <a:p>
+              <a:pPr algn="ctr"/>
+              <a:endParaRPr lang="pt-BR"/>
+            </a:p>
+          </p:txBody>
+        </p:sp>
+        <p:sp>
+          <p:nvSpPr>
+            <p:cNvPr id="6" name="Retângulo de cantos arredondados 5"/>
+            <p:cNvSpPr/>
+            <p:nvPr/>
+          </p:nvSpPr>
+          <p:spPr>
+            <a:xfrm rot="2496022">
+              <a:off x="4966077" y="2122764"/>
+              <a:ext cx="432048" cy="2230729"/>
+            </a:xfrm>
+            <a:prstGeom prst="roundRect">
+              <a:avLst>
+                <a:gd name="adj" fmla="val 50000"/>
+              </a:avLst>
+            </a:prstGeom>
+            <a:solidFill>
+              <a:schemeClr val="bg1"/>
+            </a:solidFill>
+            <a:ln>
+              <a:noFill/>
+            </a:ln>
+          </p:spPr>
+          <p:style>
+            <a:lnRef idx="2">
+              <a:schemeClr val="accent1">
+                <a:shade val="50000"/>
+              </a:schemeClr>
+            </a:lnRef>
+            <a:fillRef idx="1">
+              <a:schemeClr val="accent1"/>
+            </a:fillRef>
+            <a:effectRef idx="0">
+              <a:schemeClr val="accent1"/>
+            </a:effectRef>
+            <a:fontRef idx="minor">
+              <a:schemeClr val="lt1"/>
+            </a:fontRef>
+          </p:style>
+          <p:txBody>
+            <a:bodyPr rtlCol="0" anchor="ctr"/>
+            <a:lstStyle/>
+            <a:p>
+              <a:pPr algn="ctr"/>
+              <a:endParaRPr lang="pt-BR"/>
+            </a:p>
+          </p:txBody>
+        </p:sp>
+        <p:sp>
+          <p:nvSpPr>
+            <p:cNvPr id="9" name="Retângulo de cantos arredondados 8"/>
+            <p:cNvSpPr/>
+            <p:nvPr/>
+          </p:nvSpPr>
+          <p:spPr>
+            <a:xfrm rot="19103978" flipH="1">
+              <a:off x="4970011" y="2122765"/>
+              <a:ext cx="432048" cy="2230729"/>
+            </a:xfrm>
+            <a:prstGeom prst="roundRect">
+              <a:avLst>
+                <a:gd name="adj" fmla="val 50000"/>
+              </a:avLst>
+            </a:prstGeom>
+            <a:solidFill>
+              <a:schemeClr val="bg1"/>
+            </a:solidFill>
+            <a:ln>
+              <a:noFill/>
+            </a:ln>
+          </p:spPr>
+          <p:style>
+            <a:lnRef idx="2">
+              <a:schemeClr val="accent1">
+                <a:shade val="50000"/>
+              </a:schemeClr>
+            </a:lnRef>
+            <a:fillRef idx="1">
+              <a:schemeClr val="accent1"/>
+            </a:fillRef>
+            <a:effectRef idx="0">
+              <a:schemeClr val="accent1"/>
+            </a:effectRef>
+            <a:fontRef idx="minor">
+              <a:schemeClr val="lt1"/>
+            </a:fontRef>
+          </p:style>
+          <p:txBody>
+            <a:bodyPr rtlCol="0" anchor="ctr"/>
+            <a:lstStyle/>
+            <a:p>
+              <a:pPr algn="ctr"/>
+              <a:endParaRPr lang="pt-BR"/>
+            </a:p>
+          </p:txBody>
+        </p:sp>
+      </p:grpSp>
+      <p:sp>
+        <p:nvSpPr>
+          <p:cNvPr id="12" name="Elipse 11"/>
+          <p:cNvSpPr/>
+          <p:nvPr/>
+        </p:nvSpPr>
+        <p:spPr>
+          <a:xfrm>
+            <a:off x="5076056" y="2420888"/>
+            <a:ext cx="1656184" cy="1656184"/>
+          </a:xfrm>
+          <a:prstGeom prst="ellipse">
+            <a:avLst/>
+          </a:prstGeom>
+          <a:solidFill>
+            <a:srgbClr val="008EBA"/>
+          </a:solidFill>
+          <a:ln>
+            <a:noFill/>
+          </a:ln>
+        </p:spPr>
+        <p:style>
+          <a:lnRef idx="2">
+            <a:schemeClr val="accent1">
+              <a:shade val="50000"/>
+            </a:schemeClr>
+          </a:lnRef>
+          <a:fillRef idx="1">
+            <a:schemeClr val="accent1"/>
+          </a:fillRef>
+          <a:effectRef idx="0">
+            <a:schemeClr val="accent1"/>
+          </a:effectRef>
+          <a:fontRef idx="minor">
+            <a:schemeClr val="lt1"/>
+          </a:fontRef>
+        </p:style>
+        <p:txBody>
+          <a:bodyPr rtlCol="0" anchor="ctr"/>
+          <a:lstStyle/>
+          <a:p>
+            <a:pPr algn="ctr"/>
+            <a:endParaRPr lang="pt-BR"/>
+          </a:p>
+        </p:txBody>
+      </p:sp>
+      <p:sp>
+        <p:nvSpPr>
+          <p:cNvPr id="13" name="Elipse 12"/>
+          <p:cNvSpPr/>
+          <p:nvPr/>
+        </p:nvSpPr>
+        <p:spPr>
+          <a:xfrm>
+            <a:off x="5182257" y="2527089"/>
+            <a:ext cx="1443783" cy="1443783"/>
+          </a:xfrm>
+          <a:prstGeom prst="ellipse">
+            <a:avLst/>
+          </a:prstGeom>
+          <a:solidFill>
+            <a:srgbClr val="0070BC"/>
+          </a:solidFill>
+          <a:ln>
+            <a:noFill/>
+          </a:ln>
+        </p:spPr>
+        <p:style>
+          <a:lnRef idx="2">
+            <a:schemeClr val="accent1">
+              <a:shade val="50000"/>
+            </a:schemeClr>
+          </a:lnRef>
+          <a:fillRef idx="1">
+            <a:schemeClr val="accent1"/>
+          </a:fillRef>
+          <a:effectRef idx="0">
+            <a:schemeClr val="accent1"/>
+          </a:effectRef>
+          <a:fontRef idx="minor">
+            <a:schemeClr val="lt1"/>
+          </a:fontRef>
+        </p:style>
+        <p:txBody>
+          <a:bodyPr rtlCol="0" anchor="ctr"/>
+          <a:lstStyle/>
+          <a:p>
+            <a:pPr algn="ctr"/>
+            <a:endParaRPr lang="pt-BR"/>
+          </a:p>
+        </p:txBody>
+      </p:sp>
+    </p:spTree>
+    <p:extLst>
+      <p:ext uri="{BB962C8B-B14F-4D97-AF65-F5344CB8AC3E}">
+        <p14:creationId xmlns:p14="http://schemas.microsoft.com/office/powerpoint/2010/main" val="2406179036"/>
+      </p:ext>
+    </p:extLst>
+  </p:cSld>
+  <p:clrMapOvr>
+    <a:masterClrMapping/>
+  </p:clrMapOvr>
+</p:sld>
+</file>
+
 <file path=ppt/slides/slide3.xml><?xml version="1.0" encoding="utf-8"?>
 <p:sld xmlns:a="http://schemas.openxmlformats.org/drawingml/2006/main" xmlns:r="http://schemas.openxmlformats.org/officeDocument/2006/relationships" xmlns:p="http://schemas.openxmlformats.org/presentationml/2006/main">
   <p:cSld>
@@ -29417,12 +31569,64 @@
           </p:grpSp>
         </p:grpSp>
       </p:grpSp>
+      <p:sp>
+        <p:nvSpPr>
+          <p:cNvPr id="235" name="Retângulo de cantos arredondados 1">
+            <a:extLst>
+              <a:ext uri="{FF2B5EF4-FFF2-40B4-BE49-F238E27FC236}">
+                <a16:creationId xmlns:a16="http://schemas.microsoft.com/office/drawing/2014/main" xmlns="" id="{59FC61EC-27B7-4C23-A945-70E4EFDA5A28}"/>
+              </a:ext>
+            </a:extLst>
+          </p:cNvPr>
+          <p:cNvSpPr/>
+          <p:nvPr/>
+        </p:nvSpPr>
+        <p:spPr>
+          <a:xfrm>
+            <a:off x="4740966" y="1916832"/>
+            <a:ext cx="3569856" cy="3569856"/>
+          </a:xfrm>
+          <a:prstGeom prst="roundRect">
+            <a:avLst/>
+          </a:prstGeom>
+          <a:solidFill>
+            <a:srgbClr val="00D1A5"/>
+          </a:solidFill>
+          <a:ln>
+            <a:noFill/>
+          </a:ln>
+        </p:spPr>
+        <p:style>
+          <a:lnRef idx="2">
+            <a:schemeClr val="accent1">
+              <a:shade val="50000"/>
+            </a:schemeClr>
+          </a:lnRef>
+          <a:fillRef idx="1">
+            <a:schemeClr val="accent1"/>
+          </a:fillRef>
+          <a:effectRef idx="0">
+            <a:schemeClr val="accent1"/>
+          </a:effectRef>
+          <a:fontRef idx="minor">
+            <a:schemeClr val="lt1"/>
+          </a:fontRef>
+        </p:style>
+        <p:txBody>
+          <a:bodyPr rtlCol="0" anchor="ctr"/>
+          <a:lstStyle/>
+          <a:p>
+            <a:pPr algn="ctr"/>
+            <a:endParaRPr lang="pt-BR"/>
+          </a:p>
+        </p:txBody>
+      </p:sp>
       <p:grpSp>
         <p:nvGrpSpPr>
-          <p:cNvPr id="4" name="Agrupar 3">
+          <p:cNvPr id="179" name="Agrupar 178">
             <a:extLst>
               <a:ext uri="{FF2B5EF4-FFF2-40B4-BE49-F238E27FC236}">
-                <a16:creationId xmlns:a16="http://schemas.microsoft.com/office/drawing/2014/main" xmlns="" id="{D375936F-A45E-489C-9B6C-D809C27AA82D}"/>
+                <a16:creationId xmlns:a16="http://schemas.microsoft.com/office/drawing/2014/main" xmlns="" id="{6F3CFAD0-4996-4D03-A80A-26D62E6DCDBA}"/>
               </a:ext>
             </a:extLst>
           </p:cNvPr>
@@ -29431,70 +31635,21 @@
         </p:nvGrpSpPr>
         <p:grpSpPr>
           <a:xfrm>
-            <a:off x="4740966" y="1916832"/>
-            <a:ext cx="3569856" cy="3569856"/>
-            <a:chOff x="4740966" y="1916832"/>
-            <a:chExt cx="3569856" cy="3569856"/>
+            <a:off x="5004048" y="3861048"/>
+            <a:ext cx="3015750" cy="1008112"/>
+            <a:chOff x="1619672" y="3501008"/>
+            <a:chExt cx="6031499" cy="2016224"/>
           </a:xfrm>
+          <a:solidFill>
+            <a:schemeClr val="bg1"/>
+          </a:solidFill>
         </p:grpSpPr>
-        <p:sp>
-          <p:nvSpPr>
-            <p:cNvPr id="235" name="Retângulo de cantos arredondados 1">
+        <p:grpSp>
+          <p:nvGrpSpPr>
+            <p:cNvPr id="180" name="Agrupar 179">
               <a:extLst>
                 <a:ext uri="{FF2B5EF4-FFF2-40B4-BE49-F238E27FC236}">
-                  <a16:creationId xmlns:a16="http://schemas.microsoft.com/office/drawing/2014/main" xmlns="" id="{59FC61EC-27B7-4C23-A945-70E4EFDA5A28}"/>
-                </a:ext>
-              </a:extLst>
-            </p:cNvPr>
-            <p:cNvSpPr/>
-            <p:nvPr/>
-          </p:nvSpPr>
-          <p:spPr>
-            <a:xfrm>
-              <a:off x="4740966" y="1916832"/>
-              <a:ext cx="3569856" cy="3569856"/>
-            </a:xfrm>
-            <a:prstGeom prst="roundRect">
-              <a:avLst/>
-            </a:prstGeom>
-            <a:solidFill>
-              <a:srgbClr val="00D1A5"/>
-            </a:solidFill>
-            <a:ln>
-              <a:noFill/>
-            </a:ln>
-          </p:spPr>
-          <p:style>
-            <a:lnRef idx="2">
-              <a:schemeClr val="accent1">
-                <a:shade val="50000"/>
-              </a:schemeClr>
-            </a:lnRef>
-            <a:fillRef idx="1">
-              <a:schemeClr val="accent1"/>
-            </a:fillRef>
-            <a:effectRef idx="0">
-              <a:schemeClr val="accent1"/>
-            </a:effectRef>
-            <a:fontRef idx="minor">
-              <a:schemeClr val="lt1"/>
-            </a:fontRef>
-          </p:style>
-          <p:txBody>
-            <a:bodyPr rtlCol="0" anchor="ctr"/>
-            <a:lstStyle/>
-            <a:p>
-              <a:pPr algn="ctr"/>
-              <a:endParaRPr lang="pt-BR"/>
-            </a:p>
-          </p:txBody>
-        </p:sp>
-        <p:grpSp>
-          <p:nvGrpSpPr>
-            <p:cNvPr id="179" name="Agrupar 178">
-              <a:extLst>
-                <a:ext uri="{FF2B5EF4-FFF2-40B4-BE49-F238E27FC236}">
-                  <a16:creationId xmlns:a16="http://schemas.microsoft.com/office/drawing/2014/main" xmlns="" id="{6F3CFAD0-4996-4D03-A80A-26D62E6DCDBA}"/>
+                  <a16:creationId xmlns:a16="http://schemas.microsoft.com/office/drawing/2014/main" xmlns="" id="{0DABEADC-9A31-4AD9-86FF-F5C5AE76940E}"/>
                 </a:ext>
               </a:extLst>
             </p:cNvPr>
@@ -29503,21 +31658,730 @@
           </p:nvGrpSpPr>
           <p:grpSpPr>
             <a:xfrm>
-              <a:off x="5004048" y="3861048"/>
-              <a:ext cx="3015750" cy="1008112"/>
-              <a:chOff x="1619672" y="3501008"/>
-              <a:chExt cx="6031499" cy="2016224"/>
+              <a:off x="1619672" y="3501008"/>
+              <a:ext cx="5976665" cy="2016224"/>
+              <a:chOff x="971599" y="1556792"/>
+              <a:chExt cx="5976665" cy="2016224"/>
             </a:xfrm>
-            <a:solidFill>
-              <a:schemeClr val="bg1"/>
-            </a:solidFill>
+            <a:grpFill/>
           </p:grpSpPr>
+          <p:sp>
+            <p:nvSpPr>
+              <p:cNvPr id="182" name="Retângulo 181">
+                <a:extLst>
+                  <a:ext uri="{FF2B5EF4-FFF2-40B4-BE49-F238E27FC236}">
+                    <a16:creationId xmlns:a16="http://schemas.microsoft.com/office/drawing/2014/main" xmlns="" id="{72D1CE18-89B0-406E-8903-ACEE7254F7DA}"/>
+                  </a:ext>
+                </a:extLst>
+              </p:cNvPr>
+              <p:cNvSpPr/>
+              <p:nvPr/>
+            </p:nvSpPr>
+            <p:spPr>
+              <a:xfrm>
+                <a:off x="3059832" y="2060848"/>
+                <a:ext cx="216024" cy="1440160"/>
+              </a:xfrm>
+              <a:prstGeom prst="rect">
+                <a:avLst/>
+              </a:prstGeom>
+              <a:grpFill/>
+              <a:ln>
+                <a:noFill/>
+              </a:ln>
+            </p:spPr>
+            <p:style>
+              <a:lnRef idx="2">
+                <a:schemeClr val="accent1">
+                  <a:shade val="50000"/>
+                </a:schemeClr>
+              </a:lnRef>
+              <a:fillRef idx="1">
+                <a:schemeClr val="accent1"/>
+              </a:fillRef>
+              <a:effectRef idx="0">
+                <a:schemeClr val="accent1"/>
+              </a:effectRef>
+              <a:fontRef idx="minor">
+                <a:schemeClr val="lt1"/>
+              </a:fontRef>
+            </p:style>
+            <p:txBody>
+              <a:bodyPr rtlCol="0" anchor="ctr"/>
+              <a:lstStyle/>
+              <a:p>
+                <a:pPr algn="ctr"/>
+                <a:endParaRPr lang="pt-BR"/>
+              </a:p>
+            </p:txBody>
+          </p:sp>
+          <p:sp>
+            <p:nvSpPr>
+              <p:cNvPr id="183" name="Retângulo 182">
+                <a:extLst>
+                  <a:ext uri="{FF2B5EF4-FFF2-40B4-BE49-F238E27FC236}">
+                    <a16:creationId xmlns:a16="http://schemas.microsoft.com/office/drawing/2014/main" xmlns="" id="{CF797B76-36ED-4226-A028-EB1ABE54C0CE}"/>
+                  </a:ext>
+                </a:extLst>
+              </p:cNvPr>
+              <p:cNvSpPr/>
+              <p:nvPr/>
+            </p:nvSpPr>
+            <p:spPr>
+              <a:xfrm rot="5400000">
+                <a:off x="4572000" y="-171400"/>
+                <a:ext cx="216024" cy="4536504"/>
+              </a:xfrm>
+              <a:prstGeom prst="rect">
+                <a:avLst/>
+              </a:prstGeom>
+              <a:grpFill/>
+              <a:ln>
+                <a:noFill/>
+              </a:ln>
+            </p:spPr>
+            <p:style>
+              <a:lnRef idx="2">
+                <a:schemeClr val="accent1">
+                  <a:shade val="50000"/>
+                </a:schemeClr>
+              </a:lnRef>
+              <a:fillRef idx="1">
+                <a:schemeClr val="accent1"/>
+              </a:fillRef>
+              <a:effectRef idx="0">
+                <a:schemeClr val="accent1"/>
+              </a:effectRef>
+              <a:fontRef idx="minor">
+                <a:schemeClr val="lt1"/>
+              </a:fontRef>
+            </p:style>
+            <p:txBody>
+              <a:bodyPr rtlCol="0" anchor="ctr"/>
+              <a:lstStyle/>
+              <a:p>
+                <a:pPr algn="ctr"/>
+                <a:endParaRPr lang="pt-BR"/>
+              </a:p>
+            </p:txBody>
+          </p:sp>
+          <p:sp>
+            <p:nvSpPr>
+              <p:cNvPr id="184" name="Forma Livre: Forma 183">
+                <a:extLst>
+                  <a:ext uri="{FF2B5EF4-FFF2-40B4-BE49-F238E27FC236}">
+                    <a16:creationId xmlns:a16="http://schemas.microsoft.com/office/drawing/2014/main" xmlns="" id="{F0EFD9E3-0E9A-4C17-8AFA-090F86F348F3}"/>
+                  </a:ext>
+                </a:extLst>
+              </p:cNvPr>
+              <p:cNvSpPr/>
+              <p:nvPr/>
+            </p:nvSpPr>
+            <p:spPr>
+              <a:xfrm>
+                <a:off x="3563888" y="2420888"/>
+                <a:ext cx="1008112" cy="1152128"/>
+              </a:xfrm>
+              <a:custGeom>
+                <a:avLst/>
+                <a:gdLst>
+                  <a:gd name="connsiteX0" fmla="*/ 0 w 1224136"/>
+                  <a:gd name="connsiteY0" fmla="*/ 0 h 1152128"/>
+                  <a:gd name="connsiteX1" fmla="*/ 216024 w 1224136"/>
+                  <a:gd name="connsiteY1" fmla="*/ 0 h 1152128"/>
+                  <a:gd name="connsiteX2" fmla="*/ 216024 w 1224136"/>
+                  <a:gd name="connsiteY2" fmla="*/ 547737 h 1152128"/>
+                  <a:gd name="connsiteX3" fmla="*/ 569921 w 1224136"/>
+                  <a:gd name="connsiteY3" fmla="*/ 936104 h 1152128"/>
+                  <a:gd name="connsiteX4" fmla="*/ 654215 w 1224136"/>
+                  <a:gd name="connsiteY4" fmla="*/ 936104 h 1152128"/>
+                  <a:gd name="connsiteX5" fmla="*/ 1008112 w 1224136"/>
+                  <a:gd name="connsiteY5" fmla="*/ 547737 h 1152128"/>
+                  <a:gd name="connsiteX6" fmla="*/ 1008112 w 1224136"/>
+                  <a:gd name="connsiteY6" fmla="*/ 0 h 1152128"/>
+                  <a:gd name="connsiteX7" fmla="*/ 1224136 w 1224136"/>
+                  <a:gd name="connsiteY7" fmla="*/ 0 h 1152128"/>
+                  <a:gd name="connsiteX8" fmla="*/ 1224136 w 1224136"/>
+                  <a:gd name="connsiteY8" fmla="*/ 605196 h 1152128"/>
+                  <a:gd name="connsiteX9" fmla="*/ 677204 w 1224136"/>
+                  <a:gd name="connsiteY9" fmla="*/ 1152128 h 1152128"/>
+                  <a:gd name="connsiteX10" fmla="*/ 546932 w 1224136"/>
+                  <a:gd name="connsiteY10" fmla="*/ 1152128 h 1152128"/>
+                  <a:gd name="connsiteX11" fmla="*/ 0 w 1224136"/>
+                  <a:gd name="connsiteY11" fmla="*/ 605196 h 1152128"/>
+                </a:gdLst>
+                <a:ahLst/>
+                <a:cxnLst>
+                  <a:cxn ang="0">
+                    <a:pos x="connsiteX0" y="connsiteY0"/>
+                  </a:cxn>
+                  <a:cxn ang="0">
+                    <a:pos x="connsiteX1" y="connsiteY1"/>
+                  </a:cxn>
+                  <a:cxn ang="0">
+                    <a:pos x="connsiteX2" y="connsiteY2"/>
+                  </a:cxn>
+                  <a:cxn ang="0">
+                    <a:pos x="connsiteX3" y="connsiteY3"/>
+                  </a:cxn>
+                  <a:cxn ang="0">
+                    <a:pos x="connsiteX4" y="connsiteY4"/>
+                  </a:cxn>
+                  <a:cxn ang="0">
+                    <a:pos x="connsiteX5" y="connsiteY5"/>
+                  </a:cxn>
+                  <a:cxn ang="0">
+                    <a:pos x="connsiteX6" y="connsiteY6"/>
+                  </a:cxn>
+                  <a:cxn ang="0">
+                    <a:pos x="connsiteX7" y="connsiteY7"/>
+                  </a:cxn>
+                  <a:cxn ang="0">
+                    <a:pos x="connsiteX8" y="connsiteY8"/>
+                  </a:cxn>
+                  <a:cxn ang="0">
+                    <a:pos x="connsiteX9" y="connsiteY9"/>
+                  </a:cxn>
+                  <a:cxn ang="0">
+                    <a:pos x="connsiteX10" y="connsiteY10"/>
+                  </a:cxn>
+                  <a:cxn ang="0">
+                    <a:pos x="connsiteX11" y="connsiteY11"/>
+                  </a:cxn>
+                </a:cxnLst>
+                <a:rect l="l" t="t" r="r" b="b"/>
+                <a:pathLst>
+                  <a:path w="1224136" h="1152128">
+                    <a:moveTo>
+                      <a:pt x="0" y="0"/>
+                    </a:moveTo>
+                    <a:lnTo>
+                      <a:pt x="216024" y="0"/>
+                    </a:lnTo>
+                    <a:lnTo>
+                      <a:pt x="216024" y="547737"/>
+                    </a:lnTo>
+                    <a:cubicBezTo>
+                      <a:pt x="216024" y="762226"/>
+                      <a:pt x="374469" y="936104"/>
+                      <a:pt x="569921" y="936104"/>
+                    </a:cubicBezTo>
+                    <a:lnTo>
+                      <a:pt x="654215" y="936104"/>
+                    </a:lnTo>
+                    <a:cubicBezTo>
+                      <a:pt x="849667" y="936104"/>
+                      <a:pt x="1008112" y="762226"/>
+                      <a:pt x="1008112" y="547737"/>
+                    </a:cubicBezTo>
+                    <a:lnTo>
+                      <a:pt x="1008112" y="0"/>
+                    </a:lnTo>
+                    <a:lnTo>
+                      <a:pt x="1224136" y="0"/>
+                    </a:lnTo>
+                    <a:lnTo>
+                      <a:pt x="1224136" y="605196"/>
+                    </a:lnTo>
+                    <a:cubicBezTo>
+                      <a:pt x="1224136" y="907258"/>
+                      <a:pt x="979266" y="1152128"/>
+                      <a:pt x="677204" y="1152128"/>
+                    </a:cubicBezTo>
+                    <a:lnTo>
+                      <a:pt x="546932" y="1152128"/>
+                    </a:lnTo>
+                    <a:cubicBezTo>
+                      <a:pt x="244870" y="1152128"/>
+                      <a:pt x="0" y="907258"/>
+                      <a:pt x="0" y="605196"/>
+                    </a:cubicBezTo>
+                    <a:close/>
+                  </a:path>
+                </a:pathLst>
+              </a:custGeom>
+              <a:grpFill/>
+              <a:ln>
+                <a:noFill/>
+              </a:ln>
+            </p:spPr>
+            <p:style>
+              <a:lnRef idx="2">
+                <a:schemeClr val="accent1">
+                  <a:shade val="50000"/>
+                </a:schemeClr>
+              </a:lnRef>
+              <a:fillRef idx="1">
+                <a:schemeClr val="accent1"/>
+              </a:fillRef>
+              <a:effectRef idx="0">
+                <a:schemeClr val="accent1"/>
+              </a:effectRef>
+              <a:fontRef idx="minor">
+                <a:schemeClr val="lt1"/>
+              </a:fontRef>
+            </p:style>
+            <p:txBody>
+              <a:bodyPr rtlCol="0" anchor="ctr"/>
+              <a:lstStyle/>
+              <a:p>
+                <a:pPr algn="ctr"/>
+                <a:endParaRPr lang="pt-BR" dirty="0"/>
+              </a:p>
+            </p:txBody>
+          </p:sp>
+          <p:sp>
+            <p:nvSpPr>
+              <p:cNvPr id="185" name="Forma Livre: Forma 184">
+                <a:extLst>
+                  <a:ext uri="{FF2B5EF4-FFF2-40B4-BE49-F238E27FC236}">
+                    <a16:creationId xmlns:a16="http://schemas.microsoft.com/office/drawing/2014/main" xmlns="" id="{27D20AAB-FF58-45C9-855E-D6F1793A290B}"/>
+                  </a:ext>
+                </a:extLst>
+              </p:cNvPr>
+              <p:cNvSpPr/>
+              <p:nvPr/>
+            </p:nvSpPr>
+            <p:spPr>
+              <a:xfrm>
+                <a:off x="4788024" y="2348880"/>
+                <a:ext cx="840093" cy="1152128"/>
+              </a:xfrm>
+              <a:custGeom>
+                <a:avLst/>
+                <a:gdLst>
+                  <a:gd name="connsiteX0" fmla="*/ 216024 w 1008112"/>
+                  <a:gd name="connsiteY0" fmla="*/ 216023 h 1296144"/>
+                  <a:gd name="connsiteX1" fmla="*/ 216024 w 1008112"/>
+                  <a:gd name="connsiteY1" fmla="*/ 1080120 h 1296144"/>
+                  <a:gd name="connsiteX2" fmla="*/ 393275 w 1008112"/>
+                  <a:gd name="connsiteY2" fmla="*/ 1080120 h 1296144"/>
+                  <a:gd name="connsiteX3" fmla="*/ 792088 w 1008112"/>
+                  <a:gd name="connsiteY3" fmla="*/ 648072 h 1296144"/>
+                  <a:gd name="connsiteX4" fmla="*/ 393275 w 1008112"/>
+                  <a:gd name="connsiteY4" fmla="*/ 216023 h 1296144"/>
+                  <a:gd name="connsiteX5" fmla="*/ 0 w 1008112"/>
+                  <a:gd name="connsiteY5" fmla="*/ 0 h 1296144"/>
+                  <a:gd name="connsiteX6" fmla="*/ 310189 w 1008112"/>
+                  <a:gd name="connsiteY6" fmla="*/ 0 h 1296144"/>
+                  <a:gd name="connsiteX7" fmla="*/ 1008112 w 1008112"/>
+                  <a:gd name="connsiteY7" fmla="*/ 648072 h 1296144"/>
+                  <a:gd name="connsiteX8" fmla="*/ 310189 w 1008112"/>
+                  <a:gd name="connsiteY8" fmla="*/ 1296144 h 1296144"/>
+                  <a:gd name="connsiteX9" fmla="*/ 0 w 1008112"/>
+                  <a:gd name="connsiteY9" fmla="*/ 1296144 h 1296144"/>
+                </a:gdLst>
+                <a:ahLst/>
+                <a:cxnLst>
+                  <a:cxn ang="0">
+                    <a:pos x="connsiteX0" y="connsiteY0"/>
+                  </a:cxn>
+                  <a:cxn ang="0">
+                    <a:pos x="connsiteX1" y="connsiteY1"/>
+                  </a:cxn>
+                  <a:cxn ang="0">
+                    <a:pos x="connsiteX2" y="connsiteY2"/>
+                  </a:cxn>
+                  <a:cxn ang="0">
+                    <a:pos x="connsiteX3" y="connsiteY3"/>
+                  </a:cxn>
+                  <a:cxn ang="0">
+                    <a:pos x="connsiteX4" y="connsiteY4"/>
+                  </a:cxn>
+                  <a:cxn ang="0">
+                    <a:pos x="connsiteX5" y="connsiteY5"/>
+                  </a:cxn>
+                  <a:cxn ang="0">
+                    <a:pos x="connsiteX6" y="connsiteY6"/>
+                  </a:cxn>
+                  <a:cxn ang="0">
+                    <a:pos x="connsiteX7" y="connsiteY7"/>
+                  </a:cxn>
+                  <a:cxn ang="0">
+                    <a:pos x="connsiteX8" y="connsiteY8"/>
+                  </a:cxn>
+                  <a:cxn ang="0">
+                    <a:pos x="connsiteX9" y="connsiteY9"/>
+                  </a:cxn>
+                </a:cxnLst>
+                <a:rect l="l" t="t" r="r" b="b"/>
+                <a:pathLst>
+                  <a:path w="1008112" h="1296144">
+                    <a:moveTo>
+                      <a:pt x="216024" y="216023"/>
+                    </a:moveTo>
+                    <a:lnTo>
+                      <a:pt x="216024" y="1080120"/>
+                    </a:lnTo>
+                    <a:lnTo>
+                      <a:pt x="393275" y="1080120"/>
+                    </a:lnTo>
+                    <a:cubicBezTo>
+                      <a:pt x="613533" y="1080120"/>
+                      <a:pt x="792088" y="886685"/>
+                      <a:pt x="792088" y="648072"/>
+                    </a:cubicBezTo>
+                    <a:cubicBezTo>
+                      <a:pt x="792088" y="409458"/>
+                      <a:pt x="613533" y="216023"/>
+                      <a:pt x="393275" y="216023"/>
+                    </a:cubicBezTo>
+                    <a:close/>
+                    <a:moveTo>
+                      <a:pt x="0" y="0"/>
+                    </a:moveTo>
+                    <a:lnTo>
+                      <a:pt x="310189" y="0"/>
+                    </a:lnTo>
+                    <a:cubicBezTo>
+                      <a:pt x="695641" y="0"/>
+                      <a:pt x="1008112" y="290152"/>
+                      <a:pt x="1008112" y="648072"/>
+                    </a:cubicBezTo>
+                    <a:cubicBezTo>
+                      <a:pt x="1008112" y="1005992"/>
+                      <a:pt x="695641" y="1296144"/>
+                      <a:pt x="310189" y="1296144"/>
+                    </a:cubicBezTo>
+                    <a:lnTo>
+                      <a:pt x="0" y="1296144"/>
+                    </a:lnTo>
+                    <a:close/>
+                  </a:path>
+                </a:pathLst>
+              </a:custGeom>
+              <a:grpFill/>
+              <a:ln>
+                <a:noFill/>
+              </a:ln>
+            </p:spPr>
+            <p:style>
+              <a:lnRef idx="2">
+                <a:schemeClr val="accent1">
+                  <a:shade val="50000"/>
+                </a:schemeClr>
+              </a:lnRef>
+              <a:fillRef idx="1">
+                <a:schemeClr val="accent1"/>
+              </a:fillRef>
+              <a:effectRef idx="0">
+                <a:schemeClr val="accent1"/>
+              </a:effectRef>
+              <a:fontRef idx="minor">
+                <a:schemeClr val="lt1"/>
+              </a:fontRef>
+            </p:style>
+            <p:txBody>
+              <a:bodyPr rtlCol="0" anchor="ctr"/>
+              <a:lstStyle/>
+              <a:p>
+                <a:pPr algn="ctr"/>
+                <a:endParaRPr lang="pt-BR"/>
+              </a:p>
+            </p:txBody>
+          </p:sp>
+          <p:sp>
+            <p:nvSpPr>
+              <p:cNvPr id="186" name="Forma Livre: Forma 185">
+                <a:extLst>
+                  <a:ext uri="{FF2B5EF4-FFF2-40B4-BE49-F238E27FC236}">
+                    <a16:creationId xmlns:a16="http://schemas.microsoft.com/office/drawing/2014/main" xmlns="" id="{C18FF702-8D9D-42C4-8FEC-5C75AED3C913}"/>
+                  </a:ext>
+                </a:extLst>
+              </p:cNvPr>
+              <p:cNvSpPr/>
+              <p:nvPr/>
+            </p:nvSpPr>
+            <p:spPr>
+              <a:xfrm>
+                <a:off x="971599" y="1556792"/>
+                <a:ext cx="1800200" cy="1944215"/>
+              </a:xfrm>
+              <a:custGeom>
+                <a:avLst/>
+                <a:gdLst>
+                  <a:gd name="connsiteX0" fmla="*/ 327309 w 1800200"/>
+                  <a:gd name="connsiteY0" fmla="*/ 1636546 h 1800200"/>
+                  <a:gd name="connsiteX1" fmla="*/ 504057 w 1800200"/>
+                  <a:gd name="connsiteY1" fmla="*/ 1636546 h 1800200"/>
+                  <a:gd name="connsiteX2" fmla="*/ 504057 w 1800200"/>
+                  <a:gd name="connsiteY2" fmla="*/ 1800200 h 1800200"/>
+                  <a:gd name="connsiteX3" fmla="*/ 327309 w 1800200"/>
+                  <a:gd name="connsiteY3" fmla="*/ 1800200 h 1800200"/>
+                  <a:gd name="connsiteX4" fmla="*/ 576065 w 1800200"/>
+                  <a:gd name="connsiteY4" fmla="*/ 818273 h 1800200"/>
+                  <a:gd name="connsiteX5" fmla="*/ 1335077 w 1800200"/>
+                  <a:gd name="connsiteY5" fmla="*/ 818273 h 1800200"/>
+                  <a:gd name="connsiteX6" fmla="*/ 1800200 w 1800200"/>
+                  <a:gd name="connsiteY6" fmla="*/ 1309237 h 1800200"/>
+                  <a:gd name="connsiteX7" fmla="*/ 1335077 w 1800200"/>
+                  <a:gd name="connsiteY7" fmla="*/ 1800200 h 1800200"/>
+                  <a:gd name="connsiteX8" fmla="*/ 576065 w 1800200"/>
+                  <a:gd name="connsiteY8" fmla="*/ 1800200 h 1800200"/>
+                  <a:gd name="connsiteX9" fmla="*/ 576065 w 1800200"/>
+                  <a:gd name="connsiteY9" fmla="*/ 1636546 h 1800200"/>
+                  <a:gd name="connsiteX10" fmla="*/ 1335077 w 1800200"/>
+                  <a:gd name="connsiteY10" fmla="*/ 1636546 h 1800200"/>
+                  <a:gd name="connsiteX11" fmla="*/ 1645159 w 1800200"/>
+                  <a:gd name="connsiteY11" fmla="*/ 1309237 h 1800200"/>
+                  <a:gd name="connsiteX12" fmla="*/ 1335077 w 1800200"/>
+                  <a:gd name="connsiteY12" fmla="*/ 981928 h 1800200"/>
+                  <a:gd name="connsiteX13" fmla="*/ 576065 w 1800200"/>
+                  <a:gd name="connsiteY13" fmla="*/ 981928 h 1800200"/>
+                  <a:gd name="connsiteX14" fmla="*/ 576065 w 1800200"/>
+                  <a:gd name="connsiteY14" fmla="*/ 0 h 1800200"/>
+                  <a:gd name="connsiteX15" fmla="*/ 1391064 w 1800200"/>
+                  <a:gd name="connsiteY15" fmla="*/ 0 h 1800200"/>
+                  <a:gd name="connsiteX16" fmla="*/ 1391064 w 1800200"/>
+                  <a:gd name="connsiteY16" fmla="*/ 163654 h 1800200"/>
+                  <a:gd name="connsiteX17" fmla="*/ 576065 w 1800200"/>
+                  <a:gd name="connsiteY17" fmla="*/ 163654 h 1800200"/>
+                  <a:gd name="connsiteX18" fmla="*/ 490964 w 1800200"/>
+                  <a:gd name="connsiteY18" fmla="*/ 0 h 1800200"/>
+                  <a:gd name="connsiteX19" fmla="*/ 504057 w 1800200"/>
+                  <a:gd name="connsiteY19" fmla="*/ 0 h 1800200"/>
+                  <a:gd name="connsiteX20" fmla="*/ 504057 w 1800200"/>
+                  <a:gd name="connsiteY20" fmla="*/ 163654 h 1800200"/>
+                  <a:gd name="connsiteX21" fmla="*/ 490964 w 1800200"/>
+                  <a:gd name="connsiteY21" fmla="*/ 163654 h 1800200"/>
+                  <a:gd name="connsiteX22" fmla="*/ 163655 w 1800200"/>
+                  <a:gd name="connsiteY22" fmla="*/ 490963 h 1800200"/>
+                  <a:gd name="connsiteX23" fmla="*/ 490964 w 1800200"/>
+                  <a:gd name="connsiteY23" fmla="*/ 818272 h 1800200"/>
+                  <a:gd name="connsiteX24" fmla="*/ 490964 w 1800200"/>
+                  <a:gd name="connsiteY24" fmla="*/ 981927 h 1800200"/>
+                  <a:gd name="connsiteX25" fmla="*/ 0 w 1800200"/>
+                  <a:gd name="connsiteY25" fmla="*/ 490963 h 1800200"/>
+                  <a:gd name="connsiteX26" fmla="*/ 490964 w 1800200"/>
+                  <a:gd name="connsiteY26" fmla="*/ 0 h 1800200"/>
+                </a:gdLst>
+                <a:ahLst/>
+                <a:cxnLst>
+                  <a:cxn ang="0">
+                    <a:pos x="connsiteX0" y="connsiteY0"/>
+                  </a:cxn>
+                  <a:cxn ang="0">
+                    <a:pos x="connsiteX1" y="connsiteY1"/>
+                  </a:cxn>
+                  <a:cxn ang="0">
+                    <a:pos x="connsiteX2" y="connsiteY2"/>
+                  </a:cxn>
+                  <a:cxn ang="0">
+                    <a:pos x="connsiteX3" y="connsiteY3"/>
+                  </a:cxn>
+                  <a:cxn ang="0">
+                    <a:pos x="connsiteX4" y="connsiteY4"/>
+                  </a:cxn>
+                  <a:cxn ang="0">
+                    <a:pos x="connsiteX5" y="connsiteY5"/>
+                  </a:cxn>
+                  <a:cxn ang="0">
+                    <a:pos x="connsiteX6" y="connsiteY6"/>
+                  </a:cxn>
+                  <a:cxn ang="0">
+                    <a:pos x="connsiteX7" y="connsiteY7"/>
+                  </a:cxn>
+                  <a:cxn ang="0">
+                    <a:pos x="connsiteX8" y="connsiteY8"/>
+                  </a:cxn>
+                  <a:cxn ang="0">
+                    <a:pos x="connsiteX9" y="connsiteY9"/>
+                  </a:cxn>
+                  <a:cxn ang="0">
+                    <a:pos x="connsiteX10" y="connsiteY10"/>
+                  </a:cxn>
+                  <a:cxn ang="0">
+                    <a:pos x="connsiteX11" y="connsiteY11"/>
+                  </a:cxn>
+                  <a:cxn ang="0">
+                    <a:pos x="connsiteX12" y="connsiteY12"/>
+                  </a:cxn>
+                  <a:cxn ang="0">
+                    <a:pos x="connsiteX13" y="connsiteY13"/>
+                  </a:cxn>
+                  <a:cxn ang="0">
+                    <a:pos x="connsiteX14" y="connsiteY14"/>
+                  </a:cxn>
+                  <a:cxn ang="0">
+                    <a:pos x="connsiteX15" y="connsiteY15"/>
+                  </a:cxn>
+                  <a:cxn ang="0">
+                    <a:pos x="connsiteX16" y="connsiteY16"/>
+                  </a:cxn>
+                  <a:cxn ang="0">
+                    <a:pos x="connsiteX17" y="connsiteY17"/>
+                  </a:cxn>
+                  <a:cxn ang="0">
+                    <a:pos x="connsiteX18" y="connsiteY18"/>
+                  </a:cxn>
+                  <a:cxn ang="0">
+                    <a:pos x="connsiteX19" y="connsiteY19"/>
+                  </a:cxn>
+                  <a:cxn ang="0">
+                    <a:pos x="connsiteX20" y="connsiteY20"/>
+                  </a:cxn>
+                  <a:cxn ang="0">
+                    <a:pos x="connsiteX21" y="connsiteY21"/>
+                  </a:cxn>
+                  <a:cxn ang="0">
+                    <a:pos x="connsiteX22" y="connsiteY22"/>
+                  </a:cxn>
+                  <a:cxn ang="0">
+                    <a:pos x="connsiteX23" y="connsiteY23"/>
+                  </a:cxn>
+                  <a:cxn ang="0">
+                    <a:pos x="connsiteX24" y="connsiteY24"/>
+                  </a:cxn>
+                  <a:cxn ang="0">
+                    <a:pos x="connsiteX25" y="connsiteY25"/>
+                  </a:cxn>
+                  <a:cxn ang="0">
+                    <a:pos x="connsiteX26" y="connsiteY26"/>
+                  </a:cxn>
+                </a:cxnLst>
+                <a:rect l="l" t="t" r="r" b="b"/>
+                <a:pathLst>
+                  <a:path w="1800200" h="1800200">
+                    <a:moveTo>
+                      <a:pt x="327309" y="1636546"/>
+                    </a:moveTo>
+                    <a:lnTo>
+                      <a:pt x="504057" y="1636546"/>
+                    </a:lnTo>
+                    <a:lnTo>
+                      <a:pt x="504057" y="1800200"/>
+                    </a:lnTo>
+                    <a:lnTo>
+                      <a:pt x="327309" y="1800200"/>
+                    </a:lnTo>
+                    <a:close/>
+                    <a:moveTo>
+                      <a:pt x="576065" y="818273"/>
+                    </a:moveTo>
+                    <a:lnTo>
+                      <a:pt x="1335077" y="818273"/>
+                    </a:lnTo>
+                    <a:cubicBezTo>
+                      <a:pt x="1591958" y="818273"/>
+                      <a:pt x="1800200" y="1038084"/>
+                      <a:pt x="1800200" y="1309237"/>
+                    </a:cubicBezTo>
+                    <a:cubicBezTo>
+                      <a:pt x="1800200" y="1580389"/>
+                      <a:pt x="1591958" y="1800200"/>
+                      <a:pt x="1335077" y="1800200"/>
+                    </a:cubicBezTo>
+                    <a:lnTo>
+                      <a:pt x="576065" y="1800200"/>
+                    </a:lnTo>
+                    <a:lnTo>
+                      <a:pt x="576065" y="1636546"/>
+                    </a:lnTo>
+                    <a:lnTo>
+                      <a:pt x="1335077" y="1636546"/>
+                    </a:lnTo>
+                    <a:cubicBezTo>
+                      <a:pt x="1506331" y="1636546"/>
+                      <a:pt x="1645159" y="1490005"/>
+                      <a:pt x="1645159" y="1309237"/>
+                    </a:cubicBezTo>
+                    <a:cubicBezTo>
+                      <a:pt x="1645159" y="1128469"/>
+                      <a:pt x="1506331" y="981928"/>
+                      <a:pt x="1335077" y="981928"/>
+                    </a:cubicBezTo>
+                    <a:lnTo>
+                      <a:pt x="576065" y="981928"/>
+                    </a:lnTo>
+                    <a:close/>
+                    <a:moveTo>
+                      <a:pt x="576065" y="0"/>
+                    </a:moveTo>
+                    <a:lnTo>
+                      <a:pt x="1391064" y="0"/>
+                    </a:lnTo>
+                    <a:lnTo>
+                      <a:pt x="1391064" y="163654"/>
+                    </a:lnTo>
+                    <a:lnTo>
+                      <a:pt x="576065" y="163654"/>
+                    </a:lnTo>
+                    <a:close/>
+                    <a:moveTo>
+                      <a:pt x="490964" y="0"/>
+                    </a:moveTo>
+                    <a:lnTo>
+                      <a:pt x="504057" y="0"/>
+                    </a:lnTo>
+                    <a:lnTo>
+                      <a:pt x="504057" y="163654"/>
+                    </a:lnTo>
+                    <a:lnTo>
+                      <a:pt x="490964" y="163654"/>
+                    </a:lnTo>
+                    <a:cubicBezTo>
+                      <a:pt x="310195" y="163654"/>
+                      <a:pt x="163655" y="310195"/>
+                      <a:pt x="163655" y="490963"/>
+                    </a:cubicBezTo>
+                    <a:cubicBezTo>
+                      <a:pt x="163655" y="671731"/>
+                      <a:pt x="310195" y="818272"/>
+                      <a:pt x="490964" y="818272"/>
+                    </a:cubicBezTo>
+                    <a:lnTo>
+                      <a:pt x="490964" y="981927"/>
+                    </a:lnTo>
+                    <a:cubicBezTo>
+                      <a:pt x="219811" y="981927"/>
+                      <a:pt x="0" y="762116"/>
+                      <a:pt x="0" y="490963"/>
+                    </a:cubicBezTo>
+                    <a:cubicBezTo>
+                      <a:pt x="0" y="219811"/>
+                      <a:pt x="219811" y="0"/>
+                      <a:pt x="490964" y="0"/>
+                    </a:cubicBezTo>
+                    <a:close/>
+                  </a:path>
+                </a:pathLst>
+              </a:custGeom>
+              <a:grpFill/>
+              <a:ln>
+                <a:noFill/>
+              </a:ln>
+            </p:spPr>
+            <p:style>
+              <a:lnRef idx="2">
+                <a:schemeClr val="accent1">
+                  <a:shade val="50000"/>
+                </a:schemeClr>
+              </a:lnRef>
+              <a:fillRef idx="1">
+                <a:schemeClr val="accent1"/>
+              </a:fillRef>
+              <a:effectRef idx="0">
+                <a:schemeClr val="accent1"/>
+              </a:effectRef>
+              <a:fontRef idx="minor">
+                <a:schemeClr val="lt1"/>
+              </a:fontRef>
+            </p:style>
+            <p:txBody>
+              <a:bodyPr rtlCol="0" anchor="ctr"/>
+              <a:lstStyle/>
+              <a:p>
+                <a:pPr algn="ctr"/>
+                <a:endParaRPr lang="pt-BR"/>
+              </a:p>
+            </p:txBody>
+          </p:sp>
           <p:grpSp>
             <p:nvGrpSpPr>
-              <p:cNvPr id="180" name="Agrupar 179">
+              <p:cNvPr id="187" name="Agrupar 186">
                 <a:extLst>
                   <a:ext uri="{FF2B5EF4-FFF2-40B4-BE49-F238E27FC236}">
-                    <a16:creationId xmlns:a16="http://schemas.microsoft.com/office/drawing/2014/main" xmlns="" id="{0DABEADC-9A31-4AD9-86FF-F5C5AE76940E}"/>
+                    <a16:creationId xmlns:a16="http://schemas.microsoft.com/office/drawing/2014/main" xmlns="" id="{719E466B-D4E1-4A04-88B8-1DAD79229EAD}"/>
                   </a:ext>
                 </a:extLst>
               </p:cNvPr>
@@ -29526,19 +32390,19 @@
             </p:nvGrpSpPr>
             <p:grpSpPr>
               <a:xfrm>
-                <a:off x="1619672" y="3501008"/>
-                <a:ext cx="5976665" cy="2016224"/>
-                <a:chOff x="971599" y="1556792"/>
-                <a:chExt cx="5976665" cy="2016224"/>
+                <a:off x="5796136" y="2348880"/>
+                <a:ext cx="1118242" cy="1152128"/>
+                <a:chOff x="5796136" y="2204864"/>
+                <a:chExt cx="1327912" cy="1368152"/>
               </a:xfrm>
               <a:grpFill/>
             </p:grpSpPr>
             <p:sp>
               <p:nvSpPr>
-                <p:cNvPr id="182" name="Retângulo 181">
+                <p:cNvPr id="188" name="Cruz 187">
                   <a:extLst>
                     <a:ext uri="{FF2B5EF4-FFF2-40B4-BE49-F238E27FC236}">
-                      <a16:creationId xmlns:a16="http://schemas.microsoft.com/office/drawing/2014/main" xmlns="" id="{72D1CE18-89B0-406E-8903-ACEE7254F7DA}"/>
+                      <a16:creationId xmlns:a16="http://schemas.microsoft.com/office/drawing/2014/main" xmlns="" id="{43B6353C-8068-4088-8359-BD4A79D5740F}"/>
                     </a:ext>
                   </a:extLst>
                 </p:cNvPr>
@@ -29546,12 +32410,14 @@
                 <p:nvPr/>
               </p:nvSpPr>
               <p:spPr>
-                <a:xfrm>
-                  <a:off x="3059832" y="2060848"/>
-                  <a:ext cx="216024" cy="1440160"/>
+                <a:xfrm flipH="1">
+                  <a:off x="5796136" y="2241841"/>
+                  <a:ext cx="1256133" cy="1294198"/>
                 </a:xfrm>
-                <a:prstGeom prst="rect">
-                  <a:avLst/>
+                <a:prstGeom prst="plus">
+                  <a:avLst>
+                    <a:gd name="adj" fmla="val 39081"/>
+                  </a:avLst>
                 </a:prstGeom>
                 <a:grpFill/>
                 <a:ln>
@@ -29585,10 +32451,10 @@
             </p:sp>
             <p:sp>
               <p:nvSpPr>
-                <p:cNvPr id="183" name="Retângulo 182">
+                <p:cNvPr id="189" name="Cruz 188">
                   <a:extLst>
                     <a:ext uri="{FF2B5EF4-FFF2-40B4-BE49-F238E27FC236}">
-                      <a16:creationId xmlns:a16="http://schemas.microsoft.com/office/drawing/2014/main" xmlns="" id="{CF797B76-36ED-4226-A028-EB1ABE54C0CE}"/>
+                      <a16:creationId xmlns:a16="http://schemas.microsoft.com/office/drawing/2014/main" xmlns="" id="{E3AEB842-D922-43E9-BF04-8A9B6F1BA204}"/>
                     </a:ext>
                   </a:extLst>
                 </p:cNvPr>
@@ -29596,12 +32462,14 @@
                 <p:nvPr/>
               </p:nvSpPr>
               <p:spPr>
-                <a:xfrm rot="5400000">
-                  <a:off x="4572000" y="-171400"/>
-                  <a:ext cx="216024" cy="4536504"/>
+                <a:xfrm flipH="1">
+                  <a:off x="5832026" y="2278818"/>
+                  <a:ext cx="1256133" cy="1294198"/>
                 </a:xfrm>
-                <a:prstGeom prst="rect">
-                  <a:avLst/>
+                <a:prstGeom prst="plus">
+                  <a:avLst>
+                    <a:gd name="adj" fmla="val 39081"/>
+                  </a:avLst>
                 </a:prstGeom>
                 <a:grpFill/>
                 <a:ln>
@@ -29635,10 +32503,10 @@
             </p:sp>
             <p:sp>
               <p:nvSpPr>
-                <p:cNvPr id="184" name="Forma Livre: Forma 183">
+                <p:cNvPr id="190" name="Cruz 189">
                   <a:extLst>
                     <a:ext uri="{FF2B5EF4-FFF2-40B4-BE49-F238E27FC236}">
-                      <a16:creationId xmlns:a16="http://schemas.microsoft.com/office/drawing/2014/main" xmlns="" id="{F0EFD9E3-0E9A-4C17-8AFA-090F86F348F3}"/>
+                      <a16:creationId xmlns:a16="http://schemas.microsoft.com/office/drawing/2014/main" xmlns="" id="{C1AF8951-E1D7-4677-ABFD-1CDCC1B262D4}"/>
                     </a:ext>
                   </a:extLst>
                 </p:cNvPr>
@@ -29646,574 +32514,15 @@
                 <p:nvPr/>
               </p:nvSpPr>
               <p:spPr>
-                <a:xfrm>
-                  <a:off x="3563888" y="2420888"/>
-                  <a:ext cx="1008112" cy="1152128"/>
+                <a:xfrm flipH="1">
+                  <a:off x="5832026" y="2204864"/>
+                  <a:ext cx="1256133" cy="1294198"/>
                 </a:xfrm>
-                <a:custGeom>
-                  <a:avLst/>
-                  <a:gdLst>
-                    <a:gd name="connsiteX0" fmla="*/ 0 w 1224136"/>
-                    <a:gd name="connsiteY0" fmla="*/ 0 h 1152128"/>
-                    <a:gd name="connsiteX1" fmla="*/ 216024 w 1224136"/>
-                    <a:gd name="connsiteY1" fmla="*/ 0 h 1152128"/>
-                    <a:gd name="connsiteX2" fmla="*/ 216024 w 1224136"/>
-                    <a:gd name="connsiteY2" fmla="*/ 547737 h 1152128"/>
-                    <a:gd name="connsiteX3" fmla="*/ 569921 w 1224136"/>
-                    <a:gd name="connsiteY3" fmla="*/ 936104 h 1152128"/>
-                    <a:gd name="connsiteX4" fmla="*/ 654215 w 1224136"/>
-                    <a:gd name="connsiteY4" fmla="*/ 936104 h 1152128"/>
-                    <a:gd name="connsiteX5" fmla="*/ 1008112 w 1224136"/>
-                    <a:gd name="connsiteY5" fmla="*/ 547737 h 1152128"/>
-                    <a:gd name="connsiteX6" fmla="*/ 1008112 w 1224136"/>
-                    <a:gd name="connsiteY6" fmla="*/ 0 h 1152128"/>
-                    <a:gd name="connsiteX7" fmla="*/ 1224136 w 1224136"/>
-                    <a:gd name="connsiteY7" fmla="*/ 0 h 1152128"/>
-                    <a:gd name="connsiteX8" fmla="*/ 1224136 w 1224136"/>
-                    <a:gd name="connsiteY8" fmla="*/ 605196 h 1152128"/>
-                    <a:gd name="connsiteX9" fmla="*/ 677204 w 1224136"/>
-                    <a:gd name="connsiteY9" fmla="*/ 1152128 h 1152128"/>
-                    <a:gd name="connsiteX10" fmla="*/ 546932 w 1224136"/>
-                    <a:gd name="connsiteY10" fmla="*/ 1152128 h 1152128"/>
-                    <a:gd name="connsiteX11" fmla="*/ 0 w 1224136"/>
-                    <a:gd name="connsiteY11" fmla="*/ 605196 h 1152128"/>
-                  </a:gdLst>
-                  <a:ahLst/>
-                  <a:cxnLst>
-                    <a:cxn ang="0">
-                      <a:pos x="connsiteX0" y="connsiteY0"/>
-                    </a:cxn>
-                    <a:cxn ang="0">
-                      <a:pos x="connsiteX1" y="connsiteY1"/>
-                    </a:cxn>
-                    <a:cxn ang="0">
-                      <a:pos x="connsiteX2" y="connsiteY2"/>
-                    </a:cxn>
-                    <a:cxn ang="0">
-                      <a:pos x="connsiteX3" y="connsiteY3"/>
-                    </a:cxn>
-                    <a:cxn ang="0">
-                      <a:pos x="connsiteX4" y="connsiteY4"/>
-                    </a:cxn>
-                    <a:cxn ang="0">
-                      <a:pos x="connsiteX5" y="connsiteY5"/>
-                    </a:cxn>
-                    <a:cxn ang="0">
-                      <a:pos x="connsiteX6" y="connsiteY6"/>
-                    </a:cxn>
-                    <a:cxn ang="0">
-                      <a:pos x="connsiteX7" y="connsiteY7"/>
-                    </a:cxn>
-                    <a:cxn ang="0">
-                      <a:pos x="connsiteX8" y="connsiteY8"/>
-                    </a:cxn>
-                    <a:cxn ang="0">
-                      <a:pos x="connsiteX9" y="connsiteY9"/>
-                    </a:cxn>
-                    <a:cxn ang="0">
-                      <a:pos x="connsiteX10" y="connsiteY10"/>
-                    </a:cxn>
-                    <a:cxn ang="0">
-                      <a:pos x="connsiteX11" y="connsiteY11"/>
-                    </a:cxn>
-                  </a:cxnLst>
-                  <a:rect l="l" t="t" r="r" b="b"/>
-                  <a:pathLst>
-                    <a:path w="1224136" h="1152128">
-                      <a:moveTo>
-                        <a:pt x="0" y="0"/>
-                      </a:moveTo>
-                      <a:lnTo>
-                        <a:pt x="216024" y="0"/>
-                      </a:lnTo>
-                      <a:lnTo>
-                        <a:pt x="216024" y="547737"/>
-                      </a:lnTo>
-                      <a:cubicBezTo>
-                        <a:pt x="216024" y="762226"/>
-                        <a:pt x="374469" y="936104"/>
-                        <a:pt x="569921" y="936104"/>
-                      </a:cubicBezTo>
-                      <a:lnTo>
-                        <a:pt x="654215" y="936104"/>
-                      </a:lnTo>
-                      <a:cubicBezTo>
-                        <a:pt x="849667" y="936104"/>
-                        <a:pt x="1008112" y="762226"/>
-                        <a:pt x="1008112" y="547737"/>
-                      </a:cubicBezTo>
-                      <a:lnTo>
-                        <a:pt x="1008112" y="0"/>
-                      </a:lnTo>
-                      <a:lnTo>
-                        <a:pt x="1224136" y="0"/>
-                      </a:lnTo>
-                      <a:lnTo>
-                        <a:pt x="1224136" y="605196"/>
-                      </a:lnTo>
-                      <a:cubicBezTo>
-                        <a:pt x="1224136" y="907258"/>
-                        <a:pt x="979266" y="1152128"/>
-                        <a:pt x="677204" y="1152128"/>
-                      </a:cubicBezTo>
-                      <a:lnTo>
-                        <a:pt x="546932" y="1152128"/>
-                      </a:lnTo>
-                      <a:cubicBezTo>
-                        <a:pt x="244870" y="1152128"/>
-                        <a:pt x="0" y="907258"/>
-                        <a:pt x="0" y="605196"/>
-                      </a:cubicBezTo>
-                      <a:close/>
-                    </a:path>
-                  </a:pathLst>
-                </a:custGeom>
-                <a:grpFill/>
-                <a:ln>
-                  <a:noFill/>
-                </a:ln>
-              </p:spPr>
-              <p:style>
-                <a:lnRef idx="2">
-                  <a:schemeClr val="accent1">
-                    <a:shade val="50000"/>
-                  </a:schemeClr>
-                </a:lnRef>
-                <a:fillRef idx="1">
-                  <a:schemeClr val="accent1"/>
-                </a:fillRef>
-                <a:effectRef idx="0">
-                  <a:schemeClr val="accent1"/>
-                </a:effectRef>
-                <a:fontRef idx="minor">
-                  <a:schemeClr val="lt1"/>
-                </a:fontRef>
-              </p:style>
-              <p:txBody>
-                <a:bodyPr rtlCol="0" anchor="ctr"/>
-                <a:lstStyle/>
-                <a:p>
-                  <a:pPr algn="ctr"/>
-                  <a:endParaRPr lang="pt-BR" dirty="0"/>
-                </a:p>
-              </p:txBody>
-            </p:sp>
-            <p:sp>
-              <p:nvSpPr>
-                <p:cNvPr id="185" name="Forma Livre: Forma 184">
-                  <a:extLst>
-                    <a:ext uri="{FF2B5EF4-FFF2-40B4-BE49-F238E27FC236}">
-                      <a16:creationId xmlns:a16="http://schemas.microsoft.com/office/drawing/2014/main" xmlns="" id="{27D20AAB-FF58-45C9-855E-D6F1793A290B}"/>
-                    </a:ext>
-                  </a:extLst>
-                </p:cNvPr>
-                <p:cNvSpPr/>
-                <p:nvPr/>
-              </p:nvSpPr>
-              <p:spPr>
-                <a:xfrm>
-                  <a:off x="4788024" y="2348880"/>
-                  <a:ext cx="840093" cy="1152128"/>
-                </a:xfrm>
-                <a:custGeom>
-                  <a:avLst/>
-                  <a:gdLst>
-                    <a:gd name="connsiteX0" fmla="*/ 216024 w 1008112"/>
-                    <a:gd name="connsiteY0" fmla="*/ 216023 h 1296144"/>
-                    <a:gd name="connsiteX1" fmla="*/ 216024 w 1008112"/>
-                    <a:gd name="connsiteY1" fmla="*/ 1080120 h 1296144"/>
-                    <a:gd name="connsiteX2" fmla="*/ 393275 w 1008112"/>
-                    <a:gd name="connsiteY2" fmla="*/ 1080120 h 1296144"/>
-                    <a:gd name="connsiteX3" fmla="*/ 792088 w 1008112"/>
-                    <a:gd name="connsiteY3" fmla="*/ 648072 h 1296144"/>
-                    <a:gd name="connsiteX4" fmla="*/ 393275 w 1008112"/>
-                    <a:gd name="connsiteY4" fmla="*/ 216023 h 1296144"/>
-                    <a:gd name="connsiteX5" fmla="*/ 0 w 1008112"/>
-                    <a:gd name="connsiteY5" fmla="*/ 0 h 1296144"/>
-                    <a:gd name="connsiteX6" fmla="*/ 310189 w 1008112"/>
-                    <a:gd name="connsiteY6" fmla="*/ 0 h 1296144"/>
-                    <a:gd name="connsiteX7" fmla="*/ 1008112 w 1008112"/>
-                    <a:gd name="connsiteY7" fmla="*/ 648072 h 1296144"/>
-                    <a:gd name="connsiteX8" fmla="*/ 310189 w 1008112"/>
-                    <a:gd name="connsiteY8" fmla="*/ 1296144 h 1296144"/>
-                    <a:gd name="connsiteX9" fmla="*/ 0 w 1008112"/>
-                    <a:gd name="connsiteY9" fmla="*/ 1296144 h 1296144"/>
-                  </a:gdLst>
-                  <a:ahLst/>
-                  <a:cxnLst>
-                    <a:cxn ang="0">
-                      <a:pos x="connsiteX0" y="connsiteY0"/>
-                    </a:cxn>
-                    <a:cxn ang="0">
-                      <a:pos x="connsiteX1" y="connsiteY1"/>
-                    </a:cxn>
-                    <a:cxn ang="0">
-                      <a:pos x="connsiteX2" y="connsiteY2"/>
-                    </a:cxn>
-                    <a:cxn ang="0">
-                      <a:pos x="connsiteX3" y="connsiteY3"/>
-                    </a:cxn>
-                    <a:cxn ang="0">
-                      <a:pos x="connsiteX4" y="connsiteY4"/>
-                    </a:cxn>
-                    <a:cxn ang="0">
-                      <a:pos x="connsiteX5" y="connsiteY5"/>
-                    </a:cxn>
-                    <a:cxn ang="0">
-                      <a:pos x="connsiteX6" y="connsiteY6"/>
-                    </a:cxn>
-                    <a:cxn ang="0">
-                      <a:pos x="connsiteX7" y="connsiteY7"/>
-                    </a:cxn>
-                    <a:cxn ang="0">
-                      <a:pos x="connsiteX8" y="connsiteY8"/>
-                    </a:cxn>
-                    <a:cxn ang="0">
-                      <a:pos x="connsiteX9" y="connsiteY9"/>
-                    </a:cxn>
-                  </a:cxnLst>
-                  <a:rect l="l" t="t" r="r" b="b"/>
-                  <a:pathLst>
-                    <a:path w="1008112" h="1296144">
-                      <a:moveTo>
-                        <a:pt x="216024" y="216023"/>
-                      </a:moveTo>
-                      <a:lnTo>
-                        <a:pt x="216024" y="1080120"/>
-                      </a:lnTo>
-                      <a:lnTo>
-                        <a:pt x="393275" y="1080120"/>
-                      </a:lnTo>
-                      <a:cubicBezTo>
-                        <a:pt x="613533" y="1080120"/>
-                        <a:pt x="792088" y="886685"/>
-                        <a:pt x="792088" y="648072"/>
-                      </a:cubicBezTo>
-                      <a:cubicBezTo>
-                        <a:pt x="792088" y="409458"/>
-                        <a:pt x="613533" y="216023"/>
-                        <a:pt x="393275" y="216023"/>
-                      </a:cubicBezTo>
-                      <a:close/>
-                      <a:moveTo>
-                        <a:pt x="0" y="0"/>
-                      </a:moveTo>
-                      <a:lnTo>
-                        <a:pt x="310189" y="0"/>
-                      </a:lnTo>
-                      <a:cubicBezTo>
-                        <a:pt x="695641" y="0"/>
-                        <a:pt x="1008112" y="290152"/>
-                        <a:pt x="1008112" y="648072"/>
-                      </a:cubicBezTo>
-                      <a:cubicBezTo>
-                        <a:pt x="1008112" y="1005992"/>
-                        <a:pt x="695641" y="1296144"/>
-                        <a:pt x="310189" y="1296144"/>
-                      </a:cubicBezTo>
-                      <a:lnTo>
-                        <a:pt x="0" y="1296144"/>
-                      </a:lnTo>
-                      <a:close/>
-                    </a:path>
-                  </a:pathLst>
-                </a:custGeom>
-                <a:grpFill/>
-                <a:ln>
-                  <a:noFill/>
-                </a:ln>
-              </p:spPr>
-              <p:style>
-                <a:lnRef idx="2">
-                  <a:schemeClr val="accent1">
-                    <a:shade val="50000"/>
-                  </a:schemeClr>
-                </a:lnRef>
-                <a:fillRef idx="1">
-                  <a:schemeClr val="accent1"/>
-                </a:fillRef>
-                <a:effectRef idx="0">
-                  <a:schemeClr val="accent1"/>
-                </a:effectRef>
-                <a:fontRef idx="minor">
-                  <a:schemeClr val="lt1"/>
-                </a:fontRef>
-              </p:style>
-              <p:txBody>
-                <a:bodyPr rtlCol="0" anchor="ctr"/>
-                <a:lstStyle/>
-                <a:p>
-                  <a:pPr algn="ctr"/>
-                  <a:endParaRPr lang="pt-BR"/>
-                </a:p>
-              </p:txBody>
-            </p:sp>
-            <p:sp>
-              <p:nvSpPr>
-                <p:cNvPr id="186" name="Forma Livre: Forma 185">
-                  <a:extLst>
-                    <a:ext uri="{FF2B5EF4-FFF2-40B4-BE49-F238E27FC236}">
-                      <a16:creationId xmlns:a16="http://schemas.microsoft.com/office/drawing/2014/main" xmlns="" id="{C18FF702-8D9D-42C4-8FEC-5C75AED3C913}"/>
-                    </a:ext>
-                  </a:extLst>
-                </p:cNvPr>
-                <p:cNvSpPr/>
-                <p:nvPr/>
-              </p:nvSpPr>
-              <p:spPr>
-                <a:xfrm>
-                  <a:off x="971599" y="1556792"/>
-                  <a:ext cx="1800200" cy="1944215"/>
-                </a:xfrm>
-                <a:custGeom>
-                  <a:avLst/>
-                  <a:gdLst>
-                    <a:gd name="connsiteX0" fmla="*/ 327309 w 1800200"/>
-                    <a:gd name="connsiteY0" fmla="*/ 1636546 h 1800200"/>
-                    <a:gd name="connsiteX1" fmla="*/ 504057 w 1800200"/>
-                    <a:gd name="connsiteY1" fmla="*/ 1636546 h 1800200"/>
-                    <a:gd name="connsiteX2" fmla="*/ 504057 w 1800200"/>
-                    <a:gd name="connsiteY2" fmla="*/ 1800200 h 1800200"/>
-                    <a:gd name="connsiteX3" fmla="*/ 327309 w 1800200"/>
-                    <a:gd name="connsiteY3" fmla="*/ 1800200 h 1800200"/>
-                    <a:gd name="connsiteX4" fmla="*/ 576065 w 1800200"/>
-                    <a:gd name="connsiteY4" fmla="*/ 818273 h 1800200"/>
-                    <a:gd name="connsiteX5" fmla="*/ 1335077 w 1800200"/>
-                    <a:gd name="connsiteY5" fmla="*/ 818273 h 1800200"/>
-                    <a:gd name="connsiteX6" fmla="*/ 1800200 w 1800200"/>
-                    <a:gd name="connsiteY6" fmla="*/ 1309237 h 1800200"/>
-                    <a:gd name="connsiteX7" fmla="*/ 1335077 w 1800200"/>
-                    <a:gd name="connsiteY7" fmla="*/ 1800200 h 1800200"/>
-                    <a:gd name="connsiteX8" fmla="*/ 576065 w 1800200"/>
-                    <a:gd name="connsiteY8" fmla="*/ 1800200 h 1800200"/>
-                    <a:gd name="connsiteX9" fmla="*/ 576065 w 1800200"/>
-                    <a:gd name="connsiteY9" fmla="*/ 1636546 h 1800200"/>
-                    <a:gd name="connsiteX10" fmla="*/ 1335077 w 1800200"/>
-                    <a:gd name="connsiteY10" fmla="*/ 1636546 h 1800200"/>
-                    <a:gd name="connsiteX11" fmla="*/ 1645159 w 1800200"/>
-                    <a:gd name="connsiteY11" fmla="*/ 1309237 h 1800200"/>
-                    <a:gd name="connsiteX12" fmla="*/ 1335077 w 1800200"/>
-                    <a:gd name="connsiteY12" fmla="*/ 981928 h 1800200"/>
-                    <a:gd name="connsiteX13" fmla="*/ 576065 w 1800200"/>
-                    <a:gd name="connsiteY13" fmla="*/ 981928 h 1800200"/>
-                    <a:gd name="connsiteX14" fmla="*/ 576065 w 1800200"/>
-                    <a:gd name="connsiteY14" fmla="*/ 0 h 1800200"/>
-                    <a:gd name="connsiteX15" fmla="*/ 1391064 w 1800200"/>
-                    <a:gd name="connsiteY15" fmla="*/ 0 h 1800200"/>
-                    <a:gd name="connsiteX16" fmla="*/ 1391064 w 1800200"/>
-                    <a:gd name="connsiteY16" fmla="*/ 163654 h 1800200"/>
-                    <a:gd name="connsiteX17" fmla="*/ 576065 w 1800200"/>
-                    <a:gd name="connsiteY17" fmla="*/ 163654 h 1800200"/>
-                    <a:gd name="connsiteX18" fmla="*/ 490964 w 1800200"/>
-                    <a:gd name="connsiteY18" fmla="*/ 0 h 1800200"/>
-                    <a:gd name="connsiteX19" fmla="*/ 504057 w 1800200"/>
-                    <a:gd name="connsiteY19" fmla="*/ 0 h 1800200"/>
-                    <a:gd name="connsiteX20" fmla="*/ 504057 w 1800200"/>
-                    <a:gd name="connsiteY20" fmla="*/ 163654 h 1800200"/>
-                    <a:gd name="connsiteX21" fmla="*/ 490964 w 1800200"/>
-                    <a:gd name="connsiteY21" fmla="*/ 163654 h 1800200"/>
-                    <a:gd name="connsiteX22" fmla="*/ 163655 w 1800200"/>
-                    <a:gd name="connsiteY22" fmla="*/ 490963 h 1800200"/>
-                    <a:gd name="connsiteX23" fmla="*/ 490964 w 1800200"/>
-                    <a:gd name="connsiteY23" fmla="*/ 818272 h 1800200"/>
-                    <a:gd name="connsiteX24" fmla="*/ 490964 w 1800200"/>
-                    <a:gd name="connsiteY24" fmla="*/ 981927 h 1800200"/>
-                    <a:gd name="connsiteX25" fmla="*/ 0 w 1800200"/>
-                    <a:gd name="connsiteY25" fmla="*/ 490963 h 1800200"/>
-                    <a:gd name="connsiteX26" fmla="*/ 490964 w 1800200"/>
-                    <a:gd name="connsiteY26" fmla="*/ 0 h 1800200"/>
-                  </a:gdLst>
-                  <a:ahLst/>
-                  <a:cxnLst>
-                    <a:cxn ang="0">
-                      <a:pos x="connsiteX0" y="connsiteY0"/>
-                    </a:cxn>
-                    <a:cxn ang="0">
-                      <a:pos x="connsiteX1" y="connsiteY1"/>
-                    </a:cxn>
-                    <a:cxn ang="0">
-                      <a:pos x="connsiteX2" y="connsiteY2"/>
-                    </a:cxn>
-                    <a:cxn ang="0">
-                      <a:pos x="connsiteX3" y="connsiteY3"/>
-                    </a:cxn>
-                    <a:cxn ang="0">
-                      <a:pos x="connsiteX4" y="connsiteY4"/>
-                    </a:cxn>
-                    <a:cxn ang="0">
-                      <a:pos x="connsiteX5" y="connsiteY5"/>
-                    </a:cxn>
-                    <a:cxn ang="0">
-                      <a:pos x="connsiteX6" y="connsiteY6"/>
-                    </a:cxn>
-                    <a:cxn ang="0">
-                      <a:pos x="connsiteX7" y="connsiteY7"/>
-                    </a:cxn>
-                    <a:cxn ang="0">
-                      <a:pos x="connsiteX8" y="connsiteY8"/>
-                    </a:cxn>
-                    <a:cxn ang="0">
-                      <a:pos x="connsiteX9" y="connsiteY9"/>
-                    </a:cxn>
-                    <a:cxn ang="0">
-                      <a:pos x="connsiteX10" y="connsiteY10"/>
-                    </a:cxn>
-                    <a:cxn ang="0">
-                      <a:pos x="connsiteX11" y="connsiteY11"/>
-                    </a:cxn>
-                    <a:cxn ang="0">
-                      <a:pos x="connsiteX12" y="connsiteY12"/>
-                    </a:cxn>
-                    <a:cxn ang="0">
-                      <a:pos x="connsiteX13" y="connsiteY13"/>
-                    </a:cxn>
-                    <a:cxn ang="0">
-                      <a:pos x="connsiteX14" y="connsiteY14"/>
-                    </a:cxn>
-                    <a:cxn ang="0">
-                      <a:pos x="connsiteX15" y="connsiteY15"/>
-                    </a:cxn>
-                    <a:cxn ang="0">
-                      <a:pos x="connsiteX16" y="connsiteY16"/>
-                    </a:cxn>
-                    <a:cxn ang="0">
-                      <a:pos x="connsiteX17" y="connsiteY17"/>
-                    </a:cxn>
-                    <a:cxn ang="0">
-                      <a:pos x="connsiteX18" y="connsiteY18"/>
-                    </a:cxn>
-                    <a:cxn ang="0">
-                      <a:pos x="connsiteX19" y="connsiteY19"/>
-                    </a:cxn>
-                    <a:cxn ang="0">
-                      <a:pos x="connsiteX20" y="connsiteY20"/>
-                    </a:cxn>
-                    <a:cxn ang="0">
-                      <a:pos x="connsiteX21" y="connsiteY21"/>
-                    </a:cxn>
-                    <a:cxn ang="0">
-                      <a:pos x="connsiteX22" y="connsiteY22"/>
-                    </a:cxn>
-                    <a:cxn ang="0">
-                      <a:pos x="connsiteX23" y="connsiteY23"/>
-                    </a:cxn>
-                    <a:cxn ang="0">
-                      <a:pos x="connsiteX24" y="connsiteY24"/>
-                    </a:cxn>
-                    <a:cxn ang="0">
-                      <a:pos x="connsiteX25" y="connsiteY25"/>
-                    </a:cxn>
-                    <a:cxn ang="0">
-                      <a:pos x="connsiteX26" y="connsiteY26"/>
-                    </a:cxn>
-                  </a:cxnLst>
-                  <a:rect l="l" t="t" r="r" b="b"/>
-                  <a:pathLst>
-                    <a:path w="1800200" h="1800200">
-                      <a:moveTo>
-                        <a:pt x="327309" y="1636546"/>
-                      </a:moveTo>
-                      <a:lnTo>
-                        <a:pt x="504057" y="1636546"/>
-                      </a:lnTo>
-                      <a:lnTo>
-                        <a:pt x="504057" y="1800200"/>
-                      </a:lnTo>
-                      <a:lnTo>
-                        <a:pt x="327309" y="1800200"/>
-                      </a:lnTo>
-                      <a:close/>
-                      <a:moveTo>
-                        <a:pt x="576065" y="818273"/>
-                      </a:moveTo>
-                      <a:lnTo>
-                        <a:pt x="1335077" y="818273"/>
-                      </a:lnTo>
-                      <a:cubicBezTo>
-                        <a:pt x="1591958" y="818273"/>
-                        <a:pt x="1800200" y="1038084"/>
-                        <a:pt x="1800200" y="1309237"/>
-                      </a:cubicBezTo>
-                      <a:cubicBezTo>
-                        <a:pt x="1800200" y="1580389"/>
-                        <a:pt x="1591958" y="1800200"/>
-                        <a:pt x="1335077" y="1800200"/>
-                      </a:cubicBezTo>
-                      <a:lnTo>
-                        <a:pt x="576065" y="1800200"/>
-                      </a:lnTo>
-                      <a:lnTo>
-                        <a:pt x="576065" y="1636546"/>
-                      </a:lnTo>
-                      <a:lnTo>
-                        <a:pt x="1335077" y="1636546"/>
-                      </a:lnTo>
-                      <a:cubicBezTo>
-                        <a:pt x="1506331" y="1636546"/>
-                        <a:pt x="1645159" y="1490005"/>
-                        <a:pt x="1645159" y="1309237"/>
-                      </a:cubicBezTo>
-                      <a:cubicBezTo>
-                        <a:pt x="1645159" y="1128469"/>
-                        <a:pt x="1506331" y="981928"/>
-                        <a:pt x="1335077" y="981928"/>
-                      </a:cubicBezTo>
-                      <a:lnTo>
-                        <a:pt x="576065" y="981928"/>
-                      </a:lnTo>
-                      <a:close/>
-                      <a:moveTo>
-                        <a:pt x="576065" y="0"/>
-                      </a:moveTo>
-                      <a:lnTo>
-                        <a:pt x="1391064" y="0"/>
-                      </a:lnTo>
-                      <a:lnTo>
-                        <a:pt x="1391064" y="163654"/>
-                      </a:lnTo>
-                      <a:lnTo>
-                        <a:pt x="576065" y="163654"/>
-                      </a:lnTo>
-                      <a:close/>
-                      <a:moveTo>
-                        <a:pt x="490964" y="0"/>
-                      </a:moveTo>
-                      <a:lnTo>
-                        <a:pt x="504057" y="0"/>
-                      </a:lnTo>
-                      <a:lnTo>
-                        <a:pt x="504057" y="163654"/>
-                      </a:lnTo>
-                      <a:lnTo>
-                        <a:pt x="490964" y="163654"/>
-                      </a:lnTo>
-                      <a:cubicBezTo>
-                        <a:pt x="310195" y="163654"/>
-                        <a:pt x="163655" y="310195"/>
-                        <a:pt x="163655" y="490963"/>
-                      </a:cubicBezTo>
-                      <a:cubicBezTo>
-                        <a:pt x="163655" y="671731"/>
-                        <a:pt x="310195" y="818272"/>
-                        <a:pt x="490964" y="818272"/>
-                      </a:cubicBezTo>
-                      <a:lnTo>
-                        <a:pt x="490964" y="981927"/>
-                      </a:lnTo>
-                      <a:cubicBezTo>
-                        <a:pt x="219811" y="981927"/>
-                        <a:pt x="0" y="762116"/>
-                        <a:pt x="0" y="490963"/>
-                      </a:cubicBezTo>
-                      <a:cubicBezTo>
-                        <a:pt x="0" y="219811"/>
-                        <a:pt x="219811" y="0"/>
-                        <a:pt x="490964" y="0"/>
-                      </a:cubicBezTo>
-                      <a:close/>
-                    </a:path>
-                  </a:pathLst>
-                </a:custGeom>
+                <a:prstGeom prst="plus">
+                  <a:avLst>
+                    <a:gd name="adj" fmla="val 39081"/>
+                  </a:avLst>
+                </a:prstGeom>
                 <a:grpFill/>
                 <a:ln>
                   <a:noFill/>
@@ -30246,10 +32555,10 @@
             </p:sp>
             <p:grpSp>
               <p:nvGrpSpPr>
-                <p:cNvPr id="187" name="Agrupar 186">
+                <p:cNvPr id="191" name="Grupo 19">
                   <a:extLst>
                     <a:ext uri="{FF2B5EF4-FFF2-40B4-BE49-F238E27FC236}">
-                      <a16:creationId xmlns:a16="http://schemas.microsoft.com/office/drawing/2014/main" xmlns="" id="{719E466B-D4E1-4A04-88B8-1DAD79229EAD}"/>
+                      <a16:creationId xmlns:a16="http://schemas.microsoft.com/office/drawing/2014/main" xmlns="" id="{A88D7AC9-E980-4A2F-8AEC-1D4025B677B3}"/>
                     </a:ext>
                   </a:extLst>
                 </p:cNvPr>
@@ -30258,19 +32567,19 @@
               </p:nvGrpSpPr>
               <p:grpSpPr>
                 <a:xfrm>
-                  <a:off x="5796136" y="2348880"/>
-                  <a:ext cx="1118242" cy="1152128"/>
-                  <a:chOff x="5796136" y="2204864"/>
-                  <a:chExt cx="1327912" cy="1368152"/>
+                  <a:off x="5832026" y="2241841"/>
+                  <a:ext cx="1292022" cy="1294198"/>
+                  <a:chOff x="4355976" y="1988840"/>
+                  <a:chExt cx="2592288" cy="2520280"/>
                 </a:xfrm>
                 <a:grpFill/>
               </p:grpSpPr>
               <p:sp>
                 <p:nvSpPr>
-                  <p:cNvPr id="188" name="Cruz 187">
+                  <p:cNvPr id="192" name="Cruz 191">
                     <a:extLst>
                       <a:ext uri="{FF2B5EF4-FFF2-40B4-BE49-F238E27FC236}">
-                        <a16:creationId xmlns:a16="http://schemas.microsoft.com/office/drawing/2014/main" xmlns="" id="{43B6353C-8068-4088-8359-BD4A79D5740F}"/>
+                        <a16:creationId xmlns:a16="http://schemas.microsoft.com/office/drawing/2014/main" xmlns="" id="{5B82981F-6B8A-4615-BBD3-77F9CA365CBF}"/>
                       </a:ext>
                     </a:extLst>
                   </p:cNvPr>
@@ -30278,9 +32587,9 @@
                   <p:nvPr/>
                 </p:nvSpPr>
                 <p:spPr>
-                  <a:xfrm flipH="1">
-                    <a:off x="5796136" y="2241841"/>
-                    <a:ext cx="1256133" cy="1294198"/>
+                  <a:xfrm>
+                    <a:off x="4427984" y="1988840"/>
+                    <a:ext cx="2520280" cy="2520280"/>
                   </a:xfrm>
                   <a:prstGeom prst="plus">
                     <a:avLst>
@@ -30319,10 +32628,10 @@
               </p:sp>
               <p:sp>
                 <p:nvSpPr>
-                  <p:cNvPr id="189" name="Cruz 188">
+                  <p:cNvPr id="193" name="Cruz 192">
                     <a:extLst>
                       <a:ext uri="{FF2B5EF4-FFF2-40B4-BE49-F238E27FC236}">
-                        <a16:creationId xmlns:a16="http://schemas.microsoft.com/office/drawing/2014/main" xmlns="" id="{E3AEB842-D922-43E9-BF04-8A9B6F1BA204}"/>
+                        <a16:creationId xmlns:a16="http://schemas.microsoft.com/office/drawing/2014/main" xmlns="" id="{4D825DB6-948A-4B8F-9A55-93128720BC87}"/>
                       </a:ext>
                     </a:extLst>
                   </p:cNvPr>
@@ -30330,9 +32639,9 @@
                   <p:nvPr/>
                 </p:nvSpPr>
                 <p:spPr>
-                  <a:xfrm flipH="1">
-                    <a:off x="5832026" y="2278818"/>
-                    <a:ext cx="1256133" cy="1294198"/>
+                  <a:xfrm>
+                    <a:off x="4355976" y="1988840"/>
+                    <a:ext cx="2520279" cy="2444272"/>
                   </a:xfrm>
                   <a:prstGeom prst="plus">
                     <a:avLst>
@@ -30369,192 +32678,106 @@
                   </a:p>
                 </p:txBody>
               </p:sp>
-              <p:sp>
-                <p:nvSpPr>
-                  <p:cNvPr id="190" name="Cruz 189">
-                    <a:extLst>
-                      <a:ext uri="{FF2B5EF4-FFF2-40B4-BE49-F238E27FC236}">
-                        <a16:creationId xmlns:a16="http://schemas.microsoft.com/office/drawing/2014/main" xmlns="" id="{C1AF8951-E1D7-4677-ABFD-1CDCC1B262D4}"/>
-                      </a:ext>
-                    </a:extLst>
-                  </p:cNvPr>
-                  <p:cNvSpPr/>
-                  <p:nvPr/>
-                </p:nvSpPr>
-                <p:spPr>
-                  <a:xfrm flipH="1">
-                    <a:off x="5832026" y="2204864"/>
-                    <a:ext cx="1256133" cy="1294198"/>
-                  </a:xfrm>
-                  <a:prstGeom prst="plus">
-                    <a:avLst>
-                      <a:gd name="adj" fmla="val 39081"/>
-                    </a:avLst>
-                  </a:prstGeom>
-                  <a:grpFill/>
-                  <a:ln>
-                    <a:noFill/>
-                  </a:ln>
-                </p:spPr>
-                <p:style>
-                  <a:lnRef idx="2">
-                    <a:schemeClr val="accent1">
-                      <a:shade val="50000"/>
-                    </a:schemeClr>
-                  </a:lnRef>
-                  <a:fillRef idx="1">
-                    <a:schemeClr val="accent1"/>
-                  </a:fillRef>
-                  <a:effectRef idx="0">
-                    <a:schemeClr val="accent1"/>
-                  </a:effectRef>
-                  <a:fontRef idx="minor">
-                    <a:schemeClr val="lt1"/>
-                  </a:fontRef>
-                </p:style>
-                <p:txBody>
-                  <a:bodyPr rtlCol="0" anchor="ctr"/>
-                  <a:lstStyle/>
-                  <a:p>
-                    <a:pPr algn="ctr"/>
-                    <a:endParaRPr lang="pt-BR"/>
-                  </a:p>
-                </p:txBody>
-              </p:sp>
-              <p:grpSp>
-                <p:nvGrpSpPr>
-                  <p:cNvPr id="191" name="Grupo 19">
-                    <a:extLst>
-                      <a:ext uri="{FF2B5EF4-FFF2-40B4-BE49-F238E27FC236}">
-                        <a16:creationId xmlns:a16="http://schemas.microsoft.com/office/drawing/2014/main" xmlns="" id="{A88D7AC9-E980-4A2F-8AEC-1D4025B677B3}"/>
-                      </a:ext>
-                    </a:extLst>
-                  </p:cNvPr>
-                  <p:cNvGrpSpPr/>
-                  <p:nvPr/>
-                </p:nvGrpSpPr>
-                <p:grpSpPr>
-                  <a:xfrm>
-                    <a:off x="5832026" y="2241841"/>
-                    <a:ext cx="1292022" cy="1294198"/>
-                    <a:chOff x="4355976" y="1988840"/>
-                    <a:chExt cx="2592288" cy="2520280"/>
-                  </a:xfrm>
-                  <a:grpFill/>
-                </p:grpSpPr>
-                <p:sp>
-                  <p:nvSpPr>
-                    <p:cNvPr id="192" name="Cruz 191">
-                      <a:extLst>
-                        <a:ext uri="{FF2B5EF4-FFF2-40B4-BE49-F238E27FC236}">
-                          <a16:creationId xmlns:a16="http://schemas.microsoft.com/office/drawing/2014/main" xmlns="" id="{5B82981F-6B8A-4615-BBD3-77F9CA365CBF}"/>
-                        </a:ext>
-                      </a:extLst>
-                    </p:cNvPr>
-                    <p:cNvSpPr/>
-                    <p:nvPr/>
-                  </p:nvSpPr>
-                  <p:spPr>
-                    <a:xfrm>
-                      <a:off x="4427984" y="1988840"/>
-                      <a:ext cx="2520280" cy="2520280"/>
-                    </a:xfrm>
-                    <a:prstGeom prst="plus">
-                      <a:avLst>
-                        <a:gd name="adj" fmla="val 39081"/>
-                      </a:avLst>
-                    </a:prstGeom>
-                    <a:grpFill/>
-                    <a:ln>
-                      <a:noFill/>
-                    </a:ln>
-                  </p:spPr>
-                  <p:style>
-                    <a:lnRef idx="2">
-                      <a:schemeClr val="accent1">
-                        <a:shade val="50000"/>
-                      </a:schemeClr>
-                    </a:lnRef>
-                    <a:fillRef idx="1">
-                      <a:schemeClr val="accent1"/>
-                    </a:fillRef>
-                    <a:effectRef idx="0">
-                      <a:schemeClr val="accent1"/>
-                    </a:effectRef>
-                    <a:fontRef idx="minor">
-                      <a:schemeClr val="lt1"/>
-                    </a:fontRef>
-                  </p:style>
-                  <p:txBody>
-                    <a:bodyPr rtlCol="0" anchor="ctr"/>
-                    <a:lstStyle/>
-                    <a:p>
-                      <a:pPr algn="ctr"/>
-                      <a:endParaRPr lang="pt-BR"/>
-                    </a:p>
-                  </p:txBody>
-                </p:sp>
-                <p:sp>
-                  <p:nvSpPr>
-                    <p:cNvPr id="193" name="Cruz 192">
-                      <a:extLst>
-                        <a:ext uri="{FF2B5EF4-FFF2-40B4-BE49-F238E27FC236}">
-                          <a16:creationId xmlns:a16="http://schemas.microsoft.com/office/drawing/2014/main" xmlns="" id="{4D825DB6-948A-4B8F-9A55-93128720BC87}"/>
-                        </a:ext>
-                      </a:extLst>
-                    </p:cNvPr>
-                    <p:cNvSpPr/>
-                    <p:nvPr/>
-                  </p:nvSpPr>
-                  <p:spPr>
-                    <a:xfrm>
-                      <a:off x="4355976" y="1988840"/>
-                      <a:ext cx="2520279" cy="2444272"/>
-                    </a:xfrm>
-                    <a:prstGeom prst="plus">
-                      <a:avLst>
-                        <a:gd name="adj" fmla="val 39081"/>
-                      </a:avLst>
-                    </a:prstGeom>
-                    <a:grpFill/>
-                    <a:ln>
-                      <a:noFill/>
-                    </a:ln>
-                  </p:spPr>
-                  <p:style>
-                    <a:lnRef idx="2">
-                      <a:schemeClr val="accent1">
-                        <a:shade val="50000"/>
-                      </a:schemeClr>
-                    </a:lnRef>
-                    <a:fillRef idx="1">
-                      <a:schemeClr val="accent1"/>
-                    </a:fillRef>
-                    <a:effectRef idx="0">
-                      <a:schemeClr val="accent1"/>
-                    </a:effectRef>
-                    <a:fontRef idx="minor">
-                      <a:schemeClr val="lt1"/>
-                    </a:fontRef>
-                  </p:style>
-                  <p:txBody>
-                    <a:bodyPr rtlCol="0" anchor="ctr"/>
-                    <a:lstStyle/>
-                    <a:p>
-                      <a:pPr algn="ctr"/>
-                      <a:endParaRPr lang="pt-BR"/>
-                    </a:p>
-                  </p:txBody>
-                </p:sp>
-              </p:grpSp>
             </p:grpSp>
           </p:grpSp>
+        </p:grpSp>
+        <p:sp>
+          <p:nvSpPr>
+            <p:cNvPr id="181" name="Triângulo Retângulo 180">
+              <a:extLst>
+                <a:ext uri="{FF2B5EF4-FFF2-40B4-BE49-F238E27FC236}">
+                  <a16:creationId xmlns:a16="http://schemas.microsoft.com/office/drawing/2014/main" xmlns="" id="{F29D0AC5-0618-458B-AC88-DD0353B134A7}"/>
+                </a:ext>
+              </a:extLst>
+            </p:cNvPr>
+            <p:cNvSpPr/>
+            <p:nvPr/>
+          </p:nvSpPr>
+          <p:spPr>
+            <a:xfrm rot="13500000">
+              <a:off x="7273502" y="3857241"/>
+              <a:ext cx="377669" cy="377669"/>
+            </a:xfrm>
+            <a:prstGeom prst="rtTriangle">
+              <a:avLst/>
+            </a:prstGeom>
+            <a:grpFill/>
+            <a:ln>
+              <a:noFill/>
+            </a:ln>
+          </p:spPr>
+          <p:style>
+            <a:lnRef idx="2">
+              <a:schemeClr val="accent1">
+                <a:shade val="50000"/>
+              </a:schemeClr>
+            </a:lnRef>
+            <a:fillRef idx="1">
+              <a:schemeClr val="accent1"/>
+            </a:fillRef>
+            <a:effectRef idx="0">
+              <a:schemeClr val="accent1"/>
+            </a:effectRef>
+            <a:fontRef idx="minor">
+              <a:schemeClr val="lt1"/>
+            </a:fontRef>
+          </p:style>
+          <p:txBody>
+            <a:bodyPr rtlCol="0" anchor="ctr"/>
+            <a:lstStyle/>
+            <a:p>
+              <a:pPr algn="ctr"/>
+              <a:endParaRPr lang="pt-BR"/>
+            </a:p>
+          </p:txBody>
+        </p:sp>
+      </p:grpSp>
+      <p:grpSp>
+        <p:nvGrpSpPr>
+          <p:cNvPr id="236" name="Agrupar 25">
+            <a:extLst>
+              <a:ext uri="{FF2B5EF4-FFF2-40B4-BE49-F238E27FC236}">
+                <a16:creationId xmlns:a16="http://schemas.microsoft.com/office/drawing/2014/main" xmlns="" id="{0982C514-3736-44FA-8BD4-8EA11386D6D9}"/>
+              </a:ext>
+            </a:extLst>
+          </p:cNvPr>
+          <p:cNvGrpSpPr/>
+          <p:nvPr/>
+        </p:nvGrpSpPr>
+        <p:grpSpPr>
+          <a:xfrm>
+            <a:off x="5868144" y="2291274"/>
+            <a:ext cx="1341132" cy="1641782"/>
+            <a:chOff x="3707904" y="476672"/>
+            <a:chExt cx="2258749" cy="2765107"/>
+          </a:xfrm>
+        </p:grpSpPr>
+        <p:grpSp>
+          <p:nvGrpSpPr>
+            <p:cNvPr id="237" name="Agrupar 3">
+              <a:extLst>
+                <a:ext uri="{FF2B5EF4-FFF2-40B4-BE49-F238E27FC236}">
+                  <a16:creationId xmlns:a16="http://schemas.microsoft.com/office/drawing/2014/main" xmlns="" id="{ACEB07BC-D838-4D03-B42B-237643D31B08}"/>
+                </a:ext>
+              </a:extLst>
+            </p:cNvPr>
+            <p:cNvGrpSpPr/>
+            <p:nvPr/>
+          </p:nvGrpSpPr>
+          <p:grpSpPr>
+            <a:xfrm>
+              <a:off x="3707904" y="476672"/>
+              <a:ext cx="2258749" cy="2765107"/>
+              <a:chOff x="3131840" y="1124744"/>
+              <a:chExt cx="3246951" cy="3888432"/>
+            </a:xfrm>
+          </p:grpSpPr>
           <p:sp>
             <p:nvSpPr>
-              <p:cNvPr id="181" name="Triângulo Retângulo 180">
+              <p:cNvPr id="252" name="Retângulo: Cantos Arredondados 4">
                 <a:extLst>
                   <a:ext uri="{FF2B5EF4-FFF2-40B4-BE49-F238E27FC236}">
-                    <a16:creationId xmlns:a16="http://schemas.microsoft.com/office/drawing/2014/main" xmlns="" id="{F29D0AC5-0618-458B-AC88-DD0353B134A7}"/>
+                    <a16:creationId xmlns:a16="http://schemas.microsoft.com/office/drawing/2014/main" xmlns="" id="{299274A5-E009-4533-8660-247FEDFEAFCD}"/>
                   </a:ext>
                 </a:extLst>
               </p:cNvPr>
@@ -30562,14 +32785,414 @@
               <p:nvPr/>
             </p:nvSpPr>
             <p:spPr>
-              <a:xfrm rot="13500000">
-                <a:off x="7273502" y="3857241"/>
-                <a:ext cx="377669" cy="377669"/>
+              <a:xfrm>
+                <a:off x="3347864" y="1124744"/>
+                <a:ext cx="2952328" cy="3888432"/>
               </a:xfrm>
-              <a:prstGeom prst="rtTriangle">
+              <a:prstGeom prst="roundRect">
+                <a:avLst>
+                  <a:gd name="adj" fmla="val 4363"/>
+                </a:avLst>
+              </a:prstGeom>
+              <a:ln>
+                <a:noFill/>
+              </a:ln>
+            </p:spPr>
+            <p:style>
+              <a:lnRef idx="2">
+                <a:schemeClr val="accent1">
+                  <a:shade val="50000"/>
+                </a:schemeClr>
+              </a:lnRef>
+              <a:fillRef idx="1">
+                <a:schemeClr val="accent1"/>
+              </a:fillRef>
+              <a:effectRef idx="0">
+                <a:schemeClr val="accent1"/>
+              </a:effectRef>
+              <a:fontRef idx="minor">
+                <a:schemeClr val="lt1"/>
+              </a:fontRef>
+            </p:style>
+            <p:txBody>
+              <a:bodyPr rtlCol="0" anchor="ctr"/>
+              <a:lstStyle/>
+              <a:p>
+                <a:pPr algn="ctr"/>
+                <a:endParaRPr lang="pt-BR"/>
+              </a:p>
+            </p:txBody>
+          </p:sp>
+          <p:sp>
+            <p:nvSpPr>
+              <p:cNvPr id="253" name="Retângulo: Cantos Arredondados 5">
+                <a:extLst>
+                  <a:ext uri="{FF2B5EF4-FFF2-40B4-BE49-F238E27FC236}">
+                    <a16:creationId xmlns:a16="http://schemas.microsoft.com/office/drawing/2014/main" xmlns="" id="{EBA4F257-87BB-4AC7-9E6A-E242F2B17FCE}"/>
+                  </a:ext>
+                </a:extLst>
+              </p:cNvPr>
+              <p:cNvSpPr/>
+              <p:nvPr/>
+            </p:nvSpPr>
+            <p:spPr>
+              <a:xfrm>
+                <a:off x="3131840" y="1124744"/>
+                <a:ext cx="648072" cy="3888432"/>
+              </a:xfrm>
+              <a:prstGeom prst="roundRect">
+                <a:avLst>
+                  <a:gd name="adj" fmla="val 50000"/>
+                </a:avLst>
+              </a:prstGeom>
+              <a:solidFill>
+                <a:srgbClr val="006BBC"/>
+              </a:solidFill>
+              <a:ln>
+                <a:noFill/>
+              </a:ln>
+            </p:spPr>
+            <p:style>
+              <a:lnRef idx="2">
+                <a:schemeClr val="accent1">
+                  <a:shade val="50000"/>
+                </a:schemeClr>
+              </a:lnRef>
+              <a:fillRef idx="1">
+                <a:schemeClr val="accent1"/>
+              </a:fillRef>
+              <a:effectRef idx="0">
+                <a:schemeClr val="accent1"/>
+              </a:effectRef>
+              <a:fontRef idx="minor">
+                <a:schemeClr val="lt1"/>
+              </a:fontRef>
+            </p:style>
+            <p:txBody>
+              <a:bodyPr rtlCol="0" anchor="ctr"/>
+              <a:lstStyle/>
+              <a:p>
+                <a:pPr algn="ctr"/>
+                <a:endParaRPr lang="pt-BR"/>
+              </a:p>
+            </p:txBody>
+          </p:sp>
+          <p:sp>
+            <p:nvSpPr>
+              <p:cNvPr id="254" name="Retângulo: Cantos Arredondados 6">
+                <a:extLst>
+                  <a:ext uri="{FF2B5EF4-FFF2-40B4-BE49-F238E27FC236}">
+                    <a16:creationId xmlns:a16="http://schemas.microsoft.com/office/drawing/2014/main" xmlns="" id="{BFA31868-C509-46BF-AFF4-817D1ABE891A}"/>
+                  </a:ext>
+                </a:extLst>
+              </p:cNvPr>
+              <p:cNvSpPr/>
+              <p:nvPr/>
+            </p:nvSpPr>
+            <p:spPr>
+              <a:xfrm>
+                <a:off x="3426463" y="1385855"/>
+                <a:ext cx="2952328" cy="3384375"/>
+              </a:xfrm>
+              <a:prstGeom prst="roundRect">
+                <a:avLst>
+                  <a:gd name="adj" fmla="val 4363"/>
+                </a:avLst>
+              </a:prstGeom>
+              <a:solidFill>
+                <a:srgbClr val="0086EA"/>
+              </a:solidFill>
+              <a:ln>
+                <a:noFill/>
+              </a:ln>
+            </p:spPr>
+            <p:style>
+              <a:lnRef idx="2">
+                <a:schemeClr val="accent1">
+                  <a:shade val="50000"/>
+                </a:schemeClr>
+              </a:lnRef>
+              <a:fillRef idx="1">
+                <a:schemeClr val="accent1"/>
+              </a:fillRef>
+              <a:effectRef idx="0">
+                <a:schemeClr val="accent1"/>
+              </a:effectRef>
+              <a:fontRef idx="minor">
+                <a:schemeClr val="lt1"/>
+              </a:fontRef>
+            </p:style>
+            <p:txBody>
+              <a:bodyPr rtlCol="0" anchor="ctr"/>
+              <a:lstStyle/>
+              <a:p>
+                <a:pPr algn="ctr"/>
+                <a:endParaRPr lang="pt-BR"/>
+              </a:p>
+            </p:txBody>
+          </p:sp>
+          <p:sp>
+            <p:nvSpPr>
+              <p:cNvPr id="255" name="Forma Livre: Forma 7">
+                <a:extLst>
+                  <a:ext uri="{FF2B5EF4-FFF2-40B4-BE49-F238E27FC236}">
+                    <a16:creationId xmlns:a16="http://schemas.microsoft.com/office/drawing/2014/main" xmlns="" id="{1C110976-6F38-451A-A5B4-C9C5B2CFC2E5}"/>
+                  </a:ext>
+                </a:extLst>
+              </p:cNvPr>
+              <p:cNvSpPr/>
+              <p:nvPr/>
+            </p:nvSpPr>
+            <p:spPr>
+              <a:xfrm>
+                <a:off x="3275856" y="1268760"/>
+                <a:ext cx="2880320" cy="360040"/>
+              </a:xfrm>
+              <a:custGeom>
+                <a:avLst/>
+                <a:gdLst>
+                  <a:gd name="connsiteX0" fmla="*/ 219248 w 2736304"/>
+                  <a:gd name="connsiteY0" fmla="*/ 0 h 438496"/>
+                  <a:gd name="connsiteX1" fmla="*/ 2733080 w 2736304"/>
+                  <a:gd name="connsiteY1" fmla="*/ 0 h 438496"/>
+                  <a:gd name="connsiteX2" fmla="*/ 2736304 w 2736304"/>
+                  <a:gd name="connsiteY2" fmla="*/ 325 h 438496"/>
+                  <a:gd name="connsiteX3" fmla="*/ 2736304 w 2736304"/>
+                  <a:gd name="connsiteY3" fmla="*/ 438171 h 438496"/>
+                  <a:gd name="connsiteX4" fmla="*/ 2733080 w 2736304"/>
+                  <a:gd name="connsiteY4" fmla="*/ 438496 h 438496"/>
+                  <a:gd name="connsiteX5" fmla="*/ 219248 w 2736304"/>
+                  <a:gd name="connsiteY5" fmla="*/ 438496 h 438496"/>
+                  <a:gd name="connsiteX6" fmla="*/ 0 w 2736304"/>
+                  <a:gd name="connsiteY6" fmla="*/ 219248 h 438496"/>
+                  <a:gd name="connsiteX7" fmla="*/ 219248 w 2736304"/>
+                  <a:gd name="connsiteY7" fmla="*/ 0 h 438496"/>
+                </a:gdLst>
+                <a:ahLst/>
+                <a:cxnLst>
+                  <a:cxn ang="0">
+                    <a:pos x="connsiteX0" y="connsiteY0"/>
+                  </a:cxn>
+                  <a:cxn ang="0">
+                    <a:pos x="connsiteX1" y="connsiteY1"/>
+                  </a:cxn>
+                  <a:cxn ang="0">
+                    <a:pos x="connsiteX2" y="connsiteY2"/>
+                  </a:cxn>
+                  <a:cxn ang="0">
+                    <a:pos x="connsiteX3" y="connsiteY3"/>
+                  </a:cxn>
+                  <a:cxn ang="0">
+                    <a:pos x="connsiteX4" y="connsiteY4"/>
+                  </a:cxn>
+                  <a:cxn ang="0">
+                    <a:pos x="connsiteX5" y="connsiteY5"/>
+                  </a:cxn>
+                  <a:cxn ang="0">
+                    <a:pos x="connsiteX6" y="connsiteY6"/>
+                  </a:cxn>
+                  <a:cxn ang="0">
+                    <a:pos x="connsiteX7" y="connsiteY7"/>
+                  </a:cxn>
+                </a:cxnLst>
+                <a:rect l="l" t="t" r="r" b="b"/>
+                <a:pathLst>
+                  <a:path w="2736304" h="438496">
+                    <a:moveTo>
+                      <a:pt x="219248" y="0"/>
+                    </a:moveTo>
+                    <a:lnTo>
+                      <a:pt x="2733080" y="0"/>
+                    </a:lnTo>
+                    <a:lnTo>
+                      <a:pt x="2736304" y="325"/>
+                    </a:lnTo>
+                    <a:lnTo>
+                      <a:pt x="2736304" y="438171"/>
+                    </a:lnTo>
+                    <a:lnTo>
+                      <a:pt x="2733080" y="438496"/>
+                    </a:lnTo>
+                    <a:lnTo>
+                      <a:pt x="219248" y="438496"/>
+                    </a:lnTo>
+                    <a:cubicBezTo>
+                      <a:pt x="98161" y="438496"/>
+                      <a:pt x="0" y="340335"/>
+                      <a:pt x="0" y="219248"/>
+                    </a:cubicBezTo>
+                    <a:cubicBezTo>
+                      <a:pt x="0" y="98161"/>
+                      <a:pt x="98161" y="0"/>
+                      <a:pt x="219248" y="0"/>
+                    </a:cubicBezTo>
+                    <a:close/>
+                  </a:path>
+                </a:pathLst>
+              </a:custGeom>
+              <a:solidFill>
+                <a:schemeClr val="bg1"/>
+              </a:solidFill>
+              <a:ln>
+                <a:noFill/>
+              </a:ln>
+            </p:spPr>
+            <p:style>
+              <a:lnRef idx="2">
+                <a:schemeClr val="accent1">
+                  <a:shade val="50000"/>
+                </a:schemeClr>
+              </a:lnRef>
+              <a:fillRef idx="1">
+                <a:schemeClr val="accent1"/>
+              </a:fillRef>
+              <a:effectRef idx="0">
+                <a:schemeClr val="accent1"/>
+              </a:effectRef>
+              <a:fontRef idx="minor">
+                <a:schemeClr val="lt1"/>
+              </a:fontRef>
+            </p:style>
+            <p:txBody>
+              <a:bodyPr rtlCol="0" anchor="ctr"/>
+              <a:lstStyle/>
+              <a:p>
+                <a:pPr algn="ctr"/>
+                <a:endParaRPr lang="pt-BR"/>
+              </a:p>
+            </p:txBody>
+          </p:sp>
+          <p:sp>
+            <p:nvSpPr>
+              <p:cNvPr id="256" name="Retângulo 255">
+                <a:extLst>
+                  <a:ext uri="{FF2B5EF4-FFF2-40B4-BE49-F238E27FC236}">
+                    <a16:creationId xmlns:a16="http://schemas.microsoft.com/office/drawing/2014/main" xmlns="" id="{2B8A9CF0-4D1F-439D-86E2-337DC8D1A6CD}"/>
+                  </a:ext>
+                </a:extLst>
+              </p:cNvPr>
+              <p:cNvSpPr/>
+              <p:nvPr/>
+            </p:nvSpPr>
+            <p:spPr>
+              <a:xfrm>
+                <a:off x="3491880" y="1628800"/>
+                <a:ext cx="288032" cy="3384376"/>
+              </a:xfrm>
+              <a:prstGeom prst="rect">
                 <a:avLst/>
               </a:prstGeom>
-              <a:grpFill/>
+              <a:solidFill>
+                <a:srgbClr val="0078D2"/>
+              </a:solidFill>
+              <a:ln>
+                <a:noFill/>
+              </a:ln>
+            </p:spPr>
+            <p:style>
+              <a:lnRef idx="2">
+                <a:schemeClr val="accent1">
+                  <a:shade val="50000"/>
+                </a:schemeClr>
+              </a:lnRef>
+              <a:fillRef idx="1">
+                <a:schemeClr val="accent1"/>
+              </a:fillRef>
+              <a:effectRef idx="0">
+                <a:schemeClr val="accent1"/>
+              </a:effectRef>
+              <a:fontRef idx="minor">
+                <a:schemeClr val="lt1"/>
+              </a:fontRef>
+            </p:style>
+            <p:txBody>
+              <a:bodyPr rtlCol="0" anchor="ctr"/>
+              <a:lstStyle/>
+              <a:p>
+                <a:pPr algn="ctr"/>
+                <a:endParaRPr lang="pt-BR"/>
+              </a:p>
+            </p:txBody>
+          </p:sp>
+          <p:sp>
+            <p:nvSpPr>
+              <p:cNvPr id="257" name="Retângulo: Cantos Arredondados 9">
+                <a:extLst>
+                  <a:ext uri="{FF2B5EF4-FFF2-40B4-BE49-F238E27FC236}">
+                    <a16:creationId xmlns:a16="http://schemas.microsoft.com/office/drawing/2014/main" xmlns="" id="{5814B72D-72BB-4EBA-96BB-C2AA7D7B5D3C}"/>
+                  </a:ext>
+                </a:extLst>
+              </p:cNvPr>
+              <p:cNvSpPr/>
+              <p:nvPr/>
+            </p:nvSpPr>
+            <p:spPr>
+              <a:xfrm>
+                <a:off x="4067944" y="4293096"/>
+                <a:ext cx="2016224" cy="72008"/>
+              </a:xfrm>
+              <a:prstGeom prst="roundRect">
+                <a:avLst>
+                  <a:gd name="adj" fmla="val 50000"/>
+                </a:avLst>
+              </a:prstGeom>
+              <a:solidFill>
+                <a:schemeClr val="bg1"/>
+              </a:solidFill>
+              <a:ln>
+                <a:noFill/>
+              </a:ln>
+            </p:spPr>
+            <p:style>
+              <a:lnRef idx="2">
+                <a:schemeClr val="accent1">
+                  <a:shade val="50000"/>
+                </a:schemeClr>
+              </a:lnRef>
+              <a:fillRef idx="1">
+                <a:schemeClr val="accent1"/>
+              </a:fillRef>
+              <a:effectRef idx="0">
+                <a:schemeClr val="accent1"/>
+              </a:effectRef>
+              <a:fontRef idx="minor">
+                <a:schemeClr val="lt1"/>
+              </a:fontRef>
+            </p:style>
+            <p:txBody>
+              <a:bodyPr rtlCol="0" anchor="ctr"/>
+              <a:lstStyle/>
+              <a:p>
+                <a:pPr algn="ctr"/>
+                <a:endParaRPr lang="pt-BR"/>
+              </a:p>
+            </p:txBody>
+          </p:sp>
+          <p:sp>
+            <p:nvSpPr>
+              <p:cNvPr id="258" name="Retângulo: Cantos Arredondados 10">
+                <a:extLst>
+                  <a:ext uri="{FF2B5EF4-FFF2-40B4-BE49-F238E27FC236}">
+                    <a16:creationId xmlns:a16="http://schemas.microsoft.com/office/drawing/2014/main" xmlns="" id="{2A2E7C31-87C7-4D32-A407-A0B6795D6D0A}"/>
+                  </a:ext>
+                </a:extLst>
+              </p:cNvPr>
+              <p:cNvSpPr/>
+              <p:nvPr/>
+            </p:nvSpPr>
+            <p:spPr>
+              <a:xfrm>
+                <a:off x="4427984" y="4509120"/>
+                <a:ext cx="1296144" cy="72008"/>
+              </a:xfrm>
+              <a:prstGeom prst="roundRect">
+                <a:avLst>
+                  <a:gd name="adj" fmla="val 50000"/>
+                </a:avLst>
+              </a:prstGeom>
+              <a:solidFill>
+                <a:schemeClr val="bg1"/>
+              </a:solidFill>
               <a:ln>
                 <a:noFill/>
               </a:ln>
@@ -30602,10 +33225,10 @@
         </p:grpSp>
         <p:grpSp>
           <p:nvGrpSpPr>
-            <p:cNvPr id="236" name="Agrupar 25">
+            <p:cNvPr id="238" name="Agrupar 11">
               <a:extLst>
                 <a:ext uri="{FF2B5EF4-FFF2-40B4-BE49-F238E27FC236}">
-                  <a16:creationId xmlns:a16="http://schemas.microsoft.com/office/drawing/2014/main" xmlns="" id="{0982C514-3736-44FA-8BD4-8EA11386D6D9}"/>
+                  <a16:creationId xmlns:a16="http://schemas.microsoft.com/office/drawing/2014/main" xmlns="" id="{36F33AA7-5CFF-4D5A-9A01-9289DEEBB53E}"/>
                 </a:ext>
               </a:extLst>
             </p:cNvPr>
@@ -30614,1252 +33237,18 @@
           </p:nvGrpSpPr>
           <p:grpSpPr>
             <a:xfrm>
-              <a:off x="5868144" y="2291274"/>
-              <a:ext cx="1368152" cy="1641782"/>
-              <a:chOff x="3707904" y="476672"/>
-              <a:chExt cx="2304256" cy="2765107"/>
+              <a:off x="4355976" y="1268760"/>
+              <a:ext cx="288032" cy="720080"/>
+              <a:chOff x="4355976" y="1268760"/>
+              <a:chExt cx="288032" cy="720080"/>
             </a:xfrm>
           </p:grpSpPr>
-          <p:grpSp>
-            <p:nvGrpSpPr>
-              <p:cNvPr id="237" name="Agrupar 3">
+          <p:sp>
+            <p:nvSpPr>
+              <p:cNvPr id="250" name="Retângulo: Cantos Arredondados 12">
                 <a:extLst>
                   <a:ext uri="{FF2B5EF4-FFF2-40B4-BE49-F238E27FC236}">
-                    <a16:creationId xmlns:a16="http://schemas.microsoft.com/office/drawing/2014/main" xmlns="" id="{ACEB07BC-D838-4D03-B42B-237643D31B08}"/>
-                  </a:ext>
-                </a:extLst>
-              </p:cNvPr>
-              <p:cNvGrpSpPr/>
-              <p:nvPr/>
-            </p:nvGrpSpPr>
-            <p:grpSpPr>
-              <a:xfrm>
-                <a:off x="3707904" y="476672"/>
-                <a:ext cx="2304256" cy="2765107"/>
-                <a:chOff x="3131840" y="1124744"/>
-                <a:chExt cx="3312368" cy="3888432"/>
-              </a:xfrm>
-            </p:grpSpPr>
-            <p:sp>
-              <p:nvSpPr>
-                <p:cNvPr id="252" name="Retângulo: Cantos Arredondados 4">
-                  <a:extLst>
-                    <a:ext uri="{FF2B5EF4-FFF2-40B4-BE49-F238E27FC236}">
-                      <a16:creationId xmlns:a16="http://schemas.microsoft.com/office/drawing/2014/main" xmlns="" id="{299274A5-E009-4533-8660-247FEDFEAFCD}"/>
-                    </a:ext>
-                  </a:extLst>
-                </p:cNvPr>
-                <p:cNvSpPr/>
-                <p:nvPr/>
-              </p:nvSpPr>
-              <p:spPr>
-                <a:xfrm>
-                  <a:off x="3347864" y="1124744"/>
-                  <a:ext cx="2952328" cy="3888432"/>
-                </a:xfrm>
-                <a:prstGeom prst="roundRect">
-                  <a:avLst>
-                    <a:gd name="adj" fmla="val 4363"/>
-                  </a:avLst>
-                </a:prstGeom>
-                <a:ln>
-                  <a:noFill/>
-                </a:ln>
-              </p:spPr>
-              <p:style>
-                <a:lnRef idx="2">
-                  <a:schemeClr val="accent1">
-                    <a:shade val="50000"/>
-                  </a:schemeClr>
-                </a:lnRef>
-                <a:fillRef idx="1">
-                  <a:schemeClr val="accent1"/>
-                </a:fillRef>
-                <a:effectRef idx="0">
-                  <a:schemeClr val="accent1"/>
-                </a:effectRef>
-                <a:fontRef idx="minor">
-                  <a:schemeClr val="lt1"/>
-                </a:fontRef>
-              </p:style>
-              <p:txBody>
-                <a:bodyPr rtlCol="0" anchor="ctr"/>
-                <a:lstStyle/>
-                <a:p>
-                  <a:pPr algn="ctr"/>
-                  <a:endParaRPr lang="pt-BR"/>
-                </a:p>
-              </p:txBody>
-            </p:sp>
-            <p:sp>
-              <p:nvSpPr>
-                <p:cNvPr id="253" name="Retângulo: Cantos Arredondados 5">
-                  <a:extLst>
-                    <a:ext uri="{FF2B5EF4-FFF2-40B4-BE49-F238E27FC236}">
-                      <a16:creationId xmlns:a16="http://schemas.microsoft.com/office/drawing/2014/main" xmlns="" id="{EBA4F257-87BB-4AC7-9E6A-E242F2B17FCE}"/>
-                    </a:ext>
-                  </a:extLst>
-                </p:cNvPr>
-                <p:cNvSpPr/>
-                <p:nvPr/>
-              </p:nvSpPr>
-              <p:spPr>
-                <a:xfrm>
-                  <a:off x="3131840" y="1124744"/>
-                  <a:ext cx="648072" cy="3888432"/>
-                </a:xfrm>
-                <a:prstGeom prst="roundRect">
-                  <a:avLst>
-                    <a:gd name="adj" fmla="val 50000"/>
-                  </a:avLst>
-                </a:prstGeom>
-                <a:solidFill>
-                  <a:srgbClr val="006BBC"/>
-                </a:solidFill>
-                <a:ln>
-                  <a:noFill/>
-                </a:ln>
-              </p:spPr>
-              <p:style>
-                <a:lnRef idx="2">
-                  <a:schemeClr val="accent1">
-                    <a:shade val="50000"/>
-                  </a:schemeClr>
-                </a:lnRef>
-                <a:fillRef idx="1">
-                  <a:schemeClr val="accent1"/>
-                </a:fillRef>
-                <a:effectRef idx="0">
-                  <a:schemeClr val="accent1"/>
-                </a:effectRef>
-                <a:fontRef idx="minor">
-                  <a:schemeClr val="lt1"/>
-                </a:fontRef>
-              </p:style>
-              <p:txBody>
-                <a:bodyPr rtlCol="0" anchor="ctr"/>
-                <a:lstStyle/>
-                <a:p>
-                  <a:pPr algn="ctr"/>
-                  <a:endParaRPr lang="pt-BR"/>
-                </a:p>
-              </p:txBody>
-            </p:sp>
-            <p:sp>
-              <p:nvSpPr>
-                <p:cNvPr id="254" name="Retângulo: Cantos Arredondados 6">
-                  <a:extLst>
-                    <a:ext uri="{FF2B5EF4-FFF2-40B4-BE49-F238E27FC236}">
-                      <a16:creationId xmlns:a16="http://schemas.microsoft.com/office/drawing/2014/main" xmlns="" id="{BFA31868-C509-46BF-AFF4-817D1ABE891A}"/>
-                    </a:ext>
-                  </a:extLst>
-                </p:cNvPr>
-                <p:cNvSpPr/>
-                <p:nvPr/>
-              </p:nvSpPr>
-              <p:spPr>
-                <a:xfrm>
-                  <a:off x="3491880" y="1628800"/>
-                  <a:ext cx="2952328" cy="3384376"/>
-                </a:xfrm>
-                <a:prstGeom prst="roundRect">
-                  <a:avLst>
-                    <a:gd name="adj" fmla="val 4363"/>
-                  </a:avLst>
-                </a:prstGeom>
-                <a:solidFill>
-                  <a:srgbClr val="0086EA"/>
-                </a:solidFill>
-                <a:ln>
-                  <a:noFill/>
-                </a:ln>
-              </p:spPr>
-              <p:style>
-                <a:lnRef idx="2">
-                  <a:schemeClr val="accent1">
-                    <a:shade val="50000"/>
-                  </a:schemeClr>
-                </a:lnRef>
-                <a:fillRef idx="1">
-                  <a:schemeClr val="accent1"/>
-                </a:fillRef>
-                <a:effectRef idx="0">
-                  <a:schemeClr val="accent1"/>
-                </a:effectRef>
-                <a:fontRef idx="minor">
-                  <a:schemeClr val="lt1"/>
-                </a:fontRef>
-              </p:style>
-              <p:txBody>
-                <a:bodyPr rtlCol="0" anchor="ctr"/>
-                <a:lstStyle/>
-                <a:p>
-                  <a:pPr algn="ctr"/>
-                  <a:endParaRPr lang="pt-BR"/>
-                </a:p>
-              </p:txBody>
-            </p:sp>
-            <p:sp>
-              <p:nvSpPr>
-                <p:cNvPr id="255" name="Forma Livre: Forma 7">
-                  <a:extLst>
-                    <a:ext uri="{FF2B5EF4-FFF2-40B4-BE49-F238E27FC236}">
-                      <a16:creationId xmlns:a16="http://schemas.microsoft.com/office/drawing/2014/main" xmlns="" id="{1C110976-6F38-451A-A5B4-C9C5B2CFC2E5}"/>
-                    </a:ext>
-                  </a:extLst>
-                </p:cNvPr>
-                <p:cNvSpPr/>
-                <p:nvPr/>
-              </p:nvSpPr>
-              <p:spPr>
-                <a:xfrm>
-                  <a:off x="3275856" y="1268760"/>
-                  <a:ext cx="2880320" cy="360040"/>
-                </a:xfrm>
-                <a:custGeom>
-                  <a:avLst/>
-                  <a:gdLst>
-                    <a:gd name="connsiteX0" fmla="*/ 219248 w 2736304"/>
-                    <a:gd name="connsiteY0" fmla="*/ 0 h 438496"/>
-                    <a:gd name="connsiteX1" fmla="*/ 2733080 w 2736304"/>
-                    <a:gd name="connsiteY1" fmla="*/ 0 h 438496"/>
-                    <a:gd name="connsiteX2" fmla="*/ 2736304 w 2736304"/>
-                    <a:gd name="connsiteY2" fmla="*/ 325 h 438496"/>
-                    <a:gd name="connsiteX3" fmla="*/ 2736304 w 2736304"/>
-                    <a:gd name="connsiteY3" fmla="*/ 438171 h 438496"/>
-                    <a:gd name="connsiteX4" fmla="*/ 2733080 w 2736304"/>
-                    <a:gd name="connsiteY4" fmla="*/ 438496 h 438496"/>
-                    <a:gd name="connsiteX5" fmla="*/ 219248 w 2736304"/>
-                    <a:gd name="connsiteY5" fmla="*/ 438496 h 438496"/>
-                    <a:gd name="connsiteX6" fmla="*/ 0 w 2736304"/>
-                    <a:gd name="connsiteY6" fmla="*/ 219248 h 438496"/>
-                    <a:gd name="connsiteX7" fmla="*/ 219248 w 2736304"/>
-                    <a:gd name="connsiteY7" fmla="*/ 0 h 438496"/>
-                  </a:gdLst>
-                  <a:ahLst/>
-                  <a:cxnLst>
-                    <a:cxn ang="0">
-                      <a:pos x="connsiteX0" y="connsiteY0"/>
-                    </a:cxn>
-                    <a:cxn ang="0">
-                      <a:pos x="connsiteX1" y="connsiteY1"/>
-                    </a:cxn>
-                    <a:cxn ang="0">
-                      <a:pos x="connsiteX2" y="connsiteY2"/>
-                    </a:cxn>
-                    <a:cxn ang="0">
-                      <a:pos x="connsiteX3" y="connsiteY3"/>
-                    </a:cxn>
-                    <a:cxn ang="0">
-                      <a:pos x="connsiteX4" y="connsiteY4"/>
-                    </a:cxn>
-                    <a:cxn ang="0">
-                      <a:pos x="connsiteX5" y="connsiteY5"/>
-                    </a:cxn>
-                    <a:cxn ang="0">
-                      <a:pos x="connsiteX6" y="connsiteY6"/>
-                    </a:cxn>
-                    <a:cxn ang="0">
-                      <a:pos x="connsiteX7" y="connsiteY7"/>
-                    </a:cxn>
-                  </a:cxnLst>
-                  <a:rect l="l" t="t" r="r" b="b"/>
-                  <a:pathLst>
-                    <a:path w="2736304" h="438496">
-                      <a:moveTo>
-                        <a:pt x="219248" y="0"/>
-                      </a:moveTo>
-                      <a:lnTo>
-                        <a:pt x="2733080" y="0"/>
-                      </a:lnTo>
-                      <a:lnTo>
-                        <a:pt x="2736304" y="325"/>
-                      </a:lnTo>
-                      <a:lnTo>
-                        <a:pt x="2736304" y="438171"/>
-                      </a:lnTo>
-                      <a:lnTo>
-                        <a:pt x="2733080" y="438496"/>
-                      </a:lnTo>
-                      <a:lnTo>
-                        <a:pt x="219248" y="438496"/>
-                      </a:lnTo>
-                      <a:cubicBezTo>
-                        <a:pt x="98161" y="438496"/>
-                        <a:pt x="0" y="340335"/>
-                        <a:pt x="0" y="219248"/>
-                      </a:cubicBezTo>
-                      <a:cubicBezTo>
-                        <a:pt x="0" y="98161"/>
-                        <a:pt x="98161" y="0"/>
-                        <a:pt x="219248" y="0"/>
-                      </a:cubicBezTo>
-                      <a:close/>
-                    </a:path>
-                  </a:pathLst>
-                </a:custGeom>
-                <a:solidFill>
-                  <a:schemeClr val="bg1"/>
-                </a:solidFill>
-                <a:ln>
-                  <a:noFill/>
-                </a:ln>
-              </p:spPr>
-              <p:style>
-                <a:lnRef idx="2">
-                  <a:schemeClr val="accent1">
-                    <a:shade val="50000"/>
-                  </a:schemeClr>
-                </a:lnRef>
-                <a:fillRef idx="1">
-                  <a:schemeClr val="accent1"/>
-                </a:fillRef>
-                <a:effectRef idx="0">
-                  <a:schemeClr val="accent1"/>
-                </a:effectRef>
-                <a:fontRef idx="minor">
-                  <a:schemeClr val="lt1"/>
-                </a:fontRef>
-              </p:style>
-              <p:txBody>
-                <a:bodyPr rtlCol="0" anchor="ctr"/>
-                <a:lstStyle/>
-                <a:p>
-                  <a:pPr algn="ctr"/>
-                  <a:endParaRPr lang="pt-BR"/>
-                </a:p>
-              </p:txBody>
-            </p:sp>
-            <p:sp>
-              <p:nvSpPr>
-                <p:cNvPr id="256" name="Retângulo 255">
-                  <a:extLst>
-                    <a:ext uri="{FF2B5EF4-FFF2-40B4-BE49-F238E27FC236}">
-                      <a16:creationId xmlns:a16="http://schemas.microsoft.com/office/drawing/2014/main" xmlns="" id="{2B8A9CF0-4D1F-439D-86E2-337DC8D1A6CD}"/>
-                    </a:ext>
-                  </a:extLst>
-                </p:cNvPr>
-                <p:cNvSpPr/>
-                <p:nvPr/>
-              </p:nvSpPr>
-              <p:spPr>
-                <a:xfrm>
-                  <a:off x="3491880" y="1628800"/>
-                  <a:ext cx="288032" cy="3384376"/>
-                </a:xfrm>
-                <a:prstGeom prst="rect">
-                  <a:avLst/>
-                </a:prstGeom>
-                <a:solidFill>
-                  <a:srgbClr val="0078D2"/>
-                </a:solidFill>
-                <a:ln>
-                  <a:noFill/>
-                </a:ln>
-              </p:spPr>
-              <p:style>
-                <a:lnRef idx="2">
-                  <a:schemeClr val="accent1">
-                    <a:shade val="50000"/>
-                  </a:schemeClr>
-                </a:lnRef>
-                <a:fillRef idx="1">
-                  <a:schemeClr val="accent1"/>
-                </a:fillRef>
-                <a:effectRef idx="0">
-                  <a:schemeClr val="accent1"/>
-                </a:effectRef>
-                <a:fontRef idx="minor">
-                  <a:schemeClr val="lt1"/>
-                </a:fontRef>
-              </p:style>
-              <p:txBody>
-                <a:bodyPr rtlCol="0" anchor="ctr"/>
-                <a:lstStyle/>
-                <a:p>
-                  <a:pPr algn="ctr"/>
-                  <a:endParaRPr lang="pt-BR"/>
-                </a:p>
-              </p:txBody>
-            </p:sp>
-            <p:sp>
-              <p:nvSpPr>
-                <p:cNvPr id="257" name="Retângulo: Cantos Arredondados 9">
-                  <a:extLst>
-                    <a:ext uri="{FF2B5EF4-FFF2-40B4-BE49-F238E27FC236}">
-                      <a16:creationId xmlns:a16="http://schemas.microsoft.com/office/drawing/2014/main" xmlns="" id="{5814B72D-72BB-4EBA-96BB-C2AA7D7B5D3C}"/>
-                    </a:ext>
-                  </a:extLst>
-                </p:cNvPr>
-                <p:cNvSpPr/>
-                <p:nvPr/>
-              </p:nvSpPr>
-              <p:spPr>
-                <a:xfrm>
-                  <a:off x="4067944" y="4293096"/>
-                  <a:ext cx="2016224" cy="72008"/>
-                </a:xfrm>
-                <a:prstGeom prst="roundRect">
-                  <a:avLst>
-                    <a:gd name="adj" fmla="val 50000"/>
-                  </a:avLst>
-                </a:prstGeom>
-                <a:solidFill>
-                  <a:schemeClr val="bg1"/>
-                </a:solidFill>
-                <a:ln>
-                  <a:noFill/>
-                </a:ln>
-              </p:spPr>
-              <p:style>
-                <a:lnRef idx="2">
-                  <a:schemeClr val="accent1">
-                    <a:shade val="50000"/>
-                  </a:schemeClr>
-                </a:lnRef>
-                <a:fillRef idx="1">
-                  <a:schemeClr val="accent1"/>
-                </a:fillRef>
-                <a:effectRef idx="0">
-                  <a:schemeClr val="accent1"/>
-                </a:effectRef>
-                <a:fontRef idx="minor">
-                  <a:schemeClr val="lt1"/>
-                </a:fontRef>
-              </p:style>
-              <p:txBody>
-                <a:bodyPr rtlCol="0" anchor="ctr"/>
-                <a:lstStyle/>
-                <a:p>
-                  <a:pPr algn="ctr"/>
-                  <a:endParaRPr lang="pt-BR"/>
-                </a:p>
-              </p:txBody>
-            </p:sp>
-            <p:sp>
-              <p:nvSpPr>
-                <p:cNvPr id="258" name="Retângulo: Cantos Arredondados 10">
-                  <a:extLst>
-                    <a:ext uri="{FF2B5EF4-FFF2-40B4-BE49-F238E27FC236}">
-                      <a16:creationId xmlns:a16="http://schemas.microsoft.com/office/drawing/2014/main" xmlns="" id="{2A2E7C31-87C7-4D32-A407-A0B6795D6D0A}"/>
-                    </a:ext>
-                  </a:extLst>
-                </p:cNvPr>
-                <p:cNvSpPr/>
-                <p:nvPr/>
-              </p:nvSpPr>
-              <p:spPr>
-                <a:xfrm>
-                  <a:off x="4427984" y="4509120"/>
-                  <a:ext cx="1296144" cy="72008"/>
-                </a:xfrm>
-                <a:prstGeom prst="roundRect">
-                  <a:avLst>
-                    <a:gd name="adj" fmla="val 50000"/>
-                  </a:avLst>
-                </a:prstGeom>
-                <a:solidFill>
-                  <a:schemeClr val="bg1"/>
-                </a:solidFill>
-                <a:ln>
-                  <a:noFill/>
-                </a:ln>
-              </p:spPr>
-              <p:style>
-                <a:lnRef idx="2">
-                  <a:schemeClr val="accent1">
-                    <a:shade val="50000"/>
-                  </a:schemeClr>
-                </a:lnRef>
-                <a:fillRef idx="1">
-                  <a:schemeClr val="accent1"/>
-                </a:fillRef>
-                <a:effectRef idx="0">
-                  <a:schemeClr val="accent1"/>
-                </a:effectRef>
-                <a:fontRef idx="minor">
-                  <a:schemeClr val="lt1"/>
-                </a:fontRef>
-              </p:style>
-              <p:txBody>
-                <a:bodyPr rtlCol="0" anchor="ctr"/>
-                <a:lstStyle/>
-                <a:p>
-                  <a:pPr algn="ctr"/>
-                  <a:endParaRPr lang="pt-BR"/>
-                </a:p>
-              </p:txBody>
-            </p:sp>
-          </p:grpSp>
-          <p:grpSp>
-            <p:nvGrpSpPr>
-              <p:cNvPr id="238" name="Agrupar 11">
-                <a:extLst>
-                  <a:ext uri="{FF2B5EF4-FFF2-40B4-BE49-F238E27FC236}">
-                    <a16:creationId xmlns:a16="http://schemas.microsoft.com/office/drawing/2014/main" xmlns="" id="{36F33AA7-5CFF-4D5A-9A01-9289DEEBB53E}"/>
-                  </a:ext>
-                </a:extLst>
-              </p:cNvPr>
-              <p:cNvGrpSpPr/>
-              <p:nvPr/>
-            </p:nvGrpSpPr>
-            <p:grpSpPr>
-              <a:xfrm>
-                <a:off x="4355976" y="1268760"/>
-                <a:ext cx="288032" cy="720080"/>
-                <a:chOff x="4355976" y="1268760"/>
-                <a:chExt cx="288032" cy="720080"/>
-              </a:xfrm>
-            </p:grpSpPr>
-            <p:sp>
-              <p:nvSpPr>
-                <p:cNvPr id="250" name="Retângulo: Cantos Arredondados 12">
-                  <a:extLst>
-                    <a:ext uri="{FF2B5EF4-FFF2-40B4-BE49-F238E27FC236}">
-                      <a16:creationId xmlns:a16="http://schemas.microsoft.com/office/drawing/2014/main" xmlns="" id="{434BD7BD-4934-4FE3-8F00-C0B50B423EDD}"/>
-                    </a:ext>
-                  </a:extLst>
-                </p:cNvPr>
-                <p:cNvSpPr/>
-                <p:nvPr/>
-              </p:nvSpPr>
-              <p:spPr>
-                <a:xfrm>
-                  <a:off x="4355976" y="1268760"/>
-                  <a:ext cx="288032" cy="720080"/>
-                </a:xfrm>
-                <a:prstGeom prst="roundRect">
-                  <a:avLst>
-                    <a:gd name="adj" fmla="val 39343"/>
-                  </a:avLst>
-                </a:prstGeom>
-                <a:solidFill>
-                  <a:schemeClr val="tx1"/>
-                </a:solidFill>
-                <a:ln>
-                  <a:noFill/>
-                </a:ln>
-              </p:spPr>
-              <p:style>
-                <a:lnRef idx="2">
-                  <a:schemeClr val="accent1">
-                    <a:shade val="50000"/>
-                  </a:schemeClr>
-                </a:lnRef>
-                <a:fillRef idx="1">
-                  <a:schemeClr val="accent1"/>
-                </a:fillRef>
-                <a:effectRef idx="0">
-                  <a:schemeClr val="accent1"/>
-                </a:effectRef>
-                <a:fontRef idx="minor">
-                  <a:schemeClr val="lt1"/>
-                </a:fontRef>
-              </p:style>
-              <p:txBody>
-                <a:bodyPr rtlCol="0" anchor="ctr"/>
-                <a:lstStyle/>
-                <a:p>
-                  <a:pPr algn="ctr"/>
-                  <a:endParaRPr lang="pt-BR"/>
-                </a:p>
-              </p:txBody>
-            </p:sp>
-            <p:sp>
-              <p:nvSpPr>
-                <p:cNvPr id="251" name="Retângulo: Cantos Arredondados 13">
-                  <a:extLst>
-                    <a:ext uri="{FF2B5EF4-FFF2-40B4-BE49-F238E27FC236}">
-                      <a16:creationId xmlns:a16="http://schemas.microsoft.com/office/drawing/2014/main" xmlns="" id="{E734CFCA-504A-410E-ABE1-E1ABB9A5F059}"/>
-                    </a:ext>
-                  </a:extLst>
-                </p:cNvPr>
-                <p:cNvSpPr/>
-                <p:nvPr/>
-              </p:nvSpPr>
-              <p:spPr>
-                <a:xfrm>
-                  <a:off x="4499992" y="1340768"/>
-                  <a:ext cx="115212" cy="288032"/>
-                </a:xfrm>
-                <a:prstGeom prst="roundRect">
-                  <a:avLst>
-                    <a:gd name="adj" fmla="val 39343"/>
-                  </a:avLst>
-                </a:prstGeom>
-                <a:solidFill>
-                  <a:schemeClr val="bg1"/>
-                </a:solidFill>
-                <a:ln>
-                  <a:noFill/>
-                </a:ln>
-              </p:spPr>
-              <p:style>
-                <a:lnRef idx="2">
-                  <a:schemeClr val="accent1">
-                    <a:shade val="50000"/>
-                  </a:schemeClr>
-                </a:lnRef>
-                <a:fillRef idx="1">
-                  <a:schemeClr val="accent1"/>
-                </a:fillRef>
-                <a:effectRef idx="0">
-                  <a:schemeClr val="accent1"/>
-                </a:effectRef>
-                <a:fontRef idx="minor">
-                  <a:schemeClr val="lt1"/>
-                </a:fontRef>
-              </p:style>
-              <p:txBody>
-                <a:bodyPr rtlCol="0" anchor="ctr"/>
-                <a:lstStyle/>
-                <a:p>
-                  <a:pPr algn="ctr"/>
-                  <a:endParaRPr lang="pt-BR"/>
-                </a:p>
-              </p:txBody>
-            </p:sp>
-          </p:grpSp>
-          <p:grpSp>
-            <p:nvGrpSpPr>
-              <p:cNvPr id="239" name="Agrupar 14">
-                <a:extLst>
-                  <a:ext uri="{FF2B5EF4-FFF2-40B4-BE49-F238E27FC236}">
-                    <a16:creationId xmlns:a16="http://schemas.microsoft.com/office/drawing/2014/main" xmlns="" id="{684A825A-5F70-4A0C-BB9E-0687359CBA7E}"/>
-                  </a:ext>
-                </a:extLst>
-              </p:cNvPr>
-              <p:cNvGrpSpPr/>
-              <p:nvPr/>
-            </p:nvGrpSpPr>
-            <p:grpSpPr>
-              <a:xfrm>
-                <a:off x="5364088" y="1268760"/>
-                <a:ext cx="288032" cy="720080"/>
-                <a:chOff x="4860032" y="1340768"/>
-                <a:chExt cx="288032" cy="720080"/>
-              </a:xfrm>
-            </p:grpSpPr>
-            <p:sp>
-              <p:nvSpPr>
-                <p:cNvPr id="248" name="Retângulo: Cantos Arredondados 15">
-                  <a:extLst>
-                    <a:ext uri="{FF2B5EF4-FFF2-40B4-BE49-F238E27FC236}">
-                      <a16:creationId xmlns:a16="http://schemas.microsoft.com/office/drawing/2014/main" xmlns="" id="{5FD94376-0CD7-41FE-B977-327F88550922}"/>
-                    </a:ext>
-                  </a:extLst>
-                </p:cNvPr>
-                <p:cNvSpPr/>
-                <p:nvPr/>
-              </p:nvSpPr>
-              <p:spPr>
-                <a:xfrm>
-                  <a:off x="4860032" y="1340768"/>
-                  <a:ext cx="288032" cy="720080"/>
-                </a:xfrm>
-                <a:prstGeom prst="roundRect">
-                  <a:avLst>
-                    <a:gd name="adj" fmla="val 39343"/>
-                  </a:avLst>
-                </a:prstGeom>
-                <a:solidFill>
-                  <a:schemeClr val="tx1"/>
-                </a:solidFill>
-                <a:ln>
-                  <a:noFill/>
-                </a:ln>
-              </p:spPr>
-              <p:style>
-                <a:lnRef idx="2">
-                  <a:schemeClr val="accent1">
-                    <a:shade val="50000"/>
-                  </a:schemeClr>
-                </a:lnRef>
-                <a:fillRef idx="1">
-                  <a:schemeClr val="accent1"/>
-                </a:fillRef>
-                <a:effectRef idx="0">
-                  <a:schemeClr val="accent1"/>
-                </a:effectRef>
-                <a:fontRef idx="minor">
-                  <a:schemeClr val="lt1"/>
-                </a:fontRef>
-              </p:style>
-              <p:txBody>
-                <a:bodyPr rtlCol="0" anchor="ctr"/>
-                <a:lstStyle/>
-                <a:p>
-                  <a:pPr algn="ctr"/>
-                  <a:endParaRPr lang="pt-BR"/>
-                </a:p>
-              </p:txBody>
-            </p:sp>
-            <p:sp>
-              <p:nvSpPr>
-                <p:cNvPr id="249" name="Retângulo: Cantos Arredondados 16">
-                  <a:extLst>
-                    <a:ext uri="{FF2B5EF4-FFF2-40B4-BE49-F238E27FC236}">
-                      <a16:creationId xmlns:a16="http://schemas.microsoft.com/office/drawing/2014/main" xmlns="" id="{97D1C1F9-787A-47D4-A643-F66F1869E181}"/>
-                    </a:ext>
-                  </a:extLst>
-                </p:cNvPr>
-                <p:cNvSpPr/>
-                <p:nvPr/>
-              </p:nvSpPr>
-              <p:spPr>
-                <a:xfrm>
-                  <a:off x="5004048" y="1412776"/>
-                  <a:ext cx="115212" cy="288032"/>
-                </a:xfrm>
-                <a:prstGeom prst="roundRect">
-                  <a:avLst>
-                    <a:gd name="adj" fmla="val 39343"/>
-                  </a:avLst>
-                </a:prstGeom>
-                <a:solidFill>
-                  <a:schemeClr val="bg1"/>
-                </a:solidFill>
-                <a:ln>
-                  <a:noFill/>
-                </a:ln>
-              </p:spPr>
-              <p:style>
-                <a:lnRef idx="2">
-                  <a:schemeClr val="accent1">
-                    <a:shade val="50000"/>
-                  </a:schemeClr>
-                </a:lnRef>
-                <a:fillRef idx="1">
-                  <a:schemeClr val="accent1"/>
-                </a:fillRef>
-                <a:effectRef idx="0">
-                  <a:schemeClr val="accent1"/>
-                </a:effectRef>
-                <a:fontRef idx="minor">
-                  <a:schemeClr val="lt1"/>
-                </a:fontRef>
-              </p:style>
-              <p:txBody>
-                <a:bodyPr rtlCol="0" anchor="ctr"/>
-                <a:lstStyle/>
-                <a:p>
-                  <a:pPr algn="ctr"/>
-                  <a:endParaRPr lang="pt-BR"/>
-                </a:p>
-              </p:txBody>
-            </p:sp>
-          </p:grpSp>
-          <p:grpSp>
-            <p:nvGrpSpPr>
-              <p:cNvPr id="240" name="Agrupar 17">
-                <a:extLst>
-                  <a:ext uri="{FF2B5EF4-FFF2-40B4-BE49-F238E27FC236}">
-                    <a16:creationId xmlns:a16="http://schemas.microsoft.com/office/drawing/2014/main" xmlns="" id="{EDFE7646-CFCE-4BD1-BA03-E0A2FF14565D}"/>
-                  </a:ext>
-                </a:extLst>
-              </p:cNvPr>
-              <p:cNvGrpSpPr/>
-              <p:nvPr/>
-            </p:nvGrpSpPr>
-            <p:grpSpPr>
-              <a:xfrm>
-                <a:off x="4572000" y="2276872"/>
-                <a:ext cx="792088" cy="348945"/>
-                <a:chOff x="1691680" y="1268760"/>
-                <a:chExt cx="2016224" cy="888224"/>
-              </a:xfrm>
-            </p:grpSpPr>
-            <p:sp>
-              <p:nvSpPr>
-                <p:cNvPr id="242" name="Forma Livre: Forma 18">
-                  <a:extLst>
-                    <a:ext uri="{FF2B5EF4-FFF2-40B4-BE49-F238E27FC236}">
-                      <a16:creationId xmlns:a16="http://schemas.microsoft.com/office/drawing/2014/main" xmlns="" id="{49038562-5F7A-40E4-B819-A60E974A272D}"/>
-                    </a:ext>
-                  </a:extLst>
-                </p:cNvPr>
-                <p:cNvSpPr/>
-                <p:nvPr/>
-              </p:nvSpPr>
-              <p:spPr>
-                <a:xfrm>
-                  <a:off x="1691680" y="1268760"/>
-                  <a:ext cx="936104" cy="888224"/>
-                </a:xfrm>
-                <a:custGeom>
-                  <a:avLst/>
-                  <a:gdLst>
-                    <a:gd name="connsiteX0" fmla="*/ 353933 w 1440160"/>
-                    <a:gd name="connsiteY0" fmla="*/ 0 h 1210914"/>
-                    <a:gd name="connsiteX1" fmla="*/ 548974 w 1440160"/>
-                    <a:gd name="connsiteY1" fmla="*/ 10782 h 1210914"/>
-                    <a:gd name="connsiteX2" fmla="*/ 1440160 w 1440160"/>
-                    <a:gd name="connsiteY2" fmla="*/ 610415 h 1210914"/>
-                    <a:gd name="connsiteX3" fmla="*/ 548974 w 1440160"/>
-                    <a:gd name="connsiteY3" fmla="*/ 1210048 h 1210914"/>
-                    <a:gd name="connsiteX4" fmla="*/ 533309 w 1440160"/>
-                    <a:gd name="connsiteY4" fmla="*/ 1210914 h 1210914"/>
-                    <a:gd name="connsiteX5" fmla="*/ 517463 w 1440160"/>
-                    <a:gd name="connsiteY5" fmla="*/ 1209317 h 1210914"/>
-                    <a:gd name="connsiteX6" fmla="*/ 0 w 1440160"/>
-                    <a:gd name="connsiteY6" fmla="*/ 574411 h 1210914"/>
-                    <a:gd name="connsiteX7" fmla="*/ 285729 w 1440160"/>
-                    <a:gd name="connsiteY7" fmla="*/ 37020 h 1210914"/>
-                  </a:gdLst>
-                  <a:ahLst/>
-                  <a:cxnLst>
-                    <a:cxn ang="0">
-                      <a:pos x="connsiteX0" y="connsiteY0"/>
-                    </a:cxn>
-                    <a:cxn ang="0">
-                      <a:pos x="connsiteX1" y="connsiteY1"/>
-                    </a:cxn>
-                    <a:cxn ang="0">
-                      <a:pos x="connsiteX2" y="connsiteY2"/>
-                    </a:cxn>
-                    <a:cxn ang="0">
-                      <a:pos x="connsiteX3" y="connsiteY3"/>
-                    </a:cxn>
-                    <a:cxn ang="0">
-                      <a:pos x="connsiteX4" y="connsiteY4"/>
-                    </a:cxn>
-                    <a:cxn ang="0">
-                      <a:pos x="connsiteX5" y="connsiteY5"/>
-                    </a:cxn>
-                    <a:cxn ang="0">
-                      <a:pos x="connsiteX6" y="connsiteY6"/>
-                    </a:cxn>
-                    <a:cxn ang="0">
-                      <a:pos x="connsiteX7" y="connsiteY7"/>
-                    </a:cxn>
-                  </a:cxnLst>
-                  <a:rect l="l" t="t" r="r" b="b"/>
-                  <a:pathLst>
-                    <a:path w="1440160" h="1210914">
-                      <a:moveTo>
-                        <a:pt x="353933" y="0"/>
-                      </a:moveTo>
-                      <a:lnTo>
-                        <a:pt x="548974" y="10782"/>
-                      </a:lnTo>
-                      <a:cubicBezTo>
-                        <a:pt x="1057573" y="67855"/>
-                        <a:pt x="1440160" y="314634"/>
-                        <a:pt x="1440160" y="610415"/>
-                      </a:cubicBezTo>
-                      <a:cubicBezTo>
-                        <a:pt x="1440160" y="906197"/>
-                        <a:pt x="1057573" y="1152975"/>
-                        <a:pt x="548974" y="1210048"/>
-                      </a:cubicBezTo>
-                      <a:lnTo>
-                        <a:pt x="533309" y="1210914"/>
-                      </a:lnTo>
-                      <a:lnTo>
-                        <a:pt x="517463" y="1209317"/>
-                      </a:lnTo>
-                      <a:cubicBezTo>
-                        <a:pt x="222148" y="1148886"/>
-                        <a:pt x="0" y="887591"/>
-                        <a:pt x="0" y="574411"/>
-                      </a:cubicBezTo>
-                      <a:cubicBezTo>
-                        <a:pt x="0" y="350711"/>
-                        <a:pt x="113341" y="153483"/>
-                        <a:pt x="285729" y="37020"/>
-                      </a:cubicBezTo>
-                      <a:close/>
-                    </a:path>
-                  </a:pathLst>
-                </a:custGeom>
-                <a:solidFill>
-                  <a:srgbClr val="05FF76"/>
-                </a:solidFill>
-                <a:ln>
-                  <a:noFill/>
-                </a:ln>
-              </p:spPr>
-              <p:style>
-                <a:lnRef idx="2">
-                  <a:schemeClr val="accent1">
-                    <a:shade val="50000"/>
-                  </a:schemeClr>
-                </a:lnRef>
-                <a:fillRef idx="1">
-                  <a:schemeClr val="accent1"/>
-                </a:fillRef>
-                <a:effectRef idx="0">
-                  <a:schemeClr val="accent1"/>
-                </a:effectRef>
-                <a:fontRef idx="minor">
-                  <a:schemeClr val="lt1"/>
-                </a:fontRef>
-              </p:style>
-              <p:txBody>
-                <a:bodyPr rtlCol="0" anchor="ctr"/>
-                <a:lstStyle/>
-                <a:p>
-                  <a:pPr algn="ctr"/>
-                  <a:endParaRPr lang="pt-BR"/>
-                </a:p>
-              </p:txBody>
-            </p:sp>
-            <p:sp>
-              <p:nvSpPr>
-                <p:cNvPr id="243" name="Forma Livre: Forma 19">
-                  <a:extLst>
-                    <a:ext uri="{FF2B5EF4-FFF2-40B4-BE49-F238E27FC236}">
-                      <a16:creationId xmlns:a16="http://schemas.microsoft.com/office/drawing/2014/main" xmlns="" id="{86179193-B553-4AC9-B3D5-A47250F0C5AC}"/>
-                    </a:ext>
-                  </a:extLst>
-                </p:cNvPr>
-                <p:cNvSpPr/>
-                <p:nvPr/>
-              </p:nvSpPr>
-              <p:spPr>
-                <a:xfrm flipH="1">
-                  <a:off x="2771800" y="1268760"/>
-                  <a:ext cx="936104" cy="888224"/>
-                </a:xfrm>
-                <a:custGeom>
-                  <a:avLst/>
-                  <a:gdLst>
-                    <a:gd name="connsiteX0" fmla="*/ 353933 w 1440160"/>
-                    <a:gd name="connsiteY0" fmla="*/ 0 h 1210914"/>
-                    <a:gd name="connsiteX1" fmla="*/ 548974 w 1440160"/>
-                    <a:gd name="connsiteY1" fmla="*/ 10782 h 1210914"/>
-                    <a:gd name="connsiteX2" fmla="*/ 1440160 w 1440160"/>
-                    <a:gd name="connsiteY2" fmla="*/ 610415 h 1210914"/>
-                    <a:gd name="connsiteX3" fmla="*/ 548974 w 1440160"/>
-                    <a:gd name="connsiteY3" fmla="*/ 1210048 h 1210914"/>
-                    <a:gd name="connsiteX4" fmla="*/ 533309 w 1440160"/>
-                    <a:gd name="connsiteY4" fmla="*/ 1210914 h 1210914"/>
-                    <a:gd name="connsiteX5" fmla="*/ 517463 w 1440160"/>
-                    <a:gd name="connsiteY5" fmla="*/ 1209317 h 1210914"/>
-                    <a:gd name="connsiteX6" fmla="*/ 0 w 1440160"/>
-                    <a:gd name="connsiteY6" fmla="*/ 574411 h 1210914"/>
-                    <a:gd name="connsiteX7" fmla="*/ 285729 w 1440160"/>
-                    <a:gd name="connsiteY7" fmla="*/ 37020 h 1210914"/>
-                  </a:gdLst>
-                  <a:ahLst/>
-                  <a:cxnLst>
-                    <a:cxn ang="0">
-                      <a:pos x="connsiteX0" y="connsiteY0"/>
-                    </a:cxn>
-                    <a:cxn ang="0">
-                      <a:pos x="connsiteX1" y="connsiteY1"/>
-                    </a:cxn>
-                    <a:cxn ang="0">
-                      <a:pos x="connsiteX2" y="connsiteY2"/>
-                    </a:cxn>
-                    <a:cxn ang="0">
-                      <a:pos x="connsiteX3" y="connsiteY3"/>
-                    </a:cxn>
-                    <a:cxn ang="0">
-                      <a:pos x="connsiteX4" y="connsiteY4"/>
-                    </a:cxn>
-                    <a:cxn ang="0">
-                      <a:pos x="connsiteX5" y="connsiteY5"/>
-                    </a:cxn>
-                    <a:cxn ang="0">
-                      <a:pos x="connsiteX6" y="connsiteY6"/>
-                    </a:cxn>
-                    <a:cxn ang="0">
-                      <a:pos x="connsiteX7" y="connsiteY7"/>
-                    </a:cxn>
-                  </a:cxnLst>
-                  <a:rect l="l" t="t" r="r" b="b"/>
-                  <a:pathLst>
-                    <a:path w="1440160" h="1210914">
-                      <a:moveTo>
-                        <a:pt x="353933" y="0"/>
-                      </a:moveTo>
-                      <a:lnTo>
-                        <a:pt x="548974" y="10782"/>
-                      </a:lnTo>
-                      <a:cubicBezTo>
-                        <a:pt x="1057573" y="67855"/>
-                        <a:pt x="1440160" y="314634"/>
-                        <a:pt x="1440160" y="610415"/>
-                      </a:cubicBezTo>
-                      <a:cubicBezTo>
-                        <a:pt x="1440160" y="906197"/>
-                        <a:pt x="1057573" y="1152975"/>
-                        <a:pt x="548974" y="1210048"/>
-                      </a:cubicBezTo>
-                      <a:lnTo>
-                        <a:pt x="533309" y="1210914"/>
-                      </a:lnTo>
-                      <a:lnTo>
-                        <a:pt x="517463" y="1209317"/>
-                      </a:lnTo>
-                      <a:cubicBezTo>
-                        <a:pt x="222148" y="1148886"/>
-                        <a:pt x="0" y="887591"/>
-                        <a:pt x="0" y="574411"/>
-                      </a:cubicBezTo>
-                      <a:cubicBezTo>
-                        <a:pt x="0" y="350711"/>
-                        <a:pt x="113341" y="153483"/>
-                        <a:pt x="285729" y="37020"/>
-                      </a:cubicBezTo>
-                      <a:close/>
-                    </a:path>
-                  </a:pathLst>
-                </a:custGeom>
-                <a:solidFill>
-                  <a:srgbClr val="05FF76"/>
-                </a:solidFill>
-                <a:ln>
-                  <a:noFill/>
-                </a:ln>
-              </p:spPr>
-              <p:style>
-                <a:lnRef idx="2">
-                  <a:schemeClr val="accent1">
-                    <a:shade val="50000"/>
-                  </a:schemeClr>
-                </a:lnRef>
-                <a:fillRef idx="1">
-                  <a:schemeClr val="accent1"/>
-                </a:fillRef>
-                <a:effectRef idx="0">
-                  <a:schemeClr val="accent1"/>
-                </a:effectRef>
-                <a:fontRef idx="minor">
-                  <a:schemeClr val="lt1"/>
-                </a:fontRef>
-              </p:style>
-              <p:txBody>
-                <a:bodyPr rtlCol="0" anchor="ctr"/>
-                <a:lstStyle/>
-                <a:p>
-                  <a:pPr algn="ctr"/>
-                  <a:endParaRPr lang="pt-BR"/>
-                </a:p>
-              </p:txBody>
-            </p:sp>
-            <p:sp>
-              <p:nvSpPr>
-                <p:cNvPr id="244" name="Elipse 243">
-                  <a:extLst>
-                    <a:ext uri="{FF2B5EF4-FFF2-40B4-BE49-F238E27FC236}">
-                      <a16:creationId xmlns:a16="http://schemas.microsoft.com/office/drawing/2014/main" xmlns="" id="{BB3D9672-C3A6-491C-B071-9218493A9C75}"/>
-                    </a:ext>
-                  </a:extLst>
-                </p:cNvPr>
-                <p:cNvSpPr/>
-                <p:nvPr/>
-              </p:nvSpPr>
-              <p:spPr>
-                <a:xfrm>
-                  <a:off x="2483768" y="1556792"/>
-                  <a:ext cx="432048" cy="432048"/>
-                </a:xfrm>
-                <a:prstGeom prst="ellipse">
-                  <a:avLst/>
-                </a:prstGeom>
-                <a:solidFill>
-                  <a:srgbClr val="05FF76"/>
-                </a:solidFill>
-                <a:ln>
-                  <a:noFill/>
-                </a:ln>
-              </p:spPr>
-              <p:style>
-                <a:lnRef idx="2">
-                  <a:schemeClr val="accent1">
-                    <a:shade val="50000"/>
-                  </a:schemeClr>
-                </a:lnRef>
-                <a:fillRef idx="1">
-                  <a:schemeClr val="accent1"/>
-                </a:fillRef>
-                <a:effectRef idx="0">
-                  <a:schemeClr val="accent1"/>
-                </a:effectRef>
-                <a:fontRef idx="minor">
-                  <a:schemeClr val="lt1"/>
-                </a:fontRef>
-              </p:style>
-              <p:txBody>
-                <a:bodyPr rtlCol="0" anchor="ctr"/>
-                <a:lstStyle/>
-                <a:p>
-                  <a:pPr algn="ctr"/>
-                  <a:endParaRPr lang="pt-BR"/>
-                </a:p>
-              </p:txBody>
-            </p:sp>
-            <p:sp>
-              <p:nvSpPr>
-                <p:cNvPr id="245" name="Retângulo: Cantos Arredondados 21">
-                  <a:extLst>
-                    <a:ext uri="{FF2B5EF4-FFF2-40B4-BE49-F238E27FC236}">
-                      <a16:creationId xmlns:a16="http://schemas.microsoft.com/office/drawing/2014/main" xmlns="" id="{E36ADEB4-C02B-451D-A82F-59E049574D02}"/>
-                    </a:ext>
-                  </a:extLst>
-                </p:cNvPr>
-                <p:cNvSpPr/>
-                <p:nvPr/>
-              </p:nvSpPr>
-              <p:spPr>
-                <a:xfrm rot="2899544">
-                  <a:off x="3306093" y="1395083"/>
-                  <a:ext cx="227559" cy="183053"/>
-                </a:xfrm>
-                <a:prstGeom prst="roundRect">
-                  <a:avLst>
-                    <a:gd name="adj" fmla="val 50000"/>
-                  </a:avLst>
-                </a:prstGeom>
-                <a:solidFill>
-                  <a:schemeClr val="bg1"/>
-                </a:solidFill>
-                <a:ln>
-                  <a:noFill/>
-                </a:ln>
-              </p:spPr>
-              <p:style>
-                <a:lnRef idx="2">
-                  <a:schemeClr val="accent1">
-                    <a:shade val="50000"/>
-                  </a:schemeClr>
-                </a:lnRef>
-                <a:fillRef idx="1">
-                  <a:schemeClr val="accent1"/>
-                </a:fillRef>
-                <a:effectRef idx="0">
-                  <a:schemeClr val="accent1"/>
-                </a:effectRef>
-                <a:fontRef idx="minor">
-                  <a:schemeClr val="lt1"/>
-                </a:fontRef>
-              </p:style>
-              <p:txBody>
-                <a:bodyPr rtlCol="0" anchor="ctr"/>
-                <a:lstStyle/>
-                <a:p>
-                  <a:pPr algn="ctr"/>
-                  <a:endParaRPr lang="pt-BR"/>
-                </a:p>
-              </p:txBody>
-            </p:sp>
-            <p:sp>
-              <p:nvSpPr>
-                <p:cNvPr id="246" name="Retângulo: Cantos Arredondados 22">
-                  <a:extLst>
-                    <a:ext uri="{FF2B5EF4-FFF2-40B4-BE49-F238E27FC236}">
-                      <a16:creationId xmlns:a16="http://schemas.microsoft.com/office/drawing/2014/main" xmlns="" id="{00B2468B-E557-4A6B-9776-872496847B7D}"/>
-                    </a:ext>
-                  </a:extLst>
-                </p:cNvPr>
-                <p:cNvSpPr/>
-                <p:nvPr/>
-              </p:nvSpPr>
-              <p:spPr>
-                <a:xfrm rot="2899544">
-                  <a:off x="2715110" y="1656317"/>
-                  <a:ext cx="115288" cy="92740"/>
-                </a:xfrm>
-                <a:prstGeom prst="roundRect">
-                  <a:avLst>
-                    <a:gd name="adj" fmla="val 50000"/>
-                  </a:avLst>
-                </a:prstGeom>
-                <a:solidFill>
-                  <a:schemeClr val="bg1"/>
-                </a:solidFill>
-                <a:ln>
-                  <a:noFill/>
-                </a:ln>
-              </p:spPr>
-              <p:style>
-                <a:lnRef idx="2">
-                  <a:schemeClr val="accent1">
-                    <a:shade val="50000"/>
-                  </a:schemeClr>
-                </a:lnRef>
-                <a:fillRef idx="1">
-                  <a:schemeClr val="accent1"/>
-                </a:fillRef>
-                <a:effectRef idx="0">
-                  <a:schemeClr val="accent1"/>
-                </a:effectRef>
-                <a:fontRef idx="minor">
-                  <a:schemeClr val="lt1"/>
-                </a:fontRef>
-              </p:style>
-              <p:txBody>
-                <a:bodyPr rtlCol="0" anchor="ctr"/>
-                <a:lstStyle/>
-                <a:p>
-                  <a:pPr algn="ctr"/>
-                  <a:endParaRPr lang="pt-BR"/>
-                </a:p>
-              </p:txBody>
-            </p:sp>
-            <p:sp>
-              <p:nvSpPr>
-                <p:cNvPr id="247" name="Retângulo: Cantos Arredondados 23">
-                  <a:extLst>
-                    <a:ext uri="{FF2B5EF4-FFF2-40B4-BE49-F238E27FC236}">
-                      <a16:creationId xmlns:a16="http://schemas.microsoft.com/office/drawing/2014/main" xmlns="" id="{A8B0237E-3D5C-404F-AFA7-0BE630C69FD9}"/>
-                    </a:ext>
-                  </a:extLst>
-                </p:cNvPr>
-                <p:cNvSpPr/>
-                <p:nvPr/>
-              </p:nvSpPr>
-              <p:spPr>
-                <a:xfrm rot="2899544">
-                  <a:off x="2153964" y="1467091"/>
-                  <a:ext cx="227559" cy="183053"/>
-                </a:xfrm>
-                <a:prstGeom prst="roundRect">
-                  <a:avLst>
-                    <a:gd name="adj" fmla="val 50000"/>
-                  </a:avLst>
-                </a:prstGeom>
-                <a:solidFill>
-                  <a:schemeClr val="bg1"/>
-                </a:solidFill>
-                <a:ln>
-                  <a:noFill/>
-                </a:ln>
-              </p:spPr>
-              <p:style>
-                <a:lnRef idx="2">
-                  <a:schemeClr val="accent1">
-                    <a:shade val="50000"/>
-                  </a:schemeClr>
-                </a:lnRef>
-                <a:fillRef idx="1">
-                  <a:schemeClr val="accent1"/>
-                </a:fillRef>
-                <a:effectRef idx="0">
-                  <a:schemeClr val="accent1"/>
-                </a:effectRef>
-                <a:fontRef idx="minor">
-                  <a:schemeClr val="lt1"/>
-                </a:fontRef>
-              </p:style>
-              <p:txBody>
-                <a:bodyPr rtlCol="0" anchor="ctr"/>
-                <a:lstStyle/>
-                <a:p>
-                  <a:pPr algn="ctr"/>
-                  <a:endParaRPr lang="pt-BR"/>
-                </a:p>
-              </p:txBody>
-            </p:sp>
-          </p:grpSp>
-          <p:sp>
-            <p:nvSpPr>
-              <p:cNvPr id="241" name="Forma Livre: Forma 24">
-                <a:extLst>
-                  <a:ext uri="{FF2B5EF4-FFF2-40B4-BE49-F238E27FC236}">
-                    <a16:creationId xmlns:a16="http://schemas.microsoft.com/office/drawing/2014/main" xmlns="" id="{59EB2E63-3A48-42A1-81EE-CC62EC6A9BC8}"/>
+                    <a16:creationId xmlns:a16="http://schemas.microsoft.com/office/drawing/2014/main" xmlns="" id="{434BD7BD-4934-4FE3-8F00-C0B50B423EDD}"/>
                   </a:ext>
                 </a:extLst>
               </p:cNvPr>
@@ -31868,119 +33257,14 @@
             </p:nvSpPr>
             <p:spPr>
               <a:xfrm>
-                <a:off x="4788024" y="1988840"/>
-                <a:ext cx="486100" cy="151092"/>
+                <a:off x="4355976" y="1268760"/>
+                <a:ext cx="288032" cy="720080"/>
               </a:xfrm>
-              <a:custGeom>
-                <a:avLst/>
-                <a:gdLst>
-                  <a:gd name="connsiteX0" fmla="*/ 0 w 1111388"/>
-                  <a:gd name="connsiteY0" fmla="*/ 0 h 432048"/>
-                  <a:gd name="connsiteX1" fmla="*/ 178363 w 1111388"/>
-                  <a:gd name="connsiteY1" fmla="*/ 0 h 432048"/>
-                  <a:gd name="connsiteX2" fmla="*/ 195264 w 1111388"/>
-                  <a:gd name="connsiteY2" fmla="*/ 31138 h 432048"/>
-                  <a:gd name="connsiteX3" fmla="*/ 542992 w 1111388"/>
-                  <a:gd name="connsiteY3" fmla="*/ 216024 h 432048"/>
-                  <a:gd name="connsiteX4" fmla="*/ 568396 w 1111388"/>
-                  <a:gd name="connsiteY4" fmla="*/ 216024 h 432048"/>
-                  <a:gd name="connsiteX5" fmla="*/ 916124 w 1111388"/>
-                  <a:gd name="connsiteY5" fmla="*/ 31138 h 432048"/>
-                  <a:gd name="connsiteX6" fmla="*/ 933026 w 1111388"/>
-                  <a:gd name="connsiteY6" fmla="*/ 0 h 432048"/>
-                  <a:gd name="connsiteX7" fmla="*/ 1111388 w 1111388"/>
-                  <a:gd name="connsiteY7" fmla="*/ 0 h 432048"/>
-                  <a:gd name="connsiteX8" fmla="*/ 1086488 w 1111388"/>
-                  <a:gd name="connsiteY8" fmla="*/ 80214 h 432048"/>
-                  <a:gd name="connsiteX9" fmla="*/ 555694 w 1111388"/>
-                  <a:gd name="connsiteY9" fmla="*/ 432048 h 432048"/>
-                  <a:gd name="connsiteX10" fmla="*/ 24900 w 1111388"/>
-                  <a:gd name="connsiteY10" fmla="*/ 80214 h 432048"/>
-                </a:gdLst>
-                <a:ahLst/>
-                <a:cxnLst>
-                  <a:cxn ang="0">
-                    <a:pos x="connsiteX0" y="connsiteY0"/>
-                  </a:cxn>
-                  <a:cxn ang="0">
-                    <a:pos x="connsiteX1" y="connsiteY1"/>
-                  </a:cxn>
-                  <a:cxn ang="0">
-                    <a:pos x="connsiteX2" y="connsiteY2"/>
-                  </a:cxn>
-                  <a:cxn ang="0">
-                    <a:pos x="connsiteX3" y="connsiteY3"/>
-                  </a:cxn>
-                  <a:cxn ang="0">
-                    <a:pos x="connsiteX4" y="connsiteY4"/>
-                  </a:cxn>
-                  <a:cxn ang="0">
-                    <a:pos x="connsiteX5" y="connsiteY5"/>
-                  </a:cxn>
-                  <a:cxn ang="0">
-                    <a:pos x="connsiteX6" y="connsiteY6"/>
-                  </a:cxn>
-                  <a:cxn ang="0">
-                    <a:pos x="connsiteX7" y="connsiteY7"/>
-                  </a:cxn>
-                  <a:cxn ang="0">
-                    <a:pos x="connsiteX8" y="connsiteY8"/>
-                  </a:cxn>
-                  <a:cxn ang="0">
-                    <a:pos x="connsiteX9" y="connsiteY9"/>
-                  </a:cxn>
-                  <a:cxn ang="0">
-                    <a:pos x="connsiteX10" y="connsiteY10"/>
-                  </a:cxn>
-                </a:cxnLst>
-                <a:rect l="l" t="t" r="r" b="b"/>
-                <a:pathLst>
-                  <a:path w="1111388" h="432048">
-                    <a:moveTo>
-                      <a:pt x="0" y="0"/>
-                    </a:moveTo>
-                    <a:lnTo>
-                      <a:pt x="178363" y="0"/>
-                    </a:lnTo>
-                    <a:lnTo>
-                      <a:pt x="195264" y="31138"/>
-                    </a:lnTo>
-                    <a:cubicBezTo>
-                      <a:pt x="270624" y="142685"/>
-                      <a:pt x="398243" y="216024"/>
-                      <a:pt x="542992" y="216024"/>
-                    </a:cubicBezTo>
-                    <a:lnTo>
-                      <a:pt x="568396" y="216024"/>
-                    </a:lnTo>
-                    <a:cubicBezTo>
-                      <a:pt x="713145" y="216024"/>
-                      <a:pt x="840765" y="142685"/>
-                      <a:pt x="916124" y="31138"/>
-                    </a:cubicBezTo>
-                    <a:lnTo>
-                      <a:pt x="933026" y="0"/>
-                    </a:lnTo>
-                    <a:lnTo>
-                      <a:pt x="1111388" y="0"/>
-                    </a:lnTo>
-                    <a:lnTo>
-                      <a:pt x="1086488" y="80214"/>
-                    </a:lnTo>
-                    <a:cubicBezTo>
-                      <a:pt x="999037" y="286972"/>
-                      <a:pt x="794307" y="432048"/>
-                      <a:pt x="555694" y="432048"/>
-                    </a:cubicBezTo>
-                    <a:cubicBezTo>
-                      <a:pt x="317081" y="432048"/>
-                      <a:pt x="112352" y="286972"/>
-                      <a:pt x="24900" y="80214"/>
-                    </a:cubicBezTo>
-                    <a:close/>
-                  </a:path>
-                </a:pathLst>
-              </a:custGeom>
+              <a:prstGeom prst="roundRect">
+                <a:avLst>
+                  <a:gd name="adj" fmla="val 39343"/>
+                </a:avLst>
+              </a:prstGeom>
               <a:solidFill>
                 <a:schemeClr val="tx1"/>
               </a:solidFill>
@@ -32013,7 +33297,854 @@
               </a:p>
             </p:txBody>
           </p:sp>
+          <p:sp>
+            <p:nvSpPr>
+              <p:cNvPr id="251" name="Retângulo: Cantos Arredondados 13">
+                <a:extLst>
+                  <a:ext uri="{FF2B5EF4-FFF2-40B4-BE49-F238E27FC236}">
+                    <a16:creationId xmlns:a16="http://schemas.microsoft.com/office/drawing/2014/main" xmlns="" id="{E734CFCA-504A-410E-ABE1-E1ABB9A5F059}"/>
+                  </a:ext>
+                </a:extLst>
+              </p:cNvPr>
+              <p:cNvSpPr/>
+              <p:nvPr/>
+            </p:nvSpPr>
+            <p:spPr>
+              <a:xfrm>
+                <a:off x="4499992" y="1340768"/>
+                <a:ext cx="115212" cy="288032"/>
+              </a:xfrm>
+              <a:prstGeom prst="roundRect">
+                <a:avLst>
+                  <a:gd name="adj" fmla="val 39343"/>
+                </a:avLst>
+              </a:prstGeom>
+              <a:solidFill>
+                <a:schemeClr val="bg1"/>
+              </a:solidFill>
+              <a:ln>
+                <a:noFill/>
+              </a:ln>
+            </p:spPr>
+            <p:style>
+              <a:lnRef idx="2">
+                <a:schemeClr val="accent1">
+                  <a:shade val="50000"/>
+                </a:schemeClr>
+              </a:lnRef>
+              <a:fillRef idx="1">
+                <a:schemeClr val="accent1"/>
+              </a:fillRef>
+              <a:effectRef idx="0">
+                <a:schemeClr val="accent1"/>
+              </a:effectRef>
+              <a:fontRef idx="minor">
+                <a:schemeClr val="lt1"/>
+              </a:fontRef>
+            </p:style>
+            <p:txBody>
+              <a:bodyPr rtlCol="0" anchor="ctr"/>
+              <a:lstStyle/>
+              <a:p>
+                <a:pPr algn="ctr"/>
+                <a:endParaRPr lang="pt-BR"/>
+              </a:p>
+            </p:txBody>
+          </p:sp>
         </p:grpSp>
+        <p:grpSp>
+          <p:nvGrpSpPr>
+            <p:cNvPr id="239" name="Agrupar 14">
+              <a:extLst>
+                <a:ext uri="{FF2B5EF4-FFF2-40B4-BE49-F238E27FC236}">
+                  <a16:creationId xmlns:a16="http://schemas.microsoft.com/office/drawing/2014/main" xmlns="" id="{684A825A-5F70-4A0C-BB9E-0687359CBA7E}"/>
+                </a:ext>
+              </a:extLst>
+            </p:cNvPr>
+            <p:cNvGrpSpPr/>
+            <p:nvPr/>
+          </p:nvGrpSpPr>
+          <p:grpSpPr>
+            <a:xfrm>
+              <a:off x="5364088" y="1268760"/>
+              <a:ext cx="288032" cy="720080"/>
+              <a:chOff x="4860032" y="1340768"/>
+              <a:chExt cx="288032" cy="720080"/>
+            </a:xfrm>
+          </p:grpSpPr>
+          <p:sp>
+            <p:nvSpPr>
+              <p:cNvPr id="248" name="Retângulo: Cantos Arredondados 15">
+                <a:extLst>
+                  <a:ext uri="{FF2B5EF4-FFF2-40B4-BE49-F238E27FC236}">
+                    <a16:creationId xmlns:a16="http://schemas.microsoft.com/office/drawing/2014/main" xmlns="" id="{5FD94376-0CD7-41FE-B977-327F88550922}"/>
+                  </a:ext>
+                </a:extLst>
+              </p:cNvPr>
+              <p:cNvSpPr/>
+              <p:nvPr/>
+            </p:nvSpPr>
+            <p:spPr>
+              <a:xfrm>
+                <a:off x="4860032" y="1340768"/>
+                <a:ext cx="288032" cy="720080"/>
+              </a:xfrm>
+              <a:prstGeom prst="roundRect">
+                <a:avLst>
+                  <a:gd name="adj" fmla="val 39343"/>
+                </a:avLst>
+              </a:prstGeom>
+              <a:solidFill>
+                <a:schemeClr val="tx1"/>
+              </a:solidFill>
+              <a:ln>
+                <a:noFill/>
+              </a:ln>
+            </p:spPr>
+            <p:style>
+              <a:lnRef idx="2">
+                <a:schemeClr val="accent1">
+                  <a:shade val="50000"/>
+                </a:schemeClr>
+              </a:lnRef>
+              <a:fillRef idx="1">
+                <a:schemeClr val="accent1"/>
+              </a:fillRef>
+              <a:effectRef idx="0">
+                <a:schemeClr val="accent1"/>
+              </a:effectRef>
+              <a:fontRef idx="minor">
+                <a:schemeClr val="lt1"/>
+              </a:fontRef>
+            </p:style>
+            <p:txBody>
+              <a:bodyPr rtlCol="0" anchor="ctr"/>
+              <a:lstStyle/>
+              <a:p>
+                <a:pPr algn="ctr"/>
+                <a:endParaRPr lang="pt-BR"/>
+              </a:p>
+            </p:txBody>
+          </p:sp>
+          <p:sp>
+            <p:nvSpPr>
+              <p:cNvPr id="249" name="Retângulo: Cantos Arredondados 16">
+                <a:extLst>
+                  <a:ext uri="{FF2B5EF4-FFF2-40B4-BE49-F238E27FC236}">
+                    <a16:creationId xmlns:a16="http://schemas.microsoft.com/office/drawing/2014/main" xmlns="" id="{97D1C1F9-787A-47D4-A643-F66F1869E181}"/>
+                  </a:ext>
+                </a:extLst>
+              </p:cNvPr>
+              <p:cNvSpPr/>
+              <p:nvPr/>
+            </p:nvSpPr>
+            <p:spPr>
+              <a:xfrm>
+                <a:off x="5004048" y="1412776"/>
+                <a:ext cx="115212" cy="288032"/>
+              </a:xfrm>
+              <a:prstGeom prst="roundRect">
+                <a:avLst>
+                  <a:gd name="adj" fmla="val 39343"/>
+                </a:avLst>
+              </a:prstGeom>
+              <a:solidFill>
+                <a:schemeClr val="bg1"/>
+              </a:solidFill>
+              <a:ln>
+                <a:noFill/>
+              </a:ln>
+            </p:spPr>
+            <p:style>
+              <a:lnRef idx="2">
+                <a:schemeClr val="accent1">
+                  <a:shade val="50000"/>
+                </a:schemeClr>
+              </a:lnRef>
+              <a:fillRef idx="1">
+                <a:schemeClr val="accent1"/>
+              </a:fillRef>
+              <a:effectRef idx="0">
+                <a:schemeClr val="accent1"/>
+              </a:effectRef>
+              <a:fontRef idx="minor">
+                <a:schemeClr val="lt1"/>
+              </a:fontRef>
+            </p:style>
+            <p:txBody>
+              <a:bodyPr rtlCol="0" anchor="ctr"/>
+              <a:lstStyle/>
+              <a:p>
+                <a:pPr algn="ctr"/>
+                <a:endParaRPr lang="pt-BR"/>
+              </a:p>
+            </p:txBody>
+          </p:sp>
+        </p:grpSp>
+        <p:grpSp>
+          <p:nvGrpSpPr>
+            <p:cNvPr id="240" name="Agrupar 17">
+              <a:extLst>
+                <a:ext uri="{FF2B5EF4-FFF2-40B4-BE49-F238E27FC236}">
+                  <a16:creationId xmlns:a16="http://schemas.microsoft.com/office/drawing/2014/main" xmlns="" id="{EDFE7646-CFCE-4BD1-BA03-E0A2FF14565D}"/>
+                </a:ext>
+              </a:extLst>
+            </p:cNvPr>
+            <p:cNvGrpSpPr/>
+            <p:nvPr/>
+          </p:nvGrpSpPr>
+          <p:grpSpPr>
+            <a:xfrm>
+              <a:off x="4572000" y="2276872"/>
+              <a:ext cx="792088" cy="348945"/>
+              <a:chOff x="1691680" y="1268760"/>
+              <a:chExt cx="2016224" cy="888224"/>
+            </a:xfrm>
+          </p:grpSpPr>
+          <p:sp>
+            <p:nvSpPr>
+              <p:cNvPr id="242" name="Forma Livre: Forma 18">
+                <a:extLst>
+                  <a:ext uri="{FF2B5EF4-FFF2-40B4-BE49-F238E27FC236}">
+                    <a16:creationId xmlns:a16="http://schemas.microsoft.com/office/drawing/2014/main" xmlns="" id="{49038562-5F7A-40E4-B819-A60E974A272D}"/>
+                  </a:ext>
+                </a:extLst>
+              </p:cNvPr>
+              <p:cNvSpPr/>
+              <p:nvPr/>
+            </p:nvSpPr>
+            <p:spPr>
+              <a:xfrm>
+                <a:off x="1691680" y="1268760"/>
+                <a:ext cx="936104" cy="888224"/>
+              </a:xfrm>
+              <a:custGeom>
+                <a:avLst/>
+                <a:gdLst>
+                  <a:gd name="connsiteX0" fmla="*/ 353933 w 1440160"/>
+                  <a:gd name="connsiteY0" fmla="*/ 0 h 1210914"/>
+                  <a:gd name="connsiteX1" fmla="*/ 548974 w 1440160"/>
+                  <a:gd name="connsiteY1" fmla="*/ 10782 h 1210914"/>
+                  <a:gd name="connsiteX2" fmla="*/ 1440160 w 1440160"/>
+                  <a:gd name="connsiteY2" fmla="*/ 610415 h 1210914"/>
+                  <a:gd name="connsiteX3" fmla="*/ 548974 w 1440160"/>
+                  <a:gd name="connsiteY3" fmla="*/ 1210048 h 1210914"/>
+                  <a:gd name="connsiteX4" fmla="*/ 533309 w 1440160"/>
+                  <a:gd name="connsiteY4" fmla="*/ 1210914 h 1210914"/>
+                  <a:gd name="connsiteX5" fmla="*/ 517463 w 1440160"/>
+                  <a:gd name="connsiteY5" fmla="*/ 1209317 h 1210914"/>
+                  <a:gd name="connsiteX6" fmla="*/ 0 w 1440160"/>
+                  <a:gd name="connsiteY6" fmla="*/ 574411 h 1210914"/>
+                  <a:gd name="connsiteX7" fmla="*/ 285729 w 1440160"/>
+                  <a:gd name="connsiteY7" fmla="*/ 37020 h 1210914"/>
+                </a:gdLst>
+                <a:ahLst/>
+                <a:cxnLst>
+                  <a:cxn ang="0">
+                    <a:pos x="connsiteX0" y="connsiteY0"/>
+                  </a:cxn>
+                  <a:cxn ang="0">
+                    <a:pos x="connsiteX1" y="connsiteY1"/>
+                  </a:cxn>
+                  <a:cxn ang="0">
+                    <a:pos x="connsiteX2" y="connsiteY2"/>
+                  </a:cxn>
+                  <a:cxn ang="0">
+                    <a:pos x="connsiteX3" y="connsiteY3"/>
+                  </a:cxn>
+                  <a:cxn ang="0">
+                    <a:pos x="connsiteX4" y="connsiteY4"/>
+                  </a:cxn>
+                  <a:cxn ang="0">
+                    <a:pos x="connsiteX5" y="connsiteY5"/>
+                  </a:cxn>
+                  <a:cxn ang="0">
+                    <a:pos x="connsiteX6" y="connsiteY6"/>
+                  </a:cxn>
+                  <a:cxn ang="0">
+                    <a:pos x="connsiteX7" y="connsiteY7"/>
+                  </a:cxn>
+                </a:cxnLst>
+                <a:rect l="l" t="t" r="r" b="b"/>
+                <a:pathLst>
+                  <a:path w="1440160" h="1210914">
+                    <a:moveTo>
+                      <a:pt x="353933" y="0"/>
+                    </a:moveTo>
+                    <a:lnTo>
+                      <a:pt x="548974" y="10782"/>
+                    </a:lnTo>
+                    <a:cubicBezTo>
+                      <a:pt x="1057573" y="67855"/>
+                      <a:pt x="1440160" y="314634"/>
+                      <a:pt x="1440160" y="610415"/>
+                    </a:cubicBezTo>
+                    <a:cubicBezTo>
+                      <a:pt x="1440160" y="906197"/>
+                      <a:pt x="1057573" y="1152975"/>
+                      <a:pt x="548974" y="1210048"/>
+                    </a:cubicBezTo>
+                    <a:lnTo>
+                      <a:pt x="533309" y="1210914"/>
+                    </a:lnTo>
+                    <a:lnTo>
+                      <a:pt x="517463" y="1209317"/>
+                    </a:lnTo>
+                    <a:cubicBezTo>
+                      <a:pt x="222148" y="1148886"/>
+                      <a:pt x="0" y="887591"/>
+                      <a:pt x="0" y="574411"/>
+                    </a:cubicBezTo>
+                    <a:cubicBezTo>
+                      <a:pt x="0" y="350711"/>
+                      <a:pt x="113341" y="153483"/>
+                      <a:pt x="285729" y="37020"/>
+                    </a:cubicBezTo>
+                    <a:close/>
+                  </a:path>
+                </a:pathLst>
+              </a:custGeom>
+              <a:solidFill>
+                <a:srgbClr val="05FF76"/>
+              </a:solidFill>
+              <a:ln>
+                <a:noFill/>
+              </a:ln>
+            </p:spPr>
+            <p:style>
+              <a:lnRef idx="2">
+                <a:schemeClr val="accent1">
+                  <a:shade val="50000"/>
+                </a:schemeClr>
+              </a:lnRef>
+              <a:fillRef idx="1">
+                <a:schemeClr val="accent1"/>
+              </a:fillRef>
+              <a:effectRef idx="0">
+                <a:schemeClr val="accent1"/>
+              </a:effectRef>
+              <a:fontRef idx="minor">
+                <a:schemeClr val="lt1"/>
+              </a:fontRef>
+            </p:style>
+            <p:txBody>
+              <a:bodyPr rtlCol="0" anchor="ctr"/>
+              <a:lstStyle/>
+              <a:p>
+                <a:pPr algn="ctr"/>
+                <a:endParaRPr lang="pt-BR"/>
+              </a:p>
+            </p:txBody>
+          </p:sp>
+          <p:sp>
+            <p:nvSpPr>
+              <p:cNvPr id="243" name="Forma Livre: Forma 19">
+                <a:extLst>
+                  <a:ext uri="{FF2B5EF4-FFF2-40B4-BE49-F238E27FC236}">
+                    <a16:creationId xmlns:a16="http://schemas.microsoft.com/office/drawing/2014/main" xmlns="" id="{86179193-B553-4AC9-B3D5-A47250F0C5AC}"/>
+                  </a:ext>
+                </a:extLst>
+              </p:cNvPr>
+              <p:cNvSpPr/>
+              <p:nvPr/>
+            </p:nvSpPr>
+            <p:spPr>
+              <a:xfrm flipH="1">
+                <a:off x="2771800" y="1268760"/>
+                <a:ext cx="936104" cy="888224"/>
+              </a:xfrm>
+              <a:custGeom>
+                <a:avLst/>
+                <a:gdLst>
+                  <a:gd name="connsiteX0" fmla="*/ 353933 w 1440160"/>
+                  <a:gd name="connsiteY0" fmla="*/ 0 h 1210914"/>
+                  <a:gd name="connsiteX1" fmla="*/ 548974 w 1440160"/>
+                  <a:gd name="connsiteY1" fmla="*/ 10782 h 1210914"/>
+                  <a:gd name="connsiteX2" fmla="*/ 1440160 w 1440160"/>
+                  <a:gd name="connsiteY2" fmla="*/ 610415 h 1210914"/>
+                  <a:gd name="connsiteX3" fmla="*/ 548974 w 1440160"/>
+                  <a:gd name="connsiteY3" fmla="*/ 1210048 h 1210914"/>
+                  <a:gd name="connsiteX4" fmla="*/ 533309 w 1440160"/>
+                  <a:gd name="connsiteY4" fmla="*/ 1210914 h 1210914"/>
+                  <a:gd name="connsiteX5" fmla="*/ 517463 w 1440160"/>
+                  <a:gd name="connsiteY5" fmla="*/ 1209317 h 1210914"/>
+                  <a:gd name="connsiteX6" fmla="*/ 0 w 1440160"/>
+                  <a:gd name="connsiteY6" fmla="*/ 574411 h 1210914"/>
+                  <a:gd name="connsiteX7" fmla="*/ 285729 w 1440160"/>
+                  <a:gd name="connsiteY7" fmla="*/ 37020 h 1210914"/>
+                </a:gdLst>
+                <a:ahLst/>
+                <a:cxnLst>
+                  <a:cxn ang="0">
+                    <a:pos x="connsiteX0" y="connsiteY0"/>
+                  </a:cxn>
+                  <a:cxn ang="0">
+                    <a:pos x="connsiteX1" y="connsiteY1"/>
+                  </a:cxn>
+                  <a:cxn ang="0">
+                    <a:pos x="connsiteX2" y="connsiteY2"/>
+                  </a:cxn>
+                  <a:cxn ang="0">
+                    <a:pos x="connsiteX3" y="connsiteY3"/>
+                  </a:cxn>
+                  <a:cxn ang="0">
+                    <a:pos x="connsiteX4" y="connsiteY4"/>
+                  </a:cxn>
+                  <a:cxn ang="0">
+                    <a:pos x="connsiteX5" y="connsiteY5"/>
+                  </a:cxn>
+                  <a:cxn ang="0">
+                    <a:pos x="connsiteX6" y="connsiteY6"/>
+                  </a:cxn>
+                  <a:cxn ang="0">
+                    <a:pos x="connsiteX7" y="connsiteY7"/>
+                  </a:cxn>
+                </a:cxnLst>
+                <a:rect l="l" t="t" r="r" b="b"/>
+                <a:pathLst>
+                  <a:path w="1440160" h="1210914">
+                    <a:moveTo>
+                      <a:pt x="353933" y="0"/>
+                    </a:moveTo>
+                    <a:lnTo>
+                      <a:pt x="548974" y="10782"/>
+                    </a:lnTo>
+                    <a:cubicBezTo>
+                      <a:pt x="1057573" y="67855"/>
+                      <a:pt x="1440160" y="314634"/>
+                      <a:pt x="1440160" y="610415"/>
+                    </a:cubicBezTo>
+                    <a:cubicBezTo>
+                      <a:pt x="1440160" y="906197"/>
+                      <a:pt x="1057573" y="1152975"/>
+                      <a:pt x="548974" y="1210048"/>
+                    </a:cubicBezTo>
+                    <a:lnTo>
+                      <a:pt x="533309" y="1210914"/>
+                    </a:lnTo>
+                    <a:lnTo>
+                      <a:pt x="517463" y="1209317"/>
+                    </a:lnTo>
+                    <a:cubicBezTo>
+                      <a:pt x="222148" y="1148886"/>
+                      <a:pt x="0" y="887591"/>
+                      <a:pt x="0" y="574411"/>
+                    </a:cubicBezTo>
+                    <a:cubicBezTo>
+                      <a:pt x="0" y="350711"/>
+                      <a:pt x="113341" y="153483"/>
+                      <a:pt x="285729" y="37020"/>
+                    </a:cubicBezTo>
+                    <a:close/>
+                  </a:path>
+                </a:pathLst>
+              </a:custGeom>
+              <a:solidFill>
+                <a:srgbClr val="05FF76"/>
+              </a:solidFill>
+              <a:ln>
+                <a:noFill/>
+              </a:ln>
+            </p:spPr>
+            <p:style>
+              <a:lnRef idx="2">
+                <a:schemeClr val="accent1">
+                  <a:shade val="50000"/>
+                </a:schemeClr>
+              </a:lnRef>
+              <a:fillRef idx="1">
+                <a:schemeClr val="accent1"/>
+              </a:fillRef>
+              <a:effectRef idx="0">
+                <a:schemeClr val="accent1"/>
+              </a:effectRef>
+              <a:fontRef idx="minor">
+                <a:schemeClr val="lt1"/>
+              </a:fontRef>
+            </p:style>
+            <p:txBody>
+              <a:bodyPr rtlCol="0" anchor="ctr"/>
+              <a:lstStyle/>
+              <a:p>
+                <a:pPr algn="ctr"/>
+                <a:endParaRPr lang="pt-BR"/>
+              </a:p>
+            </p:txBody>
+          </p:sp>
+          <p:sp>
+            <p:nvSpPr>
+              <p:cNvPr id="244" name="Elipse 243">
+                <a:extLst>
+                  <a:ext uri="{FF2B5EF4-FFF2-40B4-BE49-F238E27FC236}">
+                    <a16:creationId xmlns:a16="http://schemas.microsoft.com/office/drawing/2014/main" xmlns="" id="{BB3D9672-C3A6-491C-B071-9218493A9C75}"/>
+                  </a:ext>
+                </a:extLst>
+              </p:cNvPr>
+              <p:cNvSpPr/>
+              <p:nvPr/>
+            </p:nvSpPr>
+            <p:spPr>
+              <a:xfrm>
+                <a:off x="2483768" y="1556792"/>
+                <a:ext cx="432048" cy="432048"/>
+              </a:xfrm>
+              <a:prstGeom prst="ellipse">
+                <a:avLst/>
+              </a:prstGeom>
+              <a:solidFill>
+                <a:srgbClr val="05FF76"/>
+              </a:solidFill>
+              <a:ln>
+                <a:noFill/>
+              </a:ln>
+            </p:spPr>
+            <p:style>
+              <a:lnRef idx="2">
+                <a:schemeClr val="accent1">
+                  <a:shade val="50000"/>
+                </a:schemeClr>
+              </a:lnRef>
+              <a:fillRef idx="1">
+                <a:schemeClr val="accent1"/>
+              </a:fillRef>
+              <a:effectRef idx="0">
+                <a:schemeClr val="accent1"/>
+              </a:effectRef>
+              <a:fontRef idx="minor">
+                <a:schemeClr val="lt1"/>
+              </a:fontRef>
+            </p:style>
+            <p:txBody>
+              <a:bodyPr rtlCol="0" anchor="ctr"/>
+              <a:lstStyle/>
+              <a:p>
+                <a:pPr algn="ctr"/>
+                <a:endParaRPr lang="pt-BR"/>
+              </a:p>
+            </p:txBody>
+          </p:sp>
+          <p:sp>
+            <p:nvSpPr>
+              <p:cNvPr id="245" name="Retângulo: Cantos Arredondados 21">
+                <a:extLst>
+                  <a:ext uri="{FF2B5EF4-FFF2-40B4-BE49-F238E27FC236}">
+                    <a16:creationId xmlns:a16="http://schemas.microsoft.com/office/drawing/2014/main" xmlns="" id="{E36ADEB4-C02B-451D-A82F-59E049574D02}"/>
+                  </a:ext>
+                </a:extLst>
+              </p:cNvPr>
+              <p:cNvSpPr/>
+              <p:nvPr/>
+            </p:nvSpPr>
+            <p:spPr>
+              <a:xfrm rot="2899544">
+                <a:off x="3306093" y="1395083"/>
+                <a:ext cx="227559" cy="183053"/>
+              </a:xfrm>
+              <a:prstGeom prst="roundRect">
+                <a:avLst>
+                  <a:gd name="adj" fmla="val 50000"/>
+                </a:avLst>
+              </a:prstGeom>
+              <a:solidFill>
+                <a:schemeClr val="bg1"/>
+              </a:solidFill>
+              <a:ln>
+                <a:noFill/>
+              </a:ln>
+            </p:spPr>
+            <p:style>
+              <a:lnRef idx="2">
+                <a:schemeClr val="accent1">
+                  <a:shade val="50000"/>
+                </a:schemeClr>
+              </a:lnRef>
+              <a:fillRef idx="1">
+                <a:schemeClr val="accent1"/>
+              </a:fillRef>
+              <a:effectRef idx="0">
+                <a:schemeClr val="accent1"/>
+              </a:effectRef>
+              <a:fontRef idx="minor">
+                <a:schemeClr val="lt1"/>
+              </a:fontRef>
+            </p:style>
+            <p:txBody>
+              <a:bodyPr rtlCol="0" anchor="ctr"/>
+              <a:lstStyle/>
+              <a:p>
+                <a:pPr algn="ctr"/>
+                <a:endParaRPr lang="pt-BR"/>
+              </a:p>
+            </p:txBody>
+          </p:sp>
+          <p:sp>
+            <p:nvSpPr>
+              <p:cNvPr id="246" name="Retângulo: Cantos Arredondados 22">
+                <a:extLst>
+                  <a:ext uri="{FF2B5EF4-FFF2-40B4-BE49-F238E27FC236}">
+                    <a16:creationId xmlns:a16="http://schemas.microsoft.com/office/drawing/2014/main" xmlns="" id="{00B2468B-E557-4A6B-9776-872496847B7D}"/>
+                  </a:ext>
+                </a:extLst>
+              </p:cNvPr>
+              <p:cNvSpPr/>
+              <p:nvPr/>
+            </p:nvSpPr>
+            <p:spPr>
+              <a:xfrm rot="2899544">
+                <a:off x="2715110" y="1656317"/>
+                <a:ext cx="115288" cy="92740"/>
+              </a:xfrm>
+              <a:prstGeom prst="roundRect">
+                <a:avLst>
+                  <a:gd name="adj" fmla="val 50000"/>
+                </a:avLst>
+              </a:prstGeom>
+              <a:solidFill>
+                <a:schemeClr val="bg1"/>
+              </a:solidFill>
+              <a:ln>
+                <a:noFill/>
+              </a:ln>
+            </p:spPr>
+            <p:style>
+              <a:lnRef idx="2">
+                <a:schemeClr val="accent1">
+                  <a:shade val="50000"/>
+                </a:schemeClr>
+              </a:lnRef>
+              <a:fillRef idx="1">
+                <a:schemeClr val="accent1"/>
+              </a:fillRef>
+              <a:effectRef idx="0">
+                <a:schemeClr val="accent1"/>
+              </a:effectRef>
+              <a:fontRef idx="minor">
+                <a:schemeClr val="lt1"/>
+              </a:fontRef>
+            </p:style>
+            <p:txBody>
+              <a:bodyPr rtlCol="0" anchor="ctr"/>
+              <a:lstStyle/>
+              <a:p>
+                <a:pPr algn="ctr"/>
+                <a:endParaRPr lang="pt-BR"/>
+              </a:p>
+            </p:txBody>
+          </p:sp>
+          <p:sp>
+            <p:nvSpPr>
+              <p:cNvPr id="247" name="Retângulo: Cantos Arredondados 23">
+                <a:extLst>
+                  <a:ext uri="{FF2B5EF4-FFF2-40B4-BE49-F238E27FC236}">
+                    <a16:creationId xmlns:a16="http://schemas.microsoft.com/office/drawing/2014/main" xmlns="" id="{A8B0237E-3D5C-404F-AFA7-0BE630C69FD9}"/>
+                  </a:ext>
+                </a:extLst>
+              </p:cNvPr>
+              <p:cNvSpPr/>
+              <p:nvPr/>
+            </p:nvSpPr>
+            <p:spPr>
+              <a:xfrm rot="2899544">
+                <a:off x="2153964" y="1467091"/>
+                <a:ext cx="227559" cy="183053"/>
+              </a:xfrm>
+              <a:prstGeom prst="roundRect">
+                <a:avLst>
+                  <a:gd name="adj" fmla="val 50000"/>
+                </a:avLst>
+              </a:prstGeom>
+              <a:solidFill>
+                <a:schemeClr val="bg1"/>
+              </a:solidFill>
+              <a:ln>
+                <a:noFill/>
+              </a:ln>
+            </p:spPr>
+            <p:style>
+              <a:lnRef idx="2">
+                <a:schemeClr val="accent1">
+                  <a:shade val="50000"/>
+                </a:schemeClr>
+              </a:lnRef>
+              <a:fillRef idx="1">
+                <a:schemeClr val="accent1"/>
+              </a:fillRef>
+              <a:effectRef idx="0">
+                <a:schemeClr val="accent1"/>
+              </a:effectRef>
+              <a:fontRef idx="minor">
+                <a:schemeClr val="lt1"/>
+              </a:fontRef>
+            </p:style>
+            <p:txBody>
+              <a:bodyPr rtlCol="0" anchor="ctr"/>
+              <a:lstStyle/>
+              <a:p>
+                <a:pPr algn="ctr"/>
+                <a:endParaRPr lang="pt-BR"/>
+              </a:p>
+            </p:txBody>
+          </p:sp>
+        </p:grpSp>
+        <p:sp>
+          <p:nvSpPr>
+            <p:cNvPr id="241" name="Forma Livre: Forma 24">
+              <a:extLst>
+                <a:ext uri="{FF2B5EF4-FFF2-40B4-BE49-F238E27FC236}">
+                  <a16:creationId xmlns:a16="http://schemas.microsoft.com/office/drawing/2014/main" xmlns="" id="{59EB2E63-3A48-42A1-81EE-CC62EC6A9BC8}"/>
+                </a:ext>
+              </a:extLst>
+            </p:cNvPr>
+            <p:cNvSpPr/>
+            <p:nvPr/>
+          </p:nvSpPr>
+          <p:spPr>
+            <a:xfrm>
+              <a:off x="4788024" y="1988840"/>
+              <a:ext cx="486100" cy="151092"/>
+            </a:xfrm>
+            <a:custGeom>
+              <a:avLst/>
+              <a:gdLst>
+                <a:gd name="connsiteX0" fmla="*/ 0 w 1111388"/>
+                <a:gd name="connsiteY0" fmla="*/ 0 h 432048"/>
+                <a:gd name="connsiteX1" fmla="*/ 178363 w 1111388"/>
+                <a:gd name="connsiteY1" fmla="*/ 0 h 432048"/>
+                <a:gd name="connsiteX2" fmla="*/ 195264 w 1111388"/>
+                <a:gd name="connsiteY2" fmla="*/ 31138 h 432048"/>
+                <a:gd name="connsiteX3" fmla="*/ 542992 w 1111388"/>
+                <a:gd name="connsiteY3" fmla="*/ 216024 h 432048"/>
+                <a:gd name="connsiteX4" fmla="*/ 568396 w 1111388"/>
+                <a:gd name="connsiteY4" fmla="*/ 216024 h 432048"/>
+                <a:gd name="connsiteX5" fmla="*/ 916124 w 1111388"/>
+                <a:gd name="connsiteY5" fmla="*/ 31138 h 432048"/>
+                <a:gd name="connsiteX6" fmla="*/ 933026 w 1111388"/>
+                <a:gd name="connsiteY6" fmla="*/ 0 h 432048"/>
+                <a:gd name="connsiteX7" fmla="*/ 1111388 w 1111388"/>
+                <a:gd name="connsiteY7" fmla="*/ 0 h 432048"/>
+                <a:gd name="connsiteX8" fmla="*/ 1086488 w 1111388"/>
+                <a:gd name="connsiteY8" fmla="*/ 80214 h 432048"/>
+                <a:gd name="connsiteX9" fmla="*/ 555694 w 1111388"/>
+                <a:gd name="connsiteY9" fmla="*/ 432048 h 432048"/>
+                <a:gd name="connsiteX10" fmla="*/ 24900 w 1111388"/>
+                <a:gd name="connsiteY10" fmla="*/ 80214 h 432048"/>
+              </a:gdLst>
+              <a:ahLst/>
+              <a:cxnLst>
+                <a:cxn ang="0">
+                  <a:pos x="connsiteX0" y="connsiteY0"/>
+                </a:cxn>
+                <a:cxn ang="0">
+                  <a:pos x="connsiteX1" y="connsiteY1"/>
+                </a:cxn>
+                <a:cxn ang="0">
+                  <a:pos x="connsiteX2" y="connsiteY2"/>
+                </a:cxn>
+                <a:cxn ang="0">
+                  <a:pos x="connsiteX3" y="connsiteY3"/>
+                </a:cxn>
+                <a:cxn ang="0">
+                  <a:pos x="connsiteX4" y="connsiteY4"/>
+                </a:cxn>
+                <a:cxn ang="0">
+                  <a:pos x="connsiteX5" y="connsiteY5"/>
+                </a:cxn>
+                <a:cxn ang="0">
+                  <a:pos x="connsiteX6" y="connsiteY6"/>
+                </a:cxn>
+                <a:cxn ang="0">
+                  <a:pos x="connsiteX7" y="connsiteY7"/>
+                </a:cxn>
+                <a:cxn ang="0">
+                  <a:pos x="connsiteX8" y="connsiteY8"/>
+                </a:cxn>
+                <a:cxn ang="0">
+                  <a:pos x="connsiteX9" y="connsiteY9"/>
+                </a:cxn>
+                <a:cxn ang="0">
+                  <a:pos x="connsiteX10" y="connsiteY10"/>
+                </a:cxn>
+              </a:cxnLst>
+              <a:rect l="l" t="t" r="r" b="b"/>
+              <a:pathLst>
+                <a:path w="1111388" h="432048">
+                  <a:moveTo>
+                    <a:pt x="0" y="0"/>
+                  </a:moveTo>
+                  <a:lnTo>
+                    <a:pt x="178363" y="0"/>
+                  </a:lnTo>
+                  <a:lnTo>
+                    <a:pt x="195264" y="31138"/>
+                  </a:lnTo>
+                  <a:cubicBezTo>
+                    <a:pt x="270624" y="142685"/>
+                    <a:pt x="398243" y="216024"/>
+                    <a:pt x="542992" y="216024"/>
+                  </a:cubicBezTo>
+                  <a:lnTo>
+                    <a:pt x="568396" y="216024"/>
+                  </a:lnTo>
+                  <a:cubicBezTo>
+                    <a:pt x="713145" y="216024"/>
+                    <a:pt x="840765" y="142685"/>
+                    <a:pt x="916124" y="31138"/>
+                  </a:cubicBezTo>
+                  <a:lnTo>
+                    <a:pt x="933026" y="0"/>
+                  </a:lnTo>
+                  <a:lnTo>
+                    <a:pt x="1111388" y="0"/>
+                  </a:lnTo>
+                  <a:lnTo>
+                    <a:pt x="1086488" y="80214"/>
+                  </a:lnTo>
+                  <a:cubicBezTo>
+                    <a:pt x="999037" y="286972"/>
+                    <a:pt x="794307" y="432048"/>
+                    <a:pt x="555694" y="432048"/>
+                  </a:cubicBezTo>
+                  <a:cubicBezTo>
+                    <a:pt x="317081" y="432048"/>
+                    <a:pt x="112352" y="286972"/>
+                    <a:pt x="24900" y="80214"/>
+                  </a:cubicBezTo>
+                  <a:close/>
+                </a:path>
+              </a:pathLst>
+            </a:custGeom>
+            <a:solidFill>
+              <a:schemeClr val="tx1"/>
+            </a:solidFill>
+            <a:ln>
+              <a:noFill/>
+            </a:ln>
+          </p:spPr>
+          <p:style>
+            <a:lnRef idx="2">
+              <a:schemeClr val="accent1">
+                <a:shade val="50000"/>
+              </a:schemeClr>
+            </a:lnRef>
+            <a:fillRef idx="1">
+              <a:schemeClr val="accent1"/>
+            </a:fillRef>
+            <a:effectRef idx="0">
+              <a:schemeClr val="accent1"/>
+            </a:effectRef>
+            <a:fontRef idx="minor">
+              <a:schemeClr val="lt1"/>
+            </a:fontRef>
+          </p:style>
+          <p:txBody>
+            <a:bodyPr rtlCol="0" anchor="ctr"/>
+            <a:lstStyle/>
+            <a:p>
+              <a:pPr algn="ctr"/>
+              <a:endParaRPr lang="pt-BR"/>
+            </a:p>
+          </p:txBody>
+        </p:sp>
       </p:grpSp>
     </p:spTree>
     <p:extLst>

--- a/Stud+/Logos.pptx
+++ b/Stud+/Logos.pptx
@@ -129,7 +129,7 @@
   </p:defaultTextStyle>
   <p:extLst>
     <p:ext uri="{EFAFB233-063F-42B5-8137-9DF3F51BA10A}">
-      <p15:sldGuideLst xmlns:p15="http://schemas.microsoft.com/office/powerpoint/2012/main" xmlns="">
+      <p15:sldGuideLst xmlns="" xmlns:p15="http://schemas.microsoft.com/office/powerpoint/2012/main">
         <p15:guide id="1" orient="horz" pos="2160">
           <p15:clr>
             <a:srgbClr val="A4A3A4"/>
@@ -4074,7 +4074,7 @@
           <p:cNvPr id="58" name="Agrupar 57">
             <a:extLst>
               <a:ext uri="{FF2B5EF4-FFF2-40B4-BE49-F238E27FC236}">
-                <a16:creationId xmlns:a16="http://schemas.microsoft.com/office/drawing/2014/main" xmlns="" id="{EF5C2300-377E-4EA3-B736-0CFBF14F0D01}"/>
+                <a16:creationId xmlns="" xmlns:a16="http://schemas.microsoft.com/office/drawing/2014/main" id="{EF5C2300-377E-4EA3-B736-0CFBF14F0D01}"/>
               </a:ext>
             </a:extLst>
           </p:cNvPr>
@@ -4094,7 +4094,7 @@
             <p:cNvPr id="33" name="Agrupar 32">
               <a:extLst>
                 <a:ext uri="{FF2B5EF4-FFF2-40B4-BE49-F238E27FC236}">
-                  <a16:creationId xmlns:a16="http://schemas.microsoft.com/office/drawing/2014/main" xmlns="" id="{055FA638-179B-48AA-BECA-CA1DBC3827C4}"/>
+                  <a16:creationId xmlns="" xmlns:a16="http://schemas.microsoft.com/office/drawing/2014/main" id="{055FA638-179B-48AA-BECA-CA1DBC3827C4}"/>
                 </a:ext>
               </a:extLst>
             </p:cNvPr>
@@ -4114,7 +4114,7 @@
               <p:cNvPr id="28" name="Forma Livre: Forma 27">
                 <a:extLst>
                   <a:ext uri="{FF2B5EF4-FFF2-40B4-BE49-F238E27FC236}">
-                    <a16:creationId xmlns:a16="http://schemas.microsoft.com/office/drawing/2014/main" xmlns="" id="{F8C6B85B-97DC-4FB1-B33E-20C0AC1AA34E}"/>
+                    <a16:creationId xmlns="" xmlns:a16="http://schemas.microsoft.com/office/drawing/2014/main" id="{F8C6B85B-97DC-4FB1-B33E-20C0AC1AA34E}"/>
                   </a:ext>
                 </a:extLst>
               </p:cNvPr>
@@ -4201,7 +4201,7 @@
               <p:cNvPr id="29" name="Forma Livre: Forma 28">
                 <a:extLst>
                   <a:ext uri="{FF2B5EF4-FFF2-40B4-BE49-F238E27FC236}">
-                    <a16:creationId xmlns:a16="http://schemas.microsoft.com/office/drawing/2014/main" xmlns="" id="{246A0953-5492-46EA-A77C-949538521C0D}"/>
+                    <a16:creationId xmlns="" xmlns:a16="http://schemas.microsoft.com/office/drawing/2014/main" id="{246A0953-5492-46EA-A77C-949538521C0D}"/>
                   </a:ext>
                 </a:extLst>
               </p:cNvPr>
@@ -4289,7 +4289,7 @@
             <p:cNvPr id="34" name="Retângulo: Cantos Arredondados 33">
               <a:extLst>
                 <a:ext uri="{FF2B5EF4-FFF2-40B4-BE49-F238E27FC236}">
-                  <a16:creationId xmlns:a16="http://schemas.microsoft.com/office/drawing/2014/main" xmlns="" id="{9A699E3B-7D68-45B1-9F4E-68FD563AADC6}"/>
+                  <a16:creationId xmlns="" xmlns:a16="http://schemas.microsoft.com/office/drawing/2014/main" id="{9A699E3B-7D68-45B1-9F4E-68FD563AADC6}"/>
                 </a:ext>
               </a:extLst>
             </p:cNvPr>
@@ -4346,7 +4346,7 @@
             <p:cNvPr id="4" name="Retângulo 3">
               <a:extLst>
                 <a:ext uri="{FF2B5EF4-FFF2-40B4-BE49-F238E27FC236}">
-                  <a16:creationId xmlns:a16="http://schemas.microsoft.com/office/drawing/2014/main" xmlns="" id="{04F8D5DB-D80A-485B-9578-582803149067}"/>
+                  <a16:creationId xmlns="" xmlns:a16="http://schemas.microsoft.com/office/drawing/2014/main" id="{04F8D5DB-D80A-485B-9578-582803149067}"/>
                 </a:ext>
               </a:extLst>
             </p:cNvPr>
@@ -4398,7 +4398,7 @@
             <p:cNvPr id="6" name="Retângulo 5">
               <a:extLst>
                 <a:ext uri="{FF2B5EF4-FFF2-40B4-BE49-F238E27FC236}">
-                  <a16:creationId xmlns:a16="http://schemas.microsoft.com/office/drawing/2014/main" xmlns="" id="{71729211-E446-4225-852B-B0E222B7A86E}"/>
+                  <a16:creationId xmlns="" xmlns:a16="http://schemas.microsoft.com/office/drawing/2014/main" id="{71729211-E446-4225-852B-B0E222B7A86E}"/>
                 </a:ext>
               </a:extLst>
             </p:cNvPr>
@@ -4450,7 +4450,7 @@
             <p:cNvPr id="35" name="Retângulo 34">
               <a:extLst>
                 <a:ext uri="{FF2B5EF4-FFF2-40B4-BE49-F238E27FC236}">
-                  <a16:creationId xmlns:a16="http://schemas.microsoft.com/office/drawing/2014/main" xmlns="" id="{3B1D1B7D-6C7B-4C4E-98B9-CFC91C8D537A}"/>
+                  <a16:creationId xmlns="" xmlns:a16="http://schemas.microsoft.com/office/drawing/2014/main" id="{3B1D1B7D-6C7B-4C4E-98B9-CFC91C8D537A}"/>
                 </a:ext>
               </a:extLst>
             </p:cNvPr>
@@ -4505,7 +4505,7 @@
             <p:cNvPr id="36" name="Agrupar 35">
               <a:extLst>
                 <a:ext uri="{FF2B5EF4-FFF2-40B4-BE49-F238E27FC236}">
-                  <a16:creationId xmlns:a16="http://schemas.microsoft.com/office/drawing/2014/main" xmlns="" id="{04F0E4CD-25AE-4F1E-9A0A-7DC61BA5E77C}"/>
+                  <a16:creationId xmlns="" xmlns:a16="http://schemas.microsoft.com/office/drawing/2014/main" id="{04F0E4CD-25AE-4F1E-9A0A-7DC61BA5E77C}"/>
                 </a:ext>
               </a:extLst>
             </p:cNvPr>
@@ -4525,7 +4525,7 @@
               <p:cNvPr id="37" name="Forma Livre: Forma 36">
                 <a:extLst>
                   <a:ext uri="{FF2B5EF4-FFF2-40B4-BE49-F238E27FC236}">
-                    <a16:creationId xmlns:a16="http://schemas.microsoft.com/office/drawing/2014/main" xmlns="" id="{6CC8CC04-0991-4B40-B637-B98038AE1D45}"/>
+                    <a16:creationId xmlns="" xmlns:a16="http://schemas.microsoft.com/office/drawing/2014/main" id="{6CC8CC04-0991-4B40-B637-B98038AE1D45}"/>
                   </a:ext>
                 </a:extLst>
               </p:cNvPr>
@@ -4612,7 +4612,7 @@
               <p:cNvPr id="38" name="Forma Livre: Forma 37">
                 <a:extLst>
                   <a:ext uri="{FF2B5EF4-FFF2-40B4-BE49-F238E27FC236}">
-                    <a16:creationId xmlns:a16="http://schemas.microsoft.com/office/drawing/2014/main" xmlns="" id="{230724C1-E6F6-441E-B9CC-A6D838F0CC42}"/>
+                    <a16:creationId xmlns="" xmlns:a16="http://schemas.microsoft.com/office/drawing/2014/main" id="{230724C1-E6F6-441E-B9CC-A6D838F0CC42}"/>
                   </a:ext>
                 </a:extLst>
               </p:cNvPr>
@@ -4703,7 +4703,7 @@
             <p:cNvPr id="39" name="Retângulo: Cantos Arredondados 38">
               <a:extLst>
                 <a:ext uri="{FF2B5EF4-FFF2-40B4-BE49-F238E27FC236}">
-                  <a16:creationId xmlns:a16="http://schemas.microsoft.com/office/drawing/2014/main" xmlns="" id="{810BCCEF-15F3-48B3-A91B-ECAB86526282}"/>
+                  <a16:creationId xmlns="" xmlns:a16="http://schemas.microsoft.com/office/drawing/2014/main" id="{810BCCEF-15F3-48B3-A91B-ECAB86526282}"/>
                 </a:ext>
               </a:extLst>
             </p:cNvPr>
@@ -4757,7 +4757,7 @@
             <p:cNvPr id="40" name="Retângulo: Cantos Arredondados 39">
               <a:extLst>
                 <a:ext uri="{FF2B5EF4-FFF2-40B4-BE49-F238E27FC236}">
-                  <a16:creationId xmlns:a16="http://schemas.microsoft.com/office/drawing/2014/main" xmlns="" id="{F2722DE1-CCFE-41D0-BF21-0874AE3F29D2}"/>
+                  <a16:creationId xmlns="" xmlns:a16="http://schemas.microsoft.com/office/drawing/2014/main" id="{F2722DE1-CCFE-41D0-BF21-0874AE3F29D2}"/>
                 </a:ext>
               </a:extLst>
             </p:cNvPr>
@@ -4811,7 +4811,7 @@
             <p:cNvPr id="41" name="Forma Livre: Forma 40">
               <a:extLst>
                 <a:ext uri="{FF2B5EF4-FFF2-40B4-BE49-F238E27FC236}">
-                  <a16:creationId xmlns:a16="http://schemas.microsoft.com/office/drawing/2014/main" xmlns="" id="{95C12171-A9CB-4D44-AF8C-DBE32953351C}"/>
+                  <a16:creationId xmlns="" xmlns:a16="http://schemas.microsoft.com/office/drawing/2014/main" id="{95C12171-A9CB-4D44-AF8C-DBE32953351C}"/>
                 </a:ext>
               </a:extLst>
             </p:cNvPr>
@@ -4986,7 +4986,7 @@
             <p:cNvPr id="42" name="Retângulo: Cantos Arredondados 41">
               <a:extLst>
                 <a:ext uri="{FF2B5EF4-FFF2-40B4-BE49-F238E27FC236}">
-                  <a16:creationId xmlns:a16="http://schemas.microsoft.com/office/drawing/2014/main" xmlns="" id="{D1D9A1C5-1BFF-4195-9EF1-C8B36C0CE2F4}"/>
+                  <a16:creationId xmlns="" xmlns:a16="http://schemas.microsoft.com/office/drawing/2014/main" id="{D1D9A1C5-1BFF-4195-9EF1-C8B36C0CE2F4}"/>
                 </a:ext>
               </a:extLst>
             </p:cNvPr>
@@ -5040,7 +5040,7 @@
             <p:cNvPr id="44" name="Retângulo: Cantos Arredondados 43">
               <a:extLst>
                 <a:ext uri="{FF2B5EF4-FFF2-40B4-BE49-F238E27FC236}">
-                  <a16:creationId xmlns:a16="http://schemas.microsoft.com/office/drawing/2014/main" xmlns="" id="{D0643FB6-D571-47A0-A2EA-BC5BEB490710}"/>
+                  <a16:creationId xmlns="" xmlns:a16="http://schemas.microsoft.com/office/drawing/2014/main" id="{D0643FB6-D571-47A0-A2EA-BC5BEB490710}"/>
                 </a:ext>
               </a:extLst>
             </p:cNvPr>
@@ -5094,7 +5094,7 @@
             <p:cNvPr id="45" name="Retângulo: Cantos Arredondados 44">
               <a:extLst>
                 <a:ext uri="{FF2B5EF4-FFF2-40B4-BE49-F238E27FC236}">
-                  <a16:creationId xmlns:a16="http://schemas.microsoft.com/office/drawing/2014/main" xmlns="" id="{65D61FB3-28C5-4A84-AB28-22F2A79EEEDD}"/>
+                  <a16:creationId xmlns="" xmlns:a16="http://schemas.microsoft.com/office/drawing/2014/main" id="{65D61FB3-28C5-4A84-AB28-22F2A79EEEDD}"/>
                 </a:ext>
               </a:extLst>
             </p:cNvPr>
@@ -5148,7 +5148,7 @@
             <p:cNvPr id="46" name="Retângulo: Cantos Arredondados 45">
               <a:extLst>
                 <a:ext uri="{FF2B5EF4-FFF2-40B4-BE49-F238E27FC236}">
-                  <a16:creationId xmlns:a16="http://schemas.microsoft.com/office/drawing/2014/main" xmlns="" id="{62F689F4-88B5-4E77-98EE-527F71979C59}"/>
+                  <a16:creationId xmlns="" xmlns:a16="http://schemas.microsoft.com/office/drawing/2014/main" id="{62F689F4-88B5-4E77-98EE-527F71979C59}"/>
                 </a:ext>
               </a:extLst>
             </p:cNvPr>
@@ -5202,7 +5202,7 @@
             <p:cNvPr id="47" name="Retângulo: Cantos Arredondados 46">
               <a:extLst>
                 <a:ext uri="{FF2B5EF4-FFF2-40B4-BE49-F238E27FC236}">
-                  <a16:creationId xmlns:a16="http://schemas.microsoft.com/office/drawing/2014/main" xmlns="" id="{FCF8E6CE-6D4F-47C0-857F-FC45C0423962}"/>
+                  <a16:creationId xmlns="" xmlns:a16="http://schemas.microsoft.com/office/drawing/2014/main" id="{FCF8E6CE-6D4F-47C0-857F-FC45C0423962}"/>
                 </a:ext>
               </a:extLst>
             </p:cNvPr>
@@ -5256,7 +5256,7 @@
             <p:cNvPr id="48" name="Retângulo: Cantos Arredondados 47">
               <a:extLst>
                 <a:ext uri="{FF2B5EF4-FFF2-40B4-BE49-F238E27FC236}">
-                  <a16:creationId xmlns:a16="http://schemas.microsoft.com/office/drawing/2014/main" xmlns="" id="{68CBAFAE-3B8A-4259-AD90-05333422EE2B}"/>
+                  <a16:creationId xmlns="" xmlns:a16="http://schemas.microsoft.com/office/drawing/2014/main" id="{68CBAFAE-3B8A-4259-AD90-05333422EE2B}"/>
                 </a:ext>
               </a:extLst>
             </p:cNvPr>
@@ -5310,7 +5310,7 @@
             <p:cNvPr id="49" name="Retângulo: Cantos Arredondados 48">
               <a:extLst>
                 <a:ext uri="{FF2B5EF4-FFF2-40B4-BE49-F238E27FC236}">
-                  <a16:creationId xmlns:a16="http://schemas.microsoft.com/office/drawing/2014/main" xmlns="" id="{F5B76A52-90BA-444C-94AC-0CD591273B3D}"/>
+                  <a16:creationId xmlns="" xmlns:a16="http://schemas.microsoft.com/office/drawing/2014/main" id="{F5B76A52-90BA-444C-94AC-0CD591273B3D}"/>
                 </a:ext>
               </a:extLst>
             </p:cNvPr>
@@ -5364,7 +5364,7 @@
             <p:cNvPr id="50" name="Retângulo: Cantos Arredondados 49">
               <a:extLst>
                 <a:ext uri="{FF2B5EF4-FFF2-40B4-BE49-F238E27FC236}">
-                  <a16:creationId xmlns:a16="http://schemas.microsoft.com/office/drawing/2014/main" xmlns="" id="{CEA66F06-5BA5-4F1F-9E01-509682F0EA0C}"/>
+                  <a16:creationId xmlns="" xmlns:a16="http://schemas.microsoft.com/office/drawing/2014/main" id="{CEA66F06-5BA5-4F1F-9E01-509682F0EA0C}"/>
                 </a:ext>
               </a:extLst>
             </p:cNvPr>
@@ -5418,7 +5418,7 @@
             <p:cNvPr id="51" name="Agrupar 50">
               <a:extLst>
                 <a:ext uri="{FF2B5EF4-FFF2-40B4-BE49-F238E27FC236}">
-                  <a16:creationId xmlns:a16="http://schemas.microsoft.com/office/drawing/2014/main" xmlns="" id="{2631F3B1-9650-4C8F-B59A-CFA56D81DA09}"/>
+                  <a16:creationId xmlns="" xmlns:a16="http://schemas.microsoft.com/office/drawing/2014/main" id="{2631F3B1-9650-4C8F-B59A-CFA56D81DA09}"/>
                 </a:ext>
               </a:extLst>
             </p:cNvPr>
@@ -5438,7 +5438,7 @@
               <p:cNvPr id="52" name="Forma Livre: Forma 51">
                 <a:extLst>
                   <a:ext uri="{FF2B5EF4-FFF2-40B4-BE49-F238E27FC236}">
-                    <a16:creationId xmlns:a16="http://schemas.microsoft.com/office/drawing/2014/main" xmlns="" id="{7DB61C0C-7A16-4D04-BC83-BA46F61796FF}"/>
+                    <a16:creationId xmlns="" xmlns:a16="http://schemas.microsoft.com/office/drawing/2014/main" id="{7DB61C0C-7A16-4D04-BC83-BA46F61796FF}"/>
                   </a:ext>
                 </a:extLst>
               </p:cNvPr>
@@ -5585,7 +5585,7 @@
               <p:cNvPr id="53" name="Forma Livre: Forma 52">
                 <a:extLst>
                   <a:ext uri="{FF2B5EF4-FFF2-40B4-BE49-F238E27FC236}">
-                    <a16:creationId xmlns:a16="http://schemas.microsoft.com/office/drawing/2014/main" xmlns="" id="{46415AEE-65F8-4C20-BC23-0C5C5F6CDB7B}"/>
+                    <a16:creationId xmlns="" xmlns:a16="http://schemas.microsoft.com/office/drawing/2014/main" id="{46415AEE-65F8-4C20-BC23-0C5C5F6CDB7B}"/>
                   </a:ext>
                 </a:extLst>
               </p:cNvPr>
@@ -5732,7 +5732,7 @@
               <p:cNvPr id="54" name="Elipse 53">
                 <a:extLst>
                   <a:ext uri="{FF2B5EF4-FFF2-40B4-BE49-F238E27FC236}">
-                    <a16:creationId xmlns:a16="http://schemas.microsoft.com/office/drawing/2014/main" xmlns="" id="{D7A01D8D-4B2F-4942-B8B6-2D5EEFA04D02}"/>
+                    <a16:creationId xmlns="" xmlns:a16="http://schemas.microsoft.com/office/drawing/2014/main" id="{D7A01D8D-4B2F-4942-B8B6-2D5EEFA04D02}"/>
                   </a:ext>
                 </a:extLst>
               </p:cNvPr>
@@ -5796,7 +5796,7 @@
               <p:cNvPr id="55" name="Retângulo: Cantos Arredondados 54">
                 <a:extLst>
                   <a:ext uri="{FF2B5EF4-FFF2-40B4-BE49-F238E27FC236}">
-                    <a16:creationId xmlns:a16="http://schemas.microsoft.com/office/drawing/2014/main" xmlns="" id="{44B76BB3-D57F-48BA-AE2D-66080053A3B4}"/>
+                    <a16:creationId xmlns="" xmlns:a16="http://schemas.microsoft.com/office/drawing/2014/main" id="{44B76BB3-D57F-48BA-AE2D-66080053A3B4}"/>
                   </a:ext>
                 </a:extLst>
               </p:cNvPr>
@@ -5850,7 +5850,7 @@
               <p:cNvPr id="56" name="Retângulo: Cantos Arredondados 55">
                 <a:extLst>
                   <a:ext uri="{FF2B5EF4-FFF2-40B4-BE49-F238E27FC236}">
-                    <a16:creationId xmlns:a16="http://schemas.microsoft.com/office/drawing/2014/main" xmlns="" id="{2389AF47-F4AE-4DF7-92F3-FB6AF0749687}"/>
+                    <a16:creationId xmlns="" xmlns:a16="http://schemas.microsoft.com/office/drawing/2014/main" id="{2389AF47-F4AE-4DF7-92F3-FB6AF0749687}"/>
                   </a:ext>
                 </a:extLst>
               </p:cNvPr>
@@ -5904,7 +5904,7 @@
               <p:cNvPr id="57" name="Retângulo: Cantos Arredondados 56">
                 <a:extLst>
                   <a:ext uri="{FF2B5EF4-FFF2-40B4-BE49-F238E27FC236}">
-                    <a16:creationId xmlns:a16="http://schemas.microsoft.com/office/drawing/2014/main" xmlns="" id="{DA8709D4-D278-4EBE-8FA0-6F0BF43579C4}"/>
+                    <a16:creationId xmlns="" xmlns:a16="http://schemas.microsoft.com/office/drawing/2014/main" id="{DA8709D4-D278-4EBE-8FA0-6F0BF43579C4}"/>
                   </a:ext>
                 </a:extLst>
               </p:cNvPr>
@@ -5960,7 +5960,7 @@
           <p:cNvPr id="59" name="CaixaDeTexto 58">
             <a:extLst>
               <a:ext uri="{FF2B5EF4-FFF2-40B4-BE49-F238E27FC236}">
-                <a16:creationId xmlns:a16="http://schemas.microsoft.com/office/drawing/2014/main" xmlns="" id="{14FCE94E-98F9-41CE-94CD-2C218D5F084B}"/>
+                <a16:creationId xmlns="" xmlns:a16="http://schemas.microsoft.com/office/drawing/2014/main" id="{14FCE94E-98F9-41CE-94CD-2C218D5F084B}"/>
               </a:ext>
             </a:extLst>
           </p:cNvPr>
@@ -6117,7 +6117,7 @@
           <p:cNvPr id="4" name="Agrupar 3">
             <a:extLst>
               <a:ext uri="{FF2B5EF4-FFF2-40B4-BE49-F238E27FC236}">
-                <a16:creationId xmlns:a16="http://schemas.microsoft.com/office/drawing/2014/main" xmlns="" id="{D7C0B00C-161C-4ABE-A47A-D533F1A6BB89}"/>
+                <a16:creationId xmlns="" xmlns:a16="http://schemas.microsoft.com/office/drawing/2014/main" id="{D7C0B00C-161C-4ABE-A47A-D533F1A6BB89}"/>
               </a:ext>
             </a:extLst>
           </p:cNvPr>
@@ -6140,7 +6140,7 @@
             <p:cNvPr id="5" name="Gráfico 4" descr="Usuário">
               <a:extLst>
                 <a:ext uri="{FF2B5EF4-FFF2-40B4-BE49-F238E27FC236}">
-                  <a16:creationId xmlns:a16="http://schemas.microsoft.com/office/drawing/2014/main" xmlns="" id="{A0CA1125-C2CF-49A8-9AE9-7CBD1BF491B9}"/>
+                  <a16:creationId xmlns="" xmlns:a16="http://schemas.microsoft.com/office/drawing/2014/main" id="{A0CA1125-C2CF-49A8-9AE9-7CBD1BF491B9}"/>
                 </a:ext>
               </a:extLst>
             </p:cNvPr>
@@ -6156,7 +6156,7 @@
                   <a14:useLocalDpi xmlns:a14="http://schemas.microsoft.com/office/drawing/2010/main" val="0"/>
                 </a:ext>
                 <a:ext uri="{96DAC541-7B7A-43D3-8B79-37D633B846F1}">
-                  <asvg:svgBlip xmlns:asvg="http://schemas.microsoft.com/office/drawing/2016/SVG/main" xmlns="" r:embed="rId3"/>
+                  <asvg:svgBlip xmlns="" xmlns:asvg="http://schemas.microsoft.com/office/drawing/2016/SVG/main" r:embed="rId3"/>
                 </a:ext>
               </a:extLst>
             </a:blip>
@@ -6179,7 +6179,7 @@
             <p:cNvPr id="6" name="Retângulo 5">
               <a:extLst>
                 <a:ext uri="{FF2B5EF4-FFF2-40B4-BE49-F238E27FC236}">
-                  <a16:creationId xmlns:a16="http://schemas.microsoft.com/office/drawing/2014/main" xmlns="" id="{3DD69A3F-0C3D-4962-A956-2D9ED1AA114B}"/>
+                  <a16:creationId xmlns="" xmlns:a16="http://schemas.microsoft.com/office/drawing/2014/main" id="{3DD69A3F-0C3D-4962-A956-2D9ED1AA114B}"/>
                 </a:ext>
               </a:extLst>
             </p:cNvPr>
@@ -6233,7 +6233,7 @@
             <p:cNvPr id="7" name="Retângulo: Cantos Arredondados 6">
               <a:extLst>
                 <a:ext uri="{FF2B5EF4-FFF2-40B4-BE49-F238E27FC236}">
-                  <a16:creationId xmlns:a16="http://schemas.microsoft.com/office/drawing/2014/main" xmlns="" id="{52EE2D45-D0FA-4F34-95F6-04D56E423317}"/>
+                  <a16:creationId xmlns="" xmlns:a16="http://schemas.microsoft.com/office/drawing/2014/main" id="{52EE2D45-D0FA-4F34-95F6-04D56E423317}"/>
                 </a:ext>
               </a:extLst>
             </p:cNvPr>
@@ -6285,7 +6285,7 @@
             <p:cNvPr id="8" name="Retângulo: Cantos Arredondados 7">
               <a:extLst>
                 <a:ext uri="{FF2B5EF4-FFF2-40B4-BE49-F238E27FC236}">
-                  <a16:creationId xmlns:a16="http://schemas.microsoft.com/office/drawing/2014/main" xmlns="" id="{8EC0EE8C-2C28-44B0-B9FE-03E147A8199A}"/>
+                  <a16:creationId xmlns="" xmlns:a16="http://schemas.microsoft.com/office/drawing/2014/main" id="{8EC0EE8C-2C28-44B0-B9FE-03E147A8199A}"/>
                 </a:ext>
               </a:extLst>
             </p:cNvPr>
@@ -6337,7 +6337,7 @@
             <p:cNvPr id="9" name="Agrupar 8">
               <a:extLst>
                 <a:ext uri="{FF2B5EF4-FFF2-40B4-BE49-F238E27FC236}">
-                  <a16:creationId xmlns:a16="http://schemas.microsoft.com/office/drawing/2014/main" xmlns="" id="{267C4318-4AB2-4746-9648-43FAC46CA6D1}"/>
+                  <a16:creationId xmlns="" xmlns:a16="http://schemas.microsoft.com/office/drawing/2014/main" id="{267C4318-4AB2-4746-9648-43FAC46CA6D1}"/>
                 </a:ext>
               </a:extLst>
             </p:cNvPr>
@@ -6358,7 +6358,7 @@
               <p:cNvPr id="10" name="Elipse 9">
                 <a:extLst>
                   <a:ext uri="{FF2B5EF4-FFF2-40B4-BE49-F238E27FC236}">
-                    <a16:creationId xmlns:a16="http://schemas.microsoft.com/office/drawing/2014/main" xmlns="" id="{8AA4CB02-361D-40B7-B5E9-E7F2EFF87374}"/>
+                    <a16:creationId xmlns="" xmlns:a16="http://schemas.microsoft.com/office/drawing/2014/main" id="{8AA4CB02-361D-40B7-B5E9-E7F2EFF87374}"/>
                   </a:ext>
                 </a:extLst>
               </p:cNvPr>
@@ -6408,7 +6408,7 @@
               <p:cNvPr id="11" name="Retângulo: Cantos Arredondados 10">
                 <a:extLst>
                   <a:ext uri="{FF2B5EF4-FFF2-40B4-BE49-F238E27FC236}">
-                    <a16:creationId xmlns:a16="http://schemas.microsoft.com/office/drawing/2014/main" xmlns="" id="{F73250F2-2986-478D-84CC-876DADF39F25}"/>
+                    <a16:creationId xmlns="" xmlns:a16="http://schemas.microsoft.com/office/drawing/2014/main" id="{F73250F2-2986-478D-84CC-876DADF39F25}"/>
                   </a:ext>
                 </a:extLst>
               </p:cNvPr>
@@ -6458,7 +6458,7 @@
               <p:cNvPr id="12" name="Retângulo: Cantos Arredondados 11">
                 <a:extLst>
                   <a:ext uri="{FF2B5EF4-FFF2-40B4-BE49-F238E27FC236}">
-                    <a16:creationId xmlns:a16="http://schemas.microsoft.com/office/drawing/2014/main" xmlns="" id="{61FF627D-32B0-443C-AF22-BB6C5CF00724}"/>
+                    <a16:creationId xmlns="" xmlns:a16="http://schemas.microsoft.com/office/drawing/2014/main" id="{61FF627D-32B0-443C-AF22-BB6C5CF00724}"/>
                   </a:ext>
                 </a:extLst>
               </p:cNvPr>
@@ -6508,7 +6508,7 @@
               <p:cNvPr id="13" name="Retângulo: Cantos Arredondados 12">
                 <a:extLst>
                   <a:ext uri="{FF2B5EF4-FFF2-40B4-BE49-F238E27FC236}">
-                    <a16:creationId xmlns:a16="http://schemas.microsoft.com/office/drawing/2014/main" xmlns="" id="{FCBC6A68-B0BD-4771-B12B-2666385ADC6F}"/>
+                    <a16:creationId xmlns="" xmlns:a16="http://schemas.microsoft.com/office/drawing/2014/main" id="{FCBC6A68-B0BD-4771-B12B-2666385ADC6F}"/>
                   </a:ext>
                 </a:extLst>
               </p:cNvPr>
@@ -6558,7 +6558,7 @@
               <p:cNvPr id="14" name="Retângulo: Cantos Arredondados 13">
                 <a:extLst>
                   <a:ext uri="{FF2B5EF4-FFF2-40B4-BE49-F238E27FC236}">
-                    <a16:creationId xmlns:a16="http://schemas.microsoft.com/office/drawing/2014/main" xmlns="" id="{69F32E65-17C4-4CC9-9EA0-529687A215BF}"/>
+                    <a16:creationId xmlns="" xmlns:a16="http://schemas.microsoft.com/office/drawing/2014/main" id="{69F32E65-17C4-4CC9-9EA0-529687A215BF}"/>
                   </a:ext>
                 </a:extLst>
               </p:cNvPr>
@@ -6608,7 +6608,7 @@
               <p:cNvPr id="15" name="Retângulo: Cantos Arredondados 14">
                 <a:extLst>
                   <a:ext uri="{FF2B5EF4-FFF2-40B4-BE49-F238E27FC236}">
-                    <a16:creationId xmlns:a16="http://schemas.microsoft.com/office/drawing/2014/main" xmlns="" id="{8F75668C-DE3B-4832-B093-87AE3521FC40}"/>
+                    <a16:creationId xmlns="" xmlns:a16="http://schemas.microsoft.com/office/drawing/2014/main" id="{8F75668C-DE3B-4832-B093-87AE3521FC40}"/>
                   </a:ext>
                 </a:extLst>
               </p:cNvPr>
@@ -6658,7 +6658,7 @@
               <p:cNvPr id="16" name="Retângulo: Cantos Arredondados 15">
                 <a:extLst>
                   <a:ext uri="{FF2B5EF4-FFF2-40B4-BE49-F238E27FC236}">
-                    <a16:creationId xmlns:a16="http://schemas.microsoft.com/office/drawing/2014/main" xmlns="" id="{F77488DA-7D8B-4E45-86BE-2E5DF4BD4A3A}"/>
+                    <a16:creationId xmlns="" xmlns:a16="http://schemas.microsoft.com/office/drawing/2014/main" id="{F77488DA-7D8B-4E45-86BE-2E5DF4BD4A3A}"/>
                   </a:ext>
                 </a:extLst>
               </p:cNvPr>
@@ -6708,7 +6708,7 @@
               <p:cNvPr id="17" name="Retângulo: Cantos Arredondados 16">
                 <a:extLst>
                   <a:ext uri="{FF2B5EF4-FFF2-40B4-BE49-F238E27FC236}">
-                    <a16:creationId xmlns:a16="http://schemas.microsoft.com/office/drawing/2014/main" xmlns="" id="{95855D4E-9787-4579-8A96-E2BB0CF567FE}"/>
+                    <a16:creationId xmlns="" xmlns:a16="http://schemas.microsoft.com/office/drawing/2014/main" id="{95855D4E-9787-4579-8A96-E2BB0CF567FE}"/>
                   </a:ext>
                 </a:extLst>
               </p:cNvPr>
@@ -6758,7 +6758,7 @@
               <p:cNvPr id="18" name="Retângulo: Cantos Arredondados 17">
                 <a:extLst>
                   <a:ext uri="{FF2B5EF4-FFF2-40B4-BE49-F238E27FC236}">
-                    <a16:creationId xmlns:a16="http://schemas.microsoft.com/office/drawing/2014/main" xmlns="" id="{CD991848-2A23-4A4E-8201-C4E62AE9A8FE}"/>
+                    <a16:creationId xmlns="" xmlns:a16="http://schemas.microsoft.com/office/drawing/2014/main" id="{CD991848-2A23-4A4E-8201-C4E62AE9A8FE}"/>
                   </a:ext>
                 </a:extLst>
               </p:cNvPr>
@@ -6808,7 +6808,7 @@
               <p:cNvPr id="19" name="Retângulo: Cantos Arredondados 18">
                 <a:extLst>
                   <a:ext uri="{FF2B5EF4-FFF2-40B4-BE49-F238E27FC236}">
-                    <a16:creationId xmlns:a16="http://schemas.microsoft.com/office/drawing/2014/main" xmlns="" id="{9E1F9F69-A0C7-4ADC-B34E-1749DC2BCD19}"/>
+                    <a16:creationId xmlns="" xmlns:a16="http://schemas.microsoft.com/office/drawing/2014/main" id="{9E1F9F69-A0C7-4ADC-B34E-1749DC2BCD19}"/>
                   </a:ext>
                 </a:extLst>
               </p:cNvPr>
@@ -6858,7 +6858,7 @@
               <p:cNvPr id="20" name="Retângulo: Cantos Arredondados 19">
                 <a:extLst>
                   <a:ext uri="{FF2B5EF4-FFF2-40B4-BE49-F238E27FC236}">
-                    <a16:creationId xmlns:a16="http://schemas.microsoft.com/office/drawing/2014/main" xmlns="" id="{F574F9BC-50DE-407D-ABC7-2E93221DE4D5}"/>
+                    <a16:creationId xmlns="" xmlns:a16="http://schemas.microsoft.com/office/drawing/2014/main" id="{F574F9BC-50DE-407D-ABC7-2E93221DE4D5}"/>
                   </a:ext>
                 </a:extLst>
               </p:cNvPr>
@@ -6908,7 +6908,7 @@
               <p:cNvPr id="21" name="Retângulo: Cantos Arredondados 20">
                 <a:extLst>
                   <a:ext uri="{FF2B5EF4-FFF2-40B4-BE49-F238E27FC236}">
-                    <a16:creationId xmlns:a16="http://schemas.microsoft.com/office/drawing/2014/main" xmlns="" id="{5DDFC425-13C4-4724-A776-34A164676126}"/>
+                    <a16:creationId xmlns="" xmlns:a16="http://schemas.microsoft.com/office/drawing/2014/main" id="{5DDFC425-13C4-4724-A776-34A164676126}"/>
                   </a:ext>
                 </a:extLst>
               </p:cNvPr>
@@ -6958,7 +6958,7 @@
               <p:cNvPr id="22" name="Retângulo: Cantos Arredondados 21">
                 <a:extLst>
                   <a:ext uri="{FF2B5EF4-FFF2-40B4-BE49-F238E27FC236}">
-                    <a16:creationId xmlns:a16="http://schemas.microsoft.com/office/drawing/2014/main" xmlns="" id="{2E72F04F-DBDE-4F18-9DE9-55494E6B413E}"/>
+                    <a16:creationId xmlns="" xmlns:a16="http://schemas.microsoft.com/office/drawing/2014/main" id="{2E72F04F-DBDE-4F18-9DE9-55494E6B413E}"/>
                   </a:ext>
                 </a:extLst>
               </p:cNvPr>
@@ -7008,7 +7008,7 @@
               <p:cNvPr id="23" name="Retângulo: Cantos Arredondados 22">
                 <a:extLst>
                   <a:ext uri="{FF2B5EF4-FFF2-40B4-BE49-F238E27FC236}">
-                    <a16:creationId xmlns:a16="http://schemas.microsoft.com/office/drawing/2014/main" xmlns="" id="{BB8378C6-CD2D-408A-8997-692BF7688E0D}"/>
+                    <a16:creationId xmlns="" xmlns:a16="http://schemas.microsoft.com/office/drawing/2014/main" id="{BB8378C6-CD2D-408A-8997-692BF7688E0D}"/>
                   </a:ext>
                 </a:extLst>
               </p:cNvPr>
@@ -7090,7 +7090,7 @@
           <p:cNvPr id="24" name="Agrupar 23">
             <a:extLst>
               <a:ext uri="{FF2B5EF4-FFF2-40B4-BE49-F238E27FC236}">
-                <a16:creationId xmlns:a16="http://schemas.microsoft.com/office/drawing/2014/main" xmlns="" id="{10E1CD7B-B583-40B2-9A64-25ACE8761C38}"/>
+                <a16:creationId xmlns="" xmlns:a16="http://schemas.microsoft.com/office/drawing/2014/main" id="{10E1CD7B-B583-40B2-9A64-25ACE8761C38}"/>
               </a:ext>
             </a:extLst>
           </p:cNvPr>
@@ -7110,7 +7110,7 @@
             <p:cNvPr id="20" name="Agrupar 19">
               <a:extLst>
                 <a:ext uri="{FF2B5EF4-FFF2-40B4-BE49-F238E27FC236}">
-                  <a16:creationId xmlns:a16="http://schemas.microsoft.com/office/drawing/2014/main" xmlns="" id="{CB274D3A-8028-4876-85C9-7F16F37BFC27}"/>
+                  <a16:creationId xmlns="" xmlns:a16="http://schemas.microsoft.com/office/drawing/2014/main" id="{CB274D3A-8028-4876-85C9-7F16F37BFC27}"/>
                 </a:ext>
               </a:extLst>
             </p:cNvPr>
@@ -7130,7 +7130,7 @@
               <p:cNvPr id="12" name="Elipse 11">
                 <a:extLst>
                   <a:ext uri="{FF2B5EF4-FFF2-40B4-BE49-F238E27FC236}">
-                    <a16:creationId xmlns:a16="http://schemas.microsoft.com/office/drawing/2014/main" xmlns="" id="{5AA99E97-F454-470A-8056-B241E27A3EF4}"/>
+                    <a16:creationId xmlns="" xmlns:a16="http://schemas.microsoft.com/office/drawing/2014/main" id="{5AA99E97-F454-470A-8056-B241E27A3EF4}"/>
                   </a:ext>
                 </a:extLst>
               </p:cNvPr>
@@ -7182,7 +7182,7 @@
               <p:cNvPr id="13" name="Elipse 12">
                 <a:extLst>
                   <a:ext uri="{FF2B5EF4-FFF2-40B4-BE49-F238E27FC236}">
-                    <a16:creationId xmlns:a16="http://schemas.microsoft.com/office/drawing/2014/main" xmlns="" id="{2E55EF7B-0BFE-4EEC-A84B-241265344E52}"/>
+                    <a16:creationId xmlns="" xmlns:a16="http://schemas.microsoft.com/office/drawing/2014/main" id="{2E55EF7B-0BFE-4EEC-A84B-241265344E52}"/>
                   </a:ext>
                 </a:extLst>
               </p:cNvPr>
@@ -7235,7 +7235,7 @@
             <p:cNvPr id="23" name="Agrupar 22">
               <a:extLst>
                 <a:ext uri="{FF2B5EF4-FFF2-40B4-BE49-F238E27FC236}">
-                  <a16:creationId xmlns:a16="http://schemas.microsoft.com/office/drawing/2014/main" xmlns="" id="{B8354D3D-01F4-4261-9941-25A85E5341BB}"/>
+                  <a16:creationId xmlns="" xmlns:a16="http://schemas.microsoft.com/office/drawing/2014/main" id="{B8354D3D-01F4-4261-9941-25A85E5341BB}"/>
                 </a:ext>
               </a:extLst>
             </p:cNvPr>
@@ -7255,7 +7255,7 @@
               <p:cNvPr id="19" name="Agrupar 18">
                 <a:extLst>
                   <a:ext uri="{FF2B5EF4-FFF2-40B4-BE49-F238E27FC236}">
-                    <a16:creationId xmlns:a16="http://schemas.microsoft.com/office/drawing/2014/main" xmlns="" id="{33610C09-087D-44BE-9EFA-42CB597857C0}"/>
+                    <a16:creationId xmlns="" xmlns:a16="http://schemas.microsoft.com/office/drawing/2014/main" id="{33610C09-087D-44BE-9EFA-42CB597857C0}"/>
                   </a:ext>
                 </a:extLst>
               </p:cNvPr>
@@ -7275,7 +7275,7 @@
                 <p:cNvPr id="14" name="Retângulo: Cantos Arredondados 13">
                   <a:extLst>
                     <a:ext uri="{FF2B5EF4-FFF2-40B4-BE49-F238E27FC236}">
-                      <a16:creationId xmlns:a16="http://schemas.microsoft.com/office/drawing/2014/main" xmlns="" id="{A621557C-568F-4286-BF1E-2F79412C01BB}"/>
+                      <a16:creationId xmlns="" xmlns:a16="http://schemas.microsoft.com/office/drawing/2014/main" id="{A621557C-568F-4286-BF1E-2F79412C01BB}"/>
                     </a:ext>
                   </a:extLst>
                 </p:cNvPr>
@@ -7329,7 +7329,7 @@
                 <p:cNvPr id="15" name="Retângulo: Cantos Arredondados 14">
                   <a:extLst>
                     <a:ext uri="{FF2B5EF4-FFF2-40B4-BE49-F238E27FC236}">
-                      <a16:creationId xmlns:a16="http://schemas.microsoft.com/office/drawing/2014/main" xmlns="" id="{952F5C43-EE72-4097-A506-4A30EF79EDDC}"/>
+                      <a16:creationId xmlns="" xmlns:a16="http://schemas.microsoft.com/office/drawing/2014/main" id="{952F5C43-EE72-4097-A506-4A30EF79EDDC}"/>
                     </a:ext>
                   </a:extLst>
                 </p:cNvPr>
@@ -7383,7 +7383,7 @@
                 <p:cNvPr id="17" name="Retângulo: Cantos Arredondados 16">
                   <a:extLst>
                     <a:ext uri="{FF2B5EF4-FFF2-40B4-BE49-F238E27FC236}">
-                      <a16:creationId xmlns:a16="http://schemas.microsoft.com/office/drawing/2014/main" xmlns="" id="{AA8AEBE5-D28C-4C97-B23D-ACB44F125F3B}"/>
+                      <a16:creationId xmlns="" xmlns:a16="http://schemas.microsoft.com/office/drawing/2014/main" id="{AA8AEBE5-D28C-4C97-B23D-ACB44F125F3B}"/>
                     </a:ext>
                   </a:extLst>
                 </p:cNvPr>
@@ -7437,7 +7437,7 @@
                 <p:cNvPr id="18" name="Elipse 17">
                   <a:extLst>
                     <a:ext uri="{FF2B5EF4-FFF2-40B4-BE49-F238E27FC236}">
-                      <a16:creationId xmlns:a16="http://schemas.microsoft.com/office/drawing/2014/main" xmlns="" id="{D4E5660E-8E01-46AA-B3B6-106538E6A1F6}"/>
+                      <a16:creationId xmlns="" xmlns:a16="http://schemas.microsoft.com/office/drawing/2014/main" id="{D4E5660E-8E01-46AA-B3B6-106538E6A1F6}"/>
                     </a:ext>
                   </a:extLst>
                 </p:cNvPr>
@@ -7490,7 +7490,7 @@
               <p:cNvPr id="21" name="Retângulo: Cantos Arredondados 20">
                 <a:extLst>
                   <a:ext uri="{FF2B5EF4-FFF2-40B4-BE49-F238E27FC236}">
-                    <a16:creationId xmlns:a16="http://schemas.microsoft.com/office/drawing/2014/main" xmlns="" id="{10CC430D-3372-40F4-9CD6-5AC20D403DA9}"/>
+                    <a16:creationId xmlns="" xmlns:a16="http://schemas.microsoft.com/office/drawing/2014/main" id="{10CC430D-3372-40F4-9CD6-5AC20D403DA9}"/>
                   </a:ext>
                 </a:extLst>
               </p:cNvPr>
@@ -7574,7 +7574,7 @@
           <p:cNvPr id="11" name="Agrupar 10">
             <a:extLst>
               <a:ext uri="{FF2B5EF4-FFF2-40B4-BE49-F238E27FC236}">
-                <a16:creationId xmlns:a16="http://schemas.microsoft.com/office/drawing/2014/main" xmlns="" id="{6AF02D4B-4DF3-475B-B829-3C06117FCA8A}"/>
+                <a16:creationId xmlns="" xmlns:a16="http://schemas.microsoft.com/office/drawing/2014/main" id="{6AF02D4B-4DF3-475B-B829-3C06117FCA8A}"/>
               </a:ext>
             </a:extLst>
           </p:cNvPr>
@@ -7594,7 +7594,7 @@
             <p:cNvPr id="4" name="Elipse 3">
               <a:extLst>
                 <a:ext uri="{FF2B5EF4-FFF2-40B4-BE49-F238E27FC236}">
-                  <a16:creationId xmlns:a16="http://schemas.microsoft.com/office/drawing/2014/main" xmlns="" id="{DC48528D-2244-4D30-8F41-EF1272F6C6E4}"/>
+                  <a16:creationId xmlns="" xmlns:a16="http://schemas.microsoft.com/office/drawing/2014/main" id="{DC48528D-2244-4D30-8F41-EF1272F6C6E4}"/>
                 </a:ext>
               </a:extLst>
             </p:cNvPr>
@@ -7646,7 +7646,7 @@
             <p:cNvPr id="5" name="Elipse 4">
               <a:extLst>
                 <a:ext uri="{FF2B5EF4-FFF2-40B4-BE49-F238E27FC236}">
-                  <a16:creationId xmlns:a16="http://schemas.microsoft.com/office/drawing/2014/main" xmlns="" id="{FC41C085-3866-4F15-B8F6-7312BBF43D3D}"/>
+                  <a16:creationId xmlns="" xmlns:a16="http://schemas.microsoft.com/office/drawing/2014/main" id="{FC41C085-3866-4F15-B8F6-7312BBF43D3D}"/>
                 </a:ext>
               </a:extLst>
             </p:cNvPr>
@@ -7709,7 +7709,7 @@
             <p:cNvPr id="10" name="Agrupar 9">
               <a:extLst>
                 <a:ext uri="{FF2B5EF4-FFF2-40B4-BE49-F238E27FC236}">
-                  <a16:creationId xmlns:a16="http://schemas.microsoft.com/office/drawing/2014/main" xmlns="" id="{1B5F2692-C765-4EC2-80E6-6BCCEE306581}"/>
+                  <a16:creationId xmlns="" xmlns:a16="http://schemas.microsoft.com/office/drawing/2014/main" id="{1B5F2692-C765-4EC2-80E6-6BCCEE306581}"/>
                 </a:ext>
               </a:extLst>
             </p:cNvPr>
@@ -7729,7 +7729,7 @@
               <p:cNvPr id="8" name="Retângulo: Cantos Arredondados 7">
                 <a:extLst>
                   <a:ext uri="{FF2B5EF4-FFF2-40B4-BE49-F238E27FC236}">
-                    <a16:creationId xmlns:a16="http://schemas.microsoft.com/office/drawing/2014/main" xmlns="" id="{642A98A9-5B39-4661-B7AD-4ED8AFAFC1E3}"/>
+                    <a16:creationId xmlns="" xmlns:a16="http://schemas.microsoft.com/office/drawing/2014/main" id="{642A98A9-5B39-4661-B7AD-4ED8AFAFC1E3}"/>
                   </a:ext>
                 </a:extLst>
               </p:cNvPr>
@@ -7783,7 +7783,7 @@
               <p:cNvPr id="9" name="Retângulo: Cantos Arredondados 8">
                 <a:extLst>
                   <a:ext uri="{FF2B5EF4-FFF2-40B4-BE49-F238E27FC236}">
-                    <a16:creationId xmlns:a16="http://schemas.microsoft.com/office/drawing/2014/main" xmlns="" id="{11C0A799-8BF3-4FE6-8C64-2079434EF400}"/>
+                    <a16:creationId xmlns="" xmlns:a16="http://schemas.microsoft.com/office/drawing/2014/main" id="{11C0A799-8BF3-4FE6-8C64-2079434EF400}"/>
                   </a:ext>
                 </a:extLst>
               </p:cNvPr>
@@ -7876,7 +7876,7 @@
           <p:cNvPr id="67" name="Agrupar 66">
             <a:extLst>
               <a:ext uri="{FF2B5EF4-FFF2-40B4-BE49-F238E27FC236}">
-                <a16:creationId xmlns:a16="http://schemas.microsoft.com/office/drawing/2014/main" xmlns="" id="{79D28335-6CA8-48F7-9486-5670035BE61F}"/>
+                <a16:creationId xmlns="" xmlns:a16="http://schemas.microsoft.com/office/drawing/2014/main" id="{79D28335-6CA8-48F7-9486-5670035BE61F}"/>
               </a:ext>
             </a:extLst>
           </p:cNvPr>
@@ -7896,7 +7896,7 @@
             <p:cNvPr id="32" name="Agrupar 31">
               <a:extLst>
                 <a:ext uri="{FF2B5EF4-FFF2-40B4-BE49-F238E27FC236}">
-                  <a16:creationId xmlns:a16="http://schemas.microsoft.com/office/drawing/2014/main" xmlns="" id="{F76B8E54-6317-448B-8B57-939FECA23918}"/>
+                  <a16:creationId xmlns="" xmlns:a16="http://schemas.microsoft.com/office/drawing/2014/main" id="{F76B8E54-6317-448B-8B57-939FECA23918}"/>
                 </a:ext>
               </a:extLst>
             </p:cNvPr>
@@ -7916,7 +7916,7 @@
               <p:cNvPr id="33" name="Elipse 32">
                 <a:extLst>
                   <a:ext uri="{FF2B5EF4-FFF2-40B4-BE49-F238E27FC236}">
-                    <a16:creationId xmlns:a16="http://schemas.microsoft.com/office/drawing/2014/main" xmlns="" id="{BBB1FC3B-070F-4B35-B6A9-3E78AAADC53B}"/>
+                    <a16:creationId xmlns="" xmlns:a16="http://schemas.microsoft.com/office/drawing/2014/main" id="{BBB1FC3B-070F-4B35-B6A9-3E78AAADC53B}"/>
                   </a:ext>
                 </a:extLst>
               </p:cNvPr>
@@ -7968,7 +7968,7 @@
               <p:cNvPr id="34" name="Elipse 33">
                 <a:extLst>
                   <a:ext uri="{FF2B5EF4-FFF2-40B4-BE49-F238E27FC236}">
-                    <a16:creationId xmlns:a16="http://schemas.microsoft.com/office/drawing/2014/main" xmlns="" id="{282E9208-057A-4E62-8705-6BEE888AD164}"/>
+                    <a16:creationId xmlns="" xmlns:a16="http://schemas.microsoft.com/office/drawing/2014/main" id="{282E9208-057A-4E62-8705-6BEE888AD164}"/>
                   </a:ext>
                 </a:extLst>
               </p:cNvPr>
@@ -8032,7 +8032,7 @@
             <p:cNvPr id="38" name="Agrupar 37">
               <a:extLst>
                 <a:ext uri="{FF2B5EF4-FFF2-40B4-BE49-F238E27FC236}">
-                  <a16:creationId xmlns:a16="http://schemas.microsoft.com/office/drawing/2014/main" xmlns="" id="{C39DA378-5904-468B-9006-BB34426CAA6A}"/>
+                  <a16:creationId xmlns="" xmlns:a16="http://schemas.microsoft.com/office/drawing/2014/main" id="{C39DA378-5904-468B-9006-BB34426CAA6A}"/>
                 </a:ext>
               </a:extLst>
             </p:cNvPr>
@@ -8055,7 +8055,7 @@
               <p:cNvPr id="39" name="Agrupar 38">
                 <a:extLst>
                   <a:ext uri="{FF2B5EF4-FFF2-40B4-BE49-F238E27FC236}">
-                    <a16:creationId xmlns:a16="http://schemas.microsoft.com/office/drawing/2014/main" xmlns="" id="{4870CD5A-4864-48FF-9CA6-C7BB29574A14}"/>
+                    <a16:creationId xmlns="" xmlns:a16="http://schemas.microsoft.com/office/drawing/2014/main" id="{4870CD5A-4864-48FF-9CA6-C7BB29574A14}"/>
                   </a:ext>
                 </a:extLst>
               </p:cNvPr>
@@ -8076,7 +8076,7 @@
                 <p:cNvPr id="65" name="Forma Livre: Forma 64">
                   <a:extLst>
                     <a:ext uri="{FF2B5EF4-FFF2-40B4-BE49-F238E27FC236}">
-                      <a16:creationId xmlns:a16="http://schemas.microsoft.com/office/drawing/2014/main" xmlns="" id="{2AD9F40D-5F76-4B52-AF95-1CF338E6E047}"/>
+                      <a16:creationId xmlns="" xmlns:a16="http://schemas.microsoft.com/office/drawing/2014/main" id="{2AD9F40D-5F76-4B52-AF95-1CF338E6E047}"/>
                     </a:ext>
                   </a:extLst>
                 </p:cNvPr>
@@ -8161,7 +8161,7 @@
                 <p:cNvPr id="66" name="Forma Livre: Forma 65">
                   <a:extLst>
                     <a:ext uri="{FF2B5EF4-FFF2-40B4-BE49-F238E27FC236}">
-                      <a16:creationId xmlns:a16="http://schemas.microsoft.com/office/drawing/2014/main" xmlns="" id="{B6363304-AAE4-4576-9EC0-9D97FD7F4570}"/>
+                      <a16:creationId xmlns="" xmlns:a16="http://schemas.microsoft.com/office/drawing/2014/main" id="{B6363304-AAE4-4576-9EC0-9D97FD7F4570}"/>
                     </a:ext>
                   </a:extLst>
                 </p:cNvPr>
@@ -8247,7 +8247,7 @@
               <p:cNvPr id="40" name="Retângulo: Cantos Arredondados 39">
                 <a:extLst>
                   <a:ext uri="{FF2B5EF4-FFF2-40B4-BE49-F238E27FC236}">
-                    <a16:creationId xmlns:a16="http://schemas.microsoft.com/office/drawing/2014/main" xmlns="" id="{E84FDBE0-952B-4484-B8B4-2DFE7C0169EB}"/>
+                    <a16:creationId xmlns="" xmlns:a16="http://schemas.microsoft.com/office/drawing/2014/main" id="{E84FDBE0-952B-4484-B8B4-2DFE7C0169EB}"/>
                   </a:ext>
                 </a:extLst>
               </p:cNvPr>
@@ -8299,7 +8299,7 @@
               <p:cNvPr id="41" name="Retângulo 40">
                 <a:extLst>
                   <a:ext uri="{FF2B5EF4-FFF2-40B4-BE49-F238E27FC236}">
-                    <a16:creationId xmlns:a16="http://schemas.microsoft.com/office/drawing/2014/main" xmlns="" id="{504B7C1F-FF75-4E6E-8EA8-F310F9F98C49}"/>
+                    <a16:creationId xmlns="" xmlns:a16="http://schemas.microsoft.com/office/drawing/2014/main" id="{504B7C1F-FF75-4E6E-8EA8-F310F9F98C49}"/>
                   </a:ext>
                 </a:extLst>
               </p:cNvPr>
@@ -8349,7 +8349,7 @@
               <p:cNvPr id="42" name="Retângulo 41">
                 <a:extLst>
                   <a:ext uri="{FF2B5EF4-FFF2-40B4-BE49-F238E27FC236}">
-                    <a16:creationId xmlns:a16="http://schemas.microsoft.com/office/drawing/2014/main" xmlns="" id="{8CD10055-E6F4-423B-B3CD-4FE255A842D8}"/>
+                    <a16:creationId xmlns="" xmlns:a16="http://schemas.microsoft.com/office/drawing/2014/main" id="{8CD10055-E6F4-423B-B3CD-4FE255A842D8}"/>
                   </a:ext>
                 </a:extLst>
               </p:cNvPr>
@@ -8399,7 +8399,7 @@
               <p:cNvPr id="43" name="Retângulo 42">
                 <a:extLst>
                   <a:ext uri="{FF2B5EF4-FFF2-40B4-BE49-F238E27FC236}">
-                    <a16:creationId xmlns:a16="http://schemas.microsoft.com/office/drawing/2014/main" xmlns="" id="{4C2CC099-E32A-49B1-906A-62CD245E08B4}"/>
+                    <a16:creationId xmlns="" xmlns:a16="http://schemas.microsoft.com/office/drawing/2014/main" id="{4C2CC099-E32A-49B1-906A-62CD245E08B4}"/>
                   </a:ext>
                 </a:extLst>
               </p:cNvPr>
@@ -8449,7 +8449,7 @@
               <p:cNvPr id="44" name="Agrupar 43">
                 <a:extLst>
                   <a:ext uri="{FF2B5EF4-FFF2-40B4-BE49-F238E27FC236}">
-                    <a16:creationId xmlns:a16="http://schemas.microsoft.com/office/drawing/2014/main" xmlns="" id="{7FC28071-C5A4-4D9C-8C11-D0F99983D27F}"/>
+                    <a16:creationId xmlns="" xmlns:a16="http://schemas.microsoft.com/office/drawing/2014/main" id="{7FC28071-C5A4-4D9C-8C11-D0F99983D27F}"/>
                   </a:ext>
                 </a:extLst>
               </p:cNvPr>
@@ -8470,7 +8470,7 @@
                 <p:cNvPr id="63" name="Forma Livre: Forma 62">
                   <a:extLst>
                     <a:ext uri="{FF2B5EF4-FFF2-40B4-BE49-F238E27FC236}">
-                      <a16:creationId xmlns:a16="http://schemas.microsoft.com/office/drawing/2014/main" xmlns="" id="{C3AB2ABC-DB3D-4C9A-B36E-6BB7A4421041}"/>
+                      <a16:creationId xmlns="" xmlns:a16="http://schemas.microsoft.com/office/drawing/2014/main" id="{C3AB2ABC-DB3D-4C9A-B36E-6BB7A4421041}"/>
                     </a:ext>
                   </a:extLst>
                 </p:cNvPr>
@@ -8555,7 +8555,7 @@
                 <p:cNvPr id="64" name="Forma Livre: Forma 63">
                   <a:extLst>
                     <a:ext uri="{FF2B5EF4-FFF2-40B4-BE49-F238E27FC236}">
-                      <a16:creationId xmlns:a16="http://schemas.microsoft.com/office/drawing/2014/main" xmlns="" id="{1C697447-CA7D-405E-8628-61488C0CCF61}"/>
+                      <a16:creationId xmlns="" xmlns:a16="http://schemas.microsoft.com/office/drawing/2014/main" id="{1C697447-CA7D-405E-8628-61488C0CCF61}"/>
                     </a:ext>
                   </a:extLst>
                 </p:cNvPr>
@@ -8641,7 +8641,7 @@
               <p:cNvPr id="45" name="Retângulo: Cantos Arredondados 44">
                 <a:extLst>
                   <a:ext uri="{FF2B5EF4-FFF2-40B4-BE49-F238E27FC236}">
-                    <a16:creationId xmlns:a16="http://schemas.microsoft.com/office/drawing/2014/main" xmlns="" id="{2DB85195-2BC9-41FC-8FF7-4DA194475593}"/>
+                    <a16:creationId xmlns="" xmlns:a16="http://schemas.microsoft.com/office/drawing/2014/main" id="{2DB85195-2BC9-41FC-8FF7-4DA194475593}"/>
                   </a:ext>
                 </a:extLst>
               </p:cNvPr>
@@ -8693,7 +8693,7 @@
               <p:cNvPr id="46" name="Retângulo: Cantos Arredondados 45">
                 <a:extLst>
                   <a:ext uri="{FF2B5EF4-FFF2-40B4-BE49-F238E27FC236}">
-                    <a16:creationId xmlns:a16="http://schemas.microsoft.com/office/drawing/2014/main" xmlns="" id="{22120934-64E1-4243-A3C9-F2333CD81248}"/>
+                    <a16:creationId xmlns="" xmlns:a16="http://schemas.microsoft.com/office/drawing/2014/main" id="{22120934-64E1-4243-A3C9-F2333CD81248}"/>
                   </a:ext>
                 </a:extLst>
               </p:cNvPr>
@@ -8745,7 +8745,7 @@
               <p:cNvPr id="47" name="Forma Livre: Forma 46">
                 <a:extLst>
                   <a:ext uri="{FF2B5EF4-FFF2-40B4-BE49-F238E27FC236}">
-                    <a16:creationId xmlns:a16="http://schemas.microsoft.com/office/drawing/2014/main" xmlns="" id="{068BA003-CB8C-4A97-8A20-CE99A2056A9C}"/>
+                    <a16:creationId xmlns="" xmlns:a16="http://schemas.microsoft.com/office/drawing/2014/main" id="{068BA003-CB8C-4A97-8A20-CE99A2056A9C}"/>
                   </a:ext>
                 </a:extLst>
               </p:cNvPr>
@@ -8918,7 +8918,7 @@
               <p:cNvPr id="56" name="Agrupar 55">
                 <a:extLst>
                   <a:ext uri="{FF2B5EF4-FFF2-40B4-BE49-F238E27FC236}">
-                    <a16:creationId xmlns:a16="http://schemas.microsoft.com/office/drawing/2014/main" xmlns="" id="{9B875EC0-FE98-4078-8488-EC2DA10CD36F}"/>
+                    <a16:creationId xmlns="" xmlns:a16="http://schemas.microsoft.com/office/drawing/2014/main" id="{9B875EC0-FE98-4078-8488-EC2DA10CD36F}"/>
                   </a:ext>
                 </a:extLst>
               </p:cNvPr>
@@ -8939,7 +8939,7 @@
                 <p:cNvPr id="57" name="Forma Livre: Forma 56">
                   <a:extLst>
                     <a:ext uri="{FF2B5EF4-FFF2-40B4-BE49-F238E27FC236}">
-                      <a16:creationId xmlns:a16="http://schemas.microsoft.com/office/drawing/2014/main" xmlns="" id="{AB170364-870B-48AE-8BB7-23F5B559323F}"/>
+                      <a16:creationId xmlns="" xmlns:a16="http://schemas.microsoft.com/office/drawing/2014/main" id="{AB170364-870B-48AE-8BB7-23F5B559323F}"/>
                     </a:ext>
                   </a:extLst>
                 </p:cNvPr>
@@ -9084,7 +9084,7 @@
                 <p:cNvPr id="58" name="Forma Livre: Forma 57">
                   <a:extLst>
                     <a:ext uri="{FF2B5EF4-FFF2-40B4-BE49-F238E27FC236}">
-                      <a16:creationId xmlns:a16="http://schemas.microsoft.com/office/drawing/2014/main" xmlns="" id="{D75011AA-2CA3-43AA-909B-7FD66FB4407B}"/>
+                      <a16:creationId xmlns="" xmlns:a16="http://schemas.microsoft.com/office/drawing/2014/main" id="{D75011AA-2CA3-43AA-909B-7FD66FB4407B}"/>
                     </a:ext>
                   </a:extLst>
                 </p:cNvPr>
@@ -9229,7 +9229,7 @@
                 <p:cNvPr id="59" name="Elipse 58">
                   <a:extLst>
                     <a:ext uri="{FF2B5EF4-FFF2-40B4-BE49-F238E27FC236}">
-                      <a16:creationId xmlns:a16="http://schemas.microsoft.com/office/drawing/2014/main" xmlns="" id="{107D1028-E7C8-4F67-9675-BF4B317058C9}"/>
+                      <a16:creationId xmlns="" xmlns:a16="http://schemas.microsoft.com/office/drawing/2014/main" id="{107D1028-E7C8-4F67-9675-BF4B317058C9}"/>
                     </a:ext>
                   </a:extLst>
                 </p:cNvPr>
@@ -9291,7 +9291,7 @@
                 <p:cNvPr id="60" name="Retângulo: Cantos Arredondados 59">
                   <a:extLst>
                     <a:ext uri="{FF2B5EF4-FFF2-40B4-BE49-F238E27FC236}">
-                      <a16:creationId xmlns:a16="http://schemas.microsoft.com/office/drawing/2014/main" xmlns="" id="{F6D87E8A-C0A6-4044-AD19-03CAD4884A03}"/>
+                      <a16:creationId xmlns="" xmlns:a16="http://schemas.microsoft.com/office/drawing/2014/main" id="{F6D87E8A-C0A6-4044-AD19-03CAD4884A03}"/>
                     </a:ext>
                   </a:extLst>
                 </p:cNvPr>
@@ -9343,7 +9343,7 @@
                 <p:cNvPr id="61" name="Retângulo: Cantos Arredondados 60">
                   <a:extLst>
                     <a:ext uri="{FF2B5EF4-FFF2-40B4-BE49-F238E27FC236}">
-                      <a16:creationId xmlns:a16="http://schemas.microsoft.com/office/drawing/2014/main" xmlns="" id="{29BCB2F9-B9DC-4991-B0D7-4024858998C6}"/>
+                      <a16:creationId xmlns="" xmlns:a16="http://schemas.microsoft.com/office/drawing/2014/main" id="{29BCB2F9-B9DC-4991-B0D7-4024858998C6}"/>
                     </a:ext>
                   </a:extLst>
                 </p:cNvPr>
@@ -9395,7 +9395,7 @@
                 <p:cNvPr id="62" name="Retângulo: Cantos Arredondados 61">
                   <a:extLst>
                     <a:ext uri="{FF2B5EF4-FFF2-40B4-BE49-F238E27FC236}">
-                      <a16:creationId xmlns:a16="http://schemas.microsoft.com/office/drawing/2014/main" xmlns="" id="{B9CB0BB4-6CB8-4FEF-BF1C-671B6FC0FEDF}"/>
+                      <a16:creationId xmlns="" xmlns:a16="http://schemas.microsoft.com/office/drawing/2014/main" id="{B9CB0BB4-6CB8-4FEF-BF1C-671B6FC0FEDF}"/>
                     </a:ext>
                   </a:extLst>
                 </p:cNvPr>
@@ -9501,7 +9501,7 @@
             <p:cNvPr id="29" name="Agrupar 28">
               <a:extLst>
                 <a:ext uri="{FF2B5EF4-FFF2-40B4-BE49-F238E27FC236}">
-                  <a16:creationId xmlns:a16="http://schemas.microsoft.com/office/drawing/2014/main" xmlns="" id="{D901CE6E-7119-4BCC-AFB1-6843519250D5}"/>
+                  <a16:creationId xmlns="" xmlns:a16="http://schemas.microsoft.com/office/drawing/2014/main" id="{D901CE6E-7119-4BCC-AFB1-6843519250D5}"/>
                 </a:ext>
               </a:extLst>
             </p:cNvPr>
@@ -9521,7 +9521,7 @@
               <p:cNvPr id="30" name="Elipse 29">
                 <a:extLst>
                   <a:ext uri="{FF2B5EF4-FFF2-40B4-BE49-F238E27FC236}">
-                    <a16:creationId xmlns:a16="http://schemas.microsoft.com/office/drawing/2014/main" xmlns="" id="{04088BF3-B2E4-40D9-8DE2-881FC9DDFA30}"/>
+                    <a16:creationId xmlns="" xmlns:a16="http://schemas.microsoft.com/office/drawing/2014/main" id="{04088BF3-B2E4-40D9-8DE2-881FC9DDFA30}"/>
                   </a:ext>
                 </a:extLst>
               </p:cNvPr>
@@ -9573,7 +9573,7 @@
               <p:cNvPr id="31" name="Elipse 30">
                 <a:extLst>
                   <a:ext uri="{FF2B5EF4-FFF2-40B4-BE49-F238E27FC236}">
-                    <a16:creationId xmlns:a16="http://schemas.microsoft.com/office/drawing/2014/main" xmlns="" id="{744C0D49-D95C-4385-B1D3-9CF3CE73F757}"/>
+                    <a16:creationId xmlns="" xmlns:a16="http://schemas.microsoft.com/office/drawing/2014/main" id="{744C0D49-D95C-4385-B1D3-9CF3CE73F757}"/>
                   </a:ext>
                 </a:extLst>
               </p:cNvPr>
@@ -9637,7 +9637,7 @@
             <p:cNvPr id="8" name="Agrupar 65">
               <a:extLst>
                 <a:ext uri="{FF2B5EF4-FFF2-40B4-BE49-F238E27FC236}">
-                  <a16:creationId xmlns:a16="http://schemas.microsoft.com/office/drawing/2014/main" xmlns="" id="{E6954B9F-5A79-48D6-8E26-CE435D817D49}"/>
+                  <a16:creationId xmlns="" xmlns:a16="http://schemas.microsoft.com/office/drawing/2014/main" id="{E6954B9F-5A79-48D6-8E26-CE435D817D49}"/>
                 </a:ext>
               </a:extLst>
             </p:cNvPr>
@@ -9660,7 +9660,7 @@
               <p:cNvPr id="9" name="Retângulo: Cantos Arredondados 42">
                 <a:extLst>
                   <a:ext uri="{FF2B5EF4-FFF2-40B4-BE49-F238E27FC236}">
-                    <a16:creationId xmlns:a16="http://schemas.microsoft.com/office/drawing/2014/main" xmlns="" id="{E26F953E-591C-42D2-BE35-A65C44304A4F}"/>
+                    <a16:creationId xmlns="" xmlns:a16="http://schemas.microsoft.com/office/drawing/2014/main" id="{E26F953E-591C-42D2-BE35-A65C44304A4F}"/>
                   </a:ext>
                 </a:extLst>
               </p:cNvPr>
@@ -9712,7 +9712,7 @@
               <p:cNvPr id="10" name="Retângulo: Cantos Arredondados 44">
                 <a:extLst>
                   <a:ext uri="{FF2B5EF4-FFF2-40B4-BE49-F238E27FC236}">
-                    <a16:creationId xmlns:a16="http://schemas.microsoft.com/office/drawing/2014/main" xmlns="" id="{27A23B4D-3B78-466F-BC1D-26F73EB37732}"/>
+                    <a16:creationId xmlns="" xmlns:a16="http://schemas.microsoft.com/office/drawing/2014/main" id="{27A23B4D-3B78-466F-BC1D-26F73EB37732}"/>
                   </a:ext>
                 </a:extLst>
               </p:cNvPr>
@@ -9764,7 +9764,7 @@
               <p:cNvPr id="11" name="Retângulo: Cantos Arredondados 45">
                 <a:extLst>
                   <a:ext uri="{FF2B5EF4-FFF2-40B4-BE49-F238E27FC236}">
-                    <a16:creationId xmlns:a16="http://schemas.microsoft.com/office/drawing/2014/main" xmlns="" id="{0DF5B6B1-60E6-42C2-897B-8E521DD10138}"/>
+                    <a16:creationId xmlns="" xmlns:a16="http://schemas.microsoft.com/office/drawing/2014/main" id="{0DF5B6B1-60E6-42C2-897B-8E521DD10138}"/>
                   </a:ext>
                 </a:extLst>
               </p:cNvPr>
@@ -9816,7 +9816,7 @@
               <p:cNvPr id="12" name="Forma Livre: Forma 48">
                 <a:extLst>
                   <a:ext uri="{FF2B5EF4-FFF2-40B4-BE49-F238E27FC236}">
-                    <a16:creationId xmlns:a16="http://schemas.microsoft.com/office/drawing/2014/main" xmlns="" id="{147EA51B-9824-4893-8BCB-944C95F4AD44}"/>
+                    <a16:creationId xmlns="" xmlns:a16="http://schemas.microsoft.com/office/drawing/2014/main" id="{147EA51B-9824-4893-8BCB-944C95F4AD44}"/>
                   </a:ext>
                 </a:extLst>
               </p:cNvPr>
@@ -9945,7 +9945,7 @@
               <p:cNvPr id="13" name="Retângulo 12">
                 <a:extLst>
                   <a:ext uri="{FF2B5EF4-FFF2-40B4-BE49-F238E27FC236}">
-                    <a16:creationId xmlns:a16="http://schemas.microsoft.com/office/drawing/2014/main" xmlns="" id="{49C67F48-55A3-422E-B4F5-9174C0AB9645}"/>
+                    <a16:creationId xmlns="" xmlns:a16="http://schemas.microsoft.com/office/drawing/2014/main" id="{49C67F48-55A3-422E-B4F5-9174C0AB9645}"/>
                   </a:ext>
                 </a:extLst>
               </p:cNvPr>
@@ -9995,7 +9995,7 @@
               <p:cNvPr id="14" name="Retângulo: Cantos Arredondados 50">
                 <a:extLst>
                   <a:ext uri="{FF2B5EF4-FFF2-40B4-BE49-F238E27FC236}">
-                    <a16:creationId xmlns:a16="http://schemas.microsoft.com/office/drawing/2014/main" xmlns="" id="{81588C93-3361-4B45-9648-2FA7EF14917B}"/>
+                    <a16:creationId xmlns="" xmlns:a16="http://schemas.microsoft.com/office/drawing/2014/main" id="{81588C93-3361-4B45-9648-2FA7EF14917B}"/>
                   </a:ext>
                 </a:extLst>
               </p:cNvPr>
@@ -10051,7 +10051,7 @@
               <p:cNvPr id="15" name="Retângulo: Cantos Arredondados 51">
                 <a:extLst>
                   <a:ext uri="{FF2B5EF4-FFF2-40B4-BE49-F238E27FC236}">
-                    <a16:creationId xmlns:a16="http://schemas.microsoft.com/office/drawing/2014/main" xmlns="" id="{40BD0A9D-8A67-4FEC-A85A-0C36C97F9065}"/>
+                    <a16:creationId xmlns="" xmlns:a16="http://schemas.microsoft.com/office/drawing/2014/main" id="{40BD0A9D-8A67-4FEC-A85A-0C36C97F9065}"/>
                   </a:ext>
                 </a:extLst>
               </p:cNvPr>
@@ -10146,7 +10146,7 @@
           <p:cNvPr id="10" name="Agrupar 9">
             <a:extLst>
               <a:ext uri="{FF2B5EF4-FFF2-40B4-BE49-F238E27FC236}">
-                <a16:creationId xmlns:a16="http://schemas.microsoft.com/office/drawing/2014/main" xmlns="" id="{ADBF5DBA-6DC9-4430-AEE5-4797DB99B793}"/>
+                <a16:creationId xmlns="" xmlns:a16="http://schemas.microsoft.com/office/drawing/2014/main" id="{ADBF5DBA-6DC9-4430-AEE5-4797DB99B793}"/>
               </a:ext>
             </a:extLst>
           </p:cNvPr>
@@ -10166,7 +10166,7 @@
             <p:cNvPr id="5" name="Agrupar 4">
               <a:extLst>
                 <a:ext uri="{FF2B5EF4-FFF2-40B4-BE49-F238E27FC236}">
-                  <a16:creationId xmlns:a16="http://schemas.microsoft.com/office/drawing/2014/main" xmlns="" id="{6A4BADB4-8395-4D64-AA65-99E4BBA58AA6}"/>
+                  <a16:creationId xmlns="" xmlns:a16="http://schemas.microsoft.com/office/drawing/2014/main" id="{6A4BADB4-8395-4D64-AA65-99E4BBA58AA6}"/>
                 </a:ext>
               </a:extLst>
             </p:cNvPr>
@@ -10186,7 +10186,7 @@
               <p:cNvPr id="7" name="Elipse 6">
                 <a:extLst>
                   <a:ext uri="{FF2B5EF4-FFF2-40B4-BE49-F238E27FC236}">
-                    <a16:creationId xmlns:a16="http://schemas.microsoft.com/office/drawing/2014/main" xmlns="" id="{FC805A12-37B6-40BC-8F8F-70331A547323}"/>
+                    <a16:creationId xmlns="" xmlns:a16="http://schemas.microsoft.com/office/drawing/2014/main" id="{FC805A12-37B6-40BC-8F8F-70331A547323}"/>
                   </a:ext>
                 </a:extLst>
               </p:cNvPr>
@@ -10238,7 +10238,7 @@
               <p:cNvPr id="8" name="Elipse 7">
                 <a:extLst>
                   <a:ext uri="{FF2B5EF4-FFF2-40B4-BE49-F238E27FC236}">
-                    <a16:creationId xmlns:a16="http://schemas.microsoft.com/office/drawing/2014/main" xmlns="" id="{3B167D11-B095-4F49-A04C-1A3C7AF5E517}"/>
+                    <a16:creationId xmlns="" xmlns:a16="http://schemas.microsoft.com/office/drawing/2014/main" id="{3B167D11-B095-4F49-A04C-1A3C7AF5E517}"/>
                   </a:ext>
                 </a:extLst>
               </p:cNvPr>
@@ -10302,7 +10302,7 @@
             <p:cNvPr id="9" name="Balão de Pensamento: Nuvem 8">
               <a:extLst>
                 <a:ext uri="{FF2B5EF4-FFF2-40B4-BE49-F238E27FC236}">
-                  <a16:creationId xmlns:a16="http://schemas.microsoft.com/office/drawing/2014/main" xmlns="" id="{08B7F520-3234-41C8-82E4-15176AB69054}"/>
+                  <a16:creationId xmlns="" xmlns:a16="http://schemas.microsoft.com/office/drawing/2014/main" id="{08B7F520-3234-41C8-82E4-15176AB69054}"/>
                 </a:ext>
               </a:extLst>
             </p:cNvPr>
@@ -10392,7 +10392,7 @@
           <p:cNvPr id="8" name="Agrupar 7">
             <a:extLst>
               <a:ext uri="{FF2B5EF4-FFF2-40B4-BE49-F238E27FC236}">
-                <a16:creationId xmlns:a16="http://schemas.microsoft.com/office/drawing/2014/main" xmlns="" id="{9598AC08-2224-4D86-9767-8963714BDB88}"/>
+                <a16:creationId xmlns="" xmlns:a16="http://schemas.microsoft.com/office/drawing/2014/main" id="{9598AC08-2224-4D86-9767-8963714BDB88}"/>
               </a:ext>
             </a:extLst>
           </p:cNvPr>
@@ -10412,7 +10412,7 @@
             <p:cNvPr id="1026" name="Picture 2" descr="Resultado de imagem para estudo">
               <a:extLst>
                 <a:ext uri="{FF2B5EF4-FFF2-40B4-BE49-F238E27FC236}">
-                  <a16:creationId xmlns:a16="http://schemas.microsoft.com/office/drawing/2014/main" xmlns="" id="{3EAF1442-2CCD-47A6-9351-957D2C84D408}"/>
+                  <a16:creationId xmlns="" xmlns:a16="http://schemas.microsoft.com/office/drawing/2014/main" id="{3EAF1442-2CCD-47A6-9351-957D2C84D408}"/>
                 </a:ext>
               </a:extLst>
             </p:cNvPr>
@@ -10471,7 +10471,7 @@
             <p:cNvPr id="6" name="Retângulo 5">
               <a:extLst>
                 <a:ext uri="{FF2B5EF4-FFF2-40B4-BE49-F238E27FC236}">
-                  <a16:creationId xmlns:a16="http://schemas.microsoft.com/office/drawing/2014/main" xmlns="" id="{FFB67B42-C623-4336-AD94-318190B1E634}"/>
+                  <a16:creationId xmlns="" xmlns:a16="http://schemas.microsoft.com/office/drawing/2014/main" id="{FFB67B42-C623-4336-AD94-318190B1E634}"/>
                 </a:ext>
               </a:extLst>
             </p:cNvPr>
@@ -10538,7 +10538,7 @@
             <p:cNvPr id="27" name="Imagem 26">
               <a:extLst>
                 <a:ext uri="{FF2B5EF4-FFF2-40B4-BE49-F238E27FC236}">
-                  <a16:creationId xmlns:a16="http://schemas.microsoft.com/office/drawing/2014/main" xmlns="" id="{A28F0992-992E-4EE1-A689-1F287F122F74}"/>
+                  <a16:creationId xmlns="" xmlns:a16="http://schemas.microsoft.com/office/drawing/2014/main" id="{A28F0992-992E-4EE1-A689-1F287F122F74}"/>
                 </a:ext>
               </a:extLst>
             </p:cNvPr>
@@ -10574,7 +10574,7 @@
             <p:cNvPr id="28" name="Balão de Fala: Retângulo com Cantos Arredondados 27">
               <a:extLst>
                 <a:ext uri="{FF2B5EF4-FFF2-40B4-BE49-F238E27FC236}">
-                  <a16:creationId xmlns:a16="http://schemas.microsoft.com/office/drawing/2014/main" xmlns="" id="{9FBA78BA-43B5-4E98-9F4D-913B30F76A08}"/>
+                  <a16:creationId xmlns="" xmlns:a16="http://schemas.microsoft.com/office/drawing/2014/main" id="{9FBA78BA-43B5-4E98-9F4D-913B30F76A08}"/>
                 </a:ext>
               </a:extLst>
             </p:cNvPr>
@@ -10628,7 +10628,7 @@
             <p:cNvPr id="4" name="CaixaDeTexto 3">
               <a:extLst>
                 <a:ext uri="{FF2B5EF4-FFF2-40B4-BE49-F238E27FC236}">
-                  <a16:creationId xmlns:a16="http://schemas.microsoft.com/office/drawing/2014/main" xmlns="" id="{D8864BD8-EFB4-4A37-8195-112719DC3180}"/>
+                  <a16:creationId xmlns="" xmlns:a16="http://schemas.microsoft.com/office/drawing/2014/main" id="{D8864BD8-EFB4-4A37-8195-112719DC3180}"/>
                 </a:ext>
               </a:extLst>
             </p:cNvPr>
@@ -10707,7 +10707,7 @@
             <p:cNvPr id="5" name="Agrupar 4">
               <a:extLst>
                 <a:ext uri="{FF2B5EF4-FFF2-40B4-BE49-F238E27FC236}">
-                  <a16:creationId xmlns:a16="http://schemas.microsoft.com/office/drawing/2014/main" xmlns="" id="{490416C6-D865-48B4-9EC4-7EA95BD62C2B}"/>
+                  <a16:creationId xmlns="" xmlns:a16="http://schemas.microsoft.com/office/drawing/2014/main" id="{490416C6-D865-48B4-9EC4-7EA95BD62C2B}"/>
                 </a:ext>
               </a:extLst>
             </p:cNvPr>
@@ -10727,7 +10727,7 @@
               <p:cNvPr id="13" name="Agrupar 12">
                 <a:extLst>
                   <a:ext uri="{FF2B5EF4-FFF2-40B4-BE49-F238E27FC236}">
-                    <a16:creationId xmlns:a16="http://schemas.microsoft.com/office/drawing/2014/main" xmlns="" id="{BA46FBC4-2FC7-4858-8AC8-1AA7DC2698F2}"/>
+                    <a16:creationId xmlns="" xmlns:a16="http://schemas.microsoft.com/office/drawing/2014/main" id="{BA46FBC4-2FC7-4858-8AC8-1AA7DC2698F2}"/>
                   </a:ext>
                 </a:extLst>
               </p:cNvPr>
@@ -10752,7 +10752,7 @@
                 <p:cNvPr id="15" name="Retângulo 14">
                   <a:extLst>
                     <a:ext uri="{FF2B5EF4-FFF2-40B4-BE49-F238E27FC236}">
-                      <a16:creationId xmlns:a16="http://schemas.microsoft.com/office/drawing/2014/main" xmlns="" id="{9357BC88-5F9C-4B37-801F-740E49A99B2D}"/>
+                      <a16:creationId xmlns="" xmlns:a16="http://schemas.microsoft.com/office/drawing/2014/main" id="{9357BC88-5F9C-4B37-801F-740E49A99B2D}"/>
                     </a:ext>
                   </a:extLst>
                 </p:cNvPr>
@@ -10802,7 +10802,7 @@
                 <p:cNvPr id="16" name="Retângulo 15">
                   <a:extLst>
                     <a:ext uri="{FF2B5EF4-FFF2-40B4-BE49-F238E27FC236}">
-                      <a16:creationId xmlns:a16="http://schemas.microsoft.com/office/drawing/2014/main" xmlns="" id="{8883DCD6-A360-4639-9272-CB6FF4D1928B}"/>
+                      <a16:creationId xmlns="" xmlns:a16="http://schemas.microsoft.com/office/drawing/2014/main" id="{8883DCD6-A360-4639-9272-CB6FF4D1928B}"/>
                     </a:ext>
                   </a:extLst>
                 </p:cNvPr>
@@ -10852,7 +10852,7 @@
                 <p:cNvPr id="17" name="Forma Livre: Forma 16">
                   <a:extLst>
                     <a:ext uri="{FF2B5EF4-FFF2-40B4-BE49-F238E27FC236}">
-                      <a16:creationId xmlns:a16="http://schemas.microsoft.com/office/drawing/2014/main" xmlns="" id="{B2723843-0992-417D-B640-1F1E9CA98AE1}"/>
+                      <a16:creationId xmlns="" xmlns:a16="http://schemas.microsoft.com/office/drawing/2014/main" id="{B2723843-0992-417D-B640-1F1E9CA98AE1}"/>
                     </a:ext>
                   </a:extLst>
                 </p:cNvPr>
@@ -11017,7 +11017,7 @@
                 <p:cNvPr id="18" name="Forma Livre: Forma 17">
                   <a:extLst>
                     <a:ext uri="{FF2B5EF4-FFF2-40B4-BE49-F238E27FC236}">
-                      <a16:creationId xmlns:a16="http://schemas.microsoft.com/office/drawing/2014/main" xmlns="" id="{6DEBE9FE-475A-4D28-B483-7FC202F867C7}"/>
+                      <a16:creationId xmlns="" xmlns:a16="http://schemas.microsoft.com/office/drawing/2014/main" id="{6DEBE9FE-475A-4D28-B483-7FC202F867C7}"/>
                     </a:ext>
                   </a:extLst>
                 </p:cNvPr>
@@ -11167,7 +11167,7 @@
                 <p:cNvPr id="19" name="Forma Livre: Forma 18">
                   <a:extLst>
                     <a:ext uri="{FF2B5EF4-FFF2-40B4-BE49-F238E27FC236}">
-                      <a16:creationId xmlns:a16="http://schemas.microsoft.com/office/drawing/2014/main" xmlns="" id="{60F15F93-0A46-46A8-ACB4-E3DA08AD8176}"/>
+                      <a16:creationId xmlns="" xmlns:a16="http://schemas.microsoft.com/office/drawing/2014/main" id="{60F15F93-0A46-46A8-ACB4-E3DA08AD8176}"/>
                     </a:ext>
                   </a:extLst>
                 </p:cNvPr>
@@ -11463,7 +11463,7 @@
                 <p:cNvPr id="20" name="Agrupar 19">
                   <a:extLst>
                     <a:ext uri="{FF2B5EF4-FFF2-40B4-BE49-F238E27FC236}">
-                      <a16:creationId xmlns:a16="http://schemas.microsoft.com/office/drawing/2014/main" xmlns="" id="{178E7C7E-41B2-416D-A250-1E376B043CC5}"/>
+                      <a16:creationId xmlns="" xmlns:a16="http://schemas.microsoft.com/office/drawing/2014/main" id="{178E7C7E-41B2-416D-A250-1E376B043CC5}"/>
                     </a:ext>
                   </a:extLst>
                 </p:cNvPr>
@@ -11484,7 +11484,7 @@
                   <p:cNvPr id="21" name="Cruz 20">
                     <a:extLst>
                       <a:ext uri="{FF2B5EF4-FFF2-40B4-BE49-F238E27FC236}">
-                        <a16:creationId xmlns:a16="http://schemas.microsoft.com/office/drawing/2014/main" xmlns="" id="{2149E439-BB27-47A6-8B29-66258FD38C44}"/>
+                        <a16:creationId xmlns="" xmlns:a16="http://schemas.microsoft.com/office/drawing/2014/main" id="{2149E439-BB27-47A6-8B29-66258FD38C44}"/>
                       </a:ext>
                     </a:extLst>
                   </p:cNvPr>
@@ -11536,7 +11536,7 @@
                   <p:cNvPr id="22" name="Cruz 21">
                     <a:extLst>
                       <a:ext uri="{FF2B5EF4-FFF2-40B4-BE49-F238E27FC236}">
-                        <a16:creationId xmlns:a16="http://schemas.microsoft.com/office/drawing/2014/main" xmlns="" id="{FC33683E-1BC6-41EB-A0B6-69ED1DA02866}"/>
+                        <a16:creationId xmlns="" xmlns:a16="http://schemas.microsoft.com/office/drawing/2014/main" id="{FC33683E-1BC6-41EB-A0B6-69ED1DA02866}"/>
                       </a:ext>
                     </a:extLst>
                   </p:cNvPr>
@@ -11588,7 +11588,7 @@
                   <p:cNvPr id="23" name="Cruz 22">
                     <a:extLst>
                       <a:ext uri="{FF2B5EF4-FFF2-40B4-BE49-F238E27FC236}">
-                        <a16:creationId xmlns:a16="http://schemas.microsoft.com/office/drawing/2014/main" xmlns="" id="{10EF9D45-5ED9-4AB0-A47E-9068223F1CD6}"/>
+                        <a16:creationId xmlns="" xmlns:a16="http://schemas.microsoft.com/office/drawing/2014/main" id="{10EF9D45-5ED9-4AB0-A47E-9068223F1CD6}"/>
                       </a:ext>
                     </a:extLst>
                   </p:cNvPr>
@@ -11640,7 +11640,7 @@
                   <p:cNvPr id="24" name="Grupo 19">
                     <a:extLst>
                       <a:ext uri="{FF2B5EF4-FFF2-40B4-BE49-F238E27FC236}">
-                        <a16:creationId xmlns:a16="http://schemas.microsoft.com/office/drawing/2014/main" xmlns="" id="{034F0F40-7E9E-46BE-A8F4-803DCAAEE67D}"/>
+                        <a16:creationId xmlns="" xmlns:a16="http://schemas.microsoft.com/office/drawing/2014/main" id="{034F0F40-7E9E-46BE-A8F4-803DCAAEE67D}"/>
                       </a:ext>
                     </a:extLst>
                   </p:cNvPr>
@@ -11661,7 +11661,7 @@
                     <p:cNvPr id="25" name="Cruz 24">
                       <a:extLst>
                         <a:ext uri="{FF2B5EF4-FFF2-40B4-BE49-F238E27FC236}">
-                          <a16:creationId xmlns:a16="http://schemas.microsoft.com/office/drawing/2014/main" xmlns="" id="{0431BD47-C23F-4D16-A1BE-8ABFC2519B5F}"/>
+                          <a16:creationId xmlns="" xmlns:a16="http://schemas.microsoft.com/office/drawing/2014/main" id="{0431BD47-C23F-4D16-A1BE-8ABFC2519B5F}"/>
                         </a:ext>
                       </a:extLst>
                     </p:cNvPr>
@@ -11713,7 +11713,7 @@
                     <p:cNvPr id="26" name="Cruz 25">
                       <a:extLst>
                         <a:ext uri="{FF2B5EF4-FFF2-40B4-BE49-F238E27FC236}">
-                          <a16:creationId xmlns:a16="http://schemas.microsoft.com/office/drawing/2014/main" xmlns="" id="{0DE84CDA-DB56-4A8C-A859-AA59AD65F9EA}"/>
+                          <a16:creationId xmlns="" xmlns:a16="http://schemas.microsoft.com/office/drawing/2014/main" id="{0DE84CDA-DB56-4A8C-A859-AA59AD65F9EA}"/>
                         </a:ext>
                       </a:extLst>
                     </p:cNvPr>
@@ -11768,7 +11768,7 @@
               <p:cNvPr id="14" name="Triângulo Retângulo 13">
                 <a:extLst>
                   <a:ext uri="{FF2B5EF4-FFF2-40B4-BE49-F238E27FC236}">
-                    <a16:creationId xmlns:a16="http://schemas.microsoft.com/office/drawing/2014/main" xmlns="" id="{ACC57A60-211E-4911-8FD2-180C93A80BD0}"/>
+                    <a16:creationId xmlns="" xmlns:a16="http://schemas.microsoft.com/office/drawing/2014/main" id="{ACC57A60-211E-4911-8FD2-180C93A80BD0}"/>
                   </a:ext>
                 </a:extLst>
               </p:cNvPr>
@@ -12385,7 +12385,7 @@
           <p:cNvPr id="16" name="Agrupar 10">
             <a:extLst>
               <a:ext uri="{FF2B5EF4-FFF2-40B4-BE49-F238E27FC236}">
-                <a16:creationId xmlns:a16="http://schemas.microsoft.com/office/drawing/2014/main" xmlns="" id="{6AF02D4B-4DF3-475B-B829-3C06117FCA8A}"/>
+                <a16:creationId xmlns="" xmlns:a16="http://schemas.microsoft.com/office/drawing/2014/main" id="{6AF02D4B-4DF3-475B-B829-3C06117FCA8A}"/>
               </a:ext>
             </a:extLst>
           </p:cNvPr>
@@ -12405,7 +12405,7 @@
             <p:cNvPr id="19" name="Elipse 18">
               <a:extLst>
                 <a:ext uri="{FF2B5EF4-FFF2-40B4-BE49-F238E27FC236}">
-                  <a16:creationId xmlns:a16="http://schemas.microsoft.com/office/drawing/2014/main" xmlns="" id="{DC48528D-2244-4D30-8F41-EF1272F6C6E4}"/>
+                  <a16:creationId xmlns="" xmlns:a16="http://schemas.microsoft.com/office/drawing/2014/main" id="{DC48528D-2244-4D30-8F41-EF1272F6C6E4}"/>
                 </a:ext>
               </a:extLst>
             </p:cNvPr>
@@ -12457,7 +12457,7 @@
             <p:cNvPr id="24" name="Elipse 23">
               <a:extLst>
                 <a:ext uri="{FF2B5EF4-FFF2-40B4-BE49-F238E27FC236}">
-                  <a16:creationId xmlns:a16="http://schemas.microsoft.com/office/drawing/2014/main" xmlns="" id="{FC41C085-3866-4F15-B8F6-7312BBF43D3D}"/>
+                  <a16:creationId xmlns="" xmlns:a16="http://schemas.microsoft.com/office/drawing/2014/main" id="{FC41C085-3866-4F15-B8F6-7312BBF43D3D}"/>
                 </a:ext>
               </a:extLst>
             </p:cNvPr>
@@ -12520,7 +12520,7 @@
             <p:cNvPr id="25" name="Agrupar 9">
               <a:extLst>
                 <a:ext uri="{FF2B5EF4-FFF2-40B4-BE49-F238E27FC236}">
-                  <a16:creationId xmlns:a16="http://schemas.microsoft.com/office/drawing/2014/main" xmlns="" id="{1B5F2692-C765-4EC2-80E6-6BCCEE306581}"/>
+                  <a16:creationId xmlns="" xmlns:a16="http://schemas.microsoft.com/office/drawing/2014/main" id="{1B5F2692-C765-4EC2-80E6-6BCCEE306581}"/>
                 </a:ext>
               </a:extLst>
             </p:cNvPr>
@@ -12540,7 +12540,7 @@
               <p:cNvPr id="26" name="Retângulo: Cantos Arredondados 7">
                 <a:extLst>
                   <a:ext uri="{FF2B5EF4-FFF2-40B4-BE49-F238E27FC236}">
-                    <a16:creationId xmlns:a16="http://schemas.microsoft.com/office/drawing/2014/main" xmlns="" id="{642A98A9-5B39-4661-B7AD-4ED8AFAFC1E3}"/>
+                    <a16:creationId xmlns="" xmlns:a16="http://schemas.microsoft.com/office/drawing/2014/main" id="{642A98A9-5B39-4661-B7AD-4ED8AFAFC1E3}"/>
                   </a:ext>
                 </a:extLst>
               </p:cNvPr>
@@ -12594,7 +12594,7 @@
               <p:cNvPr id="27" name="Retângulo: Cantos Arredondados 8">
                 <a:extLst>
                   <a:ext uri="{FF2B5EF4-FFF2-40B4-BE49-F238E27FC236}">
-                    <a16:creationId xmlns:a16="http://schemas.microsoft.com/office/drawing/2014/main" xmlns="" id="{11C0A799-8BF3-4FE6-8C64-2079434EF400}"/>
+                    <a16:creationId xmlns="" xmlns:a16="http://schemas.microsoft.com/office/drawing/2014/main" id="{11C0A799-8BF3-4FE6-8C64-2079434EF400}"/>
                   </a:ext>
                 </a:extLst>
               </p:cNvPr>
@@ -12650,7 +12650,7 @@
           <p:cNvPr id="28" name="Agrupar 9">
             <a:extLst>
               <a:ext uri="{FF2B5EF4-FFF2-40B4-BE49-F238E27FC236}">
-                <a16:creationId xmlns:a16="http://schemas.microsoft.com/office/drawing/2014/main" xmlns="" id="{ADBF5DBA-6DC9-4430-AEE5-4797DB99B793}"/>
+                <a16:creationId xmlns="" xmlns:a16="http://schemas.microsoft.com/office/drawing/2014/main" id="{ADBF5DBA-6DC9-4430-AEE5-4797DB99B793}"/>
               </a:ext>
             </a:extLst>
           </p:cNvPr>
@@ -12670,7 +12670,7 @@
             <p:cNvPr id="29" name="Agrupar 4">
               <a:extLst>
                 <a:ext uri="{FF2B5EF4-FFF2-40B4-BE49-F238E27FC236}">
-                  <a16:creationId xmlns:a16="http://schemas.microsoft.com/office/drawing/2014/main" xmlns="" id="{6A4BADB4-8395-4D64-AA65-99E4BBA58AA6}"/>
+                  <a16:creationId xmlns="" xmlns:a16="http://schemas.microsoft.com/office/drawing/2014/main" id="{6A4BADB4-8395-4D64-AA65-99E4BBA58AA6}"/>
                 </a:ext>
               </a:extLst>
             </p:cNvPr>
@@ -12690,7 +12690,7 @@
               <p:cNvPr id="31" name="Elipse 30">
                 <a:extLst>
                   <a:ext uri="{FF2B5EF4-FFF2-40B4-BE49-F238E27FC236}">
-                    <a16:creationId xmlns:a16="http://schemas.microsoft.com/office/drawing/2014/main" xmlns="" id="{FC805A12-37B6-40BC-8F8F-70331A547323}"/>
+                    <a16:creationId xmlns="" xmlns:a16="http://schemas.microsoft.com/office/drawing/2014/main" id="{FC805A12-37B6-40BC-8F8F-70331A547323}"/>
                   </a:ext>
                 </a:extLst>
               </p:cNvPr>
@@ -12742,7 +12742,7 @@
               <p:cNvPr id="32" name="Elipse 31">
                 <a:extLst>
                   <a:ext uri="{FF2B5EF4-FFF2-40B4-BE49-F238E27FC236}">
-                    <a16:creationId xmlns:a16="http://schemas.microsoft.com/office/drawing/2014/main" xmlns="" id="{3B167D11-B095-4F49-A04C-1A3C7AF5E517}"/>
+                    <a16:creationId xmlns="" xmlns:a16="http://schemas.microsoft.com/office/drawing/2014/main" id="{3B167D11-B095-4F49-A04C-1A3C7AF5E517}"/>
                   </a:ext>
                 </a:extLst>
               </p:cNvPr>
@@ -12806,7 +12806,7 @@
             <p:cNvPr id="30" name="Balão de Pensamento: Nuvem 8">
               <a:extLst>
                 <a:ext uri="{FF2B5EF4-FFF2-40B4-BE49-F238E27FC236}">
-                  <a16:creationId xmlns:a16="http://schemas.microsoft.com/office/drawing/2014/main" xmlns="" id="{08B7F520-3234-41C8-82E4-15176AB69054}"/>
+                  <a16:creationId xmlns="" xmlns:a16="http://schemas.microsoft.com/office/drawing/2014/main" id="{08B7F520-3234-41C8-82E4-15176AB69054}"/>
                 </a:ext>
               </a:extLst>
             </p:cNvPr>
@@ -12873,7 +12873,7 @@
             <p:cNvPr id="34" name="Agrupar 28">
               <a:extLst>
                 <a:ext uri="{FF2B5EF4-FFF2-40B4-BE49-F238E27FC236}">
-                  <a16:creationId xmlns:a16="http://schemas.microsoft.com/office/drawing/2014/main" xmlns="" id="{D901CE6E-7119-4BCC-AFB1-6843519250D5}"/>
+                  <a16:creationId xmlns="" xmlns:a16="http://schemas.microsoft.com/office/drawing/2014/main" id="{D901CE6E-7119-4BCC-AFB1-6843519250D5}"/>
                 </a:ext>
               </a:extLst>
             </p:cNvPr>
@@ -12893,7 +12893,7 @@
               <p:cNvPr id="44" name="Elipse 43">
                 <a:extLst>
                   <a:ext uri="{FF2B5EF4-FFF2-40B4-BE49-F238E27FC236}">
-                    <a16:creationId xmlns:a16="http://schemas.microsoft.com/office/drawing/2014/main" xmlns="" id="{04088BF3-B2E4-40D9-8DE2-881FC9DDFA30}"/>
+                    <a16:creationId xmlns="" xmlns:a16="http://schemas.microsoft.com/office/drawing/2014/main" id="{04088BF3-B2E4-40D9-8DE2-881FC9DDFA30}"/>
                   </a:ext>
                 </a:extLst>
               </p:cNvPr>
@@ -12945,7 +12945,7 @@
               <p:cNvPr id="45" name="Elipse 44">
                 <a:extLst>
                   <a:ext uri="{FF2B5EF4-FFF2-40B4-BE49-F238E27FC236}">
-                    <a16:creationId xmlns:a16="http://schemas.microsoft.com/office/drawing/2014/main" xmlns="" id="{744C0D49-D95C-4385-B1D3-9CF3CE73F757}"/>
+                    <a16:creationId xmlns="" xmlns:a16="http://schemas.microsoft.com/office/drawing/2014/main" id="{744C0D49-D95C-4385-B1D3-9CF3CE73F757}"/>
                   </a:ext>
                 </a:extLst>
               </p:cNvPr>
@@ -13009,7 +13009,7 @@
             <p:cNvPr id="36" name="Agrupar 65">
               <a:extLst>
                 <a:ext uri="{FF2B5EF4-FFF2-40B4-BE49-F238E27FC236}">
-                  <a16:creationId xmlns:a16="http://schemas.microsoft.com/office/drawing/2014/main" xmlns="" id="{E6954B9F-5A79-48D6-8E26-CE435D817D49}"/>
+                  <a16:creationId xmlns="" xmlns:a16="http://schemas.microsoft.com/office/drawing/2014/main" id="{E6954B9F-5A79-48D6-8E26-CE435D817D49}"/>
                 </a:ext>
               </a:extLst>
             </p:cNvPr>
@@ -13032,7 +13032,7 @@
               <p:cNvPr id="37" name="Retângulo: Cantos Arredondados 42">
                 <a:extLst>
                   <a:ext uri="{FF2B5EF4-FFF2-40B4-BE49-F238E27FC236}">
-                    <a16:creationId xmlns:a16="http://schemas.microsoft.com/office/drawing/2014/main" xmlns="" id="{E26F953E-591C-42D2-BE35-A65C44304A4F}"/>
+                    <a16:creationId xmlns="" xmlns:a16="http://schemas.microsoft.com/office/drawing/2014/main" id="{E26F953E-591C-42D2-BE35-A65C44304A4F}"/>
                   </a:ext>
                 </a:extLst>
               </p:cNvPr>
@@ -13084,7 +13084,7 @@
               <p:cNvPr id="38" name="Retângulo: Cantos Arredondados 44">
                 <a:extLst>
                   <a:ext uri="{FF2B5EF4-FFF2-40B4-BE49-F238E27FC236}">
-                    <a16:creationId xmlns:a16="http://schemas.microsoft.com/office/drawing/2014/main" xmlns="" id="{27A23B4D-3B78-466F-BC1D-26F73EB37732}"/>
+                    <a16:creationId xmlns="" xmlns:a16="http://schemas.microsoft.com/office/drawing/2014/main" id="{27A23B4D-3B78-466F-BC1D-26F73EB37732}"/>
                   </a:ext>
                 </a:extLst>
               </p:cNvPr>
@@ -13136,7 +13136,7 @@
               <p:cNvPr id="39" name="Retângulo: Cantos Arredondados 45">
                 <a:extLst>
                   <a:ext uri="{FF2B5EF4-FFF2-40B4-BE49-F238E27FC236}">
-                    <a16:creationId xmlns:a16="http://schemas.microsoft.com/office/drawing/2014/main" xmlns="" id="{0DF5B6B1-60E6-42C2-897B-8E521DD10138}"/>
+                    <a16:creationId xmlns="" xmlns:a16="http://schemas.microsoft.com/office/drawing/2014/main" id="{0DF5B6B1-60E6-42C2-897B-8E521DD10138}"/>
                   </a:ext>
                 </a:extLst>
               </p:cNvPr>
@@ -13188,7 +13188,7 @@
               <p:cNvPr id="40" name="Forma Livre: Forma 48">
                 <a:extLst>
                   <a:ext uri="{FF2B5EF4-FFF2-40B4-BE49-F238E27FC236}">
-                    <a16:creationId xmlns:a16="http://schemas.microsoft.com/office/drawing/2014/main" xmlns="" id="{147EA51B-9824-4893-8BCB-944C95F4AD44}"/>
+                    <a16:creationId xmlns="" xmlns:a16="http://schemas.microsoft.com/office/drawing/2014/main" id="{147EA51B-9824-4893-8BCB-944C95F4AD44}"/>
                   </a:ext>
                 </a:extLst>
               </p:cNvPr>
@@ -13317,7 +13317,7 @@
               <p:cNvPr id="41" name="Retângulo 40">
                 <a:extLst>
                   <a:ext uri="{FF2B5EF4-FFF2-40B4-BE49-F238E27FC236}">
-                    <a16:creationId xmlns:a16="http://schemas.microsoft.com/office/drawing/2014/main" xmlns="" id="{49C67F48-55A3-422E-B4F5-9174C0AB9645}"/>
+                    <a16:creationId xmlns="" xmlns:a16="http://schemas.microsoft.com/office/drawing/2014/main" id="{49C67F48-55A3-422E-B4F5-9174C0AB9645}"/>
                   </a:ext>
                 </a:extLst>
               </p:cNvPr>
@@ -13367,7 +13367,7 @@
               <p:cNvPr id="42" name="Retângulo: Cantos Arredondados 50">
                 <a:extLst>
                   <a:ext uri="{FF2B5EF4-FFF2-40B4-BE49-F238E27FC236}">
-                    <a16:creationId xmlns:a16="http://schemas.microsoft.com/office/drawing/2014/main" xmlns="" id="{81588C93-3361-4B45-9648-2FA7EF14917B}"/>
+                    <a16:creationId xmlns="" xmlns:a16="http://schemas.microsoft.com/office/drawing/2014/main" id="{81588C93-3361-4B45-9648-2FA7EF14917B}"/>
                   </a:ext>
                 </a:extLst>
               </p:cNvPr>
@@ -13423,7 +13423,7 @@
               <p:cNvPr id="43" name="Retângulo: Cantos Arredondados 51">
                 <a:extLst>
                   <a:ext uri="{FF2B5EF4-FFF2-40B4-BE49-F238E27FC236}">
-                    <a16:creationId xmlns:a16="http://schemas.microsoft.com/office/drawing/2014/main" xmlns="" id="{40BD0A9D-8A67-4FEC-A85A-0C36C97F9065}"/>
+                    <a16:creationId xmlns="" xmlns:a16="http://schemas.microsoft.com/office/drawing/2014/main" id="{40BD0A9D-8A67-4FEC-A85A-0C36C97F9065}"/>
                   </a:ext>
                 </a:extLst>
               </p:cNvPr>
@@ -13481,7 +13481,7 @@
           <p:cNvPr id="46" name="Agrupar 66">
             <a:extLst>
               <a:ext uri="{FF2B5EF4-FFF2-40B4-BE49-F238E27FC236}">
-                <a16:creationId xmlns:a16="http://schemas.microsoft.com/office/drawing/2014/main" xmlns="" id="{79D28335-6CA8-48F7-9486-5670035BE61F}"/>
+                <a16:creationId xmlns="" xmlns:a16="http://schemas.microsoft.com/office/drawing/2014/main" id="{79D28335-6CA8-48F7-9486-5670035BE61F}"/>
               </a:ext>
             </a:extLst>
           </p:cNvPr>
@@ -13501,7 +13501,7 @@
             <p:cNvPr id="47" name="Agrupar 31">
               <a:extLst>
                 <a:ext uri="{FF2B5EF4-FFF2-40B4-BE49-F238E27FC236}">
-                  <a16:creationId xmlns:a16="http://schemas.microsoft.com/office/drawing/2014/main" xmlns="" id="{F76B8E54-6317-448B-8B57-939FECA23918}"/>
+                  <a16:creationId xmlns="" xmlns:a16="http://schemas.microsoft.com/office/drawing/2014/main" id="{F76B8E54-6317-448B-8B57-939FECA23918}"/>
                 </a:ext>
               </a:extLst>
             </p:cNvPr>
@@ -13521,7 +13521,7 @@
               <p:cNvPr id="69" name="Elipse 68">
                 <a:extLst>
                   <a:ext uri="{FF2B5EF4-FFF2-40B4-BE49-F238E27FC236}">
-                    <a16:creationId xmlns:a16="http://schemas.microsoft.com/office/drawing/2014/main" xmlns="" id="{BBB1FC3B-070F-4B35-B6A9-3E78AAADC53B}"/>
+                    <a16:creationId xmlns="" xmlns:a16="http://schemas.microsoft.com/office/drawing/2014/main" id="{BBB1FC3B-070F-4B35-B6A9-3E78AAADC53B}"/>
                   </a:ext>
                 </a:extLst>
               </p:cNvPr>
@@ -13573,7 +13573,7 @@
               <p:cNvPr id="70" name="Elipse 69">
                 <a:extLst>
                   <a:ext uri="{FF2B5EF4-FFF2-40B4-BE49-F238E27FC236}">
-                    <a16:creationId xmlns:a16="http://schemas.microsoft.com/office/drawing/2014/main" xmlns="" id="{282E9208-057A-4E62-8705-6BEE888AD164}"/>
+                    <a16:creationId xmlns="" xmlns:a16="http://schemas.microsoft.com/office/drawing/2014/main" id="{282E9208-057A-4E62-8705-6BEE888AD164}"/>
                   </a:ext>
                 </a:extLst>
               </p:cNvPr>
@@ -13637,7 +13637,7 @@
             <p:cNvPr id="48" name="Agrupar 37">
               <a:extLst>
                 <a:ext uri="{FF2B5EF4-FFF2-40B4-BE49-F238E27FC236}">
-                  <a16:creationId xmlns:a16="http://schemas.microsoft.com/office/drawing/2014/main" xmlns="" id="{C39DA378-5904-468B-9006-BB34426CAA6A}"/>
+                  <a16:creationId xmlns="" xmlns:a16="http://schemas.microsoft.com/office/drawing/2014/main" id="{C39DA378-5904-468B-9006-BB34426CAA6A}"/>
                 </a:ext>
               </a:extLst>
             </p:cNvPr>
@@ -13660,7 +13660,7 @@
               <p:cNvPr id="49" name="Agrupar 38">
                 <a:extLst>
                   <a:ext uri="{FF2B5EF4-FFF2-40B4-BE49-F238E27FC236}">
-                    <a16:creationId xmlns:a16="http://schemas.microsoft.com/office/drawing/2014/main" xmlns="" id="{4870CD5A-4864-48FF-9CA6-C7BB29574A14}"/>
+                    <a16:creationId xmlns="" xmlns:a16="http://schemas.microsoft.com/office/drawing/2014/main" id="{4870CD5A-4864-48FF-9CA6-C7BB29574A14}"/>
                   </a:ext>
                 </a:extLst>
               </p:cNvPr>
@@ -13681,7 +13681,7 @@
                 <p:cNvPr id="67" name="Forma Livre: Forma 64">
                   <a:extLst>
                     <a:ext uri="{FF2B5EF4-FFF2-40B4-BE49-F238E27FC236}">
-                      <a16:creationId xmlns:a16="http://schemas.microsoft.com/office/drawing/2014/main" xmlns="" id="{2AD9F40D-5F76-4B52-AF95-1CF338E6E047}"/>
+                      <a16:creationId xmlns="" xmlns:a16="http://schemas.microsoft.com/office/drawing/2014/main" id="{2AD9F40D-5F76-4B52-AF95-1CF338E6E047}"/>
                     </a:ext>
                   </a:extLst>
                 </p:cNvPr>
@@ -13766,7 +13766,7 @@
                 <p:cNvPr id="68" name="Forma Livre: Forma 65">
                   <a:extLst>
                     <a:ext uri="{FF2B5EF4-FFF2-40B4-BE49-F238E27FC236}">
-                      <a16:creationId xmlns:a16="http://schemas.microsoft.com/office/drawing/2014/main" xmlns="" id="{B6363304-AAE4-4576-9EC0-9D97FD7F4570}"/>
+                      <a16:creationId xmlns="" xmlns:a16="http://schemas.microsoft.com/office/drawing/2014/main" id="{B6363304-AAE4-4576-9EC0-9D97FD7F4570}"/>
                     </a:ext>
                   </a:extLst>
                 </p:cNvPr>
@@ -13852,7 +13852,7 @@
               <p:cNvPr id="50" name="Retângulo: Cantos Arredondados 39">
                 <a:extLst>
                   <a:ext uri="{FF2B5EF4-FFF2-40B4-BE49-F238E27FC236}">
-                    <a16:creationId xmlns:a16="http://schemas.microsoft.com/office/drawing/2014/main" xmlns="" id="{E84FDBE0-952B-4484-B8B4-2DFE7C0169EB}"/>
+                    <a16:creationId xmlns="" xmlns:a16="http://schemas.microsoft.com/office/drawing/2014/main" id="{E84FDBE0-952B-4484-B8B4-2DFE7C0169EB}"/>
                   </a:ext>
                 </a:extLst>
               </p:cNvPr>
@@ -13904,7 +13904,7 @@
               <p:cNvPr id="51" name="Retângulo 50">
                 <a:extLst>
                   <a:ext uri="{FF2B5EF4-FFF2-40B4-BE49-F238E27FC236}">
-                    <a16:creationId xmlns:a16="http://schemas.microsoft.com/office/drawing/2014/main" xmlns="" id="{504B7C1F-FF75-4E6E-8EA8-F310F9F98C49}"/>
+                    <a16:creationId xmlns="" xmlns:a16="http://schemas.microsoft.com/office/drawing/2014/main" id="{504B7C1F-FF75-4E6E-8EA8-F310F9F98C49}"/>
                   </a:ext>
                 </a:extLst>
               </p:cNvPr>
@@ -13954,7 +13954,7 @@
               <p:cNvPr id="52" name="Retângulo 51">
                 <a:extLst>
                   <a:ext uri="{FF2B5EF4-FFF2-40B4-BE49-F238E27FC236}">
-                    <a16:creationId xmlns:a16="http://schemas.microsoft.com/office/drawing/2014/main" xmlns="" id="{8CD10055-E6F4-423B-B3CD-4FE255A842D8}"/>
+                    <a16:creationId xmlns="" xmlns:a16="http://schemas.microsoft.com/office/drawing/2014/main" id="{8CD10055-E6F4-423B-B3CD-4FE255A842D8}"/>
                   </a:ext>
                 </a:extLst>
               </p:cNvPr>
@@ -14004,7 +14004,7 @@
               <p:cNvPr id="53" name="Retângulo 52">
                 <a:extLst>
                   <a:ext uri="{FF2B5EF4-FFF2-40B4-BE49-F238E27FC236}">
-                    <a16:creationId xmlns:a16="http://schemas.microsoft.com/office/drawing/2014/main" xmlns="" id="{4C2CC099-E32A-49B1-906A-62CD245E08B4}"/>
+                    <a16:creationId xmlns="" xmlns:a16="http://schemas.microsoft.com/office/drawing/2014/main" id="{4C2CC099-E32A-49B1-906A-62CD245E08B4}"/>
                   </a:ext>
                 </a:extLst>
               </p:cNvPr>
@@ -14054,7 +14054,7 @@
               <p:cNvPr id="54" name="Agrupar 43">
                 <a:extLst>
                   <a:ext uri="{FF2B5EF4-FFF2-40B4-BE49-F238E27FC236}">
-                    <a16:creationId xmlns:a16="http://schemas.microsoft.com/office/drawing/2014/main" xmlns="" id="{7FC28071-C5A4-4D9C-8C11-D0F99983D27F}"/>
+                    <a16:creationId xmlns="" xmlns:a16="http://schemas.microsoft.com/office/drawing/2014/main" id="{7FC28071-C5A4-4D9C-8C11-D0F99983D27F}"/>
                   </a:ext>
                 </a:extLst>
               </p:cNvPr>
@@ -14075,7 +14075,7 @@
                 <p:cNvPr id="65" name="Forma Livre: Forma 62">
                   <a:extLst>
                     <a:ext uri="{FF2B5EF4-FFF2-40B4-BE49-F238E27FC236}">
-                      <a16:creationId xmlns:a16="http://schemas.microsoft.com/office/drawing/2014/main" xmlns="" id="{C3AB2ABC-DB3D-4C9A-B36E-6BB7A4421041}"/>
+                      <a16:creationId xmlns="" xmlns:a16="http://schemas.microsoft.com/office/drawing/2014/main" id="{C3AB2ABC-DB3D-4C9A-B36E-6BB7A4421041}"/>
                     </a:ext>
                   </a:extLst>
                 </p:cNvPr>
@@ -14160,7 +14160,7 @@
                 <p:cNvPr id="66" name="Forma Livre: Forma 63">
                   <a:extLst>
                     <a:ext uri="{FF2B5EF4-FFF2-40B4-BE49-F238E27FC236}">
-                      <a16:creationId xmlns:a16="http://schemas.microsoft.com/office/drawing/2014/main" xmlns="" id="{1C697447-CA7D-405E-8628-61488C0CCF61}"/>
+                      <a16:creationId xmlns="" xmlns:a16="http://schemas.microsoft.com/office/drawing/2014/main" id="{1C697447-CA7D-405E-8628-61488C0CCF61}"/>
                     </a:ext>
                   </a:extLst>
                 </p:cNvPr>
@@ -14246,7 +14246,7 @@
               <p:cNvPr id="55" name="Retângulo: Cantos Arredondados 44">
                 <a:extLst>
                   <a:ext uri="{FF2B5EF4-FFF2-40B4-BE49-F238E27FC236}">
-                    <a16:creationId xmlns:a16="http://schemas.microsoft.com/office/drawing/2014/main" xmlns="" id="{2DB85195-2BC9-41FC-8FF7-4DA194475593}"/>
+                    <a16:creationId xmlns="" xmlns:a16="http://schemas.microsoft.com/office/drawing/2014/main" id="{2DB85195-2BC9-41FC-8FF7-4DA194475593}"/>
                   </a:ext>
                 </a:extLst>
               </p:cNvPr>
@@ -14298,7 +14298,7 @@
               <p:cNvPr id="56" name="Retângulo: Cantos Arredondados 45">
                 <a:extLst>
                   <a:ext uri="{FF2B5EF4-FFF2-40B4-BE49-F238E27FC236}">
-                    <a16:creationId xmlns:a16="http://schemas.microsoft.com/office/drawing/2014/main" xmlns="" id="{22120934-64E1-4243-A3C9-F2333CD81248}"/>
+                    <a16:creationId xmlns="" xmlns:a16="http://schemas.microsoft.com/office/drawing/2014/main" id="{22120934-64E1-4243-A3C9-F2333CD81248}"/>
                   </a:ext>
                 </a:extLst>
               </p:cNvPr>
@@ -14350,7 +14350,7 @@
               <p:cNvPr id="57" name="Forma Livre: Forma 46">
                 <a:extLst>
                   <a:ext uri="{FF2B5EF4-FFF2-40B4-BE49-F238E27FC236}">
-                    <a16:creationId xmlns:a16="http://schemas.microsoft.com/office/drawing/2014/main" xmlns="" id="{068BA003-CB8C-4A97-8A20-CE99A2056A9C}"/>
+                    <a16:creationId xmlns="" xmlns:a16="http://schemas.microsoft.com/office/drawing/2014/main" id="{068BA003-CB8C-4A97-8A20-CE99A2056A9C}"/>
                   </a:ext>
                 </a:extLst>
               </p:cNvPr>
@@ -14523,7 +14523,7 @@
               <p:cNvPr id="58" name="Agrupar 55">
                 <a:extLst>
                   <a:ext uri="{FF2B5EF4-FFF2-40B4-BE49-F238E27FC236}">
-                    <a16:creationId xmlns:a16="http://schemas.microsoft.com/office/drawing/2014/main" xmlns="" id="{9B875EC0-FE98-4078-8488-EC2DA10CD36F}"/>
+                    <a16:creationId xmlns="" xmlns:a16="http://schemas.microsoft.com/office/drawing/2014/main" id="{9B875EC0-FE98-4078-8488-EC2DA10CD36F}"/>
                   </a:ext>
                 </a:extLst>
               </p:cNvPr>
@@ -14544,7 +14544,7 @@
                 <p:cNvPr id="59" name="Forma Livre: Forma 56">
                   <a:extLst>
                     <a:ext uri="{FF2B5EF4-FFF2-40B4-BE49-F238E27FC236}">
-                      <a16:creationId xmlns:a16="http://schemas.microsoft.com/office/drawing/2014/main" xmlns="" id="{AB170364-870B-48AE-8BB7-23F5B559323F}"/>
+                      <a16:creationId xmlns="" xmlns:a16="http://schemas.microsoft.com/office/drawing/2014/main" id="{AB170364-870B-48AE-8BB7-23F5B559323F}"/>
                     </a:ext>
                   </a:extLst>
                 </p:cNvPr>
@@ -14689,7 +14689,7 @@
                 <p:cNvPr id="60" name="Forma Livre: Forma 57">
                   <a:extLst>
                     <a:ext uri="{FF2B5EF4-FFF2-40B4-BE49-F238E27FC236}">
-                      <a16:creationId xmlns:a16="http://schemas.microsoft.com/office/drawing/2014/main" xmlns="" id="{D75011AA-2CA3-43AA-909B-7FD66FB4407B}"/>
+                      <a16:creationId xmlns="" xmlns:a16="http://schemas.microsoft.com/office/drawing/2014/main" id="{D75011AA-2CA3-43AA-909B-7FD66FB4407B}"/>
                     </a:ext>
                   </a:extLst>
                 </p:cNvPr>
@@ -14834,7 +14834,7 @@
                 <p:cNvPr id="61" name="Elipse 60">
                   <a:extLst>
                     <a:ext uri="{FF2B5EF4-FFF2-40B4-BE49-F238E27FC236}">
-                      <a16:creationId xmlns:a16="http://schemas.microsoft.com/office/drawing/2014/main" xmlns="" id="{107D1028-E7C8-4F67-9675-BF4B317058C9}"/>
+                      <a16:creationId xmlns="" xmlns:a16="http://schemas.microsoft.com/office/drawing/2014/main" id="{107D1028-E7C8-4F67-9675-BF4B317058C9}"/>
                     </a:ext>
                   </a:extLst>
                 </p:cNvPr>
@@ -14896,7 +14896,7 @@
                 <p:cNvPr id="62" name="Retângulo: Cantos Arredondados 59">
                   <a:extLst>
                     <a:ext uri="{FF2B5EF4-FFF2-40B4-BE49-F238E27FC236}">
-                      <a16:creationId xmlns:a16="http://schemas.microsoft.com/office/drawing/2014/main" xmlns="" id="{F6D87E8A-C0A6-4044-AD19-03CAD4884A03}"/>
+                      <a16:creationId xmlns="" xmlns:a16="http://schemas.microsoft.com/office/drawing/2014/main" id="{F6D87E8A-C0A6-4044-AD19-03CAD4884A03}"/>
                     </a:ext>
                   </a:extLst>
                 </p:cNvPr>
@@ -14948,7 +14948,7 @@
                 <p:cNvPr id="63" name="Retângulo: Cantos Arredondados 60">
                   <a:extLst>
                     <a:ext uri="{FF2B5EF4-FFF2-40B4-BE49-F238E27FC236}">
-                      <a16:creationId xmlns:a16="http://schemas.microsoft.com/office/drawing/2014/main" xmlns="" id="{29BCB2F9-B9DC-4991-B0D7-4024858998C6}"/>
+                      <a16:creationId xmlns="" xmlns:a16="http://schemas.microsoft.com/office/drawing/2014/main" id="{29BCB2F9-B9DC-4991-B0D7-4024858998C6}"/>
                     </a:ext>
                   </a:extLst>
                 </p:cNvPr>
@@ -15000,7 +15000,7 @@
                 <p:cNvPr id="64" name="Retângulo: Cantos Arredondados 61">
                   <a:extLst>
                     <a:ext uri="{FF2B5EF4-FFF2-40B4-BE49-F238E27FC236}">
-                      <a16:creationId xmlns:a16="http://schemas.microsoft.com/office/drawing/2014/main" xmlns="" id="{B9CB0BB4-6CB8-4FEF-BF1C-671B6FC0FEDF}"/>
+                      <a16:creationId xmlns="" xmlns:a16="http://schemas.microsoft.com/office/drawing/2014/main" id="{B9CB0BB4-6CB8-4FEF-BF1C-671B6FC0FEDF}"/>
                     </a:ext>
                   </a:extLst>
                 </p:cNvPr>
@@ -15100,7 +15100,7 @@
           <p:cNvPr id="114" name="Agrupar 113">
             <a:extLst>
               <a:ext uri="{FF2B5EF4-FFF2-40B4-BE49-F238E27FC236}">
-                <a16:creationId xmlns:a16="http://schemas.microsoft.com/office/drawing/2014/main" xmlns="" id="{EC4A9AC8-F4D5-4B09-8F27-10182533BBE6}"/>
+                <a16:creationId xmlns="" xmlns:a16="http://schemas.microsoft.com/office/drawing/2014/main" id="{EC4A9AC8-F4D5-4B09-8F27-10182533BBE6}"/>
               </a:ext>
             </a:extLst>
           </p:cNvPr>
@@ -15120,7 +15120,7 @@
             <p:cNvPr id="115" name="Retângulo: Cantos Arredondados 114">
               <a:extLst>
                 <a:ext uri="{FF2B5EF4-FFF2-40B4-BE49-F238E27FC236}">
-                  <a16:creationId xmlns:a16="http://schemas.microsoft.com/office/drawing/2014/main" xmlns="" id="{EF1FC69D-3983-4649-A796-EEFD15A337AF}"/>
+                  <a16:creationId xmlns="" xmlns:a16="http://schemas.microsoft.com/office/drawing/2014/main" id="{EF1FC69D-3983-4649-A796-EEFD15A337AF}"/>
                 </a:ext>
               </a:extLst>
             </p:cNvPr>
@@ -15174,7 +15174,7 @@
             <p:cNvPr id="116" name="Retângulo: Cantos Arredondados 115">
               <a:extLst>
                 <a:ext uri="{FF2B5EF4-FFF2-40B4-BE49-F238E27FC236}">
-                  <a16:creationId xmlns:a16="http://schemas.microsoft.com/office/drawing/2014/main" xmlns="" id="{E9BE8618-AB65-42F4-9752-F24130D692A7}"/>
+                  <a16:creationId xmlns="" xmlns:a16="http://schemas.microsoft.com/office/drawing/2014/main" id="{E9BE8618-AB65-42F4-9752-F24130D692A7}"/>
                 </a:ext>
               </a:extLst>
             </p:cNvPr>
@@ -15228,7 +15228,7 @@
             <p:cNvPr id="117" name="Retângulo: Cantos Arredondados 116">
               <a:extLst>
                 <a:ext uri="{FF2B5EF4-FFF2-40B4-BE49-F238E27FC236}">
-                  <a16:creationId xmlns:a16="http://schemas.microsoft.com/office/drawing/2014/main" xmlns="" id="{877780EE-28A7-4A14-A0E6-0A3212B86155}"/>
+                  <a16:creationId xmlns="" xmlns:a16="http://schemas.microsoft.com/office/drawing/2014/main" id="{877780EE-28A7-4A14-A0E6-0A3212B86155}"/>
                 </a:ext>
               </a:extLst>
             </p:cNvPr>
@@ -15282,7 +15282,7 @@
             <p:cNvPr id="118" name="Forma Livre: Forma 117">
               <a:extLst>
                 <a:ext uri="{FF2B5EF4-FFF2-40B4-BE49-F238E27FC236}">
-                  <a16:creationId xmlns:a16="http://schemas.microsoft.com/office/drawing/2014/main" xmlns="" id="{B78ADCF5-F5CC-4A76-A645-64BB061DE346}"/>
+                  <a16:creationId xmlns="" xmlns:a16="http://schemas.microsoft.com/office/drawing/2014/main" id="{B78ADCF5-F5CC-4A76-A645-64BB061DE346}"/>
                 </a:ext>
               </a:extLst>
             </p:cNvPr>
@@ -15413,7 +15413,7 @@
             <p:cNvPr id="119" name="Retângulo 118">
               <a:extLst>
                 <a:ext uri="{FF2B5EF4-FFF2-40B4-BE49-F238E27FC236}">
-                  <a16:creationId xmlns:a16="http://schemas.microsoft.com/office/drawing/2014/main" xmlns="" id="{67F7C1E0-20D5-4DEF-AFBF-7E75BED02803}"/>
+                  <a16:creationId xmlns="" xmlns:a16="http://schemas.microsoft.com/office/drawing/2014/main" id="{67F7C1E0-20D5-4DEF-AFBF-7E75BED02803}"/>
                 </a:ext>
               </a:extLst>
             </p:cNvPr>
@@ -15465,7 +15465,7 @@
             <p:cNvPr id="120" name="Retângulo: Cantos Arredondados 119">
               <a:extLst>
                 <a:ext uri="{FF2B5EF4-FFF2-40B4-BE49-F238E27FC236}">
-                  <a16:creationId xmlns:a16="http://schemas.microsoft.com/office/drawing/2014/main" xmlns="" id="{7E3F3600-A9E2-4867-B866-D3808239A0A7}"/>
+                  <a16:creationId xmlns="" xmlns:a16="http://schemas.microsoft.com/office/drawing/2014/main" id="{7E3F3600-A9E2-4867-B866-D3808239A0A7}"/>
                 </a:ext>
               </a:extLst>
             </p:cNvPr>
@@ -15519,7 +15519,7 @@
             <p:cNvPr id="121" name="Retângulo: Cantos Arredondados 120">
               <a:extLst>
                 <a:ext uri="{FF2B5EF4-FFF2-40B4-BE49-F238E27FC236}">
-                  <a16:creationId xmlns:a16="http://schemas.microsoft.com/office/drawing/2014/main" xmlns="" id="{C2F572A8-FFF0-4736-BA07-19DD78D4F3C1}"/>
+                  <a16:creationId xmlns="" xmlns:a16="http://schemas.microsoft.com/office/drawing/2014/main" id="{C2F572A8-FFF0-4736-BA07-19DD78D4F3C1}"/>
                 </a:ext>
               </a:extLst>
             </p:cNvPr>
@@ -15591,7 +15591,7 @@
             <p:cNvPr id="31" name="Retângulo 30">
               <a:extLst>
                 <a:ext uri="{FF2B5EF4-FFF2-40B4-BE49-F238E27FC236}">
-                  <a16:creationId xmlns:a16="http://schemas.microsoft.com/office/drawing/2014/main" xmlns="" id="{1D35B8E0-5B77-4F78-B020-1D9680793D3F}"/>
+                  <a16:creationId xmlns="" xmlns:a16="http://schemas.microsoft.com/office/drawing/2014/main" id="{1D35B8E0-5B77-4F78-B020-1D9680793D3F}"/>
                 </a:ext>
               </a:extLst>
             </p:cNvPr>
@@ -15641,7 +15641,7 @@
             <p:cNvPr id="47" name="Forma Livre: Forma 46">
               <a:extLst>
                 <a:ext uri="{FF2B5EF4-FFF2-40B4-BE49-F238E27FC236}">
-                  <a16:creationId xmlns:a16="http://schemas.microsoft.com/office/drawing/2014/main" xmlns="" id="{CA5AA3B5-D86F-47B1-BF70-AFBE1E3895A9}"/>
+                  <a16:creationId xmlns="" xmlns:a16="http://schemas.microsoft.com/office/drawing/2014/main" id="{CA5AA3B5-D86F-47B1-BF70-AFBE1E3895A9}"/>
                 </a:ext>
               </a:extLst>
             </p:cNvPr>
@@ -15806,7 +15806,7 @@
             <p:cNvPr id="57" name="Forma Livre: Forma 56">
               <a:extLst>
                 <a:ext uri="{FF2B5EF4-FFF2-40B4-BE49-F238E27FC236}">
-                  <a16:creationId xmlns:a16="http://schemas.microsoft.com/office/drawing/2014/main" xmlns="" id="{7C85EB61-88CA-421C-AEE1-DD45034A253C}"/>
+                  <a16:creationId xmlns="" xmlns:a16="http://schemas.microsoft.com/office/drawing/2014/main" id="{7C85EB61-88CA-421C-AEE1-DD45034A253C}"/>
                 </a:ext>
               </a:extLst>
             </p:cNvPr>
@@ -15956,7 +15956,7 @@
             <p:cNvPr id="110" name="Forma Livre: Forma 109">
               <a:extLst>
                 <a:ext uri="{FF2B5EF4-FFF2-40B4-BE49-F238E27FC236}">
-                  <a16:creationId xmlns:a16="http://schemas.microsoft.com/office/drawing/2014/main" xmlns="" id="{FDB00EED-4104-4E00-8C7E-9370791D6384}"/>
+                  <a16:creationId xmlns="" xmlns:a16="http://schemas.microsoft.com/office/drawing/2014/main" id="{FDB00EED-4104-4E00-8C7E-9370791D6384}"/>
                 </a:ext>
               </a:extLst>
             </p:cNvPr>
@@ -16252,7 +16252,7 @@
             <p:cNvPr id="111" name="Agrupar 110">
               <a:extLst>
                 <a:ext uri="{FF2B5EF4-FFF2-40B4-BE49-F238E27FC236}">
-                  <a16:creationId xmlns:a16="http://schemas.microsoft.com/office/drawing/2014/main" xmlns="" id="{1E3B85D9-26F4-43E7-A9E1-BE1B8C7ADC16}"/>
+                  <a16:creationId xmlns="" xmlns:a16="http://schemas.microsoft.com/office/drawing/2014/main" id="{1E3B85D9-26F4-43E7-A9E1-BE1B8C7ADC16}"/>
                 </a:ext>
               </a:extLst>
             </p:cNvPr>
@@ -16273,7 +16273,7 @@
               <p:cNvPr id="97" name="Cruz 96">
                 <a:extLst>
                   <a:ext uri="{FF2B5EF4-FFF2-40B4-BE49-F238E27FC236}">
-                    <a16:creationId xmlns:a16="http://schemas.microsoft.com/office/drawing/2014/main" xmlns="" id="{A668293D-2470-4C9E-AF95-4EE1BC4E3F89}"/>
+                    <a16:creationId xmlns="" xmlns:a16="http://schemas.microsoft.com/office/drawing/2014/main" id="{A668293D-2470-4C9E-AF95-4EE1BC4E3F89}"/>
                   </a:ext>
                 </a:extLst>
               </p:cNvPr>
@@ -16325,7 +16325,7 @@
               <p:cNvPr id="98" name="Cruz 97">
                 <a:extLst>
                   <a:ext uri="{FF2B5EF4-FFF2-40B4-BE49-F238E27FC236}">
-                    <a16:creationId xmlns:a16="http://schemas.microsoft.com/office/drawing/2014/main" xmlns="" id="{3149B231-2A8A-426E-BBD1-97FF35078606}"/>
+                    <a16:creationId xmlns="" xmlns:a16="http://schemas.microsoft.com/office/drawing/2014/main" id="{3149B231-2A8A-426E-BBD1-97FF35078606}"/>
                   </a:ext>
                 </a:extLst>
               </p:cNvPr>
@@ -16377,7 +16377,7 @@
               <p:cNvPr id="99" name="Cruz 98">
                 <a:extLst>
                   <a:ext uri="{FF2B5EF4-FFF2-40B4-BE49-F238E27FC236}">
-                    <a16:creationId xmlns:a16="http://schemas.microsoft.com/office/drawing/2014/main" xmlns="" id="{6D16372F-0346-4C90-B0AE-50860F04A7FF}"/>
+                    <a16:creationId xmlns="" xmlns:a16="http://schemas.microsoft.com/office/drawing/2014/main" id="{6D16372F-0346-4C90-B0AE-50860F04A7FF}"/>
                   </a:ext>
                 </a:extLst>
               </p:cNvPr>
@@ -16429,7 +16429,7 @@
               <p:cNvPr id="100" name="Grupo 19">
                 <a:extLst>
                   <a:ext uri="{FF2B5EF4-FFF2-40B4-BE49-F238E27FC236}">
-                    <a16:creationId xmlns:a16="http://schemas.microsoft.com/office/drawing/2014/main" xmlns="" id="{ECD0E47B-370B-4933-B6E5-461C50CDE360}"/>
+                    <a16:creationId xmlns="" xmlns:a16="http://schemas.microsoft.com/office/drawing/2014/main" id="{ECD0E47B-370B-4933-B6E5-461C50CDE360}"/>
                   </a:ext>
                 </a:extLst>
               </p:cNvPr>
@@ -16450,7 +16450,7 @@
                 <p:cNvPr id="106" name="Cruz 105">
                   <a:extLst>
                     <a:ext uri="{FF2B5EF4-FFF2-40B4-BE49-F238E27FC236}">
-                      <a16:creationId xmlns:a16="http://schemas.microsoft.com/office/drawing/2014/main" xmlns="" id="{F8B3730A-DFFD-4F58-AB57-6BDC4ACCFB5C}"/>
+                      <a16:creationId xmlns="" xmlns:a16="http://schemas.microsoft.com/office/drawing/2014/main" id="{F8B3730A-DFFD-4F58-AB57-6BDC4ACCFB5C}"/>
                     </a:ext>
                   </a:extLst>
                 </p:cNvPr>
@@ -16502,7 +16502,7 @@
                 <p:cNvPr id="107" name="Cruz 106">
                   <a:extLst>
                     <a:ext uri="{FF2B5EF4-FFF2-40B4-BE49-F238E27FC236}">
-                      <a16:creationId xmlns:a16="http://schemas.microsoft.com/office/drawing/2014/main" xmlns="" id="{F107EE2E-F528-4C6C-9C0C-EB7826199496}"/>
+                      <a16:creationId xmlns="" xmlns:a16="http://schemas.microsoft.com/office/drawing/2014/main" id="{F107EE2E-F528-4C6C-9C0C-EB7826199496}"/>
                     </a:ext>
                   </a:extLst>
                 </p:cNvPr>
@@ -16571,7 +16571,7 @@
               <p:cNvPr id="32" name="Retângulo 31">
                 <a:extLst>
                   <a:ext uri="{FF2B5EF4-FFF2-40B4-BE49-F238E27FC236}">
-                    <a16:creationId xmlns:a16="http://schemas.microsoft.com/office/drawing/2014/main" xmlns="" id="{923F2C6A-2603-4687-9497-EA8730BB2C49}"/>
+                    <a16:creationId xmlns="" xmlns:a16="http://schemas.microsoft.com/office/drawing/2014/main" id="{923F2C6A-2603-4687-9497-EA8730BB2C49}"/>
                   </a:ext>
                 </a:extLst>
               </p:cNvPr>
@@ -16621,7 +16621,7 @@
               <p:cNvPr id="150" name="Triângulo Retângulo 149">
                 <a:extLst>
                   <a:ext uri="{FF2B5EF4-FFF2-40B4-BE49-F238E27FC236}">
-                    <a16:creationId xmlns:a16="http://schemas.microsoft.com/office/drawing/2014/main" xmlns="" id="{3AC26621-2860-4357-980C-DA92A2D14681}"/>
+                    <a16:creationId xmlns="" xmlns:a16="http://schemas.microsoft.com/office/drawing/2014/main" id="{3AC26621-2860-4357-980C-DA92A2D14681}"/>
                   </a:ext>
                 </a:extLst>
               </p:cNvPr>
@@ -16673,7 +16673,7 @@
           <p:cNvPr id="25" name="Agrupar 25">
             <a:extLst>
               <a:ext uri="{FF2B5EF4-FFF2-40B4-BE49-F238E27FC236}">
-                <a16:creationId xmlns:a16="http://schemas.microsoft.com/office/drawing/2014/main" xmlns="" id="{8CFA2B6F-F852-4EA1-BEF1-47F61F1D6F85}"/>
+                <a16:creationId xmlns="" xmlns:a16="http://schemas.microsoft.com/office/drawing/2014/main" id="{8CFA2B6F-F852-4EA1-BEF1-47F61F1D6F85}"/>
               </a:ext>
             </a:extLst>
           </p:cNvPr>
@@ -16693,7 +16693,7 @@
             <p:cNvPr id="26" name="Agrupar 3">
               <a:extLst>
                 <a:ext uri="{FF2B5EF4-FFF2-40B4-BE49-F238E27FC236}">
-                  <a16:creationId xmlns:a16="http://schemas.microsoft.com/office/drawing/2014/main" xmlns="" id="{C45FEF34-3D77-4245-91E6-21A8D7F39CAE}"/>
+                  <a16:creationId xmlns="" xmlns:a16="http://schemas.microsoft.com/office/drawing/2014/main" id="{C45FEF34-3D77-4245-91E6-21A8D7F39CAE}"/>
                 </a:ext>
               </a:extLst>
             </p:cNvPr>
@@ -16713,7 +16713,7 @@
               <p:cNvPr id="43" name="Retângulo: Cantos Arredondados 4">
                 <a:extLst>
                   <a:ext uri="{FF2B5EF4-FFF2-40B4-BE49-F238E27FC236}">
-                    <a16:creationId xmlns:a16="http://schemas.microsoft.com/office/drawing/2014/main" xmlns="" id="{2901A741-378D-4F90-9213-3C8C001BF999}"/>
+                    <a16:creationId xmlns="" xmlns:a16="http://schemas.microsoft.com/office/drawing/2014/main" id="{2901A741-378D-4F90-9213-3C8C001BF999}"/>
                   </a:ext>
                 </a:extLst>
               </p:cNvPr>
@@ -16764,7 +16764,7 @@
               <p:cNvPr id="44" name="Retângulo: Cantos Arredondados 5">
                 <a:extLst>
                   <a:ext uri="{FF2B5EF4-FFF2-40B4-BE49-F238E27FC236}">
-                    <a16:creationId xmlns:a16="http://schemas.microsoft.com/office/drawing/2014/main" xmlns="" id="{842C104C-6712-4FAB-A86A-FAC9CE782474}"/>
+                    <a16:creationId xmlns="" xmlns:a16="http://schemas.microsoft.com/office/drawing/2014/main" id="{842C104C-6712-4FAB-A86A-FAC9CE782474}"/>
                   </a:ext>
                 </a:extLst>
               </p:cNvPr>
@@ -16818,7 +16818,7 @@
               <p:cNvPr id="45" name="Retângulo: Cantos Arredondados 6">
                 <a:extLst>
                   <a:ext uri="{FF2B5EF4-FFF2-40B4-BE49-F238E27FC236}">
-                    <a16:creationId xmlns:a16="http://schemas.microsoft.com/office/drawing/2014/main" xmlns="" id="{255A55C9-6EA9-40DD-A50C-94EDA00AB2EC}"/>
+                    <a16:creationId xmlns="" xmlns:a16="http://schemas.microsoft.com/office/drawing/2014/main" id="{255A55C9-6EA9-40DD-A50C-94EDA00AB2EC}"/>
                   </a:ext>
                 </a:extLst>
               </p:cNvPr>
@@ -16872,7 +16872,7 @@
               <p:cNvPr id="46" name="Forma Livre: Forma 7">
                 <a:extLst>
                   <a:ext uri="{FF2B5EF4-FFF2-40B4-BE49-F238E27FC236}">
-                    <a16:creationId xmlns:a16="http://schemas.microsoft.com/office/drawing/2014/main" xmlns="" id="{8B1C2CE6-4108-48D3-8CBE-635179488ECA}"/>
+                    <a16:creationId xmlns="" xmlns:a16="http://schemas.microsoft.com/office/drawing/2014/main" id="{8B1C2CE6-4108-48D3-8CBE-635179488ECA}"/>
                   </a:ext>
                 </a:extLst>
               </p:cNvPr>
@@ -17003,7 +17003,7 @@
               <p:cNvPr id="48" name="Retângulo 47">
                 <a:extLst>
                   <a:ext uri="{FF2B5EF4-FFF2-40B4-BE49-F238E27FC236}">
-                    <a16:creationId xmlns:a16="http://schemas.microsoft.com/office/drawing/2014/main" xmlns="" id="{6444A46D-5BDF-4712-88E7-104DA9FAAFD4}"/>
+                    <a16:creationId xmlns="" xmlns:a16="http://schemas.microsoft.com/office/drawing/2014/main" id="{6444A46D-5BDF-4712-88E7-104DA9FAAFD4}"/>
                   </a:ext>
                 </a:extLst>
               </p:cNvPr>
@@ -17055,7 +17055,7 @@
               <p:cNvPr id="49" name="Retângulo: Cantos Arredondados 9">
                 <a:extLst>
                   <a:ext uri="{FF2B5EF4-FFF2-40B4-BE49-F238E27FC236}">
-                    <a16:creationId xmlns:a16="http://schemas.microsoft.com/office/drawing/2014/main" xmlns="" id="{881B3B66-2052-48AF-979B-60B32E1F7F9E}"/>
+                    <a16:creationId xmlns="" xmlns:a16="http://schemas.microsoft.com/office/drawing/2014/main" id="{881B3B66-2052-48AF-979B-60B32E1F7F9E}"/>
                   </a:ext>
                 </a:extLst>
               </p:cNvPr>
@@ -17109,7 +17109,7 @@
               <p:cNvPr id="50" name="Retângulo: Cantos Arredondados 10">
                 <a:extLst>
                   <a:ext uri="{FF2B5EF4-FFF2-40B4-BE49-F238E27FC236}">
-                    <a16:creationId xmlns:a16="http://schemas.microsoft.com/office/drawing/2014/main" xmlns="" id="{8212EF75-2EF8-4DFC-BEB5-5C95D755FCDA}"/>
+                    <a16:creationId xmlns="" xmlns:a16="http://schemas.microsoft.com/office/drawing/2014/main" id="{8212EF75-2EF8-4DFC-BEB5-5C95D755FCDA}"/>
                   </a:ext>
                 </a:extLst>
               </p:cNvPr>
@@ -17164,7 +17164,7 @@
             <p:cNvPr id="27" name="Agrupar 11">
               <a:extLst>
                 <a:ext uri="{FF2B5EF4-FFF2-40B4-BE49-F238E27FC236}">
-                  <a16:creationId xmlns:a16="http://schemas.microsoft.com/office/drawing/2014/main" xmlns="" id="{97B2E01E-EC47-4BCE-BC4F-99A6EC444B19}"/>
+                  <a16:creationId xmlns="" xmlns:a16="http://schemas.microsoft.com/office/drawing/2014/main" id="{97B2E01E-EC47-4BCE-BC4F-99A6EC444B19}"/>
                 </a:ext>
               </a:extLst>
             </p:cNvPr>
@@ -17184,7 +17184,7 @@
               <p:cNvPr id="41" name="Retângulo: Cantos Arredondados 12">
                 <a:extLst>
                   <a:ext uri="{FF2B5EF4-FFF2-40B4-BE49-F238E27FC236}">
-                    <a16:creationId xmlns:a16="http://schemas.microsoft.com/office/drawing/2014/main" xmlns="" id="{10540542-C57F-4691-AF17-40583ACBA3F1}"/>
+                    <a16:creationId xmlns="" xmlns:a16="http://schemas.microsoft.com/office/drawing/2014/main" id="{10540542-C57F-4691-AF17-40583ACBA3F1}"/>
                   </a:ext>
                 </a:extLst>
               </p:cNvPr>
@@ -17238,7 +17238,7 @@
               <p:cNvPr id="42" name="Retângulo: Cantos Arredondados 13">
                 <a:extLst>
                   <a:ext uri="{FF2B5EF4-FFF2-40B4-BE49-F238E27FC236}">
-                    <a16:creationId xmlns:a16="http://schemas.microsoft.com/office/drawing/2014/main" xmlns="" id="{552902B3-14B4-4F02-ABBE-E36047405A23}"/>
+                    <a16:creationId xmlns="" xmlns:a16="http://schemas.microsoft.com/office/drawing/2014/main" id="{552902B3-14B4-4F02-ABBE-E36047405A23}"/>
                   </a:ext>
                 </a:extLst>
               </p:cNvPr>
@@ -17293,7 +17293,7 @@
             <p:cNvPr id="28" name="Agrupar 14">
               <a:extLst>
                 <a:ext uri="{FF2B5EF4-FFF2-40B4-BE49-F238E27FC236}">
-                  <a16:creationId xmlns:a16="http://schemas.microsoft.com/office/drawing/2014/main" xmlns="" id="{4DD22468-0F77-455F-8343-D2977BA9D815}"/>
+                  <a16:creationId xmlns="" xmlns:a16="http://schemas.microsoft.com/office/drawing/2014/main" id="{4DD22468-0F77-455F-8343-D2977BA9D815}"/>
                 </a:ext>
               </a:extLst>
             </p:cNvPr>
@@ -17313,7 +17313,7 @@
               <p:cNvPr id="39" name="Retângulo: Cantos Arredondados 15">
                 <a:extLst>
                   <a:ext uri="{FF2B5EF4-FFF2-40B4-BE49-F238E27FC236}">
-                    <a16:creationId xmlns:a16="http://schemas.microsoft.com/office/drawing/2014/main" xmlns="" id="{2D72A34F-4564-471A-B6AA-AE1DF400A26F}"/>
+                    <a16:creationId xmlns="" xmlns:a16="http://schemas.microsoft.com/office/drawing/2014/main" id="{2D72A34F-4564-471A-B6AA-AE1DF400A26F}"/>
                   </a:ext>
                 </a:extLst>
               </p:cNvPr>
@@ -17367,7 +17367,7 @@
               <p:cNvPr id="40" name="Retângulo: Cantos Arredondados 16">
                 <a:extLst>
                   <a:ext uri="{FF2B5EF4-FFF2-40B4-BE49-F238E27FC236}">
-                    <a16:creationId xmlns:a16="http://schemas.microsoft.com/office/drawing/2014/main" xmlns="" id="{29E778E2-383E-4A56-974F-1F35B702221A}"/>
+                    <a16:creationId xmlns="" xmlns:a16="http://schemas.microsoft.com/office/drawing/2014/main" id="{29E778E2-383E-4A56-974F-1F35B702221A}"/>
                   </a:ext>
                 </a:extLst>
               </p:cNvPr>
@@ -17422,7 +17422,7 @@
             <p:cNvPr id="29" name="Agrupar 17">
               <a:extLst>
                 <a:ext uri="{FF2B5EF4-FFF2-40B4-BE49-F238E27FC236}">
-                  <a16:creationId xmlns:a16="http://schemas.microsoft.com/office/drawing/2014/main" xmlns="" id="{1C1086BE-5C78-46C5-8759-F221A1473050}"/>
+                  <a16:creationId xmlns="" xmlns:a16="http://schemas.microsoft.com/office/drawing/2014/main" id="{1C1086BE-5C78-46C5-8759-F221A1473050}"/>
                 </a:ext>
               </a:extLst>
             </p:cNvPr>
@@ -17442,7 +17442,7 @@
               <p:cNvPr id="33" name="Forma Livre: Forma 18">
                 <a:extLst>
                   <a:ext uri="{FF2B5EF4-FFF2-40B4-BE49-F238E27FC236}">
-                    <a16:creationId xmlns:a16="http://schemas.microsoft.com/office/drawing/2014/main" xmlns="" id="{A5FF4AA1-FB76-4089-AF79-C37CF505E719}"/>
+                    <a16:creationId xmlns="" xmlns:a16="http://schemas.microsoft.com/office/drawing/2014/main" id="{A5FF4AA1-FB76-4089-AF79-C37CF505E719}"/>
                   </a:ext>
                 </a:extLst>
               </p:cNvPr>
@@ -17577,7 +17577,7 @@
               <p:cNvPr id="34" name="Forma Livre: Forma 19">
                 <a:extLst>
                   <a:ext uri="{FF2B5EF4-FFF2-40B4-BE49-F238E27FC236}">
-                    <a16:creationId xmlns:a16="http://schemas.microsoft.com/office/drawing/2014/main" xmlns="" id="{F8045286-37AC-4911-A671-477E8EB257A2}"/>
+                    <a16:creationId xmlns="" xmlns:a16="http://schemas.microsoft.com/office/drawing/2014/main" id="{F8045286-37AC-4911-A671-477E8EB257A2}"/>
                   </a:ext>
                 </a:extLst>
               </p:cNvPr>
@@ -17712,7 +17712,7 @@
               <p:cNvPr id="35" name="Elipse 34">
                 <a:extLst>
                   <a:ext uri="{FF2B5EF4-FFF2-40B4-BE49-F238E27FC236}">
-                    <a16:creationId xmlns:a16="http://schemas.microsoft.com/office/drawing/2014/main" xmlns="" id="{CD452FDD-69B7-4E28-B5E7-0FEFB45E205A}"/>
+                    <a16:creationId xmlns="" xmlns:a16="http://schemas.microsoft.com/office/drawing/2014/main" id="{CD452FDD-69B7-4E28-B5E7-0FEFB45E205A}"/>
                   </a:ext>
                 </a:extLst>
               </p:cNvPr>
@@ -17764,7 +17764,7 @@
               <p:cNvPr id="36" name="Retângulo: Cantos Arredondados 21">
                 <a:extLst>
                   <a:ext uri="{FF2B5EF4-FFF2-40B4-BE49-F238E27FC236}">
-                    <a16:creationId xmlns:a16="http://schemas.microsoft.com/office/drawing/2014/main" xmlns="" id="{AF7D2798-BB73-466E-A25A-A2621184FA04}"/>
+                    <a16:creationId xmlns="" xmlns:a16="http://schemas.microsoft.com/office/drawing/2014/main" id="{AF7D2798-BB73-466E-A25A-A2621184FA04}"/>
                   </a:ext>
                 </a:extLst>
               </p:cNvPr>
@@ -17818,7 +17818,7 @@
               <p:cNvPr id="37" name="Retângulo: Cantos Arredondados 22">
                 <a:extLst>
                   <a:ext uri="{FF2B5EF4-FFF2-40B4-BE49-F238E27FC236}">
-                    <a16:creationId xmlns:a16="http://schemas.microsoft.com/office/drawing/2014/main" xmlns="" id="{3E77055B-F661-42D4-86CB-10C4D49F7934}"/>
+                    <a16:creationId xmlns="" xmlns:a16="http://schemas.microsoft.com/office/drawing/2014/main" id="{3E77055B-F661-42D4-86CB-10C4D49F7934}"/>
                   </a:ext>
                 </a:extLst>
               </p:cNvPr>
@@ -17872,7 +17872,7 @@
               <p:cNvPr id="38" name="Retângulo: Cantos Arredondados 23">
                 <a:extLst>
                   <a:ext uri="{FF2B5EF4-FFF2-40B4-BE49-F238E27FC236}">
-                    <a16:creationId xmlns:a16="http://schemas.microsoft.com/office/drawing/2014/main" xmlns="" id="{2D266FA5-5903-44D9-9DC7-DCB4A530544F}"/>
+                    <a16:creationId xmlns="" xmlns:a16="http://schemas.microsoft.com/office/drawing/2014/main" id="{2D266FA5-5903-44D9-9DC7-DCB4A530544F}"/>
                   </a:ext>
                 </a:extLst>
               </p:cNvPr>
@@ -17927,7 +17927,7 @@
             <p:cNvPr id="30" name="Forma Livre: Forma 24">
               <a:extLst>
                 <a:ext uri="{FF2B5EF4-FFF2-40B4-BE49-F238E27FC236}">
-                  <a16:creationId xmlns:a16="http://schemas.microsoft.com/office/drawing/2014/main" xmlns="" id="{59EBB5C9-01FD-4920-B60F-971211221B04}"/>
+                  <a16:creationId xmlns="" xmlns:a16="http://schemas.microsoft.com/office/drawing/2014/main" id="{59EBB5C9-01FD-4920-B60F-971211221B04}"/>
                 </a:ext>
               </a:extLst>
             </p:cNvPr>
@@ -18689,7 +18689,7 @@
               <p:cNvPr id="11" name="Retângulo de cantos arredondados 1">
                 <a:extLst>
                   <a:ext uri="{FF2B5EF4-FFF2-40B4-BE49-F238E27FC236}">
-                    <a16:creationId xmlns:a16="http://schemas.microsoft.com/office/drawing/2014/main" xmlns="" id="{59FC61EC-27B7-4C23-A945-70E4EFDA5A28}"/>
+                    <a16:creationId xmlns="" xmlns:a16="http://schemas.microsoft.com/office/drawing/2014/main" id="{59FC61EC-27B7-4C23-A945-70E4EFDA5A28}"/>
                   </a:ext>
                 </a:extLst>
               </p:cNvPr>
@@ -18741,7 +18741,7 @@
               <p:cNvPr id="12" name="Agrupar 25">
                 <a:extLst>
                   <a:ext uri="{FF2B5EF4-FFF2-40B4-BE49-F238E27FC236}">
-                    <a16:creationId xmlns:a16="http://schemas.microsoft.com/office/drawing/2014/main" xmlns="" id="{0982C514-3736-44FA-8BD4-8EA11386D6D9}"/>
+                    <a16:creationId xmlns="" xmlns:a16="http://schemas.microsoft.com/office/drawing/2014/main" id="{0982C514-3736-44FA-8BD4-8EA11386D6D9}"/>
                   </a:ext>
                 </a:extLst>
               </p:cNvPr>
@@ -18761,7 +18761,7 @@
                 <p:cNvPr id="13" name="Agrupar 3">
                   <a:extLst>
                     <a:ext uri="{FF2B5EF4-FFF2-40B4-BE49-F238E27FC236}">
-                      <a16:creationId xmlns:a16="http://schemas.microsoft.com/office/drawing/2014/main" xmlns="" id="{ACEB07BC-D838-4D03-B42B-237643D31B08}"/>
+                      <a16:creationId xmlns="" xmlns:a16="http://schemas.microsoft.com/office/drawing/2014/main" id="{ACEB07BC-D838-4D03-B42B-237643D31B08}"/>
                     </a:ext>
                   </a:extLst>
                 </p:cNvPr>
@@ -18781,7 +18781,7 @@
                   <p:cNvPr id="28" name="Retângulo: Cantos Arredondados 4">
                     <a:extLst>
                       <a:ext uri="{FF2B5EF4-FFF2-40B4-BE49-F238E27FC236}">
-                        <a16:creationId xmlns:a16="http://schemas.microsoft.com/office/drawing/2014/main" xmlns="" id="{299274A5-E009-4533-8660-247FEDFEAFCD}"/>
+                        <a16:creationId xmlns="" xmlns:a16="http://schemas.microsoft.com/office/drawing/2014/main" id="{299274A5-E009-4533-8660-247FEDFEAFCD}"/>
                       </a:ext>
                     </a:extLst>
                   </p:cNvPr>
@@ -18832,7 +18832,7 @@
                   <p:cNvPr id="29" name="Retângulo: Cantos Arredondados 5">
                     <a:extLst>
                       <a:ext uri="{FF2B5EF4-FFF2-40B4-BE49-F238E27FC236}">
-                        <a16:creationId xmlns:a16="http://schemas.microsoft.com/office/drawing/2014/main" xmlns="" id="{EBA4F257-87BB-4AC7-9E6A-E242F2B17FCE}"/>
+                        <a16:creationId xmlns="" xmlns:a16="http://schemas.microsoft.com/office/drawing/2014/main" id="{EBA4F257-87BB-4AC7-9E6A-E242F2B17FCE}"/>
                       </a:ext>
                     </a:extLst>
                   </p:cNvPr>
@@ -18886,7 +18886,7 @@
                   <p:cNvPr id="30" name="Retângulo: Cantos Arredondados 6">
                     <a:extLst>
                       <a:ext uri="{FF2B5EF4-FFF2-40B4-BE49-F238E27FC236}">
-                        <a16:creationId xmlns:a16="http://schemas.microsoft.com/office/drawing/2014/main" xmlns="" id="{BFA31868-C509-46BF-AFF4-817D1ABE891A}"/>
+                        <a16:creationId xmlns="" xmlns:a16="http://schemas.microsoft.com/office/drawing/2014/main" id="{BFA31868-C509-46BF-AFF4-817D1ABE891A}"/>
                       </a:ext>
                     </a:extLst>
                   </p:cNvPr>
@@ -18940,7 +18940,7 @@
                   <p:cNvPr id="31" name="Forma Livre: Forma 7">
                     <a:extLst>
                       <a:ext uri="{FF2B5EF4-FFF2-40B4-BE49-F238E27FC236}">
-                        <a16:creationId xmlns:a16="http://schemas.microsoft.com/office/drawing/2014/main" xmlns="" id="{1C110976-6F38-451A-A5B4-C9C5B2CFC2E5}"/>
+                        <a16:creationId xmlns="" xmlns:a16="http://schemas.microsoft.com/office/drawing/2014/main" id="{1C110976-6F38-451A-A5B4-C9C5B2CFC2E5}"/>
                       </a:ext>
                     </a:extLst>
                   </p:cNvPr>
@@ -19071,7 +19071,7 @@
                   <p:cNvPr id="32" name="Retângulo 31">
                     <a:extLst>
                       <a:ext uri="{FF2B5EF4-FFF2-40B4-BE49-F238E27FC236}">
-                        <a16:creationId xmlns:a16="http://schemas.microsoft.com/office/drawing/2014/main" xmlns="" id="{2B8A9CF0-4D1F-439D-86E2-337DC8D1A6CD}"/>
+                        <a16:creationId xmlns="" xmlns:a16="http://schemas.microsoft.com/office/drawing/2014/main" id="{2B8A9CF0-4D1F-439D-86E2-337DC8D1A6CD}"/>
                       </a:ext>
                     </a:extLst>
                   </p:cNvPr>
@@ -19123,7 +19123,7 @@
                   <p:cNvPr id="33" name="Retângulo: Cantos Arredondados 9">
                     <a:extLst>
                       <a:ext uri="{FF2B5EF4-FFF2-40B4-BE49-F238E27FC236}">
-                        <a16:creationId xmlns:a16="http://schemas.microsoft.com/office/drawing/2014/main" xmlns="" id="{5814B72D-72BB-4EBA-96BB-C2AA7D7B5D3C}"/>
+                        <a16:creationId xmlns="" xmlns:a16="http://schemas.microsoft.com/office/drawing/2014/main" id="{5814B72D-72BB-4EBA-96BB-C2AA7D7B5D3C}"/>
                       </a:ext>
                     </a:extLst>
                   </p:cNvPr>
@@ -19177,7 +19177,7 @@
                   <p:cNvPr id="34" name="Retângulo: Cantos Arredondados 10">
                     <a:extLst>
                       <a:ext uri="{FF2B5EF4-FFF2-40B4-BE49-F238E27FC236}">
-                        <a16:creationId xmlns:a16="http://schemas.microsoft.com/office/drawing/2014/main" xmlns="" id="{2A2E7C31-87C7-4D32-A407-A0B6795D6D0A}"/>
+                        <a16:creationId xmlns="" xmlns:a16="http://schemas.microsoft.com/office/drawing/2014/main" id="{2A2E7C31-87C7-4D32-A407-A0B6795D6D0A}"/>
                       </a:ext>
                     </a:extLst>
                   </p:cNvPr>
@@ -19232,7 +19232,7 @@
                 <p:cNvPr id="14" name="Agrupar 11">
                   <a:extLst>
                     <a:ext uri="{FF2B5EF4-FFF2-40B4-BE49-F238E27FC236}">
-                      <a16:creationId xmlns:a16="http://schemas.microsoft.com/office/drawing/2014/main" xmlns="" id="{36F33AA7-5CFF-4D5A-9A01-9289DEEBB53E}"/>
+                      <a16:creationId xmlns="" xmlns:a16="http://schemas.microsoft.com/office/drawing/2014/main" id="{36F33AA7-5CFF-4D5A-9A01-9289DEEBB53E}"/>
                     </a:ext>
                   </a:extLst>
                 </p:cNvPr>
@@ -19252,7 +19252,7 @@
                   <p:cNvPr id="26" name="Retângulo: Cantos Arredondados 12">
                     <a:extLst>
                       <a:ext uri="{FF2B5EF4-FFF2-40B4-BE49-F238E27FC236}">
-                        <a16:creationId xmlns:a16="http://schemas.microsoft.com/office/drawing/2014/main" xmlns="" id="{434BD7BD-4934-4FE3-8F00-C0B50B423EDD}"/>
+                        <a16:creationId xmlns="" xmlns:a16="http://schemas.microsoft.com/office/drawing/2014/main" id="{434BD7BD-4934-4FE3-8F00-C0B50B423EDD}"/>
                       </a:ext>
                     </a:extLst>
                   </p:cNvPr>
@@ -19306,7 +19306,7 @@
                   <p:cNvPr id="27" name="Retângulo: Cantos Arredondados 13">
                     <a:extLst>
                       <a:ext uri="{FF2B5EF4-FFF2-40B4-BE49-F238E27FC236}">
-                        <a16:creationId xmlns:a16="http://schemas.microsoft.com/office/drawing/2014/main" xmlns="" id="{E734CFCA-504A-410E-ABE1-E1ABB9A5F059}"/>
+                        <a16:creationId xmlns="" xmlns:a16="http://schemas.microsoft.com/office/drawing/2014/main" id="{E734CFCA-504A-410E-ABE1-E1ABB9A5F059}"/>
                       </a:ext>
                     </a:extLst>
                   </p:cNvPr>
@@ -19361,7 +19361,7 @@
                 <p:cNvPr id="15" name="Agrupar 14">
                   <a:extLst>
                     <a:ext uri="{FF2B5EF4-FFF2-40B4-BE49-F238E27FC236}">
-                      <a16:creationId xmlns:a16="http://schemas.microsoft.com/office/drawing/2014/main" xmlns="" id="{684A825A-5F70-4A0C-BB9E-0687359CBA7E}"/>
+                      <a16:creationId xmlns="" xmlns:a16="http://schemas.microsoft.com/office/drawing/2014/main" id="{684A825A-5F70-4A0C-BB9E-0687359CBA7E}"/>
                     </a:ext>
                   </a:extLst>
                 </p:cNvPr>
@@ -19381,7 +19381,7 @@
                   <p:cNvPr id="24" name="Retângulo: Cantos Arredondados 15">
                     <a:extLst>
                       <a:ext uri="{FF2B5EF4-FFF2-40B4-BE49-F238E27FC236}">
-                        <a16:creationId xmlns:a16="http://schemas.microsoft.com/office/drawing/2014/main" xmlns="" id="{5FD94376-0CD7-41FE-B977-327F88550922}"/>
+                        <a16:creationId xmlns="" xmlns:a16="http://schemas.microsoft.com/office/drawing/2014/main" id="{5FD94376-0CD7-41FE-B977-327F88550922}"/>
                       </a:ext>
                     </a:extLst>
                   </p:cNvPr>
@@ -19435,7 +19435,7 @@
                   <p:cNvPr id="25" name="Retângulo: Cantos Arredondados 16">
                     <a:extLst>
                       <a:ext uri="{FF2B5EF4-FFF2-40B4-BE49-F238E27FC236}">
-                        <a16:creationId xmlns:a16="http://schemas.microsoft.com/office/drawing/2014/main" xmlns="" id="{97D1C1F9-787A-47D4-A643-F66F1869E181}"/>
+                        <a16:creationId xmlns="" xmlns:a16="http://schemas.microsoft.com/office/drawing/2014/main" id="{97D1C1F9-787A-47D4-A643-F66F1869E181}"/>
                       </a:ext>
                     </a:extLst>
                   </p:cNvPr>
@@ -19490,7 +19490,7 @@
                 <p:cNvPr id="16" name="Agrupar 17">
                   <a:extLst>
                     <a:ext uri="{FF2B5EF4-FFF2-40B4-BE49-F238E27FC236}">
-                      <a16:creationId xmlns:a16="http://schemas.microsoft.com/office/drawing/2014/main" xmlns="" id="{EDFE7646-CFCE-4BD1-BA03-E0A2FF14565D}"/>
+                      <a16:creationId xmlns="" xmlns:a16="http://schemas.microsoft.com/office/drawing/2014/main" id="{EDFE7646-CFCE-4BD1-BA03-E0A2FF14565D}"/>
                     </a:ext>
                   </a:extLst>
                 </p:cNvPr>
@@ -19510,7 +19510,7 @@
                   <p:cNvPr id="18" name="Forma Livre: Forma 18">
                     <a:extLst>
                       <a:ext uri="{FF2B5EF4-FFF2-40B4-BE49-F238E27FC236}">
-                        <a16:creationId xmlns:a16="http://schemas.microsoft.com/office/drawing/2014/main" xmlns="" id="{49038562-5F7A-40E4-B819-A60E974A272D}"/>
+                        <a16:creationId xmlns="" xmlns:a16="http://schemas.microsoft.com/office/drawing/2014/main" id="{49038562-5F7A-40E4-B819-A60E974A272D}"/>
                       </a:ext>
                     </a:extLst>
                   </p:cNvPr>
@@ -19645,7 +19645,7 @@
                   <p:cNvPr id="19" name="Forma Livre: Forma 19">
                     <a:extLst>
                       <a:ext uri="{FF2B5EF4-FFF2-40B4-BE49-F238E27FC236}">
-                        <a16:creationId xmlns:a16="http://schemas.microsoft.com/office/drawing/2014/main" xmlns="" id="{86179193-B553-4AC9-B3D5-A47250F0C5AC}"/>
+                        <a16:creationId xmlns="" xmlns:a16="http://schemas.microsoft.com/office/drawing/2014/main" id="{86179193-B553-4AC9-B3D5-A47250F0C5AC}"/>
                       </a:ext>
                     </a:extLst>
                   </p:cNvPr>
@@ -19780,7 +19780,7 @@
                   <p:cNvPr id="20" name="Elipse 19">
                     <a:extLst>
                       <a:ext uri="{FF2B5EF4-FFF2-40B4-BE49-F238E27FC236}">
-                        <a16:creationId xmlns:a16="http://schemas.microsoft.com/office/drawing/2014/main" xmlns="" id="{BB3D9672-C3A6-491C-B071-9218493A9C75}"/>
+                        <a16:creationId xmlns="" xmlns:a16="http://schemas.microsoft.com/office/drawing/2014/main" id="{BB3D9672-C3A6-491C-B071-9218493A9C75}"/>
                       </a:ext>
                     </a:extLst>
                   </p:cNvPr>
@@ -19832,7 +19832,7 @@
                   <p:cNvPr id="21" name="Retângulo: Cantos Arredondados 21">
                     <a:extLst>
                       <a:ext uri="{FF2B5EF4-FFF2-40B4-BE49-F238E27FC236}">
-                        <a16:creationId xmlns:a16="http://schemas.microsoft.com/office/drawing/2014/main" xmlns="" id="{E36ADEB4-C02B-451D-A82F-59E049574D02}"/>
+                        <a16:creationId xmlns="" xmlns:a16="http://schemas.microsoft.com/office/drawing/2014/main" id="{E36ADEB4-C02B-451D-A82F-59E049574D02}"/>
                       </a:ext>
                     </a:extLst>
                   </p:cNvPr>
@@ -19886,7 +19886,7 @@
                   <p:cNvPr id="22" name="Retângulo: Cantos Arredondados 22">
                     <a:extLst>
                       <a:ext uri="{FF2B5EF4-FFF2-40B4-BE49-F238E27FC236}">
-                        <a16:creationId xmlns:a16="http://schemas.microsoft.com/office/drawing/2014/main" xmlns="" id="{00B2468B-E557-4A6B-9776-872496847B7D}"/>
+                        <a16:creationId xmlns="" xmlns:a16="http://schemas.microsoft.com/office/drawing/2014/main" id="{00B2468B-E557-4A6B-9776-872496847B7D}"/>
                       </a:ext>
                     </a:extLst>
                   </p:cNvPr>
@@ -19940,7 +19940,7 @@
                   <p:cNvPr id="23" name="Retângulo: Cantos Arredondados 23">
                     <a:extLst>
                       <a:ext uri="{FF2B5EF4-FFF2-40B4-BE49-F238E27FC236}">
-                        <a16:creationId xmlns:a16="http://schemas.microsoft.com/office/drawing/2014/main" xmlns="" id="{A8B0237E-3D5C-404F-AFA7-0BE630C69FD9}"/>
+                        <a16:creationId xmlns="" xmlns:a16="http://schemas.microsoft.com/office/drawing/2014/main" id="{A8B0237E-3D5C-404F-AFA7-0BE630C69FD9}"/>
                       </a:ext>
                     </a:extLst>
                   </p:cNvPr>
@@ -19995,7 +19995,7 @@
                 <p:cNvPr id="17" name="Forma Livre: Forma 24">
                   <a:extLst>
                     <a:ext uri="{FF2B5EF4-FFF2-40B4-BE49-F238E27FC236}">
-                      <a16:creationId xmlns:a16="http://schemas.microsoft.com/office/drawing/2014/main" xmlns="" id="{59EB2E63-3A48-42A1-81EE-CC62EC6A9BC8}"/>
+                      <a16:creationId xmlns="" xmlns:a16="http://schemas.microsoft.com/office/drawing/2014/main" id="{59EB2E63-3A48-42A1-81EE-CC62EC6A9BC8}"/>
                     </a:ext>
                   </a:extLst>
                 </p:cNvPr>
@@ -20245,7 +20245,7 @@
         </p:blipFill>
         <p:spPr bwMode="auto">
           <a:xfrm>
-            <a:off x="0" y="2132856"/>
+            <a:off x="0" y="2996952"/>
             <a:ext cx="2689076" cy="2689076"/>
           </a:xfrm>
           <a:prstGeom prst="rect">
@@ -20271,7 +20271,7 @@
         </p:nvGrpSpPr>
         <p:grpSpPr>
           <a:xfrm>
-            <a:off x="649376" y="331550"/>
+            <a:off x="2641743" y="631754"/>
             <a:ext cx="1656184" cy="1656184"/>
             <a:chOff x="3419872" y="1484784"/>
             <a:chExt cx="3456384" cy="3456384"/>
@@ -20292,7 +20292,7 @@
               <a:avLst/>
             </a:prstGeom>
             <a:solidFill>
-              <a:srgbClr val="008EBA"/>
+              <a:srgbClr val="1DB3AC"/>
             </a:solidFill>
             <a:ln>
               <a:noFill/>
@@ -20338,7 +20338,7 @@
               <a:avLst/>
             </a:prstGeom>
             <a:solidFill>
-              <a:srgbClr val="0070BC"/>
+              <a:srgbClr val="21CCC4"/>
             </a:solidFill>
             <a:ln>
               <a:noFill/>
@@ -20466,98 +20466,239 @@
           </p:txBody>
         </p:sp>
       </p:grpSp>
-      <p:sp>
-        <p:nvSpPr>
-          <p:cNvPr id="12" name="Elipse 11"/>
-          <p:cNvSpPr/>
+      <p:pic>
+        <p:nvPicPr>
+          <p:cNvPr id="2" name="Imagem 1"/>
+          <p:cNvPicPr>
+            <a:picLocks noChangeAspect="1"/>
+          </p:cNvPicPr>
           <p:nvPr/>
-        </p:nvSpPr>
+        </p:nvPicPr>
+        <p:blipFill>
+          <a:blip r:embed="rId3">
+            <a:extLst>
+              <a:ext uri="{28A0092B-C50C-407E-A947-70E740481C1C}">
+                <a14:useLocalDpi xmlns:a14="http://schemas.microsoft.com/office/drawing/2010/main" val="0"/>
+              </a:ext>
+            </a:extLst>
+          </a:blip>
+          <a:stretch>
+            <a:fillRect/>
+          </a:stretch>
+        </p:blipFill>
         <p:spPr>
           <a:xfrm>
-            <a:off x="5076056" y="2420888"/>
-            <a:ext cx="1656184" cy="1656184"/>
+            <a:off x="2710160" y="3233167"/>
+            <a:ext cx="2216646" cy="2216646"/>
           </a:xfrm>
-          <a:prstGeom prst="ellipse">
+          <a:prstGeom prst="rect">
             <a:avLst/>
           </a:prstGeom>
-          <a:solidFill>
-            <a:srgbClr val="008EBA"/>
-          </a:solidFill>
-          <a:ln>
-            <a:noFill/>
-          </a:ln>
         </p:spPr>
-        <p:style>
-          <a:lnRef idx="2">
-            <a:schemeClr val="accent1">
-              <a:shade val="50000"/>
-            </a:schemeClr>
-          </a:lnRef>
-          <a:fillRef idx="1">
-            <a:schemeClr val="accent1"/>
-          </a:fillRef>
-          <a:effectRef idx="0">
-            <a:schemeClr val="accent1"/>
-          </a:effectRef>
-          <a:fontRef idx="minor">
-            <a:schemeClr val="lt1"/>
-          </a:fontRef>
-        </p:style>
-        <p:txBody>
-          <a:bodyPr rtlCol="0" anchor="ctr"/>
-          <a:lstStyle/>
-          <a:p>
-            <a:pPr algn="ctr"/>
-            <a:endParaRPr lang="pt-BR"/>
-          </a:p>
-        </p:txBody>
-      </p:sp>
-      <p:sp>
-        <p:nvSpPr>
-          <p:cNvPr id="13" name="Elipse 12"/>
-          <p:cNvSpPr/>
+      </p:pic>
+      <p:grpSp>
+        <p:nvGrpSpPr>
+          <p:cNvPr id="3" name="Grupo 2"/>
+          <p:cNvGrpSpPr/>
           <p:nvPr/>
-        </p:nvSpPr>
-        <p:spPr>
+        </p:nvGrpSpPr>
+        <p:grpSpPr>
           <a:xfrm>
-            <a:off x="5182257" y="2527089"/>
-            <a:ext cx="1443783" cy="1443783"/>
+            <a:off x="4788024" y="728580"/>
+            <a:ext cx="1656184" cy="1656184"/>
+            <a:chOff x="2990391" y="437751"/>
+            <a:chExt cx="1656184" cy="1656184"/>
           </a:xfrm>
-          <a:prstGeom prst="ellipse">
-            <a:avLst/>
-          </a:prstGeom>
-          <a:solidFill>
-            <a:srgbClr val="0070BC"/>
-          </a:solidFill>
-          <a:ln>
-            <a:noFill/>
-          </a:ln>
-        </p:spPr>
-        <p:style>
-          <a:lnRef idx="2">
-            <a:schemeClr val="accent1">
-              <a:shade val="50000"/>
-            </a:schemeClr>
-          </a:lnRef>
-          <a:fillRef idx="1">
-            <a:schemeClr val="accent1"/>
-          </a:fillRef>
-          <a:effectRef idx="0">
-            <a:schemeClr val="accent1"/>
-          </a:effectRef>
-          <a:fontRef idx="minor">
-            <a:schemeClr val="lt1"/>
-          </a:fontRef>
-        </p:style>
-        <p:txBody>
-          <a:bodyPr rtlCol="0" anchor="ctr"/>
-          <a:lstStyle/>
-          <a:p>
-            <a:pPr algn="ctr"/>
-            <a:endParaRPr lang="pt-BR"/>
-          </a:p>
-        </p:txBody>
-      </p:sp>
+        </p:grpSpPr>
+        <p:sp>
+          <p:nvSpPr>
+            <p:cNvPr id="11" name="Elipse 10"/>
+            <p:cNvSpPr/>
+            <p:nvPr/>
+          </p:nvSpPr>
+          <p:spPr>
+            <a:xfrm>
+              <a:off x="2990391" y="437751"/>
+              <a:ext cx="1656184" cy="1656184"/>
+            </a:xfrm>
+            <a:prstGeom prst="ellipse">
+              <a:avLst/>
+            </a:prstGeom>
+            <a:solidFill>
+              <a:srgbClr val="1DB3AC"/>
+            </a:solidFill>
+            <a:ln>
+              <a:noFill/>
+            </a:ln>
+          </p:spPr>
+          <p:style>
+            <a:lnRef idx="2">
+              <a:schemeClr val="accent1">
+                <a:shade val="50000"/>
+              </a:schemeClr>
+            </a:lnRef>
+            <a:fillRef idx="1">
+              <a:schemeClr val="accent1"/>
+            </a:fillRef>
+            <a:effectRef idx="0">
+              <a:schemeClr val="accent1"/>
+            </a:effectRef>
+            <a:fontRef idx="minor">
+              <a:schemeClr val="lt1"/>
+            </a:fontRef>
+          </p:style>
+          <p:txBody>
+            <a:bodyPr rtlCol="0" anchor="ctr"/>
+            <a:lstStyle/>
+            <a:p>
+              <a:pPr algn="ctr"/>
+              <a:endParaRPr lang="pt-BR"/>
+            </a:p>
+          </p:txBody>
+        </p:sp>
+        <p:sp>
+          <p:nvSpPr>
+            <p:cNvPr id="14" name="Elipse 13"/>
+            <p:cNvSpPr/>
+            <p:nvPr/>
+          </p:nvSpPr>
+          <p:spPr>
+            <a:xfrm>
+              <a:off x="3096592" y="543952"/>
+              <a:ext cx="1443783" cy="1443783"/>
+            </a:xfrm>
+            <a:prstGeom prst="ellipse">
+              <a:avLst/>
+            </a:prstGeom>
+            <a:solidFill>
+              <a:srgbClr val="21CCC4"/>
+            </a:solidFill>
+            <a:ln>
+              <a:noFill/>
+            </a:ln>
+          </p:spPr>
+          <p:style>
+            <a:lnRef idx="2">
+              <a:schemeClr val="accent1">
+                <a:shade val="50000"/>
+              </a:schemeClr>
+            </a:lnRef>
+            <a:fillRef idx="1">
+              <a:schemeClr val="accent1"/>
+            </a:fillRef>
+            <a:effectRef idx="0">
+              <a:schemeClr val="accent1"/>
+            </a:effectRef>
+            <a:fontRef idx="minor">
+              <a:schemeClr val="lt1"/>
+            </a:fontRef>
+          </p:style>
+          <p:txBody>
+            <a:bodyPr rtlCol="0" anchor="ctr"/>
+            <a:lstStyle/>
+            <a:p>
+              <a:pPr algn="ctr"/>
+              <a:endParaRPr lang="pt-BR"/>
+            </a:p>
+          </p:txBody>
+        </p:sp>
+        <p:sp>
+          <p:nvSpPr>
+            <p:cNvPr id="17" name="Retângulo de cantos arredondados 16"/>
+            <p:cNvSpPr/>
+            <p:nvPr/>
+          </p:nvSpPr>
+          <p:spPr>
+            <a:xfrm rot="19103978" flipH="1">
+              <a:off x="3484041" y="1147427"/>
+              <a:ext cx="201315" cy="644604"/>
+            </a:xfrm>
+            <a:prstGeom prst="roundRect">
+              <a:avLst>
+                <a:gd name="adj" fmla="val 50000"/>
+              </a:avLst>
+            </a:prstGeom>
+            <a:solidFill>
+              <a:schemeClr val="bg1"/>
+            </a:solidFill>
+            <a:ln>
+              <a:noFill/>
+            </a:ln>
+          </p:spPr>
+          <p:style>
+            <a:lnRef idx="2">
+              <a:schemeClr val="accent1">
+                <a:shade val="50000"/>
+              </a:schemeClr>
+            </a:lnRef>
+            <a:fillRef idx="1">
+              <a:schemeClr val="accent1"/>
+            </a:fillRef>
+            <a:effectRef idx="0">
+              <a:schemeClr val="accent1"/>
+            </a:effectRef>
+            <a:fontRef idx="minor">
+              <a:schemeClr val="lt1"/>
+            </a:fontRef>
+          </p:style>
+          <p:txBody>
+            <a:bodyPr rtlCol="0" anchor="ctr"/>
+            <a:lstStyle/>
+            <a:p>
+              <a:pPr algn="ctr"/>
+              <a:endParaRPr lang="pt-BR"/>
+            </a:p>
+          </p:txBody>
+        </p:sp>
+        <p:sp>
+          <p:nvSpPr>
+            <p:cNvPr id="18" name="Retângulo de cantos arredondados 17"/>
+            <p:cNvSpPr/>
+            <p:nvPr/>
+          </p:nvSpPr>
+          <p:spPr>
+            <a:xfrm rot="2496022">
+              <a:off x="3874707" y="853753"/>
+              <a:ext cx="241559" cy="965368"/>
+            </a:xfrm>
+            <a:prstGeom prst="roundRect">
+              <a:avLst>
+                <a:gd name="adj" fmla="val 50000"/>
+              </a:avLst>
+            </a:prstGeom>
+            <a:solidFill>
+              <a:schemeClr val="bg1"/>
+            </a:solidFill>
+            <a:ln>
+              <a:noFill/>
+            </a:ln>
+          </p:spPr>
+          <p:style>
+            <a:lnRef idx="2">
+              <a:schemeClr val="accent1">
+                <a:shade val="50000"/>
+              </a:schemeClr>
+            </a:lnRef>
+            <a:fillRef idx="1">
+              <a:schemeClr val="accent1"/>
+            </a:fillRef>
+            <a:effectRef idx="0">
+              <a:schemeClr val="accent1"/>
+            </a:effectRef>
+            <a:fontRef idx="minor">
+              <a:schemeClr val="lt1"/>
+            </a:fontRef>
+          </p:style>
+          <p:txBody>
+            <a:bodyPr rtlCol="0" anchor="ctr"/>
+            <a:lstStyle/>
+            <a:p>
+              <a:pPr algn="ctr"/>
+              <a:endParaRPr lang="pt-BR"/>
+            </a:p>
+          </p:txBody>
+        </p:sp>
+      </p:grpSp>
     </p:spTree>
     <p:extLst>
       <p:ext uri="{BB962C8B-B14F-4D97-AF65-F5344CB8AC3E}">
@@ -20629,7 +20770,7 @@
               <p:cNvPr id="63" name="Agrupar 3">
                 <a:extLst>
                   <a:ext uri="{FF2B5EF4-FFF2-40B4-BE49-F238E27FC236}">
-                    <a16:creationId xmlns:a16="http://schemas.microsoft.com/office/drawing/2014/main" xmlns="" id="{C45FEF34-3D77-4245-91E6-21A8D7F39CAE}"/>
+                    <a16:creationId xmlns="" xmlns:a16="http://schemas.microsoft.com/office/drawing/2014/main" id="{C45FEF34-3D77-4245-91E6-21A8D7F39CAE}"/>
                   </a:ext>
                 </a:extLst>
               </p:cNvPr>
@@ -20649,7 +20790,7 @@
                 <p:cNvPr id="74" name="Retângulo: Cantos Arredondados 4">
                   <a:extLst>
                     <a:ext uri="{FF2B5EF4-FFF2-40B4-BE49-F238E27FC236}">
-                      <a16:creationId xmlns:a16="http://schemas.microsoft.com/office/drawing/2014/main" xmlns="" id="{2901A741-378D-4F90-9213-3C8C001BF999}"/>
+                      <a16:creationId xmlns="" xmlns:a16="http://schemas.microsoft.com/office/drawing/2014/main" id="{2901A741-378D-4F90-9213-3C8C001BF999}"/>
                     </a:ext>
                   </a:extLst>
                 </p:cNvPr>
@@ -20700,7 +20841,7 @@
                 <p:cNvPr id="75" name="Retângulo: Cantos Arredondados 5">
                   <a:extLst>
                     <a:ext uri="{FF2B5EF4-FFF2-40B4-BE49-F238E27FC236}">
-                      <a16:creationId xmlns:a16="http://schemas.microsoft.com/office/drawing/2014/main" xmlns="" id="{842C104C-6712-4FAB-A86A-FAC9CE782474}"/>
+                      <a16:creationId xmlns="" xmlns:a16="http://schemas.microsoft.com/office/drawing/2014/main" id="{842C104C-6712-4FAB-A86A-FAC9CE782474}"/>
                     </a:ext>
                   </a:extLst>
                 </p:cNvPr>
@@ -20754,7 +20895,7 @@
                 <p:cNvPr id="76" name="Retângulo: Cantos Arredondados 6">
                   <a:extLst>
                     <a:ext uri="{FF2B5EF4-FFF2-40B4-BE49-F238E27FC236}">
-                      <a16:creationId xmlns:a16="http://schemas.microsoft.com/office/drawing/2014/main" xmlns="" id="{255A55C9-6EA9-40DD-A50C-94EDA00AB2EC}"/>
+                      <a16:creationId xmlns="" xmlns:a16="http://schemas.microsoft.com/office/drawing/2014/main" id="{255A55C9-6EA9-40DD-A50C-94EDA00AB2EC}"/>
                     </a:ext>
                   </a:extLst>
                 </p:cNvPr>
@@ -20808,7 +20949,7 @@
                 <p:cNvPr id="77" name="Forma Livre: Forma 7">
                   <a:extLst>
                     <a:ext uri="{FF2B5EF4-FFF2-40B4-BE49-F238E27FC236}">
-                      <a16:creationId xmlns:a16="http://schemas.microsoft.com/office/drawing/2014/main" xmlns="" id="{8B1C2CE6-4108-48D3-8CBE-635179488ECA}"/>
+                      <a16:creationId xmlns="" xmlns:a16="http://schemas.microsoft.com/office/drawing/2014/main" id="{8B1C2CE6-4108-48D3-8CBE-635179488ECA}"/>
                     </a:ext>
                   </a:extLst>
                 </p:cNvPr>
@@ -20939,7 +21080,7 @@
                 <p:cNvPr id="78" name="Retângulo 77">
                   <a:extLst>
                     <a:ext uri="{FF2B5EF4-FFF2-40B4-BE49-F238E27FC236}">
-                      <a16:creationId xmlns:a16="http://schemas.microsoft.com/office/drawing/2014/main" xmlns="" id="{6444A46D-5BDF-4712-88E7-104DA9FAAFD4}"/>
+                      <a16:creationId xmlns="" xmlns:a16="http://schemas.microsoft.com/office/drawing/2014/main" id="{6444A46D-5BDF-4712-88E7-104DA9FAAFD4}"/>
                     </a:ext>
                   </a:extLst>
                 </p:cNvPr>
@@ -20991,7 +21132,7 @@
                 <p:cNvPr id="79" name="Retângulo: Cantos Arredondados 9">
                   <a:extLst>
                     <a:ext uri="{FF2B5EF4-FFF2-40B4-BE49-F238E27FC236}">
-                      <a16:creationId xmlns:a16="http://schemas.microsoft.com/office/drawing/2014/main" xmlns="" id="{881B3B66-2052-48AF-979B-60B32E1F7F9E}"/>
+                      <a16:creationId xmlns="" xmlns:a16="http://schemas.microsoft.com/office/drawing/2014/main" id="{881B3B66-2052-48AF-979B-60B32E1F7F9E}"/>
                     </a:ext>
                   </a:extLst>
                 </p:cNvPr>
@@ -21045,7 +21186,7 @@
                 <p:cNvPr id="80" name="Retângulo: Cantos Arredondados 10">
                   <a:extLst>
                     <a:ext uri="{FF2B5EF4-FFF2-40B4-BE49-F238E27FC236}">
-                      <a16:creationId xmlns:a16="http://schemas.microsoft.com/office/drawing/2014/main" xmlns="" id="{8212EF75-2EF8-4DFC-BEB5-5C95D755FCDA}"/>
+                      <a16:creationId xmlns="" xmlns:a16="http://schemas.microsoft.com/office/drawing/2014/main" id="{8212EF75-2EF8-4DFC-BEB5-5C95D755FCDA}"/>
                     </a:ext>
                   </a:extLst>
                 </p:cNvPr>
@@ -21100,7 +21241,7 @@
               <p:cNvPr id="64" name="Agrupar 17">
                 <a:extLst>
                   <a:ext uri="{FF2B5EF4-FFF2-40B4-BE49-F238E27FC236}">
-                    <a16:creationId xmlns:a16="http://schemas.microsoft.com/office/drawing/2014/main" xmlns="" id="{1C1086BE-5C78-46C5-8759-F221A1473050}"/>
+                    <a16:creationId xmlns="" xmlns:a16="http://schemas.microsoft.com/office/drawing/2014/main" id="{1C1086BE-5C78-46C5-8759-F221A1473050}"/>
                   </a:ext>
                 </a:extLst>
               </p:cNvPr>
@@ -21120,7 +21261,7 @@
                 <p:cNvPr id="68" name="Forma Livre: Forma 18">
                   <a:extLst>
                     <a:ext uri="{FF2B5EF4-FFF2-40B4-BE49-F238E27FC236}">
-                      <a16:creationId xmlns:a16="http://schemas.microsoft.com/office/drawing/2014/main" xmlns="" id="{A5FF4AA1-FB76-4089-AF79-C37CF505E719}"/>
+                      <a16:creationId xmlns="" xmlns:a16="http://schemas.microsoft.com/office/drawing/2014/main" id="{A5FF4AA1-FB76-4089-AF79-C37CF505E719}"/>
                     </a:ext>
                   </a:extLst>
                 </p:cNvPr>
@@ -21255,7 +21396,7 @@
                 <p:cNvPr id="69" name="Forma Livre: Forma 19">
                   <a:extLst>
                     <a:ext uri="{FF2B5EF4-FFF2-40B4-BE49-F238E27FC236}">
-                      <a16:creationId xmlns:a16="http://schemas.microsoft.com/office/drawing/2014/main" xmlns="" id="{F8045286-37AC-4911-A671-477E8EB257A2}"/>
+                      <a16:creationId xmlns="" xmlns:a16="http://schemas.microsoft.com/office/drawing/2014/main" id="{F8045286-37AC-4911-A671-477E8EB257A2}"/>
                     </a:ext>
                   </a:extLst>
                 </p:cNvPr>
@@ -21390,7 +21531,7 @@
                 <p:cNvPr id="70" name="Elipse 69">
                   <a:extLst>
                     <a:ext uri="{FF2B5EF4-FFF2-40B4-BE49-F238E27FC236}">
-                      <a16:creationId xmlns:a16="http://schemas.microsoft.com/office/drawing/2014/main" xmlns="" id="{CD452FDD-69B7-4E28-B5E7-0FEFB45E205A}"/>
+                      <a16:creationId xmlns="" xmlns:a16="http://schemas.microsoft.com/office/drawing/2014/main" id="{CD452FDD-69B7-4E28-B5E7-0FEFB45E205A}"/>
                     </a:ext>
                   </a:extLst>
                 </p:cNvPr>
@@ -21442,7 +21583,7 @@
                 <p:cNvPr id="71" name="Retângulo: Cantos Arredondados 21">
                   <a:extLst>
                     <a:ext uri="{FF2B5EF4-FFF2-40B4-BE49-F238E27FC236}">
-                      <a16:creationId xmlns:a16="http://schemas.microsoft.com/office/drawing/2014/main" xmlns="" id="{AF7D2798-BB73-466E-A25A-A2621184FA04}"/>
+                      <a16:creationId xmlns="" xmlns:a16="http://schemas.microsoft.com/office/drawing/2014/main" id="{AF7D2798-BB73-466E-A25A-A2621184FA04}"/>
                     </a:ext>
                   </a:extLst>
                 </p:cNvPr>
@@ -21496,7 +21637,7 @@
                 <p:cNvPr id="72" name="Retângulo: Cantos Arredondados 22">
                   <a:extLst>
                     <a:ext uri="{FF2B5EF4-FFF2-40B4-BE49-F238E27FC236}">
-                      <a16:creationId xmlns:a16="http://schemas.microsoft.com/office/drawing/2014/main" xmlns="" id="{3E77055B-F661-42D4-86CB-10C4D49F7934}"/>
+                      <a16:creationId xmlns="" xmlns:a16="http://schemas.microsoft.com/office/drawing/2014/main" id="{3E77055B-F661-42D4-86CB-10C4D49F7934}"/>
                     </a:ext>
                   </a:extLst>
                 </p:cNvPr>
@@ -21550,7 +21691,7 @@
                 <p:cNvPr id="73" name="Retângulo: Cantos Arredondados 23">
                   <a:extLst>
                     <a:ext uri="{FF2B5EF4-FFF2-40B4-BE49-F238E27FC236}">
-                      <a16:creationId xmlns:a16="http://schemas.microsoft.com/office/drawing/2014/main" xmlns="" id="{2D266FA5-5903-44D9-9DC7-DCB4A530544F}"/>
+                      <a16:creationId xmlns="" xmlns:a16="http://schemas.microsoft.com/office/drawing/2014/main" id="{2D266FA5-5903-44D9-9DC7-DCB4A530544F}"/>
                     </a:ext>
                   </a:extLst>
                 </p:cNvPr>
@@ -21605,7 +21746,7 @@
               <p:cNvPr id="65" name="Forma Livre: Forma 24">
                 <a:extLst>
                   <a:ext uri="{FF2B5EF4-FFF2-40B4-BE49-F238E27FC236}">
-                    <a16:creationId xmlns:a16="http://schemas.microsoft.com/office/drawing/2014/main" xmlns="" id="{59EBB5C9-01FD-4920-B60F-971211221B04}"/>
+                    <a16:creationId xmlns="" xmlns:a16="http://schemas.microsoft.com/office/drawing/2014/main" id="{59EBB5C9-01FD-4920-B60F-971211221B04}"/>
                   </a:ext>
                 </a:extLst>
               </p:cNvPr>
@@ -21765,7 +21906,7 @@
             <p:cNvPr id="27" name="Agrupar 11">
               <a:extLst>
                 <a:ext uri="{FF2B5EF4-FFF2-40B4-BE49-F238E27FC236}">
-                  <a16:creationId xmlns:a16="http://schemas.microsoft.com/office/drawing/2014/main" xmlns="" id="{97B2E01E-EC47-4BCE-BC4F-99A6EC444B19}"/>
+                  <a16:creationId xmlns="" xmlns:a16="http://schemas.microsoft.com/office/drawing/2014/main" id="{97B2E01E-EC47-4BCE-BC4F-99A6EC444B19}"/>
                 </a:ext>
               </a:extLst>
             </p:cNvPr>
@@ -21785,7 +21926,7 @@
               <p:cNvPr id="41" name="Retângulo: Cantos Arredondados 12">
                 <a:extLst>
                   <a:ext uri="{FF2B5EF4-FFF2-40B4-BE49-F238E27FC236}">
-                    <a16:creationId xmlns:a16="http://schemas.microsoft.com/office/drawing/2014/main" xmlns="" id="{10540542-C57F-4691-AF17-40583ACBA3F1}"/>
+                    <a16:creationId xmlns="" xmlns:a16="http://schemas.microsoft.com/office/drawing/2014/main" id="{10540542-C57F-4691-AF17-40583ACBA3F1}"/>
                   </a:ext>
                 </a:extLst>
               </p:cNvPr>
@@ -21839,7 +21980,7 @@
               <p:cNvPr id="42" name="Retângulo: Cantos Arredondados 13">
                 <a:extLst>
                   <a:ext uri="{FF2B5EF4-FFF2-40B4-BE49-F238E27FC236}">
-                    <a16:creationId xmlns:a16="http://schemas.microsoft.com/office/drawing/2014/main" xmlns="" id="{552902B3-14B4-4F02-ABBE-E36047405A23}"/>
+                    <a16:creationId xmlns="" xmlns:a16="http://schemas.microsoft.com/office/drawing/2014/main" id="{552902B3-14B4-4F02-ABBE-E36047405A23}"/>
                   </a:ext>
                 </a:extLst>
               </p:cNvPr>
@@ -21894,7 +22035,7 @@
             <p:cNvPr id="28" name="Agrupar 14">
               <a:extLst>
                 <a:ext uri="{FF2B5EF4-FFF2-40B4-BE49-F238E27FC236}">
-                  <a16:creationId xmlns:a16="http://schemas.microsoft.com/office/drawing/2014/main" xmlns="" id="{4DD22468-0F77-455F-8343-D2977BA9D815}"/>
+                  <a16:creationId xmlns="" xmlns:a16="http://schemas.microsoft.com/office/drawing/2014/main" id="{4DD22468-0F77-455F-8343-D2977BA9D815}"/>
                 </a:ext>
               </a:extLst>
             </p:cNvPr>
@@ -21914,7 +22055,7 @@
               <p:cNvPr id="39" name="Retângulo: Cantos Arredondados 15">
                 <a:extLst>
                   <a:ext uri="{FF2B5EF4-FFF2-40B4-BE49-F238E27FC236}">
-                    <a16:creationId xmlns:a16="http://schemas.microsoft.com/office/drawing/2014/main" xmlns="" id="{2D72A34F-4564-471A-B6AA-AE1DF400A26F}"/>
+                    <a16:creationId xmlns="" xmlns:a16="http://schemas.microsoft.com/office/drawing/2014/main" id="{2D72A34F-4564-471A-B6AA-AE1DF400A26F}"/>
                   </a:ext>
                 </a:extLst>
               </p:cNvPr>
@@ -21968,7 +22109,7 @@
               <p:cNvPr id="40" name="Retângulo: Cantos Arredondados 16">
                 <a:extLst>
                   <a:ext uri="{FF2B5EF4-FFF2-40B4-BE49-F238E27FC236}">
-                    <a16:creationId xmlns:a16="http://schemas.microsoft.com/office/drawing/2014/main" xmlns="" id="{29E778E2-383E-4A56-974F-1F35B702221A}"/>
+                    <a16:creationId xmlns="" xmlns:a16="http://schemas.microsoft.com/office/drawing/2014/main" id="{29E778E2-383E-4A56-974F-1F35B702221A}"/>
                   </a:ext>
                 </a:extLst>
               </p:cNvPr>
@@ -22024,7 +22165,7 @@
           <p:cNvPr id="114" name="Agrupar 113">
             <a:extLst>
               <a:ext uri="{FF2B5EF4-FFF2-40B4-BE49-F238E27FC236}">
-                <a16:creationId xmlns:a16="http://schemas.microsoft.com/office/drawing/2014/main" xmlns="" id="{EC4A9AC8-F4D5-4B09-8F27-10182533BBE6}"/>
+                <a16:creationId xmlns="" xmlns:a16="http://schemas.microsoft.com/office/drawing/2014/main" id="{EC4A9AC8-F4D5-4B09-8F27-10182533BBE6}"/>
               </a:ext>
             </a:extLst>
           </p:cNvPr>
@@ -22044,7 +22185,7 @@
             <p:cNvPr id="115" name="Retângulo: Cantos Arredondados 114">
               <a:extLst>
                 <a:ext uri="{FF2B5EF4-FFF2-40B4-BE49-F238E27FC236}">
-                  <a16:creationId xmlns:a16="http://schemas.microsoft.com/office/drawing/2014/main" xmlns="" id="{EF1FC69D-3983-4649-A796-EEFD15A337AF}"/>
+                  <a16:creationId xmlns="" xmlns:a16="http://schemas.microsoft.com/office/drawing/2014/main" id="{EF1FC69D-3983-4649-A796-EEFD15A337AF}"/>
                 </a:ext>
               </a:extLst>
             </p:cNvPr>
@@ -22098,7 +22239,7 @@
             <p:cNvPr id="116" name="Retângulo: Cantos Arredondados 115">
               <a:extLst>
                 <a:ext uri="{FF2B5EF4-FFF2-40B4-BE49-F238E27FC236}">
-                  <a16:creationId xmlns:a16="http://schemas.microsoft.com/office/drawing/2014/main" xmlns="" id="{E9BE8618-AB65-42F4-9752-F24130D692A7}"/>
+                  <a16:creationId xmlns="" xmlns:a16="http://schemas.microsoft.com/office/drawing/2014/main" id="{E9BE8618-AB65-42F4-9752-F24130D692A7}"/>
                 </a:ext>
               </a:extLst>
             </p:cNvPr>
@@ -22152,7 +22293,7 @@
             <p:cNvPr id="117" name="Retângulo: Cantos Arredondados 116">
               <a:extLst>
                 <a:ext uri="{FF2B5EF4-FFF2-40B4-BE49-F238E27FC236}">
-                  <a16:creationId xmlns:a16="http://schemas.microsoft.com/office/drawing/2014/main" xmlns="" id="{877780EE-28A7-4A14-A0E6-0A3212B86155}"/>
+                  <a16:creationId xmlns="" xmlns:a16="http://schemas.microsoft.com/office/drawing/2014/main" id="{877780EE-28A7-4A14-A0E6-0A3212B86155}"/>
                 </a:ext>
               </a:extLst>
             </p:cNvPr>
@@ -22206,7 +22347,7 @@
             <p:cNvPr id="118" name="Forma Livre: Forma 117">
               <a:extLst>
                 <a:ext uri="{FF2B5EF4-FFF2-40B4-BE49-F238E27FC236}">
-                  <a16:creationId xmlns:a16="http://schemas.microsoft.com/office/drawing/2014/main" xmlns="" id="{B78ADCF5-F5CC-4A76-A645-64BB061DE346}"/>
+                  <a16:creationId xmlns="" xmlns:a16="http://schemas.microsoft.com/office/drawing/2014/main" id="{B78ADCF5-F5CC-4A76-A645-64BB061DE346}"/>
                 </a:ext>
               </a:extLst>
             </p:cNvPr>
@@ -22337,7 +22478,7 @@
             <p:cNvPr id="119" name="Retângulo 118">
               <a:extLst>
                 <a:ext uri="{FF2B5EF4-FFF2-40B4-BE49-F238E27FC236}">
-                  <a16:creationId xmlns:a16="http://schemas.microsoft.com/office/drawing/2014/main" xmlns="" id="{67F7C1E0-20D5-4DEF-AFBF-7E75BED02803}"/>
+                  <a16:creationId xmlns="" xmlns:a16="http://schemas.microsoft.com/office/drawing/2014/main" id="{67F7C1E0-20D5-4DEF-AFBF-7E75BED02803}"/>
                 </a:ext>
               </a:extLst>
             </p:cNvPr>
@@ -22389,7 +22530,7 @@
             <p:cNvPr id="120" name="Retângulo: Cantos Arredondados 119">
               <a:extLst>
                 <a:ext uri="{FF2B5EF4-FFF2-40B4-BE49-F238E27FC236}">
-                  <a16:creationId xmlns:a16="http://schemas.microsoft.com/office/drawing/2014/main" xmlns="" id="{7E3F3600-A9E2-4867-B866-D3808239A0A7}"/>
+                  <a16:creationId xmlns="" xmlns:a16="http://schemas.microsoft.com/office/drawing/2014/main" id="{7E3F3600-A9E2-4867-B866-D3808239A0A7}"/>
                 </a:ext>
               </a:extLst>
             </p:cNvPr>
@@ -22443,7 +22584,7 @@
             <p:cNvPr id="121" name="Retângulo: Cantos Arredondados 120">
               <a:extLst>
                 <a:ext uri="{FF2B5EF4-FFF2-40B4-BE49-F238E27FC236}">
-                  <a16:creationId xmlns:a16="http://schemas.microsoft.com/office/drawing/2014/main" xmlns="" id="{C2F572A8-FFF0-4736-BA07-19DD78D4F3C1}"/>
+                  <a16:creationId xmlns="" xmlns:a16="http://schemas.microsoft.com/office/drawing/2014/main" id="{C2F572A8-FFF0-4736-BA07-19DD78D4F3C1}"/>
                 </a:ext>
               </a:extLst>
             </p:cNvPr>
@@ -22498,7 +22639,7 @@
           <p:cNvPr id="31" name="Retângulo 30">
             <a:extLst>
               <a:ext uri="{FF2B5EF4-FFF2-40B4-BE49-F238E27FC236}">
-                <a16:creationId xmlns:a16="http://schemas.microsoft.com/office/drawing/2014/main" xmlns="" id="{1D35B8E0-5B77-4F78-B020-1D9680793D3F}"/>
+                <a16:creationId xmlns="" xmlns:a16="http://schemas.microsoft.com/office/drawing/2014/main" id="{1D35B8E0-5B77-4F78-B020-1D9680793D3F}"/>
               </a:ext>
             </a:extLst>
           </p:cNvPr>
@@ -22550,7 +22691,7 @@
           <p:cNvPr id="47" name="Forma Livre: Forma 46">
             <a:extLst>
               <a:ext uri="{FF2B5EF4-FFF2-40B4-BE49-F238E27FC236}">
-                <a16:creationId xmlns:a16="http://schemas.microsoft.com/office/drawing/2014/main" xmlns="" id="{CA5AA3B5-D86F-47B1-BF70-AFBE1E3895A9}"/>
+                <a16:creationId xmlns="" xmlns:a16="http://schemas.microsoft.com/office/drawing/2014/main" id="{CA5AA3B5-D86F-47B1-BF70-AFBE1E3895A9}"/>
               </a:ext>
             </a:extLst>
           </p:cNvPr>
@@ -22717,7 +22858,7 @@
           <p:cNvPr id="57" name="Forma Livre: Forma 56">
             <a:extLst>
               <a:ext uri="{FF2B5EF4-FFF2-40B4-BE49-F238E27FC236}">
-                <a16:creationId xmlns:a16="http://schemas.microsoft.com/office/drawing/2014/main" xmlns="" id="{7C85EB61-88CA-421C-AEE1-DD45034A253C}"/>
+                <a16:creationId xmlns="" xmlns:a16="http://schemas.microsoft.com/office/drawing/2014/main" id="{7C85EB61-88CA-421C-AEE1-DD45034A253C}"/>
               </a:ext>
             </a:extLst>
           </p:cNvPr>
@@ -22869,7 +23010,7 @@
           <p:cNvPr id="110" name="Forma Livre: Forma 109">
             <a:extLst>
               <a:ext uri="{FF2B5EF4-FFF2-40B4-BE49-F238E27FC236}">
-                <a16:creationId xmlns:a16="http://schemas.microsoft.com/office/drawing/2014/main" xmlns="" id="{FDB00EED-4104-4E00-8C7E-9370791D6384}"/>
+                <a16:creationId xmlns="" xmlns:a16="http://schemas.microsoft.com/office/drawing/2014/main" id="{FDB00EED-4104-4E00-8C7E-9370791D6384}"/>
               </a:ext>
             </a:extLst>
           </p:cNvPr>
@@ -23167,7 +23308,7 @@
           <p:cNvPr id="111" name="Agrupar 110">
             <a:extLst>
               <a:ext uri="{FF2B5EF4-FFF2-40B4-BE49-F238E27FC236}">
-                <a16:creationId xmlns:a16="http://schemas.microsoft.com/office/drawing/2014/main" xmlns="" id="{1E3B85D9-26F4-43E7-A9E1-BE1B8C7ADC16}"/>
+                <a16:creationId xmlns="" xmlns:a16="http://schemas.microsoft.com/office/drawing/2014/main" id="{1E3B85D9-26F4-43E7-A9E1-BE1B8C7ADC16}"/>
               </a:ext>
             </a:extLst>
           </p:cNvPr>
@@ -23190,7 +23331,7 @@
             <p:cNvPr id="97" name="Cruz 96">
               <a:extLst>
                 <a:ext uri="{FF2B5EF4-FFF2-40B4-BE49-F238E27FC236}">
-                  <a16:creationId xmlns:a16="http://schemas.microsoft.com/office/drawing/2014/main" xmlns="" id="{A668293D-2470-4C9E-AF95-4EE1BC4E3F89}"/>
+                  <a16:creationId xmlns="" xmlns:a16="http://schemas.microsoft.com/office/drawing/2014/main" id="{A668293D-2470-4C9E-AF95-4EE1BC4E3F89}"/>
                 </a:ext>
               </a:extLst>
             </p:cNvPr>
@@ -23242,7 +23383,7 @@
             <p:cNvPr id="98" name="Cruz 97">
               <a:extLst>
                 <a:ext uri="{FF2B5EF4-FFF2-40B4-BE49-F238E27FC236}">
-                  <a16:creationId xmlns:a16="http://schemas.microsoft.com/office/drawing/2014/main" xmlns="" id="{3149B231-2A8A-426E-BBD1-97FF35078606}"/>
+                  <a16:creationId xmlns="" xmlns:a16="http://schemas.microsoft.com/office/drawing/2014/main" id="{3149B231-2A8A-426E-BBD1-97FF35078606}"/>
                 </a:ext>
               </a:extLst>
             </p:cNvPr>
@@ -23294,7 +23435,7 @@
             <p:cNvPr id="99" name="Cruz 98">
               <a:extLst>
                 <a:ext uri="{FF2B5EF4-FFF2-40B4-BE49-F238E27FC236}">
-                  <a16:creationId xmlns:a16="http://schemas.microsoft.com/office/drawing/2014/main" xmlns="" id="{6D16372F-0346-4C90-B0AE-50860F04A7FF}"/>
+                  <a16:creationId xmlns="" xmlns:a16="http://schemas.microsoft.com/office/drawing/2014/main" id="{6D16372F-0346-4C90-B0AE-50860F04A7FF}"/>
                 </a:ext>
               </a:extLst>
             </p:cNvPr>
@@ -23346,7 +23487,7 @@
             <p:cNvPr id="100" name="Grupo 19">
               <a:extLst>
                 <a:ext uri="{FF2B5EF4-FFF2-40B4-BE49-F238E27FC236}">
-                  <a16:creationId xmlns:a16="http://schemas.microsoft.com/office/drawing/2014/main" xmlns="" id="{ECD0E47B-370B-4933-B6E5-461C50CDE360}"/>
+                  <a16:creationId xmlns="" xmlns:a16="http://schemas.microsoft.com/office/drawing/2014/main" id="{ECD0E47B-370B-4933-B6E5-461C50CDE360}"/>
                 </a:ext>
               </a:extLst>
             </p:cNvPr>
@@ -23367,7 +23508,7 @@
               <p:cNvPr id="106" name="Cruz 105">
                 <a:extLst>
                   <a:ext uri="{FF2B5EF4-FFF2-40B4-BE49-F238E27FC236}">
-                    <a16:creationId xmlns:a16="http://schemas.microsoft.com/office/drawing/2014/main" xmlns="" id="{F8B3730A-DFFD-4F58-AB57-6BDC4ACCFB5C}"/>
+                    <a16:creationId xmlns="" xmlns:a16="http://schemas.microsoft.com/office/drawing/2014/main" id="{F8B3730A-DFFD-4F58-AB57-6BDC4ACCFB5C}"/>
                   </a:ext>
                 </a:extLst>
               </p:cNvPr>
@@ -23419,7 +23560,7 @@
               <p:cNvPr id="107" name="Cruz 106">
                 <a:extLst>
                   <a:ext uri="{FF2B5EF4-FFF2-40B4-BE49-F238E27FC236}">
-                    <a16:creationId xmlns:a16="http://schemas.microsoft.com/office/drawing/2014/main" xmlns="" id="{F107EE2E-F528-4C6C-9C0C-EB7826199496}"/>
+                    <a16:creationId xmlns="" xmlns:a16="http://schemas.microsoft.com/office/drawing/2014/main" id="{F107EE2E-F528-4C6C-9C0C-EB7826199496}"/>
                   </a:ext>
                 </a:extLst>
               </p:cNvPr>
@@ -23487,7 +23628,7 @@
             <p:cNvPr id="32" name="Retângulo 31">
               <a:extLst>
                 <a:ext uri="{FF2B5EF4-FFF2-40B4-BE49-F238E27FC236}">
-                  <a16:creationId xmlns:a16="http://schemas.microsoft.com/office/drawing/2014/main" xmlns="" id="{923F2C6A-2603-4687-9497-EA8730BB2C49}"/>
+                  <a16:creationId xmlns="" xmlns:a16="http://schemas.microsoft.com/office/drawing/2014/main" id="{923F2C6A-2603-4687-9497-EA8730BB2C49}"/>
                 </a:ext>
               </a:extLst>
             </p:cNvPr>
@@ -23539,7 +23680,7 @@
             <p:cNvPr id="150" name="Triângulo Retângulo 149">
               <a:extLst>
                 <a:ext uri="{FF2B5EF4-FFF2-40B4-BE49-F238E27FC236}">
-                  <a16:creationId xmlns:a16="http://schemas.microsoft.com/office/drawing/2014/main" xmlns="" id="{3AC26621-2860-4357-980C-DA92A2D14681}"/>
+                  <a16:creationId xmlns="" xmlns:a16="http://schemas.microsoft.com/office/drawing/2014/main" id="{3AC26621-2860-4357-980C-DA92A2D14681}"/>
                 </a:ext>
               </a:extLst>
             </p:cNvPr>
@@ -23606,7 +23747,7 @@
             <p:cNvPr id="26" name="Agrupar 3">
               <a:extLst>
                 <a:ext uri="{FF2B5EF4-FFF2-40B4-BE49-F238E27FC236}">
-                  <a16:creationId xmlns:a16="http://schemas.microsoft.com/office/drawing/2014/main" xmlns="" id="{C45FEF34-3D77-4245-91E6-21A8D7F39CAE}"/>
+                  <a16:creationId xmlns="" xmlns:a16="http://schemas.microsoft.com/office/drawing/2014/main" id="{C45FEF34-3D77-4245-91E6-21A8D7F39CAE}"/>
                 </a:ext>
               </a:extLst>
             </p:cNvPr>
@@ -23626,7 +23767,7 @@
               <p:cNvPr id="43" name="Retângulo: Cantos Arredondados 4">
                 <a:extLst>
                   <a:ext uri="{FF2B5EF4-FFF2-40B4-BE49-F238E27FC236}">
-                    <a16:creationId xmlns:a16="http://schemas.microsoft.com/office/drawing/2014/main" xmlns="" id="{2901A741-378D-4F90-9213-3C8C001BF999}"/>
+                    <a16:creationId xmlns="" xmlns:a16="http://schemas.microsoft.com/office/drawing/2014/main" id="{2901A741-378D-4F90-9213-3C8C001BF999}"/>
                   </a:ext>
                 </a:extLst>
               </p:cNvPr>
@@ -23677,7 +23818,7 @@
               <p:cNvPr id="44" name="Retângulo: Cantos Arredondados 5">
                 <a:extLst>
                   <a:ext uri="{FF2B5EF4-FFF2-40B4-BE49-F238E27FC236}">
-                    <a16:creationId xmlns:a16="http://schemas.microsoft.com/office/drawing/2014/main" xmlns="" id="{842C104C-6712-4FAB-A86A-FAC9CE782474}"/>
+                    <a16:creationId xmlns="" xmlns:a16="http://schemas.microsoft.com/office/drawing/2014/main" id="{842C104C-6712-4FAB-A86A-FAC9CE782474}"/>
                   </a:ext>
                 </a:extLst>
               </p:cNvPr>
@@ -23731,7 +23872,7 @@
               <p:cNvPr id="45" name="Retângulo: Cantos Arredondados 6">
                 <a:extLst>
                   <a:ext uri="{FF2B5EF4-FFF2-40B4-BE49-F238E27FC236}">
-                    <a16:creationId xmlns:a16="http://schemas.microsoft.com/office/drawing/2014/main" xmlns="" id="{255A55C9-6EA9-40DD-A50C-94EDA00AB2EC}"/>
+                    <a16:creationId xmlns="" xmlns:a16="http://schemas.microsoft.com/office/drawing/2014/main" id="{255A55C9-6EA9-40DD-A50C-94EDA00AB2EC}"/>
                   </a:ext>
                 </a:extLst>
               </p:cNvPr>
@@ -23785,7 +23926,7 @@
               <p:cNvPr id="46" name="Forma Livre: Forma 7">
                 <a:extLst>
                   <a:ext uri="{FF2B5EF4-FFF2-40B4-BE49-F238E27FC236}">
-                    <a16:creationId xmlns:a16="http://schemas.microsoft.com/office/drawing/2014/main" xmlns="" id="{8B1C2CE6-4108-48D3-8CBE-635179488ECA}"/>
+                    <a16:creationId xmlns="" xmlns:a16="http://schemas.microsoft.com/office/drawing/2014/main" id="{8B1C2CE6-4108-48D3-8CBE-635179488ECA}"/>
                   </a:ext>
                 </a:extLst>
               </p:cNvPr>
@@ -23916,7 +24057,7 @@
               <p:cNvPr id="48" name="Retângulo 47">
                 <a:extLst>
                   <a:ext uri="{FF2B5EF4-FFF2-40B4-BE49-F238E27FC236}">
-                    <a16:creationId xmlns:a16="http://schemas.microsoft.com/office/drawing/2014/main" xmlns="" id="{6444A46D-5BDF-4712-88E7-104DA9FAAFD4}"/>
+                    <a16:creationId xmlns="" xmlns:a16="http://schemas.microsoft.com/office/drawing/2014/main" id="{6444A46D-5BDF-4712-88E7-104DA9FAAFD4}"/>
                   </a:ext>
                 </a:extLst>
               </p:cNvPr>
@@ -23968,7 +24109,7 @@
               <p:cNvPr id="49" name="Retângulo: Cantos Arredondados 9">
                 <a:extLst>
                   <a:ext uri="{FF2B5EF4-FFF2-40B4-BE49-F238E27FC236}">
-                    <a16:creationId xmlns:a16="http://schemas.microsoft.com/office/drawing/2014/main" xmlns="" id="{881B3B66-2052-48AF-979B-60B32E1F7F9E}"/>
+                    <a16:creationId xmlns="" xmlns:a16="http://schemas.microsoft.com/office/drawing/2014/main" id="{881B3B66-2052-48AF-979B-60B32E1F7F9E}"/>
                   </a:ext>
                 </a:extLst>
               </p:cNvPr>
@@ -24022,7 +24163,7 @@
               <p:cNvPr id="50" name="Retângulo: Cantos Arredondados 10">
                 <a:extLst>
                   <a:ext uri="{FF2B5EF4-FFF2-40B4-BE49-F238E27FC236}">
-                    <a16:creationId xmlns:a16="http://schemas.microsoft.com/office/drawing/2014/main" xmlns="" id="{8212EF75-2EF8-4DFC-BEB5-5C95D755FCDA}"/>
+                    <a16:creationId xmlns="" xmlns:a16="http://schemas.microsoft.com/office/drawing/2014/main" id="{8212EF75-2EF8-4DFC-BEB5-5C95D755FCDA}"/>
                   </a:ext>
                 </a:extLst>
               </p:cNvPr>
@@ -24077,7 +24218,7 @@
             <p:cNvPr id="29" name="Agrupar 17">
               <a:extLst>
                 <a:ext uri="{FF2B5EF4-FFF2-40B4-BE49-F238E27FC236}">
-                  <a16:creationId xmlns:a16="http://schemas.microsoft.com/office/drawing/2014/main" xmlns="" id="{1C1086BE-5C78-46C5-8759-F221A1473050}"/>
+                  <a16:creationId xmlns="" xmlns:a16="http://schemas.microsoft.com/office/drawing/2014/main" id="{1C1086BE-5C78-46C5-8759-F221A1473050}"/>
                 </a:ext>
               </a:extLst>
             </p:cNvPr>
@@ -24097,7 +24238,7 @@
               <p:cNvPr id="33" name="Forma Livre: Forma 18">
                 <a:extLst>
                   <a:ext uri="{FF2B5EF4-FFF2-40B4-BE49-F238E27FC236}">
-                    <a16:creationId xmlns:a16="http://schemas.microsoft.com/office/drawing/2014/main" xmlns="" id="{A5FF4AA1-FB76-4089-AF79-C37CF505E719}"/>
+                    <a16:creationId xmlns="" xmlns:a16="http://schemas.microsoft.com/office/drawing/2014/main" id="{A5FF4AA1-FB76-4089-AF79-C37CF505E719}"/>
                   </a:ext>
                 </a:extLst>
               </p:cNvPr>
@@ -24232,7 +24373,7 @@
               <p:cNvPr id="34" name="Forma Livre: Forma 19">
                 <a:extLst>
                   <a:ext uri="{FF2B5EF4-FFF2-40B4-BE49-F238E27FC236}">
-                    <a16:creationId xmlns:a16="http://schemas.microsoft.com/office/drawing/2014/main" xmlns="" id="{F8045286-37AC-4911-A671-477E8EB257A2}"/>
+                    <a16:creationId xmlns="" xmlns:a16="http://schemas.microsoft.com/office/drawing/2014/main" id="{F8045286-37AC-4911-A671-477E8EB257A2}"/>
                   </a:ext>
                 </a:extLst>
               </p:cNvPr>
@@ -24367,7 +24508,7 @@
               <p:cNvPr id="35" name="Elipse 34">
                 <a:extLst>
                   <a:ext uri="{FF2B5EF4-FFF2-40B4-BE49-F238E27FC236}">
-                    <a16:creationId xmlns:a16="http://schemas.microsoft.com/office/drawing/2014/main" xmlns="" id="{CD452FDD-69B7-4E28-B5E7-0FEFB45E205A}"/>
+                    <a16:creationId xmlns="" xmlns:a16="http://schemas.microsoft.com/office/drawing/2014/main" id="{CD452FDD-69B7-4E28-B5E7-0FEFB45E205A}"/>
                   </a:ext>
                 </a:extLst>
               </p:cNvPr>
@@ -24419,7 +24560,7 @@
               <p:cNvPr id="36" name="Retângulo: Cantos Arredondados 21">
                 <a:extLst>
                   <a:ext uri="{FF2B5EF4-FFF2-40B4-BE49-F238E27FC236}">
-                    <a16:creationId xmlns:a16="http://schemas.microsoft.com/office/drawing/2014/main" xmlns="" id="{AF7D2798-BB73-466E-A25A-A2621184FA04}"/>
+                    <a16:creationId xmlns="" xmlns:a16="http://schemas.microsoft.com/office/drawing/2014/main" id="{AF7D2798-BB73-466E-A25A-A2621184FA04}"/>
                   </a:ext>
                 </a:extLst>
               </p:cNvPr>
@@ -24473,7 +24614,7 @@
               <p:cNvPr id="37" name="Retângulo: Cantos Arredondados 22">
                 <a:extLst>
                   <a:ext uri="{FF2B5EF4-FFF2-40B4-BE49-F238E27FC236}">
-                    <a16:creationId xmlns:a16="http://schemas.microsoft.com/office/drawing/2014/main" xmlns="" id="{3E77055B-F661-42D4-86CB-10C4D49F7934}"/>
+                    <a16:creationId xmlns="" xmlns:a16="http://schemas.microsoft.com/office/drawing/2014/main" id="{3E77055B-F661-42D4-86CB-10C4D49F7934}"/>
                   </a:ext>
                 </a:extLst>
               </p:cNvPr>
@@ -24527,7 +24668,7 @@
               <p:cNvPr id="38" name="Retângulo: Cantos Arredondados 23">
                 <a:extLst>
                   <a:ext uri="{FF2B5EF4-FFF2-40B4-BE49-F238E27FC236}">
-                    <a16:creationId xmlns:a16="http://schemas.microsoft.com/office/drawing/2014/main" xmlns="" id="{2D266FA5-5903-44D9-9DC7-DCB4A530544F}"/>
+                    <a16:creationId xmlns="" xmlns:a16="http://schemas.microsoft.com/office/drawing/2014/main" id="{2D266FA5-5903-44D9-9DC7-DCB4A530544F}"/>
                   </a:ext>
                 </a:extLst>
               </p:cNvPr>
@@ -24582,7 +24723,7 @@
             <p:cNvPr id="30" name="Forma Livre: Forma 24">
               <a:extLst>
                 <a:ext uri="{FF2B5EF4-FFF2-40B4-BE49-F238E27FC236}">
-                  <a16:creationId xmlns:a16="http://schemas.microsoft.com/office/drawing/2014/main" xmlns="" id="{59EBB5C9-01FD-4920-B60F-971211221B04}"/>
+                  <a16:creationId xmlns="" xmlns:a16="http://schemas.microsoft.com/office/drawing/2014/main" id="{59EBB5C9-01FD-4920-B60F-971211221B04}"/>
                 </a:ext>
               </a:extLst>
             </p:cNvPr>
@@ -25831,7 +25972,7 @@
           <p:cNvPr id="114" name="Agrupar 113">
             <a:extLst>
               <a:ext uri="{FF2B5EF4-FFF2-40B4-BE49-F238E27FC236}">
-                <a16:creationId xmlns:a16="http://schemas.microsoft.com/office/drawing/2014/main" xmlns="" id="{EC4A9AC8-F4D5-4B09-8F27-10182533BBE6}"/>
+                <a16:creationId xmlns="" xmlns:a16="http://schemas.microsoft.com/office/drawing/2014/main" id="{EC4A9AC8-F4D5-4B09-8F27-10182533BBE6}"/>
               </a:ext>
             </a:extLst>
           </p:cNvPr>
@@ -25851,7 +25992,7 @@
             <p:cNvPr id="115" name="Retângulo: Cantos Arredondados 114">
               <a:extLst>
                 <a:ext uri="{FF2B5EF4-FFF2-40B4-BE49-F238E27FC236}">
-                  <a16:creationId xmlns:a16="http://schemas.microsoft.com/office/drawing/2014/main" xmlns="" id="{EF1FC69D-3983-4649-A796-EEFD15A337AF}"/>
+                  <a16:creationId xmlns="" xmlns:a16="http://schemas.microsoft.com/office/drawing/2014/main" id="{EF1FC69D-3983-4649-A796-EEFD15A337AF}"/>
                 </a:ext>
               </a:extLst>
             </p:cNvPr>
@@ -25905,7 +26046,7 @@
             <p:cNvPr id="116" name="Retângulo: Cantos Arredondados 115">
               <a:extLst>
                 <a:ext uri="{FF2B5EF4-FFF2-40B4-BE49-F238E27FC236}">
-                  <a16:creationId xmlns:a16="http://schemas.microsoft.com/office/drawing/2014/main" xmlns="" id="{E9BE8618-AB65-42F4-9752-F24130D692A7}"/>
+                  <a16:creationId xmlns="" xmlns:a16="http://schemas.microsoft.com/office/drawing/2014/main" id="{E9BE8618-AB65-42F4-9752-F24130D692A7}"/>
                 </a:ext>
               </a:extLst>
             </p:cNvPr>
@@ -25959,7 +26100,7 @@
             <p:cNvPr id="117" name="Retângulo: Cantos Arredondados 116">
               <a:extLst>
                 <a:ext uri="{FF2B5EF4-FFF2-40B4-BE49-F238E27FC236}">
-                  <a16:creationId xmlns:a16="http://schemas.microsoft.com/office/drawing/2014/main" xmlns="" id="{877780EE-28A7-4A14-A0E6-0A3212B86155}"/>
+                  <a16:creationId xmlns="" xmlns:a16="http://schemas.microsoft.com/office/drawing/2014/main" id="{877780EE-28A7-4A14-A0E6-0A3212B86155}"/>
                 </a:ext>
               </a:extLst>
             </p:cNvPr>
@@ -26013,7 +26154,7 @@
             <p:cNvPr id="118" name="Forma Livre: Forma 117">
               <a:extLst>
                 <a:ext uri="{FF2B5EF4-FFF2-40B4-BE49-F238E27FC236}">
-                  <a16:creationId xmlns:a16="http://schemas.microsoft.com/office/drawing/2014/main" xmlns="" id="{B78ADCF5-F5CC-4A76-A645-64BB061DE346}"/>
+                  <a16:creationId xmlns="" xmlns:a16="http://schemas.microsoft.com/office/drawing/2014/main" id="{B78ADCF5-F5CC-4A76-A645-64BB061DE346}"/>
                 </a:ext>
               </a:extLst>
             </p:cNvPr>
@@ -26144,7 +26285,7 @@
             <p:cNvPr id="119" name="Retângulo 118">
               <a:extLst>
                 <a:ext uri="{FF2B5EF4-FFF2-40B4-BE49-F238E27FC236}">
-                  <a16:creationId xmlns:a16="http://schemas.microsoft.com/office/drawing/2014/main" xmlns="" id="{67F7C1E0-20D5-4DEF-AFBF-7E75BED02803}"/>
+                  <a16:creationId xmlns="" xmlns:a16="http://schemas.microsoft.com/office/drawing/2014/main" id="{67F7C1E0-20D5-4DEF-AFBF-7E75BED02803}"/>
                 </a:ext>
               </a:extLst>
             </p:cNvPr>
@@ -26196,7 +26337,7 @@
             <p:cNvPr id="120" name="Retângulo: Cantos Arredondados 119">
               <a:extLst>
                 <a:ext uri="{FF2B5EF4-FFF2-40B4-BE49-F238E27FC236}">
-                  <a16:creationId xmlns:a16="http://schemas.microsoft.com/office/drawing/2014/main" xmlns="" id="{7E3F3600-A9E2-4867-B866-D3808239A0A7}"/>
+                  <a16:creationId xmlns="" xmlns:a16="http://schemas.microsoft.com/office/drawing/2014/main" id="{7E3F3600-A9E2-4867-B866-D3808239A0A7}"/>
                 </a:ext>
               </a:extLst>
             </p:cNvPr>
@@ -26250,7 +26391,7 @@
             <p:cNvPr id="121" name="Retângulo: Cantos Arredondados 120">
               <a:extLst>
                 <a:ext uri="{FF2B5EF4-FFF2-40B4-BE49-F238E27FC236}">
-                  <a16:creationId xmlns:a16="http://schemas.microsoft.com/office/drawing/2014/main" xmlns="" id="{C2F572A8-FFF0-4736-BA07-19DD78D4F3C1}"/>
+                  <a16:creationId xmlns="" xmlns:a16="http://schemas.microsoft.com/office/drawing/2014/main" id="{C2F572A8-FFF0-4736-BA07-19DD78D4F3C1}"/>
                 </a:ext>
               </a:extLst>
             </p:cNvPr>
@@ -26305,7 +26446,7 @@
           <p:cNvPr id="138" name="Grupo 6">
             <a:extLst>
               <a:ext uri="{FF2B5EF4-FFF2-40B4-BE49-F238E27FC236}">
-                <a16:creationId xmlns:a16="http://schemas.microsoft.com/office/drawing/2014/main" xmlns="" id="{75C2D647-409E-4172-B46A-FF0596D1F214}"/>
+                <a16:creationId xmlns="" xmlns:a16="http://schemas.microsoft.com/office/drawing/2014/main" id="{75C2D647-409E-4172-B46A-FF0596D1F214}"/>
               </a:ext>
             </a:extLst>
           </p:cNvPr>
@@ -26325,7 +26466,7 @@
             <p:cNvPr id="139" name="Retângulo de cantos arredondados 1">
               <a:extLst>
                 <a:ext uri="{FF2B5EF4-FFF2-40B4-BE49-F238E27FC236}">
-                  <a16:creationId xmlns:a16="http://schemas.microsoft.com/office/drawing/2014/main" xmlns="" id="{8587315D-A88A-4762-8161-0A8A92A83C12}"/>
+                  <a16:creationId xmlns="" xmlns:a16="http://schemas.microsoft.com/office/drawing/2014/main" id="{8587315D-A88A-4762-8161-0A8A92A83C12}"/>
                 </a:ext>
               </a:extLst>
             </p:cNvPr>
@@ -26388,7 +26529,7 @@
             <p:cNvPr id="140" name="Grupo 2">
               <a:extLst>
                 <a:ext uri="{FF2B5EF4-FFF2-40B4-BE49-F238E27FC236}">
-                  <a16:creationId xmlns:a16="http://schemas.microsoft.com/office/drawing/2014/main" xmlns="" id="{B5BAB782-FA12-4BD0-A819-7BC7035054C8}"/>
+                  <a16:creationId xmlns="" xmlns:a16="http://schemas.microsoft.com/office/drawing/2014/main" id="{B5BAB782-FA12-4BD0-A819-7BC7035054C8}"/>
                 </a:ext>
               </a:extLst>
             </p:cNvPr>
@@ -26408,7 +26549,7 @@
               <p:cNvPr id="141" name="Grupo 50">
                 <a:extLst>
                   <a:ext uri="{FF2B5EF4-FFF2-40B4-BE49-F238E27FC236}">
-                    <a16:creationId xmlns:a16="http://schemas.microsoft.com/office/drawing/2014/main" xmlns="" id="{BB410D9A-9F38-4E4A-8444-A59EAC7D0053}"/>
+                    <a16:creationId xmlns="" xmlns:a16="http://schemas.microsoft.com/office/drawing/2014/main" id="{BB410D9A-9F38-4E4A-8444-A59EAC7D0053}"/>
                   </a:ext>
                 </a:extLst>
               </p:cNvPr>
@@ -26428,7 +26569,7 @@
                 <p:cNvPr id="168" name="Retângulo 167">
                   <a:extLst>
                     <a:ext uri="{FF2B5EF4-FFF2-40B4-BE49-F238E27FC236}">
-                      <a16:creationId xmlns:a16="http://schemas.microsoft.com/office/drawing/2014/main" xmlns="" id="{9EE247DF-6E8F-4774-976C-A0BC34746A76}"/>
+                      <a16:creationId xmlns="" xmlns:a16="http://schemas.microsoft.com/office/drawing/2014/main" id="{9EE247DF-6E8F-4774-976C-A0BC34746A76}"/>
                     </a:ext>
                   </a:extLst>
                 </p:cNvPr>
@@ -26480,7 +26621,7 @@
                 <p:cNvPr id="169" name="Forma Livre: Forma 46">
                   <a:extLst>
                     <a:ext uri="{FF2B5EF4-FFF2-40B4-BE49-F238E27FC236}">
-                      <a16:creationId xmlns:a16="http://schemas.microsoft.com/office/drawing/2014/main" xmlns="" id="{8614ABA1-8D0D-4AF2-AC4D-D98C91F302E3}"/>
+                      <a16:creationId xmlns="" xmlns:a16="http://schemas.microsoft.com/office/drawing/2014/main" id="{8614ABA1-8D0D-4AF2-AC4D-D98C91F302E3}"/>
                     </a:ext>
                   </a:extLst>
                 </p:cNvPr>
@@ -26647,7 +26788,7 @@
                 <p:cNvPr id="170" name="Forma Livre: Forma 56">
                   <a:extLst>
                     <a:ext uri="{FF2B5EF4-FFF2-40B4-BE49-F238E27FC236}">
-                      <a16:creationId xmlns:a16="http://schemas.microsoft.com/office/drawing/2014/main" xmlns="" id="{54976037-FC2D-4F65-9949-9812EB0F9AC7}"/>
+                      <a16:creationId xmlns="" xmlns:a16="http://schemas.microsoft.com/office/drawing/2014/main" id="{54976037-FC2D-4F65-9949-9812EB0F9AC7}"/>
                     </a:ext>
                   </a:extLst>
                 </p:cNvPr>
@@ -26799,7 +26940,7 @@
                 <p:cNvPr id="171" name="Forma Livre: Forma 109">
                   <a:extLst>
                     <a:ext uri="{FF2B5EF4-FFF2-40B4-BE49-F238E27FC236}">
-                      <a16:creationId xmlns:a16="http://schemas.microsoft.com/office/drawing/2014/main" xmlns="" id="{95EE7ECE-338F-49F7-9F83-CD5063EC1E9E}"/>
+                      <a16:creationId xmlns="" xmlns:a16="http://schemas.microsoft.com/office/drawing/2014/main" id="{95EE7ECE-338F-49F7-9F83-CD5063EC1E9E}"/>
                     </a:ext>
                   </a:extLst>
                 </p:cNvPr>
@@ -27097,7 +27238,7 @@
                 <p:cNvPr id="172" name="Agrupar 110">
                   <a:extLst>
                     <a:ext uri="{FF2B5EF4-FFF2-40B4-BE49-F238E27FC236}">
-                      <a16:creationId xmlns:a16="http://schemas.microsoft.com/office/drawing/2014/main" xmlns="" id="{A5EF5E59-D913-4E93-BBB8-5610EADA2962}"/>
+                      <a16:creationId xmlns="" xmlns:a16="http://schemas.microsoft.com/office/drawing/2014/main" id="{A5EF5E59-D913-4E93-BBB8-5610EADA2962}"/>
                     </a:ext>
                   </a:extLst>
                 </p:cNvPr>
@@ -27120,7 +27261,7 @@
                   <p:cNvPr id="173" name="Cruz 172">
                     <a:extLst>
                       <a:ext uri="{FF2B5EF4-FFF2-40B4-BE49-F238E27FC236}">
-                        <a16:creationId xmlns:a16="http://schemas.microsoft.com/office/drawing/2014/main" xmlns="" id="{82EDA0E8-5783-482F-8B9E-7DE951F44FEB}"/>
+                        <a16:creationId xmlns="" xmlns:a16="http://schemas.microsoft.com/office/drawing/2014/main" id="{82EDA0E8-5783-482F-8B9E-7DE951F44FEB}"/>
                       </a:ext>
                     </a:extLst>
                   </p:cNvPr>
@@ -27172,7 +27313,7 @@
                   <p:cNvPr id="174" name="Cruz 173">
                     <a:extLst>
                       <a:ext uri="{FF2B5EF4-FFF2-40B4-BE49-F238E27FC236}">
-                        <a16:creationId xmlns:a16="http://schemas.microsoft.com/office/drawing/2014/main" xmlns="" id="{65310199-5065-4AFC-830B-9259869C4445}"/>
+                        <a16:creationId xmlns="" xmlns:a16="http://schemas.microsoft.com/office/drawing/2014/main" id="{65310199-5065-4AFC-830B-9259869C4445}"/>
                       </a:ext>
                     </a:extLst>
                   </p:cNvPr>
@@ -27224,7 +27365,7 @@
                   <p:cNvPr id="175" name="Cruz 174">
                     <a:extLst>
                       <a:ext uri="{FF2B5EF4-FFF2-40B4-BE49-F238E27FC236}">
-                        <a16:creationId xmlns:a16="http://schemas.microsoft.com/office/drawing/2014/main" xmlns="" id="{8E1CD4C8-C12E-4243-8430-B0A865C93B50}"/>
+                        <a16:creationId xmlns="" xmlns:a16="http://schemas.microsoft.com/office/drawing/2014/main" id="{8E1CD4C8-C12E-4243-8430-B0A865C93B50}"/>
                       </a:ext>
                     </a:extLst>
                   </p:cNvPr>
@@ -27276,7 +27417,7 @@
                   <p:cNvPr id="176" name="Grupo 19">
                     <a:extLst>
                       <a:ext uri="{FF2B5EF4-FFF2-40B4-BE49-F238E27FC236}">
-                        <a16:creationId xmlns:a16="http://schemas.microsoft.com/office/drawing/2014/main" xmlns="" id="{C80AEB79-8636-473C-A749-02C8D83F5F57}"/>
+                        <a16:creationId xmlns="" xmlns:a16="http://schemas.microsoft.com/office/drawing/2014/main" id="{C80AEB79-8636-473C-A749-02C8D83F5F57}"/>
                       </a:ext>
                     </a:extLst>
                   </p:cNvPr>
@@ -27297,7 +27438,7 @@
                     <p:cNvPr id="177" name="Cruz 176">
                       <a:extLst>
                         <a:ext uri="{FF2B5EF4-FFF2-40B4-BE49-F238E27FC236}">
-                          <a16:creationId xmlns:a16="http://schemas.microsoft.com/office/drawing/2014/main" xmlns="" id="{400895BD-7A89-419C-93C2-EDF0057C795E}"/>
+                          <a16:creationId xmlns="" xmlns:a16="http://schemas.microsoft.com/office/drawing/2014/main" id="{400895BD-7A89-419C-93C2-EDF0057C795E}"/>
                         </a:ext>
                       </a:extLst>
                     </p:cNvPr>
@@ -27349,7 +27490,7 @@
                     <p:cNvPr id="178" name="Cruz 177">
                       <a:extLst>
                         <a:ext uri="{FF2B5EF4-FFF2-40B4-BE49-F238E27FC236}">
-                          <a16:creationId xmlns:a16="http://schemas.microsoft.com/office/drawing/2014/main" xmlns="" id="{D428D8D3-010F-4107-B7E1-4B4DEB902718}"/>
+                          <a16:creationId xmlns="" xmlns:a16="http://schemas.microsoft.com/office/drawing/2014/main" id="{D428D8D3-010F-4107-B7E1-4B4DEB902718}"/>
                         </a:ext>
                       </a:extLst>
                     </p:cNvPr>
@@ -27404,7 +27545,7 @@
               <p:cNvPr id="142" name="Grupo 63">
                 <a:extLst>
                   <a:ext uri="{FF2B5EF4-FFF2-40B4-BE49-F238E27FC236}">
-                    <a16:creationId xmlns:a16="http://schemas.microsoft.com/office/drawing/2014/main" xmlns="" id="{F16D89F7-FD02-44D5-95E7-25E2E111472A}"/>
+                    <a16:creationId xmlns="" xmlns:a16="http://schemas.microsoft.com/office/drawing/2014/main" id="{F16D89F7-FD02-44D5-95E7-25E2E111472A}"/>
                   </a:ext>
                 </a:extLst>
               </p:cNvPr>
@@ -27424,7 +27565,7 @@
                 <p:cNvPr id="166" name="Retângulo 165">
                   <a:extLst>
                     <a:ext uri="{FF2B5EF4-FFF2-40B4-BE49-F238E27FC236}">
-                      <a16:creationId xmlns:a16="http://schemas.microsoft.com/office/drawing/2014/main" xmlns="" id="{D4150F35-8932-4085-B4D5-D6D39E9E40AA}"/>
+                      <a16:creationId xmlns="" xmlns:a16="http://schemas.microsoft.com/office/drawing/2014/main" id="{D4150F35-8932-4085-B4D5-D6D39E9E40AA}"/>
                     </a:ext>
                   </a:extLst>
                 </p:cNvPr>
@@ -27476,7 +27617,7 @@
                 <p:cNvPr id="167" name="Triângulo Retângulo 149">
                   <a:extLst>
                     <a:ext uri="{FF2B5EF4-FFF2-40B4-BE49-F238E27FC236}">
-                      <a16:creationId xmlns:a16="http://schemas.microsoft.com/office/drawing/2014/main" xmlns="" id="{91D599A3-F4D0-4D41-B96E-C5758541F557}"/>
+                      <a16:creationId xmlns="" xmlns:a16="http://schemas.microsoft.com/office/drawing/2014/main" id="{91D599A3-F4D0-4D41-B96E-C5758541F557}"/>
                     </a:ext>
                   </a:extLst>
                 </p:cNvPr>
@@ -27529,7 +27670,7 @@
               <p:cNvPr id="143" name="Agrupar 25">
                 <a:extLst>
                   <a:ext uri="{FF2B5EF4-FFF2-40B4-BE49-F238E27FC236}">
-                    <a16:creationId xmlns:a16="http://schemas.microsoft.com/office/drawing/2014/main" xmlns="" id="{55FD2579-CD40-4454-BB45-69A569E91AF2}"/>
+                    <a16:creationId xmlns="" xmlns:a16="http://schemas.microsoft.com/office/drawing/2014/main" id="{55FD2579-CD40-4454-BB45-69A569E91AF2}"/>
                   </a:ext>
                 </a:extLst>
               </p:cNvPr>
@@ -27549,7 +27690,7 @@
                 <p:cNvPr id="144" name="Agrupar 3">
                   <a:extLst>
                     <a:ext uri="{FF2B5EF4-FFF2-40B4-BE49-F238E27FC236}">
-                      <a16:creationId xmlns:a16="http://schemas.microsoft.com/office/drawing/2014/main" xmlns="" id="{A7470D21-CFAF-4149-A4E7-69A1A2C29C5E}"/>
+                      <a16:creationId xmlns="" xmlns:a16="http://schemas.microsoft.com/office/drawing/2014/main" id="{A7470D21-CFAF-4149-A4E7-69A1A2C29C5E}"/>
                     </a:ext>
                   </a:extLst>
                 </p:cNvPr>
@@ -27569,7 +27710,7 @@
                   <p:cNvPr id="159" name="Retângulo: Cantos Arredondados 4">
                     <a:extLst>
                       <a:ext uri="{FF2B5EF4-FFF2-40B4-BE49-F238E27FC236}">
-                        <a16:creationId xmlns:a16="http://schemas.microsoft.com/office/drawing/2014/main" xmlns="" id="{963282D4-D8BE-47E9-995F-0CB928378691}"/>
+                        <a16:creationId xmlns="" xmlns:a16="http://schemas.microsoft.com/office/drawing/2014/main" id="{963282D4-D8BE-47E9-995F-0CB928378691}"/>
                       </a:ext>
                     </a:extLst>
                   </p:cNvPr>
@@ -27620,7 +27761,7 @@
                   <p:cNvPr id="160" name="Retângulo: Cantos Arredondados 5">
                     <a:extLst>
                       <a:ext uri="{FF2B5EF4-FFF2-40B4-BE49-F238E27FC236}">
-                        <a16:creationId xmlns:a16="http://schemas.microsoft.com/office/drawing/2014/main" xmlns="" id="{A18E7E51-6C0E-4E36-B70D-F985F0D20630}"/>
+                        <a16:creationId xmlns="" xmlns:a16="http://schemas.microsoft.com/office/drawing/2014/main" id="{A18E7E51-6C0E-4E36-B70D-F985F0D20630}"/>
                       </a:ext>
                     </a:extLst>
                   </p:cNvPr>
@@ -27674,7 +27815,7 @@
                   <p:cNvPr id="161" name="Retângulo: Cantos Arredondados 6">
                     <a:extLst>
                       <a:ext uri="{FF2B5EF4-FFF2-40B4-BE49-F238E27FC236}">
-                        <a16:creationId xmlns:a16="http://schemas.microsoft.com/office/drawing/2014/main" xmlns="" id="{7D5B6770-6AA8-42E2-B4FA-8C0E8D6DFEE8}"/>
+                        <a16:creationId xmlns="" xmlns:a16="http://schemas.microsoft.com/office/drawing/2014/main" id="{7D5B6770-6AA8-42E2-B4FA-8C0E8D6DFEE8}"/>
                       </a:ext>
                     </a:extLst>
                   </p:cNvPr>
@@ -27728,7 +27869,7 @@
                   <p:cNvPr id="162" name="Forma Livre: Forma 7">
                     <a:extLst>
                       <a:ext uri="{FF2B5EF4-FFF2-40B4-BE49-F238E27FC236}">
-                        <a16:creationId xmlns:a16="http://schemas.microsoft.com/office/drawing/2014/main" xmlns="" id="{E4348310-2269-481F-8418-C13603DE962E}"/>
+                        <a16:creationId xmlns="" xmlns:a16="http://schemas.microsoft.com/office/drawing/2014/main" id="{E4348310-2269-481F-8418-C13603DE962E}"/>
                       </a:ext>
                     </a:extLst>
                   </p:cNvPr>
@@ -27859,7 +28000,7 @@
                   <p:cNvPr id="163" name="Retângulo 162">
                     <a:extLst>
                       <a:ext uri="{FF2B5EF4-FFF2-40B4-BE49-F238E27FC236}">
-                        <a16:creationId xmlns:a16="http://schemas.microsoft.com/office/drawing/2014/main" xmlns="" id="{29824F54-B5CE-4F46-88D5-183044EE6B6A}"/>
+                        <a16:creationId xmlns="" xmlns:a16="http://schemas.microsoft.com/office/drawing/2014/main" id="{29824F54-B5CE-4F46-88D5-183044EE6B6A}"/>
                       </a:ext>
                     </a:extLst>
                   </p:cNvPr>
@@ -27911,7 +28052,7 @@
                   <p:cNvPr id="164" name="Retângulo: Cantos Arredondados 9">
                     <a:extLst>
                       <a:ext uri="{FF2B5EF4-FFF2-40B4-BE49-F238E27FC236}">
-                        <a16:creationId xmlns:a16="http://schemas.microsoft.com/office/drawing/2014/main" xmlns="" id="{23573BF8-112A-45BB-BF3D-DC6EEBD9D860}"/>
+                        <a16:creationId xmlns="" xmlns:a16="http://schemas.microsoft.com/office/drawing/2014/main" id="{23573BF8-112A-45BB-BF3D-DC6EEBD9D860}"/>
                       </a:ext>
                     </a:extLst>
                   </p:cNvPr>
@@ -27965,7 +28106,7 @@
                   <p:cNvPr id="165" name="Retângulo: Cantos Arredondados 10">
                     <a:extLst>
                       <a:ext uri="{FF2B5EF4-FFF2-40B4-BE49-F238E27FC236}">
-                        <a16:creationId xmlns:a16="http://schemas.microsoft.com/office/drawing/2014/main" xmlns="" id="{D4EB81C9-20E6-4B70-9794-E0BCB1C304DF}"/>
+                        <a16:creationId xmlns="" xmlns:a16="http://schemas.microsoft.com/office/drawing/2014/main" id="{D4EB81C9-20E6-4B70-9794-E0BCB1C304DF}"/>
                       </a:ext>
                     </a:extLst>
                   </p:cNvPr>
@@ -28020,7 +28161,7 @@
                 <p:cNvPr id="145" name="Agrupar 11">
                   <a:extLst>
                     <a:ext uri="{FF2B5EF4-FFF2-40B4-BE49-F238E27FC236}">
-                      <a16:creationId xmlns:a16="http://schemas.microsoft.com/office/drawing/2014/main" xmlns="" id="{15E69D31-051F-4158-A83D-3342B904472C}"/>
+                      <a16:creationId xmlns="" xmlns:a16="http://schemas.microsoft.com/office/drawing/2014/main" id="{15E69D31-051F-4158-A83D-3342B904472C}"/>
                     </a:ext>
                   </a:extLst>
                 </p:cNvPr>
@@ -28040,7 +28181,7 @@
                   <p:cNvPr id="157" name="Retângulo: Cantos Arredondados 12">
                     <a:extLst>
                       <a:ext uri="{FF2B5EF4-FFF2-40B4-BE49-F238E27FC236}">
-                        <a16:creationId xmlns:a16="http://schemas.microsoft.com/office/drawing/2014/main" xmlns="" id="{233E2C98-F2F9-4D04-AE2C-14D59FC0B3BF}"/>
+                        <a16:creationId xmlns="" xmlns:a16="http://schemas.microsoft.com/office/drawing/2014/main" id="{233E2C98-F2F9-4D04-AE2C-14D59FC0B3BF}"/>
                       </a:ext>
                     </a:extLst>
                   </p:cNvPr>
@@ -28094,7 +28235,7 @@
                   <p:cNvPr id="158" name="Retângulo: Cantos Arredondados 13">
                     <a:extLst>
                       <a:ext uri="{FF2B5EF4-FFF2-40B4-BE49-F238E27FC236}">
-                        <a16:creationId xmlns:a16="http://schemas.microsoft.com/office/drawing/2014/main" xmlns="" id="{DDAC5462-F7BC-4D99-A307-A5EAC135D8E8}"/>
+                        <a16:creationId xmlns="" xmlns:a16="http://schemas.microsoft.com/office/drawing/2014/main" id="{DDAC5462-F7BC-4D99-A307-A5EAC135D8E8}"/>
                       </a:ext>
                     </a:extLst>
                   </p:cNvPr>
@@ -28149,7 +28290,7 @@
                 <p:cNvPr id="146" name="Agrupar 14">
                   <a:extLst>
                     <a:ext uri="{FF2B5EF4-FFF2-40B4-BE49-F238E27FC236}">
-                      <a16:creationId xmlns:a16="http://schemas.microsoft.com/office/drawing/2014/main" xmlns="" id="{CA3F88C5-6303-4C1B-B8E6-3B11AC1543D2}"/>
+                      <a16:creationId xmlns="" xmlns:a16="http://schemas.microsoft.com/office/drawing/2014/main" id="{CA3F88C5-6303-4C1B-B8E6-3B11AC1543D2}"/>
                     </a:ext>
                   </a:extLst>
                 </p:cNvPr>
@@ -28169,7 +28310,7 @@
                   <p:cNvPr id="155" name="Retângulo: Cantos Arredondados 15">
                     <a:extLst>
                       <a:ext uri="{FF2B5EF4-FFF2-40B4-BE49-F238E27FC236}">
-                        <a16:creationId xmlns:a16="http://schemas.microsoft.com/office/drawing/2014/main" xmlns="" id="{F814F319-27F2-4EB0-90CB-1EEA8240C77C}"/>
+                        <a16:creationId xmlns="" xmlns:a16="http://schemas.microsoft.com/office/drawing/2014/main" id="{F814F319-27F2-4EB0-90CB-1EEA8240C77C}"/>
                       </a:ext>
                     </a:extLst>
                   </p:cNvPr>
@@ -28223,7 +28364,7 @@
                   <p:cNvPr id="156" name="Retângulo: Cantos Arredondados 16">
                     <a:extLst>
                       <a:ext uri="{FF2B5EF4-FFF2-40B4-BE49-F238E27FC236}">
-                        <a16:creationId xmlns:a16="http://schemas.microsoft.com/office/drawing/2014/main" xmlns="" id="{CC7DC6F9-4D99-4F56-A64D-69C2768C2BB5}"/>
+                        <a16:creationId xmlns="" xmlns:a16="http://schemas.microsoft.com/office/drawing/2014/main" id="{CC7DC6F9-4D99-4F56-A64D-69C2768C2BB5}"/>
                       </a:ext>
                     </a:extLst>
                   </p:cNvPr>
@@ -28278,7 +28419,7 @@
                 <p:cNvPr id="147" name="Agrupar 17">
                   <a:extLst>
                     <a:ext uri="{FF2B5EF4-FFF2-40B4-BE49-F238E27FC236}">
-                      <a16:creationId xmlns:a16="http://schemas.microsoft.com/office/drawing/2014/main" xmlns="" id="{78842492-4535-49FE-A024-FCBB3F2C91DA}"/>
+                      <a16:creationId xmlns="" xmlns:a16="http://schemas.microsoft.com/office/drawing/2014/main" id="{78842492-4535-49FE-A024-FCBB3F2C91DA}"/>
                     </a:ext>
                   </a:extLst>
                 </p:cNvPr>
@@ -28298,7 +28439,7 @@
                   <p:cNvPr id="149" name="Forma Livre: Forma 18">
                     <a:extLst>
                       <a:ext uri="{FF2B5EF4-FFF2-40B4-BE49-F238E27FC236}">
-                        <a16:creationId xmlns:a16="http://schemas.microsoft.com/office/drawing/2014/main" xmlns="" id="{A70CDE06-649E-4831-9A54-7CA235CCCAD5}"/>
+                        <a16:creationId xmlns="" xmlns:a16="http://schemas.microsoft.com/office/drawing/2014/main" id="{A70CDE06-649E-4831-9A54-7CA235CCCAD5}"/>
                       </a:ext>
                     </a:extLst>
                   </p:cNvPr>
@@ -28433,7 +28574,7 @@
                   <p:cNvPr id="150" name="Forma Livre: Forma 19">
                     <a:extLst>
                       <a:ext uri="{FF2B5EF4-FFF2-40B4-BE49-F238E27FC236}">
-                        <a16:creationId xmlns:a16="http://schemas.microsoft.com/office/drawing/2014/main" xmlns="" id="{407002B0-BC4E-460F-AB71-4AB92D8B7E0F}"/>
+                        <a16:creationId xmlns="" xmlns:a16="http://schemas.microsoft.com/office/drawing/2014/main" id="{407002B0-BC4E-460F-AB71-4AB92D8B7E0F}"/>
                       </a:ext>
                     </a:extLst>
                   </p:cNvPr>
@@ -28568,7 +28709,7 @@
                   <p:cNvPr id="151" name="Elipse 150">
                     <a:extLst>
                       <a:ext uri="{FF2B5EF4-FFF2-40B4-BE49-F238E27FC236}">
-                        <a16:creationId xmlns:a16="http://schemas.microsoft.com/office/drawing/2014/main" xmlns="" id="{CD007A64-98F5-472A-A9A8-FC55BF47D397}"/>
+                        <a16:creationId xmlns="" xmlns:a16="http://schemas.microsoft.com/office/drawing/2014/main" id="{CD007A64-98F5-472A-A9A8-FC55BF47D397}"/>
                       </a:ext>
                     </a:extLst>
                   </p:cNvPr>
@@ -28620,7 +28761,7 @@
                   <p:cNvPr id="152" name="Retângulo: Cantos Arredondados 21">
                     <a:extLst>
                       <a:ext uri="{FF2B5EF4-FFF2-40B4-BE49-F238E27FC236}">
-                        <a16:creationId xmlns:a16="http://schemas.microsoft.com/office/drawing/2014/main" xmlns="" id="{0F4A0C35-7D8A-450F-AE58-EFB1D41591F7}"/>
+                        <a16:creationId xmlns="" xmlns:a16="http://schemas.microsoft.com/office/drawing/2014/main" id="{0F4A0C35-7D8A-450F-AE58-EFB1D41591F7}"/>
                       </a:ext>
                     </a:extLst>
                   </p:cNvPr>
@@ -28674,7 +28815,7 @@
                   <p:cNvPr id="153" name="Retângulo: Cantos Arredondados 22">
                     <a:extLst>
                       <a:ext uri="{FF2B5EF4-FFF2-40B4-BE49-F238E27FC236}">
-                        <a16:creationId xmlns:a16="http://schemas.microsoft.com/office/drawing/2014/main" xmlns="" id="{043FE423-D875-4CF1-AF41-8EE20263B7AE}"/>
+                        <a16:creationId xmlns="" xmlns:a16="http://schemas.microsoft.com/office/drawing/2014/main" id="{043FE423-D875-4CF1-AF41-8EE20263B7AE}"/>
                       </a:ext>
                     </a:extLst>
                   </p:cNvPr>
@@ -28728,7 +28869,7 @@
                   <p:cNvPr id="154" name="Retângulo: Cantos Arredondados 23">
                     <a:extLst>
                       <a:ext uri="{FF2B5EF4-FFF2-40B4-BE49-F238E27FC236}">
-                        <a16:creationId xmlns:a16="http://schemas.microsoft.com/office/drawing/2014/main" xmlns="" id="{6E9CBFB4-7697-48F2-9A63-3EE8BA073F75}"/>
+                        <a16:creationId xmlns="" xmlns:a16="http://schemas.microsoft.com/office/drawing/2014/main" id="{6E9CBFB4-7697-48F2-9A63-3EE8BA073F75}"/>
                       </a:ext>
                     </a:extLst>
                   </p:cNvPr>
@@ -28783,7 +28924,7 @@
                 <p:cNvPr id="148" name="Forma Livre: Forma 24">
                   <a:extLst>
                     <a:ext uri="{FF2B5EF4-FFF2-40B4-BE49-F238E27FC236}">
-                      <a16:creationId xmlns:a16="http://schemas.microsoft.com/office/drawing/2014/main" xmlns="" id="{312A957E-B066-474F-AE48-2EA31E221E28}"/>
+                      <a16:creationId xmlns="" xmlns:a16="http://schemas.microsoft.com/office/drawing/2014/main" id="{312A957E-B066-474F-AE48-2EA31E221E28}"/>
                     </a:ext>
                   </a:extLst>
                 </p:cNvPr>
@@ -28945,7 +29086,7 @@
           <p:cNvPr id="194" name="Grupo 6">
             <a:extLst>
               <a:ext uri="{FF2B5EF4-FFF2-40B4-BE49-F238E27FC236}">
-                <a16:creationId xmlns:a16="http://schemas.microsoft.com/office/drawing/2014/main" xmlns="" id="{2742B7A7-ACC5-4483-A442-F0ED66D10D58}"/>
+                <a16:creationId xmlns="" xmlns:a16="http://schemas.microsoft.com/office/drawing/2014/main" id="{2742B7A7-ACC5-4483-A442-F0ED66D10D58}"/>
               </a:ext>
             </a:extLst>
           </p:cNvPr>
@@ -28965,7 +29106,7 @@
             <p:cNvPr id="195" name="Retângulo de cantos arredondados 1">
               <a:extLst>
                 <a:ext uri="{FF2B5EF4-FFF2-40B4-BE49-F238E27FC236}">
-                  <a16:creationId xmlns:a16="http://schemas.microsoft.com/office/drawing/2014/main" xmlns="" id="{9EA43C1A-C868-4051-845D-2634D578EBAB}"/>
+                  <a16:creationId xmlns="" xmlns:a16="http://schemas.microsoft.com/office/drawing/2014/main" id="{9EA43C1A-C868-4051-845D-2634D578EBAB}"/>
                 </a:ext>
               </a:extLst>
             </p:cNvPr>
@@ -29017,7 +29158,7 @@
             <p:cNvPr id="196" name="Grupo 2">
               <a:extLst>
                 <a:ext uri="{FF2B5EF4-FFF2-40B4-BE49-F238E27FC236}">
-                  <a16:creationId xmlns:a16="http://schemas.microsoft.com/office/drawing/2014/main" xmlns="" id="{978B6BF9-6790-4800-B50E-AB095103EFD8}"/>
+                  <a16:creationId xmlns="" xmlns:a16="http://schemas.microsoft.com/office/drawing/2014/main" id="{978B6BF9-6790-4800-B50E-AB095103EFD8}"/>
                 </a:ext>
               </a:extLst>
             </p:cNvPr>
@@ -29037,7 +29178,7 @@
               <p:cNvPr id="197" name="Grupo 50">
                 <a:extLst>
                   <a:ext uri="{FF2B5EF4-FFF2-40B4-BE49-F238E27FC236}">
-                    <a16:creationId xmlns:a16="http://schemas.microsoft.com/office/drawing/2014/main" xmlns="" id="{FCFC678E-95CD-460E-B46F-A20A41BCCE8C}"/>
+                    <a16:creationId xmlns="" xmlns:a16="http://schemas.microsoft.com/office/drawing/2014/main" id="{FCFC678E-95CD-460E-B46F-A20A41BCCE8C}"/>
                   </a:ext>
                 </a:extLst>
               </p:cNvPr>
@@ -29057,7 +29198,7 @@
                 <p:cNvPr id="224" name="Retângulo 223">
                   <a:extLst>
                     <a:ext uri="{FF2B5EF4-FFF2-40B4-BE49-F238E27FC236}">
-                      <a16:creationId xmlns:a16="http://schemas.microsoft.com/office/drawing/2014/main" xmlns="" id="{7E7B446A-CA7C-410A-A776-E2FC6487E12A}"/>
+                      <a16:creationId xmlns="" xmlns:a16="http://schemas.microsoft.com/office/drawing/2014/main" id="{7E7B446A-CA7C-410A-A776-E2FC6487E12A}"/>
                     </a:ext>
                   </a:extLst>
                 </p:cNvPr>
@@ -29109,7 +29250,7 @@
                 <p:cNvPr id="225" name="Forma Livre: Forma 46">
                   <a:extLst>
                     <a:ext uri="{FF2B5EF4-FFF2-40B4-BE49-F238E27FC236}">
-                      <a16:creationId xmlns:a16="http://schemas.microsoft.com/office/drawing/2014/main" xmlns="" id="{D831F71C-063E-4470-8B79-9841AD33A8F4}"/>
+                      <a16:creationId xmlns="" xmlns:a16="http://schemas.microsoft.com/office/drawing/2014/main" id="{D831F71C-063E-4470-8B79-9841AD33A8F4}"/>
                     </a:ext>
                   </a:extLst>
                 </p:cNvPr>
@@ -29276,7 +29417,7 @@
                 <p:cNvPr id="226" name="Forma Livre: Forma 56">
                   <a:extLst>
                     <a:ext uri="{FF2B5EF4-FFF2-40B4-BE49-F238E27FC236}">
-                      <a16:creationId xmlns:a16="http://schemas.microsoft.com/office/drawing/2014/main" xmlns="" id="{22D0D129-574F-4197-BFDC-AAA28747D2EF}"/>
+                      <a16:creationId xmlns="" xmlns:a16="http://schemas.microsoft.com/office/drawing/2014/main" id="{22D0D129-574F-4197-BFDC-AAA28747D2EF}"/>
                     </a:ext>
                   </a:extLst>
                 </p:cNvPr>
@@ -29428,7 +29569,7 @@
                 <p:cNvPr id="227" name="Forma Livre: Forma 109">
                   <a:extLst>
                     <a:ext uri="{FF2B5EF4-FFF2-40B4-BE49-F238E27FC236}">
-                      <a16:creationId xmlns:a16="http://schemas.microsoft.com/office/drawing/2014/main" xmlns="" id="{879E1EC2-F951-4AEA-B991-A8DE82C5BA3E}"/>
+                      <a16:creationId xmlns="" xmlns:a16="http://schemas.microsoft.com/office/drawing/2014/main" id="{879E1EC2-F951-4AEA-B991-A8DE82C5BA3E}"/>
                     </a:ext>
                   </a:extLst>
                 </p:cNvPr>
@@ -29726,7 +29867,7 @@
                 <p:cNvPr id="228" name="Agrupar 110">
                   <a:extLst>
                     <a:ext uri="{FF2B5EF4-FFF2-40B4-BE49-F238E27FC236}">
-                      <a16:creationId xmlns:a16="http://schemas.microsoft.com/office/drawing/2014/main" xmlns="" id="{63AD9C47-DE64-44A4-A18F-2058724D8EF8}"/>
+                      <a16:creationId xmlns="" xmlns:a16="http://schemas.microsoft.com/office/drawing/2014/main" id="{63AD9C47-DE64-44A4-A18F-2058724D8EF8}"/>
                     </a:ext>
                   </a:extLst>
                 </p:cNvPr>
@@ -29749,7 +29890,7 @@
                   <p:cNvPr id="229" name="Cruz 228">
                     <a:extLst>
                       <a:ext uri="{FF2B5EF4-FFF2-40B4-BE49-F238E27FC236}">
-                        <a16:creationId xmlns:a16="http://schemas.microsoft.com/office/drawing/2014/main" xmlns="" id="{F5D58BC0-D941-4922-A87B-7C41A6DD8CA5}"/>
+                        <a16:creationId xmlns="" xmlns:a16="http://schemas.microsoft.com/office/drawing/2014/main" id="{F5D58BC0-D941-4922-A87B-7C41A6DD8CA5}"/>
                       </a:ext>
                     </a:extLst>
                   </p:cNvPr>
@@ -29801,7 +29942,7 @@
                   <p:cNvPr id="230" name="Cruz 229">
                     <a:extLst>
                       <a:ext uri="{FF2B5EF4-FFF2-40B4-BE49-F238E27FC236}">
-                        <a16:creationId xmlns:a16="http://schemas.microsoft.com/office/drawing/2014/main" xmlns="" id="{67337E81-C180-4296-ACF8-1048FEF334DA}"/>
+                        <a16:creationId xmlns="" xmlns:a16="http://schemas.microsoft.com/office/drawing/2014/main" id="{67337E81-C180-4296-ACF8-1048FEF334DA}"/>
                       </a:ext>
                     </a:extLst>
                   </p:cNvPr>
@@ -29853,7 +29994,7 @@
                   <p:cNvPr id="231" name="Cruz 230">
                     <a:extLst>
                       <a:ext uri="{FF2B5EF4-FFF2-40B4-BE49-F238E27FC236}">
-                        <a16:creationId xmlns:a16="http://schemas.microsoft.com/office/drawing/2014/main" xmlns="" id="{BCEE3B91-F9B0-4977-9B95-9CDF6931131E}"/>
+                        <a16:creationId xmlns="" xmlns:a16="http://schemas.microsoft.com/office/drawing/2014/main" id="{BCEE3B91-F9B0-4977-9B95-9CDF6931131E}"/>
                       </a:ext>
                     </a:extLst>
                   </p:cNvPr>
@@ -29905,7 +30046,7 @@
                   <p:cNvPr id="232" name="Grupo 19">
                     <a:extLst>
                       <a:ext uri="{FF2B5EF4-FFF2-40B4-BE49-F238E27FC236}">
-                        <a16:creationId xmlns:a16="http://schemas.microsoft.com/office/drawing/2014/main" xmlns="" id="{28560833-C8D0-4935-BABB-25F234A75D1D}"/>
+                        <a16:creationId xmlns="" xmlns:a16="http://schemas.microsoft.com/office/drawing/2014/main" id="{28560833-C8D0-4935-BABB-25F234A75D1D}"/>
                       </a:ext>
                     </a:extLst>
                   </p:cNvPr>
@@ -29926,7 +30067,7 @@
                     <p:cNvPr id="233" name="Cruz 232">
                       <a:extLst>
                         <a:ext uri="{FF2B5EF4-FFF2-40B4-BE49-F238E27FC236}">
-                          <a16:creationId xmlns:a16="http://schemas.microsoft.com/office/drawing/2014/main" xmlns="" id="{CDC47273-C1F8-42E6-9B72-42DB19F9EC5E}"/>
+                          <a16:creationId xmlns="" xmlns:a16="http://schemas.microsoft.com/office/drawing/2014/main" id="{CDC47273-C1F8-42E6-9B72-42DB19F9EC5E}"/>
                         </a:ext>
                       </a:extLst>
                     </p:cNvPr>
@@ -29978,7 +30119,7 @@
                     <p:cNvPr id="234" name="Cruz 233">
                       <a:extLst>
                         <a:ext uri="{FF2B5EF4-FFF2-40B4-BE49-F238E27FC236}">
-                          <a16:creationId xmlns:a16="http://schemas.microsoft.com/office/drawing/2014/main" xmlns="" id="{26A04287-A22F-4E82-9857-57143FC38271}"/>
+                          <a16:creationId xmlns="" xmlns:a16="http://schemas.microsoft.com/office/drawing/2014/main" id="{26A04287-A22F-4E82-9857-57143FC38271}"/>
                         </a:ext>
                       </a:extLst>
                     </p:cNvPr>
@@ -30033,7 +30174,7 @@
               <p:cNvPr id="198" name="Grupo 63">
                 <a:extLst>
                   <a:ext uri="{FF2B5EF4-FFF2-40B4-BE49-F238E27FC236}">
-                    <a16:creationId xmlns:a16="http://schemas.microsoft.com/office/drawing/2014/main" xmlns="" id="{4ABA274E-B2CB-4559-8893-50283604EB4A}"/>
+                    <a16:creationId xmlns="" xmlns:a16="http://schemas.microsoft.com/office/drawing/2014/main" id="{4ABA274E-B2CB-4559-8893-50283604EB4A}"/>
                   </a:ext>
                 </a:extLst>
               </p:cNvPr>
@@ -30053,7 +30194,7 @@
                 <p:cNvPr id="222" name="Retângulo 221">
                   <a:extLst>
                     <a:ext uri="{FF2B5EF4-FFF2-40B4-BE49-F238E27FC236}">
-                      <a16:creationId xmlns:a16="http://schemas.microsoft.com/office/drawing/2014/main" xmlns="" id="{2FC8D8ED-F077-41AC-B80C-1B43A497D32D}"/>
+                      <a16:creationId xmlns="" xmlns:a16="http://schemas.microsoft.com/office/drawing/2014/main" id="{2FC8D8ED-F077-41AC-B80C-1B43A497D32D}"/>
                     </a:ext>
                   </a:extLst>
                 </p:cNvPr>
@@ -30105,7 +30246,7 @@
                 <p:cNvPr id="223" name="Triângulo Retângulo 149">
                   <a:extLst>
                     <a:ext uri="{FF2B5EF4-FFF2-40B4-BE49-F238E27FC236}">
-                      <a16:creationId xmlns:a16="http://schemas.microsoft.com/office/drawing/2014/main" xmlns="" id="{FFA104F8-A82E-4294-B127-E7B78BA8AA15}"/>
+                      <a16:creationId xmlns="" xmlns:a16="http://schemas.microsoft.com/office/drawing/2014/main" id="{FFA104F8-A82E-4294-B127-E7B78BA8AA15}"/>
                     </a:ext>
                   </a:extLst>
                 </p:cNvPr>
@@ -30158,7 +30299,7 @@
               <p:cNvPr id="199" name="Agrupar 25">
                 <a:extLst>
                   <a:ext uri="{FF2B5EF4-FFF2-40B4-BE49-F238E27FC236}">
-                    <a16:creationId xmlns:a16="http://schemas.microsoft.com/office/drawing/2014/main" xmlns="" id="{A24E9757-5400-47A0-B59E-B455DB9FE85A}"/>
+                    <a16:creationId xmlns="" xmlns:a16="http://schemas.microsoft.com/office/drawing/2014/main" id="{A24E9757-5400-47A0-B59E-B455DB9FE85A}"/>
                   </a:ext>
                 </a:extLst>
               </p:cNvPr>
@@ -30178,7 +30319,7 @@
                 <p:cNvPr id="200" name="Agrupar 3">
                   <a:extLst>
                     <a:ext uri="{FF2B5EF4-FFF2-40B4-BE49-F238E27FC236}">
-                      <a16:creationId xmlns:a16="http://schemas.microsoft.com/office/drawing/2014/main" xmlns="" id="{05843A19-C129-4466-942B-7E312EF96EFC}"/>
+                      <a16:creationId xmlns="" xmlns:a16="http://schemas.microsoft.com/office/drawing/2014/main" id="{05843A19-C129-4466-942B-7E312EF96EFC}"/>
                     </a:ext>
                   </a:extLst>
                 </p:cNvPr>
@@ -30198,7 +30339,7 @@
                   <p:cNvPr id="215" name="Retângulo: Cantos Arredondados 4">
                     <a:extLst>
                       <a:ext uri="{FF2B5EF4-FFF2-40B4-BE49-F238E27FC236}">
-                        <a16:creationId xmlns:a16="http://schemas.microsoft.com/office/drawing/2014/main" xmlns="" id="{06F8152A-391D-4E8B-B61D-A7F65A301D20}"/>
+                        <a16:creationId xmlns="" xmlns:a16="http://schemas.microsoft.com/office/drawing/2014/main" id="{06F8152A-391D-4E8B-B61D-A7F65A301D20}"/>
                       </a:ext>
                     </a:extLst>
                   </p:cNvPr>
@@ -30249,7 +30390,7 @@
                   <p:cNvPr id="216" name="Retângulo: Cantos Arredondados 5">
                     <a:extLst>
                       <a:ext uri="{FF2B5EF4-FFF2-40B4-BE49-F238E27FC236}">
-                        <a16:creationId xmlns:a16="http://schemas.microsoft.com/office/drawing/2014/main" xmlns="" id="{7C0AAF1A-1A07-4E1A-9643-DBEA6CEBAAAC}"/>
+                        <a16:creationId xmlns="" xmlns:a16="http://schemas.microsoft.com/office/drawing/2014/main" id="{7C0AAF1A-1A07-4E1A-9643-DBEA6CEBAAAC}"/>
                       </a:ext>
                     </a:extLst>
                   </p:cNvPr>
@@ -30303,7 +30444,7 @@
                   <p:cNvPr id="217" name="Retângulo: Cantos Arredondados 6">
                     <a:extLst>
                       <a:ext uri="{FF2B5EF4-FFF2-40B4-BE49-F238E27FC236}">
-                        <a16:creationId xmlns:a16="http://schemas.microsoft.com/office/drawing/2014/main" xmlns="" id="{72281106-DB8C-4878-9AB7-4CEC65BD95C7}"/>
+                        <a16:creationId xmlns="" xmlns:a16="http://schemas.microsoft.com/office/drawing/2014/main" id="{72281106-DB8C-4878-9AB7-4CEC65BD95C7}"/>
                       </a:ext>
                     </a:extLst>
                   </p:cNvPr>
@@ -30357,7 +30498,7 @@
                   <p:cNvPr id="218" name="Forma Livre: Forma 7">
                     <a:extLst>
                       <a:ext uri="{FF2B5EF4-FFF2-40B4-BE49-F238E27FC236}">
-                        <a16:creationId xmlns:a16="http://schemas.microsoft.com/office/drawing/2014/main" xmlns="" id="{C6AEB392-1A03-454A-AB07-7A292B964CC9}"/>
+                        <a16:creationId xmlns="" xmlns:a16="http://schemas.microsoft.com/office/drawing/2014/main" id="{C6AEB392-1A03-454A-AB07-7A292B964CC9}"/>
                       </a:ext>
                     </a:extLst>
                   </p:cNvPr>
@@ -30488,7 +30629,7 @@
                   <p:cNvPr id="219" name="Retângulo 218">
                     <a:extLst>
                       <a:ext uri="{FF2B5EF4-FFF2-40B4-BE49-F238E27FC236}">
-                        <a16:creationId xmlns:a16="http://schemas.microsoft.com/office/drawing/2014/main" xmlns="" id="{6194C98F-9F23-427A-BFF3-C37CB0FF1E2D}"/>
+                        <a16:creationId xmlns="" xmlns:a16="http://schemas.microsoft.com/office/drawing/2014/main" id="{6194C98F-9F23-427A-BFF3-C37CB0FF1E2D}"/>
                       </a:ext>
                     </a:extLst>
                   </p:cNvPr>
@@ -30540,7 +30681,7 @@
                   <p:cNvPr id="220" name="Retângulo: Cantos Arredondados 9">
                     <a:extLst>
                       <a:ext uri="{FF2B5EF4-FFF2-40B4-BE49-F238E27FC236}">
-                        <a16:creationId xmlns:a16="http://schemas.microsoft.com/office/drawing/2014/main" xmlns="" id="{D6EE0EA2-06ED-46D6-9A41-CDF4C431DDA6}"/>
+                        <a16:creationId xmlns="" xmlns:a16="http://schemas.microsoft.com/office/drawing/2014/main" id="{D6EE0EA2-06ED-46D6-9A41-CDF4C431DDA6}"/>
                       </a:ext>
                     </a:extLst>
                   </p:cNvPr>
@@ -30594,7 +30735,7 @@
                   <p:cNvPr id="221" name="Retângulo: Cantos Arredondados 10">
                     <a:extLst>
                       <a:ext uri="{FF2B5EF4-FFF2-40B4-BE49-F238E27FC236}">
-                        <a16:creationId xmlns:a16="http://schemas.microsoft.com/office/drawing/2014/main" xmlns="" id="{9345512C-9C34-4417-8C8A-282AAC45E8F7}"/>
+                        <a16:creationId xmlns="" xmlns:a16="http://schemas.microsoft.com/office/drawing/2014/main" id="{9345512C-9C34-4417-8C8A-282AAC45E8F7}"/>
                       </a:ext>
                     </a:extLst>
                   </p:cNvPr>
@@ -30649,7 +30790,7 @@
                 <p:cNvPr id="201" name="Agrupar 11">
                   <a:extLst>
                     <a:ext uri="{FF2B5EF4-FFF2-40B4-BE49-F238E27FC236}">
-                      <a16:creationId xmlns:a16="http://schemas.microsoft.com/office/drawing/2014/main" xmlns="" id="{E181F1AF-F0AA-4DF3-AB25-A226F9C10F41}"/>
+                      <a16:creationId xmlns="" xmlns:a16="http://schemas.microsoft.com/office/drawing/2014/main" id="{E181F1AF-F0AA-4DF3-AB25-A226F9C10F41}"/>
                     </a:ext>
                   </a:extLst>
                 </p:cNvPr>
@@ -30669,7 +30810,7 @@
                   <p:cNvPr id="213" name="Retângulo: Cantos Arredondados 12">
                     <a:extLst>
                       <a:ext uri="{FF2B5EF4-FFF2-40B4-BE49-F238E27FC236}">
-                        <a16:creationId xmlns:a16="http://schemas.microsoft.com/office/drawing/2014/main" xmlns="" id="{A944DF34-D79F-4FB3-A71B-73A9A48387C5}"/>
+                        <a16:creationId xmlns="" xmlns:a16="http://schemas.microsoft.com/office/drawing/2014/main" id="{A944DF34-D79F-4FB3-A71B-73A9A48387C5}"/>
                       </a:ext>
                     </a:extLst>
                   </p:cNvPr>
@@ -30723,7 +30864,7 @@
                   <p:cNvPr id="214" name="Retângulo: Cantos Arredondados 13">
                     <a:extLst>
                       <a:ext uri="{FF2B5EF4-FFF2-40B4-BE49-F238E27FC236}">
-                        <a16:creationId xmlns:a16="http://schemas.microsoft.com/office/drawing/2014/main" xmlns="" id="{39D1A281-FB39-4AB2-B7F9-AE9FAA74E7B8}"/>
+                        <a16:creationId xmlns="" xmlns:a16="http://schemas.microsoft.com/office/drawing/2014/main" id="{39D1A281-FB39-4AB2-B7F9-AE9FAA74E7B8}"/>
                       </a:ext>
                     </a:extLst>
                   </p:cNvPr>
@@ -30778,7 +30919,7 @@
                 <p:cNvPr id="202" name="Agrupar 14">
                   <a:extLst>
                     <a:ext uri="{FF2B5EF4-FFF2-40B4-BE49-F238E27FC236}">
-                      <a16:creationId xmlns:a16="http://schemas.microsoft.com/office/drawing/2014/main" xmlns="" id="{3F94D053-BEEC-4E64-851E-6B3EBE51BFB5}"/>
+                      <a16:creationId xmlns="" xmlns:a16="http://schemas.microsoft.com/office/drawing/2014/main" id="{3F94D053-BEEC-4E64-851E-6B3EBE51BFB5}"/>
                     </a:ext>
                   </a:extLst>
                 </p:cNvPr>
@@ -30798,7 +30939,7 @@
                   <p:cNvPr id="211" name="Retângulo: Cantos Arredondados 15">
                     <a:extLst>
                       <a:ext uri="{FF2B5EF4-FFF2-40B4-BE49-F238E27FC236}">
-                        <a16:creationId xmlns:a16="http://schemas.microsoft.com/office/drawing/2014/main" xmlns="" id="{A05B97D7-B500-49D7-9E7C-9F6AF38ADE9D}"/>
+                        <a16:creationId xmlns="" xmlns:a16="http://schemas.microsoft.com/office/drawing/2014/main" id="{A05B97D7-B500-49D7-9E7C-9F6AF38ADE9D}"/>
                       </a:ext>
                     </a:extLst>
                   </p:cNvPr>
@@ -30852,7 +30993,7 @@
                   <p:cNvPr id="212" name="Retângulo: Cantos Arredondados 16">
                     <a:extLst>
                       <a:ext uri="{FF2B5EF4-FFF2-40B4-BE49-F238E27FC236}">
-                        <a16:creationId xmlns:a16="http://schemas.microsoft.com/office/drawing/2014/main" xmlns="" id="{A667A6AA-368E-4B22-8FCE-15F506FA8322}"/>
+                        <a16:creationId xmlns="" xmlns:a16="http://schemas.microsoft.com/office/drawing/2014/main" id="{A667A6AA-368E-4B22-8FCE-15F506FA8322}"/>
                       </a:ext>
                     </a:extLst>
                   </p:cNvPr>
@@ -30907,7 +31048,7 @@
                 <p:cNvPr id="203" name="Agrupar 17">
                   <a:extLst>
                     <a:ext uri="{FF2B5EF4-FFF2-40B4-BE49-F238E27FC236}">
-                      <a16:creationId xmlns:a16="http://schemas.microsoft.com/office/drawing/2014/main" xmlns="" id="{A669400B-DD71-42FB-BB23-4077B36466E8}"/>
+                      <a16:creationId xmlns="" xmlns:a16="http://schemas.microsoft.com/office/drawing/2014/main" id="{A669400B-DD71-42FB-BB23-4077B36466E8}"/>
                     </a:ext>
                   </a:extLst>
                 </p:cNvPr>
@@ -30927,7 +31068,7 @@
                   <p:cNvPr id="205" name="Forma Livre: Forma 18">
                     <a:extLst>
                       <a:ext uri="{FF2B5EF4-FFF2-40B4-BE49-F238E27FC236}">
-                        <a16:creationId xmlns:a16="http://schemas.microsoft.com/office/drawing/2014/main" xmlns="" id="{9238453F-1997-4999-BE09-E1A30513CBF9}"/>
+                        <a16:creationId xmlns="" xmlns:a16="http://schemas.microsoft.com/office/drawing/2014/main" id="{9238453F-1997-4999-BE09-E1A30513CBF9}"/>
                       </a:ext>
                     </a:extLst>
                   </p:cNvPr>
@@ -31062,7 +31203,7 @@
                   <p:cNvPr id="206" name="Forma Livre: Forma 19">
                     <a:extLst>
                       <a:ext uri="{FF2B5EF4-FFF2-40B4-BE49-F238E27FC236}">
-                        <a16:creationId xmlns:a16="http://schemas.microsoft.com/office/drawing/2014/main" xmlns="" id="{F4CEA07E-D969-47FD-BD39-5882972463DD}"/>
+                        <a16:creationId xmlns="" xmlns:a16="http://schemas.microsoft.com/office/drawing/2014/main" id="{F4CEA07E-D969-47FD-BD39-5882972463DD}"/>
                       </a:ext>
                     </a:extLst>
                   </p:cNvPr>
@@ -31197,7 +31338,7 @@
                   <p:cNvPr id="207" name="Elipse 206">
                     <a:extLst>
                       <a:ext uri="{FF2B5EF4-FFF2-40B4-BE49-F238E27FC236}">
-                        <a16:creationId xmlns:a16="http://schemas.microsoft.com/office/drawing/2014/main" xmlns="" id="{28691313-FAC7-42AA-B298-77C2DD654F9E}"/>
+                        <a16:creationId xmlns="" xmlns:a16="http://schemas.microsoft.com/office/drawing/2014/main" id="{28691313-FAC7-42AA-B298-77C2DD654F9E}"/>
                       </a:ext>
                     </a:extLst>
                   </p:cNvPr>
@@ -31249,7 +31390,7 @@
                   <p:cNvPr id="208" name="Retângulo: Cantos Arredondados 21">
                     <a:extLst>
                       <a:ext uri="{FF2B5EF4-FFF2-40B4-BE49-F238E27FC236}">
-                        <a16:creationId xmlns:a16="http://schemas.microsoft.com/office/drawing/2014/main" xmlns="" id="{CF24770F-DCE2-4CCF-BB79-BBAA33458546}"/>
+                        <a16:creationId xmlns="" xmlns:a16="http://schemas.microsoft.com/office/drawing/2014/main" id="{CF24770F-DCE2-4CCF-BB79-BBAA33458546}"/>
                       </a:ext>
                     </a:extLst>
                   </p:cNvPr>
@@ -31303,7 +31444,7 @@
                   <p:cNvPr id="209" name="Retângulo: Cantos Arredondados 22">
                     <a:extLst>
                       <a:ext uri="{FF2B5EF4-FFF2-40B4-BE49-F238E27FC236}">
-                        <a16:creationId xmlns:a16="http://schemas.microsoft.com/office/drawing/2014/main" xmlns="" id="{6F82D9A8-6B9C-41C7-8B0E-CEDB0D1CFABB}"/>
+                        <a16:creationId xmlns="" xmlns:a16="http://schemas.microsoft.com/office/drawing/2014/main" id="{6F82D9A8-6B9C-41C7-8B0E-CEDB0D1CFABB}"/>
                       </a:ext>
                     </a:extLst>
                   </p:cNvPr>
@@ -31357,7 +31498,7 @@
                   <p:cNvPr id="210" name="Retângulo: Cantos Arredondados 23">
                     <a:extLst>
                       <a:ext uri="{FF2B5EF4-FFF2-40B4-BE49-F238E27FC236}">
-                        <a16:creationId xmlns:a16="http://schemas.microsoft.com/office/drawing/2014/main" xmlns="" id="{88F60055-5E05-4F78-A1E2-380C01574288}"/>
+                        <a16:creationId xmlns="" xmlns:a16="http://schemas.microsoft.com/office/drawing/2014/main" id="{88F60055-5E05-4F78-A1E2-380C01574288}"/>
                       </a:ext>
                     </a:extLst>
                   </p:cNvPr>
@@ -31412,7 +31553,7 @@
                 <p:cNvPr id="204" name="Forma Livre: Forma 24">
                   <a:extLst>
                     <a:ext uri="{FF2B5EF4-FFF2-40B4-BE49-F238E27FC236}">
-                      <a16:creationId xmlns:a16="http://schemas.microsoft.com/office/drawing/2014/main" xmlns="" id="{47F3D332-B68B-40FC-938A-7A72681A2303}"/>
+                      <a16:creationId xmlns="" xmlns:a16="http://schemas.microsoft.com/office/drawing/2014/main" id="{47F3D332-B68B-40FC-938A-7A72681A2303}"/>
                     </a:ext>
                   </a:extLst>
                 </p:cNvPr>
@@ -31574,7 +31715,7 @@
           <p:cNvPr id="235" name="Retângulo de cantos arredondados 1">
             <a:extLst>
               <a:ext uri="{FF2B5EF4-FFF2-40B4-BE49-F238E27FC236}">
-                <a16:creationId xmlns:a16="http://schemas.microsoft.com/office/drawing/2014/main" xmlns="" id="{59FC61EC-27B7-4C23-A945-70E4EFDA5A28}"/>
+                <a16:creationId xmlns="" xmlns:a16="http://schemas.microsoft.com/office/drawing/2014/main" id="{59FC61EC-27B7-4C23-A945-70E4EFDA5A28}"/>
               </a:ext>
             </a:extLst>
           </p:cNvPr>
@@ -31626,7 +31767,7 @@
           <p:cNvPr id="179" name="Agrupar 178">
             <a:extLst>
               <a:ext uri="{FF2B5EF4-FFF2-40B4-BE49-F238E27FC236}">
-                <a16:creationId xmlns:a16="http://schemas.microsoft.com/office/drawing/2014/main" xmlns="" id="{6F3CFAD0-4996-4D03-A80A-26D62E6DCDBA}"/>
+                <a16:creationId xmlns="" xmlns:a16="http://schemas.microsoft.com/office/drawing/2014/main" id="{6F3CFAD0-4996-4D03-A80A-26D62E6DCDBA}"/>
               </a:ext>
             </a:extLst>
           </p:cNvPr>
@@ -31649,7 +31790,7 @@
             <p:cNvPr id="180" name="Agrupar 179">
               <a:extLst>
                 <a:ext uri="{FF2B5EF4-FFF2-40B4-BE49-F238E27FC236}">
-                  <a16:creationId xmlns:a16="http://schemas.microsoft.com/office/drawing/2014/main" xmlns="" id="{0DABEADC-9A31-4AD9-86FF-F5C5AE76940E}"/>
+                  <a16:creationId xmlns="" xmlns:a16="http://schemas.microsoft.com/office/drawing/2014/main" id="{0DABEADC-9A31-4AD9-86FF-F5C5AE76940E}"/>
                 </a:ext>
               </a:extLst>
             </p:cNvPr>
@@ -31670,7 +31811,7 @@
               <p:cNvPr id="182" name="Retângulo 181">
                 <a:extLst>
                   <a:ext uri="{FF2B5EF4-FFF2-40B4-BE49-F238E27FC236}">
-                    <a16:creationId xmlns:a16="http://schemas.microsoft.com/office/drawing/2014/main" xmlns="" id="{72D1CE18-89B0-406E-8903-ACEE7254F7DA}"/>
+                    <a16:creationId xmlns="" xmlns:a16="http://schemas.microsoft.com/office/drawing/2014/main" id="{72D1CE18-89B0-406E-8903-ACEE7254F7DA}"/>
                   </a:ext>
                 </a:extLst>
               </p:cNvPr>
@@ -31720,7 +31861,7 @@
               <p:cNvPr id="183" name="Retângulo 182">
                 <a:extLst>
                   <a:ext uri="{FF2B5EF4-FFF2-40B4-BE49-F238E27FC236}">
-                    <a16:creationId xmlns:a16="http://schemas.microsoft.com/office/drawing/2014/main" xmlns="" id="{CF797B76-36ED-4226-A028-EB1ABE54C0CE}"/>
+                    <a16:creationId xmlns="" xmlns:a16="http://schemas.microsoft.com/office/drawing/2014/main" id="{CF797B76-36ED-4226-A028-EB1ABE54C0CE}"/>
                   </a:ext>
                 </a:extLst>
               </p:cNvPr>
@@ -31770,7 +31911,7 @@
               <p:cNvPr id="184" name="Forma Livre: Forma 183">
                 <a:extLst>
                   <a:ext uri="{FF2B5EF4-FFF2-40B4-BE49-F238E27FC236}">
-                    <a16:creationId xmlns:a16="http://schemas.microsoft.com/office/drawing/2014/main" xmlns="" id="{F0EFD9E3-0E9A-4C17-8AFA-090F86F348F3}"/>
+                    <a16:creationId xmlns="" xmlns:a16="http://schemas.microsoft.com/office/drawing/2014/main" id="{F0EFD9E3-0E9A-4C17-8AFA-090F86F348F3}"/>
                   </a:ext>
                 </a:extLst>
               </p:cNvPr>
@@ -31935,7 +32076,7 @@
               <p:cNvPr id="185" name="Forma Livre: Forma 184">
                 <a:extLst>
                   <a:ext uri="{FF2B5EF4-FFF2-40B4-BE49-F238E27FC236}">
-                    <a16:creationId xmlns:a16="http://schemas.microsoft.com/office/drawing/2014/main" xmlns="" id="{27D20AAB-FF58-45C9-855E-D6F1793A290B}"/>
+                    <a16:creationId xmlns="" xmlns:a16="http://schemas.microsoft.com/office/drawing/2014/main" id="{27D20AAB-FF58-45C9-855E-D6F1793A290B}"/>
                   </a:ext>
                 </a:extLst>
               </p:cNvPr>
@@ -32085,7 +32226,7 @@
               <p:cNvPr id="186" name="Forma Livre: Forma 185">
                 <a:extLst>
                   <a:ext uri="{FF2B5EF4-FFF2-40B4-BE49-F238E27FC236}">
-                    <a16:creationId xmlns:a16="http://schemas.microsoft.com/office/drawing/2014/main" xmlns="" id="{C18FF702-8D9D-42C4-8FEC-5C75AED3C913}"/>
+                    <a16:creationId xmlns="" xmlns:a16="http://schemas.microsoft.com/office/drawing/2014/main" id="{C18FF702-8D9D-42C4-8FEC-5C75AED3C913}"/>
                   </a:ext>
                 </a:extLst>
               </p:cNvPr>
@@ -32381,7 +32522,7 @@
               <p:cNvPr id="187" name="Agrupar 186">
                 <a:extLst>
                   <a:ext uri="{FF2B5EF4-FFF2-40B4-BE49-F238E27FC236}">
-                    <a16:creationId xmlns:a16="http://schemas.microsoft.com/office/drawing/2014/main" xmlns="" id="{719E466B-D4E1-4A04-88B8-1DAD79229EAD}"/>
+                    <a16:creationId xmlns="" xmlns:a16="http://schemas.microsoft.com/office/drawing/2014/main" id="{719E466B-D4E1-4A04-88B8-1DAD79229EAD}"/>
                   </a:ext>
                 </a:extLst>
               </p:cNvPr>
@@ -32402,7 +32543,7 @@
                 <p:cNvPr id="188" name="Cruz 187">
                   <a:extLst>
                     <a:ext uri="{FF2B5EF4-FFF2-40B4-BE49-F238E27FC236}">
-                      <a16:creationId xmlns:a16="http://schemas.microsoft.com/office/drawing/2014/main" xmlns="" id="{43B6353C-8068-4088-8359-BD4A79D5740F}"/>
+                      <a16:creationId xmlns="" xmlns:a16="http://schemas.microsoft.com/office/drawing/2014/main" id="{43B6353C-8068-4088-8359-BD4A79D5740F}"/>
                     </a:ext>
                   </a:extLst>
                 </p:cNvPr>
@@ -32454,7 +32595,7 @@
                 <p:cNvPr id="189" name="Cruz 188">
                   <a:extLst>
                     <a:ext uri="{FF2B5EF4-FFF2-40B4-BE49-F238E27FC236}">
-                      <a16:creationId xmlns:a16="http://schemas.microsoft.com/office/drawing/2014/main" xmlns="" id="{E3AEB842-D922-43E9-BF04-8A9B6F1BA204}"/>
+                      <a16:creationId xmlns="" xmlns:a16="http://schemas.microsoft.com/office/drawing/2014/main" id="{E3AEB842-D922-43E9-BF04-8A9B6F1BA204}"/>
                     </a:ext>
                   </a:extLst>
                 </p:cNvPr>
@@ -32506,7 +32647,7 @@
                 <p:cNvPr id="190" name="Cruz 189">
                   <a:extLst>
                     <a:ext uri="{FF2B5EF4-FFF2-40B4-BE49-F238E27FC236}">
-                      <a16:creationId xmlns:a16="http://schemas.microsoft.com/office/drawing/2014/main" xmlns="" id="{C1AF8951-E1D7-4677-ABFD-1CDCC1B262D4}"/>
+                      <a16:creationId xmlns="" xmlns:a16="http://schemas.microsoft.com/office/drawing/2014/main" id="{C1AF8951-E1D7-4677-ABFD-1CDCC1B262D4}"/>
                     </a:ext>
                   </a:extLst>
                 </p:cNvPr>
@@ -32558,7 +32699,7 @@
                 <p:cNvPr id="191" name="Grupo 19">
                   <a:extLst>
                     <a:ext uri="{FF2B5EF4-FFF2-40B4-BE49-F238E27FC236}">
-                      <a16:creationId xmlns:a16="http://schemas.microsoft.com/office/drawing/2014/main" xmlns="" id="{A88D7AC9-E980-4A2F-8AEC-1D4025B677B3}"/>
+                      <a16:creationId xmlns="" xmlns:a16="http://schemas.microsoft.com/office/drawing/2014/main" id="{A88D7AC9-E980-4A2F-8AEC-1D4025B677B3}"/>
                     </a:ext>
                   </a:extLst>
                 </p:cNvPr>
@@ -32579,7 +32720,7 @@
                   <p:cNvPr id="192" name="Cruz 191">
                     <a:extLst>
                       <a:ext uri="{FF2B5EF4-FFF2-40B4-BE49-F238E27FC236}">
-                        <a16:creationId xmlns:a16="http://schemas.microsoft.com/office/drawing/2014/main" xmlns="" id="{5B82981F-6B8A-4615-BBD3-77F9CA365CBF}"/>
+                        <a16:creationId xmlns="" xmlns:a16="http://schemas.microsoft.com/office/drawing/2014/main" id="{5B82981F-6B8A-4615-BBD3-77F9CA365CBF}"/>
                       </a:ext>
                     </a:extLst>
                   </p:cNvPr>
@@ -32631,7 +32772,7 @@
                   <p:cNvPr id="193" name="Cruz 192">
                     <a:extLst>
                       <a:ext uri="{FF2B5EF4-FFF2-40B4-BE49-F238E27FC236}">
-                        <a16:creationId xmlns:a16="http://schemas.microsoft.com/office/drawing/2014/main" xmlns="" id="{4D825DB6-948A-4B8F-9A55-93128720BC87}"/>
+                        <a16:creationId xmlns="" xmlns:a16="http://schemas.microsoft.com/office/drawing/2014/main" id="{4D825DB6-948A-4B8F-9A55-93128720BC87}"/>
                       </a:ext>
                     </a:extLst>
                   </p:cNvPr>
@@ -32686,7 +32827,7 @@
             <p:cNvPr id="181" name="Triângulo Retângulo 180">
               <a:extLst>
                 <a:ext uri="{FF2B5EF4-FFF2-40B4-BE49-F238E27FC236}">
-                  <a16:creationId xmlns:a16="http://schemas.microsoft.com/office/drawing/2014/main" xmlns="" id="{F29D0AC5-0618-458B-AC88-DD0353B134A7}"/>
+                  <a16:creationId xmlns="" xmlns:a16="http://schemas.microsoft.com/office/drawing/2014/main" id="{F29D0AC5-0618-458B-AC88-DD0353B134A7}"/>
                 </a:ext>
               </a:extLst>
             </p:cNvPr>
@@ -32737,7 +32878,7 @@
           <p:cNvPr id="236" name="Agrupar 25">
             <a:extLst>
               <a:ext uri="{FF2B5EF4-FFF2-40B4-BE49-F238E27FC236}">
-                <a16:creationId xmlns:a16="http://schemas.microsoft.com/office/drawing/2014/main" xmlns="" id="{0982C514-3736-44FA-8BD4-8EA11386D6D9}"/>
+                <a16:creationId xmlns="" xmlns:a16="http://schemas.microsoft.com/office/drawing/2014/main" id="{0982C514-3736-44FA-8BD4-8EA11386D6D9}"/>
               </a:ext>
             </a:extLst>
           </p:cNvPr>
@@ -32757,7 +32898,7 @@
             <p:cNvPr id="237" name="Agrupar 3">
               <a:extLst>
                 <a:ext uri="{FF2B5EF4-FFF2-40B4-BE49-F238E27FC236}">
-                  <a16:creationId xmlns:a16="http://schemas.microsoft.com/office/drawing/2014/main" xmlns="" id="{ACEB07BC-D838-4D03-B42B-237643D31B08}"/>
+                  <a16:creationId xmlns="" xmlns:a16="http://schemas.microsoft.com/office/drawing/2014/main" id="{ACEB07BC-D838-4D03-B42B-237643D31B08}"/>
                 </a:ext>
               </a:extLst>
             </p:cNvPr>
@@ -32777,7 +32918,7 @@
               <p:cNvPr id="252" name="Retângulo: Cantos Arredondados 4">
                 <a:extLst>
                   <a:ext uri="{FF2B5EF4-FFF2-40B4-BE49-F238E27FC236}">
-                    <a16:creationId xmlns:a16="http://schemas.microsoft.com/office/drawing/2014/main" xmlns="" id="{299274A5-E009-4533-8660-247FEDFEAFCD}"/>
+                    <a16:creationId xmlns="" xmlns:a16="http://schemas.microsoft.com/office/drawing/2014/main" id="{299274A5-E009-4533-8660-247FEDFEAFCD}"/>
                   </a:ext>
                 </a:extLst>
               </p:cNvPr>
@@ -32828,7 +32969,7 @@
               <p:cNvPr id="253" name="Retângulo: Cantos Arredondados 5">
                 <a:extLst>
                   <a:ext uri="{FF2B5EF4-FFF2-40B4-BE49-F238E27FC236}">
-                    <a16:creationId xmlns:a16="http://schemas.microsoft.com/office/drawing/2014/main" xmlns="" id="{EBA4F257-87BB-4AC7-9E6A-E242F2B17FCE}"/>
+                    <a16:creationId xmlns="" xmlns:a16="http://schemas.microsoft.com/office/drawing/2014/main" id="{EBA4F257-87BB-4AC7-9E6A-E242F2B17FCE}"/>
                   </a:ext>
                 </a:extLst>
               </p:cNvPr>
@@ -32882,7 +33023,7 @@
               <p:cNvPr id="254" name="Retângulo: Cantos Arredondados 6">
                 <a:extLst>
                   <a:ext uri="{FF2B5EF4-FFF2-40B4-BE49-F238E27FC236}">
-                    <a16:creationId xmlns:a16="http://schemas.microsoft.com/office/drawing/2014/main" xmlns="" id="{BFA31868-C509-46BF-AFF4-817D1ABE891A}"/>
+                    <a16:creationId xmlns="" xmlns:a16="http://schemas.microsoft.com/office/drawing/2014/main" id="{BFA31868-C509-46BF-AFF4-817D1ABE891A}"/>
                   </a:ext>
                 </a:extLst>
               </p:cNvPr>
@@ -32936,7 +33077,7 @@
               <p:cNvPr id="255" name="Forma Livre: Forma 7">
                 <a:extLst>
                   <a:ext uri="{FF2B5EF4-FFF2-40B4-BE49-F238E27FC236}">
-                    <a16:creationId xmlns:a16="http://schemas.microsoft.com/office/drawing/2014/main" xmlns="" id="{1C110976-6F38-451A-A5B4-C9C5B2CFC2E5}"/>
+                    <a16:creationId xmlns="" xmlns:a16="http://schemas.microsoft.com/office/drawing/2014/main" id="{1C110976-6F38-451A-A5B4-C9C5B2CFC2E5}"/>
                   </a:ext>
                 </a:extLst>
               </p:cNvPr>
@@ -33067,7 +33208,7 @@
               <p:cNvPr id="256" name="Retângulo 255">
                 <a:extLst>
                   <a:ext uri="{FF2B5EF4-FFF2-40B4-BE49-F238E27FC236}">
-                    <a16:creationId xmlns:a16="http://schemas.microsoft.com/office/drawing/2014/main" xmlns="" id="{2B8A9CF0-4D1F-439D-86E2-337DC8D1A6CD}"/>
+                    <a16:creationId xmlns="" xmlns:a16="http://schemas.microsoft.com/office/drawing/2014/main" id="{2B8A9CF0-4D1F-439D-86E2-337DC8D1A6CD}"/>
                   </a:ext>
                 </a:extLst>
               </p:cNvPr>
@@ -33119,7 +33260,7 @@
               <p:cNvPr id="257" name="Retângulo: Cantos Arredondados 9">
                 <a:extLst>
                   <a:ext uri="{FF2B5EF4-FFF2-40B4-BE49-F238E27FC236}">
-                    <a16:creationId xmlns:a16="http://schemas.microsoft.com/office/drawing/2014/main" xmlns="" id="{5814B72D-72BB-4EBA-96BB-C2AA7D7B5D3C}"/>
+                    <a16:creationId xmlns="" xmlns:a16="http://schemas.microsoft.com/office/drawing/2014/main" id="{5814B72D-72BB-4EBA-96BB-C2AA7D7B5D3C}"/>
                   </a:ext>
                 </a:extLst>
               </p:cNvPr>
@@ -33173,7 +33314,7 @@
               <p:cNvPr id="258" name="Retângulo: Cantos Arredondados 10">
                 <a:extLst>
                   <a:ext uri="{FF2B5EF4-FFF2-40B4-BE49-F238E27FC236}">
-                    <a16:creationId xmlns:a16="http://schemas.microsoft.com/office/drawing/2014/main" xmlns="" id="{2A2E7C31-87C7-4D32-A407-A0B6795D6D0A}"/>
+                    <a16:creationId xmlns="" xmlns:a16="http://schemas.microsoft.com/office/drawing/2014/main" id="{2A2E7C31-87C7-4D32-A407-A0B6795D6D0A}"/>
                   </a:ext>
                 </a:extLst>
               </p:cNvPr>
@@ -33228,7 +33369,7 @@
             <p:cNvPr id="238" name="Agrupar 11">
               <a:extLst>
                 <a:ext uri="{FF2B5EF4-FFF2-40B4-BE49-F238E27FC236}">
-                  <a16:creationId xmlns:a16="http://schemas.microsoft.com/office/drawing/2014/main" xmlns="" id="{36F33AA7-5CFF-4D5A-9A01-9289DEEBB53E}"/>
+                  <a16:creationId xmlns="" xmlns:a16="http://schemas.microsoft.com/office/drawing/2014/main" id="{36F33AA7-5CFF-4D5A-9A01-9289DEEBB53E}"/>
                 </a:ext>
               </a:extLst>
             </p:cNvPr>
@@ -33248,7 +33389,7 @@
               <p:cNvPr id="250" name="Retângulo: Cantos Arredondados 12">
                 <a:extLst>
                   <a:ext uri="{FF2B5EF4-FFF2-40B4-BE49-F238E27FC236}">
-                    <a16:creationId xmlns:a16="http://schemas.microsoft.com/office/drawing/2014/main" xmlns="" id="{434BD7BD-4934-4FE3-8F00-C0B50B423EDD}"/>
+                    <a16:creationId xmlns="" xmlns:a16="http://schemas.microsoft.com/office/drawing/2014/main" id="{434BD7BD-4934-4FE3-8F00-C0B50B423EDD}"/>
                   </a:ext>
                 </a:extLst>
               </p:cNvPr>
@@ -33302,7 +33443,7 @@
               <p:cNvPr id="251" name="Retângulo: Cantos Arredondados 13">
                 <a:extLst>
                   <a:ext uri="{FF2B5EF4-FFF2-40B4-BE49-F238E27FC236}">
-                    <a16:creationId xmlns:a16="http://schemas.microsoft.com/office/drawing/2014/main" xmlns="" id="{E734CFCA-504A-410E-ABE1-E1ABB9A5F059}"/>
+                    <a16:creationId xmlns="" xmlns:a16="http://schemas.microsoft.com/office/drawing/2014/main" id="{E734CFCA-504A-410E-ABE1-E1ABB9A5F059}"/>
                   </a:ext>
                 </a:extLst>
               </p:cNvPr>
@@ -33357,7 +33498,7 @@
             <p:cNvPr id="239" name="Agrupar 14">
               <a:extLst>
                 <a:ext uri="{FF2B5EF4-FFF2-40B4-BE49-F238E27FC236}">
-                  <a16:creationId xmlns:a16="http://schemas.microsoft.com/office/drawing/2014/main" xmlns="" id="{684A825A-5F70-4A0C-BB9E-0687359CBA7E}"/>
+                  <a16:creationId xmlns="" xmlns:a16="http://schemas.microsoft.com/office/drawing/2014/main" id="{684A825A-5F70-4A0C-BB9E-0687359CBA7E}"/>
                 </a:ext>
               </a:extLst>
             </p:cNvPr>
@@ -33377,7 +33518,7 @@
               <p:cNvPr id="248" name="Retângulo: Cantos Arredondados 15">
                 <a:extLst>
                   <a:ext uri="{FF2B5EF4-FFF2-40B4-BE49-F238E27FC236}">
-                    <a16:creationId xmlns:a16="http://schemas.microsoft.com/office/drawing/2014/main" xmlns="" id="{5FD94376-0CD7-41FE-B977-327F88550922}"/>
+                    <a16:creationId xmlns="" xmlns:a16="http://schemas.microsoft.com/office/drawing/2014/main" id="{5FD94376-0CD7-41FE-B977-327F88550922}"/>
                   </a:ext>
                 </a:extLst>
               </p:cNvPr>
@@ -33431,7 +33572,7 @@
               <p:cNvPr id="249" name="Retângulo: Cantos Arredondados 16">
                 <a:extLst>
                   <a:ext uri="{FF2B5EF4-FFF2-40B4-BE49-F238E27FC236}">
-                    <a16:creationId xmlns:a16="http://schemas.microsoft.com/office/drawing/2014/main" xmlns="" id="{97D1C1F9-787A-47D4-A643-F66F1869E181}"/>
+                    <a16:creationId xmlns="" xmlns:a16="http://schemas.microsoft.com/office/drawing/2014/main" id="{97D1C1F9-787A-47D4-A643-F66F1869E181}"/>
                   </a:ext>
                 </a:extLst>
               </p:cNvPr>
@@ -33486,7 +33627,7 @@
             <p:cNvPr id="240" name="Agrupar 17">
               <a:extLst>
                 <a:ext uri="{FF2B5EF4-FFF2-40B4-BE49-F238E27FC236}">
-                  <a16:creationId xmlns:a16="http://schemas.microsoft.com/office/drawing/2014/main" xmlns="" id="{EDFE7646-CFCE-4BD1-BA03-E0A2FF14565D}"/>
+                  <a16:creationId xmlns="" xmlns:a16="http://schemas.microsoft.com/office/drawing/2014/main" id="{EDFE7646-CFCE-4BD1-BA03-E0A2FF14565D}"/>
                 </a:ext>
               </a:extLst>
             </p:cNvPr>
@@ -33506,7 +33647,7 @@
               <p:cNvPr id="242" name="Forma Livre: Forma 18">
                 <a:extLst>
                   <a:ext uri="{FF2B5EF4-FFF2-40B4-BE49-F238E27FC236}">
-                    <a16:creationId xmlns:a16="http://schemas.microsoft.com/office/drawing/2014/main" xmlns="" id="{49038562-5F7A-40E4-B819-A60E974A272D}"/>
+                    <a16:creationId xmlns="" xmlns:a16="http://schemas.microsoft.com/office/drawing/2014/main" id="{49038562-5F7A-40E4-B819-A60E974A272D}"/>
                   </a:ext>
                 </a:extLst>
               </p:cNvPr>
@@ -33641,7 +33782,7 @@
               <p:cNvPr id="243" name="Forma Livre: Forma 19">
                 <a:extLst>
                   <a:ext uri="{FF2B5EF4-FFF2-40B4-BE49-F238E27FC236}">
-                    <a16:creationId xmlns:a16="http://schemas.microsoft.com/office/drawing/2014/main" xmlns="" id="{86179193-B553-4AC9-B3D5-A47250F0C5AC}"/>
+                    <a16:creationId xmlns="" xmlns:a16="http://schemas.microsoft.com/office/drawing/2014/main" id="{86179193-B553-4AC9-B3D5-A47250F0C5AC}"/>
                   </a:ext>
                 </a:extLst>
               </p:cNvPr>
@@ -33776,7 +33917,7 @@
               <p:cNvPr id="244" name="Elipse 243">
                 <a:extLst>
                   <a:ext uri="{FF2B5EF4-FFF2-40B4-BE49-F238E27FC236}">
-                    <a16:creationId xmlns:a16="http://schemas.microsoft.com/office/drawing/2014/main" xmlns="" id="{BB3D9672-C3A6-491C-B071-9218493A9C75}"/>
+                    <a16:creationId xmlns="" xmlns:a16="http://schemas.microsoft.com/office/drawing/2014/main" id="{BB3D9672-C3A6-491C-B071-9218493A9C75}"/>
                   </a:ext>
                 </a:extLst>
               </p:cNvPr>
@@ -33828,7 +33969,7 @@
               <p:cNvPr id="245" name="Retângulo: Cantos Arredondados 21">
                 <a:extLst>
                   <a:ext uri="{FF2B5EF4-FFF2-40B4-BE49-F238E27FC236}">
-                    <a16:creationId xmlns:a16="http://schemas.microsoft.com/office/drawing/2014/main" xmlns="" id="{E36ADEB4-C02B-451D-A82F-59E049574D02}"/>
+                    <a16:creationId xmlns="" xmlns:a16="http://schemas.microsoft.com/office/drawing/2014/main" id="{E36ADEB4-C02B-451D-A82F-59E049574D02}"/>
                   </a:ext>
                 </a:extLst>
               </p:cNvPr>
@@ -33882,7 +34023,7 @@
               <p:cNvPr id="246" name="Retângulo: Cantos Arredondados 22">
                 <a:extLst>
                   <a:ext uri="{FF2B5EF4-FFF2-40B4-BE49-F238E27FC236}">
-                    <a16:creationId xmlns:a16="http://schemas.microsoft.com/office/drawing/2014/main" xmlns="" id="{00B2468B-E557-4A6B-9776-872496847B7D}"/>
+                    <a16:creationId xmlns="" xmlns:a16="http://schemas.microsoft.com/office/drawing/2014/main" id="{00B2468B-E557-4A6B-9776-872496847B7D}"/>
                   </a:ext>
                 </a:extLst>
               </p:cNvPr>
@@ -33936,7 +34077,7 @@
               <p:cNvPr id="247" name="Retângulo: Cantos Arredondados 23">
                 <a:extLst>
                   <a:ext uri="{FF2B5EF4-FFF2-40B4-BE49-F238E27FC236}">
-                    <a16:creationId xmlns:a16="http://schemas.microsoft.com/office/drawing/2014/main" xmlns="" id="{A8B0237E-3D5C-404F-AFA7-0BE630C69FD9}"/>
+                    <a16:creationId xmlns="" xmlns:a16="http://schemas.microsoft.com/office/drawing/2014/main" id="{A8B0237E-3D5C-404F-AFA7-0BE630C69FD9}"/>
                   </a:ext>
                 </a:extLst>
               </p:cNvPr>
@@ -33991,7 +34132,7 @@
             <p:cNvPr id="241" name="Forma Livre: Forma 24">
               <a:extLst>
                 <a:ext uri="{FF2B5EF4-FFF2-40B4-BE49-F238E27FC236}">
-                  <a16:creationId xmlns:a16="http://schemas.microsoft.com/office/drawing/2014/main" xmlns="" id="{59EB2E63-3A48-42A1-81EE-CC62EC6A9BC8}"/>
+                  <a16:creationId xmlns="" xmlns:a16="http://schemas.microsoft.com/office/drawing/2014/main" id="{59EB2E63-3A48-42A1-81EE-CC62EC6A9BC8}"/>
                 </a:ext>
               </a:extLst>
             </p:cNvPr>
@@ -34181,7 +34322,7 @@
           <p:cNvPr id="11" name="Agrupar 10">
             <a:extLst>
               <a:ext uri="{FF2B5EF4-FFF2-40B4-BE49-F238E27FC236}">
-                <a16:creationId xmlns:a16="http://schemas.microsoft.com/office/drawing/2014/main" xmlns="" id="{3D87001C-7D27-421D-A63F-6D270C90E17A}"/>
+                <a16:creationId xmlns="" xmlns:a16="http://schemas.microsoft.com/office/drawing/2014/main" id="{3D87001C-7D27-421D-A63F-6D270C90E17A}"/>
               </a:ext>
             </a:extLst>
           </p:cNvPr>
@@ -34201,7 +34342,7 @@
             <p:cNvPr id="4" name="Retângulo de cantos arredondados 1">
               <a:extLst>
                 <a:ext uri="{FF2B5EF4-FFF2-40B4-BE49-F238E27FC236}">
-                  <a16:creationId xmlns:a16="http://schemas.microsoft.com/office/drawing/2014/main" xmlns="" id="{01FE36E1-3683-4B1B-9B14-2F6240C5F4DB}"/>
+                  <a16:creationId xmlns="" xmlns:a16="http://schemas.microsoft.com/office/drawing/2014/main" id="{01FE36E1-3683-4B1B-9B14-2F6240C5F4DB}"/>
                 </a:ext>
               </a:extLst>
             </p:cNvPr>
@@ -34266,7 +34407,7 @@
             <p:cNvPr id="5" name="Forma Livre: Forma 109">
               <a:extLst>
                 <a:ext uri="{FF2B5EF4-FFF2-40B4-BE49-F238E27FC236}">
-                  <a16:creationId xmlns:a16="http://schemas.microsoft.com/office/drawing/2014/main" xmlns="" id="{B9465C0E-42EB-49AA-8EEB-1206511633B5}"/>
+                  <a16:creationId xmlns="" xmlns:a16="http://schemas.microsoft.com/office/drawing/2014/main" id="{B9465C0E-42EB-49AA-8EEB-1206511633B5}"/>
                 </a:ext>
               </a:extLst>
             </p:cNvPr>
@@ -34606,7 +34747,7 @@
           <p:cNvPr id="66" name="Agrupar 65">
             <a:extLst>
               <a:ext uri="{FF2B5EF4-FFF2-40B4-BE49-F238E27FC236}">
-                <a16:creationId xmlns:a16="http://schemas.microsoft.com/office/drawing/2014/main" xmlns="" id="{E6954B9F-5A79-48D6-8E26-CE435D817D49}"/>
+                <a16:creationId xmlns="" xmlns:a16="http://schemas.microsoft.com/office/drawing/2014/main" id="{E6954B9F-5A79-48D6-8E26-CE435D817D49}"/>
               </a:ext>
             </a:extLst>
           </p:cNvPr>
@@ -34626,7 +34767,7 @@
             <p:cNvPr id="43" name="Retângulo: Cantos Arredondados 42">
               <a:extLst>
                 <a:ext uri="{FF2B5EF4-FFF2-40B4-BE49-F238E27FC236}">
-                  <a16:creationId xmlns:a16="http://schemas.microsoft.com/office/drawing/2014/main" xmlns="" id="{E26F953E-591C-42D2-BE35-A65C44304A4F}"/>
+                  <a16:creationId xmlns="" xmlns:a16="http://schemas.microsoft.com/office/drawing/2014/main" id="{E26F953E-591C-42D2-BE35-A65C44304A4F}"/>
                 </a:ext>
               </a:extLst>
             </p:cNvPr>
@@ -34677,7 +34818,7 @@
             <p:cNvPr id="45" name="Retângulo: Cantos Arredondados 44">
               <a:extLst>
                 <a:ext uri="{FF2B5EF4-FFF2-40B4-BE49-F238E27FC236}">
-                  <a16:creationId xmlns:a16="http://schemas.microsoft.com/office/drawing/2014/main" xmlns="" id="{27A23B4D-3B78-466F-BC1D-26F73EB37732}"/>
+                  <a16:creationId xmlns="" xmlns:a16="http://schemas.microsoft.com/office/drawing/2014/main" id="{27A23B4D-3B78-466F-BC1D-26F73EB37732}"/>
                 </a:ext>
               </a:extLst>
             </p:cNvPr>
@@ -34731,7 +34872,7 @@
             <p:cNvPr id="46" name="Retângulo: Cantos Arredondados 45">
               <a:extLst>
                 <a:ext uri="{FF2B5EF4-FFF2-40B4-BE49-F238E27FC236}">
-                  <a16:creationId xmlns:a16="http://schemas.microsoft.com/office/drawing/2014/main" xmlns="" id="{0DF5B6B1-60E6-42C2-897B-8E521DD10138}"/>
+                  <a16:creationId xmlns="" xmlns:a16="http://schemas.microsoft.com/office/drawing/2014/main" id="{0DF5B6B1-60E6-42C2-897B-8E521DD10138}"/>
                 </a:ext>
               </a:extLst>
             </p:cNvPr>
@@ -34785,7 +34926,7 @@
             <p:cNvPr id="49" name="Forma Livre: Forma 48">
               <a:extLst>
                 <a:ext uri="{FF2B5EF4-FFF2-40B4-BE49-F238E27FC236}">
-                  <a16:creationId xmlns:a16="http://schemas.microsoft.com/office/drawing/2014/main" xmlns="" id="{147EA51B-9824-4893-8BCB-944C95F4AD44}"/>
+                  <a16:creationId xmlns="" xmlns:a16="http://schemas.microsoft.com/office/drawing/2014/main" id="{147EA51B-9824-4893-8BCB-944C95F4AD44}"/>
                 </a:ext>
               </a:extLst>
             </p:cNvPr>
@@ -34916,7 +35057,7 @@
             <p:cNvPr id="50" name="Retângulo 49">
               <a:extLst>
                 <a:ext uri="{FF2B5EF4-FFF2-40B4-BE49-F238E27FC236}">
-                  <a16:creationId xmlns:a16="http://schemas.microsoft.com/office/drawing/2014/main" xmlns="" id="{49C67F48-55A3-422E-B4F5-9174C0AB9645}"/>
+                  <a16:creationId xmlns="" xmlns:a16="http://schemas.microsoft.com/office/drawing/2014/main" id="{49C67F48-55A3-422E-B4F5-9174C0AB9645}"/>
                 </a:ext>
               </a:extLst>
             </p:cNvPr>
@@ -34968,7 +35109,7 @@
             <p:cNvPr id="51" name="Retângulo: Cantos Arredondados 50">
               <a:extLst>
                 <a:ext uri="{FF2B5EF4-FFF2-40B4-BE49-F238E27FC236}">
-                  <a16:creationId xmlns:a16="http://schemas.microsoft.com/office/drawing/2014/main" xmlns="" id="{81588C93-3361-4B45-9648-2FA7EF14917B}"/>
+                  <a16:creationId xmlns="" xmlns:a16="http://schemas.microsoft.com/office/drawing/2014/main" id="{81588C93-3361-4B45-9648-2FA7EF14917B}"/>
                 </a:ext>
               </a:extLst>
             </p:cNvPr>
@@ -35022,7 +35163,7 @@
             <p:cNvPr id="52" name="Retângulo: Cantos Arredondados 51">
               <a:extLst>
                 <a:ext uri="{FF2B5EF4-FFF2-40B4-BE49-F238E27FC236}">
-                  <a16:creationId xmlns:a16="http://schemas.microsoft.com/office/drawing/2014/main" xmlns="" id="{40BD0A9D-8A67-4FEC-A85A-0C36C97F9065}"/>
+                  <a16:creationId xmlns="" xmlns:a16="http://schemas.microsoft.com/office/drawing/2014/main" id="{40BD0A9D-8A67-4FEC-A85A-0C36C97F9065}"/>
                 </a:ext>
               </a:extLst>
             </p:cNvPr>
@@ -35077,7 +35218,7 @@
           <p:cNvPr id="36" name="Agrupar 35">
             <a:extLst>
               <a:ext uri="{FF2B5EF4-FFF2-40B4-BE49-F238E27FC236}">
-                <a16:creationId xmlns:a16="http://schemas.microsoft.com/office/drawing/2014/main" xmlns="" id="{F2697B0E-F5E6-4B02-81F0-DEF79381185F}"/>
+                <a16:creationId xmlns="" xmlns:a16="http://schemas.microsoft.com/office/drawing/2014/main" id="{F2697B0E-F5E6-4B02-81F0-DEF79381185F}"/>
               </a:ext>
             </a:extLst>
           </p:cNvPr>
@@ -35100,7 +35241,7 @@
             <p:cNvPr id="37" name="Agrupar 36">
               <a:extLst>
                 <a:ext uri="{FF2B5EF4-FFF2-40B4-BE49-F238E27FC236}">
-                  <a16:creationId xmlns:a16="http://schemas.microsoft.com/office/drawing/2014/main" xmlns="" id="{D4325B3F-99DC-4E4A-9012-C1E27ED1E1D5}"/>
+                  <a16:creationId xmlns="" xmlns:a16="http://schemas.microsoft.com/office/drawing/2014/main" id="{D4325B3F-99DC-4E4A-9012-C1E27ED1E1D5}"/>
                 </a:ext>
               </a:extLst>
             </p:cNvPr>
@@ -35121,7 +35262,7 @@
               <p:cNvPr id="39" name="Retângulo 38">
                 <a:extLst>
                   <a:ext uri="{FF2B5EF4-FFF2-40B4-BE49-F238E27FC236}">
-                    <a16:creationId xmlns:a16="http://schemas.microsoft.com/office/drawing/2014/main" xmlns="" id="{5240F059-3ED5-4CAE-A972-D23AB7B565C3}"/>
+                    <a16:creationId xmlns="" xmlns:a16="http://schemas.microsoft.com/office/drawing/2014/main" id="{5240F059-3ED5-4CAE-A972-D23AB7B565C3}"/>
                   </a:ext>
                 </a:extLst>
               </p:cNvPr>
@@ -35171,7 +35312,7 @@
               <p:cNvPr id="40" name="Retângulo 39">
                 <a:extLst>
                   <a:ext uri="{FF2B5EF4-FFF2-40B4-BE49-F238E27FC236}">
-                    <a16:creationId xmlns:a16="http://schemas.microsoft.com/office/drawing/2014/main" xmlns="" id="{8F856536-A840-44C8-8C60-00E0BC22EF09}"/>
+                    <a16:creationId xmlns="" xmlns:a16="http://schemas.microsoft.com/office/drawing/2014/main" id="{8F856536-A840-44C8-8C60-00E0BC22EF09}"/>
                   </a:ext>
                 </a:extLst>
               </p:cNvPr>
@@ -35221,7 +35362,7 @@
               <p:cNvPr id="41" name="Forma Livre: Forma 40">
                 <a:extLst>
                   <a:ext uri="{FF2B5EF4-FFF2-40B4-BE49-F238E27FC236}">
-                    <a16:creationId xmlns:a16="http://schemas.microsoft.com/office/drawing/2014/main" xmlns="" id="{439BBA60-D2B6-4E16-AF87-4E921CAC52DD}"/>
+                    <a16:creationId xmlns="" xmlns:a16="http://schemas.microsoft.com/office/drawing/2014/main" id="{439BBA60-D2B6-4E16-AF87-4E921CAC52DD}"/>
                   </a:ext>
                 </a:extLst>
               </p:cNvPr>
@@ -35386,7 +35527,7 @@
               <p:cNvPr id="42" name="Forma Livre: Forma 41">
                 <a:extLst>
                   <a:ext uri="{FF2B5EF4-FFF2-40B4-BE49-F238E27FC236}">
-                    <a16:creationId xmlns:a16="http://schemas.microsoft.com/office/drawing/2014/main" xmlns="" id="{3593DF70-CCAF-40D2-9359-4E0C4F2C935A}"/>
+                    <a16:creationId xmlns="" xmlns:a16="http://schemas.microsoft.com/office/drawing/2014/main" id="{3593DF70-CCAF-40D2-9359-4E0C4F2C935A}"/>
                   </a:ext>
                 </a:extLst>
               </p:cNvPr>
@@ -35536,7 +35677,7 @@
               <p:cNvPr id="44" name="Forma Livre: Forma 43">
                 <a:extLst>
                   <a:ext uri="{FF2B5EF4-FFF2-40B4-BE49-F238E27FC236}">
-                    <a16:creationId xmlns:a16="http://schemas.microsoft.com/office/drawing/2014/main" xmlns="" id="{A4AED188-79E0-4E8E-AFCA-4A87F9ED2DAE}"/>
+                    <a16:creationId xmlns="" xmlns:a16="http://schemas.microsoft.com/office/drawing/2014/main" id="{A4AED188-79E0-4E8E-AFCA-4A87F9ED2DAE}"/>
                   </a:ext>
                 </a:extLst>
               </p:cNvPr>
@@ -35832,7 +35973,7 @@
               <p:cNvPr id="47" name="Agrupar 46">
                 <a:extLst>
                   <a:ext uri="{FF2B5EF4-FFF2-40B4-BE49-F238E27FC236}">
-                    <a16:creationId xmlns:a16="http://schemas.microsoft.com/office/drawing/2014/main" xmlns="" id="{9C26156D-F675-42B1-B511-44D641D15C5E}"/>
+                    <a16:creationId xmlns="" xmlns:a16="http://schemas.microsoft.com/office/drawing/2014/main" id="{9C26156D-F675-42B1-B511-44D641D15C5E}"/>
                   </a:ext>
                 </a:extLst>
               </p:cNvPr>
@@ -35853,7 +35994,7 @@
                 <p:cNvPr id="48" name="Cruz 47">
                   <a:extLst>
                     <a:ext uri="{FF2B5EF4-FFF2-40B4-BE49-F238E27FC236}">
-                      <a16:creationId xmlns:a16="http://schemas.microsoft.com/office/drawing/2014/main" xmlns="" id="{2D931EB2-43AA-45BF-90E8-C42695A6B30A}"/>
+                      <a16:creationId xmlns="" xmlns:a16="http://schemas.microsoft.com/office/drawing/2014/main" id="{2D931EB2-43AA-45BF-90E8-C42695A6B30A}"/>
                     </a:ext>
                   </a:extLst>
                 </p:cNvPr>
@@ -35905,7 +36046,7 @@
                 <p:cNvPr id="67" name="Cruz 66">
                   <a:extLst>
                     <a:ext uri="{FF2B5EF4-FFF2-40B4-BE49-F238E27FC236}">
-                      <a16:creationId xmlns:a16="http://schemas.microsoft.com/office/drawing/2014/main" xmlns="" id="{EE0494EE-6C61-49A8-A60C-932E63A515FF}"/>
+                      <a16:creationId xmlns="" xmlns:a16="http://schemas.microsoft.com/office/drawing/2014/main" id="{EE0494EE-6C61-49A8-A60C-932E63A515FF}"/>
                     </a:ext>
                   </a:extLst>
                 </p:cNvPr>
@@ -35957,7 +36098,7 @@
                 <p:cNvPr id="68" name="Cruz 67">
                   <a:extLst>
                     <a:ext uri="{FF2B5EF4-FFF2-40B4-BE49-F238E27FC236}">
-                      <a16:creationId xmlns:a16="http://schemas.microsoft.com/office/drawing/2014/main" xmlns="" id="{5F898447-0B7A-4381-8893-6D2CED420F51}"/>
+                      <a16:creationId xmlns="" xmlns:a16="http://schemas.microsoft.com/office/drawing/2014/main" id="{5F898447-0B7A-4381-8893-6D2CED420F51}"/>
                     </a:ext>
                   </a:extLst>
                 </p:cNvPr>
@@ -36009,7 +36150,7 @@
                 <p:cNvPr id="69" name="Grupo 19">
                   <a:extLst>
                     <a:ext uri="{FF2B5EF4-FFF2-40B4-BE49-F238E27FC236}">
-                      <a16:creationId xmlns:a16="http://schemas.microsoft.com/office/drawing/2014/main" xmlns="" id="{4AE30138-3FE7-442A-86C0-B4113297C40B}"/>
+                      <a16:creationId xmlns="" xmlns:a16="http://schemas.microsoft.com/office/drawing/2014/main" id="{4AE30138-3FE7-442A-86C0-B4113297C40B}"/>
                     </a:ext>
                   </a:extLst>
                 </p:cNvPr>
@@ -36030,7 +36171,7 @@
                   <p:cNvPr id="70" name="Cruz 69">
                     <a:extLst>
                       <a:ext uri="{FF2B5EF4-FFF2-40B4-BE49-F238E27FC236}">
-                        <a16:creationId xmlns:a16="http://schemas.microsoft.com/office/drawing/2014/main" xmlns="" id="{29094D6C-1660-4505-846E-CC5935A883D2}"/>
+                        <a16:creationId xmlns="" xmlns:a16="http://schemas.microsoft.com/office/drawing/2014/main" id="{29094D6C-1660-4505-846E-CC5935A883D2}"/>
                       </a:ext>
                     </a:extLst>
                   </p:cNvPr>
@@ -36082,7 +36223,7 @@
                   <p:cNvPr id="71" name="Cruz 70">
                     <a:extLst>
                       <a:ext uri="{FF2B5EF4-FFF2-40B4-BE49-F238E27FC236}">
-                        <a16:creationId xmlns:a16="http://schemas.microsoft.com/office/drawing/2014/main" xmlns="" id="{57B26310-2504-4BBC-87E7-4EF547D18AE6}"/>
+                        <a16:creationId xmlns="" xmlns:a16="http://schemas.microsoft.com/office/drawing/2014/main" id="{57B26310-2504-4BBC-87E7-4EF547D18AE6}"/>
                       </a:ext>
                     </a:extLst>
                   </p:cNvPr>
@@ -36137,7 +36278,7 @@
             <p:cNvPr id="38" name="Triângulo Retângulo 37">
               <a:extLst>
                 <a:ext uri="{FF2B5EF4-FFF2-40B4-BE49-F238E27FC236}">
-                  <a16:creationId xmlns:a16="http://schemas.microsoft.com/office/drawing/2014/main" xmlns="" id="{1D01C483-595F-470E-81C4-611D1B226D83}"/>
+                  <a16:creationId xmlns="" xmlns:a16="http://schemas.microsoft.com/office/drawing/2014/main" id="{1D01C483-595F-470E-81C4-611D1B226D83}"/>
                 </a:ext>
               </a:extLst>
             </p:cNvPr>
@@ -36218,7 +36359,7 @@
           <p:cNvPr id="26" name="Agrupar 25">
             <a:extLst>
               <a:ext uri="{FF2B5EF4-FFF2-40B4-BE49-F238E27FC236}">
-                <a16:creationId xmlns:a16="http://schemas.microsoft.com/office/drawing/2014/main" xmlns="" id="{8CFA2B6F-F852-4EA1-BEF1-47F61F1D6F85}"/>
+                <a16:creationId xmlns="" xmlns:a16="http://schemas.microsoft.com/office/drawing/2014/main" id="{8CFA2B6F-F852-4EA1-BEF1-47F61F1D6F85}"/>
               </a:ext>
             </a:extLst>
           </p:cNvPr>
@@ -36238,7 +36379,7 @@
             <p:cNvPr id="4" name="Agrupar 3">
               <a:extLst>
                 <a:ext uri="{FF2B5EF4-FFF2-40B4-BE49-F238E27FC236}">
-                  <a16:creationId xmlns:a16="http://schemas.microsoft.com/office/drawing/2014/main" xmlns="" id="{C45FEF34-3D77-4245-91E6-21A8D7F39CAE}"/>
+                  <a16:creationId xmlns="" xmlns:a16="http://schemas.microsoft.com/office/drawing/2014/main" id="{C45FEF34-3D77-4245-91E6-21A8D7F39CAE}"/>
                 </a:ext>
               </a:extLst>
             </p:cNvPr>
@@ -36258,7 +36399,7 @@
               <p:cNvPr id="5" name="Retângulo: Cantos Arredondados 4">
                 <a:extLst>
                   <a:ext uri="{FF2B5EF4-FFF2-40B4-BE49-F238E27FC236}">
-                    <a16:creationId xmlns:a16="http://schemas.microsoft.com/office/drawing/2014/main" xmlns="" id="{2901A741-378D-4F90-9213-3C8C001BF999}"/>
+                    <a16:creationId xmlns="" xmlns:a16="http://schemas.microsoft.com/office/drawing/2014/main" id="{2901A741-378D-4F90-9213-3C8C001BF999}"/>
                   </a:ext>
                 </a:extLst>
               </p:cNvPr>
@@ -36309,7 +36450,7 @@
               <p:cNvPr id="6" name="Retângulo: Cantos Arredondados 5">
                 <a:extLst>
                   <a:ext uri="{FF2B5EF4-FFF2-40B4-BE49-F238E27FC236}">
-                    <a16:creationId xmlns:a16="http://schemas.microsoft.com/office/drawing/2014/main" xmlns="" id="{842C104C-6712-4FAB-A86A-FAC9CE782474}"/>
+                    <a16:creationId xmlns="" xmlns:a16="http://schemas.microsoft.com/office/drawing/2014/main" id="{842C104C-6712-4FAB-A86A-FAC9CE782474}"/>
                   </a:ext>
                 </a:extLst>
               </p:cNvPr>
@@ -36363,7 +36504,7 @@
               <p:cNvPr id="7" name="Retângulo: Cantos Arredondados 6">
                 <a:extLst>
                   <a:ext uri="{FF2B5EF4-FFF2-40B4-BE49-F238E27FC236}">
-                    <a16:creationId xmlns:a16="http://schemas.microsoft.com/office/drawing/2014/main" xmlns="" id="{255A55C9-6EA9-40DD-A50C-94EDA00AB2EC}"/>
+                    <a16:creationId xmlns="" xmlns:a16="http://schemas.microsoft.com/office/drawing/2014/main" id="{255A55C9-6EA9-40DD-A50C-94EDA00AB2EC}"/>
                   </a:ext>
                 </a:extLst>
               </p:cNvPr>
@@ -36417,7 +36558,7 @@
               <p:cNvPr id="8" name="Forma Livre: Forma 7">
                 <a:extLst>
                   <a:ext uri="{FF2B5EF4-FFF2-40B4-BE49-F238E27FC236}">
-                    <a16:creationId xmlns:a16="http://schemas.microsoft.com/office/drawing/2014/main" xmlns="" id="{8B1C2CE6-4108-48D3-8CBE-635179488ECA}"/>
+                    <a16:creationId xmlns="" xmlns:a16="http://schemas.microsoft.com/office/drawing/2014/main" id="{8B1C2CE6-4108-48D3-8CBE-635179488ECA}"/>
                   </a:ext>
                 </a:extLst>
               </p:cNvPr>
@@ -36548,7 +36689,7 @@
               <p:cNvPr id="9" name="Retângulo 8">
                 <a:extLst>
                   <a:ext uri="{FF2B5EF4-FFF2-40B4-BE49-F238E27FC236}">
-                    <a16:creationId xmlns:a16="http://schemas.microsoft.com/office/drawing/2014/main" xmlns="" id="{6444A46D-5BDF-4712-88E7-104DA9FAAFD4}"/>
+                    <a16:creationId xmlns="" xmlns:a16="http://schemas.microsoft.com/office/drawing/2014/main" id="{6444A46D-5BDF-4712-88E7-104DA9FAAFD4}"/>
                   </a:ext>
                 </a:extLst>
               </p:cNvPr>
@@ -36600,7 +36741,7 @@
               <p:cNvPr id="10" name="Retângulo: Cantos Arredondados 9">
                 <a:extLst>
                   <a:ext uri="{FF2B5EF4-FFF2-40B4-BE49-F238E27FC236}">
-                    <a16:creationId xmlns:a16="http://schemas.microsoft.com/office/drawing/2014/main" xmlns="" id="{881B3B66-2052-48AF-979B-60B32E1F7F9E}"/>
+                    <a16:creationId xmlns="" xmlns:a16="http://schemas.microsoft.com/office/drawing/2014/main" id="{881B3B66-2052-48AF-979B-60B32E1F7F9E}"/>
                   </a:ext>
                 </a:extLst>
               </p:cNvPr>
@@ -36654,7 +36795,7 @@
               <p:cNvPr id="11" name="Retângulo: Cantos Arredondados 10">
                 <a:extLst>
                   <a:ext uri="{FF2B5EF4-FFF2-40B4-BE49-F238E27FC236}">
-                    <a16:creationId xmlns:a16="http://schemas.microsoft.com/office/drawing/2014/main" xmlns="" id="{8212EF75-2EF8-4DFC-BEB5-5C95D755FCDA}"/>
+                    <a16:creationId xmlns="" xmlns:a16="http://schemas.microsoft.com/office/drawing/2014/main" id="{8212EF75-2EF8-4DFC-BEB5-5C95D755FCDA}"/>
                   </a:ext>
                 </a:extLst>
               </p:cNvPr>
@@ -36709,7 +36850,7 @@
             <p:cNvPr id="12" name="Agrupar 11">
               <a:extLst>
                 <a:ext uri="{FF2B5EF4-FFF2-40B4-BE49-F238E27FC236}">
-                  <a16:creationId xmlns:a16="http://schemas.microsoft.com/office/drawing/2014/main" xmlns="" id="{97B2E01E-EC47-4BCE-BC4F-99A6EC444B19}"/>
+                  <a16:creationId xmlns="" xmlns:a16="http://schemas.microsoft.com/office/drawing/2014/main" id="{97B2E01E-EC47-4BCE-BC4F-99A6EC444B19}"/>
                 </a:ext>
               </a:extLst>
             </p:cNvPr>
@@ -36729,7 +36870,7 @@
               <p:cNvPr id="13" name="Retângulo: Cantos Arredondados 12">
                 <a:extLst>
                   <a:ext uri="{FF2B5EF4-FFF2-40B4-BE49-F238E27FC236}">
-                    <a16:creationId xmlns:a16="http://schemas.microsoft.com/office/drawing/2014/main" xmlns="" id="{10540542-C57F-4691-AF17-40583ACBA3F1}"/>
+                    <a16:creationId xmlns="" xmlns:a16="http://schemas.microsoft.com/office/drawing/2014/main" id="{10540542-C57F-4691-AF17-40583ACBA3F1}"/>
                   </a:ext>
                 </a:extLst>
               </p:cNvPr>
@@ -36783,7 +36924,7 @@
               <p:cNvPr id="14" name="Retângulo: Cantos Arredondados 13">
                 <a:extLst>
                   <a:ext uri="{FF2B5EF4-FFF2-40B4-BE49-F238E27FC236}">
-                    <a16:creationId xmlns:a16="http://schemas.microsoft.com/office/drawing/2014/main" xmlns="" id="{552902B3-14B4-4F02-ABBE-E36047405A23}"/>
+                    <a16:creationId xmlns="" xmlns:a16="http://schemas.microsoft.com/office/drawing/2014/main" id="{552902B3-14B4-4F02-ABBE-E36047405A23}"/>
                   </a:ext>
                 </a:extLst>
               </p:cNvPr>
@@ -36838,7 +36979,7 @@
             <p:cNvPr id="15" name="Agrupar 14">
               <a:extLst>
                 <a:ext uri="{FF2B5EF4-FFF2-40B4-BE49-F238E27FC236}">
-                  <a16:creationId xmlns:a16="http://schemas.microsoft.com/office/drawing/2014/main" xmlns="" id="{4DD22468-0F77-455F-8343-D2977BA9D815}"/>
+                  <a16:creationId xmlns="" xmlns:a16="http://schemas.microsoft.com/office/drawing/2014/main" id="{4DD22468-0F77-455F-8343-D2977BA9D815}"/>
                 </a:ext>
               </a:extLst>
             </p:cNvPr>
@@ -36858,7 +36999,7 @@
               <p:cNvPr id="16" name="Retângulo: Cantos Arredondados 15">
                 <a:extLst>
                   <a:ext uri="{FF2B5EF4-FFF2-40B4-BE49-F238E27FC236}">
-                    <a16:creationId xmlns:a16="http://schemas.microsoft.com/office/drawing/2014/main" xmlns="" id="{2D72A34F-4564-471A-B6AA-AE1DF400A26F}"/>
+                    <a16:creationId xmlns="" xmlns:a16="http://schemas.microsoft.com/office/drawing/2014/main" id="{2D72A34F-4564-471A-B6AA-AE1DF400A26F}"/>
                   </a:ext>
                 </a:extLst>
               </p:cNvPr>
@@ -36912,7 +37053,7 @@
               <p:cNvPr id="17" name="Retângulo: Cantos Arredondados 16">
                 <a:extLst>
                   <a:ext uri="{FF2B5EF4-FFF2-40B4-BE49-F238E27FC236}">
-                    <a16:creationId xmlns:a16="http://schemas.microsoft.com/office/drawing/2014/main" xmlns="" id="{29E778E2-383E-4A56-974F-1F35B702221A}"/>
+                    <a16:creationId xmlns="" xmlns:a16="http://schemas.microsoft.com/office/drawing/2014/main" id="{29E778E2-383E-4A56-974F-1F35B702221A}"/>
                   </a:ext>
                 </a:extLst>
               </p:cNvPr>
@@ -36967,7 +37108,7 @@
             <p:cNvPr id="18" name="Agrupar 17">
               <a:extLst>
                 <a:ext uri="{FF2B5EF4-FFF2-40B4-BE49-F238E27FC236}">
-                  <a16:creationId xmlns:a16="http://schemas.microsoft.com/office/drawing/2014/main" xmlns="" id="{1C1086BE-5C78-46C5-8759-F221A1473050}"/>
+                  <a16:creationId xmlns="" xmlns:a16="http://schemas.microsoft.com/office/drawing/2014/main" id="{1C1086BE-5C78-46C5-8759-F221A1473050}"/>
                 </a:ext>
               </a:extLst>
             </p:cNvPr>
@@ -36987,7 +37128,7 @@
               <p:cNvPr id="19" name="Forma Livre: Forma 18">
                 <a:extLst>
                   <a:ext uri="{FF2B5EF4-FFF2-40B4-BE49-F238E27FC236}">
-                    <a16:creationId xmlns:a16="http://schemas.microsoft.com/office/drawing/2014/main" xmlns="" id="{A5FF4AA1-FB76-4089-AF79-C37CF505E719}"/>
+                    <a16:creationId xmlns="" xmlns:a16="http://schemas.microsoft.com/office/drawing/2014/main" id="{A5FF4AA1-FB76-4089-AF79-C37CF505E719}"/>
                   </a:ext>
                 </a:extLst>
               </p:cNvPr>
@@ -37122,7 +37263,7 @@
               <p:cNvPr id="20" name="Forma Livre: Forma 19">
                 <a:extLst>
                   <a:ext uri="{FF2B5EF4-FFF2-40B4-BE49-F238E27FC236}">
-                    <a16:creationId xmlns:a16="http://schemas.microsoft.com/office/drawing/2014/main" xmlns="" id="{F8045286-37AC-4911-A671-477E8EB257A2}"/>
+                    <a16:creationId xmlns="" xmlns:a16="http://schemas.microsoft.com/office/drawing/2014/main" id="{F8045286-37AC-4911-A671-477E8EB257A2}"/>
                   </a:ext>
                 </a:extLst>
               </p:cNvPr>
@@ -37257,7 +37398,7 @@
               <p:cNvPr id="21" name="Elipse 20">
                 <a:extLst>
                   <a:ext uri="{FF2B5EF4-FFF2-40B4-BE49-F238E27FC236}">
-                    <a16:creationId xmlns:a16="http://schemas.microsoft.com/office/drawing/2014/main" xmlns="" id="{CD452FDD-69B7-4E28-B5E7-0FEFB45E205A}"/>
+                    <a16:creationId xmlns="" xmlns:a16="http://schemas.microsoft.com/office/drawing/2014/main" id="{CD452FDD-69B7-4E28-B5E7-0FEFB45E205A}"/>
                   </a:ext>
                 </a:extLst>
               </p:cNvPr>
@@ -37309,7 +37450,7 @@
               <p:cNvPr id="22" name="Retângulo: Cantos Arredondados 21">
                 <a:extLst>
                   <a:ext uri="{FF2B5EF4-FFF2-40B4-BE49-F238E27FC236}">
-                    <a16:creationId xmlns:a16="http://schemas.microsoft.com/office/drawing/2014/main" xmlns="" id="{AF7D2798-BB73-466E-A25A-A2621184FA04}"/>
+                    <a16:creationId xmlns="" xmlns:a16="http://schemas.microsoft.com/office/drawing/2014/main" id="{AF7D2798-BB73-466E-A25A-A2621184FA04}"/>
                   </a:ext>
                 </a:extLst>
               </p:cNvPr>
@@ -37363,7 +37504,7 @@
               <p:cNvPr id="23" name="Retângulo: Cantos Arredondados 22">
                 <a:extLst>
                   <a:ext uri="{FF2B5EF4-FFF2-40B4-BE49-F238E27FC236}">
-                    <a16:creationId xmlns:a16="http://schemas.microsoft.com/office/drawing/2014/main" xmlns="" id="{3E77055B-F661-42D4-86CB-10C4D49F7934}"/>
+                    <a16:creationId xmlns="" xmlns:a16="http://schemas.microsoft.com/office/drawing/2014/main" id="{3E77055B-F661-42D4-86CB-10C4D49F7934}"/>
                   </a:ext>
                 </a:extLst>
               </p:cNvPr>
@@ -37417,7 +37558,7 @@
               <p:cNvPr id="24" name="Retângulo: Cantos Arredondados 23">
                 <a:extLst>
                   <a:ext uri="{FF2B5EF4-FFF2-40B4-BE49-F238E27FC236}">
-                    <a16:creationId xmlns:a16="http://schemas.microsoft.com/office/drawing/2014/main" xmlns="" id="{2D266FA5-5903-44D9-9DC7-DCB4A530544F}"/>
+                    <a16:creationId xmlns="" xmlns:a16="http://schemas.microsoft.com/office/drawing/2014/main" id="{2D266FA5-5903-44D9-9DC7-DCB4A530544F}"/>
                   </a:ext>
                 </a:extLst>
               </p:cNvPr>
@@ -37472,7 +37613,7 @@
             <p:cNvPr id="25" name="Forma Livre: Forma 24">
               <a:extLst>
                 <a:ext uri="{FF2B5EF4-FFF2-40B4-BE49-F238E27FC236}">
-                  <a16:creationId xmlns:a16="http://schemas.microsoft.com/office/drawing/2014/main" xmlns="" id="{59EBB5C9-01FD-4920-B60F-971211221B04}"/>
+                  <a16:creationId xmlns="" xmlns:a16="http://schemas.microsoft.com/office/drawing/2014/main" id="{59EBB5C9-01FD-4920-B60F-971211221B04}"/>
                 </a:ext>
               </a:extLst>
             </p:cNvPr>
@@ -37632,7 +37773,7 @@
           <p:cNvPr id="38" name="Agrupar 37">
             <a:extLst>
               <a:ext uri="{FF2B5EF4-FFF2-40B4-BE49-F238E27FC236}">
-                <a16:creationId xmlns:a16="http://schemas.microsoft.com/office/drawing/2014/main" xmlns="" id="{FC904319-6FA4-4042-855A-6A60C7CDDE75}"/>
+                <a16:creationId xmlns="" xmlns:a16="http://schemas.microsoft.com/office/drawing/2014/main" id="{FC904319-6FA4-4042-855A-6A60C7CDDE75}"/>
               </a:ext>
             </a:extLst>
           </p:cNvPr>
@@ -37652,7 +37793,7 @@
             <p:cNvPr id="32" name="Forma Livre: Forma 31">
               <a:extLst>
                 <a:ext uri="{FF2B5EF4-FFF2-40B4-BE49-F238E27FC236}">
-                  <a16:creationId xmlns:a16="http://schemas.microsoft.com/office/drawing/2014/main" xmlns="" id="{33926B56-608A-4040-9793-1A0843EA9F35}"/>
+                  <a16:creationId xmlns="" xmlns:a16="http://schemas.microsoft.com/office/drawing/2014/main" id="{33926B56-608A-4040-9793-1A0843EA9F35}"/>
                 </a:ext>
               </a:extLst>
             </p:cNvPr>
@@ -37787,7 +37928,7 @@
             <p:cNvPr id="33" name="Forma Livre: Forma 32">
               <a:extLst>
                 <a:ext uri="{FF2B5EF4-FFF2-40B4-BE49-F238E27FC236}">
-                  <a16:creationId xmlns:a16="http://schemas.microsoft.com/office/drawing/2014/main" xmlns="" id="{5411D262-E4A1-40F4-B722-478CCED52606}"/>
+                  <a16:creationId xmlns="" xmlns:a16="http://schemas.microsoft.com/office/drawing/2014/main" id="{5411D262-E4A1-40F4-B722-478CCED52606}"/>
                 </a:ext>
               </a:extLst>
             </p:cNvPr>
@@ -37922,7 +38063,7 @@
             <p:cNvPr id="34" name="Elipse 33">
               <a:extLst>
                 <a:ext uri="{FF2B5EF4-FFF2-40B4-BE49-F238E27FC236}">
-                  <a16:creationId xmlns:a16="http://schemas.microsoft.com/office/drawing/2014/main" xmlns="" id="{944C9D85-37D0-40B1-AE69-DE12BF032920}"/>
+                  <a16:creationId xmlns="" xmlns:a16="http://schemas.microsoft.com/office/drawing/2014/main" id="{944C9D85-37D0-40B1-AE69-DE12BF032920}"/>
                 </a:ext>
               </a:extLst>
             </p:cNvPr>
@@ -37974,7 +38115,7 @@
             <p:cNvPr id="35" name="Retângulo: Cantos Arredondados 34">
               <a:extLst>
                 <a:ext uri="{FF2B5EF4-FFF2-40B4-BE49-F238E27FC236}">
-                  <a16:creationId xmlns:a16="http://schemas.microsoft.com/office/drawing/2014/main" xmlns="" id="{DDB1EE29-EA56-4EE9-816C-ADD36B89357A}"/>
+                  <a16:creationId xmlns="" xmlns:a16="http://schemas.microsoft.com/office/drawing/2014/main" id="{DDB1EE29-EA56-4EE9-816C-ADD36B89357A}"/>
                 </a:ext>
               </a:extLst>
             </p:cNvPr>
@@ -38028,7 +38169,7 @@
             <p:cNvPr id="36" name="Retângulo: Cantos Arredondados 35">
               <a:extLst>
                 <a:ext uri="{FF2B5EF4-FFF2-40B4-BE49-F238E27FC236}">
-                  <a16:creationId xmlns:a16="http://schemas.microsoft.com/office/drawing/2014/main" xmlns="" id="{126D8543-30CF-42FE-9FA8-8D03E478C3F1}"/>
+                  <a16:creationId xmlns="" xmlns:a16="http://schemas.microsoft.com/office/drawing/2014/main" id="{126D8543-30CF-42FE-9FA8-8D03E478C3F1}"/>
                 </a:ext>
               </a:extLst>
             </p:cNvPr>
@@ -38082,7 +38223,7 @@
             <p:cNvPr id="37" name="Retângulo: Cantos Arredondados 36">
               <a:extLst>
                 <a:ext uri="{FF2B5EF4-FFF2-40B4-BE49-F238E27FC236}">
-                  <a16:creationId xmlns:a16="http://schemas.microsoft.com/office/drawing/2014/main" xmlns="" id="{EC5022BB-3365-4849-AE98-9002F5043E80}"/>
+                  <a16:creationId xmlns="" xmlns:a16="http://schemas.microsoft.com/office/drawing/2014/main" id="{EC5022BB-3365-4849-AE98-9002F5043E80}"/>
                 </a:ext>
               </a:extLst>
             </p:cNvPr>
@@ -38137,7 +38278,7 @@
           <p:cNvPr id="2" name="Estrela: 5 Pontas 1">
             <a:extLst>
               <a:ext uri="{FF2B5EF4-FFF2-40B4-BE49-F238E27FC236}">
-                <a16:creationId xmlns:a16="http://schemas.microsoft.com/office/drawing/2014/main" xmlns="" id="{723F0F1C-67BE-419C-BCCB-FB7965C3A6B7}"/>
+                <a16:creationId xmlns="" xmlns:a16="http://schemas.microsoft.com/office/drawing/2014/main" id="{723F0F1C-67BE-419C-BCCB-FB7965C3A6B7}"/>
               </a:ext>
             </a:extLst>
           </p:cNvPr>
@@ -38189,7 +38330,7 @@
           <p:cNvPr id="39" name="Estrela: 5 Pontas 38">
             <a:extLst>
               <a:ext uri="{FF2B5EF4-FFF2-40B4-BE49-F238E27FC236}">
-                <a16:creationId xmlns:a16="http://schemas.microsoft.com/office/drawing/2014/main" xmlns="" id="{A18BD38E-EE78-4C65-B51B-17C6F7259FFB}"/>
+                <a16:creationId xmlns="" xmlns:a16="http://schemas.microsoft.com/office/drawing/2014/main" id="{A18BD38E-EE78-4C65-B51B-17C6F7259FFB}"/>
               </a:ext>
             </a:extLst>
           </p:cNvPr>
@@ -38241,7 +38382,7 @@
           <p:cNvPr id="40" name="Estrela: 5 Pontas 39">
             <a:extLst>
               <a:ext uri="{FF2B5EF4-FFF2-40B4-BE49-F238E27FC236}">
-                <a16:creationId xmlns:a16="http://schemas.microsoft.com/office/drawing/2014/main" xmlns="" id="{0FEA79D5-3823-43F3-8783-B76F3CB07C70}"/>
+                <a16:creationId xmlns="" xmlns:a16="http://schemas.microsoft.com/office/drawing/2014/main" id="{0FEA79D5-3823-43F3-8783-B76F3CB07C70}"/>
               </a:ext>
             </a:extLst>
           </p:cNvPr>
@@ -38293,7 +38434,7 @@
           <p:cNvPr id="41" name="Estrela: 5 Pontas 40">
             <a:extLst>
               <a:ext uri="{FF2B5EF4-FFF2-40B4-BE49-F238E27FC236}">
-                <a16:creationId xmlns:a16="http://schemas.microsoft.com/office/drawing/2014/main" xmlns="" id="{E726AE01-965D-41FA-A98E-5BCEEEE23D94}"/>
+                <a16:creationId xmlns="" xmlns:a16="http://schemas.microsoft.com/office/drawing/2014/main" id="{E726AE01-965D-41FA-A98E-5BCEEEE23D94}"/>
               </a:ext>
             </a:extLst>
           </p:cNvPr>
@@ -38345,7 +38486,7 @@
           <p:cNvPr id="42" name="Estrela: 5 Pontas 41">
             <a:extLst>
               <a:ext uri="{FF2B5EF4-FFF2-40B4-BE49-F238E27FC236}">
-                <a16:creationId xmlns:a16="http://schemas.microsoft.com/office/drawing/2014/main" xmlns="" id="{A5C06899-D0AA-49D3-B648-FD1484DDCE6F}"/>
+                <a16:creationId xmlns="" xmlns:a16="http://schemas.microsoft.com/office/drawing/2014/main" id="{A5C06899-D0AA-49D3-B648-FD1484DDCE6F}"/>
               </a:ext>
             </a:extLst>
           </p:cNvPr>
@@ -38397,7 +38538,7 @@
           <p:cNvPr id="27" name="CaixaDeTexto 26">
             <a:extLst>
               <a:ext uri="{FF2B5EF4-FFF2-40B4-BE49-F238E27FC236}">
-                <a16:creationId xmlns:a16="http://schemas.microsoft.com/office/drawing/2014/main" xmlns="" id="{84258104-3F54-4F3B-B3FF-EF38C66DFF6F}"/>
+                <a16:creationId xmlns="" xmlns:a16="http://schemas.microsoft.com/office/drawing/2014/main" id="{84258104-3F54-4F3B-B3FF-EF38C66DFF6F}"/>
               </a:ext>
             </a:extLst>
           </p:cNvPr>
@@ -38810,7 +38951,7 @@
           <p:cNvPr id="114" name="CaixaDeTexto 113">
             <a:extLst>
               <a:ext uri="{FF2B5EF4-FFF2-40B4-BE49-F238E27FC236}">
-                <a16:creationId xmlns:a16="http://schemas.microsoft.com/office/drawing/2014/main" xmlns="" id="{55E7EA0C-456D-488B-AE8B-5092FA29217F}"/>
+                <a16:creationId xmlns="" xmlns:a16="http://schemas.microsoft.com/office/drawing/2014/main" id="{55E7EA0C-456D-488B-AE8B-5092FA29217F}"/>
               </a:ext>
             </a:extLst>
           </p:cNvPr>
@@ -38850,7 +38991,7 @@
           <p:cNvPr id="115" name="CaixaDeTexto 114">
             <a:extLst>
               <a:ext uri="{FF2B5EF4-FFF2-40B4-BE49-F238E27FC236}">
-                <a16:creationId xmlns:a16="http://schemas.microsoft.com/office/drawing/2014/main" xmlns="" id="{A19F2B9B-915C-41AB-BB89-0FF40B347EE4}"/>
+                <a16:creationId xmlns="" xmlns:a16="http://schemas.microsoft.com/office/drawing/2014/main" id="{A19F2B9B-915C-41AB-BB89-0FF40B347EE4}"/>
               </a:ext>
             </a:extLst>
           </p:cNvPr>
@@ -38890,7 +39031,7 @@
           <p:cNvPr id="4" name="Agrupar 3">
             <a:extLst>
               <a:ext uri="{FF2B5EF4-FFF2-40B4-BE49-F238E27FC236}">
-                <a16:creationId xmlns:a16="http://schemas.microsoft.com/office/drawing/2014/main" xmlns="" id="{7610409B-0F43-4450-AE92-E4E515E84779}"/>
+                <a16:creationId xmlns="" xmlns:a16="http://schemas.microsoft.com/office/drawing/2014/main" id="{7610409B-0F43-4450-AE92-E4E515E84779}"/>
               </a:ext>
             </a:extLst>
           </p:cNvPr>
@@ -38910,7 +39051,7 @@
             <p:cNvPr id="62" name="Agrupar 61">
               <a:extLst>
                 <a:ext uri="{FF2B5EF4-FFF2-40B4-BE49-F238E27FC236}">
-                  <a16:creationId xmlns:a16="http://schemas.microsoft.com/office/drawing/2014/main" xmlns="" id="{DDB26C83-9CE2-4C04-B6AF-E8E5E51F4BC4}"/>
+                  <a16:creationId xmlns="" xmlns:a16="http://schemas.microsoft.com/office/drawing/2014/main" id="{DDB26C83-9CE2-4C04-B6AF-E8E5E51F4BC4}"/>
                 </a:ext>
               </a:extLst>
             </p:cNvPr>
@@ -38930,7 +39071,7 @@
               <p:cNvPr id="60" name="Forma Livre: Forma 59">
                 <a:extLst>
                   <a:ext uri="{FF2B5EF4-FFF2-40B4-BE49-F238E27FC236}">
-                    <a16:creationId xmlns:a16="http://schemas.microsoft.com/office/drawing/2014/main" xmlns="" id="{407CEE2C-9267-4FDC-BF27-F93D5C061A49}"/>
+                    <a16:creationId xmlns="" xmlns:a16="http://schemas.microsoft.com/office/drawing/2014/main" id="{407CEE2C-9267-4FDC-BF27-F93D5C061A49}"/>
                   </a:ext>
                 </a:extLst>
               </p:cNvPr>
@@ -39073,7 +39214,7 @@
               <p:cNvPr id="61" name="Forma Livre: Forma 60">
                 <a:extLst>
                   <a:ext uri="{FF2B5EF4-FFF2-40B4-BE49-F238E27FC236}">
-                    <a16:creationId xmlns:a16="http://schemas.microsoft.com/office/drawing/2014/main" xmlns="" id="{DA72A907-E7A1-43F0-84C8-28323C720A71}"/>
+                    <a16:creationId xmlns="" xmlns:a16="http://schemas.microsoft.com/office/drawing/2014/main" id="{DA72A907-E7A1-43F0-84C8-28323C720A71}"/>
                   </a:ext>
                 </a:extLst>
               </p:cNvPr>
@@ -39220,7 +39361,7 @@
             <p:cNvPr id="63" name="Agrupar 62">
               <a:extLst>
                 <a:ext uri="{FF2B5EF4-FFF2-40B4-BE49-F238E27FC236}">
-                  <a16:creationId xmlns:a16="http://schemas.microsoft.com/office/drawing/2014/main" xmlns="" id="{6686220B-C3BA-4F58-B761-8EC877DB6978}"/>
+                  <a16:creationId xmlns="" xmlns:a16="http://schemas.microsoft.com/office/drawing/2014/main" id="{6686220B-C3BA-4F58-B761-8EC877DB6978}"/>
                 </a:ext>
               </a:extLst>
             </p:cNvPr>
@@ -39240,7 +39381,7 @@
               <p:cNvPr id="64" name="Forma Livre: Forma 63">
                 <a:extLst>
                   <a:ext uri="{FF2B5EF4-FFF2-40B4-BE49-F238E27FC236}">
-                    <a16:creationId xmlns:a16="http://schemas.microsoft.com/office/drawing/2014/main" xmlns="" id="{0B508649-6448-4A98-8464-B1B4791130BB}"/>
+                    <a16:creationId xmlns="" xmlns:a16="http://schemas.microsoft.com/office/drawing/2014/main" id="{0B508649-6448-4A98-8464-B1B4791130BB}"/>
                   </a:ext>
                 </a:extLst>
               </p:cNvPr>
@@ -39383,7 +39524,7 @@
               <p:cNvPr id="65" name="Forma Livre: Forma 64">
                 <a:extLst>
                   <a:ext uri="{FF2B5EF4-FFF2-40B4-BE49-F238E27FC236}">
-                    <a16:creationId xmlns:a16="http://schemas.microsoft.com/office/drawing/2014/main" xmlns="" id="{644F2424-7716-4206-A898-B7FF7B0EF20E}"/>
+                    <a16:creationId xmlns="" xmlns:a16="http://schemas.microsoft.com/office/drawing/2014/main" id="{644F2424-7716-4206-A898-B7FF7B0EF20E}"/>
                   </a:ext>
                 </a:extLst>
               </p:cNvPr>
@@ -39530,7 +39671,7 @@
             <p:cNvPr id="72" name="Retângulo: Cantos Arredondados 71">
               <a:extLst>
                 <a:ext uri="{FF2B5EF4-FFF2-40B4-BE49-F238E27FC236}">
-                  <a16:creationId xmlns:a16="http://schemas.microsoft.com/office/drawing/2014/main" xmlns="" id="{EDAA260A-6EFC-4287-A355-7EE98B639ADA}"/>
+                  <a16:creationId xmlns="" xmlns:a16="http://schemas.microsoft.com/office/drawing/2014/main" id="{EDAA260A-6EFC-4287-A355-7EE98B639ADA}"/>
                 </a:ext>
               </a:extLst>
             </p:cNvPr>
@@ -39584,7 +39725,7 @@
             <p:cNvPr id="75" name="Retângulo: Cantos Arredondados 74">
               <a:extLst>
                 <a:ext uri="{FF2B5EF4-FFF2-40B4-BE49-F238E27FC236}">
-                  <a16:creationId xmlns:a16="http://schemas.microsoft.com/office/drawing/2014/main" xmlns="" id="{A2FC06FE-4EBB-4B29-934C-CF58402238B2}"/>
+                  <a16:creationId xmlns="" xmlns:a16="http://schemas.microsoft.com/office/drawing/2014/main" id="{A2FC06FE-4EBB-4B29-934C-CF58402238B2}"/>
                 </a:ext>
               </a:extLst>
             </p:cNvPr>
@@ -39638,7 +39779,7 @@
             <p:cNvPr id="85" name="Retângulo: Cantos Arredondados 84">
               <a:extLst>
                 <a:ext uri="{FF2B5EF4-FFF2-40B4-BE49-F238E27FC236}">
-                  <a16:creationId xmlns:a16="http://schemas.microsoft.com/office/drawing/2014/main" xmlns="" id="{F77F394E-3BA2-4EA8-B488-226DAA8DD196}"/>
+                  <a16:creationId xmlns="" xmlns:a16="http://schemas.microsoft.com/office/drawing/2014/main" id="{F77F394E-3BA2-4EA8-B488-226DAA8DD196}"/>
                 </a:ext>
               </a:extLst>
             </p:cNvPr>
@@ -39692,7 +39833,7 @@
             <p:cNvPr id="83" name="Forma Livre: Forma 82">
               <a:extLst>
                 <a:ext uri="{FF2B5EF4-FFF2-40B4-BE49-F238E27FC236}">
-                  <a16:creationId xmlns:a16="http://schemas.microsoft.com/office/drawing/2014/main" xmlns="" id="{32E6D0BC-5224-4E02-80AC-A89C337BC2C3}"/>
+                  <a16:creationId xmlns="" xmlns:a16="http://schemas.microsoft.com/office/drawing/2014/main" id="{32E6D0BC-5224-4E02-80AC-A89C337BC2C3}"/>
                 </a:ext>
               </a:extLst>
             </p:cNvPr>
@@ -39860,7 +40001,7 @@
             <p:cNvPr id="73" name="Agrupar 72">
               <a:extLst>
                 <a:ext uri="{FF2B5EF4-FFF2-40B4-BE49-F238E27FC236}">
-                  <a16:creationId xmlns:a16="http://schemas.microsoft.com/office/drawing/2014/main" xmlns="" id="{9FE34A15-8645-4167-B0DF-DBE707D93196}"/>
+                  <a16:creationId xmlns="" xmlns:a16="http://schemas.microsoft.com/office/drawing/2014/main" id="{9FE34A15-8645-4167-B0DF-DBE707D93196}"/>
                 </a:ext>
               </a:extLst>
             </p:cNvPr>
@@ -39880,7 +40021,7 @@
               <p:cNvPr id="57" name="Retângulo: Cantos Arredondados 56">
                 <a:extLst>
                   <a:ext uri="{FF2B5EF4-FFF2-40B4-BE49-F238E27FC236}">
-                    <a16:creationId xmlns:a16="http://schemas.microsoft.com/office/drawing/2014/main" xmlns="" id="{C336AFFA-E4F7-4842-BA6A-09F0CF9FC794}"/>
+                    <a16:creationId xmlns="" xmlns:a16="http://schemas.microsoft.com/office/drawing/2014/main" id="{C336AFFA-E4F7-4842-BA6A-09F0CF9FC794}"/>
                   </a:ext>
                 </a:extLst>
               </p:cNvPr>
@@ -39936,7 +40077,7 @@
               <p:cNvPr id="71" name="Forma Livre: Forma 70">
                 <a:extLst>
                   <a:ext uri="{FF2B5EF4-FFF2-40B4-BE49-F238E27FC236}">
-                    <a16:creationId xmlns:a16="http://schemas.microsoft.com/office/drawing/2014/main" xmlns="" id="{E5B445B5-AFC2-4057-885A-86B469BBCCB0}"/>
+                    <a16:creationId xmlns="" xmlns:a16="http://schemas.microsoft.com/office/drawing/2014/main" id="{E5B445B5-AFC2-4057-885A-86B469BBCCB0}"/>
                   </a:ext>
                 </a:extLst>
               </p:cNvPr>
@@ -40255,7 +40396,7 @@
               <p:cNvPr id="68" name="Elipse 67">
                 <a:extLst>
                   <a:ext uri="{FF2B5EF4-FFF2-40B4-BE49-F238E27FC236}">
-                    <a16:creationId xmlns:a16="http://schemas.microsoft.com/office/drawing/2014/main" xmlns="" id="{527F53BA-79D2-411E-981E-8FFC7D88F997}"/>
+                    <a16:creationId xmlns="" xmlns:a16="http://schemas.microsoft.com/office/drawing/2014/main" id="{527F53BA-79D2-411E-981E-8FFC7D88F997}"/>
                   </a:ext>
                 </a:extLst>
               </p:cNvPr>
@@ -40308,7 +40449,7 @@
             <p:cNvPr id="87" name="Forma Livre: Forma 86">
               <a:extLst>
                 <a:ext uri="{FF2B5EF4-FFF2-40B4-BE49-F238E27FC236}">
-                  <a16:creationId xmlns:a16="http://schemas.microsoft.com/office/drawing/2014/main" xmlns="" id="{FBD7C831-DE71-4741-AFE0-837812D007B9}"/>
+                  <a16:creationId xmlns="" xmlns:a16="http://schemas.microsoft.com/office/drawing/2014/main" id="{FBD7C831-DE71-4741-AFE0-837812D007B9}"/>
                 </a:ext>
               </a:extLst>
             </p:cNvPr>
@@ -41051,7 +41192,7 @@
             <p:cNvPr id="91" name="Agrupar 90">
               <a:extLst>
                 <a:ext uri="{FF2B5EF4-FFF2-40B4-BE49-F238E27FC236}">
-                  <a16:creationId xmlns:a16="http://schemas.microsoft.com/office/drawing/2014/main" xmlns="" id="{A4083C36-A5AA-488B-9680-836F142B75D1}"/>
+                  <a16:creationId xmlns="" xmlns:a16="http://schemas.microsoft.com/office/drawing/2014/main" id="{A4083C36-A5AA-488B-9680-836F142B75D1}"/>
                 </a:ext>
               </a:extLst>
             </p:cNvPr>
@@ -41071,7 +41212,7 @@
               <p:cNvPr id="89" name="Retângulo: Cantos Arredondados 88">
                 <a:extLst>
                   <a:ext uri="{FF2B5EF4-FFF2-40B4-BE49-F238E27FC236}">
-                    <a16:creationId xmlns:a16="http://schemas.microsoft.com/office/drawing/2014/main" xmlns="" id="{D5EBA878-C390-4B40-8E0F-1971FDCEB45B}"/>
+                    <a16:creationId xmlns="" xmlns:a16="http://schemas.microsoft.com/office/drawing/2014/main" id="{D5EBA878-C390-4B40-8E0F-1971FDCEB45B}"/>
                   </a:ext>
                 </a:extLst>
               </p:cNvPr>
@@ -41125,7 +41266,7 @@
               <p:cNvPr id="90" name="Retângulo: Cantos Arredondados 89">
                 <a:extLst>
                   <a:ext uri="{FF2B5EF4-FFF2-40B4-BE49-F238E27FC236}">
-                    <a16:creationId xmlns:a16="http://schemas.microsoft.com/office/drawing/2014/main" xmlns="" id="{1BA872B5-444F-4723-8435-EBB011F75A9F}"/>
+                    <a16:creationId xmlns="" xmlns:a16="http://schemas.microsoft.com/office/drawing/2014/main" id="{1BA872B5-444F-4723-8435-EBB011F75A9F}"/>
                   </a:ext>
                 </a:extLst>
               </p:cNvPr>
@@ -41180,7 +41321,7 @@
             <p:cNvPr id="92" name="Agrupar 91">
               <a:extLst>
                 <a:ext uri="{FF2B5EF4-FFF2-40B4-BE49-F238E27FC236}">
-                  <a16:creationId xmlns:a16="http://schemas.microsoft.com/office/drawing/2014/main" xmlns="" id="{546743D0-9BF5-4977-9B06-480957C722AF}"/>
+                  <a16:creationId xmlns="" xmlns:a16="http://schemas.microsoft.com/office/drawing/2014/main" id="{546743D0-9BF5-4977-9B06-480957C722AF}"/>
                 </a:ext>
               </a:extLst>
             </p:cNvPr>
@@ -41200,7 +41341,7 @@
               <p:cNvPr id="93" name="Retângulo: Cantos Arredondados 92">
                 <a:extLst>
                   <a:ext uri="{FF2B5EF4-FFF2-40B4-BE49-F238E27FC236}">
-                    <a16:creationId xmlns:a16="http://schemas.microsoft.com/office/drawing/2014/main" xmlns="" id="{71EE00CC-8324-4062-8AB0-F586EE792436}"/>
+                    <a16:creationId xmlns="" xmlns:a16="http://schemas.microsoft.com/office/drawing/2014/main" id="{71EE00CC-8324-4062-8AB0-F586EE792436}"/>
                   </a:ext>
                 </a:extLst>
               </p:cNvPr>
@@ -41254,7 +41395,7 @@
               <p:cNvPr id="94" name="Retângulo: Cantos Arredondados 93">
                 <a:extLst>
                   <a:ext uri="{FF2B5EF4-FFF2-40B4-BE49-F238E27FC236}">
-                    <a16:creationId xmlns:a16="http://schemas.microsoft.com/office/drawing/2014/main" xmlns="" id="{43A97C27-B5AF-47A0-9E37-E19F5ECA7644}"/>
+                    <a16:creationId xmlns="" xmlns:a16="http://schemas.microsoft.com/office/drawing/2014/main" id="{43A97C27-B5AF-47A0-9E37-E19F5ECA7644}"/>
                   </a:ext>
                 </a:extLst>
               </p:cNvPr>
@@ -41309,7 +41450,7 @@
             <p:cNvPr id="106" name="Agrupar 105">
               <a:extLst>
                 <a:ext uri="{FF2B5EF4-FFF2-40B4-BE49-F238E27FC236}">
-                  <a16:creationId xmlns:a16="http://schemas.microsoft.com/office/drawing/2014/main" xmlns="" id="{9DC5C874-5349-4E05-A6A0-24FF2821AAAC}"/>
+                  <a16:creationId xmlns="" xmlns:a16="http://schemas.microsoft.com/office/drawing/2014/main" id="{9DC5C874-5349-4E05-A6A0-24FF2821AAAC}"/>
                 </a:ext>
               </a:extLst>
             </p:cNvPr>
@@ -41329,7 +41470,7 @@
               <p:cNvPr id="102" name="Forma Livre: Forma 101">
                 <a:extLst>
                   <a:ext uri="{FF2B5EF4-FFF2-40B4-BE49-F238E27FC236}">
-                    <a16:creationId xmlns:a16="http://schemas.microsoft.com/office/drawing/2014/main" xmlns="" id="{8664E959-F4DB-4AF6-B1F8-06F49DB55533}"/>
+                    <a16:creationId xmlns="" xmlns:a16="http://schemas.microsoft.com/office/drawing/2014/main" id="{8664E959-F4DB-4AF6-B1F8-06F49DB55533}"/>
                   </a:ext>
                 </a:extLst>
               </p:cNvPr>
@@ -41489,7 +41630,7 @@
               <p:cNvPr id="104" name="Retângulo 103">
                 <a:extLst>
                   <a:ext uri="{FF2B5EF4-FFF2-40B4-BE49-F238E27FC236}">
-                    <a16:creationId xmlns:a16="http://schemas.microsoft.com/office/drawing/2014/main" xmlns="" id="{D7BD7480-778F-4C2C-989D-A2E225CE8C9A}"/>
+                    <a16:creationId xmlns="" xmlns:a16="http://schemas.microsoft.com/office/drawing/2014/main" id="{D7BD7480-778F-4C2C-989D-A2E225CE8C9A}"/>
                   </a:ext>
                 </a:extLst>
               </p:cNvPr>
@@ -41541,7 +41682,7 @@
               <p:cNvPr id="105" name="Forma Livre: Forma 104">
                 <a:extLst>
                   <a:ext uri="{FF2B5EF4-FFF2-40B4-BE49-F238E27FC236}">
-                    <a16:creationId xmlns:a16="http://schemas.microsoft.com/office/drawing/2014/main" xmlns="" id="{48637B6E-8631-4826-8083-9DB2E326D6B7}"/>
+                    <a16:creationId xmlns="" xmlns:a16="http://schemas.microsoft.com/office/drawing/2014/main" id="{48637B6E-8631-4826-8083-9DB2E326D6B7}"/>
                   </a:ext>
                 </a:extLst>
               </p:cNvPr>
@@ -41702,7 +41843,7 @@
             <p:cNvPr id="107" name="Agrupar 106">
               <a:extLst>
                 <a:ext uri="{FF2B5EF4-FFF2-40B4-BE49-F238E27FC236}">
-                  <a16:creationId xmlns:a16="http://schemas.microsoft.com/office/drawing/2014/main" xmlns="" id="{506823EA-3FC9-4196-BEFD-C448FDAB12CE}"/>
+                  <a16:creationId xmlns="" xmlns:a16="http://schemas.microsoft.com/office/drawing/2014/main" id="{506823EA-3FC9-4196-BEFD-C448FDAB12CE}"/>
                 </a:ext>
               </a:extLst>
             </p:cNvPr>
@@ -41722,7 +41863,7 @@
               <p:cNvPr id="108" name="Forma Livre: Forma 107">
                 <a:extLst>
                   <a:ext uri="{FF2B5EF4-FFF2-40B4-BE49-F238E27FC236}">
-                    <a16:creationId xmlns:a16="http://schemas.microsoft.com/office/drawing/2014/main" xmlns="" id="{C8F6B5D3-BA40-479E-9922-FA5F29F7438B}"/>
+                    <a16:creationId xmlns="" xmlns:a16="http://schemas.microsoft.com/office/drawing/2014/main" id="{C8F6B5D3-BA40-479E-9922-FA5F29F7438B}"/>
                   </a:ext>
                 </a:extLst>
               </p:cNvPr>
@@ -41857,7 +41998,7 @@
               <p:cNvPr id="109" name="Forma Livre: Forma 108">
                 <a:extLst>
                   <a:ext uri="{FF2B5EF4-FFF2-40B4-BE49-F238E27FC236}">
-                    <a16:creationId xmlns:a16="http://schemas.microsoft.com/office/drawing/2014/main" xmlns="" id="{E802B2CF-95C1-4EB2-BD1A-0F5C25F938FF}"/>
+                    <a16:creationId xmlns="" xmlns:a16="http://schemas.microsoft.com/office/drawing/2014/main" id="{E802B2CF-95C1-4EB2-BD1A-0F5C25F938FF}"/>
                   </a:ext>
                 </a:extLst>
               </p:cNvPr>
@@ -41992,7 +42133,7 @@
               <p:cNvPr id="110" name="Elipse 109">
                 <a:extLst>
                   <a:ext uri="{FF2B5EF4-FFF2-40B4-BE49-F238E27FC236}">
-                    <a16:creationId xmlns:a16="http://schemas.microsoft.com/office/drawing/2014/main" xmlns="" id="{895EC924-6BE2-4CFF-8A33-0E2AB024DAE1}"/>
+                    <a16:creationId xmlns="" xmlns:a16="http://schemas.microsoft.com/office/drawing/2014/main" id="{895EC924-6BE2-4CFF-8A33-0E2AB024DAE1}"/>
                   </a:ext>
                 </a:extLst>
               </p:cNvPr>
@@ -42044,7 +42185,7 @@
               <p:cNvPr id="111" name="Retângulo: Cantos Arredondados 110">
                 <a:extLst>
                   <a:ext uri="{FF2B5EF4-FFF2-40B4-BE49-F238E27FC236}">
-                    <a16:creationId xmlns:a16="http://schemas.microsoft.com/office/drawing/2014/main" xmlns="" id="{4BDB2D4F-428B-4635-BB83-B1E7C79E966E}"/>
+                    <a16:creationId xmlns="" xmlns:a16="http://schemas.microsoft.com/office/drawing/2014/main" id="{4BDB2D4F-428B-4635-BB83-B1E7C79E966E}"/>
                   </a:ext>
                 </a:extLst>
               </p:cNvPr>
@@ -42098,7 +42239,7 @@
               <p:cNvPr id="112" name="Retângulo: Cantos Arredondados 111">
                 <a:extLst>
                   <a:ext uri="{FF2B5EF4-FFF2-40B4-BE49-F238E27FC236}">
-                    <a16:creationId xmlns:a16="http://schemas.microsoft.com/office/drawing/2014/main" xmlns="" id="{9260998D-CE47-412D-AD06-F84D175B98AC}"/>
+                    <a16:creationId xmlns="" xmlns:a16="http://schemas.microsoft.com/office/drawing/2014/main" id="{9260998D-CE47-412D-AD06-F84D175B98AC}"/>
                   </a:ext>
                 </a:extLst>
               </p:cNvPr>
@@ -42152,7 +42293,7 @@
               <p:cNvPr id="113" name="Retângulo: Cantos Arredondados 112">
                 <a:extLst>
                   <a:ext uri="{FF2B5EF4-FFF2-40B4-BE49-F238E27FC236}">
-                    <a16:creationId xmlns:a16="http://schemas.microsoft.com/office/drawing/2014/main" xmlns="" id="{6D67DA82-6FD4-4F6B-9B37-E66C498A9AA9}"/>
+                    <a16:creationId xmlns="" xmlns:a16="http://schemas.microsoft.com/office/drawing/2014/main" id="{6D67DA82-6FD4-4F6B-9B37-E66C498A9AA9}"/>
                   </a:ext>
                 </a:extLst>
               </p:cNvPr>
@@ -42207,7 +42348,7 @@
             <p:cNvPr id="2" name="Forma Livre: Forma 1">
               <a:extLst>
                 <a:ext uri="{FF2B5EF4-FFF2-40B4-BE49-F238E27FC236}">
-                  <a16:creationId xmlns:a16="http://schemas.microsoft.com/office/drawing/2014/main" xmlns="" id="{5AA231EB-8067-4D08-B7D8-E8754103746F}"/>
+                  <a16:creationId xmlns="" xmlns:a16="http://schemas.microsoft.com/office/drawing/2014/main" id="{5AA231EB-8067-4D08-B7D8-E8754103746F}"/>
                 </a:ext>
               </a:extLst>
             </p:cNvPr>
@@ -42925,7 +43066,7 @@
             <p:cNvPr id="3" name="Retângulo: Cantos Arredondados 2">
               <a:extLst>
                 <a:ext uri="{FF2B5EF4-FFF2-40B4-BE49-F238E27FC236}">
-                  <a16:creationId xmlns:a16="http://schemas.microsoft.com/office/drawing/2014/main" xmlns="" id="{44C6775D-5041-4878-AA02-F705A13540D9}"/>
+                  <a16:creationId xmlns="" xmlns:a16="http://schemas.microsoft.com/office/drawing/2014/main" id="{44C6775D-5041-4878-AA02-F705A13540D9}"/>
                 </a:ext>
               </a:extLst>
             </p:cNvPr>
@@ -42979,7 +43120,7 @@
             <p:cNvPr id="40" name="Retângulo: Cantos Arredondados 39">
               <a:extLst>
                 <a:ext uri="{FF2B5EF4-FFF2-40B4-BE49-F238E27FC236}">
-                  <a16:creationId xmlns:a16="http://schemas.microsoft.com/office/drawing/2014/main" xmlns="" id="{6D9E1857-21BE-415D-9E5E-D6638BFD720B}"/>
+                  <a16:creationId xmlns="" xmlns:a16="http://schemas.microsoft.com/office/drawing/2014/main" id="{6D9E1857-21BE-415D-9E5E-D6638BFD720B}"/>
                 </a:ext>
               </a:extLst>
             </p:cNvPr>
@@ -43240,7 +43381,7 @@
           <p:cNvPr id="73" name="Retângulo: Cantos Arredondados 72">
             <a:extLst>
               <a:ext uri="{FF2B5EF4-FFF2-40B4-BE49-F238E27FC236}">
-                <a16:creationId xmlns:a16="http://schemas.microsoft.com/office/drawing/2014/main" xmlns="" id="{3776B7C3-79BF-42BB-AFCA-7B914CC5A530}"/>
+                <a16:creationId xmlns="" xmlns:a16="http://schemas.microsoft.com/office/drawing/2014/main" id="{3776B7C3-79BF-42BB-AFCA-7B914CC5A530}"/>
               </a:ext>
             </a:extLst>
           </p:cNvPr>
@@ -43294,7 +43435,7 @@
           <p:cNvPr id="72" name="Retângulo: Cantos Arredondados 71">
             <a:extLst>
               <a:ext uri="{FF2B5EF4-FFF2-40B4-BE49-F238E27FC236}">
-                <a16:creationId xmlns:a16="http://schemas.microsoft.com/office/drawing/2014/main" xmlns="" id="{82990AFB-1CD1-4797-8B2A-22094779DEC4}"/>
+                <a16:creationId xmlns="" xmlns:a16="http://schemas.microsoft.com/office/drawing/2014/main" id="{82990AFB-1CD1-4797-8B2A-22094779DEC4}"/>
               </a:ext>
             </a:extLst>
           </p:cNvPr>
@@ -43348,7 +43489,7 @@
           <p:cNvPr id="51" name="Retângulo: Cantos Arredondados 50">
             <a:extLst>
               <a:ext uri="{FF2B5EF4-FFF2-40B4-BE49-F238E27FC236}">
-                <a16:creationId xmlns:a16="http://schemas.microsoft.com/office/drawing/2014/main" xmlns="" id="{EA8D339A-3BEF-4EB7-9A9C-104EF6E2149F}"/>
+                <a16:creationId xmlns="" xmlns:a16="http://schemas.microsoft.com/office/drawing/2014/main" id="{EA8D339A-3BEF-4EB7-9A9C-104EF6E2149F}"/>
               </a:ext>
             </a:extLst>
           </p:cNvPr>
@@ -43402,7 +43543,7 @@
           <p:cNvPr id="52" name="Retângulo: Cantos Arredondados 51">
             <a:extLst>
               <a:ext uri="{FF2B5EF4-FFF2-40B4-BE49-F238E27FC236}">
-                <a16:creationId xmlns:a16="http://schemas.microsoft.com/office/drawing/2014/main" xmlns="" id="{868A3825-BADD-4E4A-9947-35E44039B0AC}"/>
+                <a16:creationId xmlns="" xmlns:a16="http://schemas.microsoft.com/office/drawing/2014/main" id="{868A3825-BADD-4E4A-9947-35E44039B0AC}"/>
               </a:ext>
             </a:extLst>
           </p:cNvPr>
@@ -43456,7 +43597,7 @@
           <p:cNvPr id="50" name="Agrupar 49">
             <a:extLst>
               <a:ext uri="{FF2B5EF4-FFF2-40B4-BE49-F238E27FC236}">
-                <a16:creationId xmlns:a16="http://schemas.microsoft.com/office/drawing/2014/main" xmlns="" id="{1F846C04-AA34-4FFE-8358-B035A411770B}"/>
+                <a16:creationId xmlns="" xmlns:a16="http://schemas.microsoft.com/office/drawing/2014/main" id="{1F846C04-AA34-4FFE-8358-B035A411770B}"/>
               </a:ext>
             </a:extLst>
           </p:cNvPr>
@@ -43476,7 +43617,7 @@
             <p:cNvPr id="4" name="Retângulo: Cantos Arredondados 3">
               <a:extLst>
                 <a:ext uri="{FF2B5EF4-FFF2-40B4-BE49-F238E27FC236}">
-                  <a16:creationId xmlns:a16="http://schemas.microsoft.com/office/drawing/2014/main" xmlns="" id="{E1CD0C35-1A92-4DF6-85F2-4F43649D3F16}"/>
+                  <a16:creationId xmlns="" xmlns:a16="http://schemas.microsoft.com/office/drawing/2014/main" id="{E1CD0C35-1A92-4DF6-85F2-4F43649D3F16}"/>
                 </a:ext>
               </a:extLst>
             </p:cNvPr>
@@ -43530,7 +43671,7 @@
             <p:cNvPr id="16" name="Retângulo: Cantos Arredondados 15">
               <a:extLst>
                 <a:ext uri="{FF2B5EF4-FFF2-40B4-BE49-F238E27FC236}">
-                  <a16:creationId xmlns:a16="http://schemas.microsoft.com/office/drawing/2014/main" xmlns="" id="{2FE37A45-A208-46CD-8D90-F64E8990BD61}"/>
+                  <a16:creationId xmlns="" xmlns:a16="http://schemas.microsoft.com/office/drawing/2014/main" id="{2FE37A45-A208-46CD-8D90-F64E8990BD61}"/>
                 </a:ext>
               </a:extLst>
             </p:cNvPr>
@@ -43586,7 +43727,7 @@
             <p:cNvPr id="34" name="Forma Livre: Forma 33">
               <a:extLst>
                 <a:ext uri="{FF2B5EF4-FFF2-40B4-BE49-F238E27FC236}">
-                  <a16:creationId xmlns:a16="http://schemas.microsoft.com/office/drawing/2014/main" xmlns="" id="{8F7A9C6C-7FF3-4794-9532-7207E2B80FB5}"/>
+                  <a16:creationId xmlns="" xmlns:a16="http://schemas.microsoft.com/office/drawing/2014/main" id="{8F7A9C6C-7FF3-4794-9532-7207E2B80FB5}"/>
                 </a:ext>
               </a:extLst>
             </p:cNvPr>
@@ -43761,7 +43902,7 @@
             <p:cNvPr id="38" name="Retângulo: Cantos Arredondados 37">
               <a:extLst>
                 <a:ext uri="{FF2B5EF4-FFF2-40B4-BE49-F238E27FC236}">
-                  <a16:creationId xmlns:a16="http://schemas.microsoft.com/office/drawing/2014/main" xmlns="" id="{DE13D433-7173-4D78-99E3-54F285628D82}"/>
+                  <a16:creationId xmlns="" xmlns:a16="http://schemas.microsoft.com/office/drawing/2014/main" id="{DE13D433-7173-4D78-99E3-54F285628D82}"/>
                 </a:ext>
               </a:extLst>
             </p:cNvPr>
@@ -43815,7 +43956,7 @@
             <p:cNvPr id="39" name="Arco 38">
               <a:extLst>
                 <a:ext uri="{FF2B5EF4-FFF2-40B4-BE49-F238E27FC236}">
-                  <a16:creationId xmlns:a16="http://schemas.microsoft.com/office/drawing/2014/main" xmlns="" id="{34E52CD8-4121-4706-96D4-64A64B692159}"/>
+                  <a16:creationId xmlns="" xmlns:a16="http://schemas.microsoft.com/office/drawing/2014/main" id="{34E52CD8-4121-4706-96D4-64A64B692159}"/>
                 </a:ext>
               </a:extLst>
             </p:cNvPr>
@@ -43859,7 +44000,7 @@
             <p:cNvPr id="49" name="Elipse 48">
               <a:extLst>
                 <a:ext uri="{FF2B5EF4-FFF2-40B4-BE49-F238E27FC236}">
-                  <a16:creationId xmlns:a16="http://schemas.microsoft.com/office/drawing/2014/main" xmlns="" id="{19E209B0-0F48-43DA-B5C4-35885CAEEEE8}"/>
+                  <a16:creationId xmlns="" xmlns:a16="http://schemas.microsoft.com/office/drawing/2014/main" id="{19E209B0-0F48-43DA-B5C4-35885CAEEEE8}"/>
                 </a:ext>
               </a:extLst>
             </p:cNvPr>
@@ -43913,7 +44054,7 @@
             <p:cNvPr id="9" name="Retângulo: Cantos Arredondados 8">
               <a:extLst>
                 <a:ext uri="{FF2B5EF4-FFF2-40B4-BE49-F238E27FC236}">
-                  <a16:creationId xmlns:a16="http://schemas.microsoft.com/office/drawing/2014/main" xmlns="" id="{147D1FD6-36C7-4811-B43D-8F2BAAB424C4}"/>
+                  <a16:creationId xmlns="" xmlns:a16="http://schemas.microsoft.com/office/drawing/2014/main" id="{147D1FD6-36C7-4811-B43D-8F2BAAB424C4}"/>
                 </a:ext>
               </a:extLst>
             </p:cNvPr>
@@ -43970,7 +44111,7 @@
           <p:cNvPr id="60" name="Retângulo: Cantos Arredondados 59">
             <a:extLst>
               <a:ext uri="{FF2B5EF4-FFF2-40B4-BE49-F238E27FC236}">
-                <a16:creationId xmlns:a16="http://schemas.microsoft.com/office/drawing/2014/main" xmlns="" id="{986C0052-8702-4C43-8224-3E4167A76C33}"/>
+                <a16:creationId xmlns="" xmlns:a16="http://schemas.microsoft.com/office/drawing/2014/main" id="{986C0052-8702-4C43-8224-3E4167A76C33}"/>
               </a:ext>
             </a:extLst>
           </p:cNvPr>
@@ -44024,7 +44165,7 @@
           <p:cNvPr id="53" name="Agrupar 52">
             <a:extLst>
               <a:ext uri="{FF2B5EF4-FFF2-40B4-BE49-F238E27FC236}">
-                <a16:creationId xmlns:a16="http://schemas.microsoft.com/office/drawing/2014/main" xmlns="" id="{2E702A17-2898-4B28-B1ED-147F9E130312}"/>
+                <a16:creationId xmlns="" xmlns:a16="http://schemas.microsoft.com/office/drawing/2014/main" id="{2E702A17-2898-4B28-B1ED-147F9E130312}"/>
               </a:ext>
             </a:extLst>
           </p:cNvPr>
@@ -44044,7 +44185,7 @@
             <p:cNvPr id="54" name="Forma Livre: Forma 53">
               <a:extLst>
                 <a:ext uri="{FF2B5EF4-FFF2-40B4-BE49-F238E27FC236}">
-                  <a16:creationId xmlns:a16="http://schemas.microsoft.com/office/drawing/2014/main" xmlns="" id="{DF4A9B54-5019-4ACA-B33E-69669B534778}"/>
+                  <a16:creationId xmlns="" xmlns:a16="http://schemas.microsoft.com/office/drawing/2014/main" id="{DF4A9B54-5019-4ACA-B33E-69669B534778}"/>
                 </a:ext>
               </a:extLst>
             </p:cNvPr>
@@ -44179,7 +44320,7 @@
             <p:cNvPr id="55" name="Forma Livre: Forma 54">
               <a:extLst>
                 <a:ext uri="{FF2B5EF4-FFF2-40B4-BE49-F238E27FC236}">
-                  <a16:creationId xmlns:a16="http://schemas.microsoft.com/office/drawing/2014/main" xmlns="" id="{071319DE-C6D1-4DE8-863D-348CB105AB0C}"/>
+                  <a16:creationId xmlns="" xmlns:a16="http://schemas.microsoft.com/office/drawing/2014/main" id="{071319DE-C6D1-4DE8-863D-348CB105AB0C}"/>
                 </a:ext>
               </a:extLst>
             </p:cNvPr>
@@ -44314,7 +44455,7 @@
             <p:cNvPr id="56" name="Elipse 55">
               <a:extLst>
                 <a:ext uri="{FF2B5EF4-FFF2-40B4-BE49-F238E27FC236}">
-                  <a16:creationId xmlns:a16="http://schemas.microsoft.com/office/drawing/2014/main" xmlns="" id="{1F4808E3-8B5B-4311-9A39-AB7BEF1B4752}"/>
+                  <a16:creationId xmlns="" xmlns:a16="http://schemas.microsoft.com/office/drawing/2014/main" id="{1F4808E3-8B5B-4311-9A39-AB7BEF1B4752}"/>
                 </a:ext>
               </a:extLst>
             </p:cNvPr>
@@ -44366,7 +44507,7 @@
             <p:cNvPr id="57" name="Retângulo: Cantos Arredondados 56">
               <a:extLst>
                 <a:ext uri="{FF2B5EF4-FFF2-40B4-BE49-F238E27FC236}">
-                  <a16:creationId xmlns:a16="http://schemas.microsoft.com/office/drawing/2014/main" xmlns="" id="{7F6F7338-4708-409B-8FAC-7359C58EA920}"/>
+                  <a16:creationId xmlns="" xmlns:a16="http://schemas.microsoft.com/office/drawing/2014/main" id="{7F6F7338-4708-409B-8FAC-7359C58EA920}"/>
                 </a:ext>
               </a:extLst>
             </p:cNvPr>
@@ -44420,7 +44561,7 @@
             <p:cNvPr id="58" name="Retângulo: Cantos Arredondados 57">
               <a:extLst>
                 <a:ext uri="{FF2B5EF4-FFF2-40B4-BE49-F238E27FC236}">
-                  <a16:creationId xmlns:a16="http://schemas.microsoft.com/office/drawing/2014/main" xmlns="" id="{AD0455BC-28A4-47CC-8A15-F54E9336A8E3}"/>
+                  <a16:creationId xmlns="" xmlns:a16="http://schemas.microsoft.com/office/drawing/2014/main" id="{AD0455BC-28A4-47CC-8A15-F54E9336A8E3}"/>
                 </a:ext>
               </a:extLst>
             </p:cNvPr>
@@ -44474,7 +44615,7 @@
             <p:cNvPr id="59" name="Retângulo: Cantos Arredondados 58">
               <a:extLst>
                 <a:ext uri="{FF2B5EF4-FFF2-40B4-BE49-F238E27FC236}">
-                  <a16:creationId xmlns:a16="http://schemas.microsoft.com/office/drawing/2014/main" xmlns="" id="{A2319829-9A0E-494A-9D61-30617BF7AE25}"/>
+                  <a16:creationId xmlns="" xmlns:a16="http://schemas.microsoft.com/office/drawing/2014/main" id="{A2319829-9A0E-494A-9D61-30617BF7AE25}"/>
                 </a:ext>
               </a:extLst>
             </p:cNvPr>
@@ -44529,7 +44670,7 @@
           <p:cNvPr id="69" name="Agrupar 68">
             <a:extLst>
               <a:ext uri="{FF2B5EF4-FFF2-40B4-BE49-F238E27FC236}">
-                <a16:creationId xmlns:a16="http://schemas.microsoft.com/office/drawing/2014/main" xmlns="" id="{873DBAFC-B2D9-48BD-BEF1-67AFA466B468}"/>
+                <a16:creationId xmlns="" xmlns:a16="http://schemas.microsoft.com/office/drawing/2014/main" id="{873DBAFC-B2D9-48BD-BEF1-67AFA466B468}"/>
               </a:ext>
             </a:extLst>
           </p:cNvPr>
@@ -44549,7 +44690,7 @@
             <p:cNvPr id="63" name="Forma Livre: Forma 62">
               <a:extLst>
                 <a:ext uri="{FF2B5EF4-FFF2-40B4-BE49-F238E27FC236}">
-                  <a16:creationId xmlns:a16="http://schemas.microsoft.com/office/drawing/2014/main" xmlns="" id="{732A7F49-29BB-40AD-A01A-CDF9A019AB31}"/>
+                  <a16:creationId xmlns="" xmlns:a16="http://schemas.microsoft.com/office/drawing/2014/main" id="{732A7F49-29BB-40AD-A01A-CDF9A019AB31}"/>
                 </a:ext>
               </a:extLst>
             </p:cNvPr>
@@ -44667,7 +44808,7 @@
             <p:cNvPr id="64" name="Retângulo: Cantos Arredondados 63">
               <a:extLst>
                 <a:ext uri="{FF2B5EF4-FFF2-40B4-BE49-F238E27FC236}">
-                  <a16:creationId xmlns:a16="http://schemas.microsoft.com/office/drawing/2014/main" xmlns="" id="{9DD2BE84-75E1-429F-A051-048A4BD6D06E}"/>
+                  <a16:creationId xmlns="" xmlns:a16="http://schemas.microsoft.com/office/drawing/2014/main" id="{9DD2BE84-75E1-429F-A051-048A4BD6D06E}"/>
                 </a:ext>
               </a:extLst>
             </p:cNvPr>
@@ -44716,7 +44857,7 @@
             <p:cNvPr id="65" name="Retângulo 64">
               <a:extLst>
                 <a:ext uri="{FF2B5EF4-FFF2-40B4-BE49-F238E27FC236}">
-                  <a16:creationId xmlns:a16="http://schemas.microsoft.com/office/drawing/2014/main" xmlns="" id="{3441E99E-5063-4C2E-BBEB-1966487B9ABA}"/>
+                  <a16:creationId xmlns="" xmlns:a16="http://schemas.microsoft.com/office/drawing/2014/main" id="{3441E99E-5063-4C2E-BBEB-1966487B9ABA}"/>
                 </a:ext>
               </a:extLst>
             </p:cNvPr>
@@ -44765,7 +44906,7 @@
             <p:cNvPr id="66" name="Elipse 65">
               <a:extLst>
                 <a:ext uri="{FF2B5EF4-FFF2-40B4-BE49-F238E27FC236}">
-                  <a16:creationId xmlns:a16="http://schemas.microsoft.com/office/drawing/2014/main" xmlns="" id="{9B34FA7D-EA7D-4F42-8A24-6C5FA483256D}"/>
+                  <a16:creationId xmlns="" xmlns:a16="http://schemas.microsoft.com/office/drawing/2014/main" id="{9B34FA7D-EA7D-4F42-8A24-6C5FA483256D}"/>
                 </a:ext>
               </a:extLst>
             </p:cNvPr>
@@ -44814,7 +44955,7 @@
             <p:cNvPr id="67" name="Elipse 66">
               <a:extLst>
                 <a:ext uri="{FF2B5EF4-FFF2-40B4-BE49-F238E27FC236}">
-                  <a16:creationId xmlns:a16="http://schemas.microsoft.com/office/drawing/2014/main" xmlns="" id="{1F62C3E8-96E3-4CE1-8309-02350FB5C5D6}"/>
+                  <a16:creationId xmlns="" xmlns:a16="http://schemas.microsoft.com/office/drawing/2014/main" id="{1F62C3E8-96E3-4CE1-8309-02350FB5C5D6}"/>
                 </a:ext>
               </a:extLst>
             </p:cNvPr>
@@ -44863,7 +45004,7 @@
             <p:cNvPr id="68" name="Elipse 67">
               <a:extLst>
                 <a:ext uri="{FF2B5EF4-FFF2-40B4-BE49-F238E27FC236}">
-                  <a16:creationId xmlns:a16="http://schemas.microsoft.com/office/drawing/2014/main" xmlns="" id="{07D60A97-004E-4482-AAC9-5F9B1DB7ADA8}"/>
+                  <a16:creationId xmlns="" xmlns:a16="http://schemas.microsoft.com/office/drawing/2014/main" id="{07D60A97-004E-4482-AAC9-5F9B1DB7ADA8}"/>
                 </a:ext>
               </a:extLst>
             </p:cNvPr>
@@ -44916,7 +45057,7 @@
           <p:cNvPr id="70" name="Elipse 69">
             <a:extLst>
               <a:ext uri="{FF2B5EF4-FFF2-40B4-BE49-F238E27FC236}">
-                <a16:creationId xmlns:a16="http://schemas.microsoft.com/office/drawing/2014/main" xmlns="" id="{8B83A884-A997-4A70-AE78-0DDA075FFCA3}"/>
+                <a16:creationId xmlns="" xmlns:a16="http://schemas.microsoft.com/office/drawing/2014/main" id="{8B83A884-A997-4A70-AE78-0DDA075FFCA3}"/>
               </a:ext>
             </a:extLst>
           </p:cNvPr>
@@ -44968,7 +45109,7 @@
           <p:cNvPr id="71" name="Elipse 70">
             <a:extLst>
               <a:ext uri="{FF2B5EF4-FFF2-40B4-BE49-F238E27FC236}">
-                <a16:creationId xmlns:a16="http://schemas.microsoft.com/office/drawing/2014/main" xmlns="" id="{A46093A4-0A11-4623-9B66-3000FA9F715B}"/>
+                <a16:creationId xmlns="" xmlns:a16="http://schemas.microsoft.com/office/drawing/2014/main" id="{A46093A4-0A11-4623-9B66-3000FA9F715B}"/>
               </a:ext>
             </a:extLst>
           </p:cNvPr>
@@ -45020,7 +45161,7 @@
           <p:cNvPr id="74" name="Elipse 73">
             <a:extLst>
               <a:ext uri="{FF2B5EF4-FFF2-40B4-BE49-F238E27FC236}">
-                <a16:creationId xmlns:a16="http://schemas.microsoft.com/office/drawing/2014/main" xmlns="" id="{FF986633-9342-44AB-B322-DC0953F2D6E7}"/>
+                <a16:creationId xmlns="" xmlns:a16="http://schemas.microsoft.com/office/drawing/2014/main" id="{FF986633-9342-44AB-B322-DC0953F2D6E7}"/>
               </a:ext>
             </a:extLst>
           </p:cNvPr>
@@ -45072,7 +45213,7 @@
           <p:cNvPr id="75" name="Elipse 74">
             <a:extLst>
               <a:ext uri="{FF2B5EF4-FFF2-40B4-BE49-F238E27FC236}">
-                <a16:creationId xmlns:a16="http://schemas.microsoft.com/office/drawing/2014/main" xmlns="" id="{8E77F86A-60D2-4B9C-AD9C-E9E769855084}"/>
+                <a16:creationId xmlns="" xmlns:a16="http://schemas.microsoft.com/office/drawing/2014/main" id="{8E77F86A-60D2-4B9C-AD9C-E9E769855084}"/>
               </a:ext>
             </a:extLst>
           </p:cNvPr>
@@ -45124,7 +45265,7 @@
           <p:cNvPr id="76" name="CaixaDeTexto 75">
             <a:extLst>
               <a:ext uri="{FF2B5EF4-FFF2-40B4-BE49-F238E27FC236}">
-                <a16:creationId xmlns:a16="http://schemas.microsoft.com/office/drawing/2014/main" xmlns="" id="{14484AD2-1219-45D1-9D1C-8DD6619D8F49}"/>
+                <a16:creationId xmlns="" xmlns:a16="http://schemas.microsoft.com/office/drawing/2014/main" id="{14484AD2-1219-45D1-9D1C-8DD6619D8F49}"/>
               </a:ext>
             </a:extLst>
           </p:cNvPr>
@@ -45752,7 +45893,7 @@
   <a:extraClrSchemeLst/>
   <a:extLst>
     <a:ext uri="{05A4C25C-085E-4340-85A3-A5531E510DB2}">
-      <thm15:themeFamily xmlns:thm15="http://schemas.microsoft.com/office/thememl/2012/main" xmlns="" name="Office Theme" id="{62F939B6-93AF-4DB8-9C6B-D6C7DFDC589F}" vid="{4A3C46E8-61CC-4603-A589-7422A47A8E4A}"/>
+      <thm15:themeFamily xmlns="" xmlns:thm15="http://schemas.microsoft.com/office/thememl/2012/main" name="Office Theme" id="{62F939B6-93AF-4DB8-9C6B-D6C7DFDC589F}" vid="{4A3C46E8-61CC-4603-A589-7422A47A8E4A}"/>
     </a:ext>
   </a:extLst>
 </a:theme>

--- a/Stud+/Logos.pptx
+++ b/Stud+/Logos.pptx
@@ -127,7 +127,7 @@
   </p:defaultTextStyle>
   <p:extLst>
     <p:ext uri="{EFAFB233-063F-42B5-8137-9DF3F51BA10A}">
-      <p15:sldGuideLst xmlns:p15="http://schemas.microsoft.com/office/powerpoint/2012/main" xmlns="">
+      <p15:sldGuideLst xmlns:p15="http://schemas.microsoft.com/office/powerpoint/2012/main">
         <p15:guide id="1" orient="horz" pos="2160">
           <p15:clr>
             <a:srgbClr val="A4A3A4"/>
@@ -234,7 +234,7 @@
           <a:p>
             <a:fld id="{2E3565AC-2010-4826-AD28-955C7DE3B687}" type="datetimeFigureOut">
               <a:rPr lang="pt-BR" smtClean="0"/>
-              <a:t>03/09/2018</a:t>
+              <a:t>07/09/2018</a:t>
             </a:fld>
             <a:endParaRPr lang="pt-BR"/>
           </a:p>
@@ -764,7 +764,7 @@
           <a:p>
             <a:fld id="{EC480AC6-A53D-47BC-9837-AD279F9F4920}" type="datetimeFigureOut">
               <a:rPr lang="pt-BR" smtClean="0"/>
-              <a:t>03/09/2018</a:t>
+              <a:t>07/09/2018</a:t>
             </a:fld>
             <a:endParaRPr lang="pt-BR"/>
           </a:p>
@@ -932,7 +932,7 @@
           <a:p>
             <a:fld id="{EC480AC6-A53D-47BC-9837-AD279F9F4920}" type="datetimeFigureOut">
               <a:rPr lang="pt-BR" smtClean="0"/>
-              <a:t>03/09/2018</a:t>
+              <a:t>07/09/2018</a:t>
             </a:fld>
             <a:endParaRPr lang="pt-BR"/>
           </a:p>
@@ -1110,7 +1110,7 @@
           <a:p>
             <a:fld id="{EC480AC6-A53D-47BC-9837-AD279F9F4920}" type="datetimeFigureOut">
               <a:rPr lang="pt-BR" smtClean="0"/>
-              <a:t>03/09/2018</a:t>
+              <a:t>07/09/2018</a:t>
             </a:fld>
             <a:endParaRPr lang="pt-BR"/>
           </a:p>
@@ -1278,7 +1278,7 @@
           <a:p>
             <a:fld id="{EC480AC6-A53D-47BC-9837-AD279F9F4920}" type="datetimeFigureOut">
               <a:rPr lang="pt-BR" smtClean="0"/>
-              <a:t>03/09/2018</a:t>
+              <a:t>07/09/2018</a:t>
             </a:fld>
             <a:endParaRPr lang="pt-BR"/>
           </a:p>
@@ -1523,7 +1523,7 @@
           <a:p>
             <a:fld id="{EC480AC6-A53D-47BC-9837-AD279F9F4920}" type="datetimeFigureOut">
               <a:rPr lang="pt-BR" smtClean="0"/>
-              <a:t>03/09/2018</a:t>
+              <a:t>07/09/2018</a:t>
             </a:fld>
             <a:endParaRPr lang="pt-BR"/>
           </a:p>
@@ -1808,7 +1808,7 @@
           <a:p>
             <a:fld id="{EC480AC6-A53D-47BC-9837-AD279F9F4920}" type="datetimeFigureOut">
               <a:rPr lang="pt-BR" smtClean="0"/>
-              <a:t>03/09/2018</a:t>
+              <a:t>07/09/2018</a:t>
             </a:fld>
             <a:endParaRPr lang="pt-BR"/>
           </a:p>
@@ -2227,7 +2227,7 @@
           <a:p>
             <a:fld id="{EC480AC6-A53D-47BC-9837-AD279F9F4920}" type="datetimeFigureOut">
               <a:rPr lang="pt-BR" smtClean="0"/>
-              <a:t>03/09/2018</a:t>
+              <a:t>07/09/2018</a:t>
             </a:fld>
             <a:endParaRPr lang="pt-BR"/>
           </a:p>
@@ -2344,7 +2344,7 @@
           <a:p>
             <a:fld id="{EC480AC6-A53D-47BC-9837-AD279F9F4920}" type="datetimeFigureOut">
               <a:rPr lang="pt-BR" smtClean="0"/>
-              <a:t>03/09/2018</a:t>
+              <a:t>07/09/2018</a:t>
             </a:fld>
             <a:endParaRPr lang="pt-BR"/>
           </a:p>
@@ -2439,7 +2439,7 @@
           <a:p>
             <a:fld id="{EC480AC6-A53D-47BC-9837-AD279F9F4920}" type="datetimeFigureOut">
               <a:rPr lang="pt-BR" smtClean="0"/>
-              <a:t>03/09/2018</a:t>
+              <a:t>07/09/2018</a:t>
             </a:fld>
             <a:endParaRPr lang="pt-BR"/>
           </a:p>
@@ -2714,7 +2714,7 @@
           <a:p>
             <a:fld id="{EC480AC6-A53D-47BC-9837-AD279F9F4920}" type="datetimeFigureOut">
               <a:rPr lang="pt-BR" smtClean="0"/>
-              <a:t>03/09/2018</a:t>
+              <a:t>07/09/2018</a:t>
             </a:fld>
             <a:endParaRPr lang="pt-BR"/>
           </a:p>
@@ -2966,7 +2966,7 @@
           <a:p>
             <a:fld id="{EC480AC6-A53D-47BC-9837-AD279F9F4920}" type="datetimeFigureOut">
               <a:rPr lang="pt-BR" smtClean="0"/>
-              <a:t>03/09/2018</a:t>
+              <a:t>07/09/2018</a:t>
             </a:fld>
             <a:endParaRPr lang="pt-BR"/>
           </a:p>
@@ -3177,7 +3177,7 @@
           <a:p>
             <a:fld id="{EC480AC6-A53D-47BC-9837-AD279F9F4920}" type="datetimeFigureOut">
               <a:rPr lang="pt-BR" smtClean="0"/>
-              <a:t>03/09/2018</a:t>
+              <a:t>07/09/2018</a:t>
             </a:fld>
             <a:endParaRPr lang="pt-BR"/>
           </a:p>
@@ -4072,7 +4072,7 @@
           <p:cNvPr id="58" name="Agrupar 57">
             <a:extLst>
               <a:ext uri="{FF2B5EF4-FFF2-40B4-BE49-F238E27FC236}">
-                <a16:creationId xmlns:a16="http://schemas.microsoft.com/office/drawing/2014/main" xmlns="" id="{EF5C2300-377E-4EA3-B736-0CFBF14F0D01}"/>
+                <a16:creationId xmlns:a16="http://schemas.microsoft.com/office/drawing/2014/main" id="{EF5C2300-377E-4EA3-B736-0CFBF14F0D01}"/>
               </a:ext>
             </a:extLst>
           </p:cNvPr>
@@ -4092,7 +4092,7 @@
             <p:cNvPr id="33" name="Agrupar 32">
               <a:extLst>
                 <a:ext uri="{FF2B5EF4-FFF2-40B4-BE49-F238E27FC236}">
-                  <a16:creationId xmlns:a16="http://schemas.microsoft.com/office/drawing/2014/main" xmlns="" id="{055FA638-179B-48AA-BECA-CA1DBC3827C4}"/>
+                  <a16:creationId xmlns:a16="http://schemas.microsoft.com/office/drawing/2014/main" id="{055FA638-179B-48AA-BECA-CA1DBC3827C4}"/>
                 </a:ext>
               </a:extLst>
             </p:cNvPr>
@@ -4112,7 +4112,7 @@
               <p:cNvPr id="28" name="Forma Livre: Forma 27">
                 <a:extLst>
                   <a:ext uri="{FF2B5EF4-FFF2-40B4-BE49-F238E27FC236}">
-                    <a16:creationId xmlns:a16="http://schemas.microsoft.com/office/drawing/2014/main" xmlns="" id="{F8C6B85B-97DC-4FB1-B33E-20C0AC1AA34E}"/>
+                    <a16:creationId xmlns:a16="http://schemas.microsoft.com/office/drawing/2014/main" id="{F8C6B85B-97DC-4FB1-B33E-20C0AC1AA34E}"/>
                   </a:ext>
                 </a:extLst>
               </p:cNvPr>
@@ -4199,7 +4199,7 @@
               <p:cNvPr id="29" name="Forma Livre: Forma 28">
                 <a:extLst>
                   <a:ext uri="{FF2B5EF4-FFF2-40B4-BE49-F238E27FC236}">
-                    <a16:creationId xmlns:a16="http://schemas.microsoft.com/office/drawing/2014/main" xmlns="" id="{246A0953-5492-46EA-A77C-949538521C0D}"/>
+                    <a16:creationId xmlns:a16="http://schemas.microsoft.com/office/drawing/2014/main" id="{246A0953-5492-46EA-A77C-949538521C0D}"/>
                   </a:ext>
                 </a:extLst>
               </p:cNvPr>
@@ -4287,7 +4287,7 @@
             <p:cNvPr id="34" name="Retângulo: Cantos Arredondados 33">
               <a:extLst>
                 <a:ext uri="{FF2B5EF4-FFF2-40B4-BE49-F238E27FC236}">
-                  <a16:creationId xmlns:a16="http://schemas.microsoft.com/office/drawing/2014/main" xmlns="" id="{9A699E3B-7D68-45B1-9F4E-68FD563AADC6}"/>
+                  <a16:creationId xmlns:a16="http://schemas.microsoft.com/office/drawing/2014/main" id="{9A699E3B-7D68-45B1-9F4E-68FD563AADC6}"/>
                 </a:ext>
               </a:extLst>
             </p:cNvPr>
@@ -4344,7 +4344,7 @@
             <p:cNvPr id="4" name="Retângulo 3">
               <a:extLst>
                 <a:ext uri="{FF2B5EF4-FFF2-40B4-BE49-F238E27FC236}">
-                  <a16:creationId xmlns:a16="http://schemas.microsoft.com/office/drawing/2014/main" xmlns="" id="{04F8D5DB-D80A-485B-9578-582803149067}"/>
+                  <a16:creationId xmlns:a16="http://schemas.microsoft.com/office/drawing/2014/main" id="{04F8D5DB-D80A-485B-9578-582803149067}"/>
                 </a:ext>
               </a:extLst>
             </p:cNvPr>
@@ -4396,7 +4396,7 @@
             <p:cNvPr id="6" name="Retângulo 5">
               <a:extLst>
                 <a:ext uri="{FF2B5EF4-FFF2-40B4-BE49-F238E27FC236}">
-                  <a16:creationId xmlns:a16="http://schemas.microsoft.com/office/drawing/2014/main" xmlns="" id="{71729211-E446-4225-852B-B0E222B7A86E}"/>
+                  <a16:creationId xmlns:a16="http://schemas.microsoft.com/office/drawing/2014/main" id="{71729211-E446-4225-852B-B0E222B7A86E}"/>
                 </a:ext>
               </a:extLst>
             </p:cNvPr>
@@ -4448,7 +4448,7 @@
             <p:cNvPr id="35" name="Retângulo 34">
               <a:extLst>
                 <a:ext uri="{FF2B5EF4-FFF2-40B4-BE49-F238E27FC236}">
-                  <a16:creationId xmlns:a16="http://schemas.microsoft.com/office/drawing/2014/main" xmlns="" id="{3B1D1B7D-6C7B-4C4E-98B9-CFC91C8D537A}"/>
+                  <a16:creationId xmlns:a16="http://schemas.microsoft.com/office/drawing/2014/main" id="{3B1D1B7D-6C7B-4C4E-98B9-CFC91C8D537A}"/>
                 </a:ext>
               </a:extLst>
             </p:cNvPr>
@@ -4503,7 +4503,7 @@
             <p:cNvPr id="36" name="Agrupar 35">
               <a:extLst>
                 <a:ext uri="{FF2B5EF4-FFF2-40B4-BE49-F238E27FC236}">
-                  <a16:creationId xmlns:a16="http://schemas.microsoft.com/office/drawing/2014/main" xmlns="" id="{04F0E4CD-25AE-4F1E-9A0A-7DC61BA5E77C}"/>
+                  <a16:creationId xmlns:a16="http://schemas.microsoft.com/office/drawing/2014/main" id="{04F0E4CD-25AE-4F1E-9A0A-7DC61BA5E77C}"/>
                 </a:ext>
               </a:extLst>
             </p:cNvPr>
@@ -4523,7 +4523,7 @@
               <p:cNvPr id="37" name="Forma Livre: Forma 36">
                 <a:extLst>
                   <a:ext uri="{FF2B5EF4-FFF2-40B4-BE49-F238E27FC236}">
-                    <a16:creationId xmlns:a16="http://schemas.microsoft.com/office/drawing/2014/main" xmlns="" id="{6CC8CC04-0991-4B40-B637-B98038AE1D45}"/>
+                    <a16:creationId xmlns:a16="http://schemas.microsoft.com/office/drawing/2014/main" id="{6CC8CC04-0991-4B40-B637-B98038AE1D45}"/>
                   </a:ext>
                 </a:extLst>
               </p:cNvPr>
@@ -4610,7 +4610,7 @@
               <p:cNvPr id="38" name="Forma Livre: Forma 37">
                 <a:extLst>
                   <a:ext uri="{FF2B5EF4-FFF2-40B4-BE49-F238E27FC236}">
-                    <a16:creationId xmlns:a16="http://schemas.microsoft.com/office/drawing/2014/main" xmlns="" id="{230724C1-E6F6-441E-B9CC-A6D838F0CC42}"/>
+                    <a16:creationId xmlns:a16="http://schemas.microsoft.com/office/drawing/2014/main" id="{230724C1-E6F6-441E-B9CC-A6D838F0CC42}"/>
                   </a:ext>
                 </a:extLst>
               </p:cNvPr>
@@ -4701,7 +4701,7 @@
             <p:cNvPr id="39" name="Retângulo: Cantos Arredondados 38">
               <a:extLst>
                 <a:ext uri="{FF2B5EF4-FFF2-40B4-BE49-F238E27FC236}">
-                  <a16:creationId xmlns:a16="http://schemas.microsoft.com/office/drawing/2014/main" xmlns="" id="{810BCCEF-15F3-48B3-A91B-ECAB86526282}"/>
+                  <a16:creationId xmlns:a16="http://schemas.microsoft.com/office/drawing/2014/main" id="{810BCCEF-15F3-48B3-A91B-ECAB86526282}"/>
                 </a:ext>
               </a:extLst>
             </p:cNvPr>
@@ -4755,7 +4755,7 @@
             <p:cNvPr id="40" name="Retângulo: Cantos Arredondados 39">
               <a:extLst>
                 <a:ext uri="{FF2B5EF4-FFF2-40B4-BE49-F238E27FC236}">
-                  <a16:creationId xmlns:a16="http://schemas.microsoft.com/office/drawing/2014/main" xmlns="" id="{F2722DE1-CCFE-41D0-BF21-0874AE3F29D2}"/>
+                  <a16:creationId xmlns:a16="http://schemas.microsoft.com/office/drawing/2014/main" id="{F2722DE1-CCFE-41D0-BF21-0874AE3F29D2}"/>
                 </a:ext>
               </a:extLst>
             </p:cNvPr>
@@ -4809,7 +4809,7 @@
             <p:cNvPr id="41" name="Forma Livre: Forma 40">
               <a:extLst>
                 <a:ext uri="{FF2B5EF4-FFF2-40B4-BE49-F238E27FC236}">
-                  <a16:creationId xmlns:a16="http://schemas.microsoft.com/office/drawing/2014/main" xmlns="" id="{95C12171-A9CB-4D44-AF8C-DBE32953351C}"/>
+                  <a16:creationId xmlns:a16="http://schemas.microsoft.com/office/drawing/2014/main" id="{95C12171-A9CB-4D44-AF8C-DBE32953351C}"/>
                 </a:ext>
               </a:extLst>
             </p:cNvPr>
@@ -4984,7 +4984,7 @@
             <p:cNvPr id="42" name="Retângulo: Cantos Arredondados 41">
               <a:extLst>
                 <a:ext uri="{FF2B5EF4-FFF2-40B4-BE49-F238E27FC236}">
-                  <a16:creationId xmlns:a16="http://schemas.microsoft.com/office/drawing/2014/main" xmlns="" id="{D1D9A1C5-1BFF-4195-9EF1-C8B36C0CE2F4}"/>
+                  <a16:creationId xmlns:a16="http://schemas.microsoft.com/office/drawing/2014/main" id="{D1D9A1C5-1BFF-4195-9EF1-C8B36C0CE2F4}"/>
                 </a:ext>
               </a:extLst>
             </p:cNvPr>
@@ -5038,7 +5038,7 @@
             <p:cNvPr id="44" name="Retângulo: Cantos Arredondados 43">
               <a:extLst>
                 <a:ext uri="{FF2B5EF4-FFF2-40B4-BE49-F238E27FC236}">
-                  <a16:creationId xmlns:a16="http://schemas.microsoft.com/office/drawing/2014/main" xmlns="" id="{D0643FB6-D571-47A0-A2EA-BC5BEB490710}"/>
+                  <a16:creationId xmlns:a16="http://schemas.microsoft.com/office/drawing/2014/main" id="{D0643FB6-D571-47A0-A2EA-BC5BEB490710}"/>
                 </a:ext>
               </a:extLst>
             </p:cNvPr>
@@ -5092,7 +5092,7 @@
             <p:cNvPr id="45" name="Retângulo: Cantos Arredondados 44">
               <a:extLst>
                 <a:ext uri="{FF2B5EF4-FFF2-40B4-BE49-F238E27FC236}">
-                  <a16:creationId xmlns:a16="http://schemas.microsoft.com/office/drawing/2014/main" xmlns="" id="{65D61FB3-28C5-4A84-AB28-22F2A79EEEDD}"/>
+                  <a16:creationId xmlns:a16="http://schemas.microsoft.com/office/drawing/2014/main" id="{65D61FB3-28C5-4A84-AB28-22F2A79EEEDD}"/>
                 </a:ext>
               </a:extLst>
             </p:cNvPr>
@@ -5146,7 +5146,7 @@
             <p:cNvPr id="46" name="Retângulo: Cantos Arredondados 45">
               <a:extLst>
                 <a:ext uri="{FF2B5EF4-FFF2-40B4-BE49-F238E27FC236}">
-                  <a16:creationId xmlns:a16="http://schemas.microsoft.com/office/drawing/2014/main" xmlns="" id="{62F689F4-88B5-4E77-98EE-527F71979C59}"/>
+                  <a16:creationId xmlns:a16="http://schemas.microsoft.com/office/drawing/2014/main" id="{62F689F4-88B5-4E77-98EE-527F71979C59}"/>
                 </a:ext>
               </a:extLst>
             </p:cNvPr>
@@ -5200,7 +5200,7 @@
             <p:cNvPr id="47" name="Retângulo: Cantos Arredondados 46">
               <a:extLst>
                 <a:ext uri="{FF2B5EF4-FFF2-40B4-BE49-F238E27FC236}">
-                  <a16:creationId xmlns:a16="http://schemas.microsoft.com/office/drawing/2014/main" xmlns="" id="{FCF8E6CE-6D4F-47C0-857F-FC45C0423962}"/>
+                  <a16:creationId xmlns:a16="http://schemas.microsoft.com/office/drawing/2014/main" id="{FCF8E6CE-6D4F-47C0-857F-FC45C0423962}"/>
                 </a:ext>
               </a:extLst>
             </p:cNvPr>
@@ -5254,7 +5254,7 @@
             <p:cNvPr id="48" name="Retângulo: Cantos Arredondados 47">
               <a:extLst>
                 <a:ext uri="{FF2B5EF4-FFF2-40B4-BE49-F238E27FC236}">
-                  <a16:creationId xmlns:a16="http://schemas.microsoft.com/office/drawing/2014/main" xmlns="" id="{68CBAFAE-3B8A-4259-AD90-05333422EE2B}"/>
+                  <a16:creationId xmlns:a16="http://schemas.microsoft.com/office/drawing/2014/main" id="{68CBAFAE-3B8A-4259-AD90-05333422EE2B}"/>
                 </a:ext>
               </a:extLst>
             </p:cNvPr>
@@ -5308,7 +5308,7 @@
             <p:cNvPr id="49" name="Retângulo: Cantos Arredondados 48">
               <a:extLst>
                 <a:ext uri="{FF2B5EF4-FFF2-40B4-BE49-F238E27FC236}">
-                  <a16:creationId xmlns:a16="http://schemas.microsoft.com/office/drawing/2014/main" xmlns="" id="{F5B76A52-90BA-444C-94AC-0CD591273B3D}"/>
+                  <a16:creationId xmlns:a16="http://schemas.microsoft.com/office/drawing/2014/main" id="{F5B76A52-90BA-444C-94AC-0CD591273B3D}"/>
                 </a:ext>
               </a:extLst>
             </p:cNvPr>
@@ -5362,7 +5362,7 @@
             <p:cNvPr id="50" name="Retângulo: Cantos Arredondados 49">
               <a:extLst>
                 <a:ext uri="{FF2B5EF4-FFF2-40B4-BE49-F238E27FC236}">
-                  <a16:creationId xmlns:a16="http://schemas.microsoft.com/office/drawing/2014/main" xmlns="" id="{CEA66F06-5BA5-4F1F-9E01-509682F0EA0C}"/>
+                  <a16:creationId xmlns:a16="http://schemas.microsoft.com/office/drawing/2014/main" id="{CEA66F06-5BA5-4F1F-9E01-509682F0EA0C}"/>
                 </a:ext>
               </a:extLst>
             </p:cNvPr>
@@ -5416,7 +5416,7 @@
             <p:cNvPr id="51" name="Agrupar 50">
               <a:extLst>
                 <a:ext uri="{FF2B5EF4-FFF2-40B4-BE49-F238E27FC236}">
-                  <a16:creationId xmlns:a16="http://schemas.microsoft.com/office/drawing/2014/main" xmlns="" id="{2631F3B1-9650-4C8F-B59A-CFA56D81DA09}"/>
+                  <a16:creationId xmlns:a16="http://schemas.microsoft.com/office/drawing/2014/main" id="{2631F3B1-9650-4C8F-B59A-CFA56D81DA09}"/>
                 </a:ext>
               </a:extLst>
             </p:cNvPr>
@@ -5436,7 +5436,7 @@
               <p:cNvPr id="52" name="Forma Livre: Forma 51">
                 <a:extLst>
                   <a:ext uri="{FF2B5EF4-FFF2-40B4-BE49-F238E27FC236}">
-                    <a16:creationId xmlns:a16="http://schemas.microsoft.com/office/drawing/2014/main" xmlns="" id="{7DB61C0C-7A16-4D04-BC83-BA46F61796FF}"/>
+                    <a16:creationId xmlns:a16="http://schemas.microsoft.com/office/drawing/2014/main" id="{7DB61C0C-7A16-4D04-BC83-BA46F61796FF}"/>
                   </a:ext>
                 </a:extLst>
               </p:cNvPr>
@@ -5583,7 +5583,7 @@
               <p:cNvPr id="53" name="Forma Livre: Forma 52">
                 <a:extLst>
                   <a:ext uri="{FF2B5EF4-FFF2-40B4-BE49-F238E27FC236}">
-                    <a16:creationId xmlns:a16="http://schemas.microsoft.com/office/drawing/2014/main" xmlns="" id="{46415AEE-65F8-4C20-BC23-0C5C5F6CDB7B}"/>
+                    <a16:creationId xmlns:a16="http://schemas.microsoft.com/office/drawing/2014/main" id="{46415AEE-65F8-4C20-BC23-0C5C5F6CDB7B}"/>
                   </a:ext>
                 </a:extLst>
               </p:cNvPr>
@@ -5730,7 +5730,7 @@
               <p:cNvPr id="54" name="Elipse 53">
                 <a:extLst>
                   <a:ext uri="{FF2B5EF4-FFF2-40B4-BE49-F238E27FC236}">
-                    <a16:creationId xmlns:a16="http://schemas.microsoft.com/office/drawing/2014/main" xmlns="" id="{D7A01D8D-4B2F-4942-B8B6-2D5EEFA04D02}"/>
+                    <a16:creationId xmlns:a16="http://schemas.microsoft.com/office/drawing/2014/main" id="{D7A01D8D-4B2F-4942-B8B6-2D5EEFA04D02}"/>
                   </a:ext>
                 </a:extLst>
               </p:cNvPr>
@@ -5794,7 +5794,7 @@
               <p:cNvPr id="55" name="Retângulo: Cantos Arredondados 54">
                 <a:extLst>
                   <a:ext uri="{FF2B5EF4-FFF2-40B4-BE49-F238E27FC236}">
-                    <a16:creationId xmlns:a16="http://schemas.microsoft.com/office/drawing/2014/main" xmlns="" id="{44B76BB3-D57F-48BA-AE2D-66080053A3B4}"/>
+                    <a16:creationId xmlns:a16="http://schemas.microsoft.com/office/drawing/2014/main" id="{44B76BB3-D57F-48BA-AE2D-66080053A3B4}"/>
                   </a:ext>
                 </a:extLst>
               </p:cNvPr>
@@ -5848,7 +5848,7 @@
               <p:cNvPr id="56" name="Retângulo: Cantos Arredondados 55">
                 <a:extLst>
                   <a:ext uri="{FF2B5EF4-FFF2-40B4-BE49-F238E27FC236}">
-                    <a16:creationId xmlns:a16="http://schemas.microsoft.com/office/drawing/2014/main" xmlns="" id="{2389AF47-F4AE-4DF7-92F3-FB6AF0749687}"/>
+                    <a16:creationId xmlns:a16="http://schemas.microsoft.com/office/drawing/2014/main" id="{2389AF47-F4AE-4DF7-92F3-FB6AF0749687}"/>
                   </a:ext>
                 </a:extLst>
               </p:cNvPr>
@@ -5902,7 +5902,7 @@
               <p:cNvPr id="57" name="Retângulo: Cantos Arredondados 56">
                 <a:extLst>
                   <a:ext uri="{FF2B5EF4-FFF2-40B4-BE49-F238E27FC236}">
-                    <a16:creationId xmlns:a16="http://schemas.microsoft.com/office/drawing/2014/main" xmlns="" id="{DA8709D4-D278-4EBE-8FA0-6F0BF43579C4}"/>
+                    <a16:creationId xmlns:a16="http://schemas.microsoft.com/office/drawing/2014/main" id="{DA8709D4-D278-4EBE-8FA0-6F0BF43579C4}"/>
                   </a:ext>
                 </a:extLst>
               </p:cNvPr>
@@ -5958,7 +5958,7 @@
           <p:cNvPr id="59" name="CaixaDeTexto 58">
             <a:extLst>
               <a:ext uri="{FF2B5EF4-FFF2-40B4-BE49-F238E27FC236}">
-                <a16:creationId xmlns:a16="http://schemas.microsoft.com/office/drawing/2014/main" xmlns="" id="{14FCE94E-98F9-41CE-94CD-2C218D5F084B}"/>
+                <a16:creationId xmlns:a16="http://schemas.microsoft.com/office/drawing/2014/main" id="{14FCE94E-98F9-41CE-94CD-2C218D5F084B}"/>
               </a:ext>
             </a:extLst>
           </p:cNvPr>
@@ -6115,7 +6115,7 @@
           <p:cNvPr id="4" name="Agrupar 3">
             <a:extLst>
               <a:ext uri="{FF2B5EF4-FFF2-40B4-BE49-F238E27FC236}">
-                <a16:creationId xmlns:a16="http://schemas.microsoft.com/office/drawing/2014/main" xmlns="" id="{D7C0B00C-161C-4ABE-A47A-D533F1A6BB89}"/>
+                <a16:creationId xmlns:a16="http://schemas.microsoft.com/office/drawing/2014/main" id="{D7C0B00C-161C-4ABE-A47A-D533F1A6BB89}"/>
               </a:ext>
             </a:extLst>
           </p:cNvPr>
@@ -6138,7 +6138,7 @@
             <p:cNvPr id="5" name="Gráfico 4" descr="Usuário">
               <a:extLst>
                 <a:ext uri="{FF2B5EF4-FFF2-40B4-BE49-F238E27FC236}">
-                  <a16:creationId xmlns:a16="http://schemas.microsoft.com/office/drawing/2014/main" xmlns="" id="{A0CA1125-C2CF-49A8-9AE9-7CBD1BF491B9}"/>
+                  <a16:creationId xmlns:a16="http://schemas.microsoft.com/office/drawing/2014/main" id="{A0CA1125-C2CF-49A8-9AE9-7CBD1BF491B9}"/>
                 </a:ext>
               </a:extLst>
             </p:cNvPr>
@@ -6154,7 +6154,7 @@
                   <a14:useLocalDpi xmlns:a14="http://schemas.microsoft.com/office/drawing/2010/main" val="0"/>
                 </a:ext>
                 <a:ext uri="{96DAC541-7B7A-43D3-8B79-37D633B846F1}">
-                  <asvg:svgBlip xmlns:asvg="http://schemas.microsoft.com/office/drawing/2016/SVG/main" xmlns="" r:embed="rId3"/>
+                  <asvg:svgBlip xmlns:asvg="http://schemas.microsoft.com/office/drawing/2016/SVG/main" r:embed="rId3"/>
                 </a:ext>
               </a:extLst>
             </a:blip>
@@ -6177,7 +6177,7 @@
             <p:cNvPr id="6" name="Retângulo 5">
               <a:extLst>
                 <a:ext uri="{FF2B5EF4-FFF2-40B4-BE49-F238E27FC236}">
-                  <a16:creationId xmlns:a16="http://schemas.microsoft.com/office/drawing/2014/main" xmlns="" id="{3DD69A3F-0C3D-4962-A956-2D9ED1AA114B}"/>
+                  <a16:creationId xmlns:a16="http://schemas.microsoft.com/office/drawing/2014/main" id="{3DD69A3F-0C3D-4962-A956-2D9ED1AA114B}"/>
                 </a:ext>
               </a:extLst>
             </p:cNvPr>
@@ -6231,7 +6231,7 @@
             <p:cNvPr id="7" name="Retângulo: Cantos Arredondados 6">
               <a:extLst>
                 <a:ext uri="{FF2B5EF4-FFF2-40B4-BE49-F238E27FC236}">
-                  <a16:creationId xmlns:a16="http://schemas.microsoft.com/office/drawing/2014/main" xmlns="" id="{52EE2D45-D0FA-4F34-95F6-04D56E423317}"/>
+                  <a16:creationId xmlns:a16="http://schemas.microsoft.com/office/drawing/2014/main" id="{52EE2D45-D0FA-4F34-95F6-04D56E423317}"/>
                 </a:ext>
               </a:extLst>
             </p:cNvPr>
@@ -6283,7 +6283,7 @@
             <p:cNvPr id="8" name="Retângulo: Cantos Arredondados 7">
               <a:extLst>
                 <a:ext uri="{FF2B5EF4-FFF2-40B4-BE49-F238E27FC236}">
-                  <a16:creationId xmlns:a16="http://schemas.microsoft.com/office/drawing/2014/main" xmlns="" id="{8EC0EE8C-2C28-44B0-B9FE-03E147A8199A}"/>
+                  <a16:creationId xmlns:a16="http://schemas.microsoft.com/office/drawing/2014/main" id="{8EC0EE8C-2C28-44B0-B9FE-03E147A8199A}"/>
                 </a:ext>
               </a:extLst>
             </p:cNvPr>
@@ -6335,7 +6335,7 @@
             <p:cNvPr id="9" name="Agrupar 8">
               <a:extLst>
                 <a:ext uri="{FF2B5EF4-FFF2-40B4-BE49-F238E27FC236}">
-                  <a16:creationId xmlns:a16="http://schemas.microsoft.com/office/drawing/2014/main" xmlns="" id="{267C4318-4AB2-4746-9648-43FAC46CA6D1}"/>
+                  <a16:creationId xmlns:a16="http://schemas.microsoft.com/office/drawing/2014/main" id="{267C4318-4AB2-4746-9648-43FAC46CA6D1}"/>
                 </a:ext>
               </a:extLst>
             </p:cNvPr>
@@ -6356,7 +6356,7 @@
               <p:cNvPr id="10" name="Elipse 9">
                 <a:extLst>
                   <a:ext uri="{FF2B5EF4-FFF2-40B4-BE49-F238E27FC236}">
-                    <a16:creationId xmlns:a16="http://schemas.microsoft.com/office/drawing/2014/main" xmlns="" id="{8AA4CB02-361D-40B7-B5E9-E7F2EFF87374}"/>
+                    <a16:creationId xmlns:a16="http://schemas.microsoft.com/office/drawing/2014/main" id="{8AA4CB02-361D-40B7-B5E9-E7F2EFF87374}"/>
                   </a:ext>
                 </a:extLst>
               </p:cNvPr>
@@ -6406,7 +6406,7 @@
               <p:cNvPr id="11" name="Retângulo: Cantos Arredondados 10">
                 <a:extLst>
                   <a:ext uri="{FF2B5EF4-FFF2-40B4-BE49-F238E27FC236}">
-                    <a16:creationId xmlns:a16="http://schemas.microsoft.com/office/drawing/2014/main" xmlns="" id="{F73250F2-2986-478D-84CC-876DADF39F25}"/>
+                    <a16:creationId xmlns:a16="http://schemas.microsoft.com/office/drawing/2014/main" id="{F73250F2-2986-478D-84CC-876DADF39F25}"/>
                   </a:ext>
                 </a:extLst>
               </p:cNvPr>
@@ -6456,7 +6456,7 @@
               <p:cNvPr id="12" name="Retângulo: Cantos Arredondados 11">
                 <a:extLst>
                   <a:ext uri="{FF2B5EF4-FFF2-40B4-BE49-F238E27FC236}">
-                    <a16:creationId xmlns:a16="http://schemas.microsoft.com/office/drawing/2014/main" xmlns="" id="{61FF627D-32B0-443C-AF22-BB6C5CF00724}"/>
+                    <a16:creationId xmlns:a16="http://schemas.microsoft.com/office/drawing/2014/main" id="{61FF627D-32B0-443C-AF22-BB6C5CF00724}"/>
                   </a:ext>
                 </a:extLst>
               </p:cNvPr>
@@ -6506,7 +6506,7 @@
               <p:cNvPr id="13" name="Retângulo: Cantos Arredondados 12">
                 <a:extLst>
                   <a:ext uri="{FF2B5EF4-FFF2-40B4-BE49-F238E27FC236}">
-                    <a16:creationId xmlns:a16="http://schemas.microsoft.com/office/drawing/2014/main" xmlns="" id="{FCBC6A68-B0BD-4771-B12B-2666385ADC6F}"/>
+                    <a16:creationId xmlns:a16="http://schemas.microsoft.com/office/drawing/2014/main" id="{FCBC6A68-B0BD-4771-B12B-2666385ADC6F}"/>
                   </a:ext>
                 </a:extLst>
               </p:cNvPr>
@@ -6556,7 +6556,7 @@
               <p:cNvPr id="14" name="Retângulo: Cantos Arredondados 13">
                 <a:extLst>
                   <a:ext uri="{FF2B5EF4-FFF2-40B4-BE49-F238E27FC236}">
-                    <a16:creationId xmlns:a16="http://schemas.microsoft.com/office/drawing/2014/main" xmlns="" id="{69F32E65-17C4-4CC9-9EA0-529687A215BF}"/>
+                    <a16:creationId xmlns:a16="http://schemas.microsoft.com/office/drawing/2014/main" id="{69F32E65-17C4-4CC9-9EA0-529687A215BF}"/>
                   </a:ext>
                 </a:extLst>
               </p:cNvPr>
@@ -6606,7 +6606,7 @@
               <p:cNvPr id="15" name="Retângulo: Cantos Arredondados 14">
                 <a:extLst>
                   <a:ext uri="{FF2B5EF4-FFF2-40B4-BE49-F238E27FC236}">
-                    <a16:creationId xmlns:a16="http://schemas.microsoft.com/office/drawing/2014/main" xmlns="" id="{8F75668C-DE3B-4832-B093-87AE3521FC40}"/>
+                    <a16:creationId xmlns:a16="http://schemas.microsoft.com/office/drawing/2014/main" id="{8F75668C-DE3B-4832-B093-87AE3521FC40}"/>
                   </a:ext>
                 </a:extLst>
               </p:cNvPr>
@@ -6656,7 +6656,7 @@
               <p:cNvPr id="16" name="Retângulo: Cantos Arredondados 15">
                 <a:extLst>
                   <a:ext uri="{FF2B5EF4-FFF2-40B4-BE49-F238E27FC236}">
-                    <a16:creationId xmlns:a16="http://schemas.microsoft.com/office/drawing/2014/main" xmlns="" id="{F77488DA-7D8B-4E45-86BE-2E5DF4BD4A3A}"/>
+                    <a16:creationId xmlns:a16="http://schemas.microsoft.com/office/drawing/2014/main" id="{F77488DA-7D8B-4E45-86BE-2E5DF4BD4A3A}"/>
                   </a:ext>
                 </a:extLst>
               </p:cNvPr>
@@ -6706,7 +6706,7 @@
               <p:cNvPr id="17" name="Retângulo: Cantos Arredondados 16">
                 <a:extLst>
                   <a:ext uri="{FF2B5EF4-FFF2-40B4-BE49-F238E27FC236}">
-                    <a16:creationId xmlns:a16="http://schemas.microsoft.com/office/drawing/2014/main" xmlns="" id="{95855D4E-9787-4579-8A96-E2BB0CF567FE}"/>
+                    <a16:creationId xmlns:a16="http://schemas.microsoft.com/office/drawing/2014/main" id="{95855D4E-9787-4579-8A96-E2BB0CF567FE}"/>
                   </a:ext>
                 </a:extLst>
               </p:cNvPr>
@@ -6756,7 +6756,7 @@
               <p:cNvPr id="18" name="Retângulo: Cantos Arredondados 17">
                 <a:extLst>
                   <a:ext uri="{FF2B5EF4-FFF2-40B4-BE49-F238E27FC236}">
-                    <a16:creationId xmlns:a16="http://schemas.microsoft.com/office/drawing/2014/main" xmlns="" id="{CD991848-2A23-4A4E-8201-C4E62AE9A8FE}"/>
+                    <a16:creationId xmlns:a16="http://schemas.microsoft.com/office/drawing/2014/main" id="{CD991848-2A23-4A4E-8201-C4E62AE9A8FE}"/>
                   </a:ext>
                 </a:extLst>
               </p:cNvPr>
@@ -6806,7 +6806,7 @@
               <p:cNvPr id="19" name="Retângulo: Cantos Arredondados 18">
                 <a:extLst>
                   <a:ext uri="{FF2B5EF4-FFF2-40B4-BE49-F238E27FC236}">
-                    <a16:creationId xmlns:a16="http://schemas.microsoft.com/office/drawing/2014/main" xmlns="" id="{9E1F9F69-A0C7-4ADC-B34E-1749DC2BCD19}"/>
+                    <a16:creationId xmlns:a16="http://schemas.microsoft.com/office/drawing/2014/main" id="{9E1F9F69-A0C7-4ADC-B34E-1749DC2BCD19}"/>
                   </a:ext>
                 </a:extLst>
               </p:cNvPr>
@@ -6856,7 +6856,7 @@
               <p:cNvPr id="20" name="Retângulo: Cantos Arredondados 19">
                 <a:extLst>
                   <a:ext uri="{FF2B5EF4-FFF2-40B4-BE49-F238E27FC236}">
-                    <a16:creationId xmlns:a16="http://schemas.microsoft.com/office/drawing/2014/main" xmlns="" id="{F574F9BC-50DE-407D-ABC7-2E93221DE4D5}"/>
+                    <a16:creationId xmlns:a16="http://schemas.microsoft.com/office/drawing/2014/main" id="{F574F9BC-50DE-407D-ABC7-2E93221DE4D5}"/>
                   </a:ext>
                 </a:extLst>
               </p:cNvPr>
@@ -6906,7 +6906,7 @@
               <p:cNvPr id="21" name="Retângulo: Cantos Arredondados 20">
                 <a:extLst>
                   <a:ext uri="{FF2B5EF4-FFF2-40B4-BE49-F238E27FC236}">
-                    <a16:creationId xmlns:a16="http://schemas.microsoft.com/office/drawing/2014/main" xmlns="" id="{5DDFC425-13C4-4724-A776-34A164676126}"/>
+                    <a16:creationId xmlns:a16="http://schemas.microsoft.com/office/drawing/2014/main" id="{5DDFC425-13C4-4724-A776-34A164676126}"/>
                   </a:ext>
                 </a:extLst>
               </p:cNvPr>
@@ -6956,7 +6956,7 @@
               <p:cNvPr id="22" name="Retângulo: Cantos Arredondados 21">
                 <a:extLst>
                   <a:ext uri="{FF2B5EF4-FFF2-40B4-BE49-F238E27FC236}">
-                    <a16:creationId xmlns:a16="http://schemas.microsoft.com/office/drawing/2014/main" xmlns="" id="{2E72F04F-DBDE-4F18-9DE9-55494E6B413E}"/>
+                    <a16:creationId xmlns:a16="http://schemas.microsoft.com/office/drawing/2014/main" id="{2E72F04F-DBDE-4F18-9DE9-55494E6B413E}"/>
                   </a:ext>
                 </a:extLst>
               </p:cNvPr>
@@ -7006,7 +7006,7 @@
               <p:cNvPr id="23" name="Retângulo: Cantos Arredondados 22">
                 <a:extLst>
                   <a:ext uri="{FF2B5EF4-FFF2-40B4-BE49-F238E27FC236}">
-                    <a16:creationId xmlns:a16="http://schemas.microsoft.com/office/drawing/2014/main" xmlns="" id="{BB8378C6-CD2D-408A-8997-692BF7688E0D}"/>
+                    <a16:creationId xmlns:a16="http://schemas.microsoft.com/office/drawing/2014/main" id="{BB8378C6-CD2D-408A-8997-692BF7688E0D}"/>
                   </a:ext>
                 </a:extLst>
               </p:cNvPr>
@@ -7088,7 +7088,7 @@
           <p:cNvPr id="24" name="Agrupar 23">
             <a:extLst>
               <a:ext uri="{FF2B5EF4-FFF2-40B4-BE49-F238E27FC236}">
-                <a16:creationId xmlns:a16="http://schemas.microsoft.com/office/drawing/2014/main" xmlns="" id="{10E1CD7B-B583-40B2-9A64-25ACE8761C38}"/>
+                <a16:creationId xmlns:a16="http://schemas.microsoft.com/office/drawing/2014/main" id="{10E1CD7B-B583-40B2-9A64-25ACE8761C38}"/>
               </a:ext>
             </a:extLst>
           </p:cNvPr>
@@ -7108,7 +7108,7 @@
             <p:cNvPr id="20" name="Agrupar 19">
               <a:extLst>
                 <a:ext uri="{FF2B5EF4-FFF2-40B4-BE49-F238E27FC236}">
-                  <a16:creationId xmlns:a16="http://schemas.microsoft.com/office/drawing/2014/main" xmlns="" id="{CB274D3A-8028-4876-85C9-7F16F37BFC27}"/>
+                  <a16:creationId xmlns:a16="http://schemas.microsoft.com/office/drawing/2014/main" id="{CB274D3A-8028-4876-85C9-7F16F37BFC27}"/>
                 </a:ext>
               </a:extLst>
             </p:cNvPr>
@@ -7128,7 +7128,7 @@
               <p:cNvPr id="12" name="Elipse 11">
                 <a:extLst>
                   <a:ext uri="{FF2B5EF4-FFF2-40B4-BE49-F238E27FC236}">
-                    <a16:creationId xmlns:a16="http://schemas.microsoft.com/office/drawing/2014/main" xmlns="" id="{5AA99E97-F454-470A-8056-B241E27A3EF4}"/>
+                    <a16:creationId xmlns:a16="http://schemas.microsoft.com/office/drawing/2014/main" id="{5AA99E97-F454-470A-8056-B241E27A3EF4}"/>
                   </a:ext>
                 </a:extLst>
               </p:cNvPr>
@@ -7180,7 +7180,7 @@
               <p:cNvPr id="13" name="Elipse 12">
                 <a:extLst>
                   <a:ext uri="{FF2B5EF4-FFF2-40B4-BE49-F238E27FC236}">
-                    <a16:creationId xmlns:a16="http://schemas.microsoft.com/office/drawing/2014/main" xmlns="" id="{2E55EF7B-0BFE-4EEC-A84B-241265344E52}"/>
+                    <a16:creationId xmlns:a16="http://schemas.microsoft.com/office/drawing/2014/main" id="{2E55EF7B-0BFE-4EEC-A84B-241265344E52}"/>
                   </a:ext>
                 </a:extLst>
               </p:cNvPr>
@@ -7233,7 +7233,7 @@
             <p:cNvPr id="23" name="Agrupar 22">
               <a:extLst>
                 <a:ext uri="{FF2B5EF4-FFF2-40B4-BE49-F238E27FC236}">
-                  <a16:creationId xmlns:a16="http://schemas.microsoft.com/office/drawing/2014/main" xmlns="" id="{B8354D3D-01F4-4261-9941-25A85E5341BB}"/>
+                  <a16:creationId xmlns:a16="http://schemas.microsoft.com/office/drawing/2014/main" id="{B8354D3D-01F4-4261-9941-25A85E5341BB}"/>
                 </a:ext>
               </a:extLst>
             </p:cNvPr>
@@ -7253,7 +7253,7 @@
               <p:cNvPr id="19" name="Agrupar 18">
                 <a:extLst>
                   <a:ext uri="{FF2B5EF4-FFF2-40B4-BE49-F238E27FC236}">
-                    <a16:creationId xmlns:a16="http://schemas.microsoft.com/office/drawing/2014/main" xmlns="" id="{33610C09-087D-44BE-9EFA-42CB597857C0}"/>
+                    <a16:creationId xmlns:a16="http://schemas.microsoft.com/office/drawing/2014/main" id="{33610C09-087D-44BE-9EFA-42CB597857C0}"/>
                   </a:ext>
                 </a:extLst>
               </p:cNvPr>
@@ -7273,7 +7273,7 @@
                 <p:cNvPr id="14" name="Retângulo: Cantos Arredondados 13">
                   <a:extLst>
                     <a:ext uri="{FF2B5EF4-FFF2-40B4-BE49-F238E27FC236}">
-                      <a16:creationId xmlns:a16="http://schemas.microsoft.com/office/drawing/2014/main" xmlns="" id="{A621557C-568F-4286-BF1E-2F79412C01BB}"/>
+                      <a16:creationId xmlns:a16="http://schemas.microsoft.com/office/drawing/2014/main" id="{A621557C-568F-4286-BF1E-2F79412C01BB}"/>
                     </a:ext>
                   </a:extLst>
                 </p:cNvPr>
@@ -7327,7 +7327,7 @@
                 <p:cNvPr id="15" name="Retângulo: Cantos Arredondados 14">
                   <a:extLst>
                     <a:ext uri="{FF2B5EF4-FFF2-40B4-BE49-F238E27FC236}">
-                      <a16:creationId xmlns:a16="http://schemas.microsoft.com/office/drawing/2014/main" xmlns="" id="{952F5C43-EE72-4097-A506-4A30EF79EDDC}"/>
+                      <a16:creationId xmlns:a16="http://schemas.microsoft.com/office/drawing/2014/main" id="{952F5C43-EE72-4097-A506-4A30EF79EDDC}"/>
                     </a:ext>
                   </a:extLst>
                 </p:cNvPr>
@@ -7381,7 +7381,7 @@
                 <p:cNvPr id="17" name="Retângulo: Cantos Arredondados 16">
                   <a:extLst>
                     <a:ext uri="{FF2B5EF4-FFF2-40B4-BE49-F238E27FC236}">
-                      <a16:creationId xmlns:a16="http://schemas.microsoft.com/office/drawing/2014/main" xmlns="" id="{AA8AEBE5-D28C-4C97-B23D-ACB44F125F3B}"/>
+                      <a16:creationId xmlns:a16="http://schemas.microsoft.com/office/drawing/2014/main" id="{AA8AEBE5-D28C-4C97-B23D-ACB44F125F3B}"/>
                     </a:ext>
                   </a:extLst>
                 </p:cNvPr>
@@ -7435,7 +7435,7 @@
                 <p:cNvPr id="18" name="Elipse 17">
                   <a:extLst>
                     <a:ext uri="{FF2B5EF4-FFF2-40B4-BE49-F238E27FC236}">
-                      <a16:creationId xmlns:a16="http://schemas.microsoft.com/office/drawing/2014/main" xmlns="" id="{D4E5660E-8E01-46AA-B3B6-106538E6A1F6}"/>
+                      <a16:creationId xmlns:a16="http://schemas.microsoft.com/office/drawing/2014/main" id="{D4E5660E-8E01-46AA-B3B6-106538E6A1F6}"/>
                     </a:ext>
                   </a:extLst>
                 </p:cNvPr>
@@ -7488,7 +7488,7 @@
               <p:cNvPr id="21" name="Retângulo: Cantos Arredondados 20">
                 <a:extLst>
                   <a:ext uri="{FF2B5EF4-FFF2-40B4-BE49-F238E27FC236}">
-                    <a16:creationId xmlns:a16="http://schemas.microsoft.com/office/drawing/2014/main" xmlns="" id="{10CC430D-3372-40F4-9CD6-5AC20D403DA9}"/>
+                    <a16:creationId xmlns:a16="http://schemas.microsoft.com/office/drawing/2014/main" id="{10CC430D-3372-40F4-9CD6-5AC20D403DA9}"/>
                   </a:ext>
                 </a:extLst>
               </p:cNvPr>
@@ -7572,7 +7572,7 @@
           <p:cNvPr id="11" name="Agrupar 10">
             <a:extLst>
               <a:ext uri="{FF2B5EF4-FFF2-40B4-BE49-F238E27FC236}">
-                <a16:creationId xmlns:a16="http://schemas.microsoft.com/office/drawing/2014/main" xmlns="" id="{6AF02D4B-4DF3-475B-B829-3C06117FCA8A}"/>
+                <a16:creationId xmlns:a16="http://schemas.microsoft.com/office/drawing/2014/main" id="{6AF02D4B-4DF3-475B-B829-3C06117FCA8A}"/>
               </a:ext>
             </a:extLst>
           </p:cNvPr>
@@ -7592,7 +7592,7 @@
             <p:cNvPr id="4" name="Elipse 3">
               <a:extLst>
                 <a:ext uri="{FF2B5EF4-FFF2-40B4-BE49-F238E27FC236}">
-                  <a16:creationId xmlns:a16="http://schemas.microsoft.com/office/drawing/2014/main" xmlns="" id="{DC48528D-2244-4D30-8F41-EF1272F6C6E4}"/>
+                  <a16:creationId xmlns:a16="http://schemas.microsoft.com/office/drawing/2014/main" id="{DC48528D-2244-4D30-8F41-EF1272F6C6E4}"/>
                 </a:ext>
               </a:extLst>
             </p:cNvPr>
@@ -7644,7 +7644,7 @@
             <p:cNvPr id="5" name="Elipse 4">
               <a:extLst>
                 <a:ext uri="{FF2B5EF4-FFF2-40B4-BE49-F238E27FC236}">
-                  <a16:creationId xmlns:a16="http://schemas.microsoft.com/office/drawing/2014/main" xmlns="" id="{FC41C085-3866-4F15-B8F6-7312BBF43D3D}"/>
+                  <a16:creationId xmlns:a16="http://schemas.microsoft.com/office/drawing/2014/main" id="{FC41C085-3866-4F15-B8F6-7312BBF43D3D}"/>
                 </a:ext>
               </a:extLst>
             </p:cNvPr>
@@ -7707,7 +7707,7 @@
             <p:cNvPr id="10" name="Agrupar 9">
               <a:extLst>
                 <a:ext uri="{FF2B5EF4-FFF2-40B4-BE49-F238E27FC236}">
-                  <a16:creationId xmlns:a16="http://schemas.microsoft.com/office/drawing/2014/main" xmlns="" id="{1B5F2692-C765-4EC2-80E6-6BCCEE306581}"/>
+                  <a16:creationId xmlns:a16="http://schemas.microsoft.com/office/drawing/2014/main" id="{1B5F2692-C765-4EC2-80E6-6BCCEE306581}"/>
                 </a:ext>
               </a:extLst>
             </p:cNvPr>
@@ -7727,7 +7727,7 @@
               <p:cNvPr id="8" name="Retângulo: Cantos Arredondados 7">
                 <a:extLst>
                   <a:ext uri="{FF2B5EF4-FFF2-40B4-BE49-F238E27FC236}">
-                    <a16:creationId xmlns:a16="http://schemas.microsoft.com/office/drawing/2014/main" xmlns="" id="{642A98A9-5B39-4661-B7AD-4ED8AFAFC1E3}"/>
+                    <a16:creationId xmlns:a16="http://schemas.microsoft.com/office/drawing/2014/main" id="{642A98A9-5B39-4661-B7AD-4ED8AFAFC1E3}"/>
                   </a:ext>
                 </a:extLst>
               </p:cNvPr>
@@ -7781,7 +7781,7 @@
               <p:cNvPr id="9" name="Retângulo: Cantos Arredondados 8">
                 <a:extLst>
                   <a:ext uri="{FF2B5EF4-FFF2-40B4-BE49-F238E27FC236}">
-                    <a16:creationId xmlns:a16="http://schemas.microsoft.com/office/drawing/2014/main" xmlns="" id="{11C0A799-8BF3-4FE6-8C64-2079434EF400}"/>
+                    <a16:creationId xmlns:a16="http://schemas.microsoft.com/office/drawing/2014/main" id="{11C0A799-8BF3-4FE6-8C64-2079434EF400}"/>
                   </a:ext>
                 </a:extLst>
               </p:cNvPr>
@@ -7842,13 +7842,6 @@
   <p:clrMapOvr>
     <a:masterClrMapping/>
   </p:clrMapOvr>
-  <p:timing>
-    <p:tnLst>
-      <p:par>
-        <p:cTn id="1" dur="indefinite" restart="never" nodeType="tmRoot"/>
-      </p:par>
-    </p:tnLst>
-  </p:timing>
 </p:sld>
 </file>
 
@@ -7874,7 +7867,7 @@
           <p:cNvPr id="67" name="Agrupar 66">
             <a:extLst>
               <a:ext uri="{FF2B5EF4-FFF2-40B4-BE49-F238E27FC236}">
-                <a16:creationId xmlns:a16="http://schemas.microsoft.com/office/drawing/2014/main" xmlns="" id="{79D28335-6CA8-48F7-9486-5670035BE61F}"/>
+                <a16:creationId xmlns:a16="http://schemas.microsoft.com/office/drawing/2014/main" id="{79D28335-6CA8-48F7-9486-5670035BE61F}"/>
               </a:ext>
             </a:extLst>
           </p:cNvPr>
@@ -7894,7 +7887,7 @@
             <p:cNvPr id="32" name="Agrupar 31">
               <a:extLst>
                 <a:ext uri="{FF2B5EF4-FFF2-40B4-BE49-F238E27FC236}">
-                  <a16:creationId xmlns:a16="http://schemas.microsoft.com/office/drawing/2014/main" xmlns="" id="{F76B8E54-6317-448B-8B57-939FECA23918}"/>
+                  <a16:creationId xmlns:a16="http://schemas.microsoft.com/office/drawing/2014/main" id="{F76B8E54-6317-448B-8B57-939FECA23918}"/>
                 </a:ext>
               </a:extLst>
             </p:cNvPr>
@@ -7914,7 +7907,7 @@
               <p:cNvPr id="33" name="Elipse 32">
                 <a:extLst>
                   <a:ext uri="{FF2B5EF4-FFF2-40B4-BE49-F238E27FC236}">
-                    <a16:creationId xmlns:a16="http://schemas.microsoft.com/office/drawing/2014/main" xmlns="" id="{BBB1FC3B-070F-4B35-B6A9-3E78AAADC53B}"/>
+                    <a16:creationId xmlns:a16="http://schemas.microsoft.com/office/drawing/2014/main" id="{BBB1FC3B-070F-4B35-B6A9-3E78AAADC53B}"/>
                   </a:ext>
                 </a:extLst>
               </p:cNvPr>
@@ -7966,7 +7959,7 @@
               <p:cNvPr id="34" name="Elipse 33">
                 <a:extLst>
                   <a:ext uri="{FF2B5EF4-FFF2-40B4-BE49-F238E27FC236}">
-                    <a16:creationId xmlns:a16="http://schemas.microsoft.com/office/drawing/2014/main" xmlns="" id="{282E9208-057A-4E62-8705-6BEE888AD164}"/>
+                    <a16:creationId xmlns:a16="http://schemas.microsoft.com/office/drawing/2014/main" id="{282E9208-057A-4E62-8705-6BEE888AD164}"/>
                   </a:ext>
                 </a:extLst>
               </p:cNvPr>
@@ -8030,7 +8023,7 @@
             <p:cNvPr id="38" name="Agrupar 37">
               <a:extLst>
                 <a:ext uri="{FF2B5EF4-FFF2-40B4-BE49-F238E27FC236}">
-                  <a16:creationId xmlns:a16="http://schemas.microsoft.com/office/drawing/2014/main" xmlns="" id="{C39DA378-5904-468B-9006-BB34426CAA6A}"/>
+                  <a16:creationId xmlns:a16="http://schemas.microsoft.com/office/drawing/2014/main" id="{C39DA378-5904-468B-9006-BB34426CAA6A}"/>
                 </a:ext>
               </a:extLst>
             </p:cNvPr>
@@ -8053,7 +8046,7 @@
               <p:cNvPr id="39" name="Agrupar 38">
                 <a:extLst>
                   <a:ext uri="{FF2B5EF4-FFF2-40B4-BE49-F238E27FC236}">
-                    <a16:creationId xmlns:a16="http://schemas.microsoft.com/office/drawing/2014/main" xmlns="" id="{4870CD5A-4864-48FF-9CA6-C7BB29574A14}"/>
+                    <a16:creationId xmlns:a16="http://schemas.microsoft.com/office/drawing/2014/main" id="{4870CD5A-4864-48FF-9CA6-C7BB29574A14}"/>
                   </a:ext>
                 </a:extLst>
               </p:cNvPr>
@@ -8074,7 +8067,7 @@
                 <p:cNvPr id="65" name="Forma Livre: Forma 64">
                   <a:extLst>
                     <a:ext uri="{FF2B5EF4-FFF2-40B4-BE49-F238E27FC236}">
-                      <a16:creationId xmlns:a16="http://schemas.microsoft.com/office/drawing/2014/main" xmlns="" id="{2AD9F40D-5F76-4B52-AF95-1CF338E6E047}"/>
+                      <a16:creationId xmlns:a16="http://schemas.microsoft.com/office/drawing/2014/main" id="{2AD9F40D-5F76-4B52-AF95-1CF338E6E047}"/>
                     </a:ext>
                   </a:extLst>
                 </p:cNvPr>
@@ -8159,7 +8152,7 @@
                 <p:cNvPr id="66" name="Forma Livre: Forma 65">
                   <a:extLst>
                     <a:ext uri="{FF2B5EF4-FFF2-40B4-BE49-F238E27FC236}">
-                      <a16:creationId xmlns:a16="http://schemas.microsoft.com/office/drawing/2014/main" xmlns="" id="{B6363304-AAE4-4576-9EC0-9D97FD7F4570}"/>
+                      <a16:creationId xmlns:a16="http://schemas.microsoft.com/office/drawing/2014/main" id="{B6363304-AAE4-4576-9EC0-9D97FD7F4570}"/>
                     </a:ext>
                   </a:extLst>
                 </p:cNvPr>
@@ -8245,7 +8238,7 @@
               <p:cNvPr id="40" name="Retângulo: Cantos Arredondados 39">
                 <a:extLst>
                   <a:ext uri="{FF2B5EF4-FFF2-40B4-BE49-F238E27FC236}">
-                    <a16:creationId xmlns:a16="http://schemas.microsoft.com/office/drawing/2014/main" xmlns="" id="{E84FDBE0-952B-4484-B8B4-2DFE7C0169EB}"/>
+                    <a16:creationId xmlns:a16="http://schemas.microsoft.com/office/drawing/2014/main" id="{E84FDBE0-952B-4484-B8B4-2DFE7C0169EB}"/>
                   </a:ext>
                 </a:extLst>
               </p:cNvPr>
@@ -8297,7 +8290,7 @@
               <p:cNvPr id="41" name="Retângulo 40">
                 <a:extLst>
                   <a:ext uri="{FF2B5EF4-FFF2-40B4-BE49-F238E27FC236}">
-                    <a16:creationId xmlns:a16="http://schemas.microsoft.com/office/drawing/2014/main" xmlns="" id="{504B7C1F-FF75-4E6E-8EA8-F310F9F98C49}"/>
+                    <a16:creationId xmlns:a16="http://schemas.microsoft.com/office/drawing/2014/main" id="{504B7C1F-FF75-4E6E-8EA8-F310F9F98C49}"/>
                   </a:ext>
                 </a:extLst>
               </p:cNvPr>
@@ -8347,7 +8340,7 @@
               <p:cNvPr id="42" name="Retângulo 41">
                 <a:extLst>
                   <a:ext uri="{FF2B5EF4-FFF2-40B4-BE49-F238E27FC236}">
-                    <a16:creationId xmlns:a16="http://schemas.microsoft.com/office/drawing/2014/main" xmlns="" id="{8CD10055-E6F4-423B-B3CD-4FE255A842D8}"/>
+                    <a16:creationId xmlns:a16="http://schemas.microsoft.com/office/drawing/2014/main" id="{8CD10055-E6F4-423B-B3CD-4FE255A842D8}"/>
                   </a:ext>
                 </a:extLst>
               </p:cNvPr>
@@ -8397,7 +8390,7 @@
               <p:cNvPr id="43" name="Retângulo 42">
                 <a:extLst>
                   <a:ext uri="{FF2B5EF4-FFF2-40B4-BE49-F238E27FC236}">
-                    <a16:creationId xmlns:a16="http://schemas.microsoft.com/office/drawing/2014/main" xmlns="" id="{4C2CC099-E32A-49B1-906A-62CD245E08B4}"/>
+                    <a16:creationId xmlns:a16="http://schemas.microsoft.com/office/drawing/2014/main" id="{4C2CC099-E32A-49B1-906A-62CD245E08B4}"/>
                   </a:ext>
                 </a:extLst>
               </p:cNvPr>
@@ -8447,7 +8440,7 @@
               <p:cNvPr id="44" name="Agrupar 43">
                 <a:extLst>
                   <a:ext uri="{FF2B5EF4-FFF2-40B4-BE49-F238E27FC236}">
-                    <a16:creationId xmlns:a16="http://schemas.microsoft.com/office/drawing/2014/main" xmlns="" id="{7FC28071-C5A4-4D9C-8C11-D0F99983D27F}"/>
+                    <a16:creationId xmlns:a16="http://schemas.microsoft.com/office/drawing/2014/main" id="{7FC28071-C5A4-4D9C-8C11-D0F99983D27F}"/>
                   </a:ext>
                 </a:extLst>
               </p:cNvPr>
@@ -8468,7 +8461,7 @@
                 <p:cNvPr id="63" name="Forma Livre: Forma 62">
                   <a:extLst>
                     <a:ext uri="{FF2B5EF4-FFF2-40B4-BE49-F238E27FC236}">
-                      <a16:creationId xmlns:a16="http://schemas.microsoft.com/office/drawing/2014/main" xmlns="" id="{C3AB2ABC-DB3D-4C9A-B36E-6BB7A4421041}"/>
+                      <a16:creationId xmlns:a16="http://schemas.microsoft.com/office/drawing/2014/main" id="{C3AB2ABC-DB3D-4C9A-B36E-6BB7A4421041}"/>
                     </a:ext>
                   </a:extLst>
                 </p:cNvPr>
@@ -8553,7 +8546,7 @@
                 <p:cNvPr id="64" name="Forma Livre: Forma 63">
                   <a:extLst>
                     <a:ext uri="{FF2B5EF4-FFF2-40B4-BE49-F238E27FC236}">
-                      <a16:creationId xmlns:a16="http://schemas.microsoft.com/office/drawing/2014/main" xmlns="" id="{1C697447-CA7D-405E-8628-61488C0CCF61}"/>
+                      <a16:creationId xmlns:a16="http://schemas.microsoft.com/office/drawing/2014/main" id="{1C697447-CA7D-405E-8628-61488C0CCF61}"/>
                     </a:ext>
                   </a:extLst>
                 </p:cNvPr>
@@ -8639,7 +8632,7 @@
               <p:cNvPr id="45" name="Retângulo: Cantos Arredondados 44">
                 <a:extLst>
                   <a:ext uri="{FF2B5EF4-FFF2-40B4-BE49-F238E27FC236}">
-                    <a16:creationId xmlns:a16="http://schemas.microsoft.com/office/drawing/2014/main" xmlns="" id="{2DB85195-2BC9-41FC-8FF7-4DA194475593}"/>
+                    <a16:creationId xmlns:a16="http://schemas.microsoft.com/office/drawing/2014/main" id="{2DB85195-2BC9-41FC-8FF7-4DA194475593}"/>
                   </a:ext>
                 </a:extLst>
               </p:cNvPr>
@@ -8691,7 +8684,7 @@
               <p:cNvPr id="46" name="Retângulo: Cantos Arredondados 45">
                 <a:extLst>
                   <a:ext uri="{FF2B5EF4-FFF2-40B4-BE49-F238E27FC236}">
-                    <a16:creationId xmlns:a16="http://schemas.microsoft.com/office/drawing/2014/main" xmlns="" id="{22120934-64E1-4243-A3C9-F2333CD81248}"/>
+                    <a16:creationId xmlns:a16="http://schemas.microsoft.com/office/drawing/2014/main" id="{22120934-64E1-4243-A3C9-F2333CD81248}"/>
                   </a:ext>
                 </a:extLst>
               </p:cNvPr>
@@ -8743,7 +8736,7 @@
               <p:cNvPr id="47" name="Forma Livre: Forma 46">
                 <a:extLst>
                   <a:ext uri="{FF2B5EF4-FFF2-40B4-BE49-F238E27FC236}">
-                    <a16:creationId xmlns:a16="http://schemas.microsoft.com/office/drawing/2014/main" xmlns="" id="{068BA003-CB8C-4A97-8A20-CE99A2056A9C}"/>
+                    <a16:creationId xmlns:a16="http://schemas.microsoft.com/office/drawing/2014/main" id="{068BA003-CB8C-4A97-8A20-CE99A2056A9C}"/>
                   </a:ext>
                 </a:extLst>
               </p:cNvPr>
@@ -8916,7 +8909,7 @@
               <p:cNvPr id="56" name="Agrupar 55">
                 <a:extLst>
                   <a:ext uri="{FF2B5EF4-FFF2-40B4-BE49-F238E27FC236}">
-                    <a16:creationId xmlns:a16="http://schemas.microsoft.com/office/drawing/2014/main" xmlns="" id="{9B875EC0-FE98-4078-8488-EC2DA10CD36F}"/>
+                    <a16:creationId xmlns:a16="http://schemas.microsoft.com/office/drawing/2014/main" id="{9B875EC0-FE98-4078-8488-EC2DA10CD36F}"/>
                   </a:ext>
                 </a:extLst>
               </p:cNvPr>
@@ -8937,7 +8930,7 @@
                 <p:cNvPr id="57" name="Forma Livre: Forma 56">
                   <a:extLst>
                     <a:ext uri="{FF2B5EF4-FFF2-40B4-BE49-F238E27FC236}">
-                      <a16:creationId xmlns:a16="http://schemas.microsoft.com/office/drawing/2014/main" xmlns="" id="{AB170364-870B-48AE-8BB7-23F5B559323F}"/>
+                      <a16:creationId xmlns:a16="http://schemas.microsoft.com/office/drawing/2014/main" id="{AB170364-870B-48AE-8BB7-23F5B559323F}"/>
                     </a:ext>
                   </a:extLst>
                 </p:cNvPr>
@@ -9082,7 +9075,7 @@
                 <p:cNvPr id="58" name="Forma Livre: Forma 57">
                   <a:extLst>
                     <a:ext uri="{FF2B5EF4-FFF2-40B4-BE49-F238E27FC236}">
-                      <a16:creationId xmlns:a16="http://schemas.microsoft.com/office/drawing/2014/main" xmlns="" id="{D75011AA-2CA3-43AA-909B-7FD66FB4407B}"/>
+                      <a16:creationId xmlns:a16="http://schemas.microsoft.com/office/drawing/2014/main" id="{D75011AA-2CA3-43AA-909B-7FD66FB4407B}"/>
                     </a:ext>
                   </a:extLst>
                 </p:cNvPr>
@@ -9227,7 +9220,7 @@
                 <p:cNvPr id="59" name="Elipse 58">
                   <a:extLst>
                     <a:ext uri="{FF2B5EF4-FFF2-40B4-BE49-F238E27FC236}">
-                      <a16:creationId xmlns:a16="http://schemas.microsoft.com/office/drawing/2014/main" xmlns="" id="{107D1028-E7C8-4F67-9675-BF4B317058C9}"/>
+                      <a16:creationId xmlns:a16="http://schemas.microsoft.com/office/drawing/2014/main" id="{107D1028-E7C8-4F67-9675-BF4B317058C9}"/>
                     </a:ext>
                   </a:extLst>
                 </p:cNvPr>
@@ -9289,7 +9282,7 @@
                 <p:cNvPr id="60" name="Retângulo: Cantos Arredondados 59">
                   <a:extLst>
                     <a:ext uri="{FF2B5EF4-FFF2-40B4-BE49-F238E27FC236}">
-                      <a16:creationId xmlns:a16="http://schemas.microsoft.com/office/drawing/2014/main" xmlns="" id="{F6D87E8A-C0A6-4044-AD19-03CAD4884A03}"/>
+                      <a16:creationId xmlns:a16="http://schemas.microsoft.com/office/drawing/2014/main" id="{F6D87E8A-C0A6-4044-AD19-03CAD4884A03}"/>
                     </a:ext>
                   </a:extLst>
                 </p:cNvPr>
@@ -9341,7 +9334,7 @@
                 <p:cNvPr id="61" name="Retângulo: Cantos Arredondados 60">
                   <a:extLst>
                     <a:ext uri="{FF2B5EF4-FFF2-40B4-BE49-F238E27FC236}">
-                      <a16:creationId xmlns:a16="http://schemas.microsoft.com/office/drawing/2014/main" xmlns="" id="{29BCB2F9-B9DC-4991-B0D7-4024858998C6}"/>
+                      <a16:creationId xmlns:a16="http://schemas.microsoft.com/office/drawing/2014/main" id="{29BCB2F9-B9DC-4991-B0D7-4024858998C6}"/>
                     </a:ext>
                   </a:extLst>
                 </p:cNvPr>
@@ -9393,7 +9386,7 @@
                 <p:cNvPr id="62" name="Retângulo: Cantos Arredondados 61">
                   <a:extLst>
                     <a:ext uri="{FF2B5EF4-FFF2-40B4-BE49-F238E27FC236}">
-                      <a16:creationId xmlns:a16="http://schemas.microsoft.com/office/drawing/2014/main" xmlns="" id="{B9CB0BB4-6CB8-4FEF-BF1C-671B6FC0FEDF}"/>
+                      <a16:creationId xmlns:a16="http://schemas.microsoft.com/office/drawing/2014/main" id="{B9CB0BB4-6CB8-4FEF-BF1C-671B6FC0FEDF}"/>
                     </a:ext>
                   </a:extLst>
                 </p:cNvPr>
@@ -9453,13 +9446,6 @@
   <p:clrMapOvr>
     <a:masterClrMapping/>
   </p:clrMapOvr>
-  <p:timing>
-    <p:tnLst>
-      <p:par>
-        <p:cTn id="1" dur="indefinite" restart="never" nodeType="tmRoot"/>
-      </p:par>
-    </p:tnLst>
-  </p:timing>
 </p:sld>
 </file>
 
@@ -9499,7 +9485,7 @@
             <p:cNvPr id="29" name="Agrupar 28">
               <a:extLst>
                 <a:ext uri="{FF2B5EF4-FFF2-40B4-BE49-F238E27FC236}">
-                  <a16:creationId xmlns:a16="http://schemas.microsoft.com/office/drawing/2014/main" xmlns="" id="{D901CE6E-7119-4BCC-AFB1-6843519250D5}"/>
+                  <a16:creationId xmlns:a16="http://schemas.microsoft.com/office/drawing/2014/main" id="{D901CE6E-7119-4BCC-AFB1-6843519250D5}"/>
                 </a:ext>
               </a:extLst>
             </p:cNvPr>
@@ -9519,7 +9505,7 @@
               <p:cNvPr id="30" name="Elipse 29">
                 <a:extLst>
                   <a:ext uri="{FF2B5EF4-FFF2-40B4-BE49-F238E27FC236}">
-                    <a16:creationId xmlns:a16="http://schemas.microsoft.com/office/drawing/2014/main" xmlns="" id="{04088BF3-B2E4-40D9-8DE2-881FC9DDFA30}"/>
+                    <a16:creationId xmlns:a16="http://schemas.microsoft.com/office/drawing/2014/main" id="{04088BF3-B2E4-40D9-8DE2-881FC9DDFA30}"/>
                   </a:ext>
                 </a:extLst>
               </p:cNvPr>
@@ -9571,7 +9557,7 @@
               <p:cNvPr id="31" name="Elipse 30">
                 <a:extLst>
                   <a:ext uri="{FF2B5EF4-FFF2-40B4-BE49-F238E27FC236}">
-                    <a16:creationId xmlns:a16="http://schemas.microsoft.com/office/drawing/2014/main" xmlns="" id="{744C0D49-D95C-4385-B1D3-9CF3CE73F757}"/>
+                    <a16:creationId xmlns:a16="http://schemas.microsoft.com/office/drawing/2014/main" id="{744C0D49-D95C-4385-B1D3-9CF3CE73F757}"/>
                   </a:ext>
                 </a:extLst>
               </p:cNvPr>
@@ -9635,7 +9621,7 @@
             <p:cNvPr id="8" name="Agrupar 65">
               <a:extLst>
                 <a:ext uri="{FF2B5EF4-FFF2-40B4-BE49-F238E27FC236}">
-                  <a16:creationId xmlns:a16="http://schemas.microsoft.com/office/drawing/2014/main" xmlns="" id="{E6954B9F-5A79-48D6-8E26-CE435D817D49}"/>
+                  <a16:creationId xmlns:a16="http://schemas.microsoft.com/office/drawing/2014/main" id="{E6954B9F-5A79-48D6-8E26-CE435D817D49}"/>
                 </a:ext>
               </a:extLst>
             </p:cNvPr>
@@ -9658,7 +9644,7 @@
               <p:cNvPr id="9" name="Retângulo: Cantos Arredondados 42">
                 <a:extLst>
                   <a:ext uri="{FF2B5EF4-FFF2-40B4-BE49-F238E27FC236}">
-                    <a16:creationId xmlns:a16="http://schemas.microsoft.com/office/drawing/2014/main" xmlns="" id="{E26F953E-591C-42D2-BE35-A65C44304A4F}"/>
+                    <a16:creationId xmlns:a16="http://schemas.microsoft.com/office/drawing/2014/main" id="{E26F953E-591C-42D2-BE35-A65C44304A4F}"/>
                   </a:ext>
                 </a:extLst>
               </p:cNvPr>
@@ -9710,7 +9696,7 @@
               <p:cNvPr id="10" name="Retângulo: Cantos Arredondados 44">
                 <a:extLst>
                   <a:ext uri="{FF2B5EF4-FFF2-40B4-BE49-F238E27FC236}">
-                    <a16:creationId xmlns:a16="http://schemas.microsoft.com/office/drawing/2014/main" xmlns="" id="{27A23B4D-3B78-466F-BC1D-26F73EB37732}"/>
+                    <a16:creationId xmlns:a16="http://schemas.microsoft.com/office/drawing/2014/main" id="{27A23B4D-3B78-466F-BC1D-26F73EB37732}"/>
                   </a:ext>
                 </a:extLst>
               </p:cNvPr>
@@ -9762,7 +9748,7 @@
               <p:cNvPr id="11" name="Retângulo: Cantos Arredondados 45">
                 <a:extLst>
                   <a:ext uri="{FF2B5EF4-FFF2-40B4-BE49-F238E27FC236}">
-                    <a16:creationId xmlns:a16="http://schemas.microsoft.com/office/drawing/2014/main" xmlns="" id="{0DF5B6B1-60E6-42C2-897B-8E521DD10138}"/>
+                    <a16:creationId xmlns:a16="http://schemas.microsoft.com/office/drawing/2014/main" id="{0DF5B6B1-60E6-42C2-897B-8E521DD10138}"/>
                   </a:ext>
                 </a:extLst>
               </p:cNvPr>
@@ -9814,7 +9800,7 @@
               <p:cNvPr id="12" name="Forma Livre: Forma 48">
                 <a:extLst>
                   <a:ext uri="{FF2B5EF4-FFF2-40B4-BE49-F238E27FC236}">
-                    <a16:creationId xmlns:a16="http://schemas.microsoft.com/office/drawing/2014/main" xmlns="" id="{147EA51B-9824-4893-8BCB-944C95F4AD44}"/>
+                    <a16:creationId xmlns:a16="http://schemas.microsoft.com/office/drawing/2014/main" id="{147EA51B-9824-4893-8BCB-944C95F4AD44}"/>
                   </a:ext>
                 </a:extLst>
               </p:cNvPr>
@@ -9943,7 +9929,7 @@
               <p:cNvPr id="13" name="Retângulo 12">
                 <a:extLst>
                   <a:ext uri="{FF2B5EF4-FFF2-40B4-BE49-F238E27FC236}">
-                    <a16:creationId xmlns:a16="http://schemas.microsoft.com/office/drawing/2014/main" xmlns="" id="{49C67F48-55A3-422E-B4F5-9174C0AB9645}"/>
+                    <a16:creationId xmlns:a16="http://schemas.microsoft.com/office/drawing/2014/main" id="{49C67F48-55A3-422E-B4F5-9174C0AB9645}"/>
                   </a:ext>
                 </a:extLst>
               </p:cNvPr>
@@ -9993,7 +9979,7 @@
               <p:cNvPr id="14" name="Retângulo: Cantos Arredondados 50">
                 <a:extLst>
                   <a:ext uri="{FF2B5EF4-FFF2-40B4-BE49-F238E27FC236}">
-                    <a16:creationId xmlns:a16="http://schemas.microsoft.com/office/drawing/2014/main" xmlns="" id="{81588C93-3361-4B45-9648-2FA7EF14917B}"/>
+                    <a16:creationId xmlns:a16="http://schemas.microsoft.com/office/drawing/2014/main" id="{81588C93-3361-4B45-9648-2FA7EF14917B}"/>
                   </a:ext>
                 </a:extLst>
               </p:cNvPr>
@@ -10049,7 +10035,7 @@
               <p:cNvPr id="15" name="Retângulo: Cantos Arredondados 51">
                 <a:extLst>
                   <a:ext uri="{FF2B5EF4-FFF2-40B4-BE49-F238E27FC236}">
-                    <a16:creationId xmlns:a16="http://schemas.microsoft.com/office/drawing/2014/main" xmlns="" id="{40BD0A9D-8A67-4FEC-A85A-0C36C97F9065}"/>
+                    <a16:creationId xmlns:a16="http://schemas.microsoft.com/office/drawing/2014/main" id="{40BD0A9D-8A67-4FEC-A85A-0C36C97F9065}"/>
                   </a:ext>
                 </a:extLst>
               </p:cNvPr>
@@ -10112,13 +10098,6 @@
   <p:clrMapOvr>
     <a:masterClrMapping/>
   </p:clrMapOvr>
-  <p:timing>
-    <p:tnLst>
-      <p:par>
-        <p:cTn id="1" dur="indefinite" restart="never" nodeType="tmRoot"/>
-      </p:par>
-    </p:tnLst>
-  </p:timing>
 </p:sld>
 </file>
 
@@ -10144,7 +10123,7 @@
           <p:cNvPr id="10" name="Agrupar 9">
             <a:extLst>
               <a:ext uri="{FF2B5EF4-FFF2-40B4-BE49-F238E27FC236}">
-                <a16:creationId xmlns:a16="http://schemas.microsoft.com/office/drawing/2014/main" xmlns="" id="{ADBF5DBA-6DC9-4430-AEE5-4797DB99B793}"/>
+                <a16:creationId xmlns:a16="http://schemas.microsoft.com/office/drawing/2014/main" id="{ADBF5DBA-6DC9-4430-AEE5-4797DB99B793}"/>
               </a:ext>
             </a:extLst>
           </p:cNvPr>
@@ -10164,7 +10143,7 @@
             <p:cNvPr id="5" name="Agrupar 4">
               <a:extLst>
                 <a:ext uri="{FF2B5EF4-FFF2-40B4-BE49-F238E27FC236}">
-                  <a16:creationId xmlns:a16="http://schemas.microsoft.com/office/drawing/2014/main" xmlns="" id="{6A4BADB4-8395-4D64-AA65-99E4BBA58AA6}"/>
+                  <a16:creationId xmlns:a16="http://schemas.microsoft.com/office/drawing/2014/main" id="{6A4BADB4-8395-4D64-AA65-99E4BBA58AA6}"/>
                 </a:ext>
               </a:extLst>
             </p:cNvPr>
@@ -10184,7 +10163,7 @@
               <p:cNvPr id="7" name="Elipse 6">
                 <a:extLst>
                   <a:ext uri="{FF2B5EF4-FFF2-40B4-BE49-F238E27FC236}">
-                    <a16:creationId xmlns:a16="http://schemas.microsoft.com/office/drawing/2014/main" xmlns="" id="{FC805A12-37B6-40BC-8F8F-70331A547323}"/>
+                    <a16:creationId xmlns:a16="http://schemas.microsoft.com/office/drawing/2014/main" id="{FC805A12-37B6-40BC-8F8F-70331A547323}"/>
                   </a:ext>
                 </a:extLst>
               </p:cNvPr>
@@ -10236,7 +10215,7 @@
               <p:cNvPr id="8" name="Elipse 7">
                 <a:extLst>
                   <a:ext uri="{FF2B5EF4-FFF2-40B4-BE49-F238E27FC236}">
-                    <a16:creationId xmlns:a16="http://schemas.microsoft.com/office/drawing/2014/main" xmlns="" id="{3B167D11-B095-4F49-A04C-1A3C7AF5E517}"/>
+                    <a16:creationId xmlns:a16="http://schemas.microsoft.com/office/drawing/2014/main" id="{3B167D11-B095-4F49-A04C-1A3C7AF5E517}"/>
                   </a:ext>
                 </a:extLst>
               </p:cNvPr>
@@ -10300,7 +10279,7 @@
             <p:cNvPr id="9" name="Balão de Pensamento: Nuvem 8">
               <a:extLst>
                 <a:ext uri="{FF2B5EF4-FFF2-40B4-BE49-F238E27FC236}">
-                  <a16:creationId xmlns:a16="http://schemas.microsoft.com/office/drawing/2014/main" xmlns="" id="{08B7F520-3234-41C8-82E4-15176AB69054}"/>
+                  <a16:creationId xmlns:a16="http://schemas.microsoft.com/office/drawing/2014/main" id="{08B7F520-3234-41C8-82E4-15176AB69054}"/>
                 </a:ext>
               </a:extLst>
             </p:cNvPr>
@@ -10358,13 +10337,6 @@
   <p:clrMapOvr>
     <a:masterClrMapping/>
   </p:clrMapOvr>
-  <p:timing>
-    <p:tnLst>
-      <p:par>
-        <p:cTn id="1" dur="indefinite" restart="never" nodeType="tmRoot"/>
-      </p:par>
-    </p:tnLst>
-  </p:timing>
 </p:sld>
 </file>
 
@@ -10387,10 +10359,10 @@
       </p:grpSpPr>
       <p:grpSp>
         <p:nvGrpSpPr>
-          <p:cNvPr id="8" name="Agrupar 7">
+          <p:cNvPr id="7" name="Agrupar 6">
             <a:extLst>
               <a:ext uri="{FF2B5EF4-FFF2-40B4-BE49-F238E27FC236}">
-                <a16:creationId xmlns:a16="http://schemas.microsoft.com/office/drawing/2014/main" xmlns="" id="{9598AC08-2224-4D86-9767-8963714BDB88}"/>
+                <a16:creationId xmlns:a16="http://schemas.microsoft.com/office/drawing/2014/main" id="{3C3E0ECB-1D5D-4D76-89EC-E60634845E8C}"/>
               </a:ext>
             </a:extLst>
           </p:cNvPr>
@@ -10401,7 +10373,7 @@
           <a:xfrm>
             <a:off x="0" y="836712"/>
             <a:ext cx="9144740" cy="4824536"/>
-            <a:chOff x="0" y="980728"/>
+            <a:chOff x="0" y="836712"/>
             <a:chExt cx="9144740" cy="4824536"/>
           </a:xfrm>
         </p:grpSpPr>
@@ -10410,7 +10382,7 @@
             <p:cNvPr id="1026" name="Picture 2" descr="Resultado de imagem para estudo">
               <a:extLst>
                 <a:ext uri="{FF2B5EF4-FFF2-40B4-BE49-F238E27FC236}">
-                  <a16:creationId xmlns:a16="http://schemas.microsoft.com/office/drawing/2014/main" xmlns="" id="{3EAF1442-2CCD-47A6-9351-957D2C84D408}"/>
+                  <a16:creationId xmlns:a16="http://schemas.microsoft.com/office/drawing/2014/main" id="{3EAF1442-2CCD-47A6-9351-957D2C84D408}"/>
                 </a:ext>
               </a:extLst>
             </p:cNvPr>
@@ -10446,7 +10418,7 @@
           </p:blipFill>
           <p:spPr bwMode="auto">
             <a:xfrm>
-              <a:off x="0" y="980728"/>
+              <a:off x="0" y="836712"/>
               <a:ext cx="9144000" cy="4778375"/>
             </a:xfrm>
             <a:prstGeom prst="rect">
@@ -10469,7 +10441,7 @@
             <p:cNvPr id="6" name="Retângulo 5">
               <a:extLst>
                 <a:ext uri="{FF2B5EF4-FFF2-40B4-BE49-F238E27FC236}">
-                  <a16:creationId xmlns:a16="http://schemas.microsoft.com/office/drawing/2014/main" xmlns="" id="{FFB67B42-C623-4336-AD94-318190B1E634}"/>
+                  <a16:creationId xmlns:a16="http://schemas.microsoft.com/office/drawing/2014/main" id="{FFB67B42-C623-4336-AD94-318190B1E634}"/>
                 </a:ext>
               </a:extLst>
             </p:cNvPr>
@@ -10478,7 +10450,7 @@
           </p:nvSpPr>
           <p:spPr>
             <a:xfrm>
-              <a:off x="2163" y="980728"/>
+              <a:off x="2163" y="836712"/>
               <a:ext cx="9142577" cy="4824536"/>
             </a:xfrm>
             <a:prstGeom prst="rect">
@@ -10536,7 +10508,7 @@
             <p:cNvPr id="27" name="Imagem 26">
               <a:extLst>
                 <a:ext uri="{FF2B5EF4-FFF2-40B4-BE49-F238E27FC236}">
-                  <a16:creationId xmlns:a16="http://schemas.microsoft.com/office/drawing/2014/main" xmlns="" id="{A28F0992-992E-4EE1-A689-1F287F122F74}"/>
+                  <a16:creationId xmlns:a16="http://schemas.microsoft.com/office/drawing/2014/main" id="{A28F0992-992E-4EE1-A689-1F287F122F74}"/>
                 </a:ext>
               </a:extLst>
             </p:cNvPr>
@@ -10559,7 +10531,7 @@
           </p:blipFill>
           <p:spPr>
             <a:xfrm>
-              <a:off x="1691680" y="2564904"/>
+              <a:off x="1897530" y="2348880"/>
               <a:ext cx="1378326" cy="1656184"/>
             </a:xfrm>
             <a:prstGeom prst="rect">
@@ -10572,7 +10544,7 @@
             <p:cNvPr id="28" name="Balão de Fala: Retângulo com Cantos Arredondados 27">
               <a:extLst>
                 <a:ext uri="{FF2B5EF4-FFF2-40B4-BE49-F238E27FC236}">
-                  <a16:creationId xmlns:a16="http://schemas.microsoft.com/office/drawing/2014/main" xmlns="" id="{9FBA78BA-43B5-4E98-9F4D-913B30F76A08}"/>
+                  <a16:creationId xmlns:a16="http://schemas.microsoft.com/office/drawing/2014/main" id="{9FBA78BA-43B5-4E98-9F4D-913B30F76A08}"/>
                 </a:ext>
               </a:extLst>
             </p:cNvPr>
@@ -10581,8 +10553,8 @@
           </p:nvSpPr>
           <p:spPr>
             <a:xfrm rot="5400000">
-              <a:off x="4047471" y="2297345"/>
-              <a:ext cx="2273194" cy="2520280"/>
+              <a:off x="4054530" y="1858238"/>
+              <a:ext cx="2403091" cy="2664296"/>
             </a:xfrm>
             <a:prstGeom prst="wedgeRoundRectCallout">
               <a:avLst/>
@@ -10626,7 +10598,7 @@
             <p:cNvPr id="4" name="CaixaDeTexto 3">
               <a:extLst>
                 <a:ext uri="{FF2B5EF4-FFF2-40B4-BE49-F238E27FC236}">
-                  <a16:creationId xmlns:a16="http://schemas.microsoft.com/office/drawing/2014/main" xmlns="" id="{D8864BD8-EFB4-4A37-8195-112719DC3180}"/>
+                  <a16:creationId xmlns:a16="http://schemas.microsoft.com/office/drawing/2014/main" id="{D8864BD8-EFB4-4A37-8195-112719DC3180}"/>
                 </a:ext>
               </a:extLst>
             </p:cNvPr>
@@ -10635,8 +10607,8 @@
           </p:nvSpPr>
           <p:spPr>
             <a:xfrm>
-              <a:off x="4283968" y="2636912"/>
-              <a:ext cx="3240360" cy="1569660"/>
+              <a:off x="4139952" y="2132856"/>
+              <a:ext cx="1800200" cy="1815882"/>
             </a:xfrm>
             <a:prstGeom prst="rect">
               <a:avLst/>
@@ -10650,48 +10622,84 @@
             <a:lstStyle/>
             <a:p>
               <a:r>
-                <a:rPr lang="pt-BR" sz="2400" dirty="0">
+                <a:rPr lang="pt-BR" sz="2800" dirty="0">
+                  <a:solidFill>
+                    <a:srgbClr val="002060"/>
+                  </a:solidFill>
+                  <a:latin typeface="Righteous" panose="02010506000000020000" pitchFamily="2" charset="0"/>
+                </a:rPr>
+                <a:t>S</a:t>
+              </a:r>
+              <a:r>
+                <a:rPr lang="pt-BR" sz="2000" dirty="0">
                   <a:solidFill>
                     <a:srgbClr val="008EBA"/>
                   </a:solidFill>
                   <a:latin typeface="Righteous" panose="02010506000000020000" pitchFamily="2" charset="0"/>
                 </a:rPr>
-                <a:t>SUA</a:t>
+                <a:t>UA</a:t>
               </a:r>
             </a:p>
             <a:p>
               <a:r>
-                <a:rPr lang="pt-BR" sz="2400" dirty="0">
+                <a:rPr lang="pt-BR" sz="2800" dirty="0">
+                  <a:solidFill>
+                    <a:srgbClr val="002060"/>
+                  </a:solidFill>
+                  <a:latin typeface="Righteous" panose="02010506000000020000" pitchFamily="2" charset="0"/>
+                </a:rPr>
+                <a:t>T</a:t>
+              </a:r>
+              <a:r>
+                <a:rPr lang="pt-BR" sz="2000" dirty="0">
                   <a:solidFill>
                     <a:srgbClr val="008EBA"/>
                   </a:solidFill>
                   <a:latin typeface="Righteous" panose="02010506000000020000" pitchFamily="2" charset="0"/>
                 </a:rPr>
-                <a:t>TAREFA</a:t>
+                <a:t>AREFA</a:t>
               </a:r>
             </a:p>
             <a:p>
               <a:r>
-                <a:rPr lang="pt-BR" sz="2400" dirty="0">
+                <a:rPr lang="pt-BR" sz="2800" dirty="0">
+                  <a:solidFill>
+                    <a:srgbClr val="002060"/>
+                  </a:solidFill>
+                  <a:latin typeface="Righteous" panose="02010506000000020000" pitchFamily="2" charset="0"/>
+                </a:rPr>
+                <a:t>U</a:t>
+              </a:r>
+              <a:r>
+                <a:rPr lang="pt-BR" sz="2000" dirty="0">
                   <a:solidFill>
                     <a:srgbClr val="008EBA"/>
                   </a:solidFill>
                   <a:latin typeface="Righteous" panose="02010506000000020000" pitchFamily="2" charset="0"/>
                 </a:rPr>
-                <a:t>UNINDO</a:t>
+                <a:t>NINDO</a:t>
               </a:r>
             </a:p>
             <a:p>
               <a:r>
-                <a:rPr lang="pt-BR" sz="2400" dirty="0">
+                <a:rPr lang="pt-BR" sz="2800" dirty="0">
+                  <a:solidFill>
+                    <a:srgbClr val="002060"/>
+                  </a:solidFill>
+                  <a:latin typeface="Righteous" panose="02010506000000020000" pitchFamily="2" charset="0"/>
+                </a:rPr>
+                <a:t>D</a:t>
+              </a:r>
+              <a:r>
+                <a:rPr lang="pt-BR" sz="2000" dirty="0">
                   <a:solidFill>
                     <a:srgbClr val="008EBA"/>
                   </a:solidFill>
                   <a:latin typeface="Righteous" panose="02010506000000020000" pitchFamily="2" charset="0"/>
                 </a:rPr>
-                <a:t>DESTINOS</a:t>
+                <a:t>ESTINOS</a:t>
               </a:r>
-              <a:endParaRPr lang="pt-BR" sz="3600" dirty="0">
+              <a:endParaRPr lang="pt-BR" sz="3200" dirty="0">
                 <a:solidFill>
                   <a:srgbClr val="008EBA"/>
                 </a:solidFill>
@@ -10705,7 +10713,7 @@
             <p:cNvPr id="5" name="Agrupar 4">
               <a:extLst>
                 <a:ext uri="{FF2B5EF4-FFF2-40B4-BE49-F238E27FC236}">
-                  <a16:creationId xmlns:a16="http://schemas.microsoft.com/office/drawing/2014/main" xmlns="" id="{490416C6-D865-48B4-9EC4-7EA95BD62C2B}"/>
+                  <a16:creationId xmlns:a16="http://schemas.microsoft.com/office/drawing/2014/main" id="{490416C6-D865-48B4-9EC4-7EA95BD62C2B}"/>
                 </a:ext>
               </a:extLst>
             </p:cNvPr>
@@ -10714,8 +10722,8 @@
           </p:nvGrpSpPr>
           <p:grpSpPr>
             <a:xfrm>
-              <a:off x="4716016" y="4221088"/>
-              <a:ext cx="864096" cy="288852"/>
+              <a:off x="4932040" y="4005064"/>
+              <a:ext cx="648685" cy="216844"/>
               <a:chOff x="4788024" y="4509120"/>
               <a:chExt cx="864096" cy="288852"/>
             </a:xfrm>
@@ -10725,7 +10733,7 @@
               <p:cNvPr id="13" name="Agrupar 12">
                 <a:extLst>
                   <a:ext uri="{FF2B5EF4-FFF2-40B4-BE49-F238E27FC236}">
-                    <a16:creationId xmlns:a16="http://schemas.microsoft.com/office/drawing/2014/main" xmlns="" id="{BA46FBC4-2FC7-4858-8AC8-1AA7DC2698F2}"/>
+                    <a16:creationId xmlns:a16="http://schemas.microsoft.com/office/drawing/2014/main" id="{BA46FBC4-2FC7-4858-8AC8-1AA7DC2698F2}"/>
                   </a:ext>
                 </a:extLst>
               </p:cNvPr>
@@ -10750,7 +10758,7 @@
                 <p:cNvPr id="15" name="Retângulo 14">
                   <a:extLst>
                     <a:ext uri="{FF2B5EF4-FFF2-40B4-BE49-F238E27FC236}">
-                      <a16:creationId xmlns:a16="http://schemas.microsoft.com/office/drawing/2014/main" xmlns="" id="{9357BC88-5F9C-4B37-801F-740E49A99B2D}"/>
+                      <a16:creationId xmlns:a16="http://schemas.microsoft.com/office/drawing/2014/main" id="{9357BC88-5F9C-4B37-801F-740E49A99B2D}"/>
                     </a:ext>
                   </a:extLst>
                 </p:cNvPr>
@@ -10800,7 +10808,7 @@
                 <p:cNvPr id="16" name="Retângulo 15">
                   <a:extLst>
                     <a:ext uri="{FF2B5EF4-FFF2-40B4-BE49-F238E27FC236}">
-                      <a16:creationId xmlns:a16="http://schemas.microsoft.com/office/drawing/2014/main" xmlns="" id="{8883DCD6-A360-4639-9272-CB6FF4D1928B}"/>
+                      <a16:creationId xmlns:a16="http://schemas.microsoft.com/office/drawing/2014/main" id="{8883DCD6-A360-4639-9272-CB6FF4D1928B}"/>
                     </a:ext>
                   </a:extLst>
                 </p:cNvPr>
@@ -10850,7 +10858,7 @@
                 <p:cNvPr id="17" name="Forma Livre: Forma 16">
                   <a:extLst>
                     <a:ext uri="{FF2B5EF4-FFF2-40B4-BE49-F238E27FC236}">
-                      <a16:creationId xmlns:a16="http://schemas.microsoft.com/office/drawing/2014/main" xmlns="" id="{B2723843-0992-417D-B640-1F1E9CA98AE1}"/>
+                      <a16:creationId xmlns:a16="http://schemas.microsoft.com/office/drawing/2014/main" id="{B2723843-0992-417D-B640-1F1E9CA98AE1}"/>
                     </a:ext>
                   </a:extLst>
                 </p:cNvPr>
@@ -11015,7 +11023,7 @@
                 <p:cNvPr id="18" name="Forma Livre: Forma 17">
                   <a:extLst>
                     <a:ext uri="{FF2B5EF4-FFF2-40B4-BE49-F238E27FC236}">
-                      <a16:creationId xmlns:a16="http://schemas.microsoft.com/office/drawing/2014/main" xmlns="" id="{6DEBE9FE-475A-4D28-B483-7FC202F867C7}"/>
+                      <a16:creationId xmlns:a16="http://schemas.microsoft.com/office/drawing/2014/main" id="{6DEBE9FE-475A-4D28-B483-7FC202F867C7}"/>
                     </a:ext>
                   </a:extLst>
                 </p:cNvPr>
@@ -11165,7 +11173,7 @@
                 <p:cNvPr id="19" name="Forma Livre: Forma 18">
                   <a:extLst>
                     <a:ext uri="{FF2B5EF4-FFF2-40B4-BE49-F238E27FC236}">
-                      <a16:creationId xmlns:a16="http://schemas.microsoft.com/office/drawing/2014/main" xmlns="" id="{60F15F93-0A46-46A8-ACB4-E3DA08AD8176}"/>
+                      <a16:creationId xmlns:a16="http://schemas.microsoft.com/office/drawing/2014/main" id="{60F15F93-0A46-46A8-ACB4-E3DA08AD8176}"/>
                     </a:ext>
                   </a:extLst>
                 </p:cNvPr>
@@ -11461,7 +11469,7 @@
                 <p:cNvPr id="20" name="Agrupar 19">
                   <a:extLst>
                     <a:ext uri="{FF2B5EF4-FFF2-40B4-BE49-F238E27FC236}">
-                      <a16:creationId xmlns:a16="http://schemas.microsoft.com/office/drawing/2014/main" xmlns="" id="{178E7C7E-41B2-416D-A250-1E376B043CC5}"/>
+                      <a16:creationId xmlns:a16="http://schemas.microsoft.com/office/drawing/2014/main" id="{178E7C7E-41B2-416D-A250-1E376B043CC5}"/>
                     </a:ext>
                   </a:extLst>
                 </p:cNvPr>
@@ -11482,7 +11490,7 @@
                   <p:cNvPr id="21" name="Cruz 20">
                     <a:extLst>
                       <a:ext uri="{FF2B5EF4-FFF2-40B4-BE49-F238E27FC236}">
-                        <a16:creationId xmlns:a16="http://schemas.microsoft.com/office/drawing/2014/main" xmlns="" id="{2149E439-BB27-47A6-8B29-66258FD38C44}"/>
+                        <a16:creationId xmlns:a16="http://schemas.microsoft.com/office/drawing/2014/main" id="{2149E439-BB27-47A6-8B29-66258FD38C44}"/>
                       </a:ext>
                     </a:extLst>
                   </p:cNvPr>
@@ -11534,7 +11542,7 @@
                   <p:cNvPr id="22" name="Cruz 21">
                     <a:extLst>
                       <a:ext uri="{FF2B5EF4-FFF2-40B4-BE49-F238E27FC236}">
-                        <a16:creationId xmlns:a16="http://schemas.microsoft.com/office/drawing/2014/main" xmlns="" id="{FC33683E-1BC6-41EB-A0B6-69ED1DA02866}"/>
+                        <a16:creationId xmlns:a16="http://schemas.microsoft.com/office/drawing/2014/main" id="{FC33683E-1BC6-41EB-A0B6-69ED1DA02866}"/>
                       </a:ext>
                     </a:extLst>
                   </p:cNvPr>
@@ -11586,7 +11594,7 @@
                   <p:cNvPr id="23" name="Cruz 22">
                     <a:extLst>
                       <a:ext uri="{FF2B5EF4-FFF2-40B4-BE49-F238E27FC236}">
-                        <a16:creationId xmlns:a16="http://schemas.microsoft.com/office/drawing/2014/main" xmlns="" id="{10EF9D45-5ED9-4AB0-A47E-9068223F1CD6}"/>
+                        <a16:creationId xmlns:a16="http://schemas.microsoft.com/office/drawing/2014/main" id="{10EF9D45-5ED9-4AB0-A47E-9068223F1CD6}"/>
                       </a:ext>
                     </a:extLst>
                   </p:cNvPr>
@@ -11638,7 +11646,7 @@
                   <p:cNvPr id="24" name="Grupo 19">
                     <a:extLst>
                       <a:ext uri="{FF2B5EF4-FFF2-40B4-BE49-F238E27FC236}">
-                        <a16:creationId xmlns:a16="http://schemas.microsoft.com/office/drawing/2014/main" xmlns="" id="{034F0F40-7E9E-46BE-A8F4-803DCAAEE67D}"/>
+                        <a16:creationId xmlns:a16="http://schemas.microsoft.com/office/drawing/2014/main" id="{034F0F40-7E9E-46BE-A8F4-803DCAAEE67D}"/>
                       </a:ext>
                     </a:extLst>
                   </p:cNvPr>
@@ -11647,10 +11655,10 @@
                 </p:nvGrpSpPr>
                 <p:grpSpPr>
                   <a:xfrm>
-                    <a:off x="5832026" y="2241841"/>
-                    <a:ext cx="1292022" cy="1294198"/>
-                    <a:chOff x="4355976" y="1988840"/>
-                    <a:chExt cx="2592288" cy="2520280"/>
+                    <a:off x="5832033" y="2241841"/>
+                    <a:ext cx="1292015" cy="1294198"/>
+                    <a:chOff x="4355990" y="1988840"/>
+                    <a:chExt cx="2592274" cy="2520280"/>
                   </a:xfrm>
                   <a:grpFill/>
                 </p:grpSpPr>
@@ -11659,7 +11667,7 @@
                     <p:cNvPr id="25" name="Cruz 24">
                       <a:extLst>
                         <a:ext uri="{FF2B5EF4-FFF2-40B4-BE49-F238E27FC236}">
-                          <a16:creationId xmlns:a16="http://schemas.microsoft.com/office/drawing/2014/main" xmlns="" id="{0431BD47-C23F-4D16-A1BE-8ABFC2519B5F}"/>
+                          <a16:creationId xmlns:a16="http://schemas.microsoft.com/office/drawing/2014/main" id="{0431BD47-C23F-4D16-A1BE-8ABFC2519B5F}"/>
                         </a:ext>
                       </a:extLst>
                     </p:cNvPr>
@@ -11711,7 +11719,7 @@
                     <p:cNvPr id="26" name="Cruz 25">
                       <a:extLst>
                         <a:ext uri="{FF2B5EF4-FFF2-40B4-BE49-F238E27FC236}">
-                          <a16:creationId xmlns:a16="http://schemas.microsoft.com/office/drawing/2014/main" xmlns="" id="{0DE84CDA-DB56-4A8C-A859-AA59AD65F9EA}"/>
+                          <a16:creationId xmlns:a16="http://schemas.microsoft.com/office/drawing/2014/main" id="{0DE84CDA-DB56-4A8C-A859-AA59AD65F9EA}"/>
                         </a:ext>
                       </a:extLst>
                     </p:cNvPr>
@@ -11720,8 +11728,8 @@
                   </p:nvSpPr>
                   <p:spPr>
                     <a:xfrm>
-                      <a:off x="4355976" y="1988840"/>
-                      <a:ext cx="2520279" cy="2444272"/>
+                      <a:off x="4355990" y="1988840"/>
+                      <a:ext cx="2520279" cy="2444269"/>
                     </a:xfrm>
                     <a:prstGeom prst="plus">
                       <a:avLst>
@@ -11766,7 +11774,7 @@
               <p:cNvPr id="14" name="Triângulo Retângulo 13">
                 <a:extLst>
                   <a:ext uri="{FF2B5EF4-FFF2-40B4-BE49-F238E27FC236}">
-                    <a16:creationId xmlns:a16="http://schemas.microsoft.com/office/drawing/2014/main" xmlns="" id="{ACC57A60-211E-4911-8FD2-180C93A80BD0}"/>
+                    <a16:creationId xmlns:a16="http://schemas.microsoft.com/office/drawing/2014/main" id="{ACC57A60-211E-4911-8FD2-180C93A80BD0}"/>
                   </a:ext>
                 </a:extLst>
               </p:cNvPr>
@@ -11827,13 +11835,6 @@
   <p:clrMapOvr>
     <a:masterClrMapping/>
   </p:clrMapOvr>
-  <p:timing>
-    <p:tnLst>
-      <p:par>
-        <p:cTn id="1" dur="indefinite" restart="never" nodeType="tmRoot"/>
-      </p:par>
-    </p:tnLst>
-  </p:timing>
 </p:sld>
 </file>
 
@@ -12383,7 +12384,7 @@
           <p:cNvPr id="16" name="Agrupar 10">
             <a:extLst>
               <a:ext uri="{FF2B5EF4-FFF2-40B4-BE49-F238E27FC236}">
-                <a16:creationId xmlns:a16="http://schemas.microsoft.com/office/drawing/2014/main" xmlns="" id="{6AF02D4B-4DF3-475B-B829-3C06117FCA8A}"/>
+                <a16:creationId xmlns:a16="http://schemas.microsoft.com/office/drawing/2014/main" id="{6AF02D4B-4DF3-475B-B829-3C06117FCA8A}"/>
               </a:ext>
             </a:extLst>
           </p:cNvPr>
@@ -12403,7 +12404,7 @@
             <p:cNvPr id="19" name="Elipse 18">
               <a:extLst>
                 <a:ext uri="{FF2B5EF4-FFF2-40B4-BE49-F238E27FC236}">
-                  <a16:creationId xmlns:a16="http://schemas.microsoft.com/office/drawing/2014/main" xmlns="" id="{DC48528D-2244-4D30-8F41-EF1272F6C6E4}"/>
+                  <a16:creationId xmlns:a16="http://schemas.microsoft.com/office/drawing/2014/main" id="{DC48528D-2244-4D30-8F41-EF1272F6C6E4}"/>
                 </a:ext>
               </a:extLst>
             </p:cNvPr>
@@ -12455,7 +12456,7 @@
             <p:cNvPr id="24" name="Elipse 23">
               <a:extLst>
                 <a:ext uri="{FF2B5EF4-FFF2-40B4-BE49-F238E27FC236}">
-                  <a16:creationId xmlns:a16="http://schemas.microsoft.com/office/drawing/2014/main" xmlns="" id="{FC41C085-3866-4F15-B8F6-7312BBF43D3D}"/>
+                  <a16:creationId xmlns:a16="http://schemas.microsoft.com/office/drawing/2014/main" id="{FC41C085-3866-4F15-B8F6-7312BBF43D3D}"/>
                 </a:ext>
               </a:extLst>
             </p:cNvPr>
@@ -12518,7 +12519,7 @@
             <p:cNvPr id="25" name="Agrupar 9">
               <a:extLst>
                 <a:ext uri="{FF2B5EF4-FFF2-40B4-BE49-F238E27FC236}">
-                  <a16:creationId xmlns:a16="http://schemas.microsoft.com/office/drawing/2014/main" xmlns="" id="{1B5F2692-C765-4EC2-80E6-6BCCEE306581}"/>
+                  <a16:creationId xmlns:a16="http://schemas.microsoft.com/office/drawing/2014/main" id="{1B5F2692-C765-4EC2-80E6-6BCCEE306581}"/>
                 </a:ext>
               </a:extLst>
             </p:cNvPr>
@@ -12538,7 +12539,7 @@
               <p:cNvPr id="26" name="Retângulo: Cantos Arredondados 7">
                 <a:extLst>
                   <a:ext uri="{FF2B5EF4-FFF2-40B4-BE49-F238E27FC236}">
-                    <a16:creationId xmlns:a16="http://schemas.microsoft.com/office/drawing/2014/main" xmlns="" id="{642A98A9-5B39-4661-B7AD-4ED8AFAFC1E3}"/>
+                    <a16:creationId xmlns:a16="http://schemas.microsoft.com/office/drawing/2014/main" id="{642A98A9-5B39-4661-B7AD-4ED8AFAFC1E3}"/>
                   </a:ext>
                 </a:extLst>
               </p:cNvPr>
@@ -12592,7 +12593,7 @@
               <p:cNvPr id="27" name="Retângulo: Cantos Arredondados 8">
                 <a:extLst>
                   <a:ext uri="{FF2B5EF4-FFF2-40B4-BE49-F238E27FC236}">
-                    <a16:creationId xmlns:a16="http://schemas.microsoft.com/office/drawing/2014/main" xmlns="" id="{11C0A799-8BF3-4FE6-8C64-2079434EF400}"/>
+                    <a16:creationId xmlns:a16="http://schemas.microsoft.com/office/drawing/2014/main" id="{11C0A799-8BF3-4FE6-8C64-2079434EF400}"/>
                   </a:ext>
                 </a:extLst>
               </p:cNvPr>
@@ -12648,7 +12649,7 @@
           <p:cNvPr id="28" name="Agrupar 9">
             <a:extLst>
               <a:ext uri="{FF2B5EF4-FFF2-40B4-BE49-F238E27FC236}">
-                <a16:creationId xmlns:a16="http://schemas.microsoft.com/office/drawing/2014/main" xmlns="" id="{ADBF5DBA-6DC9-4430-AEE5-4797DB99B793}"/>
+                <a16:creationId xmlns:a16="http://schemas.microsoft.com/office/drawing/2014/main" id="{ADBF5DBA-6DC9-4430-AEE5-4797DB99B793}"/>
               </a:ext>
             </a:extLst>
           </p:cNvPr>
@@ -12668,7 +12669,7 @@
             <p:cNvPr id="29" name="Agrupar 4">
               <a:extLst>
                 <a:ext uri="{FF2B5EF4-FFF2-40B4-BE49-F238E27FC236}">
-                  <a16:creationId xmlns:a16="http://schemas.microsoft.com/office/drawing/2014/main" xmlns="" id="{6A4BADB4-8395-4D64-AA65-99E4BBA58AA6}"/>
+                  <a16:creationId xmlns:a16="http://schemas.microsoft.com/office/drawing/2014/main" id="{6A4BADB4-8395-4D64-AA65-99E4BBA58AA6}"/>
                 </a:ext>
               </a:extLst>
             </p:cNvPr>
@@ -12688,7 +12689,7 @@
               <p:cNvPr id="31" name="Elipse 30">
                 <a:extLst>
                   <a:ext uri="{FF2B5EF4-FFF2-40B4-BE49-F238E27FC236}">
-                    <a16:creationId xmlns:a16="http://schemas.microsoft.com/office/drawing/2014/main" xmlns="" id="{FC805A12-37B6-40BC-8F8F-70331A547323}"/>
+                    <a16:creationId xmlns:a16="http://schemas.microsoft.com/office/drawing/2014/main" id="{FC805A12-37B6-40BC-8F8F-70331A547323}"/>
                   </a:ext>
                 </a:extLst>
               </p:cNvPr>
@@ -12740,7 +12741,7 @@
               <p:cNvPr id="32" name="Elipse 31">
                 <a:extLst>
                   <a:ext uri="{FF2B5EF4-FFF2-40B4-BE49-F238E27FC236}">
-                    <a16:creationId xmlns:a16="http://schemas.microsoft.com/office/drawing/2014/main" xmlns="" id="{3B167D11-B095-4F49-A04C-1A3C7AF5E517}"/>
+                    <a16:creationId xmlns:a16="http://schemas.microsoft.com/office/drawing/2014/main" id="{3B167D11-B095-4F49-A04C-1A3C7AF5E517}"/>
                   </a:ext>
                 </a:extLst>
               </p:cNvPr>
@@ -12804,7 +12805,7 @@
             <p:cNvPr id="30" name="Balão de Pensamento: Nuvem 8">
               <a:extLst>
                 <a:ext uri="{FF2B5EF4-FFF2-40B4-BE49-F238E27FC236}">
-                  <a16:creationId xmlns:a16="http://schemas.microsoft.com/office/drawing/2014/main" xmlns="" id="{08B7F520-3234-41C8-82E4-15176AB69054}"/>
+                  <a16:creationId xmlns:a16="http://schemas.microsoft.com/office/drawing/2014/main" id="{08B7F520-3234-41C8-82E4-15176AB69054}"/>
                 </a:ext>
               </a:extLst>
             </p:cNvPr>
@@ -12871,7 +12872,7 @@
             <p:cNvPr id="34" name="Agrupar 28">
               <a:extLst>
                 <a:ext uri="{FF2B5EF4-FFF2-40B4-BE49-F238E27FC236}">
-                  <a16:creationId xmlns:a16="http://schemas.microsoft.com/office/drawing/2014/main" xmlns="" id="{D901CE6E-7119-4BCC-AFB1-6843519250D5}"/>
+                  <a16:creationId xmlns:a16="http://schemas.microsoft.com/office/drawing/2014/main" id="{D901CE6E-7119-4BCC-AFB1-6843519250D5}"/>
                 </a:ext>
               </a:extLst>
             </p:cNvPr>
@@ -12891,7 +12892,7 @@
               <p:cNvPr id="44" name="Elipse 43">
                 <a:extLst>
                   <a:ext uri="{FF2B5EF4-FFF2-40B4-BE49-F238E27FC236}">
-                    <a16:creationId xmlns:a16="http://schemas.microsoft.com/office/drawing/2014/main" xmlns="" id="{04088BF3-B2E4-40D9-8DE2-881FC9DDFA30}"/>
+                    <a16:creationId xmlns:a16="http://schemas.microsoft.com/office/drawing/2014/main" id="{04088BF3-B2E4-40D9-8DE2-881FC9DDFA30}"/>
                   </a:ext>
                 </a:extLst>
               </p:cNvPr>
@@ -12943,7 +12944,7 @@
               <p:cNvPr id="45" name="Elipse 44">
                 <a:extLst>
                   <a:ext uri="{FF2B5EF4-FFF2-40B4-BE49-F238E27FC236}">
-                    <a16:creationId xmlns:a16="http://schemas.microsoft.com/office/drawing/2014/main" xmlns="" id="{744C0D49-D95C-4385-B1D3-9CF3CE73F757}"/>
+                    <a16:creationId xmlns:a16="http://schemas.microsoft.com/office/drawing/2014/main" id="{744C0D49-D95C-4385-B1D3-9CF3CE73F757}"/>
                   </a:ext>
                 </a:extLst>
               </p:cNvPr>
@@ -13007,7 +13008,7 @@
             <p:cNvPr id="36" name="Agrupar 65">
               <a:extLst>
                 <a:ext uri="{FF2B5EF4-FFF2-40B4-BE49-F238E27FC236}">
-                  <a16:creationId xmlns:a16="http://schemas.microsoft.com/office/drawing/2014/main" xmlns="" id="{E6954B9F-5A79-48D6-8E26-CE435D817D49}"/>
+                  <a16:creationId xmlns:a16="http://schemas.microsoft.com/office/drawing/2014/main" id="{E6954B9F-5A79-48D6-8E26-CE435D817D49}"/>
                 </a:ext>
               </a:extLst>
             </p:cNvPr>
@@ -13030,7 +13031,7 @@
               <p:cNvPr id="37" name="Retângulo: Cantos Arredondados 42">
                 <a:extLst>
                   <a:ext uri="{FF2B5EF4-FFF2-40B4-BE49-F238E27FC236}">
-                    <a16:creationId xmlns:a16="http://schemas.microsoft.com/office/drawing/2014/main" xmlns="" id="{E26F953E-591C-42D2-BE35-A65C44304A4F}"/>
+                    <a16:creationId xmlns:a16="http://schemas.microsoft.com/office/drawing/2014/main" id="{E26F953E-591C-42D2-BE35-A65C44304A4F}"/>
                   </a:ext>
                 </a:extLst>
               </p:cNvPr>
@@ -13082,7 +13083,7 @@
               <p:cNvPr id="38" name="Retângulo: Cantos Arredondados 44">
                 <a:extLst>
                   <a:ext uri="{FF2B5EF4-FFF2-40B4-BE49-F238E27FC236}">
-                    <a16:creationId xmlns:a16="http://schemas.microsoft.com/office/drawing/2014/main" xmlns="" id="{27A23B4D-3B78-466F-BC1D-26F73EB37732}"/>
+                    <a16:creationId xmlns:a16="http://schemas.microsoft.com/office/drawing/2014/main" id="{27A23B4D-3B78-466F-BC1D-26F73EB37732}"/>
                   </a:ext>
                 </a:extLst>
               </p:cNvPr>
@@ -13134,7 +13135,7 @@
               <p:cNvPr id="39" name="Retângulo: Cantos Arredondados 45">
                 <a:extLst>
                   <a:ext uri="{FF2B5EF4-FFF2-40B4-BE49-F238E27FC236}">
-                    <a16:creationId xmlns:a16="http://schemas.microsoft.com/office/drawing/2014/main" xmlns="" id="{0DF5B6B1-60E6-42C2-897B-8E521DD10138}"/>
+                    <a16:creationId xmlns:a16="http://schemas.microsoft.com/office/drawing/2014/main" id="{0DF5B6B1-60E6-42C2-897B-8E521DD10138}"/>
                   </a:ext>
                 </a:extLst>
               </p:cNvPr>
@@ -13186,7 +13187,7 @@
               <p:cNvPr id="40" name="Forma Livre: Forma 48">
                 <a:extLst>
                   <a:ext uri="{FF2B5EF4-FFF2-40B4-BE49-F238E27FC236}">
-                    <a16:creationId xmlns:a16="http://schemas.microsoft.com/office/drawing/2014/main" xmlns="" id="{147EA51B-9824-4893-8BCB-944C95F4AD44}"/>
+                    <a16:creationId xmlns:a16="http://schemas.microsoft.com/office/drawing/2014/main" id="{147EA51B-9824-4893-8BCB-944C95F4AD44}"/>
                   </a:ext>
                 </a:extLst>
               </p:cNvPr>
@@ -13315,7 +13316,7 @@
               <p:cNvPr id="41" name="Retângulo 40">
                 <a:extLst>
                   <a:ext uri="{FF2B5EF4-FFF2-40B4-BE49-F238E27FC236}">
-                    <a16:creationId xmlns:a16="http://schemas.microsoft.com/office/drawing/2014/main" xmlns="" id="{49C67F48-55A3-422E-B4F5-9174C0AB9645}"/>
+                    <a16:creationId xmlns:a16="http://schemas.microsoft.com/office/drawing/2014/main" id="{49C67F48-55A3-422E-B4F5-9174C0AB9645}"/>
                   </a:ext>
                 </a:extLst>
               </p:cNvPr>
@@ -13365,7 +13366,7 @@
               <p:cNvPr id="42" name="Retângulo: Cantos Arredondados 50">
                 <a:extLst>
                   <a:ext uri="{FF2B5EF4-FFF2-40B4-BE49-F238E27FC236}">
-                    <a16:creationId xmlns:a16="http://schemas.microsoft.com/office/drawing/2014/main" xmlns="" id="{81588C93-3361-4B45-9648-2FA7EF14917B}"/>
+                    <a16:creationId xmlns:a16="http://schemas.microsoft.com/office/drawing/2014/main" id="{81588C93-3361-4B45-9648-2FA7EF14917B}"/>
                   </a:ext>
                 </a:extLst>
               </p:cNvPr>
@@ -13421,7 +13422,7 @@
               <p:cNvPr id="43" name="Retângulo: Cantos Arredondados 51">
                 <a:extLst>
                   <a:ext uri="{FF2B5EF4-FFF2-40B4-BE49-F238E27FC236}">
-                    <a16:creationId xmlns:a16="http://schemas.microsoft.com/office/drawing/2014/main" xmlns="" id="{40BD0A9D-8A67-4FEC-A85A-0C36C97F9065}"/>
+                    <a16:creationId xmlns:a16="http://schemas.microsoft.com/office/drawing/2014/main" id="{40BD0A9D-8A67-4FEC-A85A-0C36C97F9065}"/>
                   </a:ext>
                 </a:extLst>
               </p:cNvPr>
@@ -13479,7 +13480,7 @@
           <p:cNvPr id="46" name="Agrupar 66">
             <a:extLst>
               <a:ext uri="{FF2B5EF4-FFF2-40B4-BE49-F238E27FC236}">
-                <a16:creationId xmlns:a16="http://schemas.microsoft.com/office/drawing/2014/main" xmlns="" id="{79D28335-6CA8-48F7-9486-5670035BE61F}"/>
+                <a16:creationId xmlns:a16="http://schemas.microsoft.com/office/drawing/2014/main" id="{79D28335-6CA8-48F7-9486-5670035BE61F}"/>
               </a:ext>
             </a:extLst>
           </p:cNvPr>
@@ -13499,7 +13500,7 @@
             <p:cNvPr id="47" name="Agrupar 31">
               <a:extLst>
                 <a:ext uri="{FF2B5EF4-FFF2-40B4-BE49-F238E27FC236}">
-                  <a16:creationId xmlns:a16="http://schemas.microsoft.com/office/drawing/2014/main" xmlns="" id="{F76B8E54-6317-448B-8B57-939FECA23918}"/>
+                  <a16:creationId xmlns:a16="http://schemas.microsoft.com/office/drawing/2014/main" id="{F76B8E54-6317-448B-8B57-939FECA23918}"/>
                 </a:ext>
               </a:extLst>
             </p:cNvPr>
@@ -13519,7 +13520,7 @@
               <p:cNvPr id="69" name="Elipse 68">
                 <a:extLst>
                   <a:ext uri="{FF2B5EF4-FFF2-40B4-BE49-F238E27FC236}">
-                    <a16:creationId xmlns:a16="http://schemas.microsoft.com/office/drawing/2014/main" xmlns="" id="{BBB1FC3B-070F-4B35-B6A9-3E78AAADC53B}"/>
+                    <a16:creationId xmlns:a16="http://schemas.microsoft.com/office/drawing/2014/main" id="{BBB1FC3B-070F-4B35-B6A9-3E78AAADC53B}"/>
                   </a:ext>
                 </a:extLst>
               </p:cNvPr>
@@ -13571,7 +13572,7 @@
               <p:cNvPr id="70" name="Elipse 69">
                 <a:extLst>
                   <a:ext uri="{FF2B5EF4-FFF2-40B4-BE49-F238E27FC236}">
-                    <a16:creationId xmlns:a16="http://schemas.microsoft.com/office/drawing/2014/main" xmlns="" id="{282E9208-057A-4E62-8705-6BEE888AD164}"/>
+                    <a16:creationId xmlns:a16="http://schemas.microsoft.com/office/drawing/2014/main" id="{282E9208-057A-4E62-8705-6BEE888AD164}"/>
                   </a:ext>
                 </a:extLst>
               </p:cNvPr>
@@ -13635,7 +13636,7 @@
             <p:cNvPr id="48" name="Agrupar 37">
               <a:extLst>
                 <a:ext uri="{FF2B5EF4-FFF2-40B4-BE49-F238E27FC236}">
-                  <a16:creationId xmlns:a16="http://schemas.microsoft.com/office/drawing/2014/main" xmlns="" id="{C39DA378-5904-468B-9006-BB34426CAA6A}"/>
+                  <a16:creationId xmlns:a16="http://schemas.microsoft.com/office/drawing/2014/main" id="{C39DA378-5904-468B-9006-BB34426CAA6A}"/>
                 </a:ext>
               </a:extLst>
             </p:cNvPr>
@@ -13658,7 +13659,7 @@
               <p:cNvPr id="49" name="Agrupar 38">
                 <a:extLst>
                   <a:ext uri="{FF2B5EF4-FFF2-40B4-BE49-F238E27FC236}">
-                    <a16:creationId xmlns:a16="http://schemas.microsoft.com/office/drawing/2014/main" xmlns="" id="{4870CD5A-4864-48FF-9CA6-C7BB29574A14}"/>
+                    <a16:creationId xmlns:a16="http://schemas.microsoft.com/office/drawing/2014/main" id="{4870CD5A-4864-48FF-9CA6-C7BB29574A14}"/>
                   </a:ext>
                 </a:extLst>
               </p:cNvPr>
@@ -13679,7 +13680,7 @@
                 <p:cNvPr id="67" name="Forma Livre: Forma 64">
                   <a:extLst>
                     <a:ext uri="{FF2B5EF4-FFF2-40B4-BE49-F238E27FC236}">
-                      <a16:creationId xmlns:a16="http://schemas.microsoft.com/office/drawing/2014/main" xmlns="" id="{2AD9F40D-5F76-4B52-AF95-1CF338E6E047}"/>
+                      <a16:creationId xmlns:a16="http://schemas.microsoft.com/office/drawing/2014/main" id="{2AD9F40D-5F76-4B52-AF95-1CF338E6E047}"/>
                     </a:ext>
                   </a:extLst>
                 </p:cNvPr>
@@ -13764,7 +13765,7 @@
                 <p:cNvPr id="68" name="Forma Livre: Forma 65">
                   <a:extLst>
                     <a:ext uri="{FF2B5EF4-FFF2-40B4-BE49-F238E27FC236}">
-                      <a16:creationId xmlns:a16="http://schemas.microsoft.com/office/drawing/2014/main" xmlns="" id="{B6363304-AAE4-4576-9EC0-9D97FD7F4570}"/>
+                      <a16:creationId xmlns:a16="http://schemas.microsoft.com/office/drawing/2014/main" id="{B6363304-AAE4-4576-9EC0-9D97FD7F4570}"/>
                     </a:ext>
                   </a:extLst>
                 </p:cNvPr>
@@ -13850,7 +13851,7 @@
               <p:cNvPr id="50" name="Retângulo: Cantos Arredondados 39">
                 <a:extLst>
                   <a:ext uri="{FF2B5EF4-FFF2-40B4-BE49-F238E27FC236}">
-                    <a16:creationId xmlns:a16="http://schemas.microsoft.com/office/drawing/2014/main" xmlns="" id="{E84FDBE0-952B-4484-B8B4-2DFE7C0169EB}"/>
+                    <a16:creationId xmlns:a16="http://schemas.microsoft.com/office/drawing/2014/main" id="{E84FDBE0-952B-4484-B8B4-2DFE7C0169EB}"/>
                   </a:ext>
                 </a:extLst>
               </p:cNvPr>
@@ -13902,7 +13903,7 @@
               <p:cNvPr id="51" name="Retângulo 50">
                 <a:extLst>
                   <a:ext uri="{FF2B5EF4-FFF2-40B4-BE49-F238E27FC236}">
-                    <a16:creationId xmlns:a16="http://schemas.microsoft.com/office/drawing/2014/main" xmlns="" id="{504B7C1F-FF75-4E6E-8EA8-F310F9F98C49}"/>
+                    <a16:creationId xmlns:a16="http://schemas.microsoft.com/office/drawing/2014/main" id="{504B7C1F-FF75-4E6E-8EA8-F310F9F98C49}"/>
                   </a:ext>
                 </a:extLst>
               </p:cNvPr>
@@ -13952,7 +13953,7 @@
               <p:cNvPr id="52" name="Retângulo 51">
                 <a:extLst>
                   <a:ext uri="{FF2B5EF4-FFF2-40B4-BE49-F238E27FC236}">
-                    <a16:creationId xmlns:a16="http://schemas.microsoft.com/office/drawing/2014/main" xmlns="" id="{8CD10055-E6F4-423B-B3CD-4FE255A842D8}"/>
+                    <a16:creationId xmlns:a16="http://schemas.microsoft.com/office/drawing/2014/main" id="{8CD10055-E6F4-423B-B3CD-4FE255A842D8}"/>
                   </a:ext>
                 </a:extLst>
               </p:cNvPr>
@@ -14002,7 +14003,7 @@
               <p:cNvPr id="53" name="Retângulo 52">
                 <a:extLst>
                   <a:ext uri="{FF2B5EF4-FFF2-40B4-BE49-F238E27FC236}">
-                    <a16:creationId xmlns:a16="http://schemas.microsoft.com/office/drawing/2014/main" xmlns="" id="{4C2CC099-E32A-49B1-906A-62CD245E08B4}"/>
+                    <a16:creationId xmlns:a16="http://schemas.microsoft.com/office/drawing/2014/main" id="{4C2CC099-E32A-49B1-906A-62CD245E08B4}"/>
                   </a:ext>
                 </a:extLst>
               </p:cNvPr>
@@ -14052,7 +14053,7 @@
               <p:cNvPr id="54" name="Agrupar 43">
                 <a:extLst>
                   <a:ext uri="{FF2B5EF4-FFF2-40B4-BE49-F238E27FC236}">
-                    <a16:creationId xmlns:a16="http://schemas.microsoft.com/office/drawing/2014/main" xmlns="" id="{7FC28071-C5A4-4D9C-8C11-D0F99983D27F}"/>
+                    <a16:creationId xmlns:a16="http://schemas.microsoft.com/office/drawing/2014/main" id="{7FC28071-C5A4-4D9C-8C11-D0F99983D27F}"/>
                   </a:ext>
                 </a:extLst>
               </p:cNvPr>
@@ -14073,7 +14074,7 @@
                 <p:cNvPr id="65" name="Forma Livre: Forma 62">
                   <a:extLst>
                     <a:ext uri="{FF2B5EF4-FFF2-40B4-BE49-F238E27FC236}">
-                      <a16:creationId xmlns:a16="http://schemas.microsoft.com/office/drawing/2014/main" xmlns="" id="{C3AB2ABC-DB3D-4C9A-B36E-6BB7A4421041}"/>
+                      <a16:creationId xmlns:a16="http://schemas.microsoft.com/office/drawing/2014/main" id="{C3AB2ABC-DB3D-4C9A-B36E-6BB7A4421041}"/>
                     </a:ext>
                   </a:extLst>
                 </p:cNvPr>
@@ -14158,7 +14159,7 @@
                 <p:cNvPr id="66" name="Forma Livre: Forma 63">
                   <a:extLst>
                     <a:ext uri="{FF2B5EF4-FFF2-40B4-BE49-F238E27FC236}">
-                      <a16:creationId xmlns:a16="http://schemas.microsoft.com/office/drawing/2014/main" xmlns="" id="{1C697447-CA7D-405E-8628-61488C0CCF61}"/>
+                      <a16:creationId xmlns:a16="http://schemas.microsoft.com/office/drawing/2014/main" id="{1C697447-CA7D-405E-8628-61488C0CCF61}"/>
                     </a:ext>
                   </a:extLst>
                 </p:cNvPr>
@@ -14244,7 +14245,7 @@
               <p:cNvPr id="55" name="Retângulo: Cantos Arredondados 44">
                 <a:extLst>
                   <a:ext uri="{FF2B5EF4-FFF2-40B4-BE49-F238E27FC236}">
-                    <a16:creationId xmlns:a16="http://schemas.microsoft.com/office/drawing/2014/main" xmlns="" id="{2DB85195-2BC9-41FC-8FF7-4DA194475593}"/>
+                    <a16:creationId xmlns:a16="http://schemas.microsoft.com/office/drawing/2014/main" id="{2DB85195-2BC9-41FC-8FF7-4DA194475593}"/>
                   </a:ext>
                 </a:extLst>
               </p:cNvPr>
@@ -14296,7 +14297,7 @@
               <p:cNvPr id="56" name="Retângulo: Cantos Arredondados 45">
                 <a:extLst>
                   <a:ext uri="{FF2B5EF4-FFF2-40B4-BE49-F238E27FC236}">
-                    <a16:creationId xmlns:a16="http://schemas.microsoft.com/office/drawing/2014/main" xmlns="" id="{22120934-64E1-4243-A3C9-F2333CD81248}"/>
+                    <a16:creationId xmlns:a16="http://schemas.microsoft.com/office/drawing/2014/main" id="{22120934-64E1-4243-A3C9-F2333CD81248}"/>
                   </a:ext>
                 </a:extLst>
               </p:cNvPr>
@@ -14348,7 +14349,7 @@
               <p:cNvPr id="57" name="Forma Livre: Forma 46">
                 <a:extLst>
                   <a:ext uri="{FF2B5EF4-FFF2-40B4-BE49-F238E27FC236}">
-                    <a16:creationId xmlns:a16="http://schemas.microsoft.com/office/drawing/2014/main" xmlns="" id="{068BA003-CB8C-4A97-8A20-CE99A2056A9C}"/>
+                    <a16:creationId xmlns:a16="http://schemas.microsoft.com/office/drawing/2014/main" id="{068BA003-CB8C-4A97-8A20-CE99A2056A9C}"/>
                   </a:ext>
                 </a:extLst>
               </p:cNvPr>
@@ -14521,7 +14522,7 @@
               <p:cNvPr id="58" name="Agrupar 55">
                 <a:extLst>
                   <a:ext uri="{FF2B5EF4-FFF2-40B4-BE49-F238E27FC236}">
-                    <a16:creationId xmlns:a16="http://schemas.microsoft.com/office/drawing/2014/main" xmlns="" id="{9B875EC0-FE98-4078-8488-EC2DA10CD36F}"/>
+                    <a16:creationId xmlns:a16="http://schemas.microsoft.com/office/drawing/2014/main" id="{9B875EC0-FE98-4078-8488-EC2DA10CD36F}"/>
                   </a:ext>
                 </a:extLst>
               </p:cNvPr>
@@ -14542,7 +14543,7 @@
                 <p:cNvPr id="59" name="Forma Livre: Forma 56">
                   <a:extLst>
                     <a:ext uri="{FF2B5EF4-FFF2-40B4-BE49-F238E27FC236}">
-                      <a16:creationId xmlns:a16="http://schemas.microsoft.com/office/drawing/2014/main" xmlns="" id="{AB170364-870B-48AE-8BB7-23F5B559323F}"/>
+                      <a16:creationId xmlns:a16="http://schemas.microsoft.com/office/drawing/2014/main" id="{AB170364-870B-48AE-8BB7-23F5B559323F}"/>
                     </a:ext>
                   </a:extLst>
                 </p:cNvPr>
@@ -14687,7 +14688,7 @@
                 <p:cNvPr id="60" name="Forma Livre: Forma 57">
                   <a:extLst>
                     <a:ext uri="{FF2B5EF4-FFF2-40B4-BE49-F238E27FC236}">
-                      <a16:creationId xmlns:a16="http://schemas.microsoft.com/office/drawing/2014/main" xmlns="" id="{D75011AA-2CA3-43AA-909B-7FD66FB4407B}"/>
+                      <a16:creationId xmlns:a16="http://schemas.microsoft.com/office/drawing/2014/main" id="{D75011AA-2CA3-43AA-909B-7FD66FB4407B}"/>
                     </a:ext>
                   </a:extLst>
                 </p:cNvPr>
@@ -14832,7 +14833,7 @@
                 <p:cNvPr id="61" name="Elipse 60">
                   <a:extLst>
                     <a:ext uri="{FF2B5EF4-FFF2-40B4-BE49-F238E27FC236}">
-                      <a16:creationId xmlns:a16="http://schemas.microsoft.com/office/drawing/2014/main" xmlns="" id="{107D1028-E7C8-4F67-9675-BF4B317058C9}"/>
+                      <a16:creationId xmlns:a16="http://schemas.microsoft.com/office/drawing/2014/main" id="{107D1028-E7C8-4F67-9675-BF4B317058C9}"/>
                     </a:ext>
                   </a:extLst>
                 </p:cNvPr>
@@ -14894,7 +14895,7 @@
                 <p:cNvPr id="62" name="Retângulo: Cantos Arredondados 59">
                   <a:extLst>
                     <a:ext uri="{FF2B5EF4-FFF2-40B4-BE49-F238E27FC236}">
-                      <a16:creationId xmlns:a16="http://schemas.microsoft.com/office/drawing/2014/main" xmlns="" id="{F6D87E8A-C0A6-4044-AD19-03CAD4884A03}"/>
+                      <a16:creationId xmlns:a16="http://schemas.microsoft.com/office/drawing/2014/main" id="{F6D87E8A-C0A6-4044-AD19-03CAD4884A03}"/>
                     </a:ext>
                   </a:extLst>
                 </p:cNvPr>
@@ -14946,7 +14947,7 @@
                 <p:cNvPr id="63" name="Retângulo: Cantos Arredondados 60">
                   <a:extLst>
                     <a:ext uri="{FF2B5EF4-FFF2-40B4-BE49-F238E27FC236}">
-                      <a16:creationId xmlns:a16="http://schemas.microsoft.com/office/drawing/2014/main" xmlns="" id="{29BCB2F9-B9DC-4991-B0D7-4024858998C6}"/>
+                      <a16:creationId xmlns:a16="http://schemas.microsoft.com/office/drawing/2014/main" id="{29BCB2F9-B9DC-4991-B0D7-4024858998C6}"/>
                     </a:ext>
                   </a:extLst>
                 </p:cNvPr>
@@ -14998,7 +14999,7 @@
                 <p:cNvPr id="64" name="Retângulo: Cantos Arredondados 61">
                   <a:extLst>
                     <a:ext uri="{FF2B5EF4-FFF2-40B4-BE49-F238E27FC236}">
-                      <a16:creationId xmlns:a16="http://schemas.microsoft.com/office/drawing/2014/main" xmlns="" id="{B9CB0BB4-6CB8-4FEF-BF1C-671B6FC0FEDF}"/>
+                      <a16:creationId xmlns:a16="http://schemas.microsoft.com/office/drawing/2014/main" id="{B9CB0BB4-6CB8-4FEF-BF1C-671B6FC0FEDF}"/>
                     </a:ext>
                   </a:extLst>
                 </p:cNvPr>
@@ -15058,13 +15059,6 @@
   <p:clrMapOvr>
     <a:masterClrMapping/>
   </p:clrMapOvr>
-  <p:timing>
-    <p:tnLst>
-      <p:par>
-        <p:cTn id="1" dur="indefinite" restart="never" nodeType="tmRoot"/>
-      </p:par>
-    </p:tnLst>
-  </p:timing>
 </p:sld>
 </file>
 
@@ -15098,7 +15092,7 @@
           <p:cNvPr id="114" name="Agrupar 113">
             <a:extLst>
               <a:ext uri="{FF2B5EF4-FFF2-40B4-BE49-F238E27FC236}">
-                <a16:creationId xmlns:a16="http://schemas.microsoft.com/office/drawing/2014/main" xmlns="" id="{EC4A9AC8-F4D5-4B09-8F27-10182533BBE6}"/>
+                <a16:creationId xmlns:a16="http://schemas.microsoft.com/office/drawing/2014/main" id="{EC4A9AC8-F4D5-4B09-8F27-10182533BBE6}"/>
               </a:ext>
             </a:extLst>
           </p:cNvPr>
@@ -15118,7 +15112,7 @@
             <p:cNvPr id="115" name="Retângulo: Cantos Arredondados 114">
               <a:extLst>
                 <a:ext uri="{FF2B5EF4-FFF2-40B4-BE49-F238E27FC236}">
-                  <a16:creationId xmlns:a16="http://schemas.microsoft.com/office/drawing/2014/main" xmlns="" id="{EF1FC69D-3983-4649-A796-EEFD15A337AF}"/>
+                  <a16:creationId xmlns:a16="http://schemas.microsoft.com/office/drawing/2014/main" id="{EF1FC69D-3983-4649-A796-EEFD15A337AF}"/>
                 </a:ext>
               </a:extLst>
             </p:cNvPr>
@@ -15172,7 +15166,7 @@
             <p:cNvPr id="116" name="Retângulo: Cantos Arredondados 115">
               <a:extLst>
                 <a:ext uri="{FF2B5EF4-FFF2-40B4-BE49-F238E27FC236}">
-                  <a16:creationId xmlns:a16="http://schemas.microsoft.com/office/drawing/2014/main" xmlns="" id="{E9BE8618-AB65-42F4-9752-F24130D692A7}"/>
+                  <a16:creationId xmlns:a16="http://schemas.microsoft.com/office/drawing/2014/main" id="{E9BE8618-AB65-42F4-9752-F24130D692A7}"/>
                 </a:ext>
               </a:extLst>
             </p:cNvPr>
@@ -15226,7 +15220,7 @@
             <p:cNvPr id="117" name="Retângulo: Cantos Arredondados 116">
               <a:extLst>
                 <a:ext uri="{FF2B5EF4-FFF2-40B4-BE49-F238E27FC236}">
-                  <a16:creationId xmlns:a16="http://schemas.microsoft.com/office/drawing/2014/main" xmlns="" id="{877780EE-28A7-4A14-A0E6-0A3212B86155}"/>
+                  <a16:creationId xmlns:a16="http://schemas.microsoft.com/office/drawing/2014/main" id="{877780EE-28A7-4A14-A0E6-0A3212B86155}"/>
                 </a:ext>
               </a:extLst>
             </p:cNvPr>
@@ -15280,7 +15274,7 @@
             <p:cNvPr id="118" name="Forma Livre: Forma 117">
               <a:extLst>
                 <a:ext uri="{FF2B5EF4-FFF2-40B4-BE49-F238E27FC236}">
-                  <a16:creationId xmlns:a16="http://schemas.microsoft.com/office/drawing/2014/main" xmlns="" id="{B78ADCF5-F5CC-4A76-A645-64BB061DE346}"/>
+                  <a16:creationId xmlns:a16="http://schemas.microsoft.com/office/drawing/2014/main" id="{B78ADCF5-F5CC-4A76-A645-64BB061DE346}"/>
                 </a:ext>
               </a:extLst>
             </p:cNvPr>
@@ -15411,7 +15405,7 @@
             <p:cNvPr id="119" name="Retângulo 118">
               <a:extLst>
                 <a:ext uri="{FF2B5EF4-FFF2-40B4-BE49-F238E27FC236}">
-                  <a16:creationId xmlns:a16="http://schemas.microsoft.com/office/drawing/2014/main" xmlns="" id="{67F7C1E0-20D5-4DEF-AFBF-7E75BED02803}"/>
+                  <a16:creationId xmlns:a16="http://schemas.microsoft.com/office/drawing/2014/main" id="{67F7C1E0-20D5-4DEF-AFBF-7E75BED02803}"/>
                 </a:ext>
               </a:extLst>
             </p:cNvPr>
@@ -15463,7 +15457,7 @@
             <p:cNvPr id="120" name="Retângulo: Cantos Arredondados 119">
               <a:extLst>
                 <a:ext uri="{FF2B5EF4-FFF2-40B4-BE49-F238E27FC236}">
-                  <a16:creationId xmlns:a16="http://schemas.microsoft.com/office/drawing/2014/main" xmlns="" id="{7E3F3600-A9E2-4867-B866-D3808239A0A7}"/>
+                  <a16:creationId xmlns:a16="http://schemas.microsoft.com/office/drawing/2014/main" id="{7E3F3600-A9E2-4867-B866-D3808239A0A7}"/>
                 </a:ext>
               </a:extLst>
             </p:cNvPr>
@@ -15517,7 +15511,7 @@
             <p:cNvPr id="121" name="Retângulo: Cantos Arredondados 120">
               <a:extLst>
                 <a:ext uri="{FF2B5EF4-FFF2-40B4-BE49-F238E27FC236}">
-                  <a16:creationId xmlns:a16="http://schemas.microsoft.com/office/drawing/2014/main" xmlns="" id="{C2F572A8-FFF0-4736-BA07-19DD78D4F3C1}"/>
+                  <a16:creationId xmlns:a16="http://schemas.microsoft.com/office/drawing/2014/main" id="{C2F572A8-FFF0-4736-BA07-19DD78D4F3C1}"/>
                 </a:ext>
               </a:extLst>
             </p:cNvPr>
@@ -15589,7 +15583,7 @@
             <p:cNvPr id="31" name="Retângulo 30">
               <a:extLst>
                 <a:ext uri="{FF2B5EF4-FFF2-40B4-BE49-F238E27FC236}">
-                  <a16:creationId xmlns:a16="http://schemas.microsoft.com/office/drawing/2014/main" xmlns="" id="{1D35B8E0-5B77-4F78-B020-1D9680793D3F}"/>
+                  <a16:creationId xmlns:a16="http://schemas.microsoft.com/office/drawing/2014/main" id="{1D35B8E0-5B77-4F78-B020-1D9680793D3F}"/>
                 </a:ext>
               </a:extLst>
             </p:cNvPr>
@@ -15639,7 +15633,7 @@
             <p:cNvPr id="47" name="Forma Livre: Forma 46">
               <a:extLst>
                 <a:ext uri="{FF2B5EF4-FFF2-40B4-BE49-F238E27FC236}">
-                  <a16:creationId xmlns:a16="http://schemas.microsoft.com/office/drawing/2014/main" xmlns="" id="{CA5AA3B5-D86F-47B1-BF70-AFBE1E3895A9}"/>
+                  <a16:creationId xmlns:a16="http://schemas.microsoft.com/office/drawing/2014/main" id="{CA5AA3B5-D86F-47B1-BF70-AFBE1E3895A9}"/>
                 </a:ext>
               </a:extLst>
             </p:cNvPr>
@@ -15804,7 +15798,7 @@
             <p:cNvPr id="57" name="Forma Livre: Forma 56">
               <a:extLst>
                 <a:ext uri="{FF2B5EF4-FFF2-40B4-BE49-F238E27FC236}">
-                  <a16:creationId xmlns:a16="http://schemas.microsoft.com/office/drawing/2014/main" xmlns="" id="{7C85EB61-88CA-421C-AEE1-DD45034A253C}"/>
+                  <a16:creationId xmlns:a16="http://schemas.microsoft.com/office/drawing/2014/main" id="{7C85EB61-88CA-421C-AEE1-DD45034A253C}"/>
                 </a:ext>
               </a:extLst>
             </p:cNvPr>
@@ -15954,7 +15948,7 @@
             <p:cNvPr id="110" name="Forma Livre: Forma 109">
               <a:extLst>
                 <a:ext uri="{FF2B5EF4-FFF2-40B4-BE49-F238E27FC236}">
-                  <a16:creationId xmlns:a16="http://schemas.microsoft.com/office/drawing/2014/main" xmlns="" id="{FDB00EED-4104-4E00-8C7E-9370791D6384}"/>
+                  <a16:creationId xmlns:a16="http://schemas.microsoft.com/office/drawing/2014/main" id="{FDB00EED-4104-4E00-8C7E-9370791D6384}"/>
                 </a:ext>
               </a:extLst>
             </p:cNvPr>
@@ -16250,7 +16244,7 @@
             <p:cNvPr id="111" name="Agrupar 110">
               <a:extLst>
                 <a:ext uri="{FF2B5EF4-FFF2-40B4-BE49-F238E27FC236}">
-                  <a16:creationId xmlns:a16="http://schemas.microsoft.com/office/drawing/2014/main" xmlns="" id="{1E3B85D9-26F4-43E7-A9E1-BE1B8C7ADC16}"/>
+                  <a16:creationId xmlns:a16="http://schemas.microsoft.com/office/drawing/2014/main" id="{1E3B85D9-26F4-43E7-A9E1-BE1B8C7ADC16}"/>
                 </a:ext>
               </a:extLst>
             </p:cNvPr>
@@ -16271,7 +16265,7 @@
               <p:cNvPr id="97" name="Cruz 96">
                 <a:extLst>
                   <a:ext uri="{FF2B5EF4-FFF2-40B4-BE49-F238E27FC236}">
-                    <a16:creationId xmlns:a16="http://schemas.microsoft.com/office/drawing/2014/main" xmlns="" id="{A668293D-2470-4C9E-AF95-4EE1BC4E3F89}"/>
+                    <a16:creationId xmlns:a16="http://schemas.microsoft.com/office/drawing/2014/main" id="{A668293D-2470-4C9E-AF95-4EE1BC4E3F89}"/>
                   </a:ext>
                 </a:extLst>
               </p:cNvPr>
@@ -16323,7 +16317,7 @@
               <p:cNvPr id="98" name="Cruz 97">
                 <a:extLst>
                   <a:ext uri="{FF2B5EF4-FFF2-40B4-BE49-F238E27FC236}">
-                    <a16:creationId xmlns:a16="http://schemas.microsoft.com/office/drawing/2014/main" xmlns="" id="{3149B231-2A8A-426E-BBD1-97FF35078606}"/>
+                    <a16:creationId xmlns:a16="http://schemas.microsoft.com/office/drawing/2014/main" id="{3149B231-2A8A-426E-BBD1-97FF35078606}"/>
                   </a:ext>
                 </a:extLst>
               </p:cNvPr>
@@ -16375,7 +16369,7 @@
               <p:cNvPr id="99" name="Cruz 98">
                 <a:extLst>
                   <a:ext uri="{FF2B5EF4-FFF2-40B4-BE49-F238E27FC236}">
-                    <a16:creationId xmlns:a16="http://schemas.microsoft.com/office/drawing/2014/main" xmlns="" id="{6D16372F-0346-4C90-B0AE-50860F04A7FF}"/>
+                    <a16:creationId xmlns:a16="http://schemas.microsoft.com/office/drawing/2014/main" id="{6D16372F-0346-4C90-B0AE-50860F04A7FF}"/>
                   </a:ext>
                 </a:extLst>
               </p:cNvPr>
@@ -16427,7 +16421,7 @@
               <p:cNvPr id="100" name="Grupo 19">
                 <a:extLst>
                   <a:ext uri="{FF2B5EF4-FFF2-40B4-BE49-F238E27FC236}">
-                    <a16:creationId xmlns:a16="http://schemas.microsoft.com/office/drawing/2014/main" xmlns="" id="{ECD0E47B-370B-4933-B6E5-461C50CDE360}"/>
+                    <a16:creationId xmlns:a16="http://schemas.microsoft.com/office/drawing/2014/main" id="{ECD0E47B-370B-4933-B6E5-461C50CDE360}"/>
                   </a:ext>
                 </a:extLst>
               </p:cNvPr>
@@ -16448,7 +16442,7 @@
                 <p:cNvPr id="106" name="Cruz 105">
                   <a:extLst>
                     <a:ext uri="{FF2B5EF4-FFF2-40B4-BE49-F238E27FC236}">
-                      <a16:creationId xmlns:a16="http://schemas.microsoft.com/office/drawing/2014/main" xmlns="" id="{F8B3730A-DFFD-4F58-AB57-6BDC4ACCFB5C}"/>
+                      <a16:creationId xmlns:a16="http://schemas.microsoft.com/office/drawing/2014/main" id="{F8B3730A-DFFD-4F58-AB57-6BDC4ACCFB5C}"/>
                     </a:ext>
                   </a:extLst>
                 </p:cNvPr>
@@ -16500,7 +16494,7 @@
                 <p:cNvPr id="107" name="Cruz 106">
                   <a:extLst>
                     <a:ext uri="{FF2B5EF4-FFF2-40B4-BE49-F238E27FC236}">
-                      <a16:creationId xmlns:a16="http://schemas.microsoft.com/office/drawing/2014/main" xmlns="" id="{F107EE2E-F528-4C6C-9C0C-EB7826199496}"/>
+                      <a16:creationId xmlns:a16="http://schemas.microsoft.com/office/drawing/2014/main" id="{F107EE2E-F528-4C6C-9C0C-EB7826199496}"/>
                     </a:ext>
                   </a:extLst>
                 </p:cNvPr>
@@ -16569,7 +16563,7 @@
               <p:cNvPr id="32" name="Retângulo 31">
                 <a:extLst>
                   <a:ext uri="{FF2B5EF4-FFF2-40B4-BE49-F238E27FC236}">
-                    <a16:creationId xmlns:a16="http://schemas.microsoft.com/office/drawing/2014/main" xmlns="" id="{923F2C6A-2603-4687-9497-EA8730BB2C49}"/>
+                    <a16:creationId xmlns:a16="http://schemas.microsoft.com/office/drawing/2014/main" id="{923F2C6A-2603-4687-9497-EA8730BB2C49}"/>
                   </a:ext>
                 </a:extLst>
               </p:cNvPr>
@@ -16619,7 +16613,7 @@
               <p:cNvPr id="150" name="Triângulo Retângulo 149">
                 <a:extLst>
                   <a:ext uri="{FF2B5EF4-FFF2-40B4-BE49-F238E27FC236}">
-                    <a16:creationId xmlns:a16="http://schemas.microsoft.com/office/drawing/2014/main" xmlns="" id="{3AC26621-2860-4357-980C-DA92A2D14681}"/>
+                    <a16:creationId xmlns:a16="http://schemas.microsoft.com/office/drawing/2014/main" id="{3AC26621-2860-4357-980C-DA92A2D14681}"/>
                   </a:ext>
                 </a:extLst>
               </p:cNvPr>
@@ -16671,7 +16665,7 @@
           <p:cNvPr id="25" name="Agrupar 25">
             <a:extLst>
               <a:ext uri="{FF2B5EF4-FFF2-40B4-BE49-F238E27FC236}">
-                <a16:creationId xmlns:a16="http://schemas.microsoft.com/office/drawing/2014/main" xmlns="" id="{8CFA2B6F-F852-4EA1-BEF1-47F61F1D6F85}"/>
+                <a16:creationId xmlns:a16="http://schemas.microsoft.com/office/drawing/2014/main" id="{8CFA2B6F-F852-4EA1-BEF1-47F61F1D6F85}"/>
               </a:ext>
             </a:extLst>
           </p:cNvPr>
@@ -16691,7 +16685,7 @@
             <p:cNvPr id="26" name="Agrupar 3">
               <a:extLst>
                 <a:ext uri="{FF2B5EF4-FFF2-40B4-BE49-F238E27FC236}">
-                  <a16:creationId xmlns:a16="http://schemas.microsoft.com/office/drawing/2014/main" xmlns="" id="{C45FEF34-3D77-4245-91E6-21A8D7F39CAE}"/>
+                  <a16:creationId xmlns:a16="http://schemas.microsoft.com/office/drawing/2014/main" id="{C45FEF34-3D77-4245-91E6-21A8D7F39CAE}"/>
                 </a:ext>
               </a:extLst>
             </p:cNvPr>
@@ -16711,7 +16705,7 @@
               <p:cNvPr id="43" name="Retângulo: Cantos Arredondados 4">
                 <a:extLst>
                   <a:ext uri="{FF2B5EF4-FFF2-40B4-BE49-F238E27FC236}">
-                    <a16:creationId xmlns:a16="http://schemas.microsoft.com/office/drawing/2014/main" xmlns="" id="{2901A741-378D-4F90-9213-3C8C001BF999}"/>
+                    <a16:creationId xmlns:a16="http://schemas.microsoft.com/office/drawing/2014/main" id="{2901A741-378D-4F90-9213-3C8C001BF999}"/>
                   </a:ext>
                 </a:extLst>
               </p:cNvPr>
@@ -16762,7 +16756,7 @@
               <p:cNvPr id="44" name="Retângulo: Cantos Arredondados 5">
                 <a:extLst>
                   <a:ext uri="{FF2B5EF4-FFF2-40B4-BE49-F238E27FC236}">
-                    <a16:creationId xmlns:a16="http://schemas.microsoft.com/office/drawing/2014/main" xmlns="" id="{842C104C-6712-4FAB-A86A-FAC9CE782474}"/>
+                    <a16:creationId xmlns:a16="http://schemas.microsoft.com/office/drawing/2014/main" id="{842C104C-6712-4FAB-A86A-FAC9CE782474}"/>
                   </a:ext>
                 </a:extLst>
               </p:cNvPr>
@@ -16816,7 +16810,7 @@
               <p:cNvPr id="45" name="Retângulo: Cantos Arredondados 6">
                 <a:extLst>
                   <a:ext uri="{FF2B5EF4-FFF2-40B4-BE49-F238E27FC236}">
-                    <a16:creationId xmlns:a16="http://schemas.microsoft.com/office/drawing/2014/main" xmlns="" id="{255A55C9-6EA9-40DD-A50C-94EDA00AB2EC}"/>
+                    <a16:creationId xmlns:a16="http://schemas.microsoft.com/office/drawing/2014/main" id="{255A55C9-6EA9-40DD-A50C-94EDA00AB2EC}"/>
                   </a:ext>
                 </a:extLst>
               </p:cNvPr>
@@ -16870,7 +16864,7 @@
               <p:cNvPr id="46" name="Forma Livre: Forma 7">
                 <a:extLst>
                   <a:ext uri="{FF2B5EF4-FFF2-40B4-BE49-F238E27FC236}">
-                    <a16:creationId xmlns:a16="http://schemas.microsoft.com/office/drawing/2014/main" xmlns="" id="{8B1C2CE6-4108-48D3-8CBE-635179488ECA}"/>
+                    <a16:creationId xmlns:a16="http://schemas.microsoft.com/office/drawing/2014/main" id="{8B1C2CE6-4108-48D3-8CBE-635179488ECA}"/>
                   </a:ext>
                 </a:extLst>
               </p:cNvPr>
@@ -17001,7 +16995,7 @@
               <p:cNvPr id="48" name="Retângulo 47">
                 <a:extLst>
                   <a:ext uri="{FF2B5EF4-FFF2-40B4-BE49-F238E27FC236}">
-                    <a16:creationId xmlns:a16="http://schemas.microsoft.com/office/drawing/2014/main" xmlns="" id="{6444A46D-5BDF-4712-88E7-104DA9FAAFD4}"/>
+                    <a16:creationId xmlns:a16="http://schemas.microsoft.com/office/drawing/2014/main" id="{6444A46D-5BDF-4712-88E7-104DA9FAAFD4}"/>
                   </a:ext>
                 </a:extLst>
               </p:cNvPr>
@@ -17053,7 +17047,7 @@
               <p:cNvPr id="49" name="Retângulo: Cantos Arredondados 9">
                 <a:extLst>
                   <a:ext uri="{FF2B5EF4-FFF2-40B4-BE49-F238E27FC236}">
-                    <a16:creationId xmlns:a16="http://schemas.microsoft.com/office/drawing/2014/main" xmlns="" id="{881B3B66-2052-48AF-979B-60B32E1F7F9E}"/>
+                    <a16:creationId xmlns:a16="http://schemas.microsoft.com/office/drawing/2014/main" id="{881B3B66-2052-48AF-979B-60B32E1F7F9E}"/>
                   </a:ext>
                 </a:extLst>
               </p:cNvPr>
@@ -17107,7 +17101,7 @@
               <p:cNvPr id="50" name="Retângulo: Cantos Arredondados 10">
                 <a:extLst>
                   <a:ext uri="{FF2B5EF4-FFF2-40B4-BE49-F238E27FC236}">
-                    <a16:creationId xmlns:a16="http://schemas.microsoft.com/office/drawing/2014/main" xmlns="" id="{8212EF75-2EF8-4DFC-BEB5-5C95D755FCDA}"/>
+                    <a16:creationId xmlns:a16="http://schemas.microsoft.com/office/drawing/2014/main" id="{8212EF75-2EF8-4DFC-BEB5-5C95D755FCDA}"/>
                   </a:ext>
                 </a:extLst>
               </p:cNvPr>
@@ -17162,7 +17156,7 @@
             <p:cNvPr id="27" name="Agrupar 11">
               <a:extLst>
                 <a:ext uri="{FF2B5EF4-FFF2-40B4-BE49-F238E27FC236}">
-                  <a16:creationId xmlns:a16="http://schemas.microsoft.com/office/drawing/2014/main" xmlns="" id="{97B2E01E-EC47-4BCE-BC4F-99A6EC444B19}"/>
+                  <a16:creationId xmlns:a16="http://schemas.microsoft.com/office/drawing/2014/main" id="{97B2E01E-EC47-4BCE-BC4F-99A6EC444B19}"/>
                 </a:ext>
               </a:extLst>
             </p:cNvPr>
@@ -17182,7 +17176,7 @@
               <p:cNvPr id="41" name="Retângulo: Cantos Arredondados 12">
                 <a:extLst>
                   <a:ext uri="{FF2B5EF4-FFF2-40B4-BE49-F238E27FC236}">
-                    <a16:creationId xmlns:a16="http://schemas.microsoft.com/office/drawing/2014/main" xmlns="" id="{10540542-C57F-4691-AF17-40583ACBA3F1}"/>
+                    <a16:creationId xmlns:a16="http://schemas.microsoft.com/office/drawing/2014/main" id="{10540542-C57F-4691-AF17-40583ACBA3F1}"/>
                   </a:ext>
                 </a:extLst>
               </p:cNvPr>
@@ -17236,7 +17230,7 @@
               <p:cNvPr id="42" name="Retângulo: Cantos Arredondados 13">
                 <a:extLst>
                   <a:ext uri="{FF2B5EF4-FFF2-40B4-BE49-F238E27FC236}">
-                    <a16:creationId xmlns:a16="http://schemas.microsoft.com/office/drawing/2014/main" xmlns="" id="{552902B3-14B4-4F02-ABBE-E36047405A23}"/>
+                    <a16:creationId xmlns:a16="http://schemas.microsoft.com/office/drawing/2014/main" id="{552902B3-14B4-4F02-ABBE-E36047405A23}"/>
                   </a:ext>
                 </a:extLst>
               </p:cNvPr>
@@ -17291,7 +17285,7 @@
             <p:cNvPr id="28" name="Agrupar 14">
               <a:extLst>
                 <a:ext uri="{FF2B5EF4-FFF2-40B4-BE49-F238E27FC236}">
-                  <a16:creationId xmlns:a16="http://schemas.microsoft.com/office/drawing/2014/main" xmlns="" id="{4DD22468-0F77-455F-8343-D2977BA9D815}"/>
+                  <a16:creationId xmlns:a16="http://schemas.microsoft.com/office/drawing/2014/main" id="{4DD22468-0F77-455F-8343-D2977BA9D815}"/>
                 </a:ext>
               </a:extLst>
             </p:cNvPr>
@@ -17311,7 +17305,7 @@
               <p:cNvPr id="39" name="Retângulo: Cantos Arredondados 15">
                 <a:extLst>
                   <a:ext uri="{FF2B5EF4-FFF2-40B4-BE49-F238E27FC236}">
-                    <a16:creationId xmlns:a16="http://schemas.microsoft.com/office/drawing/2014/main" xmlns="" id="{2D72A34F-4564-471A-B6AA-AE1DF400A26F}"/>
+                    <a16:creationId xmlns:a16="http://schemas.microsoft.com/office/drawing/2014/main" id="{2D72A34F-4564-471A-B6AA-AE1DF400A26F}"/>
                   </a:ext>
                 </a:extLst>
               </p:cNvPr>
@@ -17365,7 +17359,7 @@
               <p:cNvPr id="40" name="Retângulo: Cantos Arredondados 16">
                 <a:extLst>
                   <a:ext uri="{FF2B5EF4-FFF2-40B4-BE49-F238E27FC236}">
-                    <a16:creationId xmlns:a16="http://schemas.microsoft.com/office/drawing/2014/main" xmlns="" id="{29E778E2-383E-4A56-974F-1F35B702221A}"/>
+                    <a16:creationId xmlns:a16="http://schemas.microsoft.com/office/drawing/2014/main" id="{29E778E2-383E-4A56-974F-1F35B702221A}"/>
                   </a:ext>
                 </a:extLst>
               </p:cNvPr>
@@ -17420,7 +17414,7 @@
             <p:cNvPr id="29" name="Agrupar 17">
               <a:extLst>
                 <a:ext uri="{FF2B5EF4-FFF2-40B4-BE49-F238E27FC236}">
-                  <a16:creationId xmlns:a16="http://schemas.microsoft.com/office/drawing/2014/main" xmlns="" id="{1C1086BE-5C78-46C5-8759-F221A1473050}"/>
+                  <a16:creationId xmlns:a16="http://schemas.microsoft.com/office/drawing/2014/main" id="{1C1086BE-5C78-46C5-8759-F221A1473050}"/>
                 </a:ext>
               </a:extLst>
             </p:cNvPr>
@@ -17440,7 +17434,7 @@
               <p:cNvPr id="33" name="Forma Livre: Forma 18">
                 <a:extLst>
                   <a:ext uri="{FF2B5EF4-FFF2-40B4-BE49-F238E27FC236}">
-                    <a16:creationId xmlns:a16="http://schemas.microsoft.com/office/drawing/2014/main" xmlns="" id="{A5FF4AA1-FB76-4089-AF79-C37CF505E719}"/>
+                    <a16:creationId xmlns:a16="http://schemas.microsoft.com/office/drawing/2014/main" id="{A5FF4AA1-FB76-4089-AF79-C37CF505E719}"/>
                   </a:ext>
                 </a:extLst>
               </p:cNvPr>
@@ -17575,7 +17569,7 @@
               <p:cNvPr id="34" name="Forma Livre: Forma 19">
                 <a:extLst>
                   <a:ext uri="{FF2B5EF4-FFF2-40B4-BE49-F238E27FC236}">
-                    <a16:creationId xmlns:a16="http://schemas.microsoft.com/office/drawing/2014/main" xmlns="" id="{F8045286-37AC-4911-A671-477E8EB257A2}"/>
+                    <a16:creationId xmlns:a16="http://schemas.microsoft.com/office/drawing/2014/main" id="{F8045286-37AC-4911-A671-477E8EB257A2}"/>
                   </a:ext>
                 </a:extLst>
               </p:cNvPr>
@@ -17710,7 +17704,7 @@
               <p:cNvPr id="35" name="Elipse 34">
                 <a:extLst>
                   <a:ext uri="{FF2B5EF4-FFF2-40B4-BE49-F238E27FC236}">
-                    <a16:creationId xmlns:a16="http://schemas.microsoft.com/office/drawing/2014/main" xmlns="" id="{CD452FDD-69B7-4E28-B5E7-0FEFB45E205A}"/>
+                    <a16:creationId xmlns:a16="http://schemas.microsoft.com/office/drawing/2014/main" id="{CD452FDD-69B7-4E28-B5E7-0FEFB45E205A}"/>
                   </a:ext>
                 </a:extLst>
               </p:cNvPr>
@@ -17762,7 +17756,7 @@
               <p:cNvPr id="36" name="Retângulo: Cantos Arredondados 21">
                 <a:extLst>
                   <a:ext uri="{FF2B5EF4-FFF2-40B4-BE49-F238E27FC236}">
-                    <a16:creationId xmlns:a16="http://schemas.microsoft.com/office/drawing/2014/main" xmlns="" id="{AF7D2798-BB73-466E-A25A-A2621184FA04}"/>
+                    <a16:creationId xmlns:a16="http://schemas.microsoft.com/office/drawing/2014/main" id="{AF7D2798-BB73-466E-A25A-A2621184FA04}"/>
                   </a:ext>
                 </a:extLst>
               </p:cNvPr>
@@ -17816,7 +17810,7 @@
               <p:cNvPr id="37" name="Retângulo: Cantos Arredondados 22">
                 <a:extLst>
                   <a:ext uri="{FF2B5EF4-FFF2-40B4-BE49-F238E27FC236}">
-                    <a16:creationId xmlns:a16="http://schemas.microsoft.com/office/drawing/2014/main" xmlns="" id="{3E77055B-F661-42D4-86CB-10C4D49F7934}"/>
+                    <a16:creationId xmlns:a16="http://schemas.microsoft.com/office/drawing/2014/main" id="{3E77055B-F661-42D4-86CB-10C4D49F7934}"/>
                   </a:ext>
                 </a:extLst>
               </p:cNvPr>
@@ -17870,7 +17864,7 @@
               <p:cNvPr id="38" name="Retângulo: Cantos Arredondados 23">
                 <a:extLst>
                   <a:ext uri="{FF2B5EF4-FFF2-40B4-BE49-F238E27FC236}">
-                    <a16:creationId xmlns:a16="http://schemas.microsoft.com/office/drawing/2014/main" xmlns="" id="{2D266FA5-5903-44D9-9DC7-DCB4A530544F}"/>
+                    <a16:creationId xmlns:a16="http://schemas.microsoft.com/office/drawing/2014/main" id="{2D266FA5-5903-44D9-9DC7-DCB4A530544F}"/>
                   </a:ext>
                 </a:extLst>
               </p:cNvPr>
@@ -17925,7 +17919,7 @@
             <p:cNvPr id="30" name="Forma Livre: Forma 24">
               <a:extLst>
                 <a:ext uri="{FF2B5EF4-FFF2-40B4-BE49-F238E27FC236}">
-                  <a16:creationId xmlns:a16="http://schemas.microsoft.com/office/drawing/2014/main" xmlns="" id="{59EBB5C9-01FD-4920-B60F-971211221B04}"/>
+                  <a16:creationId xmlns:a16="http://schemas.microsoft.com/office/drawing/2014/main" id="{59EBB5C9-01FD-4920-B60F-971211221B04}"/>
                 </a:ext>
               </a:extLst>
             </p:cNvPr>
@@ -18477,7 +18471,7 @@
               <p:cNvPr id="63" name="Agrupar 3">
                 <a:extLst>
                   <a:ext uri="{FF2B5EF4-FFF2-40B4-BE49-F238E27FC236}">
-                    <a16:creationId xmlns:a16="http://schemas.microsoft.com/office/drawing/2014/main" xmlns="" id="{C45FEF34-3D77-4245-91E6-21A8D7F39CAE}"/>
+                    <a16:creationId xmlns:a16="http://schemas.microsoft.com/office/drawing/2014/main" id="{C45FEF34-3D77-4245-91E6-21A8D7F39CAE}"/>
                   </a:ext>
                 </a:extLst>
               </p:cNvPr>
@@ -18497,7 +18491,7 @@
                 <p:cNvPr id="74" name="Retângulo: Cantos Arredondados 4">
                   <a:extLst>
                     <a:ext uri="{FF2B5EF4-FFF2-40B4-BE49-F238E27FC236}">
-                      <a16:creationId xmlns:a16="http://schemas.microsoft.com/office/drawing/2014/main" xmlns="" id="{2901A741-378D-4F90-9213-3C8C001BF999}"/>
+                      <a16:creationId xmlns:a16="http://schemas.microsoft.com/office/drawing/2014/main" id="{2901A741-378D-4F90-9213-3C8C001BF999}"/>
                     </a:ext>
                   </a:extLst>
                 </p:cNvPr>
@@ -18548,7 +18542,7 @@
                 <p:cNvPr id="75" name="Retângulo: Cantos Arredondados 5">
                   <a:extLst>
                     <a:ext uri="{FF2B5EF4-FFF2-40B4-BE49-F238E27FC236}">
-                      <a16:creationId xmlns:a16="http://schemas.microsoft.com/office/drawing/2014/main" xmlns="" id="{842C104C-6712-4FAB-A86A-FAC9CE782474}"/>
+                      <a16:creationId xmlns:a16="http://schemas.microsoft.com/office/drawing/2014/main" id="{842C104C-6712-4FAB-A86A-FAC9CE782474}"/>
                     </a:ext>
                   </a:extLst>
                 </p:cNvPr>
@@ -18602,7 +18596,7 @@
                 <p:cNvPr id="76" name="Retângulo: Cantos Arredondados 6">
                   <a:extLst>
                     <a:ext uri="{FF2B5EF4-FFF2-40B4-BE49-F238E27FC236}">
-                      <a16:creationId xmlns:a16="http://schemas.microsoft.com/office/drawing/2014/main" xmlns="" id="{255A55C9-6EA9-40DD-A50C-94EDA00AB2EC}"/>
+                      <a16:creationId xmlns:a16="http://schemas.microsoft.com/office/drawing/2014/main" id="{255A55C9-6EA9-40DD-A50C-94EDA00AB2EC}"/>
                     </a:ext>
                   </a:extLst>
                 </p:cNvPr>
@@ -18656,7 +18650,7 @@
                 <p:cNvPr id="77" name="Forma Livre: Forma 7">
                   <a:extLst>
                     <a:ext uri="{FF2B5EF4-FFF2-40B4-BE49-F238E27FC236}">
-                      <a16:creationId xmlns:a16="http://schemas.microsoft.com/office/drawing/2014/main" xmlns="" id="{8B1C2CE6-4108-48D3-8CBE-635179488ECA}"/>
+                      <a16:creationId xmlns:a16="http://schemas.microsoft.com/office/drawing/2014/main" id="{8B1C2CE6-4108-48D3-8CBE-635179488ECA}"/>
                     </a:ext>
                   </a:extLst>
                 </p:cNvPr>
@@ -18787,7 +18781,7 @@
                 <p:cNvPr id="78" name="Retângulo 77">
                   <a:extLst>
                     <a:ext uri="{FF2B5EF4-FFF2-40B4-BE49-F238E27FC236}">
-                      <a16:creationId xmlns:a16="http://schemas.microsoft.com/office/drawing/2014/main" xmlns="" id="{6444A46D-5BDF-4712-88E7-104DA9FAAFD4}"/>
+                      <a16:creationId xmlns:a16="http://schemas.microsoft.com/office/drawing/2014/main" id="{6444A46D-5BDF-4712-88E7-104DA9FAAFD4}"/>
                     </a:ext>
                   </a:extLst>
                 </p:cNvPr>
@@ -18839,7 +18833,7 @@
                 <p:cNvPr id="79" name="Retângulo: Cantos Arredondados 9">
                   <a:extLst>
                     <a:ext uri="{FF2B5EF4-FFF2-40B4-BE49-F238E27FC236}">
-                      <a16:creationId xmlns:a16="http://schemas.microsoft.com/office/drawing/2014/main" xmlns="" id="{881B3B66-2052-48AF-979B-60B32E1F7F9E}"/>
+                      <a16:creationId xmlns:a16="http://schemas.microsoft.com/office/drawing/2014/main" id="{881B3B66-2052-48AF-979B-60B32E1F7F9E}"/>
                     </a:ext>
                   </a:extLst>
                 </p:cNvPr>
@@ -18893,7 +18887,7 @@
                 <p:cNvPr id="80" name="Retângulo: Cantos Arredondados 10">
                   <a:extLst>
                     <a:ext uri="{FF2B5EF4-FFF2-40B4-BE49-F238E27FC236}">
-                      <a16:creationId xmlns:a16="http://schemas.microsoft.com/office/drawing/2014/main" xmlns="" id="{8212EF75-2EF8-4DFC-BEB5-5C95D755FCDA}"/>
+                      <a16:creationId xmlns:a16="http://schemas.microsoft.com/office/drawing/2014/main" id="{8212EF75-2EF8-4DFC-BEB5-5C95D755FCDA}"/>
                     </a:ext>
                   </a:extLst>
                 </p:cNvPr>
@@ -18948,7 +18942,7 @@
               <p:cNvPr id="64" name="Agrupar 17">
                 <a:extLst>
                   <a:ext uri="{FF2B5EF4-FFF2-40B4-BE49-F238E27FC236}">
-                    <a16:creationId xmlns:a16="http://schemas.microsoft.com/office/drawing/2014/main" xmlns="" id="{1C1086BE-5C78-46C5-8759-F221A1473050}"/>
+                    <a16:creationId xmlns:a16="http://schemas.microsoft.com/office/drawing/2014/main" id="{1C1086BE-5C78-46C5-8759-F221A1473050}"/>
                   </a:ext>
                 </a:extLst>
               </p:cNvPr>
@@ -18968,7 +18962,7 @@
                 <p:cNvPr id="68" name="Forma Livre: Forma 18">
                   <a:extLst>
                     <a:ext uri="{FF2B5EF4-FFF2-40B4-BE49-F238E27FC236}">
-                      <a16:creationId xmlns:a16="http://schemas.microsoft.com/office/drawing/2014/main" xmlns="" id="{A5FF4AA1-FB76-4089-AF79-C37CF505E719}"/>
+                      <a16:creationId xmlns:a16="http://schemas.microsoft.com/office/drawing/2014/main" id="{A5FF4AA1-FB76-4089-AF79-C37CF505E719}"/>
                     </a:ext>
                   </a:extLst>
                 </p:cNvPr>
@@ -19103,7 +19097,7 @@
                 <p:cNvPr id="69" name="Forma Livre: Forma 19">
                   <a:extLst>
                     <a:ext uri="{FF2B5EF4-FFF2-40B4-BE49-F238E27FC236}">
-                      <a16:creationId xmlns:a16="http://schemas.microsoft.com/office/drawing/2014/main" xmlns="" id="{F8045286-37AC-4911-A671-477E8EB257A2}"/>
+                      <a16:creationId xmlns:a16="http://schemas.microsoft.com/office/drawing/2014/main" id="{F8045286-37AC-4911-A671-477E8EB257A2}"/>
                     </a:ext>
                   </a:extLst>
                 </p:cNvPr>
@@ -19238,7 +19232,7 @@
                 <p:cNvPr id="70" name="Elipse 69">
                   <a:extLst>
                     <a:ext uri="{FF2B5EF4-FFF2-40B4-BE49-F238E27FC236}">
-                      <a16:creationId xmlns:a16="http://schemas.microsoft.com/office/drawing/2014/main" xmlns="" id="{CD452FDD-69B7-4E28-B5E7-0FEFB45E205A}"/>
+                      <a16:creationId xmlns:a16="http://schemas.microsoft.com/office/drawing/2014/main" id="{CD452FDD-69B7-4E28-B5E7-0FEFB45E205A}"/>
                     </a:ext>
                   </a:extLst>
                 </p:cNvPr>
@@ -19290,7 +19284,7 @@
                 <p:cNvPr id="71" name="Retângulo: Cantos Arredondados 21">
                   <a:extLst>
                     <a:ext uri="{FF2B5EF4-FFF2-40B4-BE49-F238E27FC236}">
-                      <a16:creationId xmlns:a16="http://schemas.microsoft.com/office/drawing/2014/main" xmlns="" id="{AF7D2798-BB73-466E-A25A-A2621184FA04}"/>
+                      <a16:creationId xmlns:a16="http://schemas.microsoft.com/office/drawing/2014/main" id="{AF7D2798-BB73-466E-A25A-A2621184FA04}"/>
                     </a:ext>
                   </a:extLst>
                 </p:cNvPr>
@@ -19344,7 +19338,7 @@
                 <p:cNvPr id="72" name="Retângulo: Cantos Arredondados 22">
                   <a:extLst>
                     <a:ext uri="{FF2B5EF4-FFF2-40B4-BE49-F238E27FC236}">
-                      <a16:creationId xmlns:a16="http://schemas.microsoft.com/office/drawing/2014/main" xmlns="" id="{3E77055B-F661-42D4-86CB-10C4D49F7934}"/>
+                      <a16:creationId xmlns:a16="http://schemas.microsoft.com/office/drawing/2014/main" id="{3E77055B-F661-42D4-86CB-10C4D49F7934}"/>
                     </a:ext>
                   </a:extLst>
                 </p:cNvPr>
@@ -19398,7 +19392,7 @@
                 <p:cNvPr id="73" name="Retângulo: Cantos Arredondados 23">
                   <a:extLst>
                     <a:ext uri="{FF2B5EF4-FFF2-40B4-BE49-F238E27FC236}">
-                      <a16:creationId xmlns:a16="http://schemas.microsoft.com/office/drawing/2014/main" xmlns="" id="{2D266FA5-5903-44D9-9DC7-DCB4A530544F}"/>
+                      <a16:creationId xmlns:a16="http://schemas.microsoft.com/office/drawing/2014/main" id="{2D266FA5-5903-44D9-9DC7-DCB4A530544F}"/>
                     </a:ext>
                   </a:extLst>
                 </p:cNvPr>
@@ -19453,7 +19447,7 @@
               <p:cNvPr id="65" name="Forma Livre: Forma 24">
                 <a:extLst>
                   <a:ext uri="{FF2B5EF4-FFF2-40B4-BE49-F238E27FC236}">
-                    <a16:creationId xmlns:a16="http://schemas.microsoft.com/office/drawing/2014/main" xmlns="" id="{59EBB5C9-01FD-4920-B60F-971211221B04}"/>
+                    <a16:creationId xmlns:a16="http://schemas.microsoft.com/office/drawing/2014/main" id="{59EBB5C9-01FD-4920-B60F-971211221B04}"/>
                   </a:ext>
                 </a:extLst>
               </p:cNvPr>
@@ -19613,7 +19607,7 @@
             <p:cNvPr id="27" name="Agrupar 11">
               <a:extLst>
                 <a:ext uri="{FF2B5EF4-FFF2-40B4-BE49-F238E27FC236}">
-                  <a16:creationId xmlns:a16="http://schemas.microsoft.com/office/drawing/2014/main" xmlns="" id="{97B2E01E-EC47-4BCE-BC4F-99A6EC444B19}"/>
+                  <a16:creationId xmlns:a16="http://schemas.microsoft.com/office/drawing/2014/main" id="{97B2E01E-EC47-4BCE-BC4F-99A6EC444B19}"/>
                 </a:ext>
               </a:extLst>
             </p:cNvPr>
@@ -19633,7 +19627,7 @@
               <p:cNvPr id="41" name="Retângulo: Cantos Arredondados 12">
                 <a:extLst>
                   <a:ext uri="{FF2B5EF4-FFF2-40B4-BE49-F238E27FC236}">
-                    <a16:creationId xmlns:a16="http://schemas.microsoft.com/office/drawing/2014/main" xmlns="" id="{10540542-C57F-4691-AF17-40583ACBA3F1}"/>
+                    <a16:creationId xmlns:a16="http://schemas.microsoft.com/office/drawing/2014/main" id="{10540542-C57F-4691-AF17-40583ACBA3F1}"/>
                   </a:ext>
                 </a:extLst>
               </p:cNvPr>
@@ -19687,7 +19681,7 @@
               <p:cNvPr id="42" name="Retângulo: Cantos Arredondados 13">
                 <a:extLst>
                   <a:ext uri="{FF2B5EF4-FFF2-40B4-BE49-F238E27FC236}">
-                    <a16:creationId xmlns:a16="http://schemas.microsoft.com/office/drawing/2014/main" xmlns="" id="{552902B3-14B4-4F02-ABBE-E36047405A23}"/>
+                    <a16:creationId xmlns:a16="http://schemas.microsoft.com/office/drawing/2014/main" id="{552902B3-14B4-4F02-ABBE-E36047405A23}"/>
                   </a:ext>
                 </a:extLst>
               </p:cNvPr>
@@ -19742,7 +19736,7 @@
             <p:cNvPr id="28" name="Agrupar 14">
               <a:extLst>
                 <a:ext uri="{FF2B5EF4-FFF2-40B4-BE49-F238E27FC236}">
-                  <a16:creationId xmlns:a16="http://schemas.microsoft.com/office/drawing/2014/main" xmlns="" id="{4DD22468-0F77-455F-8343-D2977BA9D815}"/>
+                  <a16:creationId xmlns:a16="http://schemas.microsoft.com/office/drawing/2014/main" id="{4DD22468-0F77-455F-8343-D2977BA9D815}"/>
                 </a:ext>
               </a:extLst>
             </p:cNvPr>
@@ -19762,7 +19756,7 @@
               <p:cNvPr id="39" name="Retângulo: Cantos Arredondados 15">
                 <a:extLst>
                   <a:ext uri="{FF2B5EF4-FFF2-40B4-BE49-F238E27FC236}">
-                    <a16:creationId xmlns:a16="http://schemas.microsoft.com/office/drawing/2014/main" xmlns="" id="{2D72A34F-4564-471A-B6AA-AE1DF400A26F}"/>
+                    <a16:creationId xmlns:a16="http://schemas.microsoft.com/office/drawing/2014/main" id="{2D72A34F-4564-471A-B6AA-AE1DF400A26F}"/>
                   </a:ext>
                 </a:extLst>
               </p:cNvPr>
@@ -19816,7 +19810,7 @@
               <p:cNvPr id="40" name="Retângulo: Cantos Arredondados 16">
                 <a:extLst>
                   <a:ext uri="{FF2B5EF4-FFF2-40B4-BE49-F238E27FC236}">
-                    <a16:creationId xmlns:a16="http://schemas.microsoft.com/office/drawing/2014/main" xmlns="" id="{29E778E2-383E-4A56-974F-1F35B702221A}"/>
+                    <a16:creationId xmlns:a16="http://schemas.microsoft.com/office/drawing/2014/main" id="{29E778E2-383E-4A56-974F-1F35B702221A}"/>
                   </a:ext>
                 </a:extLst>
               </p:cNvPr>
@@ -19872,7 +19866,7 @@
           <p:cNvPr id="114" name="Agrupar 113">
             <a:extLst>
               <a:ext uri="{FF2B5EF4-FFF2-40B4-BE49-F238E27FC236}">
-                <a16:creationId xmlns:a16="http://schemas.microsoft.com/office/drawing/2014/main" xmlns="" id="{EC4A9AC8-F4D5-4B09-8F27-10182533BBE6}"/>
+                <a16:creationId xmlns:a16="http://schemas.microsoft.com/office/drawing/2014/main" id="{EC4A9AC8-F4D5-4B09-8F27-10182533BBE6}"/>
               </a:ext>
             </a:extLst>
           </p:cNvPr>
@@ -19892,7 +19886,7 @@
             <p:cNvPr id="115" name="Retângulo: Cantos Arredondados 114">
               <a:extLst>
                 <a:ext uri="{FF2B5EF4-FFF2-40B4-BE49-F238E27FC236}">
-                  <a16:creationId xmlns:a16="http://schemas.microsoft.com/office/drawing/2014/main" xmlns="" id="{EF1FC69D-3983-4649-A796-EEFD15A337AF}"/>
+                  <a16:creationId xmlns:a16="http://schemas.microsoft.com/office/drawing/2014/main" id="{EF1FC69D-3983-4649-A796-EEFD15A337AF}"/>
                 </a:ext>
               </a:extLst>
             </p:cNvPr>
@@ -19946,7 +19940,7 @@
             <p:cNvPr id="116" name="Retângulo: Cantos Arredondados 115">
               <a:extLst>
                 <a:ext uri="{FF2B5EF4-FFF2-40B4-BE49-F238E27FC236}">
-                  <a16:creationId xmlns:a16="http://schemas.microsoft.com/office/drawing/2014/main" xmlns="" id="{E9BE8618-AB65-42F4-9752-F24130D692A7}"/>
+                  <a16:creationId xmlns:a16="http://schemas.microsoft.com/office/drawing/2014/main" id="{E9BE8618-AB65-42F4-9752-F24130D692A7}"/>
                 </a:ext>
               </a:extLst>
             </p:cNvPr>
@@ -20000,7 +19994,7 @@
             <p:cNvPr id="117" name="Retângulo: Cantos Arredondados 116">
               <a:extLst>
                 <a:ext uri="{FF2B5EF4-FFF2-40B4-BE49-F238E27FC236}">
-                  <a16:creationId xmlns:a16="http://schemas.microsoft.com/office/drawing/2014/main" xmlns="" id="{877780EE-28A7-4A14-A0E6-0A3212B86155}"/>
+                  <a16:creationId xmlns:a16="http://schemas.microsoft.com/office/drawing/2014/main" id="{877780EE-28A7-4A14-A0E6-0A3212B86155}"/>
                 </a:ext>
               </a:extLst>
             </p:cNvPr>
@@ -20054,7 +20048,7 @@
             <p:cNvPr id="118" name="Forma Livre: Forma 117">
               <a:extLst>
                 <a:ext uri="{FF2B5EF4-FFF2-40B4-BE49-F238E27FC236}">
-                  <a16:creationId xmlns:a16="http://schemas.microsoft.com/office/drawing/2014/main" xmlns="" id="{B78ADCF5-F5CC-4A76-A645-64BB061DE346}"/>
+                  <a16:creationId xmlns:a16="http://schemas.microsoft.com/office/drawing/2014/main" id="{B78ADCF5-F5CC-4A76-A645-64BB061DE346}"/>
                 </a:ext>
               </a:extLst>
             </p:cNvPr>
@@ -20185,7 +20179,7 @@
             <p:cNvPr id="119" name="Retângulo 118">
               <a:extLst>
                 <a:ext uri="{FF2B5EF4-FFF2-40B4-BE49-F238E27FC236}">
-                  <a16:creationId xmlns:a16="http://schemas.microsoft.com/office/drawing/2014/main" xmlns="" id="{67F7C1E0-20D5-4DEF-AFBF-7E75BED02803}"/>
+                  <a16:creationId xmlns:a16="http://schemas.microsoft.com/office/drawing/2014/main" id="{67F7C1E0-20D5-4DEF-AFBF-7E75BED02803}"/>
                 </a:ext>
               </a:extLst>
             </p:cNvPr>
@@ -20237,7 +20231,7 @@
             <p:cNvPr id="120" name="Retângulo: Cantos Arredondados 119">
               <a:extLst>
                 <a:ext uri="{FF2B5EF4-FFF2-40B4-BE49-F238E27FC236}">
-                  <a16:creationId xmlns:a16="http://schemas.microsoft.com/office/drawing/2014/main" xmlns="" id="{7E3F3600-A9E2-4867-B866-D3808239A0A7}"/>
+                  <a16:creationId xmlns:a16="http://schemas.microsoft.com/office/drawing/2014/main" id="{7E3F3600-A9E2-4867-B866-D3808239A0A7}"/>
                 </a:ext>
               </a:extLst>
             </p:cNvPr>
@@ -20291,7 +20285,7 @@
             <p:cNvPr id="121" name="Retângulo: Cantos Arredondados 120">
               <a:extLst>
                 <a:ext uri="{FF2B5EF4-FFF2-40B4-BE49-F238E27FC236}">
-                  <a16:creationId xmlns:a16="http://schemas.microsoft.com/office/drawing/2014/main" xmlns="" id="{C2F572A8-FFF0-4736-BA07-19DD78D4F3C1}"/>
+                  <a16:creationId xmlns:a16="http://schemas.microsoft.com/office/drawing/2014/main" id="{C2F572A8-FFF0-4736-BA07-19DD78D4F3C1}"/>
                 </a:ext>
               </a:extLst>
             </p:cNvPr>
@@ -20346,7 +20340,7 @@
           <p:cNvPr id="31" name="Retângulo 30">
             <a:extLst>
               <a:ext uri="{FF2B5EF4-FFF2-40B4-BE49-F238E27FC236}">
-                <a16:creationId xmlns:a16="http://schemas.microsoft.com/office/drawing/2014/main" xmlns="" id="{1D35B8E0-5B77-4F78-B020-1D9680793D3F}"/>
+                <a16:creationId xmlns:a16="http://schemas.microsoft.com/office/drawing/2014/main" id="{1D35B8E0-5B77-4F78-B020-1D9680793D3F}"/>
               </a:ext>
             </a:extLst>
           </p:cNvPr>
@@ -20398,7 +20392,7 @@
           <p:cNvPr id="47" name="Forma Livre: Forma 46">
             <a:extLst>
               <a:ext uri="{FF2B5EF4-FFF2-40B4-BE49-F238E27FC236}">
-                <a16:creationId xmlns:a16="http://schemas.microsoft.com/office/drawing/2014/main" xmlns="" id="{CA5AA3B5-D86F-47B1-BF70-AFBE1E3895A9}"/>
+                <a16:creationId xmlns:a16="http://schemas.microsoft.com/office/drawing/2014/main" id="{CA5AA3B5-D86F-47B1-BF70-AFBE1E3895A9}"/>
               </a:ext>
             </a:extLst>
           </p:cNvPr>
@@ -20565,7 +20559,7 @@
           <p:cNvPr id="57" name="Forma Livre: Forma 56">
             <a:extLst>
               <a:ext uri="{FF2B5EF4-FFF2-40B4-BE49-F238E27FC236}">
-                <a16:creationId xmlns:a16="http://schemas.microsoft.com/office/drawing/2014/main" xmlns="" id="{7C85EB61-88CA-421C-AEE1-DD45034A253C}"/>
+                <a16:creationId xmlns:a16="http://schemas.microsoft.com/office/drawing/2014/main" id="{7C85EB61-88CA-421C-AEE1-DD45034A253C}"/>
               </a:ext>
             </a:extLst>
           </p:cNvPr>
@@ -20717,7 +20711,7 @@
           <p:cNvPr id="110" name="Forma Livre: Forma 109">
             <a:extLst>
               <a:ext uri="{FF2B5EF4-FFF2-40B4-BE49-F238E27FC236}">
-                <a16:creationId xmlns:a16="http://schemas.microsoft.com/office/drawing/2014/main" xmlns="" id="{FDB00EED-4104-4E00-8C7E-9370791D6384}"/>
+                <a16:creationId xmlns:a16="http://schemas.microsoft.com/office/drawing/2014/main" id="{FDB00EED-4104-4E00-8C7E-9370791D6384}"/>
               </a:ext>
             </a:extLst>
           </p:cNvPr>
@@ -21015,7 +21009,7 @@
           <p:cNvPr id="111" name="Agrupar 110">
             <a:extLst>
               <a:ext uri="{FF2B5EF4-FFF2-40B4-BE49-F238E27FC236}">
-                <a16:creationId xmlns:a16="http://schemas.microsoft.com/office/drawing/2014/main" xmlns="" id="{1E3B85D9-26F4-43E7-A9E1-BE1B8C7ADC16}"/>
+                <a16:creationId xmlns:a16="http://schemas.microsoft.com/office/drawing/2014/main" id="{1E3B85D9-26F4-43E7-A9E1-BE1B8C7ADC16}"/>
               </a:ext>
             </a:extLst>
           </p:cNvPr>
@@ -21038,7 +21032,7 @@
             <p:cNvPr id="97" name="Cruz 96">
               <a:extLst>
                 <a:ext uri="{FF2B5EF4-FFF2-40B4-BE49-F238E27FC236}">
-                  <a16:creationId xmlns:a16="http://schemas.microsoft.com/office/drawing/2014/main" xmlns="" id="{A668293D-2470-4C9E-AF95-4EE1BC4E3F89}"/>
+                  <a16:creationId xmlns:a16="http://schemas.microsoft.com/office/drawing/2014/main" id="{A668293D-2470-4C9E-AF95-4EE1BC4E3F89}"/>
                 </a:ext>
               </a:extLst>
             </p:cNvPr>
@@ -21090,7 +21084,7 @@
             <p:cNvPr id="98" name="Cruz 97">
               <a:extLst>
                 <a:ext uri="{FF2B5EF4-FFF2-40B4-BE49-F238E27FC236}">
-                  <a16:creationId xmlns:a16="http://schemas.microsoft.com/office/drawing/2014/main" xmlns="" id="{3149B231-2A8A-426E-BBD1-97FF35078606}"/>
+                  <a16:creationId xmlns:a16="http://schemas.microsoft.com/office/drawing/2014/main" id="{3149B231-2A8A-426E-BBD1-97FF35078606}"/>
                 </a:ext>
               </a:extLst>
             </p:cNvPr>
@@ -21142,7 +21136,7 @@
             <p:cNvPr id="99" name="Cruz 98">
               <a:extLst>
                 <a:ext uri="{FF2B5EF4-FFF2-40B4-BE49-F238E27FC236}">
-                  <a16:creationId xmlns:a16="http://schemas.microsoft.com/office/drawing/2014/main" xmlns="" id="{6D16372F-0346-4C90-B0AE-50860F04A7FF}"/>
+                  <a16:creationId xmlns:a16="http://schemas.microsoft.com/office/drawing/2014/main" id="{6D16372F-0346-4C90-B0AE-50860F04A7FF}"/>
                 </a:ext>
               </a:extLst>
             </p:cNvPr>
@@ -21194,7 +21188,7 @@
             <p:cNvPr id="100" name="Grupo 19">
               <a:extLst>
                 <a:ext uri="{FF2B5EF4-FFF2-40B4-BE49-F238E27FC236}">
-                  <a16:creationId xmlns:a16="http://schemas.microsoft.com/office/drawing/2014/main" xmlns="" id="{ECD0E47B-370B-4933-B6E5-461C50CDE360}"/>
+                  <a16:creationId xmlns:a16="http://schemas.microsoft.com/office/drawing/2014/main" id="{ECD0E47B-370B-4933-B6E5-461C50CDE360}"/>
                 </a:ext>
               </a:extLst>
             </p:cNvPr>
@@ -21215,7 +21209,7 @@
               <p:cNvPr id="106" name="Cruz 105">
                 <a:extLst>
                   <a:ext uri="{FF2B5EF4-FFF2-40B4-BE49-F238E27FC236}">
-                    <a16:creationId xmlns:a16="http://schemas.microsoft.com/office/drawing/2014/main" xmlns="" id="{F8B3730A-DFFD-4F58-AB57-6BDC4ACCFB5C}"/>
+                    <a16:creationId xmlns:a16="http://schemas.microsoft.com/office/drawing/2014/main" id="{F8B3730A-DFFD-4F58-AB57-6BDC4ACCFB5C}"/>
                   </a:ext>
                 </a:extLst>
               </p:cNvPr>
@@ -21267,7 +21261,7 @@
               <p:cNvPr id="107" name="Cruz 106">
                 <a:extLst>
                   <a:ext uri="{FF2B5EF4-FFF2-40B4-BE49-F238E27FC236}">
-                    <a16:creationId xmlns:a16="http://schemas.microsoft.com/office/drawing/2014/main" xmlns="" id="{F107EE2E-F528-4C6C-9C0C-EB7826199496}"/>
+                    <a16:creationId xmlns:a16="http://schemas.microsoft.com/office/drawing/2014/main" id="{F107EE2E-F528-4C6C-9C0C-EB7826199496}"/>
                   </a:ext>
                 </a:extLst>
               </p:cNvPr>
@@ -21335,7 +21329,7 @@
             <p:cNvPr id="32" name="Retângulo 31">
               <a:extLst>
                 <a:ext uri="{FF2B5EF4-FFF2-40B4-BE49-F238E27FC236}">
-                  <a16:creationId xmlns:a16="http://schemas.microsoft.com/office/drawing/2014/main" xmlns="" id="{923F2C6A-2603-4687-9497-EA8730BB2C49}"/>
+                  <a16:creationId xmlns:a16="http://schemas.microsoft.com/office/drawing/2014/main" id="{923F2C6A-2603-4687-9497-EA8730BB2C49}"/>
                 </a:ext>
               </a:extLst>
             </p:cNvPr>
@@ -21387,7 +21381,7 @@
             <p:cNvPr id="150" name="Triângulo Retângulo 149">
               <a:extLst>
                 <a:ext uri="{FF2B5EF4-FFF2-40B4-BE49-F238E27FC236}">
-                  <a16:creationId xmlns:a16="http://schemas.microsoft.com/office/drawing/2014/main" xmlns="" id="{3AC26621-2860-4357-980C-DA92A2D14681}"/>
+                  <a16:creationId xmlns:a16="http://schemas.microsoft.com/office/drawing/2014/main" id="{3AC26621-2860-4357-980C-DA92A2D14681}"/>
                 </a:ext>
               </a:extLst>
             </p:cNvPr>
@@ -21454,7 +21448,7 @@
             <p:cNvPr id="26" name="Agrupar 3">
               <a:extLst>
                 <a:ext uri="{FF2B5EF4-FFF2-40B4-BE49-F238E27FC236}">
-                  <a16:creationId xmlns:a16="http://schemas.microsoft.com/office/drawing/2014/main" xmlns="" id="{C45FEF34-3D77-4245-91E6-21A8D7F39CAE}"/>
+                  <a16:creationId xmlns:a16="http://schemas.microsoft.com/office/drawing/2014/main" id="{C45FEF34-3D77-4245-91E6-21A8D7F39CAE}"/>
                 </a:ext>
               </a:extLst>
             </p:cNvPr>
@@ -21474,7 +21468,7 @@
               <p:cNvPr id="43" name="Retângulo: Cantos Arredondados 4">
                 <a:extLst>
                   <a:ext uri="{FF2B5EF4-FFF2-40B4-BE49-F238E27FC236}">
-                    <a16:creationId xmlns:a16="http://schemas.microsoft.com/office/drawing/2014/main" xmlns="" id="{2901A741-378D-4F90-9213-3C8C001BF999}"/>
+                    <a16:creationId xmlns:a16="http://schemas.microsoft.com/office/drawing/2014/main" id="{2901A741-378D-4F90-9213-3C8C001BF999}"/>
                   </a:ext>
                 </a:extLst>
               </p:cNvPr>
@@ -21525,7 +21519,7 @@
               <p:cNvPr id="44" name="Retângulo: Cantos Arredondados 5">
                 <a:extLst>
                   <a:ext uri="{FF2B5EF4-FFF2-40B4-BE49-F238E27FC236}">
-                    <a16:creationId xmlns:a16="http://schemas.microsoft.com/office/drawing/2014/main" xmlns="" id="{842C104C-6712-4FAB-A86A-FAC9CE782474}"/>
+                    <a16:creationId xmlns:a16="http://schemas.microsoft.com/office/drawing/2014/main" id="{842C104C-6712-4FAB-A86A-FAC9CE782474}"/>
                   </a:ext>
                 </a:extLst>
               </p:cNvPr>
@@ -21579,7 +21573,7 @@
               <p:cNvPr id="45" name="Retângulo: Cantos Arredondados 6">
                 <a:extLst>
                   <a:ext uri="{FF2B5EF4-FFF2-40B4-BE49-F238E27FC236}">
-                    <a16:creationId xmlns:a16="http://schemas.microsoft.com/office/drawing/2014/main" xmlns="" id="{255A55C9-6EA9-40DD-A50C-94EDA00AB2EC}"/>
+                    <a16:creationId xmlns:a16="http://schemas.microsoft.com/office/drawing/2014/main" id="{255A55C9-6EA9-40DD-A50C-94EDA00AB2EC}"/>
                   </a:ext>
                 </a:extLst>
               </p:cNvPr>
@@ -21633,7 +21627,7 @@
               <p:cNvPr id="46" name="Forma Livre: Forma 7">
                 <a:extLst>
                   <a:ext uri="{FF2B5EF4-FFF2-40B4-BE49-F238E27FC236}">
-                    <a16:creationId xmlns:a16="http://schemas.microsoft.com/office/drawing/2014/main" xmlns="" id="{8B1C2CE6-4108-48D3-8CBE-635179488ECA}"/>
+                    <a16:creationId xmlns:a16="http://schemas.microsoft.com/office/drawing/2014/main" id="{8B1C2CE6-4108-48D3-8CBE-635179488ECA}"/>
                   </a:ext>
                 </a:extLst>
               </p:cNvPr>
@@ -21764,7 +21758,7 @@
               <p:cNvPr id="48" name="Retângulo 47">
                 <a:extLst>
                   <a:ext uri="{FF2B5EF4-FFF2-40B4-BE49-F238E27FC236}">
-                    <a16:creationId xmlns:a16="http://schemas.microsoft.com/office/drawing/2014/main" xmlns="" id="{6444A46D-5BDF-4712-88E7-104DA9FAAFD4}"/>
+                    <a16:creationId xmlns:a16="http://schemas.microsoft.com/office/drawing/2014/main" id="{6444A46D-5BDF-4712-88E7-104DA9FAAFD4}"/>
                   </a:ext>
                 </a:extLst>
               </p:cNvPr>
@@ -21816,7 +21810,7 @@
               <p:cNvPr id="49" name="Retângulo: Cantos Arredondados 9">
                 <a:extLst>
                   <a:ext uri="{FF2B5EF4-FFF2-40B4-BE49-F238E27FC236}">
-                    <a16:creationId xmlns:a16="http://schemas.microsoft.com/office/drawing/2014/main" xmlns="" id="{881B3B66-2052-48AF-979B-60B32E1F7F9E}"/>
+                    <a16:creationId xmlns:a16="http://schemas.microsoft.com/office/drawing/2014/main" id="{881B3B66-2052-48AF-979B-60B32E1F7F9E}"/>
                   </a:ext>
                 </a:extLst>
               </p:cNvPr>
@@ -21870,7 +21864,7 @@
               <p:cNvPr id="50" name="Retângulo: Cantos Arredondados 10">
                 <a:extLst>
                   <a:ext uri="{FF2B5EF4-FFF2-40B4-BE49-F238E27FC236}">
-                    <a16:creationId xmlns:a16="http://schemas.microsoft.com/office/drawing/2014/main" xmlns="" id="{8212EF75-2EF8-4DFC-BEB5-5C95D755FCDA}"/>
+                    <a16:creationId xmlns:a16="http://schemas.microsoft.com/office/drawing/2014/main" id="{8212EF75-2EF8-4DFC-BEB5-5C95D755FCDA}"/>
                   </a:ext>
                 </a:extLst>
               </p:cNvPr>
@@ -21925,7 +21919,7 @@
             <p:cNvPr id="29" name="Agrupar 17">
               <a:extLst>
                 <a:ext uri="{FF2B5EF4-FFF2-40B4-BE49-F238E27FC236}">
-                  <a16:creationId xmlns:a16="http://schemas.microsoft.com/office/drawing/2014/main" xmlns="" id="{1C1086BE-5C78-46C5-8759-F221A1473050}"/>
+                  <a16:creationId xmlns:a16="http://schemas.microsoft.com/office/drawing/2014/main" id="{1C1086BE-5C78-46C5-8759-F221A1473050}"/>
                 </a:ext>
               </a:extLst>
             </p:cNvPr>
@@ -21945,7 +21939,7 @@
               <p:cNvPr id="33" name="Forma Livre: Forma 18">
                 <a:extLst>
                   <a:ext uri="{FF2B5EF4-FFF2-40B4-BE49-F238E27FC236}">
-                    <a16:creationId xmlns:a16="http://schemas.microsoft.com/office/drawing/2014/main" xmlns="" id="{A5FF4AA1-FB76-4089-AF79-C37CF505E719}"/>
+                    <a16:creationId xmlns:a16="http://schemas.microsoft.com/office/drawing/2014/main" id="{A5FF4AA1-FB76-4089-AF79-C37CF505E719}"/>
                   </a:ext>
                 </a:extLst>
               </p:cNvPr>
@@ -22080,7 +22074,7 @@
               <p:cNvPr id="34" name="Forma Livre: Forma 19">
                 <a:extLst>
                   <a:ext uri="{FF2B5EF4-FFF2-40B4-BE49-F238E27FC236}">
-                    <a16:creationId xmlns:a16="http://schemas.microsoft.com/office/drawing/2014/main" xmlns="" id="{F8045286-37AC-4911-A671-477E8EB257A2}"/>
+                    <a16:creationId xmlns:a16="http://schemas.microsoft.com/office/drawing/2014/main" id="{F8045286-37AC-4911-A671-477E8EB257A2}"/>
                   </a:ext>
                 </a:extLst>
               </p:cNvPr>
@@ -22215,7 +22209,7 @@
               <p:cNvPr id="35" name="Elipse 34">
                 <a:extLst>
                   <a:ext uri="{FF2B5EF4-FFF2-40B4-BE49-F238E27FC236}">
-                    <a16:creationId xmlns:a16="http://schemas.microsoft.com/office/drawing/2014/main" xmlns="" id="{CD452FDD-69B7-4E28-B5E7-0FEFB45E205A}"/>
+                    <a16:creationId xmlns:a16="http://schemas.microsoft.com/office/drawing/2014/main" id="{CD452FDD-69B7-4E28-B5E7-0FEFB45E205A}"/>
                   </a:ext>
                 </a:extLst>
               </p:cNvPr>
@@ -22267,7 +22261,7 @@
               <p:cNvPr id="36" name="Retângulo: Cantos Arredondados 21">
                 <a:extLst>
                   <a:ext uri="{FF2B5EF4-FFF2-40B4-BE49-F238E27FC236}">
-                    <a16:creationId xmlns:a16="http://schemas.microsoft.com/office/drawing/2014/main" xmlns="" id="{AF7D2798-BB73-466E-A25A-A2621184FA04}"/>
+                    <a16:creationId xmlns:a16="http://schemas.microsoft.com/office/drawing/2014/main" id="{AF7D2798-BB73-466E-A25A-A2621184FA04}"/>
                   </a:ext>
                 </a:extLst>
               </p:cNvPr>
@@ -22321,7 +22315,7 @@
               <p:cNvPr id="37" name="Retângulo: Cantos Arredondados 22">
                 <a:extLst>
                   <a:ext uri="{FF2B5EF4-FFF2-40B4-BE49-F238E27FC236}">
-                    <a16:creationId xmlns:a16="http://schemas.microsoft.com/office/drawing/2014/main" xmlns="" id="{3E77055B-F661-42D4-86CB-10C4D49F7934}"/>
+                    <a16:creationId xmlns:a16="http://schemas.microsoft.com/office/drawing/2014/main" id="{3E77055B-F661-42D4-86CB-10C4D49F7934}"/>
                   </a:ext>
                 </a:extLst>
               </p:cNvPr>
@@ -22375,7 +22369,7 @@
               <p:cNvPr id="38" name="Retângulo: Cantos Arredondados 23">
                 <a:extLst>
                   <a:ext uri="{FF2B5EF4-FFF2-40B4-BE49-F238E27FC236}">
-                    <a16:creationId xmlns:a16="http://schemas.microsoft.com/office/drawing/2014/main" xmlns="" id="{2D266FA5-5903-44D9-9DC7-DCB4A530544F}"/>
+                    <a16:creationId xmlns:a16="http://schemas.microsoft.com/office/drawing/2014/main" id="{2D266FA5-5903-44D9-9DC7-DCB4A530544F}"/>
                   </a:ext>
                 </a:extLst>
               </p:cNvPr>
@@ -22430,7 +22424,7 @@
             <p:cNvPr id="30" name="Forma Livre: Forma 24">
               <a:extLst>
                 <a:ext uri="{FF2B5EF4-FFF2-40B4-BE49-F238E27FC236}">
-                  <a16:creationId xmlns:a16="http://schemas.microsoft.com/office/drawing/2014/main" xmlns="" id="{59EBB5C9-01FD-4920-B60F-971211221B04}"/>
+                  <a16:creationId xmlns:a16="http://schemas.microsoft.com/office/drawing/2014/main" id="{59EBB5C9-01FD-4920-B60F-971211221B04}"/>
                 </a:ext>
               </a:extLst>
             </p:cNvPr>
@@ -23679,7 +23673,7 @@
           <p:cNvPr id="114" name="Agrupar 113">
             <a:extLst>
               <a:ext uri="{FF2B5EF4-FFF2-40B4-BE49-F238E27FC236}">
-                <a16:creationId xmlns:a16="http://schemas.microsoft.com/office/drawing/2014/main" xmlns="" id="{EC4A9AC8-F4D5-4B09-8F27-10182533BBE6}"/>
+                <a16:creationId xmlns:a16="http://schemas.microsoft.com/office/drawing/2014/main" id="{EC4A9AC8-F4D5-4B09-8F27-10182533BBE6}"/>
               </a:ext>
             </a:extLst>
           </p:cNvPr>
@@ -23699,7 +23693,7 @@
             <p:cNvPr id="115" name="Retângulo: Cantos Arredondados 114">
               <a:extLst>
                 <a:ext uri="{FF2B5EF4-FFF2-40B4-BE49-F238E27FC236}">
-                  <a16:creationId xmlns:a16="http://schemas.microsoft.com/office/drawing/2014/main" xmlns="" id="{EF1FC69D-3983-4649-A796-EEFD15A337AF}"/>
+                  <a16:creationId xmlns:a16="http://schemas.microsoft.com/office/drawing/2014/main" id="{EF1FC69D-3983-4649-A796-EEFD15A337AF}"/>
                 </a:ext>
               </a:extLst>
             </p:cNvPr>
@@ -23753,7 +23747,7 @@
             <p:cNvPr id="116" name="Retângulo: Cantos Arredondados 115">
               <a:extLst>
                 <a:ext uri="{FF2B5EF4-FFF2-40B4-BE49-F238E27FC236}">
-                  <a16:creationId xmlns:a16="http://schemas.microsoft.com/office/drawing/2014/main" xmlns="" id="{E9BE8618-AB65-42F4-9752-F24130D692A7}"/>
+                  <a16:creationId xmlns:a16="http://schemas.microsoft.com/office/drawing/2014/main" id="{E9BE8618-AB65-42F4-9752-F24130D692A7}"/>
                 </a:ext>
               </a:extLst>
             </p:cNvPr>
@@ -23807,7 +23801,7 @@
             <p:cNvPr id="117" name="Retângulo: Cantos Arredondados 116">
               <a:extLst>
                 <a:ext uri="{FF2B5EF4-FFF2-40B4-BE49-F238E27FC236}">
-                  <a16:creationId xmlns:a16="http://schemas.microsoft.com/office/drawing/2014/main" xmlns="" id="{877780EE-28A7-4A14-A0E6-0A3212B86155}"/>
+                  <a16:creationId xmlns:a16="http://schemas.microsoft.com/office/drawing/2014/main" id="{877780EE-28A7-4A14-A0E6-0A3212B86155}"/>
                 </a:ext>
               </a:extLst>
             </p:cNvPr>
@@ -23861,7 +23855,7 @@
             <p:cNvPr id="118" name="Forma Livre: Forma 117">
               <a:extLst>
                 <a:ext uri="{FF2B5EF4-FFF2-40B4-BE49-F238E27FC236}">
-                  <a16:creationId xmlns:a16="http://schemas.microsoft.com/office/drawing/2014/main" xmlns="" id="{B78ADCF5-F5CC-4A76-A645-64BB061DE346}"/>
+                  <a16:creationId xmlns:a16="http://schemas.microsoft.com/office/drawing/2014/main" id="{B78ADCF5-F5CC-4A76-A645-64BB061DE346}"/>
                 </a:ext>
               </a:extLst>
             </p:cNvPr>
@@ -23992,7 +23986,7 @@
             <p:cNvPr id="119" name="Retângulo 118">
               <a:extLst>
                 <a:ext uri="{FF2B5EF4-FFF2-40B4-BE49-F238E27FC236}">
-                  <a16:creationId xmlns:a16="http://schemas.microsoft.com/office/drawing/2014/main" xmlns="" id="{67F7C1E0-20D5-4DEF-AFBF-7E75BED02803}"/>
+                  <a16:creationId xmlns:a16="http://schemas.microsoft.com/office/drawing/2014/main" id="{67F7C1E0-20D5-4DEF-AFBF-7E75BED02803}"/>
                 </a:ext>
               </a:extLst>
             </p:cNvPr>
@@ -24044,7 +24038,7 @@
             <p:cNvPr id="120" name="Retângulo: Cantos Arredondados 119">
               <a:extLst>
                 <a:ext uri="{FF2B5EF4-FFF2-40B4-BE49-F238E27FC236}">
-                  <a16:creationId xmlns:a16="http://schemas.microsoft.com/office/drawing/2014/main" xmlns="" id="{7E3F3600-A9E2-4867-B866-D3808239A0A7}"/>
+                  <a16:creationId xmlns:a16="http://schemas.microsoft.com/office/drawing/2014/main" id="{7E3F3600-A9E2-4867-B866-D3808239A0A7}"/>
                 </a:ext>
               </a:extLst>
             </p:cNvPr>
@@ -24098,7 +24092,7 @@
             <p:cNvPr id="121" name="Retângulo: Cantos Arredondados 120">
               <a:extLst>
                 <a:ext uri="{FF2B5EF4-FFF2-40B4-BE49-F238E27FC236}">
-                  <a16:creationId xmlns:a16="http://schemas.microsoft.com/office/drawing/2014/main" xmlns="" id="{C2F572A8-FFF0-4736-BA07-19DD78D4F3C1}"/>
+                  <a16:creationId xmlns:a16="http://schemas.microsoft.com/office/drawing/2014/main" id="{C2F572A8-FFF0-4736-BA07-19DD78D4F3C1}"/>
                 </a:ext>
               </a:extLst>
             </p:cNvPr>
@@ -24153,7 +24147,7 @@
           <p:cNvPr id="138" name="Grupo 6">
             <a:extLst>
               <a:ext uri="{FF2B5EF4-FFF2-40B4-BE49-F238E27FC236}">
-                <a16:creationId xmlns:a16="http://schemas.microsoft.com/office/drawing/2014/main" xmlns="" id="{75C2D647-409E-4172-B46A-FF0596D1F214}"/>
+                <a16:creationId xmlns:a16="http://schemas.microsoft.com/office/drawing/2014/main" id="{75C2D647-409E-4172-B46A-FF0596D1F214}"/>
               </a:ext>
             </a:extLst>
           </p:cNvPr>
@@ -24173,7 +24167,7 @@
             <p:cNvPr id="139" name="Retângulo de cantos arredondados 1">
               <a:extLst>
                 <a:ext uri="{FF2B5EF4-FFF2-40B4-BE49-F238E27FC236}">
-                  <a16:creationId xmlns:a16="http://schemas.microsoft.com/office/drawing/2014/main" xmlns="" id="{8587315D-A88A-4762-8161-0A8A92A83C12}"/>
+                  <a16:creationId xmlns:a16="http://schemas.microsoft.com/office/drawing/2014/main" id="{8587315D-A88A-4762-8161-0A8A92A83C12}"/>
                 </a:ext>
               </a:extLst>
             </p:cNvPr>
@@ -24236,7 +24230,7 @@
             <p:cNvPr id="140" name="Grupo 2">
               <a:extLst>
                 <a:ext uri="{FF2B5EF4-FFF2-40B4-BE49-F238E27FC236}">
-                  <a16:creationId xmlns:a16="http://schemas.microsoft.com/office/drawing/2014/main" xmlns="" id="{B5BAB782-FA12-4BD0-A819-7BC7035054C8}"/>
+                  <a16:creationId xmlns:a16="http://schemas.microsoft.com/office/drawing/2014/main" id="{B5BAB782-FA12-4BD0-A819-7BC7035054C8}"/>
                 </a:ext>
               </a:extLst>
             </p:cNvPr>
@@ -24256,7 +24250,7 @@
               <p:cNvPr id="141" name="Grupo 50">
                 <a:extLst>
                   <a:ext uri="{FF2B5EF4-FFF2-40B4-BE49-F238E27FC236}">
-                    <a16:creationId xmlns:a16="http://schemas.microsoft.com/office/drawing/2014/main" xmlns="" id="{BB410D9A-9F38-4E4A-8444-A59EAC7D0053}"/>
+                    <a16:creationId xmlns:a16="http://schemas.microsoft.com/office/drawing/2014/main" id="{BB410D9A-9F38-4E4A-8444-A59EAC7D0053}"/>
                   </a:ext>
                 </a:extLst>
               </p:cNvPr>
@@ -24276,7 +24270,7 @@
                 <p:cNvPr id="168" name="Retângulo 167">
                   <a:extLst>
                     <a:ext uri="{FF2B5EF4-FFF2-40B4-BE49-F238E27FC236}">
-                      <a16:creationId xmlns:a16="http://schemas.microsoft.com/office/drawing/2014/main" xmlns="" id="{9EE247DF-6E8F-4774-976C-A0BC34746A76}"/>
+                      <a16:creationId xmlns:a16="http://schemas.microsoft.com/office/drawing/2014/main" id="{9EE247DF-6E8F-4774-976C-A0BC34746A76}"/>
                     </a:ext>
                   </a:extLst>
                 </p:cNvPr>
@@ -24328,7 +24322,7 @@
                 <p:cNvPr id="169" name="Forma Livre: Forma 46">
                   <a:extLst>
                     <a:ext uri="{FF2B5EF4-FFF2-40B4-BE49-F238E27FC236}">
-                      <a16:creationId xmlns:a16="http://schemas.microsoft.com/office/drawing/2014/main" xmlns="" id="{8614ABA1-8D0D-4AF2-AC4D-D98C91F302E3}"/>
+                      <a16:creationId xmlns:a16="http://schemas.microsoft.com/office/drawing/2014/main" id="{8614ABA1-8D0D-4AF2-AC4D-D98C91F302E3}"/>
                     </a:ext>
                   </a:extLst>
                 </p:cNvPr>
@@ -24495,7 +24489,7 @@
                 <p:cNvPr id="170" name="Forma Livre: Forma 56">
                   <a:extLst>
                     <a:ext uri="{FF2B5EF4-FFF2-40B4-BE49-F238E27FC236}">
-                      <a16:creationId xmlns:a16="http://schemas.microsoft.com/office/drawing/2014/main" xmlns="" id="{54976037-FC2D-4F65-9949-9812EB0F9AC7}"/>
+                      <a16:creationId xmlns:a16="http://schemas.microsoft.com/office/drawing/2014/main" id="{54976037-FC2D-4F65-9949-9812EB0F9AC7}"/>
                     </a:ext>
                   </a:extLst>
                 </p:cNvPr>
@@ -24647,7 +24641,7 @@
                 <p:cNvPr id="171" name="Forma Livre: Forma 109">
                   <a:extLst>
                     <a:ext uri="{FF2B5EF4-FFF2-40B4-BE49-F238E27FC236}">
-                      <a16:creationId xmlns:a16="http://schemas.microsoft.com/office/drawing/2014/main" xmlns="" id="{95EE7ECE-338F-49F7-9F83-CD5063EC1E9E}"/>
+                      <a16:creationId xmlns:a16="http://schemas.microsoft.com/office/drawing/2014/main" id="{95EE7ECE-338F-49F7-9F83-CD5063EC1E9E}"/>
                     </a:ext>
                   </a:extLst>
                 </p:cNvPr>
@@ -24945,7 +24939,7 @@
                 <p:cNvPr id="172" name="Agrupar 110">
                   <a:extLst>
                     <a:ext uri="{FF2B5EF4-FFF2-40B4-BE49-F238E27FC236}">
-                      <a16:creationId xmlns:a16="http://schemas.microsoft.com/office/drawing/2014/main" xmlns="" id="{A5EF5E59-D913-4E93-BBB8-5610EADA2962}"/>
+                      <a16:creationId xmlns:a16="http://schemas.microsoft.com/office/drawing/2014/main" id="{A5EF5E59-D913-4E93-BBB8-5610EADA2962}"/>
                     </a:ext>
                   </a:extLst>
                 </p:cNvPr>
@@ -24968,7 +24962,7 @@
                   <p:cNvPr id="173" name="Cruz 172">
                     <a:extLst>
                       <a:ext uri="{FF2B5EF4-FFF2-40B4-BE49-F238E27FC236}">
-                        <a16:creationId xmlns:a16="http://schemas.microsoft.com/office/drawing/2014/main" xmlns="" id="{82EDA0E8-5783-482F-8B9E-7DE951F44FEB}"/>
+                        <a16:creationId xmlns:a16="http://schemas.microsoft.com/office/drawing/2014/main" id="{82EDA0E8-5783-482F-8B9E-7DE951F44FEB}"/>
                       </a:ext>
                     </a:extLst>
                   </p:cNvPr>
@@ -25020,7 +25014,7 @@
                   <p:cNvPr id="174" name="Cruz 173">
                     <a:extLst>
                       <a:ext uri="{FF2B5EF4-FFF2-40B4-BE49-F238E27FC236}">
-                        <a16:creationId xmlns:a16="http://schemas.microsoft.com/office/drawing/2014/main" xmlns="" id="{65310199-5065-4AFC-830B-9259869C4445}"/>
+                        <a16:creationId xmlns:a16="http://schemas.microsoft.com/office/drawing/2014/main" id="{65310199-5065-4AFC-830B-9259869C4445}"/>
                       </a:ext>
                     </a:extLst>
                   </p:cNvPr>
@@ -25072,7 +25066,7 @@
                   <p:cNvPr id="175" name="Cruz 174">
                     <a:extLst>
                       <a:ext uri="{FF2B5EF4-FFF2-40B4-BE49-F238E27FC236}">
-                        <a16:creationId xmlns:a16="http://schemas.microsoft.com/office/drawing/2014/main" xmlns="" id="{8E1CD4C8-C12E-4243-8430-B0A865C93B50}"/>
+                        <a16:creationId xmlns:a16="http://schemas.microsoft.com/office/drawing/2014/main" id="{8E1CD4C8-C12E-4243-8430-B0A865C93B50}"/>
                       </a:ext>
                     </a:extLst>
                   </p:cNvPr>
@@ -25124,7 +25118,7 @@
                   <p:cNvPr id="176" name="Grupo 19">
                     <a:extLst>
                       <a:ext uri="{FF2B5EF4-FFF2-40B4-BE49-F238E27FC236}">
-                        <a16:creationId xmlns:a16="http://schemas.microsoft.com/office/drawing/2014/main" xmlns="" id="{C80AEB79-8636-473C-A749-02C8D83F5F57}"/>
+                        <a16:creationId xmlns:a16="http://schemas.microsoft.com/office/drawing/2014/main" id="{C80AEB79-8636-473C-A749-02C8D83F5F57}"/>
                       </a:ext>
                     </a:extLst>
                   </p:cNvPr>
@@ -25145,7 +25139,7 @@
                     <p:cNvPr id="177" name="Cruz 176">
                       <a:extLst>
                         <a:ext uri="{FF2B5EF4-FFF2-40B4-BE49-F238E27FC236}">
-                          <a16:creationId xmlns:a16="http://schemas.microsoft.com/office/drawing/2014/main" xmlns="" id="{400895BD-7A89-419C-93C2-EDF0057C795E}"/>
+                          <a16:creationId xmlns:a16="http://schemas.microsoft.com/office/drawing/2014/main" id="{400895BD-7A89-419C-93C2-EDF0057C795E}"/>
                         </a:ext>
                       </a:extLst>
                     </p:cNvPr>
@@ -25197,7 +25191,7 @@
                     <p:cNvPr id="178" name="Cruz 177">
                       <a:extLst>
                         <a:ext uri="{FF2B5EF4-FFF2-40B4-BE49-F238E27FC236}">
-                          <a16:creationId xmlns:a16="http://schemas.microsoft.com/office/drawing/2014/main" xmlns="" id="{D428D8D3-010F-4107-B7E1-4B4DEB902718}"/>
+                          <a16:creationId xmlns:a16="http://schemas.microsoft.com/office/drawing/2014/main" id="{D428D8D3-010F-4107-B7E1-4B4DEB902718}"/>
                         </a:ext>
                       </a:extLst>
                     </p:cNvPr>
@@ -25252,7 +25246,7 @@
               <p:cNvPr id="142" name="Grupo 63">
                 <a:extLst>
                   <a:ext uri="{FF2B5EF4-FFF2-40B4-BE49-F238E27FC236}">
-                    <a16:creationId xmlns:a16="http://schemas.microsoft.com/office/drawing/2014/main" xmlns="" id="{F16D89F7-FD02-44D5-95E7-25E2E111472A}"/>
+                    <a16:creationId xmlns:a16="http://schemas.microsoft.com/office/drawing/2014/main" id="{F16D89F7-FD02-44D5-95E7-25E2E111472A}"/>
                   </a:ext>
                 </a:extLst>
               </p:cNvPr>
@@ -25272,7 +25266,7 @@
                 <p:cNvPr id="166" name="Retângulo 165">
                   <a:extLst>
                     <a:ext uri="{FF2B5EF4-FFF2-40B4-BE49-F238E27FC236}">
-                      <a16:creationId xmlns:a16="http://schemas.microsoft.com/office/drawing/2014/main" xmlns="" id="{D4150F35-8932-4085-B4D5-D6D39E9E40AA}"/>
+                      <a16:creationId xmlns:a16="http://schemas.microsoft.com/office/drawing/2014/main" id="{D4150F35-8932-4085-B4D5-D6D39E9E40AA}"/>
                     </a:ext>
                   </a:extLst>
                 </p:cNvPr>
@@ -25324,7 +25318,7 @@
                 <p:cNvPr id="167" name="Triângulo Retângulo 149">
                   <a:extLst>
                     <a:ext uri="{FF2B5EF4-FFF2-40B4-BE49-F238E27FC236}">
-                      <a16:creationId xmlns:a16="http://schemas.microsoft.com/office/drawing/2014/main" xmlns="" id="{91D599A3-F4D0-4D41-B96E-C5758541F557}"/>
+                      <a16:creationId xmlns:a16="http://schemas.microsoft.com/office/drawing/2014/main" id="{91D599A3-F4D0-4D41-B96E-C5758541F557}"/>
                     </a:ext>
                   </a:extLst>
                 </p:cNvPr>
@@ -25377,7 +25371,7 @@
               <p:cNvPr id="143" name="Agrupar 25">
                 <a:extLst>
                   <a:ext uri="{FF2B5EF4-FFF2-40B4-BE49-F238E27FC236}">
-                    <a16:creationId xmlns:a16="http://schemas.microsoft.com/office/drawing/2014/main" xmlns="" id="{55FD2579-CD40-4454-BB45-69A569E91AF2}"/>
+                    <a16:creationId xmlns:a16="http://schemas.microsoft.com/office/drawing/2014/main" id="{55FD2579-CD40-4454-BB45-69A569E91AF2}"/>
                   </a:ext>
                 </a:extLst>
               </p:cNvPr>
@@ -25397,7 +25391,7 @@
                 <p:cNvPr id="144" name="Agrupar 3">
                   <a:extLst>
                     <a:ext uri="{FF2B5EF4-FFF2-40B4-BE49-F238E27FC236}">
-                      <a16:creationId xmlns:a16="http://schemas.microsoft.com/office/drawing/2014/main" xmlns="" id="{A7470D21-CFAF-4149-A4E7-69A1A2C29C5E}"/>
+                      <a16:creationId xmlns:a16="http://schemas.microsoft.com/office/drawing/2014/main" id="{A7470D21-CFAF-4149-A4E7-69A1A2C29C5E}"/>
                     </a:ext>
                   </a:extLst>
                 </p:cNvPr>
@@ -25417,7 +25411,7 @@
                   <p:cNvPr id="159" name="Retângulo: Cantos Arredondados 4">
                     <a:extLst>
                       <a:ext uri="{FF2B5EF4-FFF2-40B4-BE49-F238E27FC236}">
-                        <a16:creationId xmlns:a16="http://schemas.microsoft.com/office/drawing/2014/main" xmlns="" id="{963282D4-D8BE-47E9-995F-0CB928378691}"/>
+                        <a16:creationId xmlns:a16="http://schemas.microsoft.com/office/drawing/2014/main" id="{963282D4-D8BE-47E9-995F-0CB928378691}"/>
                       </a:ext>
                     </a:extLst>
                   </p:cNvPr>
@@ -25468,7 +25462,7 @@
                   <p:cNvPr id="160" name="Retângulo: Cantos Arredondados 5">
                     <a:extLst>
                       <a:ext uri="{FF2B5EF4-FFF2-40B4-BE49-F238E27FC236}">
-                        <a16:creationId xmlns:a16="http://schemas.microsoft.com/office/drawing/2014/main" xmlns="" id="{A18E7E51-6C0E-4E36-B70D-F985F0D20630}"/>
+                        <a16:creationId xmlns:a16="http://schemas.microsoft.com/office/drawing/2014/main" id="{A18E7E51-6C0E-4E36-B70D-F985F0D20630}"/>
                       </a:ext>
                     </a:extLst>
                   </p:cNvPr>
@@ -25522,7 +25516,7 @@
                   <p:cNvPr id="161" name="Retângulo: Cantos Arredondados 6">
                     <a:extLst>
                       <a:ext uri="{FF2B5EF4-FFF2-40B4-BE49-F238E27FC236}">
-                        <a16:creationId xmlns:a16="http://schemas.microsoft.com/office/drawing/2014/main" xmlns="" id="{7D5B6770-6AA8-42E2-B4FA-8C0E8D6DFEE8}"/>
+                        <a16:creationId xmlns:a16="http://schemas.microsoft.com/office/drawing/2014/main" id="{7D5B6770-6AA8-42E2-B4FA-8C0E8D6DFEE8}"/>
                       </a:ext>
                     </a:extLst>
                   </p:cNvPr>
@@ -25576,7 +25570,7 @@
                   <p:cNvPr id="162" name="Forma Livre: Forma 7">
                     <a:extLst>
                       <a:ext uri="{FF2B5EF4-FFF2-40B4-BE49-F238E27FC236}">
-                        <a16:creationId xmlns:a16="http://schemas.microsoft.com/office/drawing/2014/main" xmlns="" id="{E4348310-2269-481F-8418-C13603DE962E}"/>
+                        <a16:creationId xmlns:a16="http://schemas.microsoft.com/office/drawing/2014/main" id="{E4348310-2269-481F-8418-C13603DE962E}"/>
                       </a:ext>
                     </a:extLst>
                   </p:cNvPr>
@@ -25707,7 +25701,7 @@
                   <p:cNvPr id="163" name="Retângulo 162">
                     <a:extLst>
                       <a:ext uri="{FF2B5EF4-FFF2-40B4-BE49-F238E27FC236}">
-                        <a16:creationId xmlns:a16="http://schemas.microsoft.com/office/drawing/2014/main" xmlns="" id="{29824F54-B5CE-4F46-88D5-183044EE6B6A}"/>
+                        <a16:creationId xmlns:a16="http://schemas.microsoft.com/office/drawing/2014/main" id="{29824F54-B5CE-4F46-88D5-183044EE6B6A}"/>
                       </a:ext>
                     </a:extLst>
                   </p:cNvPr>
@@ -25759,7 +25753,7 @@
                   <p:cNvPr id="164" name="Retângulo: Cantos Arredondados 9">
                     <a:extLst>
                       <a:ext uri="{FF2B5EF4-FFF2-40B4-BE49-F238E27FC236}">
-                        <a16:creationId xmlns:a16="http://schemas.microsoft.com/office/drawing/2014/main" xmlns="" id="{23573BF8-112A-45BB-BF3D-DC6EEBD9D860}"/>
+                        <a16:creationId xmlns:a16="http://schemas.microsoft.com/office/drawing/2014/main" id="{23573BF8-112A-45BB-BF3D-DC6EEBD9D860}"/>
                       </a:ext>
                     </a:extLst>
                   </p:cNvPr>
@@ -25813,7 +25807,7 @@
                   <p:cNvPr id="165" name="Retângulo: Cantos Arredondados 10">
                     <a:extLst>
                       <a:ext uri="{FF2B5EF4-FFF2-40B4-BE49-F238E27FC236}">
-                        <a16:creationId xmlns:a16="http://schemas.microsoft.com/office/drawing/2014/main" xmlns="" id="{D4EB81C9-20E6-4B70-9794-E0BCB1C304DF}"/>
+                        <a16:creationId xmlns:a16="http://schemas.microsoft.com/office/drawing/2014/main" id="{D4EB81C9-20E6-4B70-9794-E0BCB1C304DF}"/>
                       </a:ext>
                     </a:extLst>
                   </p:cNvPr>
@@ -25868,7 +25862,7 @@
                 <p:cNvPr id="145" name="Agrupar 11">
                   <a:extLst>
                     <a:ext uri="{FF2B5EF4-FFF2-40B4-BE49-F238E27FC236}">
-                      <a16:creationId xmlns:a16="http://schemas.microsoft.com/office/drawing/2014/main" xmlns="" id="{15E69D31-051F-4158-A83D-3342B904472C}"/>
+                      <a16:creationId xmlns:a16="http://schemas.microsoft.com/office/drawing/2014/main" id="{15E69D31-051F-4158-A83D-3342B904472C}"/>
                     </a:ext>
                   </a:extLst>
                 </p:cNvPr>
@@ -25888,7 +25882,7 @@
                   <p:cNvPr id="157" name="Retângulo: Cantos Arredondados 12">
                     <a:extLst>
                       <a:ext uri="{FF2B5EF4-FFF2-40B4-BE49-F238E27FC236}">
-                        <a16:creationId xmlns:a16="http://schemas.microsoft.com/office/drawing/2014/main" xmlns="" id="{233E2C98-F2F9-4D04-AE2C-14D59FC0B3BF}"/>
+                        <a16:creationId xmlns:a16="http://schemas.microsoft.com/office/drawing/2014/main" id="{233E2C98-F2F9-4D04-AE2C-14D59FC0B3BF}"/>
                       </a:ext>
                     </a:extLst>
                   </p:cNvPr>
@@ -25942,7 +25936,7 @@
                   <p:cNvPr id="158" name="Retângulo: Cantos Arredondados 13">
                     <a:extLst>
                       <a:ext uri="{FF2B5EF4-FFF2-40B4-BE49-F238E27FC236}">
-                        <a16:creationId xmlns:a16="http://schemas.microsoft.com/office/drawing/2014/main" xmlns="" id="{DDAC5462-F7BC-4D99-A307-A5EAC135D8E8}"/>
+                        <a16:creationId xmlns:a16="http://schemas.microsoft.com/office/drawing/2014/main" id="{DDAC5462-F7BC-4D99-A307-A5EAC135D8E8}"/>
                       </a:ext>
                     </a:extLst>
                   </p:cNvPr>
@@ -25997,7 +25991,7 @@
                 <p:cNvPr id="146" name="Agrupar 14">
                   <a:extLst>
                     <a:ext uri="{FF2B5EF4-FFF2-40B4-BE49-F238E27FC236}">
-                      <a16:creationId xmlns:a16="http://schemas.microsoft.com/office/drawing/2014/main" xmlns="" id="{CA3F88C5-6303-4C1B-B8E6-3B11AC1543D2}"/>
+                      <a16:creationId xmlns:a16="http://schemas.microsoft.com/office/drawing/2014/main" id="{CA3F88C5-6303-4C1B-B8E6-3B11AC1543D2}"/>
                     </a:ext>
                   </a:extLst>
                 </p:cNvPr>
@@ -26017,7 +26011,7 @@
                   <p:cNvPr id="155" name="Retângulo: Cantos Arredondados 15">
                     <a:extLst>
                       <a:ext uri="{FF2B5EF4-FFF2-40B4-BE49-F238E27FC236}">
-                        <a16:creationId xmlns:a16="http://schemas.microsoft.com/office/drawing/2014/main" xmlns="" id="{F814F319-27F2-4EB0-90CB-1EEA8240C77C}"/>
+                        <a16:creationId xmlns:a16="http://schemas.microsoft.com/office/drawing/2014/main" id="{F814F319-27F2-4EB0-90CB-1EEA8240C77C}"/>
                       </a:ext>
                     </a:extLst>
                   </p:cNvPr>
@@ -26071,7 +26065,7 @@
                   <p:cNvPr id="156" name="Retângulo: Cantos Arredondados 16">
                     <a:extLst>
                       <a:ext uri="{FF2B5EF4-FFF2-40B4-BE49-F238E27FC236}">
-                        <a16:creationId xmlns:a16="http://schemas.microsoft.com/office/drawing/2014/main" xmlns="" id="{CC7DC6F9-4D99-4F56-A64D-69C2768C2BB5}"/>
+                        <a16:creationId xmlns:a16="http://schemas.microsoft.com/office/drawing/2014/main" id="{CC7DC6F9-4D99-4F56-A64D-69C2768C2BB5}"/>
                       </a:ext>
                     </a:extLst>
                   </p:cNvPr>
@@ -26126,7 +26120,7 @@
                 <p:cNvPr id="147" name="Agrupar 17">
                   <a:extLst>
                     <a:ext uri="{FF2B5EF4-FFF2-40B4-BE49-F238E27FC236}">
-                      <a16:creationId xmlns:a16="http://schemas.microsoft.com/office/drawing/2014/main" xmlns="" id="{78842492-4535-49FE-A024-FCBB3F2C91DA}"/>
+                      <a16:creationId xmlns:a16="http://schemas.microsoft.com/office/drawing/2014/main" id="{78842492-4535-49FE-A024-FCBB3F2C91DA}"/>
                     </a:ext>
                   </a:extLst>
                 </p:cNvPr>
@@ -26146,7 +26140,7 @@
                   <p:cNvPr id="149" name="Forma Livre: Forma 18">
                     <a:extLst>
                       <a:ext uri="{FF2B5EF4-FFF2-40B4-BE49-F238E27FC236}">
-                        <a16:creationId xmlns:a16="http://schemas.microsoft.com/office/drawing/2014/main" xmlns="" id="{A70CDE06-649E-4831-9A54-7CA235CCCAD5}"/>
+                        <a16:creationId xmlns:a16="http://schemas.microsoft.com/office/drawing/2014/main" id="{A70CDE06-649E-4831-9A54-7CA235CCCAD5}"/>
                       </a:ext>
                     </a:extLst>
                   </p:cNvPr>
@@ -26281,7 +26275,7 @@
                   <p:cNvPr id="150" name="Forma Livre: Forma 19">
                     <a:extLst>
                       <a:ext uri="{FF2B5EF4-FFF2-40B4-BE49-F238E27FC236}">
-                        <a16:creationId xmlns:a16="http://schemas.microsoft.com/office/drawing/2014/main" xmlns="" id="{407002B0-BC4E-460F-AB71-4AB92D8B7E0F}"/>
+                        <a16:creationId xmlns:a16="http://schemas.microsoft.com/office/drawing/2014/main" id="{407002B0-BC4E-460F-AB71-4AB92D8B7E0F}"/>
                       </a:ext>
                     </a:extLst>
                   </p:cNvPr>
@@ -26416,7 +26410,7 @@
                   <p:cNvPr id="151" name="Elipse 150">
                     <a:extLst>
                       <a:ext uri="{FF2B5EF4-FFF2-40B4-BE49-F238E27FC236}">
-                        <a16:creationId xmlns:a16="http://schemas.microsoft.com/office/drawing/2014/main" xmlns="" id="{CD007A64-98F5-472A-A9A8-FC55BF47D397}"/>
+                        <a16:creationId xmlns:a16="http://schemas.microsoft.com/office/drawing/2014/main" id="{CD007A64-98F5-472A-A9A8-FC55BF47D397}"/>
                       </a:ext>
                     </a:extLst>
                   </p:cNvPr>
@@ -26468,7 +26462,7 @@
                   <p:cNvPr id="152" name="Retângulo: Cantos Arredondados 21">
                     <a:extLst>
                       <a:ext uri="{FF2B5EF4-FFF2-40B4-BE49-F238E27FC236}">
-                        <a16:creationId xmlns:a16="http://schemas.microsoft.com/office/drawing/2014/main" xmlns="" id="{0F4A0C35-7D8A-450F-AE58-EFB1D41591F7}"/>
+                        <a16:creationId xmlns:a16="http://schemas.microsoft.com/office/drawing/2014/main" id="{0F4A0C35-7D8A-450F-AE58-EFB1D41591F7}"/>
                       </a:ext>
                     </a:extLst>
                   </p:cNvPr>
@@ -26522,7 +26516,7 @@
                   <p:cNvPr id="153" name="Retângulo: Cantos Arredondados 22">
                     <a:extLst>
                       <a:ext uri="{FF2B5EF4-FFF2-40B4-BE49-F238E27FC236}">
-                        <a16:creationId xmlns:a16="http://schemas.microsoft.com/office/drawing/2014/main" xmlns="" id="{043FE423-D875-4CF1-AF41-8EE20263B7AE}"/>
+                        <a16:creationId xmlns:a16="http://schemas.microsoft.com/office/drawing/2014/main" id="{043FE423-D875-4CF1-AF41-8EE20263B7AE}"/>
                       </a:ext>
                     </a:extLst>
                   </p:cNvPr>
@@ -26576,7 +26570,7 @@
                   <p:cNvPr id="154" name="Retângulo: Cantos Arredondados 23">
                     <a:extLst>
                       <a:ext uri="{FF2B5EF4-FFF2-40B4-BE49-F238E27FC236}">
-                        <a16:creationId xmlns:a16="http://schemas.microsoft.com/office/drawing/2014/main" xmlns="" id="{6E9CBFB4-7697-48F2-9A63-3EE8BA073F75}"/>
+                        <a16:creationId xmlns:a16="http://schemas.microsoft.com/office/drawing/2014/main" id="{6E9CBFB4-7697-48F2-9A63-3EE8BA073F75}"/>
                       </a:ext>
                     </a:extLst>
                   </p:cNvPr>
@@ -26631,7 +26625,7 @@
                 <p:cNvPr id="148" name="Forma Livre: Forma 24">
                   <a:extLst>
                     <a:ext uri="{FF2B5EF4-FFF2-40B4-BE49-F238E27FC236}">
-                      <a16:creationId xmlns:a16="http://schemas.microsoft.com/office/drawing/2014/main" xmlns="" id="{312A957E-B066-474F-AE48-2EA31E221E28}"/>
+                      <a16:creationId xmlns:a16="http://schemas.microsoft.com/office/drawing/2014/main" id="{312A957E-B066-474F-AE48-2EA31E221E28}"/>
                     </a:ext>
                   </a:extLst>
                 </p:cNvPr>
@@ -26793,7 +26787,7 @@
           <p:cNvPr id="194" name="Grupo 6">
             <a:extLst>
               <a:ext uri="{FF2B5EF4-FFF2-40B4-BE49-F238E27FC236}">
-                <a16:creationId xmlns:a16="http://schemas.microsoft.com/office/drawing/2014/main" xmlns="" id="{2742B7A7-ACC5-4483-A442-F0ED66D10D58}"/>
+                <a16:creationId xmlns:a16="http://schemas.microsoft.com/office/drawing/2014/main" id="{2742B7A7-ACC5-4483-A442-F0ED66D10D58}"/>
               </a:ext>
             </a:extLst>
           </p:cNvPr>
@@ -26813,7 +26807,7 @@
             <p:cNvPr id="195" name="Retângulo de cantos arredondados 1">
               <a:extLst>
                 <a:ext uri="{FF2B5EF4-FFF2-40B4-BE49-F238E27FC236}">
-                  <a16:creationId xmlns:a16="http://schemas.microsoft.com/office/drawing/2014/main" xmlns="" id="{9EA43C1A-C868-4051-845D-2634D578EBAB}"/>
+                  <a16:creationId xmlns:a16="http://schemas.microsoft.com/office/drawing/2014/main" id="{9EA43C1A-C868-4051-845D-2634D578EBAB}"/>
                 </a:ext>
               </a:extLst>
             </p:cNvPr>
@@ -26865,7 +26859,7 @@
             <p:cNvPr id="196" name="Grupo 2">
               <a:extLst>
                 <a:ext uri="{FF2B5EF4-FFF2-40B4-BE49-F238E27FC236}">
-                  <a16:creationId xmlns:a16="http://schemas.microsoft.com/office/drawing/2014/main" xmlns="" id="{978B6BF9-6790-4800-B50E-AB095103EFD8}"/>
+                  <a16:creationId xmlns:a16="http://schemas.microsoft.com/office/drawing/2014/main" id="{978B6BF9-6790-4800-B50E-AB095103EFD8}"/>
                 </a:ext>
               </a:extLst>
             </p:cNvPr>
@@ -26885,7 +26879,7 @@
               <p:cNvPr id="197" name="Grupo 50">
                 <a:extLst>
                   <a:ext uri="{FF2B5EF4-FFF2-40B4-BE49-F238E27FC236}">
-                    <a16:creationId xmlns:a16="http://schemas.microsoft.com/office/drawing/2014/main" xmlns="" id="{FCFC678E-95CD-460E-B46F-A20A41BCCE8C}"/>
+                    <a16:creationId xmlns:a16="http://schemas.microsoft.com/office/drawing/2014/main" id="{FCFC678E-95CD-460E-B46F-A20A41BCCE8C}"/>
                   </a:ext>
                 </a:extLst>
               </p:cNvPr>
@@ -26905,7 +26899,7 @@
                 <p:cNvPr id="224" name="Retângulo 223">
                   <a:extLst>
                     <a:ext uri="{FF2B5EF4-FFF2-40B4-BE49-F238E27FC236}">
-                      <a16:creationId xmlns:a16="http://schemas.microsoft.com/office/drawing/2014/main" xmlns="" id="{7E7B446A-CA7C-410A-A776-E2FC6487E12A}"/>
+                      <a16:creationId xmlns:a16="http://schemas.microsoft.com/office/drawing/2014/main" id="{7E7B446A-CA7C-410A-A776-E2FC6487E12A}"/>
                     </a:ext>
                   </a:extLst>
                 </p:cNvPr>
@@ -26957,7 +26951,7 @@
                 <p:cNvPr id="225" name="Forma Livre: Forma 46">
                   <a:extLst>
                     <a:ext uri="{FF2B5EF4-FFF2-40B4-BE49-F238E27FC236}">
-                      <a16:creationId xmlns:a16="http://schemas.microsoft.com/office/drawing/2014/main" xmlns="" id="{D831F71C-063E-4470-8B79-9841AD33A8F4}"/>
+                      <a16:creationId xmlns:a16="http://schemas.microsoft.com/office/drawing/2014/main" id="{D831F71C-063E-4470-8B79-9841AD33A8F4}"/>
                     </a:ext>
                   </a:extLst>
                 </p:cNvPr>
@@ -27124,7 +27118,7 @@
                 <p:cNvPr id="226" name="Forma Livre: Forma 56">
                   <a:extLst>
                     <a:ext uri="{FF2B5EF4-FFF2-40B4-BE49-F238E27FC236}">
-                      <a16:creationId xmlns:a16="http://schemas.microsoft.com/office/drawing/2014/main" xmlns="" id="{22D0D129-574F-4197-BFDC-AAA28747D2EF}"/>
+                      <a16:creationId xmlns:a16="http://schemas.microsoft.com/office/drawing/2014/main" id="{22D0D129-574F-4197-BFDC-AAA28747D2EF}"/>
                     </a:ext>
                   </a:extLst>
                 </p:cNvPr>
@@ -27276,7 +27270,7 @@
                 <p:cNvPr id="227" name="Forma Livre: Forma 109">
                   <a:extLst>
                     <a:ext uri="{FF2B5EF4-FFF2-40B4-BE49-F238E27FC236}">
-                      <a16:creationId xmlns:a16="http://schemas.microsoft.com/office/drawing/2014/main" xmlns="" id="{879E1EC2-F951-4AEA-B991-A8DE82C5BA3E}"/>
+                      <a16:creationId xmlns:a16="http://schemas.microsoft.com/office/drawing/2014/main" id="{879E1EC2-F951-4AEA-B991-A8DE82C5BA3E}"/>
                     </a:ext>
                   </a:extLst>
                 </p:cNvPr>
@@ -27574,7 +27568,7 @@
                 <p:cNvPr id="228" name="Agrupar 110">
                   <a:extLst>
                     <a:ext uri="{FF2B5EF4-FFF2-40B4-BE49-F238E27FC236}">
-                      <a16:creationId xmlns:a16="http://schemas.microsoft.com/office/drawing/2014/main" xmlns="" id="{63AD9C47-DE64-44A4-A18F-2058724D8EF8}"/>
+                      <a16:creationId xmlns:a16="http://schemas.microsoft.com/office/drawing/2014/main" id="{63AD9C47-DE64-44A4-A18F-2058724D8EF8}"/>
                     </a:ext>
                   </a:extLst>
                 </p:cNvPr>
@@ -27597,7 +27591,7 @@
                   <p:cNvPr id="229" name="Cruz 228">
                     <a:extLst>
                       <a:ext uri="{FF2B5EF4-FFF2-40B4-BE49-F238E27FC236}">
-                        <a16:creationId xmlns:a16="http://schemas.microsoft.com/office/drawing/2014/main" xmlns="" id="{F5D58BC0-D941-4922-A87B-7C41A6DD8CA5}"/>
+                        <a16:creationId xmlns:a16="http://schemas.microsoft.com/office/drawing/2014/main" id="{F5D58BC0-D941-4922-A87B-7C41A6DD8CA5}"/>
                       </a:ext>
                     </a:extLst>
                   </p:cNvPr>
@@ -27649,7 +27643,7 @@
                   <p:cNvPr id="230" name="Cruz 229">
                     <a:extLst>
                       <a:ext uri="{FF2B5EF4-FFF2-40B4-BE49-F238E27FC236}">
-                        <a16:creationId xmlns:a16="http://schemas.microsoft.com/office/drawing/2014/main" xmlns="" id="{67337E81-C180-4296-ACF8-1048FEF334DA}"/>
+                        <a16:creationId xmlns:a16="http://schemas.microsoft.com/office/drawing/2014/main" id="{67337E81-C180-4296-ACF8-1048FEF334DA}"/>
                       </a:ext>
                     </a:extLst>
                   </p:cNvPr>
@@ -27701,7 +27695,7 @@
                   <p:cNvPr id="231" name="Cruz 230">
                     <a:extLst>
                       <a:ext uri="{FF2B5EF4-FFF2-40B4-BE49-F238E27FC236}">
-                        <a16:creationId xmlns:a16="http://schemas.microsoft.com/office/drawing/2014/main" xmlns="" id="{BCEE3B91-F9B0-4977-9B95-9CDF6931131E}"/>
+                        <a16:creationId xmlns:a16="http://schemas.microsoft.com/office/drawing/2014/main" id="{BCEE3B91-F9B0-4977-9B95-9CDF6931131E}"/>
                       </a:ext>
                     </a:extLst>
                   </p:cNvPr>
@@ -27753,7 +27747,7 @@
                   <p:cNvPr id="232" name="Grupo 19">
                     <a:extLst>
                       <a:ext uri="{FF2B5EF4-FFF2-40B4-BE49-F238E27FC236}">
-                        <a16:creationId xmlns:a16="http://schemas.microsoft.com/office/drawing/2014/main" xmlns="" id="{28560833-C8D0-4935-BABB-25F234A75D1D}"/>
+                        <a16:creationId xmlns:a16="http://schemas.microsoft.com/office/drawing/2014/main" id="{28560833-C8D0-4935-BABB-25F234A75D1D}"/>
                       </a:ext>
                     </a:extLst>
                   </p:cNvPr>
@@ -27774,7 +27768,7 @@
                     <p:cNvPr id="233" name="Cruz 232">
                       <a:extLst>
                         <a:ext uri="{FF2B5EF4-FFF2-40B4-BE49-F238E27FC236}">
-                          <a16:creationId xmlns:a16="http://schemas.microsoft.com/office/drawing/2014/main" xmlns="" id="{CDC47273-C1F8-42E6-9B72-42DB19F9EC5E}"/>
+                          <a16:creationId xmlns:a16="http://schemas.microsoft.com/office/drawing/2014/main" id="{CDC47273-C1F8-42E6-9B72-42DB19F9EC5E}"/>
                         </a:ext>
                       </a:extLst>
                     </p:cNvPr>
@@ -27826,7 +27820,7 @@
                     <p:cNvPr id="234" name="Cruz 233">
                       <a:extLst>
                         <a:ext uri="{FF2B5EF4-FFF2-40B4-BE49-F238E27FC236}">
-                          <a16:creationId xmlns:a16="http://schemas.microsoft.com/office/drawing/2014/main" xmlns="" id="{26A04287-A22F-4E82-9857-57143FC38271}"/>
+                          <a16:creationId xmlns:a16="http://schemas.microsoft.com/office/drawing/2014/main" id="{26A04287-A22F-4E82-9857-57143FC38271}"/>
                         </a:ext>
                       </a:extLst>
                     </p:cNvPr>
@@ -27881,7 +27875,7 @@
               <p:cNvPr id="198" name="Grupo 63">
                 <a:extLst>
                   <a:ext uri="{FF2B5EF4-FFF2-40B4-BE49-F238E27FC236}">
-                    <a16:creationId xmlns:a16="http://schemas.microsoft.com/office/drawing/2014/main" xmlns="" id="{4ABA274E-B2CB-4559-8893-50283604EB4A}"/>
+                    <a16:creationId xmlns:a16="http://schemas.microsoft.com/office/drawing/2014/main" id="{4ABA274E-B2CB-4559-8893-50283604EB4A}"/>
                   </a:ext>
                 </a:extLst>
               </p:cNvPr>
@@ -27901,7 +27895,7 @@
                 <p:cNvPr id="222" name="Retângulo 221">
                   <a:extLst>
                     <a:ext uri="{FF2B5EF4-FFF2-40B4-BE49-F238E27FC236}">
-                      <a16:creationId xmlns:a16="http://schemas.microsoft.com/office/drawing/2014/main" xmlns="" id="{2FC8D8ED-F077-41AC-B80C-1B43A497D32D}"/>
+                      <a16:creationId xmlns:a16="http://schemas.microsoft.com/office/drawing/2014/main" id="{2FC8D8ED-F077-41AC-B80C-1B43A497D32D}"/>
                     </a:ext>
                   </a:extLst>
                 </p:cNvPr>
@@ -27953,7 +27947,7 @@
                 <p:cNvPr id="223" name="Triângulo Retângulo 149">
                   <a:extLst>
                     <a:ext uri="{FF2B5EF4-FFF2-40B4-BE49-F238E27FC236}">
-                      <a16:creationId xmlns:a16="http://schemas.microsoft.com/office/drawing/2014/main" xmlns="" id="{FFA104F8-A82E-4294-B127-E7B78BA8AA15}"/>
+                      <a16:creationId xmlns:a16="http://schemas.microsoft.com/office/drawing/2014/main" id="{FFA104F8-A82E-4294-B127-E7B78BA8AA15}"/>
                     </a:ext>
                   </a:extLst>
                 </p:cNvPr>
@@ -28006,7 +28000,7 @@
               <p:cNvPr id="199" name="Agrupar 25">
                 <a:extLst>
                   <a:ext uri="{FF2B5EF4-FFF2-40B4-BE49-F238E27FC236}">
-                    <a16:creationId xmlns:a16="http://schemas.microsoft.com/office/drawing/2014/main" xmlns="" id="{A24E9757-5400-47A0-B59E-B455DB9FE85A}"/>
+                    <a16:creationId xmlns:a16="http://schemas.microsoft.com/office/drawing/2014/main" id="{A24E9757-5400-47A0-B59E-B455DB9FE85A}"/>
                   </a:ext>
                 </a:extLst>
               </p:cNvPr>
@@ -28026,7 +28020,7 @@
                 <p:cNvPr id="200" name="Agrupar 3">
                   <a:extLst>
                     <a:ext uri="{FF2B5EF4-FFF2-40B4-BE49-F238E27FC236}">
-                      <a16:creationId xmlns:a16="http://schemas.microsoft.com/office/drawing/2014/main" xmlns="" id="{05843A19-C129-4466-942B-7E312EF96EFC}"/>
+                      <a16:creationId xmlns:a16="http://schemas.microsoft.com/office/drawing/2014/main" id="{05843A19-C129-4466-942B-7E312EF96EFC}"/>
                     </a:ext>
                   </a:extLst>
                 </p:cNvPr>
@@ -28046,7 +28040,7 @@
                   <p:cNvPr id="215" name="Retângulo: Cantos Arredondados 4">
                     <a:extLst>
                       <a:ext uri="{FF2B5EF4-FFF2-40B4-BE49-F238E27FC236}">
-                        <a16:creationId xmlns:a16="http://schemas.microsoft.com/office/drawing/2014/main" xmlns="" id="{06F8152A-391D-4E8B-B61D-A7F65A301D20}"/>
+                        <a16:creationId xmlns:a16="http://schemas.microsoft.com/office/drawing/2014/main" id="{06F8152A-391D-4E8B-B61D-A7F65A301D20}"/>
                       </a:ext>
                     </a:extLst>
                   </p:cNvPr>
@@ -28097,7 +28091,7 @@
                   <p:cNvPr id="216" name="Retângulo: Cantos Arredondados 5">
                     <a:extLst>
                       <a:ext uri="{FF2B5EF4-FFF2-40B4-BE49-F238E27FC236}">
-                        <a16:creationId xmlns:a16="http://schemas.microsoft.com/office/drawing/2014/main" xmlns="" id="{7C0AAF1A-1A07-4E1A-9643-DBEA6CEBAAAC}"/>
+                        <a16:creationId xmlns:a16="http://schemas.microsoft.com/office/drawing/2014/main" id="{7C0AAF1A-1A07-4E1A-9643-DBEA6CEBAAAC}"/>
                       </a:ext>
                     </a:extLst>
                   </p:cNvPr>
@@ -28151,7 +28145,7 @@
                   <p:cNvPr id="217" name="Retângulo: Cantos Arredondados 6">
                     <a:extLst>
                       <a:ext uri="{FF2B5EF4-FFF2-40B4-BE49-F238E27FC236}">
-                        <a16:creationId xmlns:a16="http://schemas.microsoft.com/office/drawing/2014/main" xmlns="" id="{72281106-DB8C-4878-9AB7-4CEC65BD95C7}"/>
+                        <a16:creationId xmlns:a16="http://schemas.microsoft.com/office/drawing/2014/main" id="{72281106-DB8C-4878-9AB7-4CEC65BD95C7}"/>
                       </a:ext>
                     </a:extLst>
                   </p:cNvPr>
@@ -28205,7 +28199,7 @@
                   <p:cNvPr id="218" name="Forma Livre: Forma 7">
                     <a:extLst>
                       <a:ext uri="{FF2B5EF4-FFF2-40B4-BE49-F238E27FC236}">
-                        <a16:creationId xmlns:a16="http://schemas.microsoft.com/office/drawing/2014/main" xmlns="" id="{C6AEB392-1A03-454A-AB07-7A292B964CC9}"/>
+                        <a16:creationId xmlns:a16="http://schemas.microsoft.com/office/drawing/2014/main" id="{C6AEB392-1A03-454A-AB07-7A292B964CC9}"/>
                       </a:ext>
                     </a:extLst>
                   </p:cNvPr>
@@ -28336,7 +28330,7 @@
                   <p:cNvPr id="219" name="Retângulo 218">
                     <a:extLst>
                       <a:ext uri="{FF2B5EF4-FFF2-40B4-BE49-F238E27FC236}">
-                        <a16:creationId xmlns:a16="http://schemas.microsoft.com/office/drawing/2014/main" xmlns="" id="{6194C98F-9F23-427A-BFF3-C37CB0FF1E2D}"/>
+                        <a16:creationId xmlns:a16="http://schemas.microsoft.com/office/drawing/2014/main" id="{6194C98F-9F23-427A-BFF3-C37CB0FF1E2D}"/>
                       </a:ext>
                     </a:extLst>
                   </p:cNvPr>
@@ -28388,7 +28382,7 @@
                   <p:cNvPr id="220" name="Retângulo: Cantos Arredondados 9">
                     <a:extLst>
                       <a:ext uri="{FF2B5EF4-FFF2-40B4-BE49-F238E27FC236}">
-                        <a16:creationId xmlns:a16="http://schemas.microsoft.com/office/drawing/2014/main" xmlns="" id="{D6EE0EA2-06ED-46D6-9A41-CDF4C431DDA6}"/>
+                        <a16:creationId xmlns:a16="http://schemas.microsoft.com/office/drawing/2014/main" id="{D6EE0EA2-06ED-46D6-9A41-CDF4C431DDA6}"/>
                       </a:ext>
                     </a:extLst>
                   </p:cNvPr>
@@ -28442,7 +28436,7 @@
                   <p:cNvPr id="221" name="Retângulo: Cantos Arredondados 10">
                     <a:extLst>
                       <a:ext uri="{FF2B5EF4-FFF2-40B4-BE49-F238E27FC236}">
-                        <a16:creationId xmlns:a16="http://schemas.microsoft.com/office/drawing/2014/main" xmlns="" id="{9345512C-9C34-4417-8C8A-282AAC45E8F7}"/>
+                        <a16:creationId xmlns:a16="http://schemas.microsoft.com/office/drawing/2014/main" id="{9345512C-9C34-4417-8C8A-282AAC45E8F7}"/>
                       </a:ext>
                     </a:extLst>
                   </p:cNvPr>
@@ -28497,7 +28491,7 @@
                 <p:cNvPr id="201" name="Agrupar 11">
                   <a:extLst>
                     <a:ext uri="{FF2B5EF4-FFF2-40B4-BE49-F238E27FC236}">
-                      <a16:creationId xmlns:a16="http://schemas.microsoft.com/office/drawing/2014/main" xmlns="" id="{E181F1AF-F0AA-4DF3-AB25-A226F9C10F41}"/>
+                      <a16:creationId xmlns:a16="http://schemas.microsoft.com/office/drawing/2014/main" id="{E181F1AF-F0AA-4DF3-AB25-A226F9C10F41}"/>
                     </a:ext>
                   </a:extLst>
                 </p:cNvPr>
@@ -28517,7 +28511,7 @@
                   <p:cNvPr id="213" name="Retângulo: Cantos Arredondados 12">
                     <a:extLst>
                       <a:ext uri="{FF2B5EF4-FFF2-40B4-BE49-F238E27FC236}">
-                        <a16:creationId xmlns:a16="http://schemas.microsoft.com/office/drawing/2014/main" xmlns="" id="{A944DF34-D79F-4FB3-A71B-73A9A48387C5}"/>
+                        <a16:creationId xmlns:a16="http://schemas.microsoft.com/office/drawing/2014/main" id="{A944DF34-D79F-4FB3-A71B-73A9A48387C5}"/>
                       </a:ext>
                     </a:extLst>
                   </p:cNvPr>
@@ -28571,7 +28565,7 @@
                   <p:cNvPr id="214" name="Retângulo: Cantos Arredondados 13">
                     <a:extLst>
                       <a:ext uri="{FF2B5EF4-FFF2-40B4-BE49-F238E27FC236}">
-                        <a16:creationId xmlns:a16="http://schemas.microsoft.com/office/drawing/2014/main" xmlns="" id="{39D1A281-FB39-4AB2-B7F9-AE9FAA74E7B8}"/>
+                        <a16:creationId xmlns:a16="http://schemas.microsoft.com/office/drawing/2014/main" id="{39D1A281-FB39-4AB2-B7F9-AE9FAA74E7B8}"/>
                       </a:ext>
                     </a:extLst>
                   </p:cNvPr>
@@ -28626,7 +28620,7 @@
                 <p:cNvPr id="202" name="Agrupar 14">
                   <a:extLst>
                     <a:ext uri="{FF2B5EF4-FFF2-40B4-BE49-F238E27FC236}">
-                      <a16:creationId xmlns:a16="http://schemas.microsoft.com/office/drawing/2014/main" xmlns="" id="{3F94D053-BEEC-4E64-851E-6B3EBE51BFB5}"/>
+                      <a16:creationId xmlns:a16="http://schemas.microsoft.com/office/drawing/2014/main" id="{3F94D053-BEEC-4E64-851E-6B3EBE51BFB5}"/>
                     </a:ext>
                   </a:extLst>
                 </p:cNvPr>
@@ -28646,7 +28640,7 @@
                   <p:cNvPr id="211" name="Retângulo: Cantos Arredondados 15">
                     <a:extLst>
                       <a:ext uri="{FF2B5EF4-FFF2-40B4-BE49-F238E27FC236}">
-                        <a16:creationId xmlns:a16="http://schemas.microsoft.com/office/drawing/2014/main" xmlns="" id="{A05B97D7-B500-49D7-9E7C-9F6AF38ADE9D}"/>
+                        <a16:creationId xmlns:a16="http://schemas.microsoft.com/office/drawing/2014/main" id="{A05B97D7-B500-49D7-9E7C-9F6AF38ADE9D}"/>
                       </a:ext>
                     </a:extLst>
                   </p:cNvPr>
@@ -28700,7 +28694,7 @@
                   <p:cNvPr id="212" name="Retângulo: Cantos Arredondados 16">
                     <a:extLst>
                       <a:ext uri="{FF2B5EF4-FFF2-40B4-BE49-F238E27FC236}">
-                        <a16:creationId xmlns:a16="http://schemas.microsoft.com/office/drawing/2014/main" xmlns="" id="{A667A6AA-368E-4B22-8FCE-15F506FA8322}"/>
+                        <a16:creationId xmlns:a16="http://schemas.microsoft.com/office/drawing/2014/main" id="{A667A6AA-368E-4B22-8FCE-15F506FA8322}"/>
                       </a:ext>
                     </a:extLst>
                   </p:cNvPr>
@@ -28755,7 +28749,7 @@
                 <p:cNvPr id="203" name="Agrupar 17">
                   <a:extLst>
                     <a:ext uri="{FF2B5EF4-FFF2-40B4-BE49-F238E27FC236}">
-                      <a16:creationId xmlns:a16="http://schemas.microsoft.com/office/drawing/2014/main" xmlns="" id="{A669400B-DD71-42FB-BB23-4077B36466E8}"/>
+                      <a16:creationId xmlns:a16="http://schemas.microsoft.com/office/drawing/2014/main" id="{A669400B-DD71-42FB-BB23-4077B36466E8}"/>
                     </a:ext>
                   </a:extLst>
                 </p:cNvPr>
@@ -28775,7 +28769,7 @@
                   <p:cNvPr id="205" name="Forma Livre: Forma 18">
                     <a:extLst>
                       <a:ext uri="{FF2B5EF4-FFF2-40B4-BE49-F238E27FC236}">
-                        <a16:creationId xmlns:a16="http://schemas.microsoft.com/office/drawing/2014/main" xmlns="" id="{9238453F-1997-4999-BE09-E1A30513CBF9}"/>
+                        <a16:creationId xmlns:a16="http://schemas.microsoft.com/office/drawing/2014/main" id="{9238453F-1997-4999-BE09-E1A30513CBF9}"/>
                       </a:ext>
                     </a:extLst>
                   </p:cNvPr>
@@ -28910,7 +28904,7 @@
                   <p:cNvPr id="206" name="Forma Livre: Forma 19">
                     <a:extLst>
                       <a:ext uri="{FF2B5EF4-FFF2-40B4-BE49-F238E27FC236}">
-                        <a16:creationId xmlns:a16="http://schemas.microsoft.com/office/drawing/2014/main" xmlns="" id="{F4CEA07E-D969-47FD-BD39-5882972463DD}"/>
+                        <a16:creationId xmlns:a16="http://schemas.microsoft.com/office/drawing/2014/main" id="{F4CEA07E-D969-47FD-BD39-5882972463DD}"/>
                       </a:ext>
                     </a:extLst>
                   </p:cNvPr>
@@ -29045,7 +29039,7 @@
                   <p:cNvPr id="207" name="Elipse 206">
                     <a:extLst>
                       <a:ext uri="{FF2B5EF4-FFF2-40B4-BE49-F238E27FC236}">
-                        <a16:creationId xmlns:a16="http://schemas.microsoft.com/office/drawing/2014/main" xmlns="" id="{28691313-FAC7-42AA-B298-77C2DD654F9E}"/>
+                        <a16:creationId xmlns:a16="http://schemas.microsoft.com/office/drawing/2014/main" id="{28691313-FAC7-42AA-B298-77C2DD654F9E}"/>
                       </a:ext>
                     </a:extLst>
                   </p:cNvPr>
@@ -29097,7 +29091,7 @@
                   <p:cNvPr id="208" name="Retângulo: Cantos Arredondados 21">
                     <a:extLst>
                       <a:ext uri="{FF2B5EF4-FFF2-40B4-BE49-F238E27FC236}">
-                        <a16:creationId xmlns:a16="http://schemas.microsoft.com/office/drawing/2014/main" xmlns="" id="{CF24770F-DCE2-4CCF-BB79-BBAA33458546}"/>
+                        <a16:creationId xmlns:a16="http://schemas.microsoft.com/office/drawing/2014/main" id="{CF24770F-DCE2-4CCF-BB79-BBAA33458546}"/>
                       </a:ext>
                     </a:extLst>
                   </p:cNvPr>
@@ -29151,7 +29145,7 @@
                   <p:cNvPr id="209" name="Retângulo: Cantos Arredondados 22">
                     <a:extLst>
                       <a:ext uri="{FF2B5EF4-FFF2-40B4-BE49-F238E27FC236}">
-                        <a16:creationId xmlns:a16="http://schemas.microsoft.com/office/drawing/2014/main" xmlns="" id="{6F82D9A8-6B9C-41C7-8B0E-CEDB0D1CFABB}"/>
+                        <a16:creationId xmlns:a16="http://schemas.microsoft.com/office/drawing/2014/main" id="{6F82D9A8-6B9C-41C7-8B0E-CEDB0D1CFABB}"/>
                       </a:ext>
                     </a:extLst>
                   </p:cNvPr>
@@ -29205,7 +29199,7 @@
                   <p:cNvPr id="210" name="Retângulo: Cantos Arredondados 23">
                     <a:extLst>
                       <a:ext uri="{FF2B5EF4-FFF2-40B4-BE49-F238E27FC236}">
-                        <a16:creationId xmlns:a16="http://schemas.microsoft.com/office/drawing/2014/main" xmlns="" id="{88F60055-5E05-4F78-A1E2-380C01574288}"/>
+                        <a16:creationId xmlns:a16="http://schemas.microsoft.com/office/drawing/2014/main" id="{88F60055-5E05-4F78-A1E2-380C01574288}"/>
                       </a:ext>
                     </a:extLst>
                   </p:cNvPr>
@@ -29260,7 +29254,7 @@
                 <p:cNvPr id="204" name="Forma Livre: Forma 24">
                   <a:extLst>
                     <a:ext uri="{FF2B5EF4-FFF2-40B4-BE49-F238E27FC236}">
-                      <a16:creationId xmlns:a16="http://schemas.microsoft.com/office/drawing/2014/main" xmlns="" id="{47F3D332-B68B-40FC-938A-7A72681A2303}"/>
+                      <a16:creationId xmlns:a16="http://schemas.microsoft.com/office/drawing/2014/main" id="{47F3D332-B68B-40FC-938A-7A72681A2303}"/>
                     </a:ext>
                   </a:extLst>
                 </p:cNvPr>
@@ -29422,7 +29416,7 @@
           <p:cNvPr id="4" name="Agrupar 3">
             <a:extLst>
               <a:ext uri="{FF2B5EF4-FFF2-40B4-BE49-F238E27FC236}">
-                <a16:creationId xmlns:a16="http://schemas.microsoft.com/office/drawing/2014/main" xmlns="" id="{D375936F-A45E-489C-9B6C-D809C27AA82D}"/>
+                <a16:creationId xmlns:a16="http://schemas.microsoft.com/office/drawing/2014/main" id="{D375936F-A45E-489C-9B6C-D809C27AA82D}"/>
               </a:ext>
             </a:extLst>
           </p:cNvPr>
@@ -29442,7 +29436,7 @@
             <p:cNvPr id="235" name="Retângulo de cantos arredondados 1">
               <a:extLst>
                 <a:ext uri="{FF2B5EF4-FFF2-40B4-BE49-F238E27FC236}">
-                  <a16:creationId xmlns:a16="http://schemas.microsoft.com/office/drawing/2014/main" xmlns="" id="{59FC61EC-27B7-4C23-A945-70E4EFDA5A28}"/>
+                  <a16:creationId xmlns:a16="http://schemas.microsoft.com/office/drawing/2014/main" id="{59FC61EC-27B7-4C23-A945-70E4EFDA5A28}"/>
                 </a:ext>
               </a:extLst>
             </p:cNvPr>
@@ -29494,7 +29488,7 @@
             <p:cNvPr id="179" name="Agrupar 178">
               <a:extLst>
                 <a:ext uri="{FF2B5EF4-FFF2-40B4-BE49-F238E27FC236}">
-                  <a16:creationId xmlns:a16="http://schemas.microsoft.com/office/drawing/2014/main" xmlns="" id="{6F3CFAD0-4996-4D03-A80A-26D62E6DCDBA}"/>
+                  <a16:creationId xmlns:a16="http://schemas.microsoft.com/office/drawing/2014/main" id="{6F3CFAD0-4996-4D03-A80A-26D62E6DCDBA}"/>
                 </a:ext>
               </a:extLst>
             </p:cNvPr>
@@ -29517,7 +29511,7 @@
               <p:cNvPr id="180" name="Agrupar 179">
                 <a:extLst>
                   <a:ext uri="{FF2B5EF4-FFF2-40B4-BE49-F238E27FC236}">
-                    <a16:creationId xmlns:a16="http://schemas.microsoft.com/office/drawing/2014/main" xmlns="" id="{0DABEADC-9A31-4AD9-86FF-F5C5AE76940E}"/>
+                    <a16:creationId xmlns:a16="http://schemas.microsoft.com/office/drawing/2014/main" id="{0DABEADC-9A31-4AD9-86FF-F5C5AE76940E}"/>
                   </a:ext>
                 </a:extLst>
               </p:cNvPr>
@@ -29538,7 +29532,7 @@
                 <p:cNvPr id="182" name="Retângulo 181">
                   <a:extLst>
                     <a:ext uri="{FF2B5EF4-FFF2-40B4-BE49-F238E27FC236}">
-                      <a16:creationId xmlns:a16="http://schemas.microsoft.com/office/drawing/2014/main" xmlns="" id="{72D1CE18-89B0-406E-8903-ACEE7254F7DA}"/>
+                      <a16:creationId xmlns:a16="http://schemas.microsoft.com/office/drawing/2014/main" id="{72D1CE18-89B0-406E-8903-ACEE7254F7DA}"/>
                     </a:ext>
                   </a:extLst>
                 </p:cNvPr>
@@ -29588,7 +29582,7 @@
                 <p:cNvPr id="183" name="Retângulo 182">
                   <a:extLst>
                     <a:ext uri="{FF2B5EF4-FFF2-40B4-BE49-F238E27FC236}">
-                      <a16:creationId xmlns:a16="http://schemas.microsoft.com/office/drawing/2014/main" xmlns="" id="{CF797B76-36ED-4226-A028-EB1ABE54C0CE}"/>
+                      <a16:creationId xmlns:a16="http://schemas.microsoft.com/office/drawing/2014/main" id="{CF797B76-36ED-4226-A028-EB1ABE54C0CE}"/>
                     </a:ext>
                   </a:extLst>
                 </p:cNvPr>
@@ -29638,7 +29632,7 @@
                 <p:cNvPr id="184" name="Forma Livre: Forma 183">
                   <a:extLst>
                     <a:ext uri="{FF2B5EF4-FFF2-40B4-BE49-F238E27FC236}">
-                      <a16:creationId xmlns:a16="http://schemas.microsoft.com/office/drawing/2014/main" xmlns="" id="{F0EFD9E3-0E9A-4C17-8AFA-090F86F348F3}"/>
+                      <a16:creationId xmlns:a16="http://schemas.microsoft.com/office/drawing/2014/main" id="{F0EFD9E3-0E9A-4C17-8AFA-090F86F348F3}"/>
                     </a:ext>
                   </a:extLst>
                 </p:cNvPr>
@@ -29803,7 +29797,7 @@
                 <p:cNvPr id="185" name="Forma Livre: Forma 184">
                   <a:extLst>
                     <a:ext uri="{FF2B5EF4-FFF2-40B4-BE49-F238E27FC236}">
-                      <a16:creationId xmlns:a16="http://schemas.microsoft.com/office/drawing/2014/main" xmlns="" id="{27D20AAB-FF58-45C9-855E-D6F1793A290B}"/>
+                      <a16:creationId xmlns:a16="http://schemas.microsoft.com/office/drawing/2014/main" id="{27D20AAB-FF58-45C9-855E-D6F1793A290B}"/>
                     </a:ext>
                   </a:extLst>
                 </p:cNvPr>
@@ -29953,7 +29947,7 @@
                 <p:cNvPr id="186" name="Forma Livre: Forma 185">
                   <a:extLst>
                     <a:ext uri="{FF2B5EF4-FFF2-40B4-BE49-F238E27FC236}">
-                      <a16:creationId xmlns:a16="http://schemas.microsoft.com/office/drawing/2014/main" xmlns="" id="{C18FF702-8D9D-42C4-8FEC-5C75AED3C913}"/>
+                      <a16:creationId xmlns:a16="http://schemas.microsoft.com/office/drawing/2014/main" id="{C18FF702-8D9D-42C4-8FEC-5C75AED3C913}"/>
                     </a:ext>
                   </a:extLst>
                 </p:cNvPr>
@@ -30249,7 +30243,7 @@
                 <p:cNvPr id="187" name="Agrupar 186">
                   <a:extLst>
                     <a:ext uri="{FF2B5EF4-FFF2-40B4-BE49-F238E27FC236}">
-                      <a16:creationId xmlns:a16="http://schemas.microsoft.com/office/drawing/2014/main" xmlns="" id="{719E466B-D4E1-4A04-88B8-1DAD79229EAD}"/>
+                      <a16:creationId xmlns:a16="http://schemas.microsoft.com/office/drawing/2014/main" id="{719E466B-D4E1-4A04-88B8-1DAD79229EAD}"/>
                     </a:ext>
                   </a:extLst>
                 </p:cNvPr>
@@ -30270,7 +30264,7 @@
                   <p:cNvPr id="188" name="Cruz 187">
                     <a:extLst>
                       <a:ext uri="{FF2B5EF4-FFF2-40B4-BE49-F238E27FC236}">
-                        <a16:creationId xmlns:a16="http://schemas.microsoft.com/office/drawing/2014/main" xmlns="" id="{43B6353C-8068-4088-8359-BD4A79D5740F}"/>
+                        <a16:creationId xmlns:a16="http://schemas.microsoft.com/office/drawing/2014/main" id="{43B6353C-8068-4088-8359-BD4A79D5740F}"/>
                       </a:ext>
                     </a:extLst>
                   </p:cNvPr>
@@ -30322,7 +30316,7 @@
                   <p:cNvPr id="189" name="Cruz 188">
                     <a:extLst>
                       <a:ext uri="{FF2B5EF4-FFF2-40B4-BE49-F238E27FC236}">
-                        <a16:creationId xmlns:a16="http://schemas.microsoft.com/office/drawing/2014/main" xmlns="" id="{E3AEB842-D922-43E9-BF04-8A9B6F1BA204}"/>
+                        <a16:creationId xmlns:a16="http://schemas.microsoft.com/office/drawing/2014/main" id="{E3AEB842-D922-43E9-BF04-8A9B6F1BA204}"/>
                       </a:ext>
                     </a:extLst>
                   </p:cNvPr>
@@ -30374,7 +30368,7 @@
                   <p:cNvPr id="190" name="Cruz 189">
                     <a:extLst>
                       <a:ext uri="{FF2B5EF4-FFF2-40B4-BE49-F238E27FC236}">
-                        <a16:creationId xmlns:a16="http://schemas.microsoft.com/office/drawing/2014/main" xmlns="" id="{C1AF8951-E1D7-4677-ABFD-1CDCC1B262D4}"/>
+                        <a16:creationId xmlns:a16="http://schemas.microsoft.com/office/drawing/2014/main" id="{C1AF8951-E1D7-4677-ABFD-1CDCC1B262D4}"/>
                       </a:ext>
                     </a:extLst>
                   </p:cNvPr>
@@ -30426,7 +30420,7 @@
                   <p:cNvPr id="191" name="Grupo 19">
                     <a:extLst>
                       <a:ext uri="{FF2B5EF4-FFF2-40B4-BE49-F238E27FC236}">
-                        <a16:creationId xmlns:a16="http://schemas.microsoft.com/office/drawing/2014/main" xmlns="" id="{A88D7AC9-E980-4A2F-8AEC-1D4025B677B3}"/>
+                        <a16:creationId xmlns:a16="http://schemas.microsoft.com/office/drawing/2014/main" id="{A88D7AC9-E980-4A2F-8AEC-1D4025B677B3}"/>
                       </a:ext>
                     </a:extLst>
                   </p:cNvPr>
@@ -30447,7 +30441,7 @@
                     <p:cNvPr id="192" name="Cruz 191">
                       <a:extLst>
                         <a:ext uri="{FF2B5EF4-FFF2-40B4-BE49-F238E27FC236}">
-                          <a16:creationId xmlns:a16="http://schemas.microsoft.com/office/drawing/2014/main" xmlns="" id="{5B82981F-6B8A-4615-BBD3-77F9CA365CBF}"/>
+                          <a16:creationId xmlns:a16="http://schemas.microsoft.com/office/drawing/2014/main" id="{5B82981F-6B8A-4615-BBD3-77F9CA365CBF}"/>
                         </a:ext>
                       </a:extLst>
                     </p:cNvPr>
@@ -30499,7 +30493,7 @@
                     <p:cNvPr id="193" name="Cruz 192">
                       <a:extLst>
                         <a:ext uri="{FF2B5EF4-FFF2-40B4-BE49-F238E27FC236}">
-                          <a16:creationId xmlns:a16="http://schemas.microsoft.com/office/drawing/2014/main" xmlns="" id="{4D825DB6-948A-4B8F-9A55-93128720BC87}"/>
+                          <a16:creationId xmlns:a16="http://schemas.microsoft.com/office/drawing/2014/main" id="{4D825DB6-948A-4B8F-9A55-93128720BC87}"/>
                         </a:ext>
                       </a:extLst>
                     </p:cNvPr>
@@ -30554,7 +30548,7 @@
               <p:cNvPr id="181" name="Triângulo Retângulo 180">
                 <a:extLst>
                   <a:ext uri="{FF2B5EF4-FFF2-40B4-BE49-F238E27FC236}">
-                    <a16:creationId xmlns:a16="http://schemas.microsoft.com/office/drawing/2014/main" xmlns="" id="{F29D0AC5-0618-458B-AC88-DD0353B134A7}"/>
+                    <a16:creationId xmlns:a16="http://schemas.microsoft.com/office/drawing/2014/main" id="{F29D0AC5-0618-458B-AC88-DD0353B134A7}"/>
                   </a:ext>
                 </a:extLst>
               </p:cNvPr>
@@ -30605,7 +30599,7 @@
             <p:cNvPr id="236" name="Agrupar 25">
               <a:extLst>
                 <a:ext uri="{FF2B5EF4-FFF2-40B4-BE49-F238E27FC236}">
-                  <a16:creationId xmlns:a16="http://schemas.microsoft.com/office/drawing/2014/main" xmlns="" id="{0982C514-3736-44FA-8BD4-8EA11386D6D9}"/>
+                  <a16:creationId xmlns:a16="http://schemas.microsoft.com/office/drawing/2014/main" id="{0982C514-3736-44FA-8BD4-8EA11386D6D9}"/>
                 </a:ext>
               </a:extLst>
             </p:cNvPr>
@@ -30625,7 +30619,7 @@
               <p:cNvPr id="237" name="Agrupar 3">
                 <a:extLst>
                   <a:ext uri="{FF2B5EF4-FFF2-40B4-BE49-F238E27FC236}">
-                    <a16:creationId xmlns:a16="http://schemas.microsoft.com/office/drawing/2014/main" xmlns="" id="{ACEB07BC-D838-4D03-B42B-237643D31B08}"/>
+                    <a16:creationId xmlns:a16="http://schemas.microsoft.com/office/drawing/2014/main" id="{ACEB07BC-D838-4D03-B42B-237643D31B08}"/>
                   </a:ext>
                 </a:extLst>
               </p:cNvPr>
@@ -30645,7 +30639,7 @@
                 <p:cNvPr id="252" name="Retângulo: Cantos Arredondados 4">
                   <a:extLst>
                     <a:ext uri="{FF2B5EF4-FFF2-40B4-BE49-F238E27FC236}">
-                      <a16:creationId xmlns:a16="http://schemas.microsoft.com/office/drawing/2014/main" xmlns="" id="{299274A5-E009-4533-8660-247FEDFEAFCD}"/>
+                      <a16:creationId xmlns:a16="http://schemas.microsoft.com/office/drawing/2014/main" id="{299274A5-E009-4533-8660-247FEDFEAFCD}"/>
                     </a:ext>
                   </a:extLst>
                 </p:cNvPr>
@@ -30696,7 +30690,7 @@
                 <p:cNvPr id="253" name="Retângulo: Cantos Arredondados 5">
                   <a:extLst>
                     <a:ext uri="{FF2B5EF4-FFF2-40B4-BE49-F238E27FC236}">
-                      <a16:creationId xmlns:a16="http://schemas.microsoft.com/office/drawing/2014/main" xmlns="" id="{EBA4F257-87BB-4AC7-9E6A-E242F2B17FCE}"/>
+                      <a16:creationId xmlns:a16="http://schemas.microsoft.com/office/drawing/2014/main" id="{EBA4F257-87BB-4AC7-9E6A-E242F2B17FCE}"/>
                     </a:ext>
                   </a:extLst>
                 </p:cNvPr>
@@ -30750,7 +30744,7 @@
                 <p:cNvPr id="254" name="Retângulo: Cantos Arredondados 6">
                   <a:extLst>
                     <a:ext uri="{FF2B5EF4-FFF2-40B4-BE49-F238E27FC236}">
-                      <a16:creationId xmlns:a16="http://schemas.microsoft.com/office/drawing/2014/main" xmlns="" id="{BFA31868-C509-46BF-AFF4-817D1ABE891A}"/>
+                      <a16:creationId xmlns:a16="http://schemas.microsoft.com/office/drawing/2014/main" id="{BFA31868-C509-46BF-AFF4-817D1ABE891A}"/>
                     </a:ext>
                   </a:extLst>
                 </p:cNvPr>
@@ -30804,7 +30798,7 @@
                 <p:cNvPr id="255" name="Forma Livre: Forma 7">
                   <a:extLst>
                     <a:ext uri="{FF2B5EF4-FFF2-40B4-BE49-F238E27FC236}">
-                      <a16:creationId xmlns:a16="http://schemas.microsoft.com/office/drawing/2014/main" xmlns="" id="{1C110976-6F38-451A-A5B4-C9C5B2CFC2E5}"/>
+                      <a16:creationId xmlns:a16="http://schemas.microsoft.com/office/drawing/2014/main" id="{1C110976-6F38-451A-A5B4-C9C5B2CFC2E5}"/>
                     </a:ext>
                   </a:extLst>
                 </p:cNvPr>
@@ -30935,7 +30929,7 @@
                 <p:cNvPr id="256" name="Retângulo 255">
                   <a:extLst>
                     <a:ext uri="{FF2B5EF4-FFF2-40B4-BE49-F238E27FC236}">
-                      <a16:creationId xmlns:a16="http://schemas.microsoft.com/office/drawing/2014/main" xmlns="" id="{2B8A9CF0-4D1F-439D-86E2-337DC8D1A6CD}"/>
+                      <a16:creationId xmlns:a16="http://schemas.microsoft.com/office/drawing/2014/main" id="{2B8A9CF0-4D1F-439D-86E2-337DC8D1A6CD}"/>
                     </a:ext>
                   </a:extLst>
                 </p:cNvPr>
@@ -30987,7 +30981,7 @@
                 <p:cNvPr id="257" name="Retângulo: Cantos Arredondados 9">
                   <a:extLst>
                     <a:ext uri="{FF2B5EF4-FFF2-40B4-BE49-F238E27FC236}">
-                      <a16:creationId xmlns:a16="http://schemas.microsoft.com/office/drawing/2014/main" xmlns="" id="{5814B72D-72BB-4EBA-96BB-C2AA7D7B5D3C}"/>
+                      <a16:creationId xmlns:a16="http://schemas.microsoft.com/office/drawing/2014/main" id="{5814B72D-72BB-4EBA-96BB-C2AA7D7B5D3C}"/>
                     </a:ext>
                   </a:extLst>
                 </p:cNvPr>
@@ -31041,7 +31035,7 @@
                 <p:cNvPr id="258" name="Retângulo: Cantos Arredondados 10">
                   <a:extLst>
                     <a:ext uri="{FF2B5EF4-FFF2-40B4-BE49-F238E27FC236}">
-                      <a16:creationId xmlns:a16="http://schemas.microsoft.com/office/drawing/2014/main" xmlns="" id="{2A2E7C31-87C7-4D32-A407-A0B6795D6D0A}"/>
+                      <a16:creationId xmlns:a16="http://schemas.microsoft.com/office/drawing/2014/main" id="{2A2E7C31-87C7-4D32-A407-A0B6795D6D0A}"/>
                     </a:ext>
                   </a:extLst>
                 </p:cNvPr>
@@ -31096,7 +31090,7 @@
               <p:cNvPr id="238" name="Agrupar 11">
                 <a:extLst>
                   <a:ext uri="{FF2B5EF4-FFF2-40B4-BE49-F238E27FC236}">
-                    <a16:creationId xmlns:a16="http://schemas.microsoft.com/office/drawing/2014/main" xmlns="" id="{36F33AA7-5CFF-4D5A-9A01-9289DEEBB53E}"/>
+                    <a16:creationId xmlns:a16="http://schemas.microsoft.com/office/drawing/2014/main" id="{36F33AA7-5CFF-4D5A-9A01-9289DEEBB53E}"/>
                   </a:ext>
                 </a:extLst>
               </p:cNvPr>
@@ -31116,7 +31110,7 @@
                 <p:cNvPr id="250" name="Retângulo: Cantos Arredondados 12">
                   <a:extLst>
                     <a:ext uri="{FF2B5EF4-FFF2-40B4-BE49-F238E27FC236}">
-                      <a16:creationId xmlns:a16="http://schemas.microsoft.com/office/drawing/2014/main" xmlns="" id="{434BD7BD-4934-4FE3-8F00-C0B50B423EDD}"/>
+                      <a16:creationId xmlns:a16="http://schemas.microsoft.com/office/drawing/2014/main" id="{434BD7BD-4934-4FE3-8F00-C0B50B423EDD}"/>
                     </a:ext>
                   </a:extLst>
                 </p:cNvPr>
@@ -31170,7 +31164,7 @@
                 <p:cNvPr id="251" name="Retângulo: Cantos Arredondados 13">
                   <a:extLst>
                     <a:ext uri="{FF2B5EF4-FFF2-40B4-BE49-F238E27FC236}">
-                      <a16:creationId xmlns:a16="http://schemas.microsoft.com/office/drawing/2014/main" xmlns="" id="{E734CFCA-504A-410E-ABE1-E1ABB9A5F059}"/>
+                      <a16:creationId xmlns:a16="http://schemas.microsoft.com/office/drawing/2014/main" id="{E734CFCA-504A-410E-ABE1-E1ABB9A5F059}"/>
                     </a:ext>
                   </a:extLst>
                 </p:cNvPr>
@@ -31225,7 +31219,7 @@
               <p:cNvPr id="239" name="Agrupar 14">
                 <a:extLst>
                   <a:ext uri="{FF2B5EF4-FFF2-40B4-BE49-F238E27FC236}">
-                    <a16:creationId xmlns:a16="http://schemas.microsoft.com/office/drawing/2014/main" xmlns="" id="{684A825A-5F70-4A0C-BB9E-0687359CBA7E}"/>
+                    <a16:creationId xmlns:a16="http://schemas.microsoft.com/office/drawing/2014/main" id="{684A825A-5F70-4A0C-BB9E-0687359CBA7E}"/>
                   </a:ext>
                 </a:extLst>
               </p:cNvPr>
@@ -31245,7 +31239,7 @@
                 <p:cNvPr id="248" name="Retângulo: Cantos Arredondados 15">
                   <a:extLst>
                     <a:ext uri="{FF2B5EF4-FFF2-40B4-BE49-F238E27FC236}">
-                      <a16:creationId xmlns:a16="http://schemas.microsoft.com/office/drawing/2014/main" xmlns="" id="{5FD94376-0CD7-41FE-B977-327F88550922}"/>
+                      <a16:creationId xmlns:a16="http://schemas.microsoft.com/office/drawing/2014/main" id="{5FD94376-0CD7-41FE-B977-327F88550922}"/>
                     </a:ext>
                   </a:extLst>
                 </p:cNvPr>
@@ -31299,7 +31293,7 @@
                 <p:cNvPr id="249" name="Retângulo: Cantos Arredondados 16">
                   <a:extLst>
                     <a:ext uri="{FF2B5EF4-FFF2-40B4-BE49-F238E27FC236}">
-                      <a16:creationId xmlns:a16="http://schemas.microsoft.com/office/drawing/2014/main" xmlns="" id="{97D1C1F9-787A-47D4-A643-F66F1869E181}"/>
+                      <a16:creationId xmlns:a16="http://schemas.microsoft.com/office/drawing/2014/main" id="{97D1C1F9-787A-47D4-A643-F66F1869E181}"/>
                     </a:ext>
                   </a:extLst>
                 </p:cNvPr>
@@ -31354,7 +31348,7 @@
               <p:cNvPr id="240" name="Agrupar 17">
                 <a:extLst>
                   <a:ext uri="{FF2B5EF4-FFF2-40B4-BE49-F238E27FC236}">
-                    <a16:creationId xmlns:a16="http://schemas.microsoft.com/office/drawing/2014/main" xmlns="" id="{EDFE7646-CFCE-4BD1-BA03-E0A2FF14565D}"/>
+                    <a16:creationId xmlns:a16="http://schemas.microsoft.com/office/drawing/2014/main" id="{EDFE7646-CFCE-4BD1-BA03-E0A2FF14565D}"/>
                   </a:ext>
                 </a:extLst>
               </p:cNvPr>
@@ -31374,7 +31368,7 @@
                 <p:cNvPr id="242" name="Forma Livre: Forma 18">
                   <a:extLst>
                     <a:ext uri="{FF2B5EF4-FFF2-40B4-BE49-F238E27FC236}">
-                      <a16:creationId xmlns:a16="http://schemas.microsoft.com/office/drawing/2014/main" xmlns="" id="{49038562-5F7A-40E4-B819-A60E974A272D}"/>
+                      <a16:creationId xmlns:a16="http://schemas.microsoft.com/office/drawing/2014/main" id="{49038562-5F7A-40E4-B819-A60E974A272D}"/>
                     </a:ext>
                   </a:extLst>
                 </p:cNvPr>
@@ -31509,7 +31503,7 @@
                 <p:cNvPr id="243" name="Forma Livre: Forma 19">
                   <a:extLst>
                     <a:ext uri="{FF2B5EF4-FFF2-40B4-BE49-F238E27FC236}">
-                      <a16:creationId xmlns:a16="http://schemas.microsoft.com/office/drawing/2014/main" xmlns="" id="{86179193-B553-4AC9-B3D5-A47250F0C5AC}"/>
+                      <a16:creationId xmlns:a16="http://schemas.microsoft.com/office/drawing/2014/main" id="{86179193-B553-4AC9-B3D5-A47250F0C5AC}"/>
                     </a:ext>
                   </a:extLst>
                 </p:cNvPr>
@@ -31644,7 +31638,7 @@
                 <p:cNvPr id="244" name="Elipse 243">
                   <a:extLst>
                     <a:ext uri="{FF2B5EF4-FFF2-40B4-BE49-F238E27FC236}">
-                      <a16:creationId xmlns:a16="http://schemas.microsoft.com/office/drawing/2014/main" xmlns="" id="{BB3D9672-C3A6-491C-B071-9218493A9C75}"/>
+                      <a16:creationId xmlns:a16="http://schemas.microsoft.com/office/drawing/2014/main" id="{BB3D9672-C3A6-491C-B071-9218493A9C75}"/>
                     </a:ext>
                   </a:extLst>
                 </p:cNvPr>
@@ -31696,7 +31690,7 @@
                 <p:cNvPr id="245" name="Retângulo: Cantos Arredondados 21">
                   <a:extLst>
                     <a:ext uri="{FF2B5EF4-FFF2-40B4-BE49-F238E27FC236}">
-                      <a16:creationId xmlns:a16="http://schemas.microsoft.com/office/drawing/2014/main" xmlns="" id="{E36ADEB4-C02B-451D-A82F-59E049574D02}"/>
+                      <a16:creationId xmlns:a16="http://schemas.microsoft.com/office/drawing/2014/main" id="{E36ADEB4-C02B-451D-A82F-59E049574D02}"/>
                     </a:ext>
                   </a:extLst>
                 </p:cNvPr>
@@ -31750,7 +31744,7 @@
                 <p:cNvPr id="246" name="Retângulo: Cantos Arredondados 22">
                   <a:extLst>
                     <a:ext uri="{FF2B5EF4-FFF2-40B4-BE49-F238E27FC236}">
-                      <a16:creationId xmlns:a16="http://schemas.microsoft.com/office/drawing/2014/main" xmlns="" id="{00B2468B-E557-4A6B-9776-872496847B7D}"/>
+                      <a16:creationId xmlns:a16="http://schemas.microsoft.com/office/drawing/2014/main" id="{00B2468B-E557-4A6B-9776-872496847B7D}"/>
                     </a:ext>
                   </a:extLst>
                 </p:cNvPr>
@@ -31804,7 +31798,7 @@
                 <p:cNvPr id="247" name="Retângulo: Cantos Arredondados 23">
                   <a:extLst>
                     <a:ext uri="{FF2B5EF4-FFF2-40B4-BE49-F238E27FC236}">
-                      <a16:creationId xmlns:a16="http://schemas.microsoft.com/office/drawing/2014/main" xmlns="" id="{A8B0237E-3D5C-404F-AFA7-0BE630C69FD9}"/>
+                      <a16:creationId xmlns:a16="http://schemas.microsoft.com/office/drawing/2014/main" id="{A8B0237E-3D5C-404F-AFA7-0BE630C69FD9}"/>
                     </a:ext>
                   </a:extLst>
                 </p:cNvPr>
@@ -31859,7 +31853,7 @@
               <p:cNvPr id="241" name="Forma Livre: Forma 24">
                 <a:extLst>
                   <a:ext uri="{FF2B5EF4-FFF2-40B4-BE49-F238E27FC236}">
-                    <a16:creationId xmlns:a16="http://schemas.microsoft.com/office/drawing/2014/main" xmlns="" id="{59EB2E63-3A48-42A1-81EE-CC62EC6A9BC8}"/>
+                    <a16:creationId xmlns:a16="http://schemas.microsoft.com/office/drawing/2014/main" id="{59EB2E63-3A48-42A1-81EE-CC62EC6A9BC8}"/>
                   </a:ext>
                 </a:extLst>
               </p:cNvPr>
@@ -32050,7 +32044,7 @@
           <p:cNvPr id="11" name="Agrupar 10">
             <a:extLst>
               <a:ext uri="{FF2B5EF4-FFF2-40B4-BE49-F238E27FC236}">
-                <a16:creationId xmlns:a16="http://schemas.microsoft.com/office/drawing/2014/main" xmlns="" id="{3D87001C-7D27-421D-A63F-6D270C90E17A}"/>
+                <a16:creationId xmlns:a16="http://schemas.microsoft.com/office/drawing/2014/main" id="{3D87001C-7D27-421D-A63F-6D270C90E17A}"/>
               </a:ext>
             </a:extLst>
           </p:cNvPr>
@@ -32070,7 +32064,7 @@
             <p:cNvPr id="4" name="Retângulo de cantos arredondados 1">
               <a:extLst>
                 <a:ext uri="{FF2B5EF4-FFF2-40B4-BE49-F238E27FC236}">
-                  <a16:creationId xmlns:a16="http://schemas.microsoft.com/office/drawing/2014/main" xmlns="" id="{01FE36E1-3683-4B1B-9B14-2F6240C5F4DB}"/>
+                  <a16:creationId xmlns:a16="http://schemas.microsoft.com/office/drawing/2014/main" id="{01FE36E1-3683-4B1B-9B14-2F6240C5F4DB}"/>
                 </a:ext>
               </a:extLst>
             </p:cNvPr>
@@ -32135,7 +32129,7 @@
             <p:cNvPr id="5" name="Forma Livre: Forma 109">
               <a:extLst>
                 <a:ext uri="{FF2B5EF4-FFF2-40B4-BE49-F238E27FC236}">
-                  <a16:creationId xmlns:a16="http://schemas.microsoft.com/office/drawing/2014/main" xmlns="" id="{B9465C0E-42EB-49AA-8EEB-1206511633B5}"/>
+                  <a16:creationId xmlns:a16="http://schemas.microsoft.com/office/drawing/2014/main" id="{B9465C0E-42EB-49AA-8EEB-1206511633B5}"/>
                 </a:ext>
               </a:extLst>
             </p:cNvPr>
@@ -32475,7 +32469,7 @@
           <p:cNvPr id="66" name="Agrupar 65">
             <a:extLst>
               <a:ext uri="{FF2B5EF4-FFF2-40B4-BE49-F238E27FC236}">
-                <a16:creationId xmlns:a16="http://schemas.microsoft.com/office/drawing/2014/main" xmlns="" id="{E6954B9F-5A79-48D6-8E26-CE435D817D49}"/>
+                <a16:creationId xmlns:a16="http://schemas.microsoft.com/office/drawing/2014/main" id="{E6954B9F-5A79-48D6-8E26-CE435D817D49}"/>
               </a:ext>
             </a:extLst>
           </p:cNvPr>
@@ -32495,7 +32489,7 @@
             <p:cNvPr id="43" name="Retângulo: Cantos Arredondados 42">
               <a:extLst>
                 <a:ext uri="{FF2B5EF4-FFF2-40B4-BE49-F238E27FC236}">
-                  <a16:creationId xmlns:a16="http://schemas.microsoft.com/office/drawing/2014/main" xmlns="" id="{E26F953E-591C-42D2-BE35-A65C44304A4F}"/>
+                  <a16:creationId xmlns:a16="http://schemas.microsoft.com/office/drawing/2014/main" id="{E26F953E-591C-42D2-BE35-A65C44304A4F}"/>
                 </a:ext>
               </a:extLst>
             </p:cNvPr>
@@ -32546,7 +32540,7 @@
             <p:cNvPr id="45" name="Retângulo: Cantos Arredondados 44">
               <a:extLst>
                 <a:ext uri="{FF2B5EF4-FFF2-40B4-BE49-F238E27FC236}">
-                  <a16:creationId xmlns:a16="http://schemas.microsoft.com/office/drawing/2014/main" xmlns="" id="{27A23B4D-3B78-466F-BC1D-26F73EB37732}"/>
+                  <a16:creationId xmlns:a16="http://schemas.microsoft.com/office/drawing/2014/main" id="{27A23B4D-3B78-466F-BC1D-26F73EB37732}"/>
                 </a:ext>
               </a:extLst>
             </p:cNvPr>
@@ -32600,7 +32594,7 @@
             <p:cNvPr id="46" name="Retângulo: Cantos Arredondados 45">
               <a:extLst>
                 <a:ext uri="{FF2B5EF4-FFF2-40B4-BE49-F238E27FC236}">
-                  <a16:creationId xmlns:a16="http://schemas.microsoft.com/office/drawing/2014/main" xmlns="" id="{0DF5B6B1-60E6-42C2-897B-8E521DD10138}"/>
+                  <a16:creationId xmlns:a16="http://schemas.microsoft.com/office/drawing/2014/main" id="{0DF5B6B1-60E6-42C2-897B-8E521DD10138}"/>
                 </a:ext>
               </a:extLst>
             </p:cNvPr>
@@ -32654,7 +32648,7 @@
             <p:cNvPr id="49" name="Forma Livre: Forma 48">
               <a:extLst>
                 <a:ext uri="{FF2B5EF4-FFF2-40B4-BE49-F238E27FC236}">
-                  <a16:creationId xmlns:a16="http://schemas.microsoft.com/office/drawing/2014/main" xmlns="" id="{147EA51B-9824-4893-8BCB-944C95F4AD44}"/>
+                  <a16:creationId xmlns:a16="http://schemas.microsoft.com/office/drawing/2014/main" id="{147EA51B-9824-4893-8BCB-944C95F4AD44}"/>
                 </a:ext>
               </a:extLst>
             </p:cNvPr>
@@ -32785,7 +32779,7 @@
             <p:cNvPr id="50" name="Retângulo 49">
               <a:extLst>
                 <a:ext uri="{FF2B5EF4-FFF2-40B4-BE49-F238E27FC236}">
-                  <a16:creationId xmlns:a16="http://schemas.microsoft.com/office/drawing/2014/main" xmlns="" id="{49C67F48-55A3-422E-B4F5-9174C0AB9645}"/>
+                  <a16:creationId xmlns:a16="http://schemas.microsoft.com/office/drawing/2014/main" id="{49C67F48-55A3-422E-B4F5-9174C0AB9645}"/>
                 </a:ext>
               </a:extLst>
             </p:cNvPr>
@@ -32837,7 +32831,7 @@
             <p:cNvPr id="51" name="Retângulo: Cantos Arredondados 50">
               <a:extLst>
                 <a:ext uri="{FF2B5EF4-FFF2-40B4-BE49-F238E27FC236}">
-                  <a16:creationId xmlns:a16="http://schemas.microsoft.com/office/drawing/2014/main" xmlns="" id="{81588C93-3361-4B45-9648-2FA7EF14917B}"/>
+                  <a16:creationId xmlns:a16="http://schemas.microsoft.com/office/drawing/2014/main" id="{81588C93-3361-4B45-9648-2FA7EF14917B}"/>
                 </a:ext>
               </a:extLst>
             </p:cNvPr>
@@ -32891,7 +32885,7 @@
             <p:cNvPr id="52" name="Retângulo: Cantos Arredondados 51">
               <a:extLst>
                 <a:ext uri="{FF2B5EF4-FFF2-40B4-BE49-F238E27FC236}">
-                  <a16:creationId xmlns:a16="http://schemas.microsoft.com/office/drawing/2014/main" xmlns="" id="{40BD0A9D-8A67-4FEC-A85A-0C36C97F9065}"/>
+                  <a16:creationId xmlns:a16="http://schemas.microsoft.com/office/drawing/2014/main" id="{40BD0A9D-8A67-4FEC-A85A-0C36C97F9065}"/>
                 </a:ext>
               </a:extLst>
             </p:cNvPr>
@@ -32946,7 +32940,7 @@
           <p:cNvPr id="36" name="Agrupar 35">
             <a:extLst>
               <a:ext uri="{FF2B5EF4-FFF2-40B4-BE49-F238E27FC236}">
-                <a16:creationId xmlns:a16="http://schemas.microsoft.com/office/drawing/2014/main" xmlns="" id="{F2697B0E-F5E6-4B02-81F0-DEF79381185F}"/>
+                <a16:creationId xmlns:a16="http://schemas.microsoft.com/office/drawing/2014/main" id="{F2697B0E-F5E6-4B02-81F0-DEF79381185F}"/>
               </a:ext>
             </a:extLst>
           </p:cNvPr>
@@ -32969,7 +32963,7 @@
             <p:cNvPr id="37" name="Agrupar 36">
               <a:extLst>
                 <a:ext uri="{FF2B5EF4-FFF2-40B4-BE49-F238E27FC236}">
-                  <a16:creationId xmlns:a16="http://schemas.microsoft.com/office/drawing/2014/main" xmlns="" id="{D4325B3F-99DC-4E4A-9012-C1E27ED1E1D5}"/>
+                  <a16:creationId xmlns:a16="http://schemas.microsoft.com/office/drawing/2014/main" id="{D4325B3F-99DC-4E4A-9012-C1E27ED1E1D5}"/>
                 </a:ext>
               </a:extLst>
             </p:cNvPr>
@@ -32990,7 +32984,7 @@
               <p:cNvPr id="39" name="Retângulo 38">
                 <a:extLst>
                   <a:ext uri="{FF2B5EF4-FFF2-40B4-BE49-F238E27FC236}">
-                    <a16:creationId xmlns:a16="http://schemas.microsoft.com/office/drawing/2014/main" xmlns="" id="{5240F059-3ED5-4CAE-A972-D23AB7B565C3}"/>
+                    <a16:creationId xmlns:a16="http://schemas.microsoft.com/office/drawing/2014/main" id="{5240F059-3ED5-4CAE-A972-D23AB7B565C3}"/>
                   </a:ext>
                 </a:extLst>
               </p:cNvPr>
@@ -33040,7 +33034,7 @@
               <p:cNvPr id="40" name="Retângulo 39">
                 <a:extLst>
                   <a:ext uri="{FF2B5EF4-FFF2-40B4-BE49-F238E27FC236}">
-                    <a16:creationId xmlns:a16="http://schemas.microsoft.com/office/drawing/2014/main" xmlns="" id="{8F856536-A840-44C8-8C60-00E0BC22EF09}"/>
+                    <a16:creationId xmlns:a16="http://schemas.microsoft.com/office/drawing/2014/main" id="{8F856536-A840-44C8-8C60-00E0BC22EF09}"/>
                   </a:ext>
                 </a:extLst>
               </p:cNvPr>
@@ -33090,7 +33084,7 @@
               <p:cNvPr id="41" name="Forma Livre: Forma 40">
                 <a:extLst>
                   <a:ext uri="{FF2B5EF4-FFF2-40B4-BE49-F238E27FC236}">
-                    <a16:creationId xmlns:a16="http://schemas.microsoft.com/office/drawing/2014/main" xmlns="" id="{439BBA60-D2B6-4E16-AF87-4E921CAC52DD}"/>
+                    <a16:creationId xmlns:a16="http://schemas.microsoft.com/office/drawing/2014/main" id="{439BBA60-D2B6-4E16-AF87-4E921CAC52DD}"/>
                   </a:ext>
                 </a:extLst>
               </p:cNvPr>
@@ -33255,7 +33249,7 @@
               <p:cNvPr id="42" name="Forma Livre: Forma 41">
                 <a:extLst>
                   <a:ext uri="{FF2B5EF4-FFF2-40B4-BE49-F238E27FC236}">
-                    <a16:creationId xmlns:a16="http://schemas.microsoft.com/office/drawing/2014/main" xmlns="" id="{3593DF70-CCAF-40D2-9359-4E0C4F2C935A}"/>
+                    <a16:creationId xmlns:a16="http://schemas.microsoft.com/office/drawing/2014/main" id="{3593DF70-CCAF-40D2-9359-4E0C4F2C935A}"/>
                   </a:ext>
                 </a:extLst>
               </p:cNvPr>
@@ -33405,7 +33399,7 @@
               <p:cNvPr id="44" name="Forma Livre: Forma 43">
                 <a:extLst>
                   <a:ext uri="{FF2B5EF4-FFF2-40B4-BE49-F238E27FC236}">
-                    <a16:creationId xmlns:a16="http://schemas.microsoft.com/office/drawing/2014/main" xmlns="" id="{A4AED188-79E0-4E8E-AFCA-4A87F9ED2DAE}"/>
+                    <a16:creationId xmlns:a16="http://schemas.microsoft.com/office/drawing/2014/main" id="{A4AED188-79E0-4E8E-AFCA-4A87F9ED2DAE}"/>
                   </a:ext>
                 </a:extLst>
               </p:cNvPr>
@@ -33701,7 +33695,7 @@
               <p:cNvPr id="47" name="Agrupar 46">
                 <a:extLst>
                   <a:ext uri="{FF2B5EF4-FFF2-40B4-BE49-F238E27FC236}">
-                    <a16:creationId xmlns:a16="http://schemas.microsoft.com/office/drawing/2014/main" xmlns="" id="{9C26156D-F675-42B1-B511-44D641D15C5E}"/>
+                    <a16:creationId xmlns:a16="http://schemas.microsoft.com/office/drawing/2014/main" id="{9C26156D-F675-42B1-B511-44D641D15C5E}"/>
                   </a:ext>
                 </a:extLst>
               </p:cNvPr>
@@ -33722,7 +33716,7 @@
                 <p:cNvPr id="48" name="Cruz 47">
                   <a:extLst>
                     <a:ext uri="{FF2B5EF4-FFF2-40B4-BE49-F238E27FC236}">
-                      <a16:creationId xmlns:a16="http://schemas.microsoft.com/office/drawing/2014/main" xmlns="" id="{2D931EB2-43AA-45BF-90E8-C42695A6B30A}"/>
+                      <a16:creationId xmlns:a16="http://schemas.microsoft.com/office/drawing/2014/main" id="{2D931EB2-43AA-45BF-90E8-C42695A6B30A}"/>
                     </a:ext>
                   </a:extLst>
                 </p:cNvPr>
@@ -33774,7 +33768,7 @@
                 <p:cNvPr id="67" name="Cruz 66">
                   <a:extLst>
                     <a:ext uri="{FF2B5EF4-FFF2-40B4-BE49-F238E27FC236}">
-                      <a16:creationId xmlns:a16="http://schemas.microsoft.com/office/drawing/2014/main" xmlns="" id="{EE0494EE-6C61-49A8-A60C-932E63A515FF}"/>
+                      <a16:creationId xmlns:a16="http://schemas.microsoft.com/office/drawing/2014/main" id="{EE0494EE-6C61-49A8-A60C-932E63A515FF}"/>
                     </a:ext>
                   </a:extLst>
                 </p:cNvPr>
@@ -33826,7 +33820,7 @@
                 <p:cNvPr id="68" name="Cruz 67">
                   <a:extLst>
                     <a:ext uri="{FF2B5EF4-FFF2-40B4-BE49-F238E27FC236}">
-                      <a16:creationId xmlns:a16="http://schemas.microsoft.com/office/drawing/2014/main" xmlns="" id="{5F898447-0B7A-4381-8893-6D2CED420F51}"/>
+                      <a16:creationId xmlns:a16="http://schemas.microsoft.com/office/drawing/2014/main" id="{5F898447-0B7A-4381-8893-6D2CED420F51}"/>
                     </a:ext>
                   </a:extLst>
                 </p:cNvPr>
@@ -33878,7 +33872,7 @@
                 <p:cNvPr id="69" name="Grupo 19">
                   <a:extLst>
                     <a:ext uri="{FF2B5EF4-FFF2-40B4-BE49-F238E27FC236}">
-                      <a16:creationId xmlns:a16="http://schemas.microsoft.com/office/drawing/2014/main" xmlns="" id="{4AE30138-3FE7-442A-86C0-B4113297C40B}"/>
+                      <a16:creationId xmlns:a16="http://schemas.microsoft.com/office/drawing/2014/main" id="{4AE30138-3FE7-442A-86C0-B4113297C40B}"/>
                     </a:ext>
                   </a:extLst>
                 </p:cNvPr>
@@ -33899,7 +33893,7 @@
                   <p:cNvPr id="70" name="Cruz 69">
                     <a:extLst>
                       <a:ext uri="{FF2B5EF4-FFF2-40B4-BE49-F238E27FC236}">
-                        <a16:creationId xmlns:a16="http://schemas.microsoft.com/office/drawing/2014/main" xmlns="" id="{29094D6C-1660-4505-846E-CC5935A883D2}"/>
+                        <a16:creationId xmlns:a16="http://schemas.microsoft.com/office/drawing/2014/main" id="{29094D6C-1660-4505-846E-CC5935A883D2}"/>
                       </a:ext>
                     </a:extLst>
                   </p:cNvPr>
@@ -33951,7 +33945,7 @@
                   <p:cNvPr id="71" name="Cruz 70">
                     <a:extLst>
                       <a:ext uri="{FF2B5EF4-FFF2-40B4-BE49-F238E27FC236}">
-                        <a16:creationId xmlns:a16="http://schemas.microsoft.com/office/drawing/2014/main" xmlns="" id="{57B26310-2504-4BBC-87E7-4EF547D18AE6}"/>
+                        <a16:creationId xmlns:a16="http://schemas.microsoft.com/office/drawing/2014/main" id="{57B26310-2504-4BBC-87E7-4EF547D18AE6}"/>
                       </a:ext>
                     </a:extLst>
                   </p:cNvPr>
@@ -34006,7 +34000,7 @@
             <p:cNvPr id="38" name="Triângulo Retângulo 37">
               <a:extLst>
                 <a:ext uri="{FF2B5EF4-FFF2-40B4-BE49-F238E27FC236}">
-                  <a16:creationId xmlns:a16="http://schemas.microsoft.com/office/drawing/2014/main" xmlns="" id="{1D01C483-595F-470E-81C4-611D1B226D83}"/>
+                  <a16:creationId xmlns:a16="http://schemas.microsoft.com/office/drawing/2014/main" id="{1D01C483-595F-470E-81C4-611D1B226D83}"/>
                 </a:ext>
               </a:extLst>
             </p:cNvPr>
@@ -34087,7 +34081,7 @@
           <p:cNvPr id="26" name="Agrupar 25">
             <a:extLst>
               <a:ext uri="{FF2B5EF4-FFF2-40B4-BE49-F238E27FC236}">
-                <a16:creationId xmlns:a16="http://schemas.microsoft.com/office/drawing/2014/main" xmlns="" id="{8CFA2B6F-F852-4EA1-BEF1-47F61F1D6F85}"/>
+                <a16:creationId xmlns:a16="http://schemas.microsoft.com/office/drawing/2014/main" id="{8CFA2B6F-F852-4EA1-BEF1-47F61F1D6F85}"/>
               </a:ext>
             </a:extLst>
           </p:cNvPr>
@@ -34107,7 +34101,7 @@
             <p:cNvPr id="4" name="Agrupar 3">
               <a:extLst>
                 <a:ext uri="{FF2B5EF4-FFF2-40B4-BE49-F238E27FC236}">
-                  <a16:creationId xmlns:a16="http://schemas.microsoft.com/office/drawing/2014/main" xmlns="" id="{C45FEF34-3D77-4245-91E6-21A8D7F39CAE}"/>
+                  <a16:creationId xmlns:a16="http://schemas.microsoft.com/office/drawing/2014/main" id="{C45FEF34-3D77-4245-91E6-21A8D7F39CAE}"/>
                 </a:ext>
               </a:extLst>
             </p:cNvPr>
@@ -34127,7 +34121,7 @@
               <p:cNvPr id="5" name="Retângulo: Cantos Arredondados 4">
                 <a:extLst>
                   <a:ext uri="{FF2B5EF4-FFF2-40B4-BE49-F238E27FC236}">
-                    <a16:creationId xmlns:a16="http://schemas.microsoft.com/office/drawing/2014/main" xmlns="" id="{2901A741-378D-4F90-9213-3C8C001BF999}"/>
+                    <a16:creationId xmlns:a16="http://schemas.microsoft.com/office/drawing/2014/main" id="{2901A741-378D-4F90-9213-3C8C001BF999}"/>
                   </a:ext>
                 </a:extLst>
               </p:cNvPr>
@@ -34178,7 +34172,7 @@
               <p:cNvPr id="6" name="Retângulo: Cantos Arredondados 5">
                 <a:extLst>
                   <a:ext uri="{FF2B5EF4-FFF2-40B4-BE49-F238E27FC236}">
-                    <a16:creationId xmlns:a16="http://schemas.microsoft.com/office/drawing/2014/main" xmlns="" id="{842C104C-6712-4FAB-A86A-FAC9CE782474}"/>
+                    <a16:creationId xmlns:a16="http://schemas.microsoft.com/office/drawing/2014/main" id="{842C104C-6712-4FAB-A86A-FAC9CE782474}"/>
                   </a:ext>
                 </a:extLst>
               </p:cNvPr>
@@ -34232,7 +34226,7 @@
               <p:cNvPr id="7" name="Retângulo: Cantos Arredondados 6">
                 <a:extLst>
                   <a:ext uri="{FF2B5EF4-FFF2-40B4-BE49-F238E27FC236}">
-                    <a16:creationId xmlns:a16="http://schemas.microsoft.com/office/drawing/2014/main" xmlns="" id="{255A55C9-6EA9-40DD-A50C-94EDA00AB2EC}"/>
+                    <a16:creationId xmlns:a16="http://schemas.microsoft.com/office/drawing/2014/main" id="{255A55C9-6EA9-40DD-A50C-94EDA00AB2EC}"/>
                   </a:ext>
                 </a:extLst>
               </p:cNvPr>
@@ -34286,7 +34280,7 @@
               <p:cNvPr id="8" name="Forma Livre: Forma 7">
                 <a:extLst>
                   <a:ext uri="{FF2B5EF4-FFF2-40B4-BE49-F238E27FC236}">
-                    <a16:creationId xmlns:a16="http://schemas.microsoft.com/office/drawing/2014/main" xmlns="" id="{8B1C2CE6-4108-48D3-8CBE-635179488ECA}"/>
+                    <a16:creationId xmlns:a16="http://schemas.microsoft.com/office/drawing/2014/main" id="{8B1C2CE6-4108-48D3-8CBE-635179488ECA}"/>
                   </a:ext>
                 </a:extLst>
               </p:cNvPr>
@@ -34417,7 +34411,7 @@
               <p:cNvPr id="9" name="Retângulo 8">
                 <a:extLst>
                   <a:ext uri="{FF2B5EF4-FFF2-40B4-BE49-F238E27FC236}">
-                    <a16:creationId xmlns:a16="http://schemas.microsoft.com/office/drawing/2014/main" xmlns="" id="{6444A46D-5BDF-4712-88E7-104DA9FAAFD4}"/>
+                    <a16:creationId xmlns:a16="http://schemas.microsoft.com/office/drawing/2014/main" id="{6444A46D-5BDF-4712-88E7-104DA9FAAFD4}"/>
                   </a:ext>
                 </a:extLst>
               </p:cNvPr>
@@ -34469,7 +34463,7 @@
               <p:cNvPr id="10" name="Retângulo: Cantos Arredondados 9">
                 <a:extLst>
                   <a:ext uri="{FF2B5EF4-FFF2-40B4-BE49-F238E27FC236}">
-                    <a16:creationId xmlns:a16="http://schemas.microsoft.com/office/drawing/2014/main" xmlns="" id="{881B3B66-2052-48AF-979B-60B32E1F7F9E}"/>
+                    <a16:creationId xmlns:a16="http://schemas.microsoft.com/office/drawing/2014/main" id="{881B3B66-2052-48AF-979B-60B32E1F7F9E}"/>
                   </a:ext>
                 </a:extLst>
               </p:cNvPr>
@@ -34523,7 +34517,7 @@
               <p:cNvPr id="11" name="Retângulo: Cantos Arredondados 10">
                 <a:extLst>
                   <a:ext uri="{FF2B5EF4-FFF2-40B4-BE49-F238E27FC236}">
-                    <a16:creationId xmlns:a16="http://schemas.microsoft.com/office/drawing/2014/main" xmlns="" id="{8212EF75-2EF8-4DFC-BEB5-5C95D755FCDA}"/>
+                    <a16:creationId xmlns:a16="http://schemas.microsoft.com/office/drawing/2014/main" id="{8212EF75-2EF8-4DFC-BEB5-5C95D755FCDA}"/>
                   </a:ext>
                 </a:extLst>
               </p:cNvPr>
@@ -34578,7 +34572,7 @@
             <p:cNvPr id="12" name="Agrupar 11">
               <a:extLst>
                 <a:ext uri="{FF2B5EF4-FFF2-40B4-BE49-F238E27FC236}">
-                  <a16:creationId xmlns:a16="http://schemas.microsoft.com/office/drawing/2014/main" xmlns="" id="{97B2E01E-EC47-4BCE-BC4F-99A6EC444B19}"/>
+                  <a16:creationId xmlns:a16="http://schemas.microsoft.com/office/drawing/2014/main" id="{97B2E01E-EC47-4BCE-BC4F-99A6EC444B19}"/>
                 </a:ext>
               </a:extLst>
             </p:cNvPr>
@@ -34598,7 +34592,7 @@
               <p:cNvPr id="13" name="Retângulo: Cantos Arredondados 12">
                 <a:extLst>
                   <a:ext uri="{FF2B5EF4-FFF2-40B4-BE49-F238E27FC236}">
-                    <a16:creationId xmlns:a16="http://schemas.microsoft.com/office/drawing/2014/main" xmlns="" id="{10540542-C57F-4691-AF17-40583ACBA3F1}"/>
+                    <a16:creationId xmlns:a16="http://schemas.microsoft.com/office/drawing/2014/main" id="{10540542-C57F-4691-AF17-40583ACBA3F1}"/>
                   </a:ext>
                 </a:extLst>
               </p:cNvPr>
@@ -34652,7 +34646,7 @@
               <p:cNvPr id="14" name="Retângulo: Cantos Arredondados 13">
                 <a:extLst>
                   <a:ext uri="{FF2B5EF4-FFF2-40B4-BE49-F238E27FC236}">
-                    <a16:creationId xmlns:a16="http://schemas.microsoft.com/office/drawing/2014/main" xmlns="" id="{552902B3-14B4-4F02-ABBE-E36047405A23}"/>
+                    <a16:creationId xmlns:a16="http://schemas.microsoft.com/office/drawing/2014/main" id="{552902B3-14B4-4F02-ABBE-E36047405A23}"/>
                   </a:ext>
                 </a:extLst>
               </p:cNvPr>
@@ -34707,7 +34701,7 @@
             <p:cNvPr id="15" name="Agrupar 14">
               <a:extLst>
                 <a:ext uri="{FF2B5EF4-FFF2-40B4-BE49-F238E27FC236}">
-                  <a16:creationId xmlns:a16="http://schemas.microsoft.com/office/drawing/2014/main" xmlns="" id="{4DD22468-0F77-455F-8343-D2977BA9D815}"/>
+                  <a16:creationId xmlns:a16="http://schemas.microsoft.com/office/drawing/2014/main" id="{4DD22468-0F77-455F-8343-D2977BA9D815}"/>
                 </a:ext>
               </a:extLst>
             </p:cNvPr>
@@ -34727,7 +34721,7 @@
               <p:cNvPr id="16" name="Retângulo: Cantos Arredondados 15">
                 <a:extLst>
                   <a:ext uri="{FF2B5EF4-FFF2-40B4-BE49-F238E27FC236}">
-                    <a16:creationId xmlns:a16="http://schemas.microsoft.com/office/drawing/2014/main" xmlns="" id="{2D72A34F-4564-471A-B6AA-AE1DF400A26F}"/>
+                    <a16:creationId xmlns:a16="http://schemas.microsoft.com/office/drawing/2014/main" id="{2D72A34F-4564-471A-B6AA-AE1DF400A26F}"/>
                   </a:ext>
                 </a:extLst>
               </p:cNvPr>
@@ -34781,7 +34775,7 @@
               <p:cNvPr id="17" name="Retângulo: Cantos Arredondados 16">
                 <a:extLst>
                   <a:ext uri="{FF2B5EF4-FFF2-40B4-BE49-F238E27FC236}">
-                    <a16:creationId xmlns:a16="http://schemas.microsoft.com/office/drawing/2014/main" xmlns="" id="{29E778E2-383E-4A56-974F-1F35B702221A}"/>
+                    <a16:creationId xmlns:a16="http://schemas.microsoft.com/office/drawing/2014/main" id="{29E778E2-383E-4A56-974F-1F35B702221A}"/>
                   </a:ext>
                 </a:extLst>
               </p:cNvPr>
@@ -34836,7 +34830,7 @@
             <p:cNvPr id="18" name="Agrupar 17">
               <a:extLst>
                 <a:ext uri="{FF2B5EF4-FFF2-40B4-BE49-F238E27FC236}">
-                  <a16:creationId xmlns:a16="http://schemas.microsoft.com/office/drawing/2014/main" xmlns="" id="{1C1086BE-5C78-46C5-8759-F221A1473050}"/>
+                  <a16:creationId xmlns:a16="http://schemas.microsoft.com/office/drawing/2014/main" id="{1C1086BE-5C78-46C5-8759-F221A1473050}"/>
                 </a:ext>
               </a:extLst>
             </p:cNvPr>
@@ -34856,7 +34850,7 @@
               <p:cNvPr id="19" name="Forma Livre: Forma 18">
                 <a:extLst>
                   <a:ext uri="{FF2B5EF4-FFF2-40B4-BE49-F238E27FC236}">
-                    <a16:creationId xmlns:a16="http://schemas.microsoft.com/office/drawing/2014/main" xmlns="" id="{A5FF4AA1-FB76-4089-AF79-C37CF505E719}"/>
+                    <a16:creationId xmlns:a16="http://schemas.microsoft.com/office/drawing/2014/main" id="{A5FF4AA1-FB76-4089-AF79-C37CF505E719}"/>
                   </a:ext>
                 </a:extLst>
               </p:cNvPr>
@@ -34991,7 +34985,7 @@
               <p:cNvPr id="20" name="Forma Livre: Forma 19">
                 <a:extLst>
                   <a:ext uri="{FF2B5EF4-FFF2-40B4-BE49-F238E27FC236}">
-                    <a16:creationId xmlns:a16="http://schemas.microsoft.com/office/drawing/2014/main" xmlns="" id="{F8045286-37AC-4911-A671-477E8EB257A2}"/>
+                    <a16:creationId xmlns:a16="http://schemas.microsoft.com/office/drawing/2014/main" id="{F8045286-37AC-4911-A671-477E8EB257A2}"/>
                   </a:ext>
                 </a:extLst>
               </p:cNvPr>
@@ -35126,7 +35120,7 @@
               <p:cNvPr id="21" name="Elipse 20">
                 <a:extLst>
                   <a:ext uri="{FF2B5EF4-FFF2-40B4-BE49-F238E27FC236}">
-                    <a16:creationId xmlns:a16="http://schemas.microsoft.com/office/drawing/2014/main" xmlns="" id="{CD452FDD-69B7-4E28-B5E7-0FEFB45E205A}"/>
+                    <a16:creationId xmlns:a16="http://schemas.microsoft.com/office/drawing/2014/main" id="{CD452FDD-69B7-4E28-B5E7-0FEFB45E205A}"/>
                   </a:ext>
                 </a:extLst>
               </p:cNvPr>
@@ -35178,7 +35172,7 @@
               <p:cNvPr id="22" name="Retângulo: Cantos Arredondados 21">
                 <a:extLst>
                   <a:ext uri="{FF2B5EF4-FFF2-40B4-BE49-F238E27FC236}">
-                    <a16:creationId xmlns:a16="http://schemas.microsoft.com/office/drawing/2014/main" xmlns="" id="{AF7D2798-BB73-466E-A25A-A2621184FA04}"/>
+                    <a16:creationId xmlns:a16="http://schemas.microsoft.com/office/drawing/2014/main" id="{AF7D2798-BB73-466E-A25A-A2621184FA04}"/>
                   </a:ext>
                 </a:extLst>
               </p:cNvPr>
@@ -35232,7 +35226,7 @@
               <p:cNvPr id="23" name="Retângulo: Cantos Arredondados 22">
                 <a:extLst>
                   <a:ext uri="{FF2B5EF4-FFF2-40B4-BE49-F238E27FC236}">
-                    <a16:creationId xmlns:a16="http://schemas.microsoft.com/office/drawing/2014/main" xmlns="" id="{3E77055B-F661-42D4-86CB-10C4D49F7934}"/>
+                    <a16:creationId xmlns:a16="http://schemas.microsoft.com/office/drawing/2014/main" id="{3E77055B-F661-42D4-86CB-10C4D49F7934}"/>
                   </a:ext>
                 </a:extLst>
               </p:cNvPr>
@@ -35286,7 +35280,7 @@
               <p:cNvPr id="24" name="Retângulo: Cantos Arredondados 23">
                 <a:extLst>
                   <a:ext uri="{FF2B5EF4-FFF2-40B4-BE49-F238E27FC236}">
-                    <a16:creationId xmlns:a16="http://schemas.microsoft.com/office/drawing/2014/main" xmlns="" id="{2D266FA5-5903-44D9-9DC7-DCB4A530544F}"/>
+                    <a16:creationId xmlns:a16="http://schemas.microsoft.com/office/drawing/2014/main" id="{2D266FA5-5903-44D9-9DC7-DCB4A530544F}"/>
                   </a:ext>
                 </a:extLst>
               </p:cNvPr>
@@ -35341,7 +35335,7 @@
             <p:cNvPr id="25" name="Forma Livre: Forma 24">
               <a:extLst>
                 <a:ext uri="{FF2B5EF4-FFF2-40B4-BE49-F238E27FC236}">
-                  <a16:creationId xmlns:a16="http://schemas.microsoft.com/office/drawing/2014/main" xmlns="" id="{59EBB5C9-01FD-4920-B60F-971211221B04}"/>
+                  <a16:creationId xmlns:a16="http://schemas.microsoft.com/office/drawing/2014/main" id="{59EBB5C9-01FD-4920-B60F-971211221B04}"/>
                 </a:ext>
               </a:extLst>
             </p:cNvPr>
@@ -35501,7 +35495,7 @@
           <p:cNvPr id="38" name="Agrupar 37">
             <a:extLst>
               <a:ext uri="{FF2B5EF4-FFF2-40B4-BE49-F238E27FC236}">
-                <a16:creationId xmlns:a16="http://schemas.microsoft.com/office/drawing/2014/main" xmlns="" id="{FC904319-6FA4-4042-855A-6A60C7CDDE75}"/>
+                <a16:creationId xmlns:a16="http://schemas.microsoft.com/office/drawing/2014/main" id="{FC904319-6FA4-4042-855A-6A60C7CDDE75}"/>
               </a:ext>
             </a:extLst>
           </p:cNvPr>
@@ -35521,7 +35515,7 @@
             <p:cNvPr id="32" name="Forma Livre: Forma 31">
               <a:extLst>
                 <a:ext uri="{FF2B5EF4-FFF2-40B4-BE49-F238E27FC236}">
-                  <a16:creationId xmlns:a16="http://schemas.microsoft.com/office/drawing/2014/main" xmlns="" id="{33926B56-608A-4040-9793-1A0843EA9F35}"/>
+                  <a16:creationId xmlns:a16="http://schemas.microsoft.com/office/drawing/2014/main" id="{33926B56-608A-4040-9793-1A0843EA9F35}"/>
                 </a:ext>
               </a:extLst>
             </p:cNvPr>
@@ -35656,7 +35650,7 @@
             <p:cNvPr id="33" name="Forma Livre: Forma 32">
               <a:extLst>
                 <a:ext uri="{FF2B5EF4-FFF2-40B4-BE49-F238E27FC236}">
-                  <a16:creationId xmlns:a16="http://schemas.microsoft.com/office/drawing/2014/main" xmlns="" id="{5411D262-E4A1-40F4-B722-478CCED52606}"/>
+                  <a16:creationId xmlns:a16="http://schemas.microsoft.com/office/drawing/2014/main" id="{5411D262-E4A1-40F4-B722-478CCED52606}"/>
                 </a:ext>
               </a:extLst>
             </p:cNvPr>
@@ -35791,7 +35785,7 @@
             <p:cNvPr id="34" name="Elipse 33">
               <a:extLst>
                 <a:ext uri="{FF2B5EF4-FFF2-40B4-BE49-F238E27FC236}">
-                  <a16:creationId xmlns:a16="http://schemas.microsoft.com/office/drawing/2014/main" xmlns="" id="{944C9D85-37D0-40B1-AE69-DE12BF032920}"/>
+                  <a16:creationId xmlns:a16="http://schemas.microsoft.com/office/drawing/2014/main" id="{944C9D85-37D0-40B1-AE69-DE12BF032920}"/>
                 </a:ext>
               </a:extLst>
             </p:cNvPr>
@@ -35843,7 +35837,7 @@
             <p:cNvPr id="35" name="Retângulo: Cantos Arredondados 34">
               <a:extLst>
                 <a:ext uri="{FF2B5EF4-FFF2-40B4-BE49-F238E27FC236}">
-                  <a16:creationId xmlns:a16="http://schemas.microsoft.com/office/drawing/2014/main" xmlns="" id="{DDB1EE29-EA56-4EE9-816C-ADD36B89357A}"/>
+                  <a16:creationId xmlns:a16="http://schemas.microsoft.com/office/drawing/2014/main" id="{DDB1EE29-EA56-4EE9-816C-ADD36B89357A}"/>
                 </a:ext>
               </a:extLst>
             </p:cNvPr>
@@ -35897,7 +35891,7 @@
             <p:cNvPr id="36" name="Retângulo: Cantos Arredondados 35">
               <a:extLst>
                 <a:ext uri="{FF2B5EF4-FFF2-40B4-BE49-F238E27FC236}">
-                  <a16:creationId xmlns:a16="http://schemas.microsoft.com/office/drawing/2014/main" xmlns="" id="{126D8543-30CF-42FE-9FA8-8D03E478C3F1}"/>
+                  <a16:creationId xmlns:a16="http://schemas.microsoft.com/office/drawing/2014/main" id="{126D8543-30CF-42FE-9FA8-8D03E478C3F1}"/>
                 </a:ext>
               </a:extLst>
             </p:cNvPr>
@@ -35951,7 +35945,7 @@
             <p:cNvPr id="37" name="Retângulo: Cantos Arredondados 36">
               <a:extLst>
                 <a:ext uri="{FF2B5EF4-FFF2-40B4-BE49-F238E27FC236}">
-                  <a16:creationId xmlns:a16="http://schemas.microsoft.com/office/drawing/2014/main" xmlns="" id="{EC5022BB-3365-4849-AE98-9002F5043E80}"/>
+                  <a16:creationId xmlns:a16="http://schemas.microsoft.com/office/drawing/2014/main" id="{EC5022BB-3365-4849-AE98-9002F5043E80}"/>
                 </a:ext>
               </a:extLst>
             </p:cNvPr>
@@ -36006,7 +36000,7 @@
           <p:cNvPr id="2" name="Estrela: 5 Pontas 1">
             <a:extLst>
               <a:ext uri="{FF2B5EF4-FFF2-40B4-BE49-F238E27FC236}">
-                <a16:creationId xmlns:a16="http://schemas.microsoft.com/office/drawing/2014/main" xmlns="" id="{723F0F1C-67BE-419C-BCCB-FB7965C3A6B7}"/>
+                <a16:creationId xmlns:a16="http://schemas.microsoft.com/office/drawing/2014/main" id="{723F0F1C-67BE-419C-BCCB-FB7965C3A6B7}"/>
               </a:ext>
             </a:extLst>
           </p:cNvPr>
@@ -36058,7 +36052,7 @@
           <p:cNvPr id="39" name="Estrela: 5 Pontas 38">
             <a:extLst>
               <a:ext uri="{FF2B5EF4-FFF2-40B4-BE49-F238E27FC236}">
-                <a16:creationId xmlns:a16="http://schemas.microsoft.com/office/drawing/2014/main" xmlns="" id="{A18BD38E-EE78-4C65-B51B-17C6F7259FFB}"/>
+                <a16:creationId xmlns:a16="http://schemas.microsoft.com/office/drawing/2014/main" id="{A18BD38E-EE78-4C65-B51B-17C6F7259FFB}"/>
               </a:ext>
             </a:extLst>
           </p:cNvPr>
@@ -36110,7 +36104,7 @@
           <p:cNvPr id="40" name="Estrela: 5 Pontas 39">
             <a:extLst>
               <a:ext uri="{FF2B5EF4-FFF2-40B4-BE49-F238E27FC236}">
-                <a16:creationId xmlns:a16="http://schemas.microsoft.com/office/drawing/2014/main" xmlns="" id="{0FEA79D5-3823-43F3-8783-B76F3CB07C70}"/>
+                <a16:creationId xmlns:a16="http://schemas.microsoft.com/office/drawing/2014/main" id="{0FEA79D5-3823-43F3-8783-B76F3CB07C70}"/>
               </a:ext>
             </a:extLst>
           </p:cNvPr>
@@ -36162,7 +36156,7 @@
           <p:cNvPr id="41" name="Estrela: 5 Pontas 40">
             <a:extLst>
               <a:ext uri="{FF2B5EF4-FFF2-40B4-BE49-F238E27FC236}">
-                <a16:creationId xmlns:a16="http://schemas.microsoft.com/office/drawing/2014/main" xmlns="" id="{E726AE01-965D-41FA-A98E-5BCEEEE23D94}"/>
+                <a16:creationId xmlns:a16="http://schemas.microsoft.com/office/drawing/2014/main" id="{E726AE01-965D-41FA-A98E-5BCEEEE23D94}"/>
               </a:ext>
             </a:extLst>
           </p:cNvPr>
@@ -36214,7 +36208,7 @@
           <p:cNvPr id="42" name="Estrela: 5 Pontas 41">
             <a:extLst>
               <a:ext uri="{FF2B5EF4-FFF2-40B4-BE49-F238E27FC236}">
-                <a16:creationId xmlns:a16="http://schemas.microsoft.com/office/drawing/2014/main" xmlns="" id="{A5C06899-D0AA-49D3-B648-FD1484DDCE6F}"/>
+                <a16:creationId xmlns:a16="http://schemas.microsoft.com/office/drawing/2014/main" id="{A5C06899-D0AA-49D3-B648-FD1484DDCE6F}"/>
               </a:ext>
             </a:extLst>
           </p:cNvPr>
@@ -36266,7 +36260,7 @@
           <p:cNvPr id="27" name="CaixaDeTexto 26">
             <a:extLst>
               <a:ext uri="{FF2B5EF4-FFF2-40B4-BE49-F238E27FC236}">
-                <a16:creationId xmlns:a16="http://schemas.microsoft.com/office/drawing/2014/main" xmlns="" id="{84258104-3F54-4F3B-B3FF-EF38C66DFF6F}"/>
+                <a16:creationId xmlns:a16="http://schemas.microsoft.com/office/drawing/2014/main" id="{84258104-3F54-4F3B-B3FF-EF38C66DFF6F}"/>
               </a:ext>
             </a:extLst>
           </p:cNvPr>
@@ -36679,7 +36673,7 @@
           <p:cNvPr id="114" name="CaixaDeTexto 113">
             <a:extLst>
               <a:ext uri="{FF2B5EF4-FFF2-40B4-BE49-F238E27FC236}">
-                <a16:creationId xmlns:a16="http://schemas.microsoft.com/office/drawing/2014/main" xmlns="" id="{55E7EA0C-456D-488B-AE8B-5092FA29217F}"/>
+                <a16:creationId xmlns:a16="http://schemas.microsoft.com/office/drawing/2014/main" id="{55E7EA0C-456D-488B-AE8B-5092FA29217F}"/>
               </a:ext>
             </a:extLst>
           </p:cNvPr>
@@ -36719,7 +36713,7 @@
           <p:cNvPr id="115" name="CaixaDeTexto 114">
             <a:extLst>
               <a:ext uri="{FF2B5EF4-FFF2-40B4-BE49-F238E27FC236}">
-                <a16:creationId xmlns:a16="http://schemas.microsoft.com/office/drawing/2014/main" xmlns="" id="{A19F2B9B-915C-41AB-BB89-0FF40B347EE4}"/>
+                <a16:creationId xmlns:a16="http://schemas.microsoft.com/office/drawing/2014/main" id="{A19F2B9B-915C-41AB-BB89-0FF40B347EE4}"/>
               </a:ext>
             </a:extLst>
           </p:cNvPr>
@@ -36759,7 +36753,7 @@
           <p:cNvPr id="4" name="Agrupar 3">
             <a:extLst>
               <a:ext uri="{FF2B5EF4-FFF2-40B4-BE49-F238E27FC236}">
-                <a16:creationId xmlns:a16="http://schemas.microsoft.com/office/drawing/2014/main" xmlns="" id="{7610409B-0F43-4450-AE92-E4E515E84779}"/>
+                <a16:creationId xmlns:a16="http://schemas.microsoft.com/office/drawing/2014/main" id="{7610409B-0F43-4450-AE92-E4E515E84779}"/>
               </a:ext>
             </a:extLst>
           </p:cNvPr>
@@ -36779,7 +36773,7 @@
             <p:cNvPr id="62" name="Agrupar 61">
               <a:extLst>
                 <a:ext uri="{FF2B5EF4-FFF2-40B4-BE49-F238E27FC236}">
-                  <a16:creationId xmlns:a16="http://schemas.microsoft.com/office/drawing/2014/main" xmlns="" id="{DDB26C83-9CE2-4C04-B6AF-E8E5E51F4BC4}"/>
+                  <a16:creationId xmlns:a16="http://schemas.microsoft.com/office/drawing/2014/main" id="{DDB26C83-9CE2-4C04-B6AF-E8E5E51F4BC4}"/>
                 </a:ext>
               </a:extLst>
             </p:cNvPr>
@@ -36799,7 +36793,7 @@
               <p:cNvPr id="60" name="Forma Livre: Forma 59">
                 <a:extLst>
                   <a:ext uri="{FF2B5EF4-FFF2-40B4-BE49-F238E27FC236}">
-                    <a16:creationId xmlns:a16="http://schemas.microsoft.com/office/drawing/2014/main" xmlns="" id="{407CEE2C-9267-4FDC-BF27-F93D5C061A49}"/>
+                    <a16:creationId xmlns:a16="http://schemas.microsoft.com/office/drawing/2014/main" id="{407CEE2C-9267-4FDC-BF27-F93D5C061A49}"/>
                   </a:ext>
                 </a:extLst>
               </p:cNvPr>
@@ -36942,7 +36936,7 @@
               <p:cNvPr id="61" name="Forma Livre: Forma 60">
                 <a:extLst>
                   <a:ext uri="{FF2B5EF4-FFF2-40B4-BE49-F238E27FC236}">
-                    <a16:creationId xmlns:a16="http://schemas.microsoft.com/office/drawing/2014/main" xmlns="" id="{DA72A907-E7A1-43F0-84C8-28323C720A71}"/>
+                    <a16:creationId xmlns:a16="http://schemas.microsoft.com/office/drawing/2014/main" id="{DA72A907-E7A1-43F0-84C8-28323C720A71}"/>
                   </a:ext>
                 </a:extLst>
               </p:cNvPr>
@@ -37089,7 +37083,7 @@
             <p:cNvPr id="63" name="Agrupar 62">
               <a:extLst>
                 <a:ext uri="{FF2B5EF4-FFF2-40B4-BE49-F238E27FC236}">
-                  <a16:creationId xmlns:a16="http://schemas.microsoft.com/office/drawing/2014/main" xmlns="" id="{6686220B-C3BA-4F58-B761-8EC877DB6978}"/>
+                  <a16:creationId xmlns:a16="http://schemas.microsoft.com/office/drawing/2014/main" id="{6686220B-C3BA-4F58-B761-8EC877DB6978}"/>
                 </a:ext>
               </a:extLst>
             </p:cNvPr>
@@ -37109,7 +37103,7 @@
               <p:cNvPr id="64" name="Forma Livre: Forma 63">
                 <a:extLst>
                   <a:ext uri="{FF2B5EF4-FFF2-40B4-BE49-F238E27FC236}">
-                    <a16:creationId xmlns:a16="http://schemas.microsoft.com/office/drawing/2014/main" xmlns="" id="{0B508649-6448-4A98-8464-B1B4791130BB}"/>
+                    <a16:creationId xmlns:a16="http://schemas.microsoft.com/office/drawing/2014/main" id="{0B508649-6448-4A98-8464-B1B4791130BB}"/>
                   </a:ext>
                 </a:extLst>
               </p:cNvPr>
@@ -37252,7 +37246,7 @@
               <p:cNvPr id="65" name="Forma Livre: Forma 64">
                 <a:extLst>
                   <a:ext uri="{FF2B5EF4-FFF2-40B4-BE49-F238E27FC236}">
-                    <a16:creationId xmlns:a16="http://schemas.microsoft.com/office/drawing/2014/main" xmlns="" id="{644F2424-7716-4206-A898-B7FF7B0EF20E}"/>
+                    <a16:creationId xmlns:a16="http://schemas.microsoft.com/office/drawing/2014/main" id="{644F2424-7716-4206-A898-B7FF7B0EF20E}"/>
                   </a:ext>
                 </a:extLst>
               </p:cNvPr>
@@ -37399,7 +37393,7 @@
             <p:cNvPr id="72" name="Retângulo: Cantos Arredondados 71">
               <a:extLst>
                 <a:ext uri="{FF2B5EF4-FFF2-40B4-BE49-F238E27FC236}">
-                  <a16:creationId xmlns:a16="http://schemas.microsoft.com/office/drawing/2014/main" xmlns="" id="{EDAA260A-6EFC-4287-A355-7EE98B639ADA}"/>
+                  <a16:creationId xmlns:a16="http://schemas.microsoft.com/office/drawing/2014/main" id="{EDAA260A-6EFC-4287-A355-7EE98B639ADA}"/>
                 </a:ext>
               </a:extLst>
             </p:cNvPr>
@@ -37453,7 +37447,7 @@
             <p:cNvPr id="75" name="Retângulo: Cantos Arredondados 74">
               <a:extLst>
                 <a:ext uri="{FF2B5EF4-FFF2-40B4-BE49-F238E27FC236}">
-                  <a16:creationId xmlns:a16="http://schemas.microsoft.com/office/drawing/2014/main" xmlns="" id="{A2FC06FE-4EBB-4B29-934C-CF58402238B2}"/>
+                  <a16:creationId xmlns:a16="http://schemas.microsoft.com/office/drawing/2014/main" id="{A2FC06FE-4EBB-4B29-934C-CF58402238B2}"/>
                 </a:ext>
               </a:extLst>
             </p:cNvPr>
@@ -37507,7 +37501,7 @@
             <p:cNvPr id="85" name="Retângulo: Cantos Arredondados 84">
               <a:extLst>
                 <a:ext uri="{FF2B5EF4-FFF2-40B4-BE49-F238E27FC236}">
-                  <a16:creationId xmlns:a16="http://schemas.microsoft.com/office/drawing/2014/main" xmlns="" id="{F77F394E-3BA2-4EA8-B488-226DAA8DD196}"/>
+                  <a16:creationId xmlns:a16="http://schemas.microsoft.com/office/drawing/2014/main" id="{F77F394E-3BA2-4EA8-B488-226DAA8DD196}"/>
                 </a:ext>
               </a:extLst>
             </p:cNvPr>
@@ -37561,7 +37555,7 @@
             <p:cNvPr id="83" name="Forma Livre: Forma 82">
               <a:extLst>
                 <a:ext uri="{FF2B5EF4-FFF2-40B4-BE49-F238E27FC236}">
-                  <a16:creationId xmlns:a16="http://schemas.microsoft.com/office/drawing/2014/main" xmlns="" id="{32E6D0BC-5224-4E02-80AC-A89C337BC2C3}"/>
+                  <a16:creationId xmlns:a16="http://schemas.microsoft.com/office/drawing/2014/main" id="{32E6D0BC-5224-4E02-80AC-A89C337BC2C3}"/>
                 </a:ext>
               </a:extLst>
             </p:cNvPr>
@@ -37729,7 +37723,7 @@
             <p:cNvPr id="73" name="Agrupar 72">
               <a:extLst>
                 <a:ext uri="{FF2B5EF4-FFF2-40B4-BE49-F238E27FC236}">
-                  <a16:creationId xmlns:a16="http://schemas.microsoft.com/office/drawing/2014/main" xmlns="" id="{9FE34A15-8645-4167-B0DF-DBE707D93196}"/>
+                  <a16:creationId xmlns:a16="http://schemas.microsoft.com/office/drawing/2014/main" id="{9FE34A15-8645-4167-B0DF-DBE707D93196}"/>
                 </a:ext>
               </a:extLst>
             </p:cNvPr>
@@ -37749,7 +37743,7 @@
               <p:cNvPr id="57" name="Retângulo: Cantos Arredondados 56">
                 <a:extLst>
                   <a:ext uri="{FF2B5EF4-FFF2-40B4-BE49-F238E27FC236}">
-                    <a16:creationId xmlns:a16="http://schemas.microsoft.com/office/drawing/2014/main" xmlns="" id="{C336AFFA-E4F7-4842-BA6A-09F0CF9FC794}"/>
+                    <a16:creationId xmlns:a16="http://schemas.microsoft.com/office/drawing/2014/main" id="{C336AFFA-E4F7-4842-BA6A-09F0CF9FC794}"/>
                   </a:ext>
                 </a:extLst>
               </p:cNvPr>
@@ -37805,7 +37799,7 @@
               <p:cNvPr id="71" name="Forma Livre: Forma 70">
                 <a:extLst>
                   <a:ext uri="{FF2B5EF4-FFF2-40B4-BE49-F238E27FC236}">
-                    <a16:creationId xmlns:a16="http://schemas.microsoft.com/office/drawing/2014/main" xmlns="" id="{E5B445B5-AFC2-4057-885A-86B469BBCCB0}"/>
+                    <a16:creationId xmlns:a16="http://schemas.microsoft.com/office/drawing/2014/main" id="{E5B445B5-AFC2-4057-885A-86B469BBCCB0}"/>
                   </a:ext>
                 </a:extLst>
               </p:cNvPr>
@@ -38124,7 +38118,7 @@
               <p:cNvPr id="68" name="Elipse 67">
                 <a:extLst>
                   <a:ext uri="{FF2B5EF4-FFF2-40B4-BE49-F238E27FC236}">
-                    <a16:creationId xmlns:a16="http://schemas.microsoft.com/office/drawing/2014/main" xmlns="" id="{527F53BA-79D2-411E-981E-8FFC7D88F997}"/>
+                    <a16:creationId xmlns:a16="http://schemas.microsoft.com/office/drawing/2014/main" id="{527F53BA-79D2-411E-981E-8FFC7D88F997}"/>
                   </a:ext>
                 </a:extLst>
               </p:cNvPr>
@@ -38177,7 +38171,7 @@
             <p:cNvPr id="87" name="Forma Livre: Forma 86">
               <a:extLst>
                 <a:ext uri="{FF2B5EF4-FFF2-40B4-BE49-F238E27FC236}">
-                  <a16:creationId xmlns:a16="http://schemas.microsoft.com/office/drawing/2014/main" xmlns="" id="{FBD7C831-DE71-4741-AFE0-837812D007B9}"/>
+                  <a16:creationId xmlns:a16="http://schemas.microsoft.com/office/drawing/2014/main" id="{FBD7C831-DE71-4741-AFE0-837812D007B9}"/>
                 </a:ext>
               </a:extLst>
             </p:cNvPr>
@@ -38920,7 +38914,7 @@
             <p:cNvPr id="91" name="Agrupar 90">
               <a:extLst>
                 <a:ext uri="{FF2B5EF4-FFF2-40B4-BE49-F238E27FC236}">
-                  <a16:creationId xmlns:a16="http://schemas.microsoft.com/office/drawing/2014/main" xmlns="" id="{A4083C36-A5AA-488B-9680-836F142B75D1}"/>
+                  <a16:creationId xmlns:a16="http://schemas.microsoft.com/office/drawing/2014/main" id="{A4083C36-A5AA-488B-9680-836F142B75D1}"/>
                 </a:ext>
               </a:extLst>
             </p:cNvPr>
@@ -38940,7 +38934,7 @@
               <p:cNvPr id="89" name="Retângulo: Cantos Arredondados 88">
                 <a:extLst>
                   <a:ext uri="{FF2B5EF4-FFF2-40B4-BE49-F238E27FC236}">
-                    <a16:creationId xmlns:a16="http://schemas.microsoft.com/office/drawing/2014/main" xmlns="" id="{D5EBA878-C390-4B40-8E0F-1971FDCEB45B}"/>
+                    <a16:creationId xmlns:a16="http://schemas.microsoft.com/office/drawing/2014/main" id="{D5EBA878-C390-4B40-8E0F-1971FDCEB45B}"/>
                   </a:ext>
                 </a:extLst>
               </p:cNvPr>
@@ -38994,7 +38988,7 @@
               <p:cNvPr id="90" name="Retângulo: Cantos Arredondados 89">
                 <a:extLst>
                   <a:ext uri="{FF2B5EF4-FFF2-40B4-BE49-F238E27FC236}">
-                    <a16:creationId xmlns:a16="http://schemas.microsoft.com/office/drawing/2014/main" xmlns="" id="{1BA872B5-444F-4723-8435-EBB011F75A9F}"/>
+                    <a16:creationId xmlns:a16="http://schemas.microsoft.com/office/drawing/2014/main" id="{1BA872B5-444F-4723-8435-EBB011F75A9F}"/>
                   </a:ext>
                 </a:extLst>
               </p:cNvPr>
@@ -39049,7 +39043,7 @@
             <p:cNvPr id="92" name="Agrupar 91">
               <a:extLst>
                 <a:ext uri="{FF2B5EF4-FFF2-40B4-BE49-F238E27FC236}">
-                  <a16:creationId xmlns:a16="http://schemas.microsoft.com/office/drawing/2014/main" xmlns="" id="{546743D0-9BF5-4977-9B06-480957C722AF}"/>
+                  <a16:creationId xmlns:a16="http://schemas.microsoft.com/office/drawing/2014/main" id="{546743D0-9BF5-4977-9B06-480957C722AF}"/>
                 </a:ext>
               </a:extLst>
             </p:cNvPr>
@@ -39069,7 +39063,7 @@
               <p:cNvPr id="93" name="Retângulo: Cantos Arredondados 92">
                 <a:extLst>
                   <a:ext uri="{FF2B5EF4-FFF2-40B4-BE49-F238E27FC236}">
-                    <a16:creationId xmlns:a16="http://schemas.microsoft.com/office/drawing/2014/main" xmlns="" id="{71EE00CC-8324-4062-8AB0-F586EE792436}"/>
+                    <a16:creationId xmlns:a16="http://schemas.microsoft.com/office/drawing/2014/main" id="{71EE00CC-8324-4062-8AB0-F586EE792436}"/>
                   </a:ext>
                 </a:extLst>
               </p:cNvPr>
@@ -39123,7 +39117,7 @@
               <p:cNvPr id="94" name="Retângulo: Cantos Arredondados 93">
                 <a:extLst>
                   <a:ext uri="{FF2B5EF4-FFF2-40B4-BE49-F238E27FC236}">
-                    <a16:creationId xmlns:a16="http://schemas.microsoft.com/office/drawing/2014/main" xmlns="" id="{43A97C27-B5AF-47A0-9E37-E19F5ECA7644}"/>
+                    <a16:creationId xmlns:a16="http://schemas.microsoft.com/office/drawing/2014/main" id="{43A97C27-B5AF-47A0-9E37-E19F5ECA7644}"/>
                   </a:ext>
                 </a:extLst>
               </p:cNvPr>
@@ -39178,7 +39172,7 @@
             <p:cNvPr id="106" name="Agrupar 105">
               <a:extLst>
                 <a:ext uri="{FF2B5EF4-FFF2-40B4-BE49-F238E27FC236}">
-                  <a16:creationId xmlns:a16="http://schemas.microsoft.com/office/drawing/2014/main" xmlns="" id="{9DC5C874-5349-4E05-A6A0-24FF2821AAAC}"/>
+                  <a16:creationId xmlns:a16="http://schemas.microsoft.com/office/drawing/2014/main" id="{9DC5C874-5349-4E05-A6A0-24FF2821AAAC}"/>
                 </a:ext>
               </a:extLst>
             </p:cNvPr>
@@ -39198,7 +39192,7 @@
               <p:cNvPr id="102" name="Forma Livre: Forma 101">
                 <a:extLst>
                   <a:ext uri="{FF2B5EF4-FFF2-40B4-BE49-F238E27FC236}">
-                    <a16:creationId xmlns:a16="http://schemas.microsoft.com/office/drawing/2014/main" xmlns="" id="{8664E959-F4DB-4AF6-B1F8-06F49DB55533}"/>
+                    <a16:creationId xmlns:a16="http://schemas.microsoft.com/office/drawing/2014/main" id="{8664E959-F4DB-4AF6-B1F8-06F49DB55533}"/>
                   </a:ext>
                 </a:extLst>
               </p:cNvPr>
@@ -39358,7 +39352,7 @@
               <p:cNvPr id="104" name="Retângulo 103">
                 <a:extLst>
                   <a:ext uri="{FF2B5EF4-FFF2-40B4-BE49-F238E27FC236}">
-                    <a16:creationId xmlns:a16="http://schemas.microsoft.com/office/drawing/2014/main" xmlns="" id="{D7BD7480-778F-4C2C-989D-A2E225CE8C9A}"/>
+                    <a16:creationId xmlns:a16="http://schemas.microsoft.com/office/drawing/2014/main" id="{D7BD7480-778F-4C2C-989D-A2E225CE8C9A}"/>
                   </a:ext>
                 </a:extLst>
               </p:cNvPr>
@@ -39410,7 +39404,7 @@
               <p:cNvPr id="105" name="Forma Livre: Forma 104">
                 <a:extLst>
                   <a:ext uri="{FF2B5EF4-FFF2-40B4-BE49-F238E27FC236}">
-                    <a16:creationId xmlns:a16="http://schemas.microsoft.com/office/drawing/2014/main" xmlns="" id="{48637B6E-8631-4826-8083-9DB2E326D6B7}"/>
+                    <a16:creationId xmlns:a16="http://schemas.microsoft.com/office/drawing/2014/main" id="{48637B6E-8631-4826-8083-9DB2E326D6B7}"/>
                   </a:ext>
                 </a:extLst>
               </p:cNvPr>
@@ -39571,7 +39565,7 @@
             <p:cNvPr id="107" name="Agrupar 106">
               <a:extLst>
                 <a:ext uri="{FF2B5EF4-FFF2-40B4-BE49-F238E27FC236}">
-                  <a16:creationId xmlns:a16="http://schemas.microsoft.com/office/drawing/2014/main" xmlns="" id="{506823EA-3FC9-4196-BEFD-C448FDAB12CE}"/>
+                  <a16:creationId xmlns:a16="http://schemas.microsoft.com/office/drawing/2014/main" id="{506823EA-3FC9-4196-BEFD-C448FDAB12CE}"/>
                 </a:ext>
               </a:extLst>
             </p:cNvPr>
@@ -39591,7 +39585,7 @@
               <p:cNvPr id="108" name="Forma Livre: Forma 107">
                 <a:extLst>
                   <a:ext uri="{FF2B5EF4-FFF2-40B4-BE49-F238E27FC236}">
-                    <a16:creationId xmlns:a16="http://schemas.microsoft.com/office/drawing/2014/main" xmlns="" id="{C8F6B5D3-BA40-479E-9922-FA5F29F7438B}"/>
+                    <a16:creationId xmlns:a16="http://schemas.microsoft.com/office/drawing/2014/main" id="{C8F6B5D3-BA40-479E-9922-FA5F29F7438B}"/>
                   </a:ext>
                 </a:extLst>
               </p:cNvPr>
@@ -39726,7 +39720,7 @@
               <p:cNvPr id="109" name="Forma Livre: Forma 108">
                 <a:extLst>
                   <a:ext uri="{FF2B5EF4-FFF2-40B4-BE49-F238E27FC236}">
-                    <a16:creationId xmlns:a16="http://schemas.microsoft.com/office/drawing/2014/main" xmlns="" id="{E802B2CF-95C1-4EB2-BD1A-0F5C25F938FF}"/>
+                    <a16:creationId xmlns:a16="http://schemas.microsoft.com/office/drawing/2014/main" id="{E802B2CF-95C1-4EB2-BD1A-0F5C25F938FF}"/>
                   </a:ext>
                 </a:extLst>
               </p:cNvPr>
@@ -39861,7 +39855,7 @@
               <p:cNvPr id="110" name="Elipse 109">
                 <a:extLst>
                   <a:ext uri="{FF2B5EF4-FFF2-40B4-BE49-F238E27FC236}">
-                    <a16:creationId xmlns:a16="http://schemas.microsoft.com/office/drawing/2014/main" xmlns="" id="{895EC924-6BE2-4CFF-8A33-0E2AB024DAE1}"/>
+                    <a16:creationId xmlns:a16="http://schemas.microsoft.com/office/drawing/2014/main" id="{895EC924-6BE2-4CFF-8A33-0E2AB024DAE1}"/>
                   </a:ext>
                 </a:extLst>
               </p:cNvPr>
@@ -39913,7 +39907,7 @@
               <p:cNvPr id="111" name="Retângulo: Cantos Arredondados 110">
                 <a:extLst>
                   <a:ext uri="{FF2B5EF4-FFF2-40B4-BE49-F238E27FC236}">
-                    <a16:creationId xmlns:a16="http://schemas.microsoft.com/office/drawing/2014/main" xmlns="" id="{4BDB2D4F-428B-4635-BB83-B1E7C79E966E}"/>
+                    <a16:creationId xmlns:a16="http://schemas.microsoft.com/office/drawing/2014/main" id="{4BDB2D4F-428B-4635-BB83-B1E7C79E966E}"/>
                   </a:ext>
                 </a:extLst>
               </p:cNvPr>
@@ -39967,7 +39961,7 @@
               <p:cNvPr id="112" name="Retângulo: Cantos Arredondados 111">
                 <a:extLst>
                   <a:ext uri="{FF2B5EF4-FFF2-40B4-BE49-F238E27FC236}">
-                    <a16:creationId xmlns:a16="http://schemas.microsoft.com/office/drawing/2014/main" xmlns="" id="{9260998D-CE47-412D-AD06-F84D175B98AC}"/>
+                    <a16:creationId xmlns:a16="http://schemas.microsoft.com/office/drawing/2014/main" id="{9260998D-CE47-412D-AD06-F84D175B98AC}"/>
                   </a:ext>
                 </a:extLst>
               </p:cNvPr>
@@ -40021,7 +40015,7 @@
               <p:cNvPr id="113" name="Retângulo: Cantos Arredondados 112">
                 <a:extLst>
                   <a:ext uri="{FF2B5EF4-FFF2-40B4-BE49-F238E27FC236}">
-                    <a16:creationId xmlns:a16="http://schemas.microsoft.com/office/drawing/2014/main" xmlns="" id="{6D67DA82-6FD4-4F6B-9B37-E66C498A9AA9}"/>
+                    <a16:creationId xmlns:a16="http://schemas.microsoft.com/office/drawing/2014/main" id="{6D67DA82-6FD4-4F6B-9B37-E66C498A9AA9}"/>
                   </a:ext>
                 </a:extLst>
               </p:cNvPr>
@@ -40076,7 +40070,7 @@
             <p:cNvPr id="2" name="Forma Livre: Forma 1">
               <a:extLst>
                 <a:ext uri="{FF2B5EF4-FFF2-40B4-BE49-F238E27FC236}">
-                  <a16:creationId xmlns:a16="http://schemas.microsoft.com/office/drawing/2014/main" xmlns="" id="{5AA231EB-8067-4D08-B7D8-E8754103746F}"/>
+                  <a16:creationId xmlns:a16="http://schemas.microsoft.com/office/drawing/2014/main" id="{5AA231EB-8067-4D08-B7D8-E8754103746F}"/>
                 </a:ext>
               </a:extLst>
             </p:cNvPr>
@@ -40794,7 +40788,7 @@
             <p:cNvPr id="3" name="Retângulo: Cantos Arredondados 2">
               <a:extLst>
                 <a:ext uri="{FF2B5EF4-FFF2-40B4-BE49-F238E27FC236}">
-                  <a16:creationId xmlns:a16="http://schemas.microsoft.com/office/drawing/2014/main" xmlns="" id="{44C6775D-5041-4878-AA02-F705A13540D9}"/>
+                  <a16:creationId xmlns:a16="http://schemas.microsoft.com/office/drawing/2014/main" id="{44C6775D-5041-4878-AA02-F705A13540D9}"/>
                 </a:ext>
               </a:extLst>
             </p:cNvPr>
@@ -40848,7 +40842,7 @@
             <p:cNvPr id="40" name="Retângulo: Cantos Arredondados 39">
               <a:extLst>
                 <a:ext uri="{FF2B5EF4-FFF2-40B4-BE49-F238E27FC236}">
-                  <a16:creationId xmlns:a16="http://schemas.microsoft.com/office/drawing/2014/main" xmlns="" id="{6D9E1857-21BE-415D-9E5E-D6638BFD720B}"/>
+                  <a16:creationId xmlns:a16="http://schemas.microsoft.com/office/drawing/2014/main" id="{6D9E1857-21BE-415D-9E5E-D6638BFD720B}"/>
                 </a:ext>
               </a:extLst>
             </p:cNvPr>
@@ -41109,7 +41103,7 @@
           <p:cNvPr id="73" name="Retângulo: Cantos Arredondados 72">
             <a:extLst>
               <a:ext uri="{FF2B5EF4-FFF2-40B4-BE49-F238E27FC236}">
-                <a16:creationId xmlns:a16="http://schemas.microsoft.com/office/drawing/2014/main" xmlns="" id="{3776B7C3-79BF-42BB-AFCA-7B914CC5A530}"/>
+                <a16:creationId xmlns:a16="http://schemas.microsoft.com/office/drawing/2014/main" id="{3776B7C3-79BF-42BB-AFCA-7B914CC5A530}"/>
               </a:ext>
             </a:extLst>
           </p:cNvPr>
@@ -41163,7 +41157,7 @@
           <p:cNvPr id="72" name="Retângulo: Cantos Arredondados 71">
             <a:extLst>
               <a:ext uri="{FF2B5EF4-FFF2-40B4-BE49-F238E27FC236}">
-                <a16:creationId xmlns:a16="http://schemas.microsoft.com/office/drawing/2014/main" xmlns="" id="{82990AFB-1CD1-4797-8B2A-22094779DEC4}"/>
+                <a16:creationId xmlns:a16="http://schemas.microsoft.com/office/drawing/2014/main" id="{82990AFB-1CD1-4797-8B2A-22094779DEC4}"/>
               </a:ext>
             </a:extLst>
           </p:cNvPr>
@@ -41217,7 +41211,7 @@
           <p:cNvPr id="51" name="Retângulo: Cantos Arredondados 50">
             <a:extLst>
               <a:ext uri="{FF2B5EF4-FFF2-40B4-BE49-F238E27FC236}">
-                <a16:creationId xmlns:a16="http://schemas.microsoft.com/office/drawing/2014/main" xmlns="" id="{EA8D339A-3BEF-4EB7-9A9C-104EF6E2149F}"/>
+                <a16:creationId xmlns:a16="http://schemas.microsoft.com/office/drawing/2014/main" id="{EA8D339A-3BEF-4EB7-9A9C-104EF6E2149F}"/>
               </a:ext>
             </a:extLst>
           </p:cNvPr>
@@ -41271,7 +41265,7 @@
           <p:cNvPr id="52" name="Retângulo: Cantos Arredondados 51">
             <a:extLst>
               <a:ext uri="{FF2B5EF4-FFF2-40B4-BE49-F238E27FC236}">
-                <a16:creationId xmlns:a16="http://schemas.microsoft.com/office/drawing/2014/main" xmlns="" id="{868A3825-BADD-4E4A-9947-35E44039B0AC}"/>
+                <a16:creationId xmlns:a16="http://schemas.microsoft.com/office/drawing/2014/main" id="{868A3825-BADD-4E4A-9947-35E44039B0AC}"/>
               </a:ext>
             </a:extLst>
           </p:cNvPr>
@@ -41325,7 +41319,7 @@
           <p:cNvPr id="50" name="Agrupar 49">
             <a:extLst>
               <a:ext uri="{FF2B5EF4-FFF2-40B4-BE49-F238E27FC236}">
-                <a16:creationId xmlns:a16="http://schemas.microsoft.com/office/drawing/2014/main" xmlns="" id="{1F846C04-AA34-4FFE-8358-B035A411770B}"/>
+                <a16:creationId xmlns:a16="http://schemas.microsoft.com/office/drawing/2014/main" id="{1F846C04-AA34-4FFE-8358-B035A411770B}"/>
               </a:ext>
             </a:extLst>
           </p:cNvPr>
@@ -41345,7 +41339,7 @@
             <p:cNvPr id="4" name="Retângulo: Cantos Arredondados 3">
               <a:extLst>
                 <a:ext uri="{FF2B5EF4-FFF2-40B4-BE49-F238E27FC236}">
-                  <a16:creationId xmlns:a16="http://schemas.microsoft.com/office/drawing/2014/main" xmlns="" id="{E1CD0C35-1A92-4DF6-85F2-4F43649D3F16}"/>
+                  <a16:creationId xmlns:a16="http://schemas.microsoft.com/office/drawing/2014/main" id="{E1CD0C35-1A92-4DF6-85F2-4F43649D3F16}"/>
                 </a:ext>
               </a:extLst>
             </p:cNvPr>
@@ -41399,7 +41393,7 @@
             <p:cNvPr id="16" name="Retângulo: Cantos Arredondados 15">
               <a:extLst>
                 <a:ext uri="{FF2B5EF4-FFF2-40B4-BE49-F238E27FC236}">
-                  <a16:creationId xmlns:a16="http://schemas.microsoft.com/office/drawing/2014/main" xmlns="" id="{2FE37A45-A208-46CD-8D90-F64E8990BD61}"/>
+                  <a16:creationId xmlns:a16="http://schemas.microsoft.com/office/drawing/2014/main" id="{2FE37A45-A208-46CD-8D90-F64E8990BD61}"/>
                 </a:ext>
               </a:extLst>
             </p:cNvPr>
@@ -41455,7 +41449,7 @@
             <p:cNvPr id="34" name="Forma Livre: Forma 33">
               <a:extLst>
                 <a:ext uri="{FF2B5EF4-FFF2-40B4-BE49-F238E27FC236}">
-                  <a16:creationId xmlns:a16="http://schemas.microsoft.com/office/drawing/2014/main" xmlns="" id="{8F7A9C6C-7FF3-4794-9532-7207E2B80FB5}"/>
+                  <a16:creationId xmlns:a16="http://schemas.microsoft.com/office/drawing/2014/main" id="{8F7A9C6C-7FF3-4794-9532-7207E2B80FB5}"/>
                 </a:ext>
               </a:extLst>
             </p:cNvPr>
@@ -41630,7 +41624,7 @@
             <p:cNvPr id="38" name="Retângulo: Cantos Arredondados 37">
               <a:extLst>
                 <a:ext uri="{FF2B5EF4-FFF2-40B4-BE49-F238E27FC236}">
-                  <a16:creationId xmlns:a16="http://schemas.microsoft.com/office/drawing/2014/main" xmlns="" id="{DE13D433-7173-4D78-99E3-54F285628D82}"/>
+                  <a16:creationId xmlns:a16="http://schemas.microsoft.com/office/drawing/2014/main" id="{DE13D433-7173-4D78-99E3-54F285628D82}"/>
                 </a:ext>
               </a:extLst>
             </p:cNvPr>
@@ -41684,7 +41678,7 @@
             <p:cNvPr id="39" name="Arco 38">
               <a:extLst>
                 <a:ext uri="{FF2B5EF4-FFF2-40B4-BE49-F238E27FC236}">
-                  <a16:creationId xmlns:a16="http://schemas.microsoft.com/office/drawing/2014/main" xmlns="" id="{34E52CD8-4121-4706-96D4-64A64B692159}"/>
+                  <a16:creationId xmlns:a16="http://schemas.microsoft.com/office/drawing/2014/main" id="{34E52CD8-4121-4706-96D4-64A64B692159}"/>
                 </a:ext>
               </a:extLst>
             </p:cNvPr>
@@ -41728,7 +41722,7 @@
             <p:cNvPr id="49" name="Elipse 48">
               <a:extLst>
                 <a:ext uri="{FF2B5EF4-FFF2-40B4-BE49-F238E27FC236}">
-                  <a16:creationId xmlns:a16="http://schemas.microsoft.com/office/drawing/2014/main" xmlns="" id="{19E209B0-0F48-43DA-B5C4-35885CAEEEE8}"/>
+                  <a16:creationId xmlns:a16="http://schemas.microsoft.com/office/drawing/2014/main" id="{19E209B0-0F48-43DA-B5C4-35885CAEEEE8}"/>
                 </a:ext>
               </a:extLst>
             </p:cNvPr>
@@ -41782,7 +41776,7 @@
             <p:cNvPr id="9" name="Retângulo: Cantos Arredondados 8">
               <a:extLst>
                 <a:ext uri="{FF2B5EF4-FFF2-40B4-BE49-F238E27FC236}">
-                  <a16:creationId xmlns:a16="http://schemas.microsoft.com/office/drawing/2014/main" xmlns="" id="{147D1FD6-36C7-4811-B43D-8F2BAAB424C4}"/>
+                  <a16:creationId xmlns:a16="http://schemas.microsoft.com/office/drawing/2014/main" id="{147D1FD6-36C7-4811-B43D-8F2BAAB424C4}"/>
                 </a:ext>
               </a:extLst>
             </p:cNvPr>
@@ -41839,7 +41833,7 @@
           <p:cNvPr id="60" name="Retângulo: Cantos Arredondados 59">
             <a:extLst>
               <a:ext uri="{FF2B5EF4-FFF2-40B4-BE49-F238E27FC236}">
-                <a16:creationId xmlns:a16="http://schemas.microsoft.com/office/drawing/2014/main" xmlns="" id="{986C0052-8702-4C43-8224-3E4167A76C33}"/>
+                <a16:creationId xmlns:a16="http://schemas.microsoft.com/office/drawing/2014/main" id="{986C0052-8702-4C43-8224-3E4167A76C33}"/>
               </a:ext>
             </a:extLst>
           </p:cNvPr>
@@ -41893,7 +41887,7 @@
           <p:cNvPr id="53" name="Agrupar 52">
             <a:extLst>
               <a:ext uri="{FF2B5EF4-FFF2-40B4-BE49-F238E27FC236}">
-                <a16:creationId xmlns:a16="http://schemas.microsoft.com/office/drawing/2014/main" xmlns="" id="{2E702A17-2898-4B28-B1ED-147F9E130312}"/>
+                <a16:creationId xmlns:a16="http://schemas.microsoft.com/office/drawing/2014/main" id="{2E702A17-2898-4B28-B1ED-147F9E130312}"/>
               </a:ext>
             </a:extLst>
           </p:cNvPr>
@@ -41913,7 +41907,7 @@
             <p:cNvPr id="54" name="Forma Livre: Forma 53">
               <a:extLst>
                 <a:ext uri="{FF2B5EF4-FFF2-40B4-BE49-F238E27FC236}">
-                  <a16:creationId xmlns:a16="http://schemas.microsoft.com/office/drawing/2014/main" xmlns="" id="{DF4A9B54-5019-4ACA-B33E-69669B534778}"/>
+                  <a16:creationId xmlns:a16="http://schemas.microsoft.com/office/drawing/2014/main" id="{DF4A9B54-5019-4ACA-B33E-69669B534778}"/>
                 </a:ext>
               </a:extLst>
             </p:cNvPr>
@@ -42048,7 +42042,7 @@
             <p:cNvPr id="55" name="Forma Livre: Forma 54">
               <a:extLst>
                 <a:ext uri="{FF2B5EF4-FFF2-40B4-BE49-F238E27FC236}">
-                  <a16:creationId xmlns:a16="http://schemas.microsoft.com/office/drawing/2014/main" xmlns="" id="{071319DE-C6D1-4DE8-863D-348CB105AB0C}"/>
+                  <a16:creationId xmlns:a16="http://schemas.microsoft.com/office/drawing/2014/main" id="{071319DE-C6D1-4DE8-863D-348CB105AB0C}"/>
                 </a:ext>
               </a:extLst>
             </p:cNvPr>
@@ -42183,7 +42177,7 @@
             <p:cNvPr id="56" name="Elipse 55">
               <a:extLst>
                 <a:ext uri="{FF2B5EF4-FFF2-40B4-BE49-F238E27FC236}">
-                  <a16:creationId xmlns:a16="http://schemas.microsoft.com/office/drawing/2014/main" xmlns="" id="{1F4808E3-8B5B-4311-9A39-AB7BEF1B4752}"/>
+                  <a16:creationId xmlns:a16="http://schemas.microsoft.com/office/drawing/2014/main" id="{1F4808E3-8B5B-4311-9A39-AB7BEF1B4752}"/>
                 </a:ext>
               </a:extLst>
             </p:cNvPr>
@@ -42235,7 +42229,7 @@
             <p:cNvPr id="57" name="Retângulo: Cantos Arredondados 56">
               <a:extLst>
                 <a:ext uri="{FF2B5EF4-FFF2-40B4-BE49-F238E27FC236}">
-                  <a16:creationId xmlns:a16="http://schemas.microsoft.com/office/drawing/2014/main" xmlns="" id="{7F6F7338-4708-409B-8FAC-7359C58EA920}"/>
+                  <a16:creationId xmlns:a16="http://schemas.microsoft.com/office/drawing/2014/main" id="{7F6F7338-4708-409B-8FAC-7359C58EA920}"/>
                 </a:ext>
               </a:extLst>
             </p:cNvPr>
@@ -42289,7 +42283,7 @@
             <p:cNvPr id="58" name="Retângulo: Cantos Arredondados 57">
               <a:extLst>
                 <a:ext uri="{FF2B5EF4-FFF2-40B4-BE49-F238E27FC236}">
-                  <a16:creationId xmlns:a16="http://schemas.microsoft.com/office/drawing/2014/main" xmlns="" id="{AD0455BC-28A4-47CC-8A15-F54E9336A8E3}"/>
+                  <a16:creationId xmlns:a16="http://schemas.microsoft.com/office/drawing/2014/main" id="{AD0455BC-28A4-47CC-8A15-F54E9336A8E3}"/>
                 </a:ext>
               </a:extLst>
             </p:cNvPr>
@@ -42343,7 +42337,7 @@
             <p:cNvPr id="59" name="Retângulo: Cantos Arredondados 58">
               <a:extLst>
                 <a:ext uri="{FF2B5EF4-FFF2-40B4-BE49-F238E27FC236}">
-                  <a16:creationId xmlns:a16="http://schemas.microsoft.com/office/drawing/2014/main" xmlns="" id="{A2319829-9A0E-494A-9D61-30617BF7AE25}"/>
+                  <a16:creationId xmlns:a16="http://schemas.microsoft.com/office/drawing/2014/main" id="{A2319829-9A0E-494A-9D61-30617BF7AE25}"/>
                 </a:ext>
               </a:extLst>
             </p:cNvPr>
@@ -42398,7 +42392,7 @@
           <p:cNvPr id="69" name="Agrupar 68">
             <a:extLst>
               <a:ext uri="{FF2B5EF4-FFF2-40B4-BE49-F238E27FC236}">
-                <a16:creationId xmlns:a16="http://schemas.microsoft.com/office/drawing/2014/main" xmlns="" id="{873DBAFC-B2D9-48BD-BEF1-67AFA466B468}"/>
+                <a16:creationId xmlns:a16="http://schemas.microsoft.com/office/drawing/2014/main" id="{873DBAFC-B2D9-48BD-BEF1-67AFA466B468}"/>
               </a:ext>
             </a:extLst>
           </p:cNvPr>
@@ -42418,7 +42412,7 @@
             <p:cNvPr id="63" name="Forma Livre: Forma 62">
               <a:extLst>
                 <a:ext uri="{FF2B5EF4-FFF2-40B4-BE49-F238E27FC236}">
-                  <a16:creationId xmlns:a16="http://schemas.microsoft.com/office/drawing/2014/main" xmlns="" id="{732A7F49-29BB-40AD-A01A-CDF9A019AB31}"/>
+                  <a16:creationId xmlns:a16="http://schemas.microsoft.com/office/drawing/2014/main" id="{732A7F49-29BB-40AD-A01A-CDF9A019AB31}"/>
                 </a:ext>
               </a:extLst>
             </p:cNvPr>
@@ -42536,7 +42530,7 @@
             <p:cNvPr id="64" name="Retângulo: Cantos Arredondados 63">
               <a:extLst>
                 <a:ext uri="{FF2B5EF4-FFF2-40B4-BE49-F238E27FC236}">
-                  <a16:creationId xmlns:a16="http://schemas.microsoft.com/office/drawing/2014/main" xmlns="" id="{9DD2BE84-75E1-429F-A051-048A4BD6D06E}"/>
+                  <a16:creationId xmlns:a16="http://schemas.microsoft.com/office/drawing/2014/main" id="{9DD2BE84-75E1-429F-A051-048A4BD6D06E}"/>
                 </a:ext>
               </a:extLst>
             </p:cNvPr>
@@ -42585,7 +42579,7 @@
             <p:cNvPr id="65" name="Retângulo 64">
               <a:extLst>
                 <a:ext uri="{FF2B5EF4-FFF2-40B4-BE49-F238E27FC236}">
-                  <a16:creationId xmlns:a16="http://schemas.microsoft.com/office/drawing/2014/main" xmlns="" id="{3441E99E-5063-4C2E-BBEB-1966487B9ABA}"/>
+                  <a16:creationId xmlns:a16="http://schemas.microsoft.com/office/drawing/2014/main" id="{3441E99E-5063-4C2E-BBEB-1966487B9ABA}"/>
                 </a:ext>
               </a:extLst>
             </p:cNvPr>
@@ -42634,7 +42628,7 @@
             <p:cNvPr id="66" name="Elipse 65">
               <a:extLst>
                 <a:ext uri="{FF2B5EF4-FFF2-40B4-BE49-F238E27FC236}">
-                  <a16:creationId xmlns:a16="http://schemas.microsoft.com/office/drawing/2014/main" xmlns="" id="{9B34FA7D-EA7D-4F42-8A24-6C5FA483256D}"/>
+                  <a16:creationId xmlns:a16="http://schemas.microsoft.com/office/drawing/2014/main" id="{9B34FA7D-EA7D-4F42-8A24-6C5FA483256D}"/>
                 </a:ext>
               </a:extLst>
             </p:cNvPr>
@@ -42683,7 +42677,7 @@
             <p:cNvPr id="67" name="Elipse 66">
               <a:extLst>
                 <a:ext uri="{FF2B5EF4-FFF2-40B4-BE49-F238E27FC236}">
-                  <a16:creationId xmlns:a16="http://schemas.microsoft.com/office/drawing/2014/main" xmlns="" id="{1F62C3E8-96E3-4CE1-8309-02350FB5C5D6}"/>
+                  <a16:creationId xmlns:a16="http://schemas.microsoft.com/office/drawing/2014/main" id="{1F62C3E8-96E3-4CE1-8309-02350FB5C5D6}"/>
                 </a:ext>
               </a:extLst>
             </p:cNvPr>
@@ -42732,7 +42726,7 @@
             <p:cNvPr id="68" name="Elipse 67">
               <a:extLst>
                 <a:ext uri="{FF2B5EF4-FFF2-40B4-BE49-F238E27FC236}">
-                  <a16:creationId xmlns:a16="http://schemas.microsoft.com/office/drawing/2014/main" xmlns="" id="{07D60A97-004E-4482-AAC9-5F9B1DB7ADA8}"/>
+                  <a16:creationId xmlns:a16="http://schemas.microsoft.com/office/drawing/2014/main" id="{07D60A97-004E-4482-AAC9-5F9B1DB7ADA8}"/>
                 </a:ext>
               </a:extLst>
             </p:cNvPr>
@@ -42785,7 +42779,7 @@
           <p:cNvPr id="70" name="Elipse 69">
             <a:extLst>
               <a:ext uri="{FF2B5EF4-FFF2-40B4-BE49-F238E27FC236}">
-                <a16:creationId xmlns:a16="http://schemas.microsoft.com/office/drawing/2014/main" xmlns="" id="{8B83A884-A997-4A70-AE78-0DDA075FFCA3}"/>
+                <a16:creationId xmlns:a16="http://schemas.microsoft.com/office/drawing/2014/main" id="{8B83A884-A997-4A70-AE78-0DDA075FFCA3}"/>
               </a:ext>
             </a:extLst>
           </p:cNvPr>
@@ -42837,7 +42831,7 @@
           <p:cNvPr id="71" name="Elipse 70">
             <a:extLst>
               <a:ext uri="{FF2B5EF4-FFF2-40B4-BE49-F238E27FC236}">
-                <a16:creationId xmlns:a16="http://schemas.microsoft.com/office/drawing/2014/main" xmlns="" id="{A46093A4-0A11-4623-9B66-3000FA9F715B}"/>
+                <a16:creationId xmlns:a16="http://schemas.microsoft.com/office/drawing/2014/main" id="{A46093A4-0A11-4623-9B66-3000FA9F715B}"/>
               </a:ext>
             </a:extLst>
           </p:cNvPr>
@@ -42889,7 +42883,7 @@
           <p:cNvPr id="74" name="Elipse 73">
             <a:extLst>
               <a:ext uri="{FF2B5EF4-FFF2-40B4-BE49-F238E27FC236}">
-                <a16:creationId xmlns:a16="http://schemas.microsoft.com/office/drawing/2014/main" xmlns="" id="{FF986633-9342-44AB-B322-DC0953F2D6E7}"/>
+                <a16:creationId xmlns:a16="http://schemas.microsoft.com/office/drawing/2014/main" id="{FF986633-9342-44AB-B322-DC0953F2D6E7}"/>
               </a:ext>
             </a:extLst>
           </p:cNvPr>
@@ -42941,7 +42935,7 @@
           <p:cNvPr id="75" name="Elipse 74">
             <a:extLst>
               <a:ext uri="{FF2B5EF4-FFF2-40B4-BE49-F238E27FC236}">
-                <a16:creationId xmlns:a16="http://schemas.microsoft.com/office/drawing/2014/main" xmlns="" id="{8E77F86A-60D2-4B9C-AD9C-E9E769855084}"/>
+                <a16:creationId xmlns:a16="http://schemas.microsoft.com/office/drawing/2014/main" id="{8E77F86A-60D2-4B9C-AD9C-E9E769855084}"/>
               </a:ext>
             </a:extLst>
           </p:cNvPr>
@@ -42993,7 +42987,7 @@
           <p:cNvPr id="76" name="CaixaDeTexto 75">
             <a:extLst>
               <a:ext uri="{FF2B5EF4-FFF2-40B4-BE49-F238E27FC236}">
-                <a16:creationId xmlns:a16="http://schemas.microsoft.com/office/drawing/2014/main" xmlns="" id="{14484AD2-1219-45D1-9D1C-8DD6619D8F49}"/>
+                <a16:creationId xmlns:a16="http://schemas.microsoft.com/office/drawing/2014/main" id="{14484AD2-1219-45D1-9D1C-8DD6619D8F49}"/>
               </a:ext>
             </a:extLst>
           </p:cNvPr>
@@ -43621,7 +43615,7 @@
   <a:extraClrSchemeLst/>
   <a:extLst>
     <a:ext uri="{05A4C25C-085E-4340-85A3-A5531E510DB2}">
-      <thm15:themeFamily xmlns:thm15="http://schemas.microsoft.com/office/thememl/2012/main" xmlns="" name="Office Theme" id="{62F939B6-93AF-4DB8-9C6B-D6C7DFDC589F}" vid="{4A3C46E8-61CC-4603-A589-7422A47A8E4A}"/>
+      <thm15:themeFamily xmlns:thm15="http://schemas.microsoft.com/office/thememl/2012/main" name="Office Theme" id="{62F939B6-93AF-4DB8-9C6B-D6C7DFDC589F}" vid="{4A3C46E8-61CC-4603-A589-7422A47A8E4A}"/>
     </a:ext>
   </a:extLst>
 </a:theme>

--- a/Stud+/Logos.pptx
+++ b/Stud+/Logos.pptx
@@ -5,7 +5,7 @@
     <p:sldMasterId id="2147483648" r:id="rId1"/>
   </p:sldMasterIdLst>
   <p:notesMasterIdLst>
-    <p:notesMasterId r:id="rId21"/>
+    <p:notesMasterId r:id="rId27"/>
   </p:notesMasterIdLst>
   <p:sldIdLst>
     <p:sldId id="257" r:id="rId2"/>
@@ -27,8 +27,14 @@
     <p:sldId id="273" r:id="rId18"/>
     <p:sldId id="275" r:id="rId19"/>
     <p:sldId id="276" r:id="rId20"/>
+    <p:sldId id="277" r:id="rId21"/>
+    <p:sldId id="278" r:id="rId22"/>
+    <p:sldId id="279" r:id="rId23"/>
+    <p:sldId id="280" r:id="rId24"/>
+    <p:sldId id="281" r:id="rId25"/>
+    <p:sldId id="282" r:id="rId26"/>
   </p:sldIdLst>
-  <p:sldSz cx="9144000" cy="6858000" type="screen4x3"/>
+  <p:sldSz cx="21674138" cy="12192000"/>
   <p:notesSz cx="6858000" cy="9144000"/>
   <p:defaultTextStyle>
     <a:defPPr>
@@ -128,12 +134,12 @@
   <p:extLst>
     <p:ext uri="{EFAFB233-063F-42B5-8137-9DF3F51BA10A}">
       <p15:sldGuideLst xmlns:p15="http://schemas.microsoft.com/office/powerpoint/2012/main">
-        <p15:guide id="1" orient="horz" pos="2160">
+        <p15:guide id="1" orient="horz" pos="3840" userDrawn="1">
           <p15:clr>
             <a:srgbClr val="A4A3A4"/>
           </p15:clr>
         </p15:guide>
-        <p15:guide id="2" pos="2880">
+        <p15:guide id="2" pos="6827" userDrawn="1">
           <p15:clr>
             <a:srgbClr val="A4A3A4"/>
           </p15:clr>
@@ -146,7 +152,7 @@
 
 <file path=ppt/commentAuthors.xml><?xml version="1.0" encoding="utf-8"?>
 <p:cmAuthorLst xmlns:a="http://schemas.openxmlformats.org/drawingml/2006/main" xmlns:r="http://schemas.openxmlformats.org/officeDocument/2006/relationships" xmlns:p="http://schemas.openxmlformats.org/presentationml/2006/main">
-  <p:cmAuthor id="1" name="Vitor Ramos" initials="VR" lastIdx="2" clrIdx="0">
+  <p:cmAuthor id="1" name="Vitor Ramos" initials="VR" lastIdx="3" clrIdx="0">
     <p:extLst/>
   </p:cmAuthor>
 </p:cmAuthorLst>
@@ -252,8 +258,8 @@
         </p:nvSpPr>
         <p:spPr>
           <a:xfrm>
-            <a:off x="1371600" y="1143000"/>
-            <a:ext cx="4114800" cy="3086100"/>
+            <a:off x="687388" y="1143000"/>
+            <a:ext cx="5483225" cy="3086100"/>
           </a:xfrm>
           <a:prstGeom prst="rect">
             <a:avLst/>
@@ -528,7 +534,12 @@
             <p:ph type="sldImg"/>
           </p:nvPr>
         </p:nvSpPr>
-        <p:spPr/>
+        <p:spPr>
+          <a:xfrm>
+            <a:off x="687388" y="1143000"/>
+            <a:ext cx="5483225" cy="3086100"/>
+          </a:xfrm>
+        </p:spPr>
       </p:sp>
       <p:sp>
         <p:nvSpPr>
@@ -614,8 +625,8 @@
         </p:nvSpPr>
         <p:spPr>
           <a:xfrm>
-            <a:off x="685800" y="2130425"/>
-            <a:ext cx="7772400" cy="1470025"/>
+            <a:off x="1625561" y="3787428"/>
+            <a:ext cx="18423017" cy="2613377"/>
           </a:xfrm>
         </p:spPr>
         <p:txBody>
@@ -641,8 +652,8 @@
         </p:nvSpPr>
         <p:spPr>
           <a:xfrm>
-            <a:off x="1371600" y="3886200"/>
-            <a:ext cx="6400800" cy="1752600"/>
+            <a:off x="3251121" y="6908802"/>
+            <a:ext cx="15171897" cy="3115733"/>
           </a:xfrm>
         </p:spPr>
         <p:txBody>
@@ -658,7 +669,7 @@
                 </a:solidFill>
               </a:defRPr>
             </a:lvl1pPr>
-            <a:lvl2pPr marL="457200" indent="0" algn="ctr">
+            <a:lvl2pPr marL="457189" indent="0" algn="ctr">
               <a:buNone/>
               <a:defRPr>
                 <a:solidFill>
@@ -668,7 +679,7 @@
                 </a:solidFill>
               </a:defRPr>
             </a:lvl2pPr>
-            <a:lvl3pPr marL="914400" indent="0" algn="ctr">
+            <a:lvl3pPr marL="914378" indent="0" algn="ctr">
               <a:buNone/>
               <a:defRPr>
                 <a:solidFill>
@@ -678,7 +689,7 @@
                 </a:solidFill>
               </a:defRPr>
             </a:lvl3pPr>
-            <a:lvl4pPr marL="1371600" indent="0" algn="ctr">
+            <a:lvl4pPr marL="1371566" indent="0" algn="ctr">
               <a:buNone/>
               <a:defRPr>
                 <a:solidFill>
@@ -688,7 +699,7 @@
                 </a:solidFill>
               </a:defRPr>
             </a:lvl4pPr>
-            <a:lvl5pPr marL="1828800" indent="0" algn="ctr">
+            <a:lvl5pPr marL="1828754" indent="0" algn="ctr">
               <a:buNone/>
               <a:defRPr>
                 <a:solidFill>
@@ -698,7 +709,7 @@
                 </a:solidFill>
               </a:defRPr>
             </a:lvl5pPr>
-            <a:lvl6pPr marL="2286000" indent="0" algn="ctr">
+            <a:lvl6pPr marL="2285943" indent="0" algn="ctr">
               <a:buNone/>
               <a:defRPr>
                 <a:solidFill>
@@ -708,7 +719,7 @@
                 </a:solidFill>
               </a:defRPr>
             </a:lvl6pPr>
-            <a:lvl7pPr marL="2743200" indent="0" algn="ctr">
+            <a:lvl7pPr marL="2743132" indent="0" algn="ctr">
               <a:buNone/>
               <a:defRPr>
                 <a:solidFill>
@@ -718,7 +729,7 @@
                 </a:solidFill>
               </a:defRPr>
             </a:lvl7pPr>
-            <a:lvl8pPr marL="3200400" indent="0" algn="ctr">
+            <a:lvl8pPr marL="3200320" indent="0" algn="ctr">
               <a:buNone/>
               <a:defRPr>
                 <a:solidFill>
@@ -728,7 +739,7 @@
                 </a:solidFill>
               </a:defRPr>
             </a:lvl8pPr>
-            <a:lvl9pPr marL="3657600" indent="0" algn="ctr">
+            <a:lvl9pPr marL="3657509" indent="0" algn="ctr">
               <a:buNone/>
               <a:defRPr>
                 <a:solidFill>
@@ -1022,8 +1033,8 @@
         </p:nvSpPr>
         <p:spPr>
           <a:xfrm>
-            <a:off x="6629400" y="274638"/>
-            <a:ext cx="2057400" cy="5851525"/>
+            <a:off x="15713750" y="488252"/>
+            <a:ext cx="4876681" cy="10402711"/>
           </a:xfrm>
         </p:spPr>
         <p:txBody>
@@ -1049,8 +1060,8 @@
         </p:nvSpPr>
         <p:spPr>
           <a:xfrm>
-            <a:off x="457200" y="274638"/>
-            <a:ext cx="6019800" cy="5851525"/>
+            <a:off x="1083710" y="488252"/>
+            <a:ext cx="14268808" cy="10402711"/>
           </a:xfrm>
         </p:spPr>
         <p:txBody>
@@ -1368,8 +1379,8 @@
         </p:nvSpPr>
         <p:spPr>
           <a:xfrm>
-            <a:off x="722313" y="4406900"/>
-            <a:ext cx="7772400" cy="1362075"/>
+            <a:off x="1712110" y="7834491"/>
+            <a:ext cx="18423017" cy="2421467"/>
           </a:xfrm>
         </p:spPr>
         <p:txBody>
@@ -1399,8 +1410,8 @@
         </p:nvSpPr>
         <p:spPr>
           <a:xfrm>
-            <a:off x="722313" y="2906713"/>
-            <a:ext cx="7772400" cy="1500187"/>
+            <a:off x="1712110" y="5167494"/>
+            <a:ext cx="18423017" cy="2666999"/>
           </a:xfrm>
         </p:spPr>
         <p:txBody>
@@ -1416,7 +1427,7 @@
                 </a:solidFill>
               </a:defRPr>
             </a:lvl1pPr>
-            <a:lvl2pPr marL="457200" indent="0">
+            <a:lvl2pPr marL="457189" indent="0">
               <a:buNone/>
               <a:defRPr sz="1800">
                 <a:solidFill>
@@ -1426,7 +1437,7 @@
                 </a:solidFill>
               </a:defRPr>
             </a:lvl2pPr>
-            <a:lvl3pPr marL="914400" indent="0">
+            <a:lvl3pPr marL="914378" indent="0">
               <a:buNone/>
               <a:defRPr sz="1600">
                 <a:solidFill>
@@ -1436,7 +1447,7 @@
                 </a:solidFill>
               </a:defRPr>
             </a:lvl3pPr>
-            <a:lvl4pPr marL="1371600" indent="0">
+            <a:lvl4pPr marL="1371566" indent="0">
               <a:buNone/>
               <a:defRPr sz="1400">
                 <a:solidFill>
@@ -1446,7 +1457,7 @@
                 </a:solidFill>
               </a:defRPr>
             </a:lvl4pPr>
-            <a:lvl5pPr marL="1828800" indent="0">
+            <a:lvl5pPr marL="1828754" indent="0">
               <a:buNone/>
               <a:defRPr sz="1400">
                 <a:solidFill>
@@ -1456,7 +1467,7 @@
                 </a:solidFill>
               </a:defRPr>
             </a:lvl5pPr>
-            <a:lvl6pPr marL="2286000" indent="0">
+            <a:lvl6pPr marL="2285943" indent="0">
               <a:buNone/>
               <a:defRPr sz="1400">
                 <a:solidFill>
@@ -1466,7 +1477,7 @@
                 </a:solidFill>
               </a:defRPr>
             </a:lvl6pPr>
-            <a:lvl7pPr marL="2743200" indent="0">
+            <a:lvl7pPr marL="2743132" indent="0">
               <a:buNone/>
               <a:defRPr sz="1400">
                 <a:solidFill>
@@ -1476,7 +1487,7 @@
                 </a:solidFill>
               </a:defRPr>
             </a:lvl7pPr>
-            <a:lvl8pPr marL="3200400" indent="0">
+            <a:lvl8pPr marL="3200320" indent="0">
               <a:buNone/>
               <a:defRPr sz="1400">
                 <a:solidFill>
@@ -1486,7 +1497,7 @@
                 </a:solidFill>
               </a:defRPr>
             </a:lvl8pPr>
-            <a:lvl9pPr marL="3657600" indent="0">
+            <a:lvl9pPr marL="3657509" indent="0">
               <a:buNone/>
               <a:defRPr sz="1400">
                 <a:solidFill>
@@ -1635,8 +1646,8 @@
         </p:nvSpPr>
         <p:spPr>
           <a:xfrm>
-            <a:off x="457200" y="1600200"/>
-            <a:ext cx="4038600" cy="4525963"/>
+            <a:off x="1083707" y="2844805"/>
+            <a:ext cx="9572744" cy="8046156"/>
           </a:xfrm>
         </p:spPr>
         <p:txBody>
@@ -1719,8 +1730,8 @@
         </p:nvSpPr>
         <p:spPr>
           <a:xfrm>
-            <a:off x="4648200" y="1600200"/>
-            <a:ext cx="4038600" cy="4525963"/>
+            <a:off x="11017691" y="2844805"/>
+            <a:ext cx="9572744" cy="8046156"/>
           </a:xfrm>
         </p:spPr>
         <p:txBody>
@@ -1924,8 +1935,8 @@
         </p:nvSpPr>
         <p:spPr>
           <a:xfrm>
-            <a:off x="457200" y="1535113"/>
-            <a:ext cx="4040188" cy="639762"/>
+            <a:off x="1083709" y="2729090"/>
+            <a:ext cx="9576508" cy="1137355"/>
           </a:xfrm>
         </p:spPr>
         <p:txBody>
@@ -1935,35 +1946,35 @@
               <a:buNone/>
               <a:defRPr sz="2400" b="1"/>
             </a:lvl1pPr>
-            <a:lvl2pPr marL="457200" indent="0">
+            <a:lvl2pPr marL="457189" indent="0">
               <a:buNone/>
               <a:defRPr sz="2000" b="1"/>
             </a:lvl2pPr>
-            <a:lvl3pPr marL="914400" indent="0">
+            <a:lvl3pPr marL="914378" indent="0">
               <a:buNone/>
               <a:defRPr sz="1800" b="1"/>
             </a:lvl3pPr>
-            <a:lvl4pPr marL="1371600" indent="0">
+            <a:lvl4pPr marL="1371566" indent="0">
               <a:buNone/>
               <a:defRPr sz="1600" b="1"/>
             </a:lvl4pPr>
-            <a:lvl5pPr marL="1828800" indent="0">
+            <a:lvl5pPr marL="1828754" indent="0">
               <a:buNone/>
               <a:defRPr sz="1600" b="1"/>
             </a:lvl5pPr>
-            <a:lvl6pPr marL="2286000" indent="0">
+            <a:lvl6pPr marL="2285943" indent="0">
               <a:buNone/>
               <a:defRPr sz="1600" b="1"/>
             </a:lvl6pPr>
-            <a:lvl7pPr marL="2743200" indent="0">
+            <a:lvl7pPr marL="2743132" indent="0">
               <a:buNone/>
               <a:defRPr sz="1600" b="1"/>
             </a:lvl7pPr>
-            <a:lvl8pPr marL="3200400" indent="0">
+            <a:lvl8pPr marL="3200320" indent="0">
               <a:buNone/>
               <a:defRPr sz="1600" b="1"/>
             </a:lvl8pPr>
-            <a:lvl9pPr marL="3657600" indent="0">
+            <a:lvl9pPr marL="3657509" indent="0">
               <a:buNone/>
               <a:defRPr sz="1600" b="1"/>
             </a:lvl9pPr>
@@ -1989,8 +2000,8 @@
         </p:nvSpPr>
         <p:spPr>
           <a:xfrm>
-            <a:off x="457200" y="2174875"/>
-            <a:ext cx="4040188" cy="3951288"/>
+            <a:off x="1083709" y="3866444"/>
+            <a:ext cx="9576508" cy="7024512"/>
           </a:xfrm>
         </p:spPr>
         <p:txBody>
@@ -2073,8 +2084,8 @@
         </p:nvSpPr>
         <p:spPr>
           <a:xfrm>
-            <a:off x="4645025" y="1535113"/>
-            <a:ext cx="4041775" cy="639762"/>
+            <a:off x="11010165" y="2729090"/>
+            <a:ext cx="9580270" cy="1137355"/>
           </a:xfrm>
         </p:spPr>
         <p:txBody>
@@ -2084,35 +2095,35 @@
               <a:buNone/>
               <a:defRPr sz="2400" b="1"/>
             </a:lvl1pPr>
-            <a:lvl2pPr marL="457200" indent="0">
+            <a:lvl2pPr marL="457189" indent="0">
               <a:buNone/>
               <a:defRPr sz="2000" b="1"/>
             </a:lvl2pPr>
-            <a:lvl3pPr marL="914400" indent="0">
+            <a:lvl3pPr marL="914378" indent="0">
               <a:buNone/>
               <a:defRPr sz="1800" b="1"/>
             </a:lvl3pPr>
-            <a:lvl4pPr marL="1371600" indent="0">
+            <a:lvl4pPr marL="1371566" indent="0">
               <a:buNone/>
               <a:defRPr sz="1600" b="1"/>
             </a:lvl4pPr>
-            <a:lvl5pPr marL="1828800" indent="0">
+            <a:lvl5pPr marL="1828754" indent="0">
               <a:buNone/>
               <a:defRPr sz="1600" b="1"/>
             </a:lvl5pPr>
-            <a:lvl6pPr marL="2286000" indent="0">
+            <a:lvl6pPr marL="2285943" indent="0">
               <a:buNone/>
               <a:defRPr sz="1600" b="1"/>
             </a:lvl6pPr>
-            <a:lvl7pPr marL="2743200" indent="0">
+            <a:lvl7pPr marL="2743132" indent="0">
               <a:buNone/>
               <a:defRPr sz="1600" b="1"/>
             </a:lvl7pPr>
-            <a:lvl8pPr marL="3200400" indent="0">
+            <a:lvl8pPr marL="3200320" indent="0">
               <a:buNone/>
               <a:defRPr sz="1600" b="1"/>
             </a:lvl8pPr>
-            <a:lvl9pPr marL="3657600" indent="0">
+            <a:lvl9pPr marL="3657509" indent="0">
               <a:buNone/>
               <a:defRPr sz="1600" b="1"/>
             </a:lvl9pPr>
@@ -2138,8 +2149,8 @@
         </p:nvSpPr>
         <p:spPr>
           <a:xfrm>
-            <a:off x="4645025" y="2174875"/>
-            <a:ext cx="4041775" cy="3951288"/>
+            <a:off x="11010165" y="3866444"/>
+            <a:ext cx="9580270" cy="7024512"/>
           </a:xfrm>
         </p:spPr>
         <p:txBody>
@@ -2529,8 +2540,8 @@
         </p:nvSpPr>
         <p:spPr>
           <a:xfrm>
-            <a:off x="457200" y="273050"/>
-            <a:ext cx="3008313" cy="1162050"/>
+            <a:off x="1083709" y="485425"/>
+            <a:ext cx="7130645" cy="2065867"/>
           </a:xfrm>
         </p:spPr>
         <p:txBody>
@@ -2560,8 +2571,8 @@
         </p:nvSpPr>
         <p:spPr>
           <a:xfrm>
-            <a:off x="3575050" y="273050"/>
-            <a:ext cx="5111750" cy="5853113"/>
+            <a:off x="8473989" y="485428"/>
+            <a:ext cx="12116447" cy="10405535"/>
           </a:xfrm>
         </p:spPr>
         <p:txBody>
@@ -2644,8 +2655,8 @@
         </p:nvSpPr>
         <p:spPr>
           <a:xfrm>
-            <a:off x="457200" y="1435100"/>
-            <a:ext cx="3008313" cy="4691063"/>
+            <a:off x="1083709" y="2551293"/>
+            <a:ext cx="7130645" cy="8339668"/>
           </a:xfrm>
         </p:spPr>
         <p:txBody>
@@ -2655,35 +2666,35 @@
               <a:buNone/>
               <a:defRPr sz="1400"/>
             </a:lvl1pPr>
-            <a:lvl2pPr marL="457200" indent="0">
+            <a:lvl2pPr marL="457189" indent="0">
               <a:buNone/>
               <a:defRPr sz="1200"/>
             </a:lvl2pPr>
-            <a:lvl3pPr marL="914400" indent="0">
+            <a:lvl3pPr marL="914378" indent="0">
               <a:buNone/>
               <a:defRPr sz="1000"/>
             </a:lvl3pPr>
-            <a:lvl4pPr marL="1371600" indent="0">
+            <a:lvl4pPr marL="1371566" indent="0">
               <a:buNone/>
               <a:defRPr sz="900"/>
             </a:lvl4pPr>
-            <a:lvl5pPr marL="1828800" indent="0">
+            <a:lvl5pPr marL="1828754" indent="0">
               <a:buNone/>
               <a:defRPr sz="900"/>
             </a:lvl5pPr>
-            <a:lvl6pPr marL="2286000" indent="0">
+            <a:lvl6pPr marL="2285943" indent="0">
               <a:buNone/>
               <a:defRPr sz="900"/>
             </a:lvl6pPr>
-            <a:lvl7pPr marL="2743200" indent="0">
+            <a:lvl7pPr marL="2743132" indent="0">
               <a:buNone/>
               <a:defRPr sz="900"/>
             </a:lvl7pPr>
-            <a:lvl8pPr marL="3200400" indent="0">
+            <a:lvl8pPr marL="3200320" indent="0">
               <a:buNone/>
               <a:defRPr sz="900"/>
             </a:lvl8pPr>
-            <a:lvl9pPr marL="3657600" indent="0">
+            <a:lvl9pPr marL="3657509" indent="0">
               <a:buNone/>
               <a:defRPr sz="900"/>
             </a:lvl9pPr>
@@ -2804,8 +2815,8 @@
         </p:nvSpPr>
         <p:spPr>
           <a:xfrm>
-            <a:off x="1792288" y="4800600"/>
-            <a:ext cx="5486400" cy="566738"/>
+            <a:off x="4248286" y="8534405"/>
+            <a:ext cx="13004483" cy="1007535"/>
           </a:xfrm>
         </p:spPr>
         <p:txBody>
@@ -2835,8 +2846,8 @@
         </p:nvSpPr>
         <p:spPr>
           <a:xfrm>
-            <a:off x="1792288" y="612775"/>
-            <a:ext cx="5486400" cy="4114800"/>
+            <a:off x="4248286" y="1089377"/>
+            <a:ext cx="13004483" cy="7315200"/>
           </a:xfrm>
         </p:spPr>
         <p:txBody>
@@ -2846,35 +2857,35 @@
               <a:buNone/>
               <a:defRPr sz="3200"/>
             </a:lvl1pPr>
-            <a:lvl2pPr marL="457200" indent="0">
+            <a:lvl2pPr marL="457189" indent="0">
               <a:buNone/>
               <a:defRPr sz="2800"/>
             </a:lvl2pPr>
-            <a:lvl3pPr marL="914400" indent="0">
+            <a:lvl3pPr marL="914378" indent="0">
               <a:buNone/>
               <a:defRPr sz="2400"/>
             </a:lvl3pPr>
-            <a:lvl4pPr marL="1371600" indent="0">
+            <a:lvl4pPr marL="1371566" indent="0">
               <a:buNone/>
               <a:defRPr sz="2000"/>
             </a:lvl4pPr>
-            <a:lvl5pPr marL="1828800" indent="0">
+            <a:lvl5pPr marL="1828754" indent="0">
               <a:buNone/>
               <a:defRPr sz="2000"/>
             </a:lvl5pPr>
-            <a:lvl6pPr marL="2286000" indent="0">
+            <a:lvl6pPr marL="2285943" indent="0">
               <a:buNone/>
               <a:defRPr sz="2000"/>
             </a:lvl6pPr>
-            <a:lvl7pPr marL="2743200" indent="0">
+            <a:lvl7pPr marL="2743132" indent="0">
               <a:buNone/>
               <a:defRPr sz="2000"/>
             </a:lvl7pPr>
-            <a:lvl8pPr marL="3200400" indent="0">
+            <a:lvl8pPr marL="3200320" indent="0">
               <a:buNone/>
               <a:defRPr sz="2000"/>
             </a:lvl8pPr>
-            <a:lvl9pPr marL="3657600" indent="0">
+            <a:lvl9pPr marL="3657509" indent="0">
               <a:buNone/>
               <a:defRPr sz="2000"/>
             </a:lvl9pPr>
@@ -2896,8 +2907,8 @@
         </p:nvSpPr>
         <p:spPr>
           <a:xfrm>
-            <a:off x="1792288" y="5367338"/>
-            <a:ext cx="5486400" cy="804862"/>
+            <a:off x="4248286" y="9541940"/>
+            <a:ext cx="13004483" cy="1430865"/>
           </a:xfrm>
         </p:spPr>
         <p:txBody>
@@ -2907,35 +2918,35 @@
               <a:buNone/>
               <a:defRPr sz="1400"/>
             </a:lvl1pPr>
-            <a:lvl2pPr marL="457200" indent="0">
+            <a:lvl2pPr marL="457189" indent="0">
               <a:buNone/>
               <a:defRPr sz="1200"/>
             </a:lvl2pPr>
-            <a:lvl3pPr marL="914400" indent="0">
+            <a:lvl3pPr marL="914378" indent="0">
               <a:buNone/>
               <a:defRPr sz="1000"/>
             </a:lvl3pPr>
-            <a:lvl4pPr marL="1371600" indent="0">
+            <a:lvl4pPr marL="1371566" indent="0">
               <a:buNone/>
               <a:defRPr sz="900"/>
             </a:lvl4pPr>
-            <a:lvl5pPr marL="1828800" indent="0">
+            <a:lvl5pPr marL="1828754" indent="0">
               <a:buNone/>
               <a:defRPr sz="900"/>
             </a:lvl5pPr>
-            <a:lvl6pPr marL="2286000" indent="0">
+            <a:lvl6pPr marL="2285943" indent="0">
               <a:buNone/>
               <a:defRPr sz="900"/>
             </a:lvl6pPr>
-            <a:lvl7pPr marL="2743200" indent="0">
+            <a:lvl7pPr marL="2743132" indent="0">
               <a:buNone/>
               <a:defRPr sz="900"/>
             </a:lvl7pPr>
-            <a:lvl8pPr marL="3200400" indent="0">
+            <a:lvl8pPr marL="3200320" indent="0">
               <a:buNone/>
               <a:defRPr sz="900"/>
             </a:lvl8pPr>
-            <a:lvl9pPr marL="3657600" indent="0">
+            <a:lvl9pPr marL="3657509" indent="0">
               <a:buNone/>
               <a:defRPr sz="900"/>
             </a:lvl9pPr>
@@ -3061,8 +3072,8 @@
         </p:nvSpPr>
         <p:spPr>
           <a:xfrm>
-            <a:off x="457200" y="274638"/>
-            <a:ext cx="8229600" cy="1143000"/>
+            <a:off x="1083707" y="488245"/>
+            <a:ext cx="19506724" cy="2032000"/>
           </a:xfrm>
           <a:prstGeom prst="rect">
             <a:avLst/>
@@ -3093,8 +3104,8 @@
         </p:nvSpPr>
         <p:spPr>
           <a:xfrm>
-            <a:off x="457200" y="1600200"/>
-            <a:ext cx="8229600" cy="4525963"/>
+            <a:off x="1083707" y="2844805"/>
+            <a:ext cx="19506724" cy="8046156"/>
           </a:xfrm>
           <a:prstGeom prst="rect">
             <a:avLst/>
@@ -3154,8 +3165,8 @@
         </p:nvSpPr>
         <p:spPr>
           <a:xfrm>
-            <a:off x="457200" y="6356350"/>
-            <a:ext cx="2133600" cy="365125"/>
+            <a:off x="1083710" y="11300184"/>
+            <a:ext cx="5057299" cy="649111"/>
           </a:xfrm>
           <a:prstGeom prst="rect">
             <a:avLst/>
@@ -3195,8 +3206,8 @@
         </p:nvSpPr>
         <p:spPr>
           <a:xfrm>
-            <a:off x="3124200" y="6356350"/>
-            <a:ext cx="2895600" cy="365125"/>
+            <a:off x="7405333" y="11300184"/>
+            <a:ext cx="6863477" cy="649111"/>
           </a:xfrm>
           <a:prstGeom prst="rect">
             <a:avLst/>
@@ -3232,8 +3243,8 @@
         </p:nvSpPr>
         <p:spPr>
           <a:xfrm>
-            <a:off x="6553200" y="6356350"/>
-            <a:ext cx="2133600" cy="365125"/>
+            <a:off x="15533133" y="11300184"/>
+            <a:ext cx="5057299" cy="649111"/>
           </a:xfrm>
           <a:prstGeom prst="rect">
             <a:avLst/>
@@ -3284,7 +3295,7 @@
   </p:sldLayoutIdLst>
   <p:txStyles>
     <p:titleStyle>
-      <a:lvl1pPr algn="ctr" defTabSz="914400" rtl="0" eaLnBrk="1" latinLnBrk="0" hangingPunct="1">
+      <a:lvl1pPr algn="ctr" defTabSz="914378" rtl="0" eaLnBrk="1" latinLnBrk="0" hangingPunct="1">
         <a:spcBef>
           <a:spcPct val="0"/>
         </a:spcBef>
@@ -3300,7 +3311,7 @@
       </a:lvl1pPr>
     </p:titleStyle>
     <p:bodyStyle>
-      <a:lvl1pPr marL="342900" indent="-342900" algn="l" defTabSz="914400" rtl="0" eaLnBrk="1" latinLnBrk="0" hangingPunct="1">
+      <a:lvl1pPr marL="342892" indent="-342892" algn="l" defTabSz="914378" rtl="0" eaLnBrk="1" latinLnBrk="0" hangingPunct="1">
         <a:spcBef>
           <a:spcPct val="20000"/>
         </a:spcBef>
@@ -3315,7 +3326,7 @@
           <a:cs typeface="+mn-cs"/>
         </a:defRPr>
       </a:lvl1pPr>
-      <a:lvl2pPr marL="742950" indent="-285750" algn="l" defTabSz="914400" rtl="0" eaLnBrk="1" latinLnBrk="0" hangingPunct="1">
+      <a:lvl2pPr marL="742931" indent="-285743" algn="l" defTabSz="914378" rtl="0" eaLnBrk="1" latinLnBrk="0" hangingPunct="1">
         <a:spcBef>
           <a:spcPct val="20000"/>
         </a:spcBef>
@@ -3330,7 +3341,7 @@
           <a:cs typeface="+mn-cs"/>
         </a:defRPr>
       </a:lvl2pPr>
-      <a:lvl3pPr marL="1143000" indent="-228600" algn="l" defTabSz="914400" rtl="0" eaLnBrk="1" latinLnBrk="0" hangingPunct="1">
+      <a:lvl3pPr marL="1142972" indent="-228594" algn="l" defTabSz="914378" rtl="0" eaLnBrk="1" latinLnBrk="0" hangingPunct="1">
         <a:spcBef>
           <a:spcPct val="20000"/>
         </a:spcBef>
@@ -3345,7 +3356,7 @@
           <a:cs typeface="+mn-cs"/>
         </a:defRPr>
       </a:lvl3pPr>
-      <a:lvl4pPr marL="1600200" indent="-228600" algn="l" defTabSz="914400" rtl="0" eaLnBrk="1" latinLnBrk="0" hangingPunct="1">
+      <a:lvl4pPr marL="1600160" indent="-228594" algn="l" defTabSz="914378" rtl="0" eaLnBrk="1" latinLnBrk="0" hangingPunct="1">
         <a:spcBef>
           <a:spcPct val="20000"/>
         </a:spcBef>
@@ -3360,7 +3371,7 @@
           <a:cs typeface="+mn-cs"/>
         </a:defRPr>
       </a:lvl4pPr>
-      <a:lvl5pPr marL="2057400" indent="-228600" algn="l" defTabSz="914400" rtl="0" eaLnBrk="1" latinLnBrk="0" hangingPunct="1">
+      <a:lvl5pPr marL="2057348" indent="-228594" algn="l" defTabSz="914378" rtl="0" eaLnBrk="1" latinLnBrk="0" hangingPunct="1">
         <a:spcBef>
           <a:spcPct val="20000"/>
         </a:spcBef>
@@ -3375,7 +3386,7 @@
           <a:cs typeface="+mn-cs"/>
         </a:defRPr>
       </a:lvl5pPr>
-      <a:lvl6pPr marL="2514600" indent="-228600" algn="l" defTabSz="914400" rtl="0" eaLnBrk="1" latinLnBrk="0" hangingPunct="1">
+      <a:lvl6pPr marL="2514537" indent="-228594" algn="l" defTabSz="914378" rtl="0" eaLnBrk="1" latinLnBrk="0" hangingPunct="1">
         <a:spcBef>
           <a:spcPct val="20000"/>
         </a:spcBef>
@@ -3390,7 +3401,7 @@
           <a:cs typeface="+mn-cs"/>
         </a:defRPr>
       </a:lvl6pPr>
-      <a:lvl7pPr marL="2971800" indent="-228600" algn="l" defTabSz="914400" rtl="0" eaLnBrk="1" latinLnBrk="0" hangingPunct="1">
+      <a:lvl7pPr marL="2971726" indent="-228594" algn="l" defTabSz="914378" rtl="0" eaLnBrk="1" latinLnBrk="0" hangingPunct="1">
         <a:spcBef>
           <a:spcPct val="20000"/>
         </a:spcBef>
@@ -3405,7 +3416,7 @@
           <a:cs typeface="+mn-cs"/>
         </a:defRPr>
       </a:lvl7pPr>
-      <a:lvl8pPr marL="3429000" indent="-228600" algn="l" defTabSz="914400" rtl="0" eaLnBrk="1" latinLnBrk="0" hangingPunct="1">
+      <a:lvl8pPr marL="3428915" indent="-228594" algn="l" defTabSz="914378" rtl="0" eaLnBrk="1" latinLnBrk="0" hangingPunct="1">
         <a:spcBef>
           <a:spcPct val="20000"/>
         </a:spcBef>
@@ -3420,7 +3431,7 @@
           <a:cs typeface="+mn-cs"/>
         </a:defRPr>
       </a:lvl8pPr>
-      <a:lvl9pPr marL="3886200" indent="-228600" algn="l" defTabSz="914400" rtl="0" eaLnBrk="1" latinLnBrk="0" hangingPunct="1">
+      <a:lvl9pPr marL="3886103" indent="-228594" algn="l" defTabSz="914378" rtl="0" eaLnBrk="1" latinLnBrk="0" hangingPunct="1">
         <a:spcBef>
           <a:spcPct val="20000"/>
         </a:spcBef>
@@ -3440,7 +3451,7 @@
       <a:defPPr>
         <a:defRPr lang="pt-BR"/>
       </a:defPPr>
-      <a:lvl1pPr marL="0" algn="l" defTabSz="914400" rtl="0" eaLnBrk="1" latinLnBrk="0" hangingPunct="1">
+      <a:lvl1pPr marL="0" algn="l" defTabSz="914378" rtl="0" eaLnBrk="1" latinLnBrk="0" hangingPunct="1">
         <a:defRPr sz="1800" kern="1200">
           <a:solidFill>
             <a:schemeClr val="tx1"/>
@@ -3450,7 +3461,7 @@
           <a:cs typeface="+mn-cs"/>
         </a:defRPr>
       </a:lvl1pPr>
-      <a:lvl2pPr marL="457200" algn="l" defTabSz="914400" rtl="0" eaLnBrk="1" latinLnBrk="0" hangingPunct="1">
+      <a:lvl2pPr marL="457189" algn="l" defTabSz="914378" rtl="0" eaLnBrk="1" latinLnBrk="0" hangingPunct="1">
         <a:defRPr sz="1800" kern="1200">
           <a:solidFill>
             <a:schemeClr val="tx1"/>
@@ -3460,7 +3471,7 @@
           <a:cs typeface="+mn-cs"/>
         </a:defRPr>
       </a:lvl2pPr>
-      <a:lvl3pPr marL="914400" algn="l" defTabSz="914400" rtl="0" eaLnBrk="1" latinLnBrk="0" hangingPunct="1">
+      <a:lvl3pPr marL="914378" algn="l" defTabSz="914378" rtl="0" eaLnBrk="1" latinLnBrk="0" hangingPunct="1">
         <a:defRPr sz="1800" kern="1200">
           <a:solidFill>
             <a:schemeClr val="tx1"/>
@@ -3470,7 +3481,7 @@
           <a:cs typeface="+mn-cs"/>
         </a:defRPr>
       </a:lvl3pPr>
-      <a:lvl4pPr marL="1371600" algn="l" defTabSz="914400" rtl="0" eaLnBrk="1" latinLnBrk="0" hangingPunct="1">
+      <a:lvl4pPr marL="1371566" algn="l" defTabSz="914378" rtl="0" eaLnBrk="1" latinLnBrk="0" hangingPunct="1">
         <a:defRPr sz="1800" kern="1200">
           <a:solidFill>
             <a:schemeClr val="tx1"/>
@@ -3480,7 +3491,7 @@
           <a:cs typeface="+mn-cs"/>
         </a:defRPr>
       </a:lvl4pPr>
-      <a:lvl5pPr marL="1828800" algn="l" defTabSz="914400" rtl="0" eaLnBrk="1" latinLnBrk="0" hangingPunct="1">
+      <a:lvl5pPr marL="1828754" algn="l" defTabSz="914378" rtl="0" eaLnBrk="1" latinLnBrk="0" hangingPunct="1">
         <a:defRPr sz="1800" kern="1200">
           <a:solidFill>
             <a:schemeClr val="tx1"/>
@@ -3490,7 +3501,7 @@
           <a:cs typeface="+mn-cs"/>
         </a:defRPr>
       </a:lvl5pPr>
-      <a:lvl6pPr marL="2286000" algn="l" defTabSz="914400" rtl="0" eaLnBrk="1" latinLnBrk="0" hangingPunct="1">
+      <a:lvl6pPr marL="2285943" algn="l" defTabSz="914378" rtl="0" eaLnBrk="1" latinLnBrk="0" hangingPunct="1">
         <a:defRPr sz="1800" kern="1200">
           <a:solidFill>
             <a:schemeClr val="tx1"/>
@@ -3500,7 +3511,7 @@
           <a:cs typeface="+mn-cs"/>
         </a:defRPr>
       </a:lvl6pPr>
-      <a:lvl7pPr marL="2743200" algn="l" defTabSz="914400" rtl="0" eaLnBrk="1" latinLnBrk="0" hangingPunct="1">
+      <a:lvl7pPr marL="2743132" algn="l" defTabSz="914378" rtl="0" eaLnBrk="1" latinLnBrk="0" hangingPunct="1">
         <a:defRPr sz="1800" kern="1200">
           <a:solidFill>
             <a:schemeClr val="tx1"/>
@@ -3510,7 +3521,7 @@
           <a:cs typeface="+mn-cs"/>
         </a:defRPr>
       </a:lvl7pPr>
-      <a:lvl8pPr marL="3200400" algn="l" defTabSz="914400" rtl="0" eaLnBrk="1" latinLnBrk="0" hangingPunct="1">
+      <a:lvl8pPr marL="3200320" algn="l" defTabSz="914378" rtl="0" eaLnBrk="1" latinLnBrk="0" hangingPunct="1">
         <a:defRPr sz="1800" kern="1200">
           <a:solidFill>
             <a:schemeClr val="tx1"/>
@@ -3520,7 +3531,7 @@
           <a:cs typeface="+mn-cs"/>
         </a:defRPr>
       </a:lvl8pPr>
-      <a:lvl9pPr marL="3657600" algn="l" defTabSz="914400" rtl="0" eaLnBrk="1" latinLnBrk="0" hangingPunct="1">
+      <a:lvl9pPr marL="3657509" algn="l" defTabSz="914378" rtl="0" eaLnBrk="1" latinLnBrk="0" hangingPunct="1">
         <a:defRPr sz="1800" kern="1200">
           <a:solidFill>
             <a:schemeClr val="tx1"/>
@@ -3571,7 +3582,7 @@
         </p:nvSpPr>
         <p:spPr>
           <a:xfrm>
-            <a:off x="1054611" y="1268760"/>
+            <a:off x="7319680" y="3935760"/>
             <a:ext cx="7455156" cy="3647472"/>
           </a:xfrm>
           <a:custGeom>
@@ -3899,7 +3910,7 @@
         </p:nvSpPr>
         <p:spPr>
           <a:xfrm>
-            <a:off x="1054612" y="5190291"/>
+            <a:off x="7319681" y="7857293"/>
             <a:ext cx="7455156" cy="830997"/>
           </a:xfrm>
           <a:prstGeom prst="rect">
@@ -3937,7 +3948,7 @@
         </p:nvSpPr>
         <p:spPr>
           <a:xfrm>
-            <a:off x="975792" y="5111473"/>
+            <a:off x="7240863" y="7778478"/>
             <a:ext cx="7610176" cy="45719"/>
           </a:xfrm>
           <a:prstGeom prst="rect">
@@ -3987,7 +3998,7 @@
         </p:nvSpPr>
         <p:spPr>
           <a:xfrm>
-            <a:off x="975792" y="6119585"/>
+            <a:off x="7240863" y="8786589"/>
             <a:ext cx="7610176" cy="45719"/>
           </a:xfrm>
           <a:prstGeom prst="rect">
@@ -4081,7 +4092,7 @@
         </p:nvGrpSpPr>
         <p:grpSpPr>
           <a:xfrm>
-            <a:off x="2724921" y="1052736"/>
+            <a:off x="8989995" y="3719738"/>
             <a:ext cx="3479173" cy="4608512"/>
             <a:chOff x="2724921" y="1052736"/>
             <a:chExt cx="3479173" cy="4608512"/>
@@ -5967,7 +5978,7 @@
         </p:nvSpPr>
         <p:spPr>
           <a:xfrm>
-            <a:off x="3347864" y="5805264"/>
+            <a:off x="9612938" y="8472269"/>
             <a:ext cx="2308645" cy="646331"/>
           </a:xfrm>
           <a:prstGeom prst="rect">
@@ -6031,7 +6042,7 @@
         </p:nvSpPr>
         <p:spPr>
           <a:xfrm flipH="1">
-            <a:off x="0" y="0"/>
+            <a:off x="6265069" y="2667002"/>
             <a:ext cx="9144000" cy="4869160"/>
           </a:xfrm>
           <a:prstGeom prst="rect">
@@ -6124,7 +6135,7 @@
         </p:nvGrpSpPr>
         <p:grpSpPr>
           <a:xfrm>
-            <a:off x="2710343" y="1124744"/>
+            <a:off x="8975414" y="3791746"/>
             <a:ext cx="3723314" cy="4390239"/>
             <a:chOff x="4234341" y="833306"/>
             <a:chExt cx="3723314" cy="4390239"/>
@@ -7097,7 +7108,7 @@
         </p:nvGrpSpPr>
         <p:grpSpPr>
           <a:xfrm>
-            <a:off x="2699792" y="1340768"/>
+            <a:off x="8964863" y="4007770"/>
             <a:ext cx="3816424" cy="3816424"/>
             <a:chOff x="2267744" y="1412776"/>
             <a:chExt cx="3816424" cy="3816424"/>
@@ -7581,7 +7592,7 @@
         </p:nvGrpSpPr>
         <p:grpSpPr>
           <a:xfrm>
-            <a:off x="1680667" y="908720"/>
+            <a:off x="7945738" y="3575722"/>
             <a:ext cx="5472608" cy="5472608"/>
             <a:chOff x="1691680" y="548680"/>
             <a:chExt cx="5472608" cy="5472608"/>
@@ -7876,7 +7887,7 @@
         </p:nvGrpSpPr>
         <p:grpSpPr>
           <a:xfrm>
-            <a:off x="1688154" y="537643"/>
+            <a:off x="7953225" y="3204645"/>
             <a:ext cx="5472608" cy="5472608"/>
             <a:chOff x="1691680" y="548680"/>
             <a:chExt cx="5472608" cy="5472608"/>
@@ -9474,7 +9485,7 @@
         </p:nvGrpSpPr>
         <p:grpSpPr>
           <a:xfrm>
-            <a:off x="1691680" y="548680"/>
+            <a:off x="7956751" y="3215682"/>
             <a:ext cx="5472608" cy="5472608"/>
             <a:chOff x="1691680" y="548680"/>
             <a:chExt cx="5472608" cy="5472608"/>
@@ -10132,7 +10143,7 @@
         </p:nvGrpSpPr>
         <p:grpSpPr>
           <a:xfrm>
-            <a:off x="1691680" y="548680"/>
+            <a:off x="7956751" y="3215682"/>
             <a:ext cx="5472608" cy="5472608"/>
             <a:chOff x="1691680" y="548680"/>
             <a:chExt cx="5472608" cy="5472608"/>
@@ -10371,7 +10382,7 @@
         </p:nvGrpSpPr>
         <p:grpSpPr>
           <a:xfrm>
-            <a:off x="0" y="836712"/>
+            <a:off x="6265071" y="3503714"/>
             <a:ext cx="9144740" cy="4824536"/>
             <a:chOff x="0" y="836712"/>
             <a:chExt cx="9144740" cy="4824536"/>
@@ -11855,536 +11866,12 @@
           <a:chExt cx="0" cy="0"/>
         </a:xfrm>
       </p:grpSpPr>
-      <p:sp>
-        <p:nvSpPr>
-          <p:cNvPr id="3" name="Retângulo de cantos arredondados 2"/>
-          <p:cNvSpPr/>
-          <p:nvPr/>
-        </p:nvSpPr>
-        <p:spPr>
-          <a:xfrm>
-            <a:off x="1954333" y="1027584"/>
-            <a:ext cx="5400600" cy="3083037"/>
-          </a:xfrm>
-          <a:prstGeom prst="roundRect">
-            <a:avLst>
-              <a:gd name="adj" fmla="val 7367"/>
-            </a:avLst>
-          </a:prstGeom>
-          <a:solidFill>
-            <a:schemeClr val="bg1">
-              <a:alpha val="69000"/>
-            </a:schemeClr>
-          </a:solidFill>
-          <a:ln>
-            <a:noFill/>
-          </a:ln>
-        </p:spPr>
-        <p:style>
-          <a:lnRef idx="2">
-            <a:schemeClr val="accent1">
-              <a:shade val="50000"/>
-            </a:schemeClr>
-          </a:lnRef>
-          <a:fillRef idx="1">
-            <a:schemeClr val="accent1"/>
-          </a:fillRef>
-          <a:effectRef idx="0">
-            <a:schemeClr val="accent1"/>
-          </a:effectRef>
-          <a:fontRef idx="minor">
-            <a:schemeClr val="lt1"/>
-          </a:fontRef>
-        </p:style>
-        <p:txBody>
-          <a:bodyPr rtlCol="0" anchor="ctr"/>
-          <a:lstStyle/>
-          <a:p>
-            <a:pPr algn="ctr"/>
-            <a:endParaRPr lang="pt-BR"/>
-          </a:p>
-        </p:txBody>
-      </p:sp>
-      <p:pic>
-        <p:nvPicPr>
-          <p:cNvPr id="1026" name="Picture 2"/>
-          <p:cNvPicPr>
-            <a:picLocks noChangeAspect="1" noChangeArrowheads="1"/>
-          </p:cNvPicPr>
-          <p:nvPr/>
-        </p:nvPicPr>
-        <p:blipFill>
-          <a:blip r:embed="rId2" cstate="print">
-            <a:extLst>
-              <a:ext uri="{BEBA8EAE-BF5A-486C-A8C5-ECC9F3942E4B}">
-                <a14:imgProps xmlns:a14="http://schemas.microsoft.com/office/drawing/2010/main">
-                  <a14:imgLayer r:embed="rId3">
-                    <a14:imgEffect>
-                      <a14:backgroundRemoval t="8871" b="88710" l="688" r="95685">
-                        <a14:foregroundMark x1="7817" y1="48387" x2="7817" y2="48387"/>
-                        <a14:foregroundMark x1="15510" y1="49194" x2="15510" y2="49194"/>
-                        <a14:foregroundMark x1="29456" y1="50000" x2="29456" y2="50000"/>
-                        <a14:foregroundMark x1="33771" y1="40323" x2="33771" y2="40323"/>
-                        <a14:foregroundMark x1="38649" y1="43548" x2="38649" y2="43548"/>
-                        <a14:foregroundMark x1="52720" y1="64516" x2="52720" y2="64516"/>
-                        <a14:foregroundMark x1="53846" y1="27419" x2="53846" y2="27419"/>
-                        <a14:foregroundMark x1="49031" y1="34677" x2="49031" y2="34677"/>
-                        <a14:foregroundMark x1="37023" y1="46774" x2="37336" y2="43548"/>
-                        <a14:foregroundMark x1="38899" y1="44355" x2="38899" y2="44355"/>
-                        <a14:foregroundMark x1="49656" y1="47581" x2="49656" y2="47581"/>
-                        <a14:foregroundMark x1="49719" y1="47581" x2="49719" y2="47581"/>
-                        <a14:foregroundMark x1="49719" y1="47581" x2="49719" y2="47581"/>
-                        <a14:foregroundMark x1="49719" y1="47581" x2="49719" y2="47581"/>
-                        <a14:foregroundMark x1="53033" y1="46774" x2="53033" y2="46774"/>
-                        <a14:foregroundMark x1="54972" y1="46774" x2="54972" y2="46774"/>
-                        <a14:foregroundMark x1="56911" y1="44355" x2="58099" y2="44355"/>
-                        <a14:foregroundMark x1="62539" y1="43548" x2="62727" y2="43548"/>
-                        <a14:foregroundMark x1="64790" y1="41935" x2="64790" y2="41935"/>
-                        <a14:foregroundMark x1="65478" y1="40323" x2="65478" y2="40323"/>
-                        <a14:foregroundMark x1="68730" y1="44355" x2="68730" y2="44355"/>
-                        <a14:foregroundMark x1="71420" y1="43548" x2="73671" y2="43548"/>
-                        <a14:foregroundMark x1="77861" y1="43548" x2="77861" y2="43548"/>
-                        <a14:foregroundMark x1="78549" y1="43548" x2="78549" y2="43548"/>
-                        <a14:foregroundMark x1="95685" y1="54839" x2="95685" y2="54839"/>
-                        <a14:foregroundMark x1="35147" y1="33065" x2="35147" y2="33065"/>
-                        <a14:foregroundMark x1="35147" y1="33065" x2="35147" y2="33065"/>
-                        <a14:foregroundMark x1="25766" y1="41935" x2="25766" y2="41935"/>
-                        <a14:foregroundMark x1="25766" y1="41935" x2="25766" y2="41935"/>
-                        <a14:foregroundMark x1="25453" y1="41935" x2="25453" y2="41935"/>
-                        <a14:foregroundMark x1="25453" y1="41935" x2="25453" y2="41935"/>
-                        <a14:foregroundMark x1="25453" y1="41935" x2="25453" y2="41935"/>
-                        <a14:foregroundMark x1="18699" y1="34677" x2="18699" y2="34677"/>
-                        <a14:foregroundMark x1="18699" y1="34677" x2="18699" y2="34677"/>
-                        <a14:foregroundMark x1="18699" y1="34677" x2="18699" y2="34677"/>
-                        <a14:foregroundMark x1="7817" y1="34677" x2="7630" y2="34677"/>
-                        <a14:foregroundMark x1="7630" y1="34677" x2="7630" y2="34677"/>
-                        <a14:foregroundMark x1="4315" y1="49194" x2="4315" y2="49194"/>
-                        <a14:foregroundMark x1="4315" y1="49194" x2="4315" y2="49194"/>
-                        <a14:foregroundMark x1="5816" y1="59677" x2="5816" y2="59677"/>
-                        <a14:foregroundMark x1="4878" y1="26613" x2="4878" y2="26613"/>
-                      </a14:backgroundRemoval>
-                    </a14:imgEffect>
-                  </a14:imgLayer>
-                </a14:imgProps>
-              </a:ext>
-              <a:ext uri="{28A0092B-C50C-407E-A947-70E740481C1C}">
-                <a14:useLocalDpi xmlns:a14="http://schemas.microsoft.com/office/drawing/2010/main" val="0"/>
-              </a:ext>
-            </a:extLst>
-          </a:blip>
-          <a:srcRect/>
-          <a:stretch>
-            <a:fillRect/>
-          </a:stretch>
-        </p:blipFill>
-        <p:spPr bwMode="auto">
-          <a:xfrm>
-            <a:off x="1961332" y="944952"/>
-            <a:ext cx="6229448" cy="483084"/>
-          </a:xfrm>
-          <a:prstGeom prst="rect">
-            <a:avLst/>
-          </a:prstGeom>
-          <a:noFill/>
-          <a:ln>
-            <a:noFill/>
-          </a:ln>
-          <a:extLst>
-            <a:ext uri="{909E8E84-426E-40DD-AFC4-6F175D3DCCD1}">
-              <a14:hiddenFill xmlns:a14="http://schemas.microsoft.com/office/drawing/2010/main">
-                <a:solidFill>
-                  <a:schemeClr val="accent1"/>
-                </a:solidFill>
-              </a14:hiddenFill>
-            </a:ext>
-            <a:ext uri="{91240B29-F687-4F45-9708-019B960494DF}">
-              <a14:hiddenLine xmlns:a14="http://schemas.microsoft.com/office/drawing/2010/main" w="9525">
-                <a:solidFill>
-                  <a:schemeClr val="tx1"/>
-                </a:solidFill>
-                <a:miter lim="800000"/>
-                <a:headEnd/>
-                <a:tailEnd/>
-              </a14:hiddenLine>
-            </a:ext>
-          </a:extLst>
-        </p:spPr>
-      </p:pic>
-      <p:sp>
-        <p:nvSpPr>
-          <p:cNvPr id="18" name="Retângulo de cantos arredondados 17"/>
-          <p:cNvSpPr/>
-          <p:nvPr/>
-        </p:nvSpPr>
-        <p:spPr>
-          <a:xfrm>
-            <a:off x="1835695" y="707494"/>
-            <a:ext cx="5735261" cy="3816424"/>
-          </a:xfrm>
-          <a:custGeom>
-            <a:avLst/>
-            <a:gdLst/>
-            <a:ahLst/>
-            <a:cxnLst/>
-            <a:rect l="l" t="t" r="r" b="b"/>
-            <a:pathLst>
-              <a:path w="5832648" h="3816424">
-                <a:moveTo>
-                  <a:pt x="443151" y="247407"/>
-                </a:moveTo>
-                <a:cubicBezTo>
-                  <a:pt x="317712" y="247407"/>
-                  <a:pt x="216024" y="349095"/>
-                  <a:pt x="216024" y="474534"/>
-                </a:cubicBezTo>
-                <a:lnTo>
-                  <a:pt x="216024" y="3103317"/>
-                </a:lnTo>
-                <a:cubicBezTo>
-                  <a:pt x="216024" y="3228756"/>
-                  <a:pt x="317712" y="3330444"/>
-                  <a:pt x="443151" y="3330444"/>
-                </a:cubicBezTo>
-                <a:lnTo>
-                  <a:pt x="5389497" y="3330444"/>
-                </a:lnTo>
-                <a:cubicBezTo>
-                  <a:pt x="5514936" y="3330444"/>
-                  <a:pt x="5616624" y="3228756"/>
-                  <a:pt x="5616624" y="3103317"/>
-                </a:cubicBezTo>
-                <a:lnTo>
-                  <a:pt x="5616624" y="474534"/>
-                </a:lnTo>
-                <a:cubicBezTo>
-                  <a:pt x="5616624" y="349095"/>
-                  <a:pt x="5514936" y="247407"/>
-                  <a:pt x="5389497" y="247407"/>
-                </a:cubicBezTo>
-                <a:close/>
-                <a:moveTo>
-                  <a:pt x="281156" y="0"/>
-                </a:moveTo>
-                <a:lnTo>
-                  <a:pt x="5551492" y="0"/>
-                </a:lnTo>
-                <a:cubicBezTo>
-                  <a:pt x="5706770" y="0"/>
-                  <a:pt x="5832648" y="125878"/>
-                  <a:pt x="5832648" y="281156"/>
-                </a:cubicBezTo>
-                <a:lnTo>
-                  <a:pt x="5832648" y="3535268"/>
-                </a:lnTo>
-                <a:cubicBezTo>
-                  <a:pt x="5832648" y="3690546"/>
-                  <a:pt x="5706770" y="3816424"/>
-                  <a:pt x="5551492" y="3816424"/>
-                </a:cubicBezTo>
-                <a:lnTo>
-                  <a:pt x="281156" y="3816424"/>
-                </a:lnTo>
-                <a:cubicBezTo>
-                  <a:pt x="125878" y="3816424"/>
-                  <a:pt x="0" y="3690546"/>
-                  <a:pt x="0" y="3535268"/>
-                </a:cubicBezTo>
-                <a:lnTo>
-                  <a:pt x="0" y="281156"/>
-                </a:lnTo>
-                <a:cubicBezTo>
-                  <a:pt x="0" y="125878"/>
-                  <a:pt x="125878" y="0"/>
-                  <a:pt x="281156" y="0"/>
-                </a:cubicBezTo>
-                <a:close/>
-              </a:path>
-            </a:pathLst>
-          </a:custGeom>
-          <a:solidFill>
-            <a:schemeClr val="tx1">
-              <a:lumMod val="85000"/>
-              <a:lumOff val="15000"/>
-            </a:schemeClr>
-          </a:solidFill>
-          <a:ln>
-            <a:noFill/>
-          </a:ln>
-        </p:spPr>
-        <p:style>
-          <a:lnRef idx="2">
-            <a:schemeClr val="accent1">
-              <a:shade val="50000"/>
-            </a:schemeClr>
-          </a:lnRef>
-          <a:fillRef idx="1">
-            <a:schemeClr val="accent1"/>
-          </a:fillRef>
-          <a:effectRef idx="0">
-            <a:schemeClr val="accent1"/>
-          </a:effectRef>
-          <a:fontRef idx="minor">
-            <a:schemeClr val="lt1"/>
-          </a:fontRef>
-        </p:style>
-        <p:txBody>
-          <a:bodyPr rtlCol="0" anchor="ctr"/>
-          <a:lstStyle/>
-          <a:p>
-            <a:pPr algn="ctr"/>
-            <a:endParaRPr lang="pt-BR"/>
-          </a:p>
-        </p:txBody>
-      </p:sp>
-      <p:pic>
-        <p:nvPicPr>
-          <p:cNvPr id="4" name="Imagem 3"/>
-          <p:cNvPicPr>
-            <a:picLocks noChangeAspect="1"/>
-          </p:cNvPicPr>
-          <p:nvPr/>
-        </p:nvPicPr>
-        <p:blipFill>
-          <a:blip r:embed="rId4" cstate="print">
-            <a:extLst>
-              <a:ext uri="{28A0092B-C50C-407E-A947-70E740481C1C}">
-                <a14:useLocalDpi xmlns:a14="http://schemas.microsoft.com/office/drawing/2010/main" val="0"/>
-              </a:ext>
-            </a:extLst>
-          </a:blip>
-          <a:stretch>
-            <a:fillRect/>
-          </a:stretch>
-        </p:blipFill>
-        <p:spPr>
-          <a:xfrm>
-            <a:off x="4233210" y="4168781"/>
-            <a:ext cx="842846" cy="268331"/>
-          </a:xfrm>
-          <a:prstGeom prst="rect">
-            <a:avLst/>
-          </a:prstGeom>
-        </p:spPr>
-      </p:pic>
       <p:grpSp>
         <p:nvGrpSpPr>
-          <p:cNvPr id="14" name="Grupo 13"/>
-          <p:cNvGrpSpPr/>
-          <p:nvPr/>
-        </p:nvGrpSpPr>
-        <p:grpSpPr>
-          <a:xfrm>
-            <a:off x="6750299" y="4124931"/>
-            <a:ext cx="283491" cy="312182"/>
-            <a:chOff x="3249702" y="2110164"/>
-            <a:chExt cx="1826354" cy="2011192"/>
-          </a:xfrm>
-        </p:grpSpPr>
-        <p:sp>
-          <p:nvSpPr>
-            <p:cNvPr id="7" name="Elipse 6"/>
-            <p:cNvSpPr/>
-            <p:nvPr/>
-          </p:nvSpPr>
-          <p:spPr>
-            <a:xfrm>
-              <a:off x="3249702" y="2357535"/>
-              <a:ext cx="1826354" cy="1763821"/>
-            </a:xfrm>
-            <a:custGeom>
-              <a:avLst/>
-              <a:gdLst/>
-              <a:ahLst/>
-              <a:cxnLst/>
-              <a:rect l="l" t="t" r="r" b="b"/>
-              <a:pathLst>
-                <a:path w="1780499" h="1719536">
-                  <a:moveTo>
-                    <a:pt x="573632" y="0"/>
-                  </a:moveTo>
-                  <a:lnTo>
-                    <a:pt x="573632" y="297129"/>
-                  </a:lnTo>
-                  <a:cubicBezTo>
-                    <a:pt x="390141" y="402860"/>
-                    <a:pt x="268072" y="601818"/>
-                    <a:pt x="268072" y="829287"/>
-                  </a:cubicBezTo>
-                  <a:cubicBezTo>
-                    <a:pt x="268072" y="1172906"/>
-                    <a:pt x="546631" y="1451464"/>
-                    <a:pt x="890250" y="1451464"/>
-                  </a:cubicBezTo>
-                  <a:cubicBezTo>
-                    <a:pt x="1233869" y="1451464"/>
-                    <a:pt x="1512427" y="1172906"/>
-                    <a:pt x="1512427" y="829287"/>
-                  </a:cubicBezTo>
-                  <a:cubicBezTo>
-                    <a:pt x="1512427" y="620451"/>
-                    <a:pt x="1409538" y="435646"/>
-                    <a:pt x="1250741" y="324707"/>
-                  </a:cubicBezTo>
-                  <a:lnTo>
-                    <a:pt x="1250741" y="16912"/>
-                  </a:lnTo>
-                  <a:cubicBezTo>
-                    <a:pt x="1563088" y="153810"/>
-                    <a:pt x="1780499" y="466159"/>
-                    <a:pt x="1780499" y="829287"/>
-                  </a:cubicBezTo>
-                  <a:cubicBezTo>
-                    <a:pt x="1780499" y="1320958"/>
-                    <a:pt x="1381921" y="1719536"/>
-                    <a:pt x="890250" y="1719536"/>
-                  </a:cubicBezTo>
-                  <a:cubicBezTo>
-                    <a:pt x="398578" y="1719536"/>
-                    <a:pt x="0" y="1320958"/>
-                    <a:pt x="0" y="829287"/>
-                  </a:cubicBezTo>
-                  <a:cubicBezTo>
-                    <a:pt x="0" y="449479"/>
-                    <a:pt x="237844" y="125222"/>
-                    <a:pt x="573632" y="0"/>
-                  </a:cubicBezTo>
-                  <a:close/>
-                </a:path>
-              </a:pathLst>
-            </a:custGeom>
-            <a:solidFill>
-              <a:schemeClr val="bg1"/>
-            </a:solidFill>
-            <a:ln>
-              <a:noFill/>
-            </a:ln>
-          </p:spPr>
-          <p:style>
-            <a:lnRef idx="2">
-              <a:schemeClr val="accent1">
-                <a:shade val="50000"/>
-              </a:schemeClr>
-            </a:lnRef>
-            <a:fillRef idx="1">
-              <a:schemeClr val="accent1"/>
-            </a:fillRef>
-            <a:effectRef idx="0">
-              <a:schemeClr val="accent1"/>
-            </a:effectRef>
-            <a:fontRef idx="minor">
-              <a:schemeClr val="lt1"/>
-            </a:fontRef>
-          </p:style>
-          <p:txBody>
-            <a:bodyPr rtlCol="0" anchor="ctr"/>
-            <a:lstStyle/>
-            <a:p>
-              <a:pPr algn="ctr"/>
-              <a:endParaRPr lang="pt-BR"/>
-            </a:p>
-          </p:txBody>
-        </p:sp>
-        <p:sp>
-          <p:nvSpPr>
-            <p:cNvPr id="12" name="Retângulo de cantos arredondados 11"/>
-            <p:cNvSpPr/>
-            <p:nvPr/>
-          </p:nvSpPr>
-          <p:spPr>
-            <a:xfrm>
-              <a:off x="3995936" y="2110164"/>
-              <a:ext cx="360040" cy="1175548"/>
-            </a:xfrm>
-            <a:prstGeom prst="roundRect">
-              <a:avLst>
-                <a:gd name="adj" fmla="val 50000"/>
-              </a:avLst>
-            </a:prstGeom>
-            <a:solidFill>
-              <a:schemeClr val="bg1"/>
-            </a:solidFill>
-            <a:ln>
-              <a:noFill/>
-            </a:ln>
-          </p:spPr>
-          <p:style>
-            <a:lnRef idx="2">
-              <a:schemeClr val="accent1">
-                <a:shade val="50000"/>
-              </a:schemeClr>
-            </a:lnRef>
-            <a:fillRef idx="1">
-              <a:schemeClr val="accent1"/>
-            </a:fillRef>
-            <a:effectRef idx="0">
-              <a:schemeClr val="accent1"/>
-            </a:effectRef>
-            <a:fontRef idx="minor">
-              <a:schemeClr val="lt1"/>
-            </a:fontRef>
-          </p:style>
-          <p:txBody>
-            <a:bodyPr rtlCol="0" anchor="ctr"/>
-            <a:lstStyle/>
-            <a:p>
-              <a:pPr algn="ctr"/>
-              <a:endParaRPr lang="pt-BR"/>
-            </a:p>
-          </p:txBody>
-        </p:sp>
-      </p:grpSp>
-      <p:sp>
-        <p:nvSpPr>
-          <p:cNvPr id="17" name="Retângulo 16"/>
-          <p:cNvSpPr/>
-          <p:nvPr/>
-        </p:nvSpPr>
-        <p:spPr>
-          <a:xfrm>
-            <a:off x="7570957" y="620688"/>
-            <a:ext cx="1033491" cy="1584176"/>
-          </a:xfrm>
-          <a:prstGeom prst="rect">
-            <a:avLst/>
-          </a:prstGeom>
-          <a:solidFill>
-            <a:schemeClr val="bg1"/>
-          </a:solidFill>
-          <a:ln>
-            <a:noFill/>
-          </a:ln>
-        </p:spPr>
-        <p:style>
-          <a:lnRef idx="2">
-            <a:schemeClr val="accent1">
-              <a:shade val="50000"/>
-            </a:schemeClr>
-          </a:lnRef>
-          <a:fillRef idx="1">
-            <a:schemeClr val="accent1"/>
-          </a:fillRef>
-          <a:effectRef idx="0">
-            <a:schemeClr val="accent1"/>
-          </a:effectRef>
-          <a:fontRef idx="minor">
-            <a:schemeClr val="lt1"/>
-          </a:fontRef>
-        </p:style>
-        <p:txBody>
-          <a:bodyPr rtlCol="0" anchor="ctr"/>
-          <a:lstStyle/>
-          <a:p>
-            <a:pPr algn="ctr"/>
-            <a:endParaRPr lang="pt-BR"/>
-          </a:p>
-        </p:txBody>
-      </p:sp>
-      <p:grpSp>
-        <p:nvGrpSpPr>
-          <p:cNvPr id="16" name="Agrupar 10">
+          <p:cNvPr id="21" name="Agrupar 20">
             <a:extLst>
               <a:ext uri="{FF2B5EF4-FFF2-40B4-BE49-F238E27FC236}">
-                <a16:creationId xmlns:a16="http://schemas.microsoft.com/office/drawing/2014/main" id="{6AF02D4B-4DF3-475B-B829-3C06117FCA8A}"/>
+                <a16:creationId xmlns:a16="http://schemas.microsoft.com/office/drawing/2014/main" id="{59038E4E-7654-4096-ABB4-8553A328C59D}"/>
               </a:ext>
             </a:extLst>
           </p:cNvPr>
@@ -12393,133 +11880,18 @@
         </p:nvGrpSpPr>
         <p:grpSpPr>
           <a:xfrm>
-            <a:off x="4440093" y="3298420"/>
-            <a:ext cx="682706" cy="682706"/>
-            <a:chOff x="1691680" y="548680"/>
-            <a:chExt cx="5472608" cy="5472608"/>
+            <a:off x="5292453" y="3287688"/>
+            <a:ext cx="10989553" cy="3880774"/>
+            <a:chOff x="5220448" y="3359696"/>
+            <a:chExt cx="10989553" cy="3880774"/>
           </a:xfrm>
         </p:grpSpPr>
-        <p:sp>
-          <p:nvSpPr>
-            <p:cNvPr id="19" name="Elipse 18">
+        <p:grpSp>
+          <p:nvGrpSpPr>
+            <p:cNvPr id="15" name="Agrupar 14">
               <a:extLst>
                 <a:ext uri="{FF2B5EF4-FFF2-40B4-BE49-F238E27FC236}">
-                  <a16:creationId xmlns:a16="http://schemas.microsoft.com/office/drawing/2014/main" id="{DC48528D-2244-4D30-8F41-EF1272F6C6E4}"/>
-                </a:ext>
-              </a:extLst>
-            </p:cNvPr>
-            <p:cNvSpPr/>
-            <p:nvPr/>
-          </p:nvSpPr>
-          <p:spPr>
-            <a:xfrm>
-              <a:off x="1691680" y="548680"/>
-              <a:ext cx="5472608" cy="5472608"/>
-            </a:xfrm>
-            <a:prstGeom prst="ellipse">
-              <a:avLst/>
-            </a:prstGeom>
-            <a:solidFill>
-              <a:schemeClr val="accent5"/>
-            </a:solidFill>
-            <a:ln>
-              <a:noFill/>
-            </a:ln>
-          </p:spPr>
-          <p:style>
-            <a:lnRef idx="2">
-              <a:schemeClr val="accent1">
-                <a:shade val="50000"/>
-              </a:schemeClr>
-            </a:lnRef>
-            <a:fillRef idx="1">
-              <a:schemeClr val="accent1"/>
-            </a:fillRef>
-            <a:effectRef idx="0">
-              <a:schemeClr val="accent1"/>
-            </a:effectRef>
-            <a:fontRef idx="minor">
-              <a:schemeClr val="lt1"/>
-            </a:fontRef>
-          </p:style>
-          <p:txBody>
-            <a:bodyPr rtlCol="0" anchor="ctr"/>
-            <a:lstStyle/>
-            <a:p>
-              <a:pPr algn="ctr"/>
-              <a:endParaRPr lang="pt-BR" dirty="0"/>
-            </a:p>
-          </p:txBody>
-        </p:sp>
-        <p:sp>
-          <p:nvSpPr>
-            <p:cNvPr id="24" name="Elipse 23">
-              <a:extLst>
-                <a:ext uri="{FF2B5EF4-FFF2-40B4-BE49-F238E27FC236}">
-                  <a16:creationId xmlns:a16="http://schemas.microsoft.com/office/drawing/2014/main" id="{FC41C085-3866-4F15-B8F6-7312BBF43D3D}"/>
-                </a:ext>
-              </a:extLst>
-            </p:cNvPr>
-            <p:cNvSpPr/>
-            <p:nvPr/>
-          </p:nvSpPr>
-          <p:spPr>
-            <a:xfrm>
-              <a:off x="1979712" y="836712"/>
-              <a:ext cx="4896544" cy="4896544"/>
-            </a:xfrm>
-            <a:prstGeom prst="ellipse">
-              <a:avLst/>
-            </a:prstGeom>
-            <a:gradFill flip="none" rotWithShape="1">
-              <a:gsLst>
-                <a:gs pos="0">
-                  <a:schemeClr val="tx2"/>
-                </a:gs>
-                <a:gs pos="100000">
-                  <a:srgbClr val="0070C0"/>
-                </a:gs>
-              </a:gsLst>
-              <a:path path="circle">
-                <a:fillToRect l="100000" t="100000"/>
-              </a:path>
-              <a:tileRect r="-100000" b="-100000"/>
-            </a:gradFill>
-            <a:ln>
-              <a:noFill/>
-            </a:ln>
-          </p:spPr>
-          <p:style>
-            <a:lnRef idx="2">
-              <a:schemeClr val="accent1">
-                <a:shade val="50000"/>
-              </a:schemeClr>
-            </a:lnRef>
-            <a:fillRef idx="1">
-              <a:schemeClr val="accent1"/>
-            </a:fillRef>
-            <a:effectRef idx="0">
-              <a:schemeClr val="accent1"/>
-            </a:effectRef>
-            <a:fontRef idx="minor">
-              <a:schemeClr val="lt1"/>
-            </a:fontRef>
-          </p:style>
-          <p:txBody>
-            <a:bodyPr rtlCol="0" anchor="ctr"/>
-            <a:lstStyle/>
-            <a:p>
-              <a:pPr algn="ctr"/>
-              <a:endParaRPr lang="pt-BR" dirty="0"/>
-            </a:p>
-          </p:txBody>
-        </p:sp>
-        <p:grpSp>
-          <p:nvGrpSpPr>
-            <p:cNvPr id="25" name="Agrupar 9">
-              <a:extLst>
-                <a:ext uri="{FF2B5EF4-FFF2-40B4-BE49-F238E27FC236}">
-                  <a16:creationId xmlns:a16="http://schemas.microsoft.com/office/drawing/2014/main" id="{1B5F2692-C765-4EC2-80E6-6BCCEE306581}"/>
+                  <a16:creationId xmlns:a16="http://schemas.microsoft.com/office/drawing/2014/main" id="{162D85BD-A04A-45D6-A4E4-D67B1BFA9882}"/>
                 </a:ext>
               </a:extLst>
             </p:cNvPr>
@@ -12528,18 +11900,18 @@
           </p:nvGrpSpPr>
           <p:grpSpPr>
             <a:xfrm>
-              <a:off x="2843808" y="1700808"/>
-              <a:ext cx="3168352" cy="3168352"/>
-              <a:chOff x="2699792" y="1700807"/>
-              <a:chExt cx="3456384" cy="3456383"/>
+              <a:off x="9540928" y="5447930"/>
+              <a:ext cx="2808312" cy="1792540"/>
+              <a:chOff x="1835696" y="620688"/>
+              <a:chExt cx="6768752" cy="4320480"/>
             </a:xfrm>
           </p:grpSpPr>
           <p:sp>
             <p:nvSpPr>
-              <p:cNvPr id="26" name="Retângulo: Cantos Arredondados 7">
+              <p:cNvPr id="11" name="Retângulo 10">
                 <a:extLst>
                   <a:ext uri="{FF2B5EF4-FFF2-40B4-BE49-F238E27FC236}">
-                    <a16:creationId xmlns:a16="http://schemas.microsoft.com/office/drawing/2014/main" id="{642A98A9-5B39-4661-B7AD-4ED8AFAFC1E3}"/>
+                    <a16:creationId xmlns:a16="http://schemas.microsoft.com/office/drawing/2014/main" id="{5942AFDA-45AF-4018-BB58-BB372F82D1C8}"/>
                   </a:ext>
                 </a:extLst>
               </p:cNvPr>
@@ -12547,17 +11919,15 @@
               <p:nvPr/>
             </p:nvSpPr>
             <p:spPr>
-              <a:xfrm rot="16200000">
-                <a:off x="3923928" y="1700808"/>
-                <a:ext cx="1008112" cy="3456384"/>
+              <a:xfrm>
+                <a:off x="3995936" y="4365104"/>
+                <a:ext cx="1656184" cy="432048"/>
               </a:xfrm>
-              <a:prstGeom prst="roundRect">
-                <a:avLst>
-                  <a:gd name="adj" fmla="val 50000"/>
-                </a:avLst>
+              <a:prstGeom prst="rect">
+                <a:avLst/>
               </a:prstGeom>
               <a:solidFill>
-                <a:schemeClr val="bg1"/>
+                <a:srgbClr val="262626"/>
               </a:solidFill>
               <a:ln>
                 <a:noFill/>
@@ -12580,35 +11950,62 @@
               </a:fontRef>
             </p:style>
             <p:txBody>
-              <a:bodyPr rtlCol="0" anchor="ctr"/>
+              <a:bodyPr rot="0" spcFirstLastPara="0" vertOverflow="overflow" horzOverflow="overflow" vert="horz" wrap="square" lIns="91440" tIns="45720" rIns="91440" bIns="45720" numCol="1" spcCol="0" rtlCol="0" fromWordArt="0" anchor="ctr" anchorCtr="0" forceAA="0" compatLnSpc="1">
+                <a:prstTxWarp prst="textNoShape">
+                  <a:avLst/>
+                </a:prstTxWarp>
+                <a:noAutofit/>
+              </a:bodyPr>
               <a:lstStyle/>
               <a:p>
                 <a:pPr algn="ctr"/>
-                <a:endParaRPr lang="pt-BR" dirty="0"/>
+                <a:endParaRPr lang="pt-BR"/>
               </a:p>
             </p:txBody>
           </p:sp>
-          <p:sp>
-            <p:nvSpPr>
-              <p:cNvPr id="27" name="Retângulo: Cantos Arredondados 8">
+          <p:pic>
+            <p:nvPicPr>
+              <p:cNvPr id="8" name="Imagem 7">
                 <a:extLst>
                   <a:ext uri="{FF2B5EF4-FFF2-40B4-BE49-F238E27FC236}">
-                    <a16:creationId xmlns:a16="http://schemas.microsoft.com/office/drawing/2014/main" id="{11C0A799-8BF3-4FE6-8C64-2079434EF400}"/>
+                    <a16:creationId xmlns:a16="http://schemas.microsoft.com/office/drawing/2014/main" id="{032AEA34-0285-4C30-9028-14F3C248ED34}"/>
                   </a:ext>
                 </a:extLst>
               </p:cNvPr>
+              <p:cNvPicPr>
+                <a:picLocks noChangeAspect="1"/>
+              </p:cNvPicPr>
+              <p:nvPr/>
+            </p:nvPicPr>
+            <p:blipFill>
+              <a:blip r:embed="rId2"/>
+              <a:stretch>
+                <a:fillRect/>
+              </a:stretch>
+            </p:blipFill>
+            <p:spPr>
+              <a:xfrm>
+                <a:off x="2051720" y="1484784"/>
+                <a:ext cx="5513417" cy="2088232"/>
+              </a:xfrm>
+              <a:prstGeom prst="rect">
+                <a:avLst/>
+              </a:prstGeom>
+            </p:spPr>
+          </p:pic>
+          <p:sp>
+            <p:nvSpPr>
+              <p:cNvPr id="17" name="Retângulo 16"/>
               <p:cNvSpPr/>
               <p:nvPr/>
             </p:nvSpPr>
             <p:spPr>
               <a:xfrm>
-                <a:off x="3923928" y="1700808"/>
-                <a:ext cx="1008112" cy="3456384"/>
+                <a:off x="7570957" y="620688"/>
+                <a:ext cx="1033491" cy="1584176"/>
               </a:xfrm>
-              <a:prstGeom prst="roundRect">
-                <a:avLst>
-                  <a:gd name="adj" fmla="val 50000"/>
-                </a:avLst>
+              <a:prstGeom prst="rect">
+                <a:avLst/>
               </a:prstGeom>
               <a:solidFill>
                 <a:schemeClr val="bg1"/>
@@ -12642,413 +12039,133 @@
               </a:p>
             </p:txBody>
           </p:sp>
-        </p:grpSp>
-      </p:grpSp>
-      <p:grpSp>
-        <p:nvGrpSpPr>
-          <p:cNvPr id="28" name="Agrupar 9">
-            <a:extLst>
-              <a:ext uri="{FF2B5EF4-FFF2-40B4-BE49-F238E27FC236}">
-                <a16:creationId xmlns:a16="http://schemas.microsoft.com/office/drawing/2014/main" id="{ADBF5DBA-6DC9-4430-AEE5-4797DB99B793}"/>
-              </a:ext>
-            </a:extLst>
-          </p:cNvPr>
-          <p:cNvGrpSpPr/>
-          <p:nvPr/>
-        </p:nvGrpSpPr>
-        <p:grpSpPr>
-          <a:xfrm>
-            <a:off x="3988393" y="3445134"/>
-            <a:ext cx="368468" cy="389278"/>
-            <a:chOff x="1691680" y="548680"/>
-            <a:chExt cx="5472608" cy="5472608"/>
-          </a:xfrm>
-        </p:grpSpPr>
-        <p:grpSp>
-          <p:nvGrpSpPr>
-            <p:cNvPr id="29" name="Agrupar 4">
-              <a:extLst>
-                <a:ext uri="{FF2B5EF4-FFF2-40B4-BE49-F238E27FC236}">
-                  <a16:creationId xmlns:a16="http://schemas.microsoft.com/office/drawing/2014/main" id="{6A4BADB4-8395-4D64-AA65-99E4BBA58AA6}"/>
-                </a:ext>
-              </a:extLst>
-            </p:cNvPr>
-            <p:cNvGrpSpPr/>
-            <p:nvPr/>
-          </p:nvGrpSpPr>
-          <p:grpSpPr>
-            <a:xfrm>
-              <a:off x="1691680" y="548680"/>
-              <a:ext cx="5472608" cy="5472608"/>
-              <a:chOff x="1691680" y="548680"/>
-              <a:chExt cx="5472608" cy="5472608"/>
-            </a:xfrm>
-          </p:grpSpPr>
-          <p:sp>
-            <p:nvSpPr>
-              <p:cNvPr id="31" name="Elipse 30">
+          <p:pic>
+            <p:nvPicPr>
+              <p:cNvPr id="2" name="Imagem 1">
                 <a:extLst>
                   <a:ext uri="{FF2B5EF4-FFF2-40B4-BE49-F238E27FC236}">
-                    <a16:creationId xmlns:a16="http://schemas.microsoft.com/office/drawing/2014/main" id="{FC805A12-37B6-40BC-8F8F-70331A547323}"/>
+                    <a16:creationId xmlns:a16="http://schemas.microsoft.com/office/drawing/2014/main" id="{EEF98580-246F-400B-AAE7-2A551D84411B}"/>
                   </a:ext>
                 </a:extLst>
               </p:cNvPr>
+              <p:cNvPicPr>
+                <a:picLocks noChangeAspect="1"/>
+              </p:cNvPicPr>
+              <p:nvPr/>
+            </p:nvPicPr>
+            <p:blipFill>
+              <a:blip r:embed="rId3"/>
+              <a:stretch>
+                <a:fillRect/>
+              </a:stretch>
+            </p:blipFill>
+            <p:spPr>
+              <a:xfrm>
+                <a:off x="1835696" y="980728"/>
+                <a:ext cx="5832000" cy="360000"/>
+              </a:xfrm>
+              <a:prstGeom prst="rect">
+                <a:avLst/>
+              </a:prstGeom>
+            </p:spPr>
+          </p:pic>
+          <p:sp>
+            <p:nvSpPr>
+              <p:cNvPr id="18" name="Retângulo de cantos arredondados 17"/>
               <p:cNvSpPr/>
               <p:nvPr/>
             </p:nvSpPr>
             <p:spPr>
               <a:xfrm>
-                <a:off x="1691680" y="548680"/>
-                <a:ext cx="5472608" cy="5472608"/>
+                <a:off x="1835696" y="692696"/>
+                <a:ext cx="5904656" cy="3816424"/>
               </a:xfrm>
-              <a:prstGeom prst="ellipse">
+              <a:custGeom>
                 <a:avLst/>
-              </a:prstGeom>
+                <a:gdLst/>
+                <a:ahLst/>
+                <a:cxnLst/>
+                <a:rect l="l" t="t" r="r" b="b"/>
+                <a:pathLst>
+                  <a:path w="5832648" h="3816424">
+                    <a:moveTo>
+                      <a:pt x="443151" y="247407"/>
+                    </a:moveTo>
+                    <a:cubicBezTo>
+                      <a:pt x="317712" y="247407"/>
+                      <a:pt x="216024" y="349095"/>
+                      <a:pt x="216024" y="474534"/>
+                    </a:cubicBezTo>
+                    <a:lnTo>
+                      <a:pt x="216024" y="3103317"/>
+                    </a:lnTo>
+                    <a:cubicBezTo>
+                      <a:pt x="216024" y="3228756"/>
+                      <a:pt x="317712" y="3330444"/>
+                      <a:pt x="443151" y="3330444"/>
+                    </a:cubicBezTo>
+                    <a:lnTo>
+                      <a:pt x="5389497" y="3330444"/>
+                    </a:lnTo>
+                    <a:cubicBezTo>
+                      <a:pt x="5514936" y="3330444"/>
+                      <a:pt x="5616624" y="3228756"/>
+                      <a:pt x="5616624" y="3103317"/>
+                    </a:cubicBezTo>
+                    <a:lnTo>
+                      <a:pt x="5616624" y="474534"/>
+                    </a:lnTo>
+                    <a:cubicBezTo>
+                      <a:pt x="5616624" y="349095"/>
+                      <a:pt x="5514936" y="247407"/>
+                      <a:pt x="5389497" y="247407"/>
+                    </a:cubicBezTo>
+                    <a:close/>
+                    <a:moveTo>
+                      <a:pt x="281156" y="0"/>
+                    </a:moveTo>
+                    <a:lnTo>
+                      <a:pt x="5551492" y="0"/>
+                    </a:lnTo>
+                    <a:cubicBezTo>
+                      <a:pt x="5706770" y="0"/>
+                      <a:pt x="5832648" y="125878"/>
+                      <a:pt x="5832648" y="281156"/>
+                    </a:cubicBezTo>
+                    <a:lnTo>
+                      <a:pt x="5832648" y="3535268"/>
+                    </a:lnTo>
+                    <a:cubicBezTo>
+                      <a:pt x="5832648" y="3690546"/>
+                      <a:pt x="5706770" y="3816424"/>
+                      <a:pt x="5551492" y="3816424"/>
+                    </a:cubicBezTo>
+                    <a:lnTo>
+                      <a:pt x="281156" y="3816424"/>
+                    </a:lnTo>
+                    <a:cubicBezTo>
+                      <a:pt x="125878" y="3816424"/>
+                      <a:pt x="0" y="3690546"/>
+                      <a:pt x="0" y="3535268"/>
+                    </a:cubicBezTo>
+                    <a:lnTo>
+                      <a:pt x="0" y="281156"/>
+                    </a:lnTo>
+                    <a:cubicBezTo>
+                      <a:pt x="0" y="125878"/>
+                      <a:pt x="125878" y="0"/>
+                      <a:pt x="281156" y="0"/>
+                    </a:cubicBezTo>
+                    <a:close/>
+                  </a:path>
+                </a:pathLst>
+              </a:custGeom>
               <a:solidFill>
-                <a:srgbClr val="00B08A"/>
+                <a:schemeClr val="tx1">
+                  <a:lumMod val="85000"/>
+                  <a:lumOff val="15000"/>
+                </a:schemeClr>
               </a:solidFill>
-              <a:ln>
-                <a:noFill/>
-              </a:ln>
-            </p:spPr>
-            <p:style>
-              <a:lnRef idx="2">
-                <a:schemeClr val="accent1">
-                  <a:shade val="50000"/>
-                </a:schemeClr>
-              </a:lnRef>
-              <a:fillRef idx="1">
-                <a:schemeClr val="accent1"/>
-              </a:fillRef>
-              <a:effectRef idx="0">
-                <a:schemeClr val="accent1"/>
-              </a:effectRef>
-              <a:fontRef idx="minor">
-                <a:schemeClr val="lt1"/>
-              </a:fontRef>
-            </p:style>
-            <p:txBody>
-              <a:bodyPr rtlCol="0" anchor="ctr"/>
-              <a:lstStyle/>
-              <a:p>
-                <a:pPr algn="ctr"/>
-                <a:endParaRPr lang="pt-BR" dirty="0"/>
-              </a:p>
-            </p:txBody>
-          </p:sp>
-          <p:sp>
-            <p:nvSpPr>
-              <p:cNvPr id="32" name="Elipse 31">
-                <a:extLst>
-                  <a:ext uri="{FF2B5EF4-FFF2-40B4-BE49-F238E27FC236}">
-                    <a16:creationId xmlns:a16="http://schemas.microsoft.com/office/drawing/2014/main" id="{3B167D11-B095-4F49-A04C-1A3C7AF5E517}"/>
-                  </a:ext>
-                </a:extLst>
-              </p:cNvPr>
-              <p:cNvSpPr/>
-              <p:nvPr/>
-            </p:nvSpPr>
-            <p:spPr>
-              <a:xfrm>
-                <a:off x="1979712" y="836712"/>
-                <a:ext cx="4896544" cy="4896544"/>
-              </a:xfrm>
-              <a:prstGeom prst="ellipse">
-                <a:avLst/>
-              </a:prstGeom>
-              <a:gradFill flip="none" rotWithShape="1">
-                <a:gsLst>
-                  <a:gs pos="0">
-                    <a:srgbClr val="25FF88"/>
-                  </a:gs>
-                  <a:gs pos="100000">
-                    <a:srgbClr val="00D1A5"/>
-                  </a:gs>
-                </a:gsLst>
-                <a:path path="shape">
-                  <a:fillToRect l="50000" t="50000" r="50000" b="50000"/>
-                </a:path>
-                <a:tileRect/>
-              </a:gradFill>
-              <a:ln>
-                <a:noFill/>
-              </a:ln>
-            </p:spPr>
-            <p:style>
-              <a:lnRef idx="2">
-                <a:schemeClr val="accent1">
-                  <a:shade val="50000"/>
-                </a:schemeClr>
-              </a:lnRef>
-              <a:fillRef idx="1">
-                <a:schemeClr val="accent1"/>
-              </a:fillRef>
-              <a:effectRef idx="0">
-                <a:schemeClr val="accent1"/>
-              </a:effectRef>
-              <a:fontRef idx="minor">
-                <a:schemeClr val="lt1"/>
-              </a:fontRef>
-            </p:style>
-            <p:txBody>
-              <a:bodyPr rtlCol="0" anchor="ctr"/>
-              <a:lstStyle/>
-              <a:p>
-                <a:pPr algn="ctr"/>
-                <a:endParaRPr lang="pt-BR" dirty="0"/>
-              </a:p>
-            </p:txBody>
-          </p:sp>
-        </p:grpSp>
-        <p:sp>
-          <p:nvSpPr>
-            <p:cNvPr id="30" name="Balão de Pensamento: Nuvem 8">
-              <a:extLst>
-                <a:ext uri="{FF2B5EF4-FFF2-40B4-BE49-F238E27FC236}">
-                  <a16:creationId xmlns:a16="http://schemas.microsoft.com/office/drawing/2014/main" id="{08B7F520-3234-41C8-82E4-15176AB69054}"/>
-                </a:ext>
-              </a:extLst>
-            </p:cNvPr>
-            <p:cNvSpPr/>
-            <p:nvPr/>
-          </p:nvSpPr>
-          <p:spPr>
-            <a:xfrm>
-              <a:off x="2699792" y="2060848"/>
-              <a:ext cx="3528392" cy="2364022"/>
-            </a:xfrm>
-            <a:prstGeom prst="cloudCallout">
-              <a:avLst/>
-            </a:prstGeom>
-            <a:solidFill>
-              <a:schemeClr val="bg1"/>
-            </a:solidFill>
-            <a:ln>
-              <a:noFill/>
-            </a:ln>
-          </p:spPr>
-          <p:style>
-            <a:lnRef idx="2">
-              <a:schemeClr val="accent1">
-                <a:shade val="50000"/>
-              </a:schemeClr>
-            </a:lnRef>
-            <a:fillRef idx="1">
-              <a:schemeClr val="accent1"/>
-            </a:fillRef>
-            <a:effectRef idx="0">
-              <a:schemeClr val="accent1"/>
-            </a:effectRef>
-            <a:fontRef idx="minor">
-              <a:schemeClr val="lt1"/>
-            </a:fontRef>
-          </p:style>
-          <p:txBody>
-            <a:bodyPr rtlCol="0" anchor="ctr"/>
-            <a:lstStyle/>
-            <a:p>
-              <a:pPr algn="ctr"/>
-              <a:endParaRPr lang="pt-BR"/>
-            </a:p>
-          </p:txBody>
-        </p:sp>
-      </p:grpSp>
-      <p:grpSp>
-        <p:nvGrpSpPr>
-          <p:cNvPr id="33" name="Grupo 32"/>
-          <p:cNvGrpSpPr/>
-          <p:nvPr/>
-        </p:nvGrpSpPr>
-        <p:grpSpPr>
-          <a:xfrm>
-            <a:off x="4566906" y="2825701"/>
-            <a:ext cx="398556" cy="398556"/>
-            <a:chOff x="1691680" y="548680"/>
-            <a:chExt cx="5472608" cy="5472608"/>
-          </a:xfrm>
-        </p:grpSpPr>
-        <p:grpSp>
-          <p:nvGrpSpPr>
-            <p:cNvPr id="34" name="Agrupar 28">
-              <a:extLst>
-                <a:ext uri="{FF2B5EF4-FFF2-40B4-BE49-F238E27FC236}">
-                  <a16:creationId xmlns:a16="http://schemas.microsoft.com/office/drawing/2014/main" id="{D901CE6E-7119-4BCC-AFB1-6843519250D5}"/>
-                </a:ext>
-              </a:extLst>
-            </p:cNvPr>
-            <p:cNvGrpSpPr/>
-            <p:nvPr/>
-          </p:nvGrpSpPr>
-          <p:grpSpPr>
-            <a:xfrm>
-              <a:off x="1691680" y="548680"/>
-              <a:ext cx="5472608" cy="5472608"/>
-              <a:chOff x="1691680" y="548680"/>
-              <a:chExt cx="5472608" cy="5472608"/>
-            </a:xfrm>
-          </p:grpSpPr>
-          <p:sp>
-            <p:nvSpPr>
-              <p:cNvPr id="44" name="Elipse 43">
-                <a:extLst>
-                  <a:ext uri="{FF2B5EF4-FFF2-40B4-BE49-F238E27FC236}">
-                    <a16:creationId xmlns:a16="http://schemas.microsoft.com/office/drawing/2014/main" id="{04088BF3-B2E4-40D9-8DE2-881FC9DDFA30}"/>
-                  </a:ext>
-                </a:extLst>
-              </p:cNvPr>
-              <p:cNvSpPr/>
-              <p:nvPr/>
-            </p:nvSpPr>
-            <p:spPr>
-              <a:xfrm>
-                <a:off x="1691680" y="548680"/>
-                <a:ext cx="5472608" cy="5472608"/>
-              </a:xfrm>
-              <a:prstGeom prst="ellipse">
-                <a:avLst/>
-              </a:prstGeom>
-              <a:solidFill>
-                <a:srgbClr val="00B08A"/>
-              </a:solidFill>
-              <a:ln>
-                <a:noFill/>
-              </a:ln>
-            </p:spPr>
-            <p:style>
-              <a:lnRef idx="2">
-                <a:schemeClr val="accent1">
-                  <a:shade val="50000"/>
-                </a:schemeClr>
-              </a:lnRef>
-              <a:fillRef idx="1">
-                <a:schemeClr val="accent1"/>
-              </a:fillRef>
-              <a:effectRef idx="0">
-                <a:schemeClr val="accent1"/>
-              </a:effectRef>
-              <a:fontRef idx="minor">
-                <a:schemeClr val="lt1"/>
-              </a:fontRef>
-            </p:style>
-            <p:txBody>
-              <a:bodyPr rtlCol="0" anchor="ctr"/>
-              <a:lstStyle/>
-              <a:p>
-                <a:pPr algn="ctr"/>
-                <a:endParaRPr lang="pt-BR" dirty="0"/>
-              </a:p>
-            </p:txBody>
-          </p:sp>
-          <p:sp>
-            <p:nvSpPr>
-              <p:cNvPr id="45" name="Elipse 44">
-                <a:extLst>
-                  <a:ext uri="{FF2B5EF4-FFF2-40B4-BE49-F238E27FC236}">
-                    <a16:creationId xmlns:a16="http://schemas.microsoft.com/office/drawing/2014/main" id="{744C0D49-D95C-4385-B1D3-9CF3CE73F757}"/>
-                  </a:ext>
-                </a:extLst>
-              </p:cNvPr>
-              <p:cNvSpPr/>
-              <p:nvPr/>
-            </p:nvSpPr>
-            <p:spPr>
-              <a:xfrm>
-                <a:off x="1979712" y="836712"/>
-                <a:ext cx="4896544" cy="4896544"/>
-              </a:xfrm>
-              <a:prstGeom prst="ellipse">
-                <a:avLst/>
-              </a:prstGeom>
-              <a:gradFill flip="none" rotWithShape="1">
-                <a:gsLst>
-                  <a:gs pos="0">
-                    <a:srgbClr val="25FF88"/>
-                  </a:gs>
-                  <a:gs pos="100000">
-                    <a:srgbClr val="00D1A5"/>
-                  </a:gs>
-                </a:gsLst>
-                <a:path path="rect">
-                  <a:fillToRect l="100000" t="100000"/>
-                </a:path>
-                <a:tileRect r="-100000" b="-100000"/>
-              </a:gradFill>
-              <a:ln>
-                <a:noFill/>
-              </a:ln>
-            </p:spPr>
-            <p:style>
-              <a:lnRef idx="2">
-                <a:schemeClr val="accent1">
-                  <a:shade val="50000"/>
-                </a:schemeClr>
-              </a:lnRef>
-              <a:fillRef idx="1">
-                <a:schemeClr val="accent1"/>
-              </a:fillRef>
-              <a:effectRef idx="0">
-                <a:schemeClr val="accent1"/>
-              </a:effectRef>
-              <a:fontRef idx="minor">
-                <a:schemeClr val="lt1"/>
-              </a:fontRef>
-            </p:style>
-            <p:txBody>
-              <a:bodyPr rtlCol="0" anchor="ctr"/>
-              <a:lstStyle/>
-              <a:p>
-                <a:pPr algn="ctr"/>
-                <a:endParaRPr lang="pt-BR" dirty="0"/>
-              </a:p>
-            </p:txBody>
-          </p:sp>
-        </p:grpSp>
-        <p:grpSp>
-          <p:nvGrpSpPr>
-            <p:cNvPr id="36" name="Agrupar 65">
-              <a:extLst>
-                <a:ext uri="{FF2B5EF4-FFF2-40B4-BE49-F238E27FC236}">
-                  <a16:creationId xmlns:a16="http://schemas.microsoft.com/office/drawing/2014/main" id="{E6954B9F-5A79-48D6-8E26-CE435D817D49}"/>
-                </a:ext>
-              </a:extLst>
-            </p:cNvPr>
-            <p:cNvGrpSpPr/>
-            <p:nvPr/>
-          </p:nvGrpSpPr>
-          <p:grpSpPr>
-            <a:xfrm>
-              <a:off x="3119316" y="1721098"/>
-              <a:ext cx="2617335" cy="3072524"/>
-              <a:chOff x="3131840" y="1124744"/>
-              <a:chExt cx="3312368" cy="3888432"/>
-            </a:xfrm>
-            <a:solidFill>
-              <a:schemeClr val="bg1"/>
-            </a:solidFill>
-          </p:grpSpPr>
-          <p:sp>
-            <p:nvSpPr>
-              <p:cNvPr id="37" name="Retângulo: Cantos Arredondados 42">
-                <a:extLst>
-                  <a:ext uri="{FF2B5EF4-FFF2-40B4-BE49-F238E27FC236}">
-                    <a16:creationId xmlns:a16="http://schemas.microsoft.com/office/drawing/2014/main" id="{E26F953E-591C-42D2-BE35-A65C44304A4F}"/>
-                  </a:ext>
-                </a:extLst>
-              </p:cNvPr>
-              <p:cNvSpPr/>
-              <p:nvPr/>
-            </p:nvSpPr>
-            <p:spPr>
-              <a:xfrm>
-                <a:off x="3347864" y="1124744"/>
-                <a:ext cx="2952328" cy="3888432"/>
-              </a:xfrm>
-              <a:prstGeom prst="roundRect">
-                <a:avLst>
-                  <a:gd name="adj" fmla="val 4363"/>
-                </a:avLst>
-              </a:prstGeom>
-              <a:grpFill/>
               <a:ln>
                 <a:noFill/>
               </a:ln>
@@ -13080,10 +12197,10 @@
           </p:sp>
           <p:sp>
             <p:nvSpPr>
-              <p:cNvPr id="38" name="Retângulo: Cantos Arredondados 44">
+              <p:cNvPr id="6" name="Retângulo 5">
                 <a:extLst>
                   <a:ext uri="{FF2B5EF4-FFF2-40B4-BE49-F238E27FC236}">
-                    <a16:creationId xmlns:a16="http://schemas.microsoft.com/office/drawing/2014/main" id="{27A23B4D-3B78-466F-BC1D-26F73EB37732}"/>
+                    <a16:creationId xmlns:a16="http://schemas.microsoft.com/office/drawing/2014/main" id="{A34F8F8E-0DBB-44DA-85FB-9600204F38FB}"/>
                   </a:ext>
                 </a:extLst>
               </p:cNvPr>
@@ -13092,15 +12209,449 @@
             </p:nvSpPr>
             <p:spPr>
               <a:xfrm>
-                <a:off x="3131840" y="1124744"/>
-                <a:ext cx="648072" cy="3888432"/>
+                <a:off x="2123728" y="836712"/>
+                <a:ext cx="5328592" cy="154800"/>
+              </a:xfrm>
+              <a:prstGeom prst="rect">
+                <a:avLst/>
+              </a:prstGeom>
+              <a:solidFill>
+                <a:srgbClr val="262626"/>
+              </a:solidFill>
+              <a:ln>
+                <a:noFill/>
+              </a:ln>
+            </p:spPr>
+            <p:style>
+              <a:lnRef idx="2">
+                <a:schemeClr val="accent1">
+                  <a:shade val="50000"/>
+                </a:schemeClr>
+              </a:lnRef>
+              <a:fillRef idx="1">
+                <a:schemeClr val="accent1"/>
+              </a:fillRef>
+              <a:effectRef idx="0">
+                <a:schemeClr val="accent1"/>
+              </a:effectRef>
+              <a:fontRef idx="minor">
+                <a:schemeClr val="lt1"/>
+              </a:fontRef>
+            </p:style>
+            <p:txBody>
+              <a:bodyPr rot="0" spcFirstLastPara="0" vertOverflow="overflow" horzOverflow="overflow" vert="horz" wrap="square" lIns="91440" tIns="45720" rIns="91440" bIns="45720" numCol="1" spcCol="0" rtlCol="0" fromWordArt="0" anchor="ctr" anchorCtr="0" forceAA="0" compatLnSpc="1">
+                <a:prstTxWarp prst="textNoShape">
+                  <a:avLst/>
+                </a:prstTxWarp>
+                <a:noAutofit/>
+              </a:bodyPr>
+              <a:lstStyle/>
+              <a:p>
+                <a:pPr algn="ctr"/>
+                <a:endParaRPr lang="pt-BR"/>
+              </a:p>
+            </p:txBody>
+          </p:sp>
+          <p:grpSp>
+            <p:nvGrpSpPr>
+              <p:cNvPr id="14" name="Grupo 13"/>
+              <p:cNvGrpSpPr/>
+              <p:nvPr/>
+            </p:nvGrpSpPr>
+            <p:grpSpPr>
+              <a:xfrm>
+                <a:off x="6750299" y="4124931"/>
+                <a:ext cx="283491" cy="312182"/>
+                <a:chOff x="3249702" y="2110164"/>
+                <a:chExt cx="1826354" cy="2011192"/>
+              </a:xfrm>
+            </p:grpSpPr>
+            <p:sp>
+              <p:nvSpPr>
+                <p:cNvPr id="7" name="Elipse 6"/>
+                <p:cNvSpPr/>
+                <p:nvPr/>
+              </p:nvSpPr>
+              <p:spPr>
+                <a:xfrm>
+                  <a:off x="3249702" y="2357535"/>
+                  <a:ext cx="1826354" cy="1763821"/>
+                </a:xfrm>
+                <a:custGeom>
+                  <a:avLst/>
+                  <a:gdLst/>
+                  <a:ahLst/>
+                  <a:cxnLst/>
+                  <a:rect l="l" t="t" r="r" b="b"/>
+                  <a:pathLst>
+                    <a:path w="1780499" h="1719536">
+                      <a:moveTo>
+                        <a:pt x="573632" y="0"/>
+                      </a:moveTo>
+                      <a:lnTo>
+                        <a:pt x="573632" y="297129"/>
+                      </a:lnTo>
+                      <a:cubicBezTo>
+                        <a:pt x="390141" y="402860"/>
+                        <a:pt x="268072" y="601818"/>
+                        <a:pt x="268072" y="829287"/>
+                      </a:cubicBezTo>
+                      <a:cubicBezTo>
+                        <a:pt x="268072" y="1172906"/>
+                        <a:pt x="546631" y="1451464"/>
+                        <a:pt x="890250" y="1451464"/>
+                      </a:cubicBezTo>
+                      <a:cubicBezTo>
+                        <a:pt x="1233869" y="1451464"/>
+                        <a:pt x="1512427" y="1172906"/>
+                        <a:pt x="1512427" y="829287"/>
+                      </a:cubicBezTo>
+                      <a:cubicBezTo>
+                        <a:pt x="1512427" y="620451"/>
+                        <a:pt x="1409538" y="435646"/>
+                        <a:pt x="1250741" y="324707"/>
+                      </a:cubicBezTo>
+                      <a:lnTo>
+                        <a:pt x="1250741" y="16912"/>
+                      </a:lnTo>
+                      <a:cubicBezTo>
+                        <a:pt x="1563088" y="153810"/>
+                        <a:pt x="1780499" y="466159"/>
+                        <a:pt x="1780499" y="829287"/>
+                      </a:cubicBezTo>
+                      <a:cubicBezTo>
+                        <a:pt x="1780499" y="1320958"/>
+                        <a:pt x="1381921" y="1719536"/>
+                        <a:pt x="890250" y="1719536"/>
+                      </a:cubicBezTo>
+                      <a:cubicBezTo>
+                        <a:pt x="398578" y="1719536"/>
+                        <a:pt x="0" y="1320958"/>
+                        <a:pt x="0" y="829287"/>
+                      </a:cubicBezTo>
+                      <a:cubicBezTo>
+                        <a:pt x="0" y="449479"/>
+                        <a:pt x="237844" y="125222"/>
+                        <a:pt x="573632" y="0"/>
+                      </a:cubicBezTo>
+                      <a:close/>
+                    </a:path>
+                  </a:pathLst>
+                </a:custGeom>
+                <a:solidFill>
+                  <a:schemeClr val="bg1"/>
+                </a:solidFill>
+                <a:ln>
+                  <a:noFill/>
+                </a:ln>
+              </p:spPr>
+              <p:style>
+                <a:lnRef idx="2">
+                  <a:schemeClr val="accent1">
+                    <a:shade val="50000"/>
+                  </a:schemeClr>
+                </a:lnRef>
+                <a:fillRef idx="1">
+                  <a:schemeClr val="accent1"/>
+                </a:fillRef>
+                <a:effectRef idx="0">
+                  <a:schemeClr val="accent1"/>
+                </a:effectRef>
+                <a:fontRef idx="minor">
+                  <a:schemeClr val="lt1"/>
+                </a:fontRef>
+              </p:style>
+              <p:txBody>
+                <a:bodyPr rtlCol="0" anchor="ctr"/>
+                <a:lstStyle/>
+                <a:p>
+                  <a:pPr algn="ctr"/>
+                  <a:endParaRPr lang="pt-BR"/>
+                </a:p>
+              </p:txBody>
+            </p:sp>
+            <p:sp>
+              <p:nvSpPr>
+                <p:cNvPr id="12" name="Retângulo de cantos arredondados 11"/>
+                <p:cNvSpPr/>
+                <p:nvPr/>
+              </p:nvSpPr>
+              <p:spPr>
+                <a:xfrm>
+                  <a:off x="3995936" y="2110164"/>
+                  <a:ext cx="360040" cy="1175548"/>
+                </a:xfrm>
+                <a:prstGeom prst="roundRect">
+                  <a:avLst>
+                    <a:gd name="adj" fmla="val 50000"/>
+                  </a:avLst>
+                </a:prstGeom>
+                <a:solidFill>
+                  <a:schemeClr val="bg1"/>
+                </a:solidFill>
+                <a:ln>
+                  <a:noFill/>
+                </a:ln>
+              </p:spPr>
+              <p:style>
+                <a:lnRef idx="2">
+                  <a:schemeClr val="accent1">
+                    <a:shade val="50000"/>
+                  </a:schemeClr>
+                </a:lnRef>
+                <a:fillRef idx="1">
+                  <a:schemeClr val="accent1"/>
+                </a:fillRef>
+                <a:effectRef idx="0">
+                  <a:schemeClr val="accent1"/>
+                </a:effectRef>
+                <a:fontRef idx="minor">
+                  <a:schemeClr val="lt1"/>
+                </a:fontRef>
+              </p:style>
+              <p:txBody>
+                <a:bodyPr rtlCol="0" anchor="ctr"/>
+                <a:lstStyle/>
+                <a:p>
+                  <a:pPr algn="ctr"/>
+                  <a:endParaRPr lang="pt-BR"/>
+                </a:p>
+              </p:txBody>
+            </p:sp>
+          </p:grpSp>
+          <p:pic>
+            <p:nvPicPr>
+              <p:cNvPr id="4" name="Imagem 3"/>
+              <p:cNvPicPr>
+                <a:picLocks noChangeAspect="1"/>
+              </p:cNvPicPr>
+              <p:nvPr/>
+            </p:nvPicPr>
+            <p:blipFill>
+              <a:blip r:embed="rId4" cstate="print">
+                <a:extLst>
+                  <a:ext uri="{28A0092B-C50C-407E-A947-70E740481C1C}">
+                    <a14:useLocalDpi xmlns:a14="http://schemas.microsoft.com/office/drawing/2010/main" val="0"/>
+                  </a:ext>
+                </a:extLst>
+              </a:blip>
+              <a:stretch>
+                <a:fillRect/>
+              </a:stretch>
+            </p:blipFill>
+            <p:spPr>
+              <a:xfrm>
+                <a:off x="4427984" y="4149080"/>
+                <a:ext cx="842846" cy="268331"/>
+              </a:xfrm>
+              <a:prstGeom prst="rect">
+                <a:avLst/>
+              </a:prstGeom>
+            </p:spPr>
+          </p:pic>
+          <p:sp>
+            <p:nvSpPr>
+              <p:cNvPr id="13" name="Retângulo: Cantos Arredondados 12">
+                <a:extLst>
+                  <a:ext uri="{FF2B5EF4-FFF2-40B4-BE49-F238E27FC236}">
+                    <a16:creationId xmlns:a16="http://schemas.microsoft.com/office/drawing/2014/main" id="{818766A5-B868-4890-BB70-E46DECBFDB94}"/>
+                  </a:ext>
+                </a:extLst>
+              </p:cNvPr>
+              <p:cNvSpPr/>
+              <p:nvPr/>
+            </p:nvSpPr>
+            <p:spPr>
+              <a:xfrm>
+                <a:off x="2754947" y="4725144"/>
+                <a:ext cx="4176464" cy="216024"/>
               </a:xfrm>
               <a:prstGeom prst="roundRect">
                 <a:avLst>
                   <a:gd name="adj" fmla="val 50000"/>
                 </a:avLst>
               </a:prstGeom>
-              <a:grpFill/>
+              <a:solidFill>
+                <a:srgbClr val="262626"/>
+              </a:solidFill>
+              <a:ln>
+                <a:noFill/>
+              </a:ln>
+            </p:spPr>
+            <p:style>
+              <a:lnRef idx="2">
+                <a:schemeClr val="accent1">
+                  <a:shade val="50000"/>
+                </a:schemeClr>
+              </a:lnRef>
+              <a:fillRef idx="1">
+                <a:schemeClr val="accent1"/>
+              </a:fillRef>
+              <a:effectRef idx="0">
+                <a:schemeClr val="accent1"/>
+              </a:effectRef>
+              <a:fontRef idx="minor">
+                <a:schemeClr val="lt1"/>
+              </a:fontRef>
+            </p:style>
+            <p:txBody>
+              <a:bodyPr rot="0" spcFirstLastPara="0" vertOverflow="overflow" horzOverflow="overflow" vert="horz" wrap="square" lIns="91440" tIns="45720" rIns="91440" bIns="45720" numCol="1" spcCol="0" rtlCol="0" fromWordArt="0" anchor="ctr" anchorCtr="0" forceAA="0" compatLnSpc="1">
+                <a:prstTxWarp prst="textNoShape">
+                  <a:avLst/>
+                </a:prstTxWarp>
+                <a:noAutofit/>
+              </a:bodyPr>
+              <a:lstStyle/>
+              <a:p>
+                <a:pPr algn="ctr"/>
+                <a:endParaRPr lang="pt-BR"/>
+              </a:p>
+            </p:txBody>
+          </p:sp>
+        </p:grpSp>
+        <p:sp>
+          <p:nvSpPr>
+            <p:cNvPr id="35" name="CaixaDeTexto 34">
+              <a:extLst>
+                <a:ext uri="{FF2B5EF4-FFF2-40B4-BE49-F238E27FC236}">
+                  <a16:creationId xmlns:a16="http://schemas.microsoft.com/office/drawing/2014/main" id="{621C9FDC-CD28-4F1A-B97A-7E0F5B8A6F5E}"/>
+                </a:ext>
+              </a:extLst>
+            </p:cNvPr>
+            <p:cNvSpPr txBox="1"/>
+            <p:nvPr/>
+          </p:nvSpPr>
+          <p:spPr>
+            <a:xfrm>
+              <a:off x="5652496" y="5447930"/>
+              <a:ext cx="2109873" cy="400110"/>
+            </a:xfrm>
+            <a:prstGeom prst="rect">
+              <a:avLst/>
+            </a:prstGeom>
+            <a:noFill/>
+          </p:spPr>
+          <p:txBody>
+            <a:bodyPr wrap="none" rtlCol="0">
+              <a:spAutoFit/>
+            </a:bodyPr>
+            <a:lstStyle/>
+            <a:p>
+              <a:r>
+                <a:rPr lang="pt-BR" sz="2000" b="1" dirty="0">
+                  <a:solidFill>
+                    <a:srgbClr val="008EBA"/>
+                  </a:solidFill>
+                  <a:latin typeface="Agency FB" panose="020B0503020202020204" pitchFamily="34" charset="0"/>
+                </a:rPr>
+                <a:t>CRIE, LEIA, QUESTIONE</a:t>
+              </a:r>
+            </a:p>
+          </p:txBody>
+        </p:sp>
+        <p:sp>
+          <p:nvSpPr>
+            <p:cNvPr id="73" name="CaixaDeTexto 72">
+              <a:extLst>
+                <a:ext uri="{FF2B5EF4-FFF2-40B4-BE49-F238E27FC236}">
+                  <a16:creationId xmlns:a16="http://schemas.microsoft.com/office/drawing/2014/main" id="{1D014F01-BC1F-49D3-855C-023FDF7425DB}"/>
+                </a:ext>
+              </a:extLst>
+            </p:cNvPr>
+            <p:cNvSpPr txBox="1"/>
+            <p:nvPr/>
+          </p:nvSpPr>
+          <p:spPr>
+            <a:xfrm>
+              <a:off x="5652496" y="5807970"/>
+              <a:ext cx="2432076" cy="1200329"/>
+            </a:xfrm>
+            <a:prstGeom prst="rect">
+              <a:avLst/>
+            </a:prstGeom>
+            <a:noFill/>
+          </p:spPr>
+          <p:txBody>
+            <a:bodyPr wrap="none" rtlCol="0">
+              <a:spAutoFit/>
+            </a:bodyPr>
+            <a:lstStyle/>
+            <a:p>
+              <a:r>
+                <a:rPr lang="pt-BR" dirty="0">
+                  <a:latin typeface="Agency FB" panose="020B0503020202020204" pitchFamily="34" charset="0"/>
+                </a:rPr>
+                <a:t>Utilize o menu de opções</a:t>
+              </a:r>
+            </a:p>
+            <a:p>
+              <a:r>
+                <a:rPr lang="pt-BR" dirty="0">
+                  <a:latin typeface="Agency FB" panose="020B0503020202020204" pitchFamily="34" charset="0"/>
+                </a:rPr>
+                <a:t>para criar novas tarefas,</a:t>
+              </a:r>
+            </a:p>
+            <a:p>
+              <a:r>
+                <a:rPr lang="pt-BR" dirty="0">
+                  <a:latin typeface="Agency FB" panose="020B0503020202020204" pitchFamily="34" charset="0"/>
+                </a:rPr>
+                <a:t>ler dicas de organização e </a:t>
+              </a:r>
+            </a:p>
+            <a:p>
+              <a:r>
+                <a:rPr lang="pt-BR" dirty="0">
+                  <a:latin typeface="Agency FB" panose="020B0503020202020204" pitchFamily="34" charset="0"/>
+                </a:rPr>
+                <a:t>acessar o fórum de perguntas.</a:t>
+              </a:r>
+            </a:p>
+          </p:txBody>
+        </p:sp>
+        <p:grpSp>
+          <p:nvGrpSpPr>
+            <p:cNvPr id="74" name="Agrupar 73">
+              <a:extLst>
+                <a:ext uri="{FF2B5EF4-FFF2-40B4-BE49-F238E27FC236}">
+                  <a16:creationId xmlns:a16="http://schemas.microsoft.com/office/drawing/2014/main" id="{25C8C6FE-6F93-439F-B929-93FE4A74A82A}"/>
+                </a:ext>
+              </a:extLst>
+            </p:cNvPr>
+            <p:cNvGrpSpPr/>
+            <p:nvPr/>
+          </p:nvGrpSpPr>
+          <p:grpSpPr>
+            <a:xfrm>
+              <a:off x="5220448" y="5447930"/>
+              <a:ext cx="368041" cy="432048"/>
+              <a:chOff x="3131840" y="1124744"/>
+              <a:chExt cx="3312368" cy="3888432"/>
+            </a:xfrm>
+          </p:grpSpPr>
+          <p:sp>
+            <p:nvSpPr>
+              <p:cNvPr id="75" name="Retângulo: Cantos Arredondados 74">
+                <a:extLst>
+                  <a:ext uri="{FF2B5EF4-FFF2-40B4-BE49-F238E27FC236}">
+                    <a16:creationId xmlns:a16="http://schemas.microsoft.com/office/drawing/2014/main" id="{3D02B4A7-94C6-42E4-AC45-77C5AA9180A8}"/>
+                  </a:ext>
+                </a:extLst>
+              </p:cNvPr>
+              <p:cNvSpPr/>
+              <p:nvPr/>
+            </p:nvSpPr>
+            <p:spPr>
+              <a:xfrm>
+                <a:off x="3347864" y="1124744"/>
+                <a:ext cx="2952328" cy="3888432"/>
+              </a:xfrm>
+              <a:prstGeom prst="roundRect">
+                <a:avLst>
+                  <a:gd name="adj" fmla="val 4363"/>
+                </a:avLst>
+              </a:prstGeom>
               <a:ln>
                 <a:noFill/>
               </a:ln>
@@ -13132,10 +12683,10 @@
           </p:sp>
           <p:sp>
             <p:nvSpPr>
-              <p:cNvPr id="39" name="Retângulo: Cantos Arredondados 45">
+              <p:cNvPr id="76" name="Retângulo: Cantos Arredondados 75">
                 <a:extLst>
                   <a:ext uri="{FF2B5EF4-FFF2-40B4-BE49-F238E27FC236}">
-                    <a16:creationId xmlns:a16="http://schemas.microsoft.com/office/drawing/2014/main" id="{0DF5B6B1-60E6-42C2-897B-8E521DD10138}"/>
+                    <a16:creationId xmlns:a16="http://schemas.microsoft.com/office/drawing/2014/main" id="{A21BEFDC-9C89-4F4A-990A-21401D255BAC}"/>
                   </a:ext>
                 </a:extLst>
               </p:cNvPr>
@@ -13144,15 +12695,17 @@
             </p:nvSpPr>
             <p:spPr>
               <a:xfrm>
-                <a:off x="3491880" y="1628800"/>
-                <a:ext cx="2952328" cy="3384376"/>
+                <a:off x="3131840" y="1124744"/>
+                <a:ext cx="648072" cy="3888432"/>
               </a:xfrm>
               <a:prstGeom prst="roundRect">
                 <a:avLst>
-                  <a:gd name="adj" fmla="val 4363"/>
+                  <a:gd name="adj" fmla="val 50000"/>
                 </a:avLst>
               </a:prstGeom>
-              <a:grpFill/>
+              <a:solidFill>
+                <a:srgbClr val="4A7DBA"/>
+              </a:solidFill>
               <a:ln>
                 <a:noFill/>
               </a:ln>
@@ -13184,10 +12737,64 @@
           </p:sp>
           <p:sp>
             <p:nvSpPr>
-              <p:cNvPr id="40" name="Forma Livre: Forma 48">
+              <p:cNvPr id="77" name="Retângulo: Cantos Arredondados 76">
                 <a:extLst>
                   <a:ext uri="{FF2B5EF4-FFF2-40B4-BE49-F238E27FC236}">
-                    <a16:creationId xmlns:a16="http://schemas.microsoft.com/office/drawing/2014/main" id="{147EA51B-9824-4893-8BCB-944C95F4AD44}"/>
+                    <a16:creationId xmlns:a16="http://schemas.microsoft.com/office/drawing/2014/main" id="{E9536769-EA26-4766-A7B9-4609F517199C}"/>
+                  </a:ext>
+                </a:extLst>
+              </p:cNvPr>
+              <p:cNvSpPr/>
+              <p:nvPr/>
+            </p:nvSpPr>
+            <p:spPr>
+              <a:xfrm>
+                <a:off x="3491880" y="1628800"/>
+                <a:ext cx="2952328" cy="3384376"/>
+              </a:xfrm>
+              <a:prstGeom prst="roundRect">
+                <a:avLst>
+                  <a:gd name="adj" fmla="val 4363"/>
+                </a:avLst>
+              </a:prstGeom>
+              <a:solidFill>
+                <a:srgbClr val="7099CA"/>
+              </a:solidFill>
+              <a:ln>
+                <a:noFill/>
+              </a:ln>
+            </p:spPr>
+            <p:style>
+              <a:lnRef idx="2">
+                <a:schemeClr val="accent1">
+                  <a:shade val="50000"/>
+                </a:schemeClr>
+              </a:lnRef>
+              <a:fillRef idx="1">
+                <a:schemeClr val="accent1"/>
+              </a:fillRef>
+              <a:effectRef idx="0">
+                <a:schemeClr val="accent1"/>
+              </a:effectRef>
+              <a:fontRef idx="minor">
+                <a:schemeClr val="lt1"/>
+              </a:fontRef>
+            </p:style>
+            <p:txBody>
+              <a:bodyPr rtlCol="0" anchor="ctr"/>
+              <a:lstStyle/>
+              <a:p>
+                <a:pPr algn="ctr"/>
+                <a:endParaRPr lang="pt-BR"/>
+              </a:p>
+            </p:txBody>
+          </p:sp>
+          <p:sp>
+            <p:nvSpPr>
+              <p:cNvPr id="78" name="Forma Livre: Forma 77">
+                <a:extLst>
+                  <a:ext uri="{FF2B5EF4-FFF2-40B4-BE49-F238E27FC236}">
+                    <a16:creationId xmlns:a16="http://schemas.microsoft.com/office/drawing/2014/main" id="{67612D66-7C21-4AD2-811B-34E7E080F2B0}"/>
                   </a:ext>
                 </a:extLst>
               </p:cNvPr>
@@ -13281,112 +12888,8 @@
                   </a:path>
                 </a:pathLst>
               </a:custGeom>
-              <a:grpFill/>
-              <a:ln>
-                <a:noFill/>
-              </a:ln>
-            </p:spPr>
-            <p:style>
-              <a:lnRef idx="2">
-                <a:schemeClr val="accent1">
-                  <a:shade val="50000"/>
-                </a:schemeClr>
-              </a:lnRef>
-              <a:fillRef idx="1">
-                <a:schemeClr val="accent1"/>
-              </a:fillRef>
-              <a:effectRef idx="0">
-                <a:schemeClr val="accent1"/>
-              </a:effectRef>
-              <a:fontRef idx="minor">
-                <a:schemeClr val="lt1"/>
-              </a:fontRef>
-            </p:style>
-            <p:txBody>
-              <a:bodyPr rtlCol="0" anchor="ctr"/>
-              <a:lstStyle/>
-              <a:p>
-                <a:pPr algn="ctr"/>
-                <a:endParaRPr lang="pt-BR"/>
-              </a:p>
-            </p:txBody>
-          </p:sp>
-          <p:sp>
-            <p:nvSpPr>
-              <p:cNvPr id="41" name="Retângulo 40">
-                <a:extLst>
-                  <a:ext uri="{FF2B5EF4-FFF2-40B4-BE49-F238E27FC236}">
-                    <a16:creationId xmlns:a16="http://schemas.microsoft.com/office/drawing/2014/main" id="{49C67F48-55A3-422E-B4F5-9174C0AB9645}"/>
-                  </a:ext>
-                </a:extLst>
-              </p:cNvPr>
-              <p:cNvSpPr/>
-              <p:nvPr/>
-            </p:nvSpPr>
-            <p:spPr>
-              <a:xfrm>
-                <a:off x="3491880" y="1628800"/>
-                <a:ext cx="288032" cy="3384376"/>
-              </a:xfrm>
-              <a:prstGeom prst="rect">
-                <a:avLst/>
-              </a:prstGeom>
-              <a:grpFill/>
-              <a:ln>
-                <a:noFill/>
-              </a:ln>
-            </p:spPr>
-            <p:style>
-              <a:lnRef idx="2">
-                <a:schemeClr val="accent1">
-                  <a:shade val="50000"/>
-                </a:schemeClr>
-              </a:lnRef>
-              <a:fillRef idx="1">
-                <a:schemeClr val="accent1"/>
-              </a:fillRef>
-              <a:effectRef idx="0">
-                <a:schemeClr val="accent1"/>
-              </a:effectRef>
-              <a:fontRef idx="minor">
-                <a:schemeClr val="lt1"/>
-              </a:fontRef>
-            </p:style>
-            <p:txBody>
-              <a:bodyPr rtlCol="0" anchor="ctr"/>
-              <a:lstStyle/>
-              <a:p>
-                <a:pPr algn="ctr"/>
-                <a:endParaRPr lang="pt-BR"/>
-              </a:p>
-            </p:txBody>
-          </p:sp>
-          <p:sp>
-            <p:nvSpPr>
-              <p:cNvPr id="42" name="Retângulo: Cantos Arredondados 50">
-                <a:extLst>
-                  <a:ext uri="{FF2B5EF4-FFF2-40B4-BE49-F238E27FC236}">
-                    <a16:creationId xmlns:a16="http://schemas.microsoft.com/office/drawing/2014/main" id="{81588C93-3361-4B45-9648-2FA7EF14917B}"/>
-                  </a:ext>
-                </a:extLst>
-              </p:cNvPr>
-              <p:cNvSpPr/>
-              <p:nvPr/>
-            </p:nvSpPr>
-            <p:spPr>
-              <a:xfrm>
-                <a:off x="4067944" y="4293096"/>
-                <a:ext cx="2016224" cy="72008"/>
-              </a:xfrm>
-              <a:prstGeom prst="roundRect">
-                <a:avLst>
-                  <a:gd name="adj" fmla="val 50000"/>
-                </a:avLst>
-              </a:prstGeom>
               <a:solidFill>
-                <a:schemeClr val="bg1">
-                  <a:lumMod val="85000"/>
-                </a:schemeClr>
+                <a:schemeClr val="bg1"/>
               </a:solidFill>
               <a:ln>
                 <a:noFill/>
@@ -13419,10 +12922,116 @@
           </p:sp>
           <p:sp>
             <p:nvSpPr>
-              <p:cNvPr id="43" name="Retângulo: Cantos Arredondados 51">
+              <p:cNvPr id="79" name="Retângulo 78">
                 <a:extLst>
                   <a:ext uri="{FF2B5EF4-FFF2-40B4-BE49-F238E27FC236}">
-                    <a16:creationId xmlns:a16="http://schemas.microsoft.com/office/drawing/2014/main" id="{40BD0A9D-8A67-4FEC-A85A-0C36C97F9065}"/>
+                    <a16:creationId xmlns:a16="http://schemas.microsoft.com/office/drawing/2014/main" id="{ABF39C16-42E3-4CA7-8E38-1E7DBE195193}"/>
+                  </a:ext>
+                </a:extLst>
+              </p:cNvPr>
+              <p:cNvSpPr/>
+              <p:nvPr/>
+            </p:nvSpPr>
+            <p:spPr>
+              <a:xfrm>
+                <a:off x="3491880" y="1628800"/>
+                <a:ext cx="288032" cy="3384376"/>
+              </a:xfrm>
+              <a:prstGeom prst="rect">
+                <a:avLst/>
+              </a:prstGeom>
+              <a:solidFill>
+                <a:srgbClr val="628FC6"/>
+              </a:solidFill>
+              <a:ln>
+                <a:noFill/>
+              </a:ln>
+            </p:spPr>
+            <p:style>
+              <a:lnRef idx="2">
+                <a:schemeClr val="accent1">
+                  <a:shade val="50000"/>
+                </a:schemeClr>
+              </a:lnRef>
+              <a:fillRef idx="1">
+                <a:schemeClr val="accent1"/>
+              </a:fillRef>
+              <a:effectRef idx="0">
+                <a:schemeClr val="accent1"/>
+              </a:effectRef>
+              <a:fontRef idx="minor">
+                <a:schemeClr val="lt1"/>
+              </a:fontRef>
+            </p:style>
+            <p:txBody>
+              <a:bodyPr rtlCol="0" anchor="ctr"/>
+              <a:lstStyle/>
+              <a:p>
+                <a:pPr algn="ctr"/>
+                <a:endParaRPr lang="pt-BR"/>
+              </a:p>
+            </p:txBody>
+          </p:sp>
+          <p:sp>
+            <p:nvSpPr>
+              <p:cNvPr id="80" name="Retângulo: Cantos Arredondados 79">
+                <a:extLst>
+                  <a:ext uri="{FF2B5EF4-FFF2-40B4-BE49-F238E27FC236}">
+                    <a16:creationId xmlns:a16="http://schemas.microsoft.com/office/drawing/2014/main" id="{46F37D4C-4A80-4110-8206-601414E6E1EA}"/>
+                  </a:ext>
+                </a:extLst>
+              </p:cNvPr>
+              <p:cNvSpPr/>
+              <p:nvPr/>
+            </p:nvSpPr>
+            <p:spPr>
+              <a:xfrm>
+                <a:off x="4067944" y="4293096"/>
+                <a:ext cx="2016224" cy="72008"/>
+              </a:xfrm>
+              <a:prstGeom prst="roundRect">
+                <a:avLst>
+                  <a:gd name="adj" fmla="val 50000"/>
+                </a:avLst>
+              </a:prstGeom>
+              <a:solidFill>
+                <a:schemeClr val="bg1"/>
+              </a:solidFill>
+              <a:ln>
+                <a:noFill/>
+              </a:ln>
+            </p:spPr>
+            <p:style>
+              <a:lnRef idx="2">
+                <a:schemeClr val="accent1">
+                  <a:shade val="50000"/>
+                </a:schemeClr>
+              </a:lnRef>
+              <a:fillRef idx="1">
+                <a:schemeClr val="accent1"/>
+              </a:fillRef>
+              <a:effectRef idx="0">
+                <a:schemeClr val="accent1"/>
+              </a:effectRef>
+              <a:fontRef idx="minor">
+                <a:schemeClr val="lt1"/>
+              </a:fontRef>
+            </p:style>
+            <p:txBody>
+              <a:bodyPr rtlCol="0" anchor="ctr"/>
+              <a:lstStyle/>
+              <a:p>
+                <a:pPr algn="ctr"/>
+                <a:endParaRPr lang="pt-BR"/>
+              </a:p>
+            </p:txBody>
+          </p:sp>
+          <p:sp>
+            <p:nvSpPr>
+              <p:cNvPr id="81" name="Retângulo: Cantos Arredondados 80">
+                <a:extLst>
+                  <a:ext uri="{FF2B5EF4-FFF2-40B4-BE49-F238E27FC236}">
+                    <a16:creationId xmlns:a16="http://schemas.microsoft.com/office/drawing/2014/main" id="{D96A18E6-0035-4C39-B8C2-359B15A4AD5F}"/>
                   </a:ext>
                 </a:extLst>
               </p:cNvPr>
@@ -13440,9 +13049,7 @@
                 </a:avLst>
               </a:prstGeom>
               <a:solidFill>
-                <a:schemeClr val="bg1">
-                  <a:lumMod val="85000"/>
-                </a:schemeClr>
+                <a:schemeClr val="bg1"/>
               </a:solidFill>
               <a:ln>
                 <a:noFill/>
@@ -13474,33 +13081,244 @@
             </p:txBody>
           </p:sp>
         </p:grpSp>
-      </p:grpSp>
-      <p:grpSp>
-        <p:nvGrpSpPr>
-          <p:cNvPr id="46" name="Agrupar 66">
+        <p:sp>
+          <p:nvSpPr>
+            <p:cNvPr id="85" name="CaixaDeTexto 84">
+              <a:extLst>
+                <a:ext uri="{FF2B5EF4-FFF2-40B4-BE49-F238E27FC236}">
+                  <a16:creationId xmlns:a16="http://schemas.microsoft.com/office/drawing/2014/main" id="{0668CD6A-8DAE-4E76-8622-1E06287864E4}"/>
+                </a:ext>
+              </a:extLst>
+            </p:cNvPr>
+            <p:cNvSpPr txBox="1"/>
+            <p:nvPr/>
+          </p:nvSpPr>
+          <p:spPr>
+            <a:xfrm>
+              <a:off x="12061205" y="3503712"/>
+              <a:ext cx="1556836" cy="400110"/>
+            </a:xfrm>
+            <a:prstGeom prst="rect">
+              <a:avLst/>
+            </a:prstGeom>
+            <a:noFill/>
+          </p:spPr>
+          <p:txBody>
+            <a:bodyPr wrap="none" rtlCol="0">
+              <a:spAutoFit/>
+            </a:bodyPr>
+            <a:lstStyle/>
+            <a:p>
+              <a:r>
+                <a:rPr lang="pt-BR" sz="2000" b="1" dirty="0">
+                  <a:solidFill>
+                    <a:srgbClr val="008EBA"/>
+                  </a:solidFill>
+                  <a:latin typeface="Agency FB" panose="020B0503020202020204" pitchFamily="34" charset="0"/>
+                </a:rPr>
+                <a:t>TREINE, SUPERE</a:t>
+              </a:r>
+            </a:p>
+          </p:txBody>
+        </p:sp>
+        <p:sp>
+          <p:nvSpPr>
+            <p:cNvPr id="86" name="CaixaDeTexto 85">
+              <a:extLst>
+                <a:ext uri="{FF2B5EF4-FFF2-40B4-BE49-F238E27FC236}">
+                  <a16:creationId xmlns:a16="http://schemas.microsoft.com/office/drawing/2014/main" id="{0B2C2855-BFA5-4550-9DE4-9E72B9A13FD8}"/>
+                </a:ext>
+              </a:extLst>
+            </p:cNvPr>
+            <p:cNvSpPr txBox="1"/>
+            <p:nvPr/>
+          </p:nvSpPr>
+          <p:spPr>
+            <a:xfrm>
+              <a:off x="12061205" y="3863752"/>
+              <a:ext cx="2704587" cy="923330"/>
+            </a:xfrm>
+            <a:prstGeom prst="rect">
+              <a:avLst/>
+            </a:prstGeom>
+            <a:noFill/>
+          </p:spPr>
+          <p:txBody>
+            <a:bodyPr wrap="none" rtlCol="0">
+              <a:spAutoFit/>
+            </a:bodyPr>
+            <a:lstStyle/>
+            <a:p>
+              <a:r>
+                <a:rPr lang="pt-BR" dirty="0">
+                  <a:latin typeface="Agency FB" panose="020B0503020202020204" pitchFamily="34" charset="0"/>
+                </a:rPr>
+                <a:t>Verifique qual é o seu desempenho</a:t>
+              </a:r>
+            </a:p>
+            <a:p>
+              <a:r>
+                <a:rPr lang="pt-BR" dirty="0">
+                  <a:latin typeface="Agency FB" panose="020B0503020202020204" pitchFamily="34" charset="0"/>
+                </a:rPr>
+                <a:t>de acordo com a quantidade de </a:t>
+              </a:r>
+            </a:p>
+            <a:p>
+              <a:r>
+                <a:rPr lang="pt-BR" dirty="0">
+                  <a:latin typeface="Agency FB" panose="020B0503020202020204" pitchFamily="34" charset="0"/>
+                </a:rPr>
+                <a:t>tarefas concluídas.</a:t>
+              </a:r>
+            </a:p>
+          </p:txBody>
+        </p:sp>
+        <p:pic>
+          <p:nvPicPr>
+            <p:cNvPr id="87" name="Picture 2" descr="Resultado de imagem para trofeu icone">
+              <a:extLst>
+                <a:ext uri="{FF2B5EF4-FFF2-40B4-BE49-F238E27FC236}">
+                  <a16:creationId xmlns:a16="http://schemas.microsoft.com/office/drawing/2014/main" id="{305231BE-6D62-4AEF-9098-AF410599CD8D}"/>
+                </a:ext>
+              </a:extLst>
+            </p:cNvPr>
+            <p:cNvPicPr>
+              <a:picLocks noChangeAspect="1" noChangeArrowheads="1"/>
+            </p:cNvPicPr>
+            <p:nvPr/>
+          </p:nvPicPr>
+          <p:blipFill>
+            <a:blip r:embed="rId5" cstate="print">
+              <a:duotone>
+                <a:prstClr val="black"/>
+                <a:schemeClr val="accent5">
+                  <a:tint val="45000"/>
+                  <a:satMod val="400000"/>
+                </a:schemeClr>
+              </a:duotone>
+              <a:extLst>
+                <a:ext uri="{28A0092B-C50C-407E-A947-70E740481C1C}">
+                  <a14:useLocalDpi xmlns:a14="http://schemas.microsoft.com/office/drawing/2010/main" val="0"/>
+                </a:ext>
+              </a:extLst>
+            </a:blip>
+            <a:srcRect/>
+            <a:stretch>
+              <a:fillRect/>
+            </a:stretch>
+          </p:blipFill>
+          <p:spPr bwMode="auto">
+            <a:xfrm>
+              <a:off x="11629157" y="3503712"/>
+              <a:ext cx="422176" cy="422176"/>
+            </a:xfrm>
+            <a:prstGeom prst="rect">
+              <a:avLst/>
+            </a:prstGeom>
+            <a:noFill/>
             <a:extLst>
-              <a:ext uri="{FF2B5EF4-FFF2-40B4-BE49-F238E27FC236}">
-                <a16:creationId xmlns:a16="http://schemas.microsoft.com/office/drawing/2014/main" id="{79D28335-6CA8-48F7-9486-5670035BE61F}"/>
+              <a:ext uri="{909E8E84-426E-40DD-AFC4-6F175D3DCCD1}">
+                <a14:hiddenFill xmlns:a14="http://schemas.microsoft.com/office/drawing/2010/main">
+                  <a:solidFill>
+                    <a:srgbClr val="FFFFFF"/>
+                  </a:solidFill>
+                </a14:hiddenFill>
               </a:ext>
             </a:extLst>
-          </p:cNvPr>
-          <p:cNvGrpSpPr/>
-          <p:nvPr/>
-        </p:nvGrpSpPr>
-        <p:grpSpPr>
-          <a:xfrm>
-            <a:off x="5202869" y="3452541"/>
-            <a:ext cx="379758" cy="374463"/>
-            <a:chOff x="1691680" y="548680"/>
-            <a:chExt cx="5472608" cy="5472608"/>
-          </a:xfrm>
-        </p:grpSpPr>
+          </p:spPr>
+        </p:pic>
+        <p:sp>
+          <p:nvSpPr>
+            <p:cNvPr id="91" name="CaixaDeTexto 90">
+              <a:extLst>
+                <a:ext uri="{FF2B5EF4-FFF2-40B4-BE49-F238E27FC236}">
+                  <a16:creationId xmlns:a16="http://schemas.microsoft.com/office/drawing/2014/main" id="{4CD38919-7A78-4750-99CC-DADA991D6D73}"/>
+                </a:ext>
+              </a:extLst>
+            </p:cNvPr>
+            <p:cNvSpPr txBox="1"/>
+            <p:nvPr/>
+          </p:nvSpPr>
+          <p:spPr>
+            <a:xfrm>
+              <a:off x="13933416" y="6023994"/>
+              <a:ext cx="1800493" cy="400110"/>
+            </a:xfrm>
+            <a:prstGeom prst="rect">
+              <a:avLst/>
+            </a:prstGeom>
+            <a:noFill/>
+          </p:spPr>
+          <p:txBody>
+            <a:bodyPr wrap="none" rtlCol="0">
+              <a:spAutoFit/>
+            </a:bodyPr>
+            <a:lstStyle/>
+            <a:p>
+              <a:r>
+                <a:rPr lang="pt-BR" sz="2000" b="1" dirty="0">
+                  <a:solidFill>
+                    <a:srgbClr val="008EBA"/>
+                  </a:solidFill>
+                  <a:latin typeface="Agency FB" panose="020B0503020202020204" pitchFamily="34" charset="0"/>
+                </a:rPr>
+                <a:t>EDITE SUAS IDEIAS</a:t>
+              </a:r>
+            </a:p>
+          </p:txBody>
+        </p:sp>
+        <p:sp>
+          <p:nvSpPr>
+            <p:cNvPr id="92" name="CaixaDeTexto 91">
+              <a:extLst>
+                <a:ext uri="{FF2B5EF4-FFF2-40B4-BE49-F238E27FC236}">
+                  <a16:creationId xmlns:a16="http://schemas.microsoft.com/office/drawing/2014/main" id="{BF001064-5DCA-489A-AB8D-0C7CF9D115E0}"/>
+                </a:ext>
+              </a:extLst>
+            </p:cNvPr>
+            <p:cNvSpPr txBox="1"/>
+            <p:nvPr/>
+          </p:nvSpPr>
+          <p:spPr>
+            <a:xfrm>
+              <a:off x="13933416" y="6384034"/>
+              <a:ext cx="2276585" cy="646331"/>
+            </a:xfrm>
+            <a:prstGeom prst="rect">
+              <a:avLst/>
+            </a:prstGeom>
+            <a:noFill/>
+          </p:spPr>
+          <p:txBody>
+            <a:bodyPr wrap="none" rtlCol="0">
+              <a:spAutoFit/>
+            </a:bodyPr>
+            <a:lstStyle/>
+            <a:p>
+              <a:r>
+                <a:rPr lang="pt-BR" dirty="0">
+                  <a:latin typeface="Agency FB" panose="020B0503020202020204" pitchFamily="34" charset="0"/>
+                </a:rPr>
+                <a:t>Altere e exclua suas tarefas </a:t>
+              </a:r>
+            </a:p>
+            <a:p>
+              <a:r>
+                <a:rPr lang="pt-BR" dirty="0">
+                  <a:latin typeface="Agency FB" panose="020B0503020202020204" pitchFamily="34" charset="0"/>
+                </a:rPr>
+                <a:t>sempre que desejar.</a:t>
+              </a:r>
+            </a:p>
+          </p:txBody>
+        </p:sp>
         <p:grpSp>
           <p:nvGrpSpPr>
-            <p:cNvPr id="47" name="Agrupar 31">
+            <p:cNvPr id="93" name="Agrupar 92">
               <a:extLst>
                 <a:ext uri="{FF2B5EF4-FFF2-40B4-BE49-F238E27FC236}">
-                  <a16:creationId xmlns:a16="http://schemas.microsoft.com/office/drawing/2014/main" id="{F76B8E54-6317-448B-8B57-939FECA23918}"/>
+                  <a16:creationId xmlns:a16="http://schemas.microsoft.com/office/drawing/2014/main" id="{75DE250C-021F-41A1-9D3E-4F76061853EC}"/>
                 </a:ext>
               </a:extLst>
             </p:cNvPr>
@@ -13508,19 +13326,19 @@
             <p:nvPr/>
           </p:nvGrpSpPr>
           <p:grpSpPr>
-            <a:xfrm>
-              <a:off x="1691680" y="548680"/>
-              <a:ext cx="5472608" cy="5472608"/>
-              <a:chOff x="1691680" y="548680"/>
-              <a:chExt cx="5472608" cy="5472608"/>
+            <a:xfrm rot="16200000">
+              <a:off x="13359906" y="5661401"/>
+              <a:ext cx="558784" cy="563889"/>
+              <a:chOff x="3871808" y="1289028"/>
+              <a:chExt cx="4010646" cy="4047287"/>
             </a:xfrm>
           </p:grpSpPr>
           <p:sp>
             <p:nvSpPr>
-              <p:cNvPr id="69" name="Elipse 68">
+              <p:cNvPr id="94" name="Triângulo isósceles 93">
                 <a:extLst>
                   <a:ext uri="{FF2B5EF4-FFF2-40B4-BE49-F238E27FC236}">
-                    <a16:creationId xmlns:a16="http://schemas.microsoft.com/office/drawing/2014/main" id="{BBB1FC3B-070F-4B35-B6A9-3E78AAADC53B}"/>
+                    <a16:creationId xmlns:a16="http://schemas.microsoft.com/office/drawing/2014/main" id="{9761327D-042C-4A9E-ACB1-D75BD4364311}"/>
                   </a:ext>
                 </a:extLst>
               </p:cNvPr>
@@ -13528,15 +13346,15 @@
               <p:nvPr/>
             </p:nvSpPr>
             <p:spPr>
-              <a:xfrm>
-                <a:off x="1691680" y="548680"/>
-                <a:ext cx="5472608" cy="5472608"/>
+              <a:xfrm rot="20738604">
+                <a:off x="3871808" y="4404379"/>
+                <a:ext cx="1006925" cy="868039"/>
               </a:xfrm>
-              <a:prstGeom prst="ellipse">
+              <a:prstGeom prst="triangle">
                 <a:avLst/>
               </a:prstGeom>
               <a:solidFill>
-                <a:srgbClr val="00B08A"/>
+                <a:srgbClr val="8FC9F8"/>
               </a:solidFill>
               <a:ln>
                 <a:noFill/>
@@ -13559,20 +13377,25 @@
               </a:fontRef>
             </p:style>
             <p:txBody>
-              <a:bodyPr rtlCol="0" anchor="ctr"/>
+              <a:bodyPr rot="0" spcFirstLastPara="0" vertOverflow="overflow" horzOverflow="overflow" vert="horz" wrap="square" lIns="91440" tIns="45720" rIns="91440" bIns="45720" numCol="1" spcCol="0" rtlCol="0" fromWordArt="0" anchor="ctr" anchorCtr="0" forceAA="0" compatLnSpc="1">
+                <a:prstTxWarp prst="textNoShape">
+                  <a:avLst/>
+                </a:prstTxWarp>
+                <a:noAutofit/>
+              </a:bodyPr>
               <a:lstStyle/>
               <a:p>
                 <a:pPr algn="ctr"/>
-                <a:endParaRPr lang="pt-BR" dirty="0"/>
+                <a:endParaRPr lang="pt-BR"/>
               </a:p>
             </p:txBody>
           </p:sp>
           <p:sp>
             <p:nvSpPr>
-              <p:cNvPr id="70" name="Elipse 69">
+              <p:cNvPr id="95" name="Retângulo 94">
                 <a:extLst>
                   <a:ext uri="{FF2B5EF4-FFF2-40B4-BE49-F238E27FC236}">
-                    <a16:creationId xmlns:a16="http://schemas.microsoft.com/office/drawing/2014/main" id="{282E9208-057A-4E62-8705-6BEE888AD164}"/>
+                    <a16:creationId xmlns:a16="http://schemas.microsoft.com/office/drawing/2014/main" id="{8A088DA8-89C7-430D-B4B0-711712F5A253}"/>
                   </a:ext>
                 </a:extLst>
               </p:cNvPr>
@@ -13580,27 +13403,16 @@
               <p:nvPr/>
             </p:nvSpPr>
             <p:spPr>
-              <a:xfrm>
-                <a:off x="1979717" y="836706"/>
-                <a:ext cx="4896550" cy="4896543"/>
+              <a:xfrm rot="18915960">
+                <a:off x="7207730" y="1724369"/>
+                <a:ext cx="344488" cy="674448"/>
               </a:xfrm>
-              <a:prstGeom prst="ellipse">
+              <a:prstGeom prst="rect">
                 <a:avLst/>
               </a:prstGeom>
-              <a:gradFill flip="none" rotWithShape="1">
-                <a:gsLst>
-                  <a:gs pos="0">
-                    <a:srgbClr val="25FF88"/>
-                  </a:gs>
-                  <a:gs pos="100000">
-                    <a:srgbClr val="00D1A5"/>
-                  </a:gs>
-                </a:gsLst>
-                <a:path path="circle">
-                  <a:fillToRect t="100000" r="100000"/>
-                </a:path>
-                <a:tileRect l="-100000" b="-100000"/>
-              </a:gradFill>
+              <a:solidFill>
+                <a:srgbClr val="64B4F5"/>
+              </a:solidFill>
               <a:ln>
                 <a:noFill/>
               </a:ln>
@@ -13622,7 +13434,12 @@
               </a:fontRef>
             </p:style>
             <p:txBody>
-              <a:bodyPr rtlCol="0" anchor="ctr"/>
+              <a:bodyPr rot="0" spcFirstLastPara="0" vertOverflow="overflow" horzOverflow="overflow" vert="horz" wrap="square" lIns="91440" tIns="45720" rIns="91440" bIns="45720" numCol="1" spcCol="0" rtlCol="0" fromWordArt="0" anchor="ctr" anchorCtr="0" forceAA="0" compatLnSpc="1">
+                <a:prstTxWarp prst="textNoShape">
+                  <a:avLst/>
+                </a:prstTxWarp>
+                <a:noAutofit/>
+              </a:bodyPr>
               <a:lstStyle/>
               <a:p>
                 <a:pPr algn="ctr"/>
@@ -13630,228 +13447,12 @@
               </a:p>
             </p:txBody>
           </p:sp>
-        </p:grpSp>
-        <p:grpSp>
-          <p:nvGrpSpPr>
-            <p:cNvPr id="48" name="Agrupar 37">
-              <a:extLst>
-                <a:ext uri="{FF2B5EF4-FFF2-40B4-BE49-F238E27FC236}">
-                  <a16:creationId xmlns:a16="http://schemas.microsoft.com/office/drawing/2014/main" id="{C39DA378-5904-468B-9006-BB34426CAA6A}"/>
-                </a:ext>
-              </a:extLst>
-            </p:cNvPr>
-            <p:cNvGrpSpPr/>
-            <p:nvPr/>
-          </p:nvGrpSpPr>
-          <p:grpSpPr>
-            <a:xfrm rot="2603827" flipH="1">
-              <a:off x="3903120" y="1398710"/>
-              <a:ext cx="1109336" cy="3944303"/>
-              <a:chOff x="3779912" y="1052736"/>
-              <a:chExt cx="1296144" cy="4608512"/>
-            </a:xfrm>
-            <a:solidFill>
-              <a:schemeClr val="bg1"/>
-            </a:solidFill>
-          </p:grpSpPr>
-          <p:grpSp>
-            <p:nvGrpSpPr>
-              <p:cNvPr id="49" name="Agrupar 38">
+          <p:sp>
+            <p:nvSpPr>
+              <p:cNvPr id="96" name="Retângulo 95">
                 <a:extLst>
                   <a:ext uri="{FF2B5EF4-FFF2-40B4-BE49-F238E27FC236}">
-                    <a16:creationId xmlns:a16="http://schemas.microsoft.com/office/drawing/2014/main" id="{4870CD5A-4864-48FF-9CA6-C7BB29574A14}"/>
-                  </a:ext>
-                </a:extLst>
-              </p:cNvPr>
-              <p:cNvGrpSpPr/>
-              <p:nvPr/>
-            </p:nvGrpSpPr>
-            <p:grpSpPr>
-              <a:xfrm>
-                <a:off x="4067944" y="4365104"/>
-                <a:ext cx="720080" cy="1294049"/>
-                <a:chOff x="1557272" y="1724412"/>
-                <a:chExt cx="1293188" cy="2323977"/>
-              </a:xfrm>
-              <a:grpFill/>
-            </p:grpSpPr>
-            <p:sp>
-              <p:nvSpPr>
-                <p:cNvPr id="67" name="Forma Livre: Forma 64">
-                  <a:extLst>
-                    <a:ext uri="{FF2B5EF4-FFF2-40B4-BE49-F238E27FC236}">
-                      <a16:creationId xmlns:a16="http://schemas.microsoft.com/office/drawing/2014/main" id="{2AD9F40D-5F76-4B52-AF95-1CF338E6E047}"/>
-                    </a:ext>
-                  </a:extLst>
-                </p:cNvPr>
-                <p:cNvSpPr/>
-                <p:nvPr/>
-              </p:nvSpPr>
-              <p:spPr>
-                <a:xfrm rot="18000000">
-                  <a:off x="1185892" y="2383822"/>
-                  <a:ext cx="2323977" cy="1005158"/>
-                </a:xfrm>
-                <a:custGeom>
-                  <a:avLst/>
-                  <a:gdLst>
-                    <a:gd name="connsiteX0" fmla="*/ 2323977 w 2323977"/>
-                    <a:gd name="connsiteY0" fmla="*/ 1005158 h 1005158"/>
-                    <a:gd name="connsiteX1" fmla="*/ 0 w 2323977"/>
-                    <a:gd name="connsiteY1" fmla="*/ 1005158 h 1005158"/>
-                    <a:gd name="connsiteX2" fmla="*/ 1740985 w 2323977"/>
-                    <a:gd name="connsiteY2" fmla="*/ 0 h 1005158"/>
-                  </a:gdLst>
-                  <a:ahLst/>
-                  <a:cxnLst>
-                    <a:cxn ang="0">
-                      <a:pos x="connsiteX0" y="connsiteY0"/>
-                    </a:cxn>
-                    <a:cxn ang="0">
-                      <a:pos x="connsiteX1" y="connsiteY1"/>
-                    </a:cxn>
-                    <a:cxn ang="0">
-                      <a:pos x="connsiteX2" y="connsiteY2"/>
-                    </a:cxn>
-                  </a:cxnLst>
-                  <a:rect l="l" t="t" r="r" b="b"/>
-                  <a:pathLst>
-                    <a:path w="2323977" h="1005158">
-                      <a:moveTo>
-                        <a:pt x="2323977" y="1005158"/>
-                      </a:moveTo>
-                      <a:lnTo>
-                        <a:pt x="0" y="1005158"/>
-                      </a:lnTo>
-                      <a:lnTo>
-                        <a:pt x="1740985" y="0"/>
-                      </a:lnTo>
-                      <a:close/>
-                    </a:path>
-                  </a:pathLst>
-                </a:custGeom>
-                <a:grpFill/>
-                <a:ln>
-                  <a:noFill/>
-                </a:ln>
-              </p:spPr>
-              <p:style>
-                <a:lnRef idx="2">
-                  <a:schemeClr val="accent1">
-                    <a:shade val="50000"/>
-                  </a:schemeClr>
-                </a:lnRef>
-                <a:fillRef idx="1">
-                  <a:schemeClr val="accent1"/>
-                </a:fillRef>
-                <a:effectRef idx="0">
-                  <a:schemeClr val="accent1"/>
-                </a:effectRef>
-                <a:fontRef idx="minor">
-                  <a:schemeClr val="lt1"/>
-                </a:fontRef>
-              </p:style>
-              <p:txBody>
-                <a:bodyPr rtlCol="0" anchor="ctr"/>
-                <a:lstStyle/>
-                <a:p>
-                  <a:pPr algn="ctr"/>
-                  <a:endParaRPr lang="pt-BR"/>
-                </a:p>
-              </p:txBody>
-            </p:sp>
-            <p:sp>
-              <p:nvSpPr>
-                <p:cNvPr id="68" name="Forma Livre: Forma 65">
-                  <a:extLst>
-                    <a:ext uri="{FF2B5EF4-FFF2-40B4-BE49-F238E27FC236}">
-                      <a16:creationId xmlns:a16="http://schemas.microsoft.com/office/drawing/2014/main" id="{B6363304-AAE4-4576-9EC0-9D97FD7F4570}"/>
-                    </a:ext>
-                  </a:extLst>
-                </p:cNvPr>
-                <p:cNvSpPr/>
-                <p:nvPr/>
-              </p:nvSpPr>
-              <p:spPr>
-                <a:xfrm rot="3600000" flipH="1">
-                  <a:off x="897862" y="2383822"/>
-                  <a:ext cx="2323977" cy="1005158"/>
-                </a:xfrm>
-                <a:custGeom>
-                  <a:avLst/>
-                  <a:gdLst>
-                    <a:gd name="connsiteX0" fmla="*/ 2323977 w 2323977"/>
-                    <a:gd name="connsiteY0" fmla="*/ 1005158 h 1005158"/>
-                    <a:gd name="connsiteX1" fmla="*/ 0 w 2323977"/>
-                    <a:gd name="connsiteY1" fmla="*/ 1005158 h 1005158"/>
-                    <a:gd name="connsiteX2" fmla="*/ 1740985 w 2323977"/>
-                    <a:gd name="connsiteY2" fmla="*/ 0 h 1005158"/>
-                  </a:gdLst>
-                  <a:ahLst/>
-                  <a:cxnLst>
-                    <a:cxn ang="0">
-                      <a:pos x="connsiteX0" y="connsiteY0"/>
-                    </a:cxn>
-                    <a:cxn ang="0">
-                      <a:pos x="connsiteX1" y="connsiteY1"/>
-                    </a:cxn>
-                    <a:cxn ang="0">
-                      <a:pos x="connsiteX2" y="connsiteY2"/>
-                    </a:cxn>
-                  </a:cxnLst>
-                  <a:rect l="l" t="t" r="r" b="b"/>
-                  <a:pathLst>
-                    <a:path w="2323977" h="1005158">
-                      <a:moveTo>
-                        <a:pt x="2323977" y="1005158"/>
-                      </a:moveTo>
-                      <a:lnTo>
-                        <a:pt x="0" y="1005158"/>
-                      </a:lnTo>
-                      <a:lnTo>
-                        <a:pt x="1740985" y="0"/>
-                      </a:lnTo>
-                      <a:close/>
-                    </a:path>
-                  </a:pathLst>
-                </a:custGeom>
-                <a:grpFill/>
-                <a:ln>
-                  <a:noFill/>
-                </a:ln>
-              </p:spPr>
-              <p:style>
-                <a:lnRef idx="2">
-                  <a:schemeClr val="accent1">
-                    <a:shade val="50000"/>
-                  </a:schemeClr>
-                </a:lnRef>
-                <a:fillRef idx="1">
-                  <a:schemeClr val="accent1"/>
-                </a:fillRef>
-                <a:effectRef idx="0">
-                  <a:schemeClr val="accent1"/>
-                </a:effectRef>
-                <a:fontRef idx="minor">
-                  <a:schemeClr val="lt1"/>
-                </a:fontRef>
-              </p:style>
-              <p:txBody>
-                <a:bodyPr rtlCol="0" anchor="ctr"/>
-                <a:lstStyle/>
-                <a:p>
-                  <a:pPr algn="ctr"/>
-                  <a:endParaRPr lang="pt-BR"/>
-                </a:p>
-              </p:txBody>
-            </p:sp>
-          </p:grpSp>
-          <p:sp>
-            <p:nvSpPr>
-              <p:cNvPr id="50" name="Retângulo: Cantos Arredondados 39">
-                <a:extLst>
-                  <a:ext uri="{FF2B5EF4-FFF2-40B4-BE49-F238E27FC236}">
-                    <a16:creationId xmlns:a16="http://schemas.microsoft.com/office/drawing/2014/main" id="{E84FDBE0-952B-4484-B8B4-2DFE7C0169EB}"/>
+                    <a16:creationId xmlns:a16="http://schemas.microsoft.com/office/drawing/2014/main" id="{F07AAC0F-C08E-4B3A-9CCA-35BDD3B8BF1D}"/>
                   </a:ext>
                 </a:extLst>
               </p:cNvPr>
@@ -13859,16 +13460,16 @@
               <p:nvPr/>
             </p:nvSpPr>
             <p:spPr>
-              <a:xfrm>
-                <a:off x="3779912" y="1052736"/>
-                <a:ext cx="1296144" cy="576064"/>
+              <a:xfrm rot="18915960">
+                <a:off x="4046983" y="2958169"/>
+                <a:ext cx="3832492" cy="968583"/>
               </a:xfrm>
-              <a:prstGeom prst="roundRect">
-                <a:avLst>
-                  <a:gd name="adj" fmla="val 25196"/>
-                </a:avLst>
+              <a:prstGeom prst="rect">
+                <a:avLst/>
               </a:prstGeom>
-              <a:grpFill/>
+              <a:solidFill>
+                <a:srgbClr val="1464BF"/>
+              </a:solidFill>
               <a:ln>
                 <a:noFill/>
               </a:ln>
@@ -13890,7 +13491,12 @@
               </a:fontRef>
             </p:style>
             <p:txBody>
-              <a:bodyPr rtlCol="0" anchor="ctr"/>
+              <a:bodyPr rot="0" spcFirstLastPara="0" vertOverflow="overflow" horzOverflow="overflow" vert="horz" wrap="square" lIns="91440" tIns="45720" rIns="91440" bIns="45720" numCol="1" spcCol="0" rtlCol="0" fromWordArt="0" anchor="ctr" anchorCtr="0" forceAA="0" compatLnSpc="1">
+                <a:prstTxWarp prst="textNoShape">
+                  <a:avLst/>
+                </a:prstTxWarp>
+                <a:noAutofit/>
+              </a:bodyPr>
               <a:lstStyle/>
               <a:p>
                 <a:pPr algn="ctr"/>
@@ -13900,10 +13506,10 @@
           </p:sp>
           <p:sp>
             <p:nvSpPr>
-              <p:cNvPr id="51" name="Retângulo 50">
+              <p:cNvPr id="97" name="Retângulo 96">
                 <a:extLst>
                   <a:ext uri="{FF2B5EF4-FFF2-40B4-BE49-F238E27FC236}">
-                    <a16:creationId xmlns:a16="http://schemas.microsoft.com/office/drawing/2014/main" id="{504B7C1F-FF75-4E6E-8EA8-F310F9F98C49}"/>
+                    <a16:creationId xmlns:a16="http://schemas.microsoft.com/office/drawing/2014/main" id="{2968DEEF-5B2D-49FF-8D5D-E6CAE64F6CF2}"/>
                   </a:ext>
                 </a:extLst>
               </p:cNvPr>
@@ -13911,14 +13517,16 @@
               <p:nvPr/>
             </p:nvSpPr>
             <p:spPr>
-              <a:xfrm>
-                <a:off x="3779912" y="1628800"/>
-                <a:ext cx="648072" cy="2952328"/>
+              <a:xfrm rot="18915960">
+                <a:off x="7402999" y="1289028"/>
+                <a:ext cx="479455" cy="1018337"/>
               </a:xfrm>
               <a:prstGeom prst="rect">
                 <a:avLst/>
               </a:prstGeom>
-              <a:grpFill/>
+              <a:solidFill>
+                <a:srgbClr val="8FC9F8"/>
+              </a:solidFill>
               <a:ln>
                 <a:noFill/>
               </a:ln>
@@ -13940,20 +13548,25 @@
               </a:fontRef>
             </p:style>
             <p:txBody>
-              <a:bodyPr rtlCol="0" anchor="ctr"/>
+              <a:bodyPr rot="0" spcFirstLastPara="0" vertOverflow="overflow" horzOverflow="overflow" vert="horz" wrap="square" lIns="91440" tIns="45720" rIns="91440" bIns="45720" numCol="1" spcCol="0" rtlCol="0" fromWordArt="0" anchor="ctr" anchorCtr="0" forceAA="0" compatLnSpc="1">
+                <a:prstTxWarp prst="textNoShape">
+                  <a:avLst/>
+                </a:prstTxWarp>
+                <a:noAutofit/>
+              </a:bodyPr>
               <a:lstStyle/>
               <a:p>
                 <a:pPr algn="ctr"/>
-                <a:endParaRPr lang="pt-BR"/>
+                <a:endParaRPr lang="pt-BR" dirty="0"/>
               </a:p>
             </p:txBody>
           </p:sp>
           <p:sp>
             <p:nvSpPr>
-              <p:cNvPr id="52" name="Retângulo 51">
+              <p:cNvPr id="98" name="Retângulo: Cantos Arredondados 97">
                 <a:extLst>
                   <a:ext uri="{FF2B5EF4-FFF2-40B4-BE49-F238E27FC236}">
-                    <a16:creationId xmlns:a16="http://schemas.microsoft.com/office/drawing/2014/main" id="{8CD10055-E6F4-423B-B3CD-4FE255A842D8}"/>
+                    <a16:creationId xmlns:a16="http://schemas.microsoft.com/office/drawing/2014/main" id="{ED97C58A-0261-4B41-AE93-072841A4C61D}"/>
                   </a:ext>
                 </a:extLst>
               </p:cNvPr>
@@ -13961,14 +13574,18 @@
               <p:nvPr/>
             </p:nvSpPr>
             <p:spPr>
-              <a:xfrm>
-                <a:off x="4427984" y="1628800"/>
-                <a:ext cx="648072" cy="2952328"/>
+              <a:xfrm rot="18875327">
+                <a:off x="6007100" y="2497797"/>
+                <a:ext cx="1235188" cy="502622"/>
               </a:xfrm>
-              <a:prstGeom prst="rect">
-                <a:avLst/>
+              <a:prstGeom prst="roundRect">
+                <a:avLst>
+                  <a:gd name="adj" fmla="val 50000"/>
+                </a:avLst>
               </a:prstGeom>
-              <a:grpFill/>
+              <a:solidFill>
+                <a:srgbClr val="0D47A1"/>
+              </a:solidFill>
               <a:ln>
                 <a:noFill/>
               </a:ln>
@@ -13990,7 +13607,12 @@
               </a:fontRef>
             </p:style>
             <p:txBody>
-              <a:bodyPr rtlCol="0" anchor="ctr"/>
+              <a:bodyPr rot="0" spcFirstLastPara="0" vertOverflow="overflow" horzOverflow="overflow" vert="horz" wrap="square" lIns="91440" tIns="45720" rIns="91440" bIns="45720" numCol="1" spcCol="0" rtlCol="0" fromWordArt="0" anchor="ctr" anchorCtr="0" forceAA="0" compatLnSpc="1">
+                <a:prstTxWarp prst="textNoShape">
+                  <a:avLst/>
+                </a:prstTxWarp>
+                <a:noAutofit/>
+              </a:bodyPr>
               <a:lstStyle/>
               <a:p>
                 <a:pPr algn="ctr"/>
@@ -14000,10 +13622,10 @@
           </p:sp>
           <p:sp>
             <p:nvSpPr>
-              <p:cNvPr id="53" name="Retângulo 52">
+              <p:cNvPr id="99" name="Triângulo isósceles 98">
                 <a:extLst>
                   <a:ext uri="{FF2B5EF4-FFF2-40B4-BE49-F238E27FC236}">
-                    <a16:creationId xmlns:a16="http://schemas.microsoft.com/office/drawing/2014/main" id="{4C2CC099-E32A-49B1-906A-62CD245E08B4}"/>
+                    <a16:creationId xmlns:a16="http://schemas.microsoft.com/office/drawing/2014/main" id="{A0D49C19-36DF-4CE3-8E45-D4377DAB934E}"/>
                   </a:ext>
                 </a:extLst>
               </p:cNvPr>
@@ -14011,14 +13633,16 @@
               <p:nvPr/>
             </p:nvSpPr>
             <p:spPr>
-              <a:xfrm>
-                <a:off x="3779912" y="1340768"/>
-                <a:ext cx="1296144" cy="288032"/>
+              <a:xfrm rot="20738604" flipH="1">
+                <a:off x="3961006" y="4986069"/>
+                <a:ext cx="406285" cy="350246"/>
               </a:xfrm>
-              <a:prstGeom prst="rect">
+              <a:prstGeom prst="triangle">
                 <a:avLst/>
               </a:prstGeom>
-              <a:grpFill/>
+              <a:solidFill>
+                <a:srgbClr val="0D47A1"/>
+              </a:solidFill>
               <a:ln>
                 <a:noFill/>
               </a:ln>
@@ -14040,7 +13664,12 @@
               </a:fontRef>
             </p:style>
             <p:txBody>
-              <a:bodyPr rtlCol="0" anchor="ctr"/>
+              <a:bodyPr rot="0" spcFirstLastPara="0" vertOverflow="overflow" horzOverflow="overflow" vert="horz" wrap="square" lIns="91440" tIns="45720" rIns="91440" bIns="45720" numCol="1" spcCol="0" rtlCol="0" fromWordArt="0" anchor="ctr" anchorCtr="0" forceAA="0" compatLnSpc="1">
+                <a:prstTxWarp prst="textNoShape">
+                  <a:avLst/>
+                </a:prstTxWarp>
+                <a:noAutofit/>
+              </a:bodyPr>
               <a:lstStyle/>
               <a:p>
                 <a:pPr algn="ctr"/>
@@ -14048,1006 +13677,312 @@
               </a:p>
             </p:txBody>
           </p:sp>
-          <p:grpSp>
-            <p:nvGrpSpPr>
-              <p:cNvPr id="54" name="Agrupar 43">
-                <a:extLst>
-                  <a:ext uri="{FF2B5EF4-FFF2-40B4-BE49-F238E27FC236}">
-                    <a16:creationId xmlns:a16="http://schemas.microsoft.com/office/drawing/2014/main" id="{7FC28071-C5A4-4D9C-8C11-D0F99983D27F}"/>
-                  </a:ext>
-                </a:extLst>
-              </p:cNvPr>
-              <p:cNvGrpSpPr/>
-              <p:nvPr/>
-            </p:nvGrpSpPr>
-            <p:grpSpPr>
-              <a:xfrm>
-                <a:off x="4211960" y="4869160"/>
-                <a:ext cx="432048" cy="792088"/>
-                <a:chOff x="1557272" y="1724412"/>
-                <a:chExt cx="1293188" cy="2323977"/>
-              </a:xfrm>
-              <a:grpFill/>
-            </p:grpSpPr>
-            <p:sp>
-              <p:nvSpPr>
-                <p:cNvPr id="65" name="Forma Livre: Forma 62">
-                  <a:extLst>
-                    <a:ext uri="{FF2B5EF4-FFF2-40B4-BE49-F238E27FC236}">
-                      <a16:creationId xmlns:a16="http://schemas.microsoft.com/office/drawing/2014/main" id="{C3AB2ABC-DB3D-4C9A-B36E-6BB7A4421041}"/>
-                    </a:ext>
-                  </a:extLst>
-                </p:cNvPr>
-                <p:cNvSpPr/>
-                <p:nvPr/>
-              </p:nvSpPr>
-              <p:spPr>
-                <a:xfrm rot="18000000">
-                  <a:off x="1185892" y="2383822"/>
-                  <a:ext cx="2323977" cy="1005158"/>
-                </a:xfrm>
-                <a:custGeom>
-                  <a:avLst/>
-                  <a:gdLst>
-                    <a:gd name="connsiteX0" fmla="*/ 2323977 w 2323977"/>
-                    <a:gd name="connsiteY0" fmla="*/ 1005158 h 1005158"/>
-                    <a:gd name="connsiteX1" fmla="*/ 0 w 2323977"/>
-                    <a:gd name="connsiteY1" fmla="*/ 1005158 h 1005158"/>
-                    <a:gd name="connsiteX2" fmla="*/ 1740985 w 2323977"/>
-                    <a:gd name="connsiteY2" fmla="*/ 0 h 1005158"/>
-                  </a:gdLst>
-                  <a:ahLst/>
-                  <a:cxnLst>
-                    <a:cxn ang="0">
-                      <a:pos x="connsiteX0" y="connsiteY0"/>
-                    </a:cxn>
-                    <a:cxn ang="0">
-                      <a:pos x="connsiteX1" y="connsiteY1"/>
-                    </a:cxn>
-                    <a:cxn ang="0">
-                      <a:pos x="connsiteX2" y="connsiteY2"/>
-                    </a:cxn>
-                  </a:cxnLst>
-                  <a:rect l="l" t="t" r="r" b="b"/>
-                  <a:pathLst>
-                    <a:path w="2323977" h="1005158">
-                      <a:moveTo>
-                        <a:pt x="2323977" y="1005158"/>
-                      </a:moveTo>
-                      <a:lnTo>
-                        <a:pt x="0" y="1005158"/>
-                      </a:lnTo>
-                      <a:lnTo>
-                        <a:pt x="1740985" y="0"/>
-                      </a:lnTo>
-                      <a:close/>
-                    </a:path>
-                  </a:pathLst>
-                </a:custGeom>
-                <a:grpFill/>
-                <a:ln>
-                  <a:noFill/>
-                </a:ln>
-              </p:spPr>
-              <p:style>
-                <a:lnRef idx="2">
-                  <a:schemeClr val="accent1">
-                    <a:shade val="50000"/>
-                  </a:schemeClr>
-                </a:lnRef>
-                <a:fillRef idx="1">
-                  <a:schemeClr val="accent1"/>
-                </a:fillRef>
-                <a:effectRef idx="0">
-                  <a:schemeClr val="accent1"/>
-                </a:effectRef>
-                <a:fontRef idx="minor">
-                  <a:schemeClr val="lt1"/>
-                </a:fontRef>
-              </p:style>
-              <p:txBody>
-                <a:bodyPr rtlCol="0" anchor="ctr"/>
-                <a:lstStyle/>
-                <a:p>
-                  <a:pPr algn="ctr"/>
-                  <a:endParaRPr lang="pt-BR" dirty="0"/>
-                </a:p>
-              </p:txBody>
-            </p:sp>
-            <p:sp>
-              <p:nvSpPr>
-                <p:cNvPr id="66" name="Forma Livre: Forma 63">
-                  <a:extLst>
-                    <a:ext uri="{FF2B5EF4-FFF2-40B4-BE49-F238E27FC236}">
-                      <a16:creationId xmlns:a16="http://schemas.microsoft.com/office/drawing/2014/main" id="{1C697447-CA7D-405E-8628-61488C0CCF61}"/>
-                    </a:ext>
-                  </a:extLst>
-                </p:cNvPr>
-                <p:cNvSpPr/>
-                <p:nvPr/>
-              </p:nvSpPr>
-              <p:spPr>
-                <a:xfrm rot="3600000" flipH="1">
-                  <a:off x="897862" y="2383822"/>
-                  <a:ext cx="2323977" cy="1005158"/>
-                </a:xfrm>
-                <a:custGeom>
-                  <a:avLst/>
-                  <a:gdLst>
-                    <a:gd name="connsiteX0" fmla="*/ 2323977 w 2323977"/>
-                    <a:gd name="connsiteY0" fmla="*/ 1005158 h 1005158"/>
-                    <a:gd name="connsiteX1" fmla="*/ 0 w 2323977"/>
-                    <a:gd name="connsiteY1" fmla="*/ 1005158 h 1005158"/>
-                    <a:gd name="connsiteX2" fmla="*/ 1740985 w 2323977"/>
-                    <a:gd name="connsiteY2" fmla="*/ 0 h 1005158"/>
-                  </a:gdLst>
-                  <a:ahLst/>
-                  <a:cxnLst>
-                    <a:cxn ang="0">
-                      <a:pos x="connsiteX0" y="connsiteY0"/>
-                    </a:cxn>
-                    <a:cxn ang="0">
-                      <a:pos x="connsiteX1" y="connsiteY1"/>
-                    </a:cxn>
-                    <a:cxn ang="0">
-                      <a:pos x="connsiteX2" y="connsiteY2"/>
-                    </a:cxn>
-                  </a:cxnLst>
-                  <a:rect l="l" t="t" r="r" b="b"/>
-                  <a:pathLst>
-                    <a:path w="2323977" h="1005158">
-                      <a:moveTo>
-                        <a:pt x="2323977" y="1005158"/>
-                      </a:moveTo>
-                      <a:lnTo>
-                        <a:pt x="0" y="1005158"/>
-                      </a:lnTo>
-                      <a:lnTo>
-                        <a:pt x="1740985" y="0"/>
-                      </a:lnTo>
-                      <a:close/>
-                    </a:path>
-                  </a:pathLst>
-                </a:custGeom>
-                <a:grpFill/>
-                <a:ln>
-                  <a:noFill/>
-                </a:ln>
-              </p:spPr>
-              <p:style>
-                <a:lnRef idx="2">
-                  <a:schemeClr val="accent1">
-                    <a:shade val="50000"/>
-                  </a:schemeClr>
-                </a:lnRef>
-                <a:fillRef idx="1">
-                  <a:schemeClr val="accent1"/>
-                </a:fillRef>
-                <a:effectRef idx="0">
-                  <a:schemeClr val="accent1"/>
-                </a:effectRef>
-                <a:fontRef idx="minor">
-                  <a:schemeClr val="lt1"/>
-                </a:fontRef>
-              </p:style>
-              <p:txBody>
-                <a:bodyPr rtlCol="0" anchor="ctr"/>
-                <a:lstStyle/>
-                <a:p>
-                  <a:pPr algn="ctr"/>
-                  <a:endParaRPr lang="pt-BR"/>
-                </a:p>
-              </p:txBody>
-            </p:sp>
-          </p:grpSp>
-          <p:sp>
-            <p:nvSpPr>
-              <p:cNvPr id="55" name="Retângulo: Cantos Arredondados 44">
-                <a:extLst>
-                  <a:ext uri="{FF2B5EF4-FFF2-40B4-BE49-F238E27FC236}">
-                    <a16:creationId xmlns:a16="http://schemas.microsoft.com/office/drawing/2014/main" id="{2DB85195-2BC9-41FC-8FF7-4DA194475593}"/>
-                  </a:ext>
-                </a:extLst>
-              </p:cNvPr>
-              <p:cNvSpPr/>
-              <p:nvPr/>
-            </p:nvSpPr>
-            <p:spPr>
-              <a:xfrm>
-                <a:off x="3923928" y="2420888"/>
-                <a:ext cx="288032" cy="648072"/>
-              </a:xfrm>
-              <a:prstGeom prst="roundRect">
-                <a:avLst>
-                  <a:gd name="adj" fmla="val 50000"/>
-                </a:avLst>
-              </a:prstGeom>
-              <a:grpFill/>
-              <a:ln>
-                <a:noFill/>
-              </a:ln>
-            </p:spPr>
-            <p:style>
-              <a:lnRef idx="2">
-                <a:schemeClr val="accent1">
-                  <a:shade val="50000"/>
-                </a:schemeClr>
-              </a:lnRef>
-              <a:fillRef idx="1">
-                <a:schemeClr val="accent1"/>
-              </a:fillRef>
-              <a:effectRef idx="0">
-                <a:schemeClr val="accent1"/>
-              </a:effectRef>
-              <a:fontRef idx="minor">
-                <a:schemeClr val="lt1"/>
-              </a:fontRef>
-            </p:style>
-            <p:txBody>
-              <a:bodyPr rtlCol="0" anchor="ctr"/>
-              <a:lstStyle/>
-              <a:p>
-                <a:pPr algn="ctr"/>
-                <a:endParaRPr lang="pt-BR"/>
-              </a:p>
-            </p:txBody>
-          </p:sp>
-          <p:sp>
-            <p:nvSpPr>
-              <p:cNvPr id="56" name="Retângulo: Cantos Arredondados 45">
-                <a:extLst>
-                  <a:ext uri="{FF2B5EF4-FFF2-40B4-BE49-F238E27FC236}">
-                    <a16:creationId xmlns:a16="http://schemas.microsoft.com/office/drawing/2014/main" id="{22120934-64E1-4243-A3C9-F2333CD81248}"/>
-                  </a:ext>
-                </a:extLst>
-              </p:cNvPr>
-              <p:cNvSpPr/>
-              <p:nvPr/>
-            </p:nvSpPr>
-            <p:spPr>
-              <a:xfrm>
-                <a:off x="4644008" y="2420888"/>
-                <a:ext cx="288032" cy="648072"/>
-              </a:xfrm>
-              <a:prstGeom prst="roundRect">
-                <a:avLst>
-                  <a:gd name="adj" fmla="val 50000"/>
-                </a:avLst>
-              </a:prstGeom>
-              <a:grpFill/>
-              <a:ln>
-                <a:noFill/>
-              </a:ln>
-            </p:spPr>
-            <p:style>
-              <a:lnRef idx="2">
-                <a:schemeClr val="accent1">
-                  <a:shade val="50000"/>
-                </a:schemeClr>
-              </a:lnRef>
-              <a:fillRef idx="1">
-                <a:schemeClr val="accent1"/>
-              </a:fillRef>
-              <a:effectRef idx="0">
-                <a:schemeClr val="accent1"/>
-              </a:effectRef>
-              <a:fontRef idx="minor">
-                <a:schemeClr val="lt1"/>
-              </a:fontRef>
-            </p:style>
-            <p:txBody>
-              <a:bodyPr rtlCol="0" anchor="ctr"/>
-              <a:lstStyle/>
-              <a:p>
-                <a:pPr algn="ctr"/>
-                <a:endParaRPr lang="pt-BR"/>
-              </a:p>
-            </p:txBody>
-          </p:sp>
-          <p:sp>
-            <p:nvSpPr>
-              <p:cNvPr id="57" name="Forma Livre: Forma 46">
-                <a:extLst>
-                  <a:ext uri="{FF2B5EF4-FFF2-40B4-BE49-F238E27FC236}">
-                    <a16:creationId xmlns:a16="http://schemas.microsoft.com/office/drawing/2014/main" id="{068BA003-CB8C-4A97-8A20-CE99A2056A9C}"/>
-                  </a:ext>
-                </a:extLst>
-              </p:cNvPr>
-              <p:cNvSpPr/>
-              <p:nvPr/>
-            </p:nvSpPr>
-            <p:spPr>
-              <a:xfrm rot="20390445">
-                <a:off x="4314657" y="3239201"/>
-                <a:ext cx="621374" cy="288553"/>
-              </a:xfrm>
-              <a:custGeom>
-                <a:avLst/>
-                <a:gdLst>
-                  <a:gd name="connsiteX0" fmla="*/ 1510584 w 1512169"/>
-                  <a:gd name="connsiteY0" fmla="*/ 0 h 766706"/>
-                  <a:gd name="connsiteX1" fmla="*/ 1512169 w 1512169"/>
-                  <a:gd name="connsiteY1" fmla="*/ 15728 h 766706"/>
-                  <a:gd name="connsiteX2" fmla="*/ 1512168 w 1512169"/>
-                  <a:gd name="connsiteY2" fmla="*/ 15728 h 766706"/>
-                  <a:gd name="connsiteX3" fmla="*/ 761190 w 1512169"/>
-                  <a:gd name="connsiteY3" fmla="*/ 766706 h 766706"/>
-                  <a:gd name="connsiteX4" fmla="*/ 750978 w 1512169"/>
-                  <a:gd name="connsiteY4" fmla="*/ 766705 h 766706"/>
-                  <a:gd name="connsiteX5" fmla="*/ 15258 w 1512169"/>
-                  <a:gd name="connsiteY5" fmla="*/ 167076 h 766706"/>
-                  <a:gd name="connsiteX6" fmla="*/ 0 w 1512169"/>
-                  <a:gd name="connsiteY6" fmla="*/ 15728 h 766706"/>
-                  <a:gd name="connsiteX7" fmla="*/ 166 w 1512169"/>
-                  <a:gd name="connsiteY7" fmla="*/ 14083 h 766706"/>
-                  <a:gd name="connsiteX8" fmla="*/ 62019 w 1512169"/>
-                  <a:gd name="connsiteY8" fmla="*/ 62761 h 766706"/>
-                  <a:gd name="connsiteX9" fmla="*/ 691253 w 1512169"/>
-                  <a:gd name="connsiteY9" fmla="*/ 255426 h 766706"/>
-                  <a:gd name="connsiteX10" fmla="*/ 704828 w 1512169"/>
-                  <a:gd name="connsiteY10" fmla="*/ 255881 h 766706"/>
-                  <a:gd name="connsiteX11" fmla="*/ 1418058 w 1512169"/>
-                  <a:gd name="connsiteY11" fmla="*/ 59698 h 766706"/>
-                  <a:gd name="connsiteX12" fmla="*/ 1488145 w 1512169"/>
-                  <a:gd name="connsiteY12" fmla="*/ 0 h 766706"/>
-                </a:gdLst>
-                <a:ahLst/>
-                <a:cxnLst>
-                  <a:cxn ang="0">
-                    <a:pos x="connsiteX0" y="connsiteY0"/>
-                  </a:cxn>
-                  <a:cxn ang="0">
-                    <a:pos x="connsiteX1" y="connsiteY1"/>
-                  </a:cxn>
-                  <a:cxn ang="0">
-                    <a:pos x="connsiteX2" y="connsiteY2"/>
-                  </a:cxn>
-                  <a:cxn ang="0">
-                    <a:pos x="connsiteX3" y="connsiteY3"/>
-                  </a:cxn>
-                  <a:cxn ang="0">
-                    <a:pos x="connsiteX4" y="connsiteY4"/>
-                  </a:cxn>
-                  <a:cxn ang="0">
-                    <a:pos x="connsiteX5" y="connsiteY5"/>
-                  </a:cxn>
-                  <a:cxn ang="0">
-                    <a:pos x="connsiteX6" y="connsiteY6"/>
-                  </a:cxn>
-                  <a:cxn ang="0">
-                    <a:pos x="connsiteX7" y="connsiteY7"/>
-                  </a:cxn>
-                  <a:cxn ang="0">
-                    <a:pos x="connsiteX8" y="connsiteY8"/>
-                  </a:cxn>
-                  <a:cxn ang="0">
-                    <a:pos x="connsiteX9" y="connsiteY9"/>
-                  </a:cxn>
-                  <a:cxn ang="0">
-                    <a:pos x="connsiteX10" y="connsiteY10"/>
-                  </a:cxn>
-                  <a:cxn ang="0">
-                    <a:pos x="connsiteX11" y="connsiteY11"/>
-                  </a:cxn>
-                  <a:cxn ang="0">
-                    <a:pos x="connsiteX12" y="connsiteY12"/>
-                  </a:cxn>
-                </a:cxnLst>
-                <a:rect l="l" t="t" r="r" b="b"/>
-                <a:pathLst>
-                  <a:path w="1512169" h="766706">
-                    <a:moveTo>
-                      <a:pt x="1510584" y="0"/>
-                    </a:moveTo>
-                    <a:lnTo>
-                      <a:pt x="1512169" y="15728"/>
-                    </a:lnTo>
-                    <a:lnTo>
-                      <a:pt x="1512168" y="15728"/>
-                    </a:lnTo>
-                    <a:cubicBezTo>
-                      <a:pt x="1512168" y="430482"/>
-                      <a:pt x="1175944" y="766706"/>
-                      <a:pt x="761190" y="766706"/>
-                    </a:cubicBezTo>
-                    <a:lnTo>
-                      <a:pt x="750978" y="766705"/>
-                    </a:lnTo>
-                    <a:cubicBezTo>
-                      <a:pt x="388069" y="766705"/>
-                      <a:pt x="85283" y="509284"/>
-                      <a:pt x="15258" y="167076"/>
-                    </a:cubicBezTo>
-                    <a:lnTo>
-                      <a:pt x="0" y="15728"/>
-                    </a:lnTo>
-                    <a:lnTo>
-                      <a:pt x="166" y="14083"/>
-                    </a:lnTo>
-                    <a:lnTo>
-                      <a:pt x="62019" y="62761"/>
-                    </a:lnTo>
-                    <a:cubicBezTo>
-                      <a:pt x="230988" y="175614"/>
-                      <a:pt x="450053" y="247345"/>
-                      <a:pt x="691253" y="255426"/>
-                    </a:cubicBezTo>
-                    <a:lnTo>
-                      <a:pt x="704828" y="255881"/>
-                    </a:lnTo>
-                    <a:cubicBezTo>
-                      <a:pt x="980485" y="265117"/>
-                      <a:pt x="1232861" y="189469"/>
-                      <a:pt x="1418058" y="59698"/>
-                    </a:cubicBezTo>
-                    <a:lnTo>
-                      <a:pt x="1488145" y="0"/>
-                    </a:lnTo>
-                    <a:close/>
-                  </a:path>
-                </a:pathLst>
-              </a:custGeom>
-              <a:grpFill/>
-              <a:ln>
-                <a:noFill/>
-              </a:ln>
-            </p:spPr>
-            <p:style>
-              <a:lnRef idx="2">
-                <a:schemeClr val="accent1">
-                  <a:shade val="50000"/>
-                </a:schemeClr>
-              </a:lnRef>
-              <a:fillRef idx="1">
-                <a:schemeClr val="accent1"/>
-              </a:fillRef>
-              <a:effectRef idx="0">
-                <a:schemeClr val="accent1"/>
-              </a:effectRef>
-              <a:fontRef idx="minor">
-                <a:schemeClr val="lt1"/>
-              </a:fontRef>
-            </p:style>
-            <p:txBody>
-              <a:bodyPr rtlCol="0" anchor="ctr"/>
-              <a:lstStyle/>
-              <a:p>
-                <a:pPr algn="ctr"/>
-                <a:endParaRPr lang="pt-BR"/>
-              </a:p>
-            </p:txBody>
-          </p:sp>
-          <p:grpSp>
-            <p:nvGrpSpPr>
-              <p:cNvPr id="58" name="Agrupar 55">
-                <a:extLst>
-                  <a:ext uri="{FF2B5EF4-FFF2-40B4-BE49-F238E27FC236}">
-                    <a16:creationId xmlns:a16="http://schemas.microsoft.com/office/drawing/2014/main" id="{9B875EC0-FE98-4078-8488-EC2DA10CD36F}"/>
-                  </a:ext>
-                </a:extLst>
-              </p:cNvPr>
-              <p:cNvGrpSpPr/>
-              <p:nvPr/>
-            </p:nvGrpSpPr>
-            <p:grpSpPr>
-              <a:xfrm>
-                <a:off x="3995936" y="3717032"/>
-                <a:ext cx="864096" cy="380667"/>
-                <a:chOff x="1801781" y="3933056"/>
-                <a:chExt cx="1138627" cy="501608"/>
-              </a:xfrm>
-              <a:grpFill/>
-            </p:grpSpPr>
-            <p:sp>
-              <p:nvSpPr>
-                <p:cNvPr id="59" name="Forma Livre: Forma 56">
-                  <a:extLst>
-                    <a:ext uri="{FF2B5EF4-FFF2-40B4-BE49-F238E27FC236}">
-                      <a16:creationId xmlns:a16="http://schemas.microsoft.com/office/drawing/2014/main" id="{AB170364-870B-48AE-8BB7-23F5B559323F}"/>
-                    </a:ext>
-                  </a:extLst>
-                </p:cNvPr>
-                <p:cNvSpPr/>
-                <p:nvPr/>
-              </p:nvSpPr>
-              <p:spPr>
-                <a:xfrm>
-                  <a:off x="1801781" y="3933056"/>
-                  <a:ext cx="528648" cy="501608"/>
-                </a:xfrm>
-                <a:custGeom>
-                  <a:avLst/>
-                  <a:gdLst>
-                    <a:gd name="connsiteX0" fmla="*/ 353933 w 1440160"/>
-                    <a:gd name="connsiteY0" fmla="*/ 0 h 1210914"/>
-                    <a:gd name="connsiteX1" fmla="*/ 548974 w 1440160"/>
-                    <a:gd name="connsiteY1" fmla="*/ 10782 h 1210914"/>
-                    <a:gd name="connsiteX2" fmla="*/ 1440160 w 1440160"/>
-                    <a:gd name="connsiteY2" fmla="*/ 610415 h 1210914"/>
-                    <a:gd name="connsiteX3" fmla="*/ 548974 w 1440160"/>
-                    <a:gd name="connsiteY3" fmla="*/ 1210048 h 1210914"/>
-                    <a:gd name="connsiteX4" fmla="*/ 533309 w 1440160"/>
-                    <a:gd name="connsiteY4" fmla="*/ 1210914 h 1210914"/>
-                    <a:gd name="connsiteX5" fmla="*/ 517463 w 1440160"/>
-                    <a:gd name="connsiteY5" fmla="*/ 1209317 h 1210914"/>
-                    <a:gd name="connsiteX6" fmla="*/ 0 w 1440160"/>
-                    <a:gd name="connsiteY6" fmla="*/ 574411 h 1210914"/>
-                    <a:gd name="connsiteX7" fmla="*/ 285729 w 1440160"/>
-                    <a:gd name="connsiteY7" fmla="*/ 37020 h 1210914"/>
-                  </a:gdLst>
-                  <a:ahLst/>
-                  <a:cxnLst>
-                    <a:cxn ang="0">
-                      <a:pos x="connsiteX0" y="connsiteY0"/>
-                    </a:cxn>
-                    <a:cxn ang="0">
-                      <a:pos x="connsiteX1" y="connsiteY1"/>
-                    </a:cxn>
-                    <a:cxn ang="0">
-                      <a:pos x="connsiteX2" y="connsiteY2"/>
-                    </a:cxn>
-                    <a:cxn ang="0">
-                      <a:pos x="connsiteX3" y="connsiteY3"/>
-                    </a:cxn>
-                    <a:cxn ang="0">
-                      <a:pos x="connsiteX4" y="connsiteY4"/>
-                    </a:cxn>
-                    <a:cxn ang="0">
-                      <a:pos x="connsiteX5" y="connsiteY5"/>
-                    </a:cxn>
-                    <a:cxn ang="0">
-                      <a:pos x="connsiteX6" y="connsiteY6"/>
-                    </a:cxn>
-                    <a:cxn ang="0">
-                      <a:pos x="connsiteX7" y="connsiteY7"/>
-                    </a:cxn>
-                  </a:cxnLst>
-                  <a:rect l="l" t="t" r="r" b="b"/>
-                  <a:pathLst>
-                    <a:path w="1440160" h="1210914">
-                      <a:moveTo>
-                        <a:pt x="353933" y="0"/>
-                      </a:moveTo>
-                      <a:lnTo>
-                        <a:pt x="548974" y="10782"/>
-                      </a:lnTo>
-                      <a:cubicBezTo>
-                        <a:pt x="1057573" y="67855"/>
-                        <a:pt x="1440160" y="314634"/>
-                        <a:pt x="1440160" y="610415"/>
-                      </a:cubicBezTo>
-                      <a:cubicBezTo>
-                        <a:pt x="1440160" y="906197"/>
-                        <a:pt x="1057573" y="1152975"/>
-                        <a:pt x="548974" y="1210048"/>
-                      </a:cubicBezTo>
-                      <a:lnTo>
-                        <a:pt x="533309" y="1210914"/>
-                      </a:lnTo>
-                      <a:lnTo>
-                        <a:pt x="517463" y="1209317"/>
-                      </a:lnTo>
-                      <a:cubicBezTo>
-                        <a:pt x="222148" y="1148886"/>
-                        <a:pt x="0" y="887591"/>
-                        <a:pt x="0" y="574411"/>
-                      </a:cubicBezTo>
-                      <a:cubicBezTo>
-                        <a:pt x="0" y="350711"/>
-                        <a:pt x="113341" y="153483"/>
-                        <a:pt x="285729" y="37020"/>
-                      </a:cubicBezTo>
-                      <a:close/>
-                    </a:path>
-                  </a:pathLst>
-                </a:custGeom>
-                <a:grpFill/>
-                <a:ln>
-                  <a:noFill/>
-                </a:ln>
-              </p:spPr>
-              <p:style>
-                <a:lnRef idx="2">
-                  <a:schemeClr val="accent1">
-                    <a:shade val="50000"/>
-                  </a:schemeClr>
-                </a:lnRef>
-                <a:fillRef idx="1">
-                  <a:schemeClr val="accent1"/>
-                </a:fillRef>
-                <a:effectRef idx="0">
-                  <a:schemeClr val="accent1"/>
-                </a:effectRef>
-                <a:fontRef idx="minor">
-                  <a:schemeClr val="lt1"/>
-                </a:fontRef>
-              </p:style>
-              <p:txBody>
-                <a:bodyPr rtlCol="0" anchor="ctr"/>
-                <a:lstStyle/>
-                <a:p>
-                  <a:pPr algn="ctr"/>
-                  <a:endParaRPr lang="pt-BR">
-                    <a:ln w="0"/>
-                    <a:solidFill>
-                      <a:schemeClr val="accent1"/>
-                    </a:solidFill>
-                    <a:effectLst>
-                      <a:outerShdw blurRad="38100" dist="25400" dir="5400000" algn="ctr" rotWithShape="0">
-                        <a:srgbClr val="6E747A">
-                          <a:alpha val="43000"/>
-                        </a:srgbClr>
-                      </a:outerShdw>
-                    </a:effectLst>
-                  </a:endParaRPr>
-                </a:p>
-              </p:txBody>
-            </p:sp>
-            <p:sp>
-              <p:nvSpPr>
-                <p:cNvPr id="60" name="Forma Livre: Forma 57">
-                  <a:extLst>
-                    <a:ext uri="{FF2B5EF4-FFF2-40B4-BE49-F238E27FC236}">
-                      <a16:creationId xmlns:a16="http://schemas.microsoft.com/office/drawing/2014/main" id="{D75011AA-2CA3-43AA-909B-7FD66FB4407B}"/>
-                    </a:ext>
-                  </a:extLst>
-                </p:cNvPr>
-                <p:cNvSpPr/>
-                <p:nvPr/>
-              </p:nvSpPr>
-              <p:spPr>
-                <a:xfrm flipH="1">
-                  <a:off x="2411760" y="3933056"/>
-                  <a:ext cx="528648" cy="501608"/>
-                </a:xfrm>
-                <a:custGeom>
-                  <a:avLst/>
-                  <a:gdLst>
-                    <a:gd name="connsiteX0" fmla="*/ 353933 w 1440160"/>
-                    <a:gd name="connsiteY0" fmla="*/ 0 h 1210914"/>
-                    <a:gd name="connsiteX1" fmla="*/ 548974 w 1440160"/>
-                    <a:gd name="connsiteY1" fmla="*/ 10782 h 1210914"/>
-                    <a:gd name="connsiteX2" fmla="*/ 1440160 w 1440160"/>
-                    <a:gd name="connsiteY2" fmla="*/ 610415 h 1210914"/>
-                    <a:gd name="connsiteX3" fmla="*/ 548974 w 1440160"/>
-                    <a:gd name="connsiteY3" fmla="*/ 1210048 h 1210914"/>
-                    <a:gd name="connsiteX4" fmla="*/ 533309 w 1440160"/>
-                    <a:gd name="connsiteY4" fmla="*/ 1210914 h 1210914"/>
-                    <a:gd name="connsiteX5" fmla="*/ 517463 w 1440160"/>
-                    <a:gd name="connsiteY5" fmla="*/ 1209317 h 1210914"/>
-                    <a:gd name="connsiteX6" fmla="*/ 0 w 1440160"/>
-                    <a:gd name="connsiteY6" fmla="*/ 574411 h 1210914"/>
-                    <a:gd name="connsiteX7" fmla="*/ 285729 w 1440160"/>
-                    <a:gd name="connsiteY7" fmla="*/ 37020 h 1210914"/>
-                  </a:gdLst>
-                  <a:ahLst/>
-                  <a:cxnLst>
-                    <a:cxn ang="0">
-                      <a:pos x="connsiteX0" y="connsiteY0"/>
-                    </a:cxn>
-                    <a:cxn ang="0">
-                      <a:pos x="connsiteX1" y="connsiteY1"/>
-                    </a:cxn>
-                    <a:cxn ang="0">
-                      <a:pos x="connsiteX2" y="connsiteY2"/>
-                    </a:cxn>
-                    <a:cxn ang="0">
-                      <a:pos x="connsiteX3" y="connsiteY3"/>
-                    </a:cxn>
-                    <a:cxn ang="0">
-                      <a:pos x="connsiteX4" y="connsiteY4"/>
-                    </a:cxn>
-                    <a:cxn ang="0">
-                      <a:pos x="connsiteX5" y="connsiteY5"/>
-                    </a:cxn>
-                    <a:cxn ang="0">
-                      <a:pos x="connsiteX6" y="connsiteY6"/>
-                    </a:cxn>
-                    <a:cxn ang="0">
-                      <a:pos x="connsiteX7" y="connsiteY7"/>
-                    </a:cxn>
-                  </a:cxnLst>
-                  <a:rect l="l" t="t" r="r" b="b"/>
-                  <a:pathLst>
-                    <a:path w="1440160" h="1210914">
-                      <a:moveTo>
-                        <a:pt x="353933" y="0"/>
-                      </a:moveTo>
-                      <a:lnTo>
-                        <a:pt x="548974" y="10782"/>
-                      </a:lnTo>
-                      <a:cubicBezTo>
-                        <a:pt x="1057573" y="67855"/>
-                        <a:pt x="1440160" y="314634"/>
-                        <a:pt x="1440160" y="610415"/>
-                      </a:cubicBezTo>
-                      <a:cubicBezTo>
-                        <a:pt x="1440160" y="906197"/>
-                        <a:pt x="1057573" y="1152975"/>
-                        <a:pt x="548974" y="1210048"/>
-                      </a:cubicBezTo>
-                      <a:lnTo>
-                        <a:pt x="533309" y="1210914"/>
-                      </a:lnTo>
-                      <a:lnTo>
-                        <a:pt x="517463" y="1209317"/>
-                      </a:lnTo>
-                      <a:cubicBezTo>
-                        <a:pt x="222148" y="1148886"/>
-                        <a:pt x="0" y="887591"/>
-                        <a:pt x="0" y="574411"/>
-                      </a:cubicBezTo>
-                      <a:cubicBezTo>
-                        <a:pt x="0" y="350711"/>
-                        <a:pt x="113341" y="153483"/>
-                        <a:pt x="285729" y="37020"/>
-                      </a:cubicBezTo>
-                      <a:close/>
-                    </a:path>
-                  </a:pathLst>
-                </a:custGeom>
-                <a:grpFill/>
-                <a:ln>
-                  <a:noFill/>
-                </a:ln>
-              </p:spPr>
-              <p:style>
-                <a:lnRef idx="2">
-                  <a:schemeClr val="accent1">
-                    <a:shade val="50000"/>
-                  </a:schemeClr>
-                </a:lnRef>
-                <a:fillRef idx="1">
-                  <a:schemeClr val="accent1"/>
-                </a:fillRef>
-                <a:effectRef idx="0">
-                  <a:schemeClr val="accent1"/>
-                </a:effectRef>
-                <a:fontRef idx="minor">
-                  <a:schemeClr val="lt1"/>
-                </a:fontRef>
-              </p:style>
-              <p:txBody>
-                <a:bodyPr rtlCol="0" anchor="ctr"/>
-                <a:lstStyle/>
-                <a:p>
-                  <a:pPr algn="ctr"/>
-                  <a:endParaRPr lang="pt-BR">
-                    <a:ln w="0"/>
-                    <a:solidFill>
-                      <a:schemeClr val="accent1"/>
-                    </a:solidFill>
-                    <a:effectLst>
-                      <a:outerShdw blurRad="38100" dist="25400" dir="5400000" algn="ctr" rotWithShape="0">
-                        <a:srgbClr val="6E747A">
-                          <a:alpha val="43000"/>
-                        </a:srgbClr>
-                      </a:outerShdw>
-                    </a:effectLst>
-                  </a:endParaRPr>
-                </a:p>
-              </p:txBody>
-            </p:sp>
-            <p:sp>
-              <p:nvSpPr>
-                <p:cNvPr id="61" name="Elipse 60">
-                  <a:extLst>
-                    <a:ext uri="{FF2B5EF4-FFF2-40B4-BE49-F238E27FC236}">
-                      <a16:creationId xmlns:a16="http://schemas.microsoft.com/office/drawing/2014/main" id="{107D1028-E7C8-4F67-9675-BF4B317058C9}"/>
-                    </a:ext>
-                  </a:extLst>
-                </p:cNvPr>
-                <p:cNvSpPr/>
-                <p:nvPr/>
-              </p:nvSpPr>
-              <p:spPr>
-                <a:xfrm>
-                  <a:off x="2249099" y="4095717"/>
-                  <a:ext cx="243991" cy="243991"/>
-                </a:xfrm>
-                <a:prstGeom prst="ellipse">
-                  <a:avLst/>
-                </a:prstGeom>
-                <a:grpFill/>
-                <a:ln>
-                  <a:noFill/>
-                </a:ln>
-              </p:spPr>
-              <p:style>
-                <a:lnRef idx="2">
-                  <a:schemeClr val="accent1">
-                    <a:shade val="50000"/>
-                  </a:schemeClr>
-                </a:lnRef>
-                <a:fillRef idx="1">
-                  <a:schemeClr val="accent1"/>
-                </a:fillRef>
-                <a:effectRef idx="0">
-                  <a:schemeClr val="accent1"/>
-                </a:effectRef>
-                <a:fontRef idx="minor">
-                  <a:schemeClr val="lt1"/>
-                </a:fontRef>
-              </p:style>
-              <p:txBody>
-                <a:bodyPr rtlCol="0" anchor="ctr"/>
-                <a:lstStyle/>
-                <a:p>
-                  <a:pPr algn="ctr"/>
-                  <a:endParaRPr lang="pt-BR">
-                    <a:ln w="0"/>
-                    <a:solidFill>
-                      <a:schemeClr val="accent1"/>
-                    </a:solidFill>
-                    <a:effectLst>
-                      <a:outerShdw blurRad="38100" dist="25400" dir="5400000" algn="ctr" rotWithShape="0">
-                        <a:srgbClr val="6E747A">
-                          <a:alpha val="43000"/>
-                        </a:srgbClr>
-                      </a:outerShdw>
-                    </a:effectLst>
-                  </a:endParaRPr>
-                </a:p>
-              </p:txBody>
-            </p:sp>
-            <p:sp>
-              <p:nvSpPr>
-                <p:cNvPr id="62" name="Retângulo: Cantos Arredondados 59">
-                  <a:extLst>
-                    <a:ext uri="{FF2B5EF4-FFF2-40B4-BE49-F238E27FC236}">
-                      <a16:creationId xmlns:a16="http://schemas.microsoft.com/office/drawing/2014/main" id="{F6D87E8A-C0A6-4044-AD19-03CAD4884A03}"/>
-                    </a:ext>
-                  </a:extLst>
-                </p:cNvPr>
-                <p:cNvSpPr/>
-                <p:nvPr/>
-              </p:nvSpPr>
-              <p:spPr>
-                <a:xfrm rot="2899544">
-                  <a:off x="2713492" y="4004394"/>
-                  <a:ext cx="128510" cy="103376"/>
-                </a:xfrm>
-                <a:prstGeom prst="roundRect">
-                  <a:avLst>
-                    <a:gd name="adj" fmla="val 50000"/>
-                  </a:avLst>
-                </a:prstGeom>
-                <a:grpFill/>
-                <a:ln>
-                  <a:noFill/>
-                </a:ln>
-              </p:spPr>
-              <p:style>
-                <a:lnRef idx="2">
-                  <a:schemeClr val="accent1">
-                    <a:shade val="50000"/>
-                  </a:schemeClr>
-                </a:lnRef>
-                <a:fillRef idx="1">
-                  <a:schemeClr val="accent1"/>
-                </a:fillRef>
-                <a:effectRef idx="0">
-                  <a:schemeClr val="accent1"/>
-                </a:effectRef>
-                <a:fontRef idx="minor">
-                  <a:schemeClr val="lt1"/>
-                </a:fontRef>
-              </p:style>
-              <p:txBody>
-                <a:bodyPr rtlCol="0" anchor="ctr"/>
-                <a:lstStyle/>
-                <a:p>
-                  <a:pPr algn="ctr"/>
-                  <a:endParaRPr lang="pt-BR"/>
-                </a:p>
-              </p:txBody>
-            </p:sp>
-            <p:sp>
-              <p:nvSpPr>
-                <p:cNvPr id="63" name="Retângulo: Cantos Arredondados 60">
-                  <a:extLst>
-                    <a:ext uri="{FF2B5EF4-FFF2-40B4-BE49-F238E27FC236}">
-                      <a16:creationId xmlns:a16="http://schemas.microsoft.com/office/drawing/2014/main" id="{29BCB2F9-B9DC-4991-B0D7-4024858998C6}"/>
-                    </a:ext>
-                  </a:extLst>
-                </p:cNvPr>
-                <p:cNvSpPr/>
-                <p:nvPr/>
-              </p:nvSpPr>
-              <p:spPr>
-                <a:xfrm rot="2899544">
-                  <a:off x="2379745" y="4151922"/>
-                  <a:ext cx="65107" cy="52373"/>
-                </a:xfrm>
-                <a:prstGeom prst="roundRect">
-                  <a:avLst>
-                    <a:gd name="adj" fmla="val 50000"/>
-                  </a:avLst>
-                </a:prstGeom>
-                <a:grpFill/>
-                <a:ln>
-                  <a:noFill/>
-                </a:ln>
-              </p:spPr>
-              <p:style>
-                <a:lnRef idx="2">
-                  <a:schemeClr val="accent1">
-                    <a:shade val="50000"/>
-                  </a:schemeClr>
-                </a:lnRef>
-                <a:fillRef idx="1">
-                  <a:schemeClr val="accent1"/>
-                </a:fillRef>
-                <a:effectRef idx="0">
-                  <a:schemeClr val="accent1"/>
-                </a:effectRef>
-                <a:fontRef idx="minor">
-                  <a:schemeClr val="lt1"/>
-                </a:fontRef>
-              </p:style>
-              <p:txBody>
-                <a:bodyPr rtlCol="0" anchor="ctr"/>
-                <a:lstStyle/>
-                <a:p>
-                  <a:pPr algn="ctr"/>
-                  <a:endParaRPr lang="pt-BR"/>
-                </a:p>
-              </p:txBody>
-            </p:sp>
-            <p:sp>
-              <p:nvSpPr>
-                <p:cNvPr id="64" name="Retângulo: Cantos Arredondados 61">
-                  <a:extLst>
-                    <a:ext uri="{FF2B5EF4-FFF2-40B4-BE49-F238E27FC236}">
-                      <a16:creationId xmlns:a16="http://schemas.microsoft.com/office/drawing/2014/main" id="{B9CB0BB4-6CB8-4FEF-BF1C-671B6FC0FEDF}"/>
-                    </a:ext>
-                  </a:extLst>
-                </p:cNvPr>
-                <p:cNvSpPr/>
-                <p:nvPr/>
-              </p:nvSpPr>
-              <p:spPr>
-                <a:xfrm rot="2899544">
-                  <a:off x="2062848" y="4045060"/>
-                  <a:ext cx="128510" cy="103376"/>
-                </a:xfrm>
-                <a:prstGeom prst="roundRect">
-                  <a:avLst>
-                    <a:gd name="adj" fmla="val 50000"/>
-                  </a:avLst>
-                </a:prstGeom>
-                <a:grpFill/>
-                <a:ln>
-                  <a:noFill/>
-                </a:ln>
-              </p:spPr>
-              <p:style>
-                <a:lnRef idx="2">
-                  <a:schemeClr val="accent1">
-                    <a:shade val="50000"/>
-                  </a:schemeClr>
-                </a:lnRef>
-                <a:fillRef idx="1">
-                  <a:schemeClr val="accent1"/>
-                </a:fillRef>
-                <a:effectRef idx="0">
-                  <a:schemeClr val="accent1"/>
-                </a:effectRef>
-                <a:fontRef idx="minor">
-                  <a:schemeClr val="lt1"/>
-                </a:fontRef>
-              </p:style>
-              <p:txBody>
-                <a:bodyPr rtlCol="0" anchor="ctr"/>
-                <a:lstStyle/>
-                <a:p>
-                  <a:pPr algn="ctr"/>
-                  <a:endParaRPr lang="pt-BR"/>
-                </a:p>
-              </p:txBody>
-            </p:sp>
-          </p:grpSp>
         </p:grpSp>
+        <p:cxnSp>
+          <p:nvCxnSpPr>
+            <p:cNvPr id="110" name="Conector de Seta Reta 109">
+              <a:extLst>
+                <a:ext uri="{FF2B5EF4-FFF2-40B4-BE49-F238E27FC236}">
+                  <a16:creationId xmlns:a16="http://schemas.microsoft.com/office/drawing/2014/main" id="{87951582-0D64-45F2-9E1D-03B86C841701}"/>
+                </a:ext>
+              </a:extLst>
+            </p:cNvPr>
+            <p:cNvCxnSpPr/>
+            <p:nvPr/>
+          </p:nvCxnSpPr>
+          <p:spPr>
+            <a:xfrm flipH="1">
+              <a:off x="8100768" y="6023994"/>
+              <a:ext cx="1512168" cy="0"/>
+            </a:xfrm>
+            <a:prstGeom prst="straightConnector1">
+              <a:avLst/>
+            </a:prstGeom>
+            <a:ln>
+              <a:tailEnd type="triangle"/>
+            </a:ln>
+          </p:spPr>
+          <p:style>
+            <a:lnRef idx="1">
+              <a:schemeClr val="dk1"/>
+            </a:lnRef>
+            <a:fillRef idx="0">
+              <a:schemeClr val="dk1"/>
+            </a:fillRef>
+            <a:effectRef idx="0">
+              <a:schemeClr val="dk1"/>
+            </a:effectRef>
+            <a:fontRef idx="minor">
+              <a:schemeClr val="tx1"/>
+            </a:fontRef>
+          </p:style>
+        </p:cxnSp>
+        <p:cxnSp>
+          <p:nvCxnSpPr>
+            <p:cNvPr id="114" name="Conector de Seta Reta 113">
+              <a:extLst>
+                <a:ext uri="{FF2B5EF4-FFF2-40B4-BE49-F238E27FC236}">
+                  <a16:creationId xmlns:a16="http://schemas.microsoft.com/office/drawing/2014/main" id="{E567FFCB-98F5-490B-A83D-2542AC0E9E11}"/>
+                </a:ext>
+              </a:extLst>
+            </p:cNvPr>
+            <p:cNvCxnSpPr/>
+            <p:nvPr/>
+          </p:nvCxnSpPr>
+          <p:spPr>
+            <a:xfrm>
+              <a:off x="11269120" y="6168010"/>
+              <a:ext cx="2448272" cy="504056"/>
+            </a:xfrm>
+            <a:prstGeom prst="straightConnector1">
+              <a:avLst/>
+            </a:prstGeom>
+            <a:ln>
+              <a:tailEnd type="triangle"/>
+            </a:ln>
+          </p:spPr>
+          <p:style>
+            <a:lnRef idx="1">
+              <a:schemeClr val="dk1"/>
+            </a:lnRef>
+            <a:fillRef idx="0">
+              <a:schemeClr val="dk1"/>
+            </a:fillRef>
+            <a:effectRef idx="0">
+              <a:schemeClr val="dk1"/>
+            </a:effectRef>
+            <a:fontRef idx="minor">
+              <a:schemeClr val="tx1"/>
+            </a:fontRef>
+          </p:style>
+        </p:cxnSp>
+        <p:cxnSp>
+          <p:nvCxnSpPr>
+            <p:cNvPr id="5" name="Conector de Seta Reta 4">
+              <a:extLst>
+                <a:ext uri="{FF2B5EF4-FFF2-40B4-BE49-F238E27FC236}">
+                  <a16:creationId xmlns:a16="http://schemas.microsoft.com/office/drawing/2014/main" id="{8A6054A2-484B-43C3-AE89-7302246BA9B1}"/>
+                </a:ext>
+              </a:extLst>
+            </p:cNvPr>
+            <p:cNvCxnSpPr/>
+            <p:nvPr/>
+          </p:nvCxnSpPr>
+          <p:spPr>
+            <a:xfrm flipV="1">
+              <a:off x="11629157" y="4871864"/>
+              <a:ext cx="720080" cy="1008112"/>
+            </a:xfrm>
+            <a:prstGeom prst="straightConnector1">
+              <a:avLst/>
+            </a:prstGeom>
+            <a:ln>
+              <a:tailEnd type="triangle"/>
+            </a:ln>
+          </p:spPr>
+          <p:style>
+            <a:lnRef idx="1">
+              <a:schemeClr val="dk1"/>
+            </a:lnRef>
+            <a:fillRef idx="0">
+              <a:schemeClr val="dk1"/>
+            </a:fillRef>
+            <a:effectRef idx="0">
+              <a:schemeClr val="dk1"/>
+            </a:effectRef>
+            <a:fontRef idx="minor">
+              <a:schemeClr val="tx1"/>
+            </a:fontRef>
+          </p:style>
+        </p:cxnSp>
+        <p:sp>
+          <p:nvSpPr>
+            <p:cNvPr id="42" name="CaixaDeTexto 41">
+              <a:extLst>
+                <a:ext uri="{FF2B5EF4-FFF2-40B4-BE49-F238E27FC236}">
+                  <a16:creationId xmlns:a16="http://schemas.microsoft.com/office/drawing/2014/main" id="{31670B17-52D3-4BF9-97B7-2496B636114B}"/>
+                </a:ext>
+              </a:extLst>
+            </p:cNvPr>
+            <p:cNvSpPr txBox="1"/>
+            <p:nvPr/>
+          </p:nvSpPr>
+          <p:spPr>
+            <a:xfrm>
+              <a:off x="7740725" y="3431704"/>
+              <a:ext cx="1997663" cy="400110"/>
+            </a:xfrm>
+            <a:prstGeom prst="rect">
+              <a:avLst/>
+            </a:prstGeom>
+            <a:noFill/>
+          </p:spPr>
+          <p:txBody>
+            <a:bodyPr wrap="none" rtlCol="0">
+              <a:spAutoFit/>
+            </a:bodyPr>
+            <a:lstStyle/>
+            <a:p>
+              <a:r>
+                <a:rPr lang="pt-BR" sz="2000" b="1" dirty="0">
+                  <a:solidFill>
+                    <a:srgbClr val="008EBA"/>
+                  </a:solidFill>
+                  <a:latin typeface="Agency FB" panose="020B0503020202020204" pitchFamily="34" charset="0"/>
+                </a:rPr>
+                <a:t>SIMPLES, FUNCIONAL</a:t>
+              </a:r>
+            </a:p>
+          </p:txBody>
+        </p:sp>
+        <p:sp>
+          <p:nvSpPr>
+            <p:cNvPr id="43" name="CaixaDeTexto 42">
+              <a:extLst>
+                <a:ext uri="{FF2B5EF4-FFF2-40B4-BE49-F238E27FC236}">
+                  <a16:creationId xmlns:a16="http://schemas.microsoft.com/office/drawing/2014/main" id="{F8E8841A-1C2A-4D5F-8FAA-3EFCB9C50538}"/>
+                </a:ext>
+              </a:extLst>
+            </p:cNvPr>
+            <p:cNvSpPr txBox="1"/>
+            <p:nvPr/>
+          </p:nvSpPr>
+          <p:spPr>
+            <a:xfrm>
+              <a:off x="7740725" y="3791744"/>
+              <a:ext cx="2911374" cy="923330"/>
+            </a:xfrm>
+            <a:prstGeom prst="rect">
+              <a:avLst/>
+            </a:prstGeom>
+            <a:noFill/>
+          </p:spPr>
+          <p:txBody>
+            <a:bodyPr wrap="none" rtlCol="0">
+              <a:spAutoFit/>
+            </a:bodyPr>
+            <a:lstStyle/>
+            <a:p>
+              <a:r>
+                <a:rPr lang="pt-BR" dirty="0">
+                  <a:latin typeface="Agency FB" panose="020B0503020202020204" pitchFamily="34" charset="0"/>
+                </a:rPr>
+                <a:t>A Stud+ conta com um design</a:t>
+              </a:r>
+            </a:p>
+            <a:p>
+              <a:r>
+                <a:rPr lang="pt-BR" dirty="0">
+                  <a:latin typeface="Agency FB" panose="020B0503020202020204" pitchFamily="34" charset="0"/>
+                </a:rPr>
+                <a:t>simples e fácil de utilizar, dessa </a:t>
+              </a:r>
+            </a:p>
+            <a:p>
+              <a:r>
+                <a:rPr lang="pt-BR" dirty="0">
+                  <a:latin typeface="Agency FB" panose="020B0503020202020204" pitchFamily="34" charset="0"/>
+                </a:rPr>
+                <a:t>forma, ajudando na sua dinamicidade.</a:t>
+              </a:r>
+            </a:p>
+          </p:txBody>
+        </p:sp>
+        <p:pic>
+          <p:nvPicPr>
+            <p:cNvPr id="9" name="Imagem 8">
+              <a:extLst>
+                <a:ext uri="{FF2B5EF4-FFF2-40B4-BE49-F238E27FC236}">
+                  <a16:creationId xmlns:a16="http://schemas.microsoft.com/office/drawing/2014/main" id="{ED62117D-EB31-4122-B630-186E190EB3DE}"/>
+                </a:ext>
+              </a:extLst>
+            </p:cNvPr>
+            <p:cNvPicPr>
+              <a:picLocks noChangeAspect="1"/>
+            </p:cNvPicPr>
+            <p:nvPr/>
+          </p:nvPicPr>
+          <p:blipFill>
+            <a:blip r:embed="rId6">
+              <a:extLst>
+                <a:ext uri="{BEBA8EAE-BF5A-486C-A8C5-ECC9F3942E4B}">
+                  <a14:imgProps xmlns:a14="http://schemas.microsoft.com/office/drawing/2010/main">
+                    <a14:imgLayer r:embed="rId7">
+                      <a14:imgEffect>
+                        <a14:backgroundRemoval t="0" b="89953" l="0" r="90000">
+                          <a14:foregroundMark x1="33385" y1="37049" x2="33385" y2="37049"/>
+                          <a14:foregroundMark x1="42308" y1="35322" x2="42308" y2="35322"/>
+                          <a14:foregroundMark x1="40462" y1="39403" x2="40462" y2="39403"/>
+                          <a14:foregroundMark x1="39692" y1="39560" x2="39692" y2="39560"/>
+                          <a14:foregroundMark x1="34923" y1="41444" x2="34923" y2="41444"/>
+                          <a14:foregroundMark x1="31846" y1="43171" x2="31538" y2="43799"/>
+                          <a14:foregroundMark x1="30308" y1="44584" x2="29846" y2="45683"/>
+                          <a14:foregroundMark x1="28769" y1="48352" x2="28769" y2="49451"/>
+                          <a14:foregroundMark x1="29231" y1="50706" x2="29692" y2="52119"/>
+                          <a14:foregroundMark x1="29077" y1="53218" x2="28462" y2="54003"/>
+                          <a14:foregroundMark x1="26769" y1="26531" x2="26769" y2="26531"/>
+                          <a14:foregroundMark x1="26769" y1="26531" x2="26769" y2="26531"/>
+                          <a14:foregroundMark x1="26769" y1="26531" x2="26769" y2="26531"/>
+                        </a14:backgroundRemoval>
+                      </a14:imgEffect>
+                    </a14:imgLayer>
+                  </a14:imgProps>
+                </a:ext>
+              </a:extLst>
+            </a:blip>
+            <a:stretch>
+              <a:fillRect/>
+            </a:stretch>
+          </p:blipFill>
+          <p:spPr>
+            <a:xfrm>
+              <a:off x="7236669" y="3359696"/>
+              <a:ext cx="661298" cy="648072"/>
+            </a:xfrm>
+            <a:prstGeom prst="rect">
+              <a:avLst/>
+            </a:prstGeom>
+          </p:spPr>
+        </p:pic>
+        <p:cxnSp>
+          <p:nvCxnSpPr>
+            <p:cNvPr id="20" name="Conector de Seta Reta 19">
+              <a:extLst>
+                <a:ext uri="{FF2B5EF4-FFF2-40B4-BE49-F238E27FC236}">
+                  <a16:creationId xmlns:a16="http://schemas.microsoft.com/office/drawing/2014/main" id="{DE9ECDBB-2FD0-4143-9E02-726B696772F6}"/>
+                </a:ext>
+              </a:extLst>
+            </p:cNvPr>
+            <p:cNvCxnSpPr/>
+            <p:nvPr/>
+          </p:nvCxnSpPr>
+          <p:spPr>
+            <a:xfrm flipH="1" flipV="1">
+              <a:off x="9180885" y="4871864"/>
+              <a:ext cx="864096" cy="720080"/>
+            </a:xfrm>
+            <a:prstGeom prst="straightConnector1">
+              <a:avLst/>
+            </a:prstGeom>
+            <a:ln>
+              <a:tailEnd type="triangle"/>
+            </a:ln>
+          </p:spPr>
+          <p:style>
+            <a:lnRef idx="1">
+              <a:schemeClr val="dk1"/>
+            </a:lnRef>
+            <a:fillRef idx="0">
+              <a:schemeClr val="dk1"/>
+            </a:fillRef>
+            <a:effectRef idx="0">
+              <a:schemeClr val="dk1"/>
+            </a:effectRef>
+            <a:fontRef idx="minor">
+              <a:schemeClr val="tx1"/>
+            </a:fontRef>
+          </p:style>
+        </p:cxnSp>
       </p:grpSp>
     </p:spTree>
     <p:extLst>
@@ -15101,7 +14036,7 @@
         </p:nvGrpSpPr>
         <p:grpSpPr>
           <a:xfrm>
-            <a:off x="-2885529" y="900679"/>
+            <a:off x="-2885529" y="3567683"/>
             <a:ext cx="2304256" cy="2765107"/>
             <a:chOff x="3131840" y="1124744"/>
             <a:chExt cx="3312368" cy="3888432"/>
@@ -15569,7 +14504,7 @@
         </p:nvGrpSpPr>
         <p:grpSpPr>
           <a:xfrm>
-            <a:off x="1619672" y="3501008"/>
+            <a:off x="7884745" y="6168008"/>
             <a:ext cx="6031499" cy="1944216"/>
             <a:chOff x="1619672" y="3501008"/>
             <a:chExt cx="6031499" cy="1944216"/>
@@ -16674,7 +15609,7 @@
         </p:nvGrpSpPr>
         <p:grpSpPr>
           <a:xfrm>
-            <a:off x="3707905" y="850591"/>
+            <a:off x="9972978" y="3517594"/>
             <a:ext cx="2298013" cy="2757615"/>
             <a:chOff x="3707904" y="476672"/>
             <a:chExt cx="2304256" cy="2765107"/>
@@ -18413,6 +17348,2113 @@
 </p:sld>
 </file>
 
+<file path=ppt/slides/slide20.xml><?xml version="1.0" encoding="utf-8"?>
+<p:sld xmlns:a="http://schemas.openxmlformats.org/drawingml/2006/main" xmlns:r="http://schemas.openxmlformats.org/officeDocument/2006/relationships" xmlns:p="http://schemas.openxmlformats.org/presentationml/2006/main">
+  <p:cSld>
+    <p:spTree>
+      <p:nvGrpSpPr>
+        <p:cNvPr id="1" name=""/>
+        <p:cNvGrpSpPr/>
+        <p:nvPr/>
+      </p:nvGrpSpPr>
+      <p:grpSpPr>
+        <a:xfrm>
+          <a:off x="0" y="0"/>
+          <a:ext cx="0" cy="0"/>
+          <a:chOff x="0" y="0"/>
+          <a:chExt cx="0" cy="0"/>
+        </a:xfrm>
+      </p:grpSpPr>
+      <p:pic>
+        <p:nvPicPr>
+          <p:cNvPr id="2050" name="Picture 2" descr="Resultado de imagem para caneta icon">
+            <a:extLst>
+              <a:ext uri="{FF2B5EF4-FFF2-40B4-BE49-F238E27FC236}">
+                <a16:creationId xmlns:a16="http://schemas.microsoft.com/office/drawing/2014/main" id="{68C0435D-4D90-459F-9B4A-EDB715CDA24C}"/>
+              </a:ext>
+            </a:extLst>
+          </p:cNvPr>
+          <p:cNvPicPr>
+            <a:picLocks noChangeAspect="1" noChangeArrowheads="1"/>
+          </p:cNvPicPr>
+          <p:nvPr/>
+        </p:nvPicPr>
+        <p:blipFill>
+          <a:blip r:embed="rId2" cstate="print">
+            <a:extLst>
+              <a:ext uri="{28A0092B-C50C-407E-A947-70E740481C1C}">
+                <a14:useLocalDpi xmlns:a14="http://schemas.microsoft.com/office/drawing/2010/main" val="0"/>
+              </a:ext>
+            </a:extLst>
+          </a:blip>
+          <a:srcRect/>
+          <a:stretch>
+            <a:fillRect/>
+          </a:stretch>
+        </p:blipFill>
+        <p:spPr bwMode="auto">
+          <a:xfrm>
+            <a:off x="6516589" y="4943872"/>
+            <a:ext cx="3429000" cy="3429000"/>
+          </a:xfrm>
+          <a:prstGeom prst="rect">
+            <a:avLst/>
+          </a:prstGeom>
+          <a:noFill/>
+          <a:extLst>
+            <a:ext uri="{909E8E84-426E-40DD-AFC4-6F175D3DCCD1}">
+              <a14:hiddenFill xmlns:a14="http://schemas.microsoft.com/office/drawing/2010/main">
+                <a:solidFill>
+                  <a:srgbClr val="FFFFFF"/>
+                </a:solidFill>
+              </a14:hiddenFill>
+            </a:ext>
+          </a:extLst>
+        </p:spPr>
+      </p:pic>
+      <p:grpSp>
+        <p:nvGrpSpPr>
+          <p:cNvPr id="14" name="Agrupar 13">
+            <a:extLst>
+              <a:ext uri="{FF2B5EF4-FFF2-40B4-BE49-F238E27FC236}">
+                <a16:creationId xmlns:a16="http://schemas.microsoft.com/office/drawing/2014/main" id="{11B8CDE8-454B-48BB-9BE5-3C73D682CDF3}"/>
+              </a:ext>
+            </a:extLst>
+          </p:cNvPr>
+          <p:cNvGrpSpPr/>
+          <p:nvPr/>
+        </p:nvGrpSpPr>
+        <p:grpSpPr>
+          <a:xfrm>
+            <a:off x="10136877" y="3956033"/>
+            <a:ext cx="4010646" cy="4047287"/>
+            <a:chOff x="3871808" y="1289028"/>
+            <a:chExt cx="4010646" cy="4047287"/>
+          </a:xfrm>
+        </p:grpSpPr>
+        <p:sp>
+          <p:nvSpPr>
+            <p:cNvPr id="6" name="Triângulo isósceles 5">
+              <a:extLst>
+                <a:ext uri="{FF2B5EF4-FFF2-40B4-BE49-F238E27FC236}">
+                  <a16:creationId xmlns:a16="http://schemas.microsoft.com/office/drawing/2014/main" id="{245F05AE-328E-418F-86B5-95C6B99DB76B}"/>
+                </a:ext>
+              </a:extLst>
+            </p:cNvPr>
+            <p:cNvSpPr/>
+            <p:nvPr/>
+          </p:nvSpPr>
+          <p:spPr>
+            <a:xfrm rot="20738604">
+              <a:off x="3871808" y="4404379"/>
+              <a:ext cx="1006925" cy="868039"/>
+            </a:xfrm>
+            <a:prstGeom prst="triangle">
+              <a:avLst/>
+            </a:prstGeom>
+            <a:solidFill>
+              <a:srgbClr val="8FC9F8"/>
+            </a:solidFill>
+            <a:ln>
+              <a:noFill/>
+            </a:ln>
+          </p:spPr>
+          <p:style>
+            <a:lnRef idx="2">
+              <a:schemeClr val="accent1">
+                <a:shade val="50000"/>
+              </a:schemeClr>
+            </a:lnRef>
+            <a:fillRef idx="1">
+              <a:schemeClr val="accent1"/>
+            </a:fillRef>
+            <a:effectRef idx="0">
+              <a:schemeClr val="accent1"/>
+            </a:effectRef>
+            <a:fontRef idx="minor">
+              <a:schemeClr val="lt1"/>
+            </a:fontRef>
+          </p:style>
+          <p:txBody>
+            <a:bodyPr rot="0" spcFirstLastPara="0" vertOverflow="overflow" horzOverflow="overflow" vert="horz" wrap="square" lIns="91440" tIns="45720" rIns="91440" bIns="45720" numCol="1" spcCol="0" rtlCol="0" fromWordArt="0" anchor="ctr" anchorCtr="0" forceAA="0" compatLnSpc="1">
+              <a:prstTxWarp prst="textNoShape">
+                <a:avLst/>
+              </a:prstTxWarp>
+              <a:noAutofit/>
+            </a:bodyPr>
+            <a:lstStyle/>
+            <a:p>
+              <a:pPr algn="ctr"/>
+              <a:endParaRPr lang="pt-BR"/>
+            </a:p>
+          </p:txBody>
+        </p:sp>
+        <p:sp>
+          <p:nvSpPr>
+            <p:cNvPr id="7" name="Retângulo 6">
+              <a:extLst>
+                <a:ext uri="{FF2B5EF4-FFF2-40B4-BE49-F238E27FC236}">
+                  <a16:creationId xmlns:a16="http://schemas.microsoft.com/office/drawing/2014/main" id="{4722C9FB-66F3-4F2E-A33C-A03C6774FAF0}"/>
+                </a:ext>
+              </a:extLst>
+            </p:cNvPr>
+            <p:cNvSpPr/>
+            <p:nvPr/>
+          </p:nvSpPr>
+          <p:spPr>
+            <a:xfrm rot="18915960">
+              <a:off x="7207730" y="1724369"/>
+              <a:ext cx="344488" cy="674448"/>
+            </a:xfrm>
+            <a:prstGeom prst="rect">
+              <a:avLst/>
+            </a:prstGeom>
+            <a:solidFill>
+              <a:srgbClr val="64B4F5"/>
+            </a:solidFill>
+            <a:ln>
+              <a:noFill/>
+            </a:ln>
+          </p:spPr>
+          <p:style>
+            <a:lnRef idx="2">
+              <a:schemeClr val="accent1">
+                <a:shade val="50000"/>
+              </a:schemeClr>
+            </a:lnRef>
+            <a:fillRef idx="1">
+              <a:schemeClr val="accent1"/>
+            </a:fillRef>
+            <a:effectRef idx="0">
+              <a:schemeClr val="accent1"/>
+            </a:effectRef>
+            <a:fontRef idx="minor">
+              <a:schemeClr val="lt1"/>
+            </a:fontRef>
+          </p:style>
+          <p:txBody>
+            <a:bodyPr rot="0" spcFirstLastPara="0" vertOverflow="overflow" horzOverflow="overflow" vert="horz" wrap="square" lIns="91440" tIns="45720" rIns="91440" bIns="45720" numCol="1" spcCol="0" rtlCol="0" fromWordArt="0" anchor="ctr" anchorCtr="0" forceAA="0" compatLnSpc="1">
+              <a:prstTxWarp prst="textNoShape">
+                <a:avLst/>
+              </a:prstTxWarp>
+              <a:noAutofit/>
+            </a:bodyPr>
+            <a:lstStyle/>
+            <a:p>
+              <a:pPr algn="ctr"/>
+              <a:endParaRPr lang="pt-BR" dirty="0"/>
+            </a:p>
+          </p:txBody>
+        </p:sp>
+        <p:sp>
+          <p:nvSpPr>
+            <p:cNvPr id="5" name="Retângulo 4">
+              <a:extLst>
+                <a:ext uri="{FF2B5EF4-FFF2-40B4-BE49-F238E27FC236}">
+                  <a16:creationId xmlns:a16="http://schemas.microsoft.com/office/drawing/2014/main" id="{BBB456FF-A1AC-48E4-9FBE-9636BB1A6F01}"/>
+                </a:ext>
+              </a:extLst>
+            </p:cNvPr>
+            <p:cNvSpPr/>
+            <p:nvPr/>
+          </p:nvSpPr>
+          <p:spPr>
+            <a:xfrm rot="18915960">
+              <a:off x="4046983" y="2958169"/>
+              <a:ext cx="3832492" cy="968583"/>
+            </a:xfrm>
+            <a:prstGeom prst="rect">
+              <a:avLst/>
+            </a:prstGeom>
+            <a:solidFill>
+              <a:srgbClr val="1464BF"/>
+            </a:solidFill>
+            <a:ln>
+              <a:noFill/>
+            </a:ln>
+          </p:spPr>
+          <p:style>
+            <a:lnRef idx="2">
+              <a:schemeClr val="accent1">
+                <a:shade val="50000"/>
+              </a:schemeClr>
+            </a:lnRef>
+            <a:fillRef idx="1">
+              <a:schemeClr val="accent1"/>
+            </a:fillRef>
+            <a:effectRef idx="0">
+              <a:schemeClr val="accent1"/>
+            </a:effectRef>
+            <a:fontRef idx="minor">
+              <a:schemeClr val="lt1"/>
+            </a:fontRef>
+          </p:style>
+          <p:txBody>
+            <a:bodyPr rot="0" spcFirstLastPara="0" vertOverflow="overflow" horzOverflow="overflow" vert="horz" wrap="square" lIns="91440" tIns="45720" rIns="91440" bIns="45720" numCol="1" spcCol="0" rtlCol="0" fromWordArt="0" anchor="ctr" anchorCtr="0" forceAA="0" compatLnSpc="1">
+              <a:prstTxWarp prst="textNoShape">
+                <a:avLst/>
+              </a:prstTxWarp>
+              <a:noAutofit/>
+            </a:bodyPr>
+            <a:lstStyle/>
+            <a:p>
+              <a:pPr algn="ctr"/>
+              <a:endParaRPr lang="pt-BR"/>
+            </a:p>
+          </p:txBody>
+        </p:sp>
+        <p:sp>
+          <p:nvSpPr>
+            <p:cNvPr id="9" name="Retângulo 8">
+              <a:extLst>
+                <a:ext uri="{FF2B5EF4-FFF2-40B4-BE49-F238E27FC236}">
+                  <a16:creationId xmlns:a16="http://schemas.microsoft.com/office/drawing/2014/main" id="{152FB06C-77CC-4698-85A7-EF7C652AA109}"/>
+                </a:ext>
+              </a:extLst>
+            </p:cNvPr>
+            <p:cNvSpPr/>
+            <p:nvPr/>
+          </p:nvSpPr>
+          <p:spPr>
+            <a:xfrm rot="18915960">
+              <a:off x="7402999" y="1289028"/>
+              <a:ext cx="479455" cy="1018337"/>
+            </a:xfrm>
+            <a:prstGeom prst="rect">
+              <a:avLst/>
+            </a:prstGeom>
+            <a:solidFill>
+              <a:srgbClr val="8FC9F8"/>
+            </a:solidFill>
+            <a:ln>
+              <a:noFill/>
+            </a:ln>
+          </p:spPr>
+          <p:style>
+            <a:lnRef idx="2">
+              <a:schemeClr val="accent1">
+                <a:shade val="50000"/>
+              </a:schemeClr>
+            </a:lnRef>
+            <a:fillRef idx="1">
+              <a:schemeClr val="accent1"/>
+            </a:fillRef>
+            <a:effectRef idx="0">
+              <a:schemeClr val="accent1"/>
+            </a:effectRef>
+            <a:fontRef idx="minor">
+              <a:schemeClr val="lt1"/>
+            </a:fontRef>
+          </p:style>
+          <p:txBody>
+            <a:bodyPr rot="0" spcFirstLastPara="0" vertOverflow="overflow" horzOverflow="overflow" vert="horz" wrap="square" lIns="91440" tIns="45720" rIns="91440" bIns="45720" numCol="1" spcCol="0" rtlCol="0" fromWordArt="0" anchor="ctr" anchorCtr="0" forceAA="0" compatLnSpc="1">
+              <a:prstTxWarp prst="textNoShape">
+                <a:avLst/>
+              </a:prstTxWarp>
+              <a:noAutofit/>
+            </a:bodyPr>
+            <a:lstStyle/>
+            <a:p>
+              <a:pPr algn="ctr"/>
+              <a:endParaRPr lang="pt-BR" dirty="0"/>
+            </a:p>
+          </p:txBody>
+        </p:sp>
+        <p:sp>
+          <p:nvSpPr>
+            <p:cNvPr id="11" name="Retângulo: Cantos Arredondados 10">
+              <a:extLst>
+                <a:ext uri="{FF2B5EF4-FFF2-40B4-BE49-F238E27FC236}">
+                  <a16:creationId xmlns:a16="http://schemas.microsoft.com/office/drawing/2014/main" id="{4CAF09BC-BB96-4BB5-B288-77204156E362}"/>
+                </a:ext>
+              </a:extLst>
+            </p:cNvPr>
+            <p:cNvSpPr/>
+            <p:nvPr/>
+          </p:nvSpPr>
+          <p:spPr>
+            <a:xfrm rot="18875327">
+              <a:off x="6007100" y="2497797"/>
+              <a:ext cx="1235188" cy="502622"/>
+            </a:xfrm>
+            <a:prstGeom prst="roundRect">
+              <a:avLst>
+                <a:gd name="adj" fmla="val 50000"/>
+              </a:avLst>
+            </a:prstGeom>
+            <a:solidFill>
+              <a:srgbClr val="0D47A1"/>
+            </a:solidFill>
+            <a:ln>
+              <a:noFill/>
+            </a:ln>
+          </p:spPr>
+          <p:style>
+            <a:lnRef idx="2">
+              <a:schemeClr val="accent1">
+                <a:shade val="50000"/>
+              </a:schemeClr>
+            </a:lnRef>
+            <a:fillRef idx="1">
+              <a:schemeClr val="accent1"/>
+            </a:fillRef>
+            <a:effectRef idx="0">
+              <a:schemeClr val="accent1"/>
+            </a:effectRef>
+            <a:fontRef idx="minor">
+              <a:schemeClr val="lt1"/>
+            </a:fontRef>
+          </p:style>
+          <p:txBody>
+            <a:bodyPr rot="0" spcFirstLastPara="0" vertOverflow="overflow" horzOverflow="overflow" vert="horz" wrap="square" lIns="91440" tIns="45720" rIns="91440" bIns="45720" numCol="1" spcCol="0" rtlCol="0" fromWordArt="0" anchor="ctr" anchorCtr="0" forceAA="0" compatLnSpc="1">
+              <a:prstTxWarp prst="textNoShape">
+                <a:avLst/>
+              </a:prstTxWarp>
+              <a:noAutofit/>
+            </a:bodyPr>
+            <a:lstStyle/>
+            <a:p>
+              <a:pPr algn="ctr"/>
+              <a:endParaRPr lang="pt-BR"/>
+            </a:p>
+          </p:txBody>
+        </p:sp>
+        <p:sp>
+          <p:nvSpPr>
+            <p:cNvPr id="13" name="Triângulo isósceles 12">
+              <a:extLst>
+                <a:ext uri="{FF2B5EF4-FFF2-40B4-BE49-F238E27FC236}">
+                  <a16:creationId xmlns:a16="http://schemas.microsoft.com/office/drawing/2014/main" id="{ADE8F1EA-DC14-49B8-A251-48F56C0A5147}"/>
+                </a:ext>
+              </a:extLst>
+            </p:cNvPr>
+            <p:cNvSpPr/>
+            <p:nvPr/>
+          </p:nvSpPr>
+          <p:spPr>
+            <a:xfrm rot="20738604" flipH="1">
+              <a:off x="3961006" y="4986069"/>
+              <a:ext cx="406285" cy="350246"/>
+            </a:xfrm>
+            <a:prstGeom prst="triangle">
+              <a:avLst/>
+            </a:prstGeom>
+            <a:solidFill>
+              <a:srgbClr val="0D47A1"/>
+            </a:solidFill>
+            <a:ln>
+              <a:noFill/>
+            </a:ln>
+          </p:spPr>
+          <p:style>
+            <a:lnRef idx="2">
+              <a:schemeClr val="accent1">
+                <a:shade val="50000"/>
+              </a:schemeClr>
+            </a:lnRef>
+            <a:fillRef idx="1">
+              <a:schemeClr val="accent1"/>
+            </a:fillRef>
+            <a:effectRef idx="0">
+              <a:schemeClr val="accent1"/>
+            </a:effectRef>
+            <a:fontRef idx="minor">
+              <a:schemeClr val="lt1"/>
+            </a:fontRef>
+          </p:style>
+          <p:txBody>
+            <a:bodyPr rot="0" spcFirstLastPara="0" vertOverflow="overflow" horzOverflow="overflow" vert="horz" wrap="square" lIns="91440" tIns="45720" rIns="91440" bIns="45720" numCol="1" spcCol="0" rtlCol="0" fromWordArt="0" anchor="ctr" anchorCtr="0" forceAA="0" compatLnSpc="1">
+              <a:prstTxWarp prst="textNoShape">
+                <a:avLst/>
+              </a:prstTxWarp>
+              <a:noAutofit/>
+            </a:bodyPr>
+            <a:lstStyle/>
+            <a:p>
+              <a:pPr algn="ctr"/>
+              <a:endParaRPr lang="pt-BR"/>
+            </a:p>
+          </p:txBody>
+        </p:sp>
+        <p:sp>
+          <p:nvSpPr>
+            <p:cNvPr id="12" name="CaixaDeTexto 11">
+              <a:extLst>
+                <a:ext uri="{FF2B5EF4-FFF2-40B4-BE49-F238E27FC236}">
+                  <a16:creationId xmlns:a16="http://schemas.microsoft.com/office/drawing/2014/main" id="{15294F0D-78E0-4E40-AF4A-C49EA43A339B}"/>
+                </a:ext>
+              </a:extLst>
+            </p:cNvPr>
+            <p:cNvSpPr txBox="1"/>
+            <p:nvPr/>
+          </p:nvSpPr>
+          <p:spPr>
+            <a:xfrm rot="18905243">
+              <a:off x="4800085" y="3705037"/>
+              <a:ext cx="1217000" cy="523220"/>
+            </a:xfrm>
+            <a:prstGeom prst="rect">
+              <a:avLst/>
+            </a:prstGeom>
+            <a:noFill/>
+          </p:spPr>
+          <p:txBody>
+            <a:bodyPr wrap="none" rtlCol="0">
+              <a:spAutoFit/>
+            </a:bodyPr>
+            <a:lstStyle/>
+            <a:p>
+              <a:r>
+                <a:rPr lang="pt-BR" sz="2800" b="1" dirty="0">
+                  <a:solidFill>
+                    <a:schemeClr val="bg1"/>
+                  </a:solidFill>
+                  <a:latin typeface="Century Gothic" panose="020B0502020202020204" pitchFamily="34" charset="0"/>
+                </a:rPr>
+                <a:t>STUD+</a:t>
+              </a:r>
+            </a:p>
+          </p:txBody>
+        </p:sp>
+      </p:grpSp>
+    </p:spTree>
+    <p:extLst>
+      <p:ext uri="{BB962C8B-B14F-4D97-AF65-F5344CB8AC3E}">
+        <p14:creationId xmlns:p14="http://schemas.microsoft.com/office/powerpoint/2010/main" val="1943105081"/>
+      </p:ext>
+    </p:extLst>
+  </p:cSld>
+  <p:clrMapOvr>
+    <a:masterClrMapping/>
+  </p:clrMapOvr>
+</p:sld>
+</file>
+
+<file path=ppt/slides/slide21.xml><?xml version="1.0" encoding="utf-8"?>
+<p:sld xmlns:a="http://schemas.openxmlformats.org/drawingml/2006/main" xmlns:r="http://schemas.openxmlformats.org/officeDocument/2006/relationships" xmlns:p="http://schemas.openxmlformats.org/presentationml/2006/main">
+  <p:cSld>
+    <p:spTree>
+      <p:nvGrpSpPr>
+        <p:cNvPr id="1" name=""/>
+        <p:cNvGrpSpPr/>
+        <p:nvPr/>
+      </p:nvGrpSpPr>
+      <p:grpSpPr>
+        <a:xfrm>
+          <a:off x="0" y="0"/>
+          <a:ext cx="0" cy="0"/>
+          <a:chOff x="0" y="0"/>
+          <a:chExt cx="0" cy="0"/>
+        </a:xfrm>
+      </p:grpSpPr>
+      <p:sp>
+        <p:nvSpPr>
+          <p:cNvPr id="5" name="Retângulo 4">
+            <a:extLst>
+              <a:ext uri="{FF2B5EF4-FFF2-40B4-BE49-F238E27FC236}">
+                <a16:creationId xmlns:a16="http://schemas.microsoft.com/office/drawing/2014/main" id="{DA372072-BCC6-4C09-A74D-D24AA5BA6EFF}"/>
+              </a:ext>
+            </a:extLst>
+          </p:cNvPr>
+          <p:cNvSpPr/>
+          <p:nvPr/>
+        </p:nvSpPr>
+        <p:spPr>
+          <a:xfrm>
+            <a:off x="6265069" y="5015880"/>
+            <a:ext cx="9144000" cy="1728192"/>
+          </a:xfrm>
+          <a:prstGeom prst="rect">
+            <a:avLst/>
+          </a:prstGeom>
+          <a:gradFill flip="none" rotWithShape="1">
+            <a:gsLst>
+              <a:gs pos="100000">
+                <a:srgbClr val="00D1A5">
+                  <a:lumMod val="90000"/>
+                  <a:alpha val="71000"/>
+                </a:srgbClr>
+              </a:gs>
+              <a:gs pos="0">
+                <a:srgbClr val="0D47A1">
+                  <a:alpha val="82000"/>
+                </a:srgbClr>
+              </a:gs>
+              <a:gs pos="100000">
+                <a:srgbClr val="7030A0">
+                  <a:alpha val="70000"/>
+                </a:srgbClr>
+              </a:gs>
+            </a:gsLst>
+            <a:path path="circle">
+              <a:fillToRect t="100000" r="100000"/>
+            </a:path>
+            <a:tileRect l="-100000" b="-100000"/>
+          </a:gradFill>
+          <a:ln>
+            <a:noFill/>
+          </a:ln>
+        </p:spPr>
+        <p:style>
+          <a:lnRef idx="2">
+            <a:schemeClr val="accent1">
+              <a:shade val="50000"/>
+            </a:schemeClr>
+          </a:lnRef>
+          <a:fillRef idx="1">
+            <a:schemeClr val="accent1"/>
+          </a:fillRef>
+          <a:effectRef idx="0">
+            <a:schemeClr val="accent1"/>
+          </a:effectRef>
+          <a:fontRef idx="minor">
+            <a:schemeClr val="lt1"/>
+          </a:fontRef>
+        </p:style>
+        <p:txBody>
+          <a:bodyPr rot="0" spcFirstLastPara="0" vertOverflow="overflow" horzOverflow="overflow" vert="horz" wrap="square" lIns="91440" tIns="45720" rIns="91440" bIns="45720" numCol="1" spcCol="0" rtlCol="0" fromWordArt="0" anchor="ctr" anchorCtr="0" forceAA="0" compatLnSpc="1">
+            <a:prstTxWarp prst="textNoShape">
+              <a:avLst/>
+            </a:prstTxWarp>
+            <a:noAutofit/>
+          </a:bodyPr>
+          <a:lstStyle/>
+          <a:p>
+            <a:pPr algn="ctr"/>
+            <a:endParaRPr lang="pt-BR"/>
+          </a:p>
+        </p:txBody>
+      </p:sp>
+    </p:spTree>
+    <p:extLst>
+      <p:ext uri="{BB962C8B-B14F-4D97-AF65-F5344CB8AC3E}">
+        <p14:creationId xmlns:p14="http://schemas.microsoft.com/office/powerpoint/2010/main" val="706418494"/>
+      </p:ext>
+    </p:extLst>
+  </p:cSld>
+  <p:clrMapOvr>
+    <a:masterClrMapping/>
+  </p:clrMapOvr>
+</p:sld>
+</file>
+
+<file path=ppt/slides/slide22.xml><?xml version="1.0" encoding="utf-8"?>
+<p:sld xmlns:a="http://schemas.openxmlformats.org/drawingml/2006/main" xmlns:r="http://schemas.openxmlformats.org/officeDocument/2006/relationships" xmlns:p="http://schemas.openxmlformats.org/presentationml/2006/main">
+  <p:cSld>
+    <p:spTree>
+      <p:nvGrpSpPr>
+        <p:cNvPr id="1" name=""/>
+        <p:cNvGrpSpPr/>
+        <p:nvPr/>
+      </p:nvGrpSpPr>
+      <p:grpSpPr>
+        <a:xfrm>
+          <a:off x="0" y="0"/>
+          <a:ext cx="0" cy="0"/>
+          <a:chOff x="0" y="0"/>
+          <a:chExt cx="0" cy="0"/>
+        </a:xfrm>
+      </p:grpSpPr>
+      <p:pic>
+        <p:nvPicPr>
+          <p:cNvPr id="5" name="Imagem 4">
+            <a:extLst>
+              <a:ext uri="{FF2B5EF4-FFF2-40B4-BE49-F238E27FC236}">
+                <a16:creationId xmlns:a16="http://schemas.microsoft.com/office/drawing/2014/main" id="{CA463755-7A92-41A7-8863-93842B096B4D}"/>
+              </a:ext>
+            </a:extLst>
+          </p:cNvPr>
+          <p:cNvPicPr>
+            <a:picLocks noChangeAspect="1"/>
+          </p:cNvPicPr>
+          <p:nvPr/>
+        </p:nvPicPr>
+        <p:blipFill>
+          <a:blip r:embed="rId2">
+            <a:extLst>
+              <a:ext uri="{28A0092B-C50C-407E-A947-70E740481C1C}">
+                <a14:useLocalDpi xmlns:a14="http://schemas.microsoft.com/office/drawing/2010/main" val="0"/>
+              </a:ext>
+            </a:extLst>
+          </a:blip>
+          <a:stretch>
+            <a:fillRect/>
+          </a:stretch>
+        </p:blipFill>
+        <p:spPr>
+          <a:xfrm>
+            <a:off x="7164663" y="3071664"/>
+            <a:ext cx="6616700" cy="3048000"/>
+          </a:xfrm>
+          <a:prstGeom prst="rect">
+            <a:avLst/>
+          </a:prstGeom>
+        </p:spPr>
+      </p:pic>
+      <p:sp>
+        <p:nvSpPr>
+          <p:cNvPr id="6" name="Retângulo 5">
+            <a:extLst>
+              <a:ext uri="{FF2B5EF4-FFF2-40B4-BE49-F238E27FC236}">
+                <a16:creationId xmlns:a16="http://schemas.microsoft.com/office/drawing/2014/main" id="{573FE193-0CD3-4197-B124-9EEBC6014416}"/>
+              </a:ext>
+            </a:extLst>
+          </p:cNvPr>
+          <p:cNvSpPr/>
+          <p:nvPr/>
+        </p:nvSpPr>
+        <p:spPr>
+          <a:xfrm>
+            <a:off x="7236671" y="6240016"/>
+            <a:ext cx="6624736" cy="3024336"/>
+          </a:xfrm>
+          <a:prstGeom prst="rect">
+            <a:avLst/>
+          </a:prstGeom>
+          <a:gradFill flip="none" rotWithShape="1">
+            <a:gsLst>
+              <a:gs pos="100000">
+                <a:srgbClr val="00D1A5">
+                  <a:lumMod val="90000"/>
+                  <a:alpha val="71000"/>
+                </a:srgbClr>
+              </a:gs>
+              <a:gs pos="27000">
+                <a:srgbClr val="0D47A1">
+                  <a:alpha val="82000"/>
+                </a:srgbClr>
+              </a:gs>
+            </a:gsLst>
+            <a:lin ang="2700000" scaled="1"/>
+            <a:tileRect/>
+          </a:gradFill>
+          <a:ln>
+            <a:noFill/>
+          </a:ln>
+        </p:spPr>
+        <p:style>
+          <a:lnRef idx="2">
+            <a:schemeClr val="accent1">
+              <a:shade val="50000"/>
+            </a:schemeClr>
+          </a:lnRef>
+          <a:fillRef idx="1">
+            <a:schemeClr val="accent1"/>
+          </a:fillRef>
+          <a:effectRef idx="0">
+            <a:schemeClr val="accent1"/>
+          </a:effectRef>
+          <a:fontRef idx="minor">
+            <a:schemeClr val="lt1"/>
+          </a:fontRef>
+        </p:style>
+        <p:txBody>
+          <a:bodyPr rot="0" spcFirstLastPara="0" vertOverflow="overflow" horzOverflow="overflow" vert="horz" wrap="square" lIns="91440" tIns="45720" rIns="91440" bIns="45720" numCol="1" spcCol="0" rtlCol="0" fromWordArt="0" anchor="ctr" anchorCtr="0" forceAA="0" compatLnSpc="1">
+            <a:prstTxWarp prst="textNoShape">
+              <a:avLst/>
+            </a:prstTxWarp>
+            <a:noAutofit/>
+          </a:bodyPr>
+          <a:lstStyle/>
+          <a:p>
+            <a:pPr algn="ctr"/>
+            <a:endParaRPr lang="pt-BR"/>
+          </a:p>
+        </p:txBody>
+      </p:sp>
+    </p:spTree>
+    <p:extLst>
+      <p:ext uri="{BB962C8B-B14F-4D97-AF65-F5344CB8AC3E}">
+        <p14:creationId xmlns:p14="http://schemas.microsoft.com/office/powerpoint/2010/main" val="123942750"/>
+      </p:ext>
+    </p:extLst>
+  </p:cSld>
+  <p:clrMapOvr>
+    <a:masterClrMapping/>
+  </p:clrMapOvr>
+</p:sld>
+</file>
+
+<file path=ppt/slides/slide23.xml><?xml version="1.0" encoding="utf-8"?>
+<p:sld xmlns:a="http://schemas.openxmlformats.org/drawingml/2006/main" xmlns:r="http://schemas.openxmlformats.org/officeDocument/2006/relationships" xmlns:p="http://schemas.openxmlformats.org/presentationml/2006/main">
+  <p:cSld>
+    <p:spTree>
+      <p:nvGrpSpPr>
+        <p:cNvPr id="1" name=""/>
+        <p:cNvGrpSpPr/>
+        <p:nvPr/>
+      </p:nvGrpSpPr>
+      <p:grpSpPr>
+        <a:xfrm>
+          <a:off x="0" y="0"/>
+          <a:ext cx="0" cy="0"/>
+          <a:chOff x="0" y="0"/>
+          <a:chExt cx="0" cy="0"/>
+        </a:xfrm>
+      </p:grpSpPr>
+      <p:sp>
+        <p:nvSpPr>
+          <p:cNvPr id="6" name="Retângulo: Cantos Arredondados 5">
+            <a:extLst>
+              <a:ext uri="{FF2B5EF4-FFF2-40B4-BE49-F238E27FC236}">
+                <a16:creationId xmlns:a16="http://schemas.microsoft.com/office/drawing/2014/main" id="{886DFB85-53C4-4A54-A6FF-CF8C55CE81A1}"/>
+              </a:ext>
+            </a:extLst>
+          </p:cNvPr>
+          <p:cNvSpPr/>
+          <p:nvPr/>
+        </p:nvSpPr>
+        <p:spPr>
+          <a:xfrm>
+            <a:off x="6948637" y="839416"/>
+            <a:ext cx="7704856" cy="10729192"/>
+          </a:xfrm>
+          <a:prstGeom prst="roundRect">
+            <a:avLst>
+              <a:gd name="adj" fmla="val 2119"/>
+            </a:avLst>
+          </a:prstGeom>
+          <a:solidFill>
+            <a:schemeClr val="bg2"/>
+          </a:solidFill>
+          <a:ln>
+            <a:noFill/>
+          </a:ln>
+        </p:spPr>
+        <p:style>
+          <a:lnRef idx="2">
+            <a:schemeClr val="accent1">
+              <a:shade val="50000"/>
+            </a:schemeClr>
+          </a:lnRef>
+          <a:fillRef idx="1">
+            <a:schemeClr val="accent1"/>
+          </a:fillRef>
+          <a:effectRef idx="0">
+            <a:schemeClr val="accent1"/>
+          </a:effectRef>
+          <a:fontRef idx="minor">
+            <a:schemeClr val="lt1"/>
+          </a:fontRef>
+        </p:style>
+        <p:txBody>
+          <a:bodyPr rot="0" spcFirstLastPara="0" vertOverflow="overflow" horzOverflow="overflow" vert="horz" wrap="square" lIns="91440" tIns="45720" rIns="91440" bIns="45720" numCol="1" spcCol="0" rtlCol="0" fromWordArt="0" anchor="ctr" anchorCtr="0" forceAA="0" compatLnSpc="1">
+            <a:prstTxWarp prst="textNoShape">
+              <a:avLst/>
+            </a:prstTxWarp>
+            <a:noAutofit/>
+          </a:bodyPr>
+          <a:lstStyle/>
+          <a:p>
+            <a:pPr algn="ctr"/>
+            <a:endParaRPr lang="pt-BR"/>
+          </a:p>
+        </p:txBody>
+      </p:sp>
+      <p:sp>
+        <p:nvSpPr>
+          <p:cNvPr id="7" name="CaixaDeTexto 6">
+            <a:extLst>
+              <a:ext uri="{FF2B5EF4-FFF2-40B4-BE49-F238E27FC236}">
+                <a16:creationId xmlns:a16="http://schemas.microsoft.com/office/drawing/2014/main" id="{C9B545B1-D51E-4E87-A4A2-3F0808907659}"/>
+              </a:ext>
+            </a:extLst>
+          </p:cNvPr>
+          <p:cNvSpPr txBox="1"/>
+          <p:nvPr/>
+        </p:nvSpPr>
+        <p:spPr>
+          <a:xfrm>
+            <a:off x="9684941" y="1271464"/>
+            <a:ext cx="2232248" cy="523220"/>
+          </a:xfrm>
+          <a:prstGeom prst="rect">
+            <a:avLst/>
+          </a:prstGeom>
+          <a:noFill/>
+        </p:spPr>
+        <p:txBody>
+          <a:bodyPr wrap="square" rtlCol="0">
+            <a:spAutoFit/>
+          </a:bodyPr>
+          <a:lstStyle/>
+          <a:p>
+            <a:r>
+              <a:rPr lang="pt-BR" sz="2800" b="1" dirty="0">
+                <a:solidFill>
+                  <a:srgbClr val="008EBA"/>
+                </a:solidFill>
+                <a:latin typeface="Century Gothic" panose="020B0502020202020204" pitchFamily="34" charset="0"/>
+              </a:rPr>
+              <a:t>SOBRE NÓS</a:t>
+            </a:r>
+          </a:p>
+        </p:txBody>
+      </p:sp>
+      <p:cxnSp>
+        <p:nvCxnSpPr>
+          <p:cNvPr id="9" name="Conector reto 8">
+            <a:extLst>
+              <a:ext uri="{FF2B5EF4-FFF2-40B4-BE49-F238E27FC236}">
+                <a16:creationId xmlns:a16="http://schemas.microsoft.com/office/drawing/2014/main" id="{BBD50DE8-2A3E-4E4E-AC1B-5324178B4632}"/>
+              </a:ext>
+            </a:extLst>
+          </p:cNvPr>
+          <p:cNvCxnSpPr/>
+          <p:nvPr/>
+        </p:nvCxnSpPr>
+        <p:spPr>
+          <a:xfrm>
+            <a:off x="7308677" y="1991544"/>
+            <a:ext cx="6912768" cy="0"/>
+          </a:xfrm>
+          <a:prstGeom prst="line">
+            <a:avLst/>
+          </a:prstGeom>
+        </p:spPr>
+        <p:style>
+          <a:lnRef idx="1">
+            <a:schemeClr val="accent1"/>
+          </a:lnRef>
+          <a:fillRef idx="0">
+            <a:schemeClr val="accent1"/>
+          </a:fillRef>
+          <a:effectRef idx="0">
+            <a:schemeClr val="accent1"/>
+          </a:effectRef>
+          <a:fontRef idx="minor">
+            <a:schemeClr val="tx1"/>
+          </a:fontRef>
+        </p:style>
+      </p:cxnSp>
+    </p:spTree>
+    <p:extLst>
+      <p:ext uri="{BB962C8B-B14F-4D97-AF65-F5344CB8AC3E}">
+        <p14:creationId xmlns:p14="http://schemas.microsoft.com/office/powerpoint/2010/main" val="2896099644"/>
+      </p:ext>
+    </p:extLst>
+  </p:cSld>
+  <p:clrMapOvr>
+    <a:masterClrMapping/>
+  </p:clrMapOvr>
+</p:sld>
+</file>
+
+<file path=ppt/slides/slide24.xml><?xml version="1.0" encoding="utf-8"?>
+<p:sld xmlns:a="http://schemas.openxmlformats.org/drawingml/2006/main" xmlns:r="http://schemas.openxmlformats.org/officeDocument/2006/relationships" xmlns:p="http://schemas.openxmlformats.org/presentationml/2006/main">
+  <p:cSld>
+    <p:spTree>
+      <p:nvGrpSpPr>
+        <p:cNvPr id="1" name=""/>
+        <p:cNvGrpSpPr/>
+        <p:nvPr/>
+      </p:nvGrpSpPr>
+      <p:grpSpPr>
+        <a:xfrm>
+          <a:off x="0" y="0"/>
+          <a:ext cx="0" cy="0"/>
+          <a:chOff x="0" y="0"/>
+          <a:chExt cx="0" cy="0"/>
+        </a:xfrm>
+      </p:grpSpPr>
+      <p:grpSp>
+        <p:nvGrpSpPr>
+          <p:cNvPr id="30" name="Agrupar 29">
+            <a:extLst>
+              <a:ext uri="{FF2B5EF4-FFF2-40B4-BE49-F238E27FC236}">
+                <a16:creationId xmlns:a16="http://schemas.microsoft.com/office/drawing/2014/main" id="{EABDA664-C2CE-4D25-AB78-4DAD12EF9FF1}"/>
+              </a:ext>
+            </a:extLst>
+          </p:cNvPr>
+          <p:cNvGrpSpPr/>
+          <p:nvPr/>
+        </p:nvGrpSpPr>
+        <p:grpSpPr>
+          <a:xfrm>
+            <a:off x="1260005" y="2063552"/>
+            <a:ext cx="17857990" cy="8064896"/>
+            <a:chOff x="1260005" y="2063552"/>
+            <a:chExt cx="17857990" cy="8064896"/>
+          </a:xfrm>
+        </p:grpSpPr>
+        <p:sp>
+          <p:nvSpPr>
+            <p:cNvPr id="6" name="Retângulo: Cantos Arredondados 5">
+              <a:extLst>
+                <a:ext uri="{FF2B5EF4-FFF2-40B4-BE49-F238E27FC236}">
+                  <a16:creationId xmlns:a16="http://schemas.microsoft.com/office/drawing/2014/main" id="{8904E1ED-51B9-4FC0-B35B-957E2321D3A8}"/>
+                </a:ext>
+              </a:extLst>
+            </p:cNvPr>
+            <p:cNvSpPr/>
+            <p:nvPr/>
+          </p:nvSpPr>
+          <p:spPr>
+            <a:xfrm>
+              <a:off x="1260011" y="2063552"/>
+              <a:ext cx="5400600" cy="7992888"/>
+            </a:xfrm>
+            <a:prstGeom prst="roundRect">
+              <a:avLst>
+                <a:gd name="adj" fmla="val 7514"/>
+              </a:avLst>
+            </a:prstGeom>
+            <a:solidFill>
+              <a:srgbClr val="20CDC4"/>
+            </a:solidFill>
+            <a:ln>
+              <a:noFill/>
+            </a:ln>
+          </p:spPr>
+          <p:style>
+            <a:lnRef idx="2">
+              <a:schemeClr val="accent1">
+                <a:shade val="50000"/>
+              </a:schemeClr>
+            </a:lnRef>
+            <a:fillRef idx="1">
+              <a:schemeClr val="accent1"/>
+            </a:fillRef>
+            <a:effectRef idx="0">
+              <a:schemeClr val="accent1"/>
+            </a:effectRef>
+            <a:fontRef idx="minor">
+              <a:schemeClr val="lt1"/>
+            </a:fontRef>
+          </p:style>
+          <p:txBody>
+            <a:bodyPr rtlCol="0" anchor="ctr"/>
+            <a:lstStyle/>
+            <a:p>
+              <a:pPr algn="ctr"/>
+              <a:endParaRPr lang="pt-BR"/>
+            </a:p>
+          </p:txBody>
+        </p:sp>
+        <p:sp>
+          <p:nvSpPr>
+            <p:cNvPr id="11" name="Forma Livre: Forma 10">
+              <a:extLst>
+                <a:ext uri="{FF2B5EF4-FFF2-40B4-BE49-F238E27FC236}">
+                  <a16:creationId xmlns:a16="http://schemas.microsoft.com/office/drawing/2014/main" id="{8369E55A-0221-4297-B2B9-BD13CF27766D}"/>
+                </a:ext>
+              </a:extLst>
+            </p:cNvPr>
+            <p:cNvSpPr/>
+            <p:nvPr/>
+          </p:nvSpPr>
+          <p:spPr>
+            <a:xfrm flipH="1" flipV="1">
+              <a:off x="1260005" y="6528048"/>
+              <a:ext cx="5400599" cy="3528392"/>
+            </a:xfrm>
+            <a:custGeom>
+              <a:avLst/>
+              <a:gdLst>
+                <a:gd name="connsiteX0" fmla="*/ 405801 w 5400599"/>
+                <a:gd name="connsiteY0" fmla="*/ 0 h 3600400"/>
+                <a:gd name="connsiteX1" fmla="*/ 4994799 w 5400599"/>
+                <a:gd name="connsiteY1" fmla="*/ 0 h 3600400"/>
+                <a:gd name="connsiteX2" fmla="*/ 5400599 w 5400599"/>
+                <a:gd name="connsiteY2" fmla="*/ 405801 h 3600400"/>
+                <a:gd name="connsiteX3" fmla="*/ 5400599 w 5400599"/>
+                <a:gd name="connsiteY3" fmla="*/ 3600400 h 3600400"/>
+                <a:gd name="connsiteX4" fmla="*/ 0 w 5400599"/>
+                <a:gd name="connsiteY4" fmla="*/ 3600400 h 3600400"/>
+                <a:gd name="connsiteX5" fmla="*/ 0 w 5400599"/>
+                <a:gd name="connsiteY5" fmla="*/ 405801 h 3600400"/>
+                <a:gd name="connsiteX6" fmla="*/ 405801 w 5400599"/>
+                <a:gd name="connsiteY6" fmla="*/ 0 h 3600400"/>
+              </a:gdLst>
+              <a:ahLst/>
+              <a:cxnLst>
+                <a:cxn ang="0">
+                  <a:pos x="connsiteX0" y="connsiteY0"/>
+                </a:cxn>
+                <a:cxn ang="0">
+                  <a:pos x="connsiteX1" y="connsiteY1"/>
+                </a:cxn>
+                <a:cxn ang="0">
+                  <a:pos x="connsiteX2" y="connsiteY2"/>
+                </a:cxn>
+                <a:cxn ang="0">
+                  <a:pos x="connsiteX3" y="connsiteY3"/>
+                </a:cxn>
+                <a:cxn ang="0">
+                  <a:pos x="connsiteX4" y="connsiteY4"/>
+                </a:cxn>
+                <a:cxn ang="0">
+                  <a:pos x="connsiteX5" y="connsiteY5"/>
+                </a:cxn>
+                <a:cxn ang="0">
+                  <a:pos x="connsiteX6" y="connsiteY6"/>
+                </a:cxn>
+              </a:cxnLst>
+              <a:rect l="l" t="t" r="r" b="b"/>
+              <a:pathLst>
+                <a:path w="5400599" h="3600400">
+                  <a:moveTo>
+                    <a:pt x="405801" y="0"/>
+                  </a:moveTo>
+                  <a:lnTo>
+                    <a:pt x="4994799" y="0"/>
+                  </a:lnTo>
+                  <a:cubicBezTo>
+                    <a:pt x="5218917" y="0"/>
+                    <a:pt x="5400599" y="181683"/>
+                    <a:pt x="5400599" y="405801"/>
+                  </a:cubicBezTo>
+                  <a:lnTo>
+                    <a:pt x="5400599" y="3600400"/>
+                  </a:lnTo>
+                  <a:lnTo>
+                    <a:pt x="0" y="3600400"/>
+                  </a:lnTo>
+                  <a:lnTo>
+                    <a:pt x="0" y="405801"/>
+                  </a:lnTo>
+                  <a:cubicBezTo>
+                    <a:pt x="0" y="181683"/>
+                    <a:pt x="181683" y="0"/>
+                    <a:pt x="405801" y="0"/>
+                  </a:cubicBezTo>
+                  <a:close/>
+                </a:path>
+              </a:pathLst>
+            </a:custGeom>
+            <a:solidFill>
+              <a:srgbClr val="EAE8DA"/>
+            </a:solidFill>
+            <a:ln>
+              <a:noFill/>
+            </a:ln>
+          </p:spPr>
+          <p:style>
+            <a:lnRef idx="2">
+              <a:schemeClr val="accent1">
+                <a:shade val="50000"/>
+              </a:schemeClr>
+            </a:lnRef>
+            <a:fillRef idx="1">
+              <a:schemeClr val="accent1"/>
+            </a:fillRef>
+            <a:effectRef idx="0">
+              <a:schemeClr val="accent1"/>
+            </a:effectRef>
+            <a:fontRef idx="minor">
+              <a:schemeClr val="lt1"/>
+            </a:fontRef>
+          </p:style>
+          <p:txBody>
+            <a:bodyPr rtlCol="0" anchor="ctr"/>
+            <a:lstStyle/>
+            <a:p>
+              <a:pPr algn="ctr"/>
+              <a:endParaRPr lang="pt-BR"/>
+            </a:p>
+          </p:txBody>
+        </p:sp>
+        <p:sp>
+          <p:nvSpPr>
+            <p:cNvPr id="7" name="Retângulo 6">
+              <a:extLst>
+                <a:ext uri="{FF2B5EF4-FFF2-40B4-BE49-F238E27FC236}">
+                  <a16:creationId xmlns:a16="http://schemas.microsoft.com/office/drawing/2014/main" id="{12A4A458-C3C9-48CC-A1EB-795918592009}"/>
+                </a:ext>
+              </a:extLst>
+            </p:cNvPr>
+            <p:cNvSpPr/>
+            <p:nvPr/>
+          </p:nvSpPr>
+          <p:spPr>
+            <a:xfrm>
+              <a:off x="1260011" y="2639616"/>
+              <a:ext cx="5400600" cy="1800200"/>
+            </a:xfrm>
+            <a:prstGeom prst="rect">
+              <a:avLst/>
+            </a:prstGeom>
+            <a:solidFill>
+              <a:srgbClr val="1DB3AC"/>
+            </a:solidFill>
+            <a:ln>
+              <a:noFill/>
+            </a:ln>
+          </p:spPr>
+          <p:style>
+            <a:lnRef idx="2">
+              <a:schemeClr val="accent1">
+                <a:shade val="50000"/>
+              </a:schemeClr>
+            </a:lnRef>
+            <a:fillRef idx="1">
+              <a:schemeClr val="accent1"/>
+            </a:fillRef>
+            <a:effectRef idx="0">
+              <a:schemeClr val="accent1"/>
+            </a:effectRef>
+            <a:fontRef idx="minor">
+              <a:schemeClr val="lt1"/>
+            </a:fontRef>
+          </p:style>
+          <p:txBody>
+            <a:bodyPr rtlCol="0" anchor="ctr"/>
+            <a:lstStyle/>
+            <a:p>
+              <a:pPr algn="ctr"/>
+              <a:endParaRPr lang="pt-BR"/>
+            </a:p>
+          </p:txBody>
+        </p:sp>
+        <p:pic>
+          <p:nvPicPr>
+            <p:cNvPr id="13" name="Imagem 12">
+              <a:extLst>
+                <a:ext uri="{FF2B5EF4-FFF2-40B4-BE49-F238E27FC236}">
+                  <a16:creationId xmlns:a16="http://schemas.microsoft.com/office/drawing/2014/main" id="{04AAC6BA-B41A-4999-8335-7D127D96498A}"/>
+                </a:ext>
+              </a:extLst>
+            </p:cNvPr>
+            <p:cNvPicPr>
+              <a:picLocks noChangeAspect="1"/>
+            </p:cNvPicPr>
+            <p:nvPr/>
+          </p:nvPicPr>
+          <p:blipFill>
+            <a:blip r:embed="rId2">
+              <a:extLst>
+                <a:ext uri="{28A0092B-C50C-407E-A947-70E740481C1C}">
+                  <a14:useLocalDpi xmlns:a14="http://schemas.microsoft.com/office/drawing/2010/main" val="0"/>
+                </a:ext>
+              </a:extLst>
+            </a:blip>
+            <a:stretch>
+              <a:fillRect/>
+            </a:stretch>
+          </p:blipFill>
+          <p:spPr>
+            <a:xfrm>
+              <a:off x="2124107" y="2999656"/>
+              <a:ext cx="3495441" cy="1152128"/>
+            </a:xfrm>
+            <a:prstGeom prst="rect">
+              <a:avLst/>
+            </a:prstGeom>
+          </p:spPr>
+        </p:pic>
+        <p:sp>
+          <p:nvSpPr>
+            <p:cNvPr id="14" name="CaixaDeTexto 13">
+              <a:extLst>
+                <a:ext uri="{FF2B5EF4-FFF2-40B4-BE49-F238E27FC236}">
+                  <a16:creationId xmlns:a16="http://schemas.microsoft.com/office/drawing/2014/main" id="{D048CFE8-706F-476F-A216-D0E84542FA3C}"/>
+                </a:ext>
+              </a:extLst>
+            </p:cNvPr>
+            <p:cNvSpPr txBox="1"/>
+            <p:nvPr/>
+          </p:nvSpPr>
+          <p:spPr>
+            <a:xfrm>
+              <a:off x="1908083" y="5375920"/>
+              <a:ext cx="4160113" cy="830997"/>
+            </a:xfrm>
+            <a:prstGeom prst="rect">
+              <a:avLst/>
+            </a:prstGeom>
+            <a:noFill/>
+          </p:spPr>
+          <p:txBody>
+            <a:bodyPr wrap="none" rtlCol="0">
+              <a:spAutoFit/>
+            </a:bodyPr>
+            <a:lstStyle/>
+            <a:p>
+              <a:r>
+                <a:rPr lang="pt-BR" sz="4800" b="1" dirty="0">
+                  <a:solidFill>
+                    <a:schemeClr val="bg1"/>
+                  </a:solidFill>
+                  <a:latin typeface="Century Gothic" panose="020B0502020202020204" pitchFamily="34" charset="0"/>
+                </a:rPr>
+                <a:t>CRIADO POR:</a:t>
+              </a:r>
+            </a:p>
+          </p:txBody>
+        </p:sp>
+        <p:sp>
+          <p:nvSpPr>
+            <p:cNvPr id="15" name="CaixaDeTexto 14">
+              <a:extLst>
+                <a:ext uri="{FF2B5EF4-FFF2-40B4-BE49-F238E27FC236}">
+                  <a16:creationId xmlns:a16="http://schemas.microsoft.com/office/drawing/2014/main" id="{C2CAED93-6B7D-4EE5-A6A9-369E09662BDE}"/>
+                </a:ext>
+              </a:extLst>
+            </p:cNvPr>
+            <p:cNvSpPr txBox="1"/>
+            <p:nvPr/>
+          </p:nvSpPr>
+          <p:spPr>
+            <a:xfrm>
+              <a:off x="1932637" y="7320136"/>
+              <a:ext cx="4075155" cy="1938992"/>
+            </a:xfrm>
+            <a:prstGeom prst="rect">
+              <a:avLst/>
+            </a:prstGeom>
+            <a:noFill/>
+          </p:spPr>
+          <p:txBody>
+            <a:bodyPr wrap="none" rtlCol="0">
+              <a:spAutoFit/>
+            </a:bodyPr>
+            <a:lstStyle/>
+            <a:p>
+              <a:pPr algn="ctr"/>
+              <a:r>
+                <a:rPr lang="pt-BR" sz="4000" b="1" dirty="0">
+                  <a:solidFill>
+                    <a:srgbClr val="5CCEC4"/>
+                  </a:solidFill>
+                  <a:latin typeface="Century Gothic" panose="020B0502020202020204" pitchFamily="34" charset="0"/>
+                </a:rPr>
+                <a:t>Mateus Vicente</a:t>
+              </a:r>
+            </a:p>
+            <a:p>
+              <a:pPr algn="ctr"/>
+              <a:r>
+                <a:rPr lang="pt-BR" sz="4000" b="1" dirty="0">
+                  <a:solidFill>
+                    <a:srgbClr val="5CCEC4"/>
+                  </a:solidFill>
+                  <a:latin typeface="Century Gothic" panose="020B0502020202020204" pitchFamily="34" charset="0"/>
+                </a:rPr>
+                <a:t>e</a:t>
+              </a:r>
+            </a:p>
+            <a:p>
+              <a:pPr algn="ctr"/>
+              <a:r>
+                <a:rPr lang="pt-BR" sz="4000" b="1" dirty="0">
+                  <a:solidFill>
+                    <a:srgbClr val="5CCEC4"/>
+                  </a:solidFill>
+                  <a:latin typeface="Century Gothic" panose="020B0502020202020204" pitchFamily="34" charset="0"/>
+                </a:rPr>
+                <a:t>Vitor Ramos</a:t>
+              </a:r>
+            </a:p>
+          </p:txBody>
+        </p:sp>
+        <p:sp>
+          <p:nvSpPr>
+            <p:cNvPr id="16" name="Retângulo: Cantos Arredondados 15">
+              <a:extLst>
+                <a:ext uri="{FF2B5EF4-FFF2-40B4-BE49-F238E27FC236}">
+                  <a16:creationId xmlns:a16="http://schemas.microsoft.com/office/drawing/2014/main" id="{B2524E5D-041B-4897-B533-3745EDD5FAFD}"/>
+                </a:ext>
+              </a:extLst>
+            </p:cNvPr>
+            <p:cNvSpPr/>
+            <p:nvPr/>
+          </p:nvSpPr>
+          <p:spPr>
+            <a:xfrm>
+              <a:off x="7524707" y="2135560"/>
+              <a:ext cx="5400600" cy="7992888"/>
+            </a:xfrm>
+            <a:prstGeom prst="roundRect">
+              <a:avLst>
+                <a:gd name="adj" fmla="val 7514"/>
+              </a:avLst>
+            </a:prstGeom>
+            <a:solidFill>
+              <a:srgbClr val="E24020"/>
+            </a:solidFill>
+            <a:ln>
+              <a:noFill/>
+            </a:ln>
+          </p:spPr>
+          <p:style>
+            <a:lnRef idx="2">
+              <a:schemeClr val="accent1">
+                <a:shade val="50000"/>
+              </a:schemeClr>
+            </a:lnRef>
+            <a:fillRef idx="1">
+              <a:schemeClr val="accent1"/>
+            </a:fillRef>
+            <a:effectRef idx="0">
+              <a:schemeClr val="accent1"/>
+            </a:effectRef>
+            <a:fontRef idx="minor">
+              <a:schemeClr val="lt1"/>
+            </a:fontRef>
+          </p:style>
+          <p:txBody>
+            <a:bodyPr rtlCol="0" anchor="ctr"/>
+            <a:lstStyle/>
+            <a:p>
+              <a:pPr algn="ctr"/>
+              <a:endParaRPr lang="pt-BR"/>
+            </a:p>
+          </p:txBody>
+        </p:sp>
+        <p:sp>
+          <p:nvSpPr>
+            <p:cNvPr id="17" name="Forma Livre: Forma 16">
+              <a:extLst>
+                <a:ext uri="{FF2B5EF4-FFF2-40B4-BE49-F238E27FC236}">
+                  <a16:creationId xmlns:a16="http://schemas.microsoft.com/office/drawing/2014/main" id="{F0BC095E-55EB-48D8-8683-1A8F007A2823}"/>
+                </a:ext>
+              </a:extLst>
+            </p:cNvPr>
+            <p:cNvSpPr/>
+            <p:nvPr/>
+          </p:nvSpPr>
+          <p:spPr>
+            <a:xfrm flipH="1" flipV="1">
+              <a:off x="7524701" y="6600056"/>
+              <a:ext cx="5400599" cy="3528392"/>
+            </a:xfrm>
+            <a:custGeom>
+              <a:avLst/>
+              <a:gdLst>
+                <a:gd name="connsiteX0" fmla="*/ 405801 w 5400599"/>
+                <a:gd name="connsiteY0" fmla="*/ 0 h 3600400"/>
+                <a:gd name="connsiteX1" fmla="*/ 4994799 w 5400599"/>
+                <a:gd name="connsiteY1" fmla="*/ 0 h 3600400"/>
+                <a:gd name="connsiteX2" fmla="*/ 5400599 w 5400599"/>
+                <a:gd name="connsiteY2" fmla="*/ 405801 h 3600400"/>
+                <a:gd name="connsiteX3" fmla="*/ 5400599 w 5400599"/>
+                <a:gd name="connsiteY3" fmla="*/ 3600400 h 3600400"/>
+                <a:gd name="connsiteX4" fmla="*/ 0 w 5400599"/>
+                <a:gd name="connsiteY4" fmla="*/ 3600400 h 3600400"/>
+                <a:gd name="connsiteX5" fmla="*/ 0 w 5400599"/>
+                <a:gd name="connsiteY5" fmla="*/ 405801 h 3600400"/>
+                <a:gd name="connsiteX6" fmla="*/ 405801 w 5400599"/>
+                <a:gd name="connsiteY6" fmla="*/ 0 h 3600400"/>
+              </a:gdLst>
+              <a:ahLst/>
+              <a:cxnLst>
+                <a:cxn ang="0">
+                  <a:pos x="connsiteX0" y="connsiteY0"/>
+                </a:cxn>
+                <a:cxn ang="0">
+                  <a:pos x="connsiteX1" y="connsiteY1"/>
+                </a:cxn>
+                <a:cxn ang="0">
+                  <a:pos x="connsiteX2" y="connsiteY2"/>
+                </a:cxn>
+                <a:cxn ang="0">
+                  <a:pos x="connsiteX3" y="connsiteY3"/>
+                </a:cxn>
+                <a:cxn ang="0">
+                  <a:pos x="connsiteX4" y="connsiteY4"/>
+                </a:cxn>
+                <a:cxn ang="0">
+                  <a:pos x="connsiteX5" y="connsiteY5"/>
+                </a:cxn>
+                <a:cxn ang="0">
+                  <a:pos x="connsiteX6" y="connsiteY6"/>
+                </a:cxn>
+              </a:cxnLst>
+              <a:rect l="l" t="t" r="r" b="b"/>
+              <a:pathLst>
+                <a:path w="5400599" h="3600400">
+                  <a:moveTo>
+                    <a:pt x="405801" y="0"/>
+                  </a:moveTo>
+                  <a:lnTo>
+                    <a:pt x="4994799" y="0"/>
+                  </a:lnTo>
+                  <a:cubicBezTo>
+                    <a:pt x="5218917" y="0"/>
+                    <a:pt x="5400599" y="181683"/>
+                    <a:pt x="5400599" y="405801"/>
+                  </a:cubicBezTo>
+                  <a:lnTo>
+                    <a:pt x="5400599" y="3600400"/>
+                  </a:lnTo>
+                  <a:lnTo>
+                    <a:pt x="0" y="3600400"/>
+                  </a:lnTo>
+                  <a:lnTo>
+                    <a:pt x="0" y="405801"/>
+                  </a:lnTo>
+                  <a:cubicBezTo>
+                    <a:pt x="0" y="181683"/>
+                    <a:pt x="181683" y="0"/>
+                    <a:pt x="405801" y="0"/>
+                  </a:cubicBezTo>
+                  <a:close/>
+                </a:path>
+              </a:pathLst>
+            </a:custGeom>
+            <a:solidFill>
+              <a:srgbClr val="EAE8DA"/>
+            </a:solidFill>
+            <a:ln>
+              <a:noFill/>
+            </a:ln>
+          </p:spPr>
+          <p:style>
+            <a:lnRef idx="2">
+              <a:schemeClr val="accent1">
+                <a:shade val="50000"/>
+              </a:schemeClr>
+            </a:lnRef>
+            <a:fillRef idx="1">
+              <a:schemeClr val="accent1"/>
+            </a:fillRef>
+            <a:effectRef idx="0">
+              <a:schemeClr val="accent1"/>
+            </a:effectRef>
+            <a:fontRef idx="minor">
+              <a:schemeClr val="lt1"/>
+            </a:fontRef>
+          </p:style>
+          <p:txBody>
+            <a:bodyPr rtlCol="0" anchor="ctr"/>
+            <a:lstStyle/>
+            <a:p>
+              <a:pPr algn="ctr"/>
+              <a:endParaRPr lang="pt-BR"/>
+            </a:p>
+          </p:txBody>
+        </p:sp>
+        <p:sp>
+          <p:nvSpPr>
+            <p:cNvPr id="18" name="Retângulo 17">
+              <a:extLst>
+                <a:ext uri="{FF2B5EF4-FFF2-40B4-BE49-F238E27FC236}">
+                  <a16:creationId xmlns:a16="http://schemas.microsoft.com/office/drawing/2014/main" id="{C5CEDA04-5E1E-4089-9938-35DF395FD928}"/>
+                </a:ext>
+              </a:extLst>
+            </p:cNvPr>
+            <p:cNvSpPr/>
+            <p:nvPr/>
+          </p:nvSpPr>
+          <p:spPr>
+            <a:xfrm>
+              <a:off x="7524707" y="2711624"/>
+              <a:ext cx="5400600" cy="1800200"/>
+            </a:xfrm>
+            <a:prstGeom prst="rect">
+              <a:avLst/>
+            </a:prstGeom>
+            <a:solidFill>
+              <a:srgbClr val="C8371A"/>
+            </a:solidFill>
+            <a:ln>
+              <a:noFill/>
+            </a:ln>
+          </p:spPr>
+          <p:style>
+            <a:lnRef idx="2">
+              <a:schemeClr val="accent1">
+                <a:shade val="50000"/>
+              </a:schemeClr>
+            </a:lnRef>
+            <a:fillRef idx="1">
+              <a:schemeClr val="accent1"/>
+            </a:fillRef>
+            <a:effectRef idx="0">
+              <a:schemeClr val="accent1"/>
+            </a:effectRef>
+            <a:fontRef idx="minor">
+              <a:schemeClr val="lt1"/>
+            </a:fontRef>
+          </p:style>
+          <p:txBody>
+            <a:bodyPr rtlCol="0" anchor="ctr"/>
+            <a:lstStyle/>
+            <a:p>
+              <a:pPr algn="ctr"/>
+              <a:endParaRPr lang="pt-BR"/>
+            </a:p>
+          </p:txBody>
+        </p:sp>
+        <p:pic>
+          <p:nvPicPr>
+            <p:cNvPr id="19" name="Imagem 18">
+              <a:extLst>
+                <a:ext uri="{FF2B5EF4-FFF2-40B4-BE49-F238E27FC236}">
+                  <a16:creationId xmlns:a16="http://schemas.microsoft.com/office/drawing/2014/main" id="{EB9F4F96-9738-4DBE-BFC3-3022D5ADE96A}"/>
+                </a:ext>
+              </a:extLst>
+            </p:cNvPr>
+            <p:cNvPicPr>
+              <a:picLocks noChangeAspect="1"/>
+            </p:cNvPicPr>
+            <p:nvPr/>
+          </p:nvPicPr>
+          <p:blipFill>
+            <a:blip r:embed="rId2">
+              <a:extLst>
+                <a:ext uri="{28A0092B-C50C-407E-A947-70E740481C1C}">
+                  <a14:useLocalDpi xmlns:a14="http://schemas.microsoft.com/office/drawing/2010/main" val="0"/>
+                </a:ext>
+              </a:extLst>
+            </a:blip>
+            <a:stretch>
+              <a:fillRect/>
+            </a:stretch>
+          </p:blipFill>
+          <p:spPr>
+            <a:xfrm>
+              <a:off x="8388803" y="3071664"/>
+              <a:ext cx="3495441" cy="1152128"/>
+            </a:xfrm>
+            <a:prstGeom prst="rect">
+              <a:avLst/>
+            </a:prstGeom>
+          </p:spPr>
+        </p:pic>
+        <p:sp>
+          <p:nvSpPr>
+            <p:cNvPr id="21" name="CaixaDeTexto 20">
+              <a:extLst>
+                <a:ext uri="{FF2B5EF4-FFF2-40B4-BE49-F238E27FC236}">
+                  <a16:creationId xmlns:a16="http://schemas.microsoft.com/office/drawing/2014/main" id="{E35A73FC-7494-48D2-BBD0-4AC91194B68A}"/>
+                </a:ext>
+              </a:extLst>
+            </p:cNvPr>
+            <p:cNvSpPr txBox="1"/>
+            <p:nvPr/>
+          </p:nvSpPr>
+          <p:spPr>
+            <a:xfrm>
+              <a:off x="8316789" y="7248128"/>
+              <a:ext cx="4023858" cy="2308324"/>
+            </a:xfrm>
+            <a:prstGeom prst="rect">
+              <a:avLst/>
+            </a:prstGeom>
+            <a:noFill/>
+          </p:spPr>
+          <p:txBody>
+            <a:bodyPr wrap="none" rtlCol="0">
+              <a:spAutoFit/>
+            </a:bodyPr>
+            <a:lstStyle/>
+            <a:p>
+              <a:pPr algn="ctr"/>
+              <a:r>
+                <a:rPr lang="pt-BR" sz="3600" b="1" dirty="0">
+                  <a:solidFill>
+                    <a:srgbClr val="DF412C"/>
+                  </a:solidFill>
+                  <a:latin typeface="Century Gothic" panose="020B0502020202020204" pitchFamily="34" charset="0"/>
+                </a:rPr>
+                <a:t>Estudantes de </a:t>
+              </a:r>
+            </a:p>
+            <a:p>
+              <a:pPr algn="ctr"/>
+              <a:r>
+                <a:rPr lang="pt-BR" sz="3600" b="1" dirty="0">
+                  <a:solidFill>
+                    <a:srgbClr val="DF412C"/>
+                  </a:solidFill>
+                  <a:latin typeface="Century Gothic" panose="020B0502020202020204" pitchFamily="34" charset="0"/>
+                </a:rPr>
+                <a:t>programação no</a:t>
+              </a:r>
+            </a:p>
+            <a:p>
+              <a:pPr algn="ctr"/>
+              <a:r>
+                <a:rPr lang="pt-BR" sz="3600" b="1" dirty="0">
+                  <a:solidFill>
+                    <a:srgbClr val="DF412C"/>
+                  </a:solidFill>
+                  <a:latin typeface="Century Gothic" panose="020B0502020202020204" pitchFamily="34" charset="0"/>
+                </a:rPr>
+                <a:t> colégio </a:t>
+              </a:r>
+            </a:p>
+            <a:p>
+              <a:pPr algn="ctr"/>
+              <a:r>
+                <a:rPr lang="pt-BR" sz="3600" b="1" dirty="0">
+                  <a:solidFill>
+                    <a:srgbClr val="DF412C"/>
+                  </a:solidFill>
+                  <a:latin typeface="Century Gothic" panose="020B0502020202020204" pitchFamily="34" charset="0"/>
+                </a:rPr>
+                <a:t>COTUCA</a:t>
+              </a:r>
+            </a:p>
+          </p:txBody>
+        </p:sp>
+        <p:sp>
+          <p:nvSpPr>
+            <p:cNvPr id="23" name="CaixaDeTexto 22">
+              <a:extLst>
+                <a:ext uri="{FF2B5EF4-FFF2-40B4-BE49-F238E27FC236}">
+                  <a16:creationId xmlns:a16="http://schemas.microsoft.com/office/drawing/2014/main" id="{CA175D1C-73A5-4845-9AB0-CF295F3D9C42}"/>
+                </a:ext>
+              </a:extLst>
+            </p:cNvPr>
+            <p:cNvSpPr txBox="1"/>
+            <p:nvPr/>
+          </p:nvSpPr>
+          <p:spPr>
+            <a:xfrm>
+              <a:off x="7956749" y="5447928"/>
+              <a:ext cx="4719562" cy="830997"/>
+            </a:xfrm>
+            <a:prstGeom prst="rect">
+              <a:avLst/>
+            </a:prstGeom>
+            <a:noFill/>
+          </p:spPr>
+          <p:txBody>
+            <a:bodyPr wrap="none" rtlCol="0">
+              <a:spAutoFit/>
+            </a:bodyPr>
+            <a:lstStyle/>
+            <a:p>
+              <a:r>
+                <a:rPr lang="pt-BR" sz="4800" b="1" dirty="0">
+                  <a:solidFill>
+                    <a:schemeClr val="bg1"/>
+                  </a:solidFill>
+                  <a:latin typeface="Century Gothic" panose="020B0502020202020204" pitchFamily="34" charset="0"/>
+                </a:rPr>
+                <a:t>QUEM SOMOS?</a:t>
+              </a:r>
+            </a:p>
+          </p:txBody>
+        </p:sp>
+        <p:sp>
+          <p:nvSpPr>
+            <p:cNvPr id="24" name="Retângulo: Cantos Arredondados 23">
+              <a:extLst>
+                <a:ext uri="{FF2B5EF4-FFF2-40B4-BE49-F238E27FC236}">
+                  <a16:creationId xmlns:a16="http://schemas.microsoft.com/office/drawing/2014/main" id="{7A63C487-A65E-43CC-9645-A99C63699FB8}"/>
+                </a:ext>
+              </a:extLst>
+            </p:cNvPr>
+            <p:cNvSpPr/>
+            <p:nvPr/>
+          </p:nvSpPr>
+          <p:spPr>
+            <a:xfrm>
+              <a:off x="13717395" y="2135560"/>
+              <a:ext cx="5400600" cy="7992888"/>
+            </a:xfrm>
+            <a:prstGeom prst="roundRect">
+              <a:avLst>
+                <a:gd name="adj" fmla="val 7514"/>
+              </a:avLst>
+            </a:prstGeom>
+            <a:solidFill>
+              <a:srgbClr val="FF9300"/>
+            </a:solidFill>
+            <a:ln>
+              <a:noFill/>
+            </a:ln>
+          </p:spPr>
+          <p:style>
+            <a:lnRef idx="2">
+              <a:schemeClr val="accent1">
+                <a:shade val="50000"/>
+              </a:schemeClr>
+            </a:lnRef>
+            <a:fillRef idx="1">
+              <a:schemeClr val="accent1"/>
+            </a:fillRef>
+            <a:effectRef idx="0">
+              <a:schemeClr val="accent1"/>
+            </a:effectRef>
+            <a:fontRef idx="minor">
+              <a:schemeClr val="lt1"/>
+            </a:fontRef>
+          </p:style>
+          <p:txBody>
+            <a:bodyPr rtlCol="0" anchor="ctr"/>
+            <a:lstStyle/>
+            <a:p>
+              <a:pPr algn="ctr"/>
+              <a:endParaRPr lang="pt-BR"/>
+            </a:p>
+          </p:txBody>
+        </p:sp>
+        <p:sp>
+          <p:nvSpPr>
+            <p:cNvPr id="25" name="Forma Livre: Forma 24">
+              <a:extLst>
+                <a:ext uri="{FF2B5EF4-FFF2-40B4-BE49-F238E27FC236}">
+                  <a16:creationId xmlns:a16="http://schemas.microsoft.com/office/drawing/2014/main" id="{4638A8CE-E3D1-4782-87CA-92684F3FBCA7}"/>
+                </a:ext>
+              </a:extLst>
+            </p:cNvPr>
+            <p:cNvSpPr/>
+            <p:nvPr/>
+          </p:nvSpPr>
+          <p:spPr>
+            <a:xfrm flipH="1" flipV="1">
+              <a:off x="13717389" y="6600056"/>
+              <a:ext cx="5400599" cy="3528392"/>
+            </a:xfrm>
+            <a:custGeom>
+              <a:avLst/>
+              <a:gdLst>
+                <a:gd name="connsiteX0" fmla="*/ 405801 w 5400599"/>
+                <a:gd name="connsiteY0" fmla="*/ 0 h 3600400"/>
+                <a:gd name="connsiteX1" fmla="*/ 4994799 w 5400599"/>
+                <a:gd name="connsiteY1" fmla="*/ 0 h 3600400"/>
+                <a:gd name="connsiteX2" fmla="*/ 5400599 w 5400599"/>
+                <a:gd name="connsiteY2" fmla="*/ 405801 h 3600400"/>
+                <a:gd name="connsiteX3" fmla="*/ 5400599 w 5400599"/>
+                <a:gd name="connsiteY3" fmla="*/ 3600400 h 3600400"/>
+                <a:gd name="connsiteX4" fmla="*/ 0 w 5400599"/>
+                <a:gd name="connsiteY4" fmla="*/ 3600400 h 3600400"/>
+                <a:gd name="connsiteX5" fmla="*/ 0 w 5400599"/>
+                <a:gd name="connsiteY5" fmla="*/ 405801 h 3600400"/>
+                <a:gd name="connsiteX6" fmla="*/ 405801 w 5400599"/>
+                <a:gd name="connsiteY6" fmla="*/ 0 h 3600400"/>
+              </a:gdLst>
+              <a:ahLst/>
+              <a:cxnLst>
+                <a:cxn ang="0">
+                  <a:pos x="connsiteX0" y="connsiteY0"/>
+                </a:cxn>
+                <a:cxn ang="0">
+                  <a:pos x="connsiteX1" y="connsiteY1"/>
+                </a:cxn>
+                <a:cxn ang="0">
+                  <a:pos x="connsiteX2" y="connsiteY2"/>
+                </a:cxn>
+                <a:cxn ang="0">
+                  <a:pos x="connsiteX3" y="connsiteY3"/>
+                </a:cxn>
+                <a:cxn ang="0">
+                  <a:pos x="connsiteX4" y="connsiteY4"/>
+                </a:cxn>
+                <a:cxn ang="0">
+                  <a:pos x="connsiteX5" y="connsiteY5"/>
+                </a:cxn>
+                <a:cxn ang="0">
+                  <a:pos x="connsiteX6" y="connsiteY6"/>
+                </a:cxn>
+              </a:cxnLst>
+              <a:rect l="l" t="t" r="r" b="b"/>
+              <a:pathLst>
+                <a:path w="5400599" h="3600400">
+                  <a:moveTo>
+                    <a:pt x="405801" y="0"/>
+                  </a:moveTo>
+                  <a:lnTo>
+                    <a:pt x="4994799" y="0"/>
+                  </a:lnTo>
+                  <a:cubicBezTo>
+                    <a:pt x="5218917" y="0"/>
+                    <a:pt x="5400599" y="181683"/>
+                    <a:pt x="5400599" y="405801"/>
+                  </a:cubicBezTo>
+                  <a:lnTo>
+                    <a:pt x="5400599" y="3600400"/>
+                  </a:lnTo>
+                  <a:lnTo>
+                    <a:pt x="0" y="3600400"/>
+                  </a:lnTo>
+                  <a:lnTo>
+                    <a:pt x="0" y="405801"/>
+                  </a:lnTo>
+                  <a:cubicBezTo>
+                    <a:pt x="0" y="181683"/>
+                    <a:pt x="181683" y="0"/>
+                    <a:pt x="405801" y="0"/>
+                  </a:cubicBezTo>
+                  <a:close/>
+                </a:path>
+              </a:pathLst>
+            </a:custGeom>
+            <a:solidFill>
+              <a:srgbClr val="EAE8DA"/>
+            </a:solidFill>
+            <a:ln>
+              <a:noFill/>
+            </a:ln>
+          </p:spPr>
+          <p:style>
+            <a:lnRef idx="2">
+              <a:schemeClr val="accent1">
+                <a:shade val="50000"/>
+              </a:schemeClr>
+            </a:lnRef>
+            <a:fillRef idx="1">
+              <a:schemeClr val="accent1"/>
+            </a:fillRef>
+            <a:effectRef idx="0">
+              <a:schemeClr val="accent1"/>
+            </a:effectRef>
+            <a:fontRef idx="minor">
+              <a:schemeClr val="lt1"/>
+            </a:fontRef>
+          </p:style>
+          <p:txBody>
+            <a:bodyPr rtlCol="0" anchor="ctr"/>
+            <a:lstStyle/>
+            <a:p>
+              <a:pPr algn="ctr"/>
+              <a:endParaRPr lang="pt-BR"/>
+            </a:p>
+          </p:txBody>
+        </p:sp>
+        <p:sp>
+          <p:nvSpPr>
+            <p:cNvPr id="26" name="Retângulo 25">
+              <a:extLst>
+                <a:ext uri="{FF2B5EF4-FFF2-40B4-BE49-F238E27FC236}">
+                  <a16:creationId xmlns:a16="http://schemas.microsoft.com/office/drawing/2014/main" id="{992091FA-C4C3-4783-B90E-71A2B6A75786}"/>
+                </a:ext>
+              </a:extLst>
+            </p:cNvPr>
+            <p:cNvSpPr/>
+            <p:nvPr/>
+          </p:nvSpPr>
+          <p:spPr>
+            <a:xfrm>
+              <a:off x="13717395" y="2711624"/>
+              <a:ext cx="5400600" cy="1800200"/>
+            </a:xfrm>
+            <a:prstGeom prst="rect">
+              <a:avLst/>
+            </a:prstGeom>
+            <a:solidFill>
+              <a:srgbClr val="DE8400"/>
+            </a:solidFill>
+            <a:ln>
+              <a:noFill/>
+            </a:ln>
+          </p:spPr>
+          <p:style>
+            <a:lnRef idx="2">
+              <a:schemeClr val="accent1">
+                <a:shade val="50000"/>
+              </a:schemeClr>
+            </a:lnRef>
+            <a:fillRef idx="1">
+              <a:schemeClr val="accent1"/>
+            </a:fillRef>
+            <a:effectRef idx="0">
+              <a:schemeClr val="accent1"/>
+            </a:effectRef>
+            <a:fontRef idx="minor">
+              <a:schemeClr val="lt1"/>
+            </a:fontRef>
+          </p:style>
+          <p:txBody>
+            <a:bodyPr rtlCol="0" anchor="ctr"/>
+            <a:lstStyle/>
+            <a:p>
+              <a:pPr algn="ctr"/>
+              <a:endParaRPr lang="pt-BR"/>
+            </a:p>
+          </p:txBody>
+        </p:sp>
+        <p:pic>
+          <p:nvPicPr>
+            <p:cNvPr id="27" name="Imagem 26">
+              <a:extLst>
+                <a:ext uri="{FF2B5EF4-FFF2-40B4-BE49-F238E27FC236}">
+                  <a16:creationId xmlns:a16="http://schemas.microsoft.com/office/drawing/2014/main" id="{6DE629B3-6C36-4A59-B510-9940D53F8F06}"/>
+                </a:ext>
+              </a:extLst>
+            </p:cNvPr>
+            <p:cNvPicPr>
+              <a:picLocks noChangeAspect="1"/>
+            </p:cNvPicPr>
+            <p:nvPr/>
+          </p:nvPicPr>
+          <p:blipFill>
+            <a:blip r:embed="rId2">
+              <a:extLst>
+                <a:ext uri="{28A0092B-C50C-407E-A947-70E740481C1C}">
+                  <a14:useLocalDpi xmlns:a14="http://schemas.microsoft.com/office/drawing/2010/main" val="0"/>
+                </a:ext>
+              </a:extLst>
+            </a:blip>
+            <a:stretch>
+              <a:fillRect/>
+            </a:stretch>
+          </p:blipFill>
+          <p:spPr>
+            <a:xfrm>
+              <a:off x="14581491" y="3071664"/>
+              <a:ext cx="3495441" cy="1152128"/>
+            </a:xfrm>
+            <a:prstGeom prst="rect">
+              <a:avLst/>
+            </a:prstGeom>
+          </p:spPr>
+        </p:pic>
+        <p:sp>
+          <p:nvSpPr>
+            <p:cNvPr id="28" name="CaixaDeTexto 27">
+              <a:extLst>
+                <a:ext uri="{FF2B5EF4-FFF2-40B4-BE49-F238E27FC236}">
+                  <a16:creationId xmlns:a16="http://schemas.microsoft.com/office/drawing/2014/main" id="{370F5196-5F07-4AC7-AB57-13E78AA6FB7B}"/>
+                </a:ext>
+              </a:extLst>
+            </p:cNvPr>
+            <p:cNvSpPr txBox="1"/>
+            <p:nvPr/>
+          </p:nvSpPr>
+          <p:spPr>
+            <a:xfrm>
+              <a:off x="14384448" y="7248128"/>
+              <a:ext cx="4273926" cy="2308324"/>
+            </a:xfrm>
+            <a:prstGeom prst="rect">
+              <a:avLst/>
+            </a:prstGeom>
+            <a:noFill/>
+          </p:spPr>
+          <p:txBody>
+            <a:bodyPr wrap="none" rtlCol="0">
+              <a:spAutoFit/>
+            </a:bodyPr>
+            <a:lstStyle/>
+            <a:p>
+              <a:pPr algn="ctr"/>
+              <a:r>
+                <a:rPr lang="pt-BR" sz="3600" b="1" dirty="0">
+                  <a:solidFill>
+                    <a:srgbClr val="FF9300"/>
+                  </a:solidFill>
+                  <a:latin typeface="Century Gothic" panose="020B0502020202020204" pitchFamily="34" charset="0"/>
+                </a:rPr>
+                <a:t>Auxiliar no </a:t>
+              </a:r>
+            </a:p>
+            <a:p>
+              <a:pPr algn="ctr"/>
+              <a:r>
+                <a:rPr lang="pt-BR" sz="3600" b="1" dirty="0">
+                  <a:solidFill>
+                    <a:srgbClr val="FF9300"/>
+                  </a:solidFill>
+                  <a:latin typeface="Century Gothic" panose="020B0502020202020204" pitchFamily="34" charset="0"/>
+                </a:rPr>
+                <a:t>estudo e aumento</a:t>
+              </a:r>
+            </a:p>
+            <a:p>
+              <a:pPr algn="ctr"/>
+              <a:r>
+                <a:rPr lang="pt-BR" sz="3600" b="1" dirty="0">
+                  <a:solidFill>
+                    <a:srgbClr val="FF9300"/>
+                  </a:solidFill>
+                  <a:latin typeface="Century Gothic" panose="020B0502020202020204" pitchFamily="34" charset="0"/>
+                </a:rPr>
+                <a:t>de desempenho</a:t>
+              </a:r>
+            </a:p>
+            <a:p>
+              <a:pPr algn="ctr"/>
+              <a:r>
+                <a:rPr lang="pt-BR" sz="3600" b="1" dirty="0">
+                  <a:solidFill>
+                    <a:srgbClr val="FF9300"/>
+                  </a:solidFill>
+                  <a:latin typeface="Century Gothic" panose="020B0502020202020204" pitchFamily="34" charset="0"/>
+                </a:rPr>
+                <a:t>dos alunos</a:t>
+              </a:r>
+            </a:p>
+          </p:txBody>
+        </p:sp>
+        <p:sp>
+          <p:nvSpPr>
+            <p:cNvPr id="29" name="CaixaDeTexto 28">
+              <a:extLst>
+                <a:ext uri="{FF2B5EF4-FFF2-40B4-BE49-F238E27FC236}">
+                  <a16:creationId xmlns:a16="http://schemas.microsoft.com/office/drawing/2014/main" id="{1C2EC9B1-1CF6-400B-BD66-ECFF2B29FE6D}"/>
+                </a:ext>
+              </a:extLst>
+            </p:cNvPr>
+            <p:cNvSpPr txBox="1"/>
+            <p:nvPr/>
+          </p:nvSpPr>
+          <p:spPr>
+            <a:xfrm>
+              <a:off x="14797509" y="5447928"/>
+              <a:ext cx="3374642" cy="830997"/>
+            </a:xfrm>
+            <a:prstGeom prst="rect">
+              <a:avLst/>
+            </a:prstGeom>
+            <a:noFill/>
+          </p:spPr>
+          <p:txBody>
+            <a:bodyPr wrap="none" rtlCol="0">
+              <a:spAutoFit/>
+            </a:bodyPr>
+            <a:lstStyle/>
+            <a:p>
+              <a:r>
+                <a:rPr lang="pt-BR" sz="4800" b="1" dirty="0">
+                  <a:solidFill>
+                    <a:schemeClr val="bg1"/>
+                  </a:solidFill>
+                  <a:latin typeface="Century Gothic" panose="020B0502020202020204" pitchFamily="34" charset="0"/>
+                </a:rPr>
+                <a:t>OBJETIVOS</a:t>
+              </a:r>
+            </a:p>
+          </p:txBody>
+        </p:sp>
+      </p:grpSp>
+    </p:spTree>
+    <p:extLst>
+      <p:ext uri="{BB962C8B-B14F-4D97-AF65-F5344CB8AC3E}">
+        <p14:creationId xmlns:p14="http://schemas.microsoft.com/office/powerpoint/2010/main" val="998705982"/>
+      </p:ext>
+    </p:extLst>
+  </p:cSld>
+  <p:clrMapOvr>
+    <a:masterClrMapping/>
+  </p:clrMapOvr>
+</p:sld>
+</file>
+
+<file path=ppt/slides/slide25.xml><?xml version="1.0" encoding="utf-8"?>
+<p:sld xmlns:a="http://schemas.openxmlformats.org/drawingml/2006/main" xmlns:r="http://schemas.openxmlformats.org/officeDocument/2006/relationships" xmlns:p="http://schemas.openxmlformats.org/presentationml/2006/main">
+  <p:cSld>
+    <p:spTree>
+      <p:nvGrpSpPr>
+        <p:cNvPr id="1" name=""/>
+        <p:cNvGrpSpPr/>
+        <p:nvPr/>
+      </p:nvGrpSpPr>
+      <p:grpSpPr>
+        <a:xfrm>
+          <a:off x="0" y="0"/>
+          <a:ext cx="0" cy="0"/>
+          <a:chOff x="0" y="0"/>
+          <a:chExt cx="0" cy="0"/>
+        </a:xfrm>
+      </p:grpSpPr>
+    </p:spTree>
+    <p:extLst>
+      <p:ext uri="{BB962C8B-B14F-4D97-AF65-F5344CB8AC3E}">
+        <p14:creationId xmlns:p14="http://schemas.microsoft.com/office/powerpoint/2010/main" val="1164703046"/>
+      </p:ext>
+    </p:extLst>
+  </p:cSld>
+  <p:clrMapOvr>
+    <a:masterClrMapping/>
+  </p:clrMapOvr>
+</p:sld>
+</file>
+
 <file path=ppt/slides/slide3.xml><?xml version="1.0" encoding="utf-8"?>
 <p:sld xmlns:a="http://schemas.openxmlformats.org/drawingml/2006/main" xmlns:r="http://schemas.openxmlformats.org/officeDocument/2006/relationships" xmlns:p="http://schemas.openxmlformats.org/presentationml/2006/main">
   <p:cSld>
@@ -18446,7 +19488,7 @@
         </p:nvGrpSpPr>
         <p:grpSpPr>
           <a:xfrm>
-            <a:off x="3910450" y="872669"/>
+            <a:off x="10175523" y="3539671"/>
             <a:ext cx="2298013" cy="2757615"/>
             <a:chOff x="3806213" y="865318"/>
             <a:chExt cx="2298013" cy="2757615"/>
@@ -19875,7 +20917,7 @@
         </p:nvGrpSpPr>
         <p:grpSpPr>
           <a:xfrm>
-            <a:off x="-2777821" y="1915794"/>
+            <a:off x="-2777821" y="4582799"/>
             <a:ext cx="2304256" cy="2765107"/>
             <a:chOff x="3131840" y="1124744"/>
             <a:chExt cx="3312368" cy="3888432"/>
@@ -20349,7 +21391,7 @@
         </p:nvSpPr>
         <p:spPr>
           <a:xfrm>
-            <a:off x="3707905" y="4005064"/>
+            <a:off x="9972974" y="6672066"/>
             <a:ext cx="216024" cy="1440160"/>
           </a:xfrm>
           <a:prstGeom prst="rect">
@@ -20401,7 +21443,7 @@
         </p:nvSpPr>
         <p:spPr>
           <a:xfrm>
-            <a:off x="4211961" y="4293096"/>
+            <a:off x="10477032" y="6960098"/>
             <a:ext cx="1008112" cy="1152128"/>
           </a:xfrm>
           <a:custGeom>
@@ -20568,7 +21610,7 @@
         </p:nvSpPr>
         <p:spPr>
           <a:xfrm>
-            <a:off x="5436097" y="4293096"/>
+            <a:off x="11701169" y="6960098"/>
             <a:ext cx="840093" cy="1152128"/>
           </a:xfrm>
           <a:custGeom>
@@ -20720,7 +21762,7 @@
         </p:nvSpPr>
         <p:spPr>
           <a:xfrm>
-            <a:off x="1619672" y="3501008"/>
+            <a:off x="7884743" y="6168012"/>
             <a:ext cx="1800200" cy="1944215"/>
           </a:xfrm>
           <a:custGeom>
@@ -21018,7 +22060,7 @@
         </p:nvGrpSpPr>
         <p:grpSpPr>
           <a:xfrm>
-            <a:off x="6444209" y="4293096"/>
+            <a:off x="12709280" y="6960098"/>
             <a:ext cx="1118242" cy="1152128"/>
             <a:chOff x="5796136" y="2204864"/>
             <a:chExt cx="1327912" cy="1368152"/>
@@ -21318,7 +22360,7 @@
         </p:nvGrpSpPr>
         <p:grpSpPr>
           <a:xfrm>
-            <a:off x="3059833" y="3857241"/>
+            <a:off x="9324902" y="6524246"/>
             <a:ext cx="4591338" cy="377669"/>
             <a:chOff x="3059833" y="3857241"/>
             <a:chExt cx="4591338" cy="377669"/>
@@ -21437,7 +22479,7 @@
         </p:nvGrpSpPr>
         <p:grpSpPr>
           <a:xfrm>
-            <a:off x="3911283" y="872669"/>
+            <a:off x="10176357" y="3539671"/>
             <a:ext cx="2298013" cy="2757615"/>
             <a:chOff x="3558130" y="933283"/>
             <a:chExt cx="2298013" cy="2757615"/>
@@ -23682,7 +24724,7 @@
         </p:nvGrpSpPr>
         <p:grpSpPr>
           <a:xfrm>
-            <a:off x="-2556792" y="1916832"/>
+            <a:off x="-2556792" y="4583832"/>
             <a:ext cx="1803330" cy="2163996"/>
             <a:chOff x="3131840" y="1124744"/>
             <a:chExt cx="3312368" cy="3888432"/>
@@ -24156,7 +25198,7 @@
         </p:nvGrpSpPr>
         <p:grpSpPr>
           <a:xfrm>
-            <a:off x="683568" y="1556792"/>
+            <a:off x="6948637" y="4223792"/>
             <a:ext cx="3569856" cy="3569856"/>
             <a:chOff x="2779696" y="1537964"/>
             <a:chExt cx="3569856" cy="3569856"/>
@@ -26796,7 +27838,7 @@
         </p:nvGrpSpPr>
         <p:grpSpPr>
           <a:xfrm>
-            <a:off x="9324528" y="1700808"/>
+            <a:off x="21854666" y="4367808"/>
             <a:ext cx="3569856" cy="3569856"/>
             <a:chOff x="2779696" y="1537964"/>
             <a:chExt cx="3569856" cy="3569856"/>
@@ -29425,7 +30467,7 @@
         </p:nvGrpSpPr>
         <p:grpSpPr>
           <a:xfrm>
-            <a:off x="4740966" y="1916832"/>
+            <a:off x="11006035" y="4583832"/>
             <a:ext cx="3569856" cy="3569856"/>
             <a:chOff x="4740966" y="1916832"/>
             <a:chExt cx="3569856" cy="3569856"/>
@@ -32053,7 +33095,7 @@
         </p:nvGrpSpPr>
         <p:grpSpPr>
           <a:xfrm>
-            <a:off x="2555776" y="1700808"/>
+            <a:off x="8820845" y="4367808"/>
             <a:ext cx="3569856" cy="3569856"/>
             <a:chOff x="2555776" y="1700808"/>
             <a:chExt cx="3569856" cy="3569856"/>
@@ -32478,7 +33520,7 @@
         </p:nvGrpSpPr>
         <p:grpSpPr>
           <a:xfrm>
-            <a:off x="3203848" y="1340768"/>
+            <a:off x="9468919" y="4007768"/>
             <a:ext cx="3312368" cy="3888432"/>
             <a:chOff x="3131840" y="1124744"/>
             <a:chExt cx="3312368" cy="3888432"/>
@@ -32949,7 +33991,7 @@
         </p:nvGrpSpPr>
         <p:grpSpPr>
           <a:xfrm>
-            <a:off x="611560" y="2564904"/>
+            <a:off x="6876634" y="5231906"/>
             <a:ext cx="2154107" cy="720080"/>
             <a:chOff x="1619672" y="3501008"/>
             <a:chExt cx="6031499" cy="2016224"/>
@@ -34090,7 +35132,7 @@
         </p:nvGrpSpPr>
         <p:grpSpPr>
           <a:xfrm>
-            <a:off x="2915816" y="548680"/>
+            <a:off x="9180887" y="3215683"/>
             <a:ext cx="3312368" cy="3974841"/>
             <a:chOff x="3707904" y="476672"/>
             <a:chExt cx="2304256" cy="2765107"/>
@@ -35504,7 +36546,7 @@
         </p:nvGrpSpPr>
         <p:grpSpPr>
           <a:xfrm>
-            <a:off x="-2627692" y="5116026"/>
+            <a:off x="-2627692" y="7783028"/>
             <a:ext cx="1138627" cy="501608"/>
             <a:chOff x="1801781" y="3933056"/>
             <a:chExt cx="1138627" cy="501608"/>
@@ -36009,7 +37051,7 @@
         </p:nvSpPr>
         <p:spPr>
           <a:xfrm>
-            <a:off x="3707904" y="4725144"/>
+            <a:off x="9972975" y="7392146"/>
             <a:ext cx="2016224" cy="2016224"/>
           </a:xfrm>
           <a:prstGeom prst="star5">
@@ -36061,7 +37103,7 @@
         </p:nvSpPr>
         <p:spPr>
           <a:xfrm>
-            <a:off x="5652120" y="4437112"/>
+            <a:off x="11917191" y="7104114"/>
             <a:ext cx="1656184" cy="1656184"/>
           </a:xfrm>
           <a:prstGeom prst="star5">
@@ -36113,7 +37155,7 @@
         </p:nvSpPr>
         <p:spPr>
           <a:xfrm>
-            <a:off x="1907704" y="4509120"/>
+            <a:off x="8172775" y="7176122"/>
             <a:ext cx="1656184" cy="1656184"/>
           </a:xfrm>
           <a:prstGeom prst="star5">
@@ -36165,7 +37207,7 @@
         </p:nvSpPr>
         <p:spPr>
           <a:xfrm>
-            <a:off x="539552" y="4077072"/>
+            <a:off x="-1460698" y="6744074"/>
             <a:ext cx="1368152" cy="1368152"/>
           </a:xfrm>
           <a:prstGeom prst="star5">
@@ -36217,7 +37259,7 @@
         </p:nvSpPr>
         <p:spPr>
           <a:xfrm>
-            <a:off x="7308304" y="4005064"/>
+            <a:off x="21838692" y="6672066"/>
             <a:ext cx="1368152" cy="1368152"/>
           </a:xfrm>
           <a:prstGeom prst="star5">
@@ -36269,7 +37311,7 @@
         </p:nvSpPr>
         <p:spPr>
           <a:xfrm>
-            <a:off x="3666888" y="5617634"/>
+            <a:off x="9931959" y="8284637"/>
             <a:ext cx="2518638" cy="584775"/>
           </a:xfrm>
           <a:prstGeom prst="rect">
@@ -36682,7 +37724,7 @@
         </p:nvSpPr>
         <p:spPr>
           <a:xfrm>
-            <a:off x="3779912" y="5589240"/>
+            <a:off x="10044983" y="8256245"/>
             <a:ext cx="1459054" cy="646331"/>
           </a:xfrm>
           <a:prstGeom prst="rect">
@@ -36722,7 +37764,7 @@
         </p:nvSpPr>
         <p:spPr>
           <a:xfrm>
-            <a:off x="3563888" y="5085184"/>
+            <a:off x="9828960" y="7752186"/>
             <a:ext cx="1882247" cy="707886"/>
           </a:xfrm>
           <a:prstGeom prst="rect">
@@ -36762,7 +37804,7 @@
         </p:nvGrpSpPr>
         <p:grpSpPr>
           <a:xfrm>
-            <a:off x="2483768" y="1136824"/>
+            <a:off x="8748839" y="3803826"/>
             <a:ext cx="3352930" cy="3876352"/>
             <a:chOff x="5436096" y="1208832"/>
             <a:chExt cx="3352930" cy="3876352"/>
@@ -40900,7 +41942,7 @@
         </p:nvGrpSpPr>
         <p:grpSpPr>
           <a:xfrm>
-            <a:off x="4813301" y="3077653"/>
+            <a:off x="11078372" y="5744658"/>
             <a:ext cx="346672" cy="521771"/>
             <a:chOff x="395536" y="854301"/>
             <a:chExt cx="451075" cy="678907"/>
@@ -41112,7 +42154,7 @@
         </p:nvSpPr>
         <p:spPr>
           <a:xfrm rot="20034904">
-            <a:off x="5246543" y="3239078"/>
+            <a:off x="11511617" y="5906080"/>
             <a:ext cx="315277" cy="848492"/>
           </a:xfrm>
           <a:prstGeom prst="roundRect">
@@ -41166,7 +42208,7 @@
         </p:nvSpPr>
         <p:spPr>
           <a:xfrm rot="19293823">
-            <a:off x="3635350" y="2539993"/>
+            <a:off x="9900421" y="5206995"/>
             <a:ext cx="312530" cy="1126460"/>
           </a:xfrm>
           <a:prstGeom prst="roundRect">
@@ -41220,7 +42262,7 @@
         </p:nvSpPr>
         <p:spPr>
           <a:xfrm>
-            <a:off x="3995936" y="2852936"/>
+            <a:off x="10261005" y="5519938"/>
             <a:ext cx="1296144" cy="1584176"/>
           </a:xfrm>
           <a:prstGeom prst="roundRect">
@@ -41274,7 +42316,7 @@
         </p:nvSpPr>
         <p:spPr>
           <a:xfrm>
-            <a:off x="4355976" y="2564904"/>
+            <a:off x="10621047" y="5231906"/>
             <a:ext cx="504056" cy="720080"/>
           </a:xfrm>
           <a:prstGeom prst="roundRect">
@@ -41328,7 +42370,7 @@
         </p:nvGrpSpPr>
         <p:grpSpPr>
           <a:xfrm>
-            <a:off x="3995936" y="1484784"/>
+            <a:off x="10261005" y="4151786"/>
             <a:ext cx="1296144" cy="1590704"/>
             <a:chOff x="4572000" y="1412776"/>
             <a:chExt cx="2757671" cy="3384375"/>
@@ -41842,7 +42884,7 @@
         </p:nvSpPr>
         <p:spPr>
           <a:xfrm>
-            <a:off x="4139952" y="2996952"/>
+            <a:off x="10405023" y="5663952"/>
             <a:ext cx="1008112" cy="1296144"/>
           </a:xfrm>
           <a:prstGeom prst="roundRect">
@@ -41896,7 +42938,7 @@
         </p:nvGrpSpPr>
         <p:grpSpPr>
           <a:xfrm>
-            <a:off x="4283968" y="3212976"/>
+            <a:off x="10549039" y="5879978"/>
             <a:ext cx="720080" cy="317222"/>
             <a:chOff x="1801781" y="3933056"/>
             <a:chExt cx="1138627" cy="501608"/>
@@ -42401,7 +43443,7 @@
         </p:nvGrpSpPr>
         <p:grpSpPr>
           <a:xfrm>
-            <a:off x="3779912" y="1052736"/>
+            <a:off x="10044983" y="3719736"/>
             <a:ext cx="1368152" cy="636666"/>
             <a:chOff x="2195736" y="1124744"/>
             <a:chExt cx="1856884" cy="864096"/>
@@ -42788,7 +43830,7 @@
         </p:nvSpPr>
         <p:spPr>
           <a:xfrm>
-            <a:off x="3851920" y="4293096"/>
+            <a:off x="10116989" y="6960096"/>
             <a:ext cx="648072" cy="216024"/>
           </a:xfrm>
           <a:prstGeom prst="ellipse">
@@ -42840,7 +43882,7 @@
         </p:nvSpPr>
         <p:spPr>
           <a:xfrm>
-            <a:off x="4788024" y="4293096"/>
+            <a:off x="11053093" y="6960096"/>
             <a:ext cx="648072" cy="216024"/>
           </a:xfrm>
           <a:prstGeom prst="ellipse">
@@ -42892,7 +43934,7 @@
         </p:nvSpPr>
         <p:spPr>
           <a:xfrm>
-            <a:off x="4283968" y="1988840"/>
+            <a:off x="10549039" y="4655842"/>
             <a:ext cx="144016" cy="144016"/>
           </a:xfrm>
           <a:prstGeom prst="ellipse">
@@ -42944,7 +43986,7 @@
         </p:nvSpPr>
         <p:spPr>
           <a:xfrm>
-            <a:off x="4932040" y="1988840"/>
+            <a:off x="11197111" y="4655842"/>
             <a:ext cx="144016" cy="144016"/>
           </a:xfrm>
           <a:prstGeom prst="ellipse">
@@ -42996,7 +44038,7 @@
         </p:nvSpPr>
         <p:spPr>
           <a:xfrm>
-            <a:off x="3779912" y="4797152"/>
+            <a:off x="10044984" y="7464155"/>
             <a:ext cx="1992853" cy="830997"/>
           </a:xfrm>
           <a:prstGeom prst="rect">

--- a/Stud+/Logos.pptx
+++ b/Stud+/Logos.pptx
@@ -5,7 +5,7 @@
     <p:sldMasterId id="2147483648" r:id="rId1"/>
   </p:sldMasterIdLst>
   <p:notesMasterIdLst>
-    <p:notesMasterId r:id="rId27"/>
+    <p:notesMasterId r:id="rId28"/>
   </p:notesMasterIdLst>
   <p:sldIdLst>
     <p:sldId id="257" r:id="rId2"/>
@@ -33,6 +33,7 @@
     <p:sldId id="280" r:id="rId24"/>
     <p:sldId id="281" r:id="rId25"/>
     <p:sldId id="282" r:id="rId26"/>
+    <p:sldId id="283" r:id="rId27"/>
   </p:sldIdLst>
   <p:sldSz cx="21674138" cy="12192000"/>
   <p:notesSz cx="6858000" cy="9144000"/>
@@ -133,7 +134,7 @@
   </p:defaultTextStyle>
   <p:extLst>
     <p:ext uri="{EFAFB233-063F-42B5-8137-9DF3F51BA10A}">
-      <p15:sldGuideLst xmlns:p15="http://schemas.microsoft.com/office/powerpoint/2012/main">
+      <p15:sldGuideLst xmlns:p15="http://schemas.microsoft.com/office/powerpoint/2012/main" xmlns="">
         <p15:guide id="1" orient="horz" pos="3840" userDrawn="1">
           <p15:clr>
             <a:srgbClr val="A4A3A4"/>
@@ -240,7 +241,7 @@
           <a:p>
             <a:fld id="{2E3565AC-2010-4826-AD28-955C7DE3B687}" type="datetimeFigureOut">
               <a:rPr lang="pt-BR" smtClean="0"/>
-              <a:t>07/09/2018</a:t>
+              <a:t>10/09/2018</a:t>
             </a:fld>
             <a:endParaRPr lang="pt-BR"/>
           </a:p>
@@ -596,6 +597,90 @@
 </p:notes>
 </file>
 
+<file path=ppt/notesSlides/notesSlide2.xml><?xml version="1.0" encoding="utf-8"?>
+<p:notes xmlns:a="http://schemas.openxmlformats.org/drawingml/2006/main" xmlns:r="http://schemas.openxmlformats.org/officeDocument/2006/relationships" xmlns:p="http://schemas.openxmlformats.org/presentationml/2006/main">
+  <p:cSld>
+    <p:spTree>
+      <p:nvGrpSpPr>
+        <p:cNvPr id="1" name=""/>
+        <p:cNvGrpSpPr/>
+        <p:nvPr/>
+      </p:nvGrpSpPr>
+      <p:grpSpPr>
+        <a:xfrm>
+          <a:off x="0" y="0"/>
+          <a:ext cx="0" cy="0"/>
+          <a:chOff x="0" y="0"/>
+          <a:chExt cx="0" cy="0"/>
+        </a:xfrm>
+      </p:grpSpPr>
+      <p:sp>
+        <p:nvSpPr>
+          <p:cNvPr id="2" name="Espaço Reservado para Imagem de Slide 1"/>
+          <p:cNvSpPr>
+            <a:spLocks noGrp="1" noRot="1" noChangeAspect="1"/>
+          </p:cNvSpPr>
+          <p:nvPr>
+            <p:ph type="sldImg"/>
+          </p:nvPr>
+        </p:nvSpPr>
+        <p:spPr/>
+      </p:sp>
+      <p:sp>
+        <p:nvSpPr>
+          <p:cNvPr id="3" name="Espaço Reservado para Anotações 2"/>
+          <p:cNvSpPr>
+            <a:spLocks noGrp="1"/>
+          </p:cNvSpPr>
+          <p:nvPr>
+            <p:ph type="body" idx="1"/>
+          </p:nvPr>
+        </p:nvSpPr>
+        <p:spPr/>
+        <p:txBody>
+          <a:bodyPr/>
+          <a:lstStyle/>
+          <a:p>
+            <a:endParaRPr lang="pt-BR" dirty="0"/>
+          </a:p>
+        </p:txBody>
+      </p:sp>
+      <p:sp>
+        <p:nvSpPr>
+          <p:cNvPr id="4" name="Espaço Reservado para Número de Slide 3"/>
+          <p:cNvSpPr>
+            <a:spLocks noGrp="1"/>
+          </p:cNvSpPr>
+          <p:nvPr>
+            <p:ph type="sldNum" sz="quarter" idx="10"/>
+          </p:nvPr>
+        </p:nvSpPr>
+        <p:spPr/>
+        <p:txBody>
+          <a:bodyPr/>
+          <a:lstStyle/>
+          <a:p>
+            <a:fld id="{415DEE90-E104-4778-B09B-9BD56F9338C4}" type="slidenum">
+              <a:rPr lang="pt-BR" smtClean="0"/>
+              <a:t>25</a:t>
+            </a:fld>
+            <a:endParaRPr lang="pt-BR"/>
+          </a:p>
+        </p:txBody>
+      </p:sp>
+    </p:spTree>
+    <p:extLst>
+      <p:ext uri="{BB962C8B-B14F-4D97-AF65-F5344CB8AC3E}">
+        <p14:creationId xmlns:p14="http://schemas.microsoft.com/office/powerpoint/2010/main" val="1578324981"/>
+      </p:ext>
+    </p:extLst>
+  </p:cSld>
+  <p:clrMapOvr>
+    <a:masterClrMapping/>
+  </p:clrMapOvr>
+</p:notes>
+</file>
+
 <file path=ppt/slideLayouts/slideLayout1.xml><?xml version="1.0" encoding="utf-8"?>
 <p:sldLayout xmlns:a="http://schemas.openxmlformats.org/drawingml/2006/main" xmlns:r="http://schemas.openxmlformats.org/officeDocument/2006/relationships" xmlns:p="http://schemas.openxmlformats.org/presentationml/2006/main" type="title" preserve="1">
   <p:cSld name="Slide de título">
@@ -775,7 +860,7 @@
           <a:p>
             <a:fld id="{EC480AC6-A53D-47BC-9837-AD279F9F4920}" type="datetimeFigureOut">
               <a:rPr lang="pt-BR" smtClean="0"/>
-              <a:t>07/09/2018</a:t>
+              <a:t>10/09/2018</a:t>
             </a:fld>
             <a:endParaRPr lang="pt-BR"/>
           </a:p>
@@ -943,7 +1028,7 @@
           <a:p>
             <a:fld id="{EC480AC6-A53D-47BC-9837-AD279F9F4920}" type="datetimeFigureOut">
               <a:rPr lang="pt-BR" smtClean="0"/>
-              <a:t>07/09/2018</a:t>
+              <a:t>10/09/2018</a:t>
             </a:fld>
             <a:endParaRPr lang="pt-BR"/>
           </a:p>
@@ -1121,7 +1206,7 @@
           <a:p>
             <a:fld id="{EC480AC6-A53D-47BC-9837-AD279F9F4920}" type="datetimeFigureOut">
               <a:rPr lang="pt-BR" smtClean="0"/>
-              <a:t>07/09/2018</a:t>
+              <a:t>10/09/2018</a:t>
             </a:fld>
             <a:endParaRPr lang="pt-BR"/>
           </a:p>
@@ -1289,7 +1374,7 @@
           <a:p>
             <a:fld id="{EC480AC6-A53D-47BC-9837-AD279F9F4920}" type="datetimeFigureOut">
               <a:rPr lang="pt-BR" smtClean="0"/>
-              <a:t>07/09/2018</a:t>
+              <a:t>10/09/2018</a:t>
             </a:fld>
             <a:endParaRPr lang="pt-BR"/>
           </a:p>
@@ -1534,7 +1619,7 @@
           <a:p>
             <a:fld id="{EC480AC6-A53D-47BC-9837-AD279F9F4920}" type="datetimeFigureOut">
               <a:rPr lang="pt-BR" smtClean="0"/>
-              <a:t>07/09/2018</a:t>
+              <a:t>10/09/2018</a:t>
             </a:fld>
             <a:endParaRPr lang="pt-BR"/>
           </a:p>
@@ -1819,7 +1904,7 @@
           <a:p>
             <a:fld id="{EC480AC6-A53D-47BC-9837-AD279F9F4920}" type="datetimeFigureOut">
               <a:rPr lang="pt-BR" smtClean="0"/>
-              <a:t>07/09/2018</a:t>
+              <a:t>10/09/2018</a:t>
             </a:fld>
             <a:endParaRPr lang="pt-BR"/>
           </a:p>
@@ -2238,7 +2323,7 @@
           <a:p>
             <a:fld id="{EC480AC6-A53D-47BC-9837-AD279F9F4920}" type="datetimeFigureOut">
               <a:rPr lang="pt-BR" smtClean="0"/>
-              <a:t>07/09/2018</a:t>
+              <a:t>10/09/2018</a:t>
             </a:fld>
             <a:endParaRPr lang="pt-BR"/>
           </a:p>
@@ -2355,7 +2440,7 @@
           <a:p>
             <a:fld id="{EC480AC6-A53D-47BC-9837-AD279F9F4920}" type="datetimeFigureOut">
               <a:rPr lang="pt-BR" smtClean="0"/>
-              <a:t>07/09/2018</a:t>
+              <a:t>10/09/2018</a:t>
             </a:fld>
             <a:endParaRPr lang="pt-BR"/>
           </a:p>
@@ -2450,7 +2535,7 @@
           <a:p>
             <a:fld id="{EC480AC6-A53D-47BC-9837-AD279F9F4920}" type="datetimeFigureOut">
               <a:rPr lang="pt-BR" smtClean="0"/>
-              <a:t>07/09/2018</a:t>
+              <a:t>10/09/2018</a:t>
             </a:fld>
             <a:endParaRPr lang="pt-BR"/>
           </a:p>
@@ -2725,7 +2810,7 @@
           <a:p>
             <a:fld id="{EC480AC6-A53D-47BC-9837-AD279F9F4920}" type="datetimeFigureOut">
               <a:rPr lang="pt-BR" smtClean="0"/>
-              <a:t>07/09/2018</a:t>
+              <a:t>10/09/2018</a:t>
             </a:fld>
             <a:endParaRPr lang="pt-BR"/>
           </a:p>
@@ -2977,7 +3062,7 @@
           <a:p>
             <a:fld id="{EC480AC6-A53D-47BC-9837-AD279F9F4920}" type="datetimeFigureOut">
               <a:rPr lang="pt-BR" smtClean="0"/>
-              <a:t>07/09/2018</a:t>
+              <a:t>10/09/2018</a:t>
             </a:fld>
             <a:endParaRPr lang="pt-BR"/>
           </a:p>
@@ -3188,7 +3273,7 @@
           <a:p>
             <a:fld id="{EC480AC6-A53D-47BC-9837-AD279F9F4920}" type="datetimeFigureOut">
               <a:rPr lang="pt-BR" smtClean="0"/>
-              <a:t>07/09/2018</a:t>
+              <a:t>10/09/2018</a:t>
             </a:fld>
             <a:endParaRPr lang="pt-BR"/>
           </a:p>
@@ -4050,6 +4135,13 @@
   <p:clrMapOvr>
     <a:masterClrMapping/>
   </p:clrMapOvr>
+  <p:timing>
+    <p:tnLst>
+      <p:par>
+        <p:cTn id="1" dur="indefinite" restart="never" nodeType="tmRoot"/>
+      </p:par>
+    </p:tnLst>
+  </p:timing>
 </p:sld>
 </file>
 
@@ -4083,7 +4175,7 @@
           <p:cNvPr id="58" name="Agrupar 57">
             <a:extLst>
               <a:ext uri="{FF2B5EF4-FFF2-40B4-BE49-F238E27FC236}">
-                <a16:creationId xmlns:a16="http://schemas.microsoft.com/office/drawing/2014/main" id="{EF5C2300-377E-4EA3-B736-0CFBF14F0D01}"/>
+                <a16:creationId xmlns:a16="http://schemas.microsoft.com/office/drawing/2014/main" xmlns="" id="{EF5C2300-377E-4EA3-B736-0CFBF14F0D01}"/>
               </a:ext>
             </a:extLst>
           </p:cNvPr>
@@ -4103,7 +4195,7 @@
             <p:cNvPr id="33" name="Agrupar 32">
               <a:extLst>
                 <a:ext uri="{FF2B5EF4-FFF2-40B4-BE49-F238E27FC236}">
-                  <a16:creationId xmlns:a16="http://schemas.microsoft.com/office/drawing/2014/main" id="{055FA638-179B-48AA-BECA-CA1DBC3827C4}"/>
+                  <a16:creationId xmlns:a16="http://schemas.microsoft.com/office/drawing/2014/main" xmlns="" id="{055FA638-179B-48AA-BECA-CA1DBC3827C4}"/>
                 </a:ext>
               </a:extLst>
             </p:cNvPr>
@@ -4123,7 +4215,7 @@
               <p:cNvPr id="28" name="Forma Livre: Forma 27">
                 <a:extLst>
                   <a:ext uri="{FF2B5EF4-FFF2-40B4-BE49-F238E27FC236}">
-                    <a16:creationId xmlns:a16="http://schemas.microsoft.com/office/drawing/2014/main" id="{F8C6B85B-97DC-4FB1-B33E-20C0AC1AA34E}"/>
+                    <a16:creationId xmlns:a16="http://schemas.microsoft.com/office/drawing/2014/main" xmlns="" id="{F8C6B85B-97DC-4FB1-B33E-20C0AC1AA34E}"/>
                   </a:ext>
                 </a:extLst>
               </p:cNvPr>
@@ -4210,7 +4302,7 @@
               <p:cNvPr id="29" name="Forma Livre: Forma 28">
                 <a:extLst>
                   <a:ext uri="{FF2B5EF4-FFF2-40B4-BE49-F238E27FC236}">
-                    <a16:creationId xmlns:a16="http://schemas.microsoft.com/office/drawing/2014/main" id="{246A0953-5492-46EA-A77C-949538521C0D}"/>
+                    <a16:creationId xmlns:a16="http://schemas.microsoft.com/office/drawing/2014/main" xmlns="" id="{246A0953-5492-46EA-A77C-949538521C0D}"/>
                   </a:ext>
                 </a:extLst>
               </p:cNvPr>
@@ -4298,7 +4390,7 @@
             <p:cNvPr id="34" name="Retângulo: Cantos Arredondados 33">
               <a:extLst>
                 <a:ext uri="{FF2B5EF4-FFF2-40B4-BE49-F238E27FC236}">
-                  <a16:creationId xmlns:a16="http://schemas.microsoft.com/office/drawing/2014/main" id="{9A699E3B-7D68-45B1-9F4E-68FD563AADC6}"/>
+                  <a16:creationId xmlns:a16="http://schemas.microsoft.com/office/drawing/2014/main" xmlns="" id="{9A699E3B-7D68-45B1-9F4E-68FD563AADC6}"/>
                 </a:ext>
               </a:extLst>
             </p:cNvPr>
@@ -4355,7 +4447,7 @@
             <p:cNvPr id="4" name="Retângulo 3">
               <a:extLst>
                 <a:ext uri="{FF2B5EF4-FFF2-40B4-BE49-F238E27FC236}">
-                  <a16:creationId xmlns:a16="http://schemas.microsoft.com/office/drawing/2014/main" id="{04F8D5DB-D80A-485B-9578-582803149067}"/>
+                  <a16:creationId xmlns:a16="http://schemas.microsoft.com/office/drawing/2014/main" xmlns="" id="{04F8D5DB-D80A-485B-9578-582803149067}"/>
                 </a:ext>
               </a:extLst>
             </p:cNvPr>
@@ -4407,7 +4499,7 @@
             <p:cNvPr id="6" name="Retângulo 5">
               <a:extLst>
                 <a:ext uri="{FF2B5EF4-FFF2-40B4-BE49-F238E27FC236}">
-                  <a16:creationId xmlns:a16="http://schemas.microsoft.com/office/drawing/2014/main" id="{71729211-E446-4225-852B-B0E222B7A86E}"/>
+                  <a16:creationId xmlns:a16="http://schemas.microsoft.com/office/drawing/2014/main" xmlns="" id="{71729211-E446-4225-852B-B0E222B7A86E}"/>
                 </a:ext>
               </a:extLst>
             </p:cNvPr>
@@ -4459,7 +4551,7 @@
             <p:cNvPr id="35" name="Retângulo 34">
               <a:extLst>
                 <a:ext uri="{FF2B5EF4-FFF2-40B4-BE49-F238E27FC236}">
-                  <a16:creationId xmlns:a16="http://schemas.microsoft.com/office/drawing/2014/main" id="{3B1D1B7D-6C7B-4C4E-98B9-CFC91C8D537A}"/>
+                  <a16:creationId xmlns:a16="http://schemas.microsoft.com/office/drawing/2014/main" xmlns="" id="{3B1D1B7D-6C7B-4C4E-98B9-CFC91C8D537A}"/>
                 </a:ext>
               </a:extLst>
             </p:cNvPr>
@@ -4514,7 +4606,7 @@
             <p:cNvPr id="36" name="Agrupar 35">
               <a:extLst>
                 <a:ext uri="{FF2B5EF4-FFF2-40B4-BE49-F238E27FC236}">
-                  <a16:creationId xmlns:a16="http://schemas.microsoft.com/office/drawing/2014/main" id="{04F0E4CD-25AE-4F1E-9A0A-7DC61BA5E77C}"/>
+                  <a16:creationId xmlns:a16="http://schemas.microsoft.com/office/drawing/2014/main" xmlns="" id="{04F0E4CD-25AE-4F1E-9A0A-7DC61BA5E77C}"/>
                 </a:ext>
               </a:extLst>
             </p:cNvPr>
@@ -4534,7 +4626,7 @@
               <p:cNvPr id="37" name="Forma Livre: Forma 36">
                 <a:extLst>
                   <a:ext uri="{FF2B5EF4-FFF2-40B4-BE49-F238E27FC236}">
-                    <a16:creationId xmlns:a16="http://schemas.microsoft.com/office/drawing/2014/main" id="{6CC8CC04-0991-4B40-B637-B98038AE1D45}"/>
+                    <a16:creationId xmlns:a16="http://schemas.microsoft.com/office/drawing/2014/main" xmlns="" id="{6CC8CC04-0991-4B40-B637-B98038AE1D45}"/>
                   </a:ext>
                 </a:extLst>
               </p:cNvPr>
@@ -4621,7 +4713,7 @@
               <p:cNvPr id="38" name="Forma Livre: Forma 37">
                 <a:extLst>
                   <a:ext uri="{FF2B5EF4-FFF2-40B4-BE49-F238E27FC236}">
-                    <a16:creationId xmlns:a16="http://schemas.microsoft.com/office/drawing/2014/main" id="{230724C1-E6F6-441E-B9CC-A6D838F0CC42}"/>
+                    <a16:creationId xmlns:a16="http://schemas.microsoft.com/office/drawing/2014/main" xmlns="" id="{230724C1-E6F6-441E-B9CC-A6D838F0CC42}"/>
                   </a:ext>
                 </a:extLst>
               </p:cNvPr>
@@ -4712,7 +4804,7 @@
             <p:cNvPr id="39" name="Retângulo: Cantos Arredondados 38">
               <a:extLst>
                 <a:ext uri="{FF2B5EF4-FFF2-40B4-BE49-F238E27FC236}">
-                  <a16:creationId xmlns:a16="http://schemas.microsoft.com/office/drawing/2014/main" id="{810BCCEF-15F3-48B3-A91B-ECAB86526282}"/>
+                  <a16:creationId xmlns:a16="http://schemas.microsoft.com/office/drawing/2014/main" xmlns="" id="{810BCCEF-15F3-48B3-A91B-ECAB86526282}"/>
                 </a:ext>
               </a:extLst>
             </p:cNvPr>
@@ -4766,7 +4858,7 @@
             <p:cNvPr id="40" name="Retângulo: Cantos Arredondados 39">
               <a:extLst>
                 <a:ext uri="{FF2B5EF4-FFF2-40B4-BE49-F238E27FC236}">
-                  <a16:creationId xmlns:a16="http://schemas.microsoft.com/office/drawing/2014/main" id="{F2722DE1-CCFE-41D0-BF21-0874AE3F29D2}"/>
+                  <a16:creationId xmlns:a16="http://schemas.microsoft.com/office/drawing/2014/main" xmlns="" id="{F2722DE1-CCFE-41D0-BF21-0874AE3F29D2}"/>
                 </a:ext>
               </a:extLst>
             </p:cNvPr>
@@ -4820,7 +4912,7 @@
             <p:cNvPr id="41" name="Forma Livre: Forma 40">
               <a:extLst>
                 <a:ext uri="{FF2B5EF4-FFF2-40B4-BE49-F238E27FC236}">
-                  <a16:creationId xmlns:a16="http://schemas.microsoft.com/office/drawing/2014/main" id="{95C12171-A9CB-4D44-AF8C-DBE32953351C}"/>
+                  <a16:creationId xmlns:a16="http://schemas.microsoft.com/office/drawing/2014/main" xmlns="" id="{95C12171-A9CB-4D44-AF8C-DBE32953351C}"/>
                 </a:ext>
               </a:extLst>
             </p:cNvPr>
@@ -4995,7 +5087,7 @@
             <p:cNvPr id="42" name="Retângulo: Cantos Arredondados 41">
               <a:extLst>
                 <a:ext uri="{FF2B5EF4-FFF2-40B4-BE49-F238E27FC236}">
-                  <a16:creationId xmlns:a16="http://schemas.microsoft.com/office/drawing/2014/main" id="{D1D9A1C5-1BFF-4195-9EF1-C8B36C0CE2F4}"/>
+                  <a16:creationId xmlns:a16="http://schemas.microsoft.com/office/drawing/2014/main" xmlns="" id="{D1D9A1C5-1BFF-4195-9EF1-C8B36C0CE2F4}"/>
                 </a:ext>
               </a:extLst>
             </p:cNvPr>
@@ -5049,7 +5141,7 @@
             <p:cNvPr id="44" name="Retângulo: Cantos Arredondados 43">
               <a:extLst>
                 <a:ext uri="{FF2B5EF4-FFF2-40B4-BE49-F238E27FC236}">
-                  <a16:creationId xmlns:a16="http://schemas.microsoft.com/office/drawing/2014/main" id="{D0643FB6-D571-47A0-A2EA-BC5BEB490710}"/>
+                  <a16:creationId xmlns:a16="http://schemas.microsoft.com/office/drawing/2014/main" xmlns="" id="{D0643FB6-D571-47A0-A2EA-BC5BEB490710}"/>
                 </a:ext>
               </a:extLst>
             </p:cNvPr>
@@ -5103,7 +5195,7 @@
             <p:cNvPr id="45" name="Retângulo: Cantos Arredondados 44">
               <a:extLst>
                 <a:ext uri="{FF2B5EF4-FFF2-40B4-BE49-F238E27FC236}">
-                  <a16:creationId xmlns:a16="http://schemas.microsoft.com/office/drawing/2014/main" id="{65D61FB3-28C5-4A84-AB28-22F2A79EEEDD}"/>
+                  <a16:creationId xmlns:a16="http://schemas.microsoft.com/office/drawing/2014/main" xmlns="" id="{65D61FB3-28C5-4A84-AB28-22F2A79EEEDD}"/>
                 </a:ext>
               </a:extLst>
             </p:cNvPr>
@@ -5157,7 +5249,7 @@
             <p:cNvPr id="46" name="Retângulo: Cantos Arredondados 45">
               <a:extLst>
                 <a:ext uri="{FF2B5EF4-FFF2-40B4-BE49-F238E27FC236}">
-                  <a16:creationId xmlns:a16="http://schemas.microsoft.com/office/drawing/2014/main" id="{62F689F4-88B5-4E77-98EE-527F71979C59}"/>
+                  <a16:creationId xmlns:a16="http://schemas.microsoft.com/office/drawing/2014/main" xmlns="" id="{62F689F4-88B5-4E77-98EE-527F71979C59}"/>
                 </a:ext>
               </a:extLst>
             </p:cNvPr>
@@ -5211,7 +5303,7 @@
             <p:cNvPr id="47" name="Retângulo: Cantos Arredondados 46">
               <a:extLst>
                 <a:ext uri="{FF2B5EF4-FFF2-40B4-BE49-F238E27FC236}">
-                  <a16:creationId xmlns:a16="http://schemas.microsoft.com/office/drawing/2014/main" id="{FCF8E6CE-6D4F-47C0-857F-FC45C0423962}"/>
+                  <a16:creationId xmlns:a16="http://schemas.microsoft.com/office/drawing/2014/main" xmlns="" id="{FCF8E6CE-6D4F-47C0-857F-FC45C0423962}"/>
                 </a:ext>
               </a:extLst>
             </p:cNvPr>
@@ -5265,7 +5357,7 @@
             <p:cNvPr id="48" name="Retângulo: Cantos Arredondados 47">
               <a:extLst>
                 <a:ext uri="{FF2B5EF4-FFF2-40B4-BE49-F238E27FC236}">
-                  <a16:creationId xmlns:a16="http://schemas.microsoft.com/office/drawing/2014/main" id="{68CBAFAE-3B8A-4259-AD90-05333422EE2B}"/>
+                  <a16:creationId xmlns:a16="http://schemas.microsoft.com/office/drawing/2014/main" xmlns="" id="{68CBAFAE-3B8A-4259-AD90-05333422EE2B}"/>
                 </a:ext>
               </a:extLst>
             </p:cNvPr>
@@ -5319,7 +5411,7 @@
             <p:cNvPr id="49" name="Retângulo: Cantos Arredondados 48">
               <a:extLst>
                 <a:ext uri="{FF2B5EF4-FFF2-40B4-BE49-F238E27FC236}">
-                  <a16:creationId xmlns:a16="http://schemas.microsoft.com/office/drawing/2014/main" id="{F5B76A52-90BA-444C-94AC-0CD591273B3D}"/>
+                  <a16:creationId xmlns:a16="http://schemas.microsoft.com/office/drawing/2014/main" xmlns="" id="{F5B76A52-90BA-444C-94AC-0CD591273B3D}"/>
                 </a:ext>
               </a:extLst>
             </p:cNvPr>
@@ -5373,7 +5465,7 @@
             <p:cNvPr id="50" name="Retângulo: Cantos Arredondados 49">
               <a:extLst>
                 <a:ext uri="{FF2B5EF4-FFF2-40B4-BE49-F238E27FC236}">
-                  <a16:creationId xmlns:a16="http://schemas.microsoft.com/office/drawing/2014/main" id="{CEA66F06-5BA5-4F1F-9E01-509682F0EA0C}"/>
+                  <a16:creationId xmlns:a16="http://schemas.microsoft.com/office/drawing/2014/main" xmlns="" id="{CEA66F06-5BA5-4F1F-9E01-509682F0EA0C}"/>
                 </a:ext>
               </a:extLst>
             </p:cNvPr>
@@ -5427,7 +5519,7 @@
             <p:cNvPr id="51" name="Agrupar 50">
               <a:extLst>
                 <a:ext uri="{FF2B5EF4-FFF2-40B4-BE49-F238E27FC236}">
-                  <a16:creationId xmlns:a16="http://schemas.microsoft.com/office/drawing/2014/main" id="{2631F3B1-9650-4C8F-B59A-CFA56D81DA09}"/>
+                  <a16:creationId xmlns:a16="http://schemas.microsoft.com/office/drawing/2014/main" xmlns="" id="{2631F3B1-9650-4C8F-B59A-CFA56D81DA09}"/>
                 </a:ext>
               </a:extLst>
             </p:cNvPr>
@@ -5447,7 +5539,7 @@
               <p:cNvPr id="52" name="Forma Livre: Forma 51">
                 <a:extLst>
                   <a:ext uri="{FF2B5EF4-FFF2-40B4-BE49-F238E27FC236}">
-                    <a16:creationId xmlns:a16="http://schemas.microsoft.com/office/drawing/2014/main" id="{7DB61C0C-7A16-4D04-BC83-BA46F61796FF}"/>
+                    <a16:creationId xmlns:a16="http://schemas.microsoft.com/office/drawing/2014/main" xmlns="" id="{7DB61C0C-7A16-4D04-BC83-BA46F61796FF}"/>
                   </a:ext>
                 </a:extLst>
               </p:cNvPr>
@@ -5594,7 +5686,7 @@
               <p:cNvPr id="53" name="Forma Livre: Forma 52">
                 <a:extLst>
                   <a:ext uri="{FF2B5EF4-FFF2-40B4-BE49-F238E27FC236}">
-                    <a16:creationId xmlns:a16="http://schemas.microsoft.com/office/drawing/2014/main" id="{46415AEE-65F8-4C20-BC23-0C5C5F6CDB7B}"/>
+                    <a16:creationId xmlns:a16="http://schemas.microsoft.com/office/drawing/2014/main" xmlns="" id="{46415AEE-65F8-4C20-BC23-0C5C5F6CDB7B}"/>
                   </a:ext>
                 </a:extLst>
               </p:cNvPr>
@@ -5741,7 +5833,7 @@
               <p:cNvPr id="54" name="Elipse 53">
                 <a:extLst>
                   <a:ext uri="{FF2B5EF4-FFF2-40B4-BE49-F238E27FC236}">
-                    <a16:creationId xmlns:a16="http://schemas.microsoft.com/office/drawing/2014/main" id="{D7A01D8D-4B2F-4942-B8B6-2D5EEFA04D02}"/>
+                    <a16:creationId xmlns:a16="http://schemas.microsoft.com/office/drawing/2014/main" xmlns="" id="{D7A01D8D-4B2F-4942-B8B6-2D5EEFA04D02}"/>
                   </a:ext>
                 </a:extLst>
               </p:cNvPr>
@@ -5805,7 +5897,7 @@
               <p:cNvPr id="55" name="Retângulo: Cantos Arredondados 54">
                 <a:extLst>
                   <a:ext uri="{FF2B5EF4-FFF2-40B4-BE49-F238E27FC236}">
-                    <a16:creationId xmlns:a16="http://schemas.microsoft.com/office/drawing/2014/main" id="{44B76BB3-D57F-48BA-AE2D-66080053A3B4}"/>
+                    <a16:creationId xmlns:a16="http://schemas.microsoft.com/office/drawing/2014/main" xmlns="" id="{44B76BB3-D57F-48BA-AE2D-66080053A3B4}"/>
                   </a:ext>
                 </a:extLst>
               </p:cNvPr>
@@ -5859,7 +5951,7 @@
               <p:cNvPr id="56" name="Retângulo: Cantos Arredondados 55">
                 <a:extLst>
                   <a:ext uri="{FF2B5EF4-FFF2-40B4-BE49-F238E27FC236}">
-                    <a16:creationId xmlns:a16="http://schemas.microsoft.com/office/drawing/2014/main" id="{2389AF47-F4AE-4DF7-92F3-FB6AF0749687}"/>
+                    <a16:creationId xmlns:a16="http://schemas.microsoft.com/office/drawing/2014/main" xmlns="" id="{2389AF47-F4AE-4DF7-92F3-FB6AF0749687}"/>
                   </a:ext>
                 </a:extLst>
               </p:cNvPr>
@@ -5913,7 +6005,7 @@
               <p:cNvPr id="57" name="Retângulo: Cantos Arredondados 56">
                 <a:extLst>
                   <a:ext uri="{FF2B5EF4-FFF2-40B4-BE49-F238E27FC236}">
-                    <a16:creationId xmlns:a16="http://schemas.microsoft.com/office/drawing/2014/main" id="{DA8709D4-D278-4EBE-8FA0-6F0BF43579C4}"/>
+                    <a16:creationId xmlns:a16="http://schemas.microsoft.com/office/drawing/2014/main" xmlns="" id="{DA8709D4-D278-4EBE-8FA0-6F0BF43579C4}"/>
                   </a:ext>
                 </a:extLst>
               </p:cNvPr>
@@ -5969,7 +6061,7 @@
           <p:cNvPr id="59" name="CaixaDeTexto 58">
             <a:extLst>
               <a:ext uri="{FF2B5EF4-FFF2-40B4-BE49-F238E27FC236}">
-                <a16:creationId xmlns:a16="http://schemas.microsoft.com/office/drawing/2014/main" id="{14FCE94E-98F9-41CE-94CD-2C218D5F084B}"/>
+                <a16:creationId xmlns:a16="http://schemas.microsoft.com/office/drawing/2014/main" xmlns="" id="{14FCE94E-98F9-41CE-94CD-2C218D5F084B}"/>
               </a:ext>
             </a:extLst>
           </p:cNvPr>
@@ -6126,7 +6218,7 @@
           <p:cNvPr id="4" name="Agrupar 3">
             <a:extLst>
               <a:ext uri="{FF2B5EF4-FFF2-40B4-BE49-F238E27FC236}">
-                <a16:creationId xmlns:a16="http://schemas.microsoft.com/office/drawing/2014/main" id="{D7C0B00C-161C-4ABE-A47A-D533F1A6BB89}"/>
+                <a16:creationId xmlns:a16="http://schemas.microsoft.com/office/drawing/2014/main" xmlns="" id="{D7C0B00C-161C-4ABE-A47A-D533F1A6BB89}"/>
               </a:ext>
             </a:extLst>
           </p:cNvPr>
@@ -6149,7 +6241,7 @@
             <p:cNvPr id="5" name="Gráfico 4" descr="Usuário">
               <a:extLst>
                 <a:ext uri="{FF2B5EF4-FFF2-40B4-BE49-F238E27FC236}">
-                  <a16:creationId xmlns:a16="http://schemas.microsoft.com/office/drawing/2014/main" id="{A0CA1125-C2CF-49A8-9AE9-7CBD1BF491B9}"/>
+                  <a16:creationId xmlns:a16="http://schemas.microsoft.com/office/drawing/2014/main" xmlns="" id="{A0CA1125-C2CF-49A8-9AE9-7CBD1BF491B9}"/>
                 </a:ext>
               </a:extLst>
             </p:cNvPr>
@@ -6165,7 +6257,7 @@
                   <a14:useLocalDpi xmlns:a14="http://schemas.microsoft.com/office/drawing/2010/main" val="0"/>
                 </a:ext>
                 <a:ext uri="{96DAC541-7B7A-43D3-8B79-37D633B846F1}">
-                  <asvg:svgBlip xmlns:asvg="http://schemas.microsoft.com/office/drawing/2016/SVG/main" r:embed="rId3"/>
+                  <asvg:svgBlip xmlns:asvg="http://schemas.microsoft.com/office/drawing/2016/SVG/main" xmlns="" r:embed="rId3"/>
                 </a:ext>
               </a:extLst>
             </a:blip>
@@ -6188,7 +6280,7 @@
             <p:cNvPr id="6" name="Retângulo 5">
               <a:extLst>
                 <a:ext uri="{FF2B5EF4-FFF2-40B4-BE49-F238E27FC236}">
-                  <a16:creationId xmlns:a16="http://schemas.microsoft.com/office/drawing/2014/main" id="{3DD69A3F-0C3D-4962-A956-2D9ED1AA114B}"/>
+                  <a16:creationId xmlns:a16="http://schemas.microsoft.com/office/drawing/2014/main" xmlns="" id="{3DD69A3F-0C3D-4962-A956-2D9ED1AA114B}"/>
                 </a:ext>
               </a:extLst>
             </p:cNvPr>
@@ -6242,7 +6334,7 @@
             <p:cNvPr id="7" name="Retângulo: Cantos Arredondados 6">
               <a:extLst>
                 <a:ext uri="{FF2B5EF4-FFF2-40B4-BE49-F238E27FC236}">
-                  <a16:creationId xmlns:a16="http://schemas.microsoft.com/office/drawing/2014/main" id="{52EE2D45-D0FA-4F34-95F6-04D56E423317}"/>
+                  <a16:creationId xmlns:a16="http://schemas.microsoft.com/office/drawing/2014/main" xmlns="" id="{52EE2D45-D0FA-4F34-95F6-04D56E423317}"/>
                 </a:ext>
               </a:extLst>
             </p:cNvPr>
@@ -6294,7 +6386,7 @@
             <p:cNvPr id="8" name="Retângulo: Cantos Arredondados 7">
               <a:extLst>
                 <a:ext uri="{FF2B5EF4-FFF2-40B4-BE49-F238E27FC236}">
-                  <a16:creationId xmlns:a16="http://schemas.microsoft.com/office/drawing/2014/main" id="{8EC0EE8C-2C28-44B0-B9FE-03E147A8199A}"/>
+                  <a16:creationId xmlns:a16="http://schemas.microsoft.com/office/drawing/2014/main" xmlns="" id="{8EC0EE8C-2C28-44B0-B9FE-03E147A8199A}"/>
                 </a:ext>
               </a:extLst>
             </p:cNvPr>
@@ -6346,7 +6438,7 @@
             <p:cNvPr id="9" name="Agrupar 8">
               <a:extLst>
                 <a:ext uri="{FF2B5EF4-FFF2-40B4-BE49-F238E27FC236}">
-                  <a16:creationId xmlns:a16="http://schemas.microsoft.com/office/drawing/2014/main" id="{267C4318-4AB2-4746-9648-43FAC46CA6D1}"/>
+                  <a16:creationId xmlns:a16="http://schemas.microsoft.com/office/drawing/2014/main" xmlns="" id="{267C4318-4AB2-4746-9648-43FAC46CA6D1}"/>
                 </a:ext>
               </a:extLst>
             </p:cNvPr>
@@ -6367,7 +6459,7 @@
               <p:cNvPr id="10" name="Elipse 9">
                 <a:extLst>
                   <a:ext uri="{FF2B5EF4-FFF2-40B4-BE49-F238E27FC236}">
-                    <a16:creationId xmlns:a16="http://schemas.microsoft.com/office/drawing/2014/main" id="{8AA4CB02-361D-40B7-B5E9-E7F2EFF87374}"/>
+                    <a16:creationId xmlns:a16="http://schemas.microsoft.com/office/drawing/2014/main" xmlns="" id="{8AA4CB02-361D-40B7-B5E9-E7F2EFF87374}"/>
                   </a:ext>
                 </a:extLst>
               </p:cNvPr>
@@ -6417,7 +6509,7 @@
               <p:cNvPr id="11" name="Retângulo: Cantos Arredondados 10">
                 <a:extLst>
                   <a:ext uri="{FF2B5EF4-FFF2-40B4-BE49-F238E27FC236}">
-                    <a16:creationId xmlns:a16="http://schemas.microsoft.com/office/drawing/2014/main" id="{F73250F2-2986-478D-84CC-876DADF39F25}"/>
+                    <a16:creationId xmlns:a16="http://schemas.microsoft.com/office/drawing/2014/main" xmlns="" id="{F73250F2-2986-478D-84CC-876DADF39F25}"/>
                   </a:ext>
                 </a:extLst>
               </p:cNvPr>
@@ -6467,7 +6559,7 @@
               <p:cNvPr id="12" name="Retângulo: Cantos Arredondados 11">
                 <a:extLst>
                   <a:ext uri="{FF2B5EF4-FFF2-40B4-BE49-F238E27FC236}">
-                    <a16:creationId xmlns:a16="http://schemas.microsoft.com/office/drawing/2014/main" id="{61FF627D-32B0-443C-AF22-BB6C5CF00724}"/>
+                    <a16:creationId xmlns:a16="http://schemas.microsoft.com/office/drawing/2014/main" xmlns="" id="{61FF627D-32B0-443C-AF22-BB6C5CF00724}"/>
                   </a:ext>
                 </a:extLst>
               </p:cNvPr>
@@ -6517,7 +6609,7 @@
               <p:cNvPr id="13" name="Retângulo: Cantos Arredondados 12">
                 <a:extLst>
                   <a:ext uri="{FF2B5EF4-FFF2-40B4-BE49-F238E27FC236}">
-                    <a16:creationId xmlns:a16="http://schemas.microsoft.com/office/drawing/2014/main" id="{FCBC6A68-B0BD-4771-B12B-2666385ADC6F}"/>
+                    <a16:creationId xmlns:a16="http://schemas.microsoft.com/office/drawing/2014/main" xmlns="" id="{FCBC6A68-B0BD-4771-B12B-2666385ADC6F}"/>
                   </a:ext>
                 </a:extLst>
               </p:cNvPr>
@@ -6567,7 +6659,7 @@
               <p:cNvPr id="14" name="Retângulo: Cantos Arredondados 13">
                 <a:extLst>
                   <a:ext uri="{FF2B5EF4-FFF2-40B4-BE49-F238E27FC236}">
-                    <a16:creationId xmlns:a16="http://schemas.microsoft.com/office/drawing/2014/main" id="{69F32E65-17C4-4CC9-9EA0-529687A215BF}"/>
+                    <a16:creationId xmlns:a16="http://schemas.microsoft.com/office/drawing/2014/main" xmlns="" id="{69F32E65-17C4-4CC9-9EA0-529687A215BF}"/>
                   </a:ext>
                 </a:extLst>
               </p:cNvPr>
@@ -6617,7 +6709,7 @@
               <p:cNvPr id="15" name="Retângulo: Cantos Arredondados 14">
                 <a:extLst>
                   <a:ext uri="{FF2B5EF4-FFF2-40B4-BE49-F238E27FC236}">
-                    <a16:creationId xmlns:a16="http://schemas.microsoft.com/office/drawing/2014/main" id="{8F75668C-DE3B-4832-B093-87AE3521FC40}"/>
+                    <a16:creationId xmlns:a16="http://schemas.microsoft.com/office/drawing/2014/main" xmlns="" id="{8F75668C-DE3B-4832-B093-87AE3521FC40}"/>
                   </a:ext>
                 </a:extLst>
               </p:cNvPr>
@@ -6667,7 +6759,7 @@
               <p:cNvPr id="16" name="Retângulo: Cantos Arredondados 15">
                 <a:extLst>
                   <a:ext uri="{FF2B5EF4-FFF2-40B4-BE49-F238E27FC236}">
-                    <a16:creationId xmlns:a16="http://schemas.microsoft.com/office/drawing/2014/main" id="{F77488DA-7D8B-4E45-86BE-2E5DF4BD4A3A}"/>
+                    <a16:creationId xmlns:a16="http://schemas.microsoft.com/office/drawing/2014/main" xmlns="" id="{F77488DA-7D8B-4E45-86BE-2E5DF4BD4A3A}"/>
                   </a:ext>
                 </a:extLst>
               </p:cNvPr>
@@ -6717,7 +6809,7 @@
               <p:cNvPr id="17" name="Retângulo: Cantos Arredondados 16">
                 <a:extLst>
                   <a:ext uri="{FF2B5EF4-FFF2-40B4-BE49-F238E27FC236}">
-                    <a16:creationId xmlns:a16="http://schemas.microsoft.com/office/drawing/2014/main" id="{95855D4E-9787-4579-8A96-E2BB0CF567FE}"/>
+                    <a16:creationId xmlns:a16="http://schemas.microsoft.com/office/drawing/2014/main" xmlns="" id="{95855D4E-9787-4579-8A96-E2BB0CF567FE}"/>
                   </a:ext>
                 </a:extLst>
               </p:cNvPr>
@@ -6767,7 +6859,7 @@
               <p:cNvPr id="18" name="Retângulo: Cantos Arredondados 17">
                 <a:extLst>
                   <a:ext uri="{FF2B5EF4-FFF2-40B4-BE49-F238E27FC236}">
-                    <a16:creationId xmlns:a16="http://schemas.microsoft.com/office/drawing/2014/main" id="{CD991848-2A23-4A4E-8201-C4E62AE9A8FE}"/>
+                    <a16:creationId xmlns:a16="http://schemas.microsoft.com/office/drawing/2014/main" xmlns="" id="{CD991848-2A23-4A4E-8201-C4E62AE9A8FE}"/>
                   </a:ext>
                 </a:extLst>
               </p:cNvPr>
@@ -6817,7 +6909,7 @@
               <p:cNvPr id="19" name="Retângulo: Cantos Arredondados 18">
                 <a:extLst>
                   <a:ext uri="{FF2B5EF4-FFF2-40B4-BE49-F238E27FC236}">
-                    <a16:creationId xmlns:a16="http://schemas.microsoft.com/office/drawing/2014/main" id="{9E1F9F69-A0C7-4ADC-B34E-1749DC2BCD19}"/>
+                    <a16:creationId xmlns:a16="http://schemas.microsoft.com/office/drawing/2014/main" xmlns="" id="{9E1F9F69-A0C7-4ADC-B34E-1749DC2BCD19}"/>
                   </a:ext>
                 </a:extLst>
               </p:cNvPr>
@@ -6867,7 +6959,7 @@
               <p:cNvPr id="20" name="Retângulo: Cantos Arredondados 19">
                 <a:extLst>
                   <a:ext uri="{FF2B5EF4-FFF2-40B4-BE49-F238E27FC236}">
-                    <a16:creationId xmlns:a16="http://schemas.microsoft.com/office/drawing/2014/main" id="{F574F9BC-50DE-407D-ABC7-2E93221DE4D5}"/>
+                    <a16:creationId xmlns:a16="http://schemas.microsoft.com/office/drawing/2014/main" xmlns="" id="{F574F9BC-50DE-407D-ABC7-2E93221DE4D5}"/>
                   </a:ext>
                 </a:extLst>
               </p:cNvPr>
@@ -6917,7 +7009,7 @@
               <p:cNvPr id="21" name="Retângulo: Cantos Arredondados 20">
                 <a:extLst>
                   <a:ext uri="{FF2B5EF4-FFF2-40B4-BE49-F238E27FC236}">
-                    <a16:creationId xmlns:a16="http://schemas.microsoft.com/office/drawing/2014/main" id="{5DDFC425-13C4-4724-A776-34A164676126}"/>
+                    <a16:creationId xmlns:a16="http://schemas.microsoft.com/office/drawing/2014/main" xmlns="" id="{5DDFC425-13C4-4724-A776-34A164676126}"/>
                   </a:ext>
                 </a:extLst>
               </p:cNvPr>
@@ -6967,7 +7059,7 @@
               <p:cNvPr id="22" name="Retângulo: Cantos Arredondados 21">
                 <a:extLst>
                   <a:ext uri="{FF2B5EF4-FFF2-40B4-BE49-F238E27FC236}">
-                    <a16:creationId xmlns:a16="http://schemas.microsoft.com/office/drawing/2014/main" id="{2E72F04F-DBDE-4F18-9DE9-55494E6B413E}"/>
+                    <a16:creationId xmlns:a16="http://schemas.microsoft.com/office/drawing/2014/main" xmlns="" id="{2E72F04F-DBDE-4F18-9DE9-55494E6B413E}"/>
                   </a:ext>
                 </a:extLst>
               </p:cNvPr>
@@ -7017,7 +7109,7 @@
               <p:cNvPr id="23" name="Retângulo: Cantos Arredondados 22">
                 <a:extLst>
                   <a:ext uri="{FF2B5EF4-FFF2-40B4-BE49-F238E27FC236}">
-                    <a16:creationId xmlns:a16="http://schemas.microsoft.com/office/drawing/2014/main" id="{BB8378C6-CD2D-408A-8997-692BF7688E0D}"/>
+                    <a16:creationId xmlns:a16="http://schemas.microsoft.com/office/drawing/2014/main" xmlns="" id="{BB8378C6-CD2D-408A-8997-692BF7688E0D}"/>
                   </a:ext>
                 </a:extLst>
               </p:cNvPr>
@@ -7074,6 +7166,13 @@
   <p:clrMapOvr>
     <a:masterClrMapping/>
   </p:clrMapOvr>
+  <p:timing>
+    <p:tnLst>
+      <p:par>
+        <p:cTn id="1" dur="indefinite" restart="never" nodeType="tmRoot"/>
+      </p:par>
+    </p:tnLst>
+  </p:timing>
 </p:sld>
 </file>
 
@@ -7099,7 +7198,7 @@
           <p:cNvPr id="24" name="Agrupar 23">
             <a:extLst>
               <a:ext uri="{FF2B5EF4-FFF2-40B4-BE49-F238E27FC236}">
-                <a16:creationId xmlns:a16="http://schemas.microsoft.com/office/drawing/2014/main" id="{10E1CD7B-B583-40B2-9A64-25ACE8761C38}"/>
+                <a16:creationId xmlns:a16="http://schemas.microsoft.com/office/drawing/2014/main" xmlns="" id="{10E1CD7B-B583-40B2-9A64-25ACE8761C38}"/>
               </a:ext>
             </a:extLst>
           </p:cNvPr>
@@ -7119,7 +7218,7 @@
             <p:cNvPr id="20" name="Agrupar 19">
               <a:extLst>
                 <a:ext uri="{FF2B5EF4-FFF2-40B4-BE49-F238E27FC236}">
-                  <a16:creationId xmlns:a16="http://schemas.microsoft.com/office/drawing/2014/main" id="{CB274D3A-8028-4876-85C9-7F16F37BFC27}"/>
+                  <a16:creationId xmlns:a16="http://schemas.microsoft.com/office/drawing/2014/main" xmlns="" id="{CB274D3A-8028-4876-85C9-7F16F37BFC27}"/>
                 </a:ext>
               </a:extLst>
             </p:cNvPr>
@@ -7139,7 +7238,7 @@
               <p:cNvPr id="12" name="Elipse 11">
                 <a:extLst>
                   <a:ext uri="{FF2B5EF4-FFF2-40B4-BE49-F238E27FC236}">
-                    <a16:creationId xmlns:a16="http://schemas.microsoft.com/office/drawing/2014/main" id="{5AA99E97-F454-470A-8056-B241E27A3EF4}"/>
+                    <a16:creationId xmlns:a16="http://schemas.microsoft.com/office/drawing/2014/main" xmlns="" id="{5AA99E97-F454-470A-8056-B241E27A3EF4}"/>
                   </a:ext>
                 </a:extLst>
               </p:cNvPr>
@@ -7191,7 +7290,7 @@
               <p:cNvPr id="13" name="Elipse 12">
                 <a:extLst>
                   <a:ext uri="{FF2B5EF4-FFF2-40B4-BE49-F238E27FC236}">
-                    <a16:creationId xmlns:a16="http://schemas.microsoft.com/office/drawing/2014/main" id="{2E55EF7B-0BFE-4EEC-A84B-241265344E52}"/>
+                    <a16:creationId xmlns:a16="http://schemas.microsoft.com/office/drawing/2014/main" xmlns="" id="{2E55EF7B-0BFE-4EEC-A84B-241265344E52}"/>
                   </a:ext>
                 </a:extLst>
               </p:cNvPr>
@@ -7244,7 +7343,7 @@
             <p:cNvPr id="23" name="Agrupar 22">
               <a:extLst>
                 <a:ext uri="{FF2B5EF4-FFF2-40B4-BE49-F238E27FC236}">
-                  <a16:creationId xmlns:a16="http://schemas.microsoft.com/office/drawing/2014/main" id="{B8354D3D-01F4-4261-9941-25A85E5341BB}"/>
+                  <a16:creationId xmlns:a16="http://schemas.microsoft.com/office/drawing/2014/main" xmlns="" id="{B8354D3D-01F4-4261-9941-25A85E5341BB}"/>
                 </a:ext>
               </a:extLst>
             </p:cNvPr>
@@ -7264,7 +7363,7 @@
               <p:cNvPr id="19" name="Agrupar 18">
                 <a:extLst>
                   <a:ext uri="{FF2B5EF4-FFF2-40B4-BE49-F238E27FC236}">
-                    <a16:creationId xmlns:a16="http://schemas.microsoft.com/office/drawing/2014/main" id="{33610C09-087D-44BE-9EFA-42CB597857C0}"/>
+                    <a16:creationId xmlns:a16="http://schemas.microsoft.com/office/drawing/2014/main" xmlns="" id="{33610C09-087D-44BE-9EFA-42CB597857C0}"/>
                   </a:ext>
                 </a:extLst>
               </p:cNvPr>
@@ -7284,7 +7383,7 @@
                 <p:cNvPr id="14" name="Retângulo: Cantos Arredondados 13">
                   <a:extLst>
                     <a:ext uri="{FF2B5EF4-FFF2-40B4-BE49-F238E27FC236}">
-                      <a16:creationId xmlns:a16="http://schemas.microsoft.com/office/drawing/2014/main" id="{A621557C-568F-4286-BF1E-2F79412C01BB}"/>
+                      <a16:creationId xmlns:a16="http://schemas.microsoft.com/office/drawing/2014/main" xmlns="" id="{A621557C-568F-4286-BF1E-2F79412C01BB}"/>
                     </a:ext>
                   </a:extLst>
                 </p:cNvPr>
@@ -7338,7 +7437,7 @@
                 <p:cNvPr id="15" name="Retângulo: Cantos Arredondados 14">
                   <a:extLst>
                     <a:ext uri="{FF2B5EF4-FFF2-40B4-BE49-F238E27FC236}">
-                      <a16:creationId xmlns:a16="http://schemas.microsoft.com/office/drawing/2014/main" id="{952F5C43-EE72-4097-A506-4A30EF79EDDC}"/>
+                      <a16:creationId xmlns:a16="http://schemas.microsoft.com/office/drawing/2014/main" xmlns="" id="{952F5C43-EE72-4097-A506-4A30EF79EDDC}"/>
                     </a:ext>
                   </a:extLst>
                 </p:cNvPr>
@@ -7392,7 +7491,7 @@
                 <p:cNvPr id="17" name="Retângulo: Cantos Arredondados 16">
                   <a:extLst>
                     <a:ext uri="{FF2B5EF4-FFF2-40B4-BE49-F238E27FC236}">
-                      <a16:creationId xmlns:a16="http://schemas.microsoft.com/office/drawing/2014/main" id="{AA8AEBE5-D28C-4C97-B23D-ACB44F125F3B}"/>
+                      <a16:creationId xmlns:a16="http://schemas.microsoft.com/office/drawing/2014/main" xmlns="" id="{AA8AEBE5-D28C-4C97-B23D-ACB44F125F3B}"/>
                     </a:ext>
                   </a:extLst>
                 </p:cNvPr>
@@ -7446,7 +7545,7 @@
                 <p:cNvPr id="18" name="Elipse 17">
                   <a:extLst>
                     <a:ext uri="{FF2B5EF4-FFF2-40B4-BE49-F238E27FC236}">
-                      <a16:creationId xmlns:a16="http://schemas.microsoft.com/office/drawing/2014/main" id="{D4E5660E-8E01-46AA-B3B6-106538E6A1F6}"/>
+                      <a16:creationId xmlns:a16="http://schemas.microsoft.com/office/drawing/2014/main" xmlns="" id="{D4E5660E-8E01-46AA-B3B6-106538E6A1F6}"/>
                     </a:ext>
                   </a:extLst>
                 </p:cNvPr>
@@ -7499,7 +7598,7 @@
               <p:cNvPr id="21" name="Retângulo: Cantos Arredondados 20">
                 <a:extLst>
                   <a:ext uri="{FF2B5EF4-FFF2-40B4-BE49-F238E27FC236}">
-                    <a16:creationId xmlns:a16="http://schemas.microsoft.com/office/drawing/2014/main" id="{10CC430D-3372-40F4-9CD6-5AC20D403DA9}"/>
+                    <a16:creationId xmlns:a16="http://schemas.microsoft.com/office/drawing/2014/main" xmlns="" id="{10CC430D-3372-40F4-9CD6-5AC20D403DA9}"/>
                   </a:ext>
                 </a:extLst>
               </p:cNvPr>
@@ -7583,7 +7682,7 @@
           <p:cNvPr id="11" name="Agrupar 10">
             <a:extLst>
               <a:ext uri="{FF2B5EF4-FFF2-40B4-BE49-F238E27FC236}">
-                <a16:creationId xmlns:a16="http://schemas.microsoft.com/office/drawing/2014/main" id="{6AF02D4B-4DF3-475B-B829-3C06117FCA8A}"/>
+                <a16:creationId xmlns:a16="http://schemas.microsoft.com/office/drawing/2014/main" xmlns="" id="{6AF02D4B-4DF3-475B-B829-3C06117FCA8A}"/>
               </a:ext>
             </a:extLst>
           </p:cNvPr>
@@ -7603,7 +7702,7 @@
             <p:cNvPr id="4" name="Elipse 3">
               <a:extLst>
                 <a:ext uri="{FF2B5EF4-FFF2-40B4-BE49-F238E27FC236}">
-                  <a16:creationId xmlns:a16="http://schemas.microsoft.com/office/drawing/2014/main" id="{DC48528D-2244-4D30-8F41-EF1272F6C6E4}"/>
+                  <a16:creationId xmlns:a16="http://schemas.microsoft.com/office/drawing/2014/main" xmlns="" id="{DC48528D-2244-4D30-8F41-EF1272F6C6E4}"/>
                 </a:ext>
               </a:extLst>
             </p:cNvPr>
@@ -7655,7 +7754,7 @@
             <p:cNvPr id="5" name="Elipse 4">
               <a:extLst>
                 <a:ext uri="{FF2B5EF4-FFF2-40B4-BE49-F238E27FC236}">
-                  <a16:creationId xmlns:a16="http://schemas.microsoft.com/office/drawing/2014/main" id="{FC41C085-3866-4F15-B8F6-7312BBF43D3D}"/>
+                  <a16:creationId xmlns:a16="http://schemas.microsoft.com/office/drawing/2014/main" xmlns="" id="{FC41C085-3866-4F15-B8F6-7312BBF43D3D}"/>
                 </a:ext>
               </a:extLst>
             </p:cNvPr>
@@ -7718,7 +7817,7 @@
             <p:cNvPr id="10" name="Agrupar 9">
               <a:extLst>
                 <a:ext uri="{FF2B5EF4-FFF2-40B4-BE49-F238E27FC236}">
-                  <a16:creationId xmlns:a16="http://schemas.microsoft.com/office/drawing/2014/main" id="{1B5F2692-C765-4EC2-80E6-6BCCEE306581}"/>
+                  <a16:creationId xmlns:a16="http://schemas.microsoft.com/office/drawing/2014/main" xmlns="" id="{1B5F2692-C765-4EC2-80E6-6BCCEE306581}"/>
                 </a:ext>
               </a:extLst>
             </p:cNvPr>
@@ -7738,7 +7837,7 @@
               <p:cNvPr id="8" name="Retângulo: Cantos Arredondados 7">
                 <a:extLst>
                   <a:ext uri="{FF2B5EF4-FFF2-40B4-BE49-F238E27FC236}">
-                    <a16:creationId xmlns:a16="http://schemas.microsoft.com/office/drawing/2014/main" id="{642A98A9-5B39-4661-B7AD-4ED8AFAFC1E3}"/>
+                    <a16:creationId xmlns:a16="http://schemas.microsoft.com/office/drawing/2014/main" xmlns="" id="{642A98A9-5B39-4661-B7AD-4ED8AFAFC1E3}"/>
                   </a:ext>
                 </a:extLst>
               </p:cNvPr>
@@ -7792,7 +7891,7 @@
               <p:cNvPr id="9" name="Retângulo: Cantos Arredondados 8">
                 <a:extLst>
                   <a:ext uri="{FF2B5EF4-FFF2-40B4-BE49-F238E27FC236}">
-                    <a16:creationId xmlns:a16="http://schemas.microsoft.com/office/drawing/2014/main" id="{11C0A799-8BF3-4FE6-8C64-2079434EF400}"/>
+                    <a16:creationId xmlns:a16="http://schemas.microsoft.com/office/drawing/2014/main" xmlns="" id="{11C0A799-8BF3-4FE6-8C64-2079434EF400}"/>
                   </a:ext>
                 </a:extLst>
               </p:cNvPr>
@@ -7878,7 +7977,7 @@
           <p:cNvPr id="67" name="Agrupar 66">
             <a:extLst>
               <a:ext uri="{FF2B5EF4-FFF2-40B4-BE49-F238E27FC236}">
-                <a16:creationId xmlns:a16="http://schemas.microsoft.com/office/drawing/2014/main" id="{79D28335-6CA8-48F7-9486-5670035BE61F}"/>
+                <a16:creationId xmlns:a16="http://schemas.microsoft.com/office/drawing/2014/main" xmlns="" id="{79D28335-6CA8-48F7-9486-5670035BE61F}"/>
               </a:ext>
             </a:extLst>
           </p:cNvPr>
@@ -7898,7 +7997,7 @@
             <p:cNvPr id="32" name="Agrupar 31">
               <a:extLst>
                 <a:ext uri="{FF2B5EF4-FFF2-40B4-BE49-F238E27FC236}">
-                  <a16:creationId xmlns:a16="http://schemas.microsoft.com/office/drawing/2014/main" id="{F76B8E54-6317-448B-8B57-939FECA23918}"/>
+                  <a16:creationId xmlns:a16="http://schemas.microsoft.com/office/drawing/2014/main" xmlns="" id="{F76B8E54-6317-448B-8B57-939FECA23918}"/>
                 </a:ext>
               </a:extLst>
             </p:cNvPr>
@@ -7918,7 +8017,7 @@
               <p:cNvPr id="33" name="Elipse 32">
                 <a:extLst>
                   <a:ext uri="{FF2B5EF4-FFF2-40B4-BE49-F238E27FC236}">
-                    <a16:creationId xmlns:a16="http://schemas.microsoft.com/office/drawing/2014/main" id="{BBB1FC3B-070F-4B35-B6A9-3E78AAADC53B}"/>
+                    <a16:creationId xmlns:a16="http://schemas.microsoft.com/office/drawing/2014/main" xmlns="" id="{BBB1FC3B-070F-4B35-B6A9-3E78AAADC53B}"/>
                   </a:ext>
                 </a:extLst>
               </p:cNvPr>
@@ -7970,7 +8069,7 @@
               <p:cNvPr id="34" name="Elipse 33">
                 <a:extLst>
                   <a:ext uri="{FF2B5EF4-FFF2-40B4-BE49-F238E27FC236}">
-                    <a16:creationId xmlns:a16="http://schemas.microsoft.com/office/drawing/2014/main" id="{282E9208-057A-4E62-8705-6BEE888AD164}"/>
+                    <a16:creationId xmlns:a16="http://schemas.microsoft.com/office/drawing/2014/main" xmlns="" id="{282E9208-057A-4E62-8705-6BEE888AD164}"/>
                   </a:ext>
                 </a:extLst>
               </p:cNvPr>
@@ -8034,7 +8133,7 @@
             <p:cNvPr id="38" name="Agrupar 37">
               <a:extLst>
                 <a:ext uri="{FF2B5EF4-FFF2-40B4-BE49-F238E27FC236}">
-                  <a16:creationId xmlns:a16="http://schemas.microsoft.com/office/drawing/2014/main" id="{C39DA378-5904-468B-9006-BB34426CAA6A}"/>
+                  <a16:creationId xmlns:a16="http://schemas.microsoft.com/office/drawing/2014/main" xmlns="" id="{C39DA378-5904-468B-9006-BB34426CAA6A}"/>
                 </a:ext>
               </a:extLst>
             </p:cNvPr>
@@ -8057,7 +8156,7 @@
               <p:cNvPr id="39" name="Agrupar 38">
                 <a:extLst>
                   <a:ext uri="{FF2B5EF4-FFF2-40B4-BE49-F238E27FC236}">
-                    <a16:creationId xmlns:a16="http://schemas.microsoft.com/office/drawing/2014/main" id="{4870CD5A-4864-48FF-9CA6-C7BB29574A14}"/>
+                    <a16:creationId xmlns:a16="http://schemas.microsoft.com/office/drawing/2014/main" xmlns="" id="{4870CD5A-4864-48FF-9CA6-C7BB29574A14}"/>
                   </a:ext>
                 </a:extLst>
               </p:cNvPr>
@@ -8078,7 +8177,7 @@
                 <p:cNvPr id="65" name="Forma Livre: Forma 64">
                   <a:extLst>
                     <a:ext uri="{FF2B5EF4-FFF2-40B4-BE49-F238E27FC236}">
-                      <a16:creationId xmlns:a16="http://schemas.microsoft.com/office/drawing/2014/main" id="{2AD9F40D-5F76-4B52-AF95-1CF338E6E047}"/>
+                      <a16:creationId xmlns:a16="http://schemas.microsoft.com/office/drawing/2014/main" xmlns="" id="{2AD9F40D-5F76-4B52-AF95-1CF338E6E047}"/>
                     </a:ext>
                   </a:extLst>
                 </p:cNvPr>
@@ -8163,7 +8262,7 @@
                 <p:cNvPr id="66" name="Forma Livre: Forma 65">
                   <a:extLst>
                     <a:ext uri="{FF2B5EF4-FFF2-40B4-BE49-F238E27FC236}">
-                      <a16:creationId xmlns:a16="http://schemas.microsoft.com/office/drawing/2014/main" id="{B6363304-AAE4-4576-9EC0-9D97FD7F4570}"/>
+                      <a16:creationId xmlns:a16="http://schemas.microsoft.com/office/drawing/2014/main" xmlns="" id="{B6363304-AAE4-4576-9EC0-9D97FD7F4570}"/>
                     </a:ext>
                   </a:extLst>
                 </p:cNvPr>
@@ -8249,7 +8348,7 @@
               <p:cNvPr id="40" name="Retângulo: Cantos Arredondados 39">
                 <a:extLst>
                   <a:ext uri="{FF2B5EF4-FFF2-40B4-BE49-F238E27FC236}">
-                    <a16:creationId xmlns:a16="http://schemas.microsoft.com/office/drawing/2014/main" id="{E84FDBE0-952B-4484-B8B4-2DFE7C0169EB}"/>
+                    <a16:creationId xmlns:a16="http://schemas.microsoft.com/office/drawing/2014/main" xmlns="" id="{E84FDBE0-952B-4484-B8B4-2DFE7C0169EB}"/>
                   </a:ext>
                 </a:extLst>
               </p:cNvPr>
@@ -8301,7 +8400,7 @@
               <p:cNvPr id="41" name="Retângulo 40">
                 <a:extLst>
                   <a:ext uri="{FF2B5EF4-FFF2-40B4-BE49-F238E27FC236}">
-                    <a16:creationId xmlns:a16="http://schemas.microsoft.com/office/drawing/2014/main" id="{504B7C1F-FF75-4E6E-8EA8-F310F9F98C49}"/>
+                    <a16:creationId xmlns:a16="http://schemas.microsoft.com/office/drawing/2014/main" xmlns="" id="{504B7C1F-FF75-4E6E-8EA8-F310F9F98C49}"/>
                   </a:ext>
                 </a:extLst>
               </p:cNvPr>
@@ -8351,7 +8450,7 @@
               <p:cNvPr id="42" name="Retângulo 41">
                 <a:extLst>
                   <a:ext uri="{FF2B5EF4-FFF2-40B4-BE49-F238E27FC236}">
-                    <a16:creationId xmlns:a16="http://schemas.microsoft.com/office/drawing/2014/main" id="{8CD10055-E6F4-423B-B3CD-4FE255A842D8}"/>
+                    <a16:creationId xmlns:a16="http://schemas.microsoft.com/office/drawing/2014/main" xmlns="" id="{8CD10055-E6F4-423B-B3CD-4FE255A842D8}"/>
                   </a:ext>
                 </a:extLst>
               </p:cNvPr>
@@ -8401,7 +8500,7 @@
               <p:cNvPr id="43" name="Retângulo 42">
                 <a:extLst>
                   <a:ext uri="{FF2B5EF4-FFF2-40B4-BE49-F238E27FC236}">
-                    <a16:creationId xmlns:a16="http://schemas.microsoft.com/office/drawing/2014/main" id="{4C2CC099-E32A-49B1-906A-62CD245E08B4}"/>
+                    <a16:creationId xmlns:a16="http://schemas.microsoft.com/office/drawing/2014/main" xmlns="" id="{4C2CC099-E32A-49B1-906A-62CD245E08B4}"/>
                   </a:ext>
                 </a:extLst>
               </p:cNvPr>
@@ -8451,7 +8550,7 @@
               <p:cNvPr id="44" name="Agrupar 43">
                 <a:extLst>
                   <a:ext uri="{FF2B5EF4-FFF2-40B4-BE49-F238E27FC236}">
-                    <a16:creationId xmlns:a16="http://schemas.microsoft.com/office/drawing/2014/main" id="{7FC28071-C5A4-4D9C-8C11-D0F99983D27F}"/>
+                    <a16:creationId xmlns:a16="http://schemas.microsoft.com/office/drawing/2014/main" xmlns="" id="{7FC28071-C5A4-4D9C-8C11-D0F99983D27F}"/>
                   </a:ext>
                 </a:extLst>
               </p:cNvPr>
@@ -8472,7 +8571,7 @@
                 <p:cNvPr id="63" name="Forma Livre: Forma 62">
                   <a:extLst>
                     <a:ext uri="{FF2B5EF4-FFF2-40B4-BE49-F238E27FC236}">
-                      <a16:creationId xmlns:a16="http://schemas.microsoft.com/office/drawing/2014/main" id="{C3AB2ABC-DB3D-4C9A-B36E-6BB7A4421041}"/>
+                      <a16:creationId xmlns:a16="http://schemas.microsoft.com/office/drawing/2014/main" xmlns="" id="{C3AB2ABC-DB3D-4C9A-B36E-6BB7A4421041}"/>
                     </a:ext>
                   </a:extLst>
                 </p:cNvPr>
@@ -8557,7 +8656,7 @@
                 <p:cNvPr id="64" name="Forma Livre: Forma 63">
                   <a:extLst>
                     <a:ext uri="{FF2B5EF4-FFF2-40B4-BE49-F238E27FC236}">
-                      <a16:creationId xmlns:a16="http://schemas.microsoft.com/office/drawing/2014/main" id="{1C697447-CA7D-405E-8628-61488C0CCF61}"/>
+                      <a16:creationId xmlns:a16="http://schemas.microsoft.com/office/drawing/2014/main" xmlns="" id="{1C697447-CA7D-405E-8628-61488C0CCF61}"/>
                     </a:ext>
                   </a:extLst>
                 </p:cNvPr>
@@ -8643,7 +8742,7 @@
               <p:cNvPr id="45" name="Retângulo: Cantos Arredondados 44">
                 <a:extLst>
                   <a:ext uri="{FF2B5EF4-FFF2-40B4-BE49-F238E27FC236}">
-                    <a16:creationId xmlns:a16="http://schemas.microsoft.com/office/drawing/2014/main" id="{2DB85195-2BC9-41FC-8FF7-4DA194475593}"/>
+                    <a16:creationId xmlns:a16="http://schemas.microsoft.com/office/drawing/2014/main" xmlns="" id="{2DB85195-2BC9-41FC-8FF7-4DA194475593}"/>
                   </a:ext>
                 </a:extLst>
               </p:cNvPr>
@@ -8695,7 +8794,7 @@
               <p:cNvPr id="46" name="Retângulo: Cantos Arredondados 45">
                 <a:extLst>
                   <a:ext uri="{FF2B5EF4-FFF2-40B4-BE49-F238E27FC236}">
-                    <a16:creationId xmlns:a16="http://schemas.microsoft.com/office/drawing/2014/main" id="{22120934-64E1-4243-A3C9-F2333CD81248}"/>
+                    <a16:creationId xmlns:a16="http://schemas.microsoft.com/office/drawing/2014/main" xmlns="" id="{22120934-64E1-4243-A3C9-F2333CD81248}"/>
                   </a:ext>
                 </a:extLst>
               </p:cNvPr>
@@ -8747,7 +8846,7 @@
               <p:cNvPr id="47" name="Forma Livre: Forma 46">
                 <a:extLst>
                   <a:ext uri="{FF2B5EF4-FFF2-40B4-BE49-F238E27FC236}">
-                    <a16:creationId xmlns:a16="http://schemas.microsoft.com/office/drawing/2014/main" id="{068BA003-CB8C-4A97-8A20-CE99A2056A9C}"/>
+                    <a16:creationId xmlns:a16="http://schemas.microsoft.com/office/drawing/2014/main" xmlns="" id="{068BA003-CB8C-4A97-8A20-CE99A2056A9C}"/>
                   </a:ext>
                 </a:extLst>
               </p:cNvPr>
@@ -8920,7 +9019,7 @@
               <p:cNvPr id="56" name="Agrupar 55">
                 <a:extLst>
                   <a:ext uri="{FF2B5EF4-FFF2-40B4-BE49-F238E27FC236}">
-                    <a16:creationId xmlns:a16="http://schemas.microsoft.com/office/drawing/2014/main" id="{9B875EC0-FE98-4078-8488-EC2DA10CD36F}"/>
+                    <a16:creationId xmlns:a16="http://schemas.microsoft.com/office/drawing/2014/main" xmlns="" id="{9B875EC0-FE98-4078-8488-EC2DA10CD36F}"/>
                   </a:ext>
                 </a:extLst>
               </p:cNvPr>
@@ -8941,7 +9040,7 @@
                 <p:cNvPr id="57" name="Forma Livre: Forma 56">
                   <a:extLst>
                     <a:ext uri="{FF2B5EF4-FFF2-40B4-BE49-F238E27FC236}">
-                      <a16:creationId xmlns:a16="http://schemas.microsoft.com/office/drawing/2014/main" id="{AB170364-870B-48AE-8BB7-23F5B559323F}"/>
+                      <a16:creationId xmlns:a16="http://schemas.microsoft.com/office/drawing/2014/main" xmlns="" id="{AB170364-870B-48AE-8BB7-23F5B559323F}"/>
                     </a:ext>
                   </a:extLst>
                 </p:cNvPr>
@@ -9086,7 +9185,7 @@
                 <p:cNvPr id="58" name="Forma Livre: Forma 57">
                   <a:extLst>
                     <a:ext uri="{FF2B5EF4-FFF2-40B4-BE49-F238E27FC236}">
-                      <a16:creationId xmlns:a16="http://schemas.microsoft.com/office/drawing/2014/main" id="{D75011AA-2CA3-43AA-909B-7FD66FB4407B}"/>
+                      <a16:creationId xmlns:a16="http://schemas.microsoft.com/office/drawing/2014/main" xmlns="" id="{D75011AA-2CA3-43AA-909B-7FD66FB4407B}"/>
                     </a:ext>
                   </a:extLst>
                 </p:cNvPr>
@@ -9231,7 +9330,7 @@
                 <p:cNvPr id="59" name="Elipse 58">
                   <a:extLst>
                     <a:ext uri="{FF2B5EF4-FFF2-40B4-BE49-F238E27FC236}">
-                      <a16:creationId xmlns:a16="http://schemas.microsoft.com/office/drawing/2014/main" id="{107D1028-E7C8-4F67-9675-BF4B317058C9}"/>
+                      <a16:creationId xmlns:a16="http://schemas.microsoft.com/office/drawing/2014/main" xmlns="" id="{107D1028-E7C8-4F67-9675-BF4B317058C9}"/>
                     </a:ext>
                   </a:extLst>
                 </p:cNvPr>
@@ -9293,7 +9392,7 @@
                 <p:cNvPr id="60" name="Retângulo: Cantos Arredondados 59">
                   <a:extLst>
                     <a:ext uri="{FF2B5EF4-FFF2-40B4-BE49-F238E27FC236}">
-                      <a16:creationId xmlns:a16="http://schemas.microsoft.com/office/drawing/2014/main" id="{F6D87E8A-C0A6-4044-AD19-03CAD4884A03}"/>
+                      <a16:creationId xmlns:a16="http://schemas.microsoft.com/office/drawing/2014/main" xmlns="" id="{F6D87E8A-C0A6-4044-AD19-03CAD4884A03}"/>
                     </a:ext>
                   </a:extLst>
                 </p:cNvPr>
@@ -9345,7 +9444,7 @@
                 <p:cNvPr id="61" name="Retângulo: Cantos Arredondados 60">
                   <a:extLst>
                     <a:ext uri="{FF2B5EF4-FFF2-40B4-BE49-F238E27FC236}">
-                      <a16:creationId xmlns:a16="http://schemas.microsoft.com/office/drawing/2014/main" id="{29BCB2F9-B9DC-4991-B0D7-4024858998C6}"/>
+                      <a16:creationId xmlns:a16="http://schemas.microsoft.com/office/drawing/2014/main" xmlns="" id="{29BCB2F9-B9DC-4991-B0D7-4024858998C6}"/>
                     </a:ext>
                   </a:extLst>
                 </p:cNvPr>
@@ -9397,7 +9496,7 @@
                 <p:cNvPr id="62" name="Retângulo: Cantos Arredondados 61">
                   <a:extLst>
                     <a:ext uri="{FF2B5EF4-FFF2-40B4-BE49-F238E27FC236}">
-                      <a16:creationId xmlns:a16="http://schemas.microsoft.com/office/drawing/2014/main" id="{B9CB0BB4-6CB8-4FEF-BF1C-671B6FC0FEDF}"/>
+                      <a16:creationId xmlns:a16="http://schemas.microsoft.com/office/drawing/2014/main" xmlns="" id="{B9CB0BB4-6CB8-4FEF-BF1C-671B6FC0FEDF}"/>
                     </a:ext>
                   </a:extLst>
                 </p:cNvPr>
@@ -9496,7 +9595,7 @@
             <p:cNvPr id="29" name="Agrupar 28">
               <a:extLst>
                 <a:ext uri="{FF2B5EF4-FFF2-40B4-BE49-F238E27FC236}">
-                  <a16:creationId xmlns:a16="http://schemas.microsoft.com/office/drawing/2014/main" id="{D901CE6E-7119-4BCC-AFB1-6843519250D5}"/>
+                  <a16:creationId xmlns:a16="http://schemas.microsoft.com/office/drawing/2014/main" xmlns="" id="{D901CE6E-7119-4BCC-AFB1-6843519250D5}"/>
                 </a:ext>
               </a:extLst>
             </p:cNvPr>
@@ -9516,7 +9615,7 @@
               <p:cNvPr id="30" name="Elipse 29">
                 <a:extLst>
                   <a:ext uri="{FF2B5EF4-FFF2-40B4-BE49-F238E27FC236}">
-                    <a16:creationId xmlns:a16="http://schemas.microsoft.com/office/drawing/2014/main" id="{04088BF3-B2E4-40D9-8DE2-881FC9DDFA30}"/>
+                    <a16:creationId xmlns:a16="http://schemas.microsoft.com/office/drawing/2014/main" xmlns="" id="{04088BF3-B2E4-40D9-8DE2-881FC9DDFA30}"/>
                   </a:ext>
                 </a:extLst>
               </p:cNvPr>
@@ -9568,7 +9667,7 @@
               <p:cNvPr id="31" name="Elipse 30">
                 <a:extLst>
                   <a:ext uri="{FF2B5EF4-FFF2-40B4-BE49-F238E27FC236}">
-                    <a16:creationId xmlns:a16="http://schemas.microsoft.com/office/drawing/2014/main" id="{744C0D49-D95C-4385-B1D3-9CF3CE73F757}"/>
+                    <a16:creationId xmlns:a16="http://schemas.microsoft.com/office/drawing/2014/main" xmlns="" id="{744C0D49-D95C-4385-B1D3-9CF3CE73F757}"/>
                   </a:ext>
                 </a:extLst>
               </p:cNvPr>
@@ -9632,7 +9731,7 @@
             <p:cNvPr id="8" name="Agrupar 65">
               <a:extLst>
                 <a:ext uri="{FF2B5EF4-FFF2-40B4-BE49-F238E27FC236}">
-                  <a16:creationId xmlns:a16="http://schemas.microsoft.com/office/drawing/2014/main" id="{E6954B9F-5A79-48D6-8E26-CE435D817D49}"/>
+                  <a16:creationId xmlns:a16="http://schemas.microsoft.com/office/drawing/2014/main" xmlns="" id="{E6954B9F-5A79-48D6-8E26-CE435D817D49}"/>
                 </a:ext>
               </a:extLst>
             </p:cNvPr>
@@ -9655,7 +9754,7 @@
               <p:cNvPr id="9" name="Retângulo: Cantos Arredondados 42">
                 <a:extLst>
                   <a:ext uri="{FF2B5EF4-FFF2-40B4-BE49-F238E27FC236}">
-                    <a16:creationId xmlns:a16="http://schemas.microsoft.com/office/drawing/2014/main" id="{E26F953E-591C-42D2-BE35-A65C44304A4F}"/>
+                    <a16:creationId xmlns:a16="http://schemas.microsoft.com/office/drawing/2014/main" xmlns="" id="{E26F953E-591C-42D2-BE35-A65C44304A4F}"/>
                   </a:ext>
                 </a:extLst>
               </p:cNvPr>
@@ -9707,7 +9806,7 @@
               <p:cNvPr id="10" name="Retângulo: Cantos Arredondados 44">
                 <a:extLst>
                   <a:ext uri="{FF2B5EF4-FFF2-40B4-BE49-F238E27FC236}">
-                    <a16:creationId xmlns:a16="http://schemas.microsoft.com/office/drawing/2014/main" id="{27A23B4D-3B78-466F-BC1D-26F73EB37732}"/>
+                    <a16:creationId xmlns:a16="http://schemas.microsoft.com/office/drawing/2014/main" xmlns="" id="{27A23B4D-3B78-466F-BC1D-26F73EB37732}"/>
                   </a:ext>
                 </a:extLst>
               </p:cNvPr>
@@ -9759,7 +9858,7 @@
               <p:cNvPr id="11" name="Retângulo: Cantos Arredondados 45">
                 <a:extLst>
                   <a:ext uri="{FF2B5EF4-FFF2-40B4-BE49-F238E27FC236}">
-                    <a16:creationId xmlns:a16="http://schemas.microsoft.com/office/drawing/2014/main" id="{0DF5B6B1-60E6-42C2-897B-8E521DD10138}"/>
+                    <a16:creationId xmlns:a16="http://schemas.microsoft.com/office/drawing/2014/main" xmlns="" id="{0DF5B6B1-60E6-42C2-897B-8E521DD10138}"/>
                   </a:ext>
                 </a:extLst>
               </p:cNvPr>
@@ -9811,7 +9910,7 @@
               <p:cNvPr id="12" name="Forma Livre: Forma 48">
                 <a:extLst>
                   <a:ext uri="{FF2B5EF4-FFF2-40B4-BE49-F238E27FC236}">
-                    <a16:creationId xmlns:a16="http://schemas.microsoft.com/office/drawing/2014/main" id="{147EA51B-9824-4893-8BCB-944C95F4AD44}"/>
+                    <a16:creationId xmlns:a16="http://schemas.microsoft.com/office/drawing/2014/main" xmlns="" id="{147EA51B-9824-4893-8BCB-944C95F4AD44}"/>
                   </a:ext>
                 </a:extLst>
               </p:cNvPr>
@@ -9940,7 +10039,7 @@
               <p:cNvPr id="13" name="Retângulo 12">
                 <a:extLst>
                   <a:ext uri="{FF2B5EF4-FFF2-40B4-BE49-F238E27FC236}">
-                    <a16:creationId xmlns:a16="http://schemas.microsoft.com/office/drawing/2014/main" id="{49C67F48-55A3-422E-B4F5-9174C0AB9645}"/>
+                    <a16:creationId xmlns:a16="http://schemas.microsoft.com/office/drawing/2014/main" xmlns="" id="{49C67F48-55A3-422E-B4F5-9174C0AB9645}"/>
                   </a:ext>
                 </a:extLst>
               </p:cNvPr>
@@ -9990,7 +10089,7 @@
               <p:cNvPr id="14" name="Retângulo: Cantos Arredondados 50">
                 <a:extLst>
                   <a:ext uri="{FF2B5EF4-FFF2-40B4-BE49-F238E27FC236}">
-                    <a16:creationId xmlns:a16="http://schemas.microsoft.com/office/drawing/2014/main" id="{81588C93-3361-4B45-9648-2FA7EF14917B}"/>
+                    <a16:creationId xmlns:a16="http://schemas.microsoft.com/office/drawing/2014/main" xmlns="" id="{81588C93-3361-4B45-9648-2FA7EF14917B}"/>
                   </a:ext>
                 </a:extLst>
               </p:cNvPr>
@@ -10046,7 +10145,7 @@
               <p:cNvPr id="15" name="Retângulo: Cantos Arredondados 51">
                 <a:extLst>
                   <a:ext uri="{FF2B5EF4-FFF2-40B4-BE49-F238E27FC236}">
-                    <a16:creationId xmlns:a16="http://schemas.microsoft.com/office/drawing/2014/main" id="{40BD0A9D-8A67-4FEC-A85A-0C36C97F9065}"/>
+                    <a16:creationId xmlns:a16="http://schemas.microsoft.com/office/drawing/2014/main" xmlns="" id="{40BD0A9D-8A67-4FEC-A85A-0C36C97F9065}"/>
                   </a:ext>
                 </a:extLst>
               </p:cNvPr>
@@ -10134,7 +10233,7 @@
           <p:cNvPr id="10" name="Agrupar 9">
             <a:extLst>
               <a:ext uri="{FF2B5EF4-FFF2-40B4-BE49-F238E27FC236}">
-                <a16:creationId xmlns:a16="http://schemas.microsoft.com/office/drawing/2014/main" id="{ADBF5DBA-6DC9-4430-AEE5-4797DB99B793}"/>
+                <a16:creationId xmlns:a16="http://schemas.microsoft.com/office/drawing/2014/main" xmlns="" id="{ADBF5DBA-6DC9-4430-AEE5-4797DB99B793}"/>
               </a:ext>
             </a:extLst>
           </p:cNvPr>
@@ -10154,7 +10253,7 @@
             <p:cNvPr id="5" name="Agrupar 4">
               <a:extLst>
                 <a:ext uri="{FF2B5EF4-FFF2-40B4-BE49-F238E27FC236}">
-                  <a16:creationId xmlns:a16="http://schemas.microsoft.com/office/drawing/2014/main" id="{6A4BADB4-8395-4D64-AA65-99E4BBA58AA6}"/>
+                  <a16:creationId xmlns:a16="http://schemas.microsoft.com/office/drawing/2014/main" xmlns="" id="{6A4BADB4-8395-4D64-AA65-99E4BBA58AA6}"/>
                 </a:ext>
               </a:extLst>
             </p:cNvPr>
@@ -10174,7 +10273,7 @@
               <p:cNvPr id="7" name="Elipse 6">
                 <a:extLst>
                   <a:ext uri="{FF2B5EF4-FFF2-40B4-BE49-F238E27FC236}">
-                    <a16:creationId xmlns:a16="http://schemas.microsoft.com/office/drawing/2014/main" id="{FC805A12-37B6-40BC-8F8F-70331A547323}"/>
+                    <a16:creationId xmlns:a16="http://schemas.microsoft.com/office/drawing/2014/main" xmlns="" id="{FC805A12-37B6-40BC-8F8F-70331A547323}"/>
                   </a:ext>
                 </a:extLst>
               </p:cNvPr>
@@ -10226,7 +10325,7 @@
               <p:cNvPr id="8" name="Elipse 7">
                 <a:extLst>
                   <a:ext uri="{FF2B5EF4-FFF2-40B4-BE49-F238E27FC236}">
-                    <a16:creationId xmlns:a16="http://schemas.microsoft.com/office/drawing/2014/main" id="{3B167D11-B095-4F49-A04C-1A3C7AF5E517}"/>
+                    <a16:creationId xmlns:a16="http://schemas.microsoft.com/office/drawing/2014/main" xmlns="" id="{3B167D11-B095-4F49-A04C-1A3C7AF5E517}"/>
                   </a:ext>
                 </a:extLst>
               </p:cNvPr>
@@ -10290,7 +10389,7 @@
             <p:cNvPr id="9" name="Balão de Pensamento: Nuvem 8">
               <a:extLst>
                 <a:ext uri="{FF2B5EF4-FFF2-40B4-BE49-F238E27FC236}">
-                  <a16:creationId xmlns:a16="http://schemas.microsoft.com/office/drawing/2014/main" id="{08B7F520-3234-41C8-82E4-15176AB69054}"/>
+                  <a16:creationId xmlns:a16="http://schemas.microsoft.com/office/drawing/2014/main" xmlns="" id="{08B7F520-3234-41C8-82E4-15176AB69054}"/>
                 </a:ext>
               </a:extLst>
             </p:cNvPr>
@@ -10348,6 +10447,13 @@
   <p:clrMapOvr>
     <a:masterClrMapping/>
   </p:clrMapOvr>
+  <p:timing>
+    <p:tnLst>
+      <p:par>
+        <p:cTn id="1" dur="indefinite" restart="never" nodeType="tmRoot"/>
+      </p:par>
+    </p:tnLst>
+  </p:timing>
 </p:sld>
 </file>
 
@@ -10373,7 +10479,7 @@
           <p:cNvPr id="7" name="Agrupar 6">
             <a:extLst>
               <a:ext uri="{FF2B5EF4-FFF2-40B4-BE49-F238E27FC236}">
-                <a16:creationId xmlns:a16="http://schemas.microsoft.com/office/drawing/2014/main" id="{3C3E0ECB-1D5D-4D76-89EC-E60634845E8C}"/>
+                <a16:creationId xmlns:a16="http://schemas.microsoft.com/office/drawing/2014/main" xmlns="" id="{3C3E0ECB-1D5D-4D76-89EC-E60634845E8C}"/>
               </a:ext>
             </a:extLst>
           </p:cNvPr>
@@ -10393,7 +10499,7 @@
             <p:cNvPr id="1026" name="Picture 2" descr="Resultado de imagem para estudo">
               <a:extLst>
                 <a:ext uri="{FF2B5EF4-FFF2-40B4-BE49-F238E27FC236}">
-                  <a16:creationId xmlns:a16="http://schemas.microsoft.com/office/drawing/2014/main" id="{3EAF1442-2CCD-47A6-9351-957D2C84D408}"/>
+                  <a16:creationId xmlns:a16="http://schemas.microsoft.com/office/drawing/2014/main" xmlns="" id="{3EAF1442-2CCD-47A6-9351-957D2C84D408}"/>
                 </a:ext>
               </a:extLst>
             </p:cNvPr>
@@ -10452,7 +10558,7 @@
             <p:cNvPr id="6" name="Retângulo 5">
               <a:extLst>
                 <a:ext uri="{FF2B5EF4-FFF2-40B4-BE49-F238E27FC236}">
-                  <a16:creationId xmlns:a16="http://schemas.microsoft.com/office/drawing/2014/main" id="{FFB67B42-C623-4336-AD94-318190B1E634}"/>
+                  <a16:creationId xmlns:a16="http://schemas.microsoft.com/office/drawing/2014/main" xmlns="" id="{FFB67B42-C623-4336-AD94-318190B1E634}"/>
                 </a:ext>
               </a:extLst>
             </p:cNvPr>
@@ -10519,7 +10625,7 @@
             <p:cNvPr id="27" name="Imagem 26">
               <a:extLst>
                 <a:ext uri="{FF2B5EF4-FFF2-40B4-BE49-F238E27FC236}">
-                  <a16:creationId xmlns:a16="http://schemas.microsoft.com/office/drawing/2014/main" id="{A28F0992-992E-4EE1-A689-1F287F122F74}"/>
+                  <a16:creationId xmlns:a16="http://schemas.microsoft.com/office/drawing/2014/main" xmlns="" id="{A28F0992-992E-4EE1-A689-1F287F122F74}"/>
                 </a:ext>
               </a:extLst>
             </p:cNvPr>
@@ -10555,7 +10661,7 @@
             <p:cNvPr id="28" name="Balão de Fala: Retângulo com Cantos Arredondados 27">
               <a:extLst>
                 <a:ext uri="{FF2B5EF4-FFF2-40B4-BE49-F238E27FC236}">
-                  <a16:creationId xmlns:a16="http://schemas.microsoft.com/office/drawing/2014/main" id="{9FBA78BA-43B5-4E98-9F4D-913B30F76A08}"/>
+                  <a16:creationId xmlns:a16="http://schemas.microsoft.com/office/drawing/2014/main" xmlns="" id="{9FBA78BA-43B5-4E98-9F4D-913B30F76A08}"/>
                 </a:ext>
               </a:extLst>
             </p:cNvPr>
@@ -10609,7 +10715,7 @@
             <p:cNvPr id="4" name="CaixaDeTexto 3">
               <a:extLst>
                 <a:ext uri="{FF2B5EF4-FFF2-40B4-BE49-F238E27FC236}">
-                  <a16:creationId xmlns:a16="http://schemas.microsoft.com/office/drawing/2014/main" id="{D8864BD8-EFB4-4A37-8195-112719DC3180}"/>
+                  <a16:creationId xmlns:a16="http://schemas.microsoft.com/office/drawing/2014/main" xmlns="" id="{D8864BD8-EFB4-4A37-8195-112719DC3180}"/>
                 </a:ext>
               </a:extLst>
             </p:cNvPr>
@@ -10724,7 +10830,7 @@
             <p:cNvPr id="5" name="Agrupar 4">
               <a:extLst>
                 <a:ext uri="{FF2B5EF4-FFF2-40B4-BE49-F238E27FC236}">
-                  <a16:creationId xmlns:a16="http://schemas.microsoft.com/office/drawing/2014/main" id="{490416C6-D865-48B4-9EC4-7EA95BD62C2B}"/>
+                  <a16:creationId xmlns:a16="http://schemas.microsoft.com/office/drawing/2014/main" xmlns="" id="{490416C6-D865-48B4-9EC4-7EA95BD62C2B}"/>
                 </a:ext>
               </a:extLst>
             </p:cNvPr>
@@ -10744,7 +10850,7 @@
               <p:cNvPr id="13" name="Agrupar 12">
                 <a:extLst>
                   <a:ext uri="{FF2B5EF4-FFF2-40B4-BE49-F238E27FC236}">
-                    <a16:creationId xmlns:a16="http://schemas.microsoft.com/office/drawing/2014/main" id="{BA46FBC4-2FC7-4858-8AC8-1AA7DC2698F2}"/>
+                    <a16:creationId xmlns:a16="http://schemas.microsoft.com/office/drawing/2014/main" xmlns="" id="{BA46FBC4-2FC7-4858-8AC8-1AA7DC2698F2}"/>
                   </a:ext>
                 </a:extLst>
               </p:cNvPr>
@@ -10769,7 +10875,7 @@
                 <p:cNvPr id="15" name="Retângulo 14">
                   <a:extLst>
                     <a:ext uri="{FF2B5EF4-FFF2-40B4-BE49-F238E27FC236}">
-                      <a16:creationId xmlns:a16="http://schemas.microsoft.com/office/drawing/2014/main" id="{9357BC88-5F9C-4B37-801F-740E49A99B2D}"/>
+                      <a16:creationId xmlns:a16="http://schemas.microsoft.com/office/drawing/2014/main" xmlns="" id="{9357BC88-5F9C-4B37-801F-740E49A99B2D}"/>
                     </a:ext>
                   </a:extLst>
                 </p:cNvPr>
@@ -10819,7 +10925,7 @@
                 <p:cNvPr id="16" name="Retângulo 15">
                   <a:extLst>
                     <a:ext uri="{FF2B5EF4-FFF2-40B4-BE49-F238E27FC236}">
-                      <a16:creationId xmlns:a16="http://schemas.microsoft.com/office/drawing/2014/main" id="{8883DCD6-A360-4639-9272-CB6FF4D1928B}"/>
+                      <a16:creationId xmlns:a16="http://schemas.microsoft.com/office/drawing/2014/main" xmlns="" id="{8883DCD6-A360-4639-9272-CB6FF4D1928B}"/>
                     </a:ext>
                   </a:extLst>
                 </p:cNvPr>
@@ -10869,7 +10975,7 @@
                 <p:cNvPr id="17" name="Forma Livre: Forma 16">
                   <a:extLst>
                     <a:ext uri="{FF2B5EF4-FFF2-40B4-BE49-F238E27FC236}">
-                      <a16:creationId xmlns:a16="http://schemas.microsoft.com/office/drawing/2014/main" id="{B2723843-0992-417D-B640-1F1E9CA98AE1}"/>
+                      <a16:creationId xmlns:a16="http://schemas.microsoft.com/office/drawing/2014/main" xmlns="" id="{B2723843-0992-417D-B640-1F1E9CA98AE1}"/>
                     </a:ext>
                   </a:extLst>
                 </p:cNvPr>
@@ -11034,7 +11140,7 @@
                 <p:cNvPr id="18" name="Forma Livre: Forma 17">
                   <a:extLst>
                     <a:ext uri="{FF2B5EF4-FFF2-40B4-BE49-F238E27FC236}">
-                      <a16:creationId xmlns:a16="http://schemas.microsoft.com/office/drawing/2014/main" id="{6DEBE9FE-475A-4D28-B483-7FC202F867C7}"/>
+                      <a16:creationId xmlns:a16="http://schemas.microsoft.com/office/drawing/2014/main" xmlns="" id="{6DEBE9FE-475A-4D28-B483-7FC202F867C7}"/>
                     </a:ext>
                   </a:extLst>
                 </p:cNvPr>
@@ -11184,7 +11290,7 @@
                 <p:cNvPr id="19" name="Forma Livre: Forma 18">
                   <a:extLst>
                     <a:ext uri="{FF2B5EF4-FFF2-40B4-BE49-F238E27FC236}">
-                      <a16:creationId xmlns:a16="http://schemas.microsoft.com/office/drawing/2014/main" id="{60F15F93-0A46-46A8-ACB4-E3DA08AD8176}"/>
+                      <a16:creationId xmlns:a16="http://schemas.microsoft.com/office/drawing/2014/main" xmlns="" id="{60F15F93-0A46-46A8-ACB4-E3DA08AD8176}"/>
                     </a:ext>
                   </a:extLst>
                 </p:cNvPr>
@@ -11480,7 +11586,7 @@
                 <p:cNvPr id="20" name="Agrupar 19">
                   <a:extLst>
                     <a:ext uri="{FF2B5EF4-FFF2-40B4-BE49-F238E27FC236}">
-                      <a16:creationId xmlns:a16="http://schemas.microsoft.com/office/drawing/2014/main" id="{178E7C7E-41B2-416D-A250-1E376B043CC5}"/>
+                      <a16:creationId xmlns:a16="http://schemas.microsoft.com/office/drawing/2014/main" xmlns="" id="{178E7C7E-41B2-416D-A250-1E376B043CC5}"/>
                     </a:ext>
                   </a:extLst>
                 </p:cNvPr>
@@ -11501,7 +11607,7 @@
                   <p:cNvPr id="21" name="Cruz 20">
                     <a:extLst>
                       <a:ext uri="{FF2B5EF4-FFF2-40B4-BE49-F238E27FC236}">
-                        <a16:creationId xmlns:a16="http://schemas.microsoft.com/office/drawing/2014/main" id="{2149E439-BB27-47A6-8B29-66258FD38C44}"/>
+                        <a16:creationId xmlns:a16="http://schemas.microsoft.com/office/drawing/2014/main" xmlns="" id="{2149E439-BB27-47A6-8B29-66258FD38C44}"/>
                       </a:ext>
                     </a:extLst>
                   </p:cNvPr>
@@ -11553,7 +11659,7 @@
                   <p:cNvPr id="22" name="Cruz 21">
                     <a:extLst>
                       <a:ext uri="{FF2B5EF4-FFF2-40B4-BE49-F238E27FC236}">
-                        <a16:creationId xmlns:a16="http://schemas.microsoft.com/office/drawing/2014/main" id="{FC33683E-1BC6-41EB-A0B6-69ED1DA02866}"/>
+                        <a16:creationId xmlns:a16="http://schemas.microsoft.com/office/drawing/2014/main" xmlns="" id="{FC33683E-1BC6-41EB-A0B6-69ED1DA02866}"/>
                       </a:ext>
                     </a:extLst>
                   </p:cNvPr>
@@ -11605,7 +11711,7 @@
                   <p:cNvPr id="23" name="Cruz 22">
                     <a:extLst>
                       <a:ext uri="{FF2B5EF4-FFF2-40B4-BE49-F238E27FC236}">
-                        <a16:creationId xmlns:a16="http://schemas.microsoft.com/office/drawing/2014/main" id="{10EF9D45-5ED9-4AB0-A47E-9068223F1CD6}"/>
+                        <a16:creationId xmlns:a16="http://schemas.microsoft.com/office/drawing/2014/main" xmlns="" id="{10EF9D45-5ED9-4AB0-A47E-9068223F1CD6}"/>
                       </a:ext>
                     </a:extLst>
                   </p:cNvPr>
@@ -11657,7 +11763,7 @@
                   <p:cNvPr id="24" name="Grupo 19">
                     <a:extLst>
                       <a:ext uri="{FF2B5EF4-FFF2-40B4-BE49-F238E27FC236}">
-                        <a16:creationId xmlns:a16="http://schemas.microsoft.com/office/drawing/2014/main" id="{034F0F40-7E9E-46BE-A8F4-803DCAAEE67D}"/>
+                        <a16:creationId xmlns:a16="http://schemas.microsoft.com/office/drawing/2014/main" xmlns="" id="{034F0F40-7E9E-46BE-A8F4-803DCAAEE67D}"/>
                       </a:ext>
                     </a:extLst>
                   </p:cNvPr>
@@ -11678,7 +11784,7 @@
                     <p:cNvPr id="25" name="Cruz 24">
                       <a:extLst>
                         <a:ext uri="{FF2B5EF4-FFF2-40B4-BE49-F238E27FC236}">
-                          <a16:creationId xmlns:a16="http://schemas.microsoft.com/office/drawing/2014/main" id="{0431BD47-C23F-4D16-A1BE-8ABFC2519B5F}"/>
+                          <a16:creationId xmlns:a16="http://schemas.microsoft.com/office/drawing/2014/main" xmlns="" id="{0431BD47-C23F-4D16-A1BE-8ABFC2519B5F}"/>
                         </a:ext>
                       </a:extLst>
                     </p:cNvPr>
@@ -11730,7 +11836,7 @@
                     <p:cNvPr id="26" name="Cruz 25">
                       <a:extLst>
                         <a:ext uri="{FF2B5EF4-FFF2-40B4-BE49-F238E27FC236}">
-                          <a16:creationId xmlns:a16="http://schemas.microsoft.com/office/drawing/2014/main" id="{0DE84CDA-DB56-4A8C-A859-AA59AD65F9EA}"/>
+                          <a16:creationId xmlns:a16="http://schemas.microsoft.com/office/drawing/2014/main" xmlns="" id="{0DE84CDA-DB56-4A8C-A859-AA59AD65F9EA}"/>
                         </a:ext>
                       </a:extLst>
                     </p:cNvPr>
@@ -11785,7 +11891,7 @@
               <p:cNvPr id="14" name="Triângulo Retângulo 13">
                 <a:extLst>
                   <a:ext uri="{FF2B5EF4-FFF2-40B4-BE49-F238E27FC236}">
-                    <a16:creationId xmlns:a16="http://schemas.microsoft.com/office/drawing/2014/main" id="{ACC57A60-211E-4911-8FD2-180C93A80BD0}"/>
+                    <a16:creationId xmlns:a16="http://schemas.microsoft.com/office/drawing/2014/main" xmlns="" id="{ACC57A60-211E-4911-8FD2-180C93A80BD0}"/>
                   </a:ext>
                 </a:extLst>
               </p:cNvPr>
@@ -11846,6 +11952,13 @@
   <p:clrMapOvr>
     <a:masterClrMapping/>
   </p:clrMapOvr>
+  <p:timing>
+    <p:tnLst>
+      <p:par>
+        <p:cTn id="1" dur="indefinite" restart="never" nodeType="tmRoot"/>
+      </p:par>
+    </p:tnLst>
+  </p:timing>
 </p:sld>
 </file>
 
@@ -11871,7 +11984,7 @@
           <p:cNvPr id="21" name="Agrupar 20">
             <a:extLst>
               <a:ext uri="{FF2B5EF4-FFF2-40B4-BE49-F238E27FC236}">
-                <a16:creationId xmlns:a16="http://schemas.microsoft.com/office/drawing/2014/main" id="{59038E4E-7654-4096-ABB4-8553A328C59D}"/>
+                <a16:creationId xmlns:a16="http://schemas.microsoft.com/office/drawing/2014/main" xmlns="" id="{59038E4E-7654-4096-ABB4-8553A328C59D}"/>
               </a:ext>
             </a:extLst>
           </p:cNvPr>
@@ -11880,7 +11993,7 @@
         </p:nvGrpSpPr>
         <p:grpSpPr>
           <a:xfrm>
-            <a:off x="5292453" y="3287688"/>
+            <a:off x="4338335" y="3435533"/>
             <a:ext cx="10989553" cy="3880774"/>
             <a:chOff x="5220448" y="3359696"/>
             <a:chExt cx="10989553" cy="3880774"/>
@@ -11891,7 +12004,7 @@
             <p:cNvPr id="15" name="Agrupar 14">
               <a:extLst>
                 <a:ext uri="{FF2B5EF4-FFF2-40B4-BE49-F238E27FC236}">
-                  <a16:creationId xmlns:a16="http://schemas.microsoft.com/office/drawing/2014/main" id="{162D85BD-A04A-45D6-A4E4-D67B1BFA9882}"/>
+                  <a16:creationId xmlns:a16="http://schemas.microsoft.com/office/drawing/2014/main" xmlns="" id="{162D85BD-A04A-45D6-A4E4-D67B1BFA9882}"/>
                 </a:ext>
               </a:extLst>
             </p:cNvPr>
@@ -11911,7 +12024,7 @@
               <p:cNvPr id="11" name="Retângulo 10">
                 <a:extLst>
                   <a:ext uri="{FF2B5EF4-FFF2-40B4-BE49-F238E27FC236}">
-                    <a16:creationId xmlns:a16="http://schemas.microsoft.com/office/drawing/2014/main" id="{5942AFDA-45AF-4018-BB58-BB372F82D1C8}"/>
+                    <a16:creationId xmlns:a16="http://schemas.microsoft.com/office/drawing/2014/main" xmlns="" id="{5942AFDA-45AF-4018-BB58-BB372F82D1C8}"/>
                   </a:ext>
                 </a:extLst>
               </p:cNvPr>
@@ -11968,7 +12081,7 @@
               <p:cNvPr id="8" name="Imagem 7">
                 <a:extLst>
                   <a:ext uri="{FF2B5EF4-FFF2-40B4-BE49-F238E27FC236}">
-                    <a16:creationId xmlns:a16="http://schemas.microsoft.com/office/drawing/2014/main" id="{032AEA34-0285-4C30-9028-14F3C248ED34}"/>
+                    <a16:creationId xmlns:a16="http://schemas.microsoft.com/office/drawing/2014/main" xmlns="" id="{032AEA34-0285-4C30-9028-14F3C248ED34}"/>
                   </a:ext>
                 </a:extLst>
               </p:cNvPr>
@@ -12044,7 +12157,7 @@
               <p:cNvPr id="2" name="Imagem 1">
                 <a:extLst>
                   <a:ext uri="{FF2B5EF4-FFF2-40B4-BE49-F238E27FC236}">
-                    <a16:creationId xmlns:a16="http://schemas.microsoft.com/office/drawing/2014/main" id="{EEF98580-246F-400B-AAE7-2A551D84411B}"/>
+                    <a16:creationId xmlns:a16="http://schemas.microsoft.com/office/drawing/2014/main" xmlns="" id="{EEF98580-246F-400B-AAE7-2A551D84411B}"/>
                   </a:ext>
                 </a:extLst>
               </p:cNvPr>
@@ -12200,7 +12313,7 @@
               <p:cNvPr id="6" name="Retângulo 5">
                 <a:extLst>
                   <a:ext uri="{FF2B5EF4-FFF2-40B4-BE49-F238E27FC236}">
-                    <a16:creationId xmlns:a16="http://schemas.microsoft.com/office/drawing/2014/main" id="{A34F8F8E-0DBB-44DA-85FB-9600204F38FB}"/>
+                    <a16:creationId xmlns:a16="http://schemas.microsoft.com/office/drawing/2014/main" xmlns="" id="{A34F8F8E-0DBB-44DA-85FB-9600204F38FB}"/>
                   </a:ext>
                 </a:extLst>
               </p:cNvPr>
@@ -12454,7 +12567,7 @@
               <p:cNvPr id="13" name="Retângulo: Cantos Arredondados 12">
                 <a:extLst>
                   <a:ext uri="{FF2B5EF4-FFF2-40B4-BE49-F238E27FC236}">
-                    <a16:creationId xmlns:a16="http://schemas.microsoft.com/office/drawing/2014/main" id="{818766A5-B868-4890-BB70-E46DECBFDB94}"/>
+                    <a16:creationId xmlns:a16="http://schemas.microsoft.com/office/drawing/2014/main" xmlns="" id="{818766A5-B868-4890-BB70-E46DECBFDB94}"/>
                   </a:ext>
                 </a:extLst>
               </p:cNvPr>
@@ -12514,7 +12627,7 @@
             <p:cNvPr id="35" name="CaixaDeTexto 34">
               <a:extLst>
                 <a:ext uri="{FF2B5EF4-FFF2-40B4-BE49-F238E27FC236}">
-                  <a16:creationId xmlns:a16="http://schemas.microsoft.com/office/drawing/2014/main" id="{621C9FDC-CD28-4F1A-B97A-7E0F5B8A6F5E}"/>
+                  <a16:creationId xmlns:a16="http://schemas.microsoft.com/office/drawing/2014/main" xmlns="" id="{621C9FDC-CD28-4F1A-B97A-7E0F5B8A6F5E}"/>
                 </a:ext>
               </a:extLst>
             </p:cNvPr>
@@ -12524,7 +12637,7 @@
           <p:spPr>
             <a:xfrm>
               <a:off x="5652496" y="5447930"/>
-              <a:ext cx="2109873" cy="400110"/>
+              <a:ext cx="2173993" cy="400110"/>
             </a:xfrm>
             <a:prstGeom prst="rect">
               <a:avLst/>
@@ -12544,7 +12657,25 @@
                   </a:solidFill>
                   <a:latin typeface="Agency FB" panose="020B0503020202020204" pitchFamily="34" charset="0"/>
                 </a:rPr>
-                <a:t>CRIE, LEIA, QUESTIONE</a:t>
+                <a:t>CRIE, </a:t>
+              </a:r>
+              <a:r>
+                <a:rPr lang="pt-BR" sz="2000" b="1" dirty="0" smtClean="0">
+                  <a:solidFill>
+                    <a:srgbClr val="008EBA"/>
+                  </a:solidFill>
+                  <a:latin typeface="Agency FB" panose="020B0503020202020204" pitchFamily="34" charset="0"/>
+                </a:rPr>
+                <a:t>LEIA, </a:t>
+              </a:r>
+              <a:r>
+                <a:rPr lang="pt-BR" sz="2000" b="1" dirty="0">
+                  <a:solidFill>
+                    <a:srgbClr val="008EBA"/>
+                  </a:solidFill>
+                  <a:latin typeface="Agency FB" panose="020B0503020202020204" pitchFamily="34" charset="0"/>
+                </a:rPr>
+                <a:t>QUESTIONE</a:t>
               </a:r>
             </a:p>
           </p:txBody>
@@ -12554,7 +12685,7 @@
             <p:cNvPr id="73" name="CaixaDeTexto 72">
               <a:extLst>
                 <a:ext uri="{FF2B5EF4-FFF2-40B4-BE49-F238E27FC236}">
-                  <a16:creationId xmlns:a16="http://schemas.microsoft.com/office/drawing/2014/main" id="{1D014F01-BC1F-49D3-855C-023FDF7425DB}"/>
+                  <a16:creationId xmlns:a16="http://schemas.microsoft.com/office/drawing/2014/main" xmlns="" id="{1D014F01-BC1F-49D3-855C-023FDF7425DB}"/>
                 </a:ext>
               </a:extLst>
             </p:cNvPr>
@@ -12564,7 +12695,7 @@
           <p:spPr>
             <a:xfrm>
               <a:off x="5652496" y="5807970"/>
-              <a:ext cx="2432076" cy="1200329"/>
+              <a:ext cx="2416046" cy="1200329"/>
             </a:xfrm>
             <a:prstGeom prst="rect">
               <a:avLst/>
@@ -12605,8 +12736,17 @@
                 <a:rPr lang="pt-BR" dirty="0">
                   <a:latin typeface="Agency FB" panose="020B0503020202020204" pitchFamily="34" charset="0"/>
                 </a:rPr>
-                <a:t>acessar o fórum de perguntas.</a:t>
+                <a:t>acessar o fórum </a:t>
               </a:r>
+              <a:r>
+                <a:rPr lang="pt-BR" dirty="0" smtClean="0">
+                  <a:latin typeface="Agency FB" panose="020B0503020202020204" pitchFamily="34" charset="0"/>
+                </a:rPr>
+                <a:t>do estudante.</a:t>
+              </a:r>
+              <a:endParaRPr lang="pt-BR" dirty="0">
+                <a:latin typeface="Agency FB" panose="020B0503020202020204" pitchFamily="34" charset="0"/>
+              </a:endParaRPr>
             </a:p>
           </p:txBody>
         </p:sp>
@@ -12615,7 +12755,7 @@
             <p:cNvPr id="74" name="Agrupar 73">
               <a:extLst>
                 <a:ext uri="{FF2B5EF4-FFF2-40B4-BE49-F238E27FC236}">
-                  <a16:creationId xmlns:a16="http://schemas.microsoft.com/office/drawing/2014/main" id="{25C8C6FE-6F93-439F-B929-93FE4A74A82A}"/>
+                  <a16:creationId xmlns:a16="http://schemas.microsoft.com/office/drawing/2014/main" xmlns="" id="{25C8C6FE-6F93-439F-B929-93FE4A74A82A}"/>
                 </a:ext>
               </a:extLst>
             </p:cNvPr>
@@ -12635,7 +12775,7 @@
               <p:cNvPr id="75" name="Retângulo: Cantos Arredondados 74">
                 <a:extLst>
                   <a:ext uri="{FF2B5EF4-FFF2-40B4-BE49-F238E27FC236}">
-                    <a16:creationId xmlns:a16="http://schemas.microsoft.com/office/drawing/2014/main" id="{3D02B4A7-94C6-42E4-AC45-77C5AA9180A8}"/>
+                    <a16:creationId xmlns:a16="http://schemas.microsoft.com/office/drawing/2014/main" xmlns="" id="{3D02B4A7-94C6-42E4-AC45-77C5AA9180A8}"/>
                   </a:ext>
                 </a:extLst>
               </p:cNvPr>
@@ -12686,7 +12826,7 @@
               <p:cNvPr id="76" name="Retângulo: Cantos Arredondados 75">
                 <a:extLst>
                   <a:ext uri="{FF2B5EF4-FFF2-40B4-BE49-F238E27FC236}">
-                    <a16:creationId xmlns:a16="http://schemas.microsoft.com/office/drawing/2014/main" id="{A21BEFDC-9C89-4F4A-990A-21401D255BAC}"/>
+                    <a16:creationId xmlns:a16="http://schemas.microsoft.com/office/drawing/2014/main" xmlns="" id="{A21BEFDC-9C89-4F4A-990A-21401D255BAC}"/>
                   </a:ext>
                 </a:extLst>
               </p:cNvPr>
@@ -12740,7 +12880,7 @@
               <p:cNvPr id="77" name="Retângulo: Cantos Arredondados 76">
                 <a:extLst>
                   <a:ext uri="{FF2B5EF4-FFF2-40B4-BE49-F238E27FC236}">
-                    <a16:creationId xmlns:a16="http://schemas.microsoft.com/office/drawing/2014/main" id="{E9536769-EA26-4766-A7B9-4609F517199C}"/>
+                    <a16:creationId xmlns:a16="http://schemas.microsoft.com/office/drawing/2014/main" xmlns="" id="{E9536769-EA26-4766-A7B9-4609F517199C}"/>
                   </a:ext>
                 </a:extLst>
               </p:cNvPr>
@@ -12794,7 +12934,7 @@
               <p:cNvPr id="78" name="Forma Livre: Forma 77">
                 <a:extLst>
                   <a:ext uri="{FF2B5EF4-FFF2-40B4-BE49-F238E27FC236}">
-                    <a16:creationId xmlns:a16="http://schemas.microsoft.com/office/drawing/2014/main" id="{67612D66-7C21-4AD2-811B-34E7E080F2B0}"/>
+                    <a16:creationId xmlns:a16="http://schemas.microsoft.com/office/drawing/2014/main" xmlns="" id="{67612D66-7C21-4AD2-811B-34E7E080F2B0}"/>
                   </a:ext>
                 </a:extLst>
               </p:cNvPr>
@@ -12925,7 +13065,7 @@
               <p:cNvPr id="79" name="Retângulo 78">
                 <a:extLst>
                   <a:ext uri="{FF2B5EF4-FFF2-40B4-BE49-F238E27FC236}">
-                    <a16:creationId xmlns:a16="http://schemas.microsoft.com/office/drawing/2014/main" id="{ABF39C16-42E3-4CA7-8E38-1E7DBE195193}"/>
+                    <a16:creationId xmlns:a16="http://schemas.microsoft.com/office/drawing/2014/main" xmlns="" id="{ABF39C16-42E3-4CA7-8E38-1E7DBE195193}"/>
                   </a:ext>
                 </a:extLst>
               </p:cNvPr>
@@ -12977,7 +13117,7 @@
               <p:cNvPr id="80" name="Retângulo: Cantos Arredondados 79">
                 <a:extLst>
                   <a:ext uri="{FF2B5EF4-FFF2-40B4-BE49-F238E27FC236}">
-                    <a16:creationId xmlns:a16="http://schemas.microsoft.com/office/drawing/2014/main" id="{46F37D4C-4A80-4110-8206-601414E6E1EA}"/>
+                    <a16:creationId xmlns:a16="http://schemas.microsoft.com/office/drawing/2014/main" xmlns="" id="{46F37D4C-4A80-4110-8206-601414E6E1EA}"/>
                   </a:ext>
                 </a:extLst>
               </p:cNvPr>
@@ -13031,7 +13171,7 @@
               <p:cNvPr id="81" name="Retângulo: Cantos Arredondados 80">
                 <a:extLst>
                   <a:ext uri="{FF2B5EF4-FFF2-40B4-BE49-F238E27FC236}">
-                    <a16:creationId xmlns:a16="http://schemas.microsoft.com/office/drawing/2014/main" id="{D96A18E6-0035-4C39-B8C2-359B15A4AD5F}"/>
+                    <a16:creationId xmlns:a16="http://schemas.microsoft.com/office/drawing/2014/main" xmlns="" id="{D96A18E6-0035-4C39-B8C2-359B15A4AD5F}"/>
                   </a:ext>
                 </a:extLst>
               </p:cNvPr>
@@ -13086,7 +13226,7 @@
             <p:cNvPr id="85" name="CaixaDeTexto 84">
               <a:extLst>
                 <a:ext uri="{FF2B5EF4-FFF2-40B4-BE49-F238E27FC236}">
-                  <a16:creationId xmlns:a16="http://schemas.microsoft.com/office/drawing/2014/main" id="{0668CD6A-8DAE-4E76-8622-1E06287864E4}"/>
+                  <a16:creationId xmlns:a16="http://schemas.microsoft.com/office/drawing/2014/main" xmlns="" id="{0668CD6A-8DAE-4E76-8622-1E06287864E4}"/>
                 </a:ext>
               </a:extLst>
             </p:cNvPr>
@@ -13096,7 +13236,7 @@
           <p:spPr>
             <a:xfrm>
               <a:off x="12061205" y="3503712"/>
-              <a:ext cx="1556836" cy="400110"/>
+              <a:ext cx="1664238" cy="400110"/>
             </a:xfrm>
             <a:prstGeom prst="rect">
               <a:avLst/>
@@ -13110,13 +13250,22 @@
             <a:lstStyle/>
             <a:p>
               <a:r>
+                <a:rPr lang="pt-BR" sz="2000" b="1" dirty="0" smtClean="0">
+                  <a:solidFill>
+                    <a:srgbClr val="008EBA"/>
+                  </a:solidFill>
+                  <a:latin typeface="Agency FB" panose="020B0503020202020204" pitchFamily="34" charset="0"/>
+                </a:rPr>
+                <a:t>TREINE E </a:t>
+              </a:r>
+              <a:r>
                 <a:rPr lang="pt-BR" sz="2000" b="1" dirty="0">
                   <a:solidFill>
                     <a:srgbClr val="008EBA"/>
                   </a:solidFill>
                   <a:latin typeface="Agency FB" panose="020B0503020202020204" pitchFamily="34" charset="0"/>
                 </a:rPr>
-                <a:t>TREINE, SUPERE</a:t>
+                <a:t>SUPERE</a:t>
               </a:r>
             </a:p>
           </p:txBody>
@@ -13126,7 +13275,7 @@
             <p:cNvPr id="86" name="CaixaDeTexto 85">
               <a:extLst>
                 <a:ext uri="{FF2B5EF4-FFF2-40B4-BE49-F238E27FC236}">
-                  <a16:creationId xmlns:a16="http://schemas.microsoft.com/office/drawing/2014/main" id="{0B2C2855-BFA5-4550-9DE4-9E72B9A13FD8}"/>
+                  <a16:creationId xmlns:a16="http://schemas.microsoft.com/office/drawing/2014/main" xmlns="" id="{0B2C2855-BFA5-4550-9DE4-9E72B9A13FD8}"/>
                 </a:ext>
               </a:extLst>
             </p:cNvPr>
@@ -13179,7 +13328,7 @@
             <p:cNvPr id="87" name="Picture 2" descr="Resultado de imagem para trofeu icone">
               <a:extLst>
                 <a:ext uri="{FF2B5EF4-FFF2-40B4-BE49-F238E27FC236}">
-                  <a16:creationId xmlns:a16="http://schemas.microsoft.com/office/drawing/2014/main" id="{305231BE-6D62-4AEF-9098-AF410599CD8D}"/>
+                  <a16:creationId xmlns:a16="http://schemas.microsoft.com/office/drawing/2014/main" xmlns="" id="{305231BE-6D62-4AEF-9098-AF410599CD8D}"/>
                 </a:ext>
               </a:extLst>
             </p:cNvPr>
@@ -13233,7 +13382,7 @@
             <p:cNvPr id="91" name="CaixaDeTexto 90">
               <a:extLst>
                 <a:ext uri="{FF2B5EF4-FFF2-40B4-BE49-F238E27FC236}">
-                  <a16:creationId xmlns:a16="http://schemas.microsoft.com/office/drawing/2014/main" id="{4CD38919-7A78-4750-99CC-DADA991D6D73}"/>
+                  <a16:creationId xmlns:a16="http://schemas.microsoft.com/office/drawing/2014/main" xmlns="" id="{4CD38919-7A78-4750-99CC-DADA991D6D73}"/>
                 </a:ext>
               </a:extLst>
             </p:cNvPr>
@@ -13243,7 +13392,7 @@
           <p:spPr>
             <a:xfrm>
               <a:off x="13933416" y="6023994"/>
-              <a:ext cx="1800493" cy="400110"/>
+              <a:ext cx="1382110" cy="400110"/>
             </a:xfrm>
             <a:prstGeom prst="rect">
               <a:avLst/>
@@ -13257,14 +13406,20 @@
             <a:lstStyle/>
             <a:p>
               <a:r>
-                <a:rPr lang="pt-BR" sz="2000" b="1" dirty="0">
+                <a:rPr lang="pt-BR" sz="2000" b="1" dirty="0" smtClean="0">
                   <a:solidFill>
                     <a:srgbClr val="008EBA"/>
                   </a:solidFill>
                   <a:latin typeface="Agency FB" panose="020B0503020202020204" pitchFamily="34" charset="0"/>
                 </a:rPr>
-                <a:t>EDITE SUAS IDEIAS</a:t>
+                <a:t>EDITE E INOVE</a:t>
               </a:r>
+              <a:endParaRPr lang="pt-BR" sz="2000" b="1" dirty="0">
+                <a:solidFill>
+                  <a:srgbClr val="008EBA"/>
+                </a:solidFill>
+                <a:latin typeface="Agency FB" panose="020B0503020202020204" pitchFamily="34" charset="0"/>
+              </a:endParaRPr>
             </a:p>
           </p:txBody>
         </p:sp>
@@ -13273,7 +13428,7 @@
             <p:cNvPr id="92" name="CaixaDeTexto 91">
               <a:extLst>
                 <a:ext uri="{FF2B5EF4-FFF2-40B4-BE49-F238E27FC236}">
-                  <a16:creationId xmlns:a16="http://schemas.microsoft.com/office/drawing/2014/main" id="{BF001064-5DCA-489A-AB8D-0C7CF9D115E0}"/>
+                  <a16:creationId xmlns:a16="http://schemas.microsoft.com/office/drawing/2014/main" xmlns="" id="{BF001064-5DCA-489A-AB8D-0C7CF9D115E0}"/>
                 </a:ext>
               </a:extLst>
             </p:cNvPr>
@@ -13318,7 +13473,7 @@
             <p:cNvPr id="93" name="Agrupar 92">
               <a:extLst>
                 <a:ext uri="{FF2B5EF4-FFF2-40B4-BE49-F238E27FC236}">
-                  <a16:creationId xmlns:a16="http://schemas.microsoft.com/office/drawing/2014/main" id="{75DE250C-021F-41A1-9D3E-4F76061853EC}"/>
+                  <a16:creationId xmlns:a16="http://schemas.microsoft.com/office/drawing/2014/main" xmlns="" id="{75DE250C-021F-41A1-9D3E-4F76061853EC}"/>
                 </a:ext>
               </a:extLst>
             </p:cNvPr>
@@ -13338,7 +13493,7 @@
               <p:cNvPr id="94" name="Triângulo isósceles 93">
                 <a:extLst>
                   <a:ext uri="{FF2B5EF4-FFF2-40B4-BE49-F238E27FC236}">
-                    <a16:creationId xmlns:a16="http://schemas.microsoft.com/office/drawing/2014/main" id="{9761327D-042C-4A9E-ACB1-D75BD4364311}"/>
+                    <a16:creationId xmlns:a16="http://schemas.microsoft.com/office/drawing/2014/main" xmlns="" id="{9761327D-042C-4A9E-ACB1-D75BD4364311}"/>
                   </a:ext>
                 </a:extLst>
               </p:cNvPr>
@@ -13395,7 +13550,7 @@
               <p:cNvPr id="95" name="Retângulo 94">
                 <a:extLst>
                   <a:ext uri="{FF2B5EF4-FFF2-40B4-BE49-F238E27FC236}">
-                    <a16:creationId xmlns:a16="http://schemas.microsoft.com/office/drawing/2014/main" id="{8A088DA8-89C7-430D-B4B0-711712F5A253}"/>
+                    <a16:creationId xmlns:a16="http://schemas.microsoft.com/office/drawing/2014/main" xmlns="" id="{8A088DA8-89C7-430D-B4B0-711712F5A253}"/>
                   </a:ext>
                 </a:extLst>
               </p:cNvPr>
@@ -13452,7 +13607,7 @@
               <p:cNvPr id="96" name="Retângulo 95">
                 <a:extLst>
                   <a:ext uri="{FF2B5EF4-FFF2-40B4-BE49-F238E27FC236}">
-                    <a16:creationId xmlns:a16="http://schemas.microsoft.com/office/drawing/2014/main" id="{F07AAC0F-C08E-4B3A-9CCA-35BDD3B8BF1D}"/>
+                    <a16:creationId xmlns:a16="http://schemas.microsoft.com/office/drawing/2014/main" xmlns="" id="{F07AAC0F-C08E-4B3A-9CCA-35BDD3B8BF1D}"/>
                   </a:ext>
                 </a:extLst>
               </p:cNvPr>
@@ -13509,7 +13664,7 @@
               <p:cNvPr id="97" name="Retângulo 96">
                 <a:extLst>
                   <a:ext uri="{FF2B5EF4-FFF2-40B4-BE49-F238E27FC236}">
-                    <a16:creationId xmlns:a16="http://schemas.microsoft.com/office/drawing/2014/main" id="{2968DEEF-5B2D-49FF-8D5D-E6CAE64F6CF2}"/>
+                    <a16:creationId xmlns:a16="http://schemas.microsoft.com/office/drawing/2014/main" xmlns="" id="{2968DEEF-5B2D-49FF-8D5D-E6CAE64F6CF2}"/>
                   </a:ext>
                 </a:extLst>
               </p:cNvPr>
@@ -13566,7 +13721,7 @@
               <p:cNvPr id="98" name="Retângulo: Cantos Arredondados 97">
                 <a:extLst>
                   <a:ext uri="{FF2B5EF4-FFF2-40B4-BE49-F238E27FC236}">
-                    <a16:creationId xmlns:a16="http://schemas.microsoft.com/office/drawing/2014/main" id="{ED97C58A-0261-4B41-AE93-072841A4C61D}"/>
+                    <a16:creationId xmlns:a16="http://schemas.microsoft.com/office/drawing/2014/main" xmlns="" id="{ED97C58A-0261-4B41-AE93-072841A4C61D}"/>
                   </a:ext>
                 </a:extLst>
               </p:cNvPr>
@@ -13625,7 +13780,7 @@
               <p:cNvPr id="99" name="Triângulo isósceles 98">
                 <a:extLst>
                   <a:ext uri="{FF2B5EF4-FFF2-40B4-BE49-F238E27FC236}">
-                    <a16:creationId xmlns:a16="http://schemas.microsoft.com/office/drawing/2014/main" id="{A0D49C19-36DF-4CE3-8E45-D4377DAB934E}"/>
+                    <a16:creationId xmlns:a16="http://schemas.microsoft.com/office/drawing/2014/main" xmlns="" id="{A0D49C19-36DF-4CE3-8E45-D4377DAB934E}"/>
                   </a:ext>
                 </a:extLst>
               </p:cNvPr>
@@ -13683,7 +13838,7 @@
             <p:cNvPr id="110" name="Conector de Seta Reta 109">
               <a:extLst>
                 <a:ext uri="{FF2B5EF4-FFF2-40B4-BE49-F238E27FC236}">
-                  <a16:creationId xmlns:a16="http://schemas.microsoft.com/office/drawing/2014/main" id="{87951582-0D64-45F2-9E1D-03B86C841701}"/>
+                  <a16:creationId xmlns:a16="http://schemas.microsoft.com/office/drawing/2014/main" xmlns="" id="{87951582-0D64-45F2-9E1D-03B86C841701}"/>
                 </a:ext>
               </a:extLst>
             </p:cNvPr>
@@ -13722,7 +13877,7 @@
             <p:cNvPr id="114" name="Conector de Seta Reta 113">
               <a:extLst>
                 <a:ext uri="{FF2B5EF4-FFF2-40B4-BE49-F238E27FC236}">
-                  <a16:creationId xmlns:a16="http://schemas.microsoft.com/office/drawing/2014/main" id="{E567FFCB-98F5-490B-A83D-2542AC0E9E11}"/>
+                  <a16:creationId xmlns:a16="http://schemas.microsoft.com/office/drawing/2014/main" xmlns="" id="{E567FFCB-98F5-490B-A83D-2542AC0E9E11}"/>
                 </a:ext>
               </a:extLst>
             </p:cNvPr>
@@ -13761,7 +13916,7 @@
             <p:cNvPr id="5" name="Conector de Seta Reta 4">
               <a:extLst>
                 <a:ext uri="{FF2B5EF4-FFF2-40B4-BE49-F238E27FC236}">
-                  <a16:creationId xmlns:a16="http://schemas.microsoft.com/office/drawing/2014/main" id="{8A6054A2-484B-43C3-AE89-7302246BA9B1}"/>
+                  <a16:creationId xmlns:a16="http://schemas.microsoft.com/office/drawing/2014/main" xmlns="" id="{8A6054A2-484B-43C3-AE89-7302246BA9B1}"/>
                 </a:ext>
               </a:extLst>
             </p:cNvPr>
@@ -13800,7 +13955,7 @@
             <p:cNvPr id="42" name="CaixaDeTexto 41">
               <a:extLst>
                 <a:ext uri="{FF2B5EF4-FFF2-40B4-BE49-F238E27FC236}">
-                  <a16:creationId xmlns:a16="http://schemas.microsoft.com/office/drawing/2014/main" id="{31670B17-52D3-4BF9-97B7-2496B636114B}"/>
+                  <a16:creationId xmlns:a16="http://schemas.microsoft.com/office/drawing/2014/main" xmlns="" id="{31670B17-52D3-4BF9-97B7-2496B636114B}"/>
                 </a:ext>
               </a:extLst>
             </p:cNvPr>
@@ -13810,7 +13965,7 @@
           <p:spPr>
             <a:xfrm>
               <a:off x="7740725" y="3431704"/>
-              <a:ext cx="1997663" cy="400110"/>
+              <a:ext cx="2157963" cy="400110"/>
             </a:xfrm>
             <a:prstGeom prst="rect">
               <a:avLst/>
@@ -13824,13 +13979,22 @@
             <a:lstStyle/>
             <a:p>
               <a:r>
+                <a:rPr lang="pt-BR" sz="2000" b="1" dirty="0" smtClean="0">
+                  <a:solidFill>
+                    <a:srgbClr val="008EBA"/>
+                  </a:solidFill>
+                  <a:latin typeface="Agency FB" panose="020B0503020202020204" pitchFamily="34" charset="0"/>
+                </a:rPr>
+                <a:t>SIMPLES E  </a:t>
+              </a:r>
+              <a:r>
                 <a:rPr lang="pt-BR" sz="2000" b="1" dirty="0">
                   <a:solidFill>
                     <a:srgbClr val="008EBA"/>
                   </a:solidFill>
                   <a:latin typeface="Agency FB" panose="020B0503020202020204" pitchFamily="34" charset="0"/>
                 </a:rPr>
-                <a:t>SIMPLES, FUNCIONAL</a:t>
+                <a:t>FUNCIONAL</a:t>
               </a:r>
             </a:p>
           </p:txBody>
@@ -13840,7 +14004,7 @@
             <p:cNvPr id="43" name="CaixaDeTexto 42">
               <a:extLst>
                 <a:ext uri="{FF2B5EF4-FFF2-40B4-BE49-F238E27FC236}">
-                  <a16:creationId xmlns:a16="http://schemas.microsoft.com/office/drawing/2014/main" id="{F8E8841A-1C2A-4D5F-8FAA-3EFCB9C50538}"/>
+                  <a16:creationId xmlns:a16="http://schemas.microsoft.com/office/drawing/2014/main" xmlns="" id="{F8E8841A-1C2A-4D5F-8FAA-3EFCB9C50538}"/>
                 </a:ext>
               </a:extLst>
             </p:cNvPr>
@@ -13875,7 +14039,25 @@
                 <a:rPr lang="pt-BR" dirty="0">
                   <a:latin typeface="Agency FB" panose="020B0503020202020204" pitchFamily="34" charset="0"/>
                 </a:rPr>
-                <a:t>simples e fácil de utilizar, dessa </a:t>
+                <a:t>simples e fácil de </a:t>
+              </a:r>
+              <a:r>
+                <a:rPr lang="pt-BR" dirty="0" smtClean="0">
+                  <a:latin typeface="Agency FB" panose="020B0503020202020204" pitchFamily="34" charset="0"/>
+                </a:rPr>
+                <a:t>usar</a:t>
+              </a:r>
+              <a:r>
+                <a:rPr lang="pt-BR" dirty="0" smtClean="0">
+                  <a:latin typeface="Agency FB" panose="020B0503020202020204" pitchFamily="34" charset="0"/>
+                </a:rPr>
+                <a:t>, </a:t>
+              </a:r>
+              <a:r>
+                <a:rPr lang="pt-BR" dirty="0">
+                  <a:latin typeface="Agency FB" panose="020B0503020202020204" pitchFamily="34" charset="0"/>
+                </a:rPr>
+                <a:t>dessa </a:t>
               </a:r>
             </a:p>
             <a:p>
@@ -13893,7 +14075,7 @@
             <p:cNvPr id="9" name="Imagem 8">
               <a:extLst>
                 <a:ext uri="{FF2B5EF4-FFF2-40B4-BE49-F238E27FC236}">
-                  <a16:creationId xmlns:a16="http://schemas.microsoft.com/office/drawing/2014/main" id="{ED62117D-EB31-4122-B630-186E190EB3DE}"/>
+                  <a16:creationId xmlns:a16="http://schemas.microsoft.com/office/drawing/2014/main" xmlns="" id="{ED62117D-EB31-4122-B630-186E190EB3DE}"/>
                 </a:ext>
               </a:extLst>
             </p:cNvPr>
@@ -13949,7 +14131,7 @@
             <p:cNvPr id="20" name="Conector de Seta Reta 19">
               <a:extLst>
                 <a:ext uri="{FF2B5EF4-FFF2-40B4-BE49-F238E27FC236}">
-                  <a16:creationId xmlns:a16="http://schemas.microsoft.com/office/drawing/2014/main" id="{DE9ECDBB-2FD0-4143-9E02-726B696772F6}"/>
+                  <a16:creationId xmlns:a16="http://schemas.microsoft.com/office/drawing/2014/main" xmlns="" id="{DE9ECDBB-2FD0-4143-9E02-726B696772F6}"/>
                 </a:ext>
               </a:extLst>
             </p:cNvPr>
@@ -13994,6 +14176,13 @@
   <p:clrMapOvr>
     <a:masterClrMapping/>
   </p:clrMapOvr>
+  <p:timing>
+    <p:tnLst>
+      <p:par>
+        <p:cTn id="1" dur="indefinite" restart="never" nodeType="tmRoot"/>
+      </p:par>
+    </p:tnLst>
+  </p:timing>
 </p:sld>
 </file>
 
@@ -14027,7 +14216,7 @@
           <p:cNvPr id="114" name="Agrupar 113">
             <a:extLst>
               <a:ext uri="{FF2B5EF4-FFF2-40B4-BE49-F238E27FC236}">
-                <a16:creationId xmlns:a16="http://schemas.microsoft.com/office/drawing/2014/main" id="{EC4A9AC8-F4D5-4B09-8F27-10182533BBE6}"/>
+                <a16:creationId xmlns:a16="http://schemas.microsoft.com/office/drawing/2014/main" xmlns="" id="{EC4A9AC8-F4D5-4B09-8F27-10182533BBE6}"/>
               </a:ext>
             </a:extLst>
           </p:cNvPr>
@@ -14047,7 +14236,7 @@
             <p:cNvPr id="115" name="Retângulo: Cantos Arredondados 114">
               <a:extLst>
                 <a:ext uri="{FF2B5EF4-FFF2-40B4-BE49-F238E27FC236}">
-                  <a16:creationId xmlns:a16="http://schemas.microsoft.com/office/drawing/2014/main" id="{EF1FC69D-3983-4649-A796-EEFD15A337AF}"/>
+                  <a16:creationId xmlns:a16="http://schemas.microsoft.com/office/drawing/2014/main" xmlns="" id="{EF1FC69D-3983-4649-A796-EEFD15A337AF}"/>
                 </a:ext>
               </a:extLst>
             </p:cNvPr>
@@ -14101,7 +14290,7 @@
             <p:cNvPr id="116" name="Retângulo: Cantos Arredondados 115">
               <a:extLst>
                 <a:ext uri="{FF2B5EF4-FFF2-40B4-BE49-F238E27FC236}">
-                  <a16:creationId xmlns:a16="http://schemas.microsoft.com/office/drawing/2014/main" id="{E9BE8618-AB65-42F4-9752-F24130D692A7}"/>
+                  <a16:creationId xmlns:a16="http://schemas.microsoft.com/office/drawing/2014/main" xmlns="" id="{E9BE8618-AB65-42F4-9752-F24130D692A7}"/>
                 </a:ext>
               </a:extLst>
             </p:cNvPr>
@@ -14155,7 +14344,7 @@
             <p:cNvPr id="117" name="Retângulo: Cantos Arredondados 116">
               <a:extLst>
                 <a:ext uri="{FF2B5EF4-FFF2-40B4-BE49-F238E27FC236}">
-                  <a16:creationId xmlns:a16="http://schemas.microsoft.com/office/drawing/2014/main" id="{877780EE-28A7-4A14-A0E6-0A3212B86155}"/>
+                  <a16:creationId xmlns:a16="http://schemas.microsoft.com/office/drawing/2014/main" xmlns="" id="{877780EE-28A7-4A14-A0E6-0A3212B86155}"/>
                 </a:ext>
               </a:extLst>
             </p:cNvPr>
@@ -14209,7 +14398,7 @@
             <p:cNvPr id="118" name="Forma Livre: Forma 117">
               <a:extLst>
                 <a:ext uri="{FF2B5EF4-FFF2-40B4-BE49-F238E27FC236}">
-                  <a16:creationId xmlns:a16="http://schemas.microsoft.com/office/drawing/2014/main" id="{B78ADCF5-F5CC-4A76-A645-64BB061DE346}"/>
+                  <a16:creationId xmlns:a16="http://schemas.microsoft.com/office/drawing/2014/main" xmlns="" id="{B78ADCF5-F5CC-4A76-A645-64BB061DE346}"/>
                 </a:ext>
               </a:extLst>
             </p:cNvPr>
@@ -14340,7 +14529,7 @@
             <p:cNvPr id="119" name="Retângulo 118">
               <a:extLst>
                 <a:ext uri="{FF2B5EF4-FFF2-40B4-BE49-F238E27FC236}">
-                  <a16:creationId xmlns:a16="http://schemas.microsoft.com/office/drawing/2014/main" id="{67F7C1E0-20D5-4DEF-AFBF-7E75BED02803}"/>
+                  <a16:creationId xmlns:a16="http://schemas.microsoft.com/office/drawing/2014/main" xmlns="" id="{67F7C1E0-20D5-4DEF-AFBF-7E75BED02803}"/>
                 </a:ext>
               </a:extLst>
             </p:cNvPr>
@@ -14392,7 +14581,7 @@
             <p:cNvPr id="120" name="Retângulo: Cantos Arredondados 119">
               <a:extLst>
                 <a:ext uri="{FF2B5EF4-FFF2-40B4-BE49-F238E27FC236}">
-                  <a16:creationId xmlns:a16="http://schemas.microsoft.com/office/drawing/2014/main" id="{7E3F3600-A9E2-4867-B866-D3808239A0A7}"/>
+                  <a16:creationId xmlns:a16="http://schemas.microsoft.com/office/drawing/2014/main" xmlns="" id="{7E3F3600-A9E2-4867-B866-D3808239A0A7}"/>
                 </a:ext>
               </a:extLst>
             </p:cNvPr>
@@ -14446,7 +14635,7 @@
             <p:cNvPr id="121" name="Retângulo: Cantos Arredondados 120">
               <a:extLst>
                 <a:ext uri="{FF2B5EF4-FFF2-40B4-BE49-F238E27FC236}">
-                  <a16:creationId xmlns:a16="http://schemas.microsoft.com/office/drawing/2014/main" id="{C2F572A8-FFF0-4736-BA07-19DD78D4F3C1}"/>
+                  <a16:creationId xmlns:a16="http://schemas.microsoft.com/office/drawing/2014/main" xmlns="" id="{C2F572A8-FFF0-4736-BA07-19DD78D4F3C1}"/>
                 </a:ext>
               </a:extLst>
             </p:cNvPr>
@@ -14518,7 +14707,7 @@
             <p:cNvPr id="31" name="Retângulo 30">
               <a:extLst>
                 <a:ext uri="{FF2B5EF4-FFF2-40B4-BE49-F238E27FC236}">
-                  <a16:creationId xmlns:a16="http://schemas.microsoft.com/office/drawing/2014/main" id="{1D35B8E0-5B77-4F78-B020-1D9680793D3F}"/>
+                  <a16:creationId xmlns:a16="http://schemas.microsoft.com/office/drawing/2014/main" xmlns="" id="{1D35B8E0-5B77-4F78-B020-1D9680793D3F}"/>
                 </a:ext>
               </a:extLst>
             </p:cNvPr>
@@ -14568,7 +14757,7 @@
             <p:cNvPr id="47" name="Forma Livre: Forma 46">
               <a:extLst>
                 <a:ext uri="{FF2B5EF4-FFF2-40B4-BE49-F238E27FC236}">
-                  <a16:creationId xmlns:a16="http://schemas.microsoft.com/office/drawing/2014/main" id="{CA5AA3B5-D86F-47B1-BF70-AFBE1E3895A9}"/>
+                  <a16:creationId xmlns:a16="http://schemas.microsoft.com/office/drawing/2014/main" xmlns="" id="{CA5AA3B5-D86F-47B1-BF70-AFBE1E3895A9}"/>
                 </a:ext>
               </a:extLst>
             </p:cNvPr>
@@ -14733,7 +14922,7 @@
             <p:cNvPr id="57" name="Forma Livre: Forma 56">
               <a:extLst>
                 <a:ext uri="{FF2B5EF4-FFF2-40B4-BE49-F238E27FC236}">
-                  <a16:creationId xmlns:a16="http://schemas.microsoft.com/office/drawing/2014/main" id="{7C85EB61-88CA-421C-AEE1-DD45034A253C}"/>
+                  <a16:creationId xmlns:a16="http://schemas.microsoft.com/office/drawing/2014/main" xmlns="" id="{7C85EB61-88CA-421C-AEE1-DD45034A253C}"/>
                 </a:ext>
               </a:extLst>
             </p:cNvPr>
@@ -14883,7 +15072,7 @@
             <p:cNvPr id="110" name="Forma Livre: Forma 109">
               <a:extLst>
                 <a:ext uri="{FF2B5EF4-FFF2-40B4-BE49-F238E27FC236}">
-                  <a16:creationId xmlns:a16="http://schemas.microsoft.com/office/drawing/2014/main" id="{FDB00EED-4104-4E00-8C7E-9370791D6384}"/>
+                  <a16:creationId xmlns:a16="http://schemas.microsoft.com/office/drawing/2014/main" xmlns="" id="{FDB00EED-4104-4E00-8C7E-9370791D6384}"/>
                 </a:ext>
               </a:extLst>
             </p:cNvPr>
@@ -15179,7 +15368,7 @@
             <p:cNvPr id="111" name="Agrupar 110">
               <a:extLst>
                 <a:ext uri="{FF2B5EF4-FFF2-40B4-BE49-F238E27FC236}">
-                  <a16:creationId xmlns:a16="http://schemas.microsoft.com/office/drawing/2014/main" id="{1E3B85D9-26F4-43E7-A9E1-BE1B8C7ADC16}"/>
+                  <a16:creationId xmlns:a16="http://schemas.microsoft.com/office/drawing/2014/main" xmlns="" id="{1E3B85D9-26F4-43E7-A9E1-BE1B8C7ADC16}"/>
                 </a:ext>
               </a:extLst>
             </p:cNvPr>
@@ -15200,7 +15389,7 @@
               <p:cNvPr id="97" name="Cruz 96">
                 <a:extLst>
                   <a:ext uri="{FF2B5EF4-FFF2-40B4-BE49-F238E27FC236}">
-                    <a16:creationId xmlns:a16="http://schemas.microsoft.com/office/drawing/2014/main" id="{A668293D-2470-4C9E-AF95-4EE1BC4E3F89}"/>
+                    <a16:creationId xmlns:a16="http://schemas.microsoft.com/office/drawing/2014/main" xmlns="" id="{A668293D-2470-4C9E-AF95-4EE1BC4E3F89}"/>
                   </a:ext>
                 </a:extLst>
               </p:cNvPr>
@@ -15252,7 +15441,7 @@
               <p:cNvPr id="98" name="Cruz 97">
                 <a:extLst>
                   <a:ext uri="{FF2B5EF4-FFF2-40B4-BE49-F238E27FC236}">
-                    <a16:creationId xmlns:a16="http://schemas.microsoft.com/office/drawing/2014/main" id="{3149B231-2A8A-426E-BBD1-97FF35078606}"/>
+                    <a16:creationId xmlns:a16="http://schemas.microsoft.com/office/drawing/2014/main" xmlns="" id="{3149B231-2A8A-426E-BBD1-97FF35078606}"/>
                   </a:ext>
                 </a:extLst>
               </p:cNvPr>
@@ -15304,7 +15493,7 @@
               <p:cNvPr id="99" name="Cruz 98">
                 <a:extLst>
                   <a:ext uri="{FF2B5EF4-FFF2-40B4-BE49-F238E27FC236}">
-                    <a16:creationId xmlns:a16="http://schemas.microsoft.com/office/drawing/2014/main" id="{6D16372F-0346-4C90-B0AE-50860F04A7FF}"/>
+                    <a16:creationId xmlns:a16="http://schemas.microsoft.com/office/drawing/2014/main" xmlns="" id="{6D16372F-0346-4C90-B0AE-50860F04A7FF}"/>
                   </a:ext>
                 </a:extLst>
               </p:cNvPr>
@@ -15356,7 +15545,7 @@
               <p:cNvPr id="100" name="Grupo 19">
                 <a:extLst>
                   <a:ext uri="{FF2B5EF4-FFF2-40B4-BE49-F238E27FC236}">
-                    <a16:creationId xmlns:a16="http://schemas.microsoft.com/office/drawing/2014/main" id="{ECD0E47B-370B-4933-B6E5-461C50CDE360}"/>
+                    <a16:creationId xmlns:a16="http://schemas.microsoft.com/office/drawing/2014/main" xmlns="" id="{ECD0E47B-370B-4933-B6E5-461C50CDE360}"/>
                   </a:ext>
                 </a:extLst>
               </p:cNvPr>
@@ -15377,7 +15566,7 @@
                 <p:cNvPr id="106" name="Cruz 105">
                   <a:extLst>
                     <a:ext uri="{FF2B5EF4-FFF2-40B4-BE49-F238E27FC236}">
-                      <a16:creationId xmlns:a16="http://schemas.microsoft.com/office/drawing/2014/main" id="{F8B3730A-DFFD-4F58-AB57-6BDC4ACCFB5C}"/>
+                      <a16:creationId xmlns:a16="http://schemas.microsoft.com/office/drawing/2014/main" xmlns="" id="{F8B3730A-DFFD-4F58-AB57-6BDC4ACCFB5C}"/>
                     </a:ext>
                   </a:extLst>
                 </p:cNvPr>
@@ -15429,7 +15618,7 @@
                 <p:cNvPr id="107" name="Cruz 106">
                   <a:extLst>
                     <a:ext uri="{FF2B5EF4-FFF2-40B4-BE49-F238E27FC236}">
-                      <a16:creationId xmlns:a16="http://schemas.microsoft.com/office/drawing/2014/main" id="{F107EE2E-F528-4C6C-9C0C-EB7826199496}"/>
+                      <a16:creationId xmlns:a16="http://schemas.microsoft.com/office/drawing/2014/main" xmlns="" id="{F107EE2E-F528-4C6C-9C0C-EB7826199496}"/>
                     </a:ext>
                   </a:extLst>
                 </p:cNvPr>
@@ -15498,7 +15687,7 @@
               <p:cNvPr id="32" name="Retângulo 31">
                 <a:extLst>
                   <a:ext uri="{FF2B5EF4-FFF2-40B4-BE49-F238E27FC236}">
-                    <a16:creationId xmlns:a16="http://schemas.microsoft.com/office/drawing/2014/main" id="{923F2C6A-2603-4687-9497-EA8730BB2C49}"/>
+                    <a16:creationId xmlns:a16="http://schemas.microsoft.com/office/drawing/2014/main" xmlns="" id="{923F2C6A-2603-4687-9497-EA8730BB2C49}"/>
                   </a:ext>
                 </a:extLst>
               </p:cNvPr>
@@ -15548,7 +15737,7 @@
               <p:cNvPr id="150" name="Triângulo Retângulo 149">
                 <a:extLst>
                   <a:ext uri="{FF2B5EF4-FFF2-40B4-BE49-F238E27FC236}">
-                    <a16:creationId xmlns:a16="http://schemas.microsoft.com/office/drawing/2014/main" id="{3AC26621-2860-4357-980C-DA92A2D14681}"/>
+                    <a16:creationId xmlns:a16="http://schemas.microsoft.com/office/drawing/2014/main" xmlns="" id="{3AC26621-2860-4357-980C-DA92A2D14681}"/>
                   </a:ext>
                 </a:extLst>
               </p:cNvPr>
@@ -15600,7 +15789,7 @@
           <p:cNvPr id="25" name="Agrupar 25">
             <a:extLst>
               <a:ext uri="{FF2B5EF4-FFF2-40B4-BE49-F238E27FC236}">
-                <a16:creationId xmlns:a16="http://schemas.microsoft.com/office/drawing/2014/main" id="{8CFA2B6F-F852-4EA1-BEF1-47F61F1D6F85}"/>
+                <a16:creationId xmlns:a16="http://schemas.microsoft.com/office/drawing/2014/main" xmlns="" id="{8CFA2B6F-F852-4EA1-BEF1-47F61F1D6F85}"/>
               </a:ext>
             </a:extLst>
           </p:cNvPr>
@@ -15620,7 +15809,7 @@
             <p:cNvPr id="26" name="Agrupar 3">
               <a:extLst>
                 <a:ext uri="{FF2B5EF4-FFF2-40B4-BE49-F238E27FC236}">
-                  <a16:creationId xmlns:a16="http://schemas.microsoft.com/office/drawing/2014/main" id="{C45FEF34-3D77-4245-91E6-21A8D7F39CAE}"/>
+                  <a16:creationId xmlns:a16="http://schemas.microsoft.com/office/drawing/2014/main" xmlns="" id="{C45FEF34-3D77-4245-91E6-21A8D7F39CAE}"/>
                 </a:ext>
               </a:extLst>
             </p:cNvPr>
@@ -15640,7 +15829,7 @@
               <p:cNvPr id="43" name="Retângulo: Cantos Arredondados 4">
                 <a:extLst>
                   <a:ext uri="{FF2B5EF4-FFF2-40B4-BE49-F238E27FC236}">
-                    <a16:creationId xmlns:a16="http://schemas.microsoft.com/office/drawing/2014/main" id="{2901A741-378D-4F90-9213-3C8C001BF999}"/>
+                    <a16:creationId xmlns:a16="http://schemas.microsoft.com/office/drawing/2014/main" xmlns="" id="{2901A741-378D-4F90-9213-3C8C001BF999}"/>
                   </a:ext>
                 </a:extLst>
               </p:cNvPr>
@@ -15691,7 +15880,7 @@
               <p:cNvPr id="44" name="Retângulo: Cantos Arredondados 5">
                 <a:extLst>
                   <a:ext uri="{FF2B5EF4-FFF2-40B4-BE49-F238E27FC236}">
-                    <a16:creationId xmlns:a16="http://schemas.microsoft.com/office/drawing/2014/main" id="{842C104C-6712-4FAB-A86A-FAC9CE782474}"/>
+                    <a16:creationId xmlns:a16="http://schemas.microsoft.com/office/drawing/2014/main" xmlns="" id="{842C104C-6712-4FAB-A86A-FAC9CE782474}"/>
                   </a:ext>
                 </a:extLst>
               </p:cNvPr>
@@ -15745,7 +15934,7 @@
               <p:cNvPr id="45" name="Retângulo: Cantos Arredondados 6">
                 <a:extLst>
                   <a:ext uri="{FF2B5EF4-FFF2-40B4-BE49-F238E27FC236}">
-                    <a16:creationId xmlns:a16="http://schemas.microsoft.com/office/drawing/2014/main" id="{255A55C9-6EA9-40DD-A50C-94EDA00AB2EC}"/>
+                    <a16:creationId xmlns:a16="http://schemas.microsoft.com/office/drawing/2014/main" xmlns="" id="{255A55C9-6EA9-40DD-A50C-94EDA00AB2EC}"/>
                   </a:ext>
                 </a:extLst>
               </p:cNvPr>
@@ -15799,7 +15988,7 @@
               <p:cNvPr id="46" name="Forma Livre: Forma 7">
                 <a:extLst>
                   <a:ext uri="{FF2B5EF4-FFF2-40B4-BE49-F238E27FC236}">
-                    <a16:creationId xmlns:a16="http://schemas.microsoft.com/office/drawing/2014/main" id="{8B1C2CE6-4108-48D3-8CBE-635179488ECA}"/>
+                    <a16:creationId xmlns:a16="http://schemas.microsoft.com/office/drawing/2014/main" xmlns="" id="{8B1C2CE6-4108-48D3-8CBE-635179488ECA}"/>
                   </a:ext>
                 </a:extLst>
               </p:cNvPr>
@@ -15930,7 +16119,7 @@
               <p:cNvPr id="48" name="Retângulo 47">
                 <a:extLst>
                   <a:ext uri="{FF2B5EF4-FFF2-40B4-BE49-F238E27FC236}">
-                    <a16:creationId xmlns:a16="http://schemas.microsoft.com/office/drawing/2014/main" id="{6444A46D-5BDF-4712-88E7-104DA9FAAFD4}"/>
+                    <a16:creationId xmlns:a16="http://schemas.microsoft.com/office/drawing/2014/main" xmlns="" id="{6444A46D-5BDF-4712-88E7-104DA9FAAFD4}"/>
                   </a:ext>
                 </a:extLst>
               </p:cNvPr>
@@ -15982,7 +16171,7 @@
               <p:cNvPr id="49" name="Retângulo: Cantos Arredondados 9">
                 <a:extLst>
                   <a:ext uri="{FF2B5EF4-FFF2-40B4-BE49-F238E27FC236}">
-                    <a16:creationId xmlns:a16="http://schemas.microsoft.com/office/drawing/2014/main" id="{881B3B66-2052-48AF-979B-60B32E1F7F9E}"/>
+                    <a16:creationId xmlns:a16="http://schemas.microsoft.com/office/drawing/2014/main" xmlns="" id="{881B3B66-2052-48AF-979B-60B32E1F7F9E}"/>
                   </a:ext>
                 </a:extLst>
               </p:cNvPr>
@@ -16036,7 +16225,7 @@
               <p:cNvPr id="50" name="Retângulo: Cantos Arredondados 10">
                 <a:extLst>
                   <a:ext uri="{FF2B5EF4-FFF2-40B4-BE49-F238E27FC236}">
-                    <a16:creationId xmlns:a16="http://schemas.microsoft.com/office/drawing/2014/main" id="{8212EF75-2EF8-4DFC-BEB5-5C95D755FCDA}"/>
+                    <a16:creationId xmlns:a16="http://schemas.microsoft.com/office/drawing/2014/main" xmlns="" id="{8212EF75-2EF8-4DFC-BEB5-5C95D755FCDA}"/>
                   </a:ext>
                 </a:extLst>
               </p:cNvPr>
@@ -16091,7 +16280,7 @@
             <p:cNvPr id="27" name="Agrupar 11">
               <a:extLst>
                 <a:ext uri="{FF2B5EF4-FFF2-40B4-BE49-F238E27FC236}">
-                  <a16:creationId xmlns:a16="http://schemas.microsoft.com/office/drawing/2014/main" id="{97B2E01E-EC47-4BCE-BC4F-99A6EC444B19}"/>
+                  <a16:creationId xmlns:a16="http://schemas.microsoft.com/office/drawing/2014/main" xmlns="" id="{97B2E01E-EC47-4BCE-BC4F-99A6EC444B19}"/>
                 </a:ext>
               </a:extLst>
             </p:cNvPr>
@@ -16111,7 +16300,7 @@
               <p:cNvPr id="41" name="Retângulo: Cantos Arredondados 12">
                 <a:extLst>
                   <a:ext uri="{FF2B5EF4-FFF2-40B4-BE49-F238E27FC236}">
-                    <a16:creationId xmlns:a16="http://schemas.microsoft.com/office/drawing/2014/main" id="{10540542-C57F-4691-AF17-40583ACBA3F1}"/>
+                    <a16:creationId xmlns:a16="http://schemas.microsoft.com/office/drawing/2014/main" xmlns="" id="{10540542-C57F-4691-AF17-40583ACBA3F1}"/>
                   </a:ext>
                 </a:extLst>
               </p:cNvPr>
@@ -16165,7 +16354,7 @@
               <p:cNvPr id="42" name="Retângulo: Cantos Arredondados 13">
                 <a:extLst>
                   <a:ext uri="{FF2B5EF4-FFF2-40B4-BE49-F238E27FC236}">
-                    <a16:creationId xmlns:a16="http://schemas.microsoft.com/office/drawing/2014/main" id="{552902B3-14B4-4F02-ABBE-E36047405A23}"/>
+                    <a16:creationId xmlns:a16="http://schemas.microsoft.com/office/drawing/2014/main" xmlns="" id="{552902B3-14B4-4F02-ABBE-E36047405A23}"/>
                   </a:ext>
                 </a:extLst>
               </p:cNvPr>
@@ -16220,7 +16409,7 @@
             <p:cNvPr id="28" name="Agrupar 14">
               <a:extLst>
                 <a:ext uri="{FF2B5EF4-FFF2-40B4-BE49-F238E27FC236}">
-                  <a16:creationId xmlns:a16="http://schemas.microsoft.com/office/drawing/2014/main" id="{4DD22468-0F77-455F-8343-D2977BA9D815}"/>
+                  <a16:creationId xmlns:a16="http://schemas.microsoft.com/office/drawing/2014/main" xmlns="" id="{4DD22468-0F77-455F-8343-D2977BA9D815}"/>
                 </a:ext>
               </a:extLst>
             </p:cNvPr>
@@ -16240,7 +16429,7 @@
               <p:cNvPr id="39" name="Retângulo: Cantos Arredondados 15">
                 <a:extLst>
                   <a:ext uri="{FF2B5EF4-FFF2-40B4-BE49-F238E27FC236}">
-                    <a16:creationId xmlns:a16="http://schemas.microsoft.com/office/drawing/2014/main" id="{2D72A34F-4564-471A-B6AA-AE1DF400A26F}"/>
+                    <a16:creationId xmlns:a16="http://schemas.microsoft.com/office/drawing/2014/main" xmlns="" id="{2D72A34F-4564-471A-B6AA-AE1DF400A26F}"/>
                   </a:ext>
                 </a:extLst>
               </p:cNvPr>
@@ -16294,7 +16483,7 @@
               <p:cNvPr id="40" name="Retângulo: Cantos Arredondados 16">
                 <a:extLst>
                   <a:ext uri="{FF2B5EF4-FFF2-40B4-BE49-F238E27FC236}">
-                    <a16:creationId xmlns:a16="http://schemas.microsoft.com/office/drawing/2014/main" id="{29E778E2-383E-4A56-974F-1F35B702221A}"/>
+                    <a16:creationId xmlns:a16="http://schemas.microsoft.com/office/drawing/2014/main" xmlns="" id="{29E778E2-383E-4A56-974F-1F35B702221A}"/>
                   </a:ext>
                 </a:extLst>
               </p:cNvPr>
@@ -16349,7 +16538,7 @@
             <p:cNvPr id="29" name="Agrupar 17">
               <a:extLst>
                 <a:ext uri="{FF2B5EF4-FFF2-40B4-BE49-F238E27FC236}">
-                  <a16:creationId xmlns:a16="http://schemas.microsoft.com/office/drawing/2014/main" id="{1C1086BE-5C78-46C5-8759-F221A1473050}"/>
+                  <a16:creationId xmlns:a16="http://schemas.microsoft.com/office/drawing/2014/main" xmlns="" id="{1C1086BE-5C78-46C5-8759-F221A1473050}"/>
                 </a:ext>
               </a:extLst>
             </p:cNvPr>
@@ -16369,7 +16558,7 @@
               <p:cNvPr id="33" name="Forma Livre: Forma 18">
                 <a:extLst>
                   <a:ext uri="{FF2B5EF4-FFF2-40B4-BE49-F238E27FC236}">
-                    <a16:creationId xmlns:a16="http://schemas.microsoft.com/office/drawing/2014/main" id="{A5FF4AA1-FB76-4089-AF79-C37CF505E719}"/>
+                    <a16:creationId xmlns:a16="http://schemas.microsoft.com/office/drawing/2014/main" xmlns="" id="{A5FF4AA1-FB76-4089-AF79-C37CF505E719}"/>
                   </a:ext>
                 </a:extLst>
               </p:cNvPr>
@@ -16504,7 +16693,7 @@
               <p:cNvPr id="34" name="Forma Livre: Forma 19">
                 <a:extLst>
                   <a:ext uri="{FF2B5EF4-FFF2-40B4-BE49-F238E27FC236}">
-                    <a16:creationId xmlns:a16="http://schemas.microsoft.com/office/drawing/2014/main" id="{F8045286-37AC-4911-A671-477E8EB257A2}"/>
+                    <a16:creationId xmlns:a16="http://schemas.microsoft.com/office/drawing/2014/main" xmlns="" id="{F8045286-37AC-4911-A671-477E8EB257A2}"/>
                   </a:ext>
                 </a:extLst>
               </p:cNvPr>
@@ -16639,7 +16828,7 @@
               <p:cNvPr id="35" name="Elipse 34">
                 <a:extLst>
                   <a:ext uri="{FF2B5EF4-FFF2-40B4-BE49-F238E27FC236}">
-                    <a16:creationId xmlns:a16="http://schemas.microsoft.com/office/drawing/2014/main" id="{CD452FDD-69B7-4E28-B5E7-0FEFB45E205A}"/>
+                    <a16:creationId xmlns:a16="http://schemas.microsoft.com/office/drawing/2014/main" xmlns="" id="{CD452FDD-69B7-4E28-B5E7-0FEFB45E205A}"/>
                   </a:ext>
                 </a:extLst>
               </p:cNvPr>
@@ -16691,7 +16880,7 @@
               <p:cNvPr id="36" name="Retângulo: Cantos Arredondados 21">
                 <a:extLst>
                   <a:ext uri="{FF2B5EF4-FFF2-40B4-BE49-F238E27FC236}">
-                    <a16:creationId xmlns:a16="http://schemas.microsoft.com/office/drawing/2014/main" id="{AF7D2798-BB73-466E-A25A-A2621184FA04}"/>
+                    <a16:creationId xmlns:a16="http://schemas.microsoft.com/office/drawing/2014/main" xmlns="" id="{AF7D2798-BB73-466E-A25A-A2621184FA04}"/>
                   </a:ext>
                 </a:extLst>
               </p:cNvPr>
@@ -16745,7 +16934,7 @@
               <p:cNvPr id="37" name="Retângulo: Cantos Arredondados 22">
                 <a:extLst>
                   <a:ext uri="{FF2B5EF4-FFF2-40B4-BE49-F238E27FC236}">
-                    <a16:creationId xmlns:a16="http://schemas.microsoft.com/office/drawing/2014/main" id="{3E77055B-F661-42D4-86CB-10C4D49F7934}"/>
+                    <a16:creationId xmlns:a16="http://schemas.microsoft.com/office/drawing/2014/main" xmlns="" id="{3E77055B-F661-42D4-86CB-10C4D49F7934}"/>
                   </a:ext>
                 </a:extLst>
               </p:cNvPr>
@@ -16799,7 +16988,7 @@
               <p:cNvPr id="38" name="Retângulo: Cantos Arredondados 23">
                 <a:extLst>
                   <a:ext uri="{FF2B5EF4-FFF2-40B4-BE49-F238E27FC236}">
-                    <a16:creationId xmlns:a16="http://schemas.microsoft.com/office/drawing/2014/main" id="{2D266FA5-5903-44D9-9DC7-DCB4A530544F}"/>
+                    <a16:creationId xmlns:a16="http://schemas.microsoft.com/office/drawing/2014/main" xmlns="" id="{2D266FA5-5903-44D9-9DC7-DCB4A530544F}"/>
                   </a:ext>
                 </a:extLst>
               </p:cNvPr>
@@ -16854,7 +17043,7 @@
             <p:cNvPr id="30" name="Forma Livre: Forma 24">
               <a:extLst>
                 <a:ext uri="{FF2B5EF4-FFF2-40B4-BE49-F238E27FC236}">
-                  <a16:creationId xmlns:a16="http://schemas.microsoft.com/office/drawing/2014/main" id="{59EBB5C9-01FD-4920-B60F-971211221B04}"/>
+                  <a16:creationId xmlns:a16="http://schemas.microsoft.com/office/drawing/2014/main" xmlns="" id="{59EBB5C9-01FD-4920-B60F-971211221B04}"/>
                 </a:ext>
               </a:extLst>
             </p:cNvPr>
@@ -17370,7 +17559,7 @@
           <p:cNvPr id="2050" name="Picture 2" descr="Resultado de imagem para caneta icon">
             <a:extLst>
               <a:ext uri="{FF2B5EF4-FFF2-40B4-BE49-F238E27FC236}">
-                <a16:creationId xmlns:a16="http://schemas.microsoft.com/office/drawing/2014/main" id="{68C0435D-4D90-459F-9B4A-EDB715CDA24C}"/>
+                <a16:creationId xmlns:a16="http://schemas.microsoft.com/office/drawing/2014/main" xmlns="" id="{68C0435D-4D90-459F-9B4A-EDB715CDA24C}"/>
               </a:ext>
             </a:extLst>
           </p:cNvPr>
@@ -17417,7 +17606,7 @@
           <p:cNvPr id="14" name="Agrupar 13">
             <a:extLst>
               <a:ext uri="{FF2B5EF4-FFF2-40B4-BE49-F238E27FC236}">
-                <a16:creationId xmlns:a16="http://schemas.microsoft.com/office/drawing/2014/main" id="{11B8CDE8-454B-48BB-9BE5-3C73D682CDF3}"/>
+                <a16:creationId xmlns:a16="http://schemas.microsoft.com/office/drawing/2014/main" xmlns="" id="{11B8CDE8-454B-48BB-9BE5-3C73D682CDF3}"/>
               </a:ext>
             </a:extLst>
           </p:cNvPr>
@@ -17437,7 +17626,7 @@
             <p:cNvPr id="6" name="Triângulo isósceles 5">
               <a:extLst>
                 <a:ext uri="{FF2B5EF4-FFF2-40B4-BE49-F238E27FC236}">
-                  <a16:creationId xmlns:a16="http://schemas.microsoft.com/office/drawing/2014/main" id="{245F05AE-328E-418F-86B5-95C6B99DB76B}"/>
+                  <a16:creationId xmlns:a16="http://schemas.microsoft.com/office/drawing/2014/main" xmlns="" id="{245F05AE-328E-418F-86B5-95C6B99DB76B}"/>
                 </a:ext>
               </a:extLst>
             </p:cNvPr>
@@ -17494,7 +17683,7 @@
             <p:cNvPr id="7" name="Retângulo 6">
               <a:extLst>
                 <a:ext uri="{FF2B5EF4-FFF2-40B4-BE49-F238E27FC236}">
-                  <a16:creationId xmlns:a16="http://schemas.microsoft.com/office/drawing/2014/main" id="{4722C9FB-66F3-4F2E-A33C-A03C6774FAF0}"/>
+                  <a16:creationId xmlns:a16="http://schemas.microsoft.com/office/drawing/2014/main" xmlns="" id="{4722C9FB-66F3-4F2E-A33C-A03C6774FAF0}"/>
                 </a:ext>
               </a:extLst>
             </p:cNvPr>
@@ -17551,7 +17740,7 @@
             <p:cNvPr id="5" name="Retângulo 4">
               <a:extLst>
                 <a:ext uri="{FF2B5EF4-FFF2-40B4-BE49-F238E27FC236}">
-                  <a16:creationId xmlns:a16="http://schemas.microsoft.com/office/drawing/2014/main" id="{BBB456FF-A1AC-48E4-9FBE-9636BB1A6F01}"/>
+                  <a16:creationId xmlns:a16="http://schemas.microsoft.com/office/drawing/2014/main" xmlns="" id="{BBB456FF-A1AC-48E4-9FBE-9636BB1A6F01}"/>
                 </a:ext>
               </a:extLst>
             </p:cNvPr>
@@ -17608,7 +17797,7 @@
             <p:cNvPr id="9" name="Retângulo 8">
               <a:extLst>
                 <a:ext uri="{FF2B5EF4-FFF2-40B4-BE49-F238E27FC236}">
-                  <a16:creationId xmlns:a16="http://schemas.microsoft.com/office/drawing/2014/main" id="{152FB06C-77CC-4698-85A7-EF7C652AA109}"/>
+                  <a16:creationId xmlns:a16="http://schemas.microsoft.com/office/drawing/2014/main" xmlns="" id="{152FB06C-77CC-4698-85A7-EF7C652AA109}"/>
                 </a:ext>
               </a:extLst>
             </p:cNvPr>
@@ -17665,7 +17854,7 @@
             <p:cNvPr id="11" name="Retângulo: Cantos Arredondados 10">
               <a:extLst>
                 <a:ext uri="{FF2B5EF4-FFF2-40B4-BE49-F238E27FC236}">
-                  <a16:creationId xmlns:a16="http://schemas.microsoft.com/office/drawing/2014/main" id="{4CAF09BC-BB96-4BB5-B288-77204156E362}"/>
+                  <a16:creationId xmlns:a16="http://schemas.microsoft.com/office/drawing/2014/main" xmlns="" id="{4CAF09BC-BB96-4BB5-B288-77204156E362}"/>
                 </a:ext>
               </a:extLst>
             </p:cNvPr>
@@ -17724,7 +17913,7 @@
             <p:cNvPr id="13" name="Triângulo isósceles 12">
               <a:extLst>
                 <a:ext uri="{FF2B5EF4-FFF2-40B4-BE49-F238E27FC236}">
-                  <a16:creationId xmlns:a16="http://schemas.microsoft.com/office/drawing/2014/main" id="{ADE8F1EA-DC14-49B8-A251-48F56C0A5147}"/>
+                  <a16:creationId xmlns:a16="http://schemas.microsoft.com/office/drawing/2014/main" xmlns="" id="{ADE8F1EA-DC14-49B8-A251-48F56C0A5147}"/>
                 </a:ext>
               </a:extLst>
             </p:cNvPr>
@@ -17781,7 +17970,7 @@
             <p:cNvPr id="12" name="CaixaDeTexto 11">
               <a:extLst>
                 <a:ext uri="{FF2B5EF4-FFF2-40B4-BE49-F238E27FC236}">
-                  <a16:creationId xmlns:a16="http://schemas.microsoft.com/office/drawing/2014/main" id="{15294F0D-78E0-4E40-AF4A-C49EA43A339B}"/>
+                  <a16:creationId xmlns:a16="http://schemas.microsoft.com/office/drawing/2014/main" xmlns="" id="{15294F0D-78E0-4E40-AF4A-C49EA43A339B}"/>
                 </a:ext>
               </a:extLst>
             </p:cNvPr>
@@ -17790,8 +17979,8 @@
           </p:nvSpPr>
           <p:spPr>
             <a:xfrm rot="18905243">
-              <a:off x="4800085" y="3705037"/>
-              <a:ext cx="1217000" cy="523220"/>
+              <a:off x="4722339" y="3705037"/>
+              <a:ext cx="1372492" cy="523220"/>
             </a:xfrm>
             <a:prstGeom prst="rect">
               <a:avLst/>
@@ -17805,14 +17994,20 @@
             <a:lstStyle/>
             <a:p>
               <a:r>
-                <a:rPr lang="pt-BR" sz="2800" b="1" dirty="0">
+                <a:rPr lang="pt-BR" sz="2800" b="1" dirty="0" smtClean="0">
                   <a:solidFill>
                     <a:schemeClr val="bg1"/>
                   </a:solidFill>
-                  <a:latin typeface="Century Gothic" panose="020B0502020202020204" pitchFamily="34" charset="0"/>
+                  <a:latin typeface="Righteous"/>
                 </a:rPr>
                 <a:t>STUD+</a:t>
               </a:r>
+              <a:endParaRPr lang="pt-BR" sz="2800" b="1" dirty="0">
+                <a:solidFill>
+                  <a:schemeClr val="bg1"/>
+                </a:solidFill>
+                <a:latin typeface="Righteous"/>
+              </a:endParaRPr>
             </a:p>
           </p:txBody>
         </p:sp>
@@ -17852,7 +18047,7 @@
           <p:cNvPr id="5" name="Retângulo 4">
             <a:extLst>
               <a:ext uri="{FF2B5EF4-FFF2-40B4-BE49-F238E27FC236}">
-                <a16:creationId xmlns:a16="http://schemas.microsoft.com/office/drawing/2014/main" id="{DA372072-BCC6-4C09-A74D-D24AA5BA6EFF}"/>
+                <a16:creationId xmlns:a16="http://schemas.microsoft.com/office/drawing/2014/main" xmlns="" id="{DA372072-BCC6-4C09-A74D-D24AA5BA6EFF}"/>
               </a:ext>
             </a:extLst>
           </p:cNvPr>
@@ -17960,7 +18155,7 @@
           <p:cNvPr id="5" name="Imagem 4">
             <a:extLst>
               <a:ext uri="{FF2B5EF4-FFF2-40B4-BE49-F238E27FC236}">
-                <a16:creationId xmlns:a16="http://schemas.microsoft.com/office/drawing/2014/main" id="{CA463755-7A92-41A7-8863-93842B096B4D}"/>
+                <a16:creationId xmlns:a16="http://schemas.microsoft.com/office/drawing/2014/main" xmlns="" id="{CA463755-7A92-41A7-8863-93842B096B4D}"/>
               </a:ext>
             </a:extLst>
           </p:cNvPr>
@@ -17996,7 +18191,7 @@
           <p:cNvPr id="6" name="Retângulo 5">
             <a:extLst>
               <a:ext uri="{FF2B5EF4-FFF2-40B4-BE49-F238E27FC236}">
-                <a16:creationId xmlns:a16="http://schemas.microsoft.com/office/drawing/2014/main" id="{573FE193-0CD3-4197-B124-9EEBC6014416}"/>
+                <a16:creationId xmlns:a16="http://schemas.microsoft.com/office/drawing/2014/main" xmlns="" id="{573FE193-0CD3-4197-B124-9EEBC6014416}"/>
               </a:ext>
             </a:extLst>
           </p:cNvPr>
@@ -18097,7 +18292,7 @@
           <p:cNvPr id="6" name="Retângulo: Cantos Arredondados 5">
             <a:extLst>
               <a:ext uri="{FF2B5EF4-FFF2-40B4-BE49-F238E27FC236}">
-                <a16:creationId xmlns:a16="http://schemas.microsoft.com/office/drawing/2014/main" id="{886DFB85-53C4-4A54-A6FF-CF8C55CE81A1}"/>
+                <a16:creationId xmlns:a16="http://schemas.microsoft.com/office/drawing/2014/main" xmlns="" id="{886DFB85-53C4-4A54-A6FF-CF8C55CE81A1}"/>
               </a:ext>
             </a:extLst>
           </p:cNvPr>
@@ -18156,7 +18351,7 @@
           <p:cNvPr id="7" name="CaixaDeTexto 6">
             <a:extLst>
               <a:ext uri="{FF2B5EF4-FFF2-40B4-BE49-F238E27FC236}">
-                <a16:creationId xmlns:a16="http://schemas.microsoft.com/office/drawing/2014/main" id="{C9B545B1-D51E-4E87-A4A2-3F0808907659}"/>
+                <a16:creationId xmlns:a16="http://schemas.microsoft.com/office/drawing/2014/main" xmlns="" id="{C9B545B1-D51E-4E87-A4A2-3F0808907659}"/>
               </a:ext>
             </a:extLst>
           </p:cNvPr>
@@ -18196,7 +18391,7 @@
           <p:cNvPr id="9" name="Conector reto 8">
             <a:extLst>
               <a:ext uri="{FF2B5EF4-FFF2-40B4-BE49-F238E27FC236}">
-                <a16:creationId xmlns:a16="http://schemas.microsoft.com/office/drawing/2014/main" id="{BBD50DE8-2A3E-4E4E-AC1B-5324178B4632}"/>
+                <a16:creationId xmlns:a16="http://schemas.microsoft.com/office/drawing/2014/main" xmlns="" id="{BBD50DE8-2A3E-4E4E-AC1B-5324178B4632}"/>
               </a:ext>
             </a:extLst>
           </p:cNvPr>
@@ -18237,6 +18432,13 @@
   <p:clrMapOvr>
     <a:masterClrMapping/>
   </p:clrMapOvr>
+  <p:timing>
+    <p:tnLst>
+      <p:par>
+        <p:cTn id="1" dur="indefinite" restart="never" nodeType="tmRoot"/>
+      </p:par>
+    </p:tnLst>
+  </p:timing>
 </p:sld>
 </file>
 
@@ -18262,7 +18464,7 @@
           <p:cNvPr id="30" name="Agrupar 29">
             <a:extLst>
               <a:ext uri="{FF2B5EF4-FFF2-40B4-BE49-F238E27FC236}">
-                <a16:creationId xmlns:a16="http://schemas.microsoft.com/office/drawing/2014/main" id="{EABDA664-C2CE-4D25-AB78-4DAD12EF9FF1}"/>
+                <a16:creationId xmlns:a16="http://schemas.microsoft.com/office/drawing/2014/main" xmlns="" id="{EABDA664-C2CE-4D25-AB78-4DAD12EF9FF1}"/>
               </a:ext>
             </a:extLst>
           </p:cNvPr>
@@ -18271,7 +18473,7 @@
         </p:nvGrpSpPr>
         <p:grpSpPr>
           <a:xfrm>
-            <a:off x="1260005" y="2063552"/>
+            <a:off x="1296012" y="2063552"/>
             <a:ext cx="17857990" cy="8064896"/>
             <a:chOff x="1260005" y="2063552"/>
             <a:chExt cx="17857990" cy="8064896"/>
@@ -18282,7 +18484,7 @@
             <p:cNvPr id="6" name="Retângulo: Cantos Arredondados 5">
               <a:extLst>
                 <a:ext uri="{FF2B5EF4-FFF2-40B4-BE49-F238E27FC236}">
-                  <a16:creationId xmlns:a16="http://schemas.microsoft.com/office/drawing/2014/main" id="{8904E1ED-51B9-4FC0-B35B-957E2321D3A8}"/>
+                  <a16:creationId xmlns:a16="http://schemas.microsoft.com/office/drawing/2014/main" xmlns="" id="{8904E1ED-51B9-4FC0-B35B-957E2321D3A8}"/>
                 </a:ext>
               </a:extLst>
             </p:cNvPr>
@@ -18336,7 +18538,7 @@
             <p:cNvPr id="11" name="Forma Livre: Forma 10">
               <a:extLst>
                 <a:ext uri="{FF2B5EF4-FFF2-40B4-BE49-F238E27FC236}">
-                  <a16:creationId xmlns:a16="http://schemas.microsoft.com/office/drawing/2014/main" id="{8369E55A-0221-4297-B2B9-BD13CF27766D}"/>
+                  <a16:creationId xmlns:a16="http://schemas.microsoft.com/office/drawing/2014/main" xmlns="" id="{8369E55A-0221-4297-B2B9-BD13CF27766D}"/>
                 </a:ext>
               </a:extLst>
             </p:cNvPr>
@@ -18459,7 +18661,7 @@
             <p:cNvPr id="7" name="Retângulo 6">
               <a:extLst>
                 <a:ext uri="{FF2B5EF4-FFF2-40B4-BE49-F238E27FC236}">
-                  <a16:creationId xmlns:a16="http://schemas.microsoft.com/office/drawing/2014/main" id="{12A4A458-C3C9-48CC-A1EB-795918592009}"/>
+                  <a16:creationId xmlns:a16="http://schemas.microsoft.com/office/drawing/2014/main" xmlns="" id="{12A4A458-C3C9-48CC-A1EB-795918592009}"/>
                 </a:ext>
               </a:extLst>
             </p:cNvPr>
@@ -18511,7 +18713,7 @@
             <p:cNvPr id="13" name="Imagem 12">
               <a:extLst>
                 <a:ext uri="{FF2B5EF4-FFF2-40B4-BE49-F238E27FC236}">
-                  <a16:creationId xmlns:a16="http://schemas.microsoft.com/office/drawing/2014/main" id="{04AAC6BA-B41A-4999-8335-7D127D96498A}"/>
+                  <a16:creationId xmlns:a16="http://schemas.microsoft.com/office/drawing/2014/main" xmlns="" id="{04AAC6BA-B41A-4999-8335-7D127D96498A}"/>
                 </a:ext>
               </a:extLst>
             </p:cNvPr>
@@ -18547,7 +18749,7 @@
             <p:cNvPr id="14" name="CaixaDeTexto 13">
               <a:extLst>
                 <a:ext uri="{FF2B5EF4-FFF2-40B4-BE49-F238E27FC236}">
-                  <a16:creationId xmlns:a16="http://schemas.microsoft.com/office/drawing/2014/main" id="{D048CFE8-706F-476F-A216-D0E84542FA3C}"/>
+                  <a16:creationId xmlns:a16="http://schemas.microsoft.com/office/drawing/2014/main" xmlns="" id="{D048CFE8-706F-476F-A216-D0E84542FA3C}"/>
                 </a:ext>
               </a:extLst>
             </p:cNvPr>
@@ -18587,7 +18789,7 @@
             <p:cNvPr id="15" name="CaixaDeTexto 14">
               <a:extLst>
                 <a:ext uri="{FF2B5EF4-FFF2-40B4-BE49-F238E27FC236}">
-                  <a16:creationId xmlns:a16="http://schemas.microsoft.com/office/drawing/2014/main" id="{C2CAED93-6B7D-4EE5-A6A9-369E09662BDE}"/>
+                  <a16:creationId xmlns:a16="http://schemas.microsoft.com/office/drawing/2014/main" xmlns="" id="{C2CAED93-6B7D-4EE5-A6A9-369E09662BDE}"/>
                 </a:ext>
               </a:extLst>
             </p:cNvPr>
@@ -18652,7 +18854,7 @@
             <p:cNvPr id="16" name="Retângulo: Cantos Arredondados 15">
               <a:extLst>
                 <a:ext uri="{FF2B5EF4-FFF2-40B4-BE49-F238E27FC236}">
-                  <a16:creationId xmlns:a16="http://schemas.microsoft.com/office/drawing/2014/main" id="{B2524E5D-041B-4897-B533-3745EDD5FAFD}"/>
+                  <a16:creationId xmlns:a16="http://schemas.microsoft.com/office/drawing/2014/main" xmlns="" id="{B2524E5D-041B-4897-B533-3745EDD5FAFD}"/>
                 </a:ext>
               </a:extLst>
             </p:cNvPr>
@@ -18706,7 +18908,7 @@
             <p:cNvPr id="17" name="Forma Livre: Forma 16">
               <a:extLst>
                 <a:ext uri="{FF2B5EF4-FFF2-40B4-BE49-F238E27FC236}">
-                  <a16:creationId xmlns:a16="http://schemas.microsoft.com/office/drawing/2014/main" id="{F0BC095E-55EB-48D8-8683-1A8F007A2823}"/>
+                  <a16:creationId xmlns:a16="http://schemas.microsoft.com/office/drawing/2014/main" xmlns="" id="{F0BC095E-55EB-48D8-8683-1A8F007A2823}"/>
                 </a:ext>
               </a:extLst>
             </p:cNvPr>
@@ -18829,7 +19031,7 @@
             <p:cNvPr id="18" name="Retângulo 17">
               <a:extLst>
                 <a:ext uri="{FF2B5EF4-FFF2-40B4-BE49-F238E27FC236}">
-                  <a16:creationId xmlns:a16="http://schemas.microsoft.com/office/drawing/2014/main" id="{C5CEDA04-5E1E-4089-9938-35DF395FD928}"/>
+                  <a16:creationId xmlns:a16="http://schemas.microsoft.com/office/drawing/2014/main" xmlns="" id="{C5CEDA04-5E1E-4089-9938-35DF395FD928}"/>
                 </a:ext>
               </a:extLst>
             </p:cNvPr>
@@ -18881,7 +19083,7 @@
             <p:cNvPr id="19" name="Imagem 18">
               <a:extLst>
                 <a:ext uri="{FF2B5EF4-FFF2-40B4-BE49-F238E27FC236}">
-                  <a16:creationId xmlns:a16="http://schemas.microsoft.com/office/drawing/2014/main" id="{EB9F4F96-9738-4DBE-BFC3-3022D5ADE96A}"/>
+                  <a16:creationId xmlns:a16="http://schemas.microsoft.com/office/drawing/2014/main" xmlns="" id="{EB9F4F96-9738-4DBE-BFC3-3022D5ADE96A}"/>
                 </a:ext>
               </a:extLst>
             </p:cNvPr>
@@ -18917,7 +19119,7 @@
             <p:cNvPr id="21" name="CaixaDeTexto 20">
               <a:extLst>
                 <a:ext uri="{FF2B5EF4-FFF2-40B4-BE49-F238E27FC236}">
-                  <a16:creationId xmlns:a16="http://schemas.microsoft.com/office/drawing/2014/main" id="{E35A73FC-7494-48D2-BBD0-4AC91194B68A}"/>
+                  <a16:creationId xmlns:a16="http://schemas.microsoft.com/office/drawing/2014/main" xmlns="" id="{E35A73FC-7494-48D2-BBD0-4AC91194B68A}"/>
                 </a:ext>
               </a:extLst>
             </p:cNvPr>
@@ -18927,7 +19129,7 @@
           <p:spPr>
             <a:xfrm>
               <a:off x="8316789" y="7248128"/>
-              <a:ext cx="4023858" cy="2308324"/>
+              <a:ext cx="4023858" cy="1754326"/>
             </a:xfrm>
             <a:prstGeom prst="rect">
               <a:avLst/>
@@ -18960,25 +19162,28 @@
                   </a:solidFill>
                   <a:latin typeface="Century Gothic" panose="020B0502020202020204" pitchFamily="34" charset="0"/>
                 </a:rPr>
-                <a:t>programação no</a:t>
+                <a:t>programação </a:t>
               </a:r>
-            </a:p>
-            <a:p>
-              <a:pPr algn="ctr"/>
               <a:r>
-                <a:rPr lang="pt-BR" sz="3600" b="1" dirty="0">
+                <a:rPr lang="pt-BR" sz="3600" b="1" dirty="0" smtClean="0">
                   <a:solidFill>
                     <a:srgbClr val="DF412C"/>
                   </a:solidFill>
                   <a:latin typeface="Century Gothic" panose="020B0502020202020204" pitchFamily="34" charset="0"/>
                 </a:rPr>
-                <a:t> colégio </a:t>
+                <a:t>do</a:t>
               </a:r>
+              <a:endParaRPr lang="pt-BR" sz="3600" b="1" dirty="0">
+                <a:solidFill>
+                  <a:srgbClr val="DF412C"/>
+                </a:solidFill>
+                <a:latin typeface="Century Gothic" panose="020B0502020202020204" pitchFamily="34" charset="0"/>
+              </a:endParaRPr>
             </a:p>
             <a:p>
               <a:pPr algn="ctr"/>
               <a:r>
-                <a:rPr lang="pt-BR" sz="3600" b="1" dirty="0">
+                <a:rPr lang="pt-BR" sz="3600" b="1" dirty="0" smtClean="0">
                   <a:solidFill>
                     <a:srgbClr val="DF412C"/>
                   </a:solidFill>
@@ -18986,6 +19191,12 @@
                 </a:rPr>
                 <a:t>COTUCA</a:t>
               </a:r>
+              <a:endParaRPr lang="pt-BR" sz="3600" b="1" dirty="0">
+                <a:solidFill>
+                  <a:srgbClr val="DF412C"/>
+                </a:solidFill>
+                <a:latin typeface="Century Gothic" panose="020B0502020202020204" pitchFamily="34" charset="0"/>
+              </a:endParaRPr>
             </a:p>
           </p:txBody>
         </p:sp>
@@ -18994,7 +19205,7 @@
             <p:cNvPr id="23" name="CaixaDeTexto 22">
               <a:extLst>
                 <a:ext uri="{FF2B5EF4-FFF2-40B4-BE49-F238E27FC236}">
-                  <a16:creationId xmlns:a16="http://schemas.microsoft.com/office/drawing/2014/main" id="{CA175D1C-73A5-4845-9AB0-CF295F3D9C42}"/>
+                  <a16:creationId xmlns:a16="http://schemas.microsoft.com/office/drawing/2014/main" xmlns="" id="{CA175D1C-73A5-4845-9AB0-CF295F3D9C42}"/>
                 </a:ext>
               </a:extLst>
             </p:cNvPr>
@@ -19034,7 +19245,7 @@
             <p:cNvPr id="24" name="Retângulo: Cantos Arredondados 23">
               <a:extLst>
                 <a:ext uri="{FF2B5EF4-FFF2-40B4-BE49-F238E27FC236}">
-                  <a16:creationId xmlns:a16="http://schemas.microsoft.com/office/drawing/2014/main" id="{7A63C487-A65E-43CC-9645-A99C63699FB8}"/>
+                  <a16:creationId xmlns:a16="http://schemas.microsoft.com/office/drawing/2014/main" xmlns="" id="{7A63C487-A65E-43CC-9645-A99C63699FB8}"/>
                 </a:ext>
               </a:extLst>
             </p:cNvPr>
@@ -19088,7 +19299,7 @@
             <p:cNvPr id="25" name="Forma Livre: Forma 24">
               <a:extLst>
                 <a:ext uri="{FF2B5EF4-FFF2-40B4-BE49-F238E27FC236}">
-                  <a16:creationId xmlns:a16="http://schemas.microsoft.com/office/drawing/2014/main" id="{4638A8CE-E3D1-4782-87CA-92684F3FBCA7}"/>
+                  <a16:creationId xmlns:a16="http://schemas.microsoft.com/office/drawing/2014/main" xmlns="" id="{4638A8CE-E3D1-4782-87CA-92684F3FBCA7}"/>
                 </a:ext>
               </a:extLst>
             </p:cNvPr>
@@ -19211,7 +19422,7 @@
             <p:cNvPr id="26" name="Retângulo 25">
               <a:extLst>
                 <a:ext uri="{FF2B5EF4-FFF2-40B4-BE49-F238E27FC236}">
-                  <a16:creationId xmlns:a16="http://schemas.microsoft.com/office/drawing/2014/main" id="{992091FA-C4C3-4783-B90E-71A2B6A75786}"/>
+                  <a16:creationId xmlns:a16="http://schemas.microsoft.com/office/drawing/2014/main" xmlns="" id="{992091FA-C4C3-4783-B90E-71A2B6A75786}"/>
                 </a:ext>
               </a:extLst>
             </p:cNvPr>
@@ -19263,7 +19474,7 @@
             <p:cNvPr id="27" name="Imagem 26">
               <a:extLst>
                 <a:ext uri="{FF2B5EF4-FFF2-40B4-BE49-F238E27FC236}">
-                  <a16:creationId xmlns:a16="http://schemas.microsoft.com/office/drawing/2014/main" id="{6DE629B3-6C36-4A59-B510-9940D53F8F06}"/>
+                  <a16:creationId xmlns:a16="http://schemas.microsoft.com/office/drawing/2014/main" xmlns="" id="{6DE629B3-6C36-4A59-B510-9940D53F8F06}"/>
                 </a:ext>
               </a:extLst>
             </p:cNvPr>
@@ -19299,7 +19510,7 @@
             <p:cNvPr id="28" name="CaixaDeTexto 27">
               <a:extLst>
                 <a:ext uri="{FF2B5EF4-FFF2-40B4-BE49-F238E27FC236}">
-                  <a16:creationId xmlns:a16="http://schemas.microsoft.com/office/drawing/2014/main" id="{370F5196-5F07-4AC7-AB57-13E78AA6FB7B}"/>
+                  <a16:creationId xmlns:a16="http://schemas.microsoft.com/office/drawing/2014/main" xmlns="" id="{370F5196-5F07-4AC7-AB57-13E78AA6FB7B}"/>
                 </a:ext>
               </a:extLst>
             </p:cNvPr>
@@ -19376,7 +19587,7 @@
             <p:cNvPr id="29" name="CaixaDeTexto 28">
               <a:extLst>
                 <a:ext uri="{FF2B5EF4-FFF2-40B4-BE49-F238E27FC236}">
-                  <a16:creationId xmlns:a16="http://schemas.microsoft.com/office/drawing/2014/main" id="{1C2EC9B1-1CF6-400B-BD66-ECFF2B29FE6D}"/>
+                  <a16:creationId xmlns:a16="http://schemas.microsoft.com/office/drawing/2014/main" xmlns="" id="{1C2EC9B1-1CF6-400B-BD66-ECFF2B29FE6D}"/>
                 </a:ext>
               </a:extLst>
             </p:cNvPr>
@@ -19422,6 +19633,13 @@
   <p:clrMapOvr>
     <a:masterClrMapping/>
   </p:clrMapOvr>
+  <p:timing>
+    <p:tnLst>
+      <p:par>
+        <p:cTn id="1" dur="indefinite" restart="never" nodeType="tmRoot"/>
+      </p:par>
+    </p:tnLst>
+  </p:timing>
 </p:sld>
 </file>
 
@@ -19442,6 +19660,1934 @@
           <a:chExt cx="0" cy="0"/>
         </a:xfrm>
       </p:grpSpPr>
+      <p:grpSp>
+        <p:nvGrpSpPr>
+          <p:cNvPr id="33" name="Grupo 32"/>
+          <p:cNvGrpSpPr/>
+          <p:nvPr/>
+        </p:nvGrpSpPr>
+        <p:grpSpPr>
+          <a:xfrm>
+            <a:off x="1619743" y="1343472"/>
+            <a:ext cx="17353922" cy="9649072"/>
+            <a:chOff x="1619743" y="1343472"/>
+            <a:chExt cx="17353922" cy="9649072"/>
+          </a:xfrm>
+        </p:grpSpPr>
+        <p:sp>
+          <p:nvSpPr>
+            <p:cNvPr id="31" name="Retângulo de cantos arredondados 30"/>
+            <p:cNvSpPr/>
+            <p:nvPr/>
+          </p:nvSpPr>
+          <p:spPr>
+            <a:xfrm>
+              <a:off x="1623767" y="1343472"/>
+              <a:ext cx="17349898" cy="9649072"/>
+            </a:xfrm>
+            <a:prstGeom prst="roundRect">
+              <a:avLst>
+                <a:gd name="adj" fmla="val 2076"/>
+              </a:avLst>
+            </a:prstGeom>
+            <a:solidFill>
+              <a:schemeClr val="bg2"/>
+            </a:solidFill>
+            <a:ln>
+              <a:noFill/>
+            </a:ln>
+          </p:spPr>
+          <p:style>
+            <a:lnRef idx="2">
+              <a:schemeClr val="accent1">
+                <a:shade val="50000"/>
+              </a:schemeClr>
+            </a:lnRef>
+            <a:fillRef idx="1">
+              <a:schemeClr val="accent1"/>
+            </a:fillRef>
+            <a:effectRef idx="0">
+              <a:schemeClr val="accent1"/>
+            </a:effectRef>
+            <a:fontRef idx="minor">
+              <a:schemeClr val="lt1"/>
+            </a:fontRef>
+          </p:style>
+          <p:txBody>
+            <a:bodyPr rtlCol="0" anchor="ctr"/>
+            <a:lstStyle/>
+            <a:p>
+              <a:pPr algn="ctr"/>
+              <a:endParaRPr lang="pt-BR"/>
+            </a:p>
+          </p:txBody>
+        </p:sp>
+        <p:grpSp>
+          <p:nvGrpSpPr>
+            <p:cNvPr id="30" name="Grupo 29"/>
+            <p:cNvGrpSpPr/>
+            <p:nvPr/>
+          </p:nvGrpSpPr>
+          <p:grpSpPr>
+            <a:xfrm>
+              <a:off x="1619743" y="1343472"/>
+              <a:ext cx="17353922" cy="2088232"/>
+              <a:chOff x="1260011" y="2063552"/>
+              <a:chExt cx="17353922" cy="2088232"/>
+            </a:xfrm>
+          </p:grpSpPr>
+          <p:grpSp>
+            <p:nvGrpSpPr>
+              <p:cNvPr id="29" name="Grupo 28"/>
+              <p:cNvGrpSpPr/>
+              <p:nvPr/>
+            </p:nvGrpSpPr>
+            <p:grpSpPr>
+              <a:xfrm>
+                <a:off x="1260011" y="2063552"/>
+                <a:ext cx="17353922" cy="2088232"/>
+                <a:chOff x="1260011" y="2063552"/>
+                <a:chExt cx="17353922" cy="2088232"/>
+              </a:xfrm>
+            </p:grpSpPr>
+            <p:sp>
+              <p:nvSpPr>
+                <p:cNvPr id="3" name="Retângulo: Cantos Arredondados 5">
+                  <a:extLst>
+                    <a:ext uri="{FF2B5EF4-FFF2-40B4-BE49-F238E27FC236}">
+                      <a16:creationId xmlns:a16="http://schemas.microsoft.com/office/drawing/2014/main" xmlns="" id="{8904E1ED-51B9-4FC0-B35B-957E2321D3A8}"/>
+                    </a:ext>
+                  </a:extLst>
+                </p:cNvPr>
+                <p:cNvSpPr/>
+                <p:nvPr/>
+              </p:nvSpPr>
+              <p:spPr>
+                <a:xfrm>
+                  <a:off x="1260011" y="2063552"/>
+                  <a:ext cx="17353922" cy="2088232"/>
+                </a:xfrm>
+                <a:prstGeom prst="roundRect">
+                  <a:avLst>
+                    <a:gd name="adj" fmla="val 7514"/>
+                  </a:avLst>
+                </a:prstGeom>
+                <a:solidFill>
+                  <a:schemeClr val="bg1">
+                    <a:lumMod val="65000"/>
+                  </a:schemeClr>
+                </a:solidFill>
+                <a:ln>
+                  <a:noFill/>
+                </a:ln>
+              </p:spPr>
+              <p:style>
+                <a:lnRef idx="2">
+                  <a:schemeClr val="accent1">
+                    <a:shade val="50000"/>
+                  </a:schemeClr>
+                </a:lnRef>
+                <a:fillRef idx="1">
+                  <a:schemeClr val="accent1"/>
+                </a:fillRef>
+                <a:effectRef idx="0">
+                  <a:schemeClr val="accent1"/>
+                </a:effectRef>
+                <a:fontRef idx="minor">
+                  <a:schemeClr val="lt1"/>
+                </a:fontRef>
+              </p:style>
+              <p:txBody>
+                <a:bodyPr rtlCol="0" anchor="ctr"/>
+                <a:lstStyle/>
+                <a:p>
+                  <a:pPr algn="ctr"/>
+                  <a:endParaRPr lang="pt-BR"/>
+                </a:p>
+              </p:txBody>
+            </p:sp>
+            <p:sp>
+              <p:nvSpPr>
+                <p:cNvPr id="5" name="Retângulo 4">
+                  <a:extLst>
+                    <a:ext uri="{FF2B5EF4-FFF2-40B4-BE49-F238E27FC236}">
+                      <a16:creationId xmlns:a16="http://schemas.microsoft.com/office/drawing/2014/main" xmlns="" id="{12A4A458-C3C9-48CC-A1EB-795918592009}"/>
+                    </a:ext>
+                  </a:extLst>
+                </p:cNvPr>
+                <p:cNvSpPr/>
+                <p:nvPr/>
+              </p:nvSpPr>
+              <p:spPr>
+                <a:xfrm>
+                  <a:off x="1264035" y="2351584"/>
+                  <a:ext cx="17349898" cy="1512168"/>
+                </a:xfrm>
+                <a:prstGeom prst="rect">
+                  <a:avLst/>
+                </a:prstGeom>
+                <a:solidFill>
+                  <a:schemeClr val="tx1">
+                    <a:lumMod val="65000"/>
+                    <a:lumOff val="35000"/>
+                  </a:schemeClr>
+                </a:solidFill>
+                <a:ln>
+                  <a:noFill/>
+                </a:ln>
+              </p:spPr>
+              <p:style>
+                <a:lnRef idx="2">
+                  <a:schemeClr val="accent1">
+                    <a:shade val="50000"/>
+                  </a:schemeClr>
+                </a:lnRef>
+                <a:fillRef idx="1">
+                  <a:schemeClr val="accent1"/>
+                </a:fillRef>
+                <a:effectRef idx="0">
+                  <a:schemeClr val="accent1"/>
+                </a:effectRef>
+                <a:fontRef idx="minor">
+                  <a:schemeClr val="lt1"/>
+                </a:fontRef>
+              </p:style>
+              <p:txBody>
+                <a:bodyPr rtlCol="0" anchor="ctr"/>
+                <a:lstStyle/>
+                <a:p>
+                  <a:pPr algn="ctr"/>
+                  <a:endParaRPr lang="pt-BR"/>
+                </a:p>
+              </p:txBody>
+            </p:sp>
+            <p:pic>
+              <p:nvPicPr>
+                <p:cNvPr id="6" name="Imagem 5">
+                  <a:extLst>
+                    <a:ext uri="{FF2B5EF4-FFF2-40B4-BE49-F238E27FC236}">
+                      <a16:creationId xmlns:a16="http://schemas.microsoft.com/office/drawing/2014/main" xmlns="" id="{04AAC6BA-B41A-4999-8335-7D127D96498A}"/>
+                    </a:ext>
+                  </a:extLst>
+                </p:cNvPr>
+                <p:cNvPicPr>
+                  <a:picLocks noChangeAspect="1"/>
+                </p:cNvPicPr>
+                <p:nvPr/>
+              </p:nvPicPr>
+              <p:blipFill>
+                <a:blip r:embed="rId3">
+                  <a:extLst>
+                    <a:ext uri="{28A0092B-C50C-407E-A947-70E740481C1C}">
+                      <a14:useLocalDpi xmlns:a14="http://schemas.microsoft.com/office/drawing/2010/main" val="0"/>
+                    </a:ext>
+                  </a:extLst>
+                </a:blip>
+                <a:stretch>
+                  <a:fillRect/>
+                </a:stretch>
+              </p:blipFill>
+              <p:spPr>
+                <a:xfrm>
+                  <a:off x="15705185" y="2704182"/>
+                  <a:ext cx="2448272" cy="806972"/>
+                </a:xfrm>
+                <a:prstGeom prst="rect">
+                  <a:avLst/>
+                </a:prstGeom>
+              </p:spPr>
+            </p:pic>
+          </p:grpSp>
+          <p:sp>
+            <p:nvSpPr>
+              <p:cNvPr id="25" name="Retângulo de cantos arredondados 24"/>
+              <p:cNvSpPr/>
+              <p:nvPr/>
+            </p:nvSpPr>
+            <p:spPr>
+              <a:xfrm>
+                <a:off x="15101474" y="2563887"/>
+                <a:ext cx="144016" cy="1087562"/>
+              </a:xfrm>
+              <a:prstGeom prst="roundRect">
+                <a:avLst>
+                  <a:gd name="adj" fmla="val 50000"/>
+                </a:avLst>
+              </a:prstGeom>
+              <a:solidFill>
+                <a:schemeClr val="bg1">
+                  <a:lumMod val="95000"/>
+                </a:schemeClr>
+              </a:solidFill>
+              <a:ln>
+                <a:noFill/>
+              </a:ln>
+            </p:spPr>
+            <p:style>
+              <a:lnRef idx="2">
+                <a:schemeClr val="accent1">
+                  <a:shade val="50000"/>
+                </a:schemeClr>
+              </a:lnRef>
+              <a:fillRef idx="1">
+                <a:schemeClr val="accent1"/>
+              </a:fillRef>
+              <a:effectRef idx="0">
+                <a:schemeClr val="accent1"/>
+              </a:effectRef>
+              <a:fontRef idx="minor">
+                <a:schemeClr val="lt1"/>
+              </a:fontRef>
+            </p:style>
+            <p:txBody>
+              <a:bodyPr rtlCol="0" anchor="ctr"/>
+              <a:lstStyle/>
+              <a:p>
+                <a:pPr algn="ctr"/>
+                <a:endParaRPr lang="pt-BR"/>
+              </a:p>
+            </p:txBody>
+          </p:sp>
+          <p:sp>
+            <p:nvSpPr>
+              <p:cNvPr id="26" name="CaixaDeTexto 25"/>
+              <p:cNvSpPr txBox="1"/>
+              <p:nvPr/>
+            </p:nvSpPr>
+            <p:spPr>
+              <a:xfrm>
+                <a:off x="5292453" y="2646003"/>
+                <a:ext cx="6106159" cy="1015663"/>
+              </a:xfrm>
+              <a:prstGeom prst="rect">
+                <a:avLst/>
+              </a:prstGeom>
+              <a:noFill/>
+            </p:spPr>
+            <p:txBody>
+              <a:bodyPr wrap="none" rtlCol="0">
+                <a:spAutoFit/>
+              </a:bodyPr>
+              <a:lstStyle/>
+              <a:p>
+                <a:r>
+                  <a:rPr lang="pt-BR" sz="6000" b="1" dirty="0" smtClean="0">
+                    <a:solidFill>
+                      <a:schemeClr val="bg1"/>
+                    </a:solidFill>
+                    <a:latin typeface="Century Gothic" panose="020B0502020202020204" pitchFamily="34" charset="0"/>
+                  </a:rPr>
+                  <a:t>F</a:t>
+                </a:r>
+                <a:r>
+                  <a:rPr lang="pt-BR" sz="4000" b="1" dirty="0" smtClean="0">
+                    <a:solidFill>
+                      <a:schemeClr val="bg1"/>
+                    </a:solidFill>
+                    <a:latin typeface="Century Gothic" panose="020B0502020202020204" pitchFamily="34" charset="0"/>
+                  </a:rPr>
+                  <a:t>ÓRUM DO </a:t>
+                </a:r>
+                <a:r>
+                  <a:rPr lang="pt-BR" sz="6000" b="1" dirty="0" smtClean="0">
+                    <a:solidFill>
+                      <a:schemeClr val="bg1"/>
+                    </a:solidFill>
+                    <a:latin typeface="Century Gothic" panose="020B0502020202020204" pitchFamily="34" charset="0"/>
+                  </a:rPr>
+                  <a:t>E</a:t>
+                </a:r>
+                <a:r>
+                  <a:rPr lang="pt-BR" sz="4000" b="1" dirty="0" smtClean="0">
+                    <a:solidFill>
+                      <a:schemeClr val="bg1"/>
+                    </a:solidFill>
+                    <a:latin typeface="Century Gothic" panose="020B0502020202020204" pitchFamily="34" charset="0"/>
+                  </a:rPr>
+                  <a:t>STUDANTE:</a:t>
+                </a:r>
+                <a:endParaRPr lang="pt-BR" sz="4000" b="1" dirty="0">
+                  <a:solidFill>
+                    <a:schemeClr val="bg1"/>
+                  </a:solidFill>
+                  <a:latin typeface="Century Gothic" panose="020B0502020202020204" pitchFamily="34" charset="0"/>
+                </a:endParaRPr>
+              </a:p>
+            </p:txBody>
+          </p:sp>
+          <p:pic>
+            <p:nvPicPr>
+              <p:cNvPr id="27" name="Imagem 26"/>
+              <p:cNvPicPr>
+                <a:picLocks noChangeAspect="1"/>
+              </p:cNvPicPr>
+              <p:nvPr/>
+            </p:nvPicPr>
+            <p:blipFill>
+              <a:blip r:embed="rId4" cstate="print">
+                <a:grayscl/>
+                <a:extLst>
+                  <a:ext uri="{28A0092B-C50C-407E-A947-70E740481C1C}">
+                    <a14:useLocalDpi xmlns:a14="http://schemas.microsoft.com/office/drawing/2010/main" val="0"/>
+                  </a:ext>
+                </a:extLst>
+              </a:blip>
+              <a:stretch>
+                <a:fillRect/>
+              </a:stretch>
+            </p:blipFill>
+            <p:spPr>
+              <a:xfrm>
+                <a:off x="1623767" y="2563887"/>
+                <a:ext cx="1117379" cy="1118624"/>
+              </a:xfrm>
+              <a:prstGeom prst="rect">
+                <a:avLst/>
+              </a:prstGeom>
+            </p:spPr>
+          </p:pic>
+          <p:sp>
+            <p:nvSpPr>
+              <p:cNvPr id="28" name="Retângulo de cantos arredondados 27"/>
+              <p:cNvSpPr/>
+              <p:nvPr/>
+            </p:nvSpPr>
+            <p:spPr>
+              <a:xfrm>
+                <a:off x="3132213" y="2563887"/>
+                <a:ext cx="144016" cy="1087562"/>
+              </a:xfrm>
+              <a:prstGeom prst="roundRect">
+                <a:avLst>
+                  <a:gd name="adj" fmla="val 50000"/>
+                </a:avLst>
+              </a:prstGeom>
+              <a:solidFill>
+                <a:schemeClr val="bg1">
+                  <a:lumMod val="95000"/>
+                </a:schemeClr>
+              </a:solidFill>
+              <a:ln>
+                <a:noFill/>
+              </a:ln>
+            </p:spPr>
+            <p:style>
+              <a:lnRef idx="2">
+                <a:schemeClr val="accent1">
+                  <a:shade val="50000"/>
+                </a:schemeClr>
+              </a:lnRef>
+              <a:fillRef idx="1">
+                <a:schemeClr val="accent1"/>
+              </a:fillRef>
+              <a:effectRef idx="0">
+                <a:schemeClr val="accent1"/>
+              </a:effectRef>
+              <a:fontRef idx="minor">
+                <a:schemeClr val="lt1"/>
+              </a:fontRef>
+            </p:style>
+            <p:txBody>
+              <a:bodyPr rtlCol="0" anchor="ctr"/>
+              <a:lstStyle/>
+              <a:p>
+                <a:pPr algn="ctr"/>
+                <a:endParaRPr lang="pt-BR"/>
+              </a:p>
+            </p:txBody>
+          </p:sp>
+        </p:grpSp>
+        <p:sp>
+          <p:nvSpPr>
+            <p:cNvPr id="32" name="Retângulo 31"/>
+            <p:cNvSpPr/>
+            <p:nvPr/>
+          </p:nvSpPr>
+          <p:spPr>
+            <a:xfrm>
+              <a:off x="1619743" y="3143672"/>
+              <a:ext cx="17353922" cy="288032"/>
+            </a:xfrm>
+            <a:prstGeom prst="rect">
+              <a:avLst/>
+            </a:prstGeom>
+            <a:solidFill>
+              <a:schemeClr val="tx1">
+                <a:lumMod val="65000"/>
+                <a:lumOff val="35000"/>
+              </a:schemeClr>
+            </a:solidFill>
+            <a:ln>
+              <a:noFill/>
+            </a:ln>
+          </p:spPr>
+          <p:style>
+            <a:lnRef idx="2">
+              <a:schemeClr val="accent1">
+                <a:shade val="50000"/>
+              </a:schemeClr>
+            </a:lnRef>
+            <a:fillRef idx="1">
+              <a:schemeClr val="accent1"/>
+            </a:fillRef>
+            <a:effectRef idx="0">
+              <a:schemeClr val="accent1"/>
+            </a:effectRef>
+            <a:fontRef idx="minor">
+              <a:schemeClr val="lt1"/>
+            </a:fontRef>
+          </p:style>
+          <p:txBody>
+            <a:bodyPr rtlCol="0" anchor="ctr"/>
+            <a:lstStyle/>
+            <a:p>
+              <a:pPr algn="ctr"/>
+              <a:endParaRPr lang="pt-BR"/>
+            </a:p>
+          </p:txBody>
+        </p:sp>
+      </p:grpSp>
+      <p:sp>
+        <p:nvSpPr>
+          <p:cNvPr id="34" name="Retângulo de cantos arredondados 33"/>
+          <p:cNvSpPr/>
+          <p:nvPr/>
+        </p:nvSpPr>
+        <p:spPr>
+          <a:xfrm>
+            <a:off x="6262854" y="3647728"/>
+            <a:ext cx="253735" cy="7056784"/>
+          </a:xfrm>
+          <a:prstGeom prst="roundRect">
+            <a:avLst>
+              <a:gd name="adj" fmla="val 50000"/>
+            </a:avLst>
+          </a:prstGeom>
+          <a:solidFill>
+            <a:schemeClr val="tx1">
+              <a:lumMod val="65000"/>
+              <a:lumOff val="35000"/>
+            </a:schemeClr>
+          </a:solidFill>
+          <a:ln>
+            <a:noFill/>
+          </a:ln>
+        </p:spPr>
+        <p:style>
+          <a:lnRef idx="2">
+            <a:schemeClr val="accent1">
+              <a:shade val="50000"/>
+            </a:schemeClr>
+          </a:lnRef>
+          <a:fillRef idx="1">
+            <a:schemeClr val="accent1"/>
+          </a:fillRef>
+          <a:effectRef idx="0">
+            <a:schemeClr val="accent1"/>
+          </a:effectRef>
+          <a:fontRef idx="minor">
+            <a:schemeClr val="lt1"/>
+          </a:fontRef>
+        </p:style>
+        <p:txBody>
+          <a:bodyPr rtlCol="0" anchor="ctr"/>
+          <a:lstStyle/>
+          <a:p>
+            <a:pPr algn="ctr"/>
+            <a:endParaRPr lang="pt-BR"/>
+          </a:p>
+        </p:txBody>
+      </p:sp>
+      <p:sp>
+        <p:nvSpPr>
+          <p:cNvPr id="35" name="Retângulo de cantos arredondados 34"/>
+          <p:cNvSpPr/>
+          <p:nvPr/>
+        </p:nvSpPr>
+        <p:spPr>
+          <a:xfrm>
+            <a:off x="6876629" y="3705787"/>
+            <a:ext cx="11636560" cy="6840760"/>
+          </a:xfrm>
+          <a:prstGeom prst="roundRect">
+            <a:avLst>
+              <a:gd name="adj" fmla="val 3009"/>
+            </a:avLst>
+          </a:prstGeom>
+          <a:solidFill>
+            <a:schemeClr val="bg1"/>
+          </a:solidFill>
+          <a:ln>
+            <a:noFill/>
+          </a:ln>
+        </p:spPr>
+        <p:style>
+          <a:lnRef idx="2">
+            <a:schemeClr val="accent1">
+              <a:shade val="50000"/>
+            </a:schemeClr>
+          </a:lnRef>
+          <a:fillRef idx="1">
+            <a:schemeClr val="accent1"/>
+          </a:fillRef>
+          <a:effectRef idx="0">
+            <a:schemeClr val="accent1"/>
+          </a:effectRef>
+          <a:fontRef idx="minor">
+            <a:schemeClr val="lt1"/>
+          </a:fontRef>
+        </p:style>
+        <p:txBody>
+          <a:bodyPr rtlCol="0" anchor="ctr"/>
+          <a:lstStyle/>
+          <a:p>
+            <a:pPr algn="ctr"/>
+            <a:endParaRPr lang="pt-BR"/>
+          </a:p>
+        </p:txBody>
+      </p:sp>
+      <p:sp>
+        <p:nvSpPr>
+          <p:cNvPr id="51" name="Retângulo: Cantos Arredondados 5">
+            <a:extLst>
+              <a:ext uri="{FF2B5EF4-FFF2-40B4-BE49-F238E27FC236}">
+                <a16:creationId xmlns:a16="http://schemas.microsoft.com/office/drawing/2014/main" xmlns="" id="{8904E1ED-51B9-4FC0-B35B-957E2321D3A8}"/>
+              </a:ext>
+            </a:extLst>
+          </p:cNvPr>
+          <p:cNvSpPr/>
+          <p:nvPr/>
+        </p:nvSpPr>
+        <p:spPr>
+          <a:xfrm>
+            <a:off x="1833756" y="3705786"/>
+            <a:ext cx="4151483" cy="6840761"/>
+          </a:xfrm>
+          <a:prstGeom prst="roundRect">
+            <a:avLst>
+              <a:gd name="adj" fmla="val 7514"/>
+            </a:avLst>
+          </a:prstGeom>
+          <a:solidFill>
+            <a:srgbClr val="20CDC4"/>
+          </a:solidFill>
+          <a:ln>
+            <a:noFill/>
+          </a:ln>
+        </p:spPr>
+        <p:style>
+          <a:lnRef idx="2">
+            <a:schemeClr val="accent1">
+              <a:shade val="50000"/>
+            </a:schemeClr>
+          </a:lnRef>
+          <a:fillRef idx="1">
+            <a:schemeClr val="accent1"/>
+          </a:fillRef>
+          <a:effectRef idx="0">
+            <a:schemeClr val="accent1"/>
+          </a:effectRef>
+          <a:fontRef idx="minor">
+            <a:schemeClr val="lt1"/>
+          </a:fontRef>
+        </p:style>
+        <p:txBody>
+          <a:bodyPr rtlCol="0" anchor="ctr"/>
+          <a:lstStyle/>
+          <a:p>
+            <a:pPr algn="ctr"/>
+            <a:endParaRPr lang="pt-BR"/>
+          </a:p>
+        </p:txBody>
+      </p:sp>
+      <p:sp>
+        <p:nvSpPr>
+          <p:cNvPr id="52" name="Retângulo: Cantos Arredondados 5">
+            <a:extLst>
+              <a:ext uri="{FF2B5EF4-FFF2-40B4-BE49-F238E27FC236}">
+                <a16:creationId xmlns:a16="http://schemas.microsoft.com/office/drawing/2014/main" xmlns="" id="{8904E1ED-51B9-4FC0-B35B-957E2321D3A8}"/>
+              </a:ext>
+            </a:extLst>
+          </p:cNvPr>
+          <p:cNvSpPr/>
+          <p:nvPr/>
+        </p:nvSpPr>
+        <p:spPr>
+          <a:xfrm flipH="1" flipV="1">
+            <a:off x="1820336" y="8579061"/>
+            <a:ext cx="4164902" cy="1997151"/>
+          </a:xfrm>
+          <a:custGeom>
+            <a:avLst/>
+            <a:gdLst/>
+            <a:ahLst/>
+            <a:cxnLst/>
+            <a:rect l="l" t="t" r="r" b="b"/>
+            <a:pathLst>
+              <a:path w="4637555" h="2943861">
+                <a:moveTo>
+                  <a:pt x="348466" y="0"/>
+                </a:moveTo>
+                <a:lnTo>
+                  <a:pt x="4289087" y="0"/>
+                </a:lnTo>
+                <a:cubicBezTo>
+                  <a:pt x="4481539" y="0"/>
+                  <a:pt x="4637555" y="156014"/>
+                  <a:pt x="4637555" y="348466"/>
+                </a:cubicBezTo>
+                <a:lnTo>
+                  <a:pt x="4637555" y="2943861"/>
+                </a:lnTo>
+                <a:lnTo>
+                  <a:pt x="0" y="2943861"/>
+                </a:lnTo>
+                <a:lnTo>
+                  <a:pt x="0" y="348466"/>
+                </a:lnTo>
+                <a:cubicBezTo>
+                  <a:pt x="0" y="156014"/>
+                  <a:pt x="156014" y="0"/>
+                  <a:pt x="348466" y="0"/>
+                </a:cubicBezTo>
+                <a:close/>
+              </a:path>
+            </a:pathLst>
+          </a:custGeom>
+          <a:solidFill>
+            <a:schemeClr val="bg1">
+              <a:lumMod val="75000"/>
+            </a:schemeClr>
+          </a:solidFill>
+          <a:ln>
+            <a:noFill/>
+          </a:ln>
+        </p:spPr>
+        <p:style>
+          <a:lnRef idx="2">
+            <a:schemeClr val="accent1">
+              <a:shade val="50000"/>
+            </a:schemeClr>
+          </a:lnRef>
+          <a:fillRef idx="1">
+            <a:schemeClr val="accent1"/>
+          </a:fillRef>
+          <a:effectRef idx="0">
+            <a:schemeClr val="accent1"/>
+          </a:effectRef>
+          <a:fontRef idx="minor">
+            <a:schemeClr val="lt1"/>
+          </a:fontRef>
+        </p:style>
+        <p:txBody>
+          <a:bodyPr rtlCol="0" anchor="ctr"/>
+          <a:lstStyle/>
+          <a:p>
+            <a:pPr algn="ctr"/>
+            <a:endParaRPr lang="pt-BR"/>
+          </a:p>
+        </p:txBody>
+      </p:sp>
+      <p:sp>
+        <p:nvSpPr>
+          <p:cNvPr id="53" name="Retângulo: Cantos Arredondados 5">
+            <a:extLst>
+              <a:ext uri="{FF2B5EF4-FFF2-40B4-BE49-F238E27FC236}">
+                <a16:creationId xmlns:a16="http://schemas.microsoft.com/office/drawing/2014/main" xmlns="" id="{8904E1ED-51B9-4FC0-B35B-957E2321D3A8}"/>
+              </a:ext>
+            </a:extLst>
+          </p:cNvPr>
+          <p:cNvSpPr/>
+          <p:nvPr/>
+        </p:nvSpPr>
+        <p:spPr>
+          <a:xfrm rot="10800000">
+            <a:off x="2103681" y="5431292"/>
+            <a:ext cx="3597583" cy="660834"/>
+          </a:xfrm>
+          <a:prstGeom prst="roundRect">
+            <a:avLst>
+              <a:gd name="adj" fmla="val 50000"/>
+            </a:avLst>
+          </a:prstGeom>
+          <a:solidFill>
+            <a:srgbClr val="1CB0A9"/>
+          </a:solidFill>
+          <a:ln>
+            <a:noFill/>
+          </a:ln>
+        </p:spPr>
+        <p:style>
+          <a:lnRef idx="2">
+            <a:schemeClr val="accent1">
+              <a:shade val="50000"/>
+            </a:schemeClr>
+          </a:lnRef>
+          <a:fillRef idx="1">
+            <a:schemeClr val="accent1"/>
+          </a:fillRef>
+          <a:effectRef idx="0">
+            <a:schemeClr val="accent1"/>
+          </a:effectRef>
+          <a:fontRef idx="minor">
+            <a:schemeClr val="lt1"/>
+          </a:fontRef>
+        </p:style>
+        <p:txBody>
+          <a:bodyPr rtlCol="0" anchor="ctr"/>
+          <a:lstStyle/>
+          <a:p>
+            <a:pPr algn="ctr"/>
+            <a:endParaRPr lang="pt-BR"/>
+          </a:p>
+        </p:txBody>
+      </p:sp>
+      <p:grpSp>
+        <p:nvGrpSpPr>
+          <p:cNvPr id="55" name="Grupo 54"/>
+          <p:cNvGrpSpPr/>
+          <p:nvPr/>
+        </p:nvGrpSpPr>
+        <p:grpSpPr>
+          <a:xfrm>
+            <a:off x="3351110" y="3962705"/>
+            <a:ext cx="1102726" cy="1181840"/>
+            <a:chOff x="6372573" y="2423593"/>
+            <a:chExt cx="792088" cy="792088"/>
+          </a:xfrm>
+        </p:grpSpPr>
+        <p:sp>
+          <p:nvSpPr>
+            <p:cNvPr id="58" name="Elipse 57"/>
+            <p:cNvSpPr/>
+            <p:nvPr/>
+          </p:nvSpPr>
+          <p:spPr>
+            <a:xfrm>
+              <a:off x="6372573" y="2423593"/>
+              <a:ext cx="792088" cy="792088"/>
+            </a:xfrm>
+            <a:prstGeom prst="ellipse">
+              <a:avLst/>
+            </a:prstGeom>
+            <a:solidFill>
+              <a:schemeClr val="bg1"/>
+            </a:solidFill>
+            <a:ln>
+              <a:noFill/>
+            </a:ln>
+          </p:spPr>
+          <p:style>
+            <a:lnRef idx="2">
+              <a:schemeClr val="accent1">
+                <a:shade val="50000"/>
+              </a:schemeClr>
+            </a:lnRef>
+            <a:fillRef idx="1">
+              <a:schemeClr val="accent1"/>
+            </a:fillRef>
+            <a:effectRef idx="0">
+              <a:schemeClr val="accent1"/>
+            </a:effectRef>
+            <a:fontRef idx="minor">
+              <a:schemeClr val="lt1"/>
+            </a:fontRef>
+          </p:style>
+          <p:txBody>
+            <a:bodyPr rtlCol="0" anchor="ctr"/>
+            <a:lstStyle/>
+            <a:p>
+              <a:pPr algn="ctr"/>
+              <a:endParaRPr lang="pt-BR"/>
+            </a:p>
+          </p:txBody>
+        </p:sp>
+        <p:grpSp>
+          <p:nvGrpSpPr>
+            <p:cNvPr id="59" name="Agrupar 3">
+              <a:extLst>
+                <a:ext uri="{FF2B5EF4-FFF2-40B4-BE49-F238E27FC236}">
+                  <a16:creationId xmlns:a16="http://schemas.microsoft.com/office/drawing/2014/main" xmlns="" id="{D7C0B00C-161C-4ABE-A47A-D533F1A6BB89}"/>
+                </a:ext>
+              </a:extLst>
+            </p:cNvPr>
+            <p:cNvGrpSpPr/>
+            <p:nvPr/>
+          </p:nvGrpSpPr>
+          <p:grpSpPr>
+            <a:xfrm>
+              <a:off x="6544556" y="2541599"/>
+              <a:ext cx="448122" cy="528390"/>
+              <a:chOff x="4234341" y="833306"/>
+              <a:chExt cx="3723314" cy="4390239"/>
+            </a:xfrm>
+            <a:solidFill>
+              <a:srgbClr val="007BD0"/>
+            </a:solidFill>
+          </p:grpSpPr>
+          <p:pic>
+            <p:nvPicPr>
+              <p:cNvPr id="60" name="Gráfico 4" descr="Usuário">
+                <a:extLst>
+                  <a:ext uri="{FF2B5EF4-FFF2-40B4-BE49-F238E27FC236}">
+                    <a16:creationId xmlns:a16="http://schemas.microsoft.com/office/drawing/2014/main" xmlns="" id="{A0CA1125-C2CF-49A8-9AE9-7CBD1BF491B9}"/>
+                  </a:ext>
+                </a:extLst>
+              </p:cNvPr>
+              <p:cNvPicPr>
+                <a:picLocks noChangeAspect="1"/>
+              </p:cNvPicPr>
+              <p:nvPr/>
+            </p:nvPicPr>
+            <p:blipFill>
+              <a:blip r:embed="rId5" cstate="print">
+                <a:extLst>
+                  <a:ext uri="{28A0092B-C50C-407E-A947-70E740481C1C}">
+                    <a14:useLocalDpi xmlns:a14="http://schemas.microsoft.com/office/drawing/2010/main" val="0"/>
+                  </a:ext>
+                  <a:ext uri="{96DAC541-7B7A-43D3-8B79-37D633B846F1}">
+                    <asvg:svgBlip xmlns:asvg="http://schemas.microsoft.com/office/drawing/2016/SVG/main" xmlns="" r:embed="rId6"/>
+                  </a:ext>
+                </a:extLst>
+              </a:blip>
+              <a:stretch>
+                <a:fillRect/>
+              </a:stretch>
+            </p:blipFill>
+            <p:spPr>
+              <a:xfrm>
+                <a:off x="4234341" y="1500231"/>
+                <a:ext cx="3723314" cy="3723314"/>
+              </a:xfrm>
+              <a:prstGeom prst="rect">
+                <a:avLst/>
+              </a:prstGeom>
+            </p:spPr>
+          </p:pic>
+          <p:sp>
+            <p:nvSpPr>
+              <p:cNvPr id="61" name="Retângulo 60">
+                <a:extLst>
+                  <a:ext uri="{FF2B5EF4-FFF2-40B4-BE49-F238E27FC236}">
+                    <a16:creationId xmlns:a16="http://schemas.microsoft.com/office/drawing/2014/main" xmlns="" id="{3DD69A3F-0C3D-4962-A956-2D9ED1AA114B}"/>
+                  </a:ext>
+                </a:extLst>
+              </p:cNvPr>
+              <p:cNvSpPr/>
+              <p:nvPr/>
+            </p:nvSpPr>
+            <p:spPr>
+              <a:xfrm>
+                <a:off x="5210960" y="833306"/>
+                <a:ext cx="1770077" cy="1770077"/>
+              </a:xfrm>
+              <a:prstGeom prst="rect">
+                <a:avLst/>
+              </a:prstGeom>
+              <a:grpFill/>
+              <a:ln>
+                <a:noFill/>
+              </a:ln>
+              <a:scene3d>
+                <a:camera prst="isometricTopUp"/>
+                <a:lightRig rig="threePt" dir="t"/>
+              </a:scene3d>
+            </p:spPr>
+            <p:style>
+              <a:lnRef idx="2">
+                <a:schemeClr val="accent1">
+                  <a:shade val="50000"/>
+                </a:schemeClr>
+              </a:lnRef>
+              <a:fillRef idx="1">
+                <a:schemeClr val="accent1"/>
+              </a:fillRef>
+              <a:effectRef idx="0">
+                <a:schemeClr val="accent1"/>
+              </a:effectRef>
+              <a:fontRef idx="minor">
+                <a:schemeClr val="lt1"/>
+              </a:fontRef>
+            </p:style>
+            <p:txBody>
+              <a:bodyPr rtlCol="0" anchor="ctr"/>
+              <a:lstStyle/>
+              <a:p>
+                <a:pPr algn="ctr"/>
+                <a:endParaRPr lang="pt-BR"/>
+              </a:p>
+            </p:txBody>
+          </p:sp>
+          <p:sp>
+            <p:nvSpPr>
+              <p:cNvPr id="62" name="Retângulo: Cantos Arredondados 6">
+                <a:extLst>
+                  <a:ext uri="{FF2B5EF4-FFF2-40B4-BE49-F238E27FC236}">
+                    <a16:creationId xmlns:a16="http://schemas.microsoft.com/office/drawing/2014/main" xmlns="" id="{52EE2D45-D0FA-4F34-95F6-04D56E423317}"/>
+                  </a:ext>
+                </a:extLst>
+              </p:cNvPr>
+              <p:cNvSpPr/>
+              <p:nvPr/>
+            </p:nvSpPr>
+            <p:spPr>
+              <a:xfrm>
+                <a:off x="5513663" y="1957430"/>
+                <a:ext cx="1164673" cy="494951"/>
+              </a:xfrm>
+              <a:prstGeom prst="roundRect">
+                <a:avLst>
+                  <a:gd name="adj" fmla="val 23447"/>
+                </a:avLst>
+              </a:prstGeom>
+              <a:grpFill/>
+              <a:ln>
+                <a:noFill/>
+              </a:ln>
+            </p:spPr>
+            <p:style>
+              <a:lnRef idx="2">
+                <a:schemeClr val="accent1">
+                  <a:shade val="50000"/>
+                </a:schemeClr>
+              </a:lnRef>
+              <a:fillRef idx="1">
+                <a:schemeClr val="accent1"/>
+              </a:fillRef>
+              <a:effectRef idx="0">
+                <a:schemeClr val="accent1"/>
+              </a:effectRef>
+              <a:fontRef idx="minor">
+                <a:schemeClr val="lt1"/>
+              </a:fontRef>
+            </p:style>
+            <p:txBody>
+              <a:bodyPr rtlCol="0" anchor="ctr"/>
+              <a:lstStyle/>
+              <a:p>
+                <a:pPr algn="ctr"/>
+                <a:endParaRPr lang="pt-BR"/>
+              </a:p>
+            </p:txBody>
+          </p:sp>
+          <p:sp>
+            <p:nvSpPr>
+              <p:cNvPr id="63" name="Retângulo: Cantos Arredondados 7">
+                <a:extLst>
+                  <a:ext uri="{FF2B5EF4-FFF2-40B4-BE49-F238E27FC236}">
+                    <a16:creationId xmlns:a16="http://schemas.microsoft.com/office/drawing/2014/main" xmlns="" id="{8EC0EE8C-2C28-44B0-B9FE-03E147A8199A}"/>
+                  </a:ext>
+                </a:extLst>
+              </p:cNvPr>
+              <p:cNvSpPr/>
+              <p:nvPr/>
+            </p:nvSpPr>
+            <p:spPr>
+              <a:xfrm>
+                <a:off x="5026053" y="1634455"/>
+                <a:ext cx="67112" cy="679508"/>
+              </a:xfrm>
+              <a:prstGeom prst="roundRect">
+                <a:avLst>
+                  <a:gd name="adj" fmla="val 50000"/>
+                </a:avLst>
+              </a:prstGeom>
+              <a:grpFill/>
+              <a:ln>
+                <a:noFill/>
+              </a:ln>
+            </p:spPr>
+            <p:style>
+              <a:lnRef idx="2">
+                <a:schemeClr val="accent1">
+                  <a:shade val="50000"/>
+                </a:schemeClr>
+              </a:lnRef>
+              <a:fillRef idx="1">
+                <a:schemeClr val="accent1"/>
+              </a:fillRef>
+              <a:effectRef idx="0">
+                <a:schemeClr val="accent1"/>
+              </a:effectRef>
+              <a:fontRef idx="minor">
+                <a:schemeClr val="lt1"/>
+              </a:fontRef>
+            </p:style>
+            <p:txBody>
+              <a:bodyPr rtlCol="0" anchor="ctr"/>
+              <a:lstStyle/>
+              <a:p>
+                <a:pPr algn="ctr"/>
+                <a:endParaRPr lang="pt-BR"/>
+              </a:p>
+            </p:txBody>
+          </p:sp>
+          <p:grpSp>
+            <p:nvGrpSpPr>
+              <p:cNvPr id="64" name="Agrupar 8">
+                <a:extLst>
+                  <a:ext uri="{FF2B5EF4-FFF2-40B4-BE49-F238E27FC236}">
+                    <a16:creationId xmlns:a16="http://schemas.microsoft.com/office/drawing/2014/main" xmlns="" id="{267C4318-4AB2-4746-9648-43FAC46CA6D1}"/>
+                  </a:ext>
+                </a:extLst>
+              </p:cNvPr>
+              <p:cNvGrpSpPr/>
+              <p:nvPr/>
+            </p:nvGrpSpPr>
+            <p:grpSpPr>
+              <a:xfrm>
+                <a:off x="4970470" y="2238002"/>
+                <a:ext cx="178278" cy="210185"/>
+                <a:chOff x="997241" y="468386"/>
+                <a:chExt cx="1675809" cy="2446782"/>
+              </a:xfrm>
+              <a:grpFill/>
+            </p:grpSpPr>
+            <p:sp>
+              <p:nvSpPr>
+                <p:cNvPr id="65" name="Elipse 64">
+                  <a:extLst>
+                    <a:ext uri="{FF2B5EF4-FFF2-40B4-BE49-F238E27FC236}">
+                      <a16:creationId xmlns:a16="http://schemas.microsoft.com/office/drawing/2014/main" xmlns="" id="{8AA4CB02-361D-40B7-B5E9-E7F2EFF87374}"/>
+                    </a:ext>
+                  </a:extLst>
+                </p:cNvPr>
+                <p:cNvSpPr/>
+                <p:nvPr/>
+              </p:nvSpPr>
+              <p:spPr>
+                <a:xfrm>
+                  <a:off x="997241" y="468386"/>
+                  <a:ext cx="1675809" cy="2362897"/>
+                </a:xfrm>
+                <a:prstGeom prst="ellipse">
+                  <a:avLst/>
+                </a:prstGeom>
+                <a:grpFill/>
+                <a:ln>
+                  <a:noFill/>
+                </a:ln>
+              </p:spPr>
+              <p:style>
+                <a:lnRef idx="2">
+                  <a:schemeClr val="accent1">
+                    <a:shade val="50000"/>
+                  </a:schemeClr>
+                </a:lnRef>
+                <a:fillRef idx="1">
+                  <a:schemeClr val="accent1"/>
+                </a:fillRef>
+                <a:effectRef idx="0">
+                  <a:schemeClr val="accent1"/>
+                </a:effectRef>
+                <a:fontRef idx="minor">
+                  <a:schemeClr val="lt1"/>
+                </a:fontRef>
+              </p:style>
+              <p:txBody>
+                <a:bodyPr rtlCol="0" anchor="ctr"/>
+                <a:lstStyle/>
+                <a:p>
+                  <a:pPr algn="ctr"/>
+                  <a:endParaRPr lang="pt-BR"/>
+                </a:p>
+              </p:txBody>
+            </p:sp>
+            <p:sp>
+              <p:nvSpPr>
+                <p:cNvPr id="66" name="Retângulo: Cantos Arredondados 10">
+                  <a:extLst>
+                    <a:ext uri="{FF2B5EF4-FFF2-40B4-BE49-F238E27FC236}">
+                      <a16:creationId xmlns:a16="http://schemas.microsoft.com/office/drawing/2014/main" xmlns="" id="{F73250F2-2986-478D-84CC-876DADF39F25}"/>
+                    </a:ext>
+                  </a:extLst>
+                </p:cNvPr>
+                <p:cNvSpPr/>
+                <p:nvPr/>
+              </p:nvSpPr>
+              <p:spPr>
+                <a:xfrm>
+                  <a:off x="997241" y="1716946"/>
+                  <a:ext cx="218114" cy="735435"/>
+                </a:xfrm>
+                <a:prstGeom prst="roundRect">
+                  <a:avLst/>
+                </a:prstGeom>
+                <a:grpFill/>
+                <a:ln>
+                  <a:noFill/>
+                </a:ln>
+              </p:spPr>
+              <p:style>
+                <a:lnRef idx="2">
+                  <a:schemeClr val="accent1">
+                    <a:shade val="50000"/>
+                  </a:schemeClr>
+                </a:lnRef>
+                <a:fillRef idx="1">
+                  <a:schemeClr val="accent1"/>
+                </a:fillRef>
+                <a:effectRef idx="0">
+                  <a:schemeClr val="accent1"/>
+                </a:effectRef>
+                <a:fontRef idx="minor">
+                  <a:schemeClr val="lt1"/>
+                </a:fontRef>
+              </p:style>
+              <p:txBody>
+                <a:bodyPr rtlCol="0" anchor="ctr"/>
+                <a:lstStyle/>
+                <a:p>
+                  <a:pPr algn="ctr"/>
+                  <a:endParaRPr lang="pt-BR"/>
+                </a:p>
+              </p:txBody>
+            </p:sp>
+            <p:sp>
+              <p:nvSpPr>
+                <p:cNvPr id="67" name="Retângulo: Cantos Arredondados 11">
+                  <a:extLst>
+                    <a:ext uri="{FF2B5EF4-FFF2-40B4-BE49-F238E27FC236}">
+                      <a16:creationId xmlns:a16="http://schemas.microsoft.com/office/drawing/2014/main" xmlns="" id="{61FF627D-32B0-443C-AF22-BB6C5CF00724}"/>
+                    </a:ext>
+                  </a:extLst>
+                </p:cNvPr>
+                <p:cNvSpPr/>
+                <p:nvPr/>
+              </p:nvSpPr>
+              <p:spPr>
+                <a:xfrm>
+                  <a:off x="1165196" y="1849772"/>
+                  <a:ext cx="218114" cy="735435"/>
+                </a:xfrm>
+                <a:prstGeom prst="roundRect">
+                  <a:avLst/>
+                </a:prstGeom>
+                <a:grpFill/>
+                <a:ln>
+                  <a:noFill/>
+                </a:ln>
+              </p:spPr>
+              <p:style>
+                <a:lnRef idx="2">
+                  <a:schemeClr val="accent1">
+                    <a:shade val="50000"/>
+                  </a:schemeClr>
+                </a:lnRef>
+                <a:fillRef idx="1">
+                  <a:schemeClr val="accent1"/>
+                </a:fillRef>
+                <a:effectRef idx="0">
+                  <a:schemeClr val="accent1"/>
+                </a:effectRef>
+                <a:fontRef idx="minor">
+                  <a:schemeClr val="lt1"/>
+                </a:fontRef>
+              </p:style>
+              <p:txBody>
+                <a:bodyPr rtlCol="0" anchor="ctr"/>
+                <a:lstStyle/>
+                <a:p>
+                  <a:pPr algn="ctr"/>
+                  <a:endParaRPr lang="pt-BR"/>
+                </a:p>
+              </p:txBody>
+            </p:sp>
+            <p:sp>
+              <p:nvSpPr>
+                <p:cNvPr id="68" name="Retângulo: Cantos Arredondados 12">
+                  <a:extLst>
+                    <a:ext uri="{FF2B5EF4-FFF2-40B4-BE49-F238E27FC236}">
+                      <a16:creationId xmlns:a16="http://schemas.microsoft.com/office/drawing/2014/main" xmlns="" id="{FCBC6A68-B0BD-4771-B12B-2666385ADC6F}"/>
+                    </a:ext>
+                  </a:extLst>
+                </p:cNvPr>
+                <p:cNvSpPr/>
+                <p:nvPr/>
+              </p:nvSpPr>
+              <p:spPr>
+                <a:xfrm>
+                  <a:off x="1492323" y="2095848"/>
+                  <a:ext cx="218114" cy="735435"/>
+                </a:xfrm>
+                <a:prstGeom prst="roundRect">
+                  <a:avLst/>
+                </a:prstGeom>
+                <a:grpFill/>
+                <a:ln>
+                  <a:noFill/>
+                </a:ln>
+              </p:spPr>
+              <p:style>
+                <a:lnRef idx="2">
+                  <a:schemeClr val="accent1">
+                    <a:shade val="50000"/>
+                  </a:schemeClr>
+                </a:lnRef>
+                <a:fillRef idx="1">
+                  <a:schemeClr val="accent1"/>
+                </a:fillRef>
+                <a:effectRef idx="0">
+                  <a:schemeClr val="accent1"/>
+                </a:effectRef>
+                <a:fontRef idx="minor">
+                  <a:schemeClr val="lt1"/>
+                </a:fontRef>
+              </p:style>
+              <p:txBody>
+                <a:bodyPr rtlCol="0" anchor="ctr"/>
+                <a:lstStyle/>
+                <a:p>
+                  <a:pPr algn="ctr"/>
+                  <a:endParaRPr lang="pt-BR"/>
+                </a:p>
+              </p:txBody>
+            </p:sp>
+            <p:sp>
+              <p:nvSpPr>
+                <p:cNvPr id="69" name="Retângulo: Cantos Arredondados 13">
+                  <a:extLst>
+                    <a:ext uri="{FF2B5EF4-FFF2-40B4-BE49-F238E27FC236}">
+                      <a16:creationId xmlns:a16="http://schemas.microsoft.com/office/drawing/2014/main" xmlns="" id="{69F32E65-17C4-4CC9-9EA0-529687A215BF}"/>
+                    </a:ext>
+                  </a:extLst>
+                </p:cNvPr>
+                <p:cNvSpPr/>
+                <p:nvPr/>
+              </p:nvSpPr>
+              <p:spPr>
+                <a:xfrm>
+                  <a:off x="1149641" y="1869346"/>
+                  <a:ext cx="218114" cy="735435"/>
+                </a:xfrm>
+                <a:prstGeom prst="roundRect">
+                  <a:avLst/>
+                </a:prstGeom>
+                <a:grpFill/>
+                <a:ln>
+                  <a:noFill/>
+                </a:ln>
+              </p:spPr>
+              <p:style>
+                <a:lnRef idx="2">
+                  <a:schemeClr val="accent1">
+                    <a:shade val="50000"/>
+                  </a:schemeClr>
+                </a:lnRef>
+                <a:fillRef idx="1">
+                  <a:schemeClr val="accent1"/>
+                </a:fillRef>
+                <a:effectRef idx="0">
+                  <a:schemeClr val="accent1"/>
+                </a:effectRef>
+                <a:fontRef idx="minor">
+                  <a:schemeClr val="lt1"/>
+                </a:fontRef>
+              </p:style>
+              <p:txBody>
+                <a:bodyPr rtlCol="0" anchor="ctr"/>
+                <a:lstStyle/>
+                <a:p>
+                  <a:pPr algn="ctr"/>
+                  <a:endParaRPr lang="pt-BR"/>
+                </a:p>
+              </p:txBody>
+            </p:sp>
+            <p:sp>
+              <p:nvSpPr>
+                <p:cNvPr id="70" name="Retângulo: Cantos Arredondados 14">
+                  <a:extLst>
+                    <a:ext uri="{FF2B5EF4-FFF2-40B4-BE49-F238E27FC236}">
+                      <a16:creationId xmlns:a16="http://schemas.microsoft.com/office/drawing/2014/main" xmlns="" id="{8F75668C-DE3B-4832-B093-87AE3521FC40}"/>
+                    </a:ext>
+                  </a:extLst>
+                </p:cNvPr>
+                <p:cNvSpPr/>
+                <p:nvPr/>
+              </p:nvSpPr>
+              <p:spPr>
+                <a:xfrm>
+                  <a:off x="1302041" y="2021746"/>
+                  <a:ext cx="218114" cy="735435"/>
+                </a:xfrm>
+                <a:prstGeom prst="roundRect">
+                  <a:avLst/>
+                </a:prstGeom>
+                <a:grpFill/>
+                <a:ln>
+                  <a:noFill/>
+                </a:ln>
+              </p:spPr>
+              <p:style>
+                <a:lnRef idx="2">
+                  <a:schemeClr val="accent1">
+                    <a:shade val="50000"/>
+                  </a:schemeClr>
+                </a:lnRef>
+                <a:fillRef idx="1">
+                  <a:schemeClr val="accent1"/>
+                </a:fillRef>
+                <a:effectRef idx="0">
+                  <a:schemeClr val="accent1"/>
+                </a:effectRef>
+                <a:fontRef idx="minor">
+                  <a:schemeClr val="lt1"/>
+                </a:fontRef>
+              </p:style>
+              <p:txBody>
+                <a:bodyPr rtlCol="0" anchor="ctr"/>
+                <a:lstStyle/>
+                <a:p>
+                  <a:pPr algn="ctr"/>
+                  <a:endParaRPr lang="pt-BR"/>
+                </a:p>
+              </p:txBody>
+            </p:sp>
+            <p:sp>
+              <p:nvSpPr>
+                <p:cNvPr id="71" name="Retângulo: Cantos Arredondados 15">
+                  <a:extLst>
+                    <a:ext uri="{FF2B5EF4-FFF2-40B4-BE49-F238E27FC236}">
+                      <a16:creationId xmlns:a16="http://schemas.microsoft.com/office/drawing/2014/main" xmlns="" id="{F77488DA-7D8B-4E45-86BE-2E5DF4BD4A3A}"/>
+                    </a:ext>
+                  </a:extLst>
+                </p:cNvPr>
+                <p:cNvSpPr/>
+                <p:nvPr/>
+              </p:nvSpPr>
+              <p:spPr>
+                <a:xfrm>
+                  <a:off x="1697809" y="2014755"/>
+                  <a:ext cx="218114" cy="735435"/>
+                </a:xfrm>
+                <a:prstGeom prst="roundRect">
+                  <a:avLst/>
+                </a:prstGeom>
+                <a:grpFill/>
+                <a:ln>
+                  <a:noFill/>
+                </a:ln>
+              </p:spPr>
+              <p:style>
+                <a:lnRef idx="2">
+                  <a:schemeClr val="accent1">
+                    <a:shade val="50000"/>
+                  </a:schemeClr>
+                </a:lnRef>
+                <a:fillRef idx="1">
+                  <a:schemeClr val="accent1"/>
+                </a:fillRef>
+                <a:effectRef idx="0">
+                  <a:schemeClr val="accent1"/>
+                </a:effectRef>
+                <a:fontRef idx="minor">
+                  <a:schemeClr val="lt1"/>
+                </a:fontRef>
+              </p:style>
+              <p:txBody>
+                <a:bodyPr rtlCol="0" anchor="ctr"/>
+                <a:lstStyle/>
+                <a:p>
+                  <a:pPr algn="ctr"/>
+                  <a:endParaRPr lang="pt-BR"/>
+                </a:p>
+              </p:txBody>
+            </p:sp>
+            <p:sp>
+              <p:nvSpPr>
+                <p:cNvPr id="72" name="Retângulo: Cantos Arredondados 16">
+                  <a:extLst>
+                    <a:ext uri="{FF2B5EF4-FFF2-40B4-BE49-F238E27FC236}">
+                      <a16:creationId xmlns:a16="http://schemas.microsoft.com/office/drawing/2014/main" xmlns="" id="{95855D4E-9787-4579-8A96-E2BB0CF567FE}"/>
+                    </a:ext>
+                  </a:extLst>
+                </p:cNvPr>
+                <p:cNvSpPr/>
+                <p:nvPr/>
+              </p:nvSpPr>
+              <p:spPr>
+                <a:xfrm>
+                  <a:off x="1865764" y="2056699"/>
+                  <a:ext cx="218114" cy="735435"/>
+                </a:xfrm>
+                <a:prstGeom prst="roundRect">
+                  <a:avLst/>
+                </a:prstGeom>
+                <a:grpFill/>
+                <a:ln>
+                  <a:noFill/>
+                </a:ln>
+              </p:spPr>
+              <p:style>
+                <a:lnRef idx="2">
+                  <a:schemeClr val="accent1">
+                    <a:shade val="50000"/>
+                  </a:schemeClr>
+                </a:lnRef>
+                <a:fillRef idx="1">
+                  <a:schemeClr val="accent1"/>
+                </a:fillRef>
+                <a:effectRef idx="0">
+                  <a:schemeClr val="accent1"/>
+                </a:effectRef>
+                <a:fontRef idx="minor">
+                  <a:schemeClr val="lt1"/>
+                </a:fontRef>
+              </p:style>
+              <p:txBody>
+                <a:bodyPr rtlCol="0" anchor="ctr"/>
+                <a:lstStyle/>
+                <a:p>
+                  <a:pPr algn="ctr"/>
+                  <a:endParaRPr lang="pt-BR" dirty="0"/>
+                </a:p>
+              </p:txBody>
+            </p:sp>
+            <p:sp>
+              <p:nvSpPr>
+                <p:cNvPr id="73" name="Retângulo: Cantos Arredondados 17">
+                  <a:extLst>
+                    <a:ext uri="{FF2B5EF4-FFF2-40B4-BE49-F238E27FC236}">
+                      <a16:creationId xmlns:a16="http://schemas.microsoft.com/office/drawing/2014/main" xmlns="" id="{CD991848-2A23-4A4E-8201-C4E62AE9A8FE}"/>
+                    </a:ext>
+                  </a:extLst>
+                </p:cNvPr>
+                <p:cNvSpPr/>
+                <p:nvPr/>
+              </p:nvSpPr>
+              <p:spPr>
+                <a:xfrm>
+                  <a:off x="2065965" y="2095847"/>
+                  <a:ext cx="218114" cy="735435"/>
+                </a:xfrm>
+                <a:prstGeom prst="roundRect">
+                  <a:avLst/>
+                </a:prstGeom>
+                <a:grpFill/>
+                <a:ln>
+                  <a:noFill/>
+                </a:ln>
+              </p:spPr>
+              <p:style>
+                <a:lnRef idx="2">
+                  <a:schemeClr val="accent1">
+                    <a:shade val="50000"/>
+                  </a:schemeClr>
+                </a:lnRef>
+                <a:fillRef idx="1">
+                  <a:schemeClr val="accent1"/>
+                </a:fillRef>
+                <a:effectRef idx="0">
+                  <a:schemeClr val="accent1"/>
+                </a:effectRef>
+                <a:fontRef idx="minor">
+                  <a:schemeClr val="lt1"/>
+                </a:fontRef>
+              </p:style>
+              <p:txBody>
+                <a:bodyPr rtlCol="0" anchor="ctr"/>
+                <a:lstStyle/>
+                <a:p>
+                  <a:pPr algn="ctr"/>
+                  <a:endParaRPr lang="pt-BR" dirty="0"/>
+                </a:p>
+              </p:txBody>
+            </p:sp>
+            <p:sp>
+              <p:nvSpPr>
+                <p:cNvPr id="74" name="Retângulo: Cantos Arredondados 18">
+                  <a:extLst>
+                    <a:ext uri="{FF2B5EF4-FFF2-40B4-BE49-F238E27FC236}">
+                      <a16:creationId xmlns:a16="http://schemas.microsoft.com/office/drawing/2014/main" xmlns="" id="{9E1F9F69-A0C7-4ADC-B34E-1749DC2BCD19}"/>
+                    </a:ext>
+                  </a:extLst>
+                </p:cNvPr>
+                <p:cNvSpPr/>
+                <p:nvPr/>
+              </p:nvSpPr>
+              <p:spPr>
+                <a:xfrm>
+                  <a:off x="2237697" y="1946245"/>
+                  <a:ext cx="218114" cy="735435"/>
+                </a:xfrm>
+                <a:prstGeom prst="roundRect">
+                  <a:avLst/>
+                </a:prstGeom>
+                <a:grpFill/>
+                <a:ln>
+                  <a:noFill/>
+                </a:ln>
+              </p:spPr>
+              <p:style>
+                <a:lnRef idx="2">
+                  <a:schemeClr val="accent1">
+                    <a:shade val="50000"/>
+                  </a:schemeClr>
+                </a:lnRef>
+                <a:fillRef idx="1">
+                  <a:schemeClr val="accent1"/>
+                </a:fillRef>
+                <a:effectRef idx="0">
+                  <a:schemeClr val="accent1"/>
+                </a:effectRef>
+                <a:fontRef idx="minor">
+                  <a:schemeClr val="lt1"/>
+                </a:fontRef>
+              </p:style>
+              <p:txBody>
+                <a:bodyPr rtlCol="0" anchor="ctr"/>
+                <a:lstStyle/>
+                <a:p>
+                  <a:pPr algn="ctr"/>
+                  <a:endParaRPr lang="pt-BR" dirty="0"/>
+                </a:p>
+              </p:txBody>
+            </p:sp>
+            <p:sp>
+              <p:nvSpPr>
+                <p:cNvPr id="75" name="Retângulo: Cantos Arredondados 19">
+                  <a:extLst>
+                    <a:ext uri="{FF2B5EF4-FFF2-40B4-BE49-F238E27FC236}">
+                      <a16:creationId xmlns:a16="http://schemas.microsoft.com/office/drawing/2014/main" xmlns="" id="{F574F9BC-50DE-407D-ABC7-2E93221DE4D5}"/>
+                    </a:ext>
+                  </a:extLst>
+                </p:cNvPr>
+                <p:cNvSpPr/>
+                <p:nvPr/>
+              </p:nvSpPr>
+              <p:spPr>
+                <a:xfrm>
+                  <a:off x="2385225" y="1812021"/>
+                  <a:ext cx="218114" cy="735435"/>
+                </a:xfrm>
+                <a:prstGeom prst="roundRect">
+                  <a:avLst/>
+                </a:prstGeom>
+                <a:grpFill/>
+                <a:ln>
+                  <a:noFill/>
+                </a:ln>
+              </p:spPr>
+              <p:style>
+                <a:lnRef idx="2">
+                  <a:schemeClr val="accent1">
+                    <a:shade val="50000"/>
+                  </a:schemeClr>
+                </a:lnRef>
+                <a:fillRef idx="1">
+                  <a:schemeClr val="accent1"/>
+                </a:fillRef>
+                <a:effectRef idx="0">
+                  <a:schemeClr val="accent1"/>
+                </a:effectRef>
+                <a:fontRef idx="minor">
+                  <a:schemeClr val="lt1"/>
+                </a:fontRef>
+              </p:style>
+              <p:txBody>
+                <a:bodyPr rtlCol="0" anchor="ctr"/>
+                <a:lstStyle/>
+                <a:p>
+                  <a:pPr algn="ctr"/>
+                  <a:endParaRPr lang="pt-BR" dirty="0"/>
+                </a:p>
+              </p:txBody>
+            </p:sp>
+            <p:sp>
+              <p:nvSpPr>
+                <p:cNvPr id="76" name="Retângulo: Cantos Arredondados 20">
+                  <a:extLst>
+                    <a:ext uri="{FF2B5EF4-FFF2-40B4-BE49-F238E27FC236}">
+                      <a16:creationId xmlns:a16="http://schemas.microsoft.com/office/drawing/2014/main" xmlns="" id="{5DDFC425-13C4-4724-A776-34A164676126}"/>
+                    </a:ext>
+                  </a:extLst>
+                </p:cNvPr>
+                <p:cNvSpPr/>
+                <p:nvPr/>
+              </p:nvSpPr>
+              <p:spPr>
+                <a:xfrm>
+                  <a:off x="2454936" y="1634455"/>
+                  <a:ext cx="218114" cy="735435"/>
+                </a:xfrm>
+                <a:prstGeom prst="roundRect">
+                  <a:avLst/>
+                </a:prstGeom>
+                <a:grpFill/>
+                <a:ln>
+                  <a:noFill/>
+                </a:ln>
+              </p:spPr>
+              <p:style>
+                <a:lnRef idx="2">
+                  <a:schemeClr val="accent1">
+                    <a:shade val="50000"/>
+                  </a:schemeClr>
+                </a:lnRef>
+                <a:fillRef idx="1">
+                  <a:schemeClr val="accent1"/>
+                </a:fillRef>
+                <a:effectRef idx="0">
+                  <a:schemeClr val="accent1"/>
+                </a:effectRef>
+                <a:fontRef idx="minor">
+                  <a:schemeClr val="lt1"/>
+                </a:fontRef>
+              </p:style>
+              <p:txBody>
+                <a:bodyPr rtlCol="0" anchor="ctr"/>
+                <a:lstStyle/>
+                <a:p>
+                  <a:pPr algn="ctr"/>
+                  <a:endParaRPr lang="pt-BR" dirty="0"/>
+                </a:p>
+              </p:txBody>
+            </p:sp>
+            <p:sp>
+              <p:nvSpPr>
+                <p:cNvPr id="77" name="Retângulo: Cantos Arredondados 21">
+                  <a:extLst>
+                    <a:ext uri="{FF2B5EF4-FFF2-40B4-BE49-F238E27FC236}">
+                      <a16:creationId xmlns:a16="http://schemas.microsoft.com/office/drawing/2014/main" xmlns="" id="{2E72F04F-DBDE-4F18-9DE9-55494E6B413E}"/>
+                    </a:ext>
+                  </a:extLst>
+                </p:cNvPr>
+                <p:cNvSpPr/>
+                <p:nvPr/>
+              </p:nvSpPr>
+              <p:spPr>
+                <a:xfrm>
+                  <a:off x="1732665" y="2144781"/>
+                  <a:ext cx="218114" cy="735435"/>
+                </a:xfrm>
+                <a:prstGeom prst="roundRect">
+                  <a:avLst/>
+                </a:prstGeom>
+                <a:grpFill/>
+                <a:ln>
+                  <a:noFill/>
+                </a:ln>
+              </p:spPr>
+              <p:style>
+                <a:lnRef idx="2">
+                  <a:schemeClr val="accent1">
+                    <a:shade val="50000"/>
+                  </a:schemeClr>
+                </a:lnRef>
+                <a:fillRef idx="1">
+                  <a:schemeClr val="accent1"/>
+                </a:fillRef>
+                <a:effectRef idx="0">
+                  <a:schemeClr val="accent1"/>
+                </a:effectRef>
+                <a:fontRef idx="minor">
+                  <a:schemeClr val="lt1"/>
+                </a:fontRef>
+              </p:style>
+              <p:txBody>
+                <a:bodyPr rtlCol="0" anchor="ctr"/>
+                <a:lstStyle/>
+                <a:p>
+                  <a:pPr algn="ctr"/>
+                  <a:endParaRPr lang="pt-BR" dirty="0"/>
+                </a:p>
+              </p:txBody>
+            </p:sp>
+            <p:sp>
+              <p:nvSpPr>
+                <p:cNvPr id="78" name="Retângulo: Cantos Arredondados 22">
+                  <a:extLst>
+                    <a:ext uri="{FF2B5EF4-FFF2-40B4-BE49-F238E27FC236}">
+                      <a16:creationId xmlns:a16="http://schemas.microsoft.com/office/drawing/2014/main" xmlns="" id="{BB8378C6-CD2D-408A-8997-692BF7688E0D}"/>
+                    </a:ext>
+                  </a:extLst>
+                </p:cNvPr>
+                <p:cNvSpPr/>
+                <p:nvPr/>
+              </p:nvSpPr>
+              <p:spPr>
+                <a:xfrm>
+                  <a:off x="1918437" y="2179733"/>
+                  <a:ext cx="218114" cy="735435"/>
+                </a:xfrm>
+                <a:prstGeom prst="roundRect">
+                  <a:avLst/>
+                </a:prstGeom>
+                <a:grpFill/>
+                <a:ln>
+                  <a:noFill/>
+                </a:ln>
+              </p:spPr>
+              <p:style>
+                <a:lnRef idx="2">
+                  <a:schemeClr val="accent1">
+                    <a:shade val="50000"/>
+                  </a:schemeClr>
+                </a:lnRef>
+                <a:fillRef idx="1">
+                  <a:schemeClr val="accent1"/>
+                </a:fillRef>
+                <a:effectRef idx="0">
+                  <a:schemeClr val="accent1"/>
+                </a:effectRef>
+                <a:fontRef idx="minor">
+                  <a:schemeClr val="lt1"/>
+                </a:fontRef>
+              </p:style>
+              <p:txBody>
+                <a:bodyPr rtlCol="0" anchor="ctr"/>
+                <a:lstStyle/>
+                <a:p>
+                  <a:pPr algn="ctr"/>
+                  <a:endParaRPr lang="pt-BR" dirty="0"/>
+                </a:p>
+              </p:txBody>
+            </p:sp>
+          </p:grpSp>
+        </p:grpSp>
+      </p:grpSp>
+      <p:sp>
+        <p:nvSpPr>
+          <p:cNvPr id="95" name="Retângulo de cantos arredondados 94"/>
+          <p:cNvSpPr/>
+          <p:nvPr/>
+        </p:nvSpPr>
+        <p:spPr>
+          <a:xfrm>
+            <a:off x="6876629" y="3705787"/>
+            <a:ext cx="11636560" cy="1438758"/>
+          </a:xfrm>
+          <a:prstGeom prst="roundRect">
+            <a:avLst>
+              <a:gd name="adj" fmla="val 19554"/>
+            </a:avLst>
+          </a:prstGeom>
+          <a:solidFill>
+            <a:srgbClr val="21D1C9"/>
+          </a:solidFill>
+          <a:ln>
+            <a:noFill/>
+          </a:ln>
+        </p:spPr>
+        <p:style>
+          <a:lnRef idx="2">
+            <a:schemeClr val="accent1">
+              <a:shade val="50000"/>
+            </a:schemeClr>
+          </a:lnRef>
+          <a:fillRef idx="1">
+            <a:schemeClr val="accent1"/>
+          </a:fillRef>
+          <a:effectRef idx="0">
+            <a:schemeClr val="accent1"/>
+          </a:effectRef>
+          <a:fontRef idx="minor">
+            <a:schemeClr val="lt1"/>
+          </a:fontRef>
+        </p:style>
+        <p:txBody>
+          <a:bodyPr rtlCol="0" anchor="ctr"/>
+          <a:lstStyle/>
+          <a:p>
+            <a:pPr algn="ctr"/>
+            <a:endParaRPr lang="pt-BR"/>
+          </a:p>
+        </p:txBody>
+      </p:sp>
+      <p:sp>
+        <p:nvSpPr>
+          <p:cNvPr id="47" name="Retângulo 46"/>
+          <p:cNvSpPr/>
+          <p:nvPr/>
+        </p:nvSpPr>
+        <p:spPr>
+          <a:xfrm>
+            <a:off x="6876629" y="4871864"/>
+            <a:ext cx="11636560" cy="504127"/>
+          </a:xfrm>
+          <a:prstGeom prst="rect">
+            <a:avLst/>
+          </a:prstGeom>
+          <a:solidFill>
+            <a:srgbClr val="21D1C9"/>
+          </a:solidFill>
+          <a:ln>
+            <a:noFill/>
+          </a:ln>
+        </p:spPr>
+        <p:style>
+          <a:lnRef idx="2">
+            <a:schemeClr val="accent1">
+              <a:shade val="50000"/>
+            </a:schemeClr>
+          </a:lnRef>
+          <a:fillRef idx="1">
+            <a:schemeClr val="accent1"/>
+          </a:fillRef>
+          <a:effectRef idx="0">
+            <a:schemeClr val="accent1"/>
+          </a:effectRef>
+          <a:fontRef idx="minor">
+            <a:schemeClr val="lt1"/>
+          </a:fontRef>
+        </p:style>
+        <p:txBody>
+          <a:bodyPr rtlCol="0" anchor="ctr"/>
+          <a:lstStyle/>
+          <a:p>
+            <a:pPr algn="ctr"/>
+            <a:endParaRPr lang="pt-BR"/>
+          </a:p>
+        </p:txBody>
+      </p:sp>
+      <p:sp>
+        <p:nvSpPr>
+          <p:cNvPr id="48" name="Retângulo de cantos arredondados 47"/>
+          <p:cNvSpPr/>
+          <p:nvPr/>
+        </p:nvSpPr>
+        <p:spPr>
+          <a:xfrm>
+            <a:off x="10981085" y="3962705"/>
+            <a:ext cx="7272808" cy="1161222"/>
+          </a:xfrm>
+          <a:prstGeom prst="roundRect">
+            <a:avLst>
+              <a:gd name="adj" fmla="val 50000"/>
+            </a:avLst>
+          </a:prstGeom>
+          <a:solidFill>
+            <a:schemeClr val="bg1"/>
+          </a:solidFill>
+          <a:ln>
+            <a:noFill/>
+          </a:ln>
+        </p:spPr>
+        <p:style>
+          <a:lnRef idx="2">
+            <a:schemeClr val="accent1">
+              <a:shade val="50000"/>
+            </a:schemeClr>
+          </a:lnRef>
+          <a:fillRef idx="1">
+            <a:schemeClr val="accent1"/>
+          </a:fillRef>
+          <a:effectRef idx="0">
+            <a:schemeClr val="accent1"/>
+          </a:effectRef>
+          <a:fontRef idx="minor">
+            <a:schemeClr val="lt1"/>
+          </a:fontRef>
+        </p:style>
+        <p:txBody>
+          <a:bodyPr rtlCol="0" anchor="ctr"/>
+          <a:lstStyle/>
+          <a:p>
+            <a:pPr algn="ctr"/>
+            <a:endParaRPr lang="pt-BR"/>
+          </a:p>
+        </p:txBody>
+      </p:sp>
     </p:spTree>
     <p:extLst>
       <p:ext uri="{BB962C8B-B14F-4D97-AF65-F5344CB8AC3E}">
@@ -19452,6 +21598,1895 @@
   <p:clrMapOvr>
     <a:masterClrMapping/>
   </p:clrMapOvr>
+  <p:timing>
+    <p:tnLst>
+      <p:par>
+        <p:cTn id="1" dur="indefinite" restart="never" nodeType="tmRoot"/>
+      </p:par>
+    </p:tnLst>
+  </p:timing>
+</p:sld>
+</file>
+
+<file path=ppt/slides/slide26.xml><?xml version="1.0" encoding="utf-8"?>
+<p:sld xmlns:a="http://schemas.openxmlformats.org/drawingml/2006/main" xmlns:r="http://schemas.openxmlformats.org/officeDocument/2006/relationships" xmlns:p="http://schemas.openxmlformats.org/presentationml/2006/main">
+  <p:cSld>
+    <p:spTree>
+      <p:nvGrpSpPr>
+        <p:cNvPr id="1" name=""/>
+        <p:cNvGrpSpPr/>
+        <p:nvPr/>
+      </p:nvGrpSpPr>
+      <p:grpSpPr>
+        <a:xfrm>
+          <a:off x="0" y="0"/>
+          <a:ext cx="0" cy="0"/>
+          <a:chOff x="0" y="0"/>
+          <a:chExt cx="0" cy="0"/>
+        </a:xfrm>
+      </p:grpSpPr>
+      <p:sp>
+        <p:nvSpPr>
+          <p:cNvPr id="4" name="Retângulo de cantos arredondados 3"/>
+          <p:cNvSpPr/>
+          <p:nvPr/>
+        </p:nvSpPr>
+        <p:spPr>
+          <a:xfrm>
+            <a:off x="1870398" y="2243572"/>
+            <a:ext cx="3970605" cy="6840760"/>
+          </a:xfrm>
+          <a:prstGeom prst="roundRect">
+            <a:avLst>
+              <a:gd name="adj" fmla="val 3009"/>
+            </a:avLst>
+          </a:prstGeom>
+          <a:solidFill>
+            <a:schemeClr val="bg1">
+              <a:lumMod val="75000"/>
+            </a:schemeClr>
+          </a:solidFill>
+          <a:ln>
+            <a:noFill/>
+          </a:ln>
+        </p:spPr>
+        <p:style>
+          <a:lnRef idx="2">
+            <a:schemeClr val="accent1">
+              <a:shade val="50000"/>
+            </a:schemeClr>
+          </a:lnRef>
+          <a:fillRef idx="1">
+            <a:schemeClr val="accent1"/>
+          </a:fillRef>
+          <a:effectRef idx="0">
+            <a:schemeClr val="accent1"/>
+          </a:effectRef>
+          <a:fontRef idx="minor">
+            <a:schemeClr val="lt1"/>
+          </a:fontRef>
+        </p:style>
+        <p:txBody>
+          <a:bodyPr rtlCol="0" anchor="ctr"/>
+          <a:lstStyle/>
+          <a:p>
+            <a:pPr algn="ctr"/>
+            <a:endParaRPr lang="pt-BR"/>
+          </a:p>
+        </p:txBody>
+      </p:sp>
+      <p:pic>
+        <p:nvPicPr>
+          <p:cNvPr id="5" name="Picture 2"/>
+          <p:cNvPicPr>
+            <a:picLocks noChangeAspect="1" noChangeArrowheads="1"/>
+          </p:cNvPicPr>
+          <p:nvPr/>
+        </p:nvPicPr>
+        <p:blipFill>
+          <a:blip r:embed="rId2" cstate="print">
+            <a:extLst>
+              <a:ext uri="{28A0092B-C50C-407E-A947-70E740481C1C}">
+                <a14:useLocalDpi xmlns:a14="http://schemas.microsoft.com/office/drawing/2010/main" val="0"/>
+              </a:ext>
+            </a:extLst>
+          </a:blip>
+          <a:srcRect/>
+          <a:stretch>
+            <a:fillRect/>
+          </a:stretch>
+        </p:blipFill>
+        <p:spPr bwMode="auto">
+          <a:xfrm>
+            <a:off x="5024766" y="2423592"/>
+            <a:ext cx="648072" cy="674584"/>
+          </a:xfrm>
+          <a:prstGeom prst="rect">
+            <a:avLst/>
+          </a:prstGeom>
+          <a:noFill/>
+          <a:ln>
+            <a:noFill/>
+          </a:ln>
+          <a:extLst>
+            <a:ext uri="{909E8E84-426E-40DD-AFC4-6F175D3DCCD1}">
+              <a14:hiddenFill xmlns:a14="http://schemas.microsoft.com/office/drawing/2010/main">
+                <a:solidFill>
+                  <a:schemeClr val="accent1"/>
+                </a:solidFill>
+              </a14:hiddenFill>
+            </a:ext>
+            <a:ext uri="{91240B29-F687-4F45-9708-019B960494DF}">
+              <a14:hiddenLine xmlns:a14="http://schemas.microsoft.com/office/drawing/2010/main" w="9525">
+                <a:solidFill>
+                  <a:schemeClr val="tx1"/>
+                </a:solidFill>
+                <a:miter lim="800000"/>
+                <a:headEnd/>
+                <a:tailEnd/>
+              </a14:hiddenLine>
+            </a:ext>
+          </a:extLst>
+        </p:spPr>
+      </p:pic>
+      <p:sp>
+        <p:nvSpPr>
+          <p:cNvPr id="6" name="Retângulo de cantos arredondados 5"/>
+          <p:cNvSpPr/>
+          <p:nvPr/>
+        </p:nvSpPr>
+        <p:spPr>
+          <a:xfrm rot="5400000">
+            <a:off x="3702059" y="1394602"/>
+            <a:ext cx="253735" cy="4039908"/>
+          </a:xfrm>
+          <a:prstGeom prst="roundRect">
+            <a:avLst>
+              <a:gd name="adj" fmla="val 50000"/>
+            </a:avLst>
+          </a:prstGeom>
+          <a:solidFill>
+            <a:schemeClr val="tx1">
+              <a:lumMod val="65000"/>
+              <a:lumOff val="35000"/>
+            </a:schemeClr>
+          </a:solidFill>
+          <a:ln>
+            <a:noFill/>
+          </a:ln>
+        </p:spPr>
+        <p:style>
+          <a:lnRef idx="2">
+            <a:schemeClr val="accent1">
+              <a:shade val="50000"/>
+            </a:schemeClr>
+          </a:lnRef>
+          <a:fillRef idx="1">
+            <a:schemeClr val="accent1"/>
+          </a:fillRef>
+          <a:effectRef idx="0">
+            <a:schemeClr val="accent1"/>
+          </a:effectRef>
+          <a:fontRef idx="minor">
+            <a:schemeClr val="lt1"/>
+          </a:fontRef>
+        </p:style>
+        <p:txBody>
+          <a:bodyPr rtlCol="0" anchor="ctr"/>
+          <a:lstStyle/>
+          <a:p>
+            <a:pPr algn="ctr"/>
+            <a:endParaRPr lang="pt-BR"/>
+          </a:p>
+        </p:txBody>
+      </p:sp>
+      <p:pic>
+        <p:nvPicPr>
+          <p:cNvPr id="7" name="Picture 4" descr="Resultado de imagem para victor ramos"/>
+          <p:cNvPicPr>
+            <a:picLocks noChangeAspect="1" noChangeArrowheads="1"/>
+          </p:cNvPicPr>
+          <p:nvPr/>
+        </p:nvPicPr>
+        <p:blipFill>
+          <a:blip r:embed="rId3" cstate="print">
+            <a:extLst>
+              <a:ext uri="{28A0092B-C50C-407E-A947-70E740481C1C}">
+                <a14:useLocalDpi xmlns:a14="http://schemas.microsoft.com/office/drawing/2010/main" val="0"/>
+              </a:ext>
+            </a:extLst>
+          </a:blip>
+          <a:srcRect/>
+          <a:stretch>
+            <a:fillRect/>
+          </a:stretch>
+        </p:blipFill>
+        <p:spPr bwMode="auto">
+          <a:xfrm>
+            <a:off x="1870398" y="2324232"/>
+            <a:ext cx="1903437" cy="928506"/>
+          </a:xfrm>
+          <a:prstGeom prst="ellipse">
+            <a:avLst/>
+          </a:prstGeom>
+          <a:ln>
+            <a:noFill/>
+          </a:ln>
+          <a:effectLst>
+            <a:softEdge rad="112500"/>
+          </a:effectLst>
+          <a:extLst>
+            <a:ext uri="{909E8E84-426E-40DD-AFC4-6F175D3DCCD1}">
+              <a14:hiddenFill xmlns:a14="http://schemas.microsoft.com/office/drawing/2010/main">
+                <a:solidFill>
+                  <a:srgbClr val="FFFFFF"/>
+                </a:solidFill>
+              </a14:hiddenFill>
+            </a:ext>
+          </a:extLst>
+        </p:spPr>
+      </p:pic>
+      <p:sp>
+        <p:nvSpPr>
+          <p:cNvPr id="8" name="CaixaDeTexto 7"/>
+          <p:cNvSpPr txBox="1"/>
+          <p:nvPr/>
+        </p:nvSpPr>
+        <p:spPr>
+          <a:xfrm>
+            <a:off x="3581567" y="2495529"/>
+            <a:ext cx="1374602" cy="584775"/>
+          </a:xfrm>
+          <a:prstGeom prst="rect">
+            <a:avLst/>
+          </a:prstGeom>
+          <a:noFill/>
+        </p:spPr>
+        <p:txBody>
+          <a:bodyPr wrap="square" rtlCol="0">
+            <a:spAutoFit/>
+          </a:bodyPr>
+          <a:lstStyle/>
+          <a:p>
+            <a:r>
+              <a:rPr lang="pt-BR" sz="3200" dirty="0" err="1" smtClean="0"/>
+              <a:t>Vitao</a:t>
+            </a:r>
+            <a:endParaRPr lang="pt-BR" dirty="0"/>
+          </a:p>
+        </p:txBody>
+      </p:sp>
+      <p:grpSp>
+        <p:nvGrpSpPr>
+          <p:cNvPr id="27" name="Grupo 26"/>
+          <p:cNvGrpSpPr/>
+          <p:nvPr/>
+        </p:nvGrpSpPr>
+        <p:grpSpPr>
+          <a:xfrm>
+            <a:off x="16741725" y="2561280"/>
+            <a:ext cx="648455" cy="664808"/>
+            <a:chOff x="11623419" y="4387379"/>
+            <a:chExt cx="4306393" cy="4415003"/>
+          </a:xfrm>
+        </p:grpSpPr>
+        <p:grpSp>
+          <p:nvGrpSpPr>
+            <p:cNvPr id="26" name="Grupo 25"/>
+            <p:cNvGrpSpPr/>
+            <p:nvPr/>
+          </p:nvGrpSpPr>
+          <p:grpSpPr>
+            <a:xfrm>
+              <a:off x="11623419" y="4387379"/>
+              <a:ext cx="4306393" cy="4415003"/>
+              <a:chOff x="14731237" y="2579167"/>
+              <a:chExt cx="4306393" cy="4415003"/>
+            </a:xfrm>
+          </p:grpSpPr>
+          <p:sp>
+            <p:nvSpPr>
+              <p:cNvPr id="18" name="Retângulo de cantos arredondados 17"/>
+              <p:cNvSpPr/>
+              <p:nvPr/>
+            </p:nvSpPr>
+            <p:spPr>
+              <a:xfrm rot="16200000">
+                <a:off x="16446873" y="2633135"/>
+                <a:ext cx="883015" cy="4298499"/>
+              </a:xfrm>
+              <a:prstGeom prst="roundRect">
+                <a:avLst/>
+              </a:prstGeom>
+              <a:solidFill>
+                <a:schemeClr val="accent1">
+                  <a:lumMod val="20000"/>
+                  <a:lumOff val="80000"/>
+                </a:schemeClr>
+              </a:solidFill>
+              <a:ln>
+                <a:noFill/>
+              </a:ln>
+            </p:spPr>
+            <p:style>
+              <a:lnRef idx="2">
+                <a:schemeClr val="accent1">
+                  <a:shade val="50000"/>
+                </a:schemeClr>
+              </a:lnRef>
+              <a:fillRef idx="1">
+                <a:schemeClr val="accent1"/>
+              </a:fillRef>
+              <a:effectRef idx="0">
+                <a:schemeClr val="accent1"/>
+              </a:effectRef>
+              <a:fontRef idx="minor">
+                <a:schemeClr val="lt1"/>
+              </a:fontRef>
+            </p:style>
+            <p:txBody>
+              <a:bodyPr rtlCol="0" anchor="ctr"/>
+              <a:lstStyle/>
+              <a:p>
+                <a:pPr algn="ctr"/>
+                <a:endParaRPr lang="pt-BR"/>
+              </a:p>
+            </p:txBody>
+          </p:sp>
+          <p:sp>
+            <p:nvSpPr>
+              <p:cNvPr id="20" name="Retângulo de cantos arredondados 19"/>
+              <p:cNvSpPr/>
+              <p:nvPr/>
+            </p:nvSpPr>
+            <p:spPr>
+              <a:xfrm>
+                <a:off x="16465170" y="2661284"/>
+                <a:ext cx="919607" cy="4332886"/>
+              </a:xfrm>
+              <a:prstGeom prst="roundRect">
+                <a:avLst/>
+              </a:prstGeom>
+              <a:solidFill>
+                <a:schemeClr val="accent1">
+                  <a:lumMod val="20000"/>
+                  <a:lumOff val="80000"/>
+                </a:schemeClr>
+              </a:solidFill>
+              <a:ln>
+                <a:noFill/>
+              </a:ln>
+            </p:spPr>
+            <p:style>
+              <a:lnRef idx="2">
+                <a:schemeClr val="accent1">
+                  <a:shade val="50000"/>
+                </a:schemeClr>
+              </a:lnRef>
+              <a:fillRef idx="1">
+                <a:schemeClr val="accent1"/>
+              </a:fillRef>
+              <a:effectRef idx="0">
+                <a:schemeClr val="accent1"/>
+              </a:effectRef>
+              <a:fontRef idx="minor">
+                <a:schemeClr val="lt1"/>
+              </a:fontRef>
+            </p:style>
+            <p:txBody>
+              <a:bodyPr rtlCol="0" anchor="ctr"/>
+              <a:lstStyle/>
+              <a:p>
+                <a:pPr algn="ctr"/>
+                <a:endParaRPr lang="pt-BR"/>
+              </a:p>
+            </p:txBody>
+          </p:sp>
+          <p:sp>
+            <p:nvSpPr>
+              <p:cNvPr id="23" name="Retângulo de cantos arredondados 22"/>
+              <p:cNvSpPr/>
+              <p:nvPr/>
+            </p:nvSpPr>
+            <p:spPr>
+              <a:xfrm rot="2767037" flipH="1">
+                <a:off x="16362855" y="2714110"/>
+                <a:ext cx="996721" cy="4259957"/>
+              </a:xfrm>
+              <a:prstGeom prst="roundRect">
+                <a:avLst/>
+              </a:prstGeom>
+              <a:solidFill>
+                <a:schemeClr val="accent1">
+                  <a:lumMod val="20000"/>
+                  <a:lumOff val="80000"/>
+                </a:schemeClr>
+              </a:solidFill>
+              <a:ln>
+                <a:noFill/>
+              </a:ln>
+            </p:spPr>
+            <p:style>
+              <a:lnRef idx="2">
+                <a:schemeClr val="accent1">
+                  <a:shade val="50000"/>
+                </a:schemeClr>
+              </a:lnRef>
+              <a:fillRef idx="1">
+                <a:schemeClr val="accent1"/>
+              </a:fillRef>
+              <a:effectRef idx="0">
+                <a:schemeClr val="accent1"/>
+              </a:effectRef>
+              <a:fontRef idx="minor">
+                <a:schemeClr val="lt1"/>
+              </a:fontRef>
+            </p:style>
+            <p:txBody>
+              <a:bodyPr rtlCol="0" anchor="ctr"/>
+              <a:lstStyle/>
+              <a:p>
+                <a:pPr algn="ctr"/>
+                <a:endParaRPr lang="pt-BR"/>
+              </a:p>
+            </p:txBody>
+          </p:sp>
+          <p:sp>
+            <p:nvSpPr>
+              <p:cNvPr id="25" name="Retângulo de cantos arredondados 24"/>
+              <p:cNvSpPr/>
+              <p:nvPr/>
+            </p:nvSpPr>
+            <p:spPr>
+              <a:xfrm rot="18912966">
+                <a:off x="16501349" y="2579167"/>
+                <a:ext cx="931168" cy="4255366"/>
+              </a:xfrm>
+              <a:prstGeom prst="roundRect">
+                <a:avLst/>
+              </a:prstGeom>
+              <a:solidFill>
+                <a:schemeClr val="accent1">
+                  <a:lumMod val="20000"/>
+                  <a:lumOff val="80000"/>
+                </a:schemeClr>
+              </a:solidFill>
+              <a:ln>
+                <a:noFill/>
+              </a:ln>
+            </p:spPr>
+            <p:style>
+              <a:lnRef idx="2">
+                <a:schemeClr val="accent1">
+                  <a:shade val="50000"/>
+                </a:schemeClr>
+              </a:lnRef>
+              <a:fillRef idx="1">
+                <a:schemeClr val="accent1"/>
+              </a:fillRef>
+              <a:effectRef idx="0">
+                <a:schemeClr val="accent1"/>
+              </a:effectRef>
+              <a:fontRef idx="minor">
+                <a:schemeClr val="lt1"/>
+              </a:fontRef>
+            </p:style>
+            <p:txBody>
+              <a:bodyPr rtlCol="0" anchor="ctr"/>
+              <a:lstStyle/>
+              <a:p>
+                <a:pPr algn="ctr"/>
+                <a:endParaRPr lang="pt-BR"/>
+              </a:p>
+            </p:txBody>
+          </p:sp>
+        </p:grpSp>
+        <p:sp>
+          <p:nvSpPr>
+            <p:cNvPr id="14" name="Elipse 13"/>
+            <p:cNvSpPr/>
+            <p:nvPr/>
+          </p:nvSpPr>
+          <p:spPr>
+            <a:xfrm>
+              <a:off x="11918180" y="4816634"/>
+              <a:ext cx="3642445" cy="3642444"/>
+            </a:xfrm>
+            <a:prstGeom prst="ellipse">
+              <a:avLst/>
+            </a:prstGeom>
+            <a:solidFill>
+              <a:schemeClr val="accent1">
+                <a:lumMod val="20000"/>
+                <a:lumOff val="80000"/>
+              </a:schemeClr>
+            </a:solidFill>
+            <a:ln>
+              <a:noFill/>
+            </a:ln>
+          </p:spPr>
+          <p:style>
+            <a:lnRef idx="2">
+              <a:schemeClr val="accent1">
+                <a:shade val="50000"/>
+              </a:schemeClr>
+            </a:lnRef>
+            <a:fillRef idx="1">
+              <a:schemeClr val="accent1"/>
+            </a:fillRef>
+            <a:effectRef idx="0">
+              <a:schemeClr val="accent1"/>
+            </a:effectRef>
+            <a:fontRef idx="minor">
+              <a:schemeClr val="lt1"/>
+            </a:fontRef>
+          </p:style>
+          <p:txBody>
+            <a:bodyPr rtlCol="0" anchor="ctr"/>
+            <a:lstStyle/>
+            <a:p>
+              <a:pPr algn="ctr"/>
+              <a:endParaRPr lang="pt-BR"/>
+            </a:p>
+          </p:txBody>
+        </p:sp>
+        <p:sp>
+          <p:nvSpPr>
+            <p:cNvPr id="15" name="Elipse 14"/>
+            <p:cNvSpPr/>
+            <p:nvPr/>
+          </p:nvSpPr>
+          <p:spPr>
+            <a:xfrm>
+              <a:off x="12860041" y="5717336"/>
+              <a:ext cx="1841039" cy="1841043"/>
+            </a:xfrm>
+            <a:prstGeom prst="ellipse">
+              <a:avLst/>
+            </a:prstGeom>
+            <a:solidFill>
+              <a:srgbClr val="21D1C9"/>
+            </a:solidFill>
+            <a:ln>
+              <a:noFill/>
+            </a:ln>
+          </p:spPr>
+          <p:style>
+            <a:lnRef idx="2">
+              <a:schemeClr val="accent1">
+                <a:shade val="50000"/>
+              </a:schemeClr>
+            </a:lnRef>
+            <a:fillRef idx="1">
+              <a:schemeClr val="accent1"/>
+            </a:fillRef>
+            <a:effectRef idx="0">
+              <a:schemeClr val="accent1"/>
+            </a:effectRef>
+            <a:fontRef idx="minor">
+              <a:schemeClr val="lt1"/>
+            </a:fontRef>
+          </p:style>
+          <p:txBody>
+            <a:bodyPr rtlCol="0" anchor="ctr"/>
+            <a:lstStyle/>
+            <a:p>
+              <a:pPr algn="ctr"/>
+              <a:endParaRPr lang="pt-BR"/>
+            </a:p>
+          </p:txBody>
+        </p:sp>
+      </p:grpSp>
+      <p:grpSp>
+        <p:nvGrpSpPr>
+          <p:cNvPr id="60" name="Grupo 59"/>
+          <p:cNvGrpSpPr/>
+          <p:nvPr/>
+        </p:nvGrpSpPr>
+        <p:grpSpPr>
+          <a:xfrm>
+            <a:off x="9707144" y="1839077"/>
+            <a:ext cx="4653302" cy="6863579"/>
+            <a:chOff x="9707144" y="1839077"/>
+            <a:chExt cx="4653302" cy="6863579"/>
+          </a:xfrm>
+        </p:grpSpPr>
+        <p:sp>
+          <p:nvSpPr>
+            <p:cNvPr id="11" name="Retângulo: Cantos Arredondados 5">
+              <a:extLst>
+                <a:ext uri="{FF2B5EF4-FFF2-40B4-BE49-F238E27FC236}">
+                  <a16:creationId xmlns:a16="http://schemas.microsoft.com/office/drawing/2014/main" xmlns="" id="{8904E1ED-51B9-4FC0-B35B-957E2321D3A8}"/>
+                </a:ext>
+              </a:extLst>
+            </p:cNvPr>
+            <p:cNvSpPr/>
+            <p:nvPr/>
+          </p:nvSpPr>
+          <p:spPr>
+            <a:xfrm>
+              <a:off x="9707144" y="1839077"/>
+              <a:ext cx="4637554" cy="6863579"/>
+            </a:xfrm>
+            <a:prstGeom prst="roundRect">
+              <a:avLst>
+                <a:gd name="adj" fmla="val 7514"/>
+              </a:avLst>
+            </a:prstGeom>
+            <a:solidFill>
+              <a:srgbClr val="20CDC4"/>
+            </a:solidFill>
+            <a:ln>
+              <a:noFill/>
+            </a:ln>
+          </p:spPr>
+          <p:style>
+            <a:lnRef idx="2">
+              <a:schemeClr val="accent1">
+                <a:shade val="50000"/>
+              </a:schemeClr>
+            </a:lnRef>
+            <a:fillRef idx="1">
+              <a:schemeClr val="accent1"/>
+            </a:fillRef>
+            <a:effectRef idx="0">
+              <a:schemeClr val="accent1"/>
+            </a:effectRef>
+            <a:fontRef idx="minor">
+              <a:schemeClr val="lt1"/>
+            </a:fontRef>
+          </p:style>
+          <p:txBody>
+            <a:bodyPr rtlCol="0" anchor="ctr"/>
+            <a:lstStyle/>
+            <a:p>
+              <a:pPr algn="ctr"/>
+              <a:endParaRPr lang="pt-BR"/>
+            </a:p>
+          </p:txBody>
+        </p:sp>
+        <p:sp>
+          <p:nvSpPr>
+            <p:cNvPr id="56" name="Retângulo: Cantos Arredondados 5">
+              <a:extLst>
+                <a:ext uri="{FF2B5EF4-FFF2-40B4-BE49-F238E27FC236}">
+                  <a16:creationId xmlns:a16="http://schemas.microsoft.com/office/drawing/2014/main" xmlns="" id="{8904E1ED-51B9-4FC0-B35B-957E2321D3A8}"/>
+                </a:ext>
+              </a:extLst>
+            </p:cNvPr>
+            <p:cNvSpPr/>
+            <p:nvPr/>
+          </p:nvSpPr>
+          <p:spPr>
+            <a:xfrm flipH="1" flipV="1">
+              <a:off x="9707144" y="6744072"/>
+              <a:ext cx="4653302" cy="1958584"/>
+            </a:xfrm>
+            <a:custGeom>
+              <a:avLst/>
+              <a:gdLst/>
+              <a:ahLst/>
+              <a:cxnLst/>
+              <a:rect l="l" t="t" r="r" b="b"/>
+              <a:pathLst>
+                <a:path w="4637555" h="2943861">
+                  <a:moveTo>
+                    <a:pt x="348466" y="0"/>
+                  </a:moveTo>
+                  <a:lnTo>
+                    <a:pt x="4289087" y="0"/>
+                  </a:lnTo>
+                  <a:cubicBezTo>
+                    <a:pt x="4481539" y="0"/>
+                    <a:pt x="4637555" y="156014"/>
+                    <a:pt x="4637555" y="348466"/>
+                  </a:cubicBezTo>
+                  <a:lnTo>
+                    <a:pt x="4637555" y="2943861"/>
+                  </a:lnTo>
+                  <a:lnTo>
+                    <a:pt x="0" y="2943861"/>
+                  </a:lnTo>
+                  <a:lnTo>
+                    <a:pt x="0" y="348466"/>
+                  </a:lnTo>
+                  <a:cubicBezTo>
+                    <a:pt x="0" y="156014"/>
+                    <a:pt x="156014" y="0"/>
+                    <a:pt x="348466" y="0"/>
+                  </a:cubicBezTo>
+                  <a:close/>
+                </a:path>
+              </a:pathLst>
+            </a:custGeom>
+            <a:solidFill>
+              <a:schemeClr val="bg1">
+                <a:lumMod val="85000"/>
+              </a:schemeClr>
+            </a:solidFill>
+            <a:ln>
+              <a:noFill/>
+            </a:ln>
+          </p:spPr>
+          <p:style>
+            <a:lnRef idx="2">
+              <a:schemeClr val="accent1">
+                <a:shade val="50000"/>
+              </a:schemeClr>
+            </a:lnRef>
+            <a:fillRef idx="1">
+              <a:schemeClr val="accent1"/>
+            </a:fillRef>
+            <a:effectRef idx="0">
+              <a:schemeClr val="accent1"/>
+            </a:effectRef>
+            <a:fontRef idx="minor">
+              <a:schemeClr val="lt1"/>
+            </a:fontRef>
+          </p:style>
+          <p:txBody>
+            <a:bodyPr rtlCol="0" anchor="ctr"/>
+            <a:lstStyle/>
+            <a:p>
+              <a:pPr algn="ctr"/>
+              <a:endParaRPr lang="pt-BR"/>
+            </a:p>
+          </p:txBody>
+        </p:sp>
+        <p:sp>
+          <p:nvSpPr>
+            <p:cNvPr id="13" name="Retângulo: Cantos Arredondados 5">
+              <a:extLst>
+                <a:ext uri="{FF2B5EF4-FFF2-40B4-BE49-F238E27FC236}">
+                  <a16:creationId xmlns:a16="http://schemas.microsoft.com/office/drawing/2014/main" xmlns="" id="{8904E1ED-51B9-4FC0-B35B-957E2321D3A8}"/>
+                </a:ext>
+              </a:extLst>
+            </p:cNvPr>
+            <p:cNvSpPr/>
+            <p:nvPr/>
+          </p:nvSpPr>
+          <p:spPr>
+            <a:xfrm rot="10800000">
+              <a:off x="10009697" y="3531263"/>
+              <a:ext cx="4032448" cy="648073"/>
+            </a:xfrm>
+            <a:prstGeom prst="roundRect">
+              <a:avLst>
+                <a:gd name="adj" fmla="val 50000"/>
+              </a:avLst>
+            </a:prstGeom>
+            <a:solidFill>
+              <a:srgbClr val="1CB0A9"/>
+            </a:solidFill>
+            <a:ln>
+              <a:noFill/>
+            </a:ln>
+          </p:spPr>
+          <p:style>
+            <a:lnRef idx="2">
+              <a:schemeClr val="accent1">
+                <a:shade val="50000"/>
+              </a:schemeClr>
+            </a:lnRef>
+            <a:fillRef idx="1">
+              <a:schemeClr val="accent1"/>
+            </a:fillRef>
+            <a:effectRef idx="0">
+              <a:schemeClr val="accent1"/>
+            </a:effectRef>
+            <a:fontRef idx="minor">
+              <a:schemeClr val="lt1"/>
+            </a:fontRef>
+          </p:style>
+          <p:txBody>
+            <a:bodyPr rtlCol="0" anchor="ctr"/>
+            <a:lstStyle/>
+            <a:p>
+              <a:pPr algn="ctr"/>
+              <a:endParaRPr lang="pt-BR"/>
+            </a:p>
+          </p:txBody>
+        </p:sp>
+        <p:grpSp>
+          <p:nvGrpSpPr>
+            <p:cNvPr id="51" name="Grupo 50"/>
+            <p:cNvGrpSpPr/>
+            <p:nvPr/>
+          </p:nvGrpSpPr>
+          <p:grpSpPr>
+            <a:xfrm>
+              <a:off x="11407911" y="2091034"/>
+              <a:ext cx="1236020" cy="1236020"/>
+              <a:chOff x="6372573" y="2423593"/>
+              <a:chExt cx="792088" cy="792088"/>
+            </a:xfrm>
+          </p:grpSpPr>
+          <p:sp>
+            <p:nvSpPr>
+              <p:cNvPr id="50" name="Elipse 49"/>
+              <p:cNvSpPr/>
+              <p:nvPr/>
+            </p:nvSpPr>
+            <p:spPr>
+              <a:xfrm>
+                <a:off x="6372573" y="2423593"/>
+                <a:ext cx="792088" cy="792088"/>
+              </a:xfrm>
+              <a:prstGeom prst="ellipse">
+                <a:avLst/>
+              </a:prstGeom>
+              <a:solidFill>
+                <a:schemeClr val="bg1"/>
+              </a:solidFill>
+              <a:ln>
+                <a:noFill/>
+              </a:ln>
+            </p:spPr>
+            <p:style>
+              <a:lnRef idx="2">
+                <a:schemeClr val="accent1">
+                  <a:shade val="50000"/>
+                </a:schemeClr>
+              </a:lnRef>
+              <a:fillRef idx="1">
+                <a:schemeClr val="accent1"/>
+              </a:fillRef>
+              <a:effectRef idx="0">
+                <a:schemeClr val="accent1"/>
+              </a:effectRef>
+              <a:fontRef idx="minor">
+                <a:schemeClr val="lt1"/>
+              </a:fontRef>
+            </p:style>
+            <p:txBody>
+              <a:bodyPr rtlCol="0" anchor="ctr"/>
+              <a:lstStyle/>
+              <a:p>
+                <a:pPr algn="ctr"/>
+                <a:endParaRPr lang="pt-BR"/>
+              </a:p>
+            </p:txBody>
+          </p:sp>
+          <p:grpSp>
+            <p:nvGrpSpPr>
+              <p:cNvPr id="30" name="Agrupar 3">
+                <a:extLst>
+                  <a:ext uri="{FF2B5EF4-FFF2-40B4-BE49-F238E27FC236}">
+                    <a16:creationId xmlns:a16="http://schemas.microsoft.com/office/drawing/2014/main" xmlns="" id="{D7C0B00C-161C-4ABE-A47A-D533F1A6BB89}"/>
+                  </a:ext>
+                </a:extLst>
+              </p:cNvPr>
+              <p:cNvGrpSpPr/>
+              <p:nvPr/>
+            </p:nvGrpSpPr>
+            <p:grpSpPr>
+              <a:xfrm>
+                <a:off x="6544556" y="2541599"/>
+                <a:ext cx="448122" cy="528390"/>
+                <a:chOff x="4234341" y="833306"/>
+                <a:chExt cx="3723314" cy="4390239"/>
+              </a:xfrm>
+              <a:solidFill>
+                <a:srgbClr val="007BD0"/>
+              </a:solidFill>
+            </p:grpSpPr>
+            <p:pic>
+              <p:nvPicPr>
+                <p:cNvPr id="31" name="Gráfico 4" descr="Usuário">
+                  <a:extLst>
+                    <a:ext uri="{FF2B5EF4-FFF2-40B4-BE49-F238E27FC236}">
+                      <a16:creationId xmlns:a16="http://schemas.microsoft.com/office/drawing/2014/main" xmlns="" id="{A0CA1125-C2CF-49A8-9AE9-7CBD1BF491B9}"/>
+                    </a:ext>
+                  </a:extLst>
+                </p:cNvPr>
+                <p:cNvPicPr>
+                  <a:picLocks noChangeAspect="1"/>
+                </p:cNvPicPr>
+                <p:nvPr/>
+              </p:nvPicPr>
+              <p:blipFill>
+                <a:blip r:embed="rId4" cstate="print">
+                  <a:extLst>
+                    <a:ext uri="{28A0092B-C50C-407E-A947-70E740481C1C}">
+                      <a14:useLocalDpi xmlns:a14="http://schemas.microsoft.com/office/drawing/2010/main" val="0"/>
+                    </a:ext>
+                    <a:ext uri="{96DAC541-7B7A-43D3-8B79-37D633B846F1}">
+                      <asvg:svgBlip xmlns:asvg="http://schemas.microsoft.com/office/drawing/2016/SVG/main" xmlns="" r:embed="rId5"/>
+                    </a:ext>
+                  </a:extLst>
+                </a:blip>
+                <a:stretch>
+                  <a:fillRect/>
+                </a:stretch>
+              </p:blipFill>
+              <p:spPr>
+                <a:xfrm>
+                  <a:off x="4234341" y="1500231"/>
+                  <a:ext cx="3723314" cy="3723314"/>
+                </a:xfrm>
+                <a:prstGeom prst="rect">
+                  <a:avLst/>
+                </a:prstGeom>
+              </p:spPr>
+            </p:pic>
+            <p:sp>
+              <p:nvSpPr>
+                <p:cNvPr id="32" name="Retângulo 31">
+                  <a:extLst>
+                    <a:ext uri="{FF2B5EF4-FFF2-40B4-BE49-F238E27FC236}">
+                      <a16:creationId xmlns:a16="http://schemas.microsoft.com/office/drawing/2014/main" xmlns="" id="{3DD69A3F-0C3D-4962-A956-2D9ED1AA114B}"/>
+                    </a:ext>
+                  </a:extLst>
+                </p:cNvPr>
+                <p:cNvSpPr/>
+                <p:nvPr/>
+              </p:nvSpPr>
+              <p:spPr>
+                <a:xfrm>
+                  <a:off x="5210960" y="833306"/>
+                  <a:ext cx="1770077" cy="1770077"/>
+                </a:xfrm>
+                <a:prstGeom prst="rect">
+                  <a:avLst/>
+                </a:prstGeom>
+                <a:grpFill/>
+                <a:ln>
+                  <a:noFill/>
+                </a:ln>
+                <a:scene3d>
+                  <a:camera prst="isometricTopUp"/>
+                  <a:lightRig rig="threePt" dir="t"/>
+                </a:scene3d>
+              </p:spPr>
+              <p:style>
+                <a:lnRef idx="2">
+                  <a:schemeClr val="accent1">
+                    <a:shade val="50000"/>
+                  </a:schemeClr>
+                </a:lnRef>
+                <a:fillRef idx="1">
+                  <a:schemeClr val="accent1"/>
+                </a:fillRef>
+                <a:effectRef idx="0">
+                  <a:schemeClr val="accent1"/>
+                </a:effectRef>
+                <a:fontRef idx="minor">
+                  <a:schemeClr val="lt1"/>
+                </a:fontRef>
+              </p:style>
+              <p:txBody>
+                <a:bodyPr rtlCol="0" anchor="ctr"/>
+                <a:lstStyle/>
+                <a:p>
+                  <a:pPr algn="ctr"/>
+                  <a:endParaRPr lang="pt-BR"/>
+                </a:p>
+              </p:txBody>
+            </p:sp>
+            <p:sp>
+              <p:nvSpPr>
+                <p:cNvPr id="33" name="Retângulo: Cantos Arredondados 6">
+                  <a:extLst>
+                    <a:ext uri="{FF2B5EF4-FFF2-40B4-BE49-F238E27FC236}">
+                      <a16:creationId xmlns:a16="http://schemas.microsoft.com/office/drawing/2014/main" xmlns="" id="{52EE2D45-D0FA-4F34-95F6-04D56E423317}"/>
+                    </a:ext>
+                  </a:extLst>
+                </p:cNvPr>
+                <p:cNvSpPr/>
+                <p:nvPr/>
+              </p:nvSpPr>
+              <p:spPr>
+                <a:xfrm>
+                  <a:off x="5513663" y="1957430"/>
+                  <a:ext cx="1164673" cy="494951"/>
+                </a:xfrm>
+                <a:prstGeom prst="roundRect">
+                  <a:avLst>
+                    <a:gd name="adj" fmla="val 23447"/>
+                  </a:avLst>
+                </a:prstGeom>
+                <a:grpFill/>
+                <a:ln>
+                  <a:noFill/>
+                </a:ln>
+              </p:spPr>
+              <p:style>
+                <a:lnRef idx="2">
+                  <a:schemeClr val="accent1">
+                    <a:shade val="50000"/>
+                  </a:schemeClr>
+                </a:lnRef>
+                <a:fillRef idx="1">
+                  <a:schemeClr val="accent1"/>
+                </a:fillRef>
+                <a:effectRef idx="0">
+                  <a:schemeClr val="accent1"/>
+                </a:effectRef>
+                <a:fontRef idx="minor">
+                  <a:schemeClr val="lt1"/>
+                </a:fontRef>
+              </p:style>
+              <p:txBody>
+                <a:bodyPr rtlCol="0" anchor="ctr"/>
+                <a:lstStyle/>
+                <a:p>
+                  <a:pPr algn="ctr"/>
+                  <a:endParaRPr lang="pt-BR"/>
+                </a:p>
+              </p:txBody>
+            </p:sp>
+            <p:sp>
+              <p:nvSpPr>
+                <p:cNvPr id="34" name="Retângulo: Cantos Arredondados 7">
+                  <a:extLst>
+                    <a:ext uri="{FF2B5EF4-FFF2-40B4-BE49-F238E27FC236}">
+                      <a16:creationId xmlns:a16="http://schemas.microsoft.com/office/drawing/2014/main" xmlns="" id="{8EC0EE8C-2C28-44B0-B9FE-03E147A8199A}"/>
+                    </a:ext>
+                  </a:extLst>
+                </p:cNvPr>
+                <p:cNvSpPr/>
+                <p:nvPr/>
+              </p:nvSpPr>
+              <p:spPr>
+                <a:xfrm>
+                  <a:off x="5026053" y="1634455"/>
+                  <a:ext cx="67112" cy="679508"/>
+                </a:xfrm>
+                <a:prstGeom prst="roundRect">
+                  <a:avLst>
+                    <a:gd name="adj" fmla="val 50000"/>
+                  </a:avLst>
+                </a:prstGeom>
+                <a:grpFill/>
+                <a:ln>
+                  <a:noFill/>
+                </a:ln>
+              </p:spPr>
+              <p:style>
+                <a:lnRef idx="2">
+                  <a:schemeClr val="accent1">
+                    <a:shade val="50000"/>
+                  </a:schemeClr>
+                </a:lnRef>
+                <a:fillRef idx="1">
+                  <a:schemeClr val="accent1"/>
+                </a:fillRef>
+                <a:effectRef idx="0">
+                  <a:schemeClr val="accent1"/>
+                </a:effectRef>
+                <a:fontRef idx="minor">
+                  <a:schemeClr val="lt1"/>
+                </a:fontRef>
+              </p:style>
+              <p:txBody>
+                <a:bodyPr rtlCol="0" anchor="ctr"/>
+                <a:lstStyle/>
+                <a:p>
+                  <a:pPr algn="ctr"/>
+                  <a:endParaRPr lang="pt-BR"/>
+                </a:p>
+              </p:txBody>
+            </p:sp>
+            <p:grpSp>
+              <p:nvGrpSpPr>
+                <p:cNvPr id="35" name="Agrupar 8">
+                  <a:extLst>
+                    <a:ext uri="{FF2B5EF4-FFF2-40B4-BE49-F238E27FC236}">
+                      <a16:creationId xmlns:a16="http://schemas.microsoft.com/office/drawing/2014/main" xmlns="" id="{267C4318-4AB2-4746-9648-43FAC46CA6D1}"/>
+                    </a:ext>
+                  </a:extLst>
+                </p:cNvPr>
+                <p:cNvGrpSpPr/>
+                <p:nvPr/>
+              </p:nvGrpSpPr>
+              <p:grpSpPr>
+                <a:xfrm>
+                  <a:off x="4970470" y="2238002"/>
+                  <a:ext cx="178278" cy="210185"/>
+                  <a:chOff x="997241" y="468386"/>
+                  <a:chExt cx="1675809" cy="2446782"/>
+                </a:xfrm>
+                <a:grpFill/>
+              </p:grpSpPr>
+              <p:sp>
+                <p:nvSpPr>
+                  <p:cNvPr id="36" name="Elipse 35">
+                    <a:extLst>
+                      <a:ext uri="{FF2B5EF4-FFF2-40B4-BE49-F238E27FC236}">
+                        <a16:creationId xmlns:a16="http://schemas.microsoft.com/office/drawing/2014/main" xmlns="" id="{8AA4CB02-361D-40B7-B5E9-E7F2EFF87374}"/>
+                      </a:ext>
+                    </a:extLst>
+                  </p:cNvPr>
+                  <p:cNvSpPr/>
+                  <p:nvPr/>
+                </p:nvSpPr>
+                <p:spPr>
+                  <a:xfrm>
+                    <a:off x="997241" y="468386"/>
+                    <a:ext cx="1675809" cy="2362897"/>
+                  </a:xfrm>
+                  <a:prstGeom prst="ellipse">
+                    <a:avLst/>
+                  </a:prstGeom>
+                  <a:grpFill/>
+                  <a:ln>
+                    <a:noFill/>
+                  </a:ln>
+                </p:spPr>
+                <p:style>
+                  <a:lnRef idx="2">
+                    <a:schemeClr val="accent1">
+                      <a:shade val="50000"/>
+                    </a:schemeClr>
+                  </a:lnRef>
+                  <a:fillRef idx="1">
+                    <a:schemeClr val="accent1"/>
+                  </a:fillRef>
+                  <a:effectRef idx="0">
+                    <a:schemeClr val="accent1"/>
+                  </a:effectRef>
+                  <a:fontRef idx="minor">
+                    <a:schemeClr val="lt1"/>
+                  </a:fontRef>
+                </p:style>
+                <p:txBody>
+                  <a:bodyPr rtlCol="0" anchor="ctr"/>
+                  <a:lstStyle/>
+                  <a:p>
+                    <a:pPr algn="ctr"/>
+                    <a:endParaRPr lang="pt-BR"/>
+                  </a:p>
+                </p:txBody>
+              </p:sp>
+              <p:sp>
+                <p:nvSpPr>
+                  <p:cNvPr id="37" name="Retângulo: Cantos Arredondados 10">
+                    <a:extLst>
+                      <a:ext uri="{FF2B5EF4-FFF2-40B4-BE49-F238E27FC236}">
+                        <a16:creationId xmlns:a16="http://schemas.microsoft.com/office/drawing/2014/main" xmlns="" id="{F73250F2-2986-478D-84CC-876DADF39F25}"/>
+                      </a:ext>
+                    </a:extLst>
+                  </p:cNvPr>
+                  <p:cNvSpPr/>
+                  <p:nvPr/>
+                </p:nvSpPr>
+                <p:spPr>
+                  <a:xfrm>
+                    <a:off x="997241" y="1716946"/>
+                    <a:ext cx="218114" cy="735435"/>
+                  </a:xfrm>
+                  <a:prstGeom prst="roundRect">
+                    <a:avLst/>
+                  </a:prstGeom>
+                  <a:grpFill/>
+                  <a:ln>
+                    <a:noFill/>
+                  </a:ln>
+                </p:spPr>
+                <p:style>
+                  <a:lnRef idx="2">
+                    <a:schemeClr val="accent1">
+                      <a:shade val="50000"/>
+                    </a:schemeClr>
+                  </a:lnRef>
+                  <a:fillRef idx="1">
+                    <a:schemeClr val="accent1"/>
+                  </a:fillRef>
+                  <a:effectRef idx="0">
+                    <a:schemeClr val="accent1"/>
+                  </a:effectRef>
+                  <a:fontRef idx="minor">
+                    <a:schemeClr val="lt1"/>
+                  </a:fontRef>
+                </p:style>
+                <p:txBody>
+                  <a:bodyPr rtlCol="0" anchor="ctr"/>
+                  <a:lstStyle/>
+                  <a:p>
+                    <a:pPr algn="ctr"/>
+                    <a:endParaRPr lang="pt-BR"/>
+                  </a:p>
+                </p:txBody>
+              </p:sp>
+              <p:sp>
+                <p:nvSpPr>
+                  <p:cNvPr id="38" name="Retângulo: Cantos Arredondados 11">
+                    <a:extLst>
+                      <a:ext uri="{FF2B5EF4-FFF2-40B4-BE49-F238E27FC236}">
+                        <a16:creationId xmlns:a16="http://schemas.microsoft.com/office/drawing/2014/main" xmlns="" id="{61FF627D-32B0-443C-AF22-BB6C5CF00724}"/>
+                      </a:ext>
+                    </a:extLst>
+                  </p:cNvPr>
+                  <p:cNvSpPr/>
+                  <p:nvPr/>
+                </p:nvSpPr>
+                <p:spPr>
+                  <a:xfrm>
+                    <a:off x="1165196" y="1849772"/>
+                    <a:ext cx="218114" cy="735435"/>
+                  </a:xfrm>
+                  <a:prstGeom prst="roundRect">
+                    <a:avLst/>
+                  </a:prstGeom>
+                  <a:grpFill/>
+                  <a:ln>
+                    <a:noFill/>
+                  </a:ln>
+                </p:spPr>
+                <p:style>
+                  <a:lnRef idx="2">
+                    <a:schemeClr val="accent1">
+                      <a:shade val="50000"/>
+                    </a:schemeClr>
+                  </a:lnRef>
+                  <a:fillRef idx="1">
+                    <a:schemeClr val="accent1"/>
+                  </a:fillRef>
+                  <a:effectRef idx="0">
+                    <a:schemeClr val="accent1"/>
+                  </a:effectRef>
+                  <a:fontRef idx="minor">
+                    <a:schemeClr val="lt1"/>
+                  </a:fontRef>
+                </p:style>
+                <p:txBody>
+                  <a:bodyPr rtlCol="0" anchor="ctr"/>
+                  <a:lstStyle/>
+                  <a:p>
+                    <a:pPr algn="ctr"/>
+                    <a:endParaRPr lang="pt-BR"/>
+                  </a:p>
+                </p:txBody>
+              </p:sp>
+              <p:sp>
+                <p:nvSpPr>
+                  <p:cNvPr id="39" name="Retângulo: Cantos Arredondados 12">
+                    <a:extLst>
+                      <a:ext uri="{FF2B5EF4-FFF2-40B4-BE49-F238E27FC236}">
+                        <a16:creationId xmlns:a16="http://schemas.microsoft.com/office/drawing/2014/main" xmlns="" id="{FCBC6A68-B0BD-4771-B12B-2666385ADC6F}"/>
+                      </a:ext>
+                    </a:extLst>
+                  </p:cNvPr>
+                  <p:cNvSpPr/>
+                  <p:nvPr/>
+                </p:nvSpPr>
+                <p:spPr>
+                  <a:xfrm>
+                    <a:off x="1492323" y="2095848"/>
+                    <a:ext cx="218114" cy="735435"/>
+                  </a:xfrm>
+                  <a:prstGeom prst="roundRect">
+                    <a:avLst/>
+                  </a:prstGeom>
+                  <a:grpFill/>
+                  <a:ln>
+                    <a:noFill/>
+                  </a:ln>
+                </p:spPr>
+                <p:style>
+                  <a:lnRef idx="2">
+                    <a:schemeClr val="accent1">
+                      <a:shade val="50000"/>
+                    </a:schemeClr>
+                  </a:lnRef>
+                  <a:fillRef idx="1">
+                    <a:schemeClr val="accent1"/>
+                  </a:fillRef>
+                  <a:effectRef idx="0">
+                    <a:schemeClr val="accent1"/>
+                  </a:effectRef>
+                  <a:fontRef idx="minor">
+                    <a:schemeClr val="lt1"/>
+                  </a:fontRef>
+                </p:style>
+                <p:txBody>
+                  <a:bodyPr rtlCol="0" anchor="ctr"/>
+                  <a:lstStyle/>
+                  <a:p>
+                    <a:pPr algn="ctr"/>
+                    <a:endParaRPr lang="pt-BR"/>
+                  </a:p>
+                </p:txBody>
+              </p:sp>
+              <p:sp>
+                <p:nvSpPr>
+                  <p:cNvPr id="40" name="Retângulo: Cantos Arredondados 13">
+                    <a:extLst>
+                      <a:ext uri="{FF2B5EF4-FFF2-40B4-BE49-F238E27FC236}">
+                        <a16:creationId xmlns:a16="http://schemas.microsoft.com/office/drawing/2014/main" xmlns="" id="{69F32E65-17C4-4CC9-9EA0-529687A215BF}"/>
+                      </a:ext>
+                    </a:extLst>
+                  </p:cNvPr>
+                  <p:cNvSpPr/>
+                  <p:nvPr/>
+                </p:nvSpPr>
+                <p:spPr>
+                  <a:xfrm>
+                    <a:off x="1149641" y="1869346"/>
+                    <a:ext cx="218114" cy="735435"/>
+                  </a:xfrm>
+                  <a:prstGeom prst="roundRect">
+                    <a:avLst/>
+                  </a:prstGeom>
+                  <a:grpFill/>
+                  <a:ln>
+                    <a:noFill/>
+                  </a:ln>
+                </p:spPr>
+                <p:style>
+                  <a:lnRef idx="2">
+                    <a:schemeClr val="accent1">
+                      <a:shade val="50000"/>
+                    </a:schemeClr>
+                  </a:lnRef>
+                  <a:fillRef idx="1">
+                    <a:schemeClr val="accent1"/>
+                  </a:fillRef>
+                  <a:effectRef idx="0">
+                    <a:schemeClr val="accent1"/>
+                  </a:effectRef>
+                  <a:fontRef idx="minor">
+                    <a:schemeClr val="lt1"/>
+                  </a:fontRef>
+                </p:style>
+                <p:txBody>
+                  <a:bodyPr rtlCol="0" anchor="ctr"/>
+                  <a:lstStyle/>
+                  <a:p>
+                    <a:pPr algn="ctr"/>
+                    <a:endParaRPr lang="pt-BR"/>
+                  </a:p>
+                </p:txBody>
+              </p:sp>
+              <p:sp>
+                <p:nvSpPr>
+                  <p:cNvPr id="41" name="Retângulo: Cantos Arredondados 14">
+                    <a:extLst>
+                      <a:ext uri="{FF2B5EF4-FFF2-40B4-BE49-F238E27FC236}">
+                        <a16:creationId xmlns:a16="http://schemas.microsoft.com/office/drawing/2014/main" xmlns="" id="{8F75668C-DE3B-4832-B093-87AE3521FC40}"/>
+                      </a:ext>
+                    </a:extLst>
+                  </p:cNvPr>
+                  <p:cNvSpPr/>
+                  <p:nvPr/>
+                </p:nvSpPr>
+                <p:spPr>
+                  <a:xfrm>
+                    <a:off x="1302041" y="2021746"/>
+                    <a:ext cx="218114" cy="735435"/>
+                  </a:xfrm>
+                  <a:prstGeom prst="roundRect">
+                    <a:avLst/>
+                  </a:prstGeom>
+                  <a:grpFill/>
+                  <a:ln>
+                    <a:noFill/>
+                  </a:ln>
+                </p:spPr>
+                <p:style>
+                  <a:lnRef idx="2">
+                    <a:schemeClr val="accent1">
+                      <a:shade val="50000"/>
+                    </a:schemeClr>
+                  </a:lnRef>
+                  <a:fillRef idx="1">
+                    <a:schemeClr val="accent1"/>
+                  </a:fillRef>
+                  <a:effectRef idx="0">
+                    <a:schemeClr val="accent1"/>
+                  </a:effectRef>
+                  <a:fontRef idx="minor">
+                    <a:schemeClr val="lt1"/>
+                  </a:fontRef>
+                </p:style>
+                <p:txBody>
+                  <a:bodyPr rtlCol="0" anchor="ctr"/>
+                  <a:lstStyle/>
+                  <a:p>
+                    <a:pPr algn="ctr"/>
+                    <a:endParaRPr lang="pt-BR"/>
+                  </a:p>
+                </p:txBody>
+              </p:sp>
+              <p:sp>
+                <p:nvSpPr>
+                  <p:cNvPr id="42" name="Retângulo: Cantos Arredondados 15">
+                    <a:extLst>
+                      <a:ext uri="{FF2B5EF4-FFF2-40B4-BE49-F238E27FC236}">
+                        <a16:creationId xmlns:a16="http://schemas.microsoft.com/office/drawing/2014/main" xmlns="" id="{F77488DA-7D8B-4E45-86BE-2E5DF4BD4A3A}"/>
+                      </a:ext>
+                    </a:extLst>
+                  </p:cNvPr>
+                  <p:cNvSpPr/>
+                  <p:nvPr/>
+                </p:nvSpPr>
+                <p:spPr>
+                  <a:xfrm>
+                    <a:off x="1697809" y="2014755"/>
+                    <a:ext cx="218114" cy="735435"/>
+                  </a:xfrm>
+                  <a:prstGeom prst="roundRect">
+                    <a:avLst/>
+                  </a:prstGeom>
+                  <a:grpFill/>
+                  <a:ln>
+                    <a:noFill/>
+                  </a:ln>
+                </p:spPr>
+                <p:style>
+                  <a:lnRef idx="2">
+                    <a:schemeClr val="accent1">
+                      <a:shade val="50000"/>
+                    </a:schemeClr>
+                  </a:lnRef>
+                  <a:fillRef idx="1">
+                    <a:schemeClr val="accent1"/>
+                  </a:fillRef>
+                  <a:effectRef idx="0">
+                    <a:schemeClr val="accent1"/>
+                  </a:effectRef>
+                  <a:fontRef idx="minor">
+                    <a:schemeClr val="lt1"/>
+                  </a:fontRef>
+                </p:style>
+                <p:txBody>
+                  <a:bodyPr rtlCol="0" anchor="ctr"/>
+                  <a:lstStyle/>
+                  <a:p>
+                    <a:pPr algn="ctr"/>
+                    <a:endParaRPr lang="pt-BR"/>
+                  </a:p>
+                </p:txBody>
+              </p:sp>
+              <p:sp>
+                <p:nvSpPr>
+                  <p:cNvPr id="43" name="Retângulo: Cantos Arredondados 16">
+                    <a:extLst>
+                      <a:ext uri="{FF2B5EF4-FFF2-40B4-BE49-F238E27FC236}">
+                        <a16:creationId xmlns:a16="http://schemas.microsoft.com/office/drawing/2014/main" xmlns="" id="{95855D4E-9787-4579-8A96-E2BB0CF567FE}"/>
+                      </a:ext>
+                    </a:extLst>
+                  </p:cNvPr>
+                  <p:cNvSpPr/>
+                  <p:nvPr/>
+                </p:nvSpPr>
+                <p:spPr>
+                  <a:xfrm>
+                    <a:off x="1865764" y="2056699"/>
+                    <a:ext cx="218114" cy="735435"/>
+                  </a:xfrm>
+                  <a:prstGeom prst="roundRect">
+                    <a:avLst/>
+                  </a:prstGeom>
+                  <a:grpFill/>
+                  <a:ln>
+                    <a:noFill/>
+                  </a:ln>
+                </p:spPr>
+                <p:style>
+                  <a:lnRef idx="2">
+                    <a:schemeClr val="accent1">
+                      <a:shade val="50000"/>
+                    </a:schemeClr>
+                  </a:lnRef>
+                  <a:fillRef idx="1">
+                    <a:schemeClr val="accent1"/>
+                  </a:fillRef>
+                  <a:effectRef idx="0">
+                    <a:schemeClr val="accent1"/>
+                  </a:effectRef>
+                  <a:fontRef idx="minor">
+                    <a:schemeClr val="lt1"/>
+                  </a:fontRef>
+                </p:style>
+                <p:txBody>
+                  <a:bodyPr rtlCol="0" anchor="ctr"/>
+                  <a:lstStyle/>
+                  <a:p>
+                    <a:pPr algn="ctr"/>
+                    <a:endParaRPr lang="pt-BR" dirty="0"/>
+                  </a:p>
+                </p:txBody>
+              </p:sp>
+              <p:sp>
+                <p:nvSpPr>
+                  <p:cNvPr id="44" name="Retângulo: Cantos Arredondados 17">
+                    <a:extLst>
+                      <a:ext uri="{FF2B5EF4-FFF2-40B4-BE49-F238E27FC236}">
+                        <a16:creationId xmlns:a16="http://schemas.microsoft.com/office/drawing/2014/main" xmlns="" id="{CD991848-2A23-4A4E-8201-C4E62AE9A8FE}"/>
+                      </a:ext>
+                    </a:extLst>
+                  </p:cNvPr>
+                  <p:cNvSpPr/>
+                  <p:nvPr/>
+                </p:nvSpPr>
+                <p:spPr>
+                  <a:xfrm>
+                    <a:off x="2065965" y="2095847"/>
+                    <a:ext cx="218114" cy="735435"/>
+                  </a:xfrm>
+                  <a:prstGeom prst="roundRect">
+                    <a:avLst/>
+                  </a:prstGeom>
+                  <a:grpFill/>
+                  <a:ln>
+                    <a:noFill/>
+                  </a:ln>
+                </p:spPr>
+                <p:style>
+                  <a:lnRef idx="2">
+                    <a:schemeClr val="accent1">
+                      <a:shade val="50000"/>
+                    </a:schemeClr>
+                  </a:lnRef>
+                  <a:fillRef idx="1">
+                    <a:schemeClr val="accent1"/>
+                  </a:fillRef>
+                  <a:effectRef idx="0">
+                    <a:schemeClr val="accent1"/>
+                  </a:effectRef>
+                  <a:fontRef idx="minor">
+                    <a:schemeClr val="lt1"/>
+                  </a:fontRef>
+                </p:style>
+                <p:txBody>
+                  <a:bodyPr rtlCol="0" anchor="ctr"/>
+                  <a:lstStyle/>
+                  <a:p>
+                    <a:pPr algn="ctr"/>
+                    <a:endParaRPr lang="pt-BR" dirty="0"/>
+                  </a:p>
+                </p:txBody>
+              </p:sp>
+              <p:sp>
+                <p:nvSpPr>
+                  <p:cNvPr id="45" name="Retângulo: Cantos Arredondados 18">
+                    <a:extLst>
+                      <a:ext uri="{FF2B5EF4-FFF2-40B4-BE49-F238E27FC236}">
+                        <a16:creationId xmlns:a16="http://schemas.microsoft.com/office/drawing/2014/main" xmlns="" id="{9E1F9F69-A0C7-4ADC-B34E-1749DC2BCD19}"/>
+                      </a:ext>
+                    </a:extLst>
+                  </p:cNvPr>
+                  <p:cNvSpPr/>
+                  <p:nvPr/>
+                </p:nvSpPr>
+                <p:spPr>
+                  <a:xfrm>
+                    <a:off x="2237697" y="1946245"/>
+                    <a:ext cx="218114" cy="735435"/>
+                  </a:xfrm>
+                  <a:prstGeom prst="roundRect">
+                    <a:avLst/>
+                  </a:prstGeom>
+                  <a:grpFill/>
+                  <a:ln>
+                    <a:noFill/>
+                  </a:ln>
+                </p:spPr>
+                <p:style>
+                  <a:lnRef idx="2">
+                    <a:schemeClr val="accent1">
+                      <a:shade val="50000"/>
+                    </a:schemeClr>
+                  </a:lnRef>
+                  <a:fillRef idx="1">
+                    <a:schemeClr val="accent1"/>
+                  </a:fillRef>
+                  <a:effectRef idx="0">
+                    <a:schemeClr val="accent1"/>
+                  </a:effectRef>
+                  <a:fontRef idx="minor">
+                    <a:schemeClr val="lt1"/>
+                  </a:fontRef>
+                </p:style>
+                <p:txBody>
+                  <a:bodyPr rtlCol="0" anchor="ctr"/>
+                  <a:lstStyle/>
+                  <a:p>
+                    <a:pPr algn="ctr"/>
+                    <a:endParaRPr lang="pt-BR" dirty="0"/>
+                  </a:p>
+                </p:txBody>
+              </p:sp>
+              <p:sp>
+                <p:nvSpPr>
+                  <p:cNvPr id="46" name="Retângulo: Cantos Arredondados 19">
+                    <a:extLst>
+                      <a:ext uri="{FF2B5EF4-FFF2-40B4-BE49-F238E27FC236}">
+                        <a16:creationId xmlns:a16="http://schemas.microsoft.com/office/drawing/2014/main" xmlns="" id="{F574F9BC-50DE-407D-ABC7-2E93221DE4D5}"/>
+                      </a:ext>
+                    </a:extLst>
+                  </p:cNvPr>
+                  <p:cNvSpPr/>
+                  <p:nvPr/>
+                </p:nvSpPr>
+                <p:spPr>
+                  <a:xfrm>
+                    <a:off x="2385225" y="1812021"/>
+                    <a:ext cx="218114" cy="735435"/>
+                  </a:xfrm>
+                  <a:prstGeom prst="roundRect">
+                    <a:avLst/>
+                  </a:prstGeom>
+                  <a:grpFill/>
+                  <a:ln>
+                    <a:noFill/>
+                  </a:ln>
+                </p:spPr>
+                <p:style>
+                  <a:lnRef idx="2">
+                    <a:schemeClr val="accent1">
+                      <a:shade val="50000"/>
+                    </a:schemeClr>
+                  </a:lnRef>
+                  <a:fillRef idx="1">
+                    <a:schemeClr val="accent1"/>
+                  </a:fillRef>
+                  <a:effectRef idx="0">
+                    <a:schemeClr val="accent1"/>
+                  </a:effectRef>
+                  <a:fontRef idx="minor">
+                    <a:schemeClr val="lt1"/>
+                  </a:fontRef>
+                </p:style>
+                <p:txBody>
+                  <a:bodyPr rtlCol="0" anchor="ctr"/>
+                  <a:lstStyle/>
+                  <a:p>
+                    <a:pPr algn="ctr"/>
+                    <a:endParaRPr lang="pt-BR" dirty="0"/>
+                  </a:p>
+                </p:txBody>
+              </p:sp>
+              <p:sp>
+                <p:nvSpPr>
+                  <p:cNvPr id="47" name="Retângulo: Cantos Arredondados 20">
+                    <a:extLst>
+                      <a:ext uri="{FF2B5EF4-FFF2-40B4-BE49-F238E27FC236}">
+                        <a16:creationId xmlns:a16="http://schemas.microsoft.com/office/drawing/2014/main" xmlns="" id="{5DDFC425-13C4-4724-A776-34A164676126}"/>
+                      </a:ext>
+                    </a:extLst>
+                  </p:cNvPr>
+                  <p:cNvSpPr/>
+                  <p:nvPr/>
+                </p:nvSpPr>
+                <p:spPr>
+                  <a:xfrm>
+                    <a:off x="2454936" y="1634455"/>
+                    <a:ext cx="218114" cy="735435"/>
+                  </a:xfrm>
+                  <a:prstGeom prst="roundRect">
+                    <a:avLst/>
+                  </a:prstGeom>
+                  <a:grpFill/>
+                  <a:ln>
+                    <a:noFill/>
+                  </a:ln>
+                </p:spPr>
+                <p:style>
+                  <a:lnRef idx="2">
+                    <a:schemeClr val="accent1">
+                      <a:shade val="50000"/>
+                    </a:schemeClr>
+                  </a:lnRef>
+                  <a:fillRef idx="1">
+                    <a:schemeClr val="accent1"/>
+                  </a:fillRef>
+                  <a:effectRef idx="0">
+                    <a:schemeClr val="accent1"/>
+                  </a:effectRef>
+                  <a:fontRef idx="minor">
+                    <a:schemeClr val="lt1"/>
+                  </a:fontRef>
+                </p:style>
+                <p:txBody>
+                  <a:bodyPr rtlCol="0" anchor="ctr"/>
+                  <a:lstStyle/>
+                  <a:p>
+                    <a:pPr algn="ctr"/>
+                    <a:endParaRPr lang="pt-BR" dirty="0"/>
+                  </a:p>
+                </p:txBody>
+              </p:sp>
+              <p:sp>
+                <p:nvSpPr>
+                  <p:cNvPr id="48" name="Retângulo: Cantos Arredondados 21">
+                    <a:extLst>
+                      <a:ext uri="{FF2B5EF4-FFF2-40B4-BE49-F238E27FC236}">
+                        <a16:creationId xmlns:a16="http://schemas.microsoft.com/office/drawing/2014/main" xmlns="" id="{2E72F04F-DBDE-4F18-9DE9-55494E6B413E}"/>
+                      </a:ext>
+                    </a:extLst>
+                  </p:cNvPr>
+                  <p:cNvSpPr/>
+                  <p:nvPr/>
+                </p:nvSpPr>
+                <p:spPr>
+                  <a:xfrm>
+                    <a:off x="1732665" y="2144781"/>
+                    <a:ext cx="218114" cy="735435"/>
+                  </a:xfrm>
+                  <a:prstGeom prst="roundRect">
+                    <a:avLst/>
+                  </a:prstGeom>
+                  <a:grpFill/>
+                  <a:ln>
+                    <a:noFill/>
+                  </a:ln>
+                </p:spPr>
+                <p:style>
+                  <a:lnRef idx="2">
+                    <a:schemeClr val="accent1">
+                      <a:shade val="50000"/>
+                    </a:schemeClr>
+                  </a:lnRef>
+                  <a:fillRef idx="1">
+                    <a:schemeClr val="accent1"/>
+                  </a:fillRef>
+                  <a:effectRef idx="0">
+                    <a:schemeClr val="accent1"/>
+                  </a:effectRef>
+                  <a:fontRef idx="minor">
+                    <a:schemeClr val="lt1"/>
+                  </a:fontRef>
+                </p:style>
+                <p:txBody>
+                  <a:bodyPr rtlCol="0" anchor="ctr"/>
+                  <a:lstStyle/>
+                  <a:p>
+                    <a:pPr algn="ctr"/>
+                    <a:endParaRPr lang="pt-BR" dirty="0"/>
+                  </a:p>
+                </p:txBody>
+              </p:sp>
+              <p:sp>
+                <p:nvSpPr>
+                  <p:cNvPr id="49" name="Retângulo: Cantos Arredondados 22">
+                    <a:extLst>
+                      <a:ext uri="{FF2B5EF4-FFF2-40B4-BE49-F238E27FC236}">
+                        <a16:creationId xmlns:a16="http://schemas.microsoft.com/office/drawing/2014/main" xmlns="" id="{BB8378C6-CD2D-408A-8997-692BF7688E0D}"/>
+                      </a:ext>
+                    </a:extLst>
+                  </p:cNvPr>
+                  <p:cNvSpPr/>
+                  <p:nvPr/>
+                </p:nvSpPr>
+                <p:spPr>
+                  <a:xfrm>
+                    <a:off x="1918437" y="2179733"/>
+                    <a:ext cx="218114" cy="735435"/>
+                  </a:xfrm>
+                  <a:prstGeom prst="roundRect">
+                    <a:avLst/>
+                  </a:prstGeom>
+                  <a:grpFill/>
+                  <a:ln>
+                    <a:noFill/>
+                  </a:ln>
+                </p:spPr>
+                <p:style>
+                  <a:lnRef idx="2">
+                    <a:schemeClr val="accent1">
+                      <a:shade val="50000"/>
+                    </a:schemeClr>
+                  </a:lnRef>
+                  <a:fillRef idx="1">
+                    <a:schemeClr val="accent1"/>
+                  </a:fillRef>
+                  <a:effectRef idx="0">
+                    <a:schemeClr val="accent1"/>
+                  </a:effectRef>
+                  <a:fontRef idx="minor">
+                    <a:schemeClr val="lt1"/>
+                  </a:fontRef>
+                </p:style>
+                <p:txBody>
+                  <a:bodyPr rtlCol="0" anchor="ctr"/>
+                  <a:lstStyle/>
+                  <a:p>
+                    <a:pPr algn="ctr"/>
+                    <a:endParaRPr lang="pt-BR" dirty="0"/>
+                  </a:p>
+                </p:txBody>
+              </p:sp>
+            </p:grpSp>
+          </p:grpSp>
+        </p:grpSp>
+        <p:sp>
+          <p:nvSpPr>
+            <p:cNvPr id="53" name="Retângulo de cantos arredondados 52"/>
+            <p:cNvSpPr/>
+            <p:nvPr/>
+          </p:nvSpPr>
+          <p:spPr>
+            <a:xfrm>
+              <a:off x="10559846" y="7176120"/>
+              <a:ext cx="3020054" cy="1224136"/>
+            </a:xfrm>
+            <a:prstGeom prst="roundRect">
+              <a:avLst>
+                <a:gd name="adj" fmla="val 50000"/>
+              </a:avLst>
+            </a:prstGeom>
+            <a:solidFill>
+              <a:srgbClr val="178D87"/>
+            </a:solidFill>
+            <a:ln>
+              <a:noFill/>
+            </a:ln>
+          </p:spPr>
+          <p:style>
+            <a:lnRef idx="2">
+              <a:schemeClr val="accent1">
+                <a:shade val="50000"/>
+              </a:schemeClr>
+            </a:lnRef>
+            <a:fillRef idx="1">
+              <a:schemeClr val="accent1"/>
+            </a:fillRef>
+            <a:effectRef idx="0">
+              <a:schemeClr val="accent1"/>
+            </a:effectRef>
+            <a:fontRef idx="minor">
+              <a:schemeClr val="lt1"/>
+            </a:fontRef>
+          </p:style>
+          <p:txBody>
+            <a:bodyPr rtlCol="0" anchor="ctr"/>
+            <a:lstStyle/>
+            <a:p>
+              <a:pPr algn="ctr"/>
+              <a:endParaRPr lang="pt-BR"/>
+            </a:p>
+          </p:txBody>
+        </p:sp>
+        <p:pic>
+          <p:nvPicPr>
+            <p:cNvPr id="52" name="Imagem 51"/>
+            <p:cNvPicPr>
+              <a:picLocks noChangeAspect="1"/>
+            </p:cNvPicPr>
+            <p:nvPr/>
+          </p:nvPicPr>
+          <p:blipFill>
+            <a:blip r:embed="rId6">
+              <a:extLst>
+                <a:ext uri="{28A0092B-C50C-407E-A947-70E740481C1C}">
+                  <a14:useLocalDpi xmlns:a14="http://schemas.microsoft.com/office/drawing/2010/main" val="0"/>
+                </a:ext>
+              </a:extLst>
+            </a:blip>
+            <a:stretch>
+              <a:fillRect/>
+            </a:stretch>
+          </p:blipFill>
+          <p:spPr>
+            <a:xfrm>
+              <a:off x="11044011" y="7464152"/>
+              <a:ext cx="2182557" cy="719390"/>
+            </a:xfrm>
+            <a:prstGeom prst="rect">
+              <a:avLst/>
+            </a:prstGeom>
+          </p:spPr>
+        </p:pic>
+      </p:grpSp>
+    </p:spTree>
+    <p:extLst>
+      <p:ext uri="{BB962C8B-B14F-4D97-AF65-F5344CB8AC3E}">
+        <p14:creationId xmlns:p14="http://schemas.microsoft.com/office/powerpoint/2010/main" val="821088218"/>
+      </p:ext>
+    </p:extLst>
+  </p:cSld>
+  <p:clrMapOvr>
+    <a:masterClrMapping/>
+  </p:clrMapOvr>
+  <p:timing>
+    <p:tnLst>
+      <p:par>
+        <p:cTn id="1" dur="indefinite" restart="never" nodeType="tmRoot"/>
+      </p:par>
+    </p:tnLst>
+  </p:timing>
 </p:sld>
 </file>
 
@@ -19513,7 +23548,7 @@
               <p:cNvPr id="63" name="Agrupar 3">
                 <a:extLst>
                   <a:ext uri="{FF2B5EF4-FFF2-40B4-BE49-F238E27FC236}">
-                    <a16:creationId xmlns:a16="http://schemas.microsoft.com/office/drawing/2014/main" id="{C45FEF34-3D77-4245-91E6-21A8D7F39CAE}"/>
+                    <a16:creationId xmlns:a16="http://schemas.microsoft.com/office/drawing/2014/main" xmlns="" id="{C45FEF34-3D77-4245-91E6-21A8D7F39CAE}"/>
                   </a:ext>
                 </a:extLst>
               </p:cNvPr>
@@ -19533,7 +23568,7 @@
                 <p:cNvPr id="74" name="Retângulo: Cantos Arredondados 4">
                   <a:extLst>
                     <a:ext uri="{FF2B5EF4-FFF2-40B4-BE49-F238E27FC236}">
-                      <a16:creationId xmlns:a16="http://schemas.microsoft.com/office/drawing/2014/main" id="{2901A741-378D-4F90-9213-3C8C001BF999}"/>
+                      <a16:creationId xmlns:a16="http://schemas.microsoft.com/office/drawing/2014/main" xmlns="" id="{2901A741-378D-4F90-9213-3C8C001BF999}"/>
                     </a:ext>
                   </a:extLst>
                 </p:cNvPr>
@@ -19584,7 +23619,7 @@
                 <p:cNvPr id="75" name="Retângulo: Cantos Arredondados 5">
                   <a:extLst>
                     <a:ext uri="{FF2B5EF4-FFF2-40B4-BE49-F238E27FC236}">
-                      <a16:creationId xmlns:a16="http://schemas.microsoft.com/office/drawing/2014/main" id="{842C104C-6712-4FAB-A86A-FAC9CE782474}"/>
+                      <a16:creationId xmlns:a16="http://schemas.microsoft.com/office/drawing/2014/main" xmlns="" id="{842C104C-6712-4FAB-A86A-FAC9CE782474}"/>
                     </a:ext>
                   </a:extLst>
                 </p:cNvPr>
@@ -19638,7 +23673,7 @@
                 <p:cNvPr id="76" name="Retângulo: Cantos Arredondados 6">
                   <a:extLst>
                     <a:ext uri="{FF2B5EF4-FFF2-40B4-BE49-F238E27FC236}">
-                      <a16:creationId xmlns:a16="http://schemas.microsoft.com/office/drawing/2014/main" id="{255A55C9-6EA9-40DD-A50C-94EDA00AB2EC}"/>
+                      <a16:creationId xmlns:a16="http://schemas.microsoft.com/office/drawing/2014/main" xmlns="" id="{255A55C9-6EA9-40DD-A50C-94EDA00AB2EC}"/>
                     </a:ext>
                   </a:extLst>
                 </p:cNvPr>
@@ -19692,7 +23727,7 @@
                 <p:cNvPr id="77" name="Forma Livre: Forma 7">
                   <a:extLst>
                     <a:ext uri="{FF2B5EF4-FFF2-40B4-BE49-F238E27FC236}">
-                      <a16:creationId xmlns:a16="http://schemas.microsoft.com/office/drawing/2014/main" id="{8B1C2CE6-4108-48D3-8CBE-635179488ECA}"/>
+                      <a16:creationId xmlns:a16="http://schemas.microsoft.com/office/drawing/2014/main" xmlns="" id="{8B1C2CE6-4108-48D3-8CBE-635179488ECA}"/>
                     </a:ext>
                   </a:extLst>
                 </p:cNvPr>
@@ -19823,7 +23858,7 @@
                 <p:cNvPr id="78" name="Retângulo 77">
                   <a:extLst>
                     <a:ext uri="{FF2B5EF4-FFF2-40B4-BE49-F238E27FC236}">
-                      <a16:creationId xmlns:a16="http://schemas.microsoft.com/office/drawing/2014/main" id="{6444A46D-5BDF-4712-88E7-104DA9FAAFD4}"/>
+                      <a16:creationId xmlns:a16="http://schemas.microsoft.com/office/drawing/2014/main" xmlns="" id="{6444A46D-5BDF-4712-88E7-104DA9FAAFD4}"/>
                     </a:ext>
                   </a:extLst>
                 </p:cNvPr>
@@ -19875,7 +23910,7 @@
                 <p:cNvPr id="79" name="Retângulo: Cantos Arredondados 9">
                   <a:extLst>
                     <a:ext uri="{FF2B5EF4-FFF2-40B4-BE49-F238E27FC236}">
-                      <a16:creationId xmlns:a16="http://schemas.microsoft.com/office/drawing/2014/main" id="{881B3B66-2052-48AF-979B-60B32E1F7F9E}"/>
+                      <a16:creationId xmlns:a16="http://schemas.microsoft.com/office/drawing/2014/main" xmlns="" id="{881B3B66-2052-48AF-979B-60B32E1F7F9E}"/>
                     </a:ext>
                   </a:extLst>
                 </p:cNvPr>
@@ -19929,7 +23964,7 @@
                 <p:cNvPr id="80" name="Retângulo: Cantos Arredondados 10">
                   <a:extLst>
                     <a:ext uri="{FF2B5EF4-FFF2-40B4-BE49-F238E27FC236}">
-                      <a16:creationId xmlns:a16="http://schemas.microsoft.com/office/drawing/2014/main" id="{8212EF75-2EF8-4DFC-BEB5-5C95D755FCDA}"/>
+                      <a16:creationId xmlns:a16="http://schemas.microsoft.com/office/drawing/2014/main" xmlns="" id="{8212EF75-2EF8-4DFC-BEB5-5C95D755FCDA}"/>
                     </a:ext>
                   </a:extLst>
                 </p:cNvPr>
@@ -19984,7 +24019,7 @@
               <p:cNvPr id="64" name="Agrupar 17">
                 <a:extLst>
                   <a:ext uri="{FF2B5EF4-FFF2-40B4-BE49-F238E27FC236}">
-                    <a16:creationId xmlns:a16="http://schemas.microsoft.com/office/drawing/2014/main" id="{1C1086BE-5C78-46C5-8759-F221A1473050}"/>
+                    <a16:creationId xmlns:a16="http://schemas.microsoft.com/office/drawing/2014/main" xmlns="" id="{1C1086BE-5C78-46C5-8759-F221A1473050}"/>
                   </a:ext>
                 </a:extLst>
               </p:cNvPr>
@@ -20004,7 +24039,7 @@
                 <p:cNvPr id="68" name="Forma Livre: Forma 18">
                   <a:extLst>
                     <a:ext uri="{FF2B5EF4-FFF2-40B4-BE49-F238E27FC236}">
-                      <a16:creationId xmlns:a16="http://schemas.microsoft.com/office/drawing/2014/main" id="{A5FF4AA1-FB76-4089-AF79-C37CF505E719}"/>
+                      <a16:creationId xmlns:a16="http://schemas.microsoft.com/office/drawing/2014/main" xmlns="" id="{A5FF4AA1-FB76-4089-AF79-C37CF505E719}"/>
                     </a:ext>
                   </a:extLst>
                 </p:cNvPr>
@@ -20139,7 +24174,7 @@
                 <p:cNvPr id="69" name="Forma Livre: Forma 19">
                   <a:extLst>
                     <a:ext uri="{FF2B5EF4-FFF2-40B4-BE49-F238E27FC236}">
-                      <a16:creationId xmlns:a16="http://schemas.microsoft.com/office/drawing/2014/main" id="{F8045286-37AC-4911-A671-477E8EB257A2}"/>
+                      <a16:creationId xmlns:a16="http://schemas.microsoft.com/office/drawing/2014/main" xmlns="" id="{F8045286-37AC-4911-A671-477E8EB257A2}"/>
                     </a:ext>
                   </a:extLst>
                 </p:cNvPr>
@@ -20274,7 +24309,7 @@
                 <p:cNvPr id="70" name="Elipse 69">
                   <a:extLst>
                     <a:ext uri="{FF2B5EF4-FFF2-40B4-BE49-F238E27FC236}">
-                      <a16:creationId xmlns:a16="http://schemas.microsoft.com/office/drawing/2014/main" id="{CD452FDD-69B7-4E28-B5E7-0FEFB45E205A}"/>
+                      <a16:creationId xmlns:a16="http://schemas.microsoft.com/office/drawing/2014/main" xmlns="" id="{CD452FDD-69B7-4E28-B5E7-0FEFB45E205A}"/>
                     </a:ext>
                   </a:extLst>
                 </p:cNvPr>
@@ -20326,7 +24361,7 @@
                 <p:cNvPr id="71" name="Retângulo: Cantos Arredondados 21">
                   <a:extLst>
                     <a:ext uri="{FF2B5EF4-FFF2-40B4-BE49-F238E27FC236}">
-                      <a16:creationId xmlns:a16="http://schemas.microsoft.com/office/drawing/2014/main" id="{AF7D2798-BB73-466E-A25A-A2621184FA04}"/>
+                      <a16:creationId xmlns:a16="http://schemas.microsoft.com/office/drawing/2014/main" xmlns="" id="{AF7D2798-BB73-466E-A25A-A2621184FA04}"/>
                     </a:ext>
                   </a:extLst>
                 </p:cNvPr>
@@ -20380,7 +24415,7 @@
                 <p:cNvPr id="72" name="Retângulo: Cantos Arredondados 22">
                   <a:extLst>
                     <a:ext uri="{FF2B5EF4-FFF2-40B4-BE49-F238E27FC236}">
-                      <a16:creationId xmlns:a16="http://schemas.microsoft.com/office/drawing/2014/main" id="{3E77055B-F661-42D4-86CB-10C4D49F7934}"/>
+                      <a16:creationId xmlns:a16="http://schemas.microsoft.com/office/drawing/2014/main" xmlns="" id="{3E77055B-F661-42D4-86CB-10C4D49F7934}"/>
                     </a:ext>
                   </a:extLst>
                 </p:cNvPr>
@@ -20434,7 +24469,7 @@
                 <p:cNvPr id="73" name="Retângulo: Cantos Arredondados 23">
                   <a:extLst>
                     <a:ext uri="{FF2B5EF4-FFF2-40B4-BE49-F238E27FC236}">
-                      <a16:creationId xmlns:a16="http://schemas.microsoft.com/office/drawing/2014/main" id="{2D266FA5-5903-44D9-9DC7-DCB4A530544F}"/>
+                      <a16:creationId xmlns:a16="http://schemas.microsoft.com/office/drawing/2014/main" xmlns="" id="{2D266FA5-5903-44D9-9DC7-DCB4A530544F}"/>
                     </a:ext>
                   </a:extLst>
                 </p:cNvPr>
@@ -20489,7 +24524,7 @@
               <p:cNvPr id="65" name="Forma Livre: Forma 24">
                 <a:extLst>
                   <a:ext uri="{FF2B5EF4-FFF2-40B4-BE49-F238E27FC236}">
-                    <a16:creationId xmlns:a16="http://schemas.microsoft.com/office/drawing/2014/main" id="{59EBB5C9-01FD-4920-B60F-971211221B04}"/>
+                    <a16:creationId xmlns:a16="http://schemas.microsoft.com/office/drawing/2014/main" xmlns="" id="{59EBB5C9-01FD-4920-B60F-971211221B04}"/>
                   </a:ext>
                 </a:extLst>
               </p:cNvPr>
@@ -20649,7 +24684,7 @@
             <p:cNvPr id="27" name="Agrupar 11">
               <a:extLst>
                 <a:ext uri="{FF2B5EF4-FFF2-40B4-BE49-F238E27FC236}">
-                  <a16:creationId xmlns:a16="http://schemas.microsoft.com/office/drawing/2014/main" id="{97B2E01E-EC47-4BCE-BC4F-99A6EC444B19}"/>
+                  <a16:creationId xmlns:a16="http://schemas.microsoft.com/office/drawing/2014/main" xmlns="" id="{97B2E01E-EC47-4BCE-BC4F-99A6EC444B19}"/>
                 </a:ext>
               </a:extLst>
             </p:cNvPr>
@@ -20669,7 +24704,7 @@
               <p:cNvPr id="41" name="Retângulo: Cantos Arredondados 12">
                 <a:extLst>
                   <a:ext uri="{FF2B5EF4-FFF2-40B4-BE49-F238E27FC236}">
-                    <a16:creationId xmlns:a16="http://schemas.microsoft.com/office/drawing/2014/main" id="{10540542-C57F-4691-AF17-40583ACBA3F1}"/>
+                    <a16:creationId xmlns:a16="http://schemas.microsoft.com/office/drawing/2014/main" xmlns="" id="{10540542-C57F-4691-AF17-40583ACBA3F1}"/>
                   </a:ext>
                 </a:extLst>
               </p:cNvPr>
@@ -20723,7 +24758,7 @@
               <p:cNvPr id="42" name="Retângulo: Cantos Arredondados 13">
                 <a:extLst>
                   <a:ext uri="{FF2B5EF4-FFF2-40B4-BE49-F238E27FC236}">
-                    <a16:creationId xmlns:a16="http://schemas.microsoft.com/office/drawing/2014/main" id="{552902B3-14B4-4F02-ABBE-E36047405A23}"/>
+                    <a16:creationId xmlns:a16="http://schemas.microsoft.com/office/drawing/2014/main" xmlns="" id="{552902B3-14B4-4F02-ABBE-E36047405A23}"/>
                   </a:ext>
                 </a:extLst>
               </p:cNvPr>
@@ -20778,7 +24813,7 @@
             <p:cNvPr id="28" name="Agrupar 14">
               <a:extLst>
                 <a:ext uri="{FF2B5EF4-FFF2-40B4-BE49-F238E27FC236}">
-                  <a16:creationId xmlns:a16="http://schemas.microsoft.com/office/drawing/2014/main" id="{4DD22468-0F77-455F-8343-D2977BA9D815}"/>
+                  <a16:creationId xmlns:a16="http://schemas.microsoft.com/office/drawing/2014/main" xmlns="" id="{4DD22468-0F77-455F-8343-D2977BA9D815}"/>
                 </a:ext>
               </a:extLst>
             </p:cNvPr>
@@ -20798,7 +24833,7 @@
               <p:cNvPr id="39" name="Retângulo: Cantos Arredondados 15">
                 <a:extLst>
                   <a:ext uri="{FF2B5EF4-FFF2-40B4-BE49-F238E27FC236}">
-                    <a16:creationId xmlns:a16="http://schemas.microsoft.com/office/drawing/2014/main" id="{2D72A34F-4564-471A-B6AA-AE1DF400A26F}"/>
+                    <a16:creationId xmlns:a16="http://schemas.microsoft.com/office/drawing/2014/main" xmlns="" id="{2D72A34F-4564-471A-B6AA-AE1DF400A26F}"/>
                   </a:ext>
                 </a:extLst>
               </p:cNvPr>
@@ -20852,7 +24887,7 @@
               <p:cNvPr id="40" name="Retângulo: Cantos Arredondados 16">
                 <a:extLst>
                   <a:ext uri="{FF2B5EF4-FFF2-40B4-BE49-F238E27FC236}">
-                    <a16:creationId xmlns:a16="http://schemas.microsoft.com/office/drawing/2014/main" id="{29E778E2-383E-4A56-974F-1F35B702221A}"/>
+                    <a16:creationId xmlns:a16="http://schemas.microsoft.com/office/drawing/2014/main" xmlns="" id="{29E778E2-383E-4A56-974F-1F35B702221A}"/>
                   </a:ext>
                 </a:extLst>
               </p:cNvPr>
@@ -20908,7 +24943,7 @@
           <p:cNvPr id="114" name="Agrupar 113">
             <a:extLst>
               <a:ext uri="{FF2B5EF4-FFF2-40B4-BE49-F238E27FC236}">
-                <a16:creationId xmlns:a16="http://schemas.microsoft.com/office/drawing/2014/main" id="{EC4A9AC8-F4D5-4B09-8F27-10182533BBE6}"/>
+                <a16:creationId xmlns:a16="http://schemas.microsoft.com/office/drawing/2014/main" xmlns="" id="{EC4A9AC8-F4D5-4B09-8F27-10182533BBE6}"/>
               </a:ext>
             </a:extLst>
           </p:cNvPr>
@@ -20928,7 +24963,7 @@
             <p:cNvPr id="115" name="Retângulo: Cantos Arredondados 114">
               <a:extLst>
                 <a:ext uri="{FF2B5EF4-FFF2-40B4-BE49-F238E27FC236}">
-                  <a16:creationId xmlns:a16="http://schemas.microsoft.com/office/drawing/2014/main" id="{EF1FC69D-3983-4649-A796-EEFD15A337AF}"/>
+                  <a16:creationId xmlns:a16="http://schemas.microsoft.com/office/drawing/2014/main" xmlns="" id="{EF1FC69D-3983-4649-A796-EEFD15A337AF}"/>
                 </a:ext>
               </a:extLst>
             </p:cNvPr>
@@ -20982,7 +25017,7 @@
             <p:cNvPr id="116" name="Retângulo: Cantos Arredondados 115">
               <a:extLst>
                 <a:ext uri="{FF2B5EF4-FFF2-40B4-BE49-F238E27FC236}">
-                  <a16:creationId xmlns:a16="http://schemas.microsoft.com/office/drawing/2014/main" id="{E9BE8618-AB65-42F4-9752-F24130D692A7}"/>
+                  <a16:creationId xmlns:a16="http://schemas.microsoft.com/office/drawing/2014/main" xmlns="" id="{E9BE8618-AB65-42F4-9752-F24130D692A7}"/>
                 </a:ext>
               </a:extLst>
             </p:cNvPr>
@@ -21036,7 +25071,7 @@
             <p:cNvPr id="117" name="Retângulo: Cantos Arredondados 116">
               <a:extLst>
                 <a:ext uri="{FF2B5EF4-FFF2-40B4-BE49-F238E27FC236}">
-                  <a16:creationId xmlns:a16="http://schemas.microsoft.com/office/drawing/2014/main" id="{877780EE-28A7-4A14-A0E6-0A3212B86155}"/>
+                  <a16:creationId xmlns:a16="http://schemas.microsoft.com/office/drawing/2014/main" xmlns="" id="{877780EE-28A7-4A14-A0E6-0A3212B86155}"/>
                 </a:ext>
               </a:extLst>
             </p:cNvPr>
@@ -21090,7 +25125,7 @@
             <p:cNvPr id="118" name="Forma Livre: Forma 117">
               <a:extLst>
                 <a:ext uri="{FF2B5EF4-FFF2-40B4-BE49-F238E27FC236}">
-                  <a16:creationId xmlns:a16="http://schemas.microsoft.com/office/drawing/2014/main" id="{B78ADCF5-F5CC-4A76-A645-64BB061DE346}"/>
+                  <a16:creationId xmlns:a16="http://schemas.microsoft.com/office/drawing/2014/main" xmlns="" id="{B78ADCF5-F5CC-4A76-A645-64BB061DE346}"/>
                 </a:ext>
               </a:extLst>
             </p:cNvPr>
@@ -21221,7 +25256,7 @@
             <p:cNvPr id="119" name="Retângulo 118">
               <a:extLst>
                 <a:ext uri="{FF2B5EF4-FFF2-40B4-BE49-F238E27FC236}">
-                  <a16:creationId xmlns:a16="http://schemas.microsoft.com/office/drawing/2014/main" id="{67F7C1E0-20D5-4DEF-AFBF-7E75BED02803}"/>
+                  <a16:creationId xmlns:a16="http://schemas.microsoft.com/office/drawing/2014/main" xmlns="" id="{67F7C1E0-20D5-4DEF-AFBF-7E75BED02803}"/>
                 </a:ext>
               </a:extLst>
             </p:cNvPr>
@@ -21273,7 +25308,7 @@
             <p:cNvPr id="120" name="Retângulo: Cantos Arredondados 119">
               <a:extLst>
                 <a:ext uri="{FF2B5EF4-FFF2-40B4-BE49-F238E27FC236}">
-                  <a16:creationId xmlns:a16="http://schemas.microsoft.com/office/drawing/2014/main" id="{7E3F3600-A9E2-4867-B866-D3808239A0A7}"/>
+                  <a16:creationId xmlns:a16="http://schemas.microsoft.com/office/drawing/2014/main" xmlns="" id="{7E3F3600-A9E2-4867-B866-D3808239A0A7}"/>
                 </a:ext>
               </a:extLst>
             </p:cNvPr>
@@ -21327,7 +25362,7 @@
             <p:cNvPr id="121" name="Retângulo: Cantos Arredondados 120">
               <a:extLst>
                 <a:ext uri="{FF2B5EF4-FFF2-40B4-BE49-F238E27FC236}">
-                  <a16:creationId xmlns:a16="http://schemas.microsoft.com/office/drawing/2014/main" id="{C2F572A8-FFF0-4736-BA07-19DD78D4F3C1}"/>
+                  <a16:creationId xmlns:a16="http://schemas.microsoft.com/office/drawing/2014/main" xmlns="" id="{C2F572A8-FFF0-4736-BA07-19DD78D4F3C1}"/>
                 </a:ext>
               </a:extLst>
             </p:cNvPr>
@@ -21382,7 +25417,7 @@
           <p:cNvPr id="31" name="Retângulo 30">
             <a:extLst>
               <a:ext uri="{FF2B5EF4-FFF2-40B4-BE49-F238E27FC236}">
-                <a16:creationId xmlns:a16="http://schemas.microsoft.com/office/drawing/2014/main" id="{1D35B8E0-5B77-4F78-B020-1D9680793D3F}"/>
+                <a16:creationId xmlns:a16="http://schemas.microsoft.com/office/drawing/2014/main" xmlns="" id="{1D35B8E0-5B77-4F78-B020-1D9680793D3F}"/>
               </a:ext>
             </a:extLst>
           </p:cNvPr>
@@ -21434,7 +25469,7 @@
           <p:cNvPr id="47" name="Forma Livre: Forma 46">
             <a:extLst>
               <a:ext uri="{FF2B5EF4-FFF2-40B4-BE49-F238E27FC236}">
-                <a16:creationId xmlns:a16="http://schemas.microsoft.com/office/drawing/2014/main" id="{CA5AA3B5-D86F-47B1-BF70-AFBE1E3895A9}"/>
+                <a16:creationId xmlns:a16="http://schemas.microsoft.com/office/drawing/2014/main" xmlns="" id="{CA5AA3B5-D86F-47B1-BF70-AFBE1E3895A9}"/>
               </a:ext>
             </a:extLst>
           </p:cNvPr>
@@ -21601,7 +25636,7 @@
           <p:cNvPr id="57" name="Forma Livre: Forma 56">
             <a:extLst>
               <a:ext uri="{FF2B5EF4-FFF2-40B4-BE49-F238E27FC236}">
-                <a16:creationId xmlns:a16="http://schemas.microsoft.com/office/drawing/2014/main" id="{7C85EB61-88CA-421C-AEE1-DD45034A253C}"/>
+                <a16:creationId xmlns:a16="http://schemas.microsoft.com/office/drawing/2014/main" xmlns="" id="{7C85EB61-88CA-421C-AEE1-DD45034A253C}"/>
               </a:ext>
             </a:extLst>
           </p:cNvPr>
@@ -21753,7 +25788,7 @@
           <p:cNvPr id="110" name="Forma Livre: Forma 109">
             <a:extLst>
               <a:ext uri="{FF2B5EF4-FFF2-40B4-BE49-F238E27FC236}">
-                <a16:creationId xmlns:a16="http://schemas.microsoft.com/office/drawing/2014/main" id="{FDB00EED-4104-4E00-8C7E-9370791D6384}"/>
+                <a16:creationId xmlns:a16="http://schemas.microsoft.com/office/drawing/2014/main" xmlns="" id="{FDB00EED-4104-4E00-8C7E-9370791D6384}"/>
               </a:ext>
             </a:extLst>
           </p:cNvPr>
@@ -22051,7 +26086,7 @@
           <p:cNvPr id="111" name="Agrupar 110">
             <a:extLst>
               <a:ext uri="{FF2B5EF4-FFF2-40B4-BE49-F238E27FC236}">
-                <a16:creationId xmlns:a16="http://schemas.microsoft.com/office/drawing/2014/main" id="{1E3B85D9-26F4-43E7-A9E1-BE1B8C7ADC16}"/>
+                <a16:creationId xmlns:a16="http://schemas.microsoft.com/office/drawing/2014/main" xmlns="" id="{1E3B85D9-26F4-43E7-A9E1-BE1B8C7ADC16}"/>
               </a:ext>
             </a:extLst>
           </p:cNvPr>
@@ -22074,7 +26109,7 @@
             <p:cNvPr id="97" name="Cruz 96">
               <a:extLst>
                 <a:ext uri="{FF2B5EF4-FFF2-40B4-BE49-F238E27FC236}">
-                  <a16:creationId xmlns:a16="http://schemas.microsoft.com/office/drawing/2014/main" id="{A668293D-2470-4C9E-AF95-4EE1BC4E3F89}"/>
+                  <a16:creationId xmlns:a16="http://schemas.microsoft.com/office/drawing/2014/main" xmlns="" id="{A668293D-2470-4C9E-AF95-4EE1BC4E3F89}"/>
                 </a:ext>
               </a:extLst>
             </p:cNvPr>
@@ -22126,7 +26161,7 @@
             <p:cNvPr id="98" name="Cruz 97">
               <a:extLst>
                 <a:ext uri="{FF2B5EF4-FFF2-40B4-BE49-F238E27FC236}">
-                  <a16:creationId xmlns:a16="http://schemas.microsoft.com/office/drawing/2014/main" id="{3149B231-2A8A-426E-BBD1-97FF35078606}"/>
+                  <a16:creationId xmlns:a16="http://schemas.microsoft.com/office/drawing/2014/main" xmlns="" id="{3149B231-2A8A-426E-BBD1-97FF35078606}"/>
                 </a:ext>
               </a:extLst>
             </p:cNvPr>
@@ -22178,7 +26213,7 @@
             <p:cNvPr id="99" name="Cruz 98">
               <a:extLst>
                 <a:ext uri="{FF2B5EF4-FFF2-40B4-BE49-F238E27FC236}">
-                  <a16:creationId xmlns:a16="http://schemas.microsoft.com/office/drawing/2014/main" id="{6D16372F-0346-4C90-B0AE-50860F04A7FF}"/>
+                  <a16:creationId xmlns:a16="http://schemas.microsoft.com/office/drawing/2014/main" xmlns="" id="{6D16372F-0346-4C90-B0AE-50860F04A7FF}"/>
                 </a:ext>
               </a:extLst>
             </p:cNvPr>
@@ -22230,7 +26265,7 @@
             <p:cNvPr id="100" name="Grupo 19">
               <a:extLst>
                 <a:ext uri="{FF2B5EF4-FFF2-40B4-BE49-F238E27FC236}">
-                  <a16:creationId xmlns:a16="http://schemas.microsoft.com/office/drawing/2014/main" id="{ECD0E47B-370B-4933-B6E5-461C50CDE360}"/>
+                  <a16:creationId xmlns:a16="http://schemas.microsoft.com/office/drawing/2014/main" xmlns="" id="{ECD0E47B-370B-4933-B6E5-461C50CDE360}"/>
                 </a:ext>
               </a:extLst>
             </p:cNvPr>
@@ -22251,7 +26286,7 @@
               <p:cNvPr id="106" name="Cruz 105">
                 <a:extLst>
                   <a:ext uri="{FF2B5EF4-FFF2-40B4-BE49-F238E27FC236}">
-                    <a16:creationId xmlns:a16="http://schemas.microsoft.com/office/drawing/2014/main" id="{F8B3730A-DFFD-4F58-AB57-6BDC4ACCFB5C}"/>
+                    <a16:creationId xmlns:a16="http://schemas.microsoft.com/office/drawing/2014/main" xmlns="" id="{F8B3730A-DFFD-4F58-AB57-6BDC4ACCFB5C}"/>
                   </a:ext>
                 </a:extLst>
               </p:cNvPr>
@@ -22303,7 +26338,7 @@
               <p:cNvPr id="107" name="Cruz 106">
                 <a:extLst>
                   <a:ext uri="{FF2B5EF4-FFF2-40B4-BE49-F238E27FC236}">
-                    <a16:creationId xmlns:a16="http://schemas.microsoft.com/office/drawing/2014/main" id="{F107EE2E-F528-4C6C-9C0C-EB7826199496}"/>
+                    <a16:creationId xmlns:a16="http://schemas.microsoft.com/office/drawing/2014/main" xmlns="" id="{F107EE2E-F528-4C6C-9C0C-EB7826199496}"/>
                   </a:ext>
                 </a:extLst>
               </p:cNvPr>
@@ -22371,7 +26406,7 @@
             <p:cNvPr id="32" name="Retângulo 31">
               <a:extLst>
                 <a:ext uri="{FF2B5EF4-FFF2-40B4-BE49-F238E27FC236}">
-                  <a16:creationId xmlns:a16="http://schemas.microsoft.com/office/drawing/2014/main" id="{923F2C6A-2603-4687-9497-EA8730BB2C49}"/>
+                  <a16:creationId xmlns:a16="http://schemas.microsoft.com/office/drawing/2014/main" xmlns="" id="{923F2C6A-2603-4687-9497-EA8730BB2C49}"/>
                 </a:ext>
               </a:extLst>
             </p:cNvPr>
@@ -22423,7 +26458,7 @@
             <p:cNvPr id="150" name="Triângulo Retângulo 149">
               <a:extLst>
                 <a:ext uri="{FF2B5EF4-FFF2-40B4-BE49-F238E27FC236}">
-                  <a16:creationId xmlns:a16="http://schemas.microsoft.com/office/drawing/2014/main" id="{3AC26621-2860-4357-980C-DA92A2D14681}"/>
+                  <a16:creationId xmlns:a16="http://schemas.microsoft.com/office/drawing/2014/main" xmlns="" id="{3AC26621-2860-4357-980C-DA92A2D14681}"/>
                 </a:ext>
               </a:extLst>
             </p:cNvPr>
@@ -22490,7 +26525,7 @@
             <p:cNvPr id="26" name="Agrupar 3">
               <a:extLst>
                 <a:ext uri="{FF2B5EF4-FFF2-40B4-BE49-F238E27FC236}">
-                  <a16:creationId xmlns:a16="http://schemas.microsoft.com/office/drawing/2014/main" id="{C45FEF34-3D77-4245-91E6-21A8D7F39CAE}"/>
+                  <a16:creationId xmlns:a16="http://schemas.microsoft.com/office/drawing/2014/main" xmlns="" id="{C45FEF34-3D77-4245-91E6-21A8D7F39CAE}"/>
                 </a:ext>
               </a:extLst>
             </p:cNvPr>
@@ -22510,7 +26545,7 @@
               <p:cNvPr id="43" name="Retângulo: Cantos Arredondados 4">
                 <a:extLst>
                   <a:ext uri="{FF2B5EF4-FFF2-40B4-BE49-F238E27FC236}">
-                    <a16:creationId xmlns:a16="http://schemas.microsoft.com/office/drawing/2014/main" id="{2901A741-378D-4F90-9213-3C8C001BF999}"/>
+                    <a16:creationId xmlns:a16="http://schemas.microsoft.com/office/drawing/2014/main" xmlns="" id="{2901A741-378D-4F90-9213-3C8C001BF999}"/>
                   </a:ext>
                 </a:extLst>
               </p:cNvPr>
@@ -22561,7 +26596,7 @@
               <p:cNvPr id="44" name="Retângulo: Cantos Arredondados 5">
                 <a:extLst>
                   <a:ext uri="{FF2B5EF4-FFF2-40B4-BE49-F238E27FC236}">
-                    <a16:creationId xmlns:a16="http://schemas.microsoft.com/office/drawing/2014/main" id="{842C104C-6712-4FAB-A86A-FAC9CE782474}"/>
+                    <a16:creationId xmlns:a16="http://schemas.microsoft.com/office/drawing/2014/main" xmlns="" id="{842C104C-6712-4FAB-A86A-FAC9CE782474}"/>
                   </a:ext>
                 </a:extLst>
               </p:cNvPr>
@@ -22615,7 +26650,7 @@
               <p:cNvPr id="45" name="Retângulo: Cantos Arredondados 6">
                 <a:extLst>
                   <a:ext uri="{FF2B5EF4-FFF2-40B4-BE49-F238E27FC236}">
-                    <a16:creationId xmlns:a16="http://schemas.microsoft.com/office/drawing/2014/main" id="{255A55C9-6EA9-40DD-A50C-94EDA00AB2EC}"/>
+                    <a16:creationId xmlns:a16="http://schemas.microsoft.com/office/drawing/2014/main" xmlns="" id="{255A55C9-6EA9-40DD-A50C-94EDA00AB2EC}"/>
                   </a:ext>
                 </a:extLst>
               </p:cNvPr>
@@ -22669,7 +26704,7 @@
               <p:cNvPr id="46" name="Forma Livre: Forma 7">
                 <a:extLst>
                   <a:ext uri="{FF2B5EF4-FFF2-40B4-BE49-F238E27FC236}">
-                    <a16:creationId xmlns:a16="http://schemas.microsoft.com/office/drawing/2014/main" id="{8B1C2CE6-4108-48D3-8CBE-635179488ECA}"/>
+                    <a16:creationId xmlns:a16="http://schemas.microsoft.com/office/drawing/2014/main" xmlns="" id="{8B1C2CE6-4108-48D3-8CBE-635179488ECA}"/>
                   </a:ext>
                 </a:extLst>
               </p:cNvPr>
@@ -22800,7 +26835,7 @@
               <p:cNvPr id="48" name="Retângulo 47">
                 <a:extLst>
                   <a:ext uri="{FF2B5EF4-FFF2-40B4-BE49-F238E27FC236}">
-                    <a16:creationId xmlns:a16="http://schemas.microsoft.com/office/drawing/2014/main" id="{6444A46D-5BDF-4712-88E7-104DA9FAAFD4}"/>
+                    <a16:creationId xmlns:a16="http://schemas.microsoft.com/office/drawing/2014/main" xmlns="" id="{6444A46D-5BDF-4712-88E7-104DA9FAAFD4}"/>
                   </a:ext>
                 </a:extLst>
               </p:cNvPr>
@@ -22852,7 +26887,7 @@
               <p:cNvPr id="49" name="Retângulo: Cantos Arredondados 9">
                 <a:extLst>
                   <a:ext uri="{FF2B5EF4-FFF2-40B4-BE49-F238E27FC236}">
-                    <a16:creationId xmlns:a16="http://schemas.microsoft.com/office/drawing/2014/main" id="{881B3B66-2052-48AF-979B-60B32E1F7F9E}"/>
+                    <a16:creationId xmlns:a16="http://schemas.microsoft.com/office/drawing/2014/main" xmlns="" id="{881B3B66-2052-48AF-979B-60B32E1F7F9E}"/>
                   </a:ext>
                 </a:extLst>
               </p:cNvPr>
@@ -22906,7 +26941,7 @@
               <p:cNvPr id="50" name="Retângulo: Cantos Arredondados 10">
                 <a:extLst>
                   <a:ext uri="{FF2B5EF4-FFF2-40B4-BE49-F238E27FC236}">
-                    <a16:creationId xmlns:a16="http://schemas.microsoft.com/office/drawing/2014/main" id="{8212EF75-2EF8-4DFC-BEB5-5C95D755FCDA}"/>
+                    <a16:creationId xmlns:a16="http://schemas.microsoft.com/office/drawing/2014/main" xmlns="" id="{8212EF75-2EF8-4DFC-BEB5-5C95D755FCDA}"/>
                   </a:ext>
                 </a:extLst>
               </p:cNvPr>
@@ -22961,7 +26996,7 @@
             <p:cNvPr id="29" name="Agrupar 17">
               <a:extLst>
                 <a:ext uri="{FF2B5EF4-FFF2-40B4-BE49-F238E27FC236}">
-                  <a16:creationId xmlns:a16="http://schemas.microsoft.com/office/drawing/2014/main" id="{1C1086BE-5C78-46C5-8759-F221A1473050}"/>
+                  <a16:creationId xmlns:a16="http://schemas.microsoft.com/office/drawing/2014/main" xmlns="" id="{1C1086BE-5C78-46C5-8759-F221A1473050}"/>
                 </a:ext>
               </a:extLst>
             </p:cNvPr>
@@ -22981,7 +27016,7 @@
               <p:cNvPr id="33" name="Forma Livre: Forma 18">
                 <a:extLst>
                   <a:ext uri="{FF2B5EF4-FFF2-40B4-BE49-F238E27FC236}">
-                    <a16:creationId xmlns:a16="http://schemas.microsoft.com/office/drawing/2014/main" id="{A5FF4AA1-FB76-4089-AF79-C37CF505E719}"/>
+                    <a16:creationId xmlns:a16="http://schemas.microsoft.com/office/drawing/2014/main" xmlns="" id="{A5FF4AA1-FB76-4089-AF79-C37CF505E719}"/>
                   </a:ext>
                 </a:extLst>
               </p:cNvPr>
@@ -23116,7 +27151,7 @@
               <p:cNvPr id="34" name="Forma Livre: Forma 19">
                 <a:extLst>
                   <a:ext uri="{FF2B5EF4-FFF2-40B4-BE49-F238E27FC236}">
-                    <a16:creationId xmlns:a16="http://schemas.microsoft.com/office/drawing/2014/main" id="{F8045286-37AC-4911-A671-477E8EB257A2}"/>
+                    <a16:creationId xmlns:a16="http://schemas.microsoft.com/office/drawing/2014/main" xmlns="" id="{F8045286-37AC-4911-A671-477E8EB257A2}"/>
                   </a:ext>
                 </a:extLst>
               </p:cNvPr>
@@ -23251,7 +27286,7 @@
               <p:cNvPr id="35" name="Elipse 34">
                 <a:extLst>
                   <a:ext uri="{FF2B5EF4-FFF2-40B4-BE49-F238E27FC236}">
-                    <a16:creationId xmlns:a16="http://schemas.microsoft.com/office/drawing/2014/main" id="{CD452FDD-69B7-4E28-B5E7-0FEFB45E205A}"/>
+                    <a16:creationId xmlns:a16="http://schemas.microsoft.com/office/drawing/2014/main" xmlns="" id="{CD452FDD-69B7-4E28-B5E7-0FEFB45E205A}"/>
                   </a:ext>
                 </a:extLst>
               </p:cNvPr>
@@ -23303,7 +27338,7 @@
               <p:cNvPr id="36" name="Retângulo: Cantos Arredondados 21">
                 <a:extLst>
                   <a:ext uri="{FF2B5EF4-FFF2-40B4-BE49-F238E27FC236}">
-                    <a16:creationId xmlns:a16="http://schemas.microsoft.com/office/drawing/2014/main" id="{AF7D2798-BB73-466E-A25A-A2621184FA04}"/>
+                    <a16:creationId xmlns:a16="http://schemas.microsoft.com/office/drawing/2014/main" xmlns="" id="{AF7D2798-BB73-466E-A25A-A2621184FA04}"/>
                   </a:ext>
                 </a:extLst>
               </p:cNvPr>
@@ -23357,7 +27392,7 @@
               <p:cNvPr id="37" name="Retângulo: Cantos Arredondados 22">
                 <a:extLst>
                   <a:ext uri="{FF2B5EF4-FFF2-40B4-BE49-F238E27FC236}">
-                    <a16:creationId xmlns:a16="http://schemas.microsoft.com/office/drawing/2014/main" id="{3E77055B-F661-42D4-86CB-10C4D49F7934}"/>
+                    <a16:creationId xmlns:a16="http://schemas.microsoft.com/office/drawing/2014/main" xmlns="" id="{3E77055B-F661-42D4-86CB-10C4D49F7934}"/>
                   </a:ext>
                 </a:extLst>
               </p:cNvPr>
@@ -23411,7 +27446,7 @@
               <p:cNvPr id="38" name="Retângulo: Cantos Arredondados 23">
                 <a:extLst>
                   <a:ext uri="{FF2B5EF4-FFF2-40B4-BE49-F238E27FC236}">
-                    <a16:creationId xmlns:a16="http://schemas.microsoft.com/office/drawing/2014/main" id="{2D266FA5-5903-44D9-9DC7-DCB4A530544F}"/>
+                    <a16:creationId xmlns:a16="http://schemas.microsoft.com/office/drawing/2014/main" xmlns="" id="{2D266FA5-5903-44D9-9DC7-DCB4A530544F}"/>
                   </a:ext>
                 </a:extLst>
               </p:cNvPr>
@@ -23466,7 +27501,7 @@
             <p:cNvPr id="30" name="Forma Livre: Forma 24">
               <a:extLst>
                 <a:ext uri="{FF2B5EF4-FFF2-40B4-BE49-F238E27FC236}">
-                  <a16:creationId xmlns:a16="http://schemas.microsoft.com/office/drawing/2014/main" id="{59EBB5C9-01FD-4920-B60F-971211221B04}"/>
+                  <a16:creationId xmlns:a16="http://schemas.microsoft.com/office/drawing/2014/main" xmlns="" id="{59EBB5C9-01FD-4920-B60F-971211221B04}"/>
                 </a:ext>
               </a:extLst>
             </p:cNvPr>
@@ -24715,7 +28750,7 @@
           <p:cNvPr id="114" name="Agrupar 113">
             <a:extLst>
               <a:ext uri="{FF2B5EF4-FFF2-40B4-BE49-F238E27FC236}">
-                <a16:creationId xmlns:a16="http://schemas.microsoft.com/office/drawing/2014/main" id="{EC4A9AC8-F4D5-4B09-8F27-10182533BBE6}"/>
+                <a16:creationId xmlns:a16="http://schemas.microsoft.com/office/drawing/2014/main" xmlns="" id="{EC4A9AC8-F4D5-4B09-8F27-10182533BBE6}"/>
               </a:ext>
             </a:extLst>
           </p:cNvPr>
@@ -24735,7 +28770,7 @@
             <p:cNvPr id="115" name="Retângulo: Cantos Arredondados 114">
               <a:extLst>
                 <a:ext uri="{FF2B5EF4-FFF2-40B4-BE49-F238E27FC236}">
-                  <a16:creationId xmlns:a16="http://schemas.microsoft.com/office/drawing/2014/main" id="{EF1FC69D-3983-4649-A796-EEFD15A337AF}"/>
+                  <a16:creationId xmlns:a16="http://schemas.microsoft.com/office/drawing/2014/main" xmlns="" id="{EF1FC69D-3983-4649-A796-EEFD15A337AF}"/>
                 </a:ext>
               </a:extLst>
             </p:cNvPr>
@@ -24789,7 +28824,7 @@
             <p:cNvPr id="116" name="Retângulo: Cantos Arredondados 115">
               <a:extLst>
                 <a:ext uri="{FF2B5EF4-FFF2-40B4-BE49-F238E27FC236}">
-                  <a16:creationId xmlns:a16="http://schemas.microsoft.com/office/drawing/2014/main" id="{E9BE8618-AB65-42F4-9752-F24130D692A7}"/>
+                  <a16:creationId xmlns:a16="http://schemas.microsoft.com/office/drawing/2014/main" xmlns="" id="{E9BE8618-AB65-42F4-9752-F24130D692A7}"/>
                 </a:ext>
               </a:extLst>
             </p:cNvPr>
@@ -24843,7 +28878,7 @@
             <p:cNvPr id="117" name="Retângulo: Cantos Arredondados 116">
               <a:extLst>
                 <a:ext uri="{FF2B5EF4-FFF2-40B4-BE49-F238E27FC236}">
-                  <a16:creationId xmlns:a16="http://schemas.microsoft.com/office/drawing/2014/main" id="{877780EE-28A7-4A14-A0E6-0A3212B86155}"/>
+                  <a16:creationId xmlns:a16="http://schemas.microsoft.com/office/drawing/2014/main" xmlns="" id="{877780EE-28A7-4A14-A0E6-0A3212B86155}"/>
                 </a:ext>
               </a:extLst>
             </p:cNvPr>
@@ -24897,7 +28932,7 @@
             <p:cNvPr id="118" name="Forma Livre: Forma 117">
               <a:extLst>
                 <a:ext uri="{FF2B5EF4-FFF2-40B4-BE49-F238E27FC236}">
-                  <a16:creationId xmlns:a16="http://schemas.microsoft.com/office/drawing/2014/main" id="{B78ADCF5-F5CC-4A76-A645-64BB061DE346}"/>
+                  <a16:creationId xmlns:a16="http://schemas.microsoft.com/office/drawing/2014/main" xmlns="" id="{B78ADCF5-F5CC-4A76-A645-64BB061DE346}"/>
                 </a:ext>
               </a:extLst>
             </p:cNvPr>
@@ -25028,7 +29063,7 @@
             <p:cNvPr id="119" name="Retângulo 118">
               <a:extLst>
                 <a:ext uri="{FF2B5EF4-FFF2-40B4-BE49-F238E27FC236}">
-                  <a16:creationId xmlns:a16="http://schemas.microsoft.com/office/drawing/2014/main" id="{67F7C1E0-20D5-4DEF-AFBF-7E75BED02803}"/>
+                  <a16:creationId xmlns:a16="http://schemas.microsoft.com/office/drawing/2014/main" xmlns="" id="{67F7C1E0-20D5-4DEF-AFBF-7E75BED02803}"/>
                 </a:ext>
               </a:extLst>
             </p:cNvPr>
@@ -25080,7 +29115,7 @@
             <p:cNvPr id="120" name="Retângulo: Cantos Arredondados 119">
               <a:extLst>
                 <a:ext uri="{FF2B5EF4-FFF2-40B4-BE49-F238E27FC236}">
-                  <a16:creationId xmlns:a16="http://schemas.microsoft.com/office/drawing/2014/main" id="{7E3F3600-A9E2-4867-B866-D3808239A0A7}"/>
+                  <a16:creationId xmlns:a16="http://schemas.microsoft.com/office/drawing/2014/main" xmlns="" id="{7E3F3600-A9E2-4867-B866-D3808239A0A7}"/>
                 </a:ext>
               </a:extLst>
             </p:cNvPr>
@@ -25134,7 +29169,7 @@
             <p:cNvPr id="121" name="Retângulo: Cantos Arredondados 120">
               <a:extLst>
                 <a:ext uri="{FF2B5EF4-FFF2-40B4-BE49-F238E27FC236}">
-                  <a16:creationId xmlns:a16="http://schemas.microsoft.com/office/drawing/2014/main" id="{C2F572A8-FFF0-4736-BA07-19DD78D4F3C1}"/>
+                  <a16:creationId xmlns:a16="http://schemas.microsoft.com/office/drawing/2014/main" xmlns="" id="{C2F572A8-FFF0-4736-BA07-19DD78D4F3C1}"/>
                 </a:ext>
               </a:extLst>
             </p:cNvPr>
@@ -25189,7 +29224,7 @@
           <p:cNvPr id="138" name="Grupo 6">
             <a:extLst>
               <a:ext uri="{FF2B5EF4-FFF2-40B4-BE49-F238E27FC236}">
-                <a16:creationId xmlns:a16="http://schemas.microsoft.com/office/drawing/2014/main" id="{75C2D647-409E-4172-B46A-FF0596D1F214}"/>
+                <a16:creationId xmlns:a16="http://schemas.microsoft.com/office/drawing/2014/main" xmlns="" id="{75C2D647-409E-4172-B46A-FF0596D1F214}"/>
               </a:ext>
             </a:extLst>
           </p:cNvPr>
@@ -25209,7 +29244,7 @@
             <p:cNvPr id="139" name="Retângulo de cantos arredondados 1">
               <a:extLst>
                 <a:ext uri="{FF2B5EF4-FFF2-40B4-BE49-F238E27FC236}">
-                  <a16:creationId xmlns:a16="http://schemas.microsoft.com/office/drawing/2014/main" id="{8587315D-A88A-4762-8161-0A8A92A83C12}"/>
+                  <a16:creationId xmlns:a16="http://schemas.microsoft.com/office/drawing/2014/main" xmlns="" id="{8587315D-A88A-4762-8161-0A8A92A83C12}"/>
                 </a:ext>
               </a:extLst>
             </p:cNvPr>
@@ -25272,7 +29307,7 @@
             <p:cNvPr id="140" name="Grupo 2">
               <a:extLst>
                 <a:ext uri="{FF2B5EF4-FFF2-40B4-BE49-F238E27FC236}">
-                  <a16:creationId xmlns:a16="http://schemas.microsoft.com/office/drawing/2014/main" id="{B5BAB782-FA12-4BD0-A819-7BC7035054C8}"/>
+                  <a16:creationId xmlns:a16="http://schemas.microsoft.com/office/drawing/2014/main" xmlns="" id="{B5BAB782-FA12-4BD0-A819-7BC7035054C8}"/>
                 </a:ext>
               </a:extLst>
             </p:cNvPr>
@@ -25292,7 +29327,7 @@
               <p:cNvPr id="141" name="Grupo 50">
                 <a:extLst>
                   <a:ext uri="{FF2B5EF4-FFF2-40B4-BE49-F238E27FC236}">
-                    <a16:creationId xmlns:a16="http://schemas.microsoft.com/office/drawing/2014/main" id="{BB410D9A-9F38-4E4A-8444-A59EAC7D0053}"/>
+                    <a16:creationId xmlns:a16="http://schemas.microsoft.com/office/drawing/2014/main" xmlns="" id="{BB410D9A-9F38-4E4A-8444-A59EAC7D0053}"/>
                   </a:ext>
                 </a:extLst>
               </p:cNvPr>
@@ -25312,7 +29347,7 @@
                 <p:cNvPr id="168" name="Retângulo 167">
                   <a:extLst>
                     <a:ext uri="{FF2B5EF4-FFF2-40B4-BE49-F238E27FC236}">
-                      <a16:creationId xmlns:a16="http://schemas.microsoft.com/office/drawing/2014/main" id="{9EE247DF-6E8F-4774-976C-A0BC34746A76}"/>
+                      <a16:creationId xmlns:a16="http://schemas.microsoft.com/office/drawing/2014/main" xmlns="" id="{9EE247DF-6E8F-4774-976C-A0BC34746A76}"/>
                     </a:ext>
                   </a:extLst>
                 </p:cNvPr>
@@ -25364,7 +29399,7 @@
                 <p:cNvPr id="169" name="Forma Livre: Forma 46">
                   <a:extLst>
                     <a:ext uri="{FF2B5EF4-FFF2-40B4-BE49-F238E27FC236}">
-                      <a16:creationId xmlns:a16="http://schemas.microsoft.com/office/drawing/2014/mai